--- a/Doc/Pre.pptx
+++ b/Doc/Pre.pptx
@@ -10,6 +10,13 @@
     <p:sldId id="258" r:id="rId4"/>
     <p:sldId id="259" r:id="rId5"/>
     <p:sldId id="260" r:id="rId6"/>
+    <p:sldId id="261" r:id="rId7"/>
+    <p:sldId id="262" r:id="rId8"/>
+    <p:sldId id="264" r:id="rId9"/>
+    <p:sldId id="265" r:id="rId10"/>
+    <p:sldId id="266" r:id="rId11"/>
+    <p:sldId id="267" r:id="rId12"/>
+    <p:sldId id="268" r:id="rId13"/>
   </p:sldIdLst>
   <p:sldSz cx="12192000" cy="6858000"/>
   <p:notesSz cx="6858000" cy="9144000"/>
@@ -286,7 +293,7 @@
             <a:fld id="{87DE6118-2437-4B30-8E3C-4D2BE6020583}" type="datetimeFigureOut">
               <a:rPr lang="en-US" dirty="0"/>
               <a:pPr/>
-              <a:t>9/23/19</a:t>
+              <a:t>9/23/2019</a:t>
             </a:fld>
             <a:endParaRPr lang="en-US" dirty="0"/>
           </a:p>
@@ -612,7 +619,7 @@
           <a:p>
             <a:fld id="{87DE6118-2437-4B30-8E3C-4D2BE6020583}" type="datetimeFigureOut">
               <a:rPr lang="en-US" dirty="0"/>
-              <a:t>9/23/19</a:t>
+              <a:t>9/23/2019</a:t>
             </a:fld>
             <a:endParaRPr lang="en-US" dirty="0"/>
           </a:p>
@@ -787,7 +794,7 @@
           <a:p>
             <a:fld id="{87DE6118-2437-4B30-8E3C-4D2BE6020583}" type="datetimeFigureOut">
               <a:rPr lang="en-US" dirty="0"/>
-              <a:t>9/23/19</a:t>
+              <a:t>9/23/2019</a:t>
             </a:fld>
             <a:endParaRPr lang="en-US" dirty="0"/>
           </a:p>
@@ -952,7 +959,7 @@
           <a:p>
             <a:fld id="{87DE6118-2437-4B30-8E3C-4D2BE6020583}" type="datetimeFigureOut">
               <a:rPr lang="en-US" dirty="0"/>
-              <a:t>9/23/19</a:t>
+              <a:t>9/23/2019</a:t>
             </a:fld>
             <a:endParaRPr lang="en-US" dirty="0"/>
           </a:p>
@@ -1225,7 +1232,7 @@
             <a:fld id="{87DE6118-2437-4B30-8E3C-4D2BE6020583}" type="datetimeFigureOut">
               <a:rPr lang="en-US" dirty="0"/>
               <a:pPr/>
-              <a:t>9/23/19</a:t>
+              <a:t>9/23/2019</a:t>
             </a:fld>
             <a:endParaRPr lang="en-US" dirty="0"/>
           </a:p>
@@ -1615,7 +1622,7 @@
           <a:p>
             <a:fld id="{87DE6118-2437-4B30-8E3C-4D2BE6020583}" type="datetimeFigureOut">
               <a:rPr lang="en-US" dirty="0"/>
-              <a:t>9/23/19</a:t>
+              <a:t>9/23/2019</a:t>
             </a:fld>
             <a:endParaRPr lang="en-US" dirty="0"/>
           </a:p>
@@ -2087,7 +2094,7 @@
           <a:p>
             <a:fld id="{87DE6118-2437-4B30-8E3C-4D2BE6020583}" type="datetimeFigureOut">
               <a:rPr lang="en-US" dirty="0"/>
-              <a:t>9/23/19</a:t>
+              <a:t>9/23/2019</a:t>
             </a:fld>
             <a:endParaRPr lang="en-US" dirty="0"/>
           </a:p>
@@ -2200,7 +2207,7 @@
           <a:p>
             <a:fld id="{87DE6118-2437-4B30-8E3C-4D2BE6020583}" type="datetimeFigureOut">
               <a:rPr lang="en-US" dirty="0"/>
-              <a:t>9/23/19</a:t>
+              <a:t>9/23/2019</a:t>
             </a:fld>
             <a:endParaRPr lang="en-US" dirty="0"/>
           </a:p>
@@ -2290,7 +2297,7 @@
           <a:p>
             <a:fld id="{87DE6118-2437-4B30-8E3C-4D2BE6020583}" type="datetimeFigureOut">
               <a:rPr lang="en-US" dirty="0"/>
-              <a:t>9/23/19</a:t>
+              <a:t>9/23/2019</a:t>
             </a:fld>
             <a:endParaRPr lang="en-US" dirty="0"/>
           </a:p>
@@ -2632,7 +2639,7 @@
             <a:fld id="{87DE6118-2437-4B30-8E3C-4D2BE6020583}" type="datetimeFigureOut">
               <a:rPr lang="en-US" dirty="0"/>
               <a:pPr/>
-              <a:t>9/23/19</a:t>
+              <a:t>9/23/2019</a:t>
             </a:fld>
             <a:endParaRPr lang="en-US" dirty="0"/>
           </a:p>
@@ -3017,7 +3024,7 @@
             <a:fld id="{87DE6118-2437-4B30-8E3C-4D2BE6020583}" type="datetimeFigureOut">
               <a:rPr lang="en-US" dirty="0"/>
               <a:pPr/>
-              <a:t>9/23/19</a:t>
+              <a:t>9/23/2019</a:t>
             </a:fld>
             <a:endParaRPr lang="en-US" dirty="0"/>
           </a:p>
@@ -3292,7 +3299,7 @@
             <a:fld id="{87DE6118-2437-4B30-8E3C-4D2BE6020583}" type="datetimeFigureOut">
               <a:rPr lang="en-US" dirty="0"/>
               <a:pPr/>
-              <a:t>9/23/19</a:t>
+              <a:t>9/23/2019</a:t>
             </a:fld>
             <a:endParaRPr lang="en-US" dirty="0"/>
           </a:p>
@@ -3866,6 +3873,1267 @@
 </p:sld>
 </file>
 
+<file path=ppt/slides/slide10.xml><?xml version="1.0" encoding="utf-8"?>
+<p:sld xmlns:a="http://schemas.openxmlformats.org/drawingml/2006/main" xmlns:r="http://schemas.openxmlformats.org/officeDocument/2006/relationships" xmlns:p="http://schemas.openxmlformats.org/presentationml/2006/main">
+  <p:cSld>
+    <p:spTree>
+      <p:nvGrpSpPr>
+        <p:cNvPr id="1" name=""/>
+        <p:cNvGrpSpPr/>
+        <p:nvPr/>
+      </p:nvGrpSpPr>
+      <p:grpSpPr>
+        <a:xfrm>
+          <a:off x="0" y="0"/>
+          <a:ext cx="0" cy="0"/>
+          <a:chOff x="0" y="0"/>
+          <a:chExt cx="0" cy="0"/>
+        </a:xfrm>
+      </p:grpSpPr>
+      <p:sp>
+        <p:nvSpPr>
+          <p:cNvPr id="2" name="标题 1">
+            <a:extLst>
+              <a:ext uri="{FF2B5EF4-FFF2-40B4-BE49-F238E27FC236}">
+                <a16:creationId xmlns:a16="http://schemas.microsoft.com/office/drawing/2014/main" id="{814A3B83-F138-4CA9-ACDF-FD6D4313F32F}"/>
+              </a:ext>
+            </a:extLst>
+          </p:cNvPr>
+          <p:cNvSpPr>
+            <a:spLocks noGrp="1"/>
+          </p:cNvSpPr>
+          <p:nvPr>
+            <p:ph type="title"/>
+          </p:nvPr>
+        </p:nvSpPr>
+        <p:spPr/>
+        <p:txBody>
+          <a:bodyPr/>
+          <a:lstStyle/>
+          <a:p>
+            <a:r>
+              <a:rPr lang="zh-CN" altLang="en-US" dirty="0"/>
+              <a:t>限制放松 </a:t>
+            </a:r>
+            <a:r>
+              <a:rPr lang="en-US" altLang="zh-CN" dirty="0"/>
+              <a:t>&amp; </a:t>
+            </a:r>
+            <a:r>
+              <a:rPr lang="zh-CN" altLang="en-US" dirty="0"/>
+              <a:t>梯度下降</a:t>
+            </a:r>
+          </a:p>
+        </p:txBody>
+      </p:sp>
+      <mc:AlternateContent xmlns:mc="http://schemas.openxmlformats.org/markup-compatibility/2006">
+        <mc:Choice xmlns:a14="http://schemas.microsoft.com/office/drawing/2010/main" Requires="a14">
+          <p:sp>
+            <p:nvSpPr>
+              <p:cNvPr id="3" name="竖排文字占位符 2">
+                <a:extLst>
+                  <a:ext uri="{FF2B5EF4-FFF2-40B4-BE49-F238E27FC236}">
+                    <a16:creationId xmlns:a16="http://schemas.microsoft.com/office/drawing/2014/main" id="{0DDDBC52-1374-4382-8C40-20FF63549B08}"/>
+                  </a:ext>
+                </a:extLst>
+              </p:cNvPr>
+              <p:cNvSpPr>
+                <a:spLocks noGrp="1"/>
+              </p:cNvSpPr>
+              <p:nvPr>
+                <p:ph type="body" orient="vert" idx="1"/>
+              </p:nvPr>
+            </p:nvSpPr>
+            <p:spPr>
+              <a:xfrm>
+                <a:off x="1371600" y="2027583"/>
+                <a:ext cx="9601200" cy="4253947"/>
+              </a:xfrm>
+            </p:spPr>
+            <p:txBody>
+              <a:bodyPr vert="horz">
+                <a:normAutofit/>
+              </a:bodyPr>
+              <a:lstStyle/>
+              <a:p>
+                <a:r>
+                  <a:rPr lang="zh-CN" altLang="en-US" dirty="0"/>
+                  <a:t>本质上是一个 </a:t>
+                </a:r>
+                <a:r>
+                  <a:rPr lang="en-US" altLang="zh-CN" dirty="0"/>
+                  <a:t>01 </a:t>
+                </a:r>
+                <a:r>
+                  <a:rPr lang="zh-CN" altLang="en-US" dirty="0"/>
+                  <a:t>规划问题：</a:t>
+                </a:r>
+                <a:endParaRPr lang="en-US" altLang="zh-CN" dirty="0"/>
+              </a:p>
+              <a:p>
+                <a:pPr marL="987552" lvl="2" indent="0">
+                  <a:buNone/>
+                </a:pPr>
+                <a14:m>
+                  <m:oMathPara xmlns:m="http://schemas.openxmlformats.org/officeDocument/2006/math">
+                    <m:oMathParaPr>
+                      <m:jc m:val="centerGroup"/>
+                    </m:oMathParaPr>
+                    <m:oMath xmlns:m="http://schemas.openxmlformats.org/officeDocument/2006/math">
+                      <m:sSup>
+                        <m:sSupPr>
+                          <m:ctrlPr>
+                            <a:rPr lang="en-US" altLang="zh-CN" i="1">
+                              <a:latin typeface="Cambria Math" panose="02040503050406030204" pitchFamily="18" charset="0"/>
+                            </a:rPr>
+                          </m:ctrlPr>
+                        </m:sSupPr>
+                        <m:e>
+                          <m:r>
+                            <a:rPr lang="en-US" altLang="zh-CN" b="0" i="1" smtClean="0">
+                              <a:latin typeface="Cambria Math" panose="02040503050406030204" pitchFamily="18" charset="0"/>
+                            </a:rPr>
+                            <m:t>𝑊</m:t>
+                          </m:r>
+                        </m:e>
+                        <m:sup>
+                          <m:r>
+                            <a:rPr lang="en-US" altLang="zh-CN" i="1">
+                              <a:latin typeface="Cambria Math" panose="02040503050406030204" pitchFamily="18" charset="0"/>
+                            </a:rPr>
+                            <m:t>∗</m:t>
+                          </m:r>
+                        </m:sup>
+                      </m:sSup>
+                      <m:r>
+                        <a:rPr lang="en-US" altLang="zh-CN" i="1">
+                          <a:latin typeface="Cambria Math" panose="02040503050406030204" pitchFamily="18" charset="0"/>
+                        </a:rPr>
+                        <m:t>=</m:t>
+                      </m:r>
+                      <m:r>
+                        <a:rPr lang="en-US" altLang="zh-CN" i="1">
+                          <a:latin typeface="Cambria Math" panose="02040503050406030204" pitchFamily="18" charset="0"/>
+                        </a:rPr>
+                        <m:t>𝑎𝑟𝑔𝑚𝑖𝑛</m:t>
+                      </m:r>
+                      <m:r>
+                        <a:rPr lang="en-US" altLang="zh-CN" i="1">
+                          <a:latin typeface="Cambria Math" panose="02040503050406030204" pitchFamily="18" charset="0"/>
+                        </a:rPr>
+                        <m:t> </m:t>
+                      </m:r>
+                      <m:r>
+                        <a:rPr lang="en-US" altLang="zh-CN" i="1">
+                          <a:latin typeface="Cambria Math" panose="02040503050406030204" pitchFamily="18" charset="0"/>
+                        </a:rPr>
+                        <m:t>𝐿𝑜𝑠𝑠</m:t>
+                      </m:r>
+                      <m:d>
+                        <m:dPr>
+                          <m:ctrlPr>
+                            <a:rPr lang="en-US" altLang="zh-CN" i="1">
+                              <a:latin typeface="Cambria Math" panose="02040503050406030204" pitchFamily="18" charset="0"/>
+                            </a:rPr>
+                          </m:ctrlPr>
+                        </m:dPr>
+                        <m:e>
+                          <m:r>
+                            <a:rPr lang="en-US" altLang="zh-CN" i="1">
+                              <a:latin typeface="Cambria Math" panose="02040503050406030204" pitchFamily="18" charset="0"/>
+                            </a:rPr>
+                            <m:t>𝐹</m:t>
+                          </m:r>
+                          <m:d>
+                            <m:dPr>
+                              <m:ctrlPr>
+                                <a:rPr lang="en-US" altLang="zh-CN" i="1">
+                                  <a:latin typeface="Cambria Math" panose="02040503050406030204" pitchFamily="18" charset="0"/>
+                                </a:rPr>
+                              </m:ctrlPr>
+                            </m:dPr>
+                            <m:e>
+                              <m:r>
+                                <a:rPr lang="en-US" altLang="zh-CN" i="1">
+                                  <a:latin typeface="Cambria Math" panose="02040503050406030204" pitchFamily="18" charset="0"/>
+                                </a:rPr>
+                                <m:t>𝑋</m:t>
+                              </m:r>
+                              <m:r>
+                                <a:rPr lang="en-US" altLang="zh-CN" i="1">
+                                  <a:latin typeface="Cambria Math" panose="02040503050406030204" pitchFamily="18" charset="0"/>
+                                </a:rPr>
+                                <m:t>;</m:t>
+                              </m:r>
+                              <m:r>
+                                <a:rPr lang="en-US" altLang="zh-CN" b="0" i="1" smtClean="0">
+                                  <a:latin typeface="Cambria Math" panose="02040503050406030204" pitchFamily="18" charset="0"/>
+                                </a:rPr>
+                                <m:t>𝑊</m:t>
+                              </m:r>
+                            </m:e>
+                          </m:d>
+                          <m:r>
+                            <a:rPr lang="en-US" altLang="zh-CN" i="1">
+                              <a:latin typeface="Cambria Math" panose="02040503050406030204" pitchFamily="18" charset="0"/>
+                            </a:rPr>
+                            <m:t>,</m:t>
+                          </m:r>
+                          <m:r>
+                            <a:rPr lang="en-US" altLang="zh-CN" i="1">
+                              <a:latin typeface="Cambria Math" panose="02040503050406030204" pitchFamily="18" charset="0"/>
+                            </a:rPr>
+                            <m:t>𝑌</m:t>
+                          </m:r>
+                        </m:e>
+                      </m:d>
+                      <m:r>
+                        <a:rPr lang="en-US" altLang="zh-CN" i="1">
+                          <a:latin typeface="Cambria Math" panose="02040503050406030204" pitchFamily="18" charset="0"/>
+                        </a:rPr>
+                        <m:t>, </m:t>
+                      </m:r>
+                      <m:sSub>
+                        <m:sSubPr>
+                          <m:ctrlPr>
+                            <a:rPr lang="en-US" altLang="zh-CN" i="1">
+                              <a:latin typeface="Cambria Math" panose="02040503050406030204" pitchFamily="18" charset="0"/>
+                            </a:rPr>
+                          </m:ctrlPr>
+                        </m:sSubPr>
+                        <m:e>
+                          <m:r>
+                            <a:rPr lang="en-US" altLang="zh-CN" i="1">
+                              <a:latin typeface="Cambria Math" panose="02040503050406030204" pitchFamily="18" charset="0"/>
+                            </a:rPr>
+                            <m:t>∀</m:t>
+                          </m:r>
+                          <m:r>
+                            <a:rPr lang="en-US" altLang="zh-CN" i="1">
+                              <a:latin typeface="Cambria Math" panose="02040503050406030204" pitchFamily="18" charset="0"/>
+                            </a:rPr>
+                            <m:t>𝑖</m:t>
+                          </m:r>
+                          <m:r>
+                            <a:rPr lang="en-US" altLang="zh-CN" i="1">
+                              <a:latin typeface="Cambria Math" panose="02040503050406030204" pitchFamily="18" charset="0"/>
+                            </a:rPr>
+                            <m:t>, </m:t>
+                          </m:r>
+                          <m:r>
+                            <a:rPr lang="en-US" altLang="zh-CN" i="1">
+                              <a:latin typeface="Cambria Math" panose="02040503050406030204" pitchFamily="18" charset="0"/>
+                            </a:rPr>
+                            <m:t>𝑤</m:t>
+                          </m:r>
+                        </m:e>
+                        <m:sub>
+                          <m:r>
+                            <a:rPr lang="en-US" altLang="zh-CN" i="1">
+                              <a:latin typeface="Cambria Math" panose="02040503050406030204" pitchFamily="18" charset="0"/>
+                            </a:rPr>
+                            <m:t>𝑖</m:t>
+                          </m:r>
+                        </m:sub>
+                      </m:sSub>
+                      <m:r>
+                        <a:rPr lang="en-US" altLang="zh-CN" i="1">
+                          <a:latin typeface="Cambria Math" panose="02040503050406030204" pitchFamily="18" charset="0"/>
+                        </a:rPr>
+                        <m:t>∈{0, 1}</m:t>
+                      </m:r>
+                    </m:oMath>
+                  </m:oMathPara>
+                </a14:m>
+                <a:endParaRPr lang="en-US" altLang="zh-CN" dirty="0"/>
+              </a:p>
+              <a:p>
+                <a:endParaRPr lang="en-US" altLang="zh-CN" dirty="0"/>
+              </a:p>
+              <a:p>
+                <a:r>
+                  <a:rPr lang="zh-CN" altLang="en-US" dirty="0"/>
+                  <a:t>放松 </a:t>
+                </a:r>
+                <a14:m>
+                  <m:oMath xmlns:m="http://schemas.openxmlformats.org/officeDocument/2006/math">
+                    <m:sSub>
+                      <m:sSubPr>
+                        <m:ctrlPr>
+                          <a:rPr lang="en-US" altLang="zh-CN" b="0" i="1" smtClean="0">
+                            <a:latin typeface="Cambria Math" panose="02040503050406030204" pitchFamily="18" charset="0"/>
+                          </a:rPr>
+                        </m:ctrlPr>
+                      </m:sSubPr>
+                      <m:e>
+                        <m:r>
+                          <a:rPr lang="en-US" altLang="zh-CN" b="0" i="1" smtClean="0">
+                            <a:latin typeface="Cambria Math" panose="02040503050406030204" pitchFamily="18" charset="0"/>
+                          </a:rPr>
+                          <m:t>𝑤</m:t>
+                        </m:r>
+                      </m:e>
+                      <m:sub>
+                        <m:r>
+                          <a:rPr lang="en-US" altLang="zh-CN" b="0" i="1" smtClean="0">
+                            <a:latin typeface="Cambria Math" panose="02040503050406030204" pitchFamily="18" charset="0"/>
+                          </a:rPr>
+                          <m:t>𝑖</m:t>
+                        </m:r>
+                      </m:sub>
+                    </m:sSub>
+                  </m:oMath>
+                </a14:m>
+                <a:r>
+                  <a:rPr lang="zh-CN" altLang="en-US" dirty="0"/>
+                  <a:t> 的限制，将问题变成一个普通的规划问题（不一定线性）</a:t>
+                </a:r>
+                <a:endParaRPr lang="en-US" altLang="zh-CN" dirty="0"/>
+              </a:p>
+              <a:p>
+                <a:pPr lvl="1"/>
+                <a:r>
+                  <a:rPr lang="zh-CN" altLang="en-US" dirty="0"/>
+                  <a:t>从离散问题变为连续问题</a:t>
+                </a:r>
+                <a:endParaRPr lang="en-US" altLang="zh-CN" dirty="0"/>
+              </a:p>
+              <a:p>
+                <a:pPr lvl="1"/>
+                <a:r>
+                  <a:rPr lang="zh-CN" altLang="en-US" dirty="0"/>
+                  <a:t>可以使用一些经典的优化方法</a:t>
+                </a:r>
+                <a:endParaRPr lang="en-US" altLang="zh-CN" dirty="0"/>
+              </a:p>
+              <a:p>
+                <a:endParaRPr lang="en-US" altLang="zh-CN" dirty="0"/>
+              </a:p>
+              <a:p>
+                <a:r>
+                  <a:rPr lang="zh-CN" altLang="en-US" dirty="0"/>
+                  <a:t>进一步，问题也可以理解为先对特征使用 </a:t>
+                </a:r>
+                <a14:m>
+                  <m:oMath xmlns:m="http://schemas.openxmlformats.org/officeDocument/2006/math">
+                    <m:r>
+                      <a:rPr lang="en-US" altLang="zh-CN" dirty="0">
+                        <a:latin typeface="Cambria Math" panose="02040503050406030204" pitchFamily="18" charset="0"/>
+                      </a:rPr>
+                      <m:t>𝑊</m:t>
+                    </m:r>
+                  </m:oMath>
+                </a14:m>
+                <a:r>
+                  <a:rPr lang="en-US" altLang="zh-CN" dirty="0"/>
+                  <a:t> </a:t>
+                </a:r>
+                <a:r>
+                  <a:rPr lang="zh-CN" altLang="en-US" dirty="0"/>
+                  <a:t>进行线性变换 </a:t>
+                </a:r>
+                <a14:m>
+                  <m:oMath xmlns:m="http://schemas.openxmlformats.org/officeDocument/2006/math">
+                    <m:sSubSup>
+                      <m:sSubSupPr>
+                        <m:ctrlPr>
+                          <a:rPr lang="en-US" altLang="zh-CN">
+                            <a:latin typeface="Cambria Math" panose="02040503050406030204" pitchFamily="18" charset="0"/>
+                          </a:rPr>
+                        </m:ctrlPr>
+                      </m:sSubSupPr>
+                      <m:e>
+                        <m:r>
+                          <a:rPr lang="en-US" altLang="zh-CN">
+                            <a:latin typeface="Cambria Math" panose="02040503050406030204" pitchFamily="18" charset="0"/>
+                          </a:rPr>
+                          <m:t>𝑥</m:t>
+                        </m:r>
+                      </m:e>
+                      <m:sub>
+                        <m:r>
+                          <a:rPr lang="en-US" altLang="zh-CN">
+                            <a:latin typeface="Cambria Math" panose="02040503050406030204" pitchFamily="18" charset="0"/>
+                          </a:rPr>
+                          <m:t>𝑖</m:t>
+                        </m:r>
+                      </m:sub>
+                      <m:sup>
+                        <m:r>
+                          <a:rPr lang="en-US" altLang="zh-CN">
+                            <a:latin typeface="Cambria Math" panose="02040503050406030204" pitchFamily="18" charset="0"/>
+                          </a:rPr>
+                          <m:t>∗</m:t>
+                        </m:r>
+                      </m:sup>
+                    </m:sSubSup>
+                    <m:r>
+                      <a:rPr lang="en-US" altLang="zh-CN">
+                        <a:latin typeface="Cambria Math" panose="02040503050406030204" pitchFamily="18" charset="0"/>
+                      </a:rPr>
+                      <m:t>=</m:t>
+                    </m:r>
+                    <m:sSub>
+                      <m:sSubPr>
+                        <m:ctrlPr>
+                          <a:rPr lang="en-US" altLang="zh-CN">
+                            <a:latin typeface="Cambria Math" panose="02040503050406030204" pitchFamily="18" charset="0"/>
+                          </a:rPr>
+                        </m:ctrlPr>
+                      </m:sSubPr>
+                      <m:e>
+                        <m:r>
+                          <a:rPr lang="en-US" altLang="zh-CN">
+                            <a:latin typeface="Cambria Math" panose="02040503050406030204" pitchFamily="18" charset="0"/>
+                          </a:rPr>
+                          <m:t>𝑥</m:t>
+                        </m:r>
+                      </m:e>
+                      <m:sub>
+                        <m:r>
+                          <a:rPr lang="en-US" altLang="zh-CN">
+                            <a:latin typeface="Cambria Math" panose="02040503050406030204" pitchFamily="18" charset="0"/>
+                          </a:rPr>
+                          <m:t>𝑖</m:t>
+                        </m:r>
+                      </m:sub>
+                    </m:sSub>
+                    <m:r>
+                      <a:rPr lang="en-US" altLang="zh-CN">
+                        <a:latin typeface="Cambria Math" panose="02040503050406030204" pitchFamily="18" charset="0"/>
+                      </a:rPr>
+                      <m:t>⋅</m:t>
+                    </m:r>
+                    <m:sSub>
+                      <m:sSubPr>
+                        <m:ctrlPr>
+                          <a:rPr lang="en-US" altLang="zh-CN">
+                            <a:latin typeface="Cambria Math" panose="02040503050406030204" pitchFamily="18" charset="0"/>
+                          </a:rPr>
+                        </m:ctrlPr>
+                      </m:sSubPr>
+                      <m:e>
+                        <m:r>
+                          <a:rPr lang="en-US" altLang="zh-CN">
+                            <a:latin typeface="Cambria Math" panose="02040503050406030204" pitchFamily="18" charset="0"/>
+                          </a:rPr>
+                          <m:t>𝑤</m:t>
+                        </m:r>
+                      </m:e>
+                      <m:sub>
+                        <m:r>
+                          <a:rPr lang="en-US" altLang="zh-CN">
+                            <a:latin typeface="Cambria Math" panose="02040503050406030204" pitchFamily="18" charset="0"/>
+                          </a:rPr>
+                          <m:t>𝑖</m:t>
+                        </m:r>
+                      </m:sub>
+                    </m:sSub>
+                  </m:oMath>
+                </a14:m>
+                <a:r>
+                  <a:rPr lang="zh-CN" altLang="en-US" dirty="0"/>
+                  <a:t>，得到新的特征 </a:t>
+                </a:r>
+                <a14:m>
+                  <m:oMath xmlns:m="http://schemas.openxmlformats.org/officeDocument/2006/math">
+                    <m:sSup>
+                      <m:sSupPr>
+                        <m:ctrlPr>
+                          <a:rPr lang="en-US" altLang="zh-CN">
+                            <a:latin typeface="Cambria Math" panose="02040503050406030204" pitchFamily="18" charset="0"/>
+                          </a:rPr>
+                        </m:ctrlPr>
+                      </m:sSupPr>
+                      <m:e>
+                        <m:r>
+                          <a:rPr lang="en-US" altLang="zh-CN">
+                            <a:latin typeface="Cambria Math" panose="02040503050406030204" pitchFamily="18" charset="0"/>
+                          </a:rPr>
+                          <m:t>𝑋</m:t>
+                        </m:r>
+                      </m:e>
+                      <m:sup>
+                        <m:r>
+                          <a:rPr lang="en-US" altLang="zh-CN">
+                            <a:latin typeface="Cambria Math" panose="02040503050406030204" pitchFamily="18" charset="0"/>
+                          </a:rPr>
+                          <m:t>∗</m:t>
+                        </m:r>
+                      </m:sup>
+                    </m:sSup>
+                  </m:oMath>
+                </a14:m>
+                <a:r>
+                  <a:rPr lang="zh-CN" altLang="en-US" dirty="0"/>
+                  <a:t>，我们要找到一组尽可能稀疏的 </a:t>
+                </a:r>
+                <a14:m>
+                  <m:oMath xmlns:m="http://schemas.openxmlformats.org/officeDocument/2006/math">
+                    <m:r>
+                      <a:rPr lang="en-US" altLang="zh-CN" i="1" dirty="0" smtClean="0">
+                        <a:latin typeface="Cambria Math" panose="02040503050406030204" pitchFamily="18" charset="0"/>
+                      </a:rPr>
+                      <m:t>𝑊</m:t>
+                    </m:r>
+                  </m:oMath>
+                </a14:m>
+                <a:r>
+                  <a:rPr lang="en-US" altLang="zh-CN" dirty="0"/>
+                  <a:t> </a:t>
+                </a:r>
+                <a:r>
+                  <a:rPr lang="zh-CN" altLang="en-US" dirty="0"/>
+                  <a:t>，使得 </a:t>
+                </a:r>
+                <a14:m>
+                  <m:oMath xmlns:m="http://schemas.openxmlformats.org/officeDocument/2006/math">
+                    <m:sSup>
+                      <m:sSupPr>
+                        <m:ctrlPr>
+                          <a:rPr lang="en-US" altLang="zh-CN" i="1" dirty="0" smtClean="0">
+                            <a:latin typeface="Cambria Math" panose="02040503050406030204" pitchFamily="18" charset="0"/>
+                          </a:rPr>
+                        </m:ctrlPr>
+                      </m:sSupPr>
+                      <m:e>
+                        <m:r>
+                          <a:rPr lang="en-US" altLang="zh-CN" i="1" dirty="0" smtClean="0">
+                            <a:latin typeface="Cambria Math" panose="02040503050406030204" pitchFamily="18" charset="0"/>
+                          </a:rPr>
+                          <m:t>𝑋</m:t>
+                        </m:r>
+                      </m:e>
+                      <m:sup>
+                        <m:r>
+                          <a:rPr lang="en-US" altLang="zh-CN" i="1" dirty="0" smtClean="0">
+                            <a:latin typeface="Cambria Math" panose="02040503050406030204" pitchFamily="18" charset="0"/>
+                          </a:rPr>
+                          <m:t>∗</m:t>
+                        </m:r>
+                      </m:sup>
+                    </m:sSup>
+                    <m:r>
+                      <a:rPr lang="en-US" altLang="zh-CN" i="1" dirty="0" smtClean="0">
+                        <a:latin typeface="Cambria Math" panose="02040503050406030204" pitchFamily="18" charset="0"/>
+                      </a:rPr>
+                      <m:t> </m:t>
+                    </m:r>
+                  </m:oMath>
+                </a14:m>
+                <a:r>
+                  <a:rPr lang="zh-CN" altLang="en-US" dirty="0"/>
+                  <a:t>在学习器上的分类效果更好。</a:t>
+                </a:r>
+                <a:endParaRPr lang="en-US" altLang="zh-CN" dirty="0"/>
+              </a:p>
+              <a:p>
+                <a:pPr lvl="1"/>
+                <a:endParaRPr lang="en-US" altLang="zh-CN" dirty="0"/>
+              </a:p>
+            </p:txBody>
+          </p:sp>
+        </mc:Choice>
+        <mc:Fallback>
+          <p:sp>
+            <p:nvSpPr>
+              <p:cNvPr id="3" name="竖排文字占位符 2">
+                <a:extLst>
+                  <a:ext uri="{FF2B5EF4-FFF2-40B4-BE49-F238E27FC236}">
+                    <a16:creationId xmlns:a16="http://schemas.microsoft.com/office/drawing/2014/main" id="{0DDDBC52-1374-4382-8C40-20FF63549B08}"/>
+                  </a:ext>
+                </a:extLst>
+              </p:cNvPr>
+              <p:cNvSpPr>
+                <a:spLocks noGrp="1" noRot="1" noChangeAspect="1" noMove="1" noResize="1" noEditPoints="1" noAdjustHandles="1" noChangeArrowheads="1" noChangeShapeType="1" noTextEdit="1"/>
+              </p:cNvSpPr>
+              <p:nvPr>
+                <p:ph type="body" orient="vert" idx="1"/>
+              </p:nvPr>
+            </p:nvSpPr>
+            <p:spPr>
+              <a:xfrm>
+                <a:off x="1371600" y="2027583"/>
+                <a:ext cx="9601200" cy="4253947"/>
+              </a:xfrm>
+              <a:blipFill>
+                <a:blip r:embed="rId2"/>
+                <a:stretch>
+                  <a:fillRect l="-571" t="-1435" r="-254"/>
+                </a:stretch>
+              </a:blipFill>
+            </p:spPr>
+            <p:txBody>
+              <a:bodyPr/>
+              <a:lstStyle/>
+              <a:p>
+                <a:r>
+                  <a:rPr lang="zh-CN" altLang="en-US">
+                    <a:noFill/>
+                  </a:rPr>
+                  <a:t> </a:t>
+                </a:r>
+              </a:p>
+            </p:txBody>
+          </p:sp>
+        </mc:Fallback>
+      </mc:AlternateContent>
+    </p:spTree>
+    <p:extLst>
+      <p:ext uri="{BB962C8B-B14F-4D97-AF65-F5344CB8AC3E}">
+        <p14:creationId xmlns:p14="http://schemas.microsoft.com/office/powerpoint/2010/main" val="926864695"/>
+      </p:ext>
+    </p:extLst>
+  </p:cSld>
+  <p:clrMapOvr>
+    <a:masterClrMapping/>
+  </p:clrMapOvr>
+</p:sld>
+</file>
+
+<file path=ppt/slides/slide11.xml><?xml version="1.0" encoding="utf-8"?>
+<p:sld xmlns:a="http://schemas.openxmlformats.org/drawingml/2006/main" xmlns:r="http://schemas.openxmlformats.org/officeDocument/2006/relationships" xmlns:p="http://schemas.openxmlformats.org/presentationml/2006/main">
+  <p:cSld>
+    <p:spTree>
+      <p:nvGrpSpPr>
+        <p:cNvPr id="1" name=""/>
+        <p:cNvGrpSpPr/>
+        <p:nvPr/>
+      </p:nvGrpSpPr>
+      <p:grpSpPr>
+        <a:xfrm>
+          <a:off x="0" y="0"/>
+          <a:ext cx="0" cy="0"/>
+          <a:chOff x="0" y="0"/>
+          <a:chExt cx="0" cy="0"/>
+        </a:xfrm>
+      </p:grpSpPr>
+      <p:sp>
+        <p:nvSpPr>
+          <p:cNvPr id="2" name="标题 1">
+            <a:extLst>
+              <a:ext uri="{FF2B5EF4-FFF2-40B4-BE49-F238E27FC236}">
+                <a16:creationId xmlns:a16="http://schemas.microsoft.com/office/drawing/2014/main" id="{814A3B83-F138-4CA9-ACDF-FD6D4313F32F}"/>
+              </a:ext>
+            </a:extLst>
+          </p:cNvPr>
+          <p:cNvSpPr>
+            <a:spLocks noGrp="1"/>
+          </p:cNvSpPr>
+          <p:nvPr>
+            <p:ph type="title"/>
+          </p:nvPr>
+        </p:nvSpPr>
+        <p:spPr/>
+        <p:txBody>
+          <a:bodyPr/>
+          <a:lstStyle/>
+          <a:p>
+            <a:r>
+              <a:rPr lang="en-US" altLang="zh-CN" dirty="0"/>
+              <a:t>Lasso</a:t>
+            </a:r>
+            <a:r>
+              <a:rPr lang="zh-CN" altLang="en-US" dirty="0"/>
+              <a:t>回归</a:t>
+            </a:r>
+          </a:p>
+        </p:txBody>
+      </p:sp>
+      <mc:AlternateContent xmlns:mc="http://schemas.openxmlformats.org/markup-compatibility/2006">
+        <mc:Choice xmlns:a14="http://schemas.microsoft.com/office/drawing/2010/main" Requires="a14">
+          <p:sp>
+            <p:nvSpPr>
+              <p:cNvPr id="3" name="竖排文字占位符 2">
+                <a:extLst>
+                  <a:ext uri="{FF2B5EF4-FFF2-40B4-BE49-F238E27FC236}">
+                    <a16:creationId xmlns:a16="http://schemas.microsoft.com/office/drawing/2014/main" id="{0DDDBC52-1374-4382-8C40-20FF63549B08}"/>
+                  </a:ext>
+                </a:extLst>
+              </p:cNvPr>
+              <p:cNvSpPr>
+                <a:spLocks noGrp="1"/>
+              </p:cNvSpPr>
+              <p:nvPr>
+                <p:ph type="body" orient="vert" idx="1"/>
+              </p:nvPr>
+            </p:nvSpPr>
+            <p:spPr/>
+            <p:txBody>
+              <a:bodyPr vert="horz">
+                <a:normAutofit/>
+              </a:bodyPr>
+              <a:lstStyle/>
+              <a:p>
+                <a:r>
+                  <a:rPr lang="zh-CN" altLang="en-US" dirty="0"/>
+                  <a:t>先做一些假设：</a:t>
+                </a:r>
+                <a:endParaRPr lang="en-US" altLang="zh-CN" dirty="0"/>
+              </a:p>
+              <a:p>
+                <a:pPr lvl="1"/>
+                <a:r>
+                  <a:rPr lang="zh-CN" altLang="en-US" dirty="0"/>
+                  <a:t>假设我们的学习器 </a:t>
+                </a:r>
+                <a14:m>
+                  <m:oMath xmlns:m="http://schemas.openxmlformats.org/officeDocument/2006/math">
+                    <m:r>
+                      <a:rPr lang="en-US" altLang="zh-CN" dirty="0">
+                        <a:latin typeface="Cambria Math" panose="02040503050406030204" pitchFamily="18" charset="0"/>
+                      </a:rPr>
+                      <m:t>𝐹</m:t>
+                    </m:r>
+                  </m:oMath>
+                </a14:m>
+                <a:r>
+                  <a:rPr lang="en-US" altLang="zh-CN" dirty="0"/>
+                  <a:t> </a:t>
+                </a:r>
+                <a:r>
+                  <a:rPr lang="zh-CN" altLang="en-US" dirty="0"/>
+                  <a:t>是线性的，如线性回归、逻辑回归</a:t>
+                </a:r>
+                <a:endParaRPr lang="en-US" altLang="zh-CN" dirty="0"/>
+              </a:p>
+              <a:p>
+                <a:pPr lvl="1"/>
+                <a:r>
+                  <a:rPr lang="zh-CN" altLang="en-US" dirty="0"/>
+                  <a:t>假设学习器学习到的权值向量为 </a:t>
+                </a:r>
+                <a14:m>
+                  <m:oMath xmlns:m="http://schemas.openxmlformats.org/officeDocument/2006/math">
+                    <m:r>
+                      <a:rPr lang="en-US" altLang="zh-CN" dirty="0">
+                        <a:latin typeface="Cambria Math" panose="02040503050406030204" pitchFamily="18" charset="0"/>
+                      </a:rPr>
+                      <m:t>𝑉</m:t>
+                    </m:r>
+                  </m:oMath>
+                </a14:m>
+                <a:endParaRPr lang="en-US" altLang="zh-CN" dirty="0"/>
+              </a:p>
+              <a:p>
+                <a:pPr lvl="1"/>
+                <a:r>
+                  <a:rPr lang="zh-CN" altLang="en-US" dirty="0"/>
+                  <a:t>学习的</a:t>
+                </a:r>
+                <a14:m>
+                  <m:oMath xmlns:m="http://schemas.openxmlformats.org/officeDocument/2006/math">
+                    <m:r>
+                      <a:rPr lang="en-US" altLang="zh-CN" dirty="0">
+                        <a:latin typeface="Cambria Math" panose="02040503050406030204" pitchFamily="18" charset="0"/>
+                      </a:rPr>
+                      <m:t> </m:t>
+                    </m:r>
+                    <m:r>
+                      <a:rPr lang="en-US" altLang="zh-CN" dirty="0">
+                        <a:latin typeface="Cambria Math" panose="02040503050406030204" pitchFamily="18" charset="0"/>
+                      </a:rPr>
+                      <m:t>𝐹</m:t>
+                    </m:r>
+                    <m:d>
+                      <m:dPr>
+                        <m:ctrlPr>
+                          <a:rPr lang="en-US" altLang="zh-CN" dirty="0">
+                            <a:latin typeface="Cambria Math" panose="02040503050406030204" pitchFamily="18" charset="0"/>
+                          </a:rPr>
+                        </m:ctrlPr>
+                      </m:dPr>
+                      <m:e>
+                        <m:sSup>
+                          <m:sSupPr>
+                            <m:ctrlPr>
+                              <a:rPr lang="en-US" altLang="zh-CN" dirty="0">
+                                <a:latin typeface="Cambria Math" panose="02040503050406030204" pitchFamily="18" charset="0"/>
+                              </a:rPr>
+                            </m:ctrlPr>
+                          </m:sSupPr>
+                          <m:e>
+                            <m:r>
+                              <a:rPr lang="en-US" altLang="zh-CN" dirty="0">
+                                <a:latin typeface="Cambria Math" panose="02040503050406030204" pitchFamily="18" charset="0"/>
+                              </a:rPr>
+                              <m:t>𝑋</m:t>
+                            </m:r>
+                          </m:e>
+                          <m:sup>
+                            <m:r>
+                              <a:rPr lang="en-US" altLang="zh-CN" dirty="0">
+                                <a:latin typeface="Cambria Math" panose="02040503050406030204" pitchFamily="18" charset="0"/>
+                              </a:rPr>
+                              <m:t>∗</m:t>
+                            </m:r>
+                          </m:sup>
+                        </m:sSup>
+                      </m:e>
+                    </m:d>
+                  </m:oMath>
+                </a14:m>
+                <a:r>
+                  <a:rPr lang="en-US" altLang="zh-CN" dirty="0"/>
+                  <a:t> </a:t>
+                </a:r>
+                <a:r>
+                  <a:rPr lang="zh-CN" altLang="en-US" dirty="0"/>
+                  <a:t>，其实就是 </a:t>
+                </a:r>
+                <a14:m>
+                  <m:oMath xmlns:m="http://schemas.openxmlformats.org/officeDocument/2006/math">
+                    <m:sSup>
+                      <m:sSupPr>
+                        <m:ctrlPr>
+                          <a:rPr lang="en-US" altLang="zh-CN" dirty="0">
+                            <a:latin typeface="Cambria Math" panose="02040503050406030204" pitchFamily="18" charset="0"/>
+                          </a:rPr>
+                        </m:ctrlPr>
+                      </m:sSupPr>
+                      <m:e>
+                        <m:r>
+                          <a:rPr lang="en-US" altLang="zh-CN" dirty="0">
+                            <a:latin typeface="Cambria Math" panose="02040503050406030204" pitchFamily="18" charset="0"/>
+                          </a:rPr>
+                          <m:t>𝐹</m:t>
+                        </m:r>
+                      </m:e>
+                      <m:sup>
+                        <m:r>
+                          <a:rPr lang="en-US" altLang="zh-CN" dirty="0">
+                            <a:latin typeface="Cambria Math" panose="02040503050406030204" pitchFamily="18" charset="0"/>
+                          </a:rPr>
+                          <m:t>’</m:t>
+                        </m:r>
+                      </m:sup>
+                    </m:sSup>
+                    <m:r>
+                      <a:rPr lang="en-US" altLang="zh-CN" dirty="0">
+                        <a:latin typeface="Cambria Math" panose="02040503050406030204" pitchFamily="18" charset="0"/>
+                      </a:rPr>
+                      <m:t>(</m:t>
+                    </m:r>
+                    <m:sSup>
+                      <m:sSupPr>
+                        <m:ctrlPr>
+                          <a:rPr lang="en-US" altLang="zh-CN" dirty="0">
+                            <a:latin typeface="Cambria Math" panose="02040503050406030204" pitchFamily="18" charset="0"/>
+                          </a:rPr>
+                        </m:ctrlPr>
+                      </m:sSupPr>
+                      <m:e>
+                        <m:r>
+                          <a:rPr lang="en-US" altLang="zh-CN" dirty="0">
+                            <a:latin typeface="Cambria Math" panose="02040503050406030204" pitchFamily="18" charset="0"/>
+                          </a:rPr>
+                          <m:t>𝑋</m:t>
+                        </m:r>
+                      </m:e>
+                      <m:sup>
+                        <m:r>
+                          <a:rPr lang="en-US" altLang="zh-CN" dirty="0">
+                            <a:latin typeface="Cambria Math" panose="02040503050406030204" pitchFamily="18" charset="0"/>
+                          </a:rPr>
+                          <m:t>∗</m:t>
+                        </m:r>
+                      </m:sup>
+                    </m:sSup>
+                    <m:r>
+                      <a:rPr lang="en-US" altLang="zh-CN" dirty="0">
+                        <a:latin typeface="Cambria Math" panose="02040503050406030204" pitchFamily="18" charset="0"/>
+                      </a:rPr>
+                      <m:t>)</m:t>
+                    </m:r>
+                  </m:oMath>
+                </a14:m>
+                <a:r>
+                  <a:rPr lang="en-US" altLang="zh-CN" dirty="0"/>
+                  <a:t> </a:t>
+                </a:r>
+                <a:r>
+                  <a:rPr lang="zh-CN" altLang="en-US" dirty="0"/>
+                  <a:t>，去寻找 </a:t>
+                </a:r>
+                <a14:m>
+                  <m:oMath xmlns:m="http://schemas.openxmlformats.org/officeDocument/2006/math">
+                    <m:sSubSup>
+                      <m:sSubSupPr>
+                        <m:ctrlPr>
+                          <a:rPr lang="en-US" altLang="zh-CN">
+                            <a:latin typeface="Cambria Math" panose="02040503050406030204" pitchFamily="18" charset="0"/>
+                          </a:rPr>
+                        </m:ctrlPr>
+                      </m:sSubSupPr>
+                      <m:e>
+                        <m:r>
+                          <m:rPr>
+                            <m:sty m:val="p"/>
+                          </m:rPr>
+                          <a:rPr lang="en-US" altLang="zh-CN" smtClean="0">
+                            <a:latin typeface="Cambria Math" panose="02040503050406030204" pitchFamily="18" charset="0"/>
+                          </a:rPr>
+                          <m:t>v</m:t>
+                        </m:r>
+                      </m:e>
+                      <m:sub>
+                        <m:r>
+                          <a:rPr lang="en-US" altLang="zh-CN">
+                            <a:latin typeface="Cambria Math" panose="02040503050406030204" pitchFamily="18" charset="0"/>
+                          </a:rPr>
+                          <m:t>𝑖</m:t>
+                        </m:r>
+                      </m:sub>
+                      <m:sup>
+                        <m:r>
+                          <a:rPr lang="en-US" altLang="zh-CN">
+                            <a:latin typeface="Cambria Math" panose="02040503050406030204" pitchFamily="18" charset="0"/>
+                          </a:rPr>
+                          <m:t>′</m:t>
+                        </m:r>
+                      </m:sup>
+                    </m:sSubSup>
+                    <m:r>
+                      <a:rPr lang="en-US" altLang="zh-CN">
+                        <a:latin typeface="Cambria Math" panose="02040503050406030204" pitchFamily="18" charset="0"/>
+                      </a:rPr>
+                      <m:t>=</m:t>
+                    </m:r>
+                    <m:sSub>
+                      <m:sSubPr>
+                        <m:ctrlPr>
+                          <a:rPr lang="en-US" altLang="zh-CN">
+                            <a:latin typeface="Cambria Math" panose="02040503050406030204" pitchFamily="18" charset="0"/>
+                          </a:rPr>
+                        </m:ctrlPr>
+                      </m:sSubPr>
+                      <m:e>
+                        <m:r>
+                          <a:rPr lang="en-US" altLang="zh-CN">
+                            <a:latin typeface="Cambria Math" panose="02040503050406030204" pitchFamily="18" charset="0"/>
+                          </a:rPr>
+                          <m:t>𝑣</m:t>
+                        </m:r>
+                      </m:e>
+                      <m:sub>
+                        <m:r>
+                          <a:rPr lang="en-US" altLang="zh-CN">
+                            <a:latin typeface="Cambria Math" panose="02040503050406030204" pitchFamily="18" charset="0"/>
+                          </a:rPr>
+                          <m:t>𝑖</m:t>
+                        </m:r>
+                      </m:sub>
+                    </m:sSub>
+                    <m:sSub>
+                      <m:sSubPr>
+                        <m:ctrlPr>
+                          <a:rPr lang="en-US" altLang="zh-CN">
+                            <a:latin typeface="Cambria Math" panose="02040503050406030204" pitchFamily="18" charset="0"/>
+                          </a:rPr>
+                        </m:ctrlPr>
+                      </m:sSubPr>
+                      <m:e>
+                        <m:r>
+                          <a:rPr lang="en-US" altLang="zh-CN">
+                            <a:latin typeface="Cambria Math" panose="02040503050406030204" pitchFamily="18" charset="0"/>
+                          </a:rPr>
+                          <m:t>𝑤</m:t>
+                        </m:r>
+                      </m:e>
+                      <m:sub>
+                        <m:r>
+                          <a:rPr lang="en-US" altLang="zh-CN">
+                            <a:latin typeface="Cambria Math" panose="02040503050406030204" pitchFamily="18" charset="0"/>
+                          </a:rPr>
+                          <m:t>𝑖</m:t>
+                        </m:r>
+                      </m:sub>
+                    </m:sSub>
+                  </m:oMath>
+                </a14:m>
+                <a:endParaRPr lang="en-US" altLang="zh-CN" dirty="0"/>
+              </a:p>
+              <a:p>
+                <a:pPr lvl="1"/>
+                <a:r>
+                  <a:rPr lang="zh-CN" altLang="en-US" dirty="0"/>
+                  <a:t>若学习得到的 </a:t>
+                </a:r>
+                <a14:m>
+                  <m:oMath xmlns:m="http://schemas.openxmlformats.org/officeDocument/2006/math">
+                    <m:sSubSup>
+                      <m:sSubSupPr>
+                        <m:ctrlPr>
+                          <a:rPr lang="en-US" altLang="zh-CN" b="0" i="1" smtClean="0">
+                            <a:latin typeface="Cambria Math" panose="02040503050406030204" pitchFamily="18" charset="0"/>
+                          </a:rPr>
+                        </m:ctrlPr>
+                      </m:sSubSupPr>
+                      <m:e>
+                        <m:r>
+                          <a:rPr lang="en-US" altLang="zh-CN" b="0" i="1" smtClean="0">
+                            <a:latin typeface="Cambria Math" panose="02040503050406030204" pitchFamily="18" charset="0"/>
+                          </a:rPr>
+                          <m:t>𝑣</m:t>
+                        </m:r>
+                      </m:e>
+                      <m:sub>
+                        <m:r>
+                          <a:rPr lang="en-US" altLang="zh-CN" b="0" i="1" smtClean="0">
+                            <a:latin typeface="Cambria Math" panose="02040503050406030204" pitchFamily="18" charset="0"/>
+                          </a:rPr>
+                          <m:t>𝑖</m:t>
+                        </m:r>
+                      </m:sub>
+                      <m:sup>
+                        <m:r>
+                          <a:rPr lang="en-US" altLang="zh-CN" b="0" i="1" smtClean="0">
+                            <a:latin typeface="Cambria Math" panose="02040503050406030204" pitchFamily="18" charset="0"/>
+                          </a:rPr>
+                          <m:t>∗</m:t>
+                        </m:r>
+                      </m:sup>
+                    </m:sSubSup>
+                  </m:oMath>
+                </a14:m>
+                <a:r>
+                  <a:rPr lang="en-US" altLang="zh-CN" dirty="0"/>
+                  <a:t> </a:t>
+                </a:r>
+                <a:r>
+                  <a:rPr lang="zh-CN" altLang="en-US" dirty="0"/>
+                  <a:t>为</a:t>
+                </a:r>
+                <a:r>
+                  <a:rPr lang="en-US" altLang="zh-CN" dirty="0"/>
+                  <a:t> 0</a:t>
+                </a:r>
+                <a:r>
+                  <a:rPr lang="zh-CN" altLang="en-US" dirty="0"/>
+                  <a:t>，即可贪心的认为 </a:t>
+                </a:r>
+                <a14:m>
+                  <m:oMath xmlns:m="http://schemas.openxmlformats.org/officeDocument/2006/math">
+                    <m:sSub>
+                      <m:sSubPr>
+                        <m:ctrlPr>
+                          <a:rPr lang="en-US" altLang="zh-CN" i="1" dirty="0" smtClean="0">
+                            <a:latin typeface="Cambria Math" panose="02040503050406030204" pitchFamily="18" charset="0"/>
+                          </a:rPr>
+                        </m:ctrlPr>
+                      </m:sSubPr>
+                      <m:e>
+                        <m:r>
+                          <a:rPr lang="en-US" altLang="zh-CN" i="1" dirty="0" smtClean="0">
+                            <a:latin typeface="Cambria Math" panose="02040503050406030204" pitchFamily="18" charset="0"/>
+                          </a:rPr>
+                          <m:t>𝑤</m:t>
+                        </m:r>
+                      </m:e>
+                      <m:sub>
+                        <m:r>
+                          <a:rPr lang="en-US" altLang="zh-CN" i="1" dirty="0" smtClean="0">
+                            <a:latin typeface="Cambria Math" panose="02040503050406030204" pitchFamily="18" charset="0"/>
+                          </a:rPr>
+                          <m:t>𝑖</m:t>
+                        </m:r>
+                      </m:sub>
+                    </m:sSub>
+                  </m:oMath>
+                </a14:m>
+                <a:r>
+                  <a:rPr lang="en-US" altLang="zh-CN" dirty="0"/>
+                  <a:t> </a:t>
+                </a:r>
+                <a:r>
+                  <a:rPr lang="zh-CN" altLang="en-US" dirty="0"/>
+                  <a:t>为 </a:t>
+                </a:r>
+                <a:r>
+                  <a:rPr lang="en-US" altLang="zh-CN" dirty="0"/>
+                  <a:t>0</a:t>
+                </a:r>
+              </a:p>
+              <a:p>
+                <a:endParaRPr lang="en-US" altLang="zh-CN" dirty="0"/>
+              </a:p>
+              <a:p>
+                <a:r>
+                  <a:rPr lang="zh-CN" altLang="en-US" dirty="0"/>
+                  <a:t>那么这其实就是 </a:t>
+                </a:r>
+                <a:r>
+                  <a:rPr lang="en-US" altLang="zh-CN" dirty="0"/>
+                  <a:t>Lasso</a:t>
+                </a:r>
+                <a:r>
+                  <a:rPr lang="zh-CN" altLang="en-US" dirty="0"/>
+                  <a:t>回归，即带有 </a:t>
+                </a:r>
+                <a:r>
+                  <a:rPr lang="en-US" altLang="zh-CN" dirty="0"/>
+                  <a:t>L1 </a:t>
+                </a:r>
+                <a:r>
+                  <a:rPr lang="zh-CN" altLang="en-US" dirty="0"/>
+                  <a:t>惩罚项的线性回归。</a:t>
+                </a:r>
+                <a:endParaRPr lang="en-US" altLang="zh-CN" dirty="0"/>
+              </a:p>
+              <a:p>
+                <a:pPr lvl="1"/>
+                <a:endParaRPr lang="en-US" altLang="zh-CN" dirty="0"/>
+              </a:p>
+              <a:p>
+                <a:pPr lvl="1"/>
+                <a:endParaRPr lang="en-US" altLang="zh-CN" dirty="0"/>
+              </a:p>
+              <a:p>
+                <a:pPr lvl="1"/>
+                <a:endParaRPr lang="en-US" altLang="zh-CN" dirty="0"/>
+              </a:p>
+              <a:p>
+                <a:endParaRPr lang="en-US" altLang="zh-CN" dirty="0"/>
+              </a:p>
+              <a:p>
+                <a:endParaRPr lang="en-US" altLang="zh-CN" dirty="0"/>
+              </a:p>
+            </p:txBody>
+          </p:sp>
+        </mc:Choice>
+        <mc:Fallback>
+          <p:sp>
+            <p:nvSpPr>
+              <p:cNvPr id="3" name="竖排文字占位符 2">
+                <a:extLst>
+                  <a:ext uri="{FF2B5EF4-FFF2-40B4-BE49-F238E27FC236}">
+                    <a16:creationId xmlns:a16="http://schemas.microsoft.com/office/drawing/2014/main" id="{0DDDBC52-1374-4382-8C40-20FF63549B08}"/>
+                  </a:ext>
+                </a:extLst>
+              </p:cNvPr>
+              <p:cNvSpPr>
+                <a:spLocks noGrp="1" noRot="1" noChangeAspect="1" noMove="1" noResize="1" noEditPoints="1" noAdjustHandles="1" noChangeArrowheads="1" noChangeShapeType="1" noTextEdit="1"/>
+              </p:cNvSpPr>
+              <p:nvPr>
+                <p:ph type="body" orient="vert" idx="1"/>
+              </p:nvPr>
+            </p:nvSpPr>
+            <p:spPr>
+              <a:blipFill>
+                <a:blip r:embed="rId2"/>
+                <a:stretch>
+                  <a:fillRect l="-571" t="-1365"/>
+                </a:stretch>
+              </a:blipFill>
+            </p:spPr>
+            <p:txBody>
+              <a:bodyPr/>
+              <a:lstStyle/>
+              <a:p>
+                <a:r>
+                  <a:rPr lang="zh-CN" altLang="en-US">
+                    <a:noFill/>
+                  </a:rPr>
+                  <a:t> </a:t>
+                </a:r>
+              </a:p>
+            </p:txBody>
+          </p:sp>
+        </mc:Fallback>
+      </mc:AlternateContent>
+    </p:spTree>
+    <p:extLst>
+      <p:ext uri="{BB962C8B-B14F-4D97-AF65-F5344CB8AC3E}">
+        <p14:creationId xmlns:p14="http://schemas.microsoft.com/office/powerpoint/2010/main" val="1801896394"/>
+      </p:ext>
+    </p:extLst>
+  </p:cSld>
+  <p:clrMapOvr>
+    <a:masterClrMapping/>
+  </p:clrMapOvr>
+</p:sld>
+</file>
+
+<file path=ppt/slides/slide12.xml><?xml version="1.0" encoding="utf-8"?>
+<p:sld xmlns:a="http://schemas.openxmlformats.org/drawingml/2006/main" xmlns:r="http://schemas.openxmlformats.org/officeDocument/2006/relationships" xmlns:p="http://schemas.openxmlformats.org/presentationml/2006/main">
+  <p:cSld>
+    <p:spTree>
+      <p:nvGrpSpPr>
+        <p:cNvPr id="1" name=""/>
+        <p:cNvGrpSpPr/>
+        <p:nvPr/>
+      </p:nvGrpSpPr>
+      <p:grpSpPr>
+        <a:xfrm>
+          <a:off x="0" y="0"/>
+          <a:ext cx="0" cy="0"/>
+          <a:chOff x="0" y="0"/>
+          <a:chExt cx="0" cy="0"/>
+        </a:xfrm>
+      </p:grpSpPr>
+      <p:sp>
+        <p:nvSpPr>
+          <p:cNvPr id="2" name="标题 1">
+            <a:extLst>
+              <a:ext uri="{FF2B5EF4-FFF2-40B4-BE49-F238E27FC236}">
+                <a16:creationId xmlns:a16="http://schemas.microsoft.com/office/drawing/2014/main" id="{3995A2AB-E5F8-49A6-975D-02C41000DE67}"/>
+              </a:ext>
+            </a:extLst>
+          </p:cNvPr>
+          <p:cNvSpPr>
+            <a:spLocks noGrp="1"/>
+          </p:cNvSpPr>
+          <p:nvPr>
+            <p:ph type="title"/>
+          </p:nvPr>
+        </p:nvSpPr>
+        <p:spPr/>
+        <p:txBody>
+          <a:bodyPr/>
+          <a:lstStyle/>
+          <a:p>
+            <a:endParaRPr lang="zh-CN" altLang="en-US"/>
+          </a:p>
+        </p:txBody>
+      </p:sp>
+      <p:sp>
+        <p:nvSpPr>
+          <p:cNvPr id="3" name="竖排文字占位符 2">
+            <a:extLst>
+              <a:ext uri="{FF2B5EF4-FFF2-40B4-BE49-F238E27FC236}">
+                <a16:creationId xmlns:a16="http://schemas.microsoft.com/office/drawing/2014/main" id="{378C13F1-0840-4C14-A612-C4C5390F746F}"/>
+              </a:ext>
+            </a:extLst>
+          </p:cNvPr>
+          <p:cNvSpPr>
+            <a:spLocks noGrp="1"/>
+          </p:cNvSpPr>
+          <p:nvPr>
+            <p:ph type="body" orient="vert" idx="1"/>
+          </p:nvPr>
+        </p:nvSpPr>
+        <p:spPr/>
+        <p:txBody>
+          <a:bodyPr/>
+          <a:lstStyle/>
+          <a:p>
+            <a:endParaRPr lang="zh-CN" altLang="en-US"/>
+          </a:p>
+        </p:txBody>
+      </p:sp>
+    </p:spTree>
+    <p:extLst>
+      <p:ext uri="{BB962C8B-B14F-4D97-AF65-F5344CB8AC3E}">
+        <p14:creationId xmlns:p14="http://schemas.microsoft.com/office/powerpoint/2010/main" val="3934815896"/>
+      </p:ext>
+    </p:extLst>
+  </p:cSld>
+  <p:clrMapOvr>
+    <a:masterClrMapping/>
+  </p:clrMapOvr>
+</p:sld>
+</file>
+
 <file path=ppt/slides/slide2.xml><?xml version="1.0" encoding="utf-8"?>
 <p:sld xmlns:a="http://schemas.openxmlformats.org/drawingml/2006/main" xmlns:r="http://schemas.openxmlformats.org/officeDocument/2006/relationships" xmlns:p="http://schemas.openxmlformats.org/presentationml/2006/main">
   <p:cSld>
@@ -4041,11 +5309,34 @@
             <a:endParaRPr kumimoji="1" lang="en-US" altLang="zh-CN" dirty="0"/>
           </a:p>
           <a:p>
+            <a:endParaRPr kumimoji="1" lang="en-US" altLang="zh-CN" dirty="0"/>
+          </a:p>
+          <a:p>
             <a:pPr lvl="1"/>
             <a:r>
               <a:rPr kumimoji="1" lang="zh-CN" altLang="en-US" dirty="0"/>
               <a:t>搜索空间随特征数量指数级别增加</a:t>
             </a:r>
+            <a:endParaRPr kumimoji="1" lang="en-US" altLang="zh-CN" dirty="0"/>
+          </a:p>
+          <a:p>
+            <a:pPr lvl="2"/>
+            <a:r>
+              <a:rPr kumimoji="1" lang="zh-CN" altLang="en-US" dirty="0"/>
+              <a:t>如何搜索、剪枝</a:t>
+            </a:r>
+            <a:endParaRPr kumimoji="1" lang="en-US" altLang="zh-CN" dirty="0"/>
+          </a:p>
+          <a:p>
+            <a:pPr lvl="2"/>
+            <a:r>
+              <a:rPr kumimoji="1" lang="zh-CN" altLang="en-US" dirty="0"/>
+              <a:t>如何防止陷入局部最优</a:t>
+            </a:r>
+            <a:endParaRPr kumimoji="1" lang="en-US" altLang="zh-CN" dirty="0"/>
+          </a:p>
+          <a:p>
+            <a:pPr lvl="2"/>
             <a:endParaRPr kumimoji="1" lang="en-US" altLang="zh-CN" dirty="0"/>
           </a:p>
           <a:p>
@@ -4732,7 +6023,9 @@
           </a:xfrm>
         </p:spPr>
         <p:txBody>
-          <a:bodyPr vert="horz"/>
+          <a:bodyPr vert="horz">
+            <a:normAutofit fontScale="92500" lnSpcReduction="20000"/>
+          </a:bodyPr>
           <a:lstStyle/>
           <a:p>
             <a:r>
@@ -4749,12 +6042,134 @@
             </a:r>
             <a:r>
               <a:rPr lang="zh-CN" altLang="en-US" dirty="0"/>
-              <a:t> 算法应用在</a:t>
-            </a:r>
-            <a:r>
-              <a:rPr lang="zh-CN" altLang="en-US"/>
-              <a:t>离散空间中。</a:t>
-            </a:r>
+              <a:t> 算法应用在离散空间中。</a:t>
+            </a:r>
+            <a:endParaRPr lang="en-US" altLang="zh-CN" dirty="0"/>
+          </a:p>
+          <a:p>
+            <a:endParaRPr lang="en-US" altLang="zh-CN" dirty="0"/>
+          </a:p>
+          <a:p>
+            <a:r>
+              <a:rPr lang="zh-CN" altLang="en-US" dirty="0"/>
+              <a:t>每棵树使用 </a:t>
+            </a:r>
+            <a:r>
+              <a:rPr lang="en-US" altLang="zh-CN" dirty="0"/>
+              <a:t>01 </a:t>
+            </a:r>
+            <a:r>
+              <a:rPr lang="zh-CN" altLang="en-US" dirty="0"/>
+              <a:t>序列编码特征筛选的状态，使用 </a:t>
+            </a:r>
+            <a:r>
+              <a:rPr lang="en-US" altLang="zh-CN" dirty="0"/>
+              <a:t>Age </a:t>
+            </a:r>
+            <a:r>
+              <a:rPr lang="zh-CN" altLang="en-US" dirty="0"/>
+              <a:t>字段作为年龄</a:t>
+            </a:r>
+            <a:endParaRPr lang="en-US" altLang="zh-CN" dirty="0"/>
+          </a:p>
+          <a:p>
+            <a:endParaRPr lang="en-US" altLang="zh-CN" dirty="0"/>
+          </a:p>
+          <a:p>
+            <a:r>
+              <a:rPr kumimoji="1" lang="zh-CN" altLang="en-US" dirty="0"/>
+              <a:t>算法流程：</a:t>
+            </a:r>
+            <a:endParaRPr kumimoji="1" lang="en-US" altLang="zh-CN" dirty="0"/>
+          </a:p>
+          <a:p>
+            <a:pPr marL="987552" lvl="1" indent="-457200">
+              <a:buFont typeface="+mj-ea"/>
+              <a:buAutoNum type="circleNumDbPlain"/>
+            </a:pPr>
+            <a:r>
+              <a:rPr kumimoji="1" lang="zh-CN" altLang="en-US" dirty="0"/>
+              <a:t>初始化森林</a:t>
+            </a:r>
+            <a:endParaRPr kumimoji="1" lang="en-US" altLang="zh-CN" dirty="0"/>
+          </a:p>
+          <a:p>
+            <a:pPr marL="987552" lvl="1" indent="-457200">
+              <a:buFont typeface="+mj-lt"/>
+              <a:buAutoNum type="circleNumDbPlain"/>
+            </a:pPr>
+            <a:r>
+              <a:rPr kumimoji="1" lang="zh-CN" altLang="en-US" dirty="0"/>
+              <a:t>局部播种：</a:t>
+            </a:r>
+            <a:r>
+              <a:rPr kumimoji="1" lang="en-US" altLang="zh-CN" dirty="0"/>
+              <a:t>LSC</a:t>
+            </a:r>
+          </a:p>
+          <a:p>
+            <a:pPr marL="987552" lvl="1" indent="-457200">
+              <a:buFont typeface="+mj-lt"/>
+              <a:buAutoNum type="circleNumDbPlain"/>
+            </a:pPr>
+            <a:r>
+              <a:rPr kumimoji="1" lang="zh-CN" altLang="en-US" dirty="0"/>
+              <a:t>限制森林大小：</a:t>
+            </a:r>
+            <a:r>
+              <a:rPr kumimoji="1" lang="en-US" altLang="zh-CN" dirty="0" err="1"/>
+              <a:t>Life_Time</a:t>
+            </a:r>
+            <a:r>
+              <a:rPr kumimoji="1" lang="en-US" altLang="zh-CN" dirty="0"/>
+              <a:t>, </a:t>
+            </a:r>
+            <a:r>
+              <a:rPr kumimoji="1" lang="en-US" altLang="zh-CN" dirty="0" err="1"/>
+              <a:t>Area_Limit</a:t>
+            </a:r>
+            <a:endParaRPr kumimoji="1" lang="en-US" altLang="zh-CN" dirty="0"/>
+          </a:p>
+          <a:p>
+            <a:pPr marL="987552" lvl="1" indent="-457200">
+              <a:buFont typeface="+mj-lt"/>
+              <a:buAutoNum type="circleNumDbPlain"/>
+            </a:pPr>
+            <a:r>
+              <a:rPr kumimoji="1" lang="zh-CN" altLang="en-US" dirty="0"/>
+              <a:t>全局播种：</a:t>
+            </a:r>
+            <a:r>
+              <a:rPr kumimoji="1" lang="en-US" altLang="zh-CN" dirty="0"/>
+              <a:t>GSC</a:t>
+            </a:r>
+          </a:p>
+          <a:p>
+            <a:pPr marL="987552" lvl="1" indent="-457200">
+              <a:buFont typeface="+mj-lt"/>
+              <a:buAutoNum type="circleNumDbPlain"/>
+            </a:pPr>
+            <a:r>
+              <a:rPr kumimoji="1" lang="zh-CN" altLang="en-US" dirty="0"/>
+              <a:t>选择最优树</a:t>
+            </a:r>
+            <a:endParaRPr lang="en-US" altLang="zh-CN" dirty="0"/>
+          </a:p>
+          <a:p>
+            <a:endParaRPr lang="en-US" altLang="zh-CN" sz="1600" dirty="0"/>
+          </a:p>
+          <a:p>
+            <a:r>
+              <a:rPr lang="en-US" altLang="zh-CN" sz="1900" dirty="0"/>
+              <a:t>https://github.com/WNJXYK/JLU_FeatureSelection/blob/master/Algorithm/FSFOA.py</a:t>
+            </a:r>
+            <a:endParaRPr lang="en-US" altLang="zh-CN" sz="2600" dirty="0"/>
+          </a:p>
+          <a:p>
+            <a:pPr marL="0" indent="0">
+              <a:buNone/>
+            </a:pPr>
+            <a:endParaRPr lang="zh-CN" altLang="en-US" dirty="0"/>
           </a:p>
           <a:p>
             <a:pPr marL="0" indent="0">
@@ -4763,43 +6178,11 @@
             <a:endParaRPr kumimoji="1" lang="en-US" altLang="zh-CN" dirty="0"/>
           </a:p>
           <a:p>
-            <a:r>
-              <a:rPr kumimoji="1" lang="zh-CN" altLang="en-US" dirty="0"/>
-              <a:t>算法流程：</a:t>
-            </a:r>
-            <a:endParaRPr kumimoji="1" lang="en-US" altLang="zh-CN" dirty="0"/>
-          </a:p>
-          <a:p>
             <a:pPr marL="987552" lvl="1" indent="-457200">
               <a:buFont typeface="+mj-lt"/>
               <a:buAutoNum type="alphaLcParenR"/>
             </a:pPr>
-            <a:r>
-              <a:rPr kumimoji="1" lang="zh-CN" altLang="en-US" dirty="0"/>
-              <a:t>初始化森林</a:t>
-            </a:r>
             <a:endParaRPr kumimoji="1" lang="en-US" altLang="zh-CN" dirty="0"/>
-          </a:p>
-          <a:p>
-            <a:pPr marL="987552" lvl="1" indent="-457200">
-              <a:buFont typeface="+mj-lt"/>
-              <a:buAutoNum type="alphaLcParenR"/>
-            </a:pPr>
-            <a:r>
-              <a:rPr kumimoji="1" lang="zh-CN" altLang="en-US" dirty="0"/>
-              <a:t>局部播种</a:t>
-            </a:r>
-            <a:endParaRPr kumimoji="1" lang="en-US" altLang="zh-CN" dirty="0"/>
-          </a:p>
-          <a:p>
-            <a:pPr marL="987552" lvl="1" indent="-457200">
-              <a:buFont typeface="+mj-lt"/>
-              <a:buAutoNum type="alphaLcParenR"/>
-            </a:pPr>
-            <a:r>
-              <a:rPr kumimoji="1" lang="zh-CN" altLang="en-US" dirty="0"/>
-              <a:t>先</a:t>
-            </a:r>
           </a:p>
         </p:txBody>
       </p:sp>
@@ -4807,6 +6190,5761 @@
     <p:extLst>
       <p:ext uri="{BB962C8B-B14F-4D97-AF65-F5344CB8AC3E}">
         <p14:creationId xmlns:p14="http://schemas.microsoft.com/office/powerpoint/2010/main" val="1181050137"/>
+      </p:ext>
+    </p:extLst>
+  </p:cSld>
+  <p:clrMapOvr>
+    <a:masterClrMapping/>
+  </p:clrMapOvr>
+</p:sld>
+</file>
+
+<file path=ppt/slides/slide6.xml><?xml version="1.0" encoding="utf-8"?>
+<p:sld xmlns:a="http://schemas.openxmlformats.org/drawingml/2006/main" xmlns:r="http://schemas.openxmlformats.org/officeDocument/2006/relationships" xmlns:p="http://schemas.openxmlformats.org/presentationml/2006/main">
+  <p:cSld>
+    <p:spTree>
+      <p:nvGrpSpPr>
+        <p:cNvPr id="1" name=""/>
+        <p:cNvGrpSpPr/>
+        <p:nvPr/>
+      </p:nvGrpSpPr>
+      <p:grpSpPr>
+        <a:xfrm>
+          <a:off x="0" y="0"/>
+          <a:ext cx="0" cy="0"/>
+          <a:chOff x="0" y="0"/>
+          <a:chExt cx="0" cy="0"/>
+        </a:xfrm>
+      </p:grpSpPr>
+      <p:sp>
+        <p:nvSpPr>
+          <p:cNvPr id="2" name="标题 1">
+            <a:extLst>
+              <a:ext uri="{FF2B5EF4-FFF2-40B4-BE49-F238E27FC236}">
+                <a16:creationId xmlns:a16="http://schemas.microsoft.com/office/drawing/2014/main" id="{B782287F-9CA4-4BAF-A53D-7851954E44BD}"/>
+              </a:ext>
+            </a:extLst>
+          </p:cNvPr>
+          <p:cNvSpPr>
+            <a:spLocks noGrp="1"/>
+          </p:cNvSpPr>
+          <p:nvPr>
+            <p:ph type="title"/>
+          </p:nvPr>
+        </p:nvSpPr>
+        <p:spPr/>
+        <p:txBody>
+          <a:bodyPr/>
+          <a:lstStyle/>
+          <a:p>
+            <a:r>
+              <a:rPr lang="en-US" altLang="zh-CN" dirty="0"/>
+              <a:t>IFSFOA</a:t>
+            </a:r>
+            <a:endParaRPr lang="zh-CN" altLang="en-US" dirty="0"/>
+          </a:p>
+        </p:txBody>
+      </p:sp>
+      <p:sp>
+        <p:nvSpPr>
+          <p:cNvPr id="3" name="竖排文字占位符 2">
+            <a:extLst>
+              <a:ext uri="{FF2B5EF4-FFF2-40B4-BE49-F238E27FC236}">
+                <a16:creationId xmlns:a16="http://schemas.microsoft.com/office/drawing/2014/main" id="{A6C54BA1-554C-46D2-9545-98ADFEDA9E01}"/>
+              </a:ext>
+            </a:extLst>
+          </p:cNvPr>
+          <p:cNvSpPr>
+            <a:spLocks noGrp="1"/>
+          </p:cNvSpPr>
+          <p:nvPr>
+            <p:ph type="body" orient="vert" idx="1"/>
+          </p:nvPr>
+        </p:nvSpPr>
+        <p:spPr>
+          <a:xfrm>
+            <a:off x="1371600" y="2171700"/>
+            <a:ext cx="9601200" cy="3695700"/>
+          </a:xfrm>
+        </p:spPr>
+        <p:txBody>
+          <a:bodyPr vert="horz">
+            <a:normAutofit/>
+          </a:bodyPr>
+          <a:lstStyle/>
+          <a:p>
+            <a:r>
+              <a:rPr lang="zh-CN" altLang="en-US" dirty="0"/>
+              <a:t>在 </a:t>
+            </a:r>
+            <a:r>
+              <a:rPr lang="en-US" altLang="zh-CN" dirty="0"/>
+              <a:t>FSFOA </a:t>
+            </a:r>
+            <a:r>
+              <a:rPr lang="zh-CN" altLang="en-US" dirty="0"/>
+              <a:t>的基础上进行改进，优化了 </a:t>
+            </a:r>
+            <a:r>
+              <a:rPr lang="en-US" altLang="zh-CN" dirty="0"/>
+              <a:t>FSFOA </a:t>
+            </a:r>
+            <a:r>
+              <a:rPr lang="zh-CN" altLang="en-US" dirty="0"/>
+              <a:t>的三个问题：</a:t>
+            </a:r>
+            <a:endParaRPr lang="en-US" altLang="zh-CN" dirty="0"/>
+          </a:p>
+          <a:p>
+            <a:pPr marL="987552" lvl="1" indent="-457200">
+              <a:buFont typeface="+mj-ea"/>
+              <a:buAutoNum type="circleNumDbPlain"/>
+            </a:pPr>
+            <a:r>
+              <a:rPr lang="zh-CN" altLang="en-US" dirty="0"/>
+              <a:t>随机的初始化森林，令性能不够稳定：前向 </a:t>
+            </a:r>
+            <a:r>
+              <a:rPr lang="en-US" altLang="zh-CN" dirty="0"/>
+              <a:t>&amp; </a:t>
+            </a:r>
+            <a:r>
+              <a:rPr lang="zh-CN" altLang="en-US" dirty="0"/>
+              <a:t>后向搜索</a:t>
+            </a:r>
+            <a:endParaRPr lang="en-US" altLang="zh-CN" dirty="0"/>
+          </a:p>
+          <a:p>
+            <a:pPr marL="987552" lvl="1" indent="-457200">
+              <a:buFont typeface="+mj-ea"/>
+              <a:buAutoNum type="circleNumDbPlain"/>
+            </a:pPr>
+            <a:r>
+              <a:rPr lang="zh-CN" altLang="en-US" dirty="0"/>
+              <a:t>优化更新机制：</a:t>
+            </a:r>
+            <a:r>
+              <a:rPr lang="en-US" altLang="zh-CN" dirty="0"/>
+              <a:t>Acc &amp; DR</a:t>
+            </a:r>
+          </a:p>
+          <a:p>
+            <a:pPr marL="987552" lvl="1" indent="-457200">
+              <a:buFont typeface="+mj-ea"/>
+              <a:buAutoNum type="circleNumDbPlain"/>
+            </a:pPr>
+            <a:r>
+              <a:rPr lang="zh-CN" altLang="en-US" dirty="0"/>
+              <a:t>极度贪婪的生成树方法</a:t>
+            </a:r>
+            <a:endParaRPr lang="en-US" altLang="zh-CN" dirty="0"/>
+          </a:p>
+          <a:p>
+            <a:pPr marL="1444752" lvl="2" indent="-457200">
+              <a:buFont typeface="+mj-ea"/>
+              <a:buAutoNum type="romanUcPeriod"/>
+            </a:pPr>
+            <a:r>
+              <a:rPr lang="en-US" altLang="zh-CN" dirty="0"/>
+              <a:t>LSC </a:t>
+            </a:r>
+            <a:r>
+              <a:rPr lang="zh-CN" altLang="en-US" dirty="0"/>
+              <a:t>个更优临近树</a:t>
+            </a:r>
+            <a:endParaRPr lang="en-US" altLang="zh-CN" dirty="0"/>
+          </a:p>
+          <a:p>
+            <a:pPr marL="1444752" lvl="2" indent="-457200">
+              <a:buFont typeface="+mj-lt"/>
+              <a:buAutoNum type="romanUcPeriod"/>
+            </a:pPr>
+            <a:r>
+              <a:rPr lang="zh-CN" altLang="en-US" dirty="0"/>
+              <a:t>修改全局播种过程，缓解贪心陷入的局部</a:t>
+            </a:r>
+            <a:endParaRPr lang="en-US" altLang="zh-CN" dirty="0"/>
+          </a:p>
+          <a:p>
+            <a:endParaRPr lang="en-US" altLang="zh-CN" dirty="0"/>
+          </a:p>
+          <a:p>
+            <a:r>
+              <a:rPr lang="en-US" altLang="zh-CN" sz="1800" dirty="0"/>
+              <a:t>https://github.com/WNJXYK/JLU_FeatureSelection/blob/master/Algorithm/IFSFOA.py</a:t>
+            </a:r>
+          </a:p>
+          <a:p>
+            <a:pPr marL="987552" lvl="2" indent="0">
+              <a:buNone/>
+            </a:pPr>
+            <a:endParaRPr lang="en-US" altLang="zh-CN" dirty="0"/>
+          </a:p>
+          <a:p>
+            <a:pPr lvl="1"/>
+            <a:endParaRPr lang="zh-CN" altLang="en-US" dirty="0"/>
+          </a:p>
+        </p:txBody>
+      </p:sp>
+    </p:spTree>
+    <p:extLst>
+      <p:ext uri="{BB962C8B-B14F-4D97-AF65-F5344CB8AC3E}">
+        <p14:creationId xmlns:p14="http://schemas.microsoft.com/office/powerpoint/2010/main" val="2372354770"/>
+      </p:ext>
+    </p:extLst>
+  </p:cSld>
+  <p:clrMapOvr>
+    <a:masterClrMapping/>
+  </p:clrMapOvr>
+</p:sld>
+</file>
+
+<file path=ppt/slides/slide7.xml><?xml version="1.0" encoding="utf-8"?>
+<p:sld xmlns:a="http://schemas.openxmlformats.org/drawingml/2006/main" xmlns:r="http://schemas.openxmlformats.org/officeDocument/2006/relationships" xmlns:p="http://schemas.openxmlformats.org/presentationml/2006/main">
+  <p:cSld>
+    <p:spTree>
+      <p:nvGrpSpPr>
+        <p:cNvPr id="1" name=""/>
+        <p:cNvGrpSpPr/>
+        <p:nvPr/>
+      </p:nvGrpSpPr>
+      <p:grpSpPr>
+        <a:xfrm>
+          <a:off x="0" y="0"/>
+          <a:ext cx="0" cy="0"/>
+          <a:chOff x="0" y="0"/>
+          <a:chExt cx="0" cy="0"/>
+        </a:xfrm>
+      </p:grpSpPr>
+      <p:sp>
+        <p:nvSpPr>
+          <p:cNvPr id="2" name="标题 1">
+            <a:extLst>
+              <a:ext uri="{FF2B5EF4-FFF2-40B4-BE49-F238E27FC236}">
+                <a16:creationId xmlns:a16="http://schemas.microsoft.com/office/drawing/2014/main" id="{3071371D-8D87-4E2F-A207-0999BAD2A661}"/>
+              </a:ext>
+            </a:extLst>
+          </p:cNvPr>
+          <p:cNvSpPr>
+            <a:spLocks noGrp="1"/>
+          </p:cNvSpPr>
+          <p:nvPr>
+            <p:ph type="title"/>
+          </p:nvPr>
+        </p:nvSpPr>
+        <p:spPr/>
+        <p:txBody>
+          <a:bodyPr/>
+          <a:lstStyle/>
+          <a:p>
+            <a:r>
+              <a:rPr lang="zh-CN" altLang="en-US" dirty="0"/>
+              <a:t>算法测试</a:t>
+            </a:r>
+          </a:p>
+        </p:txBody>
+      </p:sp>
+      <p:graphicFrame>
+        <p:nvGraphicFramePr>
+          <p:cNvPr id="7" name="表格 6">
+            <a:extLst>
+              <a:ext uri="{FF2B5EF4-FFF2-40B4-BE49-F238E27FC236}">
+                <a16:creationId xmlns:a16="http://schemas.microsoft.com/office/drawing/2014/main" id="{C0468328-FBD1-4772-A26E-D3F6BC44235D}"/>
+              </a:ext>
+            </a:extLst>
+          </p:cNvPr>
+          <p:cNvGraphicFramePr>
+            <a:graphicFrameLocks noGrp="1"/>
+          </p:cNvGraphicFramePr>
+          <p:nvPr>
+            <p:extLst>
+              <p:ext uri="{D42A27DB-BD31-4B8C-83A1-F6EECF244321}">
+                <p14:modId xmlns:p14="http://schemas.microsoft.com/office/powerpoint/2010/main" val="3119967036"/>
+              </p:ext>
+            </p:extLst>
+          </p:nvPr>
+        </p:nvGraphicFramePr>
+        <p:xfrm>
+          <a:off x="2714979" y="2540247"/>
+          <a:ext cx="7314827" cy="2798480"/>
+        </p:xfrm>
+        <a:graphic>
+          <a:graphicData uri="http://schemas.openxmlformats.org/drawingml/2006/table">
+            <a:tbl>
+              <a:tblPr>
+                <a:tableStyleId>{5C22544A-7EE6-4342-B048-85BDC9FD1C3A}</a:tableStyleId>
+              </a:tblPr>
+              <a:tblGrid>
+                <a:gridCol w="1143400">
+                  <a:extLst>
+                    <a:ext uri="{9D8B030D-6E8A-4147-A177-3AD203B41FA5}">
+                      <a16:colId xmlns:a16="http://schemas.microsoft.com/office/drawing/2014/main" val="1051084740"/>
+                    </a:ext>
+                  </a:extLst>
+                </a:gridCol>
+                <a:gridCol w="1509874">
+                  <a:extLst>
+                    <a:ext uri="{9D8B030D-6E8A-4147-A177-3AD203B41FA5}">
+                      <a16:colId xmlns:a16="http://schemas.microsoft.com/office/drawing/2014/main" val="1886214173"/>
+                    </a:ext>
+                  </a:extLst>
+                </a:gridCol>
+                <a:gridCol w="1202036">
+                  <a:extLst>
+                    <a:ext uri="{9D8B030D-6E8A-4147-A177-3AD203B41FA5}">
+                      <a16:colId xmlns:a16="http://schemas.microsoft.com/office/drawing/2014/main" val="2898317095"/>
+                    </a:ext>
+                  </a:extLst>
+                </a:gridCol>
+                <a:gridCol w="1026128">
+                  <a:extLst>
+                    <a:ext uri="{9D8B030D-6E8A-4147-A177-3AD203B41FA5}">
+                      <a16:colId xmlns:a16="http://schemas.microsoft.com/office/drawing/2014/main" val="2253019234"/>
+                    </a:ext>
+                  </a:extLst>
+                </a:gridCol>
+                <a:gridCol w="1011469">
+                  <a:extLst>
+                    <a:ext uri="{9D8B030D-6E8A-4147-A177-3AD203B41FA5}">
+                      <a16:colId xmlns:a16="http://schemas.microsoft.com/office/drawing/2014/main" val="4137860571"/>
+                    </a:ext>
+                  </a:extLst>
+                </a:gridCol>
+                <a:gridCol w="1421920">
+                  <a:extLst>
+                    <a:ext uri="{9D8B030D-6E8A-4147-A177-3AD203B41FA5}">
+                      <a16:colId xmlns:a16="http://schemas.microsoft.com/office/drawing/2014/main" val="3700679355"/>
+                    </a:ext>
+                  </a:extLst>
+                </a:gridCol>
+              </a:tblGrid>
+              <a:tr h="279848">
+                <a:tc>
+                  <a:txBody>
+                    <a:bodyPr/>
+                    <a:lstStyle/>
+                    <a:p>
+                      <a:pPr algn="l" fontAlgn="b"/>
+                      <a:r>
+                        <a:rPr lang="en-US" sz="1100" u="none" strike="noStrike">
+                          <a:effectLst/>
+                        </a:rPr>
+                        <a:t>Algorithm</a:t>
+                      </a:r>
+                      <a:endParaRPr lang="en-US" sz="1100" b="0" i="0" u="none" strike="noStrike">
+                        <a:solidFill>
+                          <a:srgbClr val="000000"/>
+                        </a:solidFill>
+                        <a:effectLst/>
+                        <a:latin typeface="等线" panose="02010600030101010101" pitchFamily="2" charset="-122"/>
+                        <a:ea typeface="等线" panose="02010600030101010101" pitchFamily="2" charset="-122"/>
+                      </a:endParaRPr>
+                    </a:p>
+                  </a:txBody>
+                  <a:tcPr marL="6350" marR="6350" marT="6350" marB="0" anchor="b"/>
+                </a:tc>
+                <a:tc>
+                  <a:txBody>
+                    <a:bodyPr/>
+                    <a:lstStyle/>
+                    <a:p>
+                      <a:pPr algn="l" fontAlgn="b"/>
+                      <a:r>
+                        <a:rPr lang="en-US" sz="1100" u="none" strike="noStrike">
+                          <a:effectLst/>
+                        </a:rPr>
+                        <a:t>Time</a:t>
+                      </a:r>
+                      <a:endParaRPr lang="en-US" sz="1100" b="0" i="0" u="none" strike="noStrike">
+                        <a:solidFill>
+                          <a:srgbClr val="000000"/>
+                        </a:solidFill>
+                        <a:effectLst/>
+                        <a:latin typeface="等线" panose="02010600030101010101" pitchFamily="2" charset="-122"/>
+                        <a:ea typeface="等线" panose="02010600030101010101" pitchFamily="2" charset="-122"/>
+                      </a:endParaRPr>
+                    </a:p>
+                  </a:txBody>
+                  <a:tcPr marL="6350" marR="6350" marT="6350" marB="0" anchor="b"/>
+                </a:tc>
+                <a:tc>
+                  <a:txBody>
+                    <a:bodyPr/>
+                    <a:lstStyle/>
+                    <a:p>
+                      <a:pPr algn="l" fontAlgn="b"/>
+                      <a:r>
+                        <a:rPr lang="en-US" sz="1100" u="none" strike="noStrike" dirty="0">
+                          <a:effectLst/>
+                        </a:rPr>
+                        <a:t>DR</a:t>
+                      </a:r>
+                      <a:endParaRPr lang="en-US" sz="1100" b="0" i="0" u="none" strike="noStrike" dirty="0">
+                        <a:solidFill>
+                          <a:srgbClr val="000000"/>
+                        </a:solidFill>
+                        <a:effectLst/>
+                        <a:latin typeface="等线" panose="02010600030101010101" pitchFamily="2" charset="-122"/>
+                        <a:ea typeface="等线" panose="02010600030101010101" pitchFamily="2" charset="-122"/>
+                      </a:endParaRPr>
+                    </a:p>
+                  </a:txBody>
+                  <a:tcPr marL="6350" marR="6350" marT="6350" marB="0" anchor="b"/>
+                </a:tc>
+                <a:tc>
+                  <a:txBody>
+                    <a:bodyPr/>
+                    <a:lstStyle/>
+                    <a:p>
+                      <a:pPr algn="l" fontAlgn="b"/>
+                      <a:r>
+                        <a:rPr lang="en-US" sz="1100" u="none" strike="noStrike">
+                          <a:effectLst/>
+                        </a:rPr>
+                        <a:t>Validation</a:t>
+                      </a:r>
+                      <a:endParaRPr lang="en-US" sz="1100" b="0" i="0" u="none" strike="noStrike">
+                        <a:solidFill>
+                          <a:srgbClr val="000000"/>
+                        </a:solidFill>
+                        <a:effectLst/>
+                        <a:latin typeface="等线" panose="02010600030101010101" pitchFamily="2" charset="-122"/>
+                        <a:ea typeface="等线" panose="02010600030101010101" pitchFamily="2" charset="-122"/>
+                      </a:endParaRPr>
+                    </a:p>
+                  </a:txBody>
+                  <a:tcPr marL="6350" marR="6350" marT="6350" marB="0" anchor="b"/>
+                </a:tc>
+                <a:tc>
+                  <a:txBody>
+                    <a:bodyPr/>
+                    <a:lstStyle/>
+                    <a:p>
+                      <a:pPr algn="l" fontAlgn="b"/>
+                      <a:r>
+                        <a:rPr lang="en-US" sz="1100" u="none" strike="noStrike" dirty="0">
+                          <a:effectLst/>
+                        </a:rPr>
+                        <a:t>Classifier</a:t>
+                      </a:r>
+                      <a:endParaRPr lang="en-US" sz="1100" b="0" i="0" u="none" strike="noStrike" dirty="0">
+                        <a:solidFill>
+                          <a:srgbClr val="000000"/>
+                        </a:solidFill>
+                        <a:effectLst/>
+                        <a:latin typeface="等线" panose="02010600030101010101" pitchFamily="2" charset="-122"/>
+                        <a:ea typeface="等线" panose="02010600030101010101" pitchFamily="2" charset="-122"/>
+                      </a:endParaRPr>
+                    </a:p>
+                  </a:txBody>
+                  <a:tcPr marL="6350" marR="6350" marT="6350" marB="0" anchor="b"/>
+                </a:tc>
+                <a:tc>
+                  <a:txBody>
+                    <a:bodyPr/>
+                    <a:lstStyle/>
+                    <a:p>
+                      <a:pPr algn="l" fontAlgn="b"/>
+                      <a:r>
+                        <a:rPr lang="en-US" sz="1100" u="none" strike="noStrike">
+                          <a:effectLst/>
+                        </a:rPr>
+                        <a:t>AC</a:t>
+                      </a:r>
+                      <a:endParaRPr lang="en-US" sz="1100" b="0" i="0" u="none" strike="noStrike">
+                        <a:solidFill>
+                          <a:srgbClr val="000000"/>
+                        </a:solidFill>
+                        <a:effectLst/>
+                        <a:latin typeface="等线" panose="02010600030101010101" pitchFamily="2" charset="-122"/>
+                        <a:ea typeface="等线" panose="02010600030101010101" pitchFamily="2" charset="-122"/>
+                      </a:endParaRPr>
+                    </a:p>
+                  </a:txBody>
+                  <a:tcPr marL="6350" marR="6350" marT="6350" marB="0" anchor="b"/>
+                </a:tc>
+                <a:extLst>
+                  <a:ext uri="{0D108BD9-81ED-4DB2-BD59-A6C34878D82A}">
+                    <a16:rowId xmlns:a16="http://schemas.microsoft.com/office/drawing/2014/main" val="153007574"/>
+                  </a:ext>
+                </a:extLst>
+              </a:tr>
+              <a:tr h="279848">
+                <a:tc>
+                  <a:txBody>
+                    <a:bodyPr/>
+                    <a:lstStyle/>
+                    <a:p>
+                      <a:pPr algn="l" fontAlgn="b"/>
+                      <a:r>
+                        <a:rPr lang="en-US" sz="1100" u="none" strike="noStrike">
+                          <a:effectLst/>
+                        </a:rPr>
+                        <a:t>FSFOA</a:t>
+                      </a:r>
+                      <a:endParaRPr lang="en-US" sz="1100" b="0" i="0" u="none" strike="noStrike">
+                        <a:solidFill>
+                          <a:srgbClr val="000000"/>
+                        </a:solidFill>
+                        <a:effectLst/>
+                        <a:latin typeface="等线" panose="02010600030101010101" pitchFamily="2" charset="-122"/>
+                        <a:ea typeface="等线" panose="02010600030101010101" pitchFamily="2" charset="-122"/>
+                      </a:endParaRPr>
+                    </a:p>
+                  </a:txBody>
+                  <a:tcPr marL="6350" marR="6350" marT="6350" marB="0" anchor="b"/>
+                </a:tc>
+                <a:tc>
+                  <a:txBody>
+                    <a:bodyPr/>
+                    <a:lstStyle/>
+                    <a:p>
+                      <a:pPr algn="r" fontAlgn="b"/>
+                      <a:r>
+                        <a:rPr lang="en-US" altLang="zh-CN" sz="1100" u="none" strike="noStrike">
+                          <a:effectLst/>
+                        </a:rPr>
+                        <a:t>18.77373528</a:t>
+                      </a:r>
+                      <a:endParaRPr lang="en-US" altLang="zh-CN" sz="1100" b="0" i="0" u="none" strike="noStrike">
+                        <a:solidFill>
+                          <a:srgbClr val="000000"/>
+                        </a:solidFill>
+                        <a:effectLst/>
+                        <a:latin typeface="等线" panose="02010600030101010101" pitchFamily="2" charset="-122"/>
+                        <a:ea typeface="等线" panose="02010600030101010101" pitchFamily="2" charset="-122"/>
+                      </a:endParaRPr>
+                    </a:p>
+                  </a:txBody>
+                  <a:tcPr marL="6350" marR="6350" marT="6350" marB="0" anchor="b"/>
+                </a:tc>
+                <a:tc>
+                  <a:txBody>
+                    <a:bodyPr/>
+                    <a:lstStyle/>
+                    <a:p>
+                      <a:pPr algn="r" fontAlgn="b"/>
+                      <a:r>
+                        <a:rPr lang="en-US" altLang="zh-CN" sz="1100" u="none" strike="noStrike" dirty="0">
+                          <a:effectLst/>
+                        </a:rPr>
+                        <a:t>0.444444444</a:t>
+                      </a:r>
+                      <a:endParaRPr lang="en-US" altLang="zh-CN" sz="1100" b="0" i="0" u="none" strike="noStrike" dirty="0">
+                        <a:solidFill>
+                          <a:srgbClr val="000000"/>
+                        </a:solidFill>
+                        <a:effectLst/>
+                        <a:latin typeface="等线" panose="02010600030101010101" pitchFamily="2" charset="-122"/>
+                        <a:ea typeface="等线" panose="02010600030101010101" pitchFamily="2" charset="-122"/>
+                      </a:endParaRPr>
+                    </a:p>
+                  </a:txBody>
+                  <a:tcPr marL="6350" marR="6350" marT="6350" marB="0" anchor="b">
+                    <a:solidFill>
+                      <a:srgbClr val="92D050"/>
+                    </a:solidFill>
+                  </a:tcPr>
+                </a:tc>
+                <a:tc>
+                  <a:txBody>
+                    <a:bodyPr/>
+                    <a:lstStyle/>
+                    <a:p>
+                      <a:pPr algn="l" fontAlgn="b"/>
+                      <a:r>
+                        <a:rPr lang="en-US" sz="1100" u="none" strike="noStrike">
+                          <a:effectLst/>
+                        </a:rPr>
+                        <a:t>10-fold</a:t>
+                      </a:r>
+                      <a:endParaRPr lang="en-US" sz="1100" b="0" i="0" u="none" strike="noStrike">
+                        <a:solidFill>
+                          <a:srgbClr val="000000"/>
+                        </a:solidFill>
+                        <a:effectLst/>
+                        <a:latin typeface="等线" panose="02010600030101010101" pitchFamily="2" charset="-122"/>
+                        <a:ea typeface="等线" panose="02010600030101010101" pitchFamily="2" charset="-122"/>
+                      </a:endParaRPr>
+                    </a:p>
+                  </a:txBody>
+                  <a:tcPr marL="6350" marR="6350" marT="6350" marB="0" anchor="b"/>
+                </a:tc>
+                <a:tc>
+                  <a:txBody>
+                    <a:bodyPr/>
+                    <a:lstStyle/>
+                    <a:p>
+                      <a:pPr algn="l" fontAlgn="b"/>
+                      <a:r>
+                        <a:rPr lang="en-US" sz="1100" u="none" strike="noStrike">
+                          <a:effectLst/>
+                        </a:rPr>
+                        <a:t>1nn</a:t>
+                      </a:r>
+                      <a:endParaRPr lang="en-US" sz="1100" b="0" i="0" u="none" strike="noStrike">
+                        <a:solidFill>
+                          <a:srgbClr val="000000"/>
+                        </a:solidFill>
+                        <a:effectLst/>
+                        <a:latin typeface="等线" panose="02010600030101010101" pitchFamily="2" charset="-122"/>
+                        <a:ea typeface="等线" panose="02010600030101010101" pitchFamily="2" charset="-122"/>
+                      </a:endParaRPr>
+                    </a:p>
+                  </a:txBody>
+                  <a:tcPr marL="6350" marR="6350" marT="6350" marB="0" anchor="b"/>
+                </a:tc>
+                <a:tc>
+                  <a:txBody>
+                    <a:bodyPr/>
+                    <a:lstStyle/>
+                    <a:p>
+                      <a:pPr algn="r" fontAlgn="b"/>
+                      <a:r>
+                        <a:rPr lang="en-US" altLang="zh-CN" sz="1100" u="none" strike="noStrike" dirty="0">
+                          <a:effectLst/>
+                        </a:rPr>
+                        <a:t>0.704397759</a:t>
+                      </a:r>
+                      <a:endParaRPr lang="en-US" altLang="zh-CN" sz="1100" b="0" i="0" u="none" strike="noStrike" dirty="0">
+                        <a:solidFill>
+                          <a:srgbClr val="006100"/>
+                        </a:solidFill>
+                        <a:effectLst/>
+                        <a:latin typeface="等线" panose="02010600030101010101" pitchFamily="2" charset="-122"/>
+                        <a:ea typeface="等线" panose="02010600030101010101" pitchFamily="2" charset="-122"/>
+                      </a:endParaRPr>
+                    </a:p>
+                  </a:txBody>
+                  <a:tcPr marL="6350" marR="6350" marT="6350" marB="0" anchor="b">
+                    <a:solidFill>
+                      <a:srgbClr val="92D050"/>
+                    </a:solidFill>
+                  </a:tcPr>
+                </a:tc>
+                <a:extLst>
+                  <a:ext uri="{0D108BD9-81ED-4DB2-BD59-A6C34878D82A}">
+                    <a16:rowId xmlns:a16="http://schemas.microsoft.com/office/drawing/2014/main" val="1475142154"/>
+                  </a:ext>
+                </a:extLst>
+              </a:tr>
+              <a:tr h="279848">
+                <a:tc>
+                  <a:txBody>
+                    <a:bodyPr/>
+                    <a:lstStyle/>
+                    <a:p>
+                      <a:pPr algn="l" fontAlgn="b"/>
+                      <a:endParaRPr lang="zh-CN" altLang="en-US" sz="1100" b="0" i="0" u="none" strike="noStrike" dirty="0">
+                        <a:solidFill>
+                          <a:srgbClr val="000000"/>
+                        </a:solidFill>
+                        <a:effectLst/>
+                        <a:latin typeface="等线" panose="02010600030101010101" pitchFamily="2" charset="-122"/>
+                        <a:ea typeface="等线" panose="02010600030101010101" pitchFamily="2" charset="-122"/>
+                      </a:endParaRPr>
+                    </a:p>
+                  </a:txBody>
+                  <a:tcPr marL="6350" marR="6350" marT="6350" marB="0" anchor="b"/>
+                </a:tc>
+                <a:tc>
+                  <a:txBody>
+                    <a:bodyPr/>
+                    <a:lstStyle/>
+                    <a:p>
+                      <a:pPr algn="r" fontAlgn="b"/>
+                      <a:r>
+                        <a:rPr lang="en-US" altLang="zh-CN" sz="1100" u="none" strike="noStrike" dirty="0">
+                          <a:effectLst/>
+                        </a:rPr>
+                        <a:t>13.80551028</a:t>
+                      </a:r>
+                      <a:endParaRPr lang="en-US" altLang="zh-CN" sz="1100" b="0" i="0" u="none" strike="noStrike" dirty="0">
+                        <a:solidFill>
+                          <a:srgbClr val="000000"/>
+                        </a:solidFill>
+                        <a:effectLst/>
+                        <a:latin typeface="等线" panose="02010600030101010101" pitchFamily="2" charset="-122"/>
+                        <a:ea typeface="等线" panose="02010600030101010101" pitchFamily="2" charset="-122"/>
+                      </a:endParaRPr>
+                    </a:p>
+                  </a:txBody>
+                  <a:tcPr marL="6350" marR="6350" marT="6350" marB="0" anchor="b"/>
+                </a:tc>
+                <a:tc>
+                  <a:txBody>
+                    <a:bodyPr/>
+                    <a:lstStyle/>
+                    <a:p>
+                      <a:pPr algn="r" fontAlgn="b"/>
+                      <a:r>
+                        <a:rPr lang="en-US" altLang="zh-CN" sz="1100" u="none" strike="noStrike">
+                          <a:effectLst/>
+                        </a:rPr>
+                        <a:t>0.388888889</a:t>
+                      </a:r>
+                      <a:endParaRPr lang="en-US" altLang="zh-CN" sz="1100" b="0" i="0" u="none" strike="noStrike">
+                        <a:solidFill>
+                          <a:srgbClr val="000000"/>
+                        </a:solidFill>
+                        <a:effectLst/>
+                        <a:latin typeface="等线" panose="02010600030101010101" pitchFamily="2" charset="-122"/>
+                        <a:ea typeface="等线" panose="02010600030101010101" pitchFamily="2" charset="-122"/>
+                      </a:endParaRPr>
+                    </a:p>
+                  </a:txBody>
+                  <a:tcPr marL="6350" marR="6350" marT="6350" marB="0" anchor="b"/>
+                </a:tc>
+                <a:tc>
+                  <a:txBody>
+                    <a:bodyPr/>
+                    <a:lstStyle/>
+                    <a:p>
+                      <a:pPr algn="l" fontAlgn="b"/>
+                      <a:r>
+                        <a:rPr lang="en-US" sz="1100" u="none" strike="noStrike">
+                          <a:effectLst/>
+                        </a:rPr>
+                        <a:t>10-fold</a:t>
+                      </a:r>
+                      <a:endParaRPr lang="en-US" sz="1100" b="0" i="0" u="none" strike="noStrike">
+                        <a:solidFill>
+                          <a:srgbClr val="000000"/>
+                        </a:solidFill>
+                        <a:effectLst/>
+                        <a:latin typeface="等线" panose="02010600030101010101" pitchFamily="2" charset="-122"/>
+                        <a:ea typeface="等线" panose="02010600030101010101" pitchFamily="2" charset="-122"/>
+                      </a:endParaRPr>
+                    </a:p>
+                  </a:txBody>
+                  <a:tcPr marL="6350" marR="6350" marT="6350" marB="0" anchor="b"/>
+                </a:tc>
+                <a:tc>
+                  <a:txBody>
+                    <a:bodyPr/>
+                    <a:lstStyle/>
+                    <a:p>
+                      <a:pPr algn="l" fontAlgn="b"/>
+                      <a:r>
+                        <a:rPr lang="en-US" sz="1100" u="none" strike="noStrike">
+                          <a:effectLst/>
+                        </a:rPr>
+                        <a:t>5nn</a:t>
+                      </a:r>
+                      <a:endParaRPr lang="en-US" sz="1100" b="0" i="0" u="none" strike="noStrike">
+                        <a:solidFill>
+                          <a:srgbClr val="000000"/>
+                        </a:solidFill>
+                        <a:effectLst/>
+                        <a:latin typeface="等线" panose="02010600030101010101" pitchFamily="2" charset="-122"/>
+                        <a:ea typeface="等线" panose="02010600030101010101" pitchFamily="2" charset="-122"/>
+                      </a:endParaRPr>
+                    </a:p>
+                  </a:txBody>
+                  <a:tcPr marL="6350" marR="6350" marT="6350" marB="0" anchor="b"/>
+                </a:tc>
+                <a:tc>
+                  <a:txBody>
+                    <a:bodyPr/>
+                    <a:lstStyle/>
+                    <a:p>
+                      <a:pPr algn="r" fontAlgn="b"/>
+                      <a:r>
+                        <a:rPr lang="en-US" altLang="zh-CN" sz="1100" u="none" strike="noStrike">
+                          <a:effectLst/>
+                        </a:rPr>
+                        <a:t>0.711554622</a:t>
+                      </a:r>
+                      <a:endParaRPr lang="en-US" altLang="zh-CN" sz="1100" b="0" i="0" u="none" strike="noStrike">
+                        <a:solidFill>
+                          <a:srgbClr val="000000"/>
+                        </a:solidFill>
+                        <a:effectLst/>
+                        <a:latin typeface="等线" panose="02010600030101010101" pitchFamily="2" charset="-122"/>
+                        <a:ea typeface="等线" panose="02010600030101010101" pitchFamily="2" charset="-122"/>
+                      </a:endParaRPr>
+                    </a:p>
+                  </a:txBody>
+                  <a:tcPr marL="6350" marR="6350" marT="6350" marB="0" anchor="b"/>
+                </a:tc>
+                <a:extLst>
+                  <a:ext uri="{0D108BD9-81ED-4DB2-BD59-A6C34878D82A}">
+                    <a16:rowId xmlns:a16="http://schemas.microsoft.com/office/drawing/2014/main" val="2724095490"/>
+                  </a:ext>
+                </a:extLst>
+              </a:tr>
+              <a:tr h="279848">
+                <a:tc>
+                  <a:txBody>
+                    <a:bodyPr/>
+                    <a:lstStyle/>
+                    <a:p>
+                      <a:pPr algn="l" fontAlgn="b"/>
+                      <a:endParaRPr lang="zh-CN" altLang="en-US" sz="1100" b="0" i="0" u="none" strike="noStrike">
+                        <a:solidFill>
+                          <a:srgbClr val="000000"/>
+                        </a:solidFill>
+                        <a:effectLst/>
+                        <a:latin typeface="等线" panose="02010600030101010101" pitchFamily="2" charset="-122"/>
+                        <a:ea typeface="等线" panose="02010600030101010101" pitchFamily="2" charset="-122"/>
+                      </a:endParaRPr>
+                    </a:p>
+                  </a:txBody>
+                  <a:tcPr marL="6350" marR="6350" marT="6350" marB="0" anchor="b"/>
+                </a:tc>
+                <a:tc>
+                  <a:txBody>
+                    <a:bodyPr/>
+                    <a:lstStyle/>
+                    <a:p>
+                      <a:pPr algn="r" fontAlgn="b"/>
+                      <a:r>
+                        <a:rPr lang="en-US" altLang="zh-CN" sz="1100" u="none" strike="noStrike">
+                          <a:effectLst/>
+                        </a:rPr>
+                        <a:t>1.174064875</a:t>
+                      </a:r>
+                      <a:endParaRPr lang="en-US" altLang="zh-CN" sz="1100" b="0" i="0" u="none" strike="noStrike">
+                        <a:solidFill>
+                          <a:srgbClr val="000000"/>
+                        </a:solidFill>
+                        <a:effectLst/>
+                        <a:latin typeface="等线" panose="02010600030101010101" pitchFamily="2" charset="-122"/>
+                        <a:ea typeface="等线" panose="02010600030101010101" pitchFamily="2" charset="-122"/>
+                      </a:endParaRPr>
+                    </a:p>
+                  </a:txBody>
+                  <a:tcPr marL="6350" marR="6350" marT="6350" marB="0" anchor="b"/>
+                </a:tc>
+                <a:tc>
+                  <a:txBody>
+                    <a:bodyPr/>
+                    <a:lstStyle/>
+                    <a:p>
+                      <a:pPr algn="r" fontAlgn="b"/>
+                      <a:r>
+                        <a:rPr lang="en-US" altLang="zh-CN" sz="1100" u="none" strike="noStrike">
+                          <a:effectLst/>
+                        </a:rPr>
+                        <a:t>0.277777778</a:t>
+                      </a:r>
+                      <a:endParaRPr lang="en-US" altLang="zh-CN" sz="1100" b="0" i="0" u="none" strike="noStrike">
+                        <a:solidFill>
+                          <a:srgbClr val="000000"/>
+                        </a:solidFill>
+                        <a:effectLst/>
+                        <a:latin typeface="等线" panose="02010600030101010101" pitchFamily="2" charset="-122"/>
+                        <a:ea typeface="等线" panose="02010600030101010101" pitchFamily="2" charset="-122"/>
+                      </a:endParaRPr>
+                    </a:p>
+                  </a:txBody>
+                  <a:tcPr marL="6350" marR="6350" marT="6350" marB="0" anchor="b"/>
+                </a:tc>
+                <a:tc>
+                  <a:txBody>
+                    <a:bodyPr/>
+                    <a:lstStyle/>
+                    <a:p>
+                      <a:pPr algn="l" fontAlgn="b"/>
+                      <a:r>
+                        <a:rPr lang="en-US" sz="1100" u="none" strike="noStrike">
+                          <a:effectLst/>
+                        </a:rPr>
+                        <a:t>10-fold</a:t>
+                      </a:r>
+                      <a:endParaRPr lang="en-US" sz="1100" b="0" i="0" u="none" strike="noStrike">
+                        <a:solidFill>
+                          <a:srgbClr val="000000"/>
+                        </a:solidFill>
+                        <a:effectLst/>
+                        <a:latin typeface="等线" panose="02010600030101010101" pitchFamily="2" charset="-122"/>
+                        <a:ea typeface="等线" panose="02010600030101010101" pitchFamily="2" charset="-122"/>
+                      </a:endParaRPr>
+                    </a:p>
+                  </a:txBody>
+                  <a:tcPr marL="6350" marR="6350" marT="6350" marB="0" anchor="b"/>
+                </a:tc>
+                <a:tc>
+                  <a:txBody>
+                    <a:bodyPr/>
+                    <a:lstStyle/>
+                    <a:p>
+                      <a:pPr algn="l" fontAlgn="b"/>
+                      <a:r>
+                        <a:rPr lang="en-US" sz="1100" u="none" strike="noStrike">
+                          <a:effectLst/>
+                        </a:rPr>
+                        <a:t>SVM</a:t>
+                      </a:r>
+                      <a:endParaRPr lang="en-US" sz="1100" b="0" i="0" u="none" strike="noStrike">
+                        <a:solidFill>
+                          <a:srgbClr val="000000"/>
+                        </a:solidFill>
+                        <a:effectLst/>
+                        <a:latin typeface="等线" panose="02010600030101010101" pitchFamily="2" charset="-122"/>
+                        <a:ea typeface="等线" panose="02010600030101010101" pitchFamily="2" charset="-122"/>
+                      </a:endParaRPr>
+                    </a:p>
+                  </a:txBody>
+                  <a:tcPr marL="6350" marR="6350" marT="6350" marB="0" anchor="b"/>
+                </a:tc>
+                <a:tc>
+                  <a:txBody>
+                    <a:bodyPr/>
+                    <a:lstStyle/>
+                    <a:p>
+                      <a:pPr algn="r" fontAlgn="b"/>
+                      <a:r>
+                        <a:rPr lang="en-US" altLang="zh-CN" sz="1100" u="none" strike="noStrike">
+                          <a:effectLst/>
+                        </a:rPr>
+                        <a:t>0.756442577</a:t>
+                      </a:r>
+                      <a:endParaRPr lang="en-US" altLang="zh-CN" sz="1100" b="0" i="0" u="none" strike="noStrike">
+                        <a:solidFill>
+                          <a:srgbClr val="000000"/>
+                        </a:solidFill>
+                        <a:effectLst/>
+                        <a:latin typeface="等线" panose="02010600030101010101" pitchFamily="2" charset="-122"/>
+                        <a:ea typeface="等线" panose="02010600030101010101" pitchFamily="2" charset="-122"/>
+                      </a:endParaRPr>
+                    </a:p>
+                  </a:txBody>
+                  <a:tcPr marL="6350" marR="6350" marT="6350" marB="0" anchor="b"/>
+                </a:tc>
+                <a:extLst>
+                  <a:ext uri="{0D108BD9-81ED-4DB2-BD59-A6C34878D82A}">
+                    <a16:rowId xmlns:a16="http://schemas.microsoft.com/office/drawing/2014/main" val="3465446545"/>
+                  </a:ext>
+                </a:extLst>
+              </a:tr>
+              <a:tr h="279848">
+                <a:tc>
+                  <a:txBody>
+                    <a:bodyPr/>
+                    <a:lstStyle/>
+                    <a:p>
+                      <a:pPr algn="l" fontAlgn="b"/>
+                      <a:endParaRPr lang="zh-CN" altLang="en-US" sz="1100" b="0" i="0" u="none" strike="noStrike">
+                        <a:solidFill>
+                          <a:srgbClr val="000000"/>
+                        </a:solidFill>
+                        <a:effectLst/>
+                        <a:latin typeface="等线" panose="02010600030101010101" pitchFamily="2" charset="-122"/>
+                        <a:ea typeface="等线" panose="02010600030101010101" pitchFamily="2" charset="-122"/>
+                      </a:endParaRPr>
+                    </a:p>
+                  </a:txBody>
+                  <a:tcPr marL="6350" marR="6350" marT="6350" marB="0" anchor="b"/>
+                </a:tc>
+                <a:tc>
+                  <a:txBody>
+                    <a:bodyPr/>
+                    <a:lstStyle/>
+                    <a:p>
+                      <a:pPr algn="r" fontAlgn="b"/>
+                      <a:r>
+                        <a:rPr lang="en-US" altLang="zh-CN" sz="1100" u="none" strike="noStrike">
+                          <a:effectLst/>
+                        </a:rPr>
+                        <a:t>0.265232563</a:t>
+                      </a:r>
+                      <a:endParaRPr lang="en-US" altLang="zh-CN" sz="1100" b="0" i="0" u="none" strike="noStrike">
+                        <a:solidFill>
+                          <a:srgbClr val="000000"/>
+                        </a:solidFill>
+                        <a:effectLst/>
+                        <a:latin typeface="等线" panose="02010600030101010101" pitchFamily="2" charset="-122"/>
+                        <a:ea typeface="等线" panose="02010600030101010101" pitchFamily="2" charset="-122"/>
+                      </a:endParaRPr>
+                    </a:p>
+                  </a:txBody>
+                  <a:tcPr marL="6350" marR="6350" marT="6350" marB="0" anchor="b"/>
+                </a:tc>
+                <a:tc>
+                  <a:txBody>
+                    <a:bodyPr/>
+                    <a:lstStyle/>
+                    <a:p>
+                      <a:pPr algn="r" fontAlgn="b"/>
+                      <a:r>
+                        <a:rPr lang="en-US" altLang="zh-CN" sz="1100" u="none" strike="noStrike">
+                          <a:effectLst/>
+                        </a:rPr>
+                        <a:t>0.333333333</a:t>
+                      </a:r>
+                      <a:endParaRPr lang="en-US" altLang="zh-CN" sz="1100" b="0" i="0" u="none" strike="noStrike">
+                        <a:solidFill>
+                          <a:srgbClr val="000000"/>
+                        </a:solidFill>
+                        <a:effectLst/>
+                        <a:latin typeface="等线" panose="02010600030101010101" pitchFamily="2" charset="-122"/>
+                        <a:ea typeface="等线" panose="02010600030101010101" pitchFamily="2" charset="-122"/>
+                      </a:endParaRPr>
+                    </a:p>
+                  </a:txBody>
+                  <a:tcPr marL="6350" marR="6350" marT="6350" marB="0" anchor="b"/>
+                </a:tc>
+                <a:tc>
+                  <a:txBody>
+                    <a:bodyPr/>
+                    <a:lstStyle/>
+                    <a:p>
+                      <a:pPr algn="l" fontAlgn="b"/>
+                      <a:r>
+                        <a:rPr lang="en-US" sz="1100" u="none" strike="noStrike">
+                          <a:effectLst/>
+                        </a:rPr>
+                        <a:t>10-fold </a:t>
+                      </a:r>
+                      <a:endParaRPr lang="en-US" sz="1100" b="0" i="0" u="none" strike="noStrike">
+                        <a:solidFill>
+                          <a:srgbClr val="000000"/>
+                        </a:solidFill>
+                        <a:effectLst/>
+                        <a:latin typeface="等线" panose="02010600030101010101" pitchFamily="2" charset="-122"/>
+                        <a:ea typeface="等线" panose="02010600030101010101" pitchFamily="2" charset="-122"/>
+                      </a:endParaRPr>
+                    </a:p>
+                  </a:txBody>
+                  <a:tcPr marL="6350" marR="6350" marT="6350" marB="0" anchor="b"/>
+                </a:tc>
+                <a:tc>
+                  <a:txBody>
+                    <a:bodyPr/>
+                    <a:lstStyle/>
+                    <a:p>
+                      <a:pPr algn="l" fontAlgn="b"/>
+                      <a:r>
+                        <a:rPr lang="en-US" sz="1100" u="none" strike="noStrike">
+                          <a:effectLst/>
+                        </a:rPr>
+                        <a:t>Cart</a:t>
+                      </a:r>
+                      <a:endParaRPr lang="en-US" sz="1100" b="0" i="0" u="none" strike="noStrike">
+                        <a:solidFill>
+                          <a:srgbClr val="000000"/>
+                        </a:solidFill>
+                        <a:effectLst/>
+                        <a:latin typeface="等线" panose="02010600030101010101" pitchFamily="2" charset="-122"/>
+                        <a:ea typeface="等线" panose="02010600030101010101" pitchFamily="2" charset="-122"/>
+                      </a:endParaRPr>
+                    </a:p>
+                  </a:txBody>
+                  <a:tcPr marL="6350" marR="6350" marT="6350" marB="0" anchor="b"/>
+                </a:tc>
+                <a:tc>
+                  <a:txBody>
+                    <a:bodyPr/>
+                    <a:lstStyle/>
+                    <a:p>
+                      <a:pPr algn="r" fontAlgn="b"/>
+                      <a:r>
+                        <a:rPr lang="en-US" altLang="zh-CN" sz="1100" u="none" strike="noStrike">
+                          <a:effectLst/>
+                        </a:rPr>
+                        <a:t>0.671428571</a:t>
+                      </a:r>
+                      <a:endParaRPr lang="en-US" altLang="zh-CN" sz="1100" b="0" i="0" u="none" strike="noStrike">
+                        <a:solidFill>
+                          <a:srgbClr val="000000"/>
+                        </a:solidFill>
+                        <a:effectLst/>
+                        <a:latin typeface="等线" panose="02010600030101010101" pitchFamily="2" charset="-122"/>
+                        <a:ea typeface="等线" panose="02010600030101010101" pitchFamily="2" charset="-122"/>
+                      </a:endParaRPr>
+                    </a:p>
+                  </a:txBody>
+                  <a:tcPr marL="6350" marR="6350" marT="6350" marB="0" anchor="b"/>
+                </a:tc>
+                <a:extLst>
+                  <a:ext uri="{0D108BD9-81ED-4DB2-BD59-A6C34878D82A}">
+                    <a16:rowId xmlns:a16="http://schemas.microsoft.com/office/drawing/2014/main" val="3540207077"/>
+                  </a:ext>
+                </a:extLst>
+              </a:tr>
+              <a:tr h="279848">
+                <a:tc>
+                  <a:txBody>
+                    <a:bodyPr/>
+                    <a:lstStyle/>
+                    <a:p>
+                      <a:pPr algn="l" fontAlgn="b"/>
+                      <a:r>
+                        <a:rPr lang="en-US" sz="1100" u="none" strike="noStrike">
+                          <a:effectLst/>
+                        </a:rPr>
+                        <a:t>Algorithm</a:t>
+                      </a:r>
+                      <a:endParaRPr lang="en-US" sz="1100" b="0" i="0" u="none" strike="noStrike">
+                        <a:solidFill>
+                          <a:srgbClr val="000000"/>
+                        </a:solidFill>
+                        <a:effectLst/>
+                        <a:latin typeface="等线" panose="02010600030101010101" pitchFamily="2" charset="-122"/>
+                        <a:ea typeface="等线" panose="02010600030101010101" pitchFamily="2" charset="-122"/>
+                      </a:endParaRPr>
+                    </a:p>
+                  </a:txBody>
+                  <a:tcPr marL="6350" marR="6350" marT="6350" marB="0" anchor="b"/>
+                </a:tc>
+                <a:tc>
+                  <a:txBody>
+                    <a:bodyPr/>
+                    <a:lstStyle/>
+                    <a:p>
+                      <a:pPr algn="l" fontAlgn="b"/>
+                      <a:r>
+                        <a:rPr lang="en-US" sz="1100" u="none" strike="noStrike">
+                          <a:effectLst/>
+                        </a:rPr>
+                        <a:t>Time</a:t>
+                      </a:r>
+                      <a:endParaRPr lang="en-US" sz="1100" b="0" i="0" u="none" strike="noStrike">
+                        <a:solidFill>
+                          <a:srgbClr val="000000"/>
+                        </a:solidFill>
+                        <a:effectLst/>
+                        <a:latin typeface="等线" panose="02010600030101010101" pitchFamily="2" charset="-122"/>
+                        <a:ea typeface="等线" panose="02010600030101010101" pitchFamily="2" charset="-122"/>
+                      </a:endParaRPr>
+                    </a:p>
+                  </a:txBody>
+                  <a:tcPr marL="6350" marR="6350" marT="6350" marB="0" anchor="b"/>
+                </a:tc>
+                <a:tc>
+                  <a:txBody>
+                    <a:bodyPr/>
+                    <a:lstStyle/>
+                    <a:p>
+                      <a:pPr algn="l" fontAlgn="b"/>
+                      <a:r>
+                        <a:rPr lang="en-US" sz="1100" u="none" strike="noStrike">
+                          <a:effectLst/>
+                        </a:rPr>
+                        <a:t>DR</a:t>
+                      </a:r>
+                      <a:endParaRPr lang="en-US" sz="1100" b="0" i="0" u="none" strike="noStrike">
+                        <a:solidFill>
+                          <a:srgbClr val="000000"/>
+                        </a:solidFill>
+                        <a:effectLst/>
+                        <a:latin typeface="等线" panose="02010600030101010101" pitchFamily="2" charset="-122"/>
+                        <a:ea typeface="等线" panose="02010600030101010101" pitchFamily="2" charset="-122"/>
+                      </a:endParaRPr>
+                    </a:p>
+                  </a:txBody>
+                  <a:tcPr marL="6350" marR="6350" marT="6350" marB="0" anchor="b"/>
+                </a:tc>
+                <a:tc>
+                  <a:txBody>
+                    <a:bodyPr/>
+                    <a:lstStyle/>
+                    <a:p>
+                      <a:pPr algn="l" fontAlgn="b"/>
+                      <a:r>
+                        <a:rPr lang="en-US" sz="1100" u="none" strike="noStrike">
+                          <a:effectLst/>
+                        </a:rPr>
+                        <a:t>Validation</a:t>
+                      </a:r>
+                      <a:endParaRPr lang="en-US" sz="1100" b="0" i="0" u="none" strike="noStrike">
+                        <a:solidFill>
+                          <a:srgbClr val="000000"/>
+                        </a:solidFill>
+                        <a:effectLst/>
+                        <a:latin typeface="等线" panose="02010600030101010101" pitchFamily="2" charset="-122"/>
+                        <a:ea typeface="等线" panose="02010600030101010101" pitchFamily="2" charset="-122"/>
+                      </a:endParaRPr>
+                    </a:p>
+                  </a:txBody>
+                  <a:tcPr marL="6350" marR="6350" marT="6350" marB="0" anchor="b"/>
+                </a:tc>
+                <a:tc>
+                  <a:txBody>
+                    <a:bodyPr/>
+                    <a:lstStyle/>
+                    <a:p>
+                      <a:pPr algn="l" fontAlgn="b"/>
+                      <a:r>
+                        <a:rPr lang="en-US" sz="1100" u="none" strike="noStrike">
+                          <a:effectLst/>
+                        </a:rPr>
+                        <a:t>Classifier</a:t>
+                      </a:r>
+                      <a:endParaRPr lang="en-US" sz="1100" b="0" i="0" u="none" strike="noStrike">
+                        <a:solidFill>
+                          <a:srgbClr val="000000"/>
+                        </a:solidFill>
+                        <a:effectLst/>
+                        <a:latin typeface="等线" panose="02010600030101010101" pitchFamily="2" charset="-122"/>
+                        <a:ea typeface="等线" panose="02010600030101010101" pitchFamily="2" charset="-122"/>
+                      </a:endParaRPr>
+                    </a:p>
+                  </a:txBody>
+                  <a:tcPr marL="6350" marR="6350" marT="6350" marB="0" anchor="b"/>
+                </a:tc>
+                <a:tc>
+                  <a:txBody>
+                    <a:bodyPr/>
+                    <a:lstStyle/>
+                    <a:p>
+                      <a:pPr algn="l" fontAlgn="b"/>
+                      <a:r>
+                        <a:rPr lang="en-US" sz="1100" u="none" strike="noStrike">
+                          <a:effectLst/>
+                        </a:rPr>
+                        <a:t>AC</a:t>
+                      </a:r>
+                      <a:endParaRPr lang="en-US" sz="1100" b="0" i="0" u="none" strike="noStrike">
+                        <a:solidFill>
+                          <a:srgbClr val="000000"/>
+                        </a:solidFill>
+                        <a:effectLst/>
+                        <a:latin typeface="等线" panose="02010600030101010101" pitchFamily="2" charset="-122"/>
+                        <a:ea typeface="等线" panose="02010600030101010101" pitchFamily="2" charset="-122"/>
+                      </a:endParaRPr>
+                    </a:p>
+                  </a:txBody>
+                  <a:tcPr marL="6350" marR="6350" marT="6350" marB="0" anchor="b"/>
+                </a:tc>
+                <a:extLst>
+                  <a:ext uri="{0D108BD9-81ED-4DB2-BD59-A6C34878D82A}">
+                    <a16:rowId xmlns:a16="http://schemas.microsoft.com/office/drawing/2014/main" val="237747532"/>
+                  </a:ext>
+                </a:extLst>
+              </a:tr>
+              <a:tr h="279848">
+                <a:tc>
+                  <a:txBody>
+                    <a:bodyPr/>
+                    <a:lstStyle/>
+                    <a:p>
+                      <a:pPr algn="l" fontAlgn="b"/>
+                      <a:r>
+                        <a:rPr lang="en-US" sz="1100" u="none" strike="noStrike">
+                          <a:effectLst/>
+                        </a:rPr>
+                        <a:t>IFSFOA</a:t>
+                      </a:r>
+                      <a:endParaRPr lang="en-US" sz="1100" b="0" i="0" u="none" strike="noStrike">
+                        <a:solidFill>
+                          <a:srgbClr val="000000"/>
+                        </a:solidFill>
+                        <a:effectLst/>
+                        <a:latin typeface="等线" panose="02010600030101010101" pitchFamily="2" charset="-122"/>
+                        <a:ea typeface="等线" panose="02010600030101010101" pitchFamily="2" charset="-122"/>
+                      </a:endParaRPr>
+                    </a:p>
+                  </a:txBody>
+                  <a:tcPr marL="6350" marR="6350" marT="6350" marB="0" anchor="b"/>
+                </a:tc>
+                <a:tc>
+                  <a:txBody>
+                    <a:bodyPr/>
+                    <a:lstStyle/>
+                    <a:p>
+                      <a:pPr algn="r" fontAlgn="b"/>
+                      <a:r>
+                        <a:rPr lang="en-US" altLang="zh-CN" sz="1100" u="none" strike="noStrike">
+                          <a:effectLst/>
+                        </a:rPr>
+                        <a:t>38.47306156</a:t>
+                      </a:r>
+                      <a:endParaRPr lang="en-US" altLang="zh-CN" sz="1100" b="0" i="0" u="none" strike="noStrike">
+                        <a:solidFill>
+                          <a:srgbClr val="000000"/>
+                        </a:solidFill>
+                        <a:effectLst/>
+                        <a:latin typeface="等线" panose="02010600030101010101" pitchFamily="2" charset="-122"/>
+                        <a:ea typeface="等线" panose="02010600030101010101" pitchFamily="2" charset="-122"/>
+                      </a:endParaRPr>
+                    </a:p>
+                  </a:txBody>
+                  <a:tcPr marL="6350" marR="6350" marT="6350" marB="0" anchor="b"/>
+                </a:tc>
+                <a:tc>
+                  <a:txBody>
+                    <a:bodyPr/>
+                    <a:lstStyle/>
+                    <a:p>
+                      <a:pPr algn="r" fontAlgn="b"/>
+                      <a:r>
+                        <a:rPr lang="en-US" altLang="zh-CN" sz="1100" u="none" strike="noStrike">
+                          <a:effectLst/>
+                        </a:rPr>
+                        <a:t>0.333333333</a:t>
+                      </a:r>
+                      <a:endParaRPr lang="en-US" altLang="zh-CN" sz="1100" b="0" i="0" u="none" strike="noStrike">
+                        <a:solidFill>
+                          <a:srgbClr val="000000"/>
+                        </a:solidFill>
+                        <a:effectLst/>
+                        <a:latin typeface="等线" panose="02010600030101010101" pitchFamily="2" charset="-122"/>
+                        <a:ea typeface="等线" panose="02010600030101010101" pitchFamily="2" charset="-122"/>
+                      </a:endParaRPr>
+                    </a:p>
+                  </a:txBody>
+                  <a:tcPr marL="6350" marR="6350" marT="6350" marB="0" anchor="b"/>
+                </a:tc>
+                <a:tc>
+                  <a:txBody>
+                    <a:bodyPr/>
+                    <a:lstStyle/>
+                    <a:p>
+                      <a:pPr algn="l" fontAlgn="b"/>
+                      <a:r>
+                        <a:rPr lang="en-US" sz="1100" u="none" strike="noStrike">
+                          <a:effectLst/>
+                        </a:rPr>
+                        <a:t>10-fold</a:t>
+                      </a:r>
+                      <a:endParaRPr lang="en-US" sz="1100" b="0" i="0" u="none" strike="noStrike">
+                        <a:solidFill>
+                          <a:srgbClr val="000000"/>
+                        </a:solidFill>
+                        <a:effectLst/>
+                        <a:latin typeface="等线" panose="02010600030101010101" pitchFamily="2" charset="-122"/>
+                        <a:ea typeface="等线" panose="02010600030101010101" pitchFamily="2" charset="-122"/>
+                      </a:endParaRPr>
+                    </a:p>
+                  </a:txBody>
+                  <a:tcPr marL="6350" marR="6350" marT="6350" marB="0" anchor="b"/>
+                </a:tc>
+                <a:tc>
+                  <a:txBody>
+                    <a:bodyPr/>
+                    <a:lstStyle/>
+                    <a:p>
+                      <a:pPr algn="l" fontAlgn="b"/>
+                      <a:r>
+                        <a:rPr lang="en-US" sz="1100" u="none" strike="noStrike">
+                          <a:effectLst/>
+                        </a:rPr>
+                        <a:t>1nn</a:t>
+                      </a:r>
+                      <a:endParaRPr lang="en-US" sz="1100" b="0" i="0" u="none" strike="noStrike">
+                        <a:solidFill>
+                          <a:srgbClr val="000000"/>
+                        </a:solidFill>
+                        <a:effectLst/>
+                        <a:latin typeface="等线" panose="02010600030101010101" pitchFamily="2" charset="-122"/>
+                        <a:ea typeface="等线" panose="02010600030101010101" pitchFamily="2" charset="-122"/>
+                      </a:endParaRPr>
+                    </a:p>
+                  </a:txBody>
+                  <a:tcPr marL="6350" marR="6350" marT="6350" marB="0" anchor="b"/>
+                </a:tc>
+                <a:tc>
+                  <a:txBody>
+                    <a:bodyPr/>
+                    <a:lstStyle/>
+                    <a:p>
+                      <a:pPr algn="r" fontAlgn="b"/>
+                      <a:r>
+                        <a:rPr lang="en-US" altLang="zh-CN" sz="1100" u="none" strike="noStrike">
+                          <a:effectLst/>
+                        </a:rPr>
+                        <a:t>0.682016807</a:t>
+                      </a:r>
+                      <a:endParaRPr lang="en-US" altLang="zh-CN" sz="1100" b="0" i="0" u="none" strike="noStrike">
+                        <a:solidFill>
+                          <a:srgbClr val="000000"/>
+                        </a:solidFill>
+                        <a:effectLst/>
+                        <a:latin typeface="等线" panose="02010600030101010101" pitchFamily="2" charset="-122"/>
+                        <a:ea typeface="等线" panose="02010600030101010101" pitchFamily="2" charset="-122"/>
+                      </a:endParaRPr>
+                    </a:p>
+                  </a:txBody>
+                  <a:tcPr marL="6350" marR="6350" marT="6350" marB="0" anchor="b"/>
+                </a:tc>
+                <a:extLst>
+                  <a:ext uri="{0D108BD9-81ED-4DB2-BD59-A6C34878D82A}">
+                    <a16:rowId xmlns:a16="http://schemas.microsoft.com/office/drawing/2014/main" val="817317272"/>
+                  </a:ext>
+                </a:extLst>
+              </a:tr>
+              <a:tr h="279848">
+                <a:tc>
+                  <a:txBody>
+                    <a:bodyPr/>
+                    <a:lstStyle/>
+                    <a:p>
+                      <a:pPr algn="l" fontAlgn="b"/>
+                      <a:endParaRPr lang="zh-CN" altLang="en-US" sz="1100" b="0" i="0" u="none" strike="noStrike">
+                        <a:solidFill>
+                          <a:srgbClr val="000000"/>
+                        </a:solidFill>
+                        <a:effectLst/>
+                        <a:latin typeface="等线" panose="02010600030101010101" pitchFamily="2" charset="-122"/>
+                        <a:ea typeface="等线" panose="02010600030101010101" pitchFamily="2" charset="-122"/>
+                      </a:endParaRPr>
+                    </a:p>
+                  </a:txBody>
+                  <a:tcPr marL="6350" marR="6350" marT="6350" marB="0" anchor="b"/>
+                </a:tc>
+                <a:tc>
+                  <a:txBody>
+                    <a:bodyPr/>
+                    <a:lstStyle/>
+                    <a:p>
+                      <a:pPr algn="r" fontAlgn="b"/>
+                      <a:r>
+                        <a:rPr lang="en-US" altLang="zh-CN" sz="1100" u="none" strike="noStrike">
+                          <a:effectLst/>
+                        </a:rPr>
+                        <a:t>49.38786483</a:t>
+                      </a:r>
+                      <a:endParaRPr lang="en-US" altLang="zh-CN" sz="1100" b="0" i="0" u="none" strike="noStrike">
+                        <a:solidFill>
+                          <a:srgbClr val="000000"/>
+                        </a:solidFill>
+                        <a:effectLst/>
+                        <a:latin typeface="等线" panose="02010600030101010101" pitchFamily="2" charset="-122"/>
+                        <a:ea typeface="等线" panose="02010600030101010101" pitchFamily="2" charset="-122"/>
+                      </a:endParaRPr>
+                    </a:p>
+                  </a:txBody>
+                  <a:tcPr marL="6350" marR="6350" marT="6350" marB="0" anchor="b"/>
+                </a:tc>
+                <a:tc>
+                  <a:txBody>
+                    <a:bodyPr/>
+                    <a:lstStyle/>
+                    <a:p>
+                      <a:pPr algn="r" fontAlgn="b"/>
+                      <a:r>
+                        <a:rPr lang="en-US" altLang="zh-CN" sz="1100" u="none" strike="noStrike" dirty="0">
+                          <a:effectLst/>
+                        </a:rPr>
+                        <a:t>0.388888889</a:t>
+                      </a:r>
+                      <a:endParaRPr lang="en-US" altLang="zh-CN" sz="1100" b="0" i="0" u="none" strike="noStrike" dirty="0">
+                        <a:solidFill>
+                          <a:srgbClr val="000000"/>
+                        </a:solidFill>
+                        <a:effectLst/>
+                        <a:latin typeface="等线" panose="02010600030101010101" pitchFamily="2" charset="-122"/>
+                        <a:ea typeface="等线" panose="02010600030101010101" pitchFamily="2" charset="-122"/>
+                      </a:endParaRPr>
+                    </a:p>
+                  </a:txBody>
+                  <a:tcPr marL="6350" marR="6350" marT="6350" marB="0" anchor="b">
+                    <a:solidFill>
+                      <a:srgbClr val="92D050"/>
+                    </a:solidFill>
+                  </a:tcPr>
+                </a:tc>
+                <a:tc>
+                  <a:txBody>
+                    <a:bodyPr/>
+                    <a:lstStyle/>
+                    <a:p>
+                      <a:pPr algn="l" fontAlgn="b"/>
+                      <a:r>
+                        <a:rPr lang="en-US" sz="1100" u="none" strike="noStrike">
+                          <a:effectLst/>
+                        </a:rPr>
+                        <a:t>10-fold</a:t>
+                      </a:r>
+                      <a:endParaRPr lang="en-US" sz="1100" b="0" i="0" u="none" strike="noStrike">
+                        <a:solidFill>
+                          <a:srgbClr val="000000"/>
+                        </a:solidFill>
+                        <a:effectLst/>
+                        <a:latin typeface="等线" panose="02010600030101010101" pitchFamily="2" charset="-122"/>
+                        <a:ea typeface="等线" panose="02010600030101010101" pitchFamily="2" charset="-122"/>
+                      </a:endParaRPr>
+                    </a:p>
+                  </a:txBody>
+                  <a:tcPr marL="6350" marR="6350" marT="6350" marB="0" anchor="b"/>
+                </a:tc>
+                <a:tc>
+                  <a:txBody>
+                    <a:bodyPr/>
+                    <a:lstStyle/>
+                    <a:p>
+                      <a:pPr algn="l" fontAlgn="b"/>
+                      <a:r>
+                        <a:rPr lang="en-US" sz="1100" u="none" strike="noStrike">
+                          <a:effectLst/>
+                        </a:rPr>
+                        <a:t>5nn</a:t>
+                      </a:r>
+                      <a:endParaRPr lang="en-US" sz="1100" b="0" i="0" u="none" strike="noStrike">
+                        <a:solidFill>
+                          <a:srgbClr val="000000"/>
+                        </a:solidFill>
+                        <a:effectLst/>
+                        <a:latin typeface="等线" panose="02010600030101010101" pitchFamily="2" charset="-122"/>
+                        <a:ea typeface="等线" panose="02010600030101010101" pitchFamily="2" charset="-122"/>
+                      </a:endParaRPr>
+                    </a:p>
+                  </a:txBody>
+                  <a:tcPr marL="6350" marR="6350" marT="6350" marB="0" anchor="b"/>
+                </a:tc>
+                <a:tc>
+                  <a:txBody>
+                    <a:bodyPr/>
+                    <a:lstStyle/>
+                    <a:p>
+                      <a:pPr algn="r" fontAlgn="b"/>
+                      <a:r>
+                        <a:rPr lang="en-US" altLang="zh-CN" sz="1100" u="none" strike="noStrike" dirty="0">
+                          <a:effectLst/>
+                        </a:rPr>
+                        <a:t>0.730532213</a:t>
+                      </a:r>
+                      <a:endParaRPr lang="en-US" altLang="zh-CN" sz="1100" b="0" i="0" u="none" strike="noStrike" dirty="0">
+                        <a:solidFill>
+                          <a:srgbClr val="006100"/>
+                        </a:solidFill>
+                        <a:effectLst/>
+                        <a:latin typeface="等线" panose="02010600030101010101" pitchFamily="2" charset="-122"/>
+                        <a:ea typeface="等线" panose="02010600030101010101" pitchFamily="2" charset="-122"/>
+                      </a:endParaRPr>
+                    </a:p>
+                  </a:txBody>
+                  <a:tcPr marL="6350" marR="6350" marT="6350" marB="0" anchor="b">
+                    <a:solidFill>
+                      <a:srgbClr val="92D050"/>
+                    </a:solidFill>
+                  </a:tcPr>
+                </a:tc>
+                <a:extLst>
+                  <a:ext uri="{0D108BD9-81ED-4DB2-BD59-A6C34878D82A}">
+                    <a16:rowId xmlns:a16="http://schemas.microsoft.com/office/drawing/2014/main" val="1499333911"/>
+                  </a:ext>
+                </a:extLst>
+              </a:tr>
+              <a:tr h="279848">
+                <a:tc>
+                  <a:txBody>
+                    <a:bodyPr/>
+                    <a:lstStyle/>
+                    <a:p>
+                      <a:pPr algn="l" fontAlgn="b"/>
+                      <a:endParaRPr lang="zh-CN" altLang="en-US" sz="1100" b="0" i="0" u="none" strike="noStrike">
+                        <a:solidFill>
+                          <a:srgbClr val="000000"/>
+                        </a:solidFill>
+                        <a:effectLst/>
+                        <a:latin typeface="等线" panose="02010600030101010101" pitchFamily="2" charset="-122"/>
+                        <a:ea typeface="等线" panose="02010600030101010101" pitchFamily="2" charset="-122"/>
+                      </a:endParaRPr>
+                    </a:p>
+                  </a:txBody>
+                  <a:tcPr marL="6350" marR="6350" marT="6350" marB="0" anchor="b"/>
+                </a:tc>
+                <a:tc>
+                  <a:txBody>
+                    <a:bodyPr/>
+                    <a:lstStyle/>
+                    <a:p>
+                      <a:pPr algn="r" fontAlgn="b"/>
+                      <a:r>
+                        <a:rPr lang="en-US" altLang="zh-CN" sz="1100" u="none" strike="noStrike">
+                          <a:effectLst/>
+                        </a:rPr>
+                        <a:t>3.838481903</a:t>
+                      </a:r>
+                      <a:endParaRPr lang="en-US" altLang="zh-CN" sz="1100" b="0" i="0" u="none" strike="noStrike">
+                        <a:solidFill>
+                          <a:srgbClr val="000000"/>
+                        </a:solidFill>
+                        <a:effectLst/>
+                        <a:latin typeface="等线" panose="02010600030101010101" pitchFamily="2" charset="-122"/>
+                        <a:ea typeface="等线" panose="02010600030101010101" pitchFamily="2" charset="-122"/>
+                      </a:endParaRPr>
+                    </a:p>
+                  </a:txBody>
+                  <a:tcPr marL="6350" marR="6350" marT="6350" marB="0" anchor="b"/>
+                </a:tc>
+                <a:tc>
+                  <a:txBody>
+                    <a:bodyPr/>
+                    <a:lstStyle/>
+                    <a:p>
+                      <a:pPr algn="r" fontAlgn="b"/>
+                      <a:r>
+                        <a:rPr lang="en-US" altLang="zh-CN" sz="1100" u="none" strike="noStrike" dirty="0">
+                          <a:effectLst/>
+                        </a:rPr>
+                        <a:t>0.333333333</a:t>
+                      </a:r>
+                      <a:endParaRPr lang="en-US" altLang="zh-CN" sz="1100" b="0" i="0" u="none" strike="noStrike" dirty="0">
+                        <a:solidFill>
+                          <a:srgbClr val="000000"/>
+                        </a:solidFill>
+                        <a:effectLst/>
+                        <a:latin typeface="等线" panose="02010600030101010101" pitchFamily="2" charset="-122"/>
+                        <a:ea typeface="等线" panose="02010600030101010101" pitchFamily="2" charset="-122"/>
+                      </a:endParaRPr>
+                    </a:p>
+                  </a:txBody>
+                  <a:tcPr marL="6350" marR="6350" marT="6350" marB="0" anchor="b">
+                    <a:solidFill>
+                      <a:srgbClr val="92D050"/>
+                    </a:solidFill>
+                  </a:tcPr>
+                </a:tc>
+                <a:tc>
+                  <a:txBody>
+                    <a:bodyPr/>
+                    <a:lstStyle/>
+                    <a:p>
+                      <a:pPr algn="l" fontAlgn="b"/>
+                      <a:r>
+                        <a:rPr lang="en-US" sz="1100" u="none" strike="noStrike">
+                          <a:effectLst/>
+                        </a:rPr>
+                        <a:t>10-fold</a:t>
+                      </a:r>
+                      <a:endParaRPr lang="en-US" sz="1100" b="0" i="0" u="none" strike="noStrike">
+                        <a:solidFill>
+                          <a:srgbClr val="000000"/>
+                        </a:solidFill>
+                        <a:effectLst/>
+                        <a:latin typeface="等线" panose="02010600030101010101" pitchFamily="2" charset="-122"/>
+                        <a:ea typeface="等线" panose="02010600030101010101" pitchFamily="2" charset="-122"/>
+                      </a:endParaRPr>
+                    </a:p>
+                  </a:txBody>
+                  <a:tcPr marL="6350" marR="6350" marT="6350" marB="0" anchor="b"/>
+                </a:tc>
+                <a:tc>
+                  <a:txBody>
+                    <a:bodyPr/>
+                    <a:lstStyle/>
+                    <a:p>
+                      <a:pPr algn="l" fontAlgn="b"/>
+                      <a:r>
+                        <a:rPr lang="en-US" sz="1100" u="none" strike="noStrike">
+                          <a:effectLst/>
+                        </a:rPr>
+                        <a:t>SVM</a:t>
+                      </a:r>
+                      <a:endParaRPr lang="en-US" sz="1100" b="0" i="0" u="none" strike="noStrike">
+                        <a:solidFill>
+                          <a:srgbClr val="000000"/>
+                        </a:solidFill>
+                        <a:effectLst/>
+                        <a:latin typeface="等线" panose="02010600030101010101" pitchFamily="2" charset="-122"/>
+                        <a:ea typeface="等线" panose="02010600030101010101" pitchFamily="2" charset="-122"/>
+                      </a:endParaRPr>
+                    </a:p>
+                  </a:txBody>
+                  <a:tcPr marL="6350" marR="6350" marT="6350" marB="0" anchor="b"/>
+                </a:tc>
+                <a:tc>
+                  <a:txBody>
+                    <a:bodyPr/>
+                    <a:lstStyle/>
+                    <a:p>
+                      <a:pPr algn="r" fontAlgn="b"/>
+                      <a:r>
+                        <a:rPr lang="en-US" altLang="zh-CN" sz="1100" u="none" strike="noStrike" dirty="0">
+                          <a:effectLst/>
+                        </a:rPr>
+                        <a:t>0.765980392</a:t>
+                      </a:r>
+                      <a:endParaRPr lang="en-US" altLang="zh-CN" sz="1100" b="0" i="0" u="none" strike="noStrike" dirty="0">
+                        <a:solidFill>
+                          <a:srgbClr val="000000"/>
+                        </a:solidFill>
+                        <a:effectLst/>
+                        <a:latin typeface="等线" panose="02010600030101010101" pitchFamily="2" charset="-122"/>
+                        <a:ea typeface="等线" panose="02010600030101010101" pitchFamily="2" charset="-122"/>
+                      </a:endParaRPr>
+                    </a:p>
+                  </a:txBody>
+                  <a:tcPr marL="6350" marR="6350" marT="6350" marB="0" anchor="b">
+                    <a:solidFill>
+                      <a:srgbClr val="92D050"/>
+                    </a:solidFill>
+                  </a:tcPr>
+                </a:tc>
+                <a:extLst>
+                  <a:ext uri="{0D108BD9-81ED-4DB2-BD59-A6C34878D82A}">
+                    <a16:rowId xmlns:a16="http://schemas.microsoft.com/office/drawing/2014/main" val="1972161700"/>
+                  </a:ext>
+                </a:extLst>
+              </a:tr>
+              <a:tr h="279848">
+                <a:tc>
+                  <a:txBody>
+                    <a:bodyPr/>
+                    <a:lstStyle/>
+                    <a:p>
+                      <a:pPr algn="l" fontAlgn="b"/>
+                      <a:endParaRPr lang="zh-CN" altLang="en-US" sz="1100" b="0" i="0" u="none" strike="noStrike">
+                        <a:solidFill>
+                          <a:srgbClr val="000000"/>
+                        </a:solidFill>
+                        <a:effectLst/>
+                        <a:latin typeface="等线" panose="02010600030101010101" pitchFamily="2" charset="-122"/>
+                        <a:ea typeface="等线" panose="02010600030101010101" pitchFamily="2" charset="-122"/>
+                      </a:endParaRPr>
+                    </a:p>
+                  </a:txBody>
+                  <a:tcPr marL="6350" marR="6350" marT="6350" marB="0" anchor="b"/>
+                </a:tc>
+                <a:tc>
+                  <a:txBody>
+                    <a:bodyPr/>
+                    <a:lstStyle/>
+                    <a:p>
+                      <a:pPr algn="r" fontAlgn="b"/>
+                      <a:r>
+                        <a:rPr lang="en-US" altLang="zh-CN" sz="1100" u="none" strike="noStrike">
+                          <a:effectLst/>
+                        </a:rPr>
+                        <a:t>0.892811298</a:t>
+                      </a:r>
+                      <a:endParaRPr lang="en-US" altLang="zh-CN" sz="1100" b="0" i="0" u="none" strike="noStrike">
+                        <a:solidFill>
+                          <a:srgbClr val="000000"/>
+                        </a:solidFill>
+                        <a:effectLst/>
+                        <a:latin typeface="等线" panose="02010600030101010101" pitchFamily="2" charset="-122"/>
+                        <a:ea typeface="等线" panose="02010600030101010101" pitchFamily="2" charset="-122"/>
+                      </a:endParaRPr>
+                    </a:p>
+                  </a:txBody>
+                  <a:tcPr marL="6350" marR="6350" marT="6350" marB="0" anchor="b"/>
+                </a:tc>
+                <a:tc>
+                  <a:txBody>
+                    <a:bodyPr/>
+                    <a:lstStyle/>
+                    <a:p>
+                      <a:pPr algn="r" fontAlgn="b"/>
+                      <a:r>
+                        <a:rPr lang="en-US" altLang="zh-CN" sz="1100" u="none" strike="noStrike" dirty="0">
+                          <a:effectLst/>
+                        </a:rPr>
+                        <a:t>0.444444444</a:t>
+                      </a:r>
+                      <a:endParaRPr lang="en-US" altLang="zh-CN" sz="1100" b="0" i="0" u="none" strike="noStrike" dirty="0">
+                        <a:solidFill>
+                          <a:srgbClr val="000000"/>
+                        </a:solidFill>
+                        <a:effectLst/>
+                        <a:latin typeface="等线" panose="02010600030101010101" pitchFamily="2" charset="-122"/>
+                        <a:ea typeface="等线" panose="02010600030101010101" pitchFamily="2" charset="-122"/>
+                      </a:endParaRPr>
+                    </a:p>
+                  </a:txBody>
+                  <a:tcPr marL="6350" marR="6350" marT="6350" marB="0" anchor="b">
+                    <a:solidFill>
+                      <a:srgbClr val="92D050"/>
+                    </a:solidFill>
+                  </a:tcPr>
+                </a:tc>
+                <a:tc>
+                  <a:txBody>
+                    <a:bodyPr/>
+                    <a:lstStyle/>
+                    <a:p>
+                      <a:pPr algn="l" fontAlgn="b"/>
+                      <a:r>
+                        <a:rPr lang="en-US" sz="1100" u="none" strike="noStrike">
+                          <a:effectLst/>
+                        </a:rPr>
+                        <a:t>10-fold </a:t>
+                      </a:r>
+                      <a:endParaRPr lang="en-US" sz="1100" b="0" i="0" u="none" strike="noStrike">
+                        <a:solidFill>
+                          <a:srgbClr val="000000"/>
+                        </a:solidFill>
+                        <a:effectLst/>
+                        <a:latin typeface="等线" panose="02010600030101010101" pitchFamily="2" charset="-122"/>
+                        <a:ea typeface="等线" panose="02010600030101010101" pitchFamily="2" charset="-122"/>
+                      </a:endParaRPr>
+                    </a:p>
+                  </a:txBody>
+                  <a:tcPr marL="6350" marR="6350" marT="6350" marB="0" anchor="b"/>
+                </a:tc>
+                <a:tc>
+                  <a:txBody>
+                    <a:bodyPr/>
+                    <a:lstStyle/>
+                    <a:p>
+                      <a:pPr algn="l" fontAlgn="b"/>
+                      <a:r>
+                        <a:rPr lang="en-US" sz="1100" u="none" strike="noStrike">
+                          <a:effectLst/>
+                        </a:rPr>
+                        <a:t>Cart</a:t>
+                      </a:r>
+                      <a:endParaRPr lang="en-US" sz="1100" b="0" i="0" u="none" strike="noStrike">
+                        <a:solidFill>
+                          <a:srgbClr val="000000"/>
+                        </a:solidFill>
+                        <a:effectLst/>
+                        <a:latin typeface="等线" panose="02010600030101010101" pitchFamily="2" charset="-122"/>
+                        <a:ea typeface="等线" panose="02010600030101010101" pitchFamily="2" charset="-122"/>
+                      </a:endParaRPr>
+                    </a:p>
+                  </a:txBody>
+                  <a:tcPr marL="6350" marR="6350" marT="6350" marB="0" anchor="b"/>
+                </a:tc>
+                <a:tc>
+                  <a:txBody>
+                    <a:bodyPr/>
+                    <a:lstStyle/>
+                    <a:p>
+                      <a:pPr algn="r" fontAlgn="b"/>
+                      <a:r>
+                        <a:rPr lang="en-US" altLang="zh-CN" sz="1100" u="none" strike="noStrike" dirty="0">
+                          <a:effectLst/>
+                        </a:rPr>
+                        <a:t>0.686680672</a:t>
+                      </a:r>
+                      <a:endParaRPr lang="en-US" altLang="zh-CN" sz="1100" b="0" i="0" u="none" strike="noStrike" dirty="0">
+                        <a:solidFill>
+                          <a:srgbClr val="000000"/>
+                        </a:solidFill>
+                        <a:effectLst/>
+                        <a:latin typeface="等线" panose="02010600030101010101" pitchFamily="2" charset="-122"/>
+                        <a:ea typeface="等线" panose="02010600030101010101" pitchFamily="2" charset="-122"/>
+                      </a:endParaRPr>
+                    </a:p>
+                  </a:txBody>
+                  <a:tcPr marL="6350" marR="6350" marT="6350" marB="0" anchor="b">
+                    <a:solidFill>
+                      <a:srgbClr val="92D050"/>
+                    </a:solidFill>
+                  </a:tcPr>
+                </a:tc>
+                <a:extLst>
+                  <a:ext uri="{0D108BD9-81ED-4DB2-BD59-A6C34878D82A}">
+                    <a16:rowId xmlns:a16="http://schemas.microsoft.com/office/drawing/2014/main" val="3827677131"/>
+                  </a:ext>
+                </a:extLst>
+              </a:tr>
+            </a:tbl>
+          </a:graphicData>
+        </a:graphic>
+      </p:graphicFrame>
+      <p:sp>
+        <p:nvSpPr>
+          <p:cNvPr id="8" name="矩形 7">
+            <a:extLst>
+              <a:ext uri="{FF2B5EF4-FFF2-40B4-BE49-F238E27FC236}">
+                <a16:creationId xmlns:a16="http://schemas.microsoft.com/office/drawing/2014/main" id="{4E29D2FA-5033-4FD3-8177-B8F21CC589B5}"/>
+              </a:ext>
+            </a:extLst>
+          </p:cNvPr>
+          <p:cNvSpPr/>
+          <p:nvPr/>
+        </p:nvSpPr>
+        <p:spPr>
+          <a:xfrm>
+            <a:off x="5238139" y="1616917"/>
+            <a:ext cx="2268506" cy="923330"/>
+          </a:xfrm>
+          <a:prstGeom prst="rect">
+            <a:avLst/>
+          </a:prstGeom>
+          <a:noFill/>
+        </p:spPr>
+        <p:txBody>
+          <a:bodyPr wrap="none" lIns="91440" tIns="45720" rIns="91440" bIns="45720">
+            <a:spAutoFit/>
+          </a:bodyPr>
+          <a:lstStyle/>
+          <a:p>
+            <a:pPr algn="ctr"/>
+            <a:r>
+              <a:rPr lang="en-US" altLang="zh-CN" sz="5400" dirty="0">
+                <a:ln w="0"/>
+                <a:effectLst>
+                  <a:outerShdw blurRad="38100" dist="19050" dir="2700000" algn="tl" rotWithShape="0">
+                    <a:schemeClr val="dk1">
+                      <a:alpha val="40000"/>
+                    </a:schemeClr>
+                  </a:outerShdw>
+                </a:effectLst>
+              </a:rPr>
+              <a:t>Vehicle</a:t>
+            </a:r>
+            <a:endParaRPr lang="zh-CN" altLang="en-US" sz="5400" b="1" cap="none" spc="0" dirty="0">
+              <a:ln w="12700" cmpd="sng">
+                <a:solidFill>
+                  <a:schemeClr val="accent4"/>
+                </a:solidFill>
+                <a:prstDash val="solid"/>
+              </a:ln>
+              <a:gradFill>
+                <a:gsLst>
+                  <a:gs pos="0">
+                    <a:schemeClr val="accent4"/>
+                  </a:gs>
+                  <a:gs pos="4000">
+                    <a:schemeClr val="accent4">
+                      <a:lumMod val="60000"/>
+                      <a:lumOff val="40000"/>
+                    </a:schemeClr>
+                  </a:gs>
+                  <a:gs pos="87000">
+                    <a:schemeClr val="accent4">
+                      <a:lumMod val="20000"/>
+                      <a:lumOff val="80000"/>
+                    </a:schemeClr>
+                  </a:gs>
+                </a:gsLst>
+                <a:lin ang="5400000"/>
+              </a:gradFill>
+              <a:effectLst/>
+            </a:endParaRPr>
+          </a:p>
+        </p:txBody>
+      </p:sp>
+      <p:graphicFrame>
+        <p:nvGraphicFramePr>
+          <p:cNvPr id="6" name="表格 5">
+            <a:extLst>
+              <a:ext uri="{FF2B5EF4-FFF2-40B4-BE49-F238E27FC236}">
+                <a16:creationId xmlns:a16="http://schemas.microsoft.com/office/drawing/2014/main" id="{33F93D1F-8566-4AF4-BBC8-FBC4016DF3C7}"/>
+              </a:ext>
+            </a:extLst>
+          </p:cNvPr>
+          <p:cNvGraphicFramePr>
+            <a:graphicFrameLocks noGrp="1"/>
+          </p:cNvGraphicFramePr>
+          <p:nvPr>
+            <p:extLst>
+              <p:ext uri="{D42A27DB-BD31-4B8C-83A1-F6EECF244321}">
+                <p14:modId xmlns:p14="http://schemas.microsoft.com/office/powerpoint/2010/main" val="3132114191"/>
+              </p:ext>
+            </p:extLst>
+          </p:nvPr>
+        </p:nvGraphicFramePr>
+        <p:xfrm>
+          <a:off x="2714979" y="2538626"/>
+          <a:ext cx="7314827" cy="2793250"/>
+        </p:xfrm>
+        <a:graphic>
+          <a:graphicData uri="http://schemas.openxmlformats.org/drawingml/2006/table">
+            <a:tbl>
+              <a:tblPr>
+                <a:tableStyleId>{5C22544A-7EE6-4342-B048-85BDC9FD1C3A}</a:tableStyleId>
+              </a:tblPr>
+              <a:tblGrid>
+                <a:gridCol w="1134743">
+                  <a:extLst>
+                    <a:ext uri="{9D8B030D-6E8A-4147-A177-3AD203B41FA5}">
+                      <a16:colId xmlns:a16="http://schemas.microsoft.com/office/drawing/2014/main" val="2234107417"/>
+                    </a:ext>
+                  </a:extLst>
+                </a:gridCol>
+                <a:gridCol w="1508096">
+                  <a:extLst>
+                    <a:ext uri="{9D8B030D-6E8A-4147-A177-3AD203B41FA5}">
+                      <a16:colId xmlns:a16="http://schemas.microsoft.com/office/drawing/2014/main" val="301108445"/>
+                    </a:ext>
+                  </a:extLst>
+                </a:gridCol>
+                <a:gridCol w="1220469">
+                  <a:extLst>
+                    <a:ext uri="{9D8B030D-6E8A-4147-A177-3AD203B41FA5}">
+                      <a16:colId xmlns:a16="http://schemas.microsoft.com/office/drawing/2014/main" val="1429643332"/>
+                    </a:ext>
+                  </a:extLst>
+                </a:gridCol>
+                <a:gridCol w="1018353">
+                  <a:extLst>
+                    <a:ext uri="{9D8B030D-6E8A-4147-A177-3AD203B41FA5}">
+                      <a16:colId xmlns:a16="http://schemas.microsoft.com/office/drawing/2014/main" val="508038403"/>
+                    </a:ext>
+                  </a:extLst>
+                </a:gridCol>
+                <a:gridCol w="1006477">
+                  <a:extLst>
+                    <a:ext uri="{9D8B030D-6E8A-4147-A177-3AD203B41FA5}">
+                      <a16:colId xmlns:a16="http://schemas.microsoft.com/office/drawing/2014/main" val="1570209754"/>
+                    </a:ext>
+                  </a:extLst>
+                </a:gridCol>
+                <a:gridCol w="1426689">
+                  <a:extLst>
+                    <a:ext uri="{9D8B030D-6E8A-4147-A177-3AD203B41FA5}">
+                      <a16:colId xmlns:a16="http://schemas.microsoft.com/office/drawing/2014/main" val="3858925287"/>
+                    </a:ext>
+                  </a:extLst>
+                </a:gridCol>
+              </a:tblGrid>
+              <a:tr h="279325">
+                <a:tc>
+                  <a:txBody>
+                    <a:bodyPr/>
+                    <a:lstStyle/>
+                    <a:p>
+                      <a:pPr algn="l" fontAlgn="b"/>
+                      <a:r>
+                        <a:rPr lang="en-US" sz="1100" u="none" strike="noStrike" dirty="0">
+                          <a:effectLst/>
+                        </a:rPr>
+                        <a:t>Algorithm</a:t>
+                      </a:r>
+                      <a:endParaRPr lang="en-US" sz="1100" b="0" i="0" u="none" strike="noStrike" dirty="0">
+                        <a:solidFill>
+                          <a:srgbClr val="000000"/>
+                        </a:solidFill>
+                        <a:effectLst/>
+                        <a:latin typeface="等线" panose="02010600030101010101" pitchFamily="2" charset="-122"/>
+                        <a:ea typeface="等线" panose="02010600030101010101" pitchFamily="2" charset="-122"/>
+                      </a:endParaRPr>
+                    </a:p>
+                  </a:txBody>
+                  <a:tcPr marL="6350" marR="6350" marT="6350" marB="0" anchor="b"/>
+                </a:tc>
+                <a:tc>
+                  <a:txBody>
+                    <a:bodyPr/>
+                    <a:lstStyle/>
+                    <a:p>
+                      <a:pPr algn="l" fontAlgn="b"/>
+                      <a:r>
+                        <a:rPr lang="en-US" sz="1100" u="none" strike="noStrike" dirty="0">
+                          <a:effectLst/>
+                        </a:rPr>
+                        <a:t>Time</a:t>
+                      </a:r>
+                      <a:endParaRPr lang="en-US" sz="1100" b="0" i="0" u="none" strike="noStrike" dirty="0">
+                        <a:solidFill>
+                          <a:srgbClr val="000000"/>
+                        </a:solidFill>
+                        <a:effectLst/>
+                        <a:latin typeface="等线" panose="02010600030101010101" pitchFamily="2" charset="-122"/>
+                        <a:ea typeface="等线" panose="02010600030101010101" pitchFamily="2" charset="-122"/>
+                      </a:endParaRPr>
+                    </a:p>
+                  </a:txBody>
+                  <a:tcPr marL="6350" marR="6350" marT="6350" marB="0" anchor="b"/>
+                </a:tc>
+                <a:tc>
+                  <a:txBody>
+                    <a:bodyPr/>
+                    <a:lstStyle/>
+                    <a:p>
+                      <a:pPr algn="l" fontAlgn="b"/>
+                      <a:r>
+                        <a:rPr lang="en-US" sz="1100" u="none" strike="noStrike">
+                          <a:effectLst/>
+                        </a:rPr>
+                        <a:t>DR</a:t>
+                      </a:r>
+                      <a:endParaRPr lang="en-US" sz="1100" b="0" i="0" u="none" strike="noStrike">
+                        <a:solidFill>
+                          <a:srgbClr val="000000"/>
+                        </a:solidFill>
+                        <a:effectLst/>
+                        <a:latin typeface="等线" panose="02010600030101010101" pitchFamily="2" charset="-122"/>
+                        <a:ea typeface="等线" panose="02010600030101010101" pitchFamily="2" charset="-122"/>
+                      </a:endParaRPr>
+                    </a:p>
+                  </a:txBody>
+                  <a:tcPr marL="6350" marR="6350" marT="6350" marB="0" anchor="b"/>
+                </a:tc>
+                <a:tc>
+                  <a:txBody>
+                    <a:bodyPr/>
+                    <a:lstStyle/>
+                    <a:p>
+                      <a:pPr algn="l" fontAlgn="b"/>
+                      <a:r>
+                        <a:rPr lang="en-US" sz="1100" u="none" strike="noStrike">
+                          <a:effectLst/>
+                        </a:rPr>
+                        <a:t>Validation</a:t>
+                      </a:r>
+                      <a:endParaRPr lang="en-US" sz="1100" b="0" i="0" u="none" strike="noStrike">
+                        <a:solidFill>
+                          <a:srgbClr val="000000"/>
+                        </a:solidFill>
+                        <a:effectLst/>
+                        <a:latin typeface="等线" panose="02010600030101010101" pitchFamily="2" charset="-122"/>
+                        <a:ea typeface="等线" panose="02010600030101010101" pitchFamily="2" charset="-122"/>
+                      </a:endParaRPr>
+                    </a:p>
+                  </a:txBody>
+                  <a:tcPr marL="6350" marR="6350" marT="6350" marB="0" anchor="b"/>
+                </a:tc>
+                <a:tc>
+                  <a:txBody>
+                    <a:bodyPr/>
+                    <a:lstStyle/>
+                    <a:p>
+                      <a:pPr algn="l" fontAlgn="b"/>
+                      <a:r>
+                        <a:rPr lang="en-US" sz="1100" u="none" strike="noStrike">
+                          <a:effectLst/>
+                        </a:rPr>
+                        <a:t>Classifier</a:t>
+                      </a:r>
+                      <a:endParaRPr lang="en-US" sz="1100" b="0" i="0" u="none" strike="noStrike">
+                        <a:solidFill>
+                          <a:srgbClr val="000000"/>
+                        </a:solidFill>
+                        <a:effectLst/>
+                        <a:latin typeface="等线" panose="02010600030101010101" pitchFamily="2" charset="-122"/>
+                        <a:ea typeface="等线" panose="02010600030101010101" pitchFamily="2" charset="-122"/>
+                      </a:endParaRPr>
+                    </a:p>
+                  </a:txBody>
+                  <a:tcPr marL="6350" marR="6350" marT="6350" marB="0" anchor="b"/>
+                </a:tc>
+                <a:tc>
+                  <a:txBody>
+                    <a:bodyPr/>
+                    <a:lstStyle/>
+                    <a:p>
+                      <a:pPr algn="l" fontAlgn="b"/>
+                      <a:r>
+                        <a:rPr lang="en-US" sz="1100" u="none" strike="noStrike">
+                          <a:effectLst/>
+                        </a:rPr>
+                        <a:t>AC</a:t>
+                      </a:r>
+                      <a:endParaRPr lang="en-US" sz="1100" b="0" i="0" u="none" strike="noStrike">
+                        <a:solidFill>
+                          <a:srgbClr val="000000"/>
+                        </a:solidFill>
+                        <a:effectLst/>
+                        <a:latin typeface="等线" panose="02010600030101010101" pitchFamily="2" charset="-122"/>
+                        <a:ea typeface="等线" panose="02010600030101010101" pitchFamily="2" charset="-122"/>
+                      </a:endParaRPr>
+                    </a:p>
+                  </a:txBody>
+                  <a:tcPr marL="6350" marR="6350" marT="6350" marB="0" anchor="b"/>
+                </a:tc>
+                <a:extLst>
+                  <a:ext uri="{0D108BD9-81ED-4DB2-BD59-A6C34878D82A}">
+                    <a16:rowId xmlns:a16="http://schemas.microsoft.com/office/drawing/2014/main" val="3915541722"/>
+                  </a:ext>
+                </a:extLst>
+              </a:tr>
+              <a:tr h="279325">
+                <a:tc>
+                  <a:txBody>
+                    <a:bodyPr/>
+                    <a:lstStyle/>
+                    <a:p>
+                      <a:pPr algn="l" fontAlgn="b"/>
+                      <a:r>
+                        <a:rPr lang="en-US" sz="1100" u="none" strike="noStrike">
+                          <a:effectLst/>
+                        </a:rPr>
+                        <a:t>FSFOA</a:t>
+                      </a:r>
+                      <a:endParaRPr lang="en-US" sz="1100" b="0" i="0" u="none" strike="noStrike">
+                        <a:solidFill>
+                          <a:srgbClr val="000000"/>
+                        </a:solidFill>
+                        <a:effectLst/>
+                        <a:latin typeface="等线" panose="02010600030101010101" pitchFamily="2" charset="-122"/>
+                        <a:ea typeface="等线" panose="02010600030101010101" pitchFamily="2" charset="-122"/>
+                      </a:endParaRPr>
+                    </a:p>
+                  </a:txBody>
+                  <a:tcPr marL="6350" marR="6350" marT="6350" marB="0" anchor="b"/>
+                </a:tc>
+                <a:tc>
+                  <a:txBody>
+                    <a:bodyPr/>
+                    <a:lstStyle/>
+                    <a:p>
+                      <a:pPr algn="r" fontAlgn="b"/>
+                      <a:r>
+                        <a:rPr lang="en-US" altLang="zh-CN" sz="1100" u="none" strike="noStrike">
+                          <a:effectLst/>
+                        </a:rPr>
+                        <a:t>11.00988293</a:t>
+                      </a:r>
+                      <a:endParaRPr lang="en-US" altLang="zh-CN" sz="1100" b="0" i="0" u="none" strike="noStrike">
+                        <a:solidFill>
+                          <a:srgbClr val="000000"/>
+                        </a:solidFill>
+                        <a:effectLst/>
+                        <a:latin typeface="等线" panose="02010600030101010101" pitchFamily="2" charset="-122"/>
+                        <a:ea typeface="等线" panose="02010600030101010101" pitchFamily="2" charset="-122"/>
+                      </a:endParaRPr>
+                    </a:p>
+                  </a:txBody>
+                  <a:tcPr marL="6350" marR="6350" marT="6350" marB="0" anchor="b"/>
+                </a:tc>
+                <a:tc>
+                  <a:txBody>
+                    <a:bodyPr/>
+                    <a:lstStyle/>
+                    <a:p>
+                      <a:pPr algn="r" fontAlgn="b"/>
+                      <a:r>
+                        <a:rPr lang="en-US" altLang="zh-CN" sz="1100" u="none" strike="noStrike">
+                          <a:effectLst/>
+                        </a:rPr>
+                        <a:t>0.548387097</a:t>
+                      </a:r>
+                      <a:endParaRPr lang="en-US" altLang="zh-CN" sz="1100" b="0" i="0" u="none" strike="noStrike">
+                        <a:solidFill>
+                          <a:srgbClr val="000000"/>
+                        </a:solidFill>
+                        <a:effectLst/>
+                        <a:latin typeface="等线" panose="02010600030101010101" pitchFamily="2" charset="-122"/>
+                        <a:ea typeface="等线" panose="02010600030101010101" pitchFamily="2" charset="-122"/>
+                      </a:endParaRPr>
+                    </a:p>
+                  </a:txBody>
+                  <a:tcPr marL="6350" marR="6350" marT="6350" marB="0" anchor="b"/>
+                </a:tc>
+                <a:tc>
+                  <a:txBody>
+                    <a:bodyPr/>
+                    <a:lstStyle/>
+                    <a:p>
+                      <a:pPr algn="l" fontAlgn="b"/>
+                      <a:r>
+                        <a:rPr lang="en-US" altLang="zh-CN" sz="1100" u="none" strike="noStrike">
+                          <a:effectLst/>
+                        </a:rPr>
+                        <a:t>70%-30%</a:t>
+                      </a:r>
+                      <a:endParaRPr lang="en-US" altLang="zh-CN" sz="1100" b="0" i="0" u="none" strike="noStrike">
+                        <a:solidFill>
+                          <a:srgbClr val="000000"/>
+                        </a:solidFill>
+                        <a:effectLst/>
+                        <a:latin typeface="等线" panose="02010600030101010101" pitchFamily="2" charset="-122"/>
+                        <a:ea typeface="等线" panose="02010600030101010101" pitchFamily="2" charset="-122"/>
+                      </a:endParaRPr>
+                    </a:p>
+                  </a:txBody>
+                  <a:tcPr marL="6350" marR="6350" marT="6350" marB="0" anchor="b"/>
+                </a:tc>
+                <a:tc>
+                  <a:txBody>
+                    <a:bodyPr/>
+                    <a:lstStyle/>
+                    <a:p>
+                      <a:pPr algn="l" fontAlgn="b"/>
+                      <a:r>
+                        <a:rPr lang="en-US" sz="1100" u="none" strike="noStrike">
+                          <a:effectLst/>
+                        </a:rPr>
+                        <a:t>1nn</a:t>
+                      </a:r>
+                      <a:endParaRPr lang="en-US" sz="1100" b="0" i="0" u="none" strike="noStrike">
+                        <a:solidFill>
+                          <a:srgbClr val="000000"/>
+                        </a:solidFill>
+                        <a:effectLst/>
+                        <a:latin typeface="等线" panose="02010600030101010101" pitchFamily="2" charset="-122"/>
+                        <a:ea typeface="等线" panose="02010600030101010101" pitchFamily="2" charset="-122"/>
+                      </a:endParaRPr>
+                    </a:p>
+                  </a:txBody>
+                  <a:tcPr marL="6350" marR="6350" marT="6350" marB="0" anchor="b"/>
+                </a:tc>
+                <a:tc>
+                  <a:txBody>
+                    <a:bodyPr/>
+                    <a:lstStyle/>
+                    <a:p>
+                      <a:pPr algn="r" fontAlgn="b"/>
+                      <a:r>
+                        <a:rPr lang="en-US" altLang="zh-CN" sz="1100" u="none" strike="noStrike">
+                          <a:effectLst/>
+                        </a:rPr>
+                        <a:t>0.842105263</a:t>
+                      </a:r>
+                      <a:endParaRPr lang="en-US" altLang="zh-CN" sz="1100" b="0" i="0" u="none" strike="noStrike">
+                        <a:solidFill>
+                          <a:srgbClr val="000000"/>
+                        </a:solidFill>
+                        <a:effectLst/>
+                        <a:latin typeface="等线" panose="02010600030101010101" pitchFamily="2" charset="-122"/>
+                        <a:ea typeface="等线" panose="02010600030101010101" pitchFamily="2" charset="-122"/>
+                      </a:endParaRPr>
+                    </a:p>
+                  </a:txBody>
+                  <a:tcPr marL="6350" marR="6350" marT="6350" marB="0" anchor="b"/>
+                </a:tc>
+                <a:extLst>
+                  <a:ext uri="{0D108BD9-81ED-4DB2-BD59-A6C34878D82A}">
+                    <a16:rowId xmlns:a16="http://schemas.microsoft.com/office/drawing/2014/main" val="3049825274"/>
+                  </a:ext>
+                </a:extLst>
+              </a:tr>
+              <a:tr h="279325">
+                <a:tc>
+                  <a:txBody>
+                    <a:bodyPr/>
+                    <a:lstStyle/>
+                    <a:p>
+                      <a:pPr algn="l" fontAlgn="b"/>
+                      <a:endParaRPr lang="zh-CN" altLang="en-US" sz="1100" b="0" i="0" u="none" strike="noStrike">
+                        <a:solidFill>
+                          <a:srgbClr val="000000"/>
+                        </a:solidFill>
+                        <a:effectLst/>
+                        <a:latin typeface="等线" panose="02010600030101010101" pitchFamily="2" charset="-122"/>
+                        <a:ea typeface="等线" panose="02010600030101010101" pitchFamily="2" charset="-122"/>
+                      </a:endParaRPr>
+                    </a:p>
+                  </a:txBody>
+                  <a:tcPr marL="6350" marR="6350" marT="6350" marB="0" anchor="b"/>
+                </a:tc>
+                <a:tc>
+                  <a:txBody>
+                    <a:bodyPr/>
+                    <a:lstStyle/>
+                    <a:p>
+                      <a:pPr algn="r" fontAlgn="b"/>
+                      <a:r>
+                        <a:rPr lang="en-US" altLang="zh-CN" sz="1100" u="none" strike="noStrike">
+                          <a:effectLst/>
+                        </a:rPr>
+                        <a:t>13.82025456</a:t>
+                      </a:r>
+                      <a:endParaRPr lang="en-US" altLang="zh-CN" sz="1100" b="0" i="0" u="none" strike="noStrike">
+                        <a:solidFill>
+                          <a:srgbClr val="000000"/>
+                        </a:solidFill>
+                        <a:effectLst/>
+                        <a:latin typeface="等线" panose="02010600030101010101" pitchFamily="2" charset="-122"/>
+                        <a:ea typeface="等线" panose="02010600030101010101" pitchFamily="2" charset="-122"/>
+                      </a:endParaRPr>
+                    </a:p>
+                  </a:txBody>
+                  <a:tcPr marL="6350" marR="6350" marT="6350" marB="0" anchor="b"/>
+                </a:tc>
+                <a:tc>
+                  <a:txBody>
+                    <a:bodyPr/>
+                    <a:lstStyle/>
+                    <a:p>
+                      <a:pPr algn="r" fontAlgn="b"/>
+                      <a:r>
+                        <a:rPr lang="en-US" altLang="zh-CN" sz="1100" u="none" strike="noStrike">
+                          <a:effectLst/>
+                        </a:rPr>
+                        <a:t>0.470967742</a:t>
+                      </a:r>
+                      <a:endParaRPr lang="en-US" altLang="zh-CN" sz="1100" b="0" i="0" u="none" strike="noStrike">
+                        <a:solidFill>
+                          <a:srgbClr val="000000"/>
+                        </a:solidFill>
+                        <a:effectLst/>
+                        <a:latin typeface="等线" panose="02010600030101010101" pitchFamily="2" charset="-122"/>
+                        <a:ea typeface="等线" panose="02010600030101010101" pitchFamily="2" charset="-122"/>
+                      </a:endParaRPr>
+                    </a:p>
+                  </a:txBody>
+                  <a:tcPr marL="6350" marR="6350" marT="6350" marB="0" anchor="b"/>
+                </a:tc>
+                <a:tc>
+                  <a:txBody>
+                    <a:bodyPr/>
+                    <a:lstStyle/>
+                    <a:p>
+                      <a:pPr algn="l" fontAlgn="b"/>
+                      <a:r>
+                        <a:rPr lang="en-US" altLang="zh-CN" sz="1100" u="none" strike="noStrike">
+                          <a:effectLst/>
+                        </a:rPr>
+                        <a:t>70%-30%</a:t>
+                      </a:r>
+                      <a:endParaRPr lang="en-US" altLang="zh-CN" sz="1100" b="0" i="0" u="none" strike="noStrike">
+                        <a:solidFill>
+                          <a:srgbClr val="000000"/>
+                        </a:solidFill>
+                        <a:effectLst/>
+                        <a:latin typeface="等线" panose="02010600030101010101" pitchFamily="2" charset="-122"/>
+                        <a:ea typeface="等线" panose="02010600030101010101" pitchFamily="2" charset="-122"/>
+                      </a:endParaRPr>
+                    </a:p>
+                  </a:txBody>
+                  <a:tcPr marL="6350" marR="6350" marT="6350" marB="0" anchor="b"/>
+                </a:tc>
+                <a:tc>
+                  <a:txBody>
+                    <a:bodyPr/>
+                    <a:lstStyle/>
+                    <a:p>
+                      <a:pPr algn="l" fontAlgn="b"/>
+                      <a:r>
+                        <a:rPr lang="en-US" sz="1100" u="none" strike="noStrike">
+                          <a:effectLst/>
+                        </a:rPr>
+                        <a:t>5nn</a:t>
+                      </a:r>
+                      <a:endParaRPr lang="en-US" sz="1100" b="0" i="0" u="none" strike="noStrike">
+                        <a:solidFill>
+                          <a:srgbClr val="000000"/>
+                        </a:solidFill>
+                        <a:effectLst/>
+                        <a:latin typeface="等线" panose="02010600030101010101" pitchFamily="2" charset="-122"/>
+                        <a:ea typeface="等线" panose="02010600030101010101" pitchFamily="2" charset="-122"/>
+                      </a:endParaRPr>
+                    </a:p>
+                  </a:txBody>
+                  <a:tcPr marL="6350" marR="6350" marT="6350" marB="0" anchor="b"/>
+                </a:tc>
+                <a:tc>
+                  <a:txBody>
+                    <a:bodyPr/>
+                    <a:lstStyle/>
+                    <a:p>
+                      <a:pPr algn="r" fontAlgn="b"/>
+                      <a:r>
+                        <a:rPr lang="en-US" altLang="zh-CN" sz="1100" u="none" strike="noStrike">
+                          <a:effectLst/>
+                        </a:rPr>
+                        <a:t>0.921052632</a:t>
+                      </a:r>
+                      <a:endParaRPr lang="en-US" altLang="zh-CN" sz="1100" b="0" i="0" u="none" strike="noStrike">
+                        <a:solidFill>
+                          <a:srgbClr val="000000"/>
+                        </a:solidFill>
+                        <a:effectLst/>
+                        <a:latin typeface="等线" panose="02010600030101010101" pitchFamily="2" charset="-122"/>
+                        <a:ea typeface="等线" panose="02010600030101010101" pitchFamily="2" charset="-122"/>
+                      </a:endParaRPr>
+                    </a:p>
+                  </a:txBody>
+                  <a:tcPr marL="6350" marR="6350" marT="6350" marB="0" anchor="b"/>
+                </a:tc>
+                <a:extLst>
+                  <a:ext uri="{0D108BD9-81ED-4DB2-BD59-A6C34878D82A}">
+                    <a16:rowId xmlns:a16="http://schemas.microsoft.com/office/drawing/2014/main" val="1053082197"/>
+                  </a:ext>
+                </a:extLst>
+              </a:tr>
+              <a:tr h="279325">
+                <a:tc>
+                  <a:txBody>
+                    <a:bodyPr/>
+                    <a:lstStyle/>
+                    <a:p>
+                      <a:pPr algn="l" fontAlgn="b"/>
+                      <a:endParaRPr lang="zh-CN" altLang="en-US" sz="1100" b="0" i="0" u="none" strike="noStrike">
+                        <a:solidFill>
+                          <a:srgbClr val="000000"/>
+                        </a:solidFill>
+                        <a:effectLst/>
+                        <a:latin typeface="等线" panose="02010600030101010101" pitchFamily="2" charset="-122"/>
+                        <a:ea typeface="等线" panose="02010600030101010101" pitchFamily="2" charset="-122"/>
+                      </a:endParaRPr>
+                    </a:p>
+                  </a:txBody>
+                  <a:tcPr marL="6350" marR="6350" marT="6350" marB="0" anchor="b"/>
+                </a:tc>
+                <a:tc>
+                  <a:txBody>
+                    <a:bodyPr/>
+                    <a:lstStyle/>
+                    <a:p>
+                      <a:pPr algn="r" fontAlgn="b"/>
+                      <a:r>
+                        <a:rPr lang="en-US" altLang="zh-CN" sz="1100" u="none" strike="noStrike">
+                          <a:effectLst/>
+                        </a:rPr>
+                        <a:t>0.298256874</a:t>
+                      </a:r>
+                      <a:endParaRPr lang="en-US" altLang="zh-CN" sz="1100" b="0" i="0" u="none" strike="noStrike">
+                        <a:solidFill>
+                          <a:srgbClr val="000000"/>
+                        </a:solidFill>
+                        <a:effectLst/>
+                        <a:latin typeface="等线" panose="02010600030101010101" pitchFamily="2" charset="-122"/>
+                        <a:ea typeface="等线" panose="02010600030101010101" pitchFamily="2" charset="-122"/>
+                      </a:endParaRPr>
+                    </a:p>
+                  </a:txBody>
+                  <a:tcPr marL="6350" marR="6350" marT="6350" marB="0" anchor="b"/>
+                </a:tc>
+                <a:tc>
+                  <a:txBody>
+                    <a:bodyPr/>
+                    <a:lstStyle/>
+                    <a:p>
+                      <a:pPr algn="r" fontAlgn="b"/>
+                      <a:r>
+                        <a:rPr lang="en-US" altLang="zh-CN" sz="1100" u="none" strike="noStrike">
+                          <a:effectLst/>
+                        </a:rPr>
+                        <a:t>0.480645161</a:t>
+                      </a:r>
+                      <a:endParaRPr lang="en-US" altLang="zh-CN" sz="1100" b="0" i="0" u="none" strike="noStrike">
+                        <a:solidFill>
+                          <a:srgbClr val="000000"/>
+                        </a:solidFill>
+                        <a:effectLst/>
+                        <a:latin typeface="等线" panose="02010600030101010101" pitchFamily="2" charset="-122"/>
+                        <a:ea typeface="等线" panose="02010600030101010101" pitchFamily="2" charset="-122"/>
+                      </a:endParaRPr>
+                    </a:p>
+                  </a:txBody>
+                  <a:tcPr marL="6350" marR="6350" marT="6350" marB="0" anchor="b"/>
+                </a:tc>
+                <a:tc>
+                  <a:txBody>
+                    <a:bodyPr/>
+                    <a:lstStyle/>
+                    <a:p>
+                      <a:pPr algn="l" fontAlgn="b"/>
+                      <a:r>
+                        <a:rPr lang="en-US" altLang="zh-CN" sz="1100" u="none" strike="noStrike">
+                          <a:effectLst/>
+                        </a:rPr>
+                        <a:t>70%-30%</a:t>
+                      </a:r>
+                      <a:endParaRPr lang="en-US" altLang="zh-CN" sz="1100" b="0" i="0" u="none" strike="noStrike">
+                        <a:solidFill>
+                          <a:srgbClr val="000000"/>
+                        </a:solidFill>
+                        <a:effectLst/>
+                        <a:latin typeface="等线" panose="02010600030101010101" pitchFamily="2" charset="-122"/>
+                        <a:ea typeface="等线" panose="02010600030101010101" pitchFamily="2" charset="-122"/>
+                      </a:endParaRPr>
+                    </a:p>
+                  </a:txBody>
+                  <a:tcPr marL="6350" marR="6350" marT="6350" marB="0" anchor="b"/>
+                </a:tc>
+                <a:tc>
+                  <a:txBody>
+                    <a:bodyPr/>
+                    <a:lstStyle/>
+                    <a:p>
+                      <a:pPr algn="l" fontAlgn="b"/>
+                      <a:r>
+                        <a:rPr lang="en-US" sz="1100" u="none" strike="noStrike">
+                          <a:effectLst/>
+                        </a:rPr>
+                        <a:t>SVM</a:t>
+                      </a:r>
+                      <a:endParaRPr lang="en-US" sz="1100" b="0" i="0" u="none" strike="noStrike">
+                        <a:solidFill>
+                          <a:srgbClr val="000000"/>
+                        </a:solidFill>
+                        <a:effectLst/>
+                        <a:latin typeface="等线" panose="02010600030101010101" pitchFamily="2" charset="-122"/>
+                        <a:ea typeface="等线" panose="02010600030101010101" pitchFamily="2" charset="-122"/>
+                      </a:endParaRPr>
+                    </a:p>
+                  </a:txBody>
+                  <a:tcPr marL="6350" marR="6350" marT="6350" marB="0" anchor="b"/>
+                </a:tc>
+                <a:tc>
+                  <a:txBody>
+                    <a:bodyPr/>
+                    <a:lstStyle/>
+                    <a:p>
+                      <a:pPr algn="r" fontAlgn="b"/>
+                      <a:r>
+                        <a:rPr lang="en-US" altLang="zh-CN" sz="1100" u="none" strike="noStrike" kern="1200" dirty="0">
+                          <a:solidFill>
+                            <a:schemeClr val="dk1"/>
+                          </a:solidFill>
+                          <a:effectLst/>
+                          <a:latin typeface="+mn-lt"/>
+                          <a:ea typeface="+mn-ea"/>
+                          <a:cs typeface="+mn-cs"/>
+                        </a:rPr>
+                        <a:t>0.94736842</a:t>
+                      </a:r>
+                      <a:r>
+                        <a:rPr lang="en-US" altLang="zh-CN" sz="1100" u="none" strike="noStrike" dirty="0">
+                          <a:effectLst/>
+                        </a:rPr>
+                        <a:t>1</a:t>
+                      </a:r>
+                      <a:endParaRPr lang="en-US" altLang="zh-CN" sz="1100" b="0" i="0" u="none" strike="noStrike" dirty="0">
+                        <a:solidFill>
+                          <a:srgbClr val="006100"/>
+                        </a:solidFill>
+                        <a:effectLst/>
+                        <a:latin typeface="等线" panose="02010600030101010101" pitchFamily="2" charset="-122"/>
+                        <a:ea typeface="等线" panose="02010600030101010101" pitchFamily="2" charset="-122"/>
+                      </a:endParaRPr>
+                    </a:p>
+                  </a:txBody>
+                  <a:tcPr marL="6350" marR="6350" marT="6350" marB="0" anchor="b">
+                    <a:solidFill>
+                      <a:srgbClr val="92D050"/>
+                    </a:solidFill>
+                  </a:tcPr>
+                </a:tc>
+                <a:extLst>
+                  <a:ext uri="{0D108BD9-81ED-4DB2-BD59-A6C34878D82A}">
+                    <a16:rowId xmlns:a16="http://schemas.microsoft.com/office/drawing/2014/main" val="586553749"/>
+                  </a:ext>
+                </a:extLst>
+              </a:tr>
+              <a:tr h="279325">
+                <a:tc>
+                  <a:txBody>
+                    <a:bodyPr/>
+                    <a:lstStyle/>
+                    <a:p>
+                      <a:pPr algn="l" fontAlgn="b"/>
+                      <a:endParaRPr lang="zh-CN" altLang="en-US" sz="1100" b="0" i="0" u="none" strike="noStrike">
+                        <a:solidFill>
+                          <a:srgbClr val="000000"/>
+                        </a:solidFill>
+                        <a:effectLst/>
+                        <a:latin typeface="等线" panose="02010600030101010101" pitchFamily="2" charset="-122"/>
+                        <a:ea typeface="等线" panose="02010600030101010101" pitchFamily="2" charset="-122"/>
+                      </a:endParaRPr>
+                    </a:p>
+                  </a:txBody>
+                  <a:tcPr marL="6350" marR="6350" marT="6350" marB="0" anchor="b"/>
+                </a:tc>
+                <a:tc>
+                  <a:txBody>
+                    <a:bodyPr/>
+                    <a:lstStyle/>
+                    <a:p>
+                      <a:pPr algn="r" fontAlgn="b"/>
+                      <a:r>
+                        <a:rPr lang="en-US" altLang="zh-CN" sz="1100" u="none" strike="noStrike">
+                          <a:effectLst/>
+                        </a:rPr>
+                        <a:t>0.408370972</a:t>
+                      </a:r>
+                      <a:endParaRPr lang="en-US" altLang="zh-CN" sz="1100" b="0" i="0" u="none" strike="noStrike">
+                        <a:solidFill>
+                          <a:srgbClr val="000000"/>
+                        </a:solidFill>
+                        <a:effectLst/>
+                        <a:latin typeface="等线" panose="02010600030101010101" pitchFamily="2" charset="-122"/>
+                        <a:ea typeface="等线" panose="02010600030101010101" pitchFamily="2" charset="-122"/>
+                      </a:endParaRPr>
+                    </a:p>
+                  </a:txBody>
+                  <a:tcPr marL="6350" marR="6350" marT="6350" marB="0" anchor="b"/>
+                </a:tc>
+                <a:tc>
+                  <a:txBody>
+                    <a:bodyPr/>
+                    <a:lstStyle/>
+                    <a:p>
+                      <a:pPr algn="r" fontAlgn="b"/>
+                      <a:r>
+                        <a:rPr lang="en-US" altLang="zh-CN" sz="1100" u="none" strike="noStrike">
+                          <a:effectLst/>
+                        </a:rPr>
+                        <a:t>0.496774194</a:t>
+                      </a:r>
+                      <a:endParaRPr lang="en-US" altLang="zh-CN" sz="1100" b="0" i="0" u="none" strike="noStrike">
+                        <a:solidFill>
+                          <a:srgbClr val="000000"/>
+                        </a:solidFill>
+                        <a:effectLst/>
+                        <a:latin typeface="等线" panose="02010600030101010101" pitchFamily="2" charset="-122"/>
+                        <a:ea typeface="等线" panose="02010600030101010101" pitchFamily="2" charset="-122"/>
+                      </a:endParaRPr>
+                    </a:p>
+                  </a:txBody>
+                  <a:tcPr marL="6350" marR="6350" marT="6350" marB="0" anchor="b"/>
+                </a:tc>
+                <a:tc>
+                  <a:txBody>
+                    <a:bodyPr/>
+                    <a:lstStyle/>
+                    <a:p>
+                      <a:pPr algn="l" fontAlgn="b"/>
+                      <a:r>
+                        <a:rPr lang="en-US" altLang="zh-CN" sz="1100" u="none" strike="noStrike" dirty="0">
+                          <a:effectLst/>
+                        </a:rPr>
+                        <a:t>70%-30%</a:t>
+                      </a:r>
+                      <a:endParaRPr lang="en-US" altLang="zh-CN" sz="1100" b="0" i="0" u="none" strike="noStrike" dirty="0">
+                        <a:solidFill>
+                          <a:srgbClr val="000000"/>
+                        </a:solidFill>
+                        <a:effectLst/>
+                        <a:latin typeface="等线" panose="02010600030101010101" pitchFamily="2" charset="-122"/>
+                        <a:ea typeface="等线" panose="02010600030101010101" pitchFamily="2" charset="-122"/>
+                      </a:endParaRPr>
+                    </a:p>
+                  </a:txBody>
+                  <a:tcPr marL="6350" marR="6350" marT="6350" marB="0" anchor="b"/>
+                </a:tc>
+                <a:tc>
+                  <a:txBody>
+                    <a:bodyPr/>
+                    <a:lstStyle/>
+                    <a:p>
+                      <a:pPr algn="l" fontAlgn="b"/>
+                      <a:r>
+                        <a:rPr lang="en-US" sz="1100" u="none" strike="noStrike">
+                          <a:effectLst/>
+                        </a:rPr>
+                        <a:t>Cart</a:t>
+                      </a:r>
+                      <a:endParaRPr lang="en-US" sz="1100" b="0" i="0" u="none" strike="noStrike">
+                        <a:solidFill>
+                          <a:srgbClr val="000000"/>
+                        </a:solidFill>
+                        <a:effectLst/>
+                        <a:latin typeface="等线" panose="02010600030101010101" pitchFamily="2" charset="-122"/>
+                        <a:ea typeface="等线" panose="02010600030101010101" pitchFamily="2" charset="-122"/>
+                      </a:endParaRPr>
+                    </a:p>
+                  </a:txBody>
+                  <a:tcPr marL="6350" marR="6350" marT="6350" marB="0" anchor="b"/>
+                </a:tc>
+                <a:tc>
+                  <a:txBody>
+                    <a:bodyPr/>
+                    <a:lstStyle/>
+                    <a:p>
+                      <a:pPr algn="r" fontAlgn="b"/>
+                      <a:r>
+                        <a:rPr lang="en-US" altLang="zh-CN" sz="1100" u="none" strike="noStrike">
+                          <a:effectLst/>
+                        </a:rPr>
+                        <a:t>0.894736842</a:t>
+                      </a:r>
+                      <a:endParaRPr lang="en-US" altLang="zh-CN" sz="1100" b="0" i="0" u="none" strike="noStrike">
+                        <a:solidFill>
+                          <a:srgbClr val="000000"/>
+                        </a:solidFill>
+                        <a:effectLst/>
+                        <a:latin typeface="等线" panose="02010600030101010101" pitchFamily="2" charset="-122"/>
+                        <a:ea typeface="等线" panose="02010600030101010101" pitchFamily="2" charset="-122"/>
+                      </a:endParaRPr>
+                    </a:p>
+                  </a:txBody>
+                  <a:tcPr marL="6350" marR="6350" marT="6350" marB="0" anchor="b"/>
+                </a:tc>
+                <a:extLst>
+                  <a:ext uri="{0D108BD9-81ED-4DB2-BD59-A6C34878D82A}">
+                    <a16:rowId xmlns:a16="http://schemas.microsoft.com/office/drawing/2014/main" val="310481505"/>
+                  </a:ext>
+                </a:extLst>
+              </a:tr>
+              <a:tr h="279325">
+                <a:tc>
+                  <a:txBody>
+                    <a:bodyPr/>
+                    <a:lstStyle/>
+                    <a:p>
+                      <a:pPr algn="l" fontAlgn="b"/>
+                      <a:r>
+                        <a:rPr lang="en-US" sz="1100" u="none" strike="noStrike">
+                          <a:effectLst/>
+                        </a:rPr>
+                        <a:t>Algorithm</a:t>
+                      </a:r>
+                      <a:endParaRPr lang="en-US" sz="1100" b="0" i="0" u="none" strike="noStrike">
+                        <a:solidFill>
+                          <a:srgbClr val="000000"/>
+                        </a:solidFill>
+                        <a:effectLst/>
+                        <a:latin typeface="等线" panose="02010600030101010101" pitchFamily="2" charset="-122"/>
+                        <a:ea typeface="等线" panose="02010600030101010101" pitchFamily="2" charset="-122"/>
+                      </a:endParaRPr>
+                    </a:p>
+                  </a:txBody>
+                  <a:tcPr marL="6350" marR="6350" marT="6350" marB="0" anchor="b"/>
+                </a:tc>
+                <a:tc>
+                  <a:txBody>
+                    <a:bodyPr/>
+                    <a:lstStyle/>
+                    <a:p>
+                      <a:pPr algn="l" fontAlgn="b"/>
+                      <a:r>
+                        <a:rPr lang="en-US" sz="1100" u="none" strike="noStrike">
+                          <a:effectLst/>
+                        </a:rPr>
+                        <a:t>Time</a:t>
+                      </a:r>
+                      <a:endParaRPr lang="en-US" sz="1100" b="0" i="0" u="none" strike="noStrike">
+                        <a:solidFill>
+                          <a:srgbClr val="000000"/>
+                        </a:solidFill>
+                        <a:effectLst/>
+                        <a:latin typeface="等线" panose="02010600030101010101" pitchFamily="2" charset="-122"/>
+                        <a:ea typeface="等线" panose="02010600030101010101" pitchFamily="2" charset="-122"/>
+                      </a:endParaRPr>
+                    </a:p>
+                  </a:txBody>
+                  <a:tcPr marL="6350" marR="6350" marT="6350" marB="0" anchor="b"/>
+                </a:tc>
+                <a:tc>
+                  <a:txBody>
+                    <a:bodyPr/>
+                    <a:lstStyle/>
+                    <a:p>
+                      <a:pPr algn="l" fontAlgn="b"/>
+                      <a:r>
+                        <a:rPr lang="en-US" sz="1100" u="none" strike="noStrike">
+                          <a:effectLst/>
+                        </a:rPr>
+                        <a:t>DR</a:t>
+                      </a:r>
+                      <a:endParaRPr lang="en-US" sz="1100" b="0" i="0" u="none" strike="noStrike">
+                        <a:solidFill>
+                          <a:srgbClr val="000000"/>
+                        </a:solidFill>
+                        <a:effectLst/>
+                        <a:latin typeface="等线" panose="02010600030101010101" pitchFamily="2" charset="-122"/>
+                        <a:ea typeface="等线" panose="02010600030101010101" pitchFamily="2" charset="-122"/>
+                      </a:endParaRPr>
+                    </a:p>
+                  </a:txBody>
+                  <a:tcPr marL="6350" marR="6350" marT="6350" marB="0" anchor="b"/>
+                </a:tc>
+                <a:tc>
+                  <a:txBody>
+                    <a:bodyPr/>
+                    <a:lstStyle/>
+                    <a:p>
+                      <a:pPr algn="l" fontAlgn="b"/>
+                      <a:r>
+                        <a:rPr lang="en-US" sz="1100" u="none" strike="noStrike">
+                          <a:effectLst/>
+                        </a:rPr>
+                        <a:t>Validation</a:t>
+                      </a:r>
+                      <a:endParaRPr lang="en-US" sz="1100" b="0" i="0" u="none" strike="noStrike">
+                        <a:solidFill>
+                          <a:srgbClr val="000000"/>
+                        </a:solidFill>
+                        <a:effectLst/>
+                        <a:latin typeface="等线" panose="02010600030101010101" pitchFamily="2" charset="-122"/>
+                        <a:ea typeface="等线" panose="02010600030101010101" pitchFamily="2" charset="-122"/>
+                      </a:endParaRPr>
+                    </a:p>
+                  </a:txBody>
+                  <a:tcPr marL="6350" marR="6350" marT="6350" marB="0" anchor="b"/>
+                </a:tc>
+                <a:tc>
+                  <a:txBody>
+                    <a:bodyPr/>
+                    <a:lstStyle/>
+                    <a:p>
+                      <a:pPr algn="l" fontAlgn="b"/>
+                      <a:r>
+                        <a:rPr lang="en-US" sz="1100" u="none" strike="noStrike">
+                          <a:effectLst/>
+                        </a:rPr>
+                        <a:t>Classifier</a:t>
+                      </a:r>
+                      <a:endParaRPr lang="en-US" sz="1100" b="0" i="0" u="none" strike="noStrike">
+                        <a:solidFill>
+                          <a:srgbClr val="000000"/>
+                        </a:solidFill>
+                        <a:effectLst/>
+                        <a:latin typeface="等线" panose="02010600030101010101" pitchFamily="2" charset="-122"/>
+                        <a:ea typeface="等线" panose="02010600030101010101" pitchFamily="2" charset="-122"/>
+                      </a:endParaRPr>
+                    </a:p>
+                  </a:txBody>
+                  <a:tcPr marL="6350" marR="6350" marT="6350" marB="0" anchor="b"/>
+                </a:tc>
+                <a:tc>
+                  <a:txBody>
+                    <a:bodyPr/>
+                    <a:lstStyle/>
+                    <a:p>
+                      <a:pPr algn="l" fontAlgn="b"/>
+                      <a:r>
+                        <a:rPr lang="en-US" sz="1100" u="none" strike="noStrike">
+                          <a:effectLst/>
+                        </a:rPr>
+                        <a:t>AC</a:t>
+                      </a:r>
+                      <a:endParaRPr lang="en-US" sz="1100" b="0" i="0" u="none" strike="noStrike">
+                        <a:solidFill>
+                          <a:srgbClr val="000000"/>
+                        </a:solidFill>
+                        <a:effectLst/>
+                        <a:latin typeface="等线" panose="02010600030101010101" pitchFamily="2" charset="-122"/>
+                        <a:ea typeface="等线" panose="02010600030101010101" pitchFamily="2" charset="-122"/>
+                      </a:endParaRPr>
+                    </a:p>
+                  </a:txBody>
+                  <a:tcPr marL="6350" marR="6350" marT="6350" marB="0" anchor="b"/>
+                </a:tc>
+                <a:extLst>
+                  <a:ext uri="{0D108BD9-81ED-4DB2-BD59-A6C34878D82A}">
+                    <a16:rowId xmlns:a16="http://schemas.microsoft.com/office/drawing/2014/main" val="3326318858"/>
+                  </a:ext>
+                </a:extLst>
+              </a:tr>
+              <a:tr h="279325">
+                <a:tc>
+                  <a:txBody>
+                    <a:bodyPr/>
+                    <a:lstStyle/>
+                    <a:p>
+                      <a:pPr algn="l" fontAlgn="b"/>
+                      <a:r>
+                        <a:rPr lang="en-US" sz="1100" u="none" strike="noStrike">
+                          <a:effectLst/>
+                        </a:rPr>
+                        <a:t>IFSFOA</a:t>
+                      </a:r>
+                      <a:endParaRPr lang="en-US" sz="1100" b="0" i="0" u="none" strike="noStrike">
+                        <a:solidFill>
+                          <a:srgbClr val="000000"/>
+                        </a:solidFill>
+                        <a:effectLst/>
+                        <a:latin typeface="等线" panose="02010600030101010101" pitchFamily="2" charset="-122"/>
+                        <a:ea typeface="等线" panose="02010600030101010101" pitchFamily="2" charset="-122"/>
+                      </a:endParaRPr>
+                    </a:p>
+                  </a:txBody>
+                  <a:tcPr marL="6350" marR="6350" marT="6350" marB="0" anchor="b"/>
+                </a:tc>
+                <a:tc>
+                  <a:txBody>
+                    <a:bodyPr/>
+                    <a:lstStyle/>
+                    <a:p>
+                      <a:pPr algn="r" fontAlgn="b"/>
+                      <a:r>
+                        <a:rPr lang="en-US" altLang="zh-CN" sz="1100" u="none" strike="noStrike">
+                          <a:effectLst/>
+                        </a:rPr>
+                        <a:t>920.2453747</a:t>
+                      </a:r>
+                      <a:endParaRPr lang="en-US" altLang="zh-CN" sz="1100" b="0" i="0" u="none" strike="noStrike">
+                        <a:solidFill>
+                          <a:srgbClr val="000000"/>
+                        </a:solidFill>
+                        <a:effectLst/>
+                        <a:latin typeface="等线" panose="02010600030101010101" pitchFamily="2" charset="-122"/>
+                        <a:ea typeface="等线" panose="02010600030101010101" pitchFamily="2" charset="-122"/>
+                      </a:endParaRPr>
+                    </a:p>
+                  </a:txBody>
+                  <a:tcPr marL="6350" marR="6350" marT="6350" marB="0" anchor="b"/>
+                </a:tc>
+                <a:tc>
+                  <a:txBody>
+                    <a:bodyPr/>
+                    <a:lstStyle/>
+                    <a:p>
+                      <a:pPr algn="r" fontAlgn="b"/>
+                      <a:r>
+                        <a:rPr lang="en-US" altLang="zh-CN" sz="1100" u="none" strike="noStrike" dirty="0">
+                          <a:effectLst/>
+                        </a:rPr>
+                        <a:t>0.577419355</a:t>
+                      </a:r>
+                      <a:endParaRPr lang="en-US" altLang="zh-CN" sz="1100" b="0" i="0" u="none" strike="noStrike" dirty="0">
+                        <a:solidFill>
+                          <a:srgbClr val="000000"/>
+                        </a:solidFill>
+                        <a:effectLst/>
+                        <a:latin typeface="等线" panose="02010600030101010101" pitchFamily="2" charset="-122"/>
+                        <a:ea typeface="等线" panose="02010600030101010101" pitchFamily="2" charset="-122"/>
+                      </a:endParaRPr>
+                    </a:p>
+                  </a:txBody>
+                  <a:tcPr marL="6350" marR="6350" marT="6350" marB="0" anchor="b">
+                    <a:solidFill>
+                      <a:srgbClr val="92D050"/>
+                    </a:solidFill>
+                  </a:tcPr>
+                </a:tc>
+                <a:tc>
+                  <a:txBody>
+                    <a:bodyPr/>
+                    <a:lstStyle/>
+                    <a:p>
+                      <a:pPr algn="l" fontAlgn="b"/>
+                      <a:r>
+                        <a:rPr lang="en-US" altLang="zh-CN" sz="1100" u="none" strike="noStrike">
+                          <a:effectLst/>
+                        </a:rPr>
+                        <a:t>70%-30%</a:t>
+                      </a:r>
+                      <a:endParaRPr lang="en-US" altLang="zh-CN" sz="1100" b="0" i="0" u="none" strike="noStrike">
+                        <a:solidFill>
+                          <a:srgbClr val="000000"/>
+                        </a:solidFill>
+                        <a:effectLst/>
+                        <a:latin typeface="等线" panose="02010600030101010101" pitchFamily="2" charset="-122"/>
+                        <a:ea typeface="等线" panose="02010600030101010101" pitchFamily="2" charset="-122"/>
+                      </a:endParaRPr>
+                    </a:p>
+                  </a:txBody>
+                  <a:tcPr marL="6350" marR="6350" marT="6350" marB="0" anchor="b"/>
+                </a:tc>
+                <a:tc>
+                  <a:txBody>
+                    <a:bodyPr/>
+                    <a:lstStyle/>
+                    <a:p>
+                      <a:pPr algn="l" fontAlgn="b"/>
+                      <a:r>
+                        <a:rPr lang="en-US" sz="1100" u="none" strike="noStrike">
+                          <a:effectLst/>
+                        </a:rPr>
+                        <a:t>1nn</a:t>
+                      </a:r>
+                      <a:endParaRPr lang="en-US" sz="1100" b="0" i="0" u="none" strike="noStrike">
+                        <a:solidFill>
+                          <a:srgbClr val="000000"/>
+                        </a:solidFill>
+                        <a:effectLst/>
+                        <a:latin typeface="等线" panose="02010600030101010101" pitchFamily="2" charset="-122"/>
+                        <a:ea typeface="等线" panose="02010600030101010101" pitchFamily="2" charset="-122"/>
+                      </a:endParaRPr>
+                    </a:p>
+                  </a:txBody>
+                  <a:tcPr marL="6350" marR="6350" marT="6350" marB="0" anchor="b"/>
+                </a:tc>
+                <a:tc>
+                  <a:txBody>
+                    <a:bodyPr/>
+                    <a:lstStyle/>
+                    <a:p>
+                      <a:pPr algn="r" fontAlgn="b"/>
+                      <a:r>
+                        <a:rPr lang="en-US" altLang="zh-CN" sz="1100" u="none" strike="noStrike" dirty="0">
+                          <a:effectLst/>
+                        </a:rPr>
+                        <a:t>0.947368421</a:t>
+                      </a:r>
+                      <a:endParaRPr lang="en-US" altLang="zh-CN" sz="1100" b="0" i="0" u="none" strike="noStrike" dirty="0">
+                        <a:solidFill>
+                          <a:srgbClr val="006100"/>
+                        </a:solidFill>
+                        <a:effectLst/>
+                        <a:latin typeface="等线" panose="02010600030101010101" pitchFamily="2" charset="-122"/>
+                        <a:ea typeface="等线" panose="02010600030101010101" pitchFamily="2" charset="-122"/>
+                      </a:endParaRPr>
+                    </a:p>
+                  </a:txBody>
+                  <a:tcPr marL="6350" marR="6350" marT="6350" marB="0" anchor="b">
+                    <a:solidFill>
+                      <a:srgbClr val="92D050"/>
+                    </a:solidFill>
+                  </a:tcPr>
+                </a:tc>
+                <a:extLst>
+                  <a:ext uri="{0D108BD9-81ED-4DB2-BD59-A6C34878D82A}">
+                    <a16:rowId xmlns:a16="http://schemas.microsoft.com/office/drawing/2014/main" val="3676389462"/>
+                  </a:ext>
+                </a:extLst>
+              </a:tr>
+              <a:tr h="279325">
+                <a:tc>
+                  <a:txBody>
+                    <a:bodyPr/>
+                    <a:lstStyle/>
+                    <a:p>
+                      <a:pPr algn="l" fontAlgn="b"/>
+                      <a:endParaRPr lang="zh-CN" altLang="en-US" sz="1100" b="0" i="0" u="none" strike="noStrike">
+                        <a:solidFill>
+                          <a:srgbClr val="000000"/>
+                        </a:solidFill>
+                        <a:effectLst/>
+                        <a:latin typeface="等线" panose="02010600030101010101" pitchFamily="2" charset="-122"/>
+                        <a:ea typeface="等线" panose="02010600030101010101" pitchFamily="2" charset="-122"/>
+                      </a:endParaRPr>
+                    </a:p>
+                  </a:txBody>
+                  <a:tcPr marL="6350" marR="6350" marT="6350" marB="0" anchor="b"/>
+                </a:tc>
+                <a:tc>
+                  <a:txBody>
+                    <a:bodyPr/>
+                    <a:lstStyle/>
+                    <a:p>
+                      <a:pPr algn="r" fontAlgn="b"/>
+                      <a:r>
+                        <a:rPr lang="en-US" altLang="zh-CN" sz="1100" u="none" strike="noStrike">
+                          <a:effectLst/>
+                        </a:rPr>
+                        <a:t>870.9531393</a:t>
+                      </a:r>
+                      <a:endParaRPr lang="en-US" altLang="zh-CN" sz="1100" b="0" i="0" u="none" strike="noStrike">
+                        <a:solidFill>
+                          <a:srgbClr val="000000"/>
+                        </a:solidFill>
+                        <a:effectLst/>
+                        <a:latin typeface="等线" panose="02010600030101010101" pitchFamily="2" charset="-122"/>
+                        <a:ea typeface="等线" panose="02010600030101010101" pitchFamily="2" charset="-122"/>
+                      </a:endParaRPr>
+                    </a:p>
+                  </a:txBody>
+                  <a:tcPr marL="6350" marR="6350" marT="6350" marB="0" anchor="b"/>
+                </a:tc>
+                <a:tc>
+                  <a:txBody>
+                    <a:bodyPr/>
+                    <a:lstStyle/>
+                    <a:p>
+                      <a:pPr algn="r" fontAlgn="b"/>
+                      <a:r>
+                        <a:rPr lang="en-US" altLang="zh-CN" sz="1100" u="none" strike="noStrike">
+                          <a:effectLst/>
+                        </a:rPr>
+                        <a:t>0.577419355</a:t>
+                      </a:r>
+                      <a:endParaRPr lang="en-US" altLang="zh-CN" sz="1100" b="0" i="0" u="none" strike="noStrike">
+                        <a:solidFill>
+                          <a:srgbClr val="000000"/>
+                        </a:solidFill>
+                        <a:effectLst/>
+                        <a:latin typeface="等线" panose="02010600030101010101" pitchFamily="2" charset="-122"/>
+                        <a:ea typeface="等线" panose="02010600030101010101" pitchFamily="2" charset="-122"/>
+                      </a:endParaRPr>
+                    </a:p>
+                  </a:txBody>
+                  <a:tcPr marL="6350" marR="6350" marT="6350" marB="0" anchor="b">
+                    <a:solidFill>
+                      <a:srgbClr val="92D050"/>
+                    </a:solidFill>
+                  </a:tcPr>
+                </a:tc>
+                <a:tc>
+                  <a:txBody>
+                    <a:bodyPr/>
+                    <a:lstStyle/>
+                    <a:p>
+                      <a:pPr algn="l" fontAlgn="b"/>
+                      <a:r>
+                        <a:rPr lang="en-US" altLang="zh-CN" sz="1100" u="none" strike="noStrike">
+                          <a:effectLst/>
+                        </a:rPr>
+                        <a:t>70%-30%</a:t>
+                      </a:r>
+                      <a:endParaRPr lang="en-US" altLang="zh-CN" sz="1100" b="0" i="0" u="none" strike="noStrike">
+                        <a:solidFill>
+                          <a:srgbClr val="000000"/>
+                        </a:solidFill>
+                        <a:effectLst/>
+                        <a:latin typeface="等线" panose="02010600030101010101" pitchFamily="2" charset="-122"/>
+                        <a:ea typeface="等线" panose="02010600030101010101" pitchFamily="2" charset="-122"/>
+                      </a:endParaRPr>
+                    </a:p>
+                  </a:txBody>
+                  <a:tcPr marL="6350" marR="6350" marT="6350" marB="0" anchor="b"/>
+                </a:tc>
+                <a:tc>
+                  <a:txBody>
+                    <a:bodyPr/>
+                    <a:lstStyle/>
+                    <a:p>
+                      <a:pPr algn="l" fontAlgn="b"/>
+                      <a:r>
+                        <a:rPr lang="en-US" sz="1100" u="none" strike="noStrike">
+                          <a:effectLst/>
+                        </a:rPr>
+                        <a:t>5nn</a:t>
+                      </a:r>
+                      <a:endParaRPr lang="en-US" sz="1100" b="0" i="0" u="none" strike="noStrike">
+                        <a:solidFill>
+                          <a:srgbClr val="000000"/>
+                        </a:solidFill>
+                        <a:effectLst/>
+                        <a:latin typeface="等线" panose="02010600030101010101" pitchFamily="2" charset="-122"/>
+                        <a:ea typeface="等线" panose="02010600030101010101" pitchFamily="2" charset="-122"/>
+                      </a:endParaRPr>
+                    </a:p>
+                  </a:txBody>
+                  <a:tcPr marL="6350" marR="6350" marT="6350" marB="0" anchor="b"/>
+                </a:tc>
+                <a:tc>
+                  <a:txBody>
+                    <a:bodyPr/>
+                    <a:lstStyle/>
+                    <a:p>
+                      <a:pPr algn="r" fontAlgn="b"/>
+                      <a:r>
+                        <a:rPr lang="en-US" altLang="zh-CN" sz="1100" u="none" strike="noStrike" dirty="0">
+                          <a:effectLst/>
+                        </a:rPr>
+                        <a:t>0.947368421</a:t>
+                      </a:r>
+                      <a:endParaRPr lang="en-US" altLang="zh-CN" sz="1100" b="0" i="0" u="none" strike="noStrike" dirty="0">
+                        <a:solidFill>
+                          <a:srgbClr val="006100"/>
+                        </a:solidFill>
+                        <a:effectLst/>
+                        <a:latin typeface="等线" panose="02010600030101010101" pitchFamily="2" charset="-122"/>
+                        <a:ea typeface="等线" panose="02010600030101010101" pitchFamily="2" charset="-122"/>
+                      </a:endParaRPr>
+                    </a:p>
+                  </a:txBody>
+                  <a:tcPr marL="6350" marR="6350" marT="6350" marB="0" anchor="b">
+                    <a:solidFill>
+                      <a:srgbClr val="92D050"/>
+                    </a:solidFill>
+                  </a:tcPr>
+                </a:tc>
+                <a:extLst>
+                  <a:ext uri="{0D108BD9-81ED-4DB2-BD59-A6C34878D82A}">
+                    <a16:rowId xmlns:a16="http://schemas.microsoft.com/office/drawing/2014/main" val="2231489561"/>
+                  </a:ext>
+                </a:extLst>
+              </a:tr>
+              <a:tr h="279325">
+                <a:tc>
+                  <a:txBody>
+                    <a:bodyPr/>
+                    <a:lstStyle/>
+                    <a:p>
+                      <a:pPr algn="l" fontAlgn="b"/>
+                      <a:endParaRPr lang="zh-CN" altLang="en-US" sz="1100" b="0" i="0" u="none" strike="noStrike">
+                        <a:solidFill>
+                          <a:srgbClr val="000000"/>
+                        </a:solidFill>
+                        <a:effectLst/>
+                        <a:latin typeface="等线" panose="02010600030101010101" pitchFamily="2" charset="-122"/>
+                        <a:ea typeface="等线" panose="02010600030101010101" pitchFamily="2" charset="-122"/>
+                      </a:endParaRPr>
+                    </a:p>
+                  </a:txBody>
+                  <a:tcPr marL="6350" marR="6350" marT="6350" marB="0" anchor="b"/>
+                </a:tc>
+                <a:tc>
+                  <a:txBody>
+                    <a:bodyPr/>
+                    <a:lstStyle/>
+                    <a:p>
+                      <a:pPr algn="r" fontAlgn="b"/>
+                      <a:r>
+                        <a:rPr lang="en-US" altLang="zh-CN" sz="1100" u="none" strike="noStrike">
+                          <a:effectLst/>
+                        </a:rPr>
+                        <a:t>18.95750618</a:t>
+                      </a:r>
+                      <a:endParaRPr lang="en-US" altLang="zh-CN" sz="1100" b="0" i="0" u="none" strike="noStrike">
+                        <a:solidFill>
+                          <a:srgbClr val="000000"/>
+                        </a:solidFill>
+                        <a:effectLst/>
+                        <a:latin typeface="等线" panose="02010600030101010101" pitchFamily="2" charset="-122"/>
+                        <a:ea typeface="等线" panose="02010600030101010101" pitchFamily="2" charset="-122"/>
+                      </a:endParaRPr>
+                    </a:p>
+                  </a:txBody>
+                  <a:tcPr marL="6350" marR="6350" marT="6350" marB="0" anchor="b"/>
+                </a:tc>
+                <a:tc>
+                  <a:txBody>
+                    <a:bodyPr/>
+                    <a:lstStyle/>
+                    <a:p>
+                      <a:pPr algn="r" fontAlgn="b"/>
+                      <a:r>
+                        <a:rPr lang="en-US" altLang="zh-CN" sz="1100" u="none" strike="noStrike" dirty="0">
+                          <a:effectLst/>
+                        </a:rPr>
+                        <a:t>0.629032258</a:t>
+                      </a:r>
+                      <a:endParaRPr lang="en-US" altLang="zh-CN" sz="1100" b="0" i="0" u="none" strike="noStrike" dirty="0">
+                        <a:solidFill>
+                          <a:srgbClr val="000000"/>
+                        </a:solidFill>
+                        <a:effectLst/>
+                        <a:latin typeface="等线" panose="02010600030101010101" pitchFamily="2" charset="-122"/>
+                        <a:ea typeface="等线" panose="02010600030101010101" pitchFamily="2" charset="-122"/>
+                      </a:endParaRPr>
+                    </a:p>
+                  </a:txBody>
+                  <a:tcPr marL="6350" marR="6350" marT="6350" marB="0" anchor="b">
+                    <a:solidFill>
+                      <a:srgbClr val="92D050"/>
+                    </a:solidFill>
+                  </a:tcPr>
+                </a:tc>
+                <a:tc>
+                  <a:txBody>
+                    <a:bodyPr/>
+                    <a:lstStyle/>
+                    <a:p>
+                      <a:pPr algn="l" fontAlgn="b"/>
+                      <a:r>
+                        <a:rPr lang="en-US" altLang="zh-CN" sz="1100" u="none" strike="noStrike">
+                          <a:effectLst/>
+                        </a:rPr>
+                        <a:t>70%-30%</a:t>
+                      </a:r>
+                      <a:endParaRPr lang="en-US" altLang="zh-CN" sz="1100" b="0" i="0" u="none" strike="noStrike">
+                        <a:solidFill>
+                          <a:srgbClr val="000000"/>
+                        </a:solidFill>
+                        <a:effectLst/>
+                        <a:latin typeface="等线" panose="02010600030101010101" pitchFamily="2" charset="-122"/>
+                        <a:ea typeface="等线" panose="02010600030101010101" pitchFamily="2" charset="-122"/>
+                      </a:endParaRPr>
+                    </a:p>
+                  </a:txBody>
+                  <a:tcPr marL="6350" marR="6350" marT="6350" marB="0" anchor="b"/>
+                </a:tc>
+                <a:tc>
+                  <a:txBody>
+                    <a:bodyPr/>
+                    <a:lstStyle/>
+                    <a:p>
+                      <a:pPr algn="l" fontAlgn="b"/>
+                      <a:r>
+                        <a:rPr lang="en-US" sz="1100" u="none" strike="noStrike">
+                          <a:effectLst/>
+                        </a:rPr>
+                        <a:t>SVM</a:t>
+                      </a:r>
+                      <a:endParaRPr lang="en-US" sz="1100" b="0" i="0" u="none" strike="noStrike">
+                        <a:solidFill>
+                          <a:srgbClr val="000000"/>
+                        </a:solidFill>
+                        <a:effectLst/>
+                        <a:latin typeface="等线" panose="02010600030101010101" pitchFamily="2" charset="-122"/>
+                        <a:ea typeface="等线" panose="02010600030101010101" pitchFamily="2" charset="-122"/>
+                      </a:endParaRPr>
+                    </a:p>
+                  </a:txBody>
+                  <a:tcPr marL="6350" marR="6350" marT="6350" marB="0" anchor="b"/>
+                </a:tc>
+                <a:tc>
+                  <a:txBody>
+                    <a:bodyPr/>
+                    <a:lstStyle/>
+                    <a:p>
+                      <a:pPr algn="r" fontAlgn="b"/>
+                      <a:r>
+                        <a:rPr lang="en-US" altLang="zh-CN" sz="1100" u="none" strike="noStrike" dirty="0">
+                          <a:effectLst/>
+                        </a:rPr>
+                        <a:t>0.947368421</a:t>
+                      </a:r>
+                      <a:endParaRPr lang="en-US" altLang="zh-CN" sz="1100" b="0" i="0" u="none" strike="noStrike" dirty="0">
+                        <a:solidFill>
+                          <a:srgbClr val="006100"/>
+                        </a:solidFill>
+                        <a:effectLst/>
+                        <a:latin typeface="等线" panose="02010600030101010101" pitchFamily="2" charset="-122"/>
+                        <a:ea typeface="等线" panose="02010600030101010101" pitchFamily="2" charset="-122"/>
+                      </a:endParaRPr>
+                    </a:p>
+                  </a:txBody>
+                  <a:tcPr marL="6350" marR="6350" marT="6350" marB="0" anchor="b">
+                    <a:solidFill>
+                      <a:srgbClr val="92D050"/>
+                    </a:solidFill>
+                  </a:tcPr>
+                </a:tc>
+                <a:extLst>
+                  <a:ext uri="{0D108BD9-81ED-4DB2-BD59-A6C34878D82A}">
+                    <a16:rowId xmlns:a16="http://schemas.microsoft.com/office/drawing/2014/main" val="3246424408"/>
+                  </a:ext>
+                </a:extLst>
+              </a:tr>
+              <a:tr h="279325">
+                <a:tc>
+                  <a:txBody>
+                    <a:bodyPr/>
+                    <a:lstStyle/>
+                    <a:p>
+                      <a:pPr algn="l" fontAlgn="b"/>
+                      <a:endParaRPr lang="zh-CN" altLang="en-US" sz="1100" b="0" i="0" u="none" strike="noStrike">
+                        <a:solidFill>
+                          <a:srgbClr val="000000"/>
+                        </a:solidFill>
+                        <a:effectLst/>
+                        <a:latin typeface="等线" panose="02010600030101010101" pitchFamily="2" charset="-122"/>
+                        <a:ea typeface="等线" panose="02010600030101010101" pitchFamily="2" charset="-122"/>
+                      </a:endParaRPr>
+                    </a:p>
+                  </a:txBody>
+                  <a:tcPr marL="6350" marR="6350" marT="6350" marB="0" anchor="b"/>
+                </a:tc>
+                <a:tc>
+                  <a:txBody>
+                    <a:bodyPr/>
+                    <a:lstStyle/>
+                    <a:p>
+                      <a:pPr algn="r" fontAlgn="b"/>
+                      <a:r>
+                        <a:rPr lang="en-US" altLang="zh-CN" sz="1100" u="none" strike="noStrike">
+                          <a:effectLst/>
+                        </a:rPr>
+                        <a:t>32.22297192</a:t>
+                      </a:r>
+                      <a:endParaRPr lang="en-US" altLang="zh-CN" sz="1100" b="0" i="0" u="none" strike="noStrike">
+                        <a:solidFill>
+                          <a:srgbClr val="000000"/>
+                        </a:solidFill>
+                        <a:effectLst/>
+                        <a:latin typeface="等线" panose="02010600030101010101" pitchFamily="2" charset="-122"/>
+                        <a:ea typeface="等线" panose="02010600030101010101" pitchFamily="2" charset="-122"/>
+                      </a:endParaRPr>
+                    </a:p>
+                  </a:txBody>
+                  <a:tcPr marL="6350" marR="6350" marT="6350" marB="0" anchor="b"/>
+                </a:tc>
+                <a:tc>
+                  <a:txBody>
+                    <a:bodyPr/>
+                    <a:lstStyle/>
+                    <a:p>
+                      <a:pPr algn="r" fontAlgn="b"/>
+                      <a:r>
+                        <a:rPr lang="en-US" altLang="zh-CN" sz="1100" u="none" strike="noStrike" dirty="0">
+                          <a:effectLst/>
+                        </a:rPr>
+                        <a:t>0.532258065</a:t>
+                      </a:r>
+                      <a:endParaRPr lang="en-US" altLang="zh-CN" sz="1100" b="0" i="0" u="none" strike="noStrike" dirty="0">
+                        <a:solidFill>
+                          <a:srgbClr val="000000"/>
+                        </a:solidFill>
+                        <a:effectLst/>
+                        <a:latin typeface="等线" panose="02010600030101010101" pitchFamily="2" charset="-122"/>
+                        <a:ea typeface="等线" panose="02010600030101010101" pitchFamily="2" charset="-122"/>
+                      </a:endParaRPr>
+                    </a:p>
+                  </a:txBody>
+                  <a:tcPr marL="6350" marR="6350" marT="6350" marB="0" anchor="b">
+                    <a:solidFill>
+                      <a:srgbClr val="92D050"/>
+                    </a:solidFill>
+                  </a:tcPr>
+                </a:tc>
+                <a:tc>
+                  <a:txBody>
+                    <a:bodyPr/>
+                    <a:lstStyle/>
+                    <a:p>
+                      <a:pPr algn="l" fontAlgn="b"/>
+                      <a:r>
+                        <a:rPr lang="en-US" altLang="zh-CN" sz="1100" u="none" strike="noStrike">
+                          <a:effectLst/>
+                        </a:rPr>
+                        <a:t>70%-30%</a:t>
+                      </a:r>
+                      <a:endParaRPr lang="en-US" altLang="zh-CN" sz="1100" b="0" i="0" u="none" strike="noStrike">
+                        <a:solidFill>
+                          <a:srgbClr val="000000"/>
+                        </a:solidFill>
+                        <a:effectLst/>
+                        <a:latin typeface="等线" panose="02010600030101010101" pitchFamily="2" charset="-122"/>
+                        <a:ea typeface="等线" panose="02010600030101010101" pitchFamily="2" charset="-122"/>
+                      </a:endParaRPr>
+                    </a:p>
+                  </a:txBody>
+                  <a:tcPr marL="6350" marR="6350" marT="6350" marB="0" anchor="b"/>
+                </a:tc>
+                <a:tc>
+                  <a:txBody>
+                    <a:bodyPr/>
+                    <a:lstStyle/>
+                    <a:p>
+                      <a:pPr algn="l" fontAlgn="b"/>
+                      <a:r>
+                        <a:rPr lang="en-US" sz="1100" u="none" strike="noStrike">
+                          <a:effectLst/>
+                        </a:rPr>
+                        <a:t>Cart</a:t>
+                      </a:r>
+                      <a:endParaRPr lang="en-US" sz="1100" b="0" i="0" u="none" strike="noStrike">
+                        <a:solidFill>
+                          <a:srgbClr val="000000"/>
+                        </a:solidFill>
+                        <a:effectLst/>
+                        <a:latin typeface="等线" panose="02010600030101010101" pitchFamily="2" charset="-122"/>
+                        <a:ea typeface="等线" panose="02010600030101010101" pitchFamily="2" charset="-122"/>
+                      </a:endParaRPr>
+                    </a:p>
+                  </a:txBody>
+                  <a:tcPr marL="6350" marR="6350" marT="6350" marB="0" anchor="b"/>
+                </a:tc>
+                <a:tc>
+                  <a:txBody>
+                    <a:bodyPr/>
+                    <a:lstStyle/>
+                    <a:p>
+                      <a:pPr algn="r" fontAlgn="b"/>
+                      <a:r>
+                        <a:rPr lang="en-US" altLang="zh-CN" sz="1100" u="none" strike="noStrike" dirty="0">
+                          <a:effectLst/>
+                        </a:rPr>
+                        <a:t>0.921052632</a:t>
+                      </a:r>
+                      <a:endParaRPr lang="en-US" altLang="zh-CN" sz="1100" b="0" i="0" u="none" strike="noStrike" dirty="0">
+                        <a:solidFill>
+                          <a:srgbClr val="006100"/>
+                        </a:solidFill>
+                        <a:effectLst/>
+                        <a:latin typeface="等线" panose="02010600030101010101" pitchFamily="2" charset="-122"/>
+                        <a:ea typeface="等线" panose="02010600030101010101" pitchFamily="2" charset="-122"/>
+                      </a:endParaRPr>
+                    </a:p>
+                  </a:txBody>
+                  <a:tcPr marL="6350" marR="6350" marT="6350" marB="0" anchor="b">
+                    <a:solidFill>
+                      <a:srgbClr val="92D050"/>
+                    </a:solidFill>
+                  </a:tcPr>
+                </a:tc>
+                <a:extLst>
+                  <a:ext uri="{0D108BD9-81ED-4DB2-BD59-A6C34878D82A}">
+                    <a16:rowId xmlns:a16="http://schemas.microsoft.com/office/drawing/2014/main" val="1041042124"/>
+                  </a:ext>
+                </a:extLst>
+              </a:tr>
+            </a:tbl>
+          </a:graphicData>
+        </a:graphic>
+      </p:graphicFrame>
+      <p:sp>
+        <p:nvSpPr>
+          <p:cNvPr id="9" name="矩形 8">
+            <a:extLst>
+              <a:ext uri="{FF2B5EF4-FFF2-40B4-BE49-F238E27FC236}">
+                <a16:creationId xmlns:a16="http://schemas.microsoft.com/office/drawing/2014/main" id="{1DEF37FC-9863-448D-B274-55AE1F873D3F}"/>
+              </a:ext>
+            </a:extLst>
+          </p:cNvPr>
+          <p:cNvSpPr/>
+          <p:nvPr/>
+        </p:nvSpPr>
+        <p:spPr>
+          <a:xfrm>
+            <a:off x="5552808" y="1621170"/>
+            <a:ext cx="1639168" cy="923330"/>
+          </a:xfrm>
+          <a:prstGeom prst="rect">
+            <a:avLst/>
+          </a:prstGeom>
+          <a:noFill/>
+        </p:spPr>
+        <p:txBody>
+          <a:bodyPr wrap="none" lIns="91440" tIns="45720" rIns="91440" bIns="45720">
+            <a:spAutoFit/>
+          </a:bodyPr>
+          <a:lstStyle/>
+          <a:p>
+            <a:pPr algn="ctr"/>
+            <a:r>
+              <a:rPr lang="en-US" altLang="zh-CN" sz="5400" dirty="0">
+                <a:ln w="0"/>
+                <a:effectLst>
+                  <a:outerShdw blurRad="38100" dist="19050" dir="2700000" algn="tl" rotWithShape="0">
+                    <a:schemeClr val="dk1">
+                      <a:alpha val="40000"/>
+                    </a:schemeClr>
+                  </a:outerShdw>
+                </a:effectLst>
+              </a:rPr>
+              <a:t>LSVT</a:t>
+            </a:r>
+            <a:endParaRPr lang="zh-CN" altLang="en-US" sz="5400" b="1" cap="none" spc="0" dirty="0">
+              <a:ln w="12700" cmpd="sng">
+                <a:solidFill>
+                  <a:schemeClr val="accent4"/>
+                </a:solidFill>
+                <a:prstDash val="solid"/>
+              </a:ln>
+              <a:gradFill>
+                <a:gsLst>
+                  <a:gs pos="0">
+                    <a:schemeClr val="accent4"/>
+                  </a:gs>
+                  <a:gs pos="4000">
+                    <a:schemeClr val="accent4">
+                      <a:lumMod val="60000"/>
+                      <a:lumOff val="40000"/>
+                    </a:schemeClr>
+                  </a:gs>
+                  <a:gs pos="87000">
+                    <a:schemeClr val="accent4">
+                      <a:lumMod val="20000"/>
+                      <a:lumOff val="80000"/>
+                    </a:schemeClr>
+                  </a:gs>
+                </a:gsLst>
+                <a:lin ang="5400000"/>
+              </a:gradFill>
+              <a:effectLst/>
+            </a:endParaRPr>
+          </a:p>
+        </p:txBody>
+      </p:sp>
+      <p:graphicFrame>
+        <p:nvGraphicFramePr>
+          <p:cNvPr id="10" name="表格 9">
+            <a:extLst>
+              <a:ext uri="{FF2B5EF4-FFF2-40B4-BE49-F238E27FC236}">
+                <a16:creationId xmlns:a16="http://schemas.microsoft.com/office/drawing/2014/main" id="{6082A8C1-E4AA-4C46-B9FE-D531F6A2CE18}"/>
+              </a:ext>
+            </a:extLst>
+          </p:cNvPr>
+          <p:cNvGraphicFramePr>
+            <a:graphicFrameLocks noGrp="1"/>
+          </p:cNvGraphicFramePr>
+          <p:nvPr>
+            <p:extLst>
+              <p:ext uri="{D42A27DB-BD31-4B8C-83A1-F6EECF244321}">
+                <p14:modId xmlns:p14="http://schemas.microsoft.com/office/powerpoint/2010/main" val="1560422315"/>
+              </p:ext>
+            </p:extLst>
+          </p:nvPr>
+        </p:nvGraphicFramePr>
+        <p:xfrm>
+          <a:off x="2714978" y="3250543"/>
+          <a:ext cx="7314827" cy="1369415"/>
+        </p:xfrm>
+        <a:graphic>
+          <a:graphicData uri="http://schemas.openxmlformats.org/drawingml/2006/table">
+            <a:tbl>
+              <a:tblPr>
+                <a:tableStyleId>{5C22544A-7EE6-4342-B048-85BDC9FD1C3A}</a:tableStyleId>
+              </a:tblPr>
+              <a:tblGrid>
+                <a:gridCol w="1148683">
+                  <a:extLst>
+                    <a:ext uri="{9D8B030D-6E8A-4147-A177-3AD203B41FA5}">
+                      <a16:colId xmlns:a16="http://schemas.microsoft.com/office/drawing/2014/main" val="2666357561"/>
+                    </a:ext>
+                  </a:extLst>
+                </a:gridCol>
+                <a:gridCol w="1506828">
+                  <a:extLst>
+                    <a:ext uri="{9D8B030D-6E8A-4147-A177-3AD203B41FA5}">
+                      <a16:colId xmlns:a16="http://schemas.microsoft.com/office/drawing/2014/main" val="2331081335"/>
+                    </a:ext>
+                  </a:extLst>
+                </a:gridCol>
+                <a:gridCol w="1204175">
+                  <a:extLst>
+                    <a:ext uri="{9D8B030D-6E8A-4147-A177-3AD203B41FA5}">
+                      <a16:colId xmlns:a16="http://schemas.microsoft.com/office/drawing/2014/main" val="357255491"/>
+                    </a:ext>
+                  </a:extLst>
+                </a:gridCol>
+                <a:gridCol w="1030310">
+                  <a:extLst>
+                    <a:ext uri="{9D8B030D-6E8A-4147-A177-3AD203B41FA5}">
+                      <a16:colId xmlns:a16="http://schemas.microsoft.com/office/drawing/2014/main" val="309644701"/>
+                    </a:ext>
+                  </a:extLst>
+                </a:gridCol>
+                <a:gridCol w="1010991">
+                  <a:extLst>
+                    <a:ext uri="{9D8B030D-6E8A-4147-A177-3AD203B41FA5}">
+                      <a16:colId xmlns:a16="http://schemas.microsoft.com/office/drawing/2014/main" val="1339836662"/>
+                    </a:ext>
+                  </a:extLst>
+                </a:gridCol>
+                <a:gridCol w="1413840">
+                  <a:extLst>
+                    <a:ext uri="{9D8B030D-6E8A-4147-A177-3AD203B41FA5}">
+                      <a16:colId xmlns:a16="http://schemas.microsoft.com/office/drawing/2014/main" val="908845580"/>
+                    </a:ext>
+                  </a:extLst>
+                </a:gridCol>
+              </a:tblGrid>
+              <a:tr h="273883">
+                <a:tc>
+                  <a:txBody>
+                    <a:bodyPr/>
+                    <a:lstStyle/>
+                    <a:p>
+                      <a:pPr algn="l" fontAlgn="b"/>
+                      <a:r>
+                        <a:rPr lang="en-US" sz="1100" u="none" strike="noStrike">
+                          <a:effectLst/>
+                        </a:rPr>
+                        <a:t>Algorithm</a:t>
+                      </a:r>
+                      <a:endParaRPr lang="en-US" sz="1100" b="0" i="0" u="none" strike="noStrike">
+                        <a:solidFill>
+                          <a:srgbClr val="000000"/>
+                        </a:solidFill>
+                        <a:effectLst/>
+                        <a:latin typeface="等线" panose="02010600030101010101" pitchFamily="2" charset="-122"/>
+                        <a:ea typeface="等线" panose="02010600030101010101" pitchFamily="2" charset="-122"/>
+                      </a:endParaRPr>
+                    </a:p>
+                  </a:txBody>
+                  <a:tcPr marL="6350" marR="6350" marT="6350" marB="0" anchor="b"/>
+                </a:tc>
+                <a:tc>
+                  <a:txBody>
+                    <a:bodyPr/>
+                    <a:lstStyle/>
+                    <a:p>
+                      <a:pPr algn="l" fontAlgn="b"/>
+                      <a:r>
+                        <a:rPr lang="en-US" sz="1100" u="none" strike="noStrike">
+                          <a:effectLst/>
+                        </a:rPr>
+                        <a:t>Time</a:t>
+                      </a:r>
+                      <a:endParaRPr lang="en-US" sz="1100" b="0" i="0" u="none" strike="noStrike">
+                        <a:solidFill>
+                          <a:srgbClr val="000000"/>
+                        </a:solidFill>
+                        <a:effectLst/>
+                        <a:latin typeface="等线" panose="02010600030101010101" pitchFamily="2" charset="-122"/>
+                        <a:ea typeface="等线" panose="02010600030101010101" pitchFamily="2" charset="-122"/>
+                      </a:endParaRPr>
+                    </a:p>
+                  </a:txBody>
+                  <a:tcPr marL="6350" marR="6350" marT="6350" marB="0" anchor="b"/>
+                </a:tc>
+                <a:tc>
+                  <a:txBody>
+                    <a:bodyPr/>
+                    <a:lstStyle/>
+                    <a:p>
+                      <a:pPr algn="l" fontAlgn="b"/>
+                      <a:r>
+                        <a:rPr lang="en-US" sz="1100" u="none" strike="noStrike">
+                          <a:effectLst/>
+                        </a:rPr>
+                        <a:t>DR</a:t>
+                      </a:r>
+                      <a:endParaRPr lang="en-US" sz="1100" b="0" i="0" u="none" strike="noStrike">
+                        <a:solidFill>
+                          <a:srgbClr val="000000"/>
+                        </a:solidFill>
+                        <a:effectLst/>
+                        <a:latin typeface="等线" panose="02010600030101010101" pitchFamily="2" charset="-122"/>
+                        <a:ea typeface="等线" panose="02010600030101010101" pitchFamily="2" charset="-122"/>
+                      </a:endParaRPr>
+                    </a:p>
+                  </a:txBody>
+                  <a:tcPr marL="6350" marR="6350" marT="6350" marB="0" anchor="b"/>
+                </a:tc>
+                <a:tc>
+                  <a:txBody>
+                    <a:bodyPr/>
+                    <a:lstStyle/>
+                    <a:p>
+                      <a:pPr algn="l" fontAlgn="b"/>
+                      <a:r>
+                        <a:rPr lang="en-US" sz="1100" u="none" strike="noStrike">
+                          <a:effectLst/>
+                        </a:rPr>
+                        <a:t>Validation</a:t>
+                      </a:r>
+                      <a:endParaRPr lang="en-US" sz="1100" b="0" i="0" u="none" strike="noStrike">
+                        <a:solidFill>
+                          <a:srgbClr val="000000"/>
+                        </a:solidFill>
+                        <a:effectLst/>
+                        <a:latin typeface="等线" panose="02010600030101010101" pitchFamily="2" charset="-122"/>
+                        <a:ea typeface="等线" panose="02010600030101010101" pitchFamily="2" charset="-122"/>
+                      </a:endParaRPr>
+                    </a:p>
+                  </a:txBody>
+                  <a:tcPr marL="6350" marR="6350" marT="6350" marB="0" anchor="b"/>
+                </a:tc>
+                <a:tc>
+                  <a:txBody>
+                    <a:bodyPr/>
+                    <a:lstStyle/>
+                    <a:p>
+                      <a:pPr algn="l" fontAlgn="b"/>
+                      <a:r>
+                        <a:rPr lang="en-US" sz="1100" u="none" strike="noStrike">
+                          <a:effectLst/>
+                        </a:rPr>
+                        <a:t>Classifier</a:t>
+                      </a:r>
+                      <a:endParaRPr lang="en-US" sz="1100" b="0" i="0" u="none" strike="noStrike">
+                        <a:solidFill>
+                          <a:srgbClr val="000000"/>
+                        </a:solidFill>
+                        <a:effectLst/>
+                        <a:latin typeface="等线" panose="02010600030101010101" pitchFamily="2" charset="-122"/>
+                        <a:ea typeface="等线" panose="02010600030101010101" pitchFamily="2" charset="-122"/>
+                      </a:endParaRPr>
+                    </a:p>
+                  </a:txBody>
+                  <a:tcPr marL="6350" marR="6350" marT="6350" marB="0" anchor="b"/>
+                </a:tc>
+                <a:tc>
+                  <a:txBody>
+                    <a:bodyPr/>
+                    <a:lstStyle/>
+                    <a:p>
+                      <a:pPr algn="l" fontAlgn="b"/>
+                      <a:r>
+                        <a:rPr lang="en-US" sz="1100" u="none" strike="noStrike" dirty="0">
+                          <a:effectLst/>
+                        </a:rPr>
+                        <a:t>AC</a:t>
+                      </a:r>
+                      <a:endParaRPr lang="en-US" sz="1100" b="0" i="0" u="none" strike="noStrike" dirty="0">
+                        <a:solidFill>
+                          <a:srgbClr val="000000"/>
+                        </a:solidFill>
+                        <a:effectLst/>
+                        <a:latin typeface="等线" panose="02010600030101010101" pitchFamily="2" charset="-122"/>
+                        <a:ea typeface="等线" panose="02010600030101010101" pitchFamily="2" charset="-122"/>
+                      </a:endParaRPr>
+                    </a:p>
+                  </a:txBody>
+                  <a:tcPr marL="6350" marR="6350" marT="6350" marB="0" anchor="b"/>
+                </a:tc>
+                <a:extLst>
+                  <a:ext uri="{0D108BD9-81ED-4DB2-BD59-A6C34878D82A}">
+                    <a16:rowId xmlns:a16="http://schemas.microsoft.com/office/drawing/2014/main" val="3952598845"/>
+                  </a:ext>
+                </a:extLst>
+              </a:tr>
+              <a:tr h="273883">
+                <a:tc>
+                  <a:txBody>
+                    <a:bodyPr/>
+                    <a:lstStyle/>
+                    <a:p>
+                      <a:pPr algn="l" fontAlgn="b"/>
+                      <a:r>
+                        <a:rPr lang="en-US" sz="1100" u="none" strike="noStrike">
+                          <a:effectLst/>
+                        </a:rPr>
+                        <a:t>FSFOA</a:t>
+                      </a:r>
+                      <a:endParaRPr lang="en-US" sz="1100" b="0" i="0" u="none" strike="noStrike">
+                        <a:solidFill>
+                          <a:srgbClr val="000000"/>
+                        </a:solidFill>
+                        <a:effectLst/>
+                        <a:latin typeface="等线" panose="02010600030101010101" pitchFamily="2" charset="-122"/>
+                        <a:ea typeface="等线" panose="02010600030101010101" pitchFamily="2" charset="-122"/>
+                      </a:endParaRPr>
+                    </a:p>
+                  </a:txBody>
+                  <a:tcPr marL="6350" marR="6350" marT="6350" marB="0" anchor="b"/>
+                </a:tc>
+                <a:tc>
+                  <a:txBody>
+                    <a:bodyPr/>
+                    <a:lstStyle/>
+                    <a:p>
+                      <a:pPr algn="r" fontAlgn="b"/>
+                      <a:r>
+                        <a:rPr lang="en-US" altLang="zh-CN" sz="1100" u="none" strike="noStrike">
+                          <a:effectLst/>
+                        </a:rPr>
+                        <a:t>21.51218534</a:t>
+                      </a:r>
+                      <a:endParaRPr lang="en-US" altLang="zh-CN" sz="1100" b="0" i="0" u="none" strike="noStrike">
+                        <a:solidFill>
+                          <a:srgbClr val="000000"/>
+                        </a:solidFill>
+                        <a:effectLst/>
+                        <a:latin typeface="等线" panose="02010600030101010101" pitchFamily="2" charset="-122"/>
+                        <a:ea typeface="等线" panose="02010600030101010101" pitchFamily="2" charset="-122"/>
+                      </a:endParaRPr>
+                    </a:p>
+                  </a:txBody>
+                  <a:tcPr marL="6350" marR="6350" marT="6350" marB="0" anchor="b"/>
+                </a:tc>
+                <a:tc>
+                  <a:txBody>
+                    <a:bodyPr/>
+                    <a:lstStyle/>
+                    <a:p>
+                      <a:pPr algn="r" fontAlgn="b"/>
+                      <a:r>
+                        <a:rPr lang="en-US" altLang="zh-CN" sz="1100" u="none" strike="noStrike">
+                          <a:effectLst/>
+                        </a:rPr>
+                        <a:t>0.4976</a:t>
+                      </a:r>
+                      <a:endParaRPr lang="en-US" altLang="zh-CN" sz="1100" b="0" i="0" u="none" strike="noStrike">
+                        <a:solidFill>
+                          <a:srgbClr val="000000"/>
+                        </a:solidFill>
+                        <a:effectLst/>
+                        <a:latin typeface="等线" panose="02010600030101010101" pitchFamily="2" charset="-122"/>
+                        <a:ea typeface="等线" panose="02010600030101010101" pitchFamily="2" charset="-122"/>
+                      </a:endParaRPr>
+                    </a:p>
+                  </a:txBody>
+                  <a:tcPr marL="6350" marR="6350" marT="6350" marB="0" anchor="b"/>
+                </a:tc>
+                <a:tc>
+                  <a:txBody>
+                    <a:bodyPr/>
+                    <a:lstStyle/>
+                    <a:p>
+                      <a:pPr algn="l" fontAlgn="b"/>
+                      <a:r>
+                        <a:rPr lang="en-US" altLang="zh-CN" sz="1100" u="none" strike="noStrike">
+                          <a:effectLst/>
+                        </a:rPr>
+                        <a:t>70%-30%</a:t>
+                      </a:r>
+                      <a:endParaRPr lang="en-US" altLang="zh-CN" sz="1100" b="0" i="0" u="none" strike="noStrike">
+                        <a:solidFill>
+                          <a:srgbClr val="000000"/>
+                        </a:solidFill>
+                        <a:effectLst/>
+                        <a:latin typeface="等线" panose="02010600030101010101" pitchFamily="2" charset="-122"/>
+                        <a:ea typeface="等线" panose="02010600030101010101" pitchFamily="2" charset="-122"/>
+                      </a:endParaRPr>
+                    </a:p>
+                  </a:txBody>
+                  <a:tcPr marL="6350" marR="6350" marT="6350" marB="0" anchor="b"/>
+                </a:tc>
+                <a:tc>
+                  <a:txBody>
+                    <a:bodyPr/>
+                    <a:lstStyle/>
+                    <a:p>
+                      <a:pPr algn="l" fontAlgn="b"/>
+                      <a:r>
+                        <a:rPr lang="en-US" sz="1100" u="none" strike="noStrike">
+                          <a:effectLst/>
+                        </a:rPr>
+                        <a:t>1nn</a:t>
+                      </a:r>
+                      <a:endParaRPr lang="en-US" sz="1100" b="0" i="0" u="none" strike="noStrike">
+                        <a:solidFill>
+                          <a:srgbClr val="000000"/>
+                        </a:solidFill>
+                        <a:effectLst/>
+                        <a:latin typeface="等线" panose="02010600030101010101" pitchFamily="2" charset="-122"/>
+                        <a:ea typeface="等线" panose="02010600030101010101" pitchFamily="2" charset="-122"/>
+                      </a:endParaRPr>
+                    </a:p>
+                  </a:txBody>
+                  <a:tcPr marL="6350" marR="6350" marT="6350" marB="0" anchor="b"/>
+                </a:tc>
+                <a:tc>
+                  <a:txBody>
+                    <a:bodyPr/>
+                    <a:lstStyle/>
+                    <a:p>
+                      <a:pPr algn="r" fontAlgn="b"/>
+                      <a:r>
+                        <a:rPr lang="en-US" altLang="zh-CN" sz="1100" u="none" strike="noStrike">
+                          <a:effectLst/>
+                        </a:rPr>
+                        <a:t>0.883333333</a:t>
+                      </a:r>
+                      <a:endParaRPr lang="en-US" altLang="zh-CN" sz="1100" b="0" i="0" u="none" strike="noStrike">
+                        <a:solidFill>
+                          <a:srgbClr val="006100"/>
+                        </a:solidFill>
+                        <a:effectLst/>
+                        <a:latin typeface="等线" panose="02010600030101010101" pitchFamily="2" charset="-122"/>
+                        <a:ea typeface="等线" panose="02010600030101010101" pitchFamily="2" charset="-122"/>
+                      </a:endParaRPr>
+                    </a:p>
+                  </a:txBody>
+                  <a:tcPr marL="6350" marR="6350" marT="6350" marB="0" anchor="b"/>
+                </a:tc>
+                <a:extLst>
+                  <a:ext uri="{0D108BD9-81ED-4DB2-BD59-A6C34878D82A}">
+                    <a16:rowId xmlns:a16="http://schemas.microsoft.com/office/drawing/2014/main" val="1208770385"/>
+                  </a:ext>
+                </a:extLst>
+              </a:tr>
+              <a:tr h="273883">
+                <a:tc>
+                  <a:txBody>
+                    <a:bodyPr/>
+                    <a:lstStyle/>
+                    <a:p>
+                      <a:pPr algn="l" fontAlgn="b"/>
+                      <a:endParaRPr lang="zh-CN" altLang="en-US" sz="1100" b="0" i="0" u="none" strike="noStrike">
+                        <a:solidFill>
+                          <a:srgbClr val="000000"/>
+                        </a:solidFill>
+                        <a:effectLst/>
+                        <a:latin typeface="等线" panose="02010600030101010101" pitchFamily="2" charset="-122"/>
+                        <a:ea typeface="等线" panose="02010600030101010101" pitchFamily="2" charset="-122"/>
+                      </a:endParaRPr>
+                    </a:p>
+                  </a:txBody>
+                  <a:tcPr marL="6350" marR="6350" marT="6350" marB="0" anchor="b"/>
+                </a:tc>
+                <a:tc>
+                  <a:txBody>
+                    <a:bodyPr/>
+                    <a:lstStyle/>
+                    <a:p>
+                      <a:pPr algn="r" fontAlgn="b"/>
+                      <a:r>
+                        <a:rPr lang="en-US" altLang="zh-CN" sz="1100" u="none" strike="noStrike">
+                          <a:effectLst/>
+                        </a:rPr>
+                        <a:t>17.06498933</a:t>
+                      </a:r>
+                      <a:endParaRPr lang="en-US" altLang="zh-CN" sz="1100" b="0" i="0" u="none" strike="noStrike">
+                        <a:solidFill>
+                          <a:srgbClr val="000000"/>
+                        </a:solidFill>
+                        <a:effectLst/>
+                        <a:latin typeface="等线" panose="02010600030101010101" pitchFamily="2" charset="-122"/>
+                        <a:ea typeface="等线" panose="02010600030101010101" pitchFamily="2" charset="-122"/>
+                      </a:endParaRPr>
+                    </a:p>
+                  </a:txBody>
+                  <a:tcPr marL="6350" marR="6350" marT="6350" marB="0" anchor="b"/>
+                </a:tc>
+                <a:tc>
+                  <a:txBody>
+                    <a:bodyPr/>
+                    <a:lstStyle/>
+                    <a:p>
+                      <a:pPr algn="r" fontAlgn="b"/>
+                      <a:r>
+                        <a:rPr lang="en-US" altLang="zh-CN" sz="1100" u="none" strike="noStrike">
+                          <a:effectLst/>
+                        </a:rPr>
+                        <a:t>0.5055</a:t>
+                      </a:r>
+                      <a:endParaRPr lang="en-US" altLang="zh-CN" sz="1100" b="0" i="0" u="none" strike="noStrike">
+                        <a:solidFill>
+                          <a:srgbClr val="000000"/>
+                        </a:solidFill>
+                        <a:effectLst/>
+                        <a:latin typeface="等线" panose="02010600030101010101" pitchFamily="2" charset="-122"/>
+                        <a:ea typeface="等线" panose="02010600030101010101" pitchFamily="2" charset="-122"/>
+                      </a:endParaRPr>
+                    </a:p>
+                  </a:txBody>
+                  <a:tcPr marL="6350" marR="6350" marT="6350" marB="0" anchor="b"/>
+                </a:tc>
+                <a:tc>
+                  <a:txBody>
+                    <a:bodyPr/>
+                    <a:lstStyle/>
+                    <a:p>
+                      <a:pPr algn="l" fontAlgn="b"/>
+                      <a:r>
+                        <a:rPr lang="en-US" altLang="zh-CN" sz="1100" u="none" strike="noStrike">
+                          <a:effectLst/>
+                        </a:rPr>
+                        <a:t>70%-30%</a:t>
+                      </a:r>
+                      <a:endParaRPr lang="en-US" altLang="zh-CN" sz="1100" b="0" i="0" u="none" strike="noStrike">
+                        <a:solidFill>
+                          <a:srgbClr val="000000"/>
+                        </a:solidFill>
+                        <a:effectLst/>
+                        <a:latin typeface="等线" panose="02010600030101010101" pitchFamily="2" charset="-122"/>
+                        <a:ea typeface="等线" panose="02010600030101010101" pitchFamily="2" charset="-122"/>
+                      </a:endParaRPr>
+                    </a:p>
+                  </a:txBody>
+                  <a:tcPr marL="6350" marR="6350" marT="6350" marB="0" anchor="b"/>
+                </a:tc>
+                <a:tc>
+                  <a:txBody>
+                    <a:bodyPr/>
+                    <a:lstStyle/>
+                    <a:p>
+                      <a:pPr algn="l" fontAlgn="b"/>
+                      <a:r>
+                        <a:rPr lang="en-US" sz="1100" u="none" strike="noStrike">
+                          <a:effectLst/>
+                        </a:rPr>
+                        <a:t>5nn</a:t>
+                      </a:r>
+                      <a:endParaRPr lang="en-US" sz="1100" b="0" i="0" u="none" strike="noStrike">
+                        <a:solidFill>
+                          <a:srgbClr val="000000"/>
+                        </a:solidFill>
+                        <a:effectLst/>
+                        <a:latin typeface="等线" panose="02010600030101010101" pitchFamily="2" charset="-122"/>
+                        <a:ea typeface="等线" panose="02010600030101010101" pitchFamily="2" charset="-122"/>
+                      </a:endParaRPr>
+                    </a:p>
+                  </a:txBody>
+                  <a:tcPr marL="6350" marR="6350" marT="6350" marB="0" anchor="b"/>
+                </a:tc>
+                <a:tc>
+                  <a:txBody>
+                    <a:bodyPr/>
+                    <a:lstStyle/>
+                    <a:p>
+                      <a:pPr algn="r" fontAlgn="b"/>
+                      <a:r>
+                        <a:rPr lang="en-US" altLang="zh-CN" sz="1100" u="none" strike="noStrike">
+                          <a:effectLst/>
+                        </a:rPr>
+                        <a:t>0.866666667</a:t>
+                      </a:r>
+                      <a:endParaRPr lang="en-US" altLang="zh-CN" sz="1100" b="0" i="0" u="none" strike="noStrike">
+                        <a:solidFill>
+                          <a:srgbClr val="006100"/>
+                        </a:solidFill>
+                        <a:effectLst/>
+                        <a:latin typeface="等线" panose="02010600030101010101" pitchFamily="2" charset="-122"/>
+                        <a:ea typeface="等线" panose="02010600030101010101" pitchFamily="2" charset="-122"/>
+                      </a:endParaRPr>
+                    </a:p>
+                  </a:txBody>
+                  <a:tcPr marL="6350" marR="6350" marT="6350" marB="0" anchor="b"/>
+                </a:tc>
+                <a:extLst>
+                  <a:ext uri="{0D108BD9-81ED-4DB2-BD59-A6C34878D82A}">
+                    <a16:rowId xmlns:a16="http://schemas.microsoft.com/office/drawing/2014/main" val="556070126"/>
+                  </a:ext>
+                </a:extLst>
+              </a:tr>
+              <a:tr h="273883">
+                <a:tc>
+                  <a:txBody>
+                    <a:bodyPr/>
+                    <a:lstStyle/>
+                    <a:p>
+                      <a:pPr algn="l" fontAlgn="b"/>
+                      <a:endParaRPr lang="zh-CN" altLang="en-US" sz="1100" b="0" i="0" u="none" strike="noStrike">
+                        <a:solidFill>
+                          <a:srgbClr val="000000"/>
+                        </a:solidFill>
+                        <a:effectLst/>
+                        <a:latin typeface="等线" panose="02010600030101010101" pitchFamily="2" charset="-122"/>
+                        <a:ea typeface="等线" panose="02010600030101010101" pitchFamily="2" charset="-122"/>
+                      </a:endParaRPr>
+                    </a:p>
+                  </a:txBody>
+                  <a:tcPr marL="6350" marR="6350" marT="6350" marB="0" anchor="b"/>
+                </a:tc>
+                <a:tc>
+                  <a:txBody>
+                    <a:bodyPr/>
+                    <a:lstStyle/>
+                    <a:p>
+                      <a:pPr algn="r" fontAlgn="b"/>
+                      <a:r>
+                        <a:rPr lang="en-US" altLang="zh-CN" sz="1100" u="none" strike="noStrike">
+                          <a:effectLst/>
+                        </a:rPr>
+                        <a:t>15.00562882</a:t>
+                      </a:r>
+                      <a:endParaRPr lang="en-US" altLang="zh-CN" sz="1100" b="0" i="0" u="none" strike="noStrike">
+                        <a:solidFill>
+                          <a:srgbClr val="000000"/>
+                        </a:solidFill>
+                        <a:effectLst/>
+                        <a:latin typeface="等线" panose="02010600030101010101" pitchFamily="2" charset="-122"/>
+                        <a:ea typeface="等线" panose="02010600030101010101" pitchFamily="2" charset="-122"/>
+                      </a:endParaRPr>
+                    </a:p>
+                  </a:txBody>
+                  <a:tcPr marL="6350" marR="6350" marT="6350" marB="0" anchor="b"/>
+                </a:tc>
+                <a:tc>
+                  <a:txBody>
+                    <a:bodyPr/>
+                    <a:lstStyle/>
+                    <a:p>
+                      <a:pPr algn="r" fontAlgn="b"/>
+                      <a:r>
+                        <a:rPr lang="en-US" altLang="zh-CN" sz="1100" u="none" strike="noStrike">
+                          <a:effectLst/>
+                        </a:rPr>
+                        <a:t>0.4942</a:t>
+                      </a:r>
+                      <a:endParaRPr lang="en-US" altLang="zh-CN" sz="1100" b="0" i="0" u="none" strike="noStrike">
+                        <a:solidFill>
+                          <a:srgbClr val="000000"/>
+                        </a:solidFill>
+                        <a:effectLst/>
+                        <a:latin typeface="等线" panose="02010600030101010101" pitchFamily="2" charset="-122"/>
+                        <a:ea typeface="等线" panose="02010600030101010101" pitchFamily="2" charset="-122"/>
+                      </a:endParaRPr>
+                    </a:p>
+                  </a:txBody>
+                  <a:tcPr marL="6350" marR="6350" marT="6350" marB="0" anchor="b"/>
+                </a:tc>
+                <a:tc>
+                  <a:txBody>
+                    <a:bodyPr/>
+                    <a:lstStyle/>
+                    <a:p>
+                      <a:pPr algn="l" fontAlgn="b"/>
+                      <a:r>
+                        <a:rPr lang="en-US" altLang="zh-CN" sz="1100" u="none" strike="noStrike">
+                          <a:effectLst/>
+                        </a:rPr>
+                        <a:t>70%-30%</a:t>
+                      </a:r>
+                      <a:endParaRPr lang="en-US" altLang="zh-CN" sz="1100" b="0" i="0" u="none" strike="noStrike">
+                        <a:solidFill>
+                          <a:srgbClr val="000000"/>
+                        </a:solidFill>
+                        <a:effectLst/>
+                        <a:latin typeface="等线" panose="02010600030101010101" pitchFamily="2" charset="-122"/>
+                        <a:ea typeface="等线" panose="02010600030101010101" pitchFamily="2" charset="-122"/>
+                      </a:endParaRPr>
+                    </a:p>
+                  </a:txBody>
+                  <a:tcPr marL="6350" marR="6350" marT="6350" marB="0" anchor="b"/>
+                </a:tc>
+                <a:tc>
+                  <a:txBody>
+                    <a:bodyPr/>
+                    <a:lstStyle/>
+                    <a:p>
+                      <a:pPr algn="l" fontAlgn="b"/>
+                      <a:r>
+                        <a:rPr lang="en-US" sz="1100" u="none" strike="noStrike">
+                          <a:effectLst/>
+                        </a:rPr>
+                        <a:t>SVM</a:t>
+                      </a:r>
+                      <a:endParaRPr lang="en-US" sz="1100" b="0" i="0" u="none" strike="noStrike">
+                        <a:solidFill>
+                          <a:srgbClr val="000000"/>
+                        </a:solidFill>
+                        <a:effectLst/>
+                        <a:latin typeface="等线" panose="02010600030101010101" pitchFamily="2" charset="-122"/>
+                        <a:ea typeface="等线" panose="02010600030101010101" pitchFamily="2" charset="-122"/>
+                      </a:endParaRPr>
+                    </a:p>
+                  </a:txBody>
+                  <a:tcPr marL="6350" marR="6350" marT="6350" marB="0" anchor="b"/>
+                </a:tc>
+                <a:tc>
+                  <a:txBody>
+                    <a:bodyPr/>
+                    <a:lstStyle/>
+                    <a:p>
+                      <a:pPr algn="r" fontAlgn="b"/>
+                      <a:r>
+                        <a:rPr lang="en-US" altLang="zh-CN" sz="1100" u="none" strike="noStrike">
+                          <a:effectLst/>
+                        </a:rPr>
+                        <a:t>0.8</a:t>
+                      </a:r>
+                      <a:endParaRPr lang="en-US" altLang="zh-CN" sz="1100" b="0" i="0" u="none" strike="noStrike">
+                        <a:solidFill>
+                          <a:srgbClr val="000000"/>
+                        </a:solidFill>
+                        <a:effectLst/>
+                        <a:latin typeface="等线" panose="02010600030101010101" pitchFamily="2" charset="-122"/>
+                        <a:ea typeface="等线" panose="02010600030101010101" pitchFamily="2" charset="-122"/>
+                      </a:endParaRPr>
+                    </a:p>
+                  </a:txBody>
+                  <a:tcPr marL="6350" marR="6350" marT="6350" marB="0" anchor="b"/>
+                </a:tc>
+                <a:extLst>
+                  <a:ext uri="{0D108BD9-81ED-4DB2-BD59-A6C34878D82A}">
+                    <a16:rowId xmlns:a16="http://schemas.microsoft.com/office/drawing/2014/main" val="978983597"/>
+                  </a:ext>
+                </a:extLst>
+              </a:tr>
+              <a:tr h="273883">
+                <a:tc>
+                  <a:txBody>
+                    <a:bodyPr/>
+                    <a:lstStyle/>
+                    <a:p>
+                      <a:pPr algn="l" fontAlgn="b"/>
+                      <a:endParaRPr lang="zh-CN" altLang="en-US" sz="1100" b="0" i="0" u="none" strike="noStrike">
+                        <a:solidFill>
+                          <a:srgbClr val="000000"/>
+                        </a:solidFill>
+                        <a:effectLst/>
+                        <a:latin typeface="等线" panose="02010600030101010101" pitchFamily="2" charset="-122"/>
+                        <a:ea typeface="等线" panose="02010600030101010101" pitchFamily="2" charset="-122"/>
+                      </a:endParaRPr>
+                    </a:p>
+                  </a:txBody>
+                  <a:tcPr marL="6350" marR="6350" marT="6350" marB="0" anchor="b"/>
+                </a:tc>
+                <a:tc>
+                  <a:txBody>
+                    <a:bodyPr/>
+                    <a:lstStyle/>
+                    <a:p>
+                      <a:pPr algn="r" fontAlgn="b"/>
+                      <a:r>
+                        <a:rPr lang="en-US" altLang="zh-CN" sz="1100" u="none" strike="noStrike">
+                          <a:effectLst/>
+                        </a:rPr>
+                        <a:t>14.51318693</a:t>
+                      </a:r>
+                      <a:endParaRPr lang="en-US" altLang="zh-CN" sz="1100" b="0" i="0" u="none" strike="noStrike">
+                        <a:solidFill>
+                          <a:srgbClr val="000000"/>
+                        </a:solidFill>
+                        <a:effectLst/>
+                        <a:latin typeface="等线" panose="02010600030101010101" pitchFamily="2" charset="-122"/>
+                        <a:ea typeface="等线" panose="02010600030101010101" pitchFamily="2" charset="-122"/>
+                      </a:endParaRPr>
+                    </a:p>
+                  </a:txBody>
+                  <a:tcPr marL="6350" marR="6350" marT="6350" marB="0" anchor="b"/>
+                </a:tc>
+                <a:tc>
+                  <a:txBody>
+                    <a:bodyPr/>
+                    <a:lstStyle/>
+                    <a:p>
+                      <a:pPr algn="r" fontAlgn="b"/>
+                      <a:r>
+                        <a:rPr lang="en-US" altLang="zh-CN" sz="1100" u="none" strike="noStrike">
+                          <a:effectLst/>
+                        </a:rPr>
+                        <a:t>0.4892</a:t>
+                      </a:r>
+                      <a:endParaRPr lang="en-US" altLang="zh-CN" sz="1100" b="0" i="0" u="none" strike="noStrike">
+                        <a:solidFill>
+                          <a:srgbClr val="000000"/>
+                        </a:solidFill>
+                        <a:effectLst/>
+                        <a:latin typeface="等线" panose="02010600030101010101" pitchFamily="2" charset="-122"/>
+                        <a:ea typeface="等线" panose="02010600030101010101" pitchFamily="2" charset="-122"/>
+                      </a:endParaRPr>
+                    </a:p>
+                  </a:txBody>
+                  <a:tcPr marL="6350" marR="6350" marT="6350" marB="0" anchor="b"/>
+                </a:tc>
+                <a:tc>
+                  <a:txBody>
+                    <a:bodyPr/>
+                    <a:lstStyle/>
+                    <a:p>
+                      <a:pPr algn="l" fontAlgn="b"/>
+                      <a:r>
+                        <a:rPr lang="en-US" altLang="zh-CN" sz="1100" u="none" strike="noStrike">
+                          <a:effectLst/>
+                        </a:rPr>
+                        <a:t>70%-30%</a:t>
+                      </a:r>
+                      <a:endParaRPr lang="en-US" altLang="zh-CN" sz="1100" b="0" i="0" u="none" strike="noStrike">
+                        <a:solidFill>
+                          <a:srgbClr val="000000"/>
+                        </a:solidFill>
+                        <a:effectLst/>
+                        <a:latin typeface="等线" panose="02010600030101010101" pitchFamily="2" charset="-122"/>
+                        <a:ea typeface="等线" panose="02010600030101010101" pitchFamily="2" charset="-122"/>
+                      </a:endParaRPr>
+                    </a:p>
+                  </a:txBody>
+                  <a:tcPr marL="6350" marR="6350" marT="6350" marB="0" anchor="b"/>
+                </a:tc>
+                <a:tc>
+                  <a:txBody>
+                    <a:bodyPr/>
+                    <a:lstStyle/>
+                    <a:p>
+                      <a:pPr algn="l" fontAlgn="b"/>
+                      <a:r>
+                        <a:rPr lang="en-US" sz="1100" u="none" strike="noStrike">
+                          <a:effectLst/>
+                        </a:rPr>
+                        <a:t>Cart</a:t>
+                      </a:r>
+                      <a:endParaRPr lang="en-US" sz="1100" b="0" i="0" u="none" strike="noStrike">
+                        <a:solidFill>
+                          <a:srgbClr val="000000"/>
+                        </a:solidFill>
+                        <a:effectLst/>
+                        <a:latin typeface="等线" panose="02010600030101010101" pitchFamily="2" charset="-122"/>
+                        <a:ea typeface="等线" panose="02010600030101010101" pitchFamily="2" charset="-122"/>
+                      </a:endParaRPr>
+                    </a:p>
+                  </a:txBody>
+                  <a:tcPr marL="6350" marR="6350" marT="6350" marB="0" anchor="b"/>
+                </a:tc>
+                <a:tc>
+                  <a:txBody>
+                    <a:bodyPr/>
+                    <a:lstStyle/>
+                    <a:p>
+                      <a:pPr algn="r" fontAlgn="b"/>
+                      <a:r>
+                        <a:rPr lang="en-US" altLang="zh-CN" sz="1100" u="none" strike="noStrike" dirty="0">
+                          <a:effectLst/>
+                        </a:rPr>
+                        <a:t>0.7</a:t>
+                      </a:r>
+                      <a:endParaRPr lang="en-US" altLang="zh-CN" sz="1100" b="0" i="0" u="none" strike="noStrike" dirty="0">
+                        <a:solidFill>
+                          <a:srgbClr val="000000"/>
+                        </a:solidFill>
+                        <a:effectLst/>
+                        <a:latin typeface="等线" panose="02010600030101010101" pitchFamily="2" charset="-122"/>
+                        <a:ea typeface="等线" panose="02010600030101010101" pitchFamily="2" charset="-122"/>
+                      </a:endParaRPr>
+                    </a:p>
+                  </a:txBody>
+                  <a:tcPr marL="6350" marR="6350" marT="6350" marB="0" anchor="b"/>
+                </a:tc>
+                <a:extLst>
+                  <a:ext uri="{0D108BD9-81ED-4DB2-BD59-A6C34878D82A}">
+                    <a16:rowId xmlns:a16="http://schemas.microsoft.com/office/drawing/2014/main" val="2688700262"/>
+                  </a:ext>
+                </a:extLst>
+              </a:tr>
+            </a:tbl>
+          </a:graphicData>
+        </a:graphic>
+      </p:graphicFrame>
+      <p:sp>
+        <p:nvSpPr>
+          <p:cNvPr id="11" name="矩形 10">
+            <a:extLst>
+              <a:ext uri="{FF2B5EF4-FFF2-40B4-BE49-F238E27FC236}">
+                <a16:creationId xmlns:a16="http://schemas.microsoft.com/office/drawing/2014/main" id="{C2F985CD-BF05-41FD-89BC-D7AD34CDF008}"/>
+              </a:ext>
+            </a:extLst>
+          </p:cNvPr>
+          <p:cNvSpPr/>
+          <p:nvPr/>
+        </p:nvSpPr>
+        <p:spPr>
+          <a:xfrm>
+            <a:off x="5276994" y="1601392"/>
+            <a:ext cx="2190793" cy="923330"/>
+          </a:xfrm>
+          <a:prstGeom prst="rect">
+            <a:avLst/>
+          </a:prstGeom>
+          <a:noFill/>
+        </p:spPr>
+        <p:txBody>
+          <a:bodyPr wrap="none" lIns="91440" tIns="45720" rIns="91440" bIns="45720">
+            <a:spAutoFit/>
+          </a:bodyPr>
+          <a:lstStyle/>
+          <a:p>
+            <a:pPr algn="ctr"/>
+            <a:r>
+              <a:rPr lang="en-US" altLang="zh-CN" sz="5400" dirty="0" err="1">
+                <a:ln w="0"/>
+                <a:effectLst>
+                  <a:outerShdw blurRad="38100" dist="19050" dir="2700000" algn="tl" rotWithShape="0">
+                    <a:schemeClr val="dk1">
+                      <a:alpha val="40000"/>
+                    </a:schemeClr>
+                  </a:outerShdw>
+                </a:effectLst>
+              </a:rPr>
+              <a:t>Arcene</a:t>
+            </a:r>
+            <a:endParaRPr lang="zh-CN" altLang="en-US" sz="5400" b="1" cap="none" spc="0" dirty="0">
+              <a:ln w="12700" cmpd="sng">
+                <a:solidFill>
+                  <a:schemeClr val="accent4"/>
+                </a:solidFill>
+                <a:prstDash val="solid"/>
+              </a:ln>
+              <a:gradFill>
+                <a:gsLst>
+                  <a:gs pos="0">
+                    <a:schemeClr val="accent4"/>
+                  </a:gs>
+                  <a:gs pos="4000">
+                    <a:schemeClr val="accent4">
+                      <a:lumMod val="60000"/>
+                      <a:lumOff val="40000"/>
+                    </a:schemeClr>
+                  </a:gs>
+                  <a:gs pos="87000">
+                    <a:schemeClr val="accent4">
+                      <a:lumMod val="20000"/>
+                      <a:lumOff val="80000"/>
+                    </a:schemeClr>
+                  </a:gs>
+                </a:gsLst>
+                <a:lin ang="5400000"/>
+              </a:gradFill>
+              <a:effectLst/>
+            </a:endParaRPr>
+          </a:p>
+        </p:txBody>
+      </p:sp>
+    </p:spTree>
+    <p:extLst>
+      <p:ext uri="{BB962C8B-B14F-4D97-AF65-F5344CB8AC3E}">
+        <p14:creationId xmlns:p14="http://schemas.microsoft.com/office/powerpoint/2010/main" val="2839933432"/>
+      </p:ext>
+    </p:extLst>
+  </p:cSld>
+  <p:clrMapOvr>
+    <a:masterClrMapping/>
+  </p:clrMapOvr>
+  <p:timing>
+    <p:tnLst>
+      <p:par>
+        <p:cTn id="1" dur="indefinite" restart="never" nodeType="tmRoot">
+          <p:childTnLst>
+            <p:seq concurrent="1" nextAc="seek">
+              <p:cTn id="2" dur="indefinite" nodeType="mainSeq">
+                <p:childTnLst>
+                  <p:par>
+                    <p:cTn id="3" fill="hold">
+                      <p:stCondLst>
+                        <p:cond delay="indefinite"/>
+                      </p:stCondLst>
+                      <p:childTnLst>
+                        <p:par>
+                          <p:cTn id="4" fill="hold">
+                            <p:stCondLst>
+                              <p:cond delay="0"/>
+                            </p:stCondLst>
+                            <p:childTnLst>
+                              <p:par>
+                                <p:cTn id="5" presetID="2" presetClass="exit" presetSubtype="4" fill="hold" nodeType="clickEffect">
+                                  <p:stCondLst>
+                                    <p:cond delay="0"/>
+                                  </p:stCondLst>
+                                  <p:childTnLst>
+                                    <p:anim calcmode="lin" valueType="num">
+                                      <p:cBhvr additive="base">
+                                        <p:cTn id="6" dur="500"/>
+                                        <p:tgtEl>
+                                          <p:spTgt spid="7"/>
+                                        </p:tgtEl>
+                                        <p:attrNameLst>
+                                          <p:attrName>ppt_x</p:attrName>
+                                        </p:attrNameLst>
+                                      </p:cBhvr>
+                                      <p:tavLst>
+                                        <p:tav tm="0">
+                                          <p:val>
+                                            <p:strVal val="ppt_x"/>
+                                          </p:val>
+                                        </p:tav>
+                                        <p:tav tm="100000">
+                                          <p:val>
+                                            <p:strVal val="ppt_x"/>
+                                          </p:val>
+                                        </p:tav>
+                                      </p:tavLst>
+                                    </p:anim>
+                                    <p:anim calcmode="lin" valueType="num">
+                                      <p:cBhvr additive="base">
+                                        <p:cTn id="7" dur="500"/>
+                                        <p:tgtEl>
+                                          <p:spTgt spid="7"/>
+                                        </p:tgtEl>
+                                        <p:attrNameLst>
+                                          <p:attrName>ppt_y</p:attrName>
+                                        </p:attrNameLst>
+                                      </p:cBhvr>
+                                      <p:tavLst>
+                                        <p:tav tm="0">
+                                          <p:val>
+                                            <p:strVal val="ppt_y"/>
+                                          </p:val>
+                                        </p:tav>
+                                        <p:tav tm="100000">
+                                          <p:val>
+                                            <p:strVal val="1+ppt_h/2"/>
+                                          </p:val>
+                                        </p:tav>
+                                      </p:tavLst>
+                                    </p:anim>
+                                    <p:set>
+                                      <p:cBhvr>
+                                        <p:cTn id="8" dur="1" fill="hold">
+                                          <p:stCondLst>
+                                            <p:cond delay="499"/>
+                                          </p:stCondLst>
+                                        </p:cTn>
+                                        <p:tgtEl>
+                                          <p:spTgt spid="7"/>
+                                        </p:tgtEl>
+                                        <p:attrNameLst>
+                                          <p:attrName>style.visibility</p:attrName>
+                                        </p:attrNameLst>
+                                      </p:cBhvr>
+                                      <p:to>
+                                        <p:strVal val="hidden"/>
+                                      </p:to>
+                                    </p:set>
+                                  </p:childTnLst>
+                                </p:cTn>
+                              </p:par>
+                              <p:par>
+                                <p:cTn id="9" presetID="2" presetClass="exit" presetSubtype="4" fill="hold" grpId="0" nodeType="withEffect">
+                                  <p:stCondLst>
+                                    <p:cond delay="0"/>
+                                  </p:stCondLst>
+                                  <p:childTnLst>
+                                    <p:anim calcmode="lin" valueType="num">
+                                      <p:cBhvr additive="base">
+                                        <p:cTn id="10" dur="500"/>
+                                        <p:tgtEl>
+                                          <p:spTgt spid="8"/>
+                                        </p:tgtEl>
+                                        <p:attrNameLst>
+                                          <p:attrName>ppt_x</p:attrName>
+                                        </p:attrNameLst>
+                                      </p:cBhvr>
+                                      <p:tavLst>
+                                        <p:tav tm="0">
+                                          <p:val>
+                                            <p:strVal val="ppt_x"/>
+                                          </p:val>
+                                        </p:tav>
+                                        <p:tav tm="100000">
+                                          <p:val>
+                                            <p:strVal val="ppt_x"/>
+                                          </p:val>
+                                        </p:tav>
+                                      </p:tavLst>
+                                    </p:anim>
+                                    <p:anim calcmode="lin" valueType="num">
+                                      <p:cBhvr additive="base">
+                                        <p:cTn id="11" dur="500"/>
+                                        <p:tgtEl>
+                                          <p:spTgt spid="8"/>
+                                        </p:tgtEl>
+                                        <p:attrNameLst>
+                                          <p:attrName>ppt_y</p:attrName>
+                                        </p:attrNameLst>
+                                      </p:cBhvr>
+                                      <p:tavLst>
+                                        <p:tav tm="0">
+                                          <p:val>
+                                            <p:strVal val="ppt_y"/>
+                                          </p:val>
+                                        </p:tav>
+                                        <p:tav tm="100000">
+                                          <p:val>
+                                            <p:strVal val="1+ppt_h/2"/>
+                                          </p:val>
+                                        </p:tav>
+                                      </p:tavLst>
+                                    </p:anim>
+                                    <p:set>
+                                      <p:cBhvr>
+                                        <p:cTn id="12" dur="1" fill="hold">
+                                          <p:stCondLst>
+                                            <p:cond delay="499"/>
+                                          </p:stCondLst>
+                                        </p:cTn>
+                                        <p:tgtEl>
+                                          <p:spTgt spid="8"/>
+                                        </p:tgtEl>
+                                        <p:attrNameLst>
+                                          <p:attrName>style.visibility</p:attrName>
+                                        </p:attrNameLst>
+                                      </p:cBhvr>
+                                      <p:to>
+                                        <p:strVal val="hidden"/>
+                                      </p:to>
+                                    </p:set>
+                                  </p:childTnLst>
+                                </p:cTn>
+                              </p:par>
+                            </p:childTnLst>
+                          </p:cTn>
+                        </p:par>
+                        <p:par>
+                          <p:cTn id="13" fill="hold">
+                            <p:stCondLst>
+                              <p:cond delay="500"/>
+                            </p:stCondLst>
+                            <p:childTnLst>
+                              <p:par>
+                                <p:cTn id="14" presetID="42" presetClass="entr" presetSubtype="0" fill="hold" nodeType="afterEffect">
+                                  <p:stCondLst>
+                                    <p:cond delay="0"/>
+                                  </p:stCondLst>
+                                  <p:childTnLst>
+                                    <p:set>
+                                      <p:cBhvr>
+                                        <p:cTn id="15" dur="1" fill="hold">
+                                          <p:stCondLst>
+                                            <p:cond delay="0"/>
+                                          </p:stCondLst>
+                                        </p:cTn>
+                                        <p:tgtEl>
+                                          <p:spTgt spid="6"/>
+                                        </p:tgtEl>
+                                        <p:attrNameLst>
+                                          <p:attrName>style.visibility</p:attrName>
+                                        </p:attrNameLst>
+                                      </p:cBhvr>
+                                      <p:to>
+                                        <p:strVal val="visible"/>
+                                      </p:to>
+                                    </p:set>
+                                    <p:animEffect transition="in" filter="fade">
+                                      <p:cBhvr>
+                                        <p:cTn id="16" dur="1000"/>
+                                        <p:tgtEl>
+                                          <p:spTgt spid="6"/>
+                                        </p:tgtEl>
+                                      </p:cBhvr>
+                                    </p:animEffect>
+                                    <p:anim calcmode="lin" valueType="num">
+                                      <p:cBhvr>
+                                        <p:cTn id="17" dur="1000" fill="hold"/>
+                                        <p:tgtEl>
+                                          <p:spTgt spid="6"/>
+                                        </p:tgtEl>
+                                        <p:attrNameLst>
+                                          <p:attrName>ppt_x</p:attrName>
+                                        </p:attrNameLst>
+                                      </p:cBhvr>
+                                      <p:tavLst>
+                                        <p:tav tm="0">
+                                          <p:val>
+                                            <p:strVal val="#ppt_x"/>
+                                          </p:val>
+                                        </p:tav>
+                                        <p:tav tm="100000">
+                                          <p:val>
+                                            <p:strVal val="#ppt_x"/>
+                                          </p:val>
+                                        </p:tav>
+                                      </p:tavLst>
+                                    </p:anim>
+                                    <p:anim calcmode="lin" valueType="num">
+                                      <p:cBhvr>
+                                        <p:cTn id="18" dur="1000" fill="hold"/>
+                                        <p:tgtEl>
+                                          <p:spTgt spid="6"/>
+                                        </p:tgtEl>
+                                        <p:attrNameLst>
+                                          <p:attrName>ppt_y</p:attrName>
+                                        </p:attrNameLst>
+                                      </p:cBhvr>
+                                      <p:tavLst>
+                                        <p:tav tm="0">
+                                          <p:val>
+                                            <p:strVal val="#ppt_y+.1"/>
+                                          </p:val>
+                                        </p:tav>
+                                        <p:tav tm="100000">
+                                          <p:val>
+                                            <p:strVal val="#ppt_y"/>
+                                          </p:val>
+                                        </p:tav>
+                                      </p:tavLst>
+                                    </p:anim>
+                                  </p:childTnLst>
+                                </p:cTn>
+                              </p:par>
+                              <p:par>
+                                <p:cTn id="19" presetID="42" presetClass="entr" presetSubtype="0" fill="hold" grpId="0" nodeType="withEffect">
+                                  <p:stCondLst>
+                                    <p:cond delay="0"/>
+                                  </p:stCondLst>
+                                  <p:childTnLst>
+                                    <p:set>
+                                      <p:cBhvr>
+                                        <p:cTn id="20" dur="1" fill="hold">
+                                          <p:stCondLst>
+                                            <p:cond delay="0"/>
+                                          </p:stCondLst>
+                                        </p:cTn>
+                                        <p:tgtEl>
+                                          <p:spTgt spid="9"/>
+                                        </p:tgtEl>
+                                        <p:attrNameLst>
+                                          <p:attrName>style.visibility</p:attrName>
+                                        </p:attrNameLst>
+                                      </p:cBhvr>
+                                      <p:to>
+                                        <p:strVal val="visible"/>
+                                      </p:to>
+                                    </p:set>
+                                    <p:animEffect transition="in" filter="fade">
+                                      <p:cBhvr>
+                                        <p:cTn id="21" dur="1000"/>
+                                        <p:tgtEl>
+                                          <p:spTgt spid="9"/>
+                                        </p:tgtEl>
+                                      </p:cBhvr>
+                                    </p:animEffect>
+                                    <p:anim calcmode="lin" valueType="num">
+                                      <p:cBhvr>
+                                        <p:cTn id="22" dur="1000" fill="hold"/>
+                                        <p:tgtEl>
+                                          <p:spTgt spid="9"/>
+                                        </p:tgtEl>
+                                        <p:attrNameLst>
+                                          <p:attrName>ppt_x</p:attrName>
+                                        </p:attrNameLst>
+                                      </p:cBhvr>
+                                      <p:tavLst>
+                                        <p:tav tm="0">
+                                          <p:val>
+                                            <p:strVal val="#ppt_x"/>
+                                          </p:val>
+                                        </p:tav>
+                                        <p:tav tm="100000">
+                                          <p:val>
+                                            <p:strVal val="#ppt_x"/>
+                                          </p:val>
+                                        </p:tav>
+                                      </p:tavLst>
+                                    </p:anim>
+                                    <p:anim calcmode="lin" valueType="num">
+                                      <p:cBhvr>
+                                        <p:cTn id="23" dur="1000" fill="hold"/>
+                                        <p:tgtEl>
+                                          <p:spTgt spid="9"/>
+                                        </p:tgtEl>
+                                        <p:attrNameLst>
+                                          <p:attrName>ppt_y</p:attrName>
+                                        </p:attrNameLst>
+                                      </p:cBhvr>
+                                      <p:tavLst>
+                                        <p:tav tm="0">
+                                          <p:val>
+                                            <p:strVal val="#ppt_y+.1"/>
+                                          </p:val>
+                                        </p:tav>
+                                        <p:tav tm="100000">
+                                          <p:val>
+                                            <p:strVal val="#ppt_y"/>
+                                          </p:val>
+                                        </p:tav>
+                                      </p:tavLst>
+                                    </p:anim>
+                                  </p:childTnLst>
+                                </p:cTn>
+                              </p:par>
+                            </p:childTnLst>
+                          </p:cTn>
+                        </p:par>
+                      </p:childTnLst>
+                    </p:cTn>
+                  </p:par>
+                  <p:par>
+                    <p:cTn id="24" fill="hold">
+                      <p:stCondLst>
+                        <p:cond delay="indefinite"/>
+                      </p:stCondLst>
+                      <p:childTnLst>
+                        <p:par>
+                          <p:cTn id="25" fill="hold">
+                            <p:stCondLst>
+                              <p:cond delay="0"/>
+                            </p:stCondLst>
+                            <p:childTnLst>
+                              <p:par>
+                                <p:cTn id="26" presetID="42" presetClass="exit" presetSubtype="0" fill="hold" nodeType="clickEffect">
+                                  <p:stCondLst>
+                                    <p:cond delay="0"/>
+                                  </p:stCondLst>
+                                  <p:childTnLst>
+                                    <p:animEffect transition="out" filter="fade">
+                                      <p:cBhvr>
+                                        <p:cTn id="27" dur="1000"/>
+                                        <p:tgtEl>
+                                          <p:spTgt spid="6"/>
+                                        </p:tgtEl>
+                                      </p:cBhvr>
+                                    </p:animEffect>
+                                    <p:anim calcmode="lin" valueType="num">
+                                      <p:cBhvr>
+                                        <p:cTn id="28" dur="1000"/>
+                                        <p:tgtEl>
+                                          <p:spTgt spid="6"/>
+                                        </p:tgtEl>
+                                        <p:attrNameLst>
+                                          <p:attrName>ppt_x</p:attrName>
+                                        </p:attrNameLst>
+                                      </p:cBhvr>
+                                      <p:tavLst>
+                                        <p:tav tm="0">
+                                          <p:val>
+                                            <p:strVal val="ppt_x"/>
+                                          </p:val>
+                                        </p:tav>
+                                        <p:tav tm="100000">
+                                          <p:val>
+                                            <p:strVal val="ppt_x"/>
+                                          </p:val>
+                                        </p:tav>
+                                      </p:tavLst>
+                                    </p:anim>
+                                    <p:anim calcmode="lin" valueType="num">
+                                      <p:cBhvr>
+                                        <p:cTn id="29" dur="1000"/>
+                                        <p:tgtEl>
+                                          <p:spTgt spid="6"/>
+                                        </p:tgtEl>
+                                        <p:attrNameLst>
+                                          <p:attrName>ppt_y</p:attrName>
+                                        </p:attrNameLst>
+                                      </p:cBhvr>
+                                      <p:tavLst>
+                                        <p:tav tm="0">
+                                          <p:val>
+                                            <p:strVal val="ppt_y"/>
+                                          </p:val>
+                                        </p:tav>
+                                        <p:tav tm="100000">
+                                          <p:val>
+                                            <p:strVal val="ppt_y+.1"/>
+                                          </p:val>
+                                        </p:tav>
+                                      </p:tavLst>
+                                    </p:anim>
+                                    <p:set>
+                                      <p:cBhvr>
+                                        <p:cTn id="30" dur="1" fill="hold">
+                                          <p:stCondLst>
+                                            <p:cond delay="999"/>
+                                          </p:stCondLst>
+                                        </p:cTn>
+                                        <p:tgtEl>
+                                          <p:spTgt spid="6"/>
+                                        </p:tgtEl>
+                                        <p:attrNameLst>
+                                          <p:attrName>style.visibility</p:attrName>
+                                        </p:attrNameLst>
+                                      </p:cBhvr>
+                                      <p:to>
+                                        <p:strVal val="hidden"/>
+                                      </p:to>
+                                    </p:set>
+                                  </p:childTnLst>
+                                </p:cTn>
+                              </p:par>
+                              <p:par>
+                                <p:cTn id="31" presetID="42" presetClass="exit" presetSubtype="0" fill="hold" grpId="1" nodeType="withEffect">
+                                  <p:stCondLst>
+                                    <p:cond delay="0"/>
+                                  </p:stCondLst>
+                                  <p:childTnLst>
+                                    <p:animEffect transition="out" filter="fade">
+                                      <p:cBhvr>
+                                        <p:cTn id="32" dur="1000"/>
+                                        <p:tgtEl>
+                                          <p:spTgt spid="9"/>
+                                        </p:tgtEl>
+                                      </p:cBhvr>
+                                    </p:animEffect>
+                                    <p:anim calcmode="lin" valueType="num">
+                                      <p:cBhvr>
+                                        <p:cTn id="33" dur="1000"/>
+                                        <p:tgtEl>
+                                          <p:spTgt spid="9"/>
+                                        </p:tgtEl>
+                                        <p:attrNameLst>
+                                          <p:attrName>ppt_x</p:attrName>
+                                        </p:attrNameLst>
+                                      </p:cBhvr>
+                                      <p:tavLst>
+                                        <p:tav tm="0">
+                                          <p:val>
+                                            <p:strVal val="ppt_x"/>
+                                          </p:val>
+                                        </p:tav>
+                                        <p:tav tm="100000">
+                                          <p:val>
+                                            <p:strVal val="ppt_x"/>
+                                          </p:val>
+                                        </p:tav>
+                                      </p:tavLst>
+                                    </p:anim>
+                                    <p:anim calcmode="lin" valueType="num">
+                                      <p:cBhvr>
+                                        <p:cTn id="34" dur="1000"/>
+                                        <p:tgtEl>
+                                          <p:spTgt spid="9"/>
+                                        </p:tgtEl>
+                                        <p:attrNameLst>
+                                          <p:attrName>ppt_y</p:attrName>
+                                        </p:attrNameLst>
+                                      </p:cBhvr>
+                                      <p:tavLst>
+                                        <p:tav tm="0">
+                                          <p:val>
+                                            <p:strVal val="ppt_y"/>
+                                          </p:val>
+                                        </p:tav>
+                                        <p:tav tm="100000">
+                                          <p:val>
+                                            <p:strVal val="ppt_y+.1"/>
+                                          </p:val>
+                                        </p:tav>
+                                      </p:tavLst>
+                                    </p:anim>
+                                    <p:set>
+                                      <p:cBhvr>
+                                        <p:cTn id="35" dur="1" fill="hold">
+                                          <p:stCondLst>
+                                            <p:cond delay="999"/>
+                                          </p:stCondLst>
+                                        </p:cTn>
+                                        <p:tgtEl>
+                                          <p:spTgt spid="9"/>
+                                        </p:tgtEl>
+                                        <p:attrNameLst>
+                                          <p:attrName>style.visibility</p:attrName>
+                                        </p:attrNameLst>
+                                      </p:cBhvr>
+                                      <p:to>
+                                        <p:strVal val="hidden"/>
+                                      </p:to>
+                                    </p:set>
+                                  </p:childTnLst>
+                                </p:cTn>
+                              </p:par>
+                              <p:par>
+                                <p:cTn id="36" presetID="42" presetClass="entr" presetSubtype="0" fill="hold" nodeType="withEffect">
+                                  <p:stCondLst>
+                                    <p:cond delay="0"/>
+                                  </p:stCondLst>
+                                  <p:childTnLst>
+                                    <p:set>
+                                      <p:cBhvr>
+                                        <p:cTn id="37" dur="1" fill="hold">
+                                          <p:stCondLst>
+                                            <p:cond delay="0"/>
+                                          </p:stCondLst>
+                                        </p:cTn>
+                                        <p:tgtEl>
+                                          <p:spTgt spid="10"/>
+                                        </p:tgtEl>
+                                        <p:attrNameLst>
+                                          <p:attrName>style.visibility</p:attrName>
+                                        </p:attrNameLst>
+                                      </p:cBhvr>
+                                      <p:to>
+                                        <p:strVal val="visible"/>
+                                      </p:to>
+                                    </p:set>
+                                    <p:animEffect transition="in" filter="fade">
+                                      <p:cBhvr>
+                                        <p:cTn id="38" dur="1000"/>
+                                        <p:tgtEl>
+                                          <p:spTgt spid="10"/>
+                                        </p:tgtEl>
+                                      </p:cBhvr>
+                                    </p:animEffect>
+                                    <p:anim calcmode="lin" valueType="num">
+                                      <p:cBhvr>
+                                        <p:cTn id="39" dur="1000" fill="hold"/>
+                                        <p:tgtEl>
+                                          <p:spTgt spid="10"/>
+                                        </p:tgtEl>
+                                        <p:attrNameLst>
+                                          <p:attrName>ppt_x</p:attrName>
+                                        </p:attrNameLst>
+                                      </p:cBhvr>
+                                      <p:tavLst>
+                                        <p:tav tm="0">
+                                          <p:val>
+                                            <p:strVal val="#ppt_x"/>
+                                          </p:val>
+                                        </p:tav>
+                                        <p:tav tm="100000">
+                                          <p:val>
+                                            <p:strVal val="#ppt_x"/>
+                                          </p:val>
+                                        </p:tav>
+                                      </p:tavLst>
+                                    </p:anim>
+                                    <p:anim calcmode="lin" valueType="num">
+                                      <p:cBhvr>
+                                        <p:cTn id="40" dur="1000" fill="hold"/>
+                                        <p:tgtEl>
+                                          <p:spTgt spid="10"/>
+                                        </p:tgtEl>
+                                        <p:attrNameLst>
+                                          <p:attrName>ppt_y</p:attrName>
+                                        </p:attrNameLst>
+                                      </p:cBhvr>
+                                      <p:tavLst>
+                                        <p:tav tm="0">
+                                          <p:val>
+                                            <p:strVal val="#ppt_y+.1"/>
+                                          </p:val>
+                                        </p:tav>
+                                        <p:tav tm="100000">
+                                          <p:val>
+                                            <p:strVal val="#ppt_y"/>
+                                          </p:val>
+                                        </p:tav>
+                                      </p:tavLst>
+                                    </p:anim>
+                                  </p:childTnLst>
+                                </p:cTn>
+                              </p:par>
+                              <p:par>
+                                <p:cTn id="41" presetID="42" presetClass="entr" presetSubtype="0" fill="hold" grpId="0" nodeType="withEffect">
+                                  <p:stCondLst>
+                                    <p:cond delay="0"/>
+                                  </p:stCondLst>
+                                  <p:childTnLst>
+                                    <p:set>
+                                      <p:cBhvr>
+                                        <p:cTn id="42" dur="1" fill="hold">
+                                          <p:stCondLst>
+                                            <p:cond delay="0"/>
+                                          </p:stCondLst>
+                                        </p:cTn>
+                                        <p:tgtEl>
+                                          <p:spTgt spid="11"/>
+                                        </p:tgtEl>
+                                        <p:attrNameLst>
+                                          <p:attrName>style.visibility</p:attrName>
+                                        </p:attrNameLst>
+                                      </p:cBhvr>
+                                      <p:to>
+                                        <p:strVal val="visible"/>
+                                      </p:to>
+                                    </p:set>
+                                    <p:animEffect transition="in" filter="fade">
+                                      <p:cBhvr>
+                                        <p:cTn id="43" dur="1000"/>
+                                        <p:tgtEl>
+                                          <p:spTgt spid="11"/>
+                                        </p:tgtEl>
+                                      </p:cBhvr>
+                                    </p:animEffect>
+                                    <p:anim calcmode="lin" valueType="num">
+                                      <p:cBhvr>
+                                        <p:cTn id="44" dur="1000" fill="hold"/>
+                                        <p:tgtEl>
+                                          <p:spTgt spid="11"/>
+                                        </p:tgtEl>
+                                        <p:attrNameLst>
+                                          <p:attrName>ppt_x</p:attrName>
+                                        </p:attrNameLst>
+                                      </p:cBhvr>
+                                      <p:tavLst>
+                                        <p:tav tm="0">
+                                          <p:val>
+                                            <p:strVal val="#ppt_x"/>
+                                          </p:val>
+                                        </p:tav>
+                                        <p:tav tm="100000">
+                                          <p:val>
+                                            <p:strVal val="#ppt_x"/>
+                                          </p:val>
+                                        </p:tav>
+                                      </p:tavLst>
+                                    </p:anim>
+                                    <p:anim calcmode="lin" valueType="num">
+                                      <p:cBhvr>
+                                        <p:cTn id="45" dur="1000" fill="hold"/>
+                                        <p:tgtEl>
+                                          <p:spTgt spid="11"/>
+                                        </p:tgtEl>
+                                        <p:attrNameLst>
+                                          <p:attrName>ppt_y</p:attrName>
+                                        </p:attrNameLst>
+                                      </p:cBhvr>
+                                      <p:tavLst>
+                                        <p:tav tm="0">
+                                          <p:val>
+                                            <p:strVal val="#ppt_y+.1"/>
+                                          </p:val>
+                                        </p:tav>
+                                        <p:tav tm="100000">
+                                          <p:val>
+                                            <p:strVal val="#ppt_y"/>
+                                          </p:val>
+                                        </p:tav>
+                                      </p:tavLst>
+                                    </p:anim>
+                                  </p:childTnLst>
+                                </p:cTn>
+                              </p:par>
+                            </p:childTnLst>
+                          </p:cTn>
+                        </p:par>
+                      </p:childTnLst>
+                    </p:cTn>
+                  </p:par>
+                </p:childTnLst>
+              </p:cTn>
+              <p:prevCondLst>
+                <p:cond evt="onPrev" delay="0">
+                  <p:tgtEl>
+                    <p:sldTgt/>
+                  </p:tgtEl>
+                </p:cond>
+              </p:prevCondLst>
+              <p:nextCondLst>
+                <p:cond evt="onNext" delay="0">
+                  <p:tgtEl>
+                    <p:sldTgt/>
+                  </p:tgtEl>
+                </p:cond>
+              </p:nextCondLst>
+            </p:seq>
+          </p:childTnLst>
+        </p:cTn>
+      </p:par>
+    </p:tnLst>
+    <p:bldLst>
+      <p:bldP spid="8" grpId="0"/>
+      <p:bldP spid="9" grpId="0"/>
+      <p:bldP spid="9" grpId="1"/>
+      <p:bldP spid="11" grpId="0"/>
+    </p:bldLst>
+  </p:timing>
+</p:sld>
+</file>
+
+<file path=ppt/slides/slide8.xml><?xml version="1.0" encoding="utf-8"?>
+<p:sld xmlns:a="http://schemas.openxmlformats.org/drawingml/2006/main" xmlns:r="http://schemas.openxmlformats.org/officeDocument/2006/relationships" xmlns:p="http://schemas.openxmlformats.org/presentationml/2006/main">
+  <p:cSld>
+    <p:spTree>
+      <p:nvGrpSpPr>
+        <p:cNvPr id="1" name=""/>
+        <p:cNvGrpSpPr/>
+        <p:nvPr/>
+      </p:nvGrpSpPr>
+      <p:grpSpPr>
+        <a:xfrm>
+          <a:off x="0" y="0"/>
+          <a:ext cx="0" cy="0"/>
+          <a:chOff x="0" y="0"/>
+          <a:chExt cx="0" cy="0"/>
+        </a:xfrm>
+      </p:grpSpPr>
+      <p:sp>
+        <p:nvSpPr>
+          <p:cNvPr id="2" name="标题 1">
+            <a:extLst>
+              <a:ext uri="{FF2B5EF4-FFF2-40B4-BE49-F238E27FC236}">
+                <a16:creationId xmlns:a16="http://schemas.microsoft.com/office/drawing/2014/main" id="{B782287F-9CA4-4BAF-A53D-7851954E44BD}"/>
+              </a:ext>
+            </a:extLst>
+          </p:cNvPr>
+          <p:cNvSpPr>
+            <a:spLocks noGrp="1"/>
+          </p:cNvSpPr>
+          <p:nvPr>
+            <p:ph type="title"/>
+          </p:nvPr>
+        </p:nvSpPr>
+        <p:spPr/>
+        <p:txBody>
+          <a:bodyPr/>
+          <a:lstStyle/>
+          <a:p>
+            <a:r>
+              <a:rPr lang="en-US" altLang="zh-CN" dirty="0"/>
+              <a:t>FOA </a:t>
+            </a:r>
+            <a:r>
+              <a:rPr lang="zh-CN" altLang="en-US" dirty="0"/>
+              <a:t>类特征选择算法总结</a:t>
+            </a:r>
+          </a:p>
+        </p:txBody>
+      </p:sp>
+      <p:sp>
+        <p:nvSpPr>
+          <p:cNvPr id="3" name="竖排文字占位符 2">
+            <a:extLst>
+              <a:ext uri="{FF2B5EF4-FFF2-40B4-BE49-F238E27FC236}">
+                <a16:creationId xmlns:a16="http://schemas.microsoft.com/office/drawing/2014/main" id="{A6C54BA1-554C-46D2-9545-98ADFEDA9E01}"/>
+              </a:ext>
+            </a:extLst>
+          </p:cNvPr>
+          <p:cNvSpPr>
+            <a:spLocks noGrp="1"/>
+          </p:cNvSpPr>
+          <p:nvPr>
+            <p:ph type="body" orient="vert" idx="1"/>
+          </p:nvPr>
+        </p:nvSpPr>
+        <p:spPr>
+          <a:xfrm>
+            <a:off x="1371600" y="2171700"/>
+            <a:ext cx="9601200" cy="3695700"/>
+          </a:xfrm>
+        </p:spPr>
+        <p:txBody>
+          <a:bodyPr vert="horz">
+            <a:normAutofit/>
+          </a:bodyPr>
+          <a:lstStyle/>
+          <a:p>
+            <a:r>
+              <a:rPr lang="zh-CN" altLang="en-US" dirty="0"/>
+              <a:t>使用了遗传算法的思想：选择、变异</a:t>
+            </a:r>
+            <a:endParaRPr lang="en-US" altLang="zh-CN" dirty="0"/>
+          </a:p>
+          <a:p>
+            <a:pPr lvl="1"/>
+            <a:r>
+              <a:rPr lang="zh-CN" altLang="en-US" dirty="0"/>
+              <a:t>局部播种 </a:t>
+            </a:r>
+            <a:r>
+              <a:rPr lang="en-US" altLang="zh-CN" dirty="0"/>
+              <a:t>+ </a:t>
+            </a:r>
+            <a:r>
+              <a:rPr lang="zh-CN" altLang="en-US" dirty="0"/>
+              <a:t>限制森林大小</a:t>
+            </a:r>
+            <a:r>
+              <a:rPr lang="en-US" altLang="zh-CN" dirty="0"/>
+              <a:t> -&gt; </a:t>
+            </a:r>
+            <a:r>
+              <a:rPr lang="zh-CN" altLang="en-US" dirty="0"/>
+              <a:t>变异</a:t>
+            </a:r>
+            <a:r>
+              <a:rPr lang="en-US" altLang="zh-CN" dirty="0"/>
+              <a:t>+</a:t>
+            </a:r>
+            <a:r>
+              <a:rPr lang="zh-CN" altLang="en-US" dirty="0"/>
+              <a:t>选择 </a:t>
+            </a:r>
+            <a:r>
+              <a:rPr lang="en-US" altLang="zh-CN" dirty="0"/>
+              <a:t>-&gt; </a:t>
+            </a:r>
+            <a:r>
+              <a:rPr lang="zh-CN" altLang="en-US" dirty="0"/>
+              <a:t>趋向于局部极值</a:t>
+            </a:r>
+            <a:endParaRPr lang="en-US" altLang="zh-CN" dirty="0"/>
+          </a:p>
+          <a:p>
+            <a:pPr lvl="1"/>
+            <a:r>
+              <a:rPr lang="zh-CN" altLang="en-US" dirty="0"/>
+              <a:t>全局播种 </a:t>
+            </a:r>
+            <a:r>
+              <a:rPr lang="en-US" altLang="zh-CN" dirty="0"/>
+              <a:t>-&gt; </a:t>
+            </a:r>
+            <a:r>
+              <a:rPr lang="zh-CN" altLang="en-US" dirty="0"/>
+              <a:t>变异 </a:t>
+            </a:r>
+            <a:r>
+              <a:rPr lang="en-US" altLang="zh-CN" dirty="0"/>
+              <a:t>-&gt; </a:t>
+            </a:r>
+            <a:r>
+              <a:rPr lang="zh-CN" altLang="en-US" dirty="0"/>
+              <a:t>跳出局部极值</a:t>
+            </a:r>
+            <a:endParaRPr lang="en-US" altLang="zh-CN" dirty="0"/>
+          </a:p>
+          <a:p>
+            <a:endParaRPr lang="en-US" altLang="zh-CN" dirty="0"/>
+          </a:p>
+          <a:p>
+            <a:r>
+              <a:rPr lang="en-US" altLang="zh-CN" dirty="0"/>
+              <a:t>IFSFOA </a:t>
+            </a:r>
+            <a:r>
+              <a:rPr lang="zh-CN" altLang="en-US" dirty="0"/>
+              <a:t>的改进</a:t>
+            </a:r>
+            <a:endParaRPr lang="en-US" altLang="zh-CN" dirty="0"/>
+          </a:p>
+          <a:p>
+            <a:pPr lvl="1"/>
+            <a:r>
+              <a:rPr lang="zh-CN" altLang="en-US" dirty="0"/>
+              <a:t>优化初始化方法：增加种群初始的多样新</a:t>
+            </a:r>
+            <a:endParaRPr lang="en-US" altLang="zh-CN" dirty="0"/>
+          </a:p>
+          <a:p>
+            <a:pPr lvl="1"/>
+            <a:r>
+              <a:rPr lang="zh-CN" altLang="en-US" dirty="0"/>
+              <a:t>极度贪婪策略：加速趋向于局部极值</a:t>
+            </a:r>
+            <a:endParaRPr lang="en-US" altLang="zh-CN" dirty="0"/>
+          </a:p>
+          <a:p>
+            <a:pPr lvl="1"/>
+            <a:endParaRPr lang="en-US" altLang="zh-CN" dirty="0"/>
+          </a:p>
+          <a:p>
+            <a:r>
+              <a:rPr lang="zh-CN" altLang="en-US" dirty="0"/>
+              <a:t>使用随机化在 趋于局部极值 与 跳出局部极值 里寻找平衡</a:t>
+            </a:r>
+            <a:endParaRPr lang="en-US" altLang="zh-CN" dirty="0"/>
+          </a:p>
+          <a:p>
+            <a:endParaRPr lang="en-US" altLang="zh-CN" dirty="0"/>
+          </a:p>
+          <a:p>
+            <a:pPr lvl="1"/>
+            <a:endParaRPr lang="en-US" altLang="zh-CN" dirty="0"/>
+          </a:p>
+          <a:p>
+            <a:pPr lvl="1"/>
+            <a:endParaRPr lang="en-US" altLang="zh-CN" dirty="0"/>
+          </a:p>
+        </p:txBody>
+      </p:sp>
+    </p:spTree>
+    <p:extLst>
+      <p:ext uri="{BB962C8B-B14F-4D97-AF65-F5344CB8AC3E}">
+        <p14:creationId xmlns:p14="http://schemas.microsoft.com/office/powerpoint/2010/main" val="354395351"/>
+      </p:ext>
+    </p:extLst>
+  </p:cSld>
+  <p:clrMapOvr>
+    <a:masterClrMapping/>
+  </p:clrMapOvr>
+</p:sld>
+</file>
+
+<file path=ppt/slides/slide9.xml><?xml version="1.0" encoding="utf-8"?>
+<p:sld xmlns:a="http://schemas.openxmlformats.org/drawingml/2006/main" xmlns:r="http://schemas.openxmlformats.org/officeDocument/2006/relationships" xmlns:p="http://schemas.openxmlformats.org/presentationml/2006/main">
+  <p:cSld>
+    <p:spTree>
+      <p:nvGrpSpPr>
+        <p:cNvPr id="1" name=""/>
+        <p:cNvGrpSpPr/>
+        <p:nvPr/>
+      </p:nvGrpSpPr>
+      <p:grpSpPr>
+        <a:xfrm>
+          <a:off x="0" y="0"/>
+          <a:ext cx="0" cy="0"/>
+          <a:chOff x="0" y="0"/>
+          <a:chExt cx="0" cy="0"/>
+        </a:xfrm>
+      </p:grpSpPr>
+      <p:sp>
+        <p:nvSpPr>
+          <p:cNvPr id="2" name="标题 1">
+            <a:extLst>
+              <a:ext uri="{FF2B5EF4-FFF2-40B4-BE49-F238E27FC236}">
+                <a16:creationId xmlns:a16="http://schemas.microsoft.com/office/drawing/2014/main" id="{6799ED41-C398-4EE7-B914-C7C3BE1C3D57}"/>
+              </a:ext>
+            </a:extLst>
+          </p:cNvPr>
+          <p:cNvSpPr>
+            <a:spLocks noGrp="1"/>
+          </p:cNvSpPr>
+          <p:nvPr>
+            <p:ph type="title"/>
+          </p:nvPr>
+        </p:nvSpPr>
+        <p:spPr/>
+        <p:txBody>
+          <a:bodyPr/>
+          <a:lstStyle/>
+          <a:p>
+            <a:r>
+              <a:rPr lang="zh-CN" altLang="en-US" dirty="0"/>
+              <a:t>潜在问题</a:t>
+            </a:r>
+          </a:p>
+        </p:txBody>
+      </p:sp>
+      <mc:AlternateContent xmlns:mc="http://schemas.openxmlformats.org/markup-compatibility/2006">
+        <mc:Choice xmlns:a14="http://schemas.microsoft.com/office/drawing/2010/main" Requires="a14">
+          <p:sp>
+            <p:nvSpPr>
+              <p:cNvPr id="3" name="竖排文字占位符 2">
+                <a:extLst>
+                  <a:ext uri="{FF2B5EF4-FFF2-40B4-BE49-F238E27FC236}">
+                    <a16:creationId xmlns:a16="http://schemas.microsoft.com/office/drawing/2014/main" id="{0A6D7BDB-3BFD-464E-B14E-FC565B5EC71C}"/>
+                  </a:ext>
+                </a:extLst>
+              </p:cNvPr>
+              <p:cNvSpPr>
+                <a:spLocks noGrp="1"/>
+              </p:cNvSpPr>
+              <p:nvPr>
+                <p:ph type="body" orient="vert" idx="1"/>
+              </p:nvPr>
+            </p:nvSpPr>
+            <p:spPr/>
+            <p:txBody>
+              <a:bodyPr vert="horz"/>
+              <a:lstStyle/>
+              <a:p>
+                <a:r>
+                  <a:rPr lang="en-US" altLang="zh-CN" dirty="0"/>
+                  <a:t>IFSFOA </a:t>
+                </a:r>
+                <a:r>
+                  <a:rPr lang="zh-CN" altLang="en-US" dirty="0"/>
+                  <a:t>的极度贪婪策略需生成长度为</a:t>
+                </a:r>
+                <a14:m>
+                  <m:oMath xmlns:m="http://schemas.openxmlformats.org/officeDocument/2006/math">
+                    <m:r>
+                      <a:rPr lang="zh-CN" altLang="en-US" i="1" dirty="0" smtClean="0">
+                        <a:latin typeface="Cambria Math" panose="02040503050406030204" pitchFamily="18" charset="0"/>
+                      </a:rPr>
+                      <m:t> </m:t>
+                    </m:r>
+                    <m:r>
+                      <a:rPr lang="en-US" altLang="zh-CN" i="1" dirty="0" smtClean="0">
+                        <a:latin typeface="Cambria Math" panose="02040503050406030204" pitchFamily="18" charset="0"/>
+                      </a:rPr>
+                      <m:t>𝐿𝑆𝐶</m:t>
+                    </m:r>
+                    <m:r>
+                      <a:rPr lang="en-US" altLang="zh-CN" i="1" dirty="0" smtClean="0">
+                        <a:latin typeface="Cambria Math" panose="02040503050406030204" pitchFamily="18" charset="0"/>
+                      </a:rPr>
+                      <m:t> </m:t>
+                    </m:r>
+                  </m:oMath>
+                </a14:m>
+                <a:r>
+                  <a:rPr lang="zh-CN" altLang="en-US" dirty="0"/>
+                  <a:t>的适应度不降树序列，而文中 </a:t>
+                </a:r>
+                <a14:m>
+                  <m:oMath xmlns:m="http://schemas.openxmlformats.org/officeDocument/2006/math">
+                    <m:r>
+                      <m:rPr>
+                        <m:sty m:val="p"/>
+                      </m:rPr>
+                      <a:rPr lang="en-US" altLang="zh-CN" i="1" dirty="0">
+                        <a:latin typeface="Cambria Math" panose="02040503050406030204" pitchFamily="18" charset="0"/>
+                      </a:rPr>
+                      <m:t>LSC</m:t>
+                    </m:r>
+                    <m:r>
+                      <a:rPr lang="en-US" altLang="zh-CN" b="0" i="1" dirty="0" smtClean="0">
+                        <a:latin typeface="Cambria Math" panose="02040503050406030204" pitchFamily="18" charset="0"/>
+                      </a:rPr>
+                      <m:t>=</m:t>
+                    </m:r>
+                    <m:f>
+                      <m:fPr>
+                        <m:type m:val="skw"/>
+                        <m:ctrlPr>
+                          <a:rPr lang="en-US" altLang="zh-CN" b="0" i="1" dirty="0" smtClean="0">
+                            <a:latin typeface="Cambria Math" panose="02040503050406030204" pitchFamily="18" charset="0"/>
+                          </a:rPr>
+                        </m:ctrlPr>
+                      </m:fPr>
+                      <m:num>
+                        <m:r>
+                          <a:rPr lang="en-US" altLang="zh-CN" b="0" i="1" dirty="0" smtClean="0">
+                            <a:latin typeface="Cambria Math" panose="02040503050406030204" pitchFamily="18" charset="0"/>
+                          </a:rPr>
+                          <m:t>𝑛</m:t>
+                        </m:r>
+                        <m:r>
+                          <a:rPr lang="en-US" altLang="zh-CN" b="0" i="1" dirty="0" smtClean="0">
+                            <a:latin typeface="Cambria Math" panose="02040503050406030204" pitchFamily="18" charset="0"/>
+                          </a:rPr>
+                          <m:t>_</m:t>
+                        </m:r>
+                        <m:r>
+                          <a:rPr lang="en-US" altLang="zh-CN" b="0" i="1" dirty="0" smtClean="0">
+                            <a:latin typeface="Cambria Math" panose="02040503050406030204" pitchFamily="18" charset="0"/>
+                          </a:rPr>
+                          <m:t>𝑓𝑒𝑎𝑡𝑢𝑟𝑒𝑠</m:t>
+                        </m:r>
+                      </m:num>
+                      <m:den>
+                        <m:r>
+                          <a:rPr lang="en-US" altLang="zh-CN" b="0" i="1" dirty="0" smtClean="0">
+                            <a:latin typeface="Cambria Math" panose="02040503050406030204" pitchFamily="18" charset="0"/>
+                          </a:rPr>
+                          <m:t>5</m:t>
+                        </m:r>
+                      </m:den>
+                    </m:f>
+                    <m:r>
+                      <a:rPr lang="zh-CN" altLang="en-US" i="1" dirty="0">
+                        <a:latin typeface="Cambria Math" panose="02040503050406030204" pitchFamily="18" charset="0"/>
+                      </a:rPr>
+                      <m:t>。</m:t>
+                    </m:r>
+                  </m:oMath>
+                </a14:m>
+                <a:r>
+                  <a:rPr lang="zh-CN" altLang="en-US" dirty="0"/>
+                  <a:t>当训练数据样本维度非常大的时候，一次极度贪婪的复杂度为</a:t>
+                </a:r>
+                <a14:m>
+                  <m:oMath xmlns:m="http://schemas.openxmlformats.org/officeDocument/2006/math">
+                    <m:r>
+                      <a:rPr lang="en-US" altLang="zh-CN" b="0" i="1" smtClean="0">
+                        <a:latin typeface="Cambria Math" panose="02040503050406030204" pitchFamily="18" charset="0"/>
+                      </a:rPr>
+                      <m:t>𝑂</m:t>
+                    </m:r>
+                    <m:d>
+                      <m:dPr>
+                        <m:ctrlPr>
+                          <a:rPr lang="en-US" altLang="zh-CN" b="0" i="1" smtClean="0">
+                            <a:latin typeface="Cambria Math" panose="02040503050406030204" pitchFamily="18" charset="0"/>
+                          </a:rPr>
+                        </m:ctrlPr>
+                      </m:dPr>
+                      <m:e>
+                        <m:sSub>
+                          <m:sSubPr>
+                            <m:ctrlPr>
+                              <a:rPr lang="en-US" altLang="zh-CN" b="0" i="1" smtClean="0">
+                                <a:latin typeface="Cambria Math" panose="02040503050406030204" pitchFamily="18" charset="0"/>
+                              </a:rPr>
+                            </m:ctrlPr>
+                          </m:sSubPr>
+                          <m:e>
+                            <m:r>
+                              <a:rPr lang="en-US" altLang="zh-CN" b="0" i="1" smtClean="0">
+                                <a:latin typeface="Cambria Math" panose="02040503050406030204" pitchFamily="18" charset="0"/>
+                              </a:rPr>
+                              <m:t>𝑛</m:t>
+                            </m:r>
+                          </m:e>
+                          <m:sub>
+                            <m:r>
+                              <a:rPr lang="en-US" altLang="zh-CN" b="0" i="1" smtClean="0">
+                                <a:latin typeface="Cambria Math" panose="02040503050406030204" pitchFamily="18" charset="0"/>
+                              </a:rPr>
+                              <m:t>𝑓𝑒𝑎𝑡𝑢𝑟𝑒𝑠</m:t>
+                            </m:r>
+                          </m:sub>
+                        </m:sSub>
+                      </m:e>
+                    </m:d>
+                    <m:r>
+                      <a:rPr lang="en-US" altLang="zh-CN" b="0" i="1" smtClean="0">
+                        <a:latin typeface="Cambria Math" panose="02040503050406030204" pitchFamily="18" charset="0"/>
+                      </a:rPr>
+                      <m:t>⋅</m:t>
+                    </m:r>
+                    <m:sSub>
+                      <m:sSubPr>
+                        <m:ctrlPr>
+                          <a:rPr lang="en-US" altLang="zh-CN" b="0" i="1" smtClean="0">
+                            <a:latin typeface="Cambria Math" panose="02040503050406030204" pitchFamily="18" charset="0"/>
+                          </a:rPr>
+                        </m:ctrlPr>
+                      </m:sSubPr>
+                      <m:e>
+                        <m:r>
+                          <a:rPr lang="en-US" altLang="zh-CN" b="0" i="1" smtClean="0">
+                            <a:latin typeface="Cambria Math" panose="02040503050406030204" pitchFamily="18" charset="0"/>
+                          </a:rPr>
+                          <m:t>𝑂</m:t>
+                        </m:r>
+                      </m:e>
+                      <m:sub>
+                        <m:r>
+                          <a:rPr lang="en-US" altLang="zh-CN" b="0" i="1" smtClean="0">
+                            <a:latin typeface="Cambria Math" panose="02040503050406030204" pitchFamily="18" charset="0"/>
+                          </a:rPr>
+                          <m:t>𝑏𝑎𝑠𝑒</m:t>
+                        </m:r>
+                        <m:r>
+                          <a:rPr lang="en-US" altLang="zh-CN" b="0" i="1" smtClean="0">
+                            <a:latin typeface="Cambria Math" panose="02040503050406030204" pitchFamily="18" charset="0"/>
+                          </a:rPr>
+                          <m:t> </m:t>
+                        </m:r>
+                        <m:r>
+                          <a:rPr lang="en-US" altLang="zh-CN" b="0" i="1" smtClean="0">
+                            <a:latin typeface="Cambria Math" panose="02040503050406030204" pitchFamily="18" charset="0"/>
+                          </a:rPr>
+                          <m:t>𝑙𝑒𝑎𝑟𝑛𝑒𝑟</m:t>
+                        </m:r>
+                      </m:sub>
+                    </m:sSub>
+                    <m:r>
+                      <a:rPr lang="zh-CN" altLang="en-US" i="1">
+                        <a:latin typeface="Cambria Math" panose="02040503050406030204" pitchFamily="18" charset="0"/>
+                      </a:rPr>
+                      <m:t>。</m:t>
+                    </m:r>
+                  </m:oMath>
+                </a14:m>
+                <a:endParaRPr lang="en-US" altLang="zh-CN" dirty="0"/>
+              </a:p>
+              <a:p>
+                <a:endParaRPr lang="en-US" altLang="zh-CN" dirty="0"/>
+              </a:p>
+              <a:p>
+                <a:r>
+                  <a:rPr lang="zh-CN" altLang="en-US" dirty="0"/>
+                  <a:t>使用 随机化</a:t>
+                </a:r>
+                <a:r>
+                  <a:rPr lang="en-US" altLang="zh-CN" dirty="0"/>
+                  <a:t>+</a:t>
+                </a:r>
+                <a:r>
+                  <a:rPr lang="zh-CN" altLang="en-US" dirty="0"/>
+                  <a:t>选择 让种群趋于局部极值的速度缓慢。</a:t>
+                </a:r>
+                <a:endParaRPr lang="en-US" altLang="zh-CN" dirty="0"/>
+              </a:p>
+              <a:p>
+                <a:endParaRPr lang="en-US" altLang="zh-CN" dirty="0"/>
+              </a:p>
+              <a:p>
+                <a:r>
+                  <a:rPr lang="zh-CN" altLang="en-US" dirty="0"/>
+                  <a:t>趋于局部极值 同 跳出局部极值均基于产生临近树的随机化方法。相互抵消，导致表现无法持续提升。</a:t>
+                </a:r>
+              </a:p>
+            </p:txBody>
+          </p:sp>
+        </mc:Choice>
+        <mc:Fallback>
+          <p:sp>
+            <p:nvSpPr>
+              <p:cNvPr id="3" name="竖排文字占位符 2">
+                <a:extLst>
+                  <a:ext uri="{FF2B5EF4-FFF2-40B4-BE49-F238E27FC236}">
+                    <a16:creationId xmlns:a16="http://schemas.microsoft.com/office/drawing/2014/main" id="{0A6D7BDB-3BFD-464E-B14E-FC565B5EC71C}"/>
+                  </a:ext>
+                </a:extLst>
+              </p:cNvPr>
+              <p:cNvSpPr>
+                <a:spLocks noGrp="1" noRot="1" noChangeAspect="1" noMove="1" noResize="1" noEditPoints="1" noAdjustHandles="1" noChangeArrowheads="1" noChangeShapeType="1" noTextEdit="1"/>
+              </p:cNvSpPr>
+              <p:nvPr>
+                <p:ph type="body" orient="vert" idx="1"/>
+              </p:nvPr>
+            </p:nvSpPr>
+            <p:spPr>
+              <a:blipFill>
+                <a:blip r:embed="rId2"/>
+                <a:stretch>
+                  <a:fillRect l="-571" t="-10922" r="-635"/>
+                </a:stretch>
+              </a:blipFill>
+            </p:spPr>
+            <p:txBody>
+              <a:bodyPr/>
+              <a:lstStyle/>
+              <a:p>
+                <a:r>
+                  <a:rPr lang="zh-CN" altLang="en-US">
+                    <a:noFill/>
+                  </a:rPr>
+                  <a:t> </a:t>
+                </a:r>
+              </a:p>
+            </p:txBody>
+          </p:sp>
+        </mc:Fallback>
+      </mc:AlternateContent>
+    </p:spTree>
+    <p:extLst>
+      <p:ext uri="{BB962C8B-B14F-4D97-AF65-F5344CB8AC3E}">
+        <p14:creationId xmlns:p14="http://schemas.microsoft.com/office/powerpoint/2010/main" val="3593800620"/>
       </p:ext>
     </p:extLst>
   </p:cSld>

--- a/Doc/Pre.pptx
+++ b/Doc/Pre.pptx
@@ -17,6 +17,8 @@
     <p:sldId id="266" r:id="rId11"/>
     <p:sldId id="267" r:id="rId12"/>
     <p:sldId id="268" r:id="rId13"/>
+    <p:sldId id="269" r:id="rId14"/>
+    <p:sldId id="271" r:id="rId15"/>
   </p:sldIdLst>
   <p:sldSz cx="12192000" cy="6858000"/>
   <p:notesSz cx="6858000" cy="9144000"/>
@@ -293,7 +295,7 @@
             <a:fld id="{87DE6118-2437-4B30-8E3C-4D2BE6020583}" type="datetimeFigureOut">
               <a:rPr lang="en-US" dirty="0"/>
               <a:pPr/>
-              <a:t>9/23/2019</a:t>
+              <a:t>9/24/2019</a:t>
             </a:fld>
             <a:endParaRPr lang="en-US" dirty="0"/>
           </a:p>
@@ -619,7 +621,7 @@
           <a:p>
             <a:fld id="{87DE6118-2437-4B30-8E3C-4D2BE6020583}" type="datetimeFigureOut">
               <a:rPr lang="en-US" dirty="0"/>
-              <a:t>9/23/2019</a:t>
+              <a:t>9/24/2019</a:t>
             </a:fld>
             <a:endParaRPr lang="en-US" dirty="0"/>
           </a:p>
@@ -794,7 +796,7 @@
           <a:p>
             <a:fld id="{87DE6118-2437-4B30-8E3C-4D2BE6020583}" type="datetimeFigureOut">
               <a:rPr lang="en-US" dirty="0"/>
-              <a:t>9/23/2019</a:t>
+              <a:t>9/24/2019</a:t>
             </a:fld>
             <a:endParaRPr lang="en-US" dirty="0"/>
           </a:p>
@@ -959,7 +961,7 @@
           <a:p>
             <a:fld id="{87DE6118-2437-4B30-8E3C-4D2BE6020583}" type="datetimeFigureOut">
               <a:rPr lang="en-US" dirty="0"/>
-              <a:t>9/23/2019</a:t>
+              <a:t>9/24/2019</a:t>
             </a:fld>
             <a:endParaRPr lang="en-US" dirty="0"/>
           </a:p>
@@ -1232,7 +1234,7 @@
             <a:fld id="{87DE6118-2437-4B30-8E3C-4D2BE6020583}" type="datetimeFigureOut">
               <a:rPr lang="en-US" dirty="0"/>
               <a:pPr/>
-              <a:t>9/23/2019</a:t>
+              <a:t>9/24/2019</a:t>
             </a:fld>
             <a:endParaRPr lang="en-US" dirty="0"/>
           </a:p>
@@ -1622,7 +1624,7 @@
           <a:p>
             <a:fld id="{87DE6118-2437-4B30-8E3C-4D2BE6020583}" type="datetimeFigureOut">
               <a:rPr lang="en-US" dirty="0"/>
-              <a:t>9/23/2019</a:t>
+              <a:t>9/24/2019</a:t>
             </a:fld>
             <a:endParaRPr lang="en-US" dirty="0"/>
           </a:p>
@@ -2094,7 +2096,7 @@
           <a:p>
             <a:fld id="{87DE6118-2437-4B30-8E3C-4D2BE6020583}" type="datetimeFigureOut">
               <a:rPr lang="en-US" dirty="0"/>
-              <a:t>9/23/2019</a:t>
+              <a:t>9/24/2019</a:t>
             </a:fld>
             <a:endParaRPr lang="en-US" dirty="0"/>
           </a:p>
@@ -2207,7 +2209,7 @@
           <a:p>
             <a:fld id="{87DE6118-2437-4B30-8E3C-4D2BE6020583}" type="datetimeFigureOut">
               <a:rPr lang="en-US" dirty="0"/>
-              <a:t>9/23/2019</a:t>
+              <a:t>9/24/2019</a:t>
             </a:fld>
             <a:endParaRPr lang="en-US" dirty="0"/>
           </a:p>
@@ -2297,7 +2299,7 @@
           <a:p>
             <a:fld id="{87DE6118-2437-4B30-8E3C-4D2BE6020583}" type="datetimeFigureOut">
               <a:rPr lang="en-US" dirty="0"/>
-              <a:t>9/23/2019</a:t>
+              <a:t>9/24/2019</a:t>
             </a:fld>
             <a:endParaRPr lang="en-US" dirty="0"/>
           </a:p>
@@ -2639,7 +2641,7 @@
             <a:fld id="{87DE6118-2437-4B30-8E3C-4D2BE6020583}" type="datetimeFigureOut">
               <a:rPr lang="en-US" dirty="0"/>
               <a:pPr/>
-              <a:t>9/23/2019</a:t>
+              <a:t>9/24/2019</a:t>
             </a:fld>
             <a:endParaRPr lang="en-US" dirty="0"/>
           </a:p>
@@ -3024,7 +3026,7 @@
             <a:fld id="{87DE6118-2437-4B30-8E3C-4D2BE6020583}" type="datetimeFigureOut">
               <a:rPr lang="en-US" dirty="0"/>
               <a:pPr/>
-              <a:t>9/23/2019</a:t>
+              <a:t>9/24/2019</a:t>
             </a:fld>
             <a:endParaRPr lang="en-US" dirty="0"/>
           </a:p>
@@ -3299,7 +3301,7 @@
             <a:fld id="{87DE6118-2437-4B30-8E3C-4D2BE6020583}" type="datetimeFigureOut">
               <a:rPr lang="en-US" dirty="0"/>
               <a:pPr/>
-              <a:t>9/23/2019</a:t>
+              <a:t>9/24/2019</a:t>
             </a:fld>
             <a:endParaRPr lang="en-US" dirty="0"/>
           </a:p>
@@ -3926,8 +3928,8 @@
           </a:p>
         </p:txBody>
       </p:sp>
-      <mc:AlternateContent xmlns:mc="http://schemas.openxmlformats.org/markup-compatibility/2006">
-        <mc:Choice xmlns:a14="http://schemas.microsoft.com/office/drawing/2010/main" Requires="a14">
+      <mc:AlternateContent xmlns:mc="http://schemas.openxmlformats.org/markup-compatibility/2006" xmlns:a14="http://schemas.microsoft.com/office/drawing/2010/main">
+        <mc:Choice Requires="a14">
           <p:sp>
             <p:nvSpPr>
               <p:cNvPr id="3" name="竖排文字占位符 2">
@@ -4237,7 +4239,7 @@
                     <m:sSubSup>
                       <m:sSubSupPr>
                         <m:ctrlPr>
-                          <a:rPr lang="en-US" altLang="zh-CN">
+                          <a:rPr lang="en-US" altLang="zh-CN" i="1">
                             <a:latin typeface="Cambria Math" panose="02040503050406030204" pitchFamily="18" charset="0"/>
                           </a:rPr>
                         </m:ctrlPr>
@@ -4276,7 +4278,7 @@
                     <m:sSub>
                       <m:sSubPr>
                         <m:ctrlPr>
-                          <a:rPr lang="en-US" altLang="zh-CN">
+                          <a:rPr lang="en-US" altLang="zh-CN" i="1">
                             <a:latin typeface="Cambria Math" panose="02040503050406030204" pitchFamily="18" charset="0"/>
                           </a:rPr>
                         </m:ctrlPr>
@@ -4307,7 +4309,7 @@
                     <m:sSub>
                       <m:sSubPr>
                         <m:ctrlPr>
-                          <a:rPr lang="en-US" altLang="zh-CN">
+                          <a:rPr lang="en-US" altLang="zh-CN" i="1">
                             <a:latin typeface="Cambria Math" panose="02040503050406030204" pitchFamily="18" charset="0"/>
                           </a:rPr>
                         </m:ctrlPr>
@@ -4340,7 +4342,7 @@
                     <m:sSup>
                       <m:sSupPr>
                         <m:ctrlPr>
-                          <a:rPr lang="en-US" altLang="zh-CN">
+                          <a:rPr lang="en-US" altLang="zh-CN" i="1">
                             <a:latin typeface="Cambria Math" panose="02040503050406030204" pitchFamily="18" charset="0"/>
                           </a:rPr>
                         </m:ctrlPr>
@@ -4434,7 +4436,7 @@
             </p:txBody>
           </p:sp>
         </mc:Choice>
-        <mc:Fallback>
+        <mc:Fallback xmlns="">
           <p:sp>
             <p:nvSpPr>
               <p:cNvPr id="3" name="竖排文字占位符 2">
@@ -4638,7 +4640,7 @@
                     <m:d>
                       <m:dPr>
                         <m:ctrlPr>
-                          <a:rPr lang="en-US" altLang="zh-CN" dirty="0">
+                          <a:rPr lang="en-US" altLang="zh-CN" i="1" dirty="0">
                             <a:latin typeface="Cambria Math" panose="02040503050406030204" pitchFamily="18" charset="0"/>
                           </a:rPr>
                         </m:ctrlPr>
@@ -4647,7 +4649,7 @@
                         <m:sSup>
                           <m:sSupPr>
                             <m:ctrlPr>
-                              <a:rPr lang="en-US" altLang="zh-CN" dirty="0">
+                              <a:rPr lang="en-US" altLang="zh-CN" i="1" dirty="0">
                                 <a:latin typeface="Cambria Math" panose="02040503050406030204" pitchFamily="18" charset="0"/>
                               </a:rPr>
                             </m:ctrlPr>
@@ -4686,7 +4688,7 @@
                     <m:sSup>
                       <m:sSupPr>
                         <m:ctrlPr>
-                          <a:rPr lang="en-US" altLang="zh-CN" dirty="0">
+                          <a:rPr lang="en-US" altLang="zh-CN" i="1" dirty="0">
                             <a:latin typeface="Cambria Math" panose="02040503050406030204" pitchFamily="18" charset="0"/>
                           </a:rPr>
                         </m:ctrlPr>
@@ -4717,7 +4719,7 @@
                     <m:sSup>
                       <m:sSupPr>
                         <m:ctrlPr>
-                          <a:rPr lang="en-US" altLang="zh-CN" dirty="0">
+                          <a:rPr lang="en-US" altLang="zh-CN" i="1" dirty="0">
                             <a:latin typeface="Cambria Math" panose="02040503050406030204" pitchFamily="18" charset="0"/>
                           </a:rPr>
                         </m:ctrlPr>
@@ -4753,14 +4755,14 @@
                 </a:r>
                 <a:r>
                   <a:rPr lang="zh-CN" altLang="en-US" dirty="0"/>
-                  <a:t>，去寻找 </a:t>
+                  <a:t>，寻找 </a:t>
                 </a:r>
                 <a14:m>
                   <m:oMath xmlns:m="http://schemas.openxmlformats.org/officeDocument/2006/math">
                     <m:sSubSup>
                       <m:sSubSupPr>
                         <m:ctrlPr>
-                          <a:rPr lang="en-US" altLang="zh-CN">
+                          <a:rPr lang="en-US" altLang="zh-CN" i="1">
                             <a:latin typeface="Cambria Math" panose="02040503050406030204" pitchFamily="18" charset="0"/>
                           </a:rPr>
                         </m:ctrlPr>
@@ -4802,7 +4804,7 @@
                     <m:sSub>
                       <m:sSubPr>
                         <m:ctrlPr>
-                          <a:rPr lang="en-US" altLang="zh-CN">
+                          <a:rPr lang="en-US" altLang="zh-CN" i="1">
                             <a:latin typeface="Cambria Math" panose="02040503050406030204" pitchFamily="18" charset="0"/>
                           </a:rPr>
                         </m:ctrlPr>
@@ -4827,7 +4829,7 @@
                     <m:sSub>
                       <m:sSubPr>
                         <m:ctrlPr>
-                          <a:rPr lang="en-US" altLang="zh-CN">
+                          <a:rPr lang="en-US" altLang="zh-CN" i="1">
                             <a:latin typeface="Cambria Math" panose="02040503050406030204" pitchFamily="18" charset="0"/>
                           </a:rPr>
                         </m:ctrlPr>
@@ -4982,6 +4984,175 @@
               </a:p>
               <a:p>
                 <a:pPr lvl="1"/>
+                <a14:m>
+                  <m:oMath xmlns:m="http://schemas.openxmlformats.org/officeDocument/2006/math">
+                    <m:r>
+                      <a:rPr lang="en-US" altLang="zh-CN" i="1" dirty="0" smtClean="0">
+                        <a:latin typeface="Cambria Math" panose="02040503050406030204" pitchFamily="18" charset="0"/>
+                      </a:rPr>
+                      <m:t>𝐿𝑜𝑠𝑠</m:t>
+                    </m:r>
+                    <m:r>
+                      <a:rPr lang="en-US" altLang="zh-CN" i="1" dirty="0" smtClean="0">
+                        <a:latin typeface="Cambria Math" panose="02040503050406030204" pitchFamily="18" charset="0"/>
+                      </a:rPr>
+                      <m:t> = </m:t>
+                    </m:r>
+                    <m:sSub>
+                      <m:sSubPr>
+                        <m:ctrlPr>
+                          <a:rPr lang="en-US" altLang="zh-CN" i="1" dirty="0" smtClean="0">
+                            <a:latin typeface="Cambria Math" panose="02040503050406030204" pitchFamily="18" charset="0"/>
+                          </a:rPr>
+                        </m:ctrlPr>
+                      </m:sSubPr>
+                      <m:e>
+                        <m:sSub>
+                          <m:sSubPr>
+                            <m:ctrlPr>
+                              <a:rPr lang="en-US" altLang="zh-CN" b="0" i="1" dirty="0" smtClean="0">
+                                <a:latin typeface="Cambria Math" panose="02040503050406030204" pitchFamily="18" charset="0"/>
+                              </a:rPr>
+                            </m:ctrlPr>
+                          </m:sSubPr>
+                          <m:e>
+                            <m:d>
+                              <m:dPr>
+                                <m:begChr m:val="|"/>
+                                <m:endChr m:val="|"/>
+                                <m:ctrlPr>
+                                  <a:rPr lang="en-US" altLang="zh-CN" b="0" i="1" dirty="0" smtClean="0">
+                                    <a:latin typeface="Cambria Math" panose="02040503050406030204" pitchFamily="18" charset="0"/>
+                                  </a:rPr>
+                                </m:ctrlPr>
+                              </m:dPr>
+                              <m:e>
+                                <m:d>
+                                  <m:dPr>
+                                    <m:begChr m:val="|"/>
+                                    <m:endChr m:val="|"/>
+                                    <m:ctrlPr>
+                                      <a:rPr lang="en-US" altLang="zh-CN" b="0" i="1" dirty="0" smtClean="0">
+                                        <a:latin typeface="Cambria Math" panose="02040503050406030204" pitchFamily="18" charset="0"/>
+                                      </a:rPr>
+                                    </m:ctrlPr>
+                                  </m:dPr>
+                                  <m:e>
+                                    <m:sSup>
+                                      <m:sSupPr>
+                                        <m:ctrlPr>
+                                          <a:rPr lang="en-US" altLang="zh-CN" b="0" i="1" dirty="0" smtClean="0">
+                                            <a:latin typeface="Cambria Math" panose="02040503050406030204" pitchFamily="18" charset="0"/>
+                                          </a:rPr>
+                                        </m:ctrlPr>
+                                      </m:sSupPr>
+                                      <m:e>
+                                        <m:r>
+                                          <a:rPr lang="en-US" altLang="zh-CN" b="0" i="1" dirty="0" smtClean="0">
+                                            <a:latin typeface="Cambria Math" panose="02040503050406030204" pitchFamily="18" charset="0"/>
+                                          </a:rPr>
+                                          <m:t>𝐹</m:t>
+                                        </m:r>
+                                      </m:e>
+                                      <m:sup>
+                                        <m:r>
+                                          <a:rPr lang="en-US" altLang="zh-CN" b="0" i="1" dirty="0" smtClean="0">
+                                            <a:latin typeface="Cambria Math" panose="02040503050406030204" pitchFamily="18" charset="0"/>
+                                          </a:rPr>
+                                          <m:t>′</m:t>
+                                        </m:r>
+                                      </m:sup>
+                                    </m:sSup>
+                                    <m:d>
+                                      <m:dPr>
+                                        <m:ctrlPr>
+                                          <a:rPr lang="en-US" altLang="zh-CN" b="0" i="1" dirty="0" smtClean="0">
+                                            <a:latin typeface="Cambria Math" panose="02040503050406030204" pitchFamily="18" charset="0"/>
+                                          </a:rPr>
+                                        </m:ctrlPr>
+                                      </m:dPr>
+                                      <m:e>
+                                        <m:r>
+                                          <a:rPr lang="en-US" altLang="zh-CN" b="0" i="1" dirty="0" smtClean="0">
+                                            <a:latin typeface="Cambria Math" panose="02040503050406030204" pitchFamily="18" charset="0"/>
+                                          </a:rPr>
+                                          <m:t>𝑋</m:t>
+                                        </m:r>
+                                      </m:e>
+                                    </m:d>
+                                    <m:r>
+                                      <a:rPr lang="en-US" altLang="zh-CN" b="0" i="1" dirty="0" smtClean="0">
+                                        <a:latin typeface="Cambria Math" panose="02040503050406030204" pitchFamily="18" charset="0"/>
+                                      </a:rPr>
+                                      <m:t>−</m:t>
+                                    </m:r>
+                                    <m:r>
+                                      <a:rPr lang="en-US" altLang="zh-CN" b="0" i="1" dirty="0" smtClean="0">
+                                        <a:latin typeface="Cambria Math" panose="02040503050406030204" pitchFamily="18" charset="0"/>
+                                      </a:rPr>
+                                      <m:t>𝑌</m:t>
+                                    </m:r>
+                                  </m:e>
+                                </m:d>
+                              </m:e>
+                            </m:d>
+                          </m:e>
+                          <m:sub>
+                            <m:r>
+                              <a:rPr lang="en-US" altLang="zh-CN" b="0" i="1" dirty="0" smtClean="0">
+                                <a:latin typeface="Cambria Math" panose="02040503050406030204" pitchFamily="18" charset="0"/>
+                              </a:rPr>
+                              <m:t>2</m:t>
+                            </m:r>
+                          </m:sub>
+                        </m:sSub>
+                        <m:r>
+                          <a:rPr lang="en-US" altLang="zh-CN" b="0" i="1" dirty="0" smtClean="0">
+                            <a:latin typeface="Cambria Math" panose="02040503050406030204" pitchFamily="18" charset="0"/>
+                          </a:rPr>
+                          <m:t>+</m:t>
+                        </m:r>
+                        <m:r>
+                          <a:rPr lang="en-US" altLang="zh-CN" b="0" i="1" dirty="0" smtClean="0">
+                            <a:latin typeface="Cambria Math" panose="02040503050406030204" pitchFamily="18" charset="0"/>
+                          </a:rPr>
+                          <m:t>𝜆</m:t>
+                        </m:r>
+                        <m:d>
+                          <m:dPr>
+                            <m:begChr m:val="|"/>
+                            <m:endChr m:val="|"/>
+                            <m:ctrlPr>
+                              <a:rPr lang="en-US" altLang="zh-CN" i="1" dirty="0" smtClean="0">
+                                <a:latin typeface="Cambria Math" panose="02040503050406030204" pitchFamily="18" charset="0"/>
+                              </a:rPr>
+                            </m:ctrlPr>
+                          </m:dPr>
+                          <m:e>
+                            <m:r>
+                              <a:rPr lang="en-US" altLang="zh-CN" i="1" dirty="0" smtClean="0">
+                                <a:latin typeface="Cambria Math" panose="02040503050406030204" pitchFamily="18" charset="0"/>
+                              </a:rPr>
+                              <m:t>𝑉</m:t>
+                            </m:r>
+                          </m:e>
+                        </m:d>
+                      </m:e>
+                      <m:sub>
+                        <m:r>
+                          <a:rPr lang="en-US" altLang="zh-CN" i="1" dirty="0" smtClean="0">
+                            <a:latin typeface="Cambria Math" panose="02040503050406030204" pitchFamily="18" charset="0"/>
+                          </a:rPr>
+                          <m:t>1</m:t>
+                        </m:r>
+                      </m:sub>
+                    </m:sSub>
+                  </m:oMath>
+                </a14:m>
+                <a:endParaRPr lang="en-US" altLang="zh-CN" dirty="0"/>
+              </a:p>
+              <a:p>
+                <a:pPr lvl="1"/>
                 <a:endParaRPr lang="en-US" altLang="zh-CN" dirty="0"/>
               </a:p>
               <a:p>
@@ -5092,7 +5263,4420 @@
           <a:bodyPr/>
           <a:lstStyle/>
           <a:p>
-            <a:endParaRPr lang="zh-CN" altLang="en-US"/>
+            <a:r>
+              <a:rPr lang="en-US" altLang="zh-CN" dirty="0"/>
+              <a:t>Lasso</a:t>
+            </a:r>
+            <a:r>
+              <a:rPr lang="zh-CN" altLang="en-US" dirty="0"/>
+              <a:t>结果</a:t>
+            </a:r>
+          </a:p>
+        </p:txBody>
+      </p:sp>
+      <p:graphicFrame>
+        <p:nvGraphicFramePr>
+          <p:cNvPr id="4" name="表格 3">
+            <a:extLst>
+              <a:ext uri="{FF2B5EF4-FFF2-40B4-BE49-F238E27FC236}">
+                <a16:creationId xmlns:a16="http://schemas.microsoft.com/office/drawing/2014/main" id="{A1217B8A-083A-4572-9BA9-5E36F9B13A56}"/>
+              </a:ext>
+            </a:extLst>
+          </p:cNvPr>
+          <p:cNvGraphicFramePr>
+            <a:graphicFrameLocks noGrp="1"/>
+          </p:cNvGraphicFramePr>
+          <p:nvPr>
+            <p:extLst>
+              <p:ext uri="{D42A27DB-BD31-4B8C-83A1-F6EECF244321}">
+                <p14:modId xmlns:p14="http://schemas.microsoft.com/office/powerpoint/2010/main" val="3690427588"/>
+              </p:ext>
+            </p:extLst>
+          </p:nvPr>
+        </p:nvGraphicFramePr>
+        <p:xfrm>
+          <a:off x="1873248" y="2152651"/>
+          <a:ext cx="8916768" cy="889000"/>
+        </p:xfrm>
+        <a:graphic>
+          <a:graphicData uri="http://schemas.openxmlformats.org/drawingml/2006/table">
+            <a:tbl>
+              <a:tblPr>
+                <a:tableStyleId>{5C22544A-7EE6-4342-B048-85BDC9FD1C3A}</a:tableStyleId>
+              </a:tblPr>
+              <a:tblGrid>
+                <a:gridCol w="1048138">
+                  <a:extLst>
+                    <a:ext uri="{9D8B030D-6E8A-4147-A177-3AD203B41FA5}">
+                      <a16:colId xmlns:a16="http://schemas.microsoft.com/office/drawing/2014/main" val="2069987516"/>
+                    </a:ext>
+                  </a:extLst>
+                </a:gridCol>
+                <a:gridCol w="1435493">
+                  <a:extLst>
+                    <a:ext uri="{9D8B030D-6E8A-4147-A177-3AD203B41FA5}">
+                      <a16:colId xmlns:a16="http://schemas.microsoft.com/office/drawing/2014/main" val="1904507885"/>
+                    </a:ext>
+                  </a:extLst>
+                </a:gridCol>
+                <a:gridCol w="1541826">
+                  <a:extLst>
+                    <a:ext uri="{9D8B030D-6E8A-4147-A177-3AD203B41FA5}">
+                      <a16:colId xmlns:a16="http://schemas.microsoft.com/office/drawing/2014/main" val="3482020683"/>
+                    </a:ext>
+                  </a:extLst>
+                </a:gridCol>
+                <a:gridCol w="1306375">
+                  <a:extLst>
+                    <a:ext uri="{9D8B030D-6E8A-4147-A177-3AD203B41FA5}">
+                      <a16:colId xmlns:a16="http://schemas.microsoft.com/office/drawing/2014/main" val="1519401318"/>
+                    </a:ext>
+                  </a:extLst>
+                </a:gridCol>
+                <a:gridCol w="1078519">
+                  <a:extLst>
+                    <a:ext uri="{9D8B030D-6E8A-4147-A177-3AD203B41FA5}">
+                      <a16:colId xmlns:a16="http://schemas.microsoft.com/office/drawing/2014/main" val="753270110"/>
+                    </a:ext>
+                  </a:extLst>
+                </a:gridCol>
+                <a:gridCol w="1336756">
+                  <a:extLst>
+                    <a:ext uri="{9D8B030D-6E8A-4147-A177-3AD203B41FA5}">
+                      <a16:colId xmlns:a16="http://schemas.microsoft.com/office/drawing/2014/main" val="3918991951"/>
+                    </a:ext>
+                  </a:extLst>
+                </a:gridCol>
+                <a:gridCol w="1169661">
+                  <a:extLst>
+                    <a:ext uri="{9D8B030D-6E8A-4147-A177-3AD203B41FA5}">
+                      <a16:colId xmlns:a16="http://schemas.microsoft.com/office/drawing/2014/main" val="4211250937"/>
+                    </a:ext>
+                  </a:extLst>
+                </a:gridCol>
+              </a:tblGrid>
+              <a:tr h="177800">
+                <a:tc>
+                  <a:txBody>
+                    <a:bodyPr/>
+                    <a:lstStyle/>
+                    <a:p>
+                      <a:pPr algn="l" fontAlgn="b"/>
+                      <a:r>
+                        <a:rPr lang="en-US" sz="1100" u="none" strike="noStrike">
+                          <a:effectLst/>
+                        </a:rPr>
+                        <a:t>Algorithm</a:t>
+                      </a:r>
+                      <a:endParaRPr lang="en-US" sz="1100" b="0" i="0" u="none" strike="noStrike">
+                        <a:solidFill>
+                          <a:srgbClr val="000000"/>
+                        </a:solidFill>
+                        <a:effectLst/>
+                        <a:latin typeface="等线" panose="02010600030101010101" pitchFamily="2" charset="-122"/>
+                        <a:ea typeface="等线" panose="02010600030101010101" pitchFamily="2" charset="-122"/>
+                      </a:endParaRPr>
+                    </a:p>
+                  </a:txBody>
+                  <a:tcPr marL="6350" marR="6350" marT="6350" marB="0" anchor="b"/>
+                </a:tc>
+                <a:tc>
+                  <a:txBody>
+                    <a:bodyPr/>
+                    <a:lstStyle/>
+                    <a:p>
+                      <a:pPr algn="l" fontAlgn="b"/>
+                      <a:r>
+                        <a:rPr lang="en-US" sz="1100" u="none" strike="noStrike">
+                          <a:effectLst/>
+                        </a:rPr>
+                        <a:t>Time</a:t>
+                      </a:r>
+                      <a:endParaRPr lang="en-US" sz="1100" b="0" i="0" u="none" strike="noStrike">
+                        <a:solidFill>
+                          <a:srgbClr val="000000"/>
+                        </a:solidFill>
+                        <a:effectLst/>
+                        <a:latin typeface="等线" panose="02010600030101010101" pitchFamily="2" charset="-122"/>
+                        <a:ea typeface="等线" panose="02010600030101010101" pitchFamily="2" charset="-122"/>
+                      </a:endParaRPr>
+                    </a:p>
+                  </a:txBody>
+                  <a:tcPr marL="6350" marR="6350" marT="6350" marB="0" anchor="b"/>
+                </a:tc>
+                <a:tc>
+                  <a:txBody>
+                    <a:bodyPr/>
+                    <a:lstStyle/>
+                    <a:p>
+                      <a:pPr algn="l" fontAlgn="b"/>
+                      <a:r>
+                        <a:rPr lang="en-US" sz="1100" u="none" strike="noStrike">
+                          <a:effectLst/>
+                        </a:rPr>
+                        <a:t>DR</a:t>
+                      </a:r>
+                      <a:endParaRPr lang="en-US" sz="1100" b="0" i="0" u="none" strike="noStrike">
+                        <a:solidFill>
+                          <a:srgbClr val="000000"/>
+                        </a:solidFill>
+                        <a:effectLst/>
+                        <a:latin typeface="等线" panose="02010600030101010101" pitchFamily="2" charset="-122"/>
+                        <a:ea typeface="等线" panose="02010600030101010101" pitchFamily="2" charset="-122"/>
+                      </a:endParaRPr>
+                    </a:p>
+                  </a:txBody>
+                  <a:tcPr marL="6350" marR="6350" marT="6350" marB="0" anchor="b"/>
+                </a:tc>
+                <a:tc>
+                  <a:txBody>
+                    <a:bodyPr/>
+                    <a:lstStyle/>
+                    <a:p>
+                      <a:pPr algn="l" fontAlgn="b"/>
+                      <a:r>
+                        <a:rPr lang="en-US" sz="1100" u="none" strike="noStrike">
+                          <a:effectLst/>
+                        </a:rPr>
+                        <a:t>Validation</a:t>
+                      </a:r>
+                      <a:endParaRPr lang="en-US" sz="1100" b="0" i="0" u="none" strike="noStrike">
+                        <a:solidFill>
+                          <a:srgbClr val="000000"/>
+                        </a:solidFill>
+                        <a:effectLst/>
+                        <a:latin typeface="等线" panose="02010600030101010101" pitchFamily="2" charset="-122"/>
+                        <a:ea typeface="等线" panose="02010600030101010101" pitchFamily="2" charset="-122"/>
+                      </a:endParaRPr>
+                    </a:p>
+                  </a:txBody>
+                  <a:tcPr marL="6350" marR="6350" marT="6350" marB="0" anchor="b"/>
+                </a:tc>
+                <a:tc>
+                  <a:txBody>
+                    <a:bodyPr/>
+                    <a:lstStyle/>
+                    <a:p>
+                      <a:pPr algn="l" fontAlgn="b"/>
+                      <a:r>
+                        <a:rPr lang="en-US" sz="1100" u="none" strike="noStrike">
+                          <a:effectLst/>
+                        </a:rPr>
+                        <a:t>Classifier</a:t>
+                      </a:r>
+                      <a:endParaRPr lang="en-US" sz="1100" b="0" i="0" u="none" strike="noStrike">
+                        <a:solidFill>
+                          <a:srgbClr val="000000"/>
+                        </a:solidFill>
+                        <a:effectLst/>
+                        <a:latin typeface="等线" panose="02010600030101010101" pitchFamily="2" charset="-122"/>
+                        <a:ea typeface="等线" panose="02010600030101010101" pitchFamily="2" charset="-122"/>
+                      </a:endParaRPr>
+                    </a:p>
+                  </a:txBody>
+                  <a:tcPr marL="6350" marR="6350" marT="6350" marB="0" anchor="b"/>
+                </a:tc>
+                <a:tc>
+                  <a:txBody>
+                    <a:bodyPr/>
+                    <a:lstStyle/>
+                    <a:p>
+                      <a:pPr algn="l" fontAlgn="b"/>
+                      <a:r>
+                        <a:rPr lang="en-US" sz="1100" u="none" strike="noStrike">
+                          <a:effectLst/>
+                        </a:rPr>
+                        <a:t>AC</a:t>
+                      </a:r>
+                      <a:endParaRPr lang="en-US" sz="1100" b="0" i="0" u="none" strike="noStrike">
+                        <a:solidFill>
+                          <a:srgbClr val="000000"/>
+                        </a:solidFill>
+                        <a:effectLst/>
+                        <a:latin typeface="等线" panose="02010600030101010101" pitchFamily="2" charset="-122"/>
+                        <a:ea typeface="等线" panose="02010600030101010101" pitchFamily="2" charset="-122"/>
+                      </a:endParaRPr>
+                    </a:p>
+                  </a:txBody>
+                  <a:tcPr marL="6350" marR="6350" marT="6350" marB="0" anchor="b"/>
+                </a:tc>
+                <a:tc>
+                  <a:txBody>
+                    <a:bodyPr/>
+                    <a:lstStyle/>
+                    <a:p>
+                      <a:pPr algn="l" fontAlgn="b"/>
+                      <a:r>
+                        <a:rPr lang="en-US" sz="1100" u="none" strike="noStrike">
+                          <a:effectLst/>
+                        </a:rPr>
+                        <a:t>Acc Delta</a:t>
+                      </a:r>
+                      <a:endParaRPr lang="en-US" sz="1100" b="0" i="0" u="none" strike="noStrike">
+                        <a:solidFill>
+                          <a:srgbClr val="000000"/>
+                        </a:solidFill>
+                        <a:effectLst/>
+                        <a:latin typeface="等线" panose="02010600030101010101" pitchFamily="2" charset="-122"/>
+                        <a:ea typeface="等线" panose="02010600030101010101" pitchFamily="2" charset="-122"/>
+                      </a:endParaRPr>
+                    </a:p>
+                  </a:txBody>
+                  <a:tcPr marL="6350" marR="6350" marT="6350" marB="0" anchor="b"/>
+                </a:tc>
+                <a:extLst>
+                  <a:ext uri="{0D108BD9-81ED-4DB2-BD59-A6C34878D82A}">
+                    <a16:rowId xmlns:a16="http://schemas.microsoft.com/office/drawing/2014/main" val="3928254865"/>
+                  </a:ext>
+                </a:extLst>
+              </a:tr>
+              <a:tr h="177800">
+                <a:tc>
+                  <a:txBody>
+                    <a:bodyPr/>
+                    <a:lstStyle/>
+                    <a:p>
+                      <a:pPr algn="l" fontAlgn="b"/>
+                      <a:r>
+                        <a:rPr lang="en-US" sz="1100" u="none" strike="noStrike">
+                          <a:effectLst/>
+                        </a:rPr>
+                        <a:t>Lasso</a:t>
+                      </a:r>
+                      <a:endParaRPr lang="en-US" sz="1100" b="0" i="0" u="none" strike="noStrike">
+                        <a:solidFill>
+                          <a:srgbClr val="000000"/>
+                        </a:solidFill>
+                        <a:effectLst/>
+                        <a:latin typeface="等线" panose="02010600030101010101" pitchFamily="2" charset="-122"/>
+                        <a:ea typeface="等线" panose="02010600030101010101" pitchFamily="2" charset="-122"/>
+                      </a:endParaRPr>
+                    </a:p>
+                  </a:txBody>
+                  <a:tcPr marL="6350" marR="6350" marT="6350" marB="0" anchor="b"/>
+                </a:tc>
+                <a:tc>
+                  <a:txBody>
+                    <a:bodyPr/>
+                    <a:lstStyle/>
+                    <a:p>
+                      <a:pPr algn="r" fontAlgn="b"/>
+                      <a:r>
+                        <a:rPr lang="en-US" altLang="zh-CN" sz="1100" u="none" strike="noStrike">
+                          <a:effectLst/>
+                        </a:rPr>
+                        <a:t>1.284180403</a:t>
+                      </a:r>
+                      <a:endParaRPr lang="en-US" altLang="zh-CN" sz="1100" b="0" i="0" u="none" strike="noStrike">
+                        <a:solidFill>
+                          <a:srgbClr val="000000"/>
+                        </a:solidFill>
+                        <a:effectLst/>
+                        <a:latin typeface="等线" panose="02010600030101010101" pitchFamily="2" charset="-122"/>
+                        <a:ea typeface="等线" panose="02010600030101010101" pitchFamily="2" charset="-122"/>
+                      </a:endParaRPr>
+                    </a:p>
+                  </a:txBody>
+                  <a:tcPr marL="6350" marR="6350" marT="6350" marB="0" anchor="b"/>
+                </a:tc>
+                <a:tc>
+                  <a:txBody>
+                    <a:bodyPr/>
+                    <a:lstStyle/>
+                    <a:p>
+                      <a:pPr algn="r" fontAlgn="b"/>
+                      <a:r>
+                        <a:rPr lang="en-US" altLang="zh-CN" sz="1100" u="none" strike="noStrike" dirty="0">
+                          <a:effectLst/>
+                        </a:rPr>
+                        <a:t>0</a:t>
+                      </a:r>
+                      <a:endParaRPr lang="en-US" altLang="zh-CN" sz="1100" b="0" i="0" u="none" strike="noStrike" dirty="0">
+                        <a:solidFill>
+                          <a:srgbClr val="000000"/>
+                        </a:solidFill>
+                        <a:effectLst/>
+                        <a:latin typeface="等线" panose="02010600030101010101" pitchFamily="2" charset="-122"/>
+                        <a:ea typeface="等线" panose="02010600030101010101" pitchFamily="2" charset="-122"/>
+                      </a:endParaRPr>
+                    </a:p>
+                  </a:txBody>
+                  <a:tcPr marL="6350" marR="6350" marT="6350" marB="0" anchor="b"/>
+                </a:tc>
+                <a:tc>
+                  <a:txBody>
+                    <a:bodyPr/>
+                    <a:lstStyle/>
+                    <a:p>
+                      <a:pPr algn="l" fontAlgn="b"/>
+                      <a:r>
+                        <a:rPr lang="en-US" sz="1100" u="none" strike="noStrike">
+                          <a:effectLst/>
+                        </a:rPr>
+                        <a:t>10-fold</a:t>
+                      </a:r>
+                      <a:endParaRPr lang="en-US" sz="1100" b="0" i="0" u="none" strike="noStrike">
+                        <a:solidFill>
+                          <a:srgbClr val="000000"/>
+                        </a:solidFill>
+                        <a:effectLst/>
+                        <a:latin typeface="等线" panose="02010600030101010101" pitchFamily="2" charset="-122"/>
+                        <a:ea typeface="等线" panose="02010600030101010101" pitchFamily="2" charset="-122"/>
+                      </a:endParaRPr>
+                    </a:p>
+                  </a:txBody>
+                  <a:tcPr marL="6350" marR="6350" marT="6350" marB="0" anchor="b"/>
+                </a:tc>
+                <a:tc>
+                  <a:txBody>
+                    <a:bodyPr/>
+                    <a:lstStyle/>
+                    <a:p>
+                      <a:pPr algn="l" fontAlgn="b"/>
+                      <a:r>
+                        <a:rPr lang="en-US" sz="1100" u="none" strike="noStrike">
+                          <a:effectLst/>
+                        </a:rPr>
+                        <a:t>1nn</a:t>
+                      </a:r>
+                      <a:endParaRPr lang="en-US" sz="1100" b="0" i="0" u="none" strike="noStrike">
+                        <a:solidFill>
+                          <a:srgbClr val="000000"/>
+                        </a:solidFill>
+                        <a:effectLst/>
+                        <a:latin typeface="等线" panose="02010600030101010101" pitchFamily="2" charset="-122"/>
+                        <a:ea typeface="等线" panose="02010600030101010101" pitchFamily="2" charset="-122"/>
+                      </a:endParaRPr>
+                    </a:p>
+                  </a:txBody>
+                  <a:tcPr marL="6350" marR="6350" marT="6350" marB="0" anchor="b"/>
+                </a:tc>
+                <a:tc>
+                  <a:txBody>
+                    <a:bodyPr/>
+                    <a:lstStyle/>
+                    <a:p>
+                      <a:pPr algn="r" fontAlgn="b"/>
+                      <a:r>
+                        <a:rPr lang="en-US" altLang="zh-CN" sz="1100" u="none" strike="noStrike">
+                          <a:effectLst/>
+                        </a:rPr>
+                        <a:t>0.766666667</a:t>
+                      </a:r>
+                      <a:endParaRPr lang="en-US" altLang="zh-CN" sz="1100" b="0" i="0" u="none" strike="noStrike">
+                        <a:solidFill>
+                          <a:srgbClr val="006100"/>
+                        </a:solidFill>
+                        <a:effectLst/>
+                        <a:latin typeface="等线" panose="02010600030101010101" pitchFamily="2" charset="-122"/>
+                        <a:ea typeface="等线" panose="02010600030101010101" pitchFamily="2" charset="-122"/>
+                      </a:endParaRPr>
+                    </a:p>
+                  </a:txBody>
+                  <a:tcPr marL="6350" marR="6350" marT="6350" marB="0" anchor="b"/>
+                </a:tc>
+                <a:tc>
+                  <a:txBody>
+                    <a:bodyPr/>
+                    <a:lstStyle/>
+                    <a:p>
+                      <a:pPr algn="r" fontAlgn="b"/>
+                      <a:r>
+                        <a:rPr lang="en-US" altLang="zh-CN" sz="1100" u="none" strike="noStrike">
+                          <a:effectLst/>
+                        </a:rPr>
+                        <a:t>0</a:t>
+                      </a:r>
+                      <a:endParaRPr lang="en-US" altLang="zh-CN" sz="1100" b="0" i="0" u="none" strike="noStrike">
+                        <a:solidFill>
+                          <a:srgbClr val="006100"/>
+                        </a:solidFill>
+                        <a:effectLst/>
+                        <a:latin typeface="等线" panose="02010600030101010101" pitchFamily="2" charset="-122"/>
+                        <a:ea typeface="等线" panose="02010600030101010101" pitchFamily="2" charset="-122"/>
+                      </a:endParaRPr>
+                    </a:p>
+                  </a:txBody>
+                  <a:tcPr marL="6350" marR="6350" marT="6350" marB="0" anchor="b"/>
+                </a:tc>
+                <a:extLst>
+                  <a:ext uri="{0D108BD9-81ED-4DB2-BD59-A6C34878D82A}">
+                    <a16:rowId xmlns:a16="http://schemas.microsoft.com/office/drawing/2014/main" val="1869592679"/>
+                  </a:ext>
+                </a:extLst>
+              </a:tr>
+              <a:tr h="177800">
+                <a:tc>
+                  <a:txBody>
+                    <a:bodyPr/>
+                    <a:lstStyle/>
+                    <a:p>
+                      <a:pPr algn="l" fontAlgn="b"/>
+                      <a:endParaRPr lang="zh-CN" altLang="en-US" sz="1100" b="0" i="0" u="none" strike="noStrike">
+                        <a:solidFill>
+                          <a:srgbClr val="000000"/>
+                        </a:solidFill>
+                        <a:effectLst/>
+                        <a:latin typeface="等线" panose="02010600030101010101" pitchFamily="2" charset="-122"/>
+                        <a:ea typeface="等线" panose="02010600030101010101" pitchFamily="2" charset="-122"/>
+                      </a:endParaRPr>
+                    </a:p>
+                  </a:txBody>
+                  <a:tcPr marL="6350" marR="6350" marT="6350" marB="0" anchor="b"/>
+                </a:tc>
+                <a:tc>
+                  <a:txBody>
+                    <a:bodyPr/>
+                    <a:lstStyle/>
+                    <a:p>
+                      <a:pPr algn="r" fontAlgn="b"/>
+                      <a:r>
+                        <a:rPr lang="en-US" altLang="zh-CN" sz="1100" u="none" strike="noStrike">
+                          <a:effectLst/>
+                        </a:rPr>
+                        <a:t>1.29317522</a:t>
+                      </a:r>
+                      <a:endParaRPr lang="en-US" altLang="zh-CN" sz="1100" b="0" i="0" u="none" strike="noStrike">
+                        <a:solidFill>
+                          <a:srgbClr val="000000"/>
+                        </a:solidFill>
+                        <a:effectLst/>
+                        <a:latin typeface="等线" panose="02010600030101010101" pitchFamily="2" charset="-122"/>
+                        <a:ea typeface="等线" panose="02010600030101010101" pitchFamily="2" charset="-122"/>
+                      </a:endParaRPr>
+                    </a:p>
+                  </a:txBody>
+                  <a:tcPr marL="6350" marR="6350" marT="6350" marB="0" anchor="b"/>
+                </a:tc>
+                <a:tc>
+                  <a:txBody>
+                    <a:bodyPr/>
+                    <a:lstStyle/>
+                    <a:p>
+                      <a:pPr algn="r" fontAlgn="b"/>
+                      <a:r>
+                        <a:rPr lang="en-US" altLang="zh-CN" sz="1100" u="none" strike="noStrike">
+                          <a:effectLst/>
+                        </a:rPr>
+                        <a:t>0</a:t>
+                      </a:r>
+                      <a:endParaRPr lang="en-US" altLang="zh-CN" sz="1100" b="0" i="0" u="none" strike="noStrike">
+                        <a:solidFill>
+                          <a:srgbClr val="000000"/>
+                        </a:solidFill>
+                        <a:effectLst/>
+                        <a:latin typeface="等线" panose="02010600030101010101" pitchFamily="2" charset="-122"/>
+                        <a:ea typeface="等线" panose="02010600030101010101" pitchFamily="2" charset="-122"/>
+                      </a:endParaRPr>
+                    </a:p>
+                  </a:txBody>
+                  <a:tcPr marL="6350" marR="6350" marT="6350" marB="0" anchor="b"/>
+                </a:tc>
+                <a:tc>
+                  <a:txBody>
+                    <a:bodyPr/>
+                    <a:lstStyle/>
+                    <a:p>
+                      <a:pPr algn="l" fontAlgn="b"/>
+                      <a:r>
+                        <a:rPr lang="en-US" sz="1100" u="none" strike="noStrike">
+                          <a:effectLst/>
+                        </a:rPr>
+                        <a:t>10-fold</a:t>
+                      </a:r>
+                      <a:endParaRPr lang="en-US" sz="1100" b="0" i="0" u="none" strike="noStrike">
+                        <a:solidFill>
+                          <a:srgbClr val="000000"/>
+                        </a:solidFill>
+                        <a:effectLst/>
+                        <a:latin typeface="等线" panose="02010600030101010101" pitchFamily="2" charset="-122"/>
+                        <a:ea typeface="等线" panose="02010600030101010101" pitchFamily="2" charset="-122"/>
+                      </a:endParaRPr>
+                    </a:p>
+                  </a:txBody>
+                  <a:tcPr marL="6350" marR="6350" marT="6350" marB="0" anchor="b"/>
+                </a:tc>
+                <a:tc>
+                  <a:txBody>
+                    <a:bodyPr/>
+                    <a:lstStyle/>
+                    <a:p>
+                      <a:pPr algn="l" fontAlgn="b"/>
+                      <a:r>
+                        <a:rPr lang="en-US" sz="1100" u="none" strike="noStrike">
+                          <a:effectLst/>
+                        </a:rPr>
+                        <a:t>5nn</a:t>
+                      </a:r>
+                      <a:endParaRPr lang="en-US" sz="1100" b="0" i="0" u="none" strike="noStrike">
+                        <a:solidFill>
+                          <a:srgbClr val="000000"/>
+                        </a:solidFill>
+                        <a:effectLst/>
+                        <a:latin typeface="等线" panose="02010600030101010101" pitchFamily="2" charset="-122"/>
+                        <a:ea typeface="等线" panose="02010600030101010101" pitchFamily="2" charset="-122"/>
+                      </a:endParaRPr>
+                    </a:p>
+                  </a:txBody>
+                  <a:tcPr marL="6350" marR="6350" marT="6350" marB="0" anchor="b"/>
+                </a:tc>
+                <a:tc>
+                  <a:txBody>
+                    <a:bodyPr/>
+                    <a:lstStyle/>
+                    <a:p>
+                      <a:pPr algn="r" fontAlgn="b"/>
+                      <a:r>
+                        <a:rPr lang="en-US" altLang="zh-CN" sz="1100" u="none" strike="noStrike">
+                          <a:effectLst/>
+                        </a:rPr>
+                        <a:t>0.844444444</a:t>
+                      </a:r>
+                      <a:endParaRPr lang="en-US" altLang="zh-CN" sz="1100" b="0" i="0" u="none" strike="noStrike">
+                        <a:solidFill>
+                          <a:srgbClr val="006100"/>
+                        </a:solidFill>
+                        <a:effectLst/>
+                        <a:latin typeface="等线" panose="02010600030101010101" pitchFamily="2" charset="-122"/>
+                        <a:ea typeface="等线" panose="02010600030101010101" pitchFamily="2" charset="-122"/>
+                      </a:endParaRPr>
+                    </a:p>
+                  </a:txBody>
+                  <a:tcPr marL="6350" marR="6350" marT="6350" marB="0" anchor="b"/>
+                </a:tc>
+                <a:tc>
+                  <a:txBody>
+                    <a:bodyPr/>
+                    <a:lstStyle/>
+                    <a:p>
+                      <a:pPr algn="r" fontAlgn="b"/>
+                      <a:r>
+                        <a:rPr lang="en-US" altLang="zh-CN" sz="1100" u="none" strike="noStrike">
+                          <a:effectLst/>
+                        </a:rPr>
+                        <a:t>0</a:t>
+                      </a:r>
+                      <a:endParaRPr lang="en-US" altLang="zh-CN" sz="1100" b="0" i="0" u="none" strike="noStrike">
+                        <a:solidFill>
+                          <a:srgbClr val="006100"/>
+                        </a:solidFill>
+                        <a:effectLst/>
+                        <a:latin typeface="等线" panose="02010600030101010101" pitchFamily="2" charset="-122"/>
+                        <a:ea typeface="等线" panose="02010600030101010101" pitchFamily="2" charset="-122"/>
+                      </a:endParaRPr>
+                    </a:p>
+                  </a:txBody>
+                  <a:tcPr marL="6350" marR="6350" marT="6350" marB="0" anchor="b"/>
+                </a:tc>
+                <a:extLst>
+                  <a:ext uri="{0D108BD9-81ED-4DB2-BD59-A6C34878D82A}">
+                    <a16:rowId xmlns:a16="http://schemas.microsoft.com/office/drawing/2014/main" val="1195817059"/>
+                  </a:ext>
+                </a:extLst>
+              </a:tr>
+              <a:tr h="177800">
+                <a:tc>
+                  <a:txBody>
+                    <a:bodyPr/>
+                    <a:lstStyle/>
+                    <a:p>
+                      <a:pPr algn="l" fontAlgn="b"/>
+                      <a:endParaRPr lang="zh-CN" altLang="en-US" sz="1100" b="0" i="0" u="none" strike="noStrike">
+                        <a:solidFill>
+                          <a:srgbClr val="000000"/>
+                        </a:solidFill>
+                        <a:effectLst/>
+                        <a:latin typeface="等线" panose="02010600030101010101" pitchFamily="2" charset="-122"/>
+                        <a:ea typeface="等线" panose="02010600030101010101" pitchFamily="2" charset="-122"/>
+                      </a:endParaRPr>
+                    </a:p>
+                  </a:txBody>
+                  <a:tcPr marL="6350" marR="6350" marT="6350" marB="0" anchor="b"/>
+                </a:tc>
+                <a:tc>
+                  <a:txBody>
+                    <a:bodyPr/>
+                    <a:lstStyle/>
+                    <a:p>
+                      <a:pPr algn="r" fontAlgn="b"/>
+                      <a:r>
+                        <a:rPr lang="en-US" altLang="zh-CN" sz="1100" u="none" strike="noStrike">
+                          <a:effectLst/>
+                        </a:rPr>
+                        <a:t>0.139126301</a:t>
+                      </a:r>
+                      <a:endParaRPr lang="en-US" altLang="zh-CN" sz="1100" b="0" i="0" u="none" strike="noStrike">
+                        <a:solidFill>
+                          <a:srgbClr val="000000"/>
+                        </a:solidFill>
+                        <a:effectLst/>
+                        <a:latin typeface="等线" panose="02010600030101010101" pitchFamily="2" charset="-122"/>
+                        <a:ea typeface="等线" panose="02010600030101010101" pitchFamily="2" charset="-122"/>
+                      </a:endParaRPr>
+                    </a:p>
+                  </a:txBody>
+                  <a:tcPr marL="6350" marR="6350" marT="6350" marB="0" anchor="b"/>
+                </a:tc>
+                <a:tc>
+                  <a:txBody>
+                    <a:bodyPr/>
+                    <a:lstStyle/>
+                    <a:p>
+                      <a:pPr algn="r" fontAlgn="b"/>
+                      <a:r>
+                        <a:rPr lang="en-US" altLang="zh-CN" sz="1100" u="none" strike="noStrike">
+                          <a:effectLst/>
+                        </a:rPr>
+                        <a:t>0</a:t>
+                      </a:r>
+                      <a:endParaRPr lang="en-US" altLang="zh-CN" sz="1100" b="0" i="0" u="none" strike="noStrike">
+                        <a:solidFill>
+                          <a:srgbClr val="000000"/>
+                        </a:solidFill>
+                        <a:effectLst/>
+                        <a:latin typeface="等线" panose="02010600030101010101" pitchFamily="2" charset="-122"/>
+                        <a:ea typeface="等线" panose="02010600030101010101" pitchFamily="2" charset="-122"/>
+                      </a:endParaRPr>
+                    </a:p>
+                  </a:txBody>
+                  <a:tcPr marL="6350" marR="6350" marT="6350" marB="0" anchor="b"/>
+                </a:tc>
+                <a:tc>
+                  <a:txBody>
+                    <a:bodyPr/>
+                    <a:lstStyle/>
+                    <a:p>
+                      <a:pPr algn="l" fontAlgn="b"/>
+                      <a:r>
+                        <a:rPr lang="en-US" sz="1100" u="none" strike="noStrike">
+                          <a:effectLst/>
+                        </a:rPr>
+                        <a:t>10-fold</a:t>
+                      </a:r>
+                      <a:endParaRPr lang="en-US" sz="1100" b="0" i="0" u="none" strike="noStrike">
+                        <a:solidFill>
+                          <a:srgbClr val="000000"/>
+                        </a:solidFill>
+                        <a:effectLst/>
+                        <a:latin typeface="等线" panose="02010600030101010101" pitchFamily="2" charset="-122"/>
+                        <a:ea typeface="等线" panose="02010600030101010101" pitchFamily="2" charset="-122"/>
+                      </a:endParaRPr>
+                    </a:p>
+                  </a:txBody>
+                  <a:tcPr marL="6350" marR="6350" marT="6350" marB="0" anchor="b"/>
+                </a:tc>
+                <a:tc>
+                  <a:txBody>
+                    <a:bodyPr/>
+                    <a:lstStyle/>
+                    <a:p>
+                      <a:pPr algn="l" fontAlgn="b"/>
+                      <a:r>
+                        <a:rPr lang="en-US" sz="1100" u="none" strike="noStrike">
+                          <a:effectLst/>
+                        </a:rPr>
+                        <a:t>SVM</a:t>
+                      </a:r>
+                      <a:endParaRPr lang="en-US" sz="1100" b="0" i="0" u="none" strike="noStrike">
+                        <a:solidFill>
+                          <a:srgbClr val="000000"/>
+                        </a:solidFill>
+                        <a:effectLst/>
+                        <a:latin typeface="等线" panose="02010600030101010101" pitchFamily="2" charset="-122"/>
+                        <a:ea typeface="等线" panose="02010600030101010101" pitchFamily="2" charset="-122"/>
+                      </a:endParaRPr>
+                    </a:p>
+                  </a:txBody>
+                  <a:tcPr marL="6350" marR="6350" marT="6350" marB="0" anchor="b"/>
+                </a:tc>
+                <a:tc>
+                  <a:txBody>
+                    <a:bodyPr/>
+                    <a:lstStyle/>
+                    <a:p>
+                      <a:pPr algn="r" fontAlgn="b"/>
+                      <a:r>
+                        <a:rPr lang="en-US" altLang="zh-CN" sz="1100" u="none" strike="noStrike">
+                          <a:effectLst/>
+                        </a:rPr>
+                        <a:t>0.833333333</a:t>
+                      </a:r>
+                      <a:endParaRPr lang="en-US" altLang="zh-CN" sz="1100" b="0" i="0" u="none" strike="noStrike">
+                        <a:solidFill>
+                          <a:srgbClr val="000000"/>
+                        </a:solidFill>
+                        <a:effectLst/>
+                        <a:latin typeface="等线" panose="02010600030101010101" pitchFamily="2" charset="-122"/>
+                        <a:ea typeface="等线" panose="02010600030101010101" pitchFamily="2" charset="-122"/>
+                      </a:endParaRPr>
+                    </a:p>
+                  </a:txBody>
+                  <a:tcPr marL="6350" marR="6350" marT="6350" marB="0" anchor="b"/>
+                </a:tc>
+                <a:tc>
+                  <a:txBody>
+                    <a:bodyPr/>
+                    <a:lstStyle/>
+                    <a:p>
+                      <a:pPr algn="r" fontAlgn="b"/>
+                      <a:r>
+                        <a:rPr lang="en-US" altLang="zh-CN" sz="1100" u="none" strike="noStrike">
+                          <a:effectLst/>
+                        </a:rPr>
+                        <a:t>0.881057269</a:t>
+                      </a:r>
+                      <a:endParaRPr lang="en-US" altLang="zh-CN" sz="1100" b="0" i="0" u="none" strike="noStrike">
+                        <a:solidFill>
+                          <a:srgbClr val="000000"/>
+                        </a:solidFill>
+                        <a:effectLst/>
+                        <a:latin typeface="等线" panose="02010600030101010101" pitchFamily="2" charset="-122"/>
+                        <a:ea typeface="等线" panose="02010600030101010101" pitchFamily="2" charset="-122"/>
+                      </a:endParaRPr>
+                    </a:p>
+                  </a:txBody>
+                  <a:tcPr marL="6350" marR="6350" marT="6350" marB="0" anchor="b"/>
+                </a:tc>
+                <a:extLst>
+                  <a:ext uri="{0D108BD9-81ED-4DB2-BD59-A6C34878D82A}">
+                    <a16:rowId xmlns:a16="http://schemas.microsoft.com/office/drawing/2014/main" val="1323716984"/>
+                  </a:ext>
+                </a:extLst>
+              </a:tr>
+              <a:tr h="177800">
+                <a:tc>
+                  <a:txBody>
+                    <a:bodyPr/>
+                    <a:lstStyle/>
+                    <a:p>
+                      <a:pPr algn="l" fontAlgn="b"/>
+                      <a:endParaRPr lang="zh-CN" altLang="en-US" sz="1100" b="0" i="0" u="none" strike="noStrike">
+                        <a:solidFill>
+                          <a:srgbClr val="000000"/>
+                        </a:solidFill>
+                        <a:effectLst/>
+                        <a:latin typeface="等线" panose="02010600030101010101" pitchFamily="2" charset="-122"/>
+                        <a:ea typeface="等线" panose="02010600030101010101" pitchFamily="2" charset="-122"/>
+                      </a:endParaRPr>
+                    </a:p>
+                  </a:txBody>
+                  <a:tcPr marL="6350" marR="6350" marT="6350" marB="0" anchor="b"/>
+                </a:tc>
+                <a:tc>
+                  <a:txBody>
+                    <a:bodyPr/>
+                    <a:lstStyle/>
+                    <a:p>
+                      <a:pPr algn="r" fontAlgn="b"/>
+                      <a:r>
+                        <a:rPr lang="en-US" altLang="zh-CN" sz="1100" u="none" strike="noStrike">
+                          <a:effectLst/>
+                        </a:rPr>
+                        <a:t>0.128116369</a:t>
+                      </a:r>
+                      <a:endParaRPr lang="en-US" altLang="zh-CN" sz="1100" b="0" i="0" u="none" strike="noStrike">
+                        <a:solidFill>
+                          <a:srgbClr val="000000"/>
+                        </a:solidFill>
+                        <a:effectLst/>
+                        <a:latin typeface="等线" panose="02010600030101010101" pitchFamily="2" charset="-122"/>
+                        <a:ea typeface="等线" panose="02010600030101010101" pitchFamily="2" charset="-122"/>
+                      </a:endParaRPr>
+                    </a:p>
+                  </a:txBody>
+                  <a:tcPr marL="6350" marR="6350" marT="6350" marB="0" anchor="b"/>
+                </a:tc>
+                <a:tc>
+                  <a:txBody>
+                    <a:bodyPr/>
+                    <a:lstStyle/>
+                    <a:p>
+                      <a:pPr algn="r" fontAlgn="b"/>
+                      <a:r>
+                        <a:rPr lang="en-US" altLang="zh-CN" sz="1100" u="none" strike="noStrike">
+                          <a:effectLst/>
+                        </a:rPr>
+                        <a:t>0</a:t>
+                      </a:r>
+                      <a:endParaRPr lang="en-US" altLang="zh-CN" sz="1100" b="0" i="0" u="none" strike="noStrike">
+                        <a:solidFill>
+                          <a:srgbClr val="000000"/>
+                        </a:solidFill>
+                        <a:effectLst/>
+                        <a:latin typeface="等线" panose="02010600030101010101" pitchFamily="2" charset="-122"/>
+                        <a:ea typeface="等线" panose="02010600030101010101" pitchFamily="2" charset="-122"/>
+                      </a:endParaRPr>
+                    </a:p>
+                  </a:txBody>
+                  <a:tcPr marL="6350" marR="6350" marT="6350" marB="0" anchor="b"/>
+                </a:tc>
+                <a:tc>
+                  <a:txBody>
+                    <a:bodyPr/>
+                    <a:lstStyle/>
+                    <a:p>
+                      <a:pPr algn="l" fontAlgn="b"/>
+                      <a:r>
+                        <a:rPr lang="en-US" sz="1100" u="none" strike="noStrike">
+                          <a:effectLst/>
+                        </a:rPr>
+                        <a:t>10-fold </a:t>
+                      </a:r>
+                      <a:endParaRPr lang="en-US" sz="1100" b="0" i="0" u="none" strike="noStrike">
+                        <a:solidFill>
+                          <a:srgbClr val="000000"/>
+                        </a:solidFill>
+                        <a:effectLst/>
+                        <a:latin typeface="等线" panose="02010600030101010101" pitchFamily="2" charset="-122"/>
+                        <a:ea typeface="等线" panose="02010600030101010101" pitchFamily="2" charset="-122"/>
+                      </a:endParaRPr>
+                    </a:p>
+                  </a:txBody>
+                  <a:tcPr marL="6350" marR="6350" marT="6350" marB="0" anchor="b"/>
+                </a:tc>
+                <a:tc>
+                  <a:txBody>
+                    <a:bodyPr/>
+                    <a:lstStyle/>
+                    <a:p>
+                      <a:pPr algn="l" fontAlgn="b"/>
+                      <a:r>
+                        <a:rPr lang="en-US" sz="1100" u="none" strike="noStrike">
+                          <a:effectLst/>
+                        </a:rPr>
+                        <a:t>Cart</a:t>
+                      </a:r>
+                      <a:endParaRPr lang="en-US" sz="1100" b="0" i="0" u="none" strike="noStrike">
+                        <a:solidFill>
+                          <a:srgbClr val="000000"/>
+                        </a:solidFill>
+                        <a:effectLst/>
+                        <a:latin typeface="等线" panose="02010600030101010101" pitchFamily="2" charset="-122"/>
+                        <a:ea typeface="等线" panose="02010600030101010101" pitchFamily="2" charset="-122"/>
+                      </a:endParaRPr>
+                    </a:p>
+                  </a:txBody>
+                  <a:tcPr marL="6350" marR="6350" marT="6350" marB="0" anchor="b"/>
+                </a:tc>
+                <a:tc>
+                  <a:txBody>
+                    <a:bodyPr/>
+                    <a:lstStyle/>
+                    <a:p>
+                      <a:pPr algn="r" fontAlgn="b"/>
+                      <a:r>
+                        <a:rPr lang="en-US" altLang="zh-CN" sz="1100" u="none" strike="noStrike">
+                          <a:effectLst/>
+                        </a:rPr>
+                        <a:t>0.792592593</a:t>
+                      </a:r>
+                      <a:endParaRPr lang="en-US" altLang="zh-CN" sz="1100" b="0" i="0" u="none" strike="noStrike">
+                        <a:solidFill>
+                          <a:srgbClr val="000000"/>
+                        </a:solidFill>
+                        <a:effectLst/>
+                        <a:latin typeface="等线" panose="02010600030101010101" pitchFamily="2" charset="-122"/>
+                        <a:ea typeface="等线" panose="02010600030101010101" pitchFamily="2" charset="-122"/>
+                      </a:endParaRPr>
+                    </a:p>
+                  </a:txBody>
+                  <a:tcPr marL="6350" marR="6350" marT="6350" marB="0" anchor="b"/>
+                </a:tc>
+                <a:tc>
+                  <a:txBody>
+                    <a:bodyPr/>
+                    <a:lstStyle/>
+                    <a:p>
+                      <a:pPr algn="r" fontAlgn="b"/>
+                      <a:r>
+                        <a:rPr lang="en-US" altLang="zh-CN" sz="1100" u="none" strike="noStrike" dirty="0">
+                          <a:effectLst/>
+                        </a:rPr>
+                        <a:t>0.465116279</a:t>
+                      </a:r>
+                      <a:endParaRPr lang="en-US" altLang="zh-CN" sz="1100" b="0" i="0" u="none" strike="noStrike" dirty="0">
+                        <a:solidFill>
+                          <a:srgbClr val="000000"/>
+                        </a:solidFill>
+                        <a:effectLst/>
+                        <a:latin typeface="等线" panose="02010600030101010101" pitchFamily="2" charset="-122"/>
+                        <a:ea typeface="等线" panose="02010600030101010101" pitchFamily="2" charset="-122"/>
+                      </a:endParaRPr>
+                    </a:p>
+                  </a:txBody>
+                  <a:tcPr marL="6350" marR="6350" marT="6350" marB="0" anchor="b"/>
+                </a:tc>
+                <a:extLst>
+                  <a:ext uri="{0D108BD9-81ED-4DB2-BD59-A6C34878D82A}">
+                    <a16:rowId xmlns:a16="http://schemas.microsoft.com/office/drawing/2014/main" val="53099733"/>
+                  </a:ext>
+                </a:extLst>
+              </a:tr>
+            </a:tbl>
+          </a:graphicData>
+        </a:graphic>
+      </p:graphicFrame>
+      <p:graphicFrame>
+        <p:nvGraphicFramePr>
+          <p:cNvPr id="6" name="表格 5">
+            <a:extLst>
+              <a:ext uri="{FF2B5EF4-FFF2-40B4-BE49-F238E27FC236}">
+                <a16:creationId xmlns:a16="http://schemas.microsoft.com/office/drawing/2014/main" id="{ED3BF866-BA27-4F18-93A3-F90D65BD5986}"/>
+              </a:ext>
+            </a:extLst>
+          </p:cNvPr>
+          <p:cNvGraphicFramePr>
+            <a:graphicFrameLocks noGrp="1"/>
+          </p:cNvGraphicFramePr>
+          <p:nvPr>
+            <p:extLst>
+              <p:ext uri="{D42A27DB-BD31-4B8C-83A1-F6EECF244321}">
+                <p14:modId xmlns:p14="http://schemas.microsoft.com/office/powerpoint/2010/main" val="3116671002"/>
+              </p:ext>
+            </p:extLst>
+          </p:nvPr>
+        </p:nvGraphicFramePr>
+        <p:xfrm>
+          <a:off x="1873249" y="3670302"/>
+          <a:ext cx="8924364" cy="889000"/>
+        </p:xfrm>
+        <a:graphic>
+          <a:graphicData uri="http://schemas.openxmlformats.org/drawingml/2006/table">
+            <a:tbl>
+              <a:tblPr>
+                <a:tableStyleId>{5C22544A-7EE6-4342-B048-85BDC9FD1C3A}</a:tableStyleId>
+              </a:tblPr>
+              <a:tblGrid>
+                <a:gridCol w="1032948">
+                  <a:extLst>
+                    <a:ext uri="{9D8B030D-6E8A-4147-A177-3AD203B41FA5}">
+                      <a16:colId xmlns:a16="http://schemas.microsoft.com/office/drawing/2014/main" val="3657824370"/>
+                    </a:ext>
+                  </a:extLst>
+                </a:gridCol>
+                <a:gridCol w="1503850">
+                  <a:extLst>
+                    <a:ext uri="{9D8B030D-6E8A-4147-A177-3AD203B41FA5}">
+                      <a16:colId xmlns:a16="http://schemas.microsoft.com/office/drawing/2014/main" val="1648863849"/>
+                    </a:ext>
+                  </a:extLst>
+                </a:gridCol>
+                <a:gridCol w="1503850">
+                  <a:extLst>
+                    <a:ext uri="{9D8B030D-6E8A-4147-A177-3AD203B41FA5}">
+                      <a16:colId xmlns:a16="http://schemas.microsoft.com/office/drawing/2014/main" val="855382850"/>
+                    </a:ext>
+                  </a:extLst>
+                </a:gridCol>
+                <a:gridCol w="1298780">
+                  <a:extLst>
+                    <a:ext uri="{9D8B030D-6E8A-4147-A177-3AD203B41FA5}">
+                      <a16:colId xmlns:a16="http://schemas.microsoft.com/office/drawing/2014/main" val="1358712052"/>
+                    </a:ext>
+                  </a:extLst>
+                </a:gridCol>
+                <a:gridCol w="1101304">
+                  <a:extLst>
+                    <a:ext uri="{9D8B030D-6E8A-4147-A177-3AD203B41FA5}">
+                      <a16:colId xmlns:a16="http://schemas.microsoft.com/office/drawing/2014/main" val="1779615186"/>
+                    </a:ext>
+                  </a:extLst>
+                </a:gridCol>
+                <a:gridCol w="1336756">
+                  <a:extLst>
+                    <a:ext uri="{9D8B030D-6E8A-4147-A177-3AD203B41FA5}">
+                      <a16:colId xmlns:a16="http://schemas.microsoft.com/office/drawing/2014/main" val="2090260522"/>
+                    </a:ext>
+                  </a:extLst>
+                </a:gridCol>
+                <a:gridCol w="1146876">
+                  <a:extLst>
+                    <a:ext uri="{9D8B030D-6E8A-4147-A177-3AD203B41FA5}">
+                      <a16:colId xmlns:a16="http://schemas.microsoft.com/office/drawing/2014/main" val="3766141483"/>
+                    </a:ext>
+                  </a:extLst>
+                </a:gridCol>
+              </a:tblGrid>
+              <a:tr h="177800">
+                <a:tc>
+                  <a:txBody>
+                    <a:bodyPr/>
+                    <a:lstStyle/>
+                    <a:p>
+                      <a:pPr algn="l" fontAlgn="b"/>
+                      <a:r>
+                        <a:rPr lang="en-US" sz="1100" u="none" strike="noStrike">
+                          <a:effectLst/>
+                        </a:rPr>
+                        <a:t>Algorithm</a:t>
+                      </a:r>
+                      <a:endParaRPr lang="en-US" sz="1100" b="0" i="0" u="none" strike="noStrike">
+                        <a:solidFill>
+                          <a:srgbClr val="000000"/>
+                        </a:solidFill>
+                        <a:effectLst/>
+                        <a:latin typeface="等线" panose="02010600030101010101" pitchFamily="2" charset="-122"/>
+                        <a:ea typeface="等线" panose="02010600030101010101" pitchFamily="2" charset="-122"/>
+                      </a:endParaRPr>
+                    </a:p>
+                  </a:txBody>
+                  <a:tcPr marL="6350" marR="6350" marT="6350" marB="0" anchor="b"/>
+                </a:tc>
+                <a:tc>
+                  <a:txBody>
+                    <a:bodyPr/>
+                    <a:lstStyle/>
+                    <a:p>
+                      <a:pPr algn="l" fontAlgn="b"/>
+                      <a:r>
+                        <a:rPr lang="en-US" sz="1100" u="none" strike="noStrike">
+                          <a:effectLst/>
+                        </a:rPr>
+                        <a:t>Time</a:t>
+                      </a:r>
+                      <a:endParaRPr lang="en-US" sz="1100" b="0" i="0" u="none" strike="noStrike">
+                        <a:solidFill>
+                          <a:srgbClr val="000000"/>
+                        </a:solidFill>
+                        <a:effectLst/>
+                        <a:latin typeface="等线" panose="02010600030101010101" pitchFamily="2" charset="-122"/>
+                        <a:ea typeface="等线" panose="02010600030101010101" pitchFamily="2" charset="-122"/>
+                      </a:endParaRPr>
+                    </a:p>
+                  </a:txBody>
+                  <a:tcPr marL="6350" marR="6350" marT="6350" marB="0" anchor="b"/>
+                </a:tc>
+                <a:tc>
+                  <a:txBody>
+                    <a:bodyPr/>
+                    <a:lstStyle/>
+                    <a:p>
+                      <a:pPr algn="l" fontAlgn="b"/>
+                      <a:r>
+                        <a:rPr lang="en-US" sz="1100" u="none" strike="noStrike" dirty="0">
+                          <a:effectLst/>
+                        </a:rPr>
+                        <a:t>DR</a:t>
+                      </a:r>
+                      <a:endParaRPr lang="en-US" sz="1100" b="0" i="0" u="none" strike="noStrike" dirty="0">
+                        <a:solidFill>
+                          <a:srgbClr val="000000"/>
+                        </a:solidFill>
+                        <a:effectLst/>
+                        <a:latin typeface="等线" panose="02010600030101010101" pitchFamily="2" charset="-122"/>
+                        <a:ea typeface="等线" panose="02010600030101010101" pitchFamily="2" charset="-122"/>
+                      </a:endParaRPr>
+                    </a:p>
+                  </a:txBody>
+                  <a:tcPr marL="6350" marR="6350" marT="6350" marB="0" anchor="b"/>
+                </a:tc>
+                <a:tc>
+                  <a:txBody>
+                    <a:bodyPr/>
+                    <a:lstStyle/>
+                    <a:p>
+                      <a:pPr algn="l" fontAlgn="b"/>
+                      <a:r>
+                        <a:rPr lang="en-US" sz="1100" u="none" strike="noStrike">
+                          <a:effectLst/>
+                        </a:rPr>
+                        <a:t>Validation</a:t>
+                      </a:r>
+                      <a:endParaRPr lang="en-US" sz="1100" b="0" i="0" u="none" strike="noStrike">
+                        <a:solidFill>
+                          <a:srgbClr val="000000"/>
+                        </a:solidFill>
+                        <a:effectLst/>
+                        <a:latin typeface="等线" panose="02010600030101010101" pitchFamily="2" charset="-122"/>
+                        <a:ea typeface="等线" panose="02010600030101010101" pitchFamily="2" charset="-122"/>
+                      </a:endParaRPr>
+                    </a:p>
+                  </a:txBody>
+                  <a:tcPr marL="6350" marR="6350" marT="6350" marB="0" anchor="b"/>
+                </a:tc>
+                <a:tc>
+                  <a:txBody>
+                    <a:bodyPr/>
+                    <a:lstStyle/>
+                    <a:p>
+                      <a:pPr algn="l" fontAlgn="b"/>
+                      <a:r>
+                        <a:rPr lang="en-US" sz="1100" u="none" strike="noStrike">
+                          <a:effectLst/>
+                        </a:rPr>
+                        <a:t>Classifier</a:t>
+                      </a:r>
+                      <a:endParaRPr lang="en-US" sz="1100" b="0" i="0" u="none" strike="noStrike">
+                        <a:solidFill>
+                          <a:srgbClr val="000000"/>
+                        </a:solidFill>
+                        <a:effectLst/>
+                        <a:latin typeface="等线" panose="02010600030101010101" pitchFamily="2" charset="-122"/>
+                        <a:ea typeface="等线" panose="02010600030101010101" pitchFamily="2" charset="-122"/>
+                      </a:endParaRPr>
+                    </a:p>
+                  </a:txBody>
+                  <a:tcPr marL="6350" marR="6350" marT="6350" marB="0" anchor="b"/>
+                </a:tc>
+                <a:tc>
+                  <a:txBody>
+                    <a:bodyPr/>
+                    <a:lstStyle/>
+                    <a:p>
+                      <a:pPr algn="l" fontAlgn="b"/>
+                      <a:r>
+                        <a:rPr lang="en-US" sz="1100" u="none" strike="noStrike">
+                          <a:effectLst/>
+                        </a:rPr>
+                        <a:t>AC</a:t>
+                      </a:r>
+                      <a:endParaRPr lang="en-US" sz="1100" b="0" i="0" u="none" strike="noStrike">
+                        <a:solidFill>
+                          <a:srgbClr val="000000"/>
+                        </a:solidFill>
+                        <a:effectLst/>
+                        <a:latin typeface="等线" panose="02010600030101010101" pitchFamily="2" charset="-122"/>
+                        <a:ea typeface="等线" panose="02010600030101010101" pitchFamily="2" charset="-122"/>
+                      </a:endParaRPr>
+                    </a:p>
+                  </a:txBody>
+                  <a:tcPr marL="6350" marR="6350" marT="6350" marB="0" anchor="b"/>
+                </a:tc>
+                <a:tc>
+                  <a:txBody>
+                    <a:bodyPr/>
+                    <a:lstStyle/>
+                    <a:p>
+                      <a:pPr algn="l" fontAlgn="b"/>
+                      <a:r>
+                        <a:rPr lang="en-US" sz="1100" u="none" strike="noStrike">
+                          <a:effectLst/>
+                        </a:rPr>
+                        <a:t>Acc Delta</a:t>
+                      </a:r>
+                      <a:endParaRPr lang="en-US" sz="1100" b="0" i="0" u="none" strike="noStrike">
+                        <a:solidFill>
+                          <a:srgbClr val="000000"/>
+                        </a:solidFill>
+                        <a:effectLst/>
+                        <a:latin typeface="等线" panose="02010600030101010101" pitchFamily="2" charset="-122"/>
+                        <a:ea typeface="等线" panose="02010600030101010101" pitchFamily="2" charset="-122"/>
+                      </a:endParaRPr>
+                    </a:p>
+                  </a:txBody>
+                  <a:tcPr marL="6350" marR="6350" marT="6350" marB="0" anchor="b"/>
+                </a:tc>
+                <a:extLst>
+                  <a:ext uri="{0D108BD9-81ED-4DB2-BD59-A6C34878D82A}">
+                    <a16:rowId xmlns:a16="http://schemas.microsoft.com/office/drawing/2014/main" val="2285035613"/>
+                  </a:ext>
+                </a:extLst>
+              </a:tr>
+              <a:tr h="177800">
+                <a:tc>
+                  <a:txBody>
+                    <a:bodyPr/>
+                    <a:lstStyle/>
+                    <a:p>
+                      <a:pPr algn="l" fontAlgn="b"/>
+                      <a:r>
+                        <a:rPr lang="en-US" sz="1100" u="none" strike="noStrike">
+                          <a:effectLst/>
+                        </a:rPr>
+                        <a:t>Lasso</a:t>
+                      </a:r>
+                      <a:endParaRPr lang="en-US" sz="1100" b="0" i="0" u="none" strike="noStrike">
+                        <a:solidFill>
+                          <a:srgbClr val="000000"/>
+                        </a:solidFill>
+                        <a:effectLst/>
+                        <a:latin typeface="等线" panose="02010600030101010101" pitchFamily="2" charset="-122"/>
+                        <a:ea typeface="等线" panose="02010600030101010101" pitchFamily="2" charset="-122"/>
+                      </a:endParaRPr>
+                    </a:p>
+                  </a:txBody>
+                  <a:tcPr marL="6350" marR="6350" marT="6350" marB="0" anchor="b"/>
+                </a:tc>
+                <a:tc>
+                  <a:txBody>
+                    <a:bodyPr/>
+                    <a:lstStyle/>
+                    <a:p>
+                      <a:pPr algn="r" fontAlgn="b"/>
+                      <a:r>
+                        <a:rPr lang="en-US" altLang="zh-CN" sz="1100" u="none" strike="noStrike">
+                          <a:effectLst/>
+                        </a:rPr>
+                        <a:t>4.210286379</a:t>
+                      </a:r>
+                      <a:endParaRPr lang="en-US" altLang="zh-CN" sz="1100" b="0" i="0" u="none" strike="noStrike">
+                        <a:solidFill>
+                          <a:srgbClr val="000000"/>
+                        </a:solidFill>
+                        <a:effectLst/>
+                        <a:latin typeface="等线" panose="02010600030101010101" pitchFamily="2" charset="-122"/>
+                        <a:ea typeface="等线" panose="02010600030101010101" pitchFamily="2" charset="-122"/>
+                      </a:endParaRPr>
+                    </a:p>
+                  </a:txBody>
+                  <a:tcPr marL="6350" marR="6350" marT="6350" marB="0" anchor="b"/>
+                </a:tc>
+                <a:tc>
+                  <a:txBody>
+                    <a:bodyPr/>
+                    <a:lstStyle/>
+                    <a:p>
+                      <a:pPr algn="r" fontAlgn="b"/>
+                      <a:r>
+                        <a:rPr lang="en-US" altLang="zh-CN" sz="1100" u="none" strike="noStrike">
+                          <a:effectLst/>
+                        </a:rPr>
+                        <a:t>0.880645161</a:t>
+                      </a:r>
+                      <a:endParaRPr lang="en-US" altLang="zh-CN" sz="1100" b="0" i="0" u="none" strike="noStrike">
+                        <a:solidFill>
+                          <a:srgbClr val="006100"/>
+                        </a:solidFill>
+                        <a:effectLst/>
+                        <a:latin typeface="等线" panose="02010600030101010101" pitchFamily="2" charset="-122"/>
+                        <a:ea typeface="等线" panose="02010600030101010101" pitchFamily="2" charset="-122"/>
+                      </a:endParaRPr>
+                    </a:p>
+                  </a:txBody>
+                  <a:tcPr marL="6350" marR="6350" marT="6350" marB="0" anchor="b"/>
+                </a:tc>
+                <a:tc>
+                  <a:txBody>
+                    <a:bodyPr/>
+                    <a:lstStyle/>
+                    <a:p>
+                      <a:pPr algn="l" fontAlgn="b"/>
+                      <a:r>
+                        <a:rPr lang="en-US" altLang="zh-CN" sz="1100" u="none" strike="noStrike">
+                          <a:effectLst/>
+                        </a:rPr>
+                        <a:t>70%-30%</a:t>
+                      </a:r>
+                      <a:endParaRPr lang="en-US" altLang="zh-CN" sz="1100" b="0" i="0" u="none" strike="noStrike">
+                        <a:solidFill>
+                          <a:srgbClr val="000000"/>
+                        </a:solidFill>
+                        <a:effectLst/>
+                        <a:latin typeface="等线" panose="02010600030101010101" pitchFamily="2" charset="-122"/>
+                        <a:ea typeface="等线" panose="02010600030101010101" pitchFamily="2" charset="-122"/>
+                      </a:endParaRPr>
+                    </a:p>
+                  </a:txBody>
+                  <a:tcPr marL="6350" marR="6350" marT="6350" marB="0" anchor="b"/>
+                </a:tc>
+                <a:tc>
+                  <a:txBody>
+                    <a:bodyPr/>
+                    <a:lstStyle/>
+                    <a:p>
+                      <a:pPr algn="l" fontAlgn="b"/>
+                      <a:r>
+                        <a:rPr lang="en-US" sz="1100" u="none" strike="noStrike">
+                          <a:effectLst/>
+                        </a:rPr>
+                        <a:t>1nn</a:t>
+                      </a:r>
+                      <a:endParaRPr lang="en-US" sz="1100" b="0" i="0" u="none" strike="noStrike">
+                        <a:solidFill>
+                          <a:srgbClr val="000000"/>
+                        </a:solidFill>
+                        <a:effectLst/>
+                        <a:latin typeface="等线" panose="02010600030101010101" pitchFamily="2" charset="-122"/>
+                        <a:ea typeface="等线" panose="02010600030101010101" pitchFamily="2" charset="-122"/>
+                      </a:endParaRPr>
+                    </a:p>
+                  </a:txBody>
+                  <a:tcPr marL="6350" marR="6350" marT="6350" marB="0" anchor="b"/>
+                </a:tc>
+                <a:tc>
+                  <a:txBody>
+                    <a:bodyPr/>
+                    <a:lstStyle/>
+                    <a:p>
+                      <a:pPr algn="r" fontAlgn="b"/>
+                      <a:r>
+                        <a:rPr lang="en-US" altLang="zh-CN" sz="1100" u="none" strike="noStrike">
+                          <a:effectLst/>
+                        </a:rPr>
+                        <a:t>0.85</a:t>
+                      </a:r>
+                      <a:endParaRPr lang="en-US" altLang="zh-CN" sz="1100" b="0" i="0" u="none" strike="noStrike">
+                        <a:solidFill>
+                          <a:srgbClr val="000000"/>
+                        </a:solidFill>
+                        <a:effectLst/>
+                        <a:latin typeface="等线" panose="02010600030101010101" pitchFamily="2" charset="-122"/>
+                        <a:ea typeface="等线" panose="02010600030101010101" pitchFamily="2" charset="-122"/>
+                      </a:endParaRPr>
+                    </a:p>
+                  </a:txBody>
+                  <a:tcPr marL="6350" marR="6350" marT="6350" marB="0" anchor="b"/>
+                </a:tc>
+                <a:tc>
+                  <a:txBody>
+                    <a:bodyPr/>
+                    <a:lstStyle/>
+                    <a:p>
+                      <a:pPr algn="r" fontAlgn="b"/>
+                      <a:r>
+                        <a:rPr lang="en-US" altLang="zh-CN" sz="1100" u="none" strike="noStrike">
+                          <a:effectLst/>
+                        </a:rPr>
+                        <a:t>10.27777778</a:t>
+                      </a:r>
+                      <a:endParaRPr lang="en-US" altLang="zh-CN" sz="1100" b="0" i="0" u="none" strike="noStrike">
+                        <a:solidFill>
+                          <a:srgbClr val="000000"/>
+                        </a:solidFill>
+                        <a:effectLst/>
+                        <a:latin typeface="等线" panose="02010600030101010101" pitchFamily="2" charset="-122"/>
+                        <a:ea typeface="等线" panose="02010600030101010101" pitchFamily="2" charset="-122"/>
+                      </a:endParaRPr>
+                    </a:p>
+                  </a:txBody>
+                  <a:tcPr marL="6350" marR="6350" marT="6350" marB="0" anchor="b"/>
+                </a:tc>
+                <a:extLst>
+                  <a:ext uri="{0D108BD9-81ED-4DB2-BD59-A6C34878D82A}">
+                    <a16:rowId xmlns:a16="http://schemas.microsoft.com/office/drawing/2014/main" val="1406150276"/>
+                  </a:ext>
+                </a:extLst>
+              </a:tr>
+              <a:tr h="177800">
+                <a:tc>
+                  <a:txBody>
+                    <a:bodyPr/>
+                    <a:lstStyle/>
+                    <a:p>
+                      <a:pPr algn="l" fontAlgn="b"/>
+                      <a:endParaRPr lang="zh-CN" altLang="en-US" sz="1100" b="0" i="0" u="none" strike="noStrike">
+                        <a:solidFill>
+                          <a:srgbClr val="000000"/>
+                        </a:solidFill>
+                        <a:effectLst/>
+                        <a:latin typeface="等线" panose="02010600030101010101" pitchFamily="2" charset="-122"/>
+                        <a:ea typeface="等线" panose="02010600030101010101" pitchFamily="2" charset="-122"/>
+                      </a:endParaRPr>
+                    </a:p>
+                  </a:txBody>
+                  <a:tcPr marL="6350" marR="6350" marT="6350" marB="0" anchor="b"/>
+                </a:tc>
+                <a:tc>
+                  <a:txBody>
+                    <a:bodyPr/>
+                    <a:lstStyle/>
+                    <a:p>
+                      <a:pPr algn="r" fontAlgn="b"/>
+                      <a:r>
+                        <a:rPr lang="en-US" altLang="zh-CN" sz="1100" u="none" strike="noStrike">
+                          <a:effectLst/>
+                        </a:rPr>
+                        <a:t>4.234484673</a:t>
+                      </a:r>
+                      <a:endParaRPr lang="en-US" altLang="zh-CN" sz="1100" b="0" i="0" u="none" strike="noStrike">
+                        <a:solidFill>
+                          <a:srgbClr val="000000"/>
+                        </a:solidFill>
+                        <a:effectLst/>
+                        <a:latin typeface="等线" panose="02010600030101010101" pitchFamily="2" charset="-122"/>
+                        <a:ea typeface="等线" panose="02010600030101010101" pitchFamily="2" charset="-122"/>
+                      </a:endParaRPr>
+                    </a:p>
+                  </a:txBody>
+                  <a:tcPr marL="6350" marR="6350" marT="6350" marB="0" anchor="b"/>
+                </a:tc>
+                <a:tc>
+                  <a:txBody>
+                    <a:bodyPr/>
+                    <a:lstStyle/>
+                    <a:p>
+                      <a:pPr algn="r" fontAlgn="b"/>
+                      <a:r>
+                        <a:rPr lang="en-US" altLang="zh-CN" sz="1100" u="none" strike="noStrike">
+                          <a:effectLst/>
+                        </a:rPr>
+                        <a:t>0.880645161</a:t>
+                      </a:r>
+                      <a:endParaRPr lang="en-US" altLang="zh-CN" sz="1100" b="0" i="0" u="none" strike="noStrike">
+                        <a:solidFill>
+                          <a:srgbClr val="006100"/>
+                        </a:solidFill>
+                        <a:effectLst/>
+                        <a:latin typeface="等线" panose="02010600030101010101" pitchFamily="2" charset="-122"/>
+                        <a:ea typeface="等线" panose="02010600030101010101" pitchFamily="2" charset="-122"/>
+                      </a:endParaRPr>
+                    </a:p>
+                  </a:txBody>
+                  <a:tcPr marL="6350" marR="6350" marT="6350" marB="0" anchor="b"/>
+                </a:tc>
+                <a:tc>
+                  <a:txBody>
+                    <a:bodyPr/>
+                    <a:lstStyle/>
+                    <a:p>
+                      <a:pPr algn="l" fontAlgn="b"/>
+                      <a:r>
+                        <a:rPr lang="en-US" altLang="zh-CN" sz="1100" u="none" strike="noStrike">
+                          <a:effectLst/>
+                        </a:rPr>
+                        <a:t>70%-30%</a:t>
+                      </a:r>
+                      <a:endParaRPr lang="en-US" altLang="zh-CN" sz="1100" b="0" i="0" u="none" strike="noStrike">
+                        <a:solidFill>
+                          <a:srgbClr val="000000"/>
+                        </a:solidFill>
+                        <a:effectLst/>
+                        <a:latin typeface="等线" panose="02010600030101010101" pitchFamily="2" charset="-122"/>
+                        <a:ea typeface="等线" panose="02010600030101010101" pitchFamily="2" charset="-122"/>
+                      </a:endParaRPr>
+                    </a:p>
+                  </a:txBody>
+                  <a:tcPr marL="6350" marR="6350" marT="6350" marB="0" anchor="b"/>
+                </a:tc>
+                <a:tc>
+                  <a:txBody>
+                    <a:bodyPr/>
+                    <a:lstStyle/>
+                    <a:p>
+                      <a:pPr algn="l" fontAlgn="b"/>
+                      <a:r>
+                        <a:rPr lang="en-US" sz="1100" u="none" strike="noStrike">
+                          <a:effectLst/>
+                        </a:rPr>
+                        <a:t>5nn</a:t>
+                      </a:r>
+                      <a:endParaRPr lang="en-US" sz="1100" b="0" i="0" u="none" strike="noStrike">
+                        <a:solidFill>
+                          <a:srgbClr val="000000"/>
+                        </a:solidFill>
+                        <a:effectLst/>
+                        <a:latin typeface="等线" panose="02010600030101010101" pitchFamily="2" charset="-122"/>
+                        <a:ea typeface="等线" panose="02010600030101010101" pitchFamily="2" charset="-122"/>
+                      </a:endParaRPr>
+                    </a:p>
+                  </a:txBody>
+                  <a:tcPr marL="6350" marR="6350" marT="6350" marB="0" anchor="b"/>
+                </a:tc>
+                <a:tc>
+                  <a:txBody>
+                    <a:bodyPr/>
+                    <a:lstStyle/>
+                    <a:p>
+                      <a:pPr algn="r" fontAlgn="b"/>
+                      <a:r>
+                        <a:rPr lang="en-US" altLang="zh-CN" sz="1100" u="none" strike="noStrike">
+                          <a:effectLst/>
+                        </a:rPr>
+                        <a:t>0.855769231</a:t>
+                      </a:r>
+                      <a:endParaRPr lang="en-US" altLang="zh-CN" sz="1100" b="0" i="0" u="none" strike="noStrike">
+                        <a:solidFill>
+                          <a:srgbClr val="000000"/>
+                        </a:solidFill>
+                        <a:effectLst/>
+                        <a:latin typeface="等线" panose="02010600030101010101" pitchFamily="2" charset="-122"/>
+                        <a:ea typeface="等线" panose="02010600030101010101" pitchFamily="2" charset="-122"/>
+                      </a:endParaRPr>
+                    </a:p>
+                  </a:txBody>
+                  <a:tcPr marL="6350" marR="6350" marT="6350" marB="0" anchor="b"/>
+                </a:tc>
+                <a:tc>
+                  <a:txBody>
+                    <a:bodyPr/>
+                    <a:lstStyle/>
+                    <a:p>
+                      <a:pPr algn="r" fontAlgn="b"/>
+                      <a:r>
+                        <a:rPr lang="en-US" altLang="zh-CN" sz="1100" u="none" strike="noStrike">
+                          <a:effectLst/>
+                        </a:rPr>
+                        <a:t>9.668803419</a:t>
+                      </a:r>
+                      <a:endParaRPr lang="en-US" altLang="zh-CN" sz="1100" b="0" i="0" u="none" strike="noStrike">
+                        <a:solidFill>
+                          <a:srgbClr val="000000"/>
+                        </a:solidFill>
+                        <a:effectLst/>
+                        <a:latin typeface="等线" panose="02010600030101010101" pitchFamily="2" charset="-122"/>
+                        <a:ea typeface="等线" panose="02010600030101010101" pitchFamily="2" charset="-122"/>
+                      </a:endParaRPr>
+                    </a:p>
+                  </a:txBody>
+                  <a:tcPr marL="6350" marR="6350" marT="6350" marB="0" anchor="b"/>
+                </a:tc>
+                <a:extLst>
+                  <a:ext uri="{0D108BD9-81ED-4DB2-BD59-A6C34878D82A}">
+                    <a16:rowId xmlns:a16="http://schemas.microsoft.com/office/drawing/2014/main" val="3801668693"/>
+                  </a:ext>
+                </a:extLst>
+              </a:tr>
+              <a:tr h="177800">
+                <a:tc>
+                  <a:txBody>
+                    <a:bodyPr/>
+                    <a:lstStyle/>
+                    <a:p>
+                      <a:pPr algn="l" fontAlgn="b"/>
+                      <a:endParaRPr lang="zh-CN" altLang="en-US" sz="1100" b="0" i="0" u="none" strike="noStrike">
+                        <a:solidFill>
+                          <a:srgbClr val="000000"/>
+                        </a:solidFill>
+                        <a:effectLst/>
+                        <a:latin typeface="等线" panose="02010600030101010101" pitchFamily="2" charset="-122"/>
+                        <a:ea typeface="等线" panose="02010600030101010101" pitchFamily="2" charset="-122"/>
+                      </a:endParaRPr>
+                    </a:p>
+                  </a:txBody>
+                  <a:tcPr marL="6350" marR="6350" marT="6350" marB="0" anchor="b"/>
+                </a:tc>
+                <a:tc>
+                  <a:txBody>
+                    <a:bodyPr/>
+                    <a:lstStyle/>
+                    <a:p>
+                      <a:pPr algn="r" fontAlgn="b"/>
+                      <a:r>
+                        <a:rPr lang="en-US" altLang="zh-CN" sz="1100" u="none" strike="noStrike">
+                          <a:effectLst/>
+                        </a:rPr>
+                        <a:t>3.074008226</a:t>
+                      </a:r>
+                      <a:endParaRPr lang="en-US" altLang="zh-CN" sz="1100" b="0" i="0" u="none" strike="noStrike">
+                        <a:solidFill>
+                          <a:srgbClr val="000000"/>
+                        </a:solidFill>
+                        <a:effectLst/>
+                        <a:latin typeface="等线" panose="02010600030101010101" pitchFamily="2" charset="-122"/>
+                        <a:ea typeface="等线" panose="02010600030101010101" pitchFamily="2" charset="-122"/>
+                      </a:endParaRPr>
+                    </a:p>
+                  </a:txBody>
+                  <a:tcPr marL="6350" marR="6350" marT="6350" marB="0" anchor="b"/>
+                </a:tc>
+                <a:tc>
+                  <a:txBody>
+                    <a:bodyPr/>
+                    <a:lstStyle/>
+                    <a:p>
+                      <a:pPr algn="r" fontAlgn="b"/>
+                      <a:r>
+                        <a:rPr lang="en-US" altLang="zh-CN" sz="1100" u="none" strike="noStrike">
+                          <a:effectLst/>
+                        </a:rPr>
+                        <a:t>0.880645161</a:t>
+                      </a:r>
+                      <a:endParaRPr lang="en-US" altLang="zh-CN" sz="1100" b="0" i="0" u="none" strike="noStrike">
+                        <a:solidFill>
+                          <a:srgbClr val="006100"/>
+                        </a:solidFill>
+                        <a:effectLst/>
+                        <a:latin typeface="等线" panose="02010600030101010101" pitchFamily="2" charset="-122"/>
+                        <a:ea typeface="等线" panose="02010600030101010101" pitchFamily="2" charset="-122"/>
+                      </a:endParaRPr>
+                    </a:p>
+                  </a:txBody>
+                  <a:tcPr marL="6350" marR="6350" marT="6350" marB="0" anchor="b"/>
+                </a:tc>
+                <a:tc>
+                  <a:txBody>
+                    <a:bodyPr/>
+                    <a:lstStyle/>
+                    <a:p>
+                      <a:pPr algn="l" fontAlgn="b"/>
+                      <a:r>
+                        <a:rPr lang="en-US" altLang="zh-CN" sz="1100" u="none" strike="noStrike">
+                          <a:effectLst/>
+                        </a:rPr>
+                        <a:t>70%-30%</a:t>
+                      </a:r>
+                      <a:endParaRPr lang="en-US" altLang="zh-CN" sz="1100" b="0" i="0" u="none" strike="noStrike">
+                        <a:solidFill>
+                          <a:srgbClr val="000000"/>
+                        </a:solidFill>
+                        <a:effectLst/>
+                        <a:latin typeface="等线" panose="02010600030101010101" pitchFamily="2" charset="-122"/>
+                        <a:ea typeface="等线" panose="02010600030101010101" pitchFamily="2" charset="-122"/>
+                      </a:endParaRPr>
+                    </a:p>
+                  </a:txBody>
+                  <a:tcPr marL="6350" marR="6350" marT="6350" marB="0" anchor="b"/>
+                </a:tc>
+                <a:tc>
+                  <a:txBody>
+                    <a:bodyPr/>
+                    <a:lstStyle/>
+                    <a:p>
+                      <a:pPr algn="l" fontAlgn="b"/>
+                      <a:r>
+                        <a:rPr lang="en-US" sz="1100" u="none" strike="noStrike">
+                          <a:effectLst/>
+                        </a:rPr>
+                        <a:t>SVM</a:t>
+                      </a:r>
+                      <a:endParaRPr lang="en-US" sz="1100" b="0" i="0" u="none" strike="noStrike">
+                        <a:solidFill>
+                          <a:srgbClr val="000000"/>
+                        </a:solidFill>
+                        <a:effectLst/>
+                        <a:latin typeface="等线" panose="02010600030101010101" pitchFamily="2" charset="-122"/>
+                        <a:ea typeface="等线" panose="02010600030101010101" pitchFamily="2" charset="-122"/>
+                      </a:endParaRPr>
+                    </a:p>
+                  </a:txBody>
+                  <a:tcPr marL="6350" marR="6350" marT="6350" marB="0" anchor="b"/>
+                </a:tc>
+                <a:tc>
+                  <a:txBody>
+                    <a:bodyPr/>
+                    <a:lstStyle/>
+                    <a:p>
+                      <a:pPr algn="r" fontAlgn="b"/>
+                      <a:r>
+                        <a:rPr lang="en-US" altLang="zh-CN" sz="1100" u="none" strike="noStrike">
+                          <a:effectLst/>
+                        </a:rPr>
+                        <a:t>0.930128205</a:t>
+                      </a:r>
+                      <a:endParaRPr lang="en-US" altLang="zh-CN" sz="1100" b="0" i="0" u="none" strike="noStrike">
+                        <a:solidFill>
+                          <a:srgbClr val="000000"/>
+                        </a:solidFill>
+                        <a:effectLst/>
+                        <a:latin typeface="等线" panose="02010600030101010101" pitchFamily="2" charset="-122"/>
+                        <a:ea typeface="等线" panose="02010600030101010101" pitchFamily="2" charset="-122"/>
+                      </a:endParaRPr>
+                    </a:p>
+                  </a:txBody>
+                  <a:tcPr marL="6350" marR="6350" marT="6350" marB="0" anchor="b"/>
+                </a:tc>
+                <a:tc>
+                  <a:txBody>
+                    <a:bodyPr/>
+                    <a:lstStyle/>
+                    <a:p>
+                      <a:pPr algn="r" fontAlgn="b"/>
+                      <a:r>
+                        <a:rPr lang="en-US" altLang="zh-CN" sz="1100" u="none" strike="noStrike">
+                          <a:effectLst/>
+                        </a:rPr>
+                        <a:t>1.81980057</a:t>
+                      </a:r>
+                      <a:endParaRPr lang="en-US" altLang="zh-CN" sz="1100" b="0" i="0" u="none" strike="noStrike">
+                        <a:solidFill>
+                          <a:srgbClr val="000000"/>
+                        </a:solidFill>
+                        <a:effectLst/>
+                        <a:latin typeface="等线" panose="02010600030101010101" pitchFamily="2" charset="-122"/>
+                        <a:ea typeface="等线" panose="02010600030101010101" pitchFamily="2" charset="-122"/>
+                      </a:endParaRPr>
+                    </a:p>
+                  </a:txBody>
+                  <a:tcPr marL="6350" marR="6350" marT="6350" marB="0" anchor="b"/>
+                </a:tc>
+                <a:extLst>
+                  <a:ext uri="{0D108BD9-81ED-4DB2-BD59-A6C34878D82A}">
+                    <a16:rowId xmlns:a16="http://schemas.microsoft.com/office/drawing/2014/main" val="3823875346"/>
+                  </a:ext>
+                </a:extLst>
+              </a:tr>
+              <a:tr h="177800">
+                <a:tc>
+                  <a:txBody>
+                    <a:bodyPr/>
+                    <a:lstStyle/>
+                    <a:p>
+                      <a:pPr algn="l" fontAlgn="b"/>
+                      <a:endParaRPr lang="zh-CN" altLang="en-US" sz="1100" b="0" i="0" u="none" strike="noStrike">
+                        <a:solidFill>
+                          <a:srgbClr val="000000"/>
+                        </a:solidFill>
+                        <a:effectLst/>
+                        <a:latin typeface="等线" panose="02010600030101010101" pitchFamily="2" charset="-122"/>
+                        <a:ea typeface="等线" panose="02010600030101010101" pitchFamily="2" charset="-122"/>
+                      </a:endParaRPr>
+                    </a:p>
+                  </a:txBody>
+                  <a:tcPr marL="6350" marR="6350" marT="6350" marB="0" anchor="b"/>
+                </a:tc>
+                <a:tc>
+                  <a:txBody>
+                    <a:bodyPr/>
+                    <a:lstStyle/>
+                    <a:p>
+                      <a:pPr algn="r" fontAlgn="b"/>
+                      <a:r>
+                        <a:rPr lang="en-US" altLang="zh-CN" sz="1100" u="none" strike="noStrike">
+                          <a:effectLst/>
+                        </a:rPr>
+                        <a:t>3.072860479</a:t>
+                      </a:r>
+                      <a:endParaRPr lang="en-US" altLang="zh-CN" sz="1100" b="0" i="0" u="none" strike="noStrike">
+                        <a:solidFill>
+                          <a:srgbClr val="000000"/>
+                        </a:solidFill>
+                        <a:effectLst/>
+                        <a:latin typeface="等线" panose="02010600030101010101" pitchFamily="2" charset="-122"/>
+                        <a:ea typeface="等线" panose="02010600030101010101" pitchFamily="2" charset="-122"/>
+                      </a:endParaRPr>
+                    </a:p>
+                  </a:txBody>
+                  <a:tcPr marL="6350" marR="6350" marT="6350" marB="0" anchor="b"/>
+                </a:tc>
+                <a:tc>
+                  <a:txBody>
+                    <a:bodyPr/>
+                    <a:lstStyle/>
+                    <a:p>
+                      <a:pPr algn="r" fontAlgn="b"/>
+                      <a:r>
+                        <a:rPr lang="en-US" altLang="zh-CN" sz="1100" u="none" strike="noStrike">
+                          <a:effectLst/>
+                        </a:rPr>
+                        <a:t>0.880645161</a:t>
+                      </a:r>
+                      <a:endParaRPr lang="en-US" altLang="zh-CN" sz="1100" b="0" i="0" u="none" strike="noStrike">
+                        <a:solidFill>
+                          <a:srgbClr val="006100"/>
+                        </a:solidFill>
+                        <a:effectLst/>
+                        <a:latin typeface="等线" panose="02010600030101010101" pitchFamily="2" charset="-122"/>
+                        <a:ea typeface="等线" panose="02010600030101010101" pitchFamily="2" charset="-122"/>
+                      </a:endParaRPr>
+                    </a:p>
+                  </a:txBody>
+                  <a:tcPr marL="6350" marR="6350" marT="6350" marB="0" anchor="b"/>
+                </a:tc>
+                <a:tc>
+                  <a:txBody>
+                    <a:bodyPr/>
+                    <a:lstStyle/>
+                    <a:p>
+                      <a:pPr algn="l" fontAlgn="b"/>
+                      <a:r>
+                        <a:rPr lang="en-US" altLang="zh-CN" sz="1100" u="none" strike="noStrike">
+                          <a:effectLst/>
+                        </a:rPr>
+                        <a:t>70%-30%</a:t>
+                      </a:r>
+                      <a:endParaRPr lang="en-US" altLang="zh-CN" sz="1100" b="0" i="0" u="none" strike="noStrike">
+                        <a:solidFill>
+                          <a:srgbClr val="000000"/>
+                        </a:solidFill>
+                        <a:effectLst/>
+                        <a:latin typeface="等线" panose="02010600030101010101" pitchFamily="2" charset="-122"/>
+                        <a:ea typeface="等线" panose="02010600030101010101" pitchFamily="2" charset="-122"/>
+                      </a:endParaRPr>
+                    </a:p>
+                  </a:txBody>
+                  <a:tcPr marL="6350" marR="6350" marT="6350" marB="0" anchor="b"/>
+                </a:tc>
+                <a:tc>
+                  <a:txBody>
+                    <a:bodyPr/>
+                    <a:lstStyle/>
+                    <a:p>
+                      <a:pPr algn="l" fontAlgn="b"/>
+                      <a:r>
+                        <a:rPr lang="en-US" sz="1100" u="none" strike="noStrike">
+                          <a:effectLst/>
+                        </a:rPr>
+                        <a:t>Cart</a:t>
+                      </a:r>
+                      <a:endParaRPr lang="en-US" sz="1100" b="0" i="0" u="none" strike="noStrike">
+                        <a:solidFill>
+                          <a:srgbClr val="000000"/>
+                        </a:solidFill>
+                        <a:effectLst/>
+                        <a:latin typeface="等线" panose="02010600030101010101" pitchFamily="2" charset="-122"/>
+                        <a:ea typeface="等线" panose="02010600030101010101" pitchFamily="2" charset="-122"/>
+                      </a:endParaRPr>
+                    </a:p>
+                  </a:txBody>
+                  <a:tcPr marL="6350" marR="6350" marT="6350" marB="0" anchor="b"/>
+                </a:tc>
+                <a:tc>
+                  <a:txBody>
+                    <a:bodyPr/>
+                    <a:lstStyle/>
+                    <a:p>
+                      <a:pPr algn="r" fontAlgn="b"/>
+                      <a:r>
+                        <a:rPr lang="en-US" altLang="zh-CN" sz="1100" u="none" strike="noStrike">
+                          <a:effectLst/>
+                        </a:rPr>
+                        <a:t>0.769871795</a:t>
+                      </a:r>
+                      <a:endParaRPr lang="en-US" altLang="zh-CN" sz="1100" b="0" i="0" u="none" strike="noStrike">
+                        <a:solidFill>
+                          <a:srgbClr val="000000"/>
+                        </a:solidFill>
+                        <a:effectLst/>
+                        <a:latin typeface="等线" panose="02010600030101010101" pitchFamily="2" charset="-122"/>
+                        <a:ea typeface="等线" panose="02010600030101010101" pitchFamily="2" charset="-122"/>
+                      </a:endParaRPr>
+                    </a:p>
+                  </a:txBody>
+                  <a:tcPr marL="6350" marR="6350" marT="6350" marB="0" anchor="b"/>
+                </a:tc>
+                <a:tc>
+                  <a:txBody>
+                    <a:bodyPr/>
+                    <a:lstStyle/>
+                    <a:p>
+                      <a:pPr algn="r" fontAlgn="b"/>
+                      <a:r>
+                        <a:rPr lang="en-US" altLang="zh-CN" sz="1100" u="none" strike="noStrike" dirty="0">
+                          <a:effectLst/>
+                        </a:rPr>
+                        <a:t>16.41391941</a:t>
+                      </a:r>
+                      <a:endParaRPr lang="en-US" altLang="zh-CN" sz="1100" b="0" i="0" u="none" strike="noStrike" dirty="0">
+                        <a:solidFill>
+                          <a:srgbClr val="000000"/>
+                        </a:solidFill>
+                        <a:effectLst/>
+                        <a:latin typeface="等线" panose="02010600030101010101" pitchFamily="2" charset="-122"/>
+                        <a:ea typeface="等线" panose="02010600030101010101" pitchFamily="2" charset="-122"/>
+                      </a:endParaRPr>
+                    </a:p>
+                  </a:txBody>
+                  <a:tcPr marL="6350" marR="6350" marT="6350" marB="0" anchor="b"/>
+                </a:tc>
+                <a:extLst>
+                  <a:ext uri="{0D108BD9-81ED-4DB2-BD59-A6C34878D82A}">
+                    <a16:rowId xmlns:a16="http://schemas.microsoft.com/office/drawing/2014/main" val="2863902144"/>
+                  </a:ext>
+                </a:extLst>
+              </a:tr>
+            </a:tbl>
+          </a:graphicData>
+        </a:graphic>
+      </p:graphicFrame>
+      <p:graphicFrame>
+        <p:nvGraphicFramePr>
+          <p:cNvPr id="7" name="表格 6">
+            <a:extLst>
+              <a:ext uri="{FF2B5EF4-FFF2-40B4-BE49-F238E27FC236}">
+                <a16:creationId xmlns:a16="http://schemas.microsoft.com/office/drawing/2014/main" id="{D5E27E4A-EF96-463A-9AD9-5A0070CD48FF}"/>
+              </a:ext>
+            </a:extLst>
+          </p:cNvPr>
+          <p:cNvGraphicFramePr>
+            <a:graphicFrameLocks noGrp="1"/>
+          </p:cNvGraphicFramePr>
+          <p:nvPr>
+            <p:extLst>
+              <p:ext uri="{D42A27DB-BD31-4B8C-83A1-F6EECF244321}">
+                <p14:modId xmlns:p14="http://schemas.microsoft.com/office/powerpoint/2010/main" val="1021960959"/>
+              </p:ext>
+            </p:extLst>
+          </p:nvPr>
+        </p:nvGraphicFramePr>
+        <p:xfrm>
+          <a:off x="1873249" y="5194301"/>
+          <a:ext cx="8947151" cy="889000"/>
+        </p:xfrm>
+        <a:graphic>
+          <a:graphicData uri="http://schemas.openxmlformats.org/drawingml/2006/table">
+            <a:tbl>
+              <a:tblPr>
+                <a:tableStyleId>{5C22544A-7EE6-4342-B048-85BDC9FD1C3A}</a:tableStyleId>
+              </a:tblPr>
+              <a:tblGrid>
+                <a:gridCol w="1032948">
+                  <a:extLst>
+                    <a:ext uri="{9D8B030D-6E8A-4147-A177-3AD203B41FA5}">
+                      <a16:colId xmlns:a16="http://schemas.microsoft.com/office/drawing/2014/main" val="3811255830"/>
+                    </a:ext>
+                  </a:extLst>
+                </a:gridCol>
+                <a:gridCol w="1511446">
+                  <a:extLst>
+                    <a:ext uri="{9D8B030D-6E8A-4147-A177-3AD203B41FA5}">
+                      <a16:colId xmlns:a16="http://schemas.microsoft.com/office/drawing/2014/main" val="464642791"/>
+                    </a:ext>
+                  </a:extLst>
+                </a:gridCol>
+                <a:gridCol w="1503850">
+                  <a:extLst>
+                    <a:ext uri="{9D8B030D-6E8A-4147-A177-3AD203B41FA5}">
+                      <a16:colId xmlns:a16="http://schemas.microsoft.com/office/drawing/2014/main" val="3271733378"/>
+                    </a:ext>
+                  </a:extLst>
+                </a:gridCol>
+                <a:gridCol w="1298780">
+                  <a:extLst>
+                    <a:ext uri="{9D8B030D-6E8A-4147-A177-3AD203B41FA5}">
+                      <a16:colId xmlns:a16="http://schemas.microsoft.com/office/drawing/2014/main" val="547301729"/>
+                    </a:ext>
+                  </a:extLst>
+                </a:gridCol>
+                <a:gridCol w="1124090">
+                  <a:extLst>
+                    <a:ext uri="{9D8B030D-6E8A-4147-A177-3AD203B41FA5}">
+                      <a16:colId xmlns:a16="http://schemas.microsoft.com/office/drawing/2014/main" val="3898751793"/>
+                    </a:ext>
+                  </a:extLst>
+                </a:gridCol>
+                <a:gridCol w="1329161">
+                  <a:extLst>
+                    <a:ext uri="{9D8B030D-6E8A-4147-A177-3AD203B41FA5}">
+                      <a16:colId xmlns:a16="http://schemas.microsoft.com/office/drawing/2014/main" val="2453283127"/>
+                    </a:ext>
+                  </a:extLst>
+                </a:gridCol>
+                <a:gridCol w="1146876">
+                  <a:extLst>
+                    <a:ext uri="{9D8B030D-6E8A-4147-A177-3AD203B41FA5}">
+                      <a16:colId xmlns:a16="http://schemas.microsoft.com/office/drawing/2014/main" val="111630941"/>
+                    </a:ext>
+                  </a:extLst>
+                </a:gridCol>
+              </a:tblGrid>
+              <a:tr h="177800">
+                <a:tc>
+                  <a:txBody>
+                    <a:bodyPr/>
+                    <a:lstStyle/>
+                    <a:p>
+                      <a:pPr algn="l" fontAlgn="b"/>
+                      <a:r>
+                        <a:rPr lang="en-US" sz="1100" u="none" strike="noStrike">
+                          <a:effectLst/>
+                        </a:rPr>
+                        <a:t>Algorithm</a:t>
+                      </a:r>
+                      <a:endParaRPr lang="en-US" sz="1100" b="0" i="0" u="none" strike="noStrike">
+                        <a:solidFill>
+                          <a:srgbClr val="000000"/>
+                        </a:solidFill>
+                        <a:effectLst/>
+                        <a:latin typeface="等线" panose="02010600030101010101" pitchFamily="2" charset="-122"/>
+                        <a:ea typeface="等线" panose="02010600030101010101" pitchFamily="2" charset="-122"/>
+                      </a:endParaRPr>
+                    </a:p>
+                  </a:txBody>
+                  <a:tcPr marL="6350" marR="6350" marT="6350" marB="0" anchor="b"/>
+                </a:tc>
+                <a:tc>
+                  <a:txBody>
+                    <a:bodyPr/>
+                    <a:lstStyle/>
+                    <a:p>
+                      <a:pPr algn="l" fontAlgn="b"/>
+                      <a:r>
+                        <a:rPr lang="en-US" sz="1100" u="none" strike="noStrike">
+                          <a:effectLst/>
+                        </a:rPr>
+                        <a:t>Time</a:t>
+                      </a:r>
+                      <a:endParaRPr lang="en-US" sz="1100" b="0" i="0" u="none" strike="noStrike">
+                        <a:solidFill>
+                          <a:srgbClr val="000000"/>
+                        </a:solidFill>
+                        <a:effectLst/>
+                        <a:latin typeface="等线" panose="02010600030101010101" pitchFamily="2" charset="-122"/>
+                        <a:ea typeface="等线" panose="02010600030101010101" pitchFamily="2" charset="-122"/>
+                      </a:endParaRPr>
+                    </a:p>
+                  </a:txBody>
+                  <a:tcPr marL="6350" marR="6350" marT="6350" marB="0" anchor="b"/>
+                </a:tc>
+                <a:tc>
+                  <a:txBody>
+                    <a:bodyPr/>
+                    <a:lstStyle/>
+                    <a:p>
+                      <a:pPr algn="l" fontAlgn="b"/>
+                      <a:r>
+                        <a:rPr lang="en-US" sz="1100" u="none" strike="noStrike">
+                          <a:effectLst/>
+                        </a:rPr>
+                        <a:t>DR</a:t>
+                      </a:r>
+                      <a:endParaRPr lang="en-US" sz="1100" b="0" i="0" u="none" strike="noStrike">
+                        <a:solidFill>
+                          <a:srgbClr val="000000"/>
+                        </a:solidFill>
+                        <a:effectLst/>
+                        <a:latin typeface="等线" panose="02010600030101010101" pitchFamily="2" charset="-122"/>
+                        <a:ea typeface="等线" panose="02010600030101010101" pitchFamily="2" charset="-122"/>
+                      </a:endParaRPr>
+                    </a:p>
+                  </a:txBody>
+                  <a:tcPr marL="6350" marR="6350" marT="6350" marB="0" anchor="b"/>
+                </a:tc>
+                <a:tc>
+                  <a:txBody>
+                    <a:bodyPr/>
+                    <a:lstStyle/>
+                    <a:p>
+                      <a:pPr algn="l" fontAlgn="b"/>
+                      <a:r>
+                        <a:rPr lang="en-US" sz="1100" u="none" strike="noStrike">
+                          <a:effectLst/>
+                        </a:rPr>
+                        <a:t>Validation</a:t>
+                      </a:r>
+                      <a:endParaRPr lang="en-US" sz="1100" b="0" i="0" u="none" strike="noStrike">
+                        <a:solidFill>
+                          <a:srgbClr val="000000"/>
+                        </a:solidFill>
+                        <a:effectLst/>
+                        <a:latin typeface="等线" panose="02010600030101010101" pitchFamily="2" charset="-122"/>
+                        <a:ea typeface="等线" panose="02010600030101010101" pitchFamily="2" charset="-122"/>
+                      </a:endParaRPr>
+                    </a:p>
+                  </a:txBody>
+                  <a:tcPr marL="6350" marR="6350" marT="6350" marB="0" anchor="b"/>
+                </a:tc>
+                <a:tc>
+                  <a:txBody>
+                    <a:bodyPr/>
+                    <a:lstStyle/>
+                    <a:p>
+                      <a:pPr algn="l" fontAlgn="b"/>
+                      <a:r>
+                        <a:rPr lang="en-US" sz="1100" u="none" strike="noStrike">
+                          <a:effectLst/>
+                        </a:rPr>
+                        <a:t>Classifier</a:t>
+                      </a:r>
+                      <a:endParaRPr lang="en-US" sz="1100" b="0" i="0" u="none" strike="noStrike">
+                        <a:solidFill>
+                          <a:srgbClr val="000000"/>
+                        </a:solidFill>
+                        <a:effectLst/>
+                        <a:latin typeface="等线" panose="02010600030101010101" pitchFamily="2" charset="-122"/>
+                        <a:ea typeface="等线" panose="02010600030101010101" pitchFamily="2" charset="-122"/>
+                      </a:endParaRPr>
+                    </a:p>
+                  </a:txBody>
+                  <a:tcPr marL="6350" marR="6350" marT="6350" marB="0" anchor="b"/>
+                </a:tc>
+                <a:tc>
+                  <a:txBody>
+                    <a:bodyPr/>
+                    <a:lstStyle/>
+                    <a:p>
+                      <a:pPr algn="l" fontAlgn="b"/>
+                      <a:r>
+                        <a:rPr lang="en-US" sz="1100" u="none" strike="noStrike">
+                          <a:effectLst/>
+                        </a:rPr>
+                        <a:t>AC</a:t>
+                      </a:r>
+                      <a:endParaRPr lang="en-US" sz="1100" b="0" i="0" u="none" strike="noStrike">
+                        <a:solidFill>
+                          <a:srgbClr val="000000"/>
+                        </a:solidFill>
+                        <a:effectLst/>
+                        <a:latin typeface="等线" panose="02010600030101010101" pitchFamily="2" charset="-122"/>
+                        <a:ea typeface="等线" panose="02010600030101010101" pitchFamily="2" charset="-122"/>
+                      </a:endParaRPr>
+                    </a:p>
+                  </a:txBody>
+                  <a:tcPr marL="6350" marR="6350" marT="6350" marB="0" anchor="b"/>
+                </a:tc>
+                <a:tc>
+                  <a:txBody>
+                    <a:bodyPr/>
+                    <a:lstStyle/>
+                    <a:p>
+                      <a:pPr algn="l" fontAlgn="b"/>
+                      <a:r>
+                        <a:rPr lang="en-US" sz="1100" u="none" strike="noStrike">
+                          <a:effectLst/>
+                        </a:rPr>
+                        <a:t>Acc Delta</a:t>
+                      </a:r>
+                      <a:endParaRPr lang="en-US" sz="1100" b="0" i="0" u="none" strike="noStrike">
+                        <a:solidFill>
+                          <a:srgbClr val="000000"/>
+                        </a:solidFill>
+                        <a:effectLst/>
+                        <a:latin typeface="等线" panose="02010600030101010101" pitchFamily="2" charset="-122"/>
+                        <a:ea typeface="等线" panose="02010600030101010101" pitchFamily="2" charset="-122"/>
+                      </a:endParaRPr>
+                    </a:p>
+                  </a:txBody>
+                  <a:tcPr marL="6350" marR="6350" marT="6350" marB="0" anchor="b"/>
+                </a:tc>
+                <a:extLst>
+                  <a:ext uri="{0D108BD9-81ED-4DB2-BD59-A6C34878D82A}">
+                    <a16:rowId xmlns:a16="http://schemas.microsoft.com/office/drawing/2014/main" val="465660885"/>
+                  </a:ext>
+                </a:extLst>
+              </a:tr>
+              <a:tr h="177800">
+                <a:tc>
+                  <a:txBody>
+                    <a:bodyPr/>
+                    <a:lstStyle/>
+                    <a:p>
+                      <a:pPr algn="l" fontAlgn="b"/>
+                      <a:r>
+                        <a:rPr lang="en-US" sz="1100" u="none" strike="noStrike">
+                          <a:effectLst/>
+                        </a:rPr>
+                        <a:t>Lasso</a:t>
+                      </a:r>
+                      <a:endParaRPr lang="en-US" sz="1100" b="0" i="0" u="none" strike="noStrike">
+                        <a:solidFill>
+                          <a:srgbClr val="000000"/>
+                        </a:solidFill>
+                        <a:effectLst/>
+                        <a:latin typeface="等线" panose="02010600030101010101" pitchFamily="2" charset="-122"/>
+                        <a:ea typeface="等线" panose="02010600030101010101" pitchFamily="2" charset="-122"/>
+                      </a:endParaRPr>
+                    </a:p>
+                  </a:txBody>
+                  <a:tcPr marL="6350" marR="6350" marT="6350" marB="0" anchor="b"/>
+                </a:tc>
+                <a:tc>
+                  <a:txBody>
+                    <a:bodyPr/>
+                    <a:lstStyle/>
+                    <a:p>
+                      <a:pPr algn="r" fontAlgn="b"/>
+                      <a:r>
+                        <a:rPr lang="en-US" altLang="zh-CN" sz="1100" u="none" strike="noStrike">
+                          <a:effectLst/>
+                        </a:rPr>
+                        <a:t>415.9355624</a:t>
+                      </a:r>
+                      <a:endParaRPr lang="en-US" altLang="zh-CN" sz="1100" b="0" i="0" u="none" strike="noStrike">
+                        <a:solidFill>
+                          <a:srgbClr val="000000"/>
+                        </a:solidFill>
+                        <a:effectLst/>
+                        <a:latin typeface="等线" panose="02010600030101010101" pitchFamily="2" charset="-122"/>
+                        <a:ea typeface="等线" panose="02010600030101010101" pitchFamily="2" charset="-122"/>
+                      </a:endParaRPr>
+                    </a:p>
+                  </a:txBody>
+                  <a:tcPr marL="6350" marR="6350" marT="6350" marB="0" anchor="b"/>
+                </a:tc>
+                <a:tc>
+                  <a:txBody>
+                    <a:bodyPr/>
+                    <a:lstStyle/>
+                    <a:p>
+                      <a:pPr algn="r" fontAlgn="b"/>
+                      <a:r>
+                        <a:rPr lang="en-US" altLang="zh-CN" sz="1100" u="none" strike="noStrike">
+                          <a:effectLst/>
+                        </a:rPr>
+                        <a:t>0.9874</a:t>
+                      </a:r>
+                      <a:endParaRPr lang="en-US" altLang="zh-CN" sz="1100" b="0" i="0" u="none" strike="noStrike">
+                        <a:solidFill>
+                          <a:srgbClr val="006100"/>
+                        </a:solidFill>
+                        <a:effectLst/>
+                        <a:latin typeface="等线" panose="02010600030101010101" pitchFamily="2" charset="-122"/>
+                        <a:ea typeface="等线" panose="02010600030101010101" pitchFamily="2" charset="-122"/>
+                      </a:endParaRPr>
+                    </a:p>
+                  </a:txBody>
+                  <a:tcPr marL="6350" marR="6350" marT="6350" marB="0" anchor="b"/>
+                </a:tc>
+                <a:tc>
+                  <a:txBody>
+                    <a:bodyPr/>
+                    <a:lstStyle/>
+                    <a:p>
+                      <a:pPr algn="l" fontAlgn="b"/>
+                      <a:r>
+                        <a:rPr lang="en-US" altLang="zh-CN" sz="1100" u="none" strike="noStrike">
+                          <a:effectLst/>
+                        </a:rPr>
+                        <a:t>70%-30%</a:t>
+                      </a:r>
+                      <a:endParaRPr lang="en-US" altLang="zh-CN" sz="1100" b="0" i="0" u="none" strike="noStrike">
+                        <a:solidFill>
+                          <a:srgbClr val="000000"/>
+                        </a:solidFill>
+                        <a:effectLst/>
+                        <a:latin typeface="等线" panose="02010600030101010101" pitchFamily="2" charset="-122"/>
+                        <a:ea typeface="等线" panose="02010600030101010101" pitchFamily="2" charset="-122"/>
+                      </a:endParaRPr>
+                    </a:p>
+                  </a:txBody>
+                  <a:tcPr marL="6350" marR="6350" marT="6350" marB="0" anchor="b"/>
+                </a:tc>
+                <a:tc>
+                  <a:txBody>
+                    <a:bodyPr/>
+                    <a:lstStyle/>
+                    <a:p>
+                      <a:pPr algn="l" fontAlgn="b"/>
+                      <a:r>
+                        <a:rPr lang="en-US" sz="1100" u="none" strike="noStrike">
+                          <a:effectLst/>
+                        </a:rPr>
+                        <a:t>1nn</a:t>
+                      </a:r>
+                      <a:endParaRPr lang="en-US" sz="1100" b="0" i="0" u="none" strike="noStrike">
+                        <a:solidFill>
+                          <a:srgbClr val="000000"/>
+                        </a:solidFill>
+                        <a:effectLst/>
+                        <a:latin typeface="等线" panose="02010600030101010101" pitchFamily="2" charset="-122"/>
+                        <a:ea typeface="等线" panose="02010600030101010101" pitchFamily="2" charset="-122"/>
+                      </a:endParaRPr>
+                    </a:p>
+                  </a:txBody>
+                  <a:tcPr marL="6350" marR="6350" marT="6350" marB="0" anchor="b"/>
+                </a:tc>
+                <a:tc>
+                  <a:txBody>
+                    <a:bodyPr/>
+                    <a:lstStyle/>
+                    <a:p>
+                      <a:pPr algn="r" fontAlgn="b"/>
+                      <a:r>
+                        <a:rPr lang="en-US" altLang="zh-CN" sz="1100" u="none" strike="noStrike">
+                          <a:effectLst/>
+                        </a:rPr>
+                        <a:t>0.8</a:t>
+                      </a:r>
+                      <a:endParaRPr lang="en-US" altLang="zh-CN" sz="1100" b="0" i="0" u="none" strike="noStrike">
+                        <a:solidFill>
+                          <a:srgbClr val="000000"/>
+                        </a:solidFill>
+                        <a:effectLst/>
+                        <a:latin typeface="等线" panose="02010600030101010101" pitchFamily="2" charset="-122"/>
+                        <a:ea typeface="等线" panose="02010600030101010101" pitchFamily="2" charset="-122"/>
+                      </a:endParaRPr>
+                    </a:p>
+                  </a:txBody>
+                  <a:tcPr marL="6350" marR="6350" marT="6350" marB="0" anchor="b"/>
+                </a:tc>
+                <a:tc>
+                  <a:txBody>
+                    <a:bodyPr/>
+                    <a:lstStyle/>
+                    <a:p>
+                      <a:pPr algn="r" fontAlgn="b"/>
+                      <a:r>
+                        <a:rPr lang="en-US" altLang="zh-CN" sz="1100" u="none" strike="noStrike">
+                          <a:effectLst/>
+                        </a:rPr>
+                        <a:t>9.433962264</a:t>
+                      </a:r>
+                      <a:endParaRPr lang="en-US" altLang="zh-CN" sz="1100" b="0" i="0" u="none" strike="noStrike">
+                        <a:solidFill>
+                          <a:srgbClr val="000000"/>
+                        </a:solidFill>
+                        <a:effectLst/>
+                        <a:latin typeface="等线" panose="02010600030101010101" pitchFamily="2" charset="-122"/>
+                        <a:ea typeface="等线" panose="02010600030101010101" pitchFamily="2" charset="-122"/>
+                      </a:endParaRPr>
+                    </a:p>
+                  </a:txBody>
+                  <a:tcPr marL="6350" marR="6350" marT="6350" marB="0" anchor="b"/>
+                </a:tc>
+                <a:extLst>
+                  <a:ext uri="{0D108BD9-81ED-4DB2-BD59-A6C34878D82A}">
+                    <a16:rowId xmlns:a16="http://schemas.microsoft.com/office/drawing/2014/main" val="3735744144"/>
+                  </a:ext>
+                </a:extLst>
+              </a:tr>
+              <a:tr h="177800">
+                <a:tc>
+                  <a:txBody>
+                    <a:bodyPr/>
+                    <a:lstStyle/>
+                    <a:p>
+                      <a:pPr algn="l" fontAlgn="b"/>
+                      <a:endParaRPr lang="zh-CN" altLang="en-US" sz="1100" b="0" i="0" u="none" strike="noStrike">
+                        <a:solidFill>
+                          <a:srgbClr val="000000"/>
+                        </a:solidFill>
+                        <a:effectLst/>
+                        <a:latin typeface="等线" panose="02010600030101010101" pitchFamily="2" charset="-122"/>
+                        <a:ea typeface="等线" panose="02010600030101010101" pitchFamily="2" charset="-122"/>
+                      </a:endParaRPr>
+                    </a:p>
+                  </a:txBody>
+                  <a:tcPr marL="6350" marR="6350" marT="6350" marB="0" anchor="b"/>
+                </a:tc>
+                <a:tc>
+                  <a:txBody>
+                    <a:bodyPr/>
+                    <a:lstStyle/>
+                    <a:p>
+                      <a:pPr algn="r" fontAlgn="b"/>
+                      <a:r>
+                        <a:rPr lang="en-US" altLang="zh-CN" sz="1100" u="none" strike="noStrike">
+                          <a:effectLst/>
+                        </a:rPr>
+                        <a:t>379.9564228</a:t>
+                      </a:r>
+                      <a:endParaRPr lang="en-US" altLang="zh-CN" sz="1100" b="0" i="0" u="none" strike="noStrike">
+                        <a:solidFill>
+                          <a:srgbClr val="000000"/>
+                        </a:solidFill>
+                        <a:effectLst/>
+                        <a:latin typeface="等线" panose="02010600030101010101" pitchFamily="2" charset="-122"/>
+                        <a:ea typeface="等线" panose="02010600030101010101" pitchFamily="2" charset="-122"/>
+                      </a:endParaRPr>
+                    </a:p>
+                  </a:txBody>
+                  <a:tcPr marL="6350" marR="6350" marT="6350" marB="0" anchor="b"/>
+                </a:tc>
+                <a:tc>
+                  <a:txBody>
+                    <a:bodyPr/>
+                    <a:lstStyle/>
+                    <a:p>
+                      <a:pPr algn="r" fontAlgn="b"/>
+                      <a:r>
+                        <a:rPr lang="en-US" altLang="zh-CN" sz="1100" u="none" strike="noStrike">
+                          <a:effectLst/>
+                        </a:rPr>
+                        <a:t>0.9875</a:t>
+                      </a:r>
+                      <a:endParaRPr lang="en-US" altLang="zh-CN" sz="1100" b="0" i="0" u="none" strike="noStrike">
+                        <a:solidFill>
+                          <a:srgbClr val="006100"/>
+                        </a:solidFill>
+                        <a:effectLst/>
+                        <a:latin typeface="等线" panose="02010600030101010101" pitchFamily="2" charset="-122"/>
+                        <a:ea typeface="等线" panose="02010600030101010101" pitchFamily="2" charset="-122"/>
+                      </a:endParaRPr>
+                    </a:p>
+                  </a:txBody>
+                  <a:tcPr marL="6350" marR="6350" marT="6350" marB="0" anchor="b"/>
+                </a:tc>
+                <a:tc>
+                  <a:txBody>
+                    <a:bodyPr/>
+                    <a:lstStyle/>
+                    <a:p>
+                      <a:pPr algn="l" fontAlgn="b"/>
+                      <a:r>
+                        <a:rPr lang="en-US" altLang="zh-CN" sz="1100" u="none" strike="noStrike">
+                          <a:effectLst/>
+                        </a:rPr>
+                        <a:t>70%-30%</a:t>
+                      </a:r>
+                      <a:endParaRPr lang="en-US" altLang="zh-CN" sz="1100" b="0" i="0" u="none" strike="noStrike">
+                        <a:solidFill>
+                          <a:srgbClr val="000000"/>
+                        </a:solidFill>
+                        <a:effectLst/>
+                        <a:latin typeface="等线" panose="02010600030101010101" pitchFamily="2" charset="-122"/>
+                        <a:ea typeface="等线" panose="02010600030101010101" pitchFamily="2" charset="-122"/>
+                      </a:endParaRPr>
+                    </a:p>
+                  </a:txBody>
+                  <a:tcPr marL="6350" marR="6350" marT="6350" marB="0" anchor="b"/>
+                </a:tc>
+                <a:tc>
+                  <a:txBody>
+                    <a:bodyPr/>
+                    <a:lstStyle/>
+                    <a:p>
+                      <a:pPr algn="l" fontAlgn="b"/>
+                      <a:r>
+                        <a:rPr lang="en-US" sz="1100" u="none" strike="noStrike">
+                          <a:effectLst/>
+                        </a:rPr>
+                        <a:t>5nn</a:t>
+                      </a:r>
+                      <a:endParaRPr lang="en-US" sz="1100" b="0" i="0" u="none" strike="noStrike">
+                        <a:solidFill>
+                          <a:srgbClr val="000000"/>
+                        </a:solidFill>
+                        <a:effectLst/>
+                        <a:latin typeface="等线" panose="02010600030101010101" pitchFamily="2" charset="-122"/>
+                        <a:ea typeface="等线" panose="02010600030101010101" pitchFamily="2" charset="-122"/>
+                      </a:endParaRPr>
+                    </a:p>
+                  </a:txBody>
+                  <a:tcPr marL="6350" marR="6350" marT="6350" marB="0" anchor="b"/>
+                </a:tc>
+                <a:tc>
+                  <a:txBody>
+                    <a:bodyPr/>
+                    <a:lstStyle/>
+                    <a:p>
+                      <a:pPr algn="r" fontAlgn="b"/>
+                      <a:r>
+                        <a:rPr lang="en-US" altLang="zh-CN" sz="1100" u="none" strike="noStrike">
+                          <a:effectLst/>
+                        </a:rPr>
+                        <a:t>0.816666667</a:t>
+                      </a:r>
+                      <a:endParaRPr lang="en-US" altLang="zh-CN" sz="1100" b="0" i="0" u="none" strike="noStrike">
+                        <a:solidFill>
+                          <a:srgbClr val="000000"/>
+                        </a:solidFill>
+                        <a:effectLst/>
+                        <a:latin typeface="等线" panose="02010600030101010101" pitchFamily="2" charset="-122"/>
+                        <a:ea typeface="等线" panose="02010600030101010101" pitchFamily="2" charset="-122"/>
+                      </a:endParaRPr>
+                    </a:p>
+                  </a:txBody>
+                  <a:tcPr marL="6350" marR="6350" marT="6350" marB="0" anchor="b"/>
+                </a:tc>
+                <a:tc>
+                  <a:txBody>
+                    <a:bodyPr/>
+                    <a:lstStyle/>
+                    <a:p>
+                      <a:pPr algn="r" fontAlgn="b"/>
+                      <a:r>
+                        <a:rPr lang="en-US" altLang="zh-CN" sz="1100" u="none" strike="noStrike">
+                          <a:effectLst/>
+                        </a:rPr>
+                        <a:t>5.769230769</a:t>
+                      </a:r>
+                      <a:endParaRPr lang="en-US" altLang="zh-CN" sz="1100" b="0" i="0" u="none" strike="noStrike">
+                        <a:solidFill>
+                          <a:srgbClr val="000000"/>
+                        </a:solidFill>
+                        <a:effectLst/>
+                        <a:latin typeface="等线" panose="02010600030101010101" pitchFamily="2" charset="-122"/>
+                        <a:ea typeface="等线" panose="02010600030101010101" pitchFamily="2" charset="-122"/>
+                      </a:endParaRPr>
+                    </a:p>
+                  </a:txBody>
+                  <a:tcPr marL="6350" marR="6350" marT="6350" marB="0" anchor="b"/>
+                </a:tc>
+                <a:extLst>
+                  <a:ext uri="{0D108BD9-81ED-4DB2-BD59-A6C34878D82A}">
+                    <a16:rowId xmlns:a16="http://schemas.microsoft.com/office/drawing/2014/main" val="771944251"/>
+                  </a:ext>
+                </a:extLst>
+              </a:tr>
+              <a:tr h="177800">
+                <a:tc>
+                  <a:txBody>
+                    <a:bodyPr/>
+                    <a:lstStyle/>
+                    <a:p>
+                      <a:pPr algn="l" fontAlgn="b"/>
+                      <a:endParaRPr lang="zh-CN" altLang="en-US" sz="1100" b="0" i="0" u="none" strike="noStrike">
+                        <a:solidFill>
+                          <a:srgbClr val="000000"/>
+                        </a:solidFill>
+                        <a:effectLst/>
+                        <a:latin typeface="等线" panose="02010600030101010101" pitchFamily="2" charset="-122"/>
+                        <a:ea typeface="等线" panose="02010600030101010101" pitchFamily="2" charset="-122"/>
+                      </a:endParaRPr>
+                    </a:p>
+                  </a:txBody>
+                  <a:tcPr marL="6350" marR="6350" marT="6350" marB="0" anchor="b"/>
+                </a:tc>
+                <a:tc>
+                  <a:txBody>
+                    <a:bodyPr/>
+                    <a:lstStyle/>
+                    <a:p>
+                      <a:pPr algn="r" fontAlgn="b"/>
+                      <a:r>
+                        <a:rPr lang="en-US" altLang="zh-CN" sz="1100" u="none" strike="noStrike">
+                          <a:effectLst/>
+                        </a:rPr>
+                        <a:t>422.9198284</a:t>
+                      </a:r>
+                      <a:endParaRPr lang="en-US" altLang="zh-CN" sz="1100" b="0" i="0" u="none" strike="noStrike">
+                        <a:solidFill>
+                          <a:srgbClr val="000000"/>
+                        </a:solidFill>
+                        <a:effectLst/>
+                        <a:latin typeface="等线" panose="02010600030101010101" pitchFamily="2" charset="-122"/>
+                        <a:ea typeface="等线" panose="02010600030101010101" pitchFamily="2" charset="-122"/>
+                      </a:endParaRPr>
+                    </a:p>
+                  </a:txBody>
+                  <a:tcPr marL="6350" marR="6350" marT="6350" marB="0" anchor="b"/>
+                </a:tc>
+                <a:tc>
+                  <a:txBody>
+                    <a:bodyPr/>
+                    <a:lstStyle/>
+                    <a:p>
+                      <a:pPr algn="r" fontAlgn="b"/>
+                      <a:r>
+                        <a:rPr lang="en-US" altLang="zh-CN" sz="1100" u="none" strike="noStrike">
+                          <a:effectLst/>
+                        </a:rPr>
+                        <a:t>0.9874</a:t>
+                      </a:r>
+                      <a:endParaRPr lang="en-US" altLang="zh-CN" sz="1100" b="0" i="0" u="none" strike="noStrike">
+                        <a:solidFill>
+                          <a:srgbClr val="006100"/>
+                        </a:solidFill>
+                        <a:effectLst/>
+                        <a:latin typeface="等线" panose="02010600030101010101" pitchFamily="2" charset="-122"/>
+                        <a:ea typeface="等线" panose="02010600030101010101" pitchFamily="2" charset="-122"/>
+                      </a:endParaRPr>
+                    </a:p>
+                  </a:txBody>
+                  <a:tcPr marL="6350" marR="6350" marT="6350" marB="0" anchor="b"/>
+                </a:tc>
+                <a:tc>
+                  <a:txBody>
+                    <a:bodyPr/>
+                    <a:lstStyle/>
+                    <a:p>
+                      <a:pPr algn="l" fontAlgn="b"/>
+                      <a:r>
+                        <a:rPr lang="en-US" altLang="zh-CN" sz="1100" u="none" strike="noStrike">
+                          <a:effectLst/>
+                        </a:rPr>
+                        <a:t>70%-30%</a:t>
+                      </a:r>
+                      <a:endParaRPr lang="en-US" altLang="zh-CN" sz="1100" b="0" i="0" u="none" strike="noStrike">
+                        <a:solidFill>
+                          <a:srgbClr val="000000"/>
+                        </a:solidFill>
+                        <a:effectLst/>
+                        <a:latin typeface="等线" panose="02010600030101010101" pitchFamily="2" charset="-122"/>
+                        <a:ea typeface="等线" panose="02010600030101010101" pitchFamily="2" charset="-122"/>
+                      </a:endParaRPr>
+                    </a:p>
+                  </a:txBody>
+                  <a:tcPr marL="6350" marR="6350" marT="6350" marB="0" anchor="b"/>
+                </a:tc>
+                <a:tc>
+                  <a:txBody>
+                    <a:bodyPr/>
+                    <a:lstStyle/>
+                    <a:p>
+                      <a:pPr algn="l" fontAlgn="b"/>
+                      <a:r>
+                        <a:rPr lang="en-US" sz="1100" u="none" strike="noStrike">
+                          <a:effectLst/>
+                        </a:rPr>
+                        <a:t>SVM</a:t>
+                      </a:r>
+                      <a:endParaRPr lang="en-US" sz="1100" b="0" i="0" u="none" strike="noStrike">
+                        <a:solidFill>
+                          <a:srgbClr val="000000"/>
+                        </a:solidFill>
+                        <a:effectLst/>
+                        <a:latin typeface="等线" panose="02010600030101010101" pitchFamily="2" charset="-122"/>
+                        <a:ea typeface="等线" panose="02010600030101010101" pitchFamily="2" charset="-122"/>
+                      </a:endParaRPr>
+                    </a:p>
+                  </a:txBody>
+                  <a:tcPr marL="6350" marR="6350" marT="6350" marB="0" anchor="b"/>
+                </a:tc>
+                <a:tc>
+                  <a:txBody>
+                    <a:bodyPr/>
+                    <a:lstStyle/>
+                    <a:p>
+                      <a:pPr algn="r" fontAlgn="b"/>
+                      <a:r>
+                        <a:rPr lang="en-US" altLang="zh-CN" sz="1100" u="none" strike="noStrike">
+                          <a:effectLst/>
+                        </a:rPr>
+                        <a:t>0.966666667</a:t>
+                      </a:r>
+                      <a:endParaRPr lang="en-US" altLang="zh-CN" sz="1100" b="0" i="0" u="none" strike="noStrike">
+                        <a:solidFill>
+                          <a:srgbClr val="006100"/>
+                        </a:solidFill>
+                        <a:effectLst/>
+                        <a:latin typeface="等线" panose="02010600030101010101" pitchFamily="2" charset="-122"/>
+                        <a:ea typeface="等线" panose="02010600030101010101" pitchFamily="2" charset="-122"/>
+                      </a:endParaRPr>
+                    </a:p>
+                  </a:txBody>
+                  <a:tcPr marL="6350" marR="6350" marT="6350" marB="0" anchor="b"/>
+                </a:tc>
+                <a:tc>
+                  <a:txBody>
+                    <a:bodyPr/>
+                    <a:lstStyle/>
+                    <a:p>
+                      <a:pPr algn="r" fontAlgn="b"/>
+                      <a:r>
+                        <a:rPr lang="en-US" altLang="zh-CN" sz="1100" u="none" strike="noStrike">
+                          <a:effectLst/>
+                        </a:rPr>
+                        <a:t>0</a:t>
+                      </a:r>
+                      <a:endParaRPr lang="en-US" altLang="zh-CN" sz="1100" b="0" i="0" u="none" strike="noStrike">
+                        <a:solidFill>
+                          <a:srgbClr val="006100"/>
+                        </a:solidFill>
+                        <a:effectLst/>
+                        <a:latin typeface="等线" panose="02010600030101010101" pitchFamily="2" charset="-122"/>
+                        <a:ea typeface="等线" panose="02010600030101010101" pitchFamily="2" charset="-122"/>
+                      </a:endParaRPr>
+                    </a:p>
+                  </a:txBody>
+                  <a:tcPr marL="6350" marR="6350" marT="6350" marB="0" anchor="b"/>
+                </a:tc>
+                <a:extLst>
+                  <a:ext uri="{0D108BD9-81ED-4DB2-BD59-A6C34878D82A}">
+                    <a16:rowId xmlns:a16="http://schemas.microsoft.com/office/drawing/2014/main" val="3234816292"/>
+                  </a:ext>
+                </a:extLst>
+              </a:tr>
+              <a:tr h="177800">
+                <a:tc>
+                  <a:txBody>
+                    <a:bodyPr/>
+                    <a:lstStyle/>
+                    <a:p>
+                      <a:pPr algn="l" fontAlgn="b"/>
+                      <a:endParaRPr lang="zh-CN" altLang="en-US" sz="1100" b="0" i="0" u="none" strike="noStrike">
+                        <a:solidFill>
+                          <a:srgbClr val="000000"/>
+                        </a:solidFill>
+                        <a:effectLst/>
+                        <a:latin typeface="等线" panose="02010600030101010101" pitchFamily="2" charset="-122"/>
+                        <a:ea typeface="等线" panose="02010600030101010101" pitchFamily="2" charset="-122"/>
+                      </a:endParaRPr>
+                    </a:p>
+                  </a:txBody>
+                  <a:tcPr marL="6350" marR="6350" marT="6350" marB="0" anchor="b"/>
+                </a:tc>
+                <a:tc>
+                  <a:txBody>
+                    <a:bodyPr/>
+                    <a:lstStyle/>
+                    <a:p>
+                      <a:pPr algn="r" fontAlgn="b"/>
+                      <a:r>
+                        <a:rPr lang="en-US" altLang="zh-CN" sz="1100" u="none" strike="noStrike" dirty="0">
+                          <a:effectLst/>
+                        </a:rPr>
+                        <a:t>375.7532444</a:t>
+                      </a:r>
+                      <a:endParaRPr lang="en-US" altLang="zh-CN" sz="1100" b="0" i="0" u="none" strike="noStrike" dirty="0">
+                        <a:solidFill>
+                          <a:srgbClr val="000000"/>
+                        </a:solidFill>
+                        <a:effectLst/>
+                        <a:latin typeface="等线" panose="02010600030101010101" pitchFamily="2" charset="-122"/>
+                        <a:ea typeface="等线" panose="02010600030101010101" pitchFamily="2" charset="-122"/>
+                      </a:endParaRPr>
+                    </a:p>
+                  </a:txBody>
+                  <a:tcPr marL="6350" marR="6350" marT="6350" marB="0" anchor="b"/>
+                </a:tc>
+                <a:tc>
+                  <a:txBody>
+                    <a:bodyPr/>
+                    <a:lstStyle/>
+                    <a:p>
+                      <a:pPr algn="r" fontAlgn="b"/>
+                      <a:r>
+                        <a:rPr lang="en-US" altLang="zh-CN" sz="1100" u="none" strike="noStrike" dirty="0">
+                          <a:effectLst/>
+                        </a:rPr>
+                        <a:t>0.9874</a:t>
+                      </a:r>
+                      <a:endParaRPr lang="en-US" altLang="zh-CN" sz="1100" b="0" i="0" u="none" strike="noStrike" dirty="0">
+                        <a:solidFill>
+                          <a:srgbClr val="006100"/>
+                        </a:solidFill>
+                        <a:effectLst/>
+                        <a:latin typeface="等线" panose="02010600030101010101" pitchFamily="2" charset="-122"/>
+                        <a:ea typeface="等线" panose="02010600030101010101" pitchFamily="2" charset="-122"/>
+                      </a:endParaRPr>
+                    </a:p>
+                  </a:txBody>
+                  <a:tcPr marL="6350" marR="6350" marT="6350" marB="0" anchor="b"/>
+                </a:tc>
+                <a:tc>
+                  <a:txBody>
+                    <a:bodyPr/>
+                    <a:lstStyle/>
+                    <a:p>
+                      <a:pPr algn="l" fontAlgn="b"/>
+                      <a:r>
+                        <a:rPr lang="en-US" altLang="zh-CN" sz="1100" u="none" strike="noStrike">
+                          <a:effectLst/>
+                        </a:rPr>
+                        <a:t>70%-30%</a:t>
+                      </a:r>
+                      <a:endParaRPr lang="en-US" altLang="zh-CN" sz="1100" b="0" i="0" u="none" strike="noStrike">
+                        <a:solidFill>
+                          <a:srgbClr val="000000"/>
+                        </a:solidFill>
+                        <a:effectLst/>
+                        <a:latin typeface="等线" panose="02010600030101010101" pitchFamily="2" charset="-122"/>
+                        <a:ea typeface="等线" panose="02010600030101010101" pitchFamily="2" charset="-122"/>
+                      </a:endParaRPr>
+                    </a:p>
+                  </a:txBody>
+                  <a:tcPr marL="6350" marR="6350" marT="6350" marB="0" anchor="b"/>
+                </a:tc>
+                <a:tc>
+                  <a:txBody>
+                    <a:bodyPr/>
+                    <a:lstStyle/>
+                    <a:p>
+                      <a:pPr algn="l" fontAlgn="b"/>
+                      <a:r>
+                        <a:rPr lang="en-US" sz="1100" u="none" strike="noStrike">
+                          <a:effectLst/>
+                        </a:rPr>
+                        <a:t>Cart</a:t>
+                      </a:r>
+                      <a:endParaRPr lang="en-US" sz="1100" b="0" i="0" u="none" strike="noStrike">
+                        <a:solidFill>
+                          <a:srgbClr val="000000"/>
+                        </a:solidFill>
+                        <a:effectLst/>
+                        <a:latin typeface="等线" panose="02010600030101010101" pitchFamily="2" charset="-122"/>
+                        <a:ea typeface="等线" panose="02010600030101010101" pitchFamily="2" charset="-122"/>
+                      </a:endParaRPr>
+                    </a:p>
+                  </a:txBody>
+                  <a:tcPr marL="6350" marR="6350" marT="6350" marB="0" anchor="b"/>
+                </a:tc>
+                <a:tc>
+                  <a:txBody>
+                    <a:bodyPr/>
+                    <a:lstStyle/>
+                    <a:p>
+                      <a:pPr algn="r" fontAlgn="b"/>
+                      <a:r>
+                        <a:rPr lang="en-US" altLang="zh-CN" sz="1100" u="none" strike="noStrike">
+                          <a:effectLst/>
+                        </a:rPr>
+                        <a:t>0.8</a:t>
+                      </a:r>
+                      <a:endParaRPr lang="en-US" altLang="zh-CN" sz="1100" b="0" i="0" u="none" strike="noStrike">
+                        <a:solidFill>
+                          <a:srgbClr val="006100"/>
+                        </a:solidFill>
+                        <a:effectLst/>
+                        <a:latin typeface="等线" panose="02010600030101010101" pitchFamily="2" charset="-122"/>
+                        <a:ea typeface="等线" panose="02010600030101010101" pitchFamily="2" charset="-122"/>
+                      </a:endParaRPr>
+                    </a:p>
+                  </a:txBody>
+                  <a:tcPr marL="6350" marR="6350" marT="6350" marB="0" anchor="b"/>
+                </a:tc>
+                <a:tc>
+                  <a:txBody>
+                    <a:bodyPr/>
+                    <a:lstStyle/>
+                    <a:p>
+                      <a:pPr algn="r" fontAlgn="b"/>
+                      <a:r>
+                        <a:rPr lang="en-US" altLang="zh-CN" sz="1100" u="none" strike="noStrike" dirty="0">
+                          <a:effectLst/>
+                        </a:rPr>
+                        <a:t>0</a:t>
+                      </a:r>
+                      <a:endParaRPr lang="en-US" altLang="zh-CN" sz="1100" b="0" i="0" u="none" strike="noStrike" dirty="0">
+                        <a:solidFill>
+                          <a:srgbClr val="006100"/>
+                        </a:solidFill>
+                        <a:effectLst/>
+                        <a:latin typeface="等线" panose="02010600030101010101" pitchFamily="2" charset="-122"/>
+                        <a:ea typeface="等线" panose="02010600030101010101" pitchFamily="2" charset="-122"/>
+                      </a:endParaRPr>
+                    </a:p>
+                  </a:txBody>
+                  <a:tcPr marL="6350" marR="6350" marT="6350" marB="0" anchor="b"/>
+                </a:tc>
+                <a:extLst>
+                  <a:ext uri="{0D108BD9-81ED-4DB2-BD59-A6C34878D82A}">
+                    <a16:rowId xmlns:a16="http://schemas.microsoft.com/office/drawing/2014/main" val="2846630224"/>
+                  </a:ext>
+                </a:extLst>
+              </a:tr>
+            </a:tbl>
+          </a:graphicData>
+        </a:graphic>
+      </p:graphicFrame>
+      <p:sp>
+        <p:nvSpPr>
+          <p:cNvPr id="8" name="矩形 7">
+            <a:extLst>
+              <a:ext uri="{FF2B5EF4-FFF2-40B4-BE49-F238E27FC236}">
+                <a16:creationId xmlns:a16="http://schemas.microsoft.com/office/drawing/2014/main" id="{2FC2F0CD-609E-4A1B-AC40-D0763AED1FD9}"/>
+              </a:ext>
+            </a:extLst>
+          </p:cNvPr>
+          <p:cNvSpPr/>
+          <p:nvPr/>
+        </p:nvSpPr>
+        <p:spPr>
+          <a:xfrm>
+            <a:off x="1113549" y="1525369"/>
+            <a:ext cx="2645651" cy="646331"/>
+          </a:xfrm>
+          <a:prstGeom prst="rect">
+            <a:avLst/>
+          </a:prstGeom>
+          <a:noFill/>
+        </p:spPr>
+        <p:txBody>
+          <a:bodyPr wrap="square" lIns="91440" tIns="45720" rIns="91440" bIns="45720">
+            <a:spAutoFit/>
+          </a:bodyPr>
+          <a:lstStyle/>
+          <a:p>
+            <a:pPr algn="ctr"/>
+            <a:r>
+              <a:rPr lang="zh-CN" altLang="en-US" sz="3600" b="1" dirty="0">
+                <a:ln w="9525">
+                  <a:solidFill>
+                    <a:schemeClr val="bg1"/>
+                  </a:solidFill>
+                  <a:prstDash val="solid"/>
+                </a:ln>
+                <a:solidFill>
+                  <a:schemeClr val="accent5"/>
+                </a:solidFill>
+                <a:effectLst>
+                  <a:outerShdw blurRad="12700" dist="38100" dir="2700000" algn="tl" rotWithShape="0">
+                    <a:schemeClr val="accent5">
+                      <a:lumMod val="60000"/>
+                      <a:lumOff val="40000"/>
+                    </a:schemeClr>
+                  </a:outerShdw>
+                </a:effectLst>
+              </a:rPr>
+              <a:t>低维</a:t>
+            </a:r>
+            <a:r>
+              <a:rPr lang="en-US" altLang="zh-CN" sz="3600" b="1" dirty="0">
+                <a:ln w="9525">
+                  <a:solidFill>
+                    <a:schemeClr val="bg1"/>
+                  </a:solidFill>
+                  <a:prstDash val="solid"/>
+                </a:ln>
+                <a:solidFill>
+                  <a:schemeClr val="accent5"/>
+                </a:solidFill>
+                <a:effectLst>
+                  <a:outerShdw blurRad="12700" dist="38100" dir="2700000" algn="tl" rotWithShape="0">
+                    <a:schemeClr val="accent5">
+                      <a:lumMod val="60000"/>
+                      <a:lumOff val="40000"/>
+                    </a:schemeClr>
+                  </a:outerShdw>
+                </a:effectLst>
+              </a:rPr>
+              <a:t>Heart</a:t>
+            </a:r>
+            <a:endParaRPr lang="zh-CN" altLang="en-US" sz="3600" b="1" cap="none" spc="0" dirty="0">
+              <a:ln w="9525">
+                <a:solidFill>
+                  <a:schemeClr val="bg1"/>
+                </a:solidFill>
+                <a:prstDash val="solid"/>
+              </a:ln>
+              <a:solidFill>
+                <a:schemeClr val="accent5"/>
+              </a:solidFill>
+              <a:effectLst>
+                <a:outerShdw blurRad="12700" dist="38100" dir="2700000" algn="tl" rotWithShape="0">
+                  <a:schemeClr val="accent5">
+                    <a:lumMod val="60000"/>
+                    <a:lumOff val="40000"/>
+                  </a:schemeClr>
+                </a:outerShdw>
+              </a:effectLst>
+            </a:endParaRPr>
+          </a:p>
+        </p:txBody>
+      </p:sp>
+      <p:sp>
+        <p:nvSpPr>
+          <p:cNvPr id="9" name="矩形 8">
+            <a:extLst>
+              <a:ext uri="{FF2B5EF4-FFF2-40B4-BE49-F238E27FC236}">
+                <a16:creationId xmlns:a16="http://schemas.microsoft.com/office/drawing/2014/main" id="{D9CE61BB-A814-436C-9E8A-80528824287D}"/>
+              </a:ext>
+            </a:extLst>
+          </p:cNvPr>
+          <p:cNvSpPr/>
+          <p:nvPr/>
+        </p:nvSpPr>
+        <p:spPr>
+          <a:xfrm>
+            <a:off x="1113548" y="3093820"/>
+            <a:ext cx="2645651" cy="646331"/>
+          </a:xfrm>
+          <a:prstGeom prst="rect">
+            <a:avLst/>
+          </a:prstGeom>
+          <a:noFill/>
+        </p:spPr>
+        <p:txBody>
+          <a:bodyPr wrap="square" lIns="91440" tIns="45720" rIns="91440" bIns="45720">
+            <a:spAutoFit/>
+          </a:bodyPr>
+          <a:lstStyle/>
+          <a:p>
+            <a:pPr algn="ctr"/>
+            <a:r>
+              <a:rPr lang="zh-CN" altLang="en-US" sz="3600" b="1" dirty="0">
+                <a:ln w="9525">
+                  <a:solidFill>
+                    <a:schemeClr val="bg1"/>
+                  </a:solidFill>
+                  <a:prstDash val="solid"/>
+                </a:ln>
+                <a:solidFill>
+                  <a:schemeClr val="accent5"/>
+                </a:solidFill>
+                <a:effectLst>
+                  <a:outerShdw blurRad="12700" dist="38100" dir="2700000" algn="tl" rotWithShape="0">
+                    <a:schemeClr val="accent5">
+                      <a:lumMod val="60000"/>
+                      <a:lumOff val="40000"/>
+                    </a:schemeClr>
+                  </a:outerShdw>
+                </a:effectLst>
+              </a:rPr>
+              <a:t>中维</a:t>
+            </a:r>
+            <a:r>
+              <a:rPr lang="en-US" altLang="zh-CN" sz="3600" b="1" dirty="0">
+                <a:ln w="9525">
+                  <a:solidFill>
+                    <a:schemeClr val="bg1"/>
+                  </a:solidFill>
+                  <a:prstDash val="solid"/>
+                </a:ln>
+                <a:solidFill>
+                  <a:schemeClr val="accent5"/>
+                </a:solidFill>
+                <a:effectLst>
+                  <a:outerShdw blurRad="12700" dist="38100" dir="2700000" algn="tl" rotWithShape="0">
+                    <a:schemeClr val="accent5">
+                      <a:lumMod val="60000"/>
+                      <a:lumOff val="40000"/>
+                    </a:schemeClr>
+                  </a:outerShdw>
+                </a:effectLst>
+              </a:rPr>
+              <a:t>LSVT</a:t>
+            </a:r>
+            <a:endParaRPr lang="zh-CN" altLang="en-US" sz="3600" b="1" cap="none" spc="0" dirty="0">
+              <a:ln w="9525">
+                <a:solidFill>
+                  <a:schemeClr val="bg1"/>
+                </a:solidFill>
+                <a:prstDash val="solid"/>
+              </a:ln>
+              <a:solidFill>
+                <a:schemeClr val="accent5"/>
+              </a:solidFill>
+              <a:effectLst>
+                <a:outerShdw blurRad="12700" dist="38100" dir="2700000" algn="tl" rotWithShape="0">
+                  <a:schemeClr val="accent5">
+                    <a:lumMod val="60000"/>
+                    <a:lumOff val="40000"/>
+                  </a:schemeClr>
+                </a:outerShdw>
+              </a:effectLst>
+            </a:endParaRPr>
+          </a:p>
+        </p:txBody>
+      </p:sp>
+      <p:sp>
+        <p:nvSpPr>
+          <p:cNvPr id="10" name="矩形 9">
+            <a:extLst>
+              <a:ext uri="{FF2B5EF4-FFF2-40B4-BE49-F238E27FC236}">
+                <a16:creationId xmlns:a16="http://schemas.microsoft.com/office/drawing/2014/main" id="{8209049E-B1A7-43E7-AB39-E883D30C4CF4}"/>
+              </a:ext>
+            </a:extLst>
+          </p:cNvPr>
+          <p:cNvSpPr/>
+          <p:nvPr/>
+        </p:nvSpPr>
+        <p:spPr>
+          <a:xfrm>
+            <a:off x="1113547" y="4605122"/>
+            <a:ext cx="2645651" cy="646331"/>
+          </a:xfrm>
+          <a:prstGeom prst="rect">
+            <a:avLst/>
+          </a:prstGeom>
+          <a:noFill/>
+        </p:spPr>
+        <p:txBody>
+          <a:bodyPr wrap="square" lIns="91440" tIns="45720" rIns="91440" bIns="45720">
+            <a:spAutoFit/>
+          </a:bodyPr>
+          <a:lstStyle/>
+          <a:p>
+            <a:pPr algn="ctr"/>
+            <a:r>
+              <a:rPr lang="zh-CN" altLang="en-US" sz="3600" b="1" dirty="0">
+                <a:ln w="9525">
+                  <a:solidFill>
+                    <a:schemeClr val="bg1"/>
+                  </a:solidFill>
+                  <a:prstDash val="solid"/>
+                </a:ln>
+                <a:solidFill>
+                  <a:schemeClr val="accent5"/>
+                </a:solidFill>
+                <a:effectLst>
+                  <a:outerShdw blurRad="12700" dist="38100" dir="2700000" algn="tl" rotWithShape="0">
+                    <a:schemeClr val="accent5">
+                      <a:lumMod val="60000"/>
+                      <a:lumOff val="40000"/>
+                    </a:schemeClr>
+                  </a:outerShdw>
+                </a:effectLst>
+              </a:rPr>
+              <a:t>高维</a:t>
+            </a:r>
+            <a:r>
+              <a:rPr lang="en-US" altLang="zh-CN" sz="3600" b="1" dirty="0" err="1">
+                <a:ln w="9525">
+                  <a:solidFill>
+                    <a:schemeClr val="bg1"/>
+                  </a:solidFill>
+                  <a:prstDash val="solid"/>
+                </a:ln>
+                <a:solidFill>
+                  <a:schemeClr val="accent5"/>
+                </a:solidFill>
+                <a:effectLst>
+                  <a:outerShdw blurRad="12700" dist="38100" dir="2700000" algn="tl" rotWithShape="0">
+                    <a:schemeClr val="accent5">
+                      <a:lumMod val="60000"/>
+                      <a:lumOff val="40000"/>
+                    </a:schemeClr>
+                  </a:outerShdw>
+                </a:effectLst>
+              </a:rPr>
+              <a:t>Arcene</a:t>
+            </a:r>
+            <a:endParaRPr lang="zh-CN" altLang="en-US" sz="3600" b="1" cap="none" spc="0" dirty="0">
+              <a:ln w="9525">
+                <a:solidFill>
+                  <a:schemeClr val="bg1"/>
+                </a:solidFill>
+                <a:prstDash val="solid"/>
+              </a:ln>
+              <a:solidFill>
+                <a:schemeClr val="accent5"/>
+              </a:solidFill>
+              <a:effectLst>
+                <a:outerShdw blurRad="12700" dist="38100" dir="2700000" algn="tl" rotWithShape="0">
+                  <a:schemeClr val="accent5">
+                    <a:lumMod val="60000"/>
+                    <a:lumOff val="40000"/>
+                  </a:schemeClr>
+                </a:outerShdw>
+              </a:effectLst>
+            </a:endParaRPr>
+          </a:p>
+        </p:txBody>
+      </p:sp>
+    </p:spTree>
+    <p:extLst>
+      <p:ext uri="{BB962C8B-B14F-4D97-AF65-F5344CB8AC3E}">
+        <p14:creationId xmlns:p14="http://schemas.microsoft.com/office/powerpoint/2010/main" val="3934815896"/>
+      </p:ext>
+    </p:extLst>
+  </p:cSld>
+  <p:clrMapOvr>
+    <a:masterClrMapping/>
+  </p:clrMapOvr>
+</p:sld>
+</file>
+
+<file path=ppt/slides/slide13.xml><?xml version="1.0" encoding="utf-8"?>
+<p:sld xmlns:a="http://schemas.openxmlformats.org/drawingml/2006/main" xmlns:r="http://schemas.openxmlformats.org/officeDocument/2006/relationships" xmlns:p="http://schemas.openxmlformats.org/presentationml/2006/main">
+  <p:cSld>
+    <p:spTree>
+      <p:nvGrpSpPr>
+        <p:cNvPr id="1" name=""/>
+        <p:cNvGrpSpPr/>
+        <p:nvPr/>
+      </p:nvGrpSpPr>
+      <p:grpSpPr>
+        <a:xfrm>
+          <a:off x="0" y="0"/>
+          <a:ext cx="0" cy="0"/>
+          <a:chOff x="0" y="0"/>
+          <a:chExt cx="0" cy="0"/>
+        </a:xfrm>
+      </p:grpSpPr>
+      <p:sp>
+        <p:nvSpPr>
+          <p:cNvPr id="2" name="标题 1">
+            <a:extLst>
+              <a:ext uri="{FF2B5EF4-FFF2-40B4-BE49-F238E27FC236}">
+                <a16:creationId xmlns:a16="http://schemas.microsoft.com/office/drawing/2014/main" id="{814A3B83-F138-4CA9-ACDF-FD6D4313F32F}"/>
+              </a:ext>
+            </a:extLst>
+          </p:cNvPr>
+          <p:cNvSpPr>
+            <a:spLocks noGrp="1"/>
+          </p:cNvSpPr>
+          <p:nvPr>
+            <p:ph type="title"/>
+          </p:nvPr>
+        </p:nvSpPr>
+        <p:spPr/>
+        <p:txBody>
+          <a:bodyPr/>
+          <a:lstStyle/>
+          <a:p>
+            <a:r>
+              <a:rPr lang="en-US" altLang="zh-CN" dirty="0"/>
+              <a:t>Lasso</a:t>
+            </a:r>
+            <a:r>
+              <a:rPr lang="zh-CN" altLang="en-US" dirty="0"/>
+              <a:t>结果</a:t>
+            </a:r>
+          </a:p>
+        </p:txBody>
+      </p:sp>
+      <mc:AlternateContent xmlns:mc="http://schemas.openxmlformats.org/markup-compatibility/2006">
+        <mc:Choice xmlns:a14="http://schemas.microsoft.com/office/drawing/2010/main" Requires="a14">
+          <p:sp>
+            <p:nvSpPr>
+              <p:cNvPr id="3" name="竖排文字占位符 2">
+                <a:extLst>
+                  <a:ext uri="{FF2B5EF4-FFF2-40B4-BE49-F238E27FC236}">
+                    <a16:creationId xmlns:a16="http://schemas.microsoft.com/office/drawing/2014/main" id="{0DDDBC52-1374-4382-8C40-20FF63549B08}"/>
+                  </a:ext>
+                </a:extLst>
+              </p:cNvPr>
+              <p:cNvSpPr>
+                <a:spLocks noGrp="1"/>
+              </p:cNvSpPr>
+              <p:nvPr>
+                <p:ph type="body" orient="vert" idx="1"/>
+              </p:nvPr>
+            </p:nvSpPr>
+            <p:spPr>
+              <a:xfrm>
+                <a:off x="1371600" y="1498600"/>
+                <a:ext cx="9601200" cy="4819650"/>
+              </a:xfrm>
+            </p:spPr>
+            <p:txBody>
+              <a:bodyPr vert="horz">
+                <a:normAutofit lnSpcReduction="10000"/>
+              </a:bodyPr>
+              <a:lstStyle/>
+              <a:p>
+                <a:r>
+                  <a:rPr lang="zh-CN" altLang="en-US" dirty="0"/>
+                  <a:t>低维度数据</a:t>
+                </a:r>
+                <a:endParaRPr lang="en-US" altLang="zh-CN" dirty="0"/>
+              </a:p>
+              <a:p>
+                <a:pPr lvl="1"/>
+                <a:r>
+                  <a:rPr lang="zh-CN" altLang="en-US" dirty="0"/>
+                  <a:t>分类效果较好</a:t>
+                </a:r>
+                <a:endParaRPr lang="en-US" altLang="zh-CN" dirty="0"/>
+              </a:p>
+              <a:p>
+                <a:pPr lvl="1"/>
+                <a:r>
+                  <a:rPr lang="zh-CN" altLang="en-US" dirty="0"/>
+                  <a:t>由不同数据集特性，</a:t>
+                </a:r>
+                <a:r>
+                  <a:rPr lang="en-US" altLang="zh-CN" dirty="0"/>
+                  <a:t> 0~30% </a:t>
+                </a:r>
+                <a:r>
+                  <a:rPr lang="zh-CN" altLang="en-US" dirty="0"/>
+                  <a:t>，维度缩减效果不明显</a:t>
+                </a:r>
+                <a:endParaRPr lang="en-US" altLang="zh-CN" dirty="0"/>
+              </a:p>
+              <a:p>
+                <a:r>
+                  <a:rPr lang="zh-CN" altLang="en-US" dirty="0"/>
+                  <a:t>中维度数据与高纬度数据</a:t>
+                </a:r>
+                <a:endParaRPr lang="en-US" altLang="zh-CN" dirty="0"/>
+              </a:p>
+              <a:p>
+                <a:pPr lvl="1"/>
+                <a:r>
+                  <a:rPr lang="zh-CN" altLang="en-US" dirty="0"/>
+                  <a:t>维度缩减十分明显，</a:t>
+                </a:r>
+                <a14:m>
+                  <m:oMath xmlns:m="http://schemas.openxmlformats.org/officeDocument/2006/math">
+                    <m:r>
+                      <a:rPr lang="en-US" altLang="zh-CN" b="0" i="1" smtClean="0">
+                        <a:latin typeface="Cambria Math" panose="02040503050406030204" pitchFamily="18" charset="0"/>
+                      </a:rPr>
+                      <m:t>≥99%</m:t>
+                    </m:r>
+                  </m:oMath>
+                </a14:m>
+                <a:endParaRPr lang="en-US" altLang="zh-CN" dirty="0"/>
+              </a:p>
+              <a:p>
+                <a:pPr lvl="1"/>
+                <a:r>
+                  <a:rPr lang="zh-CN" altLang="en-US" dirty="0"/>
+                  <a:t>效果由数据集特性，不同程度打折扣</a:t>
+                </a:r>
+                <a:endParaRPr lang="en-US" altLang="zh-CN" dirty="0"/>
+              </a:p>
+              <a:p>
+                <a:r>
+                  <a:rPr lang="zh-CN" altLang="en-US" dirty="0"/>
+                  <a:t>高维度的速度不如 </a:t>
+                </a:r>
+                <a:r>
+                  <a:rPr lang="en-US" altLang="zh-CN" dirty="0"/>
+                  <a:t>FSFOA</a:t>
+                </a:r>
+              </a:p>
+              <a:p>
+                <a:r>
+                  <a:rPr lang="en-US" altLang="zh-CN" dirty="0"/>
+                  <a:t>Lasso</a:t>
+                </a:r>
+                <a:r>
+                  <a:rPr lang="zh-CN" altLang="en-US" dirty="0"/>
+                  <a:t>不具有持续维度缩减的能力</a:t>
+                </a:r>
+                <a:endParaRPr lang="en-US" altLang="zh-CN" dirty="0"/>
+              </a:p>
+              <a:p>
+                <a:endParaRPr lang="en-US" altLang="zh-CN" dirty="0"/>
+              </a:p>
+              <a:p>
+                <a:r>
+                  <a:rPr lang="zh-CN" altLang="en-US" dirty="0"/>
+                  <a:t>线性学习器评价的局限性</a:t>
+                </a:r>
+                <a:endParaRPr lang="en-US" altLang="zh-CN" dirty="0"/>
+              </a:p>
+              <a:p>
+                <a:r>
+                  <a:rPr lang="zh-CN" altLang="en-US" dirty="0"/>
+                  <a:t>准确率和维度缩减做一个折衷</a:t>
+                </a:r>
+                <a:endParaRPr lang="en-US" altLang="zh-CN" dirty="0"/>
+              </a:p>
+              <a:p>
+                <a:r>
+                  <a:rPr lang="zh-CN" altLang="en-US" dirty="0"/>
+                  <a:t>提升速度和持续缩减能力</a:t>
+                </a:r>
+                <a:endParaRPr lang="en-US" altLang="zh-CN" dirty="0"/>
+              </a:p>
+              <a:p>
+                <a:pPr lvl="1"/>
+                <a:endParaRPr lang="en-US" altLang="zh-CN" dirty="0"/>
+              </a:p>
+              <a:p>
+                <a:pPr lvl="1"/>
+                <a:endParaRPr lang="en-US" altLang="zh-CN" dirty="0"/>
+              </a:p>
+              <a:p>
+                <a:endParaRPr lang="en-US" altLang="zh-CN" dirty="0"/>
+              </a:p>
+              <a:p>
+                <a:endParaRPr lang="en-US" altLang="zh-CN" dirty="0"/>
+              </a:p>
+            </p:txBody>
+          </p:sp>
+        </mc:Choice>
+        <mc:Fallback>
+          <p:sp>
+            <p:nvSpPr>
+              <p:cNvPr id="3" name="竖排文字占位符 2">
+                <a:extLst>
+                  <a:ext uri="{FF2B5EF4-FFF2-40B4-BE49-F238E27FC236}">
+                    <a16:creationId xmlns:a16="http://schemas.microsoft.com/office/drawing/2014/main" id="{0DDDBC52-1374-4382-8C40-20FF63549B08}"/>
+                  </a:ext>
+                </a:extLst>
+              </p:cNvPr>
+              <p:cNvSpPr>
+                <a:spLocks noGrp="1" noRot="1" noChangeAspect="1" noMove="1" noResize="1" noEditPoints="1" noAdjustHandles="1" noChangeArrowheads="1" noChangeShapeType="1" noTextEdit="1"/>
+              </p:cNvSpPr>
+              <p:nvPr>
+                <p:ph type="body" orient="vert" idx="1"/>
+              </p:nvPr>
+            </p:nvSpPr>
+            <p:spPr>
+              <a:xfrm>
+                <a:off x="1371600" y="1498600"/>
+                <a:ext cx="9601200" cy="4819650"/>
+              </a:xfrm>
+              <a:blipFill>
+                <a:blip r:embed="rId2"/>
+                <a:stretch>
+                  <a:fillRect l="-571" t="-1519"/>
+                </a:stretch>
+              </a:blipFill>
+            </p:spPr>
+            <p:txBody>
+              <a:bodyPr/>
+              <a:lstStyle/>
+              <a:p>
+                <a:r>
+                  <a:rPr lang="zh-CN" altLang="en-US">
+                    <a:noFill/>
+                  </a:rPr>
+                  <a:t> </a:t>
+                </a:r>
+              </a:p>
+            </p:txBody>
+          </p:sp>
+        </mc:Fallback>
+      </mc:AlternateContent>
+      <p:graphicFrame>
+        <p:nvGraphicFramePr>
+          <p:cNvPr id="4" name="表格 3">
+            <a:extLst>
+              <a:ext uri="{FF2B5EF4-FFF2-40B4-BE49-F238E27FC236}">
+                <a16:creationId xmlns:a16="http://schemas.microsoft.com/office/drawing/2014/main" id="{DBCEC76F-9090-41EF-95DB-5BC622E8DE07}"/>
+              </a:ext>
+            </a:extLst>
+          </p:cNvPr>
+          <p:cNvGraphicFramePr>
+            <a:graphicFrameLocks noGrp="1"/>
+          </p:cNvGraphicFramePr>
+          <p:nvPr>
+            <p:extLst>
+              <p:ext uri="{D42A27DB-BD31-4B8C-83A1-F6EECF244321}">
+                <p14:modId xmlns:p14="http://schemas.microsoft.com/office/powerpoint/2010/main" val="3317349607"/>
+              </p:ext>
+            </p:extLst>
+          </p:nvPr>
+        </p:nvGraphicFramePr>
+        <p:xfrm>
+          <a:off x="9029700" y="1730375"/>
+          <a:ext cx="2495550" cy="1130300"/>
+        </p:xfrm>
+        <a:graphic>
+          <a:graphicData uri="http://schemas.openxmlformats.org/drawingml/2006/table">
+            <a:tbl>
+              <a:tblPr>
+                <a:tableStyleId>{5C22544A-7EE6-4342-B048-85BDC9FD1C3A}</a:tableStyleId>
+              </a:tblPr>
+              <a:tblGrid>
+                <a:gridCol w="1447124">
+                  <a:extLst>
+                    <a:ext uri="{9D8B030D-6E8A-4147-A177-3AD203B41FA5}">
+                      <a16:colId xmlns:a16="http://schemas.microsoft.com/office/drawing/2014/main" val="1850193063"/>
+                    </a:ext>
+                  </a:extLst>
+                </a:gridCol>
+                <a:gridCol w="1048426">
+                  <a:extLst>
+                    <a:ext uri="{9D8B030D-6E8A-4147-A177-3AD203B41FA5}">
+                      <a16:colId xmlns:a16="http://schemas.microsoft.com/office/drawing/2014/main" val="247262251"/>
+                    </a:ext>
+                  </a:extLst>
+                </a:gridCol>
+              </a:tblGrid>
+              <a:tr h="226060">
+                <a:tc>
+                  <a:txBody>
+                    <a:bodyPr/>
+                    <a:lstStyle/>
+                    <a:p>
+                      <a:pPr algn="l" fontAlgn="b"/>
+                      <a:r>
+                        <a:rPr lang="en-US" sz="1100" u="none" strike="noStrike">
+                          <a:effectLst/>
+                        </a:rPr>
+                        <a:t>AC</a:t>
+                      </a:r>
+                      <a:endParaRPr lang="en-US" sz="1100" b="0" i="0" u="none" strike="noStrike">
+                        <a:solidFill>
+                          <a:srgbClr val="000000"/>
+                        </a:solidFill>
+                        <a:effectLst/>
+                        <a:latin typeface="等线" panose="02010600030101010101" pitchFamily="2" charset="-122"/>
+                        <a:ea typeface="等线" panose="02010600030101010101" pitchFamily="2" charset="-122"/>
+                      </a:endParaRPr>
+                    </a:p>
+                  </a:txBody>
+                  <a:tcPr marL="6350" marR="6350" marT="6350" marB="0" anchor="b"/>
+                </a:tc>
+                <a:tc>
+                  <a:txBody>
+                    <a:bodyPr/>
+                    <a:lstStyle/>
+                    <a:p>
+                      <a:pPr algn="l" fontAlgn="b"/>
+                      <a:r>
+                        <a:rPr lang="en-US" sz="1100" u="none" strike="noStrike">
+                          <a:effectLst/>
+                        </a:rPr>
+                        <a:t>Acc Delta</a:t>
+                      </a:r>
+                      <a:endParaRPr lang="en-US" sz="1100" b="0" i="0" u="none" strike="noStrike">
+                        <a:solidFill>
+                          <a:srgbClr val="000000"/>
+                        </a:solidFill>
+                        <a:effectLst/>
+                        <a:latin typeface="等线" panose="02010600030101010101" pitchFamily="2" charset="-122"/>
+                        <a:ea typeface="等线" panose="02010600030101010101" pitchFamily="2" charset="-122"/>
+                      </a:endParaRPr>
+                    </a:p>
+                  </a:txBody>
+                  <a:tcPr marL="6350" marR="6350" marT="6350" marB="0" anchor="b"/>
+                </a:tc>
+                <a:extLst>
+                  <a:ext uri="{0D108BD9-81ED-4DB2-BD59-A6C34878D82A}">
+                    <a16:rowId xmlns:a16="http://schemas.microsoft.com/office/drawing/2014/main" val="2690699807"/>
+                  </a:ext>
+                </a:extLst>
+              </a:tr>
+              <a:tr h="226060">
+                <a:tc>
+                  <a:txBody>
+                    <a:bodyPr/>
+                    <a:lstStyle/>
+                    <a:p>
+                      <a:pPr algn="r" fontAlgn="b"/>
+                      <a:r>
+                        <a:rPr lang="en-US" altLang="zh-CN" sz="1100" u="none" strike="noStrike">
+                          <a:effectLst/>
+                        </a:rPr>
+                        <a:t>0.85</a:t>
+                      </a:r>
+                      <a:endParaRPr lang="en-US" altLang="zh-CN" sz="1100" b="0" i="0" u="none" strike="noStrike">
+                        <a:solidFill>
+                          <a:srgbClr val="000000"/>
+                        </a:solidFill>
+                        <a:effectLst/>
+                        <a:latin typeface="等线" panose="02010600030101010101" pitchFamily="2" charset="-122"/>
+                        <a:ea typeface="等线" panose="02010600030101010101" pitchFamily="2" charset="-122"/>
+                      </a:endParaRPr>
+                    </a:p>
+                  </a:txBody>
+                  <a:tcPr marL="6350" marR="6350" marT="6350" marB="0" anchor="b"/>
+                </a:tc>
+                <a:tc>
+                  <a:txBody>
+                    <a:bodyPr/>
+                    <a:lstStyle/>
+                    <a:p>
+                      <a:pPr algn="r" fontAlgn="b"/>
+                      <a:r>
+                        <a:rPr lang="en-US" altLang="zh-CN" sz="1100" u="none" strike="noStrike">
+                          <a:effectLst/>
+                        </a:rPr>
+                        <a:t>10.27777778</a:t>
+                      </a:r>
+                      <a:endParaRPr lang="en-US" altLang="zh-CN" sz="1100" b="0" i="0" u="none" strike="noStrike">
+                        <a:solidFill>
+                          <a:srgbClr val="000000"/>
+                        </a:solidFill>
+                        <a:effectLst/>
+                        <a:latin typeface="等线" panose="02010600030101010101" pitchFamily="2" charset="-122"/>
+                        <a:ea typeface="等线" panose="02010600030101010101" pitchFamily="2" charset="-122"/>
+                      </a:endParaRPr>
+                    </a:p>
+                  </a:txBody>
+                  <a:tcPr marL="6350" marR="6350" marT="6350" marB="0" anchor="b"/>
+                </a:tc>
+                <a:extLst>
+                  <a:ext uri="{0D108BD9-81ED-4DB2-BD59-A6C34878D82A}">
+                    <a16:rowId xmlns:a16="http://schemas.microsoft.com/office/drawing/2014/main" val="3553869573"/>
+                  </a:ext>
+                </a:extLst>
+              </a:tr>
+              <a:tr h="226060">
+                <a:tc>
+                  <a:txBody>
+                    <a:bodyPr/>
+                    <a:lstStyle/>
+                    <a:p>
+                      <a:pPr algn="r" fontAlgn="b"/>
+                      <a:r>
+                        <a:rPr lang="en-US" altLang="zh-CN" sz="1100" u="none" strike="noStrike">
+                          <a:effectLst/>
+                        </a:rPr>
+                        <a:t>0.855769231</a:t>
+                      </a:r>
+                      <a:endParaRPr lang="en-US" altLang="zh-CN" sz="1100" b="0" i="0" u="none" strike="noStrike">
+                        <a:solidFill>
+                          <a:srgbClr val="000000"/>
+                        </a:solidFill>
+                        <a:effectLst/>
+                        <a:latin typeface="等线" panose="02010600030101010101" pitchFamily="2" charset="-122"/>
+                        <a:ea typeface="等线" panose="02010600030101010101" pitchFamily="2" charset="-122"/>
+                      </a:endParaRPr>
+                    </a:p>
+                  </a:txBody>
+                  <a:tcPr marL="6350" marR="6350" marT="6350" marB="0" anchor="b"/>
+                </a:tc>
+                <a:tc>
+                  <a:txBody>
+                    <a:bodyPr/>
+                    <a:lstStyle/>
+                    <a:p>
+                      <a:pPr algn="r" fontAlgn="b"/>
+                      <a:r>
+                        <a:rPr lang="en-US" altLang="zh-CN" sz="1100" u="none" strike="noStrike">
+                          <a:effectLst/>
+                        </a:rPr>
+                        <a:t>9.668803419</a:t>
+                      </a:r>
+                      <a:endParaRPr lang="en-US" altLang="zh-CN" sz="1100" b="0" i="0" u="none" strike="noStrike">
+                        <a:solidFill>
+                          <a:srgbClr val="000000"/>
+                        </a:solidFill>
+                        <a:effectLst/>
+                        <a:latin typeface="等线" panose="02010600030101010101" pitchFamily="2" charset="-122"/>
+                        <a:ea typeface="等线" panose="02010600030101010101" pitchFamily="2" charset="-122"/>
+                      </a:endParaRPr>
+                    </a:p>
+                  </a:txBody>
+                  <a:tcPr marL="6350" marR="6350" marT="6350" marB="0" anchor="b"/>
+                </a:tc>
+                <a:extLst>
+                  <a:ext uri="{0D108BD9-81ED-4DB2-BD59-A6C34878D82A}">
+                    <a16:rowId xmlns:a16="http://schemas.microsoft.com/office/drawing/2014/main" val="3779198985"/>
+                  </a:ext>
+                </a:extLst>
+              </a:tr>
+              <a:tr h="226060">
+                <a:tc>
+                  <a:txBody>
+                    <a:bodyPr/>
+                    <a:lstStyle/>
+                    <a:p>
+                      <a:pPr algn="r" fontAlgn="b"/>
+                      <a:r>
+                        <a:rPr lang="en-US" altLang="zh-CN" sz="1100" u="none" strike="noStrike" dirty="0">
+                          <a:effectLst/>
+                        </a:rPr>
+                        <a:t>0.930128205</a:t>
+                      </a:r>
+                      <a:endParaRPr lang="en-US" altLang="zh-CN" sz="1100" b="0" i="0" u="none" strike="noStrike" dirty="0">
+                        <a:solidFill>
+                          <a:srgbClr val="000000"/>
+                        </a:solidFill>
+                        <a:effectLst/>
+                        <a:latin typeface="等线" panose="02010600030101010101" pitchFamily="2" charset="-122"/>
+                        <a:ea typeface="等线" panose="02010600030101010101" pitchFamily="2" charset="-122"/>
+                      </a:endParaRPr>
+                    </a:p>
+                  </a:txBody>
+                  <a:tcPr marL="6350" marR="6350" marT="6350" marB="0" anchor="b"/>
+                </a:tc>
+                <a:tc>
+                  <a:txBody>
+                    <a:bodyPr/>
+                    <a:lstStyle/>
+                    <a:p>
+                      <a:pPr algn="r" fontAlgn="b"/>
+                      <a:r>
+                        <a:rPr lang="en-US" altLang="zh-CN" sz="1100" u="none" strike="noStrike">
+                          <a:effectLst/>
+                        </a:rPr>
+                        <a:t>1.81980057</a:t>
+                      </a:r>
+                      <a:endParaRPr lang="en-US" altLang="zh-CN" sz="1100" b="0" i="0" u="none" strike="noStrike">
+                        <a:solidFill>
+                          <a:srgbClr val="000000"/>
+                        </a:solidFill>
+                        <a:effectLst/>
+                        <a:latin typeface="等线" panose="02010600030101010101" pitchFamily="2" charset="-122"/>
+                        <a:ea typeface="等线" panose="02010600030101010101" pitchFamily="2" charset="-122"/>
+                      </a:endParaRPr>
+                    </a:p>
+                  </a:txBody>
+                  <a:tcPr marL="6350" marR="6350" marT="6350" marB="0" anchor="b"/>
+                </a:tc>
+                <a:extLst>
+                  <a:ext uri="{0D108BD9-81ED-4DB2-BD59-A6C34878D82A}">
+                    <a16:rowId xmlns:a16="http://schemas.microsoft.com/office/drawing/2014/main" val="2042732752"/>
+                  </a:ext>
+                </a:extLst>
+              </a:tr>
+              <a:tr h="226060">
+                <a:tc>
+                  <a:txBody>
+                    <a:bodyPr/>
+                    <a:lstStyle/>
+                    <a:p>
+                      <a:pPr algn="r" fontAlgn="b"/>
+                      <a:r>
+                        <a:rPr lang="en-US" altLang="zh-CN" sz="1100" u="none" strike="noStrike">
+                          <a:effectLst/>
+                        </a:rPr>
+                        <a:t>0.769871795</a:t>
+                      </a:r>
+                      <a:endParaRPr lang="en-US" altLang="zh-CN" sz="1100" b="0" i="0" u="none" strike="noStrike">
+                        <a:solidFill>
+                          <a:srgbClr val="000000"/>
+                        </a:solidFill>
+                        <a:effectLst/>
+                        <a:latin typeface="等线" panose="02010600030101010101" pitchFamily="2" charset="-122"/>
+                        <a:ea typeface="等线" panose="02010600030101010101" pitchFamily="2" charset="-122"/>
+                      </a:endParaRPr>
+                    </a:p>
+                  </a:txBody>
+                  <a:tcPr marL="6350" marR="6350" marT="6350" marB="0" anchor="b"/>
+                </a:tc>
+                <a:tc>
+                  <a:txBody>
+                    <a:bodyPr/>
+                    <a:lstStyle/>
+                    <a:p>
+                      <a:pPr algn="r" fontAlgn="b"/>
+                      <a:r>
+                        <a:rPr lang="en-US" altLang="zh-CN" sz="1100" u="none" strike="noStrike" dirty="0">
+                          <a:effectLst/>
+                        </a:rPr>
+                        <a:t>16.41391941</a:t>
+                      </a:r>
+                      <a:endParaRPr lang="en-US" altLang="zh-CN" sz="1100" b="0" i="0" u="none" strike="noStrike" dirty="0">
+                        <a:solidFill>
+                          <a:srgbClr val="000000"/>
+                        </a:solidFill>
+                        <a:effectLst/>
+                        <a:latin typeface="等线" panose="02010600030101010101" pitchFamily="2" charset="-122"/>
+                        <a:ea typeface="等线" panose="02010600030101010101" pitchFamily="2" charset="-122"/>
+                      </a:endParaRPr>
+                    </a:p>
+                  </a:txBody>
+                  <a:tcPr marL="6350" marR="6350" marT="6350" marB="0" anchor="b"/>
+                </a:tc>
+                <a:extLst>
+                  <a:ext uri="{0D108BD9-81ED-4DB2-BD59-A6C34878D82A}">
+                    <a16:rowId xmlns:a16="http://schemas.microsoft.com/office/drawing/2014/main" val="288861139"/>
+                  </a:ext>
+                </a:extLst>
+              </a:tr>
+            </a:tbl>
+          </a:graphicData>
+        </a:graphic>
+      </p:graphicFrame>
+      <p:graphicFrame>
+        <p:nvGraphicFramePr>
+          <p:cNvPr id="5" name="表格 4">
+            <a:extLst>
+              <a:ext uri="{FF2B5EF4-FFF2-40B4-BE49-F238E27FC236}">
+                <a16:creationId xmlns:a16="http://schemas.microsoft.com/office/drawing/2014/main" id="{A53126E0-8A67-43BF-874C-F142FA2136AF}"/>
+              </a:ext>
+            </a:extLst>
+          </p:cNvPr>
+          <p:cNvGraphicFramePr>
+            <a:graphicFrameLocks noGrp="1"/>
+          </p:cNvGraphicFramePr>
+          <p:nvPr>
+            <p:extLst>
+              <p:ext uri="{D42A27DB-BD31-4B8C-83A1-F6EECF244321}">
+                <p14:modId xmlns:p14="http://schemas.microsoft.com/office/powerpoint/2010/main" val="1510712912"/>
+              </p:ext>
+            </p:extLst>
+          </p:nvPr>
+        </p:nvGraphicFramePr>
+        <p:xfrm>
+          <a:off x="9029700" y="3125787"/>
+          <a:ext cx="2495550" cy="1130300"/>
+        </p:xfrm>
+        <a:graphic>
+          <a:graphicData uri="http://schemas.openxmlformats.org/drawingml/2006/table">
+            <a:tbl>
+              <a:tblPr>
+                <a:tableStyleId>{5C22544A-7EE6-4342-B048-85BDC9FD1C3A}</a:tableStyleId>
+              </a:tblPr>
+              <a:tblGrid>
+                <a:gridCol w="1352337">
+                  <a:extLst>
+                    <a:ext uri="{9D8B030D-6E8A-4147-A177-3AD203B41FA5}">
+                      <a16:colId xmlns:a16="http://schemas.microsoft.com/office/drawing/2014/main" val="2287293400"/>
+                    </a:ext>
+                  </a:extLst>
+                </a:gridCol>
+                <a:gridCol w="1143213">
+                  <a:extLst>
+                    <a:ext uri="{9D8B030D-6E8A-4147-A177-3AD203B41FA5}">
+                      <a16:colId xmlns:a16="http://schemas.microsoft.com/office/drawing/2014/main" val="1016780233"/>
+                    </a:ext>
+                  </a:extLst>
+                </a:gridCol>
+              </a:tblGrid>
+              <a:tr h="226060">
+                <a:tc>
+                  <a:txBody>
+                    <a:bodyPr/>
+                    <a:lstStyle/>
+                    <a:p>
+                      <a:pPr algn="l" fontAlgn="b"/>
+                      <a:r>
+                        <a:rPr lang="en-US" sz="1100" u="none" strike="noStrike" dirty="0">
+                          <a:effectLst/>
+                        </a:rPr>
+                        <a:t>AC</a:t>
+                      </a:r>
+                      <a:endParaRPr lang="en-US" sz="1100" b="0" i="0" u="none" strike="noStrike" dirty="0">
+                        <a:solidFill>
+                          <a:srgbClr val="000000"/>
+                        </a:solidFill>
+                        <a:effectLst/>
+                        <a:latin typeface="等线" panose="02010600030101010101" pitchFamily="2" charset="-122"/>
+                        <a:ea typeface="等线" panose="02010600030101010101" pitchFamily="2" charset="-122"/>
+                      </a:endParaRPr>
+                    </a:p>
+                  </a:txBody>
+                  <a:tcPr marL="6350" marR="6350" marT="6350" marB="0" anchor="b"/>
+                </a:tc>
+                <a:tc>
+                  <a:txBody>
+                    <a:bodyPr/>
+                    <a:lstStyle/>
+                    <a:p>
+                      <a:pPr algn="l" fontAlgn="b"/>
+                      <a:r>
+                        <a:rPr lang="en-US" sz="1100" u="none" strike="noStrike">
+                          <a:effectLst/>
+                        </a:rPr>
+                        <a:t>Acc Delta</a:t>
+                      </a:r>
+                      <a:endParaRPr lang="en-US" sz="1100" b="0" i="0" u="none" strike="noStrike">
+                        <a:solidFill>
+                          <a:srgbClr val="000000"/>
+                        </a:solidFill>
+                        <a:effectLst/>
+                        <a:latin typeface="等线" panose="02010600030101010101" pitchFamily="2" charset="-122"/>
+                        <a:ea typeface="等线" panose="02010600030101010101" pitchFamily="2" charset="-122"/>
+                      </a:endParaRPr>
+                    </a:p>
+                  </a:txBody>
+                  <a:tcPr marL="6350" marR="6350" marT="6350" marB="0" anchor="b"/>
+                </a:tc>
+                <a:extLst>
+                  <a:ext uri="{0D108BD9-81ED-4DB2-BD59-A6C34878D82A}">
+                    <a16:rowId xmlns:a16="http://schemas.microsoft.com/office/drawing/2014/main" val="4086855684"/>
+                  </a:ext>
+                </a:extLst>
+              </a:tr>
+              <a:tr h="226060">
+                <a:tc>
+                  <a:txBody>
+                    <a:bodyPr/>
+                    <a:lstStyle/>
+                    <a:p>
+                      <a:pPr algn="r" fontAlgn="b"/>
+                      <a:r>
+                        <a:rPr lang="en-US" altLang="zh-CN" sz="1100" u="none" strike="noStrike">
+                          <a:effectLst/>
+                        </a:rPr>
+                        <a:t>0.736842105</a:t>
+                      </a:r>
+                      <a:endParaRPr lang="en-US" altLang="zh-CN" sz="1100" b="0" i="0" u="none" strike="noStrike">
+                        <a:solidFill>
+                          <a:srgbClr val="000000"/>
+                        </a:solidFill>
+                        <a:effectLst/>
+                        <a:latin typeface="等线" panose="02010600030101010101" pitchFamily="2" charset="-122"/>
+                        <a:ea typeface="等线" panose="02010600030101010101" pitchFamily="2" charset="-122"/>
+                      </a:endParaRPr>
+                    </a:p>
+                  </a:txBody>
+                  <a:tcPr marL="6350" marR="6350" marT="6350" marB="0" anchor="b"/>
+                </a:tc>
+                <a:tc>
+                  <a:txBody>
+                    <a:bodyPr/>
+                    <a:lstStyle/>
+                    <a:p>
+                      <a:pPr algn="r" fontAlgn="b"/>
+                      <a:r>
+                        <a:rPr lang="en-US" altLang="zh-CN" sz="1100" u="none" strike="noStrike">
+                          <a:effectLst/>
+                        </a:rPr>
+                        <a:t>22.22222222</a:t>
+                      </a:r>
+                      <a:endParaRPr lang="en-US" altLang="zh-CN" sz="1100" b="0" i="0" u="none" strike="noStrike">
+                        <a:solidFill>
+                          <a:srgbClr val="000000"/>
+                        </a:solidFill>
+                        <a:effectLst/>
+                        <a:latin typeface="等线" panose="02010600030101010101" pitchFamily="2" charset="-122"/>
+                        <a:ea typeface="等线" panose="02010600030101010101" pitchFamily="2" charset="-122"/>
+                      </a:endParaRPr>
+                    </a:p>
+                  </a:txBody>
+                  <a:tcPr marL="6350" marR="6350" marT="6350" marB="0" anchor="b"/>
+                </a:tc>
+                <a:extLst>
+                  <a:ext uri="{0D108BD9-81ED-4DB2-BD59-A6C34878D82A}">
+                    <a16:rowId xmlns:a16="http://schemas.microsoft.com/office/drawing/2014/main" val="4186769500"/>
+                  </a:ext>
+                </a:extLst>
+              </a:tr>
+              <a:tr h="226060">
+                <a:tc>
+                  <a:txBody>
+                    <a:bodyPr/>
+                    <a:lstStyle/>
+                    <a:p>
+                      <a:pPr algn="r" fontAlgn="b"/>
+                      <a:r>
+                        <a:rPr lang="en-US" altLang="zh-CN" sz="1100" u="none" strike="noStrike" dirty="0">
+                          <a:effectLst/>
+                        </a:rPr>
+                        <a:t>0.684210526</a:t>
+                      </a:r>
+                      <a:endParaRPr lang="en-US" altLang="zh-CN" sz="1100" b="0" i="0" u="none" strike="noStrike" dirty="0">
+                        <a:solidFill>
+                          <a:srgbClr val="000000"/>
+                        </a:solidFill>
+                        <a:effectLst/>
+                        <a:latin typeface="等线" panose="02010600030101010101" pitchFamily="2" charset="-122"/>
+                        <a:ea typeface="等线" panose="02010600030101010101" pitchFamily="2" charset="-122"/>
+                      </a:endParaRPr>
+                    </a:p>
+                  </a:txBody>
+                  <a:tcPr marL="6350" marR="6350" marT="6350" marB="0" anchor="b"/>
+                </a:tc>
+                <a:tc>
+                  <a:txBody>
+                    <a:bodyPr/>
+                    <a:lstStyle/>
+                    <a:p>
+                      <a:pPr algn="r" fontAlgn="b"/>
+                      <a:r>
+                        <a:rPr lang="en-US" altLang="zh-CN" sz="1100" u="none" strike="noStrike">
+                          <a:effectLst/>
+                        </a:rPr>
+                        <a:t>31.57894737</a:t>
+                      </a:r>
+                      <a:endParaRPr lang="en-US" altLang="zh-CN" sz="1100" b="0" i="0" u="none" strike="noStrike">
+                        <a:solidFill>
+                          <a:srgbClr val="000000"/>
+                        </a:solidFill>
+                        <a:effectLst/>
+                        <a:latin typeface="等线" panose="02010600030101010101" pitchFamily="2" charset="-122"/>
+                        <a:ea typeface="等线" panose="02010600030101010101" pitchFamily="2" charset="-122"/>
+                      </a:endParaRPr>
+                    </a:p>
+                  </a:txBody>
+                  <a:tcPr marL="6350" marR="6350" marT="6350" marB="0" anchor="b"/>
+                </a:tc>
+                <a:extLst>
+                  <a:ext uri="{0D108BD9-81ED-4DB2-BD59-A6C34878D82A}">
+                    <a16:rowId xmlns:a16="http://schemas.microsoft.com/office/drawing/2014/main" val="2542775648"/>
+                  </a:ext>
+                </a:extLst>
+              </a:tr>
+              <a:tr h="226060">
+                <a:tc>
+                  <a:txBody>
+                    <a:bodyPr/>
+                    <a:lstStyle/>
+                    <a:p>
+                      <a:pPr algn="r" fontAlgn="b"/>
+                      <a:r>
+                        <a:rPr lang="en-US" altLang="zh-CN" sz="1100" u="none" strike="noStrike">
+                          <a:effectLst/>
+                        </a:rPr>
+                        <a:t>0.736842105</a:t>
+                      </a:r>
+                      <a:endParaRPr lang="en-US" altLang="zh-CN" sz="1100" b="0" i="0" u="none" strike="noStrike">
+                        <a:solidFill>
+                          <a:srgbClr val="000000"/>
+                        </a:solidFill>
+                        <a:effectLst/>
+                        <a:latin typeface="等线" panose="02010600030101010101" pitchFamily="2" charset="-122"/>
+                        <a:ea typeface="等线" panose="02010600030101010101" pitchFamily="2" charset="-122"/>
+                      </a:endParaRPr>
+                    </a:p>
+                  </a:txBody>
+                  <a:tcPr marL="6350" marR="6350" marT="6350" marB="0" anchor="b"/>
+                </a:tc>
+                <a:tc>
+                  <a:txBody>
+                    <a:bodyPr/>
+                    <a:lstStyle/>
+                    <a:p>
+                      <a:pPr algn="r" fontAlgn="b"/>
+                      <a:r>
+                        <a:rPr lang="en-US" altLang="zh-CN" sz="1100" u="none" strike="noStrike">
+                          <a:effectLst/>
+                        </a:rPr>
+                        <a:t>26.31578947</a:t>
+                      </a:r>
+                      <a:endParaRPr lang="en-US" altLang="zh-CN" sz="1100" b="0" i="0" u="none" strike="noStrike">
+                        <a:solidFill>
+                          <a:srgbClr val="000000"/>
+                        </a:solidFill>
+                        <a:effectLst/>
+                        <a:latin typeface="等线" panose="02010600030101010101" pitchFamily="2" charset="-122"/>
+                        <a:ea typeface="等线" panose="02010600030101010101" pitchFamily="2" charset="-122"/>
+                      </a:endParaRPr>
+                    </a:p>
+                  </a:txBody>
+                  <a:tcPr marL="6350" marR="6350" marT="6350" marB="0" anchor="b"/>
+                </a:tc>
+                <a:extLst>
+                  <a:ext uri="{0D108BD9-81ED-4DB2-BD59-A6C34878D82A}">
+                    <a16:rowId xmlns:a16="http://schemas.microsoft.com/office/drawing/2014/main" val="2290009799"/>
+                  </a:ext>
+                </a:extLst>
+              </a:tr>
+              <a:tr h="226060">
+                <a:tc>
+                  <a:txBody>
+                    <a:bodyPr/>
+                    <a:lstStyle/>
+                    <a:p>
+                      <a:pPr algn="r" fontAlgn="b"/>
+                      <a:r>
+                        <a:rPr lang="en-US" altLang="zh-CN" sz="1100" u="none" strike="noStrike">
+                          <a:effectLst/>
+                        </a:rPr>
+                        <a:t>0.684210526</a:t>
+                      </a:r>
+                      <a:endParaRPr lang="en-US" altLang="zh-CN" sz="1100" b="0" i="0" u="none" strike="noStrike">
+                        <a:solidFill>
+                          <a:srgbClr val="000000"/>
+                        </a:solidFill>
+                        <a:effectLst/>
+                        <a:latin typeface="等线" panose="02010600030101010101" pitchFamily="2" charset="-122"/>
+                        <a:ea typeface="等线" panose="02010600030101010101" pitchFamily="2" charset="-122"/>
+                      </a:endParaRPr>
+                    </a:p>
+                  </a:txBody>
+                  <a:tcPr marL="6350" marR="6350" marT="6350" marB="0" anchor="b"/>
+                </a:tc>
+                <a:tc>
+                  <a:txBody>
+                    <a:bodyPr/>
+                    <a:lstStyle/>
+                    <a:p>
+                      <a:pPr algn="r" fontAlgn="b"/>
+                      <a:r>
+                        <a:rPr lang="en-US" altLang="zh-CN" sz="1100" u="none" strike="noStrike" dirty="0">
+                          <a:effectLst/>
+                        </a:rPr>
+                        <a:t>27.77777778</a:t>
+                      </a:r>
+                      <a:endParaRPr lang="en-US" altLang="zh-CN" sz="1100" b="0" i="0" u="none" strike="noStrike" dirty="0">
+                        <a:solidFill>
+                          <a:srgbClr val="000000"/>
+                        </a:solidFill>
+                        <a:effectLst/>
+                        <a:latin typeface="等线" panose="02010600030101010101" pitchFamily="2" charset="-122"/>
+                        <a:ea typeface="等线" panose="02010600030101010101" pitchFamily="2" charset="-122"/>
+                      </a:endParaRPr>
+                    </a:p>
+                  </a:txBody>
+                  <a:tcPr marL="6350" marR="6350" marT="6350" marB="0" anchor="b"/>
+                </a:tc>
+                <a:extLst>
+                  <a:ext uri="{0D108BD9-81ED-4DB2-BD59-A6C34878D82A}">
+                    <a16:rowId xmlns:a16="http://schemas.microsoft.com/office/drawing/2014/main" val="2795212958"/>
+                  </a:ext>
+                </a:extLst>
+              </a:tr>
+            </a:tbl>
+          </a:graphicData>
+        </a:graphic>
+      </p:graphicFrame>
+      <p:graphicFrame>
+        <p:nvGraphicFramePr>
+          <p:cNvPr id="6" name="表格 5">
+            <a:extLst>
+              <a:ext uri="{FF2B5EF4-FFF2-40B4-BE49-F238E27FC236}">
+                <a16:creationId xmlns:a16="http://schemas.microsoft.com/office/drawing/2014/main" id="{FB16B7D0-D94B-4D2D-8883-45230960FF5D}"/>
+              </a:ext>
+            </a:extLst>
+          </p:cNvPr>
+          <p:cNvGraphicFramePr>
+            <a:graphicFrameLocks noGrp="1"/>
+          </p:cNvGraphicFramePr>
+          <p:nvPr>
+            <p:extLst>
+              <p:ext uri="{D42A27DB-BD31-4B8C-83A1-F6EECF244321}">
+                <p14:modId xmlns:p14="http://schemas.microsoft.com/office/powerpoint/2010/main" val="4271807838"/>
+              </p:ext>
+            </p:extLst>
+          </p:nvPr>
+        </p:nvGraphicFramePr>
+        <p:xfrm>
+          <a:off x="9029700" y="4521200"/>
+          <a:ext cx="2495550" cy="1130300"/>
+        </p:xfrm>
+        <a:graphic>
+          <a:graphicData uri="http://schemas.openxmlformats.org/drawingml/2006/table">
+            <a:tbl>
+              <a:tblPr>
+                <a:tableStyleId>{5C22544A-7EE6-4342-B048-85BDC9FD1C3A}</a:tableStyleId>
+              </a:tblPr>
+              <a:tblGrid>
+                <a:gridCol w="1349794">
+                  <a:extLst>
+                    <a:ext uri="{9D8B030D-6E8A-4147-A177-3AD203B41FA5}">
+                      <a16:colId xmlns:a16="http://schemas.microsoft.com/office/drawing/2014/main" val="2243471140"/>
+                    </a:ext>
+                  </a:extLst>
+                </a:gridCol>
+                <a:gridCol w="1145756">
+                  <a:extLst>
+                    <a:ext uri="{9D8B030D-6E8A-4147-A177-3AD203B41FA5}">
+                      <a16:colId xmlns:a16="http://schemas.microsoft.com/office/drawing/2014/main" val="4255163295"/>
+                    </a:ext>
+                  </a:extLst>
+                </a:gridCol>
+              </a:tblGrid>
+              <a:tr h="226060">
+                <a:tc>
+                  <a:txBody>
+                    <a:bodyPr/>
+                    <a:lstStyle/>
+                    <a:p>
+                      <a:pPr algn="l" fontAlgn="b"/>
+                      <a:r>
+                        <a:rPr lang="en-US" sz="1100" u="none" strike="noStrike" dirty="0">
+                          <a:effectLst/>
+                        </a:rPr>
+                        <a:t>AC</a:t>
+                      </a:r>
+                      <a:endParaRPr lang="en-US" sz="1100" b="0" i="0" u="none" strike="noStrike" dirty="0">
+                        <a:solidFill>
+                          <a:srgbClr val="000000"/>
+                        </a:solidFill>
+                        <a:effectLst/>
+                        <a:latin typeface="等线" panose="02010600030101010101" pitchFamily="2" charset="-122"/>
+                        <a:ea typeface="等线" panose="02010600030101010101" pitchFamily="2" charset="-122"/>
+                      </a:endParaRPr>
+                    </a:p>
+                  </a:txBody>
+                  <a:tcPr marL="6350" marR="6350" marT="6350" marB="0" anchor="b"/>
+                </a:tc>
+                <a:tc>
+                  <a:txBody>
+                    <a:bodyPr/>
+                    <a:lstStyle/>
+                    <a:p>
+                      <a:pPr algn="l" fontAlgn="b"/>
+                      <a:r>
+                        <a:rPr lang="en-US" sz="1100" u="none" strike="noStrike" dirty="0">
+                          <a:effectLst/>
+                        </a:rPr>
+                        <a:t>Acc Delta</a:t>
+                      </a:r>
+                      <a:endParaRPr lang="en-US" sz="1100" b="0" i="0" u="none" strike="noStrike" dirty="0">
+                        <a:solidFill>
+                          <a:srgbClr val="000000"/>
+                        </a:solidFill>
+                        <a:effectLst/>
+                        <a:latin typeface="等线" panose="02010600030101010101" pitchFamily="2" charset="-122"/>
+                        <a:ea typeface="等线" panose="02010600030101010101" pitchFamily="2" charset="-122"/>
+                      </a:endParaRPr>
+                    </a:p>
+                  </a:txBody>
+                  <a:tcPr marL="6350" marR="6350" marT="6350" marB="0" anchor="b"/>
+                </a:tc>
+                <a:extLst>
+                  <a:ext uri="{0D108BD9-81ED-4DB2-BD59-A6C34878D82A}">
+                    <a16:rowId xmlns:a16="http://schemas.microsoft.com/office/drawing/2014/main" val="3423955855"/>
+                  </a:ext>
+                </a:extLst>
+              </a:tr>
+              <a:tr h="226060">
+                <a:tc>
+                  <a:txBody>
+                    <a:bodyPr/>
+                    <a:lstStyle/>
+                    <a:p>
+                      <a:pPr algn="r" fontAlgn="b"/>
+                      <a:r>
+                        <a:rPr lang="en-US" altLang="zh-CN" sz="1100" u="none" strike="noStrike" dirty="0">
+                          <a:effectLst/>
+                        </a:rPr>
+                        <a:t>0.8</a:t>
+                      </a:r>
+                      <a:endParaRPr lang="en-US" altLang="zh-CN" sz="1100" b="0" i="0" u="none" strike="noStrike" dirty="0">
+                        <a:solidFill>
+                          <a:srgbClr val="000000"/>
+                        </a:solidFill>
+                        <a:effectLst/>
+                        <a:latin typeface="等线" panose="02010600030101010101" pitchFamily="2" charset="-122"/>
+                        <a:ea typeface="等线" panose="02010600030101010101" pitchFamily="2" charset="-122"/>
+                      </a:endParaRPr>
+                    </a:p>
+                  </a:txBody>
+                  <a:tcPr marL="6350" marR="6350" marT="6350" marB="0" anchor="b"/>
+                </a:tc>
+                <a:tc>
+                  <a:txBody>
+                    <a:bodyPr/>
+                    <a:lstStyle/>
+                    <a:p>
+                      <a:pPr algn="r" fontAlgn="b"/>
+                      <a:r>
+                        <a:rPr lang="en-US" altLang="zh-CN" sz="1100" u="none" strike="noStrike">
+                          <a:effectLst/>
+                        </a:rPr>
+                        <a:t>9.433962264</a:t>
+                      </a:r>
+                      <a:endParaRPr lang="en-US" altLang="zh-CN" sz="1100" b="0" i="0" u="none" strike="noStrike">
+                        <a:solidFill>
+                          <a:srgbClr val="000000"/>
+                        </a:solidFill>
+                        <a:effectLst/>
+                        <a:latin typeface="等线" panose="02010600030101010101" pitchFamily="2" charset="-122"/>
+                        <a:ea typeface="等线" panose="02010600030101010101" pitchFamily="2" charset="-122"/>
+                      </a:endParaRPr>
+                    </a:p>
+                  </a:txBody>
+                  <a:tcPr marL="6350" marR="6350" marT="6350" marB="0" anchor="b"/>
+                </a:tc>
+                <a:extLst>
+                  <a:ext uri="{0D108BD9-81ED-4DB2-BD59-A6C34878D82A}">
+                    <a16:rowId xmlns:a16="http://schemas.microsoft.com/office/drawing/2014/main" val="4068032101"/>
+                  </a:ext>
+                </a:extLst>
+              </a:tr>
+              <a:tr h="226060">
+                <a:tc>
+                  <a:txBody>
+                    <a:bodyPr/>
+                    <a:lstStyle/>
+                    <a:p>
+                      <a:pPr algn="r" fontAlgn="b"/>
+                      <a:r>
+                        <a:rPr lang="en-US" altLang="zh-CN" sz="1100" u="none" strike="noStrike">
+                          <a:effectLst/>
+                        </a:rPr>
+                        <a:t>0.816666667</a:t>
+                      </a:r>
+                      <a:endParaRPr lang="en-US" altLang="zh-CN" sz="1100" b="0" i="0" u="none" strike="noStrike">
+                        <a:solidFill>
+                          <a:srgbClr val="000000"/>
+                        </a:solidFill>
+                        <a:effectLst/>
+                        <a:latin typeface="等线" panose="02010600030101010101" pitchFamily="2" charset="-122"/>
+                        <a:ea typeface="等线" panose="02010600030101010101" pitchFamily="2" charset="-122"/>
+                      </a:endParaRPr>
+                    </a:p>
+                  </a:txBody>
+                  <a:tcPr marL="6350" marR="6350" marT="6350" marB="0" anchor="b"/>
+                </a:tc>
+                <a:tc>
+                  <a:txBody>
+                    <a:bodyPr/>
+                    <a:lstStyle/>
+                    <a:p>
+                      <a:pPr algn="r" fontAlgn="b"/>
+                      <a:r>
+                        <a:rPr lang="en-US" altLang="zh-CN" sz="1100" u="none" strike="noStrike">
+                          <a:effectLst/>
+                        </a:rPr>
+                        <a:t>5.769230769</a:t>
+                      </a:r>
+                      <a:endParaRPr lang="en-US" altLang="zh-CN" sz="1100" b="0" i="0" u="none" strike="noStrike">
+                        <a:solidFill>
+                          <a:srgbClr val="000000"/>
+                        </a:solidFill>
+                        <a:effectLst/>
+                        <a:latin typeface="等线" panose="02010600030101010101" pitchFamily="2" charset="-122"/>
+                        <a:ea typeface="等线" panose="02010600030101010101" pitchFamily="2" charset="-122"/>
+                      </a:endParaRPr>
+                    </a:p>
+                  </a:txBody>
+                  <a:tcPr marL="6350" marR="6350" marT="6350" marB="0" anchor="b"/>
+                </a:tc>
+                <a:extLst>
+                  <a:ext uri="{0D108BD9-81ED-4DB2-BD59-A6C34878D82A}">
+                    <a16:rowId xmlns:a16="http://schemas.microsoft.com/office/drawing/2014/main" val="3043978737"/>
+                  </a:ext>
+                </a:extLst>
+              </a:tr>
+              <a:tr h="226060">
+                <a:tc>
+                  <a:txBody>
+                    <a:bodyPr/>
+                    <a:lstStyle/>
+                    <a:p>
+                      <a:pPr algn="r" fontAlgn="b"/>
+                      <a:r>
+                        <a:rPr lang="en-US" altLang="zh-CN" sz="1100" u="none" strike="noStrike">
+                          <a:effectLst/>
+                        </a:rPr>
+                        <a:t>0.966666667</a:t>
+                      </a:r>
+                      <a:endParaRPr lang="en-US" altLang="zh-CN" sz="1100" b="0" i="0" u="none" strike="noStrike">
+                        <a:solidFill>
+                          <a:srgbClr val="006100"/>
+                        </a:solidFill>
+                        <a:effectLst/>
+                        <a:latin typeface="等线" panose="02010600030101010101" pitchFamily="2" charset="-122"/>
+                        <a:ea typeface="等线" panose="02010600030101010101" pitchFamily="2" charset="-122"/>
+                      </a:endParaRPr>
+                    </a:p>
+                  </a:txBody>
+                  <a:tcPr marL="6350" marR="6350" marT="6350" marB="0" anchor="b"/>
+                </a:tc>
+                <a:tc>
+                  <a:txBody>
+                    <a:bodyPr/>
+                    <a:lstStyle/>
+                    <a:p>
+                      <a:pPr algn="r" fontAlgn="b"/>
+                      <a:r>
+                        <a:rPr lang="en-US" altLang="zh-CN" sz="1100" u="none" strike="noStrike">
+                          <a:effectLst/>
+                        </a:rPr>
+                        <a:t>0</a:t>
+                      </a:r>
+                      <a:endParaRPr lang="en-US" altLang="zh-CN" sz="1100" b="0" i="0" u="none" strike="noStrike">
+                        <a:solidFill>
+                          <a:srgbClr val="006100"/>
+                        </a:solidFill>
+                        <a:effectLst/>
+                        <a:latin typeface="等线" panose="02010600030101010101" pitchFamily="2" charset="-122"/>
+                        <a:ea typeface="等线" panose="02010600030101010101" pitchFamily="2" charset="-122"/>
+                      </a:endParaRPr>
+                    </a:p>
+                  </a:txBody>
+                  <a:tcPr marL="6350" marR="6350" marT="6350" marB="0" anchor="b"/>
+                </a:tc>
+                <a:extLst>
+                  <a:ext uri="{0D108BD9-81ED-4DB2-BD59-A6C34878D82A}">
+                    <a16:rowId xmlns:a16="http://schemas.microsoft.com/office/drawing/2014/main" val="859921368"/>
+                  </a:ext>
+                </a:extLst>
+              </a:tr>
+              <a:tr h="226060">
+                <a:tc>
+                  <a:txBody>
+                    <a:bodyPr/>
+                    <a:lstStyle/>
+                    <a:p>
+                      <a:pPr algn="r" fontAlgn="b"/>
+                      <a:r>
+                        <a:rPr lang="en-US" altLang="zh-CN" sz="1100" u="none" strike="noStrike" dirty="0">
+                          <a:effectLst/>
+                        </a:rPr>
+                        <a:t>0.8</a:t>
+                      </a:r>
+                      <a:endParaRPr lang="en-US" altLang="zh-CN" sz="1100" b="0" i="0" u="none" strike="noStrike" dirty="0">
+                        <a:solidFill>
+                          <a:srgbClr val="006100"/>
+                        </a:solidFill>
+                        <a:effectLst/>
+                        <a:latin typeface="等线" panose="02010600030101010101" pitchFamily="2" charset="-122"/>
+                        <a:ea typeface="等线" panose="02010600030101010101" pitchFamily="2" charset="-122"/>
+                      </a:endParaRPr>
+                    </a:p>
+                  </a:txBody>
+                  <a:tcPr marL="6350" marR="6350" marT="6350" marB="0" anchor="b"/>
+                </a:tc>
+                <a:tc>
+                  <a:txBody>
+                    <a:bodyPr/>
+                    <a:lstStyle/>
+                    <a:p>
+                      <a:pPr algn="r" fontAlgn="b"/>
+                      <a:r>
+                        <a:rPr lang="en-US" altLang="zh-CN" sz="1100" u="none" strike="noStrike" dirty="0">
+                          <a:effectLst/>
+                        </a:rPr>
+                        <a:t>0</a:t>
+                      </a:r>
+                      <a:endParaRPr lang="en-US" altLang="zh-CN" sz="1100" b="0" i="0" u="none" strike="noStrike" dirty="0">
+                        <a:solidFill>
+                          <a:srgbClr val="006100"/>
+                        </a:solidFill>
+                        <a:effectLst/>
+                        <a:latin typeface="等线" panose="02010600030101010101" pitchFamily="2" charset="-122"/>
+                        <a:ea typeface="等线" panose="02010600030101010101" pitchFamily="2" charset="-122"/>
+                      </a:endParaRPr>
+                    </a:p>
+                  </a:txBody>
+                  <a:tcPr marL="6350" marR="6350" marT="6350" marB="0" anchor="b"/>
+                </a:tc>
+                <a:extLst>
+                  <a:ext uri="{0D108BD9-81ED-4DB2-BD59-A6C34878D82A}">
+                    <a16:rowId xmlns:a16="http://schemas.microsoft.com/office/drawing/2014/main" val="3279457430"/>
+                  </a:ext>
+                </a:extLst>
+              </a:tr>
+            </a:tbl>
+          </a:graphicData>
+        </a:graphic>
+      </p:graphicFrame>
+    </p:spTree>
+    <p:extLst>
+      <p:ext uri="{BB962C8B-B14F-4D97-AF65-F5344CB8AC3E}">
+        <p14:creationId xmlns:p14="http://schemas.microsoft.com/office/powerpoint/2010/main" val="369129544"/>
+      </p:ext>
+    </p:extLst>
+  </p:cSld>
+  <p:clrMapOvr>
+    <a:masterClrMapping/>
+  </p:clrMapOvr>
+</p:sld>
+</file>
+
+<file path=ppt/slides/slide14.xml><?xml version="1.0" encoding="utf-8"?>
+<p:sld xmlns:a="http://schemas.openxmlformats.org/drawingml/2006/main" xmlns:r="http://schemas.openxmlformats.org/officeDocument/2006/relationships" xmlns:p="http://schemas.openxmlformats.org/presentationml/2006/main">
+  <p:cSld>
+    <p:spTree>
+      <p:nvGrpSpPr>
+        <p:cNvPr id="1" name=""/>
+        <p:cNvGrpSpPr/>
+        <p:nvPr/>
+      </p:nvGrpSpPr>
+      <p:grpSpPr>
+        <a:xfrm>
+          <a:off x="0" y="0"/>
+          <a:ext cx="0" cy="0"/>
+          <a:chOff x="0" y="0"/>
+          <a:chExt cx="0" cy="0"/>
+        </a:xfrm>
+      </p:grpSpPr>
+      <p:sp>
+        <p:nvSpPr>
+          <p:cNvPr id="2" name="标题 1">
+            <a:extLst>
+              <a:ext uri="{FF2B5EF4-FFF2-40B4-BE49-F238E27FC236}">
+                <a16:creationId xmlns:a16="http://schemas.microsoft.com/office/drawing/2014/main" id="{814A3B83-F138-4CA9-ACDF-FD6D4313F32F}"/>
+              </a:ext>
+            </a:extLst>
+          </p:cNvPr>
+          <p:cNvSpPr>
+            <a:spLocks noGrp="1"/>
+          </p:cNvSpPr>
+          <p:nvPr>
+            <p:ph type="title"/>
+          </p:nvPr>
+        </p:nvSpPr>
+        <p:spPr/>
+        <p:txBody>
+          <a:bodyPr/>
+          <a:lstStyle/>
+          <a:p>
+            <a:r>
+              <a:rPr lang="en-US" altLang="zh-CN" dirty="0"/>
+              <a:t>GDFS</a:t>
+            </a:r>
+            <a:endParaRPr lang="zh-CN" altLang="en-US" dirty="0"/>
           </a:p>
         </p:txBody>
       </p:sp>
@@ -5101,7 +9685,7 @@
           <p:cNvPr id="3" name="竖排文字占位符 2">
             <a:extLst>
               <a:ext uri="{FF2B5EF4-FFF2-40B4-BE49-F238E27FC236}">
-                <a16:creationId xmlns:a16="http://schemas.microsoft.com/office/drawing/2014/main" id="{378C13F1-0840-4C14-A612-C4C5390F746F}"/>
+                <a16:creationId xmlns:a16="http://schemas.microsoft.com/office/drawing/2014/main" id="{0DDDBC52-1374-4382-8C40-20FF63549B08}"/>
               </a:ext>
             </a:extLst>
           </p:cNvPr>
@@ -5114,17 +9698,74 @@
         </p:nvSpPr>
         <p:spPr/>
         <p:txBody>
-          <a:bodyPr/>
+          <a:bodyPr vert="horz">
+            <a:normAutofit/>
+          </a:bodyPr>
           <a:lstStyle/>
           <a:p>
-            <a:endParaRPr lang="zh-CN" altLang="en-US"/>
+            <a:r>
+              <a:rPr lang="zh-CN" altLang="en-US" dirty="0"/>
+              <a:t>线性学习器评价的局限性？ 严格使用最终的学习器作为准确度评判</a:t>
+            </a:r>
+            <a:endParaRPr lang="en-US" altLang="zh-CN" dirty="0"/>
+          </a:p>
+          <a:p>
+            <a:r>
+              <a:rPr lang="zh-CN" altLang="en-US" dirty="0"/>
+              <a:t>准确率和维度缩减做一个折衷？准确率、维度缩减两步走。</a:t>
+            </a:r>
+            <a:endParaRPr lang="en-US" altLang="zh-CN" dirty="0"/>
+          </a:p>
+          <a:p>
+            <a:r>
+              <a:rPr lang="zh-CN" altLang="en-US" dirty="0"/>
+              <a:t>提升速度和持续</a:t>
+            </a:r>
+            <a:r>
+              <a:rPr lang="zh-CN" altLang="en-US"/>
+              <a:t>缩减能力。将</a:t>
+            </a:r>
+            <a:endParaRPr lang="en-US" altLang="zh-CN" dirty="0"/>
+          </a:p>
+          <a:p>
+            <a:endParaRPr lang="en-US" altLang="zh-CN" dirty="0"/>
+          </a:p>
+          <a:p>
+            <a:pPr marL="530352" lvl="1" indent="0">
+              <a:buNone/>
+            </a:pPr>
+            <a:endParaRPr lang="en-US" altLang="zh-CN" dirty="0"/>
+          </a:p>
+          <a:p>
+            <a:pPr marL="0" indent="0">
+              <a:buNone/>
+            </a:pPr>
+            <a:endParaRPr lang="en-US" altLang="zh-CN" dirty="0"/>
+          </a:p>
+          <a:p>
+            <a:pPr lvl="1"/>
+            <a:endParaRPr lang="en-US" altLang="zh-CN" dirty="0"/>
+          </a:p>
+          <a:p>
+            <a:pPr lvl="1"/>
+            <a:endParaRPr lang="en-US" altLang="zh-CN" dirty="0"/>
+          </a:p>
+          <a:p>
+            <a:pPr lvl="1"/>
+            <a:endParaRPr lang="en-US" altLang="zh-CN" dirty="0"/>
+          </a:p>
+          <a:p>
+            <a:endParaRPr lang="en-US" altLang="zh-CN" dirty="0"/>
+          </a:p>
+          <a:p>
+            <a:endParaRPr lang="en-US" altLang="zh-CN" dirty="0"/>
           </a:p>
         </p:txBody>
       </p:sp>
     </p:spTree>
     <p:extLst>
       <p:ext uri="{BB962C8B-B14F-4D97-AF65-F5344CB8AC3E}">
-        <p14:creationId xmlns:p14="http://schemas.microsoft.com/office/powerpoint/2010/main" val="3934815896"/>
+        <p14:creationId xmlns:p14="http://schemas.microsoft.com/office/powerpoint/2010/main" val="1864270218"/>
       </p:ext>
     </p:extLst>
   </p:cSld>
@@ -11650,8 +16291,8 @@
           </a:p>
         </p:txBody>
       </p:sp>
-      <mc:AlternateContent xmlns:mc="http://schemas.openxmlformats.org/markup-compatibility/2006">
-        <mc:Choice xmlns:a14="http://schemas.microsoft.com/office/drawing/2010/main" Requires="a14">
+      <mc:AlternateContent xmlns:mc="http://schemas.openxmlformats.org/markup-compatibility/2006" xmlns:a14="http://schemas.microsoft.com/office/drawing/2010/main">
+        <mc:Choice Requires="a14">
           <p:sp>
             <p:nvSpPr>
               <p:cNvPr id="3" name="竖排文字占位符 2">
@@ -11901,7 +16542,7 @@
             </p:txBody>
           </p:sp>
         </mc:Choice>
-        <mc:Fallback>
+        <mc:Fallback xmlns="">
           <p:sp>
             <p:nvSpPr>
               <p:cNvPr id="3" name="竖排文字占位符 2">

--- a/Doc/Pre.pptx
+++ b/Doc/Pre.pptx
@@ -19,6 +19,9 @@
     <p:sldId id="268" r:id="rId13"/>
     <p:sldId id="269" r:id="rId14"/>
     <p:sldId id="271" r:id="rId15"/>
+    <p:sldId id="272" r:id="rId16"/>
+    <p:sldId id="273" r:id="rId17"/>
+    <p:sldId id="274" r:id="rId18"/>
   </p:sldIdLst>
   <p:sldSz cx="12192000" cy="6858000"/>
   <p:notesSz cx="6858000" cy="9144000"/>
@@ -8581,7 +8584,7 @@
               <a:p>
                 <a:r>
                   <a:rPr lang="zh-CN" altLang="en-US" dirty="0"/>
-                  <a:t>提升速度和持续缩减能力</a:t>
+                  <a:t>持续缩减能力</a:t>
                 </a:r>
                 <a:endParaRPr lang="en-US" altLang="zh-CN" dirty="0"/>
               </a:p>
@@ -9673,6 +9676,10 @@
           <a:lstStyle/>
           <a:p>
             <a:r>
+              <a:rPr lang="zh-CN" altLang="en-US" dirty="0"/>
+              <a:t>改进得到 </a:t>
+            </a:r>
+            <a:r>
               <a:rPr lang="en-US" altLang="zh-CN" dirty="0"/>
               <a:t>GDFS</a:t>
             </a:r>
@@ -9696,7 +9703,12 @@
             <p:ph type="body" orient="vert" idx="1"/>
           </p:nvPr>
         </p:nvSpPr>
-        <p:spPr/>
+        <p:spPr>
+          <a:xfrm>
+            <a:off x="1371600" y="2235199"/>
+            <a:ext cx="9601200" cy="3632201"/>
+          </a:xfrm>
+        </p:spPr>
         <p:txBody>
           <a:bodyPr vert="horz">
             <a:normAutofit/>
@@ -9705,25 +9717,61 @@
           <a:p>
             <a:r>
               <a:rPr lang="zh-CN" altLang="en-US" dirty="0"/>
-              <a:t>线性学习器评价的局限性？ 严格使用最终的学习器作为准确度评判</a:t>
+              <a:t>线性学习器评价的局限性？ </a:t>
             </a:r>
             <a:endParaRPr lang="en-US" altLang="zh-CN" dirty="0"/>
           </a:p>
           <a:p>
+            <a:pPr lvl="1"/>
             <a:r>
               <a:rPr lang="zh-CN" altLang="en-US" dirty="0"/>
-              <a:t>准确率和维度缩减做一个折衷？准确率、维度缩减两步走。</a:t>
+              <a:t>使用最终的学习器作为准确度评判</a:t>
             </a:r>
             <a:endParaRPr lang="en-US" altLang="zh-CN" dirty="0"/>
           </a:p>
           <a:p>
             <a:r>
               <a:rPr lang="zh-CN" altLang="en-US" dirty="0"/>
-              <a:t>提升速度和持续</a:t>
-            </a:r>
-            <a:r>
-              <a:rPr lang="zh-CN" altLang="en-US"/>
-              <a:t>缩减能力。将</a:t>
+              <a:t>准确率和维度缩减做一个折衷？</a:t>
+            </a:r>
+            <a:endParaRPr lang="en-US" altLang="zh-CN" dirty="0"/>
+          </a:p>
+          <a:p>
+            <a:pPr lvl="1"/>
+            <a:r>
+              <a:rPr lang="zh-CN" altLang="en-US" dirty="0"/>
+              <a:t>准确率、维度缩减两步走</a:t>
+            </a:r>
+            <a:endParaRPr lang="en-US" altLang="zh-CN" dirty="0"/>
+          </a:p>
+          <a:p>
+            <a:pPr lvl="1"/>
+            <a:r>
+              <a:rPr lang="zh-CN" altLang="en-US" dirty="0"/>
+              <a:t>修改 </a:t>
+            </a:r>
+            <a:r>
+              <a:rPr lang="en-US" altLang="zh-CN" dirty="0"/>
+              <a:t>Lasso</a:t>
+            </a:r>
+            <a:r>
+              <a:rPr lang="zh-CN" altLang="en-US" dirty="0"/>
+              <a:t>，手动删除特征</a:t>
+            </a:r>
+            <a:endParaRPr lang="en-US" altLang="zh-CN" dirty="0"/>
+          </a:p>
+          <a:p>
+            <a:r>
+              <a:rPr lang="zh-CN" altLang="en-US" dirty="0"/>
+              <a:t>持续缩减能力</a:t>
+            </a:r>
+            <a:endParaRPr lang="en-US" altLang="zh-CN" dirty="0"/>
+          </a:p>
+          <a:p>
+            <a:pPr lvl="1"/>
+            <a:r>
+              <a:rPr lang="zh-CN" altLang="en-US" dirty="0"/>
+              <a:t>循环两步过程</a:t>
             </a:r>
             <a:endParaRPr lang="en-US" altLang="zh-CN" dirty="0"/>
           </a:p>
@@ -9766,6 +9814,3938 @@
     <p:extLst>
       <p:ext uri="{BB962C8B-B14F-4D97-AF65-F5344CB8AC3E}">
         <p14:creationId xmlns:p14="http://schemas.microsoft.com/office/powerpoint/2010/main" val="1864270218"/>
+      </p:ext>
+    </p:extLst>
+  </p:cSld>
+  <p:clrMapOvr>
+    <a:masterClrMapping/>
+  </p:clrMapOvr>
+</p:sld>
+</file>
+
+<file path=ppt/slides/slide15.xml><?xml version="1.0" encoding="utf-8"?>
+<p:sld xmlns:a="http://schemas.openxmlformats.org/drawingml/2006/main" xmlns:r="http://schemas.openxmlformats.org/officeDocument/2006/relationships" xmlns:p="http://schemas.openxmlformats.org/presentationml/2006/main">
+  <p:cSld>
+    <p:spTree>
+      <p:nvGrpSpPr>
+        <p:cNvPr id="1" name=""/>
+        <p:cNvGrpSpPr/>
+        <p:nvPr/>
+      </p:nvGrpSpPr>
+      <p:grpSpPr>
+        <a:xfrm>
+          <a:off x="0" y="0"/>
+          <a:ext cx="0" cy="0"/>
+          <a:chOff x="0" y="0"/>
+          <a:chExt cx="0" cy="0"/>
+        </a:xfrm>
+      </p:grpSpPr>
+      <p:sp>
+        <p:nvSpPr>
+          <p:cNvPr id="2" name="标题 1">
+            <a:extLst>
+              <a:ext uri="{FF2B5EF4-FFF2-40B4-BE49-F238E27FC236}">
+                <a16:creationId xmlns:a16="http://schemas.microsoft.com/office/drawing/2014/main" id="{814A3B83-F138-4CA9-ACDF-FD6D4313F32F}"/>
+              </a:ext>
+            </a:extLst>
+          </p:cNvPr>
+          <p:cNvSpPr>
+            <a:spLocks noGrp="1"/>
+          </p:cNvSpPr>
+          <p:nvPr>
+            <p:ph type="title"/>
+          </p:nvPr>
+        </p:nvSpPr>
+        <p:spPr/>
+        <p:txBody>
+          <a:bodyPr/>
+          <a:lstStyle/>
+          <a:p>
+            <a:r>
+              <a:rPr lang="en-US" altLang="zh-CN" dirty="0"/>
+              <a:t>GDFS</a:t>
+            </a:r>
+            <a:endParaRPr lang="zh-CN" altLang="en-US" dirty="0"/>
+          </a:p>
+        </p:txBody>
+      </p:sp>
+      <mc:AlternateContent xmlns:mc="http://schemas.openxmlformats.org/markup-compatibility/2006">
+        <mc:Choice xmlns:a14="http://schemas.microsoft.com/office/drawing/2010/main" Requires="a14">
+          <p:sp>
+            <p:nvSpPr>
+              <p:cNvPr id="3" name="竖排文字占位符 2">
+                <a:extLst>
+                  <a:ext uri="{FF2B5EF4-FFF2-40B4-BE49-F238E27FC236}">
+                    <a16:creationId xmlns:a16="http://schemas.microsoft.com/office/drawing/2014/main" id="{0DDDBC52-1374-4382-8C40-20FF63549B08}"/>
+                  </a:ext>
+                </a:extLst>
+              </p:cNvPr>
+              <p:cNvSpPr>
+                <a:spLocks noGrp="1"/>
+              </p:cNvSpPr>
+              <p:nvPr>
+                <p:ph type="body" orient="vert" idx="1"/>
+              </p:nvPr>
+            </p:nvSpPr>
+            <p:spPr>
+              <a:xfrm>
+                <a:off x="1371600" y="1581151"/>
+                <a:ext cx="9601200" cy="4286250"/>
+              </a:xfrm>
+            </p:spPr>
+            <p:txBody>
+              <a:bodyPr vert="horz">
+                <a:normAutofit fontScale="92500" lnSpcReduction="10000"/>
+              </a:bodyPr>
+              <a:lstStyle/>
+              <a:p>
+                <a:r>
+                  <a:rPr lang="zh-CN" altLang="en-US" dirty="0"/>
+                  <a:t>两步走：</a:t>
+                </a:r>
+                <a:endParaRPr lang="en-US" altLang="zh-CN" dirty="0"/>
+              </a:p>
+              <a:p>
+                <a:pPr lvl="1"/>
+                <a:r>
+                  <a:rPr lang="zh-CN" altLang="en-US" dirty="0"/>
+                  <a:t>固定特征学习概率</a:t>
+                </a:r>
+                <a:endParaRPr lang="en-US" altLang="zh-CN" dirty="0"/>
+              </a:p>
+              <a:p>
+                <a:pPr lvl="1"/>
+                <a:r>
+                  <a:rPr lang="zh-CN" altLang="en-US" dirty="0"/>
+                  <a:t>固定概率缩减特征</a:t>
+                </a:r>
+                <a:endParaRPr lang="en-US" altLang="zh-CN" dirty="0"/>
+              </a:p>
+              <a:p>
+                <a:r>
+                  <a:rPr lang="zh-CN" altLang="en-US" dirty="0"/>
+                  <a:t>算法过程：</a:t>
+                </a:r>
+                <a:endParaRPr lang="en-US" altLang="zh-CN" dirty="0"/>
+              </a:p>
+              <a:p>
+                <a:pPr marL="987552" lvl="1" indent="-457200">
+                  <a:buFont typeface="+mj-ea"/>
+                  <a:buAutoNum type="circleNumDbPlain"/>
+                </a:pPr>
+                <a14:m>
+                  <m:oMath xmlns:m="http://schemas.openxmlformats.org/officeDocument/2006/math">
+                    <m:r>
+                      <a:rPr lang="en-US" altLang="zh-CN" i="1" dirty="0" smtClean="0">
+                        <a:latin typeface="Cambria Math" panose="02040503050406030204" pitchFamily="18" charset="0"/>
+                      </a:rPr>
+                      <m:t>𝑆𝑒𝑙</m:t>
+                    </m:r>
+                    <m:r>
+                      <a:rPr lang="en-US" altLang="zh-CN" i="1" dirty="0" smtClean="0">
+                        <a:latin typeface="Cambria Math" panose="02040503050406030204" pitchFamily="18" charset="0"/>
+                      </a:rPr>
+                      <m:t> = [1, 1, 1, …, 1]</m:t>
+                    </m:r>
+                  </m:oMath>
+                </a14:m>
+                <a:endParaRPr lang="en-US" altLang="zh-CN" dirty="0"/>
+              </a:p>
+              <a:p>
+                <a:pPr marL="987552" lvl="1" indent="-457200">
+                  <a:buFont typeface="+mj-ea"/>
+                  <a:buAutoNum type="circleNumDbPlain"/>
+                </a:pPr>
+                <a:r>
+                  <a:rPr lang="zh-CN" altLang="en-US" dirty="0"/>
+                  <a:t>使用逻辑回归学习 </a:t>
+                </a:r>
+                <a:r>
+                  <a:rPr lang="en-US" altLang="zh-CN" dirty="0" err="1"/>
+                  <a:t>Sel</a:t>
+                </a:r>
+                <a:r>
+                  <a:rPr lang="en-US" altLang="zh-CN" dirty="0"/>
+                  <a:t> </a:t>
+                </a:r>
+                <a:r>
+                  <a:rPr lang="zh-CN" altLang="en-US" dirty="0"/>
+                  <a:t>选择的特征，得到参数 </a:t>
+                </a:r>
+                <a:r>
+                  <a:rPr lang="en-US" altLang="zh-CN" dirty="0" err="1"/>
+                  <a:t>Coef</a:t>
+                </a:r>
+                <a:r>
+                  <a:rPr lang="en-US" altLang="zh-CN" dirty="0"/>
+                  <a:t> </a:t>
+                </a:r>
+                <a:r>
+                  <a:rPr lang="zh-CN" altLang="en-US" dirty="0"/>
+                  <a:t>和 </a:t>
+                </a:r>
+                <a:r>
+                  <a:rPr lang="en-US" altLang="zh-CN" dirty="0"/>
+                  <a:t>Intercept</a:t>
+                </a:r>
+              </a:p>
+              <a:p>
+                <a:pPr marL="987552" lvl="1" indent="-457200">
+                  <a:buFont typeface="+mj-ea"/>
+                  <a:buAutoNum type="circleNumDbPlain"/>
+                </a:pPr>
+                <a:r>
+                  <a:rPr lang="zh-CN" altLang="en-US" dirty="0"/>
+                  <a:t>使用规律，对数据进行概率预测，得到 </a:t>
+                </a:r>
+                <a:r>
+                  <a:rPr lang="en-US" altLang="zh-CN" dirty="0" err="1"/>
+                  <a:t>Proba</a:t>
+                </a:r>
+                <a:endParaRPr lang="en-US" altLang="zh-CN" dirty="0"/>
+              </a:p>
+              <a:p>
+                <a:pPr marL="987552" lvl="1" indent="-457200">
+                  <a:buFont typeface="+mj-ea"/>
+                  <a:buAutoNum type="circleNumDbPlain"/>
+                </a:pPr>
+                <a:r>
+                  <a:rPr lang="zh-CN" altLang="en-US" dirty="0"/>
+                  <a:t>固定参数 </a:t>
+                </a:r>
+                <a:r>
+                  <a:rPr lang="en-US" altLang="zh-CN" dirty="0" err="1"/>
+                  <a:t>Coef</a:t>
+                </a:r>
+                <a:r>
+                  <a:rPr lang="en-US" altLang="zh-CN" dirty="0"/>
+                  <a:t> </a:t>
+                </a:r>
+                <a:r>
+                  <a:rPr lang="zh-CN" altLang="en-US" dirty="0"/>
+                  <a:t>和 </a:t>
+                </a:r>
+                <a:r>
+                  <a:rPr lang="en-US" altLang="zh-CN" dirty="0"/>
+                  <a:t>Intercept</a:t>
+                </a:r>
+                <a:r>
+                  <a:rPr lang="zh-CN" altLang="en-US" dirty="0"/>
+                  <a:t>，使用输入参数与 </a:t>
+                </a:r>
+                <a:r>
+                  <a:rPr lang="en-US" altLang="zh-CN" dirty="0" err="1"/>
+                  <a:t>Proba</a:t>
+                </a:r>
+                <a:r>
+                  <a:rPr lang="zh-CN" altLang="en-US" dirty="0"/>
+                  <a:t>，用修改的 </a:t>
+                </a:r>
+                <a:r>
+                  <a:rPr lang="en-US" altLang="zh-CN" dirty="0"/>
+                  <a:t>Lasso </a:t>
+                </a:r>
+                <a:r>
+                  <a:rPr lang="zh-CN" altLang="en-US" dirty="0"/>
+                  <a:t>惩罚</a:t>
+                </a:r>
+                <a:endParaRPr lang="en-US" altLang="zh-CN" dirty="0"/>
+              </a:p>
+              <a:p>
+                <a:pPr lvl="2"/>
+                <a14:m>
+                  <m:oMath xmlns:m="http://schemas.openxmlformats.org/officeDocument/2006/math">
+                    <m:r>
+                      <a:rPr lang="en-US" altLang="zh-CN" i="1" dirty="0">
+                        <a:latin typeface="Cambria Math" panose="02040503050406030204" pitchFamily="18" charset="0"/>
+                      </a:rPr>
+                      <m:t>𝐿𝑜𝑠𝑠</m:t>
+                    </m:r>
+                    <m:r>
+                      <a:rPr lang="en-US" altLang="zh-CN" i="1" dirty="0">
+                        <a:latin typeface="Cambria Math" panose="02040503050406030204" pitchFamily="18" charset="0"/>
+                      </a:rPr>
+                      <m:t> = </m:t>
+                    </m:r>
+                    <m:sSup>
+                      <m:sSupPr>
+                        <m:ctrlPr>
+                          <a:rPr lang="en-US" altLang="zh-CN" i="1" dirty="0">
+                            <a:latin typeface="Cambria Math" panose="02040503050406030204" pitchFamily="18" charset="0"/>
+                          </a:rPr>
+                        </m:ctrlPr>
+                      </m:sSupPr>
+                      <m:e>
+                        <m:d>
+                          <m:dPr>
+                            <m:begChr m:val="|"/>
+                            <m:endChr m:val="|"/>
+                            <m:ctrlPr>
+                              <a:rPr lang="en-US" altLang="zh-CN" i="1" dirty="0">
+                                <a:latin typeface="Cambria Math" panose="02040503050406030204" pitchFamily="18" charset="0"/>
+                              </a:rPr>
+                            </m:ctrlPr>
+                          </m:dPr>
+                          <m:e>
+                            <m:d>
+                              <m:dPr>
+                                <m:begChr m:val="|"/>
+                                <m:endChr m:val="|"/>
+                                <m:ctrlPr>
+                                  <a:rPr lang="en-US" altLang="zh-CN" i="1" dirty="0">
+                                    <a:latin typeface="Cambria Math" panose="02040503050406030204" pitchFamily="18" charset="0"/>
+                                  </a:rPr>
+                                </m:ctrlPr>
+                              </m:dPr>
+                              <m:e>
+                                <m:r>
+                                  <a:rPr lang="en-US" altLang="zh-CN" i="1" dirty="0">
+                                    <a:latin typeface="Cambria Math" panose="02040503050406030204" pitchFamily="18" charset="0"/>
+                                  </a:rPr>
+                                  <m:t>𝐹</m:t>
+                                </m:r>
+                                <m:d>
+                                  <m:dPr>
+                                    <m:ctrlPr>
+                                      <a:rPr lang="en-US" altLang="zh-CN" i="1" dirty="0">
+                                        <a:latin typeface="Cambria Math" panose="02040503050406030204" pitchFamily="18" charset="0"/>
+                                      </a:rPr>
+                                    </m:ctrlPr>
+                                  </m:dPr>
+                                  <m:e>
+                                    <m:sSub>
+                                      <m:sSubPr>
+                                        <m:ctrlPr>
+                                          <a:rPr lang="en-US" altLang="zh-CN" i="1" dirty="0" err="1">
+                                            <a:latin typeface="Cambria Math" panose="02040503050406030204" pitchFamily="18" charset="0"/>
+                                          </a:rPr>
+                                        </m:ctrlPr>
+                                      </m:sSubPr>
+                                      <m:e>
+                                        <m:r>
+                                          <a:rPr lang="en-US" altLang="zh-CN" i="1" dirty="0" err="1">
+                                            <a:latin typeface="Cambria Math" panose="02040503050406030204" pitchFamily="18" charset="0"/>
+                                          </a:rPr>
+                                          <m:t>𝑋</m:t>
+                                        </m:r>
+                                      </m:e>
+                                      <m:sub>
+                                        <m:r>
+                                          <a:rPr lang="en-US" altLang="zh-CN" i="1" dirty="0" err="1">
+                                            <a:latin typeface="Cambria Math" panose="02040503050406030204" pitchFamily="18" charset="0"/>
+                                          </a:rPr>
+                                          <m:t>𝑠𝑒𝑙</m:t>
+                                        </m:r>
+                                      </m:sub>
+                                    </m:sSub>
+                                    <m:r>
+                                      <a:rPr lang="en-US" altLang="zh-CN" i="1" dirty="0">
+                                        <a:latin typeface="Cambria Math" panose="02040503050406030204" pitchFamily="18" charset="0"/>
+                                      </a:rPr>
+                                      <m:t>, </m:t>
+                                    </m:r>
+                                    <m:r>
+                                      <a:rPr lang="en-US" altLang="zh-CN" i="1" dirty="0" err="1">
+                                        <a:latin typeface="Cambria Math" panose="02040503050406030204" pitchFamily="18" charset="0"/>
+                                      </a:rPr>
+                                      <m:t>𝐶𝑜𝑒𝑓</m:t>
+                                    </m:r>
+                                    <m:r>
+                                      <a:rPr lang="en-US" altLang="zh-CN" i="1" dirty="0">
+                                        <a:latin typeface="Cambria Math" panose="02040503050406030204" pitchFamily="18" charset="0"/>
+                                      </a:rPr>
+                                      <m:t>, </m:t>
+                                    </m:r>
+                                    <m:r>
+                                      <a:rPr lang="en-US" altLang="zh-CN" i="1" dirty="0">
+                                        <a:latin typeface="Cambria Math" panose="02040503050406030204" pitchFamily="18" charset="0"/>
+                                      </a:rPr>
+                                      <m:t>𝐼𝑛𝑡𝑒𝑟𝑐𝑒𝑝𝑡</m:t>
+                                    </m:r>
+                                  </m:e>
+                                </m:d>
+                                <m:r>
+                                  <a:rPr lang="en-US" altLang="zh-CN" i="1" dirty="0">
+                                    <a:latin typeface="Cambria Math" panose="02040503050406030204" pitchFamily="18" charset="0"/>
+                                  </a:rPr>
+                                  <m:t>−</m:t>
+                                </m:r>
+                                <m:r>
+                                  <a:rPr lang="en-US" altLang="zh-CN" i="1" dirty="0" err="1">
+                                    <a:latin typeface="Cambria Math" panose="02040503050406030204" pitchFamily="18" charset="0"/>
+                                  </a:rPr>
+                                  <m:t>𝑃𝑟𝑜𝑏𝑎</m:t>
+                                </m:r>
+                              </m:e>
+                            </m:d>
+                          </m:e>
+                        </m:d>
+                      </m:e>
+                      <m:sup>
+                        <m:r>
+                          <a:rPr lang="en-US" altLang="zh-CN" i="1" dirty="0">
+                            <a:latin typeface="Cambria Math" panose="02040503050406030204" pitchFamily="18" charset="0"/>
+                          </a:rPr>
+                          <m:t>2</m:t>
+                        </m:r>
+                      </m:sup>
+                    </m:sSup>
+                    <m:r>
+                      <a:rPr lang="en-US" altLang="zh-CN" i="1" dirty="0">
+                        <a:latin typeface="Cambria Math" panose="02040503050406030204" pitchFamily="18" charset="0"/>
+                      </a:rPr>
+                      <m:t> +</m:t>
+                    </m:r>
+                    <m:r>
+                      <a:rPr lang="en-US" altLang="zh-CN" i="1" dirty="0">
+                        <a:latin typeface="Cambria Math" panose="02040503050406030204" pitchFamily="18" charset="0"/>
+                      </a:rPr>
+                      <m:t>𝜆</m:t>
+                    </m:r>
+                    <m:r>
+                      <a:rPr lang="en-US" altLang="zh-CN" i="1" dirty="0">
+                        <a:latin typeface="Cambria Math" panose="02040503050406030204" pitchFamily="18" charset="0"/>
+                      </a:rPr>
+                      <m:t> </m:t>
+                    </m:r>
+                    <m:sSup>
+                      <m:sSupPr>
+                        <m:ctrlPr>
+                          <a:rPr lang="en-US" altLang="zh-CN" i="1" dirty="0">
+                            <a:latin typeface="Cambria Math" panose="02040503050406030204" pitchFamily="18" charset="0"/>
+                          </a:rPr>
+                        </m:ctrlPr>
+                      </m:sSupPr>
+                      <m:e>
+                        <m:r>
+                          <a:rPr lang="en-US" altLang="zh-CN" i="1" dirty="0">
+                            <a:latin typeface="Cambria Math" panose="02040503050406030204" pitchFamily="18" charset="0"/>
+                          </a:rPr>
+                          <m:t>𝑒</m:t>
+                        </m:r>
+                      </m:e>
+                      <m:sup>
+                        <m:d>
+                          <m:dPr>
+                            <m:begChr m:val="{"/>
+                            <m:endChr m:val="}"/>
+                            <m:ctrlPr>
+                              <a:rPr lang="en-US" altLang="zh-CN" i="1" dirty="0">
+                                <a:latin typeface="Cambria Math" panose="02040503050406030204" pitchFamily="18" charset="0"/>
+                              </a:rPr>
+                            </m:ctrlPr>
+                          </m:dPr>
+                          <m:e>
+                            <m:r>
+                              <a:rPr lang="en-US" altLang="zh-CN" i="1" dirty="0">
+                                <a:latin typeface="Cambria Math" panose="02040503050406030204" pitchFamily="18" charset="0"/>
+                              </a:rPr>
+                              <m:t>−100</m:t>
+                            </m:r>
+                            <m:d>
+                              <m:dPr>
+                                <m:ctrlPr>
+                                  <a:rPr lang="en-US" altLang="zh-CN" i="1" dirty="0">
+                                    <a:latin typeface="Cambria Math" panose="02040503050406030204" pitchFamily="18" charset="0"/>
+                                  </a:rPr>
+                                </m:ctrlPr>
+                              </m:dPr>
+                              <m:e>
+                                <m:r>
+                                  <a:rPr lang="en-US" altLang="zh-CN" i="1" dirty="0">
+                                    <a:latin typeface="Cambria Math" panose="02040503050406030204" pitchFamily="18" charset="0"/>
+                                  </a:rPr>
+                                  <m:t>𝑆𝑒𝑙</m:t>
+                                </m:r>
+                                <m:r>
+                                  <a:rPr lang="en-US" altLang="zh-CN" i="1" dirty="0">
+                                    <a:latin typeface="Cambria Math" panose="02040503050406030204" pitchFamily="18" charset="0"/>
+                                  </a:rPr>
+                                  <m:t>−0.1</m:t>
+                                </m:r>
+                              </m:e>
+                            </m:d>
+                          </m:e>
+                        </m:d>
+                      </m:sup>
+                    </m:sSup>
+                  </m:oMath>
+                </a14:m>
+                <a:endParaRPr lang="en-US" altLang="zh-CN" dirty="0"/>
+              </a:p>
+              <a:p>
+                <a:pPr marL="987552" lvl="1" indent="-457200">
+                  <a:buFont typeface="+mj-ea"/>
+                  <a:buAutoNum type="circleNumDbPlain"/>
+                </a:pPr>
+                <a:r>
+                  <a:rPr lang="zh-CN" altLang="en-US" dirty="0"/>
+                  <a:t>手动筛 </a:t>
+                </a:r>
+                <a:r>
+                  <a:rPr lang="en-US" altLang="zh-CN" dirty="0" err="1"/>
+                  <a:t>Sel</a:t>
+                </a:r>
+                <a:r>
+                  <a:rPr lang="en-US" altLang="zh-CN" dirty="0"/>
+                  <a:t> </a:t>
+                </a:r>
+                <a:r>
+                  <a:rPr lang="zh-CN" altLang="en-US" dirty="0"/>
+                  <a:t>过小的参数将其删除。</a:t>
+                </a:r>
+                <a:endParaRPr lang="en-US" altLang="zh-CN" dirty="0"/>
+              </a:p>
+              <a:p>
+                <a:pPr marL="987552" lvl="1" indent="-457200">
+                  <a:buFont typeface="+mj-ea"/>
+                  <a:buAutoNum type="circleNumDbPlain"/>
+                </a:pPr>
+                <a:r>
+                  <a:rPr lang="zh-CN" altLang="en-US" dirty="0"/>
+                  <a:t>使用目标学习器评价，并更新特征选择策略</a:t>
+                </a:r>
+                <a:endParaRPr lang="en-US" altLang="zh-CN" dirty="0"/>
+              </a:p>
+              <a:p>
+                <a:pPr marL="987552" lvl="1" indent="-457200">
+                  <a:buFont typeface="+mj-ea"/>
+                  <a:buAutoNum type="circleNumDbPlain"/>
+                </a:pPr>
+                <a:r>
+                  <a:rPr lang="en-US" altLang="zh-CN" dirty="0"/>
+                  <a:t>Loop</a:t>
+                </a:r>
+                <a:r>
+                  <a:rPr lang="zh-CN" altLang="en-US" dirty="0"/>
+                  <a:t> 直到不变化或手动停止</a:t>
+                </a:r>
+                <a:endParaRPr lang="en-US" altLang="zh-CN" dirty="0"/>
+              </a:p>
+              <a:p>
+                <a:pPr marL="0" indent="0">
+                  <a:buNone/>
+                </a:pPr>
+                <a:endParaRPr lang="en-US" altLang="zh-CN" dirty="0"/>
+              </a:p>
+              <a:p>
+                <a:pPr marL="530352" lvl="1" indent="0">
+                  <a:buNone/>
+                </a:pPr>
+                <a:endParaRPr lang="en-US" altLang="zh-CN" dirty="0"/>
+              </a:p>
+              <a:p>
+                <a:pPr marL="0" indent="0">
+                  <a:buNone/>
+                </a:pPr>
+                <a:endParaRPr lang="en-US" altLang="zh-CN" dirty="0"/>
+              </a:p>
+              <a:p>
+                <a:pPr lvl="1"/>
+                <a:endParaRPr lang="en-US" altLang="zh-CN" dirty="0"/>
+              </a:p>
+              <a:p>
+                <a:pPr lvl="1"/>
+                <a:endParaRPr lang="en-US" altLang="zh-CN" dirty="0"/>
+              </a:p>
+              <a:p>
+                <a:pPr lvl="1"/>
+                <a:endParaRPr lang="en-US" altLang="zh-CN" dirty="0"/>
+              </a:p>
+              <a:p>
+                <a:endParaRPr lang="en-US" altLang="zh-CN" dirty="0"/>
+              </a:p>
+              <a:p>
+                <a:endParaRPr lang="en-US" altLang="zh-CN" dirty="0"/>
+              </a:p>
+            </p:txBody>
+          </p:sp>
+        </mc:Choice>
+        <mc:Fallback>
+          <p:sp>
+            <p:nvSpPr>
+              <p:cNvPr id="3" name="竖排文字占位符 2">
+                <a:extLst>
+                  <a:ext uri="{FF2B5EF4-FFF2-40B4-BE49-F238E27FC236}">
+                    <a16:creationId xmlns:a16="http://schemas.microsoft.com/office/drawing/2014/main" id="{0DDDBC52-1374-4382-8C40-20FF63549B08}"/>
+                  </a:ext>
+                </a:extLst>
+              </p:cNvPr>
+              <p:cNvSpPr>
+                <a:spLocks noGrp="1" noRot="1" noChangeAspect="1" noMove="1" noResize="1" noEditPoints="1" noAdjustHandles="1" noChangeArrowheads="1" noChangeShapeType="1" noTextEdit="1"/>
+              </p:cNvSpPr>
+              <p:nvPr>
+                <p:ph type="body" orient="vert" idx="1"/>
+              </p:nvPr>
+            </p:nvSpPr>
+            <p:spPr>
+              <a:xfrm>
+                <a:off x="1371600" y="1581151"/>
+                <a:ext cx="9601200" cy="4286250"/>
+              </a:xfrm>
+              <a:blipFill>
+                <a:blip r:embed="rId2"/>
+                <a:stretch>
+                  <a:fillRect l="-508" t="-1705"/>
+                </a:stretch>
+              </a:blipFill>
+            </p:spPr>
+            <p:txBody>
+              <a:bodyPr/>
+              <a:lstStyle/>
+              <a:p>
+                <a:r>
+                  <a:rPr lang="zh-CN" altLang="en-US">
+                    <a:noFill/>
+                  </a:rPr>
+                  <a:t> </a:t>
+                </a:r>
+              </a:p>
+            </p:txBody>
+          </p:sp>
+        </mc:Fallback>
+      </mc:AlternateContent>
+    </p:spTree>
+    <p:extLst>
+      <p:ext uri="{BB962C8B-B14F-4D97-AF65-F5344CB8AC3E}">
+        <p14:creationId xmlns:p14="http://schemas.microsoft.com/office/powerpoint/2010/main" val="4180361702"/>
+      </p:ext>
+    </p:extLst>
+  </p:cSld>
+  <p:clrMapOvr>
+    <a:masterClrMapping/>
+  </p:clrMapOvr>
+</p:sld>
+</file>
+
+<file path=ppt/slides/slide16.xml><?xml version="1.0" encoding="utf-8"?>
+<p:sld xmlns:a="http://schemas.openxmlformats.org/drawingml/2006/main" xmlns:r="http://schemas.openxmlformats.org/officeDocument/2006/relationships" xmlns:p="http://schemas.openxmlformats.org/presentationml/2006/main">
+  <p:cSld>
+    <p:spTree>
+      <p:nvGrpSpPr>
+        <p:cNvPr id="1" name=""/>
+        <p:cNvGrpSpPr/>
+        <p:nvPr/>
+      </p:nvGrpSpPr>
+      <p:grpSpPr>
+        <a:xfrm>
+          <a:off x="0" y="0"/>
+          <a:ext cx="0" cy="0"/>
+          <a:chOff x="0" y="0"/>
+          <a:chExt cx="0" cy="0"/>
+        </a:xfrm>
+      </p:grpSpPr>
+      <p:sp>
+        <p:nvSpPr>
+          <p:cNvPr id="2" name="标题 1">
+            <a:extLst>
+              <a:ext uri="{FF2B5EF4-FFF2-40B4-BE49-F238E27FC236}">
+                <a16:creationId xmlns:a16="http://schemas.microsoft.com/office/drawing/2014/main" id="{3995A2AB-E5F8-49A6-975D-02C41000DE67}"/>
+              </a:ext>
+            </a:extLst>
+          </p:cNvPr>
+          <p:cNvSpPr>
+            <a:spLocks noGrp="1"/>
+          </p:cNvSpPr>
+          <p:nvPr>
+            <p:ph type="title"/>
+          </p:nvPr>
+        </p:nvSpPr>
+        <p:spPr/>
+        <p:txBody>
+          <a:bodyPr/>
+          <a:lstStyle/>
+          <a:p>
+            <a:r>
+              <a:rPr lang="en-US" altLang="zh-CN" dirty="0"/>
+              <a:t>GDFS </a:t>
+            </a:r>
+            <a:r>
+              <a:rPr lang="zh-CN" altLang="en-US" dirty="0"/>
+              <a:t>结果</a:t>
+            </a:r>
+          </a:p>
+        </p:txBody>
+      </p:sp>
+      <p:sp>
+        <p:nvSpPr>
+          <p:cNvPr id="8" name="矩形 7">
+            <a:extLst>
+              <a:ext uri="{FF2B5EF4-FFF2-40B4-BE49-F238E27FC236}">
+                <a16:creationId xmlns:a16="http://schemas.microsoft.com/office/drawing/2014/main" id="{2FC2F0CD-609E-4A1B-AC40-D0763AED1FD9}"/>
+              </a:ext>
+            </a:extLst>
+          </p:cNvPr>
+          <p:cNvSpPr/>
+          <p:nvPr/>
+        </p:nvSpPr>
+        <p:spPr>
+          <a:xfrm>
+            <a:off x="1113549" y="1525369"/>
+            <a:ext cx="2645651" cy="646331"/>
+          </a:xfrm>
+          <a:prstGeom prst="rect">
+            <a:avLst/>
+          </a:prstGeom>
+          <a:noFill/>
+        </p:spPr>
+        <p:txBody>
+          <a:bodyPr wrap="square" lIns="91440" tIns="45720" rIns="91440" bIns="45720">
+            <a:spAutoFit/>
+          </a:bodyPr>
+          <a:lstStyle/>
+          <a:p>
+            <a:pPr algn="ctr"/>
+            <a:r>
+              <a:rPr lang="zh-CN" altLang="en-US" sz="3600" b="1" dirty="0">
+                <a:ln w="9525">
+                  <a:solidFill>
+                    <a:schemeClr val="bg1"/>
+                  </a:solidFill>
+                  <a:prstDash val="solid"/>
+                </a:ln>
+                <a:solidFill>
+                  <a:schemeClr val="accent5"/>
+                </a:solidFill>
+                <a:effectLst>
+                  <a:outerShdw blurRad="12700" dist="38100" dir="2700000" algn="tl" rotWithShape="0">
+                    <a:schemeClr val="accent5">
+                      <a:lumMod val="60000"/>
+                      <a:lumOff val="40000"/>
+                    </a:schemeClr>
+                  </a:outerShdw>
+                </a:effectLst>
+              </a:rPr>
+              <a:t>低维</a:t>
+            </a:r>
+            <a:r>
+              <a:rPr lang="en-US" altLang="zh-CN" sz="3600" b="1" dirty="0">
+                <a:ln w="9525">
+                  <a:solidFill>
+                    <a:schemeClr val="bg1"/>
+                  </a:solidFill>
+                  <a:prstDash val="solid"/>
+                </a:ln>
+                <a:solidFill>
+                  <a:schemeClr val="accent5"/>
+                </a:solidFill>
+                <a:effectLst>
+                  <a:outerShdw blurRad="12700" dist="38100" dir="2700000" algn="tl" rotWithShape="0">
+                    <a:schemeClr val="accent5">
+                      <a:lumMod val="60000"/>
+                      <a:lumOff val="40000"/>
+                    </a:schemeClr>
+                  </a:outerShdw>
+                </a:effectLst>
+              </a:rPr>
+              <a:t>Heart</a:t>
+            </a:r>
+            <a:endParaRPr lang="zh-CN" altLang="en-US" sz="3600" b="1" cap="none" spc="0" dirty="0">
+              <a:ln w="9525">
+                <a:solidFill>
+                  <a:schemeClr val="bg1"/>
+                </a:solidFill>
+                <a:prstDash val="solid"/>
+              </a:ln>
+              <a:solidFill>
+                <a:schemeClr val="accent5"/>
+              </a:solidFill>
+              <a:effectLst>
+                <a:outerShdw blurRad="12700" dist="38100" dir="2700000" algn="tl" rotWithShape="0">
+                  <a:schemeClr val="accent5">
+                    <a:lumMod val="60000"/>
+                    <a:lumOff val="40000"/>
+                  </a:schemeClr>
+                </a:outerShdw>
+              </a:effectLst>
+            </a:endParaRPr>
+          </a:p>
+        </p:txBody>
+      </p:sp>
+      <p:graphicFrame>
+        <p:nvGraphicFramePr>
+          <p:cNvPr id="3" name="表格 2">
+            <a:extLst>
+              <a:ext uri="{FF2B5EF4-FFF2-40B4-BE49-F238E27FC236}">
+                <a16:creationId xmlns:a16="http://schemas.microsoft.com/office/drawing/2014/main" id="{F0C4E2A3-3F1E-4E34-AF57-B0D86370417A}"/>
+              </a:ext>
+            </a:extLst>
+          </p:cNvPr>
+          <p:cNvGraphicFramePr>
+            <a:graphicFrameLocks noGrp="1"/>
+          </p:cNvGraphicFramePr>
+          <p:nvPr>
+            <p:extLst>
+              <p:ext uri="{D42A27DB-BD31-4B8C-83A1-F6EECF244321}">
+                <p14:modId xmlns:p14="http://schemas.microsoft.com/office/powerpoint/2010/main" val="90248456"/>
+              </p:ext>
+            </p:extLst>
+          </p:nvPr>
+        </p:nvGraphicFramePr>
+        <p:xfrm>
+          <a:off x="1873248" y="2140637"/>
+          <a:ext cx="8915402" cy="889000"/>
+        </p:xfrm>
+        <a:graphic>
+          <a:graphicData uri="http://schemas.openxmlformats.org/drawingml/2006/table">
+            <a:tbl>
+              <a:tblPr>
+                <a:tableStyleId>{5C22544A-7EE6-4342-B048-85BDC9FD1C3A}</a:tableStyleId>
+              </a:tblPr>
+              <a:tblGrid>
+                <a:gridCol w="1022352">
+                  <a:extLst>
+                    <a:ext uri="{9D8B030D-6E8A-4147-A177-3AD203B41FA5}">
+                      <a16:colId xmlns:a16="http://schemas.microsoft.com/office/drawing/2014/main" val="2146482021"/>
+                    </a:ext>
+                  </a:extLst>
+                </a:gridCol>
+                <a:gridCol w="1504950">
+                  <a:extLst>
+                    <a:ext uri="{9D8B030D-6E8A-4147-A177-3AD203B41FA5}">
+                      <a16:colId xmlns:a16="http://schemas.microsoft.com/office/drawing/2014/main" val="1974750064"/>
+                    </a:ext>
+                  </a:extLst>
+                </a:gridCol>
+                <a:gridCol w="1504950">
+                  <a:extLst>
+                    <a:ext uri="{9D8B030D-6E8A-4147-A177-3AD203B41FA5}">
+                      <a16:colId xmlns:a16="http://schemas.microsoft.com/office/drawing/2014/main" val="296797018"/>
+                    </a:ext>
+                  </a:extLst>
+                </a:gridCol>
+                <a:gridCol w="1289048">
+                  <a:extLst>
+                    <a:ext uri="{9D8B030D-6E8A-4147-A177-3AD203B41FA5}">
+                      <a16:colId xmlns:a16="http://schemas.microsoft.com/office/drawing/2014/main" val="589864739"/>
+                    </a:ext>
+                  </a:extLst>
+                </a:gridCol>
+                <a:gridCol w="1111252">
+                  <a:extLst>
+                    <a:ext uri="{9D8B030D-6E8A-4147-A177-3AD203B41FA5}">
+                      <a16:colId xmlns:a16="http://schemas.microsoft.com/office/drawing/2014/main" val="4005239977"/>
+                    </a:ext>
+                  </a:extLst>
+                </a:gridCol>
+                <a:gridCol w="1352550">
+                  <a:extLst>
+                    <a:ext uri="{9D8B030D-6E8A-4147-A177-3AD203B41FA5}">
+                      <a16:colId xmlns:a16="http://schemas.microsoft.com/office/drawing/2014/main" val="1135824389"/>
+                    </a:ext>
+                  </a:extLst>
+                </a:gridCol>
+                <a:gridCol w="1130300">
+                  <a:extLst>
+                    <a:ext uri="{9D8B030D-6E8A-4147-A177-3AD203B41FA5}">
+                      <a16:colId xmlns:a16="http://schemas.microsoft.com/office/drawing/2014/main" val="1960139969"/>
+                    </a:ext>
+                  </a:extLst>
+                </a:gridCol>
+              </a:tblGrid>
+              <a:tr h="177800">
+                <a:tc>
+                  <a:txBody>
+                    <a:bodyPr/>
+                    <a:lstStyle/>
+                    <a:p>
+                      <a:pPr algn="l" fontAlgn="b"/>
+                      <a:r>
+                        <a:rPr lang="en-US" sz="1100" u="none" strike="noStrike">
+                          <a:effectLst/>
+                        </a:rPr>
+                        <a:t>Algorithm</a:t>
+                      </a:r>
+                      <a:endParaRPr lang="en-US" sz="1100" b="0" i="0" u="none" strike="noStrike">
+                        <a:solidFill>
+                          <a:srgbClr val="000000"/>
+                        </a:solidFill>
+                        <a:effectLst/>
+                        <a:latin typeface="等线" panose="02010600030101010101" pitchFamily="2" charset="-122"/>
+                        <a:ea typeface="等线" panose="02010600030101010101" pitchFamily="2" charset="-122"/>
+                      </a:endParaRPr>
+                    </a:p>
+                  </a:txBody>
+                  <a:tcPr marL="6350" marR="6350" marT="6350" marB="0" anchor="b"/>
+                </a:tc>
+                <a:tc>
+                  <a:txBody>
+                    <a:bodyPr/>
+                    <a:lstStyle/>
+                    <a:p>
+                      <a:pPr algn="l" fontAlgn="b"/>
+                      <a:r>
+                        <a:rPr lang="en-US" sz="1100" u="none" strike="noStrike">
+                          <a:effectLst/>
+                        </a:rPr>
+                        <a:t>Time</a:t>
+                      </a:r>
+                      <a:endParaRPr lang="en-US" sz="1100" b="0" i="0" u="none" strike="noStrike">
+                        <a:solidFill>
+                          <a:srgbClr val="000000"/>
+                        </a:solidFill>
+                        <a:effectLst/>
+                        <a:latin typeface="等线" panose="02010600030101010101" pitchFamily="2" charset="-122"/>
+                        <a:ea typeface="等线" panose="02010600030101010101" pitchFamily="2" charset="-122"/>
+                      </a:endParaRPr>
+                    </a:p>
+                  </a:txBody>
+                  <a:tcPr marL="6350" marR="6350" marT="6350" marB="0" anchor="b"/>
+                </a:tc>
+                <a:tc>
+                  <a:txBody>
+                    <a:bodyPr/>
+                    <a:lstStyle/>
+                    <a:p>
+                      <a:pPr algn="l" fontAlgn="b"/>
+                      <a:r>
+                        <a:rPr lang="en-US" sz="1100" u="none" strike="noStrike">
+                          <a:effectLst/>
+                        </a:rPr>
+                        <a:t>DR</a:t>
+                      </a:r>
+                      <a:endParaRPr lang="en-US" sz="1100" b="0" i="0" u="none" strike="noStrike">
+                        <a:solidFill>
+                          <a:srgbClr val="000000"/>
+                        </a:solidFill>
+                        <a:effectLst/>
+                        <a:latin typeface="等线" panose="02010600030101010101" pitchFamily="2" charset="-122"/>
+                        <a:ea typeface="等线" panose="02010600030101010101" pitchFamily="2" charset="-122"/>
+                      </a:endParaRPr>
+                    </a:p>
+                  </a:txBody>
+                  <a:tcPr marL="6350" marR="6350" marT="6350" marB="0" anchor="b"/>
+                </a:tc>
+                <a:tc>
+                  <a:txBody>
+                    <a:bodyPr/>
+                    <a:lstStyle/>
+                    <a:p>
+                      <a:pPr algn="l" fontAlgn="b"/>
+                      <a:r>
+                        <a:rPr lang="en-US" sz="1100" u="none" strike="noStrike">
+                          <a:effectLst/>
+                        </a:rPr>
+                        <a:t>Validation</a:t>
+                      </a:r>
+                      <a:endParaRPr lang="en-US" sz="1100" b="0" i="0" u="none" strike="noStrike">
+                        <a:solidFill>
+                          <a:srgbClr val="000000"/>
+                        </a:solidFill>
+                        <a:effectLst/>
+                        <a:latin typeface="等线" panose="02010600030101010101" pitchFamily="2" charset="-122"/>
+                        <a:ea typeface="等线" panose="02010600030101010101" pitchFamily="2" charset="-122"/>
+                      </a:endParaRPr>
+                    </a:p>
+                  </a:txBody>
+                  <a:tcPr marL="6350" marR="6350" marT="6350" marB="0" anchor="b"/>
+                </a:tc>
+                <a:tc>
+                  <a:txBody>
+                    <a:bodyPr/>
+                    <a:lstStyle/>
+                    <a:p>
+                      <a:pPr algn="l" fontAlgn="b"/>
+                      <a:r>
+                        <a:rPr lang="en-US" sz="1100" u="none" strike="noStrike">
+                          <a:effectLst/>
+                        </a:rPr>
+                        <a:t>Classifier</a:t>
+                      </a:r>
+                      <a:endParaRPr lang="en-US" sz="1100" b="0" i="0" u="none" strike="noStrike">
+                        <a:solidFill>
+                          <a:srgbClr val="000000"/>
+                        </a:solidFill>
+                        <a:effectLst/>
+                        <a:latin typeface="等线" panose="02010600030101010101" pitchFamily="2" charset="-122"/>
+                        <a:ea typeface="等线" panose="02010600030101010101" pitchFamily="2" charset="-122"/>
+                      </a:endParaRPr>
+                    </a:p>
+                  </a:txBody>
+                  <a:tcPr marL="6350" marR="6350" marT="6350" marB="0" anchor="b"/>
+                </a:tc>
+                <a:tc>
+                  <a:txBody>
+                    <a:bodyPr/>
+                    <a:lstStyle/>
+                    <a:p>
+                      <a:pPr algn="l" fontAlgn="b"/>
+                      <a:r>
+                        <a:rPr lang="en-US" sz="1100" u="none" strike="noStrike">
+                          <a:effectLst/>
+                        </a:rPr>
+                        <a:t>AC</a:t>
+                      </a:r>
+                      <a:endParaRPr lang="en-US" sz="1100" b="0" i="0" u="none" strike="noStrike">
+                        <a:solidFill>
+                          <a:srgbClr val="000000"/>
+                        </a:solidFill>
+                        <a:effectLst/>
+                        <a:latin typeface="等线" panose="02010600030101010101" pitchFamily="2" charset="-122"/>
+                        <a:ea typeface="等线" panose="02010600030101010101" pitchFamily="2" charset="-122"/>
+                      </a:endParaRPr>
+                    </a:p>
+                  </a:txBody>
+                  <a:tcPr marL="6350" marR="6350" marT="6350" marB="0" anchor="b"/>
+                </a:tc>
+                <a:tc>
+                  <a:txBody>
+                    <a:bodyPr/>
+                    <a:lstStyle/>
+                    <a:p>
+                      <a:pPr algn="l" fontAlgn="b"/>
+                      <a:r>
+                        <a:rPr lang="en-US" sz="1100" u="none" strike="noStrike">
+                          <a:effectLst/>
+                        </a:rPr>
+                        <a:t>Acc Delta</a:t>
+                      </a:r>
+                      <a:endParaRPr lang="en-US" sz="1100" b="0" i="0" u="none" strike="noStrike">
+                        <a:solidFill>
+                          <a:srgbClr val="000000"/>
+                        </a:solidFill>
+                        <a:effectLst/>
+                        <a:latin typeface="等线" panose="02010600030101010101" pitchFamily="2" charset="-122"/>
+                        <a:ea typeface="等线" panose="02010600030101010101" pitchFamily="2" charset="-122"/>
+                      </a:endParaRPr>
+                    </a:p>
+                  </a:txBody>
+                  <a:tcPr marL="6350" marR="6350" marT="6350" marB="0" anchor="b"/>
+                </a:tc>
+                <a:extLst>
+                  <a:ext uri="{0D108BD9-81ED-4DB2-BD59-A6C34878D82A}">
+                    <a16:rowId xmlns:a16="http://schemas.microsoft.com/office/drawing/2014/main" val="2155787609"/>
+                  </a:ext>
+                </a:extLst>
+              </a:tr>
+              <a:tr h="177800">
+                <a:tc>
+                  <a:txBody>
+                    <a:bodyPr/>
+                    <a:lstStyle/>
+                    <a:p>
+                      <a:pPr algn="l" fontAlgn="b"/>
+                      <a:r>
+                        <a:rPr lang="en-US" sz="1100" u="none" strike="noStrike">
+                          <a:effectLst/>
+                        </a:rPr>
+                        <a:t>GDFS</a:t>
+                      </a:r>
+                      <a:endParaRPr lang="en-US" sz="1100" b="0" i="0" u="none" strike="noStrike">
+                        <a:solidFill>
+                          <a:srgbClr val="000000"/>
+                        </a:solidFill>
+                        <a:effectLst/>
+                        <a:latin typeface="等线" panose="02010600030101010101" pitchFamily="2" charset="-122"/>
+                        <a:ea typeface="等线" panose="02010600030101010101" pitchFamily="2" charset="-122"/>
+                      </a:endParaRPr>
+                    </a:p>
+                  </a:txBody>
+                  <a:tcPr marL="6350" marR="6350" marT="6350" marB="0" anchor="b"/>
+                </a:tc>
+                <a:tc>
+                  <a:txBody>
+                    <a:bodyPr/>
+                    <a:lstStyle/>
+                    <a:p>
+                      <a:pPr algn="r" fontAlgn="b"/>
+                      <a:r>
+                        <a:rPr lang="en-US" altLang="zh-CN" sz="1100" u="none" strike="noStrike">
+                          <a:effectLst/>
+                        </a:rPr>
+                        <a:t>109.3668821</a:t>
+                      </a:r>
+                      <a:endParaRPr lang="en-US" altLang="zh-CN" sz="1100" b="0" i="0" u="none" strike="noStrike">
+                        <a:solidFill>
+                          <a:srgbClr val="000000"/>
+                        </a:solidFill>
+                        <a:effectLst/>
+                        <a:latin typeface="等线" panose="02010600030101010101" pitchFamily="2" charset="-122"/>
+                        <a:ea typeface="等线" panose="02010600030101010101" pitchFamily="2" charset="-122"/>
+                      </a:endParaRPr>
+                    </a:p>
+                  </a:txBody>
+                  <a:tcPr marL="6350" marR="6350" marT="6350" marB="0" anchor="b"/>
+                </a:tc>
+                <a:tc>
+                  <a:txBody>
+                    <a:bodyPr/>
+                    <a:lstStyle/>
+                    <a:p>
+                      <a:pPr algn="r" fontAlgn="b"/>
+                      <a:r>
+                        <a:rPr lang="en-US" altLang="zh-CN" sz="1100" u="none" strike="noStrike">
+                          <a:effectLst/>
+                        </a:rPr>
+                        <a:t>0.692307692</a:t>
+                      </a:r>
+                      <a:endParaRPr lang="en-US" altLang="zh-CN" sz="1100" b="0" i="0" u="none" strike="noStrike">
+                        <a:solidFill>
+                          <a:srgbClr val="006100"/>
+                        </a:solidFill>
+                        <a:effectLst/>
+                        <a:latin typeface="等线" panose="02010600030101010101" pitchFamily="2" charset="-122"/>
+                        <a:ea typeface="等线" panose="02010600030101010101" pitchFamily="2" charset="-122"/>
+                      </a:endParaRPr>
+                    </a:p>
+                  </a:txBody>
+                  <a:tcPr marL="6350" marR="6350" marT="6350" marB="0" anchor="b"/>
+                </a:tc>
+                <a:tc>
+                  <a:txBody>
+                    <a:bodyPr/>
+                    <a:lstStyle/>
+                    <a:p>
+                      <a:pPr algn="l" fontAlgn="b"/>
+                      <a:r>
+                        <a:rPr lang="en-US" sz="1100" u="none" strike="noStrike">
+                          <a:effectLst/>
+                        </a:rPr>
+                        <a:t>10-fold</a:t>
+                      </a:r>
+                      <a:endParaRPr lang="en-US" sz="1100" b="0" i="0" u="none" strike="noStrike">
+                        <a:solidFill>
+                          <a:srgbClr val="000000"/>
+                        </a:solidFill>
+                        <a:effectLst/>
+                        <a:latin typeface="等线" panose="02010600030101010101" pitchFamily="2" charset="-122"/>
+                        <a:ea typeface="等线" panose="02010600030101010101" pitchFamily="2" charset="-122"/>
+                      </a:endParaRPr>
+                    </a:p>
+                  </a:txBody>
+                  <a:tcPr marL="6350" marR="6350" marT="6350" marB="0" anchor="b"/>
+                </a:tc>
+                <a:tc>
+                  <a:txBody>
+                    <a:bodyPr/>
+                    <a:lstStyle/>
+                    <a:p>
+                      <a:pPr algn="l" fontAlgn="b"/>
+                      <a:r>
+                        <a:rPr lang="en-US" sz="1100" u="none" strike="noStrike">
+                          <a:effectLst/>
+                        </a:rPr>
+                        <a:t>1nn</a:t>
+                      </a:r>
+                      <a:endParaRPr lang="en-US" sz="1100" b="0" i="0" u="none" strike="noStrike">
+                        <a:solidFill>
+                          <a:srgbClr val="000000"/>
+                        </a:solidFill>
+                        <a:effectLst/>
+                        <a:latin typeface="等线" panose="02010600030101010101" pitchFamily="2" charset="-122"/>
+                        <a:ea typeface="等线" panose="02010600030101010101" pitchFamily="2" charset="-122"/>
+                      </a:endParaRPr>
+                    </a:p>
+                  </a:txBody>
+                  <a:tcPr marL="6350" marR="6350" marT="6350" marB="0" anchor="b"/>
+                </a:tc>
+                <a:tc>
+                  <a:txBody>
+                    <a:bodyPr/>
+                    <a:lstStyle/>
+                    <a:p>
+                      <a:pPr algn="r" fontAlgn="b"/>
+                      <a:r>
+                        <a:rPr lang="en-US" altLang="zh-CN" sz="1100" u="none" strike="noStrike">
+                          <a:effectLst/>
+                        </a:rPr>
+                        <a:t>0.722222222</a:t>
+                      </a:r>
+                      <a:endParaRPr lang="en-US" altLang="zh-CN" sz="1100" b="0" i="0" u="none" strike="noStrike">
+                        <a:solidFill>
+                          <a:srgbClr val="000000"/>
+                        </a:solidFill>
+                        <a:effectLst/>
+                        <a:latin typeface="等线" panose="02010600030101010101" pitchFamily="2" charset="-122"/>
+                        <a:ea typeface="等线" panose="02010600030101010101" pitchFamily="2" charset="-122"/>
+                      </a:endParaRPr>
+                    </a:p>
+                  </a:txBody>
+                  <a:tcPr marL="6350" marR="6350" marT="6350" marB="0" anchor="b"/>
+                </a:tc>
+                <a:tc>
+                  <a:txBody>
+                    <a:bodyPr/>
+                    <a:lstStyle/>
+                    <a:p>
+                      <a:pPr algn="r" fontAlgn="b"/>
+                      <a:r>
+                        <a:rPr lang="en-US" altLang="zh-CN" sz="1100" u="none" strike="noStrike">
+                          <a:effectLst/>
+                        </a:rPr>
+                        <a:t>5.797101449</a:t>
+                      </a:r>
+                      <a:endParaRPr lang="en-US" altLang="zh-CN" sz="1100" b="0" i="0" u="none" strike="noStrike">
+                        <a:solidFill>
+                          <a:srgbClr val="000000"/>
+                        </a:solidFill>
+                        <a:effectLst/>
+                        <a:latin typeface="等线" panose="02010600030101010101" pitchFamily="2" charset="-122"/>
+                        <a:ea typeface="等线" panose="02010600030101010101" pitchFamily="2" charset="-122"/>
+                      </a:endParaRPr>
+                    </a:p>
+                  </a:txBody>
+                  <a:tcPr marL="6350" marR="6350" marT="6350" marB="0" anchor="b"/>
+                </a:tc>
+                <a:extLst>
+                  <a:ext uri="{0D108BD9-81ED-4DB2-BD59-A6C34878D82A}">
+                    <a16:rowId xmlns:a16="http://schemas.microsoft.com/office/drawing/2014/main" val="2653243732"/>
+                  </a:ext>
+                </a:extLst>
+              </a:tr>
+              <a:tr h="177800">
+                <a:tc>
+                  <a:txBody>
+                    <a:bodyPr/>
+                    <a:lstStyle/>
+                    <a:p>
+                      <a:pPr algn="l" fontAlgn="b"/>
+                      <a:endParaRPr lang="zh-CN" altLang="en-US" sz="1100" b="0" i="0" u="none" strike="noStrike">
+                        <a:solidFill>
+                          <a:srgbClr val="000000"/>
+                        </a:solidFill>
+                        <a:effectLst/>
+                        <a:latin typeface="等线" panose="02010600030101010101" pitchFamily="2" charset="-122"/>
+                        <a:ea typeface="等线" panose="02010600030101010101" pitchFamily="2" charset="-122"/>
+                      </a:endParaRPr>
+                    </a:p>
+                  </a:txBody>
+                  <a:tcPr marL="6350" marR="6350" marT="6350" marB="0" anchor="b"/>
+                </a:tc>
+                <a:tc>
+                  <a:txBody>
+                    <a:bodyPr/>
+                    <a:lstStyle/>
+                    <a:p>
+                      <a:pPr algn="r" fontAlgn="b"/>
+                      <a:r>
+                        <a:rPr lang="en-US" altLang="zh-CN" sz="1100" u="none" strike="noStrike">
+                          <a:effectLst/>
+                        </a:rPr>
+                        <a:t>109.4465117</a:t>
+                      </a:r>
+                      <a:endParaRPr lang="en-US" altLang="zh-CN" sz="1100" b="0" i="0" u="none" strike="noStrike">
+                        <a:solidFill>
+                          <a:srgbClr val="000000"/>
+                        </a:solidFill>
+                        <a:effectLst/>
+                        <a:latin typeface="等线" panose="02010600030101010101" pitchFamily="2" charset="-122"/>
+                        <a:ea typeface="等线" panose="02010600030101010101" pitchFamily="2" charset="-122"/>
+                      </a:endParaRPr>
+                    </a:p>
+                  </a:txBody>
+                  <a:tcPr marL="6350" marR="6350" marT="6350" marB="0" anchor="b"/>
+                </a:tc>
+                <a:tc>
+                  <a:txBody>
+                    <a:bodyPr/>
+                    <a:lstStyle/>
+                    <a:p>
+                      <a:pPr algn="r" fontAlgn="b"/>
+                      <a:r>
+                        <a:rPr lang="en-US" altLang="zh-CN" sz="1100" u="none" strike="noStrike">
+                          <a:effectLst/>
+                        </a:rPr>
+                        <a:t>0.692307692</a:t>
+                      </a:r>
+                      <a:endParaRPr lang="en-US" altLang="zh-CN" sz="1100" b="0" i="0" u="none" strike="noStrike">
+                        <a:solidFill>
+                          <a:srgbClr val="006100"/>
+                        </a:solidFill>
+                        <a:effectLst/>
+                        <a:latin typeface="等线" panose="02010600030101010101" pitchFamily="2" charset="-122"/>
+                        <a:ea typeface="等线" panose="02010600030101010101" pitchFamily="2" charset="-122"/>
+                      </a:endParaRPr>
+                    </a:p>
+                  </a:txBody>
+                  <a:tcPr marL="6350" marR="6350" marT="6350" marB="0" anchor="b"/>
+                </a:tc>
+                <a:tc>
+                  <a:txBody>
+                    <a:bodyPr/>
+                    <a:lstStyle/>
+                    <a:p>
+                      <a:pPr algn="l" fontAlgn="b"/>
+                      <a:r>
+                        <a:rPr lang="en-US" sz="1100" u="none" strike="noStrike">
+                          <a:effectLst/>
+                        </a:rPr>
+                        <a:t>10-fold</a:t>
+                      </a:r>
+                      <a:endParaRPr lang="en-US" sz="1100" b="0" i="0" u="none" strike="noStrike">
+                        <a:solidFill>
+                          <a:srgbClr val="000000"/>
+                        </a:solidFill>
+                        <a:effectLst/>
+                        <a:latin typeface="等线" panose="02010600030101010101" pitchFamily="2" charset="-122"/>
+                        <a:ea typeface="等线" panose="02010600030101010101" pitchFamily="2" charset="-122"/>
+                      </a:endParaRPr>
+                    </a:p>
+                  </a:txBody>
+                  <a:tcPr marL="6350" marR="6350" marT="6350" marB="0" anchor="b"/>
+                </a:tc>
+                <a:tc>
+                  <a:txBody>
+                    <a:bodyPr/>
+                    <a:lstStyle/>
+                    <a:p>
+                      <a:pPr algn="l" fontAlgn="b"/>
+                      <a:r>
+                        <a:rPr lang="en-US" sz="1100" u="none" strike="noStrike">
+                          <a:effectLst/>
+                        </a:rPr>
+                        <a:t>5nn</a:t>
+                      </a:r>
+                      <a:endParaRPr lang="en-US" sz="1100" b="0" i="0" u="none" strike="noStrike">
+                        <a:solidFill>
+                          <a:srgbClr val="000000"/>
+                        </a:solidFill>
+                        <a:effectLst/>
+                        <a:latin typeface="等线" panose="02010600030101010101" pitchFamily="2" charset="-122"/>
+                        <a:ea typeface="等线" panose="02010600030101010101" pitchFamily="2" charset="-122"/>
+                      </a:endParaRPr>
+                    </a:p>
+                  </a:txBody>
+                  <a:tcPr marL="6350" marR="6350" marT="6350" marB="0" anchor="b"/>
+                </a:tc>
+                <a:tc>
+                  <a:txBody>
+                    <a:bodyPr/>
+                    <a:lstStyle/>
+                    <a:p>
+                      <a:pPr algn="r" fontAlgn="b"/>
+                      <a:r>
+                        <a:rPr lang="en-US" altLang="zh-CN" sz="1100" u="none" strike="noStrike">
+                          <a:effectLst/>
+                        </a:rPr>
+                        <a:t>0.744444444</a:t>
+                      </a:r>
+                      <a:endParaRPr lang="en-US" altLang="zh-CN" sz="1100" b="0" i="0" u="none" strike="noStrike">
+                        <a:solidFill>
+                          <a:srgbClr val="000000"/>
+                        </a:solidFill>
+                        <a:effectLst/>
+                        <a:latin typeface="等线" panose="02010600030101010101" pitchFamily="2" charset="-122"/>
+                        <a:ea typeface="等线" panose="02010600030101010101" pitchFamily="2" charset="-122"/>
+                      </a:endParaRPr>
+                    </a:p>
+                  </a:txBody>
+                  <a:tcPr marL="6350" marR="6350" marT="6350" marB="0" anchor="b"/>
+                </a:tc>
+                <a:tc>
+                  <a:txBody>
+                    <a:bodyPr/>
+                    <a:lstStyle/>
+                    <a:p>
+                      <a:pPr algn="r" fontAlgn="b"/>
+                      <a:r>
+                        <a:rPr lang="en-US" altLang="zh-CN" sz="1100" u="none" strike="noStrike">
+                          <a:effectLst/>
+                        </a:rPr>
+                        <a:t>11.84210526</a:t>
+                      </a:r>
+                      <a:endParaRPr lang="en-US" altLang="zh-CN" sz="1100" b="0" i="0" u="none" strike="noStrike">
+                        <a:solidFill>
+                          <a:srgbClr val="000000"/>
+                        </a:solidFill>
+                        <a:effectLst/>
+                        <a:latin typeface="等线" panose="02010600030101010101" pitchFamily="2" charset="-122"/>
+                        <a:ea typeface="等线" panose="02010600030101010101" pitchFamily="2" charset="-122"/>
+                      </a:endParaRPr>
+                    </a:p>
+                  </a:txBody>
+                  <a:tcPr marL="6350" marR="6350" marT="6350" marB="0" anchor="b"/>
+                </a:tc>
+                <a:extLst>
+                  <a:ext uri="{0D108BD9-81ED-4DB2-BD59-A6C34878D82A}">
+                    <a16:rowId xmlns:a16="http://schemas.microsoft.com/office/drawing/2014/main" val="2205794276"/>
+                  </a:ext>
+                </a:extLst>
+              </a:tr>
+              <a:tr h="177800">
+                <a:tc>
+                  <a:txBody>
+                    <a:bodyPr/>
+                    <a:lstStyle/>
+                    <a:p>
+                      <a:pPr algn="l" fontAlgn="b"/>
+                      <a:endParaRPr lang="zh-CN" altLang="en-US" sz="1100" b="0" i="0" u="none" strike="noStrike">
+                        <a:solidFill>
+                          <a:srgbClr val="000000"/>
+                        </a:solidFill>
+                        <a:effectLst/>
+                        <a:latin typeface="等线" panose="02010600030101010101" pitchFamily="2" charset="-122"/>
+                        <a:ea typeface="等线" panose="02010600030101010101" pitchFamily="2" charset="-122"/>
+                      </a:endParaRPr>
+                    </a:p>
+                  </a:txBody>
+                  <a:tcPr marL="6350" marR="6350" marT="6350" marB="0" anchor="b"/>
+                </a:tc>
+                <a:tc>
+                  <a:txBody>
+                    <a:bodyPr/>
+                    <a:lstStyle/>
+                    <a:p>
+                      <a:pPr algn="r" fontAlgn="b"/>
+                      <a:r>
+                        <a:rPr lang="en-US" altLang="zh-CN" sz="1100" u="none" strike="noStrike">
+                          <a:effectLst/>
+                        </a:rPr>
+                        <a:t>2.325107336</a:t>
+                      </a:r>
+                      <a:endParaRPr lang="en-US" altLang="zh-CN" sz="1100" b="0" i="0" u="none" strike="noStrike">
+                        <a:solidFill>
+                          <a:srgbClr val="000000"/>
+                        </a:solidFill>
+                        <a:effectLst/>
+                        <a:latin typeface="等线" panose="02010600030101010101" pitchFamily="2" charset="-122"/>
+                        <a:ea typeface="等线" panose="02010600030101010101" pitchFamily="2" charset="-122"/>
+                      </a:endParaRPr>
+                    </a:p>
+                  </a:txBody>
+                  <a:tcPr marL="6350" marR="6350" marT="6350" marB="0" anchor="b"/>
+                </a:tc>
+                <a:tc>
+                  <a:txBody>
+                    <a:bodyPr/>
+                    <a:lstStyle/>
+                    <a:p>
+                      <a:pPr algn="r" fontAlgn="b"/>
+                      <a:r>
+                        <a:rPr lang="en-US" altLang="zh-CN" sz="1100" u="none" strike="noStrike">
+                          <a:effectLst/>
+                        </a:rPr>
+                        <a:t>0.769230769</a:t>
+                      </a:r>
+                      <a:endParaRPr lang="en-US" altLang="zh-CN" sz="1100" b="0" i="0" u="none" strike="noStrike">
+                        <a:solidFill>
+                          <a:srgbClr val="006100"/>
+                        </a:solidFill>
+                        <a:effectLst/>
+                        <a:latin typeface="等线" panose="02010600030101010101" pitchFamily="2" charset="-122"/>
+                        <a:ea typeface="等线" panose="02010600030101010101" pitchFamily="2" charset="-122"/>
+                      </a:endParaRPr>
+                    </a:p>
+                  </a:txBody>
+                  <a:tcPr marL="6350" marR="6350" marT="6350" marB="0" anchor="b"/>
+                </a:tc>
+                <a:tc>
+                  <a:txBody>
+                    <a:bodyPr/>
+                    <a:lstStyle/>
+                    <a:p>
+                      <a:pPr algn="l" fontAlgn="b"/>
+                      <a:r>
+                        <a:rPr lang="en-US" sz="1100" u="none" strike="noStrike">
+                          <a:effectLst/>
+                        </a:rPr>
+                        <a:t>10-fold</a:t>
+                      </a:r>
+                      <a:endParaRPr lang="en-US" sz="1100" b="0" i="0" u="none" strike="noStrike">
+                        <a:solidFill>
+                          <a:srgbClr val="000000"/>
+                        </a:solidFill>
+                        <a:effectLst/>
+                        <a:latin typeface="等线" panose="02010600030101010101" pitchFamily="2" charset="-122"/>
+                        <a:ea typeface="等线" panose="02010600030101010101" pitchFamily="2" charset="-122"/>
+                      </a:endParaRPr>
+                    </a:p>
+                  </a:txBody>
+                  <a:tcPr marL="6350" marR="6350" marT="6350" marB="0" anchor="b"/>
+                </a:tc>
+                <a:tc>
+                  <a:txBody>
+                    <a:bodyPr/>
+                    <a:lstStyle/>
+                    <a:p>
+                      <a:pPr algn="l" fontAlgn="b"/>
+                      <a:r>
+                        <a:rPr lang="en-US" sz="1100" u="none" strike="noStrike">
+                          <a:effectLst/>
+                        </a:rPr>
+                        <a:t>SVM</a:t>
+                      </a:r>
+                      <a:endParaRPr lang="en-US" sz="1100" b="0" i="0" u="none" strike="noStrike">
+                        <a:solidFill>
+                          <a:srgbClr val="000000"/>
+                        </a:solidFill>
+                        <a:effectLst/>
+                        <a:latin typeface="等线" panose="02010600030101010101" pitchFamily="2" charset="-122"/>
+                        <a:ea typeface="等线" panose="02010600030101010101" pitchFamily="2" charset="-122"/>
+                      </a:endParaRPr>
+                    </a:p>
+                  </a:txBody>
+                  <a:tcPr marL="6350" marR="6350" marT="6350" marB="0" anchor="b"/>
+                </a:tc>
+                <a:tc>
+                  <a:txBody>
+                    <a:bodyPr/>
+                    <a:lstStyle/>
+                    <a:p>
+                      <a:pPr algn="r" fontAlgn="b"/>
+                      <a:r>
+                        <a:rPr lang="en-US" altLang="zh-CN" sz="1100" u="none" strike="noStrike">
+                          <a:effectLst/>
+                        </a:rPr>
+                        <a:t>0.77037037</a:t>
+                      </a:r>
+                      <a:endParaRPr lang="en-US" altLang="zh-CN" sz="1100" b="0" i="0" u="none" strike="noStrike">
+                        <a:solidFill>
+                          <a:srgbClr val="000000"/>
+                        </a:solidFill>
+                        <a:effectLst/>
+                        <a:latin typeface="等线" panose="02010600030101010101" pitchFamily="2" charset="-122"/>
+                        <a:ea typeface="等线" panose="02010600030101010101" pitchFamily="2" charset="-122"/>
+                      </a:endParaRPr>
+                    </a:p>
+                  </a:txBody>
+                  <a:tcPr marL="6350" marR="6350" marT="6350" marB="0" anchor="b"/>
+                </a:tc>
+                <a:tc>
+                  <a:txBody>
+                    <a:bodyPr/>
+                    <a:lstStyle/>
+                    <a:p>
+                      <a:pPr algn="r" fontAlgn="b"/>
+                      <a:r>
+                        <a:rPr lang="en-US" altLang="zh-CN" sz="1100" u="none" strike="noStrike">
+                          <a:effectLst/>
+                        </a:rPr>
+                        <a:t>8.370044053</a:t>
+                      </a:r>
+                      <a:endParaRPr lang="en-US" altLang="zh-CN" sz="1100" b="0" i="0" u="none" strike="noStrike">
+                        <a:solidFill>
+                          <a:srgbClr val="000000"/>
+                        </a:solidFill>
+                        <a:effectLst/>
+                        <a:latin typeface="等线" panose="02010600030101010101" pitchFamily="2" charset="-122"/>
+                        <a:ea typeface="等线" panose="02010600030101010101" pitchFamily="2" charset="-122"/>
+                      </a:endParaRPr>
+                    </a:p>
+                  </a:txBody>
+                  <a:tcPr marL="6350" marR="6350" marT="6350" marB="0" anchor="b"/>
+                </a:tc>
+                <a:extLst>
+                  <a:ext uri="{0D108BD9-81ED-4DB2-BD59-A6C34878D82A}">
+                    <a16:rowId xmlns:a16="http://schemas.microsoft.com/office/drawing/2014/main" val="3803526732"/>
+                  </a:ext>
+                </a:extLst>
+              </a:tr>
+              <a:tr h="177800">
+                <a:tc>
+                  <a:txBody>
+                    <a:bodyPr/>
+                    <a:lstStyle/>
+                    <a:p>
+                      <a:pPr algn="l" fontAlgn="b"/>
+                      <a:endParaRPr lang="zh-CN" altLang="en-US" sz="1100" b="0" i="0" u="none" strike="noStrike">
+                        <a:solidFill>
+                          <a:srgbClr val="000000"/>
+                        </a:solidFill>
+                        <a:effectLst/>
+                        <a:latin typeface="等线" panose="02010600030101010101" pitchFamily="2" charset="-122"/>
+                        <a:ea typeface="等线" panose="02010600030101010101" pitchFamily="2" charset="-122"/>
+                      </a:endParaRPr>
+                    </a:p>
+                  </a:txBody>
+                  <a:tcPr marL="6350" marR="6350" marT="6350" marB="0" anchor="b"/>
+                </a:tc>
+                <a:tc>
+                  <a:txBody>
+                    <a:bodyPr/>
+                    <a:lstStyle/>
+                    <a:p>
+                      <a:pPr algn="r" fontAlgn="b"/>
+                      <a:r>
+                        <a:rPr lang="en-US" altLang="zh-CN" sz="1100" u="none" strike="noStrike">
+                          <a:effectLst/>
+                        </a:rPr>
+                        <a:t>1.278161049</a:t>
+                      </a:r>
+                      <a:endParaRPr lang="en-US" altLang="zh-CN" sz="1100" b="0" i="0" u="none" strike="noStrike">
+                        <a:solidFill>
+                          <a:srgbClr val="000000"/>
+                        </a:solidFill>
+                        <a:effectLst/>
+                        <a:latin typeface="等线" panose="02010600030101010101" pitchFamily="2" charset="-122"/>
+                        <a:ea typeface="等线" panose="02010600030101010101" pitchFamily="2" charset="-122"/>
+                      </a:endParaRPr>
+                    </a:p>
+                  </a:txBody>
+                  <a:tcPr marL="6350" marR="6350" marT="6350" marB="0" anchor="b"/>
+                </a:tc>
+                <a:tc>
+                  <a:txBody>
+                    <a:bodyPr/>
+                    <a:lstStyle/>
+                    <a:p>
+                      <a:pPr algn="r" fontAlgn="b"/>
+                      <a:r>
+                        <a:rPr lang="en-US" altLang="zh-CN" sz="1100" u="none" strike="noStrike">
+                          <a:effectLst/>
+                        </a:rPr>
+                        <a:t>0.769230769</a:t>
+                      </a:r>
+                      <a:endParaRPr lang="en-US" altLang="zh-CN" sz="1100" b="0" i="0" u="none" strike="noStrike">
+                        <a:solidFill>
+                          <a:srgbClr val="006100"/>
+                        </a:solidFill>
+                        <a:effectLst/>
+                        <a:latin typeface="等线" panose="02010600030101010101" pitchFamily="2" charset="-122"/>
+                        <a:ea typeface="等线" panose="02010600030101010101" pitchFamily="2" charset="-122"/>
+                      </a:endParaRPr>
+                    </a:p>
+                  </a:txBody>
+                  <a:tcPr marL="6350" marR="6350" marT="6350" marB="0" anchor="b"/>
+                </a:tc>
+                <a:tc>
+                  <a:txBody>
+                    <a:bodyPr/>
+                    <a:lstStyle/>
+                    <a:p>
+                      <a:pPr algn="l" fontAlgn="b"/>
+                      <a:r>
+                        <a:rPr lang="en-US" sz="1100" u="none" strike="noStrike">
+                          <a:effectLst/>
+                        </a:rPr>
+                        <a:t>10-fold </a:t>
+                      </a:r>
+                      <a:endParaRPr lang="en-US" sz="1100" b="0" i="0" u="none" strike="noStrike">
+                        <a:solidFill>
+                          <a:srgbClr val="000000"/>
+                        </a:solidFill>
+                        <a:effectLst/>
+                        <a:latin typeface="等线" panose="02010600030101010101" pitchFamily="2" charset="-122"/>
+                        <a:ea typeface="等线" panose="02010600030101010101" pitchFamily="2" charset="-122"/>
+                      </a:endParaRPr>
+                    </a:p>
+                  </a:txBody>
+                  <a:tcPr marL="6350" marR="6350" marT="6350" marB="0" anchor="b"/>
+                </a:tc>
+                <a:tc>
+                  <a:txBody>
+                    <a:bodyPr/>
+                    <a:lstStyle/>
+                    <a:p>
+                      <a:pPr algn="l" fontAlgn="b"/>
+                      <a:r>
+                        <a:rPr lang="en-US" sz="1100" u="none" strike="noStrike">
+                          <a:effectLst/>
+                        </a:rPr>
+                        <a:t>Cart</a:t>
+                      </a:r>
+                      <a:endParaRPr lang="en-US" sz="1100" b="0" i="0" u="none" strike="noStrike">
+                        <a:solidFill>
+                          <a:srgbClr val="000000"/>
+                        </a:solidFill>
+                        <a:effectLst/>
+                        <a:latin typeface="等线" panose="02010600030101010101" pitchFamily="2" charset="-122"/>
+                        <a:ea typeface="等线" panose="02010600030101010101" pitchFamily="2" charset="-122"/>
+                      </a:endParaRPr>
+                    </a:p>
+                  </a:txBody>
+                  <a:tcPr marL="6350" marR="6350" marT="6350" marB="0" anchor="b"/>
+                </a:tc>
+                <a:tc>
+                  <a:txBody>
+                    <a:bodyPr/>
+                    <a:lstStyle/>
+                    <a:p>
+                      <a:pPr algn="r" fontAlgn="b"/>
+                      <a:r>
+                        <a:rPr lang="en-US" altLang="zh-CN" sz="1100" u="none" strike="noStrike">
+                          <a:effectLst/>
+                        </a:rPr>
+                        <a:t>0.718518519</a:t>
+                      </a:r>
+                      <a:endParaRPr lang="en-US" altLang="zh-CN" sz="1100" b="0" i="0" u="none" strike="noStrike">
+                        <a:solidFill>
+                          <a:srgbClr val="000000"/>
+                        </a:solidFill>
+                        <a:effectLst/>
+                        <a:latin typeface="等线" panose="02010600030101010101" pitchFamily="2" charset="-122"/>
+                        <a:ea typeface="等线" panose="02010600030101010101" pitchFamily="2" charset="-122"/>
+                      </a:endParaRPr>
+                    </a:p>
+                  </a:txBody>
+                  <a:tcPr marL="6350" marR="6350" marT="6350" marB="0" anchor="b"/>
+                </a:tc>
+                <a:tc>
+                  <a:txBody>
+                    <a:bodyPr/>
+                    <a:lstStyle/>
+                    <a:p>
+                      <a:pPr algn="r" fontAlgn="b"/>
+                      <a:r>
+                        <a:rPr lang="en-US" altLang="zh-CN" sz="1100" u="none" strike="noStrike" dirty="0">
+                          <a:effectLst/>
+                        </a:rPr>
+                        <a:t>9.76744186</a:t>
+                      </a:r>
+                      <a:endParaRPr lang="en-US" altLang="zh-CN" sz="1100" b="0" i="0" u="none" strike="noStrike" dirty="0">
+                        <a:solidFill>
+                          <a:srgbClr val="000000"/>
+                        </a:solidFill>
+                        <a:effectLst/>
+                        <a:latin typeface="等线" panose="02010600030101010101" pitchFamily="2" charset="-122"/>
+                        <a:ea typeface="等线" panose="02010600030101010101" pitchFamily="2" charset="-122"/>
+                      </a:endParaRPr>
+                    </a:p>
+                  </a:txBody>
+                  <a:tcPr marL="6350" marR="6350" marT="6350" marB="0" anchor="b"/>
+                </a:tc>
+                <a:extLst>
+                  <a:ext uri="{0D108BD9-81ED-4DB2-BD59-A6C34878D82A}">
+                    <a16:rowId xmlns:a16="http://schemas.microsoft.com/office/drawing/2014/main" val="2786912876"/>
+                  </a:ext>
+                </a:extLst>
+              </a:tr>
+            </a:tbl>
+          </a:graphicData>
+        </a:graphic>
+      </p:graphicFrame>
+      <p:graphicFrame>
+        <p:nvGraphicFramePr>
+          <p:cNvPr id="5" name="表格 4">
+            <a:extLst>
+              <a:ext uri="{FF2B5EF4-FFF2-40B4-BE49-F238E27FC236}">
+                <a16:creationId xmlns:a16="http://schemas.microsoft.com/office/drawing/2014/main" id="{1603B32E-CCC8-494D-84A4-A76CE4C22C7D}"/>
+              </a:ext>
+            </a:extLst>
+          </p:cNvPr>
+          <p:cNvGraphicFramePr>
+            <a:graphicFrameLocks noGrp="1"/>
+          </p:cNvGraphicFramePr>
+          <p:nvPr>
+            <p:extLst>
+              <p:ext uri="{D42A27DB-BD31-4B8C-83A1-F6EECF244321}">
+                <p14:modId xmlns:p14="http://schemas.microsoft.com/office/powerpoint/2010/main" val="72592325"/>
+              </p:ext>
+            </p:extLst>
+          </p:nvPr>
+        </p:nvGraphicFramePr>
+        <p:xfrm>
+          <a:off x="1873248" y="3802964"/>
+          <a:ext cx="8915401" cy="889000"/>
+        </p:xfrm>
+        <a:graphic>
+          <a:graphicData uri="http://schemas.openxmlformats.org/drawingml/2006/table">
+            <a:tbl>
+              <a:tblPr>
+                <a:tableStyleId>{5C22544A-7EE6-4342-B048-85BDC9FD1C3A}</a:tableStyleId>
+              </a:tblPr>
+              <a:tblGrid>
+                <a:gridCol w="1047752">
+                  <a:extLst>
+                    <a:ext uri="{9D8B030D-6E8A-4147-A177-3AD203B41FA5}">
+                      <a16:colId xmlns:a16="http://schemas.microsoft.com/office/drawing/2014/main" val="3556997774"/>
+                    </a:ext>
+                  </a:extLst>
+                </a:gridCol>
+                <a:gridCol w="1485900">
+                  <a:extLst>
+                    <a:ext uri="{9D8B030D-6E8A-4147-A177-3AD203B41FA5}">
+                      <a16:colId xmlns:a16="http://schemas.microsoft.com/office/drawing/2014/main" val="4208829204"/>
+                    </a:ext>
+                  </a:extLst>
+                </a:gridCol>
+                <a:gridCol w="1577954">
+                  <a:extLst>
+                    <a:ext uri="{9D8B030D-6E8A-4147-A177-3AD203B41FA5}">
+                      <a16:colId xmlns:a16="http://schemas.microsoft.com/office/drawing/2014/main" val="2790421198"/>
+                    </a:ext>
+                  </a:extLst>
+                </a:gridCol>
+                <a:gridCol w="1247796">
+                  <a:extLst>
+                    <a:ext uri="{9D8B030D-6E8A-4147-A177-3AD203B41FA5}">
+                      <a16:colId xmlns:a16="http://schemas.microsoft.com/office/drawing/2014/main" val="2220657190"/>
+                    </a:ext>
+                  </a:extLst>
+                </a:gridCol>
+                <a:gridCol w="1117600">
+                  <a:extLst>
+                    <a:ext uri="{9D8B030D-6E8A-4147-A177-3AD203B41FA5}">
+                      <a16:colId xmlns:a16="http://schemas.microsoft.com/office/drawing/2014/main" val="2857467643"/>
+                    </a:ext>
+                  </a:extLst>
+                </a:gridCol>
+                <a:gridCol w="1352550">
+                  <a:extLst>
+                    <a:ext uri="{9D8B030D-6E8A-4147-A177-3AD203B41FA5}">
+                      <a16:colId xmlns:a16="http://schemas.microsoft.com/office/drawing/2014/main" val="2560298699"/>
+                    </a:ext>
+                  </a:extLst>
+                </a:gridCol>
+                <a:gridCol w="1085849">
+                  <a:extLst>
+                    <a:ext uri="{9D8B030D-6E8A-4147-A177-3AD203B41FA5}">
+                      <a16:colId xmlns:a16="http://schemas.microsoft.com/office/drawing/2014/main" val="1587733641"/>
+                    </a:ext>
+                  </a:extLst>
+                </a:gridCol>
+              </a:tblGrid>
+              <a:tr h="177800">
+                <a:tc>
+                  <a:txBody>
+                    <a:bodyPr/>
+                    <a:lstStyle/>
+                    <a:p>
+                      <a:pPr algn="l" fontAlgn="b"/>
+                      <a:r>
+                        <a:rPr lang="en-US" sz="1100" u="none" strike="noStrike">
+                          <a:effectLst/>
+                        </a:rPr>
+                        <a:t>Algorithm</a:t>
+                      </a:r>
+                      <a:endParaRPr lang="en-US" sz="1100" b="0" i="0" u="none" strike="noStrike">
+                        <a:solidFill>
+                          <a:srgbClr val="000000"/>
+                        </a:solidFill>
+                        <a:effectLst/>
+                        <a:latin typeface="等线" panose="02010600030101010101" pitchFamily="2" charset="-122"/>
+                        <a:ea typeface="等线" panose="02010600030101010101" pitchFamily="2" charset="-122"/>
+                      </a:endParaRPr>
+                    </a:p>
+                  </a:txBody>
+                  <a:tcPr marL="6350" marR="6350" marT="6350" marB="0" anchor="b"/>
+                </a:tc>
+                <a:tc>
+                  <a:txBody>
+                    <a:bodyPr/>
+                    <a:lstStyle/>
+                    <a:p>
+                      <a:pPr algn="l" fontAlgn="b"/>
+                      <a:r>
+                        <a:rPr lang="en-US" sz="1100" u="none" strike="noStrike">
+                          <a:effectLst/>
+                        </a:rPr>
+                        <a:t>Time</a:t>
+                      </a:r>
+                      <a:endParaRPr lang="en-US" sz="1100" b="0" i="0" u="none" strike="noStrike">
+                        <a:solidFill>
+                          <a:srgbClr val="000000"/>
+                        </a:solidFill>
+                        <a:effectLst/>
+                        <a:latin typeface="等线" panose="02010600030101010101" pitchFamily="2" charset="-122"/>
+                        <a:ea typeface="等线" panose="02010600030101010101" pitchFamily="2" charset="-122"/>
+                      </a:endParaRPr>
+                    </a:p>
+                  </a:txBody>
+                  <a:tcPr marL="6350" marR="6350" marT="6350" marB="0" anchor="b"/>
+                </a:tc>
+                <a:tc>
+                  <a:txBody>
+                    <a:bodyPr/>
+                    <a:lstStyle/>
+                    <a:p>
+                      <a:pPr algn="l" fontAlgn="b"/>
+                      <a:r>
+                        <a:rPr lang="en-US" sz="1100" u="none" strike="noStrike">
+                          <a:effectLst/>
+                        </a:rPr>
+                        <a:t>DR</a:t>
+                      </a:r>
+                      <a:endParaRPr lang="en-US" sz="1100" b="0" i="0" u="none" strike="noStrike">
+                        <a:solidFill>
+                          <a:srgbClr val="000000"/>
+                        </a:solidFill>
+                        <a:effectLst/>
+                        <a:latin typeface="等线" panose="02010600030101010101" pitchFamily="2" charset="-122"/>
+                        <a:ea typeface="等线" panose="02010600030101010101" pitchFamily="2" charset="-122"/>
+                      </a:endParaRPr>
+                    </a:p>
+                  </a:txBody>
+                  <a:tcPr marL="6350" marR="6350" marT="6350" marB="0" anchor="b"/>
+                </a:tc>
+                <a:tc>
+                  <a:txBody>
+                    <a:bodyPr/>
+                    <a:lstStyle/>
+                    <a:p>
+                      <a:pPr algn="l" fontAlgn="b"/>
+                      <a:r>
+                        <a:rPr lang="en-US" sz="1100" u="none" strike="noStrike">
+                          <a:effectLst/>
+                        </a:rPr>
+                        <a:t>Validation</a:t>
+                      </a:r>
+                      <a:endParaRPr lang="en-US" sz="1100" b="0" i="0" u="none" strike="noStrike">
+                        <a:solidFill>
+                          <a:srgbClr val="000000"/>
+                        </a:solidFill>
+                        <a:effectLst/>
+                        <a:latin typeface="等线" panose="02010600030101010101" pitchFamily="2" charset="-122"/>
+                        <a:ea typeface="等线" panose="02010600030101010101" pitchFamily="2" charset="-122"/>
+                      </a:endParaRPr>
+                    </a:p>
+                  </a:txBody>
+                  <a:tcPr marL="6350" marR="6350" marT="6350" marB="0" anchor="b"/>
+                </a:tc>
+                <a:tc>
+                  <a:txBody>
+                    <a:bodyPr/>
+                    <a:lstStyle/>
+                    <a:p>
+                      <a:pPr algn="l" fontAlgn="b"/>
+                      <a:r>
+                        <a:rPr lang="en-US" sz="1100" u="none" strike="noStrike">
+                          <a:effectLst/>
+                        </a:rPr>
+                        <a:t>Classifier</a:t>
+                      </a:r>
+                      <a:endParaRPr lang="en-US" sz="1100" b="0" i="0" u="none" strike="noStrike">
+                        <a:solidFill>
+                          <a:srgbClr val="000000"/>
+                        </a:solidFill>
+                        <a:effectLst/>
+                        <a:latin typeface="等线" panose="02010600030101010101" pitchFamily="2" charset="-122"/>
+                        <a:ea typeface="等线" panose="02010600030101010101" pitchFamily="2" charset="-122"/>
+                      </a:endParaRPr>
+                    </a:p>
+                  </a:txBody>
+                  <a:tcPr marL="6350" marR="6350" marT="6350" marB="0" anchor="b"/>
+                </a:tc>
+                <a:tc>
+                  <a:txBody>
+                    <a:bodyPr/>
+                    <a:lstStyle/>
+                    <a:p>
+                      <a:pPr algn="l" fontAlgn="b"/>
+                      <a:r>
+                        <a:rPr lang="en-US" sz="1100" u="none" strike="noStrike">
+                          <a:effectLst/>
+                        </a:rPr>
+                        <a:t>AC</a:t>
+                      </a:r>
+                      <a:endParaRPr lang="en-US" sz="1100" b="0" i="0" u="none" strike="noStrike">
+                        <a:solidFill>
+                          <a:srgbClr val="000000"/>
+                        </a:solidFill>
+                        <a:effectLst/>
+                        <a:latin typeface="等线" panose="02010600030101010101" pitchFamily="2" charset="-122"/>
+                        <a:ea typeface="等线" panose="02010600030101010101" pitchFamily="2" charset="-122"/>
+                      </a:endParaRPr>
+                    </a:p>
+                  </a:txBody>
+                  <a:tcPr marL="6350" marR="6350" marT="6350" marB="0" anchor="b"/>
+                </a:tc>
+                <a:tc>
+                  <a:txBody>
+                    <a:bodyPr/>
+                    <a:lstStyle/>
+                    <a:p>
+                      <a:pPr algn="l" fontAlgn="b"/>
+                      <a:r>
+                        <a:rPr lang="en-US" sz="1100" u="none" strike="noStrike">
+                          <a:effectLst/>
+                        </a:rPr>
+                        <a:t>Acc Delta</a:t>
+                      </a:r>
+                      <a:endParaRPr lang="en-US" sz="1100" b="0" i="0" u="none" strike="noStrike">
+                        <a:solidFill>
+                          <a:srgbClr val="000000"/>
+                        </a:solidFill>
+                        <a:effectLst/>
+                        <a:latin typeface="等线" panose="02010600030101010101" pitchFamily="2" charset="-122"/>
+                        <a:ea typeface="等线" panose="02010600030101010101" pitchFamily="2" charset="-122"/>
+                      </a:endParaRPr>
+                    </a:p>
+                  </a:txBody>
+                  <a:tcPr marL="6350" marR="6350" marT="6350" marB="0" anchor="b"/>
+                </a:tc>
+                <a:extLst>
+                  <a:ext uri="{0D108BD9-81ED-4DB2-BD59-A6C34878D82A}">
+                    <a16:rowId xmlns:a16="http://schemas.microsoft.com/office/drawing/2014/main" val="2424337220"/>
+                  </a:ext>
+                </a:extLst>
+              </a:tr>
+              <a:tr h="177800">
+                <a:tc>
+                  <a:txBody>
+                    <a:bodyPr/>
+                    <a:lstStyle/>
+                    <a:p>
+                      <a:pPr algn="l" fontAlgn="b"/>
+                      <a:r>
+                        <a:rPr lang="en-US" sz="1100" u="none" strike="noStrike">
+                          <a:effectLst/>
+                        </a:rPr>
+                        <a:t>GDFS</a:t>
+                      </a:r>
+                      <a:endParaRPr lang="en-US" sz="1100" b="0" i="0" u="none" strike="noStrike">
+                        <a:solidFill>
+                          <a:srgbClr val="000000"/>
+                        </a:solidFill>
+                        <a:effectLst/>
+                        <a:latin typeface="等线" panose="02010600030101010101" pitchFamily="2" charset="-122"/>
+                        <a:ea typeface="等线" panose="02010600030101010101" pitchFamily="2" charset="-122"/>
+                      </a:endParaRPr>
+                    </a:p>
+                  </a:txBody>
+                  <a:tcPr marL="6350" marR="6350" marT="6350" marB="0" anchor="b"/>
+                </a:tc>
+                <a:tc>
+                  <a:txBody>
+                    <a:bodyPr/>
+                    <a:lstStyle/>
+                    <a:p>
+                      <a:pPr algn="r" fontAlgn="b"/>
+                      <a:r>
+                        <a:rPr lang="en-US" altLang="zh-CN" sz="1100" u="none" strike="noStrike">
+                          <a:effectLst/>
+                        </a:rPr>
+                        <a:t>115.7434764</a:t>
+                      </a:r>
+                      <a:endParaRPr lang="en-US" altLang="zh-CN" sz="1100" b="0" i="0" u="none" strike="noStrike">
+                        <a:solidFill>
+                          <a:srgbClr val="000000"/>
+                        </a:solidFill>
+                        <a:effectLst/>
+                        <a:latin typeface="等线" panose="02010600030101010101" pitchFamily="2" charset="-122"/>
+                        <a:ea typeface="等线" panose="02010600030101010101" pitchFamily="2" charset="-122"/>
+                      </a:endParaRPr>
+                    </a:p>
+                  </a:txBody>
+                  <a:tcPr marL="6350" marR="6350" marT="6350" marB="0" anchor="b"/>
+                </a:tc>
+                <a:tc>
+                  <a:txBody>
+                    <a:bodyPr/>
+                    <a:lstStyle/>
+                    <a:p>
+                      <a:pPr algn="r" fontAlgn="b"/>
+                      <a:r>
+                        <a:rPr lang="en-US" altLang="zh-CN" sz="1100" u="none" strike="noStrike">
+                          <a:effectLst/>
+                        </a:rPr>
+                        <a:t>0.538461538</a:t>
+                      </a:r>
+                      <a:endParaRPr lang="en-US" altLang="zh-CN" sz="1100" b="0" i="0" u="none" strike="noStrike">
+                        <a:solidFill>
+                          <a:srgbClr val="006100"/>
+                        </a:solidFill>
+                        <a:effectLst/>
+                        <a:latin typeface="等线" panose="02010600030101010101" pitchFamily="2" charset="-122"/>
+                        <a:ea typeface="等线" panose="02010600030101010101" pitchFamily="2" charset="-122"/>
+                      </a:endParaRPr>
+                    </a:p>
+                  </a:txBody>
+                  <a:tcPr marL="6350" marR="6350" marT="6350" marB="0" anchor="b"/>
+                </a:tc>
+                <a:tc>
+                  <a:txBody>
+                    <a:bodyPr/>
+                    <a:lstStyle/>
+                    <a:p>
+                      <a:pPr algn="l" fontAlgn="b"/>
+                      <a:r>
+                        <a:rPr lang="en-US" sz="1100" u="none" strike="noStrike">
+                          <a:effectLst/>
+                        </a:rPr>
+                        <a:t>10-fold</a:t>
+                      </a:r>
+                      <a:endParaRPr lang="en-US" sz="1100" b="0" i="0" u="none" strike="noStrike">
+                        <a:solidFill>
+                          <a:srgbClr val="000000"/>
+                        </a:solidFill>
+                        <a:effectLst/>
+                        <a:latin typeface="等线" panose="02010600030101010101" pitchFamily="2" charset="-122"/>
+                        <a:ea typeface="等线" panose="02010600030101010101" pitchFamily="2" charset="-122"/>
+                      </a:endParaRPr>
+                    </a:p>
+                  </a:txBody>
+                  <a:tcPr marL="6350" marR="6350" marT="6350" marB="0" anchor="b"/>
+                </a:tc>
+                <a:tc>
+                  <a:txBody>
+                    <a:bodyPr/>
+                    <a:lstStyle/>
+                    <a:p>
+                      <a:pPr algn="l" fontAlgn="b"/>
+                      <a:r>
+                        <a:rPr lang="en-US" sz="1100" u="none" strike="noStrike">
+                          <a:effectLst/>
+                        </a:rPr>
+                        <a:t>1nn</a:t>
+                      </a:r>
+                      <a:endParaRPr lang="en-US" sz="1100" b="0" i="0" u="none" strike="noStrike">
+                        <a:solidFill>
+                          <a:srgbClr val="000000"/>
+                        </a:solidFill>
+                        <a:effectLst/>
+                        <a:latin typeface="等线" panose="02010600030101010101" pitchFamily="2" charset="-122"/>
+                        <a:ea typeface="等线" panose="02010600030101010101" pitchFamily="2" charset="-122"/>
+                      </a:endParaRPr>
+                    </a:p>
+                  </a:txBody>
+                  <a:tcPr marL="6350" marR="6350" marT="6350" marB="0" anchor="b"/>
+                </a:tc>
+                <a:tc>
+                  <a:txBody>
+                    <a:bodyPr/>
+                    <a:lstStyle/>
+                    <a:p>
+                      <a:pPr algn="r" fontAlgn="b"/>
+                      <a:r>
+                        <a:rPr lang="en-US" altLang="zh-CN" sz="1100" u="none" strike="noStrike">
+                          <a:effectLst/>
+                        </a:rPr>
+                        <a:t>0.571954023</a:t>
+                      </a:r>
+                      <a:endParaRPr lang="en-US" altLang="zh-CN" sz="1100" b="0" i="0" u="none" strike="noStrike">
+                        <a:solidFill>
+                          <a:srgbClr val="006100"/>
+                        </a:solidFill>
+                        <a:effectLst/>
+                        <a:latin typeface="等线" panose="02010600030101010101" pitchFamily="2" charset="-122"/>
+                        <a:ea typeface="等线" panose="02010600030101010101" pitchFamily="2" charset="-122"/>
+                      </a:endParaRPr>
+                    </a:p>
+                  </a:txBody>
+                  <a:tcPr marL="6350" marR="6350" marT="6350" marB="0" anchor="b"/>
+                </a:tc>
+                <a:tc>
+                  <a:txBody>
+                    <a:bodyPr/>
+                    <a:lstStyle/>
+                    <a:p>
+                      <a:pPr algn="r" fontAlgn="b"/>
+                      <a:r>
+                        <a:rPr lang="en-US" altLang="zh-CN" sz="1100" u="none" strike="noStrike">
+                          <a:effectLst/>
+                        </a:rPr>
+                        <a:t>0</a:t>
+                      </a:r>
+                      <a:endParaRPr lang="en-US" altLang="zh-CN" sz="1100" b="0" i="0" u="none" strike="noStrike">
+                        <a:solidFill>
+                          <a:srgbClr val="006100"/>
+                        </a:solidFill>
+                        <a:effectLst/>
+                        <a:latin typeface="等线" panose="02010600030101010101" pitchFamily="2" charset="-122"/>
+                        <a:ea typeface="等线" panose="02010600030101010101" pitchFamily="2" charset="-122"/>
+                      </a:endParaRPr>
+                    </a:p>
+                  </a:txBody>
+                  <a:tcPr marL="6350" marR="6350" marT="6350" marB="0" anchor="b"/>
+                </a:tc>
+                <a:extLst>
+                  <a:ext uri="{0D108BD9-81ED-4DB2-BD59-A6C34878D82A}">
+                    <a16:rowId xmlns:a16="http://schemas.microsoft.com/office/drawing/2014/main" val="687644378"/>
+                  </a:ext>
+                </a:extLst>
+              </a:tr>
+              <a:tr h="177800">
+                <a:tc>
+                  <a:txBody>
+                    <a:bodyPr/>
+                    <a:lstStyle/>
+                    <a:p>
+                      <a:pPr algn="l" fontAlgn="b"/>
+                      <a:endParaRPr lang="zh-CN" altLang="en-US" sz="1100" b="0" i="0" u="none" strike="noStrike">
+                        <a:solidFill>
+                          <a:srgbClr val="000000"/>
+                        </a:solidFill>
+                        <a:effectLst/>
+                        <a:latin typeface="等线" panose="02010600030101010101" pitchFamily="2" charset="-122"/>
+                        <a:ea typeface="等线" panose="02010600030101010101" pitchFamily="2" charset="-122"/>
+                      </a:endParaRPr>
+                    </a:p>
+                  </a:txBody>
+                  <a:tcPr marL="6350" marR="6350" marT="6350" marB="0" anchor="b"/>
+                </a:tc>
+                <a:tc>
+                  <a:txBody>
+                    <a:bodyPr/>
+                    <a:lstStyle/>
+                    <a:p>
+                      <a:pPr algn="r" fontAlgn="b"/>
+                      <a:r>
+                        <a:rPr lang="en-US" altLang="zh-CN" sz="1100" u="none" strike="noStrike">
+                          <a:effectLst/>
+                        </a:rPr>
+                        <a:t>109.103744</a:t>
+                      </a:r>
+                      <a:endParaRPr lang="en-US" altLang="zh-CN" sz="1100" b="0" i="0" u="none" strike="noStrike">
+                        <a:solidFill>
+                          <a:srgbClr val="000000"/>
+                        </a:solidFill>
+                        <a:effectLst/>
+                        <a:latin typeface="等线" panose="02010600030101010101" pitchFamily="2" charset="-122"/>
+                        <a:ea typeface="等线" panose="02010600030101010101" pitchFamily="2" charset="-122"/>
+                      </a:endParaRPr>
+                    </a:p>
+                  </a:txBody>
+                  <a:tcPr marL="6350" marR="6350" marT="6350" marB="0" anchor="b"/>
+                </a:tc>
+                <a:tc>
+                  <a:txBody>
+                    <a:bodyPr/>
+                    <a:lstStyle/>
+                    <a:p>
+                      <a:pPr algn="r" fontAlgn="b"/>
+                      <a:r>
+                        <a:rPr lang="en-US" altLang="zh-CN" sz="1100" u="none" strike="noStrike">
+                          <a:effectLst/>
+                        </a:rPr>
+                        <a:t>0.615384615</a:t>
+                      </a:r>
+                      <a:endParaRPr lang="en-US" altLang="zh-CN" sz="1100" b="0" i="0" u="none" strike="noStrike">
+                        <a:solidFill>
+                          <a:srgbClr val="006100"/>
+                        </a:solidFill>
+                        <a:effectLst/>
+                        <a:latin typeface="等线" panose="02010600030101010101" pitchFamily="2" charset="-122"/>
+                        <a:ea typeface="等线" panose="02010600030101010101" pitchFamily="2" charset="-122"/>
+                      </a:endParaRPr>
+                    </a:p>
+                  </a:txBody>
+                  <a:tcPr marL="6350" marR="6350" marT="6350" marB="0" anchor="b"/>
+                </a:tc>
+                <a:tc>
+                  <a:txBody>
+                    <a:bodyPr/>
+                    <a:lstStyle/>
+                    <a:p>
+                      <a:pPr algn="l" fontAlgn="b"/>
+                      <a:r>
+                        <a:rPr lang="en-US" sz="1100" u="none" strike="noStrike">
+                          <a:effectLst/>
+                        </a:rPr>
+                        <a:t>10-fold</a:t>
+                      </a:r>
+                      <a:endParaRPr lang="en-US" sz="1100" b="0" i="0" u="none" strike="noStrike">
+                        <a:solidFill>
+                          <a:srgbClr val="000000"/>
+                        </a:solidFill>
+                        <a:effectLst/>
+                        <a:latin typeface="等线" panose="02010600030101010101" pitchFamily="2" charset="-122"/>
+                        <a:ea typeface="等线" panose="02010600030101010101" pitchFamily="2" charset="-122"/>
+                      </a:endParaRPr>
+                    </a:p>
+                  </a:txBody>
+                  <a:tcPr marL="6350" marR="6350" marT="6350" marB="0" anchor="b"/>
+                </a:tc>
+                <a:tc>
+                  <a:txBody>
+                    <a:bodyPr/>
+                    <a:lstStyle/>
+                    <a:p>
+                      <a:pPr algn="l" fontAlgn="b"/>
+                      <a:r>
+                        <a:rPr lang="en-US" sz="1100" u="none" strike="noStrike">
+                          <a:effectLst/>
+                        </a:rPr>
+                        <a:t>5nn</a:t>
+                      </a:r>
+                      <a:endParaRPr lang="en-US" sz="1100" b="0" i="0" u="none" strike="noStrike">
+                        <a:solidFill>
+                          <a:srgbClr val="000000"/>
+                        </a:solidFill>
+                        <a:effectLst/>
+                        <a:latin typeface="等线" panose="02010600030101010101" pitchFamily="2" charset="-122"/>
+                        <a:ea typeface="等线" panose="02010600030101010101" pitchFamily="2" charset="-122"/>
+                      </a:endParaRPr>
+                    </a:p>
+                  </a:txBody>
+                  <a:tcPr marL="6350" marR="6350" marT="6350" marB="0" anchor="b"/>
+                </a:tc>
+                <a:tc>
+                  <a:txBody>
+                    <a:bodyPr/>
+                    <a:lstStyle/>
+                    <a:p>
+                      <a:pPr algn="r" fontAlgn="b"/>
+                      <a:r>
+                        <a:rPr lang="en-US" altLang="zh-CN" sz="1100" u="none" strike="noStrike">
+                          <a:effectLst/>
+                        </a:rPr>
+                        <a:t>0.615747126</a:t>
+                      </a:r>
+                      <a:endParaRPr lang="en-US" altLang="zh-CN" sz="1100" b="0" i="0" u="none" strike="noStrike">
+                        <a:solidFill>
+                          <a:srgbClr val="006100"/>
+                        </a:solidFill>
+                        <a:effectLst/>
+                        <a:latin typeface="等线" panose="02010600030101010101" pitchFamily="2" charset="-122"/>
+                        <a:ea typeface="等线" panose="02010600030101010101" pitchFamily="2" charset="-122"/>
+                      </a:endParaRPr>
+                    </a:p>
+                  </a:txBody>
+                  <a:tcPr marL="6350" marR="6350" marT="6350" marB="0" anchor="b"/>
+                </a:tc>
+                <a:tc>
+                  <a:txBody>
+                    <a:bodyPr/>
+                    <a:lstStyle/>
+                    <a:p>
+                      <a:pPr algn="r" fontAlgn="b"/>
+                      <a:r>
+                        <a:rPr lang="en-US" altLang="zh-CN" sz="1100" u="none" strike="noStrike">
+                          <a:effectLst/>
+                        </a:rPr>
+                        <a:t>0</a:t>
+                      </a:r>
+                      <a:endParaRPr lang="en-US" altLang="zh-CN" sz="1100" b="0" i="0" u="none" strike="noStrike">
+                        <a:solidFill>
+                          <a:srgbClr val="006100"/>
+                        </a:solidFill>
+                        <a:effectLst/>
+                        <a:latin typeface="等线" panose="02010600030101010101" pitchFamily="2" charset="-122"/>
+                        <a:ea typeface="等线" panose="02010600030101010101" pitchFamily="2" charset="-122"/>
+                      </a:endParaRPr>
+                    </a:p>
+                  </a:txBody>
+                  <a:tcPr marL="6350" marR="6350" marT="6350" marB="0" anchor="b"/>
+                </a:tc>
+                <a:extLst>
+                  <a:ext uri="{0D108BD9-81ED-4DB2-BD59-A6C34878D82A}">
+                    <a16:rowId xmlns:a16="http://schemas.microsoft.com/office/drawing/2014/main" val="2493832859"/>
+                  </a:ext>
+                </a:extLst>
+              </a:tr>
+              <a:tr h="177800">
+                <a:tc>
+                  <a:txBody>
+                    <a:bodyPr/>
+                    <a:lstStyle/>
+                    <a:p>
+                      <a:pPr algn="l" fontAlgn="b"/>
+                      <a:endParaRPr lang="zh-CN" altLang="en-US" sz="1100" b="0" i="0" u="none" strike="noStrike">
+                        <a:solidFill>
+                          <a:srgbClr val="000000"/>
+                        </a:solidFill>
+                        <a:effectLst/>
+                        <a:latin typeface="等线" panose="02010600030101010101" pitchFamily="2" charset="-122"/>
+                        <a:ea typeface="等线" panose="02010600030101010101" pitchFamily="2" charset="-122"/>
+                      </a:endParaRPr>
+                    </a:p>
+                  </a:txBody>
+                  <a:tcPr marL="6350" marR="6350" marT="6350" marB="0" anchor="b"/>
+                </a:tc>
+                <a:tc>
+                  <a:txBody>
+                    <a:bodyPr/>
+                    <a:lstStyle/>
+                    <a:p>
+                      <a:pPr algn="r" fontAlgn="b"/>
+                      <a:r>
+                        <a:rPr lang="en-US" altLang="zh-CN" sz="1100" u="none" strike="noStrike">
+                          <a:effectLst/>
+                        </a:rPr>
+                        <a:t>3.23192215</a:t>
+                      </a:r>
+                      <a:endParaRPr lang="en-US" altLang="zh-CN" sz="1100" b="0" i="0" u="none" strike="noStrike">
+                        <a:solidFill>
+                          <a:srgbClr val="000000"/>
+                        </a:solidFill>
+                        <a:effectLst/>
+                        <a:latin typeface="等线" panose="02010600030101010101" pitchFamily="2" charset="-122"/>
+                        <a:ea typeface="等线" panose="02010600030101010101" pitchFamily="2" charset="-122"/>
+                      </a:endParaRPr>
+                    </a:p>
+                  </a:txBody>
+                  <a:tcPr marL="6350" marR="6350" marT="6350" marB="0" anchor="b"/>
+                </a:tc>
+                <a:tc>
+                  <a:txBody>
+                    <a:bodyPr/>
+                    <a:lstStyle/>
+                    <a:p>
+                      <a:pPr algn="r" fontAlgn="b"/>
+                      <a:r>
+                        <a:rPr lang="en-US" altLang="zh-CN" sz="1100" u="none" strike="noStrike">
+                          <a:effectLst/>
+                        </a:rPr>
+                        <a:t>0.615384615</a:t>
+                      </a:r>
+                      <a:endParaRPr lang="en-US" altLang="zh-CN" sz="1100" b="0" i="0" u="none" strike="noStrike">
+                        <a:solidFill>
+                          <a:srgbClr val="006100"/>
+                        </a:solidFill>
+                        <a:effectLst/>
+                        <a:latin typeface="等线" panose="02010600030101010101" pitchFamily="2" charset="-122"/>
+                        <a:ea typeface="等线" panose="02010600030101010101" pitchFamily="2" charset="-122"/>
+                      </a:endParaRPr>
+                    </a:p>
+                  </a:txBody>
+                  <a:tcPr marL="6350" marR="6350" marT="6350" marB="0" anchor="b"/>
+                </a:tc>
+                <a:tc>
+                  <a:txBody>
+                    <a:bodyPr/>
+                    <a:lstStyle/>
+                    <a:p>
+                      <a:pPr algn="l" fontAlgn="b"/>
+                      <a:r>
+                        <a:rPr lang="en-US" sz="1100" u="none" strike="noStrike">
+                          <a:effectLst/>
+                        </a:rPr>
+                        <a:t>10-fold</a:t>
+                      </a:r>
+                      <a:endParaRPr lang="en-US" sz="1100" b="0" i="0" u="none" strike="noStrike">
+                        <a:solidFill>
+                          <a:srgbClr val="000000"/>
+                        </a:solidFill>
+                        <a:effectLst/>
+                        <a:latin typeface="等线" panose="02010600030101010101" pitchFamily="2" charset="-122"/>
+                        <a:ea typeface="等线" panose="02010600030101010101" pitchFamily="2" charset="-122"/>
+                      </a:endParaRPr>
+                    </a:p>
+                  </a:txBody>
+                  <a:tcPr marL="6350" marR="6350" marT="6350" marB="0" anchor="b"/>
+                </a:tc>
+                <a:tc>
+                  <a:txBody>
+                    <a:bodyPr/>
+                    <a:lstStyle/>
+                    <a:p>
+                      <a:pPr algn="l" fontAlgn="b"/>
+                      <a:r>
+                        <a:rPr lang="en-US" sz="1100" u="none" strike="noStrike">
+                          <a:effectLst/>
+                        </a:rPr>
+                        <a:t>SVM</a:t>
+                      </a:r>
+                      <a:endParaRPr lang="en-US" sz="1100" b="0" i="0" u="none" strike="noStrike">
+                        <a:solidFill>
+                          <a:srgbClr val="000000"/>
+                        </a:solidFill>
+                        <a:effectLst/>
+                        <a:latin typeface="等线" panose="02010600030101010101" pitchFamily="2" charset="-122"/>
+                        <a:ea typeface="等线" panose="02010600030101010101" pitchFamily="2" charset="-122"/>
+                      </a:endParaRPr>
+                    </a:p>
+                  </a:txBody>
+                  <a:tcPr marL="6350" marR="6350" marT="6350" marB="0" anchor="b"/>
+                </a:tc>
+                <a:tc>
+                  <a:txBody>
+                    <a:bodyPr/>
+                    <a:lstStyle/>
+                    <a:p>
+                      <a:pPr algn="r" fontAlgn="b"/>
+                      <a:r>
+                        <a:rPr lang="en-US" altLang="zh-CN" sz="1100" u="none" strike="noStrike">
+                          <a:effectLst/>
+                        </a:rPr>
+                        <a:t>0.585172414</a:t>
+                      </a:r>
+                      <a:endParaRPr lang="en-US" altLang="zh-CN" sz="1100" b="0" i="0" u="none" strike="noStrike">
+                        <a:solidFill>
+                          <a:srgbClr val="006100"/>
+                        </a:solidFill>
+                        <a:effectLst/>
+                        <a:latin typeface="等线" panose="02010600030101010101" pitchFamily="2" charset="-122"/>
+                        <a:ea typeface="等线" panose="02010600030101010101" pitchFamily="2" charset="-122"/>
+                      </a:endParaRPr>
+                    </a:p>
+                  </a:txBody>
+                  <a:tcPr marL="6350" marR="6350" marT="6350" marB="0" anchor="b"/>
+                </a:tc>
+                <a:tc>
+                  <a:txBody>
+                    <a:bodyPr/>
+                    <a:lstStyle/>
+                    <a:p>
+                      <a:pPr algn="r" fontAlgn="b"/>
+                      <a:r>
+                        <a:rPr lang="en-US" altLang="zh-CN" sz="1100" u="none" strike="noStrike">
+                          <a:effectLst/>
+                        </a:rPr>
+                        <a:t>0</a:t>
+                      </a:r>
+                      <a:endParaRPr lang="en-US" altLang="zh-CN" sz="1100" b="0" i="0" u="none" strike="noStrike">
+                        <a:solidFill>
+                          <a:srgbClr val="006100"/>
+                        </a:solidFill>
+                        <a:effectLst/>
+                        <a:latin typeface="等线" panose="02010600030101010101" pitchFamily="2" charset="-122"/>
+                        <a:ea typeface="等线" panose="02010600030101010101" pitchFamily="2" charset="-122"/>
+                      </a:endParaRPr>
+                    </a:p>
+                  </a:txBody>
+                  <a:tcPr marL="6350" marR="6350" marT="6350" marB="0" anchor="b"/>
+                </a:tc>
+                <a:extLst>
+                  <a:ext uri="{0D108BD9-81ED-4DB2-BD59-A6C34878D82A}">
+                    <a16:rowId xmlns:a16="http://schemas.microsoft.com/office/drawing/2014/main" val="3403853887"/>
+                  </a:ext>
+                </a:extLst>
+              </a:tr>
+              <a:tr h="177800">
+                <a:tc>
+                  <a:txBody>
+                    <a:bodyPr/>
+                    <a:lstStyle/>
+                    <a:p>
+                      <a:pPr algn="l" fontAlgn="b"/>
+                      <a:endParaRPr lang="zh-CN" altLang="en-US" sz="1100" b="0" i="0" u="none" strike="noStrike">
+                        <a:solidFill>
+                          <a:srgbClr val="000000"/>
+                        </a:solidFill>
+                        <a:effectLst/>
+                        <a:latin typeface="等线" panose="02010600030101010101" pitchFamily="2" charset="-122"/>
+                        <a:ea typeface="等线" panose="02010600030101010101" pitchFamily="2" charset="-122"/>
+                      </a:endParaRPr>
+                    </a:p>
+                  </a:txBody>
+                  <a:tcPr marL="6350" marR="6350" marT="6350" marB="0" anchor="b"/>
+                </a:tc>
+                <a:tc>
+                  <a:txBody>
+                    <a:bodyPr/>
+                    <a:lstStyle/>
+                    <a:p>
+                      <a:pPr algn="r" fontAlgn="b"/>
+                      <a:r>
+                        <a:rPr lang="en-US" altLang="zh-CN" sz="1100" u="none" strike="noStrike">
+                          <a:effectLst/>
+                        </a:rPr>
+                        <a:t>1.607460737</a:t>
+                      </a:r>
+                      <a:endParaRPr lang="en-US" altLang="zh-CN" sz="1100" b="0" i="0" u="none" strike="noStrike">
+                        <a:solidFill>
+                          <a:srgbClr val="000000"/>
+                        </a:solidFill>
+                        <a:effectLst/>
+                        <a:latin typeface="等线" panose="02010600030101010101" pitchFamily="2" charset="-122"/>
+                        <a:ea typeface="等线" panose="02010600030101010101" pitchFamily="2" charset="-122"/>
+                      </a:endParaRPr>
+                    </a:p>
+                  </a:txBody>
+                  <a:tcPr marL="6350" marR="6350" marT="6350" marB="0" anchor="b"/>
+                </a:tc>
+                <a:tc>
+                  <a:txBody>
+                    <a:bodyPr/>
+                    <a:lstStyle/>
+                    <a:p>
+                      <a:pPr algn="r" fontAlgn="b"/>
+                      <a:r>
+                        <a:rPr lang="en-US" altLang="zh-CN" sz="1100" u="none" strike="noStrike">
+                          <a:effectLst/>
+                        </a:rPr>
+                        <a:t>0.615384615</a:t>
+                      </a:r>
+                      <a:endParaRPr lang="en-US" altLang="zh-CN" sz="1100" b="0" i="0" u="none" strike="noStrike">
+                        <a:solidFill>
+                          <a:srgbClr val="006100"/>
+                        </a:solidFill>
+                        <a:effectLst/>
+                        <a:latin typeface="等线" panose="02010600030101010101" pitchFamily="2" charset="-122"/>
+                        <a:ea typeface="等线" panose="02010600030101010101" pitchFamily="2" charset="-122"/>
+                      </a:endParaRPr>
+                    </a:p>
+                  </a:txBody>
+                  <a:tcPr marL="6350" marR="6350" marT="6350" marB="0" anchor="b"/>
+                </a:tc>
+                <a:tc>
+                  <a:txBody>
+                    <a:bodyPr/>
+                    <a:lstStyle/>
+                    <a:p>
+                      <a:pPr algn="l" fontAlgn="b"/>
+                      <a:r>
+                        <a:rPr lang="en-US" sz="1100" u="none" strike="noStrike">
+                          <a:effectLst/>
+                        </a:rPr>
+                        <a:t>10-fold </a:t>
+                      </a:r>
+                      <a:endParaRPr lang="en-US" sz="1100" b="0" i="0" u="none" strike="noStrike">
+                        <a:solidFill>
+                          <a:srgbClr val="000000"/>
+                        </a:solidFill>
+                        <a:effectLst/>
+                        <a:latin typeface="等线" panose="02010600030101010101" pitchFamily="2" charset="-122"/>
+                        <a:ea typeface="等线" panose="02010600030101010101" pitchFamily="2" charset="-122"/>
+                      </a:endParaRPr>
+                    </a:p>
+                  </a:txBody>
+                  <a:tcPr marL="6350" marR="6350" marT="6350" marB="0" anchor="b"/>
+                </a:tc>
+                <a:tc>
+                  <a:txBody>
+                    <a:bodyPr/>
+                    <a:lstStyle/>
+                    <a:p>
+                      <a:pPr algn="l" fontAlgn="b"/>
+                      <a:r>
+                        <a:rPr lang="en-US" sz="1100" u="none" strike="noStrike">
+                          <a:effectLst/>
+                        </a:rPr>
+                        <a:t>Cart</a:t>
+                      </a:r>
+                      <a:endParaRPr lang="en-US" sz="1100" b="0" i="0" u="none" strike="noStrike">
+                        <a:solidFill>
+                          <a:srgbClr val="000000"/>
+                        </a:solidFill>
+                        <a:effectLst/>
+                        <a:latin typeface="等线" panose="02010600030101010101" pitchFamily="2" charset="-122"/>
+                        <a:ea typeface="等线" panose="02010600030101010101" pitchFamily="2" charset="-122"/>
+                      </a:endParaRPr>
+                    </a:p>
+                  </a:txBody>
+                  <a:tcPr marL="6350" marR="6350" marT="6350" marB="0" anchor="b"/>
+                </a:tc>
+                <a:tc>
+                  <a:txBody>
+                    <a:bodyPr/>
+                    <a:lstStyle/>
+                    <a:p>
+                      <a:pPr algn="r" fontAlgn="b"/>
+                      <a:r>
+                        <a:rPr lang="en-US" altLang="zh-CN" sz="1100" u="none" strike="noStrike">
+                          <a:effectLst/>
+                        </a:rPr>
+                        <a:t>0.532528736</a:t>
+                      </a:r>
+                      <a:endParaRPr lang="en-US" altLang="zh-CN" sz="1100" b="0" i="0" u="none" strike="noStrike">
+                        <a:solidFill>
+                          <a:srgbClr val="006100"/>
+                        </a:solidFill>
+                        <a:effectLst/>
+                        <a:latin typeface="等线" panose="02010600030101010101" pitchFamily="2" charset="-122"/>
+                        <a:ea typeface="等线" panose="02010600030101010101" pitchFamily="2" charset="-122"/>
+                      </a:endParaRPr>
+                    </a:p>
+                  </a:txBody>
+                  <a:tcPr marL="6350" marR="6350" marT="6350" marB="0" anchor="b"/>
+                </a:tc>
+                <a:tc>
+                  <a:txBody>
+                    <a:bodyPr/>
+                    <a:lstStyle/>
+                    <a:p>
+                      <a:pPr algn="r" fontAlgn="b"/>
+                      <a:r>
+                        <a:rPr lang="en-US" altLang="zh-CN" sz="1100" u="none" strike="noStrike" dirty="0">
+                          <a:effectLst/>
+                        </a:rPr>
+                        <a:t>0</a:t>
+                      </a:r>
+                      <a:endParaRPr lang="en-US" altLang="zh-CN" sz="1100" b="0" i="0" u="none" strike="noStrike" dirty="0">
+                        <a:solidFill>
+                          <a:srgbClr val="006100"/>
+                        </a:solidFill>
+                        <a:effectLst/>
+                        <a:latin typeface="等线" panose="02010600030101010101" pitchFamily="2" charset="-122"/>
+                        <a:ea typeface="等线" panose="02010600030101010101" pitchFamily="2" charset="-122"/>
+                      </a:endParaRPr>
+                    </a:p>
+                  </a:txBody>
+                  <a:tcPr marL="6350" marR="6350" marT="6350" marB="0" anchor="b"/>
+                </a:tc>
+                <a:extLst>
+                  <a:ext uri="{0D108BD9-81ED-4DB2-BD59-A6C34878D82A}">
+                    <a16:rowId xmlns:a16="http://schemas.microsoft.com/office/drawing/2014/main" val="496042552"/>
+                  </a:ext>
+                </a:extLst>
+              </a:tr>
+            </a:tbl>
+          </a:graphicData>
+        </a:graphic>
+      </p:graphicFrame>
+      <p:sp>
+        <p:nvSpPr>
+          <p:cNvPr id="11" name="矩形 10">
+            <a:extLst>
+              <a:ext uri="{FF2B5EF4-FFF2-40B4-BE49-F238E27FC236}">
+                <a16:creationId xmlns:a16="http://schemas.microsoft.com/office/drawing/2014/main" id="{DE326E77-8BE7-4BF8-A2B5-2C8B27351BE6}"/>
+              </a:ext>
+            </a:extLst>
+          </p:cNvPr>
+          <p:cNvSpPr/>
+          <p:nvPr/>
+        </p:nvSpPr>
+        <p:spPr>
+          <a:xfrm>
+            <a:off x="1113549" y="3182033"/>
+            <a:ext cx="3325101" cy="646331"/>
+          </a:xfrm>
+          <a:prstGeom prst="rect">
+            <a:avLst/>
+          </a:prstGeom>
+          <a:noFill/>
+        </p:spPr>
+        <p:txBody>
+          <a:bodyPr wrap="square" lIns="91440" tIns="45720" rIns="91440" bIns="45720">
+            <a:spAutoFit/>
+          </a:bodyPr>
+          <a:lstStyle/>
+          <a:p>
+            <a:pPr algn="ctr"/>
+            <a:r>
+              <a:rPr lang="zh-CN" altLang="en-US" sz="3600" b="1" dirty="0">
+                <a:ln w="9525">
+                  <a:solidFill>
+                    <a:schemeClr val="bg1"/>
+                  </a:solidFill>
+                  <a:prstDash val="solid"/>
+                </a:ln>
+                <a:solidFill>
+                  <a:schemeClr val="accent5"/>
+                </a:solidFill>
+                <a:effectLst>
+                  <a:outerShdw blurRad="12700" dist="38100" dir="2700000" algn="tl" rotWithShape="0">
+                    <a:schemeClr val="accent5">
+                      <a:lumMod val="60000"/>
+                      <a:lumOff val="40000"/>
+                    </a:schemeClr>
+                  </a:outerShdw>
+                </a:effectLst>
+              </a:rPr>
+              <a:t>低维</a:t>
+            </a:r>
+            <a:r>
+              <a:rPr lang="en-US" altLang="zh-CN" sz="3600" b="1" dirty="0">
+                <a:ln w="9525">
+                  <a:solidFill>
+                    <a:schemeClr val="bg1"/>
+                  </a:solidFill>
+                  <a:prstDash val="solid"/>
+                </a:ln>
+                <a:solidFill>
+                  <a:schemeClr val="accent5"/>
+                </a:solidFill>
+                <a:effectLst>
+                  <a:outerShdw blurRad="12700" dist="38100" dir="2700000" algn="tl" rotWithShape="0">
+                    <a:schemeClr val="accent5">
+                      <a:lumMod val="60000"/>
+                      <a:lumOff val="40000"/>
+                    </a:schemeClr>
+                  </a:outerShdw>
+                </a:effectLst>
+              </a:rPr>
+              <a:t>Cleveland</a:t>
+            </a:r>
+            <a:endParaRPr lang="zh-CN" altLang="en-US" sz="3600" b="1" cap="none" spc="0" dirty="0">
+              <a:ln w="9525">
+                <a:solidFill>
+                  <a:schemeClr val="bg1"/>
+                </a:solidFill>
+                <a:prstDash val="solid"/>
+              </a:ln>
+              <a:solidFill>
+                <a:schemeClr val="accent5"/>
+              </a:solidFill>
+              <a:effectLst>
+                <a:outerShdw blurRad="12700" dist="38100" dir="2700000" algn="tl" rotWithShape="0">
+                  <a:schemeClr val="accent5">
+                    <a:lumMod val="60000"/>
+                    <a:lumOff val="40000"/>
+                  </a:schemeClr>
+                </a:outerShdw>
+              </a:effectLst>
+            </a:endParaRPr>
+          </a:p>
+        </p:txBody>
+      </p:sp>
+      <p:graphicFrame>
+        <p:nvGraphicFramePr>
+          <p:cNvPr id="13" name="表格 12">
+            <a:extLst>
+              <a:ext uri="{FF2B5EF4-FFF2-40B4-BE49-F238E27FC236}">
+                <a16:creationId xmlns:a16="http://schemas.microsoft.com/office/drawing/2014/main" id="{5DFD7876-09B9-4EF9-A56C-5D1E3F5BA572}"/>
+              </a:ext>
+            </a:extLst>
+          </p:cNvPr>
+          <p:cNvGraphicFramePr>
+            <a:graphicFrameLocks noGrp="1"/>
+          </p:cNvGraphicFramePr>
+          <p:nvPr>
+            <p:extLst>
+              <p:ext uri="{D42A27DB-BD31-4B8C-83A1-F6EECF244321}">
+                <p14:modId xmlns:p14="http://schemas.microsoft.com/office/powerpoint/2010/main" val="2801251988"/>
+              </p:ext>
+            </p:extLst>
+          </p:nvPr>
+        </p:nvGraphicFramePr>
+        <p:xfrm>
+          <a:off x="1873248" y="5410200"/>
+          <a:ext cx="8915401" cy="889000"/>
+        </p:xfrm>
+        <a:graphic>
+          <a:graphicData uri="http://schemas.openxmlformats.org/drawingml/2006/table">
+            <a:tbl>
+              <a:tblPr>
+                <a:tableStyleId>{5C22544A-7EE6-4342-B048-85BDC9FD1C3A}</a:tableStyleId>
+              </a:tblPr>
+              <a:tblGrid>
+                <a:gridCol w="1066802">
+                  <a:extLst>
+                    <a:ext uri="{9D8B030D-6E8A-4147-A177-3AD203B41FA5}">
+                      <a16:colId xmlns:a16="http://schemas.microsoft.com/office/drawing/2014/main" val="2884665452"/>
+                    </a:ext>
+                  </a:extLst>
+                </a:gridCol>
+                <a:gridCol w="1492250">
+                  <a:extLst>
+                    <a:ext uri="{9D8B030D-6E8A-4147-A177-3AD203B41FA5}">
+                      <a16:colId xmlns:a16="http://schemas.microsoft.com/office/drawing/2014/main" val="1776757637"/>
+                    </a:ext>
+                  </a:extLst>
+                </a:gridCol>
+                <a:gridCol w="1593850">
+                  <a:extLst>
+                    <a:ext uri="{9D8B030D-6E8A-4147-A177-3AD203B41FA5}">
+                      <a16:colId xmlns:a16="http://schemas.microsoft.com/office/drawing/2014/main" val="3841452757"/>
+                    </a:ext>
+                  </a:extLst>
+                </a:gridCol>
+                <a:gridCol w="1231900">
+                  <a:extLst>
+                    <a:ext uri="{9D8B030D-6E8A-4147-A177-3AD203B41FA5}">
+                      <a16:colId xmlns:a16="http://schemas.microsoft.com/office/drawing/2014/main" val="1869434003"/>
+                    </a:ext>
+                  </a:extLst>
+                </a:gridCol>
+                <a:gridCol w="1111250">
+                  <a:extLst>
+                    <a:ext uri="{9D8B030D-6E8A-4147-A177-3AD203B41FA5}">
+                      <a16:colId xmlns:a16="http://schemas.microsoft.com/office/drawing/2014/main" val="1348412617"/>
+                    </a:ext>
+                  </a:extLst>
+                </a:gridCol>
+                <a:gridCol w="1352550">
+                  <a:extLst>
+                    <a:ext uri="{9D8B030D-6E8A-4147-A177-3AD203B41FA5}">
+                      <a16:colId xmlns:a16="http://schemas.microsoft.com/office/drawing/2014/main" val="465007605"/>
+                    </a:ext>
+                  </a:extLst>
+                </a:gridCol>
+                <a:gridCol w="1066799">
+                  <a:extLst>
+                    <a:ext uri="{9D8B030D-6E8A-4147-A177-3AD203B41FA5}">
+                      <a16:colId xmlns:a16="http://schemas.microsoft.com/office/drawing/2014/main" val="1923678962"/>
+                    </a:ext>
+                  </a:extLst>
+                </a:gridCol>
+              </a:tblGrid>
+              <a:tr h="177800">
+                <a:tc>
+                  <a:txBody>
+                    <a:bodyPr/>
+                    <a:lstStyle/>
+                    <a:p>
+                      <a:pPr algn="l" fontAlgn="b"/>
+                      <a:r>
+                        <a:rPr lang="en-US" sz="1100" u="none" strike="noStrike">
+                          <a:effectLst/>
+                        </a:rPr>
+                        <a:t>Algorithm</a:t>
+                      </a:r>
+                      <a:endParaRPr lang="en-US" sz="1100" b="0" i="0" u="none" strike="noStrike">
+                        <a:solidFill>
+                          <a:srgbClr val="000000"/>
+                        </a:solidFill>
+                        <a:effectLst/>
+                        <a:latin typeface="等线" panose="02010600030101010101" pitchFamily="2" charset="-122"/>
+                        <a:ea typeface="等线" panose="02010600030101010101" pitchFamily="2" charset="-122"/>
+                      </a:endParaRPr>
+                    </a:p>
+                  </a:txBody>
+                  <a:tcPr marL="6350" marR="6350" marT="6350" marB="0" anchor="b"/>
+                </a:tc>
+                <a:tc>
+                  <a:txBody>
+                    <a:bodyPr/>
+                    <a:lstStyle/>
+                    <a:p>
+                      <a:pPr algn="l" fontAlgn="b"/>
+                      <a:r>
+                        <a:rPr lang="en-US" sz="1100" u="none" strike="noStrike">
+                          <a:effectLst/>
+                        </a:rPr>
+                        <a:t>Time</a:t>
+                      </a:r>
+                      <a:endParaRPr lang="en-US" sz="1100" b="0" i="0" u="none" strike="noStrike">
+                        <a:solidFill>
+                          <a:srgbClr val="000000"/>
+                        </a:solidFill>
+                        <a:effectLst/>
+                        <a:latin typeface="等线" panose="02010600030101010101" pitchFamily="2" charset="-122"/>
+                        <a:ea typeface="等线" panose="02010600030101010101" pitchFamily="2" charset="-122"/>
+                      </a:endParaRPr>
+                    </a:p>
+                  </a:txBody>
+                  <a:tcPr marL="6350" marR="6350" marT="6350" marB="0" anchor="b"/>
+                </a:tc>
+                <a:tc>
+                  <a:txBody>
+                    <a:bodyPr/>
+                    <a:lstStyle/>
+                    <a:p>
+                      <a:pPr algn="l" fontAlgn="b"/>
+                      <a:r>
+                        <a:rPr lang="en-US" sz="1100" u="none" strike="noStrike">
+                          <a:effectLst/>
+                        </a:rPr>
+                        <a:t>DR</a:t>
+                      </a:r>
+                      <a:endParaRPr lang="en-US" sz="1100" b="0" i="0" u="none" strike="noStrike">
+                        <a:solidFill>
+                          <a:srgbClr val="000000"/>
+                        </a:solidFill>
+                        <a:effectLst/>
+                        <a:latin typeface="等线" panose="02010600030101010101" pitchFamily="2" charset="-122"/>
+                        <a:ea typeface="等线" panose="02010600030101010101" pitchFamily="2" charset="-122"/>
+                      </a:endParaRPr>
+                    </a:p>
+                  </a:txBody>
+                  <a:tcPr marL="6350" marR="6350" marT="6350" marB="0" anchor="b"/>
+                </a:tc>
+                <a:tc>
+                  <a:txBody>
+                    <a:bodyPr/>
+                    <a:lstStyle/>
+                    <a:p>
+                      <a:pPr algn="l" fontAlgn="b"/>
+                      <a:r>
+                        <a:rPr lang="en-US" sz="1100" u="none" strike="noStrike">
+                          <a:effectLst/>
+                        </a:rPr>
+                        <a:t>Validation</a:t>
+                      </a:r>
+                      <a:endParaRPr lang="en-US" sz="1100" b="0" i="0" u="none" strike="noStrike">
+                        <a:solidFill>
+                          <a:srgbClr val="000000"/>
+                        </a:solidFill>
+                        <a:effectLst/>
+                        <a:latin typeface="等线" panose="02010600030101010101" pitchFamily="2" charset="-122"/>
+                        <a:ea typeface="等线" panose="02010600030101010101" pitchFamily="2" charset="-122"/>
+                      </a:endParaRPr>
+                    </a:p>
+                  </a:txBody>
+                  <a:tcPr marL="6350" marR="6350" marT="6350" marB="0" anchor="b"/>
+                </a:tc>
+                <a:tc>
+                  <a:txBody>
+                    <a:bodyPr/>
+                    <a:lstStyle/>
+                    <a:p>
+                      <a:pPr algn="l" fontAlgn="b"/>
+                      <a:r>
+                        <a:rPr lang="en-US" sz="1100" u="none" strike="noStrike">
+                          <a:effectLst/>
+                        </a:rPr>
+                        <a:t>Classifier</a:t>
+                      </a:r>
+                      <a:endParaRPr lang="en-US" sz="1100" b="0" i="0" u="none" strike="noStrike">
+                        <a:solidFill>
+                          <a:srgbClr val="000000"/>
+                        </a:solidFill>
+                        <a:effectLst/>
+                        <a:latin typeface="等线" panose="02010600030101010101" pitchFamily="2" charset="-122"/>
+                        <a:ea typeface="等线" panose="02010600030101010101" pitchFamily="2" charset="-122"/>
+                      </a:endParaRPr>
+                    </a:p>
+                  </a:txBody>
+                  <a:tcPr marL="6350" marR="6350" marT="6350" marB="0" anchor="b"/>
+                </a:tc>
+                <a:tc>
+                  <a:txBody>
+                    <a:bodyPr/>
+                    <a:lstStyle/>
+                    <a:p>
+                      <a:pPr algn="l" fontAlgn="b"/>
+                      <a:r>
+                        <a:rPr lang="en-US" sz="1100" u="none" strike="noStrike">
+                          <a:effectLst/>
+                        </a:rPr>
+                        <a:t>AC</a:t>
+                      </a:r>
+                      <a:endParaRPr lang="en-US" sz="1100" b="0" i="0" u="none" strike="noStrike">
+                        <a:solidFill>
+                          <a:srgbClr val="000000"/>
+                        </a:solidFill>
+                        <a:effectLst/>
+                        <a:latin typeface="等线" panose="02010600030101010101" pitchFamily="2" charset="-122"/>
+                        <a:ea typeface="等线" panose="02010600030101010101" pitchFamily="2" charset="-122"/>
+                      </a:endParaRPr>
+                    </a:p>
+                  </a:txBody>
+                  <a:tcPr marL="6350" marR="6350" marT="6350" marB="0" anchor="b"/>
+                </a:tc>
+                <a:tc>
+                  <a:txBody>
+                    <a:bodyPr/>
+                    <a:lstStyle/>
+                    <a:p>
+                      <a:pPr algn="l" fontAlgn="b"/>
+                      <a:r>
+                        <a:rPr lang="en-US" sz="1100" u="none" strike="noStrike">
+                          <a:effectLst/>
+                        </a:rPr>
+                        <a:t>Acc Delta</a:t>
+                      </a:r>
+                      <a:endParaRPr lang="en-US" sz="1100" b="0" i="0" u="none" strike="noStrike">
+                        <a:solidFill>
+                          <a:srgbClr val="000000"/>
+                        </a:solidFill>
+                        <a:effectLst/>
+                        <a:latin typeface="等线" panose="02010600030101010101" pitchFamily="2" charset="-122"/>
+                        <a:ea typeface="等线" panose="02010600030101010101" pitchFamily="2" charset="-122"/>
+                      </a:endParaRPr>
+                    </a:p>
+                  </a:txBody>
+                  <a:tcPr marL="6350" marR="6350" marT="6350" marB="0" anchor="b"/>
+                </a:tc>
+                <a:extLst>
+                  <a:ext uri="{0D108BD9-81ED-4DB2-BD59-A6C34878D82A}">
+                    <a16:rowId xmlns:a16="http://schemas.microsoft.com/office/drawing/2014/main" val="3921382996"/>
+                  </a:ext>
+                </a:extLst>
+              </a:tr>
+              <a:tr h="177800">
+                <a:tc>
+                  <a:txBody>
+                    <a:bodyPr/>
+                    <a:lstStyle/>
+                    <a:p>
+                      <a:pPr algn="l" fontAlgn="b"/>
+                      <a:r>
+                        <a:rPr lang="en-US" sz="1100" u="none" strike="noStrike">
+                          <a:effectLst/>
+                        </a:rPr>
+                        <a:t>GDFS</a:t>
+                      </a:r>
+                      <a:endParaRPr lang="en-US" sz="1100" b="0" i="0" u="none" strike="noStrike">
+                        <a:solidFill>
+                          <a:srgbClr val="000000"/>
+                        </a:solidFill>
+                        <a:effectLst/>
+                        <a:latin typeface="等线" panose="02010600030101010101" pitchFamily="2" charset="-122"/>
+                        <a:ea typeface="等线" panose="02010600030101010101" pitchFamily="2" charset="-122"/>
+                      </a:endParaRPr>
+                    </a:p>
+                  </a:txBody>
+                  <a:tcPr marL="6350" marR="6350" marT="6350" marB="0" anchor="b"/>
+                </a:tc>
+                <a:tc>
+                  <a:txBody>
+                    <a:bodyPr/>
+                    <a:lstStyle/>
+                    <a:p>
+                      <a:pPr algn="r" fontAlgn="b"/>
+                      <a:r>
+                        <a:rPr lang="en-US" altLang="zh-CN" sz="1100" u="none" strike="noStrike">
+                          <a:effectLst/>
+                        </a:rPr>
+                        <a:t>112.9549575</a:t>
+                      </a:r>
+                      <a:endParaRPr lang="en-US" altLang="zh-CN" sz="1100" b="0" i="0" u="none" strike="noStrike">
+                        <a:solidFill>
+                          <a:srgbClr val="000000"/>
+                        </a:solidFill>
+                        <a:effectLst/>
+                        <a:latin typeface="等线" panose="02010600030101010101" pitchFamily="2" charset="-122"/>
+                        <a:ea typeface="等线" panose="02010600030101010101" pitchFamily="2" charset="-122"/>
+                      </a:endParaRPr>
+                    </a:p>
+                  </a:txBody>
+                  <a:tcPr marL="6350" marR="6350" marT="6350" marB="0" anchor="b"/>
+                </a:tc>
+                <a:tc>
+                  <a:txBody>
+                    <a:bodyPr/>
+                    <a:lstStyle/>
+                    <a:p>
+                      <a:pPr algn="r" fontAlgn="b"/>
+                      <a:r>
+                        <a:rPr lang="en-US" altLang="zh-CN" sz="1100" u="none" strike="noStrike">
+                          <a:effectLst/>
+                        </a:rPr>
+                        <a:t>0.674610052</a:t>
+                      </a:r>
+                      <a:endParaRPr lang="en-US" altLang="zh-CN" sz="1100" b="0" i="0" u="none" strike="noStrike">
+                        <a:solidFill>
+                          <a:srgbClr val="000000"/>
+                        </a:solidFill>
+                        <a:effectLst/>
+                        <a:latin typeface="等线" panose="02010600030101010101" pitchFamily="2" charset="-122"/>
+                        <a:ea typeface="等线" panose="02010600030101010101" pitchFamily="2" charset="-122"/>
+                      </a:endParaRPr>
+                    </a:p>
+                  </a:txBody>
+                  <a:tcPr marL="6350" marR="6350" marT="6350" marB="0" anchor="b"/>
+                </a:tc>
+                <a:tc>
+                  <a:txBody>
+                    <a:bodyPr/>
+                    <a:lstStyle/>
+                    <a:p>
+                      <a:pPr algn="l" fontAlgn="b"/>
+                      <a:r>
+                        <a:rPr lang="en-US" altLang="zh-CN" sz="1100" u="none" strike="noStrike">
+                          <a:effectLst/>
+                        </a:rPr>
+                        <a:t>70%-30%</a:t>
+                      </a:r>
+                      <a:endParaRPr lang="en-US" altLang="zh-CN" sz="1100" b="0" i="0" u="none" strike="noStrike">
+                        <a:solidFill>
+                          <a:srgbClr val="000000"/>
+                        </a:solidFill>
+                        <a:effectLst/>
+                        <a:latin typeface="等线" panose="02010600030101010101" pitchFamily="2" charset="-122"/>
+                        <a:ea typeface="等线" panose="02010600030101010101" pitchFamily="2" charset="-122"/>
+                      </a:endParaRPr>
+                    </a:p>
+                  </a:txBody>
+                  <a:tcPr marL="6350" marR="6350" marT="6350" marB="0" anchor="b"/>
+                </a:tc>
+                <a:tc>
+                  <a:txBody>
+                    <a:bodyPr/>
+                    <a:lstStyle/>
+                    <a:p>
+                      <a:pPr algn="l" fontAlgn="b"/>
+                      <a:r>
+                        <a:rPr lang="en-US" sz="1100" u="none" strike="noStrike">
+                          <a:effectLst/>
+                        </a:rPr>
+                        <a:t>1nn</a:t>
+                      </a:r>
+                      <a:endParaRPr lang="en-US" sz="1100" b="0" i="0" u="none" strike="noStrike">
+                        <a:solidFill>
+                          <a:srgbClr val="000000"/>
+                        </a:solidFill>
+                        <a:effectLst/>
+                        <a:latin typeface="等线" panose="02010600030101010101" pitchFamily="2" charset="-122"/>
+                        <a:ea typeface="等线" panose="02010600030101010101" pitchFamily="2" charset="-122"/>
+                      </a:endParaRPr>
+                    </a:p>
+                  </a:txBody>
+                  <a:tcPr marL="6350" marR="6350" marT="6350" marB="0" anchor="b"/>
+                </a:tc>
+                <a:tc>
+                  <a:txBody>
+                    <a:bodyPr/>
+                    <a:lstStyle/>
+                    <a:p>
+                      <a:pPr algn="r" fontAlgn="b"/>
+                      <a:r>
+                        <a:rPr lang="en-US" altLang="zh-CN" sz="1100" u="none" strike="noStrike">
+                          <a:effectLst/>
+                        </a:rPr>
+                        <a:t>0.947368421</a:t>
+                      </a:r>
+                      <a:endParaRPr lang="en-US" altLang="zh-CN" sz="1100" b="0" i="0" u="none" strike="noStrike">
+                        <a:solidFill>
+                          <a:srgbClr val="006100"/>
+                        </a:solidFill>
+                        <a:effectLst/>
+                        <a:latin typeface="等线" panose="02010600030101010101" pitchFamily="2" charset="-122"/>
+                        <a:ea typeface="等线" panose="02010600030101010101" pitchFamily="2" charset="-122"/>
+                      </a:endParaRPr>
+                    </a:p>
+                  </a:txBody>
+                  <a:tcPr marL="6350" marR="6350" marT="6350" marB="0" anchor="b"/>
+                </a:tc>
+                <a:tc>
+                  <a:txBody>
+                    <a:bodyPr/>
+                    <a:lstStyle/>
+                    <a:p>
+                      <a:pPr algn="r" fontAlgn="b"/>
+                      <a:r>
+                        <a:rPr lang="en-US" altLang="zh-CN" sz="1100" u="none" strike="noStrike">
+                          <a:effectLst/>
+                        </a:rPr>
+                        <a:t>0</a:t>
+                      </a:r>
+                      <a:endParaRPr lang="en-US" altLang="zh-CN" sz="1100" b="0" i="0" u="none" strike="noStrike">
+                        <a:solidFill>
+                          <a:srgbClr val="006100"/>
+                        </a:solidFill>
+                        <a:effectLst/>
+                        <a:latin typeface="等线" panose="02010600030101010101" pitchFamily="2" charset="-122"/>
+                        <a:ea typeface="等线" panose="02010600030101010101" pitchFamily="2" charset="-122"/>
+                      </a:endParaRPr>
+                    </a:p>
+                  </a:txBody>
+                  <a:tcPr marL="6350" marR="6350" marT="6350" marB="0" anchor="b"/>
+                </a:tc>
+                <a:extLst>
+                  <a:ext uri="{0D108BD9-81ED-4DB2-BD59-A6C34878D82A}">
+                    <a16:rowId xmlns:a16="http://schemas.microsoft.com/office/drawing/2014/main" val="3198299498"/>
+                  </a:ext>
+                </a:extLst>
+              </a:tr>
+              <a:tr h="177800">
+                <a:tc>
+                  <a:txBody>
+                    <a:bodyPr/>
+                    <a:lstStyle/>
+                    <a:p>
+                      <a:pPr algn="l" fontAlgn="b"/>
+                      <a:endParaRPr lang="zh-CN" altLang="en-US" sz="1100" b="0" i="0" u="none" strike="noStrike">
+                        <a:solidFill>
+                          <a:srgbClr val="000000"/>
+                        </a:solidFill>
+                        <a:effectLst/>
+                        <a:latin typeface="等线" panose="02010600030101010101" pitchFamily="2" charset="-122"/>
+                        <a:ea typeface="等线" panose="02010600030101010101" pitchFamily="2" charset="-122"/>
+                      </a:endParaRPr>
+                    </a:p>
+                  </a:txBody>
+                  <a:tcPr marL="6350" marR="6350" marT="6350" marB="0" anchor="b"/>
+                </a:tc>
+                <a:tc>
+                  <a:txBody>
+                    <a:bodyPr/>
+                    <a:lstStyle/>
+                    <a:p>
+                      <a:pPr algn="r" fontAlgn="b"/>
+                      <a:r>
+                        <a:rPr lang="en-US" altLang="zh-CN" sz="1100" u="none" strike="noStrike">
+                          <a:effectLst/>
+                        </a:rPr>
+                        <a:t>113.0381896</a:t>
+                      </a:r>
+                      <a:endParaRPr lang="en-US" altLang="zh-CN" sz="1100" b="0" i="0" u="none" strike="noStrike">
+                        <a:solidFill>
+                          <a:srgbClr val="000000"/>
+                        </a:solidFill>
+                        <a:effectLst/>
+                        <a:latin typeface="等线" panose="02010600030101010101" pitchFamily="2" charset="-122"/>
+                        <a:ea typeface="等线" panose="02010600030101010101" pitchFamily="2" charset="-122"/>
+                      </a:endParaRPr>
+                    </a:p>
+                  </a:txBody>
+                  <a:tcPr marL="6350" marR="6350" marT="6350" marB="0" anchor="b"/>
+                </a:tc>
+                <a:tc>
+                  <a:txBody>
+                    <a:bodyPr/>
+                    <a:lstStyle/>
+                    <a:p>
+                      <a:pPr algn="r" fontAlgn="b"/>
+                      <a:r>
+                        <a:rPr lang="en-US" altLang="zh-CN" sz="1100" u="none" strike="noStrike">
+                          <a:effectLst/>
+                        </a:rPr>
+                        <a:t>0.674610052</a:t>
+                      </a:r>
+                      <a:endParaRPr lang="en-US" altLang="zh-CN" sz="1100" b="0" i="0" u="none" strike="noStrike">
+                        <a:solidFill>
+                          <a:srgbClr val="000000"/>
+                        </a:solidFill>
+                        <a:effectLst/>
+                        <a:latin typeface="等线" panose="02010600030101010101" pitchFamily="2" charset="-122"/>
+                        <a:ea typeface="等线" panose="02010600030101010101" pitchFamily="2" charset="-122"/>
+                      </a:endParaRPr>
+                    </a:p>
+                  </a:txBody>
+                  <a:tcPr marL="6350" marR="6350" marT="6350" marB="0" anchor="b"/>
+                </a:tc>
+                <a:tc>
+                  <a:txBody>
+                    <a:bodyPr/>
+                    <a:lstStyle/>
+                    <a:p>
+                      <a:pPr algn="l" fontAlgn="b"/>
+                      <a:r>
+                        <a:rPr lang="en-US" altLang="zh-CN" sz="1100" u="none" strike="noStrike">
+                          <a:effectLst/>
+                        </a:rPr>
+                        <a:t>70%-30%</a:t>
+                      </a:r>
+                      <a:endParaRPr lang="en-US" altLang="zh-CN" sz="1100" b="0" i="0" u="none" strike="noStrike">
+                        <a:solidFill>
+                          <a:srgbClr val="000000"/>
+                        </a:solidFill>
+                        <a:effectLst/>
+                        <a:latin typeface="等线" panose="02010600030101010101" pitchFamily="2" charset="-122"/>
+                        <a:ea typeface="等线" panose="02010600030101010101" pitchFamily="2" charset="-122"/>
+                      </a:endParaRPr>
+                    </a:p>
+                  </a:txBody>
+                  <a:tcPr marL="6350" marR="6350" marT="6350" marB="0" anchor="b"/>
+                </a:tc>
+                <a:tc>
+                  <a:txBody>
+                    <a:bodyPr/>
+                    <a:lstStyle/>
+                    <a:p>
+                      <a:pPr algn="l" fontAlgn="b"/>
+                      <a:r>
+                        <a:rPr lang="en-US" sz="1100" u="none" strike="noStrike">
+                          <a:effectLst/>
+                        </a:rPr>
+                        <a:t>5nn</a:t>
+                      </a:r>
+                      <a:endParaRPr lang="en-US" sz="1100" b="0" i="0" u="none" strike="noStrike">
+                        <a:solidFill>
+                          <a:srgbClr val="000000"/>
+                        </a:solidFill>
+                        <a:effectLst/>
+                        <a:latin typeface="等线" panose="02010600030101010101" pitchFamily="2" charset="-122"/>
+                        <a:ea typeface="等线" panose="02010600030101010101" pitchFamily="2" charset="-122"/>
+                      </a:endParaRPr>
+                    </a:p>
+                  </a:txBody>
+                  <a:tcPr marL="6350" marR="6350" marT="6350" marB="0" anchor="b"/>
+                </a:tc>
+                <a:tc>
+                  <a:txBody>
+                    <a:bodyPr/>
+                    <a:lstStyle/>
+                    <a:p>
+                      <a:pPr algn="r" fontAlgn="b"/>
+                      <a:r>
+                        <a:rPr lang="en-US" altLang="zh-CN" sz="1100" u="none" strike="noStrike">
+                          <a:effectLst/>
+                        </a:rPr>
+                        <a:t>1</a:t>
+                      </a:r>
+                      <a:endParaRPr lang="en-US" altLang="zh-CN" sz="1100" b="0" i="0" u="none" strike="noStrike">
+                        <a:solidFill>
+                          <a:srgbClr val="006100"/>
+                        </a:solidFill>
+                        <a:effectLst/>
+                        <a:latin typeface="等线" panose="02010600030101010101" pitchFamily="2" charset="-122"/>
+                        <a:ea typeface="等线" panose="02010600030101010101" pitchFamily="2" charset="-122"/>
+                      </a:endParaRPr>
+                    </a:p>
+                  </a:txBody>
+                  <a:tcPr marL="6350" marR="6350" marT="6350" marB="0" anchor="b"/>
+                </a:tc>
+                <a:tc>
+                  <a:txBody>
+                    <a:bodyPr/>
+                    <a:lstStyle/>
+                    <a:p>
+                      <a:pPr algn="r" fontAlgn="b"/>
+                      <a:r>
+                        <a:rPr lang="en-US" altLang="zh-CN" sz="1100" u="none" strike="noStrike">
+                          <a:effectLst/>
+                        </a:rPr>
+                        <a:t>0</a:t>
+                      </a:r>
+                      <a:endParaRPr lang="en-US" altLang="zh-CN" sz="1100" b="0" i="0" u="none" strike="noStrike">
+                        <a:solidFill>
+                          <a:srgbClr val="006100"/>
+                        </a:solidFill>
+                        <a:effectLst/>
+                        <a:latin typeface="等线" panose="02010600030101010101" pitchFamily="2" charset="-122"/>
+                        <a:ea typeface="等线" panose="02010600030101010101" pitchFamily="2" charset="-122"/>
+                      </a:endParaRPr>
+                    </a:p>
+                  </a:txBody>
+                  <a:tcPr marL="6350" marR="6350" marT="6350" marB="0" anchor="b"/>
+                </a:tc>
+                <a:extLst>
+                  <a:ext uri="{0D108BD9-81ED-4DB2-BD59-A6C34878D82A}">
+                    <a16:rowId xmlns:a16="http://schemas.microsoft.com/office/drawing/2014/main" val="651925855"/>
+                  </a:ext>
+                </a:extLst>
+              </a:tr>
+              <a:tr h="177800">
+                <a:tc>
+                  <a:txBody>
+                    <a:bodyPr/>
+                    <a:lstStyle/>
+                    <a:p>
+                      <a:pPr algn="l" fontAlgn="b"/>
+                      <a:endParaRPr lang="zh-CN" altLang="en-US" sz="1100" b="0" i="0" u="none" strike="noStrike">
+                        <a:solidFill>
+                          <a:srgbClr val="000000"/>
+                        </a:solidFill>
+                        <a:effectLst/>
+                        <a:latin typeface="等线" panose="02010600030101010101" pitchFamily="2" charset="-122"/>
+                        <a:ea typeface="等线" panose="02010600030101010101" pitchFamily="2" charset="-122"/>
+                      </a:endParaRPr>
+                    </a:p>
+                  </a:txBody>
+                  <a:tcPr marL="6350" marR="6350" marT="6350" marB="0" anchor="b"/>
+                </a:tc>
+                <a:tc>
+                  <a:txBody>
+                    <a:bodyPr/>
+                    <a:lstStyle/>
+                    <a:p>
+                      <a:pPr algn="r" fontAlgn="b"/>
+                      <a:r>
+                        <a:rPr lang="en-US" altLang="zh-CN" sz="1100" u="none" strike="noStrike">
+                          <a:effectLst/>
+                        </a:rPr>
+                        <a:t>8.504727364</a:t>
+                      </a:r>
+                      <a:endParaRPr lang="en-US" altLang="zh-CN" sz="1100" b="0" i="0" u="none" strike="noStrike">
+                        <a:solidFill>
+                          <a:srgbClr val="000000"/>
+                        </a:solidFill>
+                        <a:effectLst/>
+                        <a:latin typeface="等线" panose="02010600030101010101" pitchFamily="2" charset="-122"/>
+                        <a:ea typeface="等线" panose="02010600030101010101" pitchFamily="2" charset="-122"/>
+                      </a:endParaRPr>
+                    </a:p>
+                  </a:txBody>
+                  <a:tcPr marL="6350" marR="6350" marT="6350" marB="0" anchor="b"/>
+                </a:tc>
+                <a:tc>
+                  <a:txBody>
+                    <a:bodyPr/>
+                    <a:lstStyle/>
+                    <a:p>
+                      <a:pPr algn="r" fontAlgn="b"/>
+                      <a:r>
+                        <a:rPr lang="en-US" altLang="zh-CN" sz="1100" u="none" strike="noStrike">
+                          <a:effectLst/>
+                        </a:rPr>
+                        <a:t>0.674610052</a:t>
+                      </a:r>
+                      <a:endParaRPr lang="en-US" altLang="zh-CN" sz="1100" b="0" i="0" u="none" strike="noStrike">
+                        <a:solidFill>
+                          <a:srgbClr val="000000"/>
+                        </a:solidFill>
+                        <a:effectLst/>
+                        <a:latin typeface="等线" panose="02010600030101010101" pitchFamily="2" charset="-122"/>
+                        <a:ea typeface="等线" panose="02010600030101010101" pitchFamily="2" charset="-122"/>
+                      </a:endParaRPr>
+                    </a:p>
+                  </a:txBody>
+                  <a:tcPr marL="6350" marR="6350" marT="6350" marB="0" anchor="b"/>
+                </a:tc>
+                <a:tc>
+                  <a:txBody>
+                    <a:bodyPr/>
+                    <a:lstStyle/>
+                    <a:p>
+                      <a:pPr algn="l" fontAlgn="b"/>
+                      <a:r>
+                        <a:rPr lang="en-US" altLang="zh-CN" sz="1100" u="none" strike="noStrike">
+                          <a:effectLst/>
+                        </a:rPr>
+                        <a:t>70%-30%</a:t>
+                      </a:r>
+                      <a:endParaRPr lang="en-US" altLang="zh-CN" sz="1100" b="0" i="0" u="none" strike="noStrike">
+                        <a:solidFill>
+                          <a:srgbClr val="000000"/>
+                        </a:solidFill>
+                        <a:effectLst/>
+                        <a:latin typeface="等线" panose="02010600030101010101" pitchFamily="2" charset="-122"/>
+                        <a:ea typeface="等线" panose="02010600030101010101" pitchFamily="2" charset="-122"/>
+                      </a:endParaRPr>
+                    </a:p>
+                  </a:txBody>
+                  <a:tcPr marL="6350" marR="6350" marT="6350" marB="0" anchor="b"/>
+                </a:tc>
+                <a:tc>
+                  <a:txBody>
+                    <a:bodyPr/>
+                    <a:lstStyle/>
+                    <a:p>
+                      <a:pPr algn="l" fontAlgn="b"/>
+                      <a:r>
+                        <a:rPr lang="en-US" sz="1100" u="none" strike="noStrike">
+                          <a:effectLst/>
+                        </a:rPr>
+                        <a:t>SVM</a:t>
+                      </a:r>
+                      <a:endParaRPr lang="en-US" sz="1100" b="0" i="0" u="none" strike="noStrike">
+                        <a:solidFill>
+                          <a:srgbClr val="000000"/>
+                        </a:solidFill>
+                        <a:effectLst/>
+                        <a:latin typeface="等线" panose="02010600030101010101" pitchFamily="2" charset="-122"/>
+                        <a:ea typeface="等线" panose="02010600030101010101" pitchFamily="2" charset="-122"/>
+                      </a:endParaRPr>
+                    </a:p>
+                  </a:txBody>
+                  <a:tcPr marL="6350" marR="6350" marT="6350" marB="0" anchor="b"/>
+                </a:tc>
+                <a:tc>
+                  <a:txBody>
+                    <a:bodyPr/>
+                    <a:lstStyle/>
+                    <a:p>
+                      <a:pPr algn="r" fontAlgn="b"/>
+                      <a:r>
+                        <a:rPr lang="en-US" altLang="zh-CN" sz="1100" u="none" strike="noStrike">
+                          <a:effectLst/>
+                        </a:rPr>
+                        <a:t>0.947368421</a:t>
+                      </a:r>
+                      <a:endParaRPr lang="en-US" altLang="zh-CN" sz="1100" b="0" i="0" u="none" strike="noStrike">
+                        <a:solidFill>
+                          <a:srgbClr val="000000"/>
+                        </a:solidFill>
+                        <a:effectLst/>
+                        <a:latin typeface="等线" panose="02010600030101010101" pitchFamily="2" charset="-122"/>
+                        <a:ea typeface="等线" panose="02010600030101010101" pitchFamily="2" charset="-122"/>
+                      </a:endParaRPr>
+                    </a:p>
+                  </a:txBody>
+                  <a:tcPr marL="6350" marR="6350" marT="6350" marB="0" anchor="b"/>
+                </a:tc>
+                <a:tc>
+                  <a:txBody>
+                    <a:bodyPr/>
+                    <a:lstStyle/>
+                    <a:p>
+                      <a:pPr algn="r" fontAlgn="b"/>
+                      <a:r>
+                        <a:rPr lang="en-US" altLang="zh-CN" sz="1100" u="none" strike="noStrike">
+                          <a:effectLst/>
+                        </a:rPr>
+                        <a:t>5.263157895</a:t>
+                      </a:r>
+                      <a:endParaRPr lang="en-US" altLang="zh-CN" sz="1100" b="0" i="0" u="none" strike="noStrike">
+                        <a:solidFill>
+                          <a:srgbClr val="000000"/>
+                        </a:solidFill>
+                        <a:effectLst/>
+                        <a:latin typeface="等线" panose="02010600030101010101" pitchFamily="2" charset="-122"/>
+                        <a:ea typeface="等线" panose="02010600030101010101" pitchFamily="2" charset="-122"/>
+                      </a:endParaRPr>
+                    </a:p>
+                  </a:txBody>
+                  <a:tcPr marL="6350" marR="6350" marT="6350" marB="0" anchor="b"/>
+                </a:tc>
+                <a:extLst>
+                  <a:ext uri="{0D108BD9-81ED-4DB2-BD59-A6C34878D82A}">
+                    <a16:rowId xmlns:a16="http://schemas.microsoft.com/office/drawing/2014/main" val="4163097525"/>
+                  </a:ext>
+                </a:extLst>
+              </a:tr>
+              <a:tr h="177800">
+                <a:tc>
+                  <a:txBody>
+                    <a:bodyPr/>
+                    <a:lstStyle/>
+                    <a:p>
+                      <a:pPr algn="l" fontAlgn="b"/>
+                      <a:endParaRPr lang="zh-CN" altLang="en-US" sz="1100" b="0" i="0" u="none" strike="noStrike">
+                        <a:solidFill>
+                          <a:srgbClr val="000000"/>
+                        </a:solidFill>
+                        <a:effectLst/>
+                        <a:latin typeface="等线" panose="02010600030101010101" pitchFamily="2" charset="-122"/>
+                        <a:ea typeface="等线" panose="02010600030101010101" pitchFamily="2" charset="-122"/>
+                      </a:endParaRPr>
+                    </a:p>
+                  </a:txBody>
+                  <a:tcPr marL="6350" marR="6350" marT="6350" marB="0" anchor="b"/>
+                </a:tc>
+                <a:tc>
+                  <a:txBody>
+                    <a:bodyPr/>
+                    <a:lstStyle/>
+                    <a:p>
+                      <a:pPr algn="r" fontAlgn="b"/>
+                      <a:r>
+                        <a:rPr lang="en-US" altLang="zh-CN" sz="1100" u="none" strike="noStrike">
+                          <a:effectLst/>
+                        </a:rPr>
+                        <a:t>10.60063148</a:t>
+                      </a:r>
+                      <a:endParaRPr lang="en-US" altLang="zh-CN" sz="1100" b="0" i="0" u="none" strike="noStrike">
+                        <a:solidFill>
+                          <a:srgbClr val="000000"/>
+                        </a:solidFill>
+                        <a:effectLst/>
+                        <a:latin typeface="等线" panose="02010600030101010101" pitchFamily="2" charset="-122"/>
+                        <a:ea typeface="等线" panose="02010600030101010101" pitchFamily="2" charset="-122"/>
+                      </a:endParaRPr>
+                    </a:p>
+                  </a:txBody>
+                  <a:tcPr marL="6350" marR="6350" marT="6350" marB="0" anchor="b"/>
+                </a:tc>
+                <a:tc>
+                  <a:txBody>
+                    <a:bodyPr/>
+                    <a:lstStyle/>
+                    <a:p>
+                      <a:pPr algn="r" fontAlgn="b"/>
+                      <a:r>
+                        <a:rPr lang="en-US" altLang="zh-CN" sz="1100" u="none" strike="noStrike">
+                          <a:effectLst/>
+                        </a:rPr>
+                        <a:t>0.674610052</a:t>
+                      </a:r>
+                      <a:endParaRPr lang="en-US" altLang="zh-CN" sz="1100" b="0" i="0" u="none" strike="noStrike">
+                        <a:solidFill>
+                          <a:srgbClr val="000000"/>
+                        </a:solidFill>
+                        <a:effectLst/>
+                        <a:latin typeface="等线" panose="02010600030101010101" pitchFamily="2" charset="-122"/>
+                        <a:ea typeface="等线" panose="02010600030101010101" pitchFamily="2" charset="-122"/>
+                      </a:endParaRPr>
+                    </a:p>
+                  </a:txBody>
+                  <a:tcPr marL="6350" marR="6350" marT="6350" marB="0" anchor="b"/>
+                </a:tc>
+                <a:tc>
+                  <a:txBody>
+                    <a:bodyPr/>
+                    <a:lstStyle/>
+                    <a:p>
+                      <a:pPr algn="l" fontAlgn="b"/>
+                      <a:r>
+                        <a:rPr lang="en-US" altLang="zh-CN" sz="1100" u="none" strike="noStrike">
+                          <a:effectLst/>
+                        </a:rPr>
+                        <a:t>70%-30%</a:t>
+                      </a:r>
+                      <a:endParaRPr lang="en-US" altLang="zh-CN" sz="1100" b="0" i="0" u="none" strike="noStrike">
+                        <a:solidFill>
+                          <a:srgbClr val="000000"/>
+                        </a:solidFill>
+                        <a:effectLst/>
+                        <a:latin typeface="等线" panose="02010600030101010101" pitchFamily="2" charset="-122"/>
+                        <a:ea typeface="等线" panose="02010600030101010101" pitchFamily="2" charset="-122"/>
+                      </a:endParaRPr>
+                    </a:p>
+                  </a:txBody>
+                  <a:tcPr marL="6350" marR="6350" marT="6350" marB="0" anchor="b"/>
+                </a:tc>
+                <a:tc>
+                  <a:txBody>
+                    <a:bodyPr/>
+                    <a:lstStyle/>
+                    <a:p>
+                      <a:pPr algn="l" fontAlgn="b"/>
+                      <a:r>
+                        <a:rPr lang="en-US" sz="1100" u="none" strike="noStrike">
+                          <a:effectLst/>
+                        </a:rPr>
+                        <a:t>Cart</a:t>
+                      </a:r>
+                      <a:endParaRPr lang="en-US" sz="1100" b="0" i="0" u="none" strike="noStrike">
+                        <a:solidFill>
+                          <a:srgbClr val="000000"/>
+                        </a:solidFill>
+                        <a:effectLst/>
+                        <a:latin typeface="等线" panose="02010600030101010101" pitchFamily="2" charset="-122"/>
+                        <a:ea typeface="等线" panose="02010600030101010101" pitchFamily="2" charset="-122"/>
+                      </a:endParaRPr>
+                    </a:p>
+                  </a:txBody>
+                  <a:tcPr marL="6350" marR="6350" marT="6350" marB="0" anchor="b"/>
+                </a:tc>
+                <a:tc>
+                  <a:txBody>
+                    <a:bodyPr/>
+                    <a:lstStyle/>
+                    <a:p>
+                      <a:pPr algn="r" fontAlgn="b"/>
+                      <a:r>
+                        <a:rPr lang="en-US" altLang="zh-CN" sz="1100" u="none" strike="noStrike">
+                          <a:effectLst/>
+                        </a:rPr>
+                        <a:t>0.894736842</a:t>
+                      </a:r>
+                      <a:endParaRPr lang="en-US" altLang="zh-CN" sz="1100" b="0" i="0" u="none" strike="noStrike">
+                        <a:solidFill>
+                          <a:srgbClr val="000000"/>
+                        </a:solidFill>
+                        <a:effectLst/>
+                        <a:latin typeface="等线" panose="02010600030101010101" pitchFamily="2" charset="-122"/>
+                        <a:ea typeface="等线" panose="02010600030101010101" pitchFamily="2" charset="-122"/>
+                      </a:endParaRPr>
+                    </a:p>
+                  </a:txBody>
+                  <a:tcPr marL="6350" marR="6350" marT="6350" marB="0" anchor="b"/>
+                </a:tc>
+                <a:tc>
+                  <a:txBody>
+                    <a:bodyPr/>
+                    <a:lstStyle/>
+                    <a:p>
+                      <a:pPr algn="r" fontAlgn="b"/>
+                      <a:r>
+                        <a:rPr lang="en-US" altLang="zh-CN" sz="1100" u="none" strike="noStrike" dirty="0">
+                          <a:effectLst/>
+                        </a:rPr>
+                        <a:t>5.555555556</a:t>
+                      </a:r>
+                      <a:endParaRPr lang="en-US" altLang="zh-CN" sz="1100" b="0" i="0" u="none" strike="noStrike" dirty="0">
+                        <a:solidFill>
+                          <a:srgbClr val="000000"/>
+                        </a:solidFill>
+                        <a:effectLst/>
+                        <a:latin typeface="等线" panose="02010600030101010101" pitchFamily="2" charset="-122"/>
+                        <a:ea typeface="等线" panose="02010600030101010101" pitchFamily="2" charset="-122"/>
+                      </a:endParaRPr>
+                    </a:p>
+                  </a:txBody>
+                  <a:tcPr marL="6350" marR="6350" marT="6350" marB="0" anchor="b"/>
+                </a:tc>
+                <a:extLst>
+                  <a:ext uri="{0D108BD9-81ED-4DB2-BD59-A6C34878D82A}">
+                    <a16:rowId xmlns:a16="http://schemas.microsoft.com/office/drawing/2014/main" val="2471938864"/>
+                  </a:ext>
+                </a:extLst>
+              </a:tr>
+            </a:tbl>
+          </a:graphicData>
+        </a:graphic>
+      </p:graphicFrame>
+      <p:sp>
+        <p:nvSpPr>
+          <p:cNvPr id="14" name="矩形 13">
+            <a:extLst>
+              <a:ext uri="{FF2B5EF4-FFF2-40B4-BE49-F238E27FC236}">
+                <a16:creationId xmlns:a16="http://schemas.microsoft.com/office/drawing/2014/main" id="{104036CB-A428-4E58-B3B5-37C4011EE4E9}"/>
+              </a:ext>
+            </a:extLst>
+          </p:cNvPr>
+          <p:cNvSpPr/>
+          <p:nvPr/>
+        </p:nvSpPr>
+        <p:spPr>
+          <a:xfrm>
+            <a:off x="672223" y="4767976"/>
+            <a:ext cx="3325101" cy="646331"/>
+          </a:xfrm>
+          <a:prstGeom prst="rect">
+            <a:avLst/>
+          </a:prstGeom>
+          <a:noFill/>
+        </p:spPr>
+        <p:txBody>
+          <a:bodyPr wrap="square" lIns="91440" tIns="45720" rIns="91440" bIns="45720">
+            <a:spAutoFit/>
+          </a:bodyPr>
+          <a:lstStyle/>
+          <a:p>
+            <a:pPr algn="ctr"/>
+            <a:r>
+              <a:rPr lang="zh-CN" altLang="en-US" sz="3600" b="1" dirty="0">
+                <a:ln w="9525">
+                  <a:solidFill>
+                    <a:schemeClr val="bg1"/>
+                  </a:solidFill>
+                  <a:prstDash val="solid"/>
+                </a:ln>
+                <a:solidFill>
+                  <a:schemeClr val="accent5"/>
+                </a:solidFill>
+                <a:effectLst>
+                  <a:outerShdw blurRad="12700" dist="38100" dir="2700000" algn="tl" rotWithShape="0">
+                    <a:schemeClr val="accent5">
+                      <a:lumMod val="60000"/>
+                      <a:lumOff val="40000"/>
+                    </a:schemeClr>
+                  </a:outerShdw>
+                </a:effectLst>
+              </a:rPr>
+              <a:t>中维</a:t>
+            </a:r>
+            <a:r>
+              <a:rPr lang="en-US" altLang="zh-CN" sz="3600" b="1" dirty="0" err="1">
+                <a:ln w="9525">
+                  <a:solidFill>
+                    <a:schemeClr val="bg1"/>
+                  </a:solidFill>
+                  <a:prstDash val="solid"/>
+                </a:ln>
+                <a:solidFill>
+                  <a:schemeClr val="accent5"/>
+                </a:solidFill>
+                <a:effectLst>
+                  <a:outerShdw blurRad="12700" dist="38100" dir="2700000" algn="tl" rotWithShape="0">
+                    <a:schemeClr val="accent5">
+                      <a:lumMod val="60000"/>
+                      <a:lumOff val="40000"/>
+                    </a:schemeClr>
+                  </a:outerShdw>
+                </a:effectLst>
+              </a:rPr>
+              <a:t>Srbct</a:t>
+            </a:r>
+            <a:endParaRPr lang="zh-CN" altLang="en-US" sz="3600" b="1" cap="none" spc="0" dirty="0">
+              <a:ln w="9525">
+                <a:solidFill>
+                  <a:schemeClr val="bg1"/>
+                </a:solidFill>
+                <a:prstDash val="solid"/>
+              </a:ln>
+              <a:solidFill>
+                <a:schemeClr val="accent5"/>
+              </a:solidFill>
+              <a:effectLst>
+                <a:outerShdw blurRad="12700" dist="38100" dir="2700000" algn="tl" rotWithShape="0">
+                  <a:schemeClr val="accent5">
+                    <a:lumMod val="60000"/>
+                    <a:lumOff val="40000"/>
+                  </a:schemeClr>
+                </a:outerShdw>
+              </a:effectLst>
+            </a:endParaRPr>
+          </a:p>
+        </p:txBody>
+      </p:sp>
+    </p:spTree>
+    <p:extLst>
+      <p:ext uri="{BB962C8B-B14F-4D97-AF65-F5344CB8AC3E}">
+        <p14:creationId xmlns:p14="http://schemas.microsoft.com/office/powerpoint/2010/main" val="162939464"/>
+      </p:ext>
+    </p:extLst>
+  </p:cSld>
+  <p:clrMapOvr>
+    <a:masterClrMapping/>
+  </p:clrMapOvr>
+</p:sld>
+</file>
+
+<file path=ppt/slides/slide17.xml><?xml version="1.0" encoding="utf-8"?>
+<p:sld xmlns:a="http://schemas.openxmlformats.org/drawingml/2006/main" xmlns:r="http://schemas.openxmlformats.org/officeDocument/2006/relationships" xmlns:p="http://schemas.openxmlformats.org/presentationml/2006/main">
+  <p:cSld>
+    <p:spTree>
+      <p:nvGrpSpPr>
+        <p:cNvPr id="1" name=""/>
+        <p:cNvGrpSpPr/>
+        <p:nvPr/>
+      </p:nvGrpSpPr>
+      <p:grpSpPr>
+        <a:xfrm>
+          <a:off x="0" y="0"/>
+          <a:ext cx="0" cy="0"/>
+          <a:chOff x="0" y="0"/>
+          <a:chExt cx="0" cy="0"/>
+        </a:xfrm>
+      </p:grpSpPr>
+      <p:sp>
+        <p:nvSpPr>
+          <p:cNvPr id="2" name="标题 1">
+            <a:extLst>
+              <a:ext uri="{FF2B5EF4-FFF2-40B4-BE49-F238E27FC236}">
+                <a16:creationId xmlns:a16="http://schemas.microsoft.com/office/drawing/2014/main" id="{814A3B83-F138-4CA9-ACDF-FD6D4313F32F}"/>
+              </a:ext>
+            </a:extLst>
+          </p:cNvPr>
+          <p:cNvSpPr>
+            <a:spLocks noGrp="1"/>
+          </p:cNvSpPr>
+          <p:nvPr>
+            <p:ph type="title"/>
+          </p:nvPr>
+        </p:nvSpPr>
+        <p:spPr/>
+        <p:txBody>
+          <a:bodyPr/>
+          <a:lstStyle/>
+          <a:p>
+            <a:r>
+              <a:rPr lang="en-US" altLang="zh-CN" dirty="0"/>
+              <a:t>GDFS</a:t>
+            </a:r>
+            <a:r>
+              <a:rPr lang="zh-CN" altLang="en-US" dirty="0"/>
+              <a:t>结果</a:t>
+            </a:r>
+          </a:p>
+        </p:txBody>
+      </p:sp>
+      <p:sp>
+        <p:nvSpPr>
+          <p:cNvPr id="3" name="竖排文字占位符 2">
+            <a:extLst>
+              <a:ext uri="{FF2B5EF4-FFF2-40B4-BE49-F238E27FC236}">
+                <a16:creationId xmlns:a16="http://schemas.microsoft.com/office/drawing/2014/main" id="{0DDDBC52-1374-4382-8C40-20FF63549B08}"/>
+              </a:ext>
+            </a:extLst>
+          </p:cNvPr>
+          <p:cNvSpPr>
+            <a:spLocks noGrp="1"/>
+          </p:cNvSpPr>
+          <p:nvPr>
+            <p:ph type="body" orient="vert" idx="1"/>
+          </p:nvPr>
+        </p:nvSpPr>
+        <p:spPr>
+          <a:xfrm>
+            <a:off x="1371600" y="2025650"/>
+            <a:ext cx="9601200" cy="3632200"/>
+          </a:xfrm>
+        </p:spPr>
+        <p:txBody>
+          <a:bodyPr vert="horz">
+            <a:normAutofit/>
+          </a:bodyPr>
+          <a:lstStyle/>
+          <a:p>
+            <a:r>
+              <a:rPr lang="zh-CN" altLang="en-US" dirty="0"/>
+              <a:t>效果不错，目标基本达到</a:t>
+            </a:r>
+            <a:endParaRPr lang="en-US" altLang="zh-CN" dirty="0"/>
+          </a:p>
+          <a:p>
+            <a:endParaRPr lang="en-US" altLang="zh-CN" dirty="0"/>
+          </a:p>
+          <a:p>
+            <a:r>
+              <a:rPr lang="zh-CN" altLang="en-US" dirty="0"/>
+              <a:t>低维数据中具有维度缩减的能力，且准确度没有太大变化或提升</a:t>
+            </a:r>
+            <a:endParaRPr lang="en-US" altLang="zh-CN" dirty="0"/>
+          </a:p>
+          <a:p>
+            <a:endParaRPr lang="en-US" altLang="zh-CN" dirty="0"/>
+          </a:p>
+          <a:p>
+            <a:r>
+              <a:rPr lang="zh-CN" altLang="en-US" dirty="0"/>
+              <a:t>中维度数据与高纬度数据</a:t>
+            </a:r>
+            <a:endParaRPr lang="en-US" altLang="zh-CN" dirty="0"/>
+          </a:p>
+          <a:p>
+            <a:pPr lvl="1"/>
+            <a:r>
+              <a:rPr lang="zh-CN" altLang="en-US" dirty="0"/>
+              <a:t>维度缩减力度下降了</a:t>
+            </a:r>
+            <a:endParaRPr lang="en-US" altLang="zh-CN" dirty="0"/>
+          </a:p>
+          <a:p>
+            <a:pPr lvl="1"/>
+            <a:r>
+              <a:rPr lang="zh-CN" altLang="en-US" dirty="0"/>
+              <a:t>由数据集特性，</a:t>
+            </a:r>
+            <a:r>
+              <a:rPr lang="en-US" altLang="zh-CN" dirty="0"/>
+              <a:t>Acc</a:t>
+            </a:r>
+            <a:r>
+              <a:rPr lang="zh-CN" altLang="en-US" dirty="0"/>
+              <a:t>不同程度提升，但也有下降</a:t>
+            </a:r>
+            <a:endParaRPr lang="en-US" altLang="zh-CN" dirty="0"/>
+          </a:p>
+          <a:p>
+            <a:pPr lvl="1"/>
+            <a:r>
+              <a:rPr lang="zh-CN" altLang="en-US" dirty="0"/>
+              <a:t>总体来看，血亏</a:t>
+            </a:r>
+            <a:endParaRPr lang="en-US" altLang="zh-CN" dirty="0"/>
+          </a:p>
+          <a:p>
+            <a:pPr lvl="1"/>
+            <a:endParaRPr lang="en-US" altLang="zh-CN" dirty="0"/>
+          </a:p>
+          <a:p>
+            <a:pPr lvl="1"/>
+            <a:endParaRPr lang="en-US" altLang="zh-CN" dirty="0"/>
+          </a:p>
+          <a:p>
+            <a:endParaRPr lang="en-US" altLang="zh-CN" dirty="0"/>
+          </a:p>
+          <a:p>
+            <a:endParaRPr lang="en-US" altLang="zh-CN" dirty="0"/>
+          </a:p>
+        </p:txBody>
+      </p:sp>
+    </p:spTree>
+    <p:extLst>
+      <p:ext uri="{BB962C8B-B14F-4D97-AF65-F5344CB8AC3E}">
+        <p14:creationId xmlns:p14="http://schemas.microsoft.com/office/powerpoint/2010/main" val="3756565263"/>
       </p:ext>
     </p:extLst>
   </p:cSld>

--- a/Doc/Pre.pptx
+++ b/Doc/Pre.pptx
@@ -22,6 +22,12 @@
     <p:sldId id="272" r:id="rId16"/>
     <p:sldId id="273" r:id="rId17"/>
     <p:sldId id="274" r:id="rId18"/>
+    <p:sldId id="276" r:id="rId19"/>
+    <p:sldId id="278" r:id="rId20"/>
+    <p:sldId id="282" r:id="rId21"/>
+    <p:sldId id="279" r:id="rId22"/>
+    <p:sldId id="280" r:id="rId23"/>
+    <p:sldId id="281" r:id="rId24"/>
   </p:sldIdLst>
   <p:sldSz cx="12192000" cy="6858000"/>
   <p:notesSz cx="6858000" cy="9144000"/>
@@ -3861,6 +3867,10 @@
           <a:bodyPr/>
           <a:lstStyle/>
           <a:p>
+            <a:r>
+              <a:rPr kumimoji="1" lang="zh-CN" altLang="en-US"/>
+              <a:t>周植、胡子木、朱任翔</a:t>
+            </a:r>
             <a:endParaRPr kumimoji="1" lang="zh-CN" altLang="en-US" dirty="0"/>
           </a:p>
         </p:txBody>
@@ -4536,7 +4546,7 @@
           <a:p>
             <a:r>
               <a:rPr lang="en-US" altLang="zh-CN" dirty="0"/>
-              <a:t>Lasso</a:t>
+              <a:t>Lasso </a:t>
             </a:r>
             <a:r>
               <a:rPr lang="zh-CN" altLang="en-US" dirty="0"/>
@@ -4563,10 +4573,15 @@
                 <p:ph type="body" orient="vert" idx="1"/>
               </p:nvPr>
             </p:nvSpPr>
-            <p:spPr/>
+            <p:spPr>
+              <a:xfrm>
+                <a:off x="1371600" y="1854201"/>
+                <a:ext cx="9601200" cy="4013200"/>
+              </a:xfrm>
+            </p:spPr>
             <p:txBody>
               <a:bodyPr vert="horz">
-                <a:normAutofit/>
+                <a:normAutofit fontScale="92500"/>
               </a:bodyPr>
               <a:lstStyle/>
               <a:p>
@@ -4990,13 +5005,13 @@
                 <a14:m>
                   <m:oMath xmlns:m="http://schemas.openxmlformats.org/officeDocument/2006/math">
                     <m:r>
-                      <a:rPr lang="en-US" altLang="zh-CN" i="1" dirty="0" smtClean="0">
+                      <a:rPr lang="en-US" altLang="zh-CN" i="1" dirty="0">
                         <a:latin typeface="Cambria Math" panose="02040503050406030204" pitchFamily="18" charset="0"/>
                       </a:rPr>
                       <m:t>𝐿𝑜𝑠𝑠</m:t>
                     </m:r>
                     <m:r>
-                      <a:rPr lang="en-US" altLang="zh-CN" i="1" dirty="0" smtClean="0">
+                      <a:rPr lang="en-US" altLang="zh-CN" i="1" dirty="0">
                         <a:latin typeface="Cambria Math" panose="02040503050406030204" pitchFamily="18" charset="0"/>
                       </a:rPr>
                       <m:t> = </m:t>
@@ -5004,7 +5019,7 @@
                     <m:sSub>
                       <m:sSubPr>
                         <m:ctrlPr>
-                          <a:rPr lang="en-US" altLang="zh-CN" i="1" dirty="0" smtClean="0">
+                          <a:rPr lang="en-US" altLang="zh-CN" i="1" dirty="0">
                             <a:latin typeface="Cambria Math" panose="02040503050406030204" pitchFamily="18" charset="0"/>
                           </a:rPr>
                         </m:ctrlPr>
@@ -5013,7 +5028,7 @@
                         <m:sSub>
                           <m:sSubPr>
                             <m:ctrlPr>
-                              <a:rPr lang="en-US" altLang="zh-CN" b="0" i="1" dirty="0" smtClean="0">
+                              <a:rPr lang="en-US" altLang="zh-CN" i="1" dirty="0">
                                 <a:latin typeface="Cambria Math" panose="02040503050406030204" pitchFamily="18" charset="0"/>
                               </a:rPr>
                             </m:ctrlPr>
@@ -5024,7 +5039,7 @@
                                 <m:begChr m:val="|"/>
                                 <m:endChr m:val="|"/>
                                 <m:ctrlPr>
-                                  <a:rPr lang="en-US" altLang="zh-CN" b="0" i="1" dirty="0" smtClean="0">
+                                  <a:rPr lang="en-US" altLang="zh-CN" i="1" dirty="0">
                                     <a:latin typeface="Cambria Math" panose="02040503050406030204" pitchFamily="18" charset="0"/>
                                   </a:rPr>
                                 </m:ctrlPr>
@@ -5035,7 +5050,7 @@
                                     <m:begChr m:val="|"/>
                                     <m:endChr m:val="|"/>
                                     <m:ctrlPr>
-                                      <a:rPr lang="en-US" altLang="zh-CN" b="0" i="1" dirty="0" smtClean="0">
+                                      <a:rPr lang="en-US" altLang="zh-CN" i="1" dirty="0">
                                         <a:latin typeface="Cambria Math" panose="02040503050406030204" pitchFamily="18" charset="0"/>
                                       </a:rPr>
                                     </m:ctrlPr>
@@ -5044,14 +5059,14 @@
                                     <m:sSup>
                                       <m:sSupPr>
                                         <m:ctrlPr>
-                                          <a:rPr lang="en-US" altLang="zh-CN" b="0" i="1" dirty="0" smtClean="0">
+                                          <a:rPr lang="en-US" altLang="zh-CN" i="1" dirty="0">
                                             <a:latin typeface="Cambria Math" panose="02040503050406030204" pitchFamily="18" charset="0"/>
                                           </a:rPr>
                                         </m:ctrlPr>
                                       </m:sSupPr>
                                       <m:e>
                                         <m:r>
-                                          <a:rPr lang="en-US" altLang="zh-CN" b="0" i="1" dirty="0" smtClean="0">
+                                          <a:rPr lang="en-US" altLang="zh-CN" i="1" dirty="0">
                                             <a:latin typeface="Cambria Math" panose="02040503050406030204" pitchFamily="18" charset="0"/>
                                           </a:rPr>
                                           <m:t>𝐹</m:t>
@@ -5059,7 +5074,7 @@
                                       </m:e>
                                       <m:sup>
                                         <m:r>
-                                          <a:rPr lang="en-US" altLang="zh-CN" b="0" i="1" dirty="0" smtClean="0">
+                                          <a:rPr lang="en-US" altLang="zh-CN" i="1" dirty="0">
                                             <a:latin typeface="Cambria Math" panose="02040503050406030204" pitchFamily="18" charset="0"/>
                                           </a:rPr>
                                           <m:t>′</m:t>
@@ -5069,14 +5084,14 @@
                                     <m:d>
                                       <m:dPr>
                                         <m:ctrlPr>
-                                          <a:rPr lang="en-US" altLang="zh-CN" b="0" i="1" dirty="0" smtClean="0">
+                                          <a:rPr lang="en-US" altLang="zh-CN" i="1" dirty="0">
                                             <a:latin typeface="Cambria Math" panose="02040503050406030204" pitchFamily="18" charset="0"/>
                                           </a:rPr>
                                         </m:ctrlPr>
                                       </m:dPr>
                                       <m:e>
                                         <m:r>
-                                          <a:rPr lang="en-US" altLang="zh-CN" b="0" i="1" dirty="0" smtClean="0">
+                                          <a:rPr lang="en-US" altLang="zh-CN" i="1" dirty="0">
                                             <a:latin typeface="Cambria Math" panose="02040503050406030204" pitchFamily="18" charset="0"/>
                                           </a:rPr>
                                           <m:t>𝑋</m:t>
@@ -5084,13 +5099,13 @@
                                       </m:e>
                                     </m:d>
                                     <m:r>
-                                      <a:rPr lang="en-US" altLang="zh-CN" b="0" i="1" dirty="0" smtClean="0">
+                                      <a:rPr lang="en-US" altLang="zh-CN" i="1" dirty="0">
                                         <a:latin typeface="Cambria Math" panose="02040503050406030204" pitchFamily="18" charset="0"/>
                                       </a:rPr>
                                       <m:t>−</m:t>
                                     </m:r>
                                     <m:r>
-                                      <a:rPr lang="en-US" altLang="zh-CN" b="0" i="1" dirty="0" smtClean="0">
+                                      <a:rPr lang="en-US" altLang="zh-CN" i="1" dirty="0">
                                         <a:latin typeface="Cambria Math" panose="02040503050406030204" pitchFamily="18" charset="0"/>
                                       </a:rPr>
                                       <m:t>𝑌</m:t>
@@ -5102,7 +5117,7 @@
                           </m:e>
                           <m:sub>
                             <m:r>
-                              <a:rPr lang="en-US" altLang="zh-CN" b="0" i="1" dirty="0" smtClean="0">
+                              <a:rPr lang="en-US" altLang="zh-CN" i="1" dirty="0">
                                 <a:latin typeface="Cambria Math" panose="02040503050406030204" pitchFamily="18" charset="0"/>
                               </a:rPr>
                               <m:t>2</m:t>
@@ -5110,13 +5125,13 @@
                           </m:sub>
                         </m:sSub>
                         <m:r>
-                          <a:rPr lang="en-US" altLang="zh-CN" b="0" i="1" dirty="0" smtClean="0">
+                          <a:rPr lang="en-US" altLang="zh-CN" i="1" dirty="0">
                             <a:latin typeface="Cambria Math" panose="02040503050406030204" pitchFamily="18" charset="0"/>
                           </a:rPr>
                           <m:t>+</m:t>
                         </m:r>
                         <m:r>
-                          <a:rPr lang="en-US" altLang="zh-CN" b="0" i="1" dirty="0" smtClean="0">
+                          <a:rPr lang="en-US" altLang="zh-CN" i="1" dirty="0">
                             <a:latin typeface="Cambria Math" panose="02040503050406030204" pitchFamily="18" charset="0"/>
                           </a:rPr>
                           <m:t>𝜆</m:t>
@@ -5126,14 +5141,14 @@
                             <m:begChr m:val="|"/>
                             <m:endChr m:val="|"/>
                             <m:ctrlPr>
-                              <a:rPr lang="en-US" altLang="zh-CN" i="1" dirty="0" smtClean="0">
+                              <a:rPr lang="en-US" altLang="zh-CN" i="1" dirty="0">
                                 <a:latin typeface="Cambria Math" panose="02040503050406030204" pitchFamily="18" charset="0"/>
                               </a:rPr>
                             </m:ctrlPr>
                           </m:dPr>
                           <m:e>
                             <m:r>
-                              <a:rPr lang="en-US" altLang="zh-CN" i="1" dirty="0" smtClean="0">
+                              <a:rPr lang="en-US" altLang="zh-CN" i="1" dirty="0">
                                 <a:latin typeface="Cambria Math" panose="02040503050406030204" pitchFamily="18" charset="0"/>
                               </a:rPr>
                               <m:t>𝑉</m:t>
@@ -5143,7 +5158,7 @@
                       </m:e>
                       <m:sub>
                         <m:r>
-                          <a:rPr lang="en-US" altLang="zh-CN" i="1" dirty="0" smtClean="0">
+                          <a:rPr lang="en-US" altLang="zh-CN" i="1" dirty="0">
                             <a:latin typeface="Cambria Math" panose="02040503050406030204" pitchFamily="18" charset="0"/>
                           </a:rPr>
                           <m:t>1</m:t>
@@ -5152,6 +5167,23 @@
                     </m:sSub>
                   </m:oMath>
                 </a14:m>
+                <a:endParaRPr lang="en-US" altLang="zh-CN" dirty="0"/>
+              </a:p>
+              <a:p>
+                <a:endParaRPr lang="en-US" altLang="zh-CN" dirty="0"/>
+              </a:p>
+              <a:p>
+                <a:r>
+                  <a:rPr lang="en-US" altLang="zh-CN" dirty="0"/>
+                  <a:t>https://github.com/WNJXYK/JLU_FeatureSelection/blob/master/Algorithm/Lasso.py</a:t>
+                </a:r>
+              </a:p>
+              <a:p>
+                <a:pPr lvl="1"/>
+                <a:endParaRPr lang="en-US" altLang="zh-CN" dirty="0"/>
+              </a:p>
+              <a:p>
+                <a:pPr lvl="1"/>
                 <a:endParaRPr lang="en-US" altLang="zh-CN" dirty="0"/>
               </a:p>
               <a:p>
@@ -5193,10 +5225,14 @@
               </p:nvPr>
             </p:nvSpPr>
             <p:spPr>
+              <a:xfrm>
+                <a:off x="1371600" y="1854201"/>
+                <a:ext cx="9601200" cy="4013200"/>
+              </a:xfrm>
               <a:blipFill>
                 <a:blip r:embed="rId2"/>
                 <a:stretch>
-                  <a:fillRect l="-571" t="-1365"/>
+                  <a:fillRect l="-508" t="-1214" b="-910"/>
                 </a:stretch>
               </a:blipFill>
             </p:spPr>
@@ -5268,7 +5304,7 @@
           <a:p>
             <a:r>
               <a:rPr lang="en-US" altLang="zh-CN" dirty="0"/>
-              <a:t>Lasso</a:t>
+              <a:t>Lasso </a:t>
             </a:r>
             <a:r>
               <a:rPr lang="zh-CN" altLang="en-US" dirty="0"/>
@@ -8441,7 +8477,7 @@
           <a:p>
             <a:r>
               <a:rPr lang="en-US" altLang="zh-CN" dirty="0"/>
-              <a:t>Lasso</a:t>
+              <a:t>Lasso </a:t>
             </a:r>
             <a:r>
               <a:rPr lang="zh-CN" altLang="en-US" dirty="0"/>
@@ -9677,13 +9713,8 @@
           <a:p>
             <a:r>
               <a:rPr lang="zh-CN" altLang="en-US" dirty="0"/>
-              <a:t>改进得到 </a:t>
-            </a:r>
-            <a:r>
-              <a:rPr lang="en-US" altLang="zh-CN" dirty="0"/>
-              <a:t>GDFS</a:t>
-            </a:r>
-            <a:endParaRPr lang="zh-CN" altLang="en-US" dirty="0"/>
+              <a:t>尝试改进</a:t>
+            </a:r>
           </a:p>
         </p:txBody>
       </p:sp>
@@ -9895,7 +9926,7 @@
             </p:spPr>
             <p:txBody>
               <a:bodyPr vert="horz">
-                <a:normAutofit fontScale="92500" lnSpcReduction="10000"/>
+                <a:normAutofit fontScale="85000" lnSpcReduction="20000"/>
               </a:bodyPr>
               <a:lstStyle/>
               <a:p>
@@ -9936,13 +9967,13 @@
                 <a14:m>
                   <m:oMath xmlns:m="http://schemas.openxmlformats.org/officeDocument/2006/math">
                     <m:r>
-                      <a:rPr lang="en-US" altLang="zh-CN" i="1" dirty="0" smtClean="0">
+                      <a:rPr lang="en-US" altLang="zh-CN" dirty="0">
                         <a:latin typeface="Cambria Math" panose="02040503050406030204" pitchFamily="18" charset="0"/>
                       </a:rPr>
                       <m:t>𝑆𝑒𝑙</m:t>
                     </m:r>
                     <m:r>
-                      <a:rPr lang="en-US" altLang="zh-CN" i="1" dirty="0" smtClean="0">
+                      <a:rPr lang="en-US" altLang="zh-CN" dirty="0">
                         <a:latin typeface="Cambria Math" panose="02040503050406030204" pitchFamily="18" charset="0"/>
                       </a:rPr>
                       <m:t> = [1, 1, 1, …, 1]</m:t>
@@ -10323,6 +10354,15 @@
                 <a:endParaRPr lang="en-US" altLang="zh-CN" dirty="0"/>
               </a:p>
               <a:p>
+                <a:endParaRPr lang="en-US" altLang="zh-CN" dirty="0"/>
+              </a:p>
+              <a:p>
+                <a:r>
+                  <a:rPr lang="en-US" altLang="zh-CN" dirty="0"/>
+                  <a:t>https://github.com/WNJXYK/JLU_FeatureSelection/blob/master/Algorithm/GDFS.py</a:t>
+                </a:r>
+              </a:p>
+              <a:p>
                 <a:pPr marL="0" indent="0">
                   <a:buNone/>
                 </a:pPr>
@@ -10386,7 +10426,7 @@
               <a:blipFill>
                 <a:blip r:embed="rId2"/>
                 <a:stretch>
-                  <a:fillRect l="-508" t="-1705"/>
+                  <a:fillRect l="-317" t="-1563" b="-284"/>
                 </a:stretch>
               </a:blipFill>
             </p:spPr>
@@ -13631,7 +13671,7 @@
           <a:p>
             <a:r>
               <a:rPr lang="en-US" altLang="zh-CN" dirty="0"/>
-              <a:t>GDFS</a:t>
+              <a:t>GDFS </a:t>
             </a:r>
             <a:r>
               <a:rPr lang="zh-CN" altLang="en-US" dirty="0"/>
@@ -13746,6 +13786,1357 @@
     <p:extLst>
       <p:ext uri="{BB962C8B-B14F-4D97-AF65-F5344CB8AC3E}">
         <p14:creationId xmlns:p14="http://schemas.microsoft.com/office/powerpoint/2010/main" val="3756565263"/>
+      </p:ext>
+    </p:extLst>
+  </p:cSld>
+  <p:clrMapOvr>
+    <a:masterClrMapping/>
+  </p:clrMapOvr>
+</p:sld>
+</file>
+
+<file path=ppt/slides/slide18.xml><?xml version="1.0" encoding="utf-8"?>
+<p:sld xmlns:a="http://schemas.openxmlformats.org/drawingml/2006/main" xmlns:r="http://schemas.openxmlformats.org/officeDocument/2006/relationships" xmlns:p="http://schemas.openxmlformats.org/presentationml/2006/main">
+  <p:cSld>
+    <p:spTree>
+      <p:nvGrpSpPr>
+        <p:cNvPr id="1" name=""/>
+        <p:cNvGrpSpPr/>
+        <p:nvPr/>
+      </p:nvGrpSpPr>
+      <p:grpSpPr>
+        <a:xfrm>
+          <a:off x="0" y="0"/>
+          <a:ext cx="0" cy="0"/>
+          <a:chOff x="0" y="0"/>
+          <a:chExt cx="0" cy="0"/>
+        </a:xfrm>
+      </p:grpSpPr>
+      <p:sp>
+        <p:nvSpPr>
+          <p:cNvPr id="2" name="标题 1">
+            <a:extLst>
+              <a:ext uri="{FF2B5EF4-FFF2-40B4-BE49-F238E27FC236}">
+                <a16:creationId xmlns:a16="http://schemas.microsoft.com/office/drawing/2014/main" id="{814A3B83-F138-4CA9-ACDF-FD6D4313F32F}"/>
+              </a:ext>
+            </a:extLst>
+          </p:cNvPr>
+          <p:cNvSpPr>
+            <a:spLocks noGrp="1"/>
+          </p:cNvSpPr>
+          <p:nvPr>
+            <p:ph type="title"/>
+          </p:nvPr>
+        </p:nvSpPr>
+        <p:spPr/>
+        <p:txBody>
+          <a:bodyPr/>
+          <a:lstStyle/>
+          <a:p>
+            <a:r>
+              <a:rPr lang="zh-CN" altLang="en-US" dirty="0"/>
+              <a:t>另一种改进</a:t>
+            </a:r>
+          </a:p>
+        </p:txBody>
+      </p:sp>
+      <mc:AlternateContent xmlns:mc="http://schemas.openxmlformats.org/markup-compatibility/2006">
+        <mc:Choice xmlns:a14="http://schemas.microsoft.com/office/drawing/2010/main" Requires="a14">
+          <p:sp>
+            <p:nvSpPr>
+              <p:cNvPr id="3" name="竖排文字占位符 2">
+                <a:extLst>
+                  <a:ext uri="{FF2B5EF4-FFF2-40B4-BE49-F238E27FC236}">
+                    <a16:creationId xmlns:a16="http://schemas.microsoft.com/office/drawing/2014/main" id="{0DDDBC52-1374-4382-8C40-20FF63549B08}"/>
+                  </a:ext>
+                </a:extLst>
+              </p:cNvPr>
+              <p:cNvSpPr>
+                <a:spLocks noGrp="1"/>
+              </p:cNvSpPr>
+              <p:nvPr>
+                <p:ph type="body" orient="vert" idx="1"/>
+              </p:nvPr>
+            </p:nvSpPr>
+            <p:spPr>
+              <a:xfrm>
+                <a:off x="1371600" y="1997074"/>
+                <a:ext cx="9601200" cy="4175126"/>
+              </a:xfrm>
+            </p:spPr>
+            <p:txBody>
+              <a:bodyPr vert="horz">
+                <a:normAutofit/>
+              </a:bodyPr>
+              <a:lstStyle/>
+              <a:p>
+                <a:r>
+                  <a:rPr lang="zh-CN" altLang="en-US" dirty="0"/>
+                  <a:t>结合 </a:t>
+                </a:r>
+                <a:r>
+                  <a:rPr lang="en-US" altLang="zh-CN" dirty="0"/>
+                  <a:t>Lasso </a:t>
+                </a:r>
+                <a:r>
+                  <a:rPr lang="zh-CN" altLang="en-US" dirty="0"/>
+                  <a:t>大力度降维（高维下）和 </a:t>
+                </a:r>
+                <a:r>
+                  <a:rPr lang="en-US" altLang="zh-CN" dirty="0"/>
+                  <a:t>FOA </a:t>
+                </a:r>
+                <a:r>
+                  <a:rPr lang="zh-CN" altLang="en-US" dirty="0"/>
+                  <a:t>类算法的遗传思想。</a:t>
+                </a:r>
+                <a:endParaRPr lang="en-US" altLang="zh-CN" dirty="0"/>
+              </a:p>
+              <a:p>
+                <a:pPr lvl="1"/>
+                <a:r>
+                  <a:rPr lang="en-US" altLang="zh-CN" dirty="0"/>
+                  <a:t>Lasso </a:t>
+                </a:r>
+                <a:r>
+                  <a:rPr lang="zh-CN" altLang="en-US" dirty="0"/>
+                  <a:t>可以在保证准确率不下降太多的情况下，删除绝大多数特征。</a:t>
+                </a:r>
+                <a:endParaRPr lang="en-US" altLang="zh-CN" dirty="0"/>
+              </a:p>
+              <a:p>
+                <a:pPr lvl="1"/>
+                <a:r>
+                  <a:rPr lang="zh-CN" altLang="en-US" dirty="0"/>
+                  <a:t>使用遗传算法里的交叉、变异操作，跳出局部极值。</a:t>
+                </a:r>
+                <a:endParaRPr lang="en-US" altLang="zh-CN" dirty="0"/>
+              </a:p>
+              <a:p>
+                <a:endParaRPr lang="en-US" altLang="zh-CN" dirty="0"/>
+              </a:p>
+              <a:p>
+                <a:r>
+                  <a:rPr lang="zh-CN" altLang="en-US" dirty="0"/>
+                  <a:t>初始为了保证种群的丰富性，按照二进制位 </a:t>
+                </a:r>
+                <a:r>
+                  <a:rPr lang="en-US" altLang="zh-CN" dirty="0"/>
+                  <a:t>0/1 </a:t>
+                </a:r>
+                <a:r>
+                  <a:rPr lang="zh-CN" altLang="en-US" dirty="0"/>
+                  <a:t>生成 </a:t>
+                </a:r>
+                <a14:m>
+                  <m:oMath xmlns:m="http://schemas.openxmlformats.org/officeDocument/2006/math">
+                    <m:r>
+                      <a:rPr lang="en-US" altLang="zh-CN" i="1" dirty="0" smtClean="0">
+                        <a:latin typeface="Cambria Math" panose="02040503050406030204" pitchFamily="18" charset="0"/>
+                      </a:rPr>
+                      <m:t>2</m:t>
+                    </m:r>
+                    <m:r>
+                      <m:rPr>
+                        <m:sty m:val="p"/>
+                      </m:rPr>
+                      <a:rPr lang="en-US" altLang="zh-CN" i="1" dirty="0" smtClean="0">
+                        <a:latin typeface="Cambria Math" panose="02040503050406030204" pitchFamily="18" charset="0"/>
+                      </a:rPr>
+                      <m:t>log</m:t>
+                    </m:r>
+                    <m:r>
+                      <a:rPr lang="en-US" altLang="zh-CN" i="1" dirty="0" smtClean="0">
+                        <a:latin typeface="Cambria Math" panose="02040503050406030204" pitchFamily="18" charset="0"/>
+                      </a:rPr>
+                      <m:t>⁡(</m:t>
+                    </m:r>
+                    <m:sSub>
+                      <m:sSubPr>
+                        <m:ctrlPr>
+                          <a:rPr lang="en-US" altLang="zh-CN" i="1" dirty="0" err="1" smtClean="0">
+                            <a:latin typeface="Cambria Math" panose="02040503050406030204" pitchFamily="18" charset="0"/>
+                          </a:rPr>
+                        </m:ctrlPr>
+                      </m:sSubPr>
+                      <m:e>
+                        <m:r>
+                          <a:rPr lang="en-US" altLang="zh-CN" i="1" dirty="0" err="1" smtClean="0">
+                            <a:latin typeface="Cambria Math" panose="02040503050406030204" pitchFamily="18" charset="0"/>
+                          </a:rPr>
+                          <m:t>𝑛</m:t>
+                        </m:r>
+                      </m:e>
+                      <m:sub>
+                        <m:r>
+                          <a:rPr lang="en-US" altLang="zh-CN" i="1" dirty="0" err="1" smtClean="0">
+                            <a:latin typeface="Cambria Math" panose="02040503050406030204" pitchFamily="18" charset="0"/>
+                          </a:rPr>
+                          <m:t>𝑓𝑒𝑎𝑡𝑢𝑟𝑒𝑠</m:t>
+                        </m:r>
+                      </m:sub>
+                    </m:sSub>
+                    <m:r>
+                      <a:rPr lang="en-US" altLang="zh-CN" i="1" dirty="0" smtClean="0">
+                        <a:latin typeface="Cambria Math" panose="02040503050406030204" pitchFamily="18" charset="0"/>
+                      </a:rPr>
+                      <m:t>)</m:t>
+                    </m:r>
+                  </m:oMath>
+                </a14:m>
+                <a:r>
+                  <a:rPr lang="en-US" altLang="zh-CN" dirty="0"/>
+                  <a:t> </a:t>
+                </a:r>
+                <a:r>
+                  <a:rPr lang="zh-CN" altLang="en-US" dirty="0"/>
+                  <a:t>个大小为 </a:t>
+                </a:r>
+                <a14:m>
+                  <m:oMath xmlns:m="http://schemas.openxmlformats.org/officeDocument/2006/math">
+                    <m:f>
+                      <m:fPr>
+                        <m:type m:val="skw"/>
+                        <m:ctrlPr>
+                          <a:rPr lang="zh-CN" altLang="en-US" i="1" smtClean="0">
+                            <a:latin typeface="Cambria Math" panose="02040503050406030204" pitchFamily="18" charset="0"/>
+                          </a:rPr>
+                        </m:ctrlPr>
+                      </m:fPr>
+                      <m:num>
+                        <m:sSub>
+                          <m:sSubPr>
+                            <m:ctrlPr>
+                              <a:rPr lang="en-US" altLang="zh-CN" i="1">
+                                <a:latin typeface="Cambria Math" panose="02040503050406030204" pitchFamily="18" charset="0"/>
+                              </a:rPr>
+                            </m:ctrlPr>
+                          </m:sSubPr>
+                          <m:e>
+                            <m:r>
+                              <m:rPr>
+                                <m:sty m:val="p"/>
+                              </m:rPr>
+                              <a:rPr lang="en-US" altLang="zh-CN" i="1">
+                                <a:latin typeface="Cambria Math" panose="02040503050406030204" pitchFamily="18" charset="0"/>
+                              </a:rPr>
+                              <m:t>n</m:t>
+                            </m:r>
+                          </m:e>
+                          <m:sub>
+                            <m:r>
+                              <m:rPr>
+                                <m:sty m:val="p"/>
+                              </m:rPr>
+                              <a:rPr lang="en-US" altLang="zh-CN" i="1">
+                                <a:latin typeface="Cambria Math" panose="02040503050406030204" pitchFamily="18" charset="0"/>
+                              </a:rPr>
+                              <m:t>features</m:t>
+                            </m:r>
+                          </m:sub>
+                        </m:sSub>
+                      </m:num>
+                      <m:den>
+                        <m:r>
+                          <a:rPr lang="en-US" altLang="zh-CN" i="1">
+                            <a:latin typeface="Cambria Math" panose="02040503050406030204" pitchFamily="18" charset="0"/>
+                          </a:rPr>
+                          <m:t>2</m:t>
+                        </m:r>
+                      </m:den>
+                    </m:f>
+                  </m:oMath>
+                </a14:m>
+                <a:r>
+                  <a:rPr lang="en-US" altLang="zh-CN" dirty="0"/>
+                  <a:t> </a:t>
+                </a:r>
+                <a:r>
+                  <a:rPr lang="zh-CN" altLang="en-US" dirty="0"/>
+                  <a:t>的种群。</a:t>
+                </a:r>
+                <a:endParaRPr lang="en-US" altLang="zh-CN" dirty="0"/>
+              </a:p>
+              <a:p>
+                <a:r>
+                  <a:rPr lang="zh-CN" altLang="en-US" dirty="0"/>
+                  <a:t>修改交叉操作为或，变异操作仅为 </a:t>
+                </a:r>
+                <a14:m>
+                  <m:oMath xmlns:m="http://schemas.openxmlformats.org/officeDocument/2006/math">
+                    <m:r>
+                      <a:rPr lang="en-US" altLang="zh-CN" i="1" dirty="0" smtClean="0">
+                        <a:latin typeface="Cambria Math" panose="02040503050406030204" pitchFamily="18" charset="0"/>
+                      </a:rPr>
+                      <m:t>0→1</m:t>
+                    </m:r>
+                  </m:oMath>
+                </a14:m>
+                <a:endParaRPr lang="en-US" altLang="zh-CN" dirty="0"/>
+              </a:p>
+              <a:p>
+                <a:r>
+                  <a:rPr lang="zh-CN" altLang="en-US" dirty="0"/>
+                  <a:t>每次选择 </a:t>
+                </a:r>
+                <a:r>
+                  <a:rPr lang="en-US" altLang="zh-CN" dirty="0"/>
+                  <a:t>Fitness </a:t>
+                </a:r>
+                <a:r>
+                  <a:rPr lang="zh-CN" altLang="en-US" dirty="0"/>
+                  <a:t>最高的 </a:t>
+                </a:r>
+                <a14:m>
+                  <m:oMath xmlns:m="http://schemas.openxmlformats.org/officeDocument/2006/math">
+                    <m:r>
+                      <m:rPr>
+                        <m:sty m:val="p"/>
+                      </m:rPr>
+                      <a:rPr lang="en-US" altLang="zh-CN" b="0" i="0" smtClean="0">
+                        <a:latin typeface="Cambria Math" panose="02040503050406030204" pitchFamily="18" charset="0"/>
+                      </a:rPr>
+                      <m:t>O</m:t>
+                    </m:r>
+                    <m:r>
+                      <a:rPr lang="en-US" altLang="zh-CN" b="0" i="0" smtClean="0">
+                        <a:latin typeface="Cambria Math" panose="02040503050406030204" pitchFamily="18" charset="0"/>
+                      </a:rPr>
+                      <m:t>(</m:t>
+                    </m:r>
+                    <m:func>
+                      <m:funcPr>
+                        <m:ctrlPr>
+                          <a:rPr lang="en-US" altLang="zh-CN" b="0" i="1" smtClean="0">
+                            <a:latin typeface="Cambria Math" panose="02040503050406030204" pitchFamily="18" charset="0"/>
+                          </a:rPr>
+                        </m:ctrlPr>
+                      </m:funcPr>
+                      <m:fName>
+                        <m:sSub>
+                          <m:sSubPr>
+                            <m:ctrlPr>
+                              <a:rPr lang="en-US" altLang="zh-CN" b="0" i="0" smtClean="0">
+                                <a:latin typeface="Cambria Math" panose="02040503050406030204" pitchFamily="18" charset="0"/>
+                              </a:rPr>
+                            </m:ctrlPr>
+                          </m:sSubPr>
+                          <m:e>
+                            <m:r>
+                              <m:rPr>
+                                <m:sty m:val="p"/>
+                              </m:rPr>
+                              <a:rPr lang="en-US" altLang="zh-CN" b="0" i="0" smtClean="0">
+                                <a:latin typeface="Cambria Math" panose="02040503050406030204" pitchFamily="18" charset="0"/>
+                              </a:rPr>
+                              <m:t>log</m:t>
+                            </m:r>
+                          </m:e>
+                          <m:sub>
+                            <m:r>
+                              <a:rPr lang="en-US" altLang="zh-CN" b="0" i="1" smtClean="0">
+                                <a:latin typeface="Cambria Math" panose="02040503050406030204" pitchFamily="18" charset="0"/>
+                              </a:rPr>
+                              <m:t>2</m:t>
+                            </m:r>
+                          </m:sub>
+                        </m:sSub>
+                      </m:fName>
+                      <m:e>
+                        <m:sSub>
+                          <m:sSubPr>
+                            <m:ctrlPr>
+                              <a:rPr lang="en-US" altLang="zh-CN" b="0" i="1" smtClean="0">
+                                <a:latin typeface="Cambria Math" panose="02040503050406030204" pitchFamily="18" charset="0"/>
+                              </a:rPr>
+                            </m:ctrlPr>
+                          </m:sSubPr>
+                          <m:e>
+                            <m:r>
+                              <a:rPr lang="en-US" altLang="zh-CN" b="0" i="1" smtClean="0">
+                                <a:latin typeface="Cambria Math" panose="02040503050406030204" pitchFamily="18" charset="0"/>
+                              </a:rPr>
+                              <m:t>𝑛</m:t>
+                            </m:r>
+                          </m:e>
+                          <m:sub>
+                            <m:r>
+                              <a:rPr lang="en-US" altLang="zh-CN" b="0" i="1" smtClean="0">
+                                <a:latin typeface="Cambria Math" panose="02040503050406030204" pitchFamily="18" charset="0"/>
+                              </a:rPr>
+                              <m:t>𝑓𝑒𝑎𝑡𝑢𝑟𝑒𝑠</m:t>
+                            </m:r>
+                          </m:sub>
+                        </m:sSub>
+                      </m:e>
+                    </m:func>
+                    <m:r>
+                      <a:rPr lang="en-US" altLang="zh-CN" b="0" i="1" smtClean="0">
+                        <a:latin typeface="Cambria Math" panose="02040503050406030204" pitchFamily="18" charset="0"/>
+                      </a:rPr>
+                      <m:t>)</m:t>
+                    </m:r>
+                  </m:oMath>
+                </a14:m>
+                <a:r>
+                  <a:rPr lang="en-US" altLang="zh-CN" dirty="0"/>
+                  <a:t> </a:t>
+                </a:r>
+                <a:r>
+                  <a:rPr lang="zh-CN" altLang="en-US" dirty="0"/>
+                  <a:t>个个体保留，始终保持种群数量为 </a:t>
+                </a:r>
+                <a14:m>
+                  <m:oMath xmlns:m="http://schemas.openxmlformats.org/officeDocument/2006/math">
+                    <m:r>
+                      <a:rPr lang="en-US" altLang="zh-CN" i="1" dirty="0">
+                        <a:latin typeface="Cambria Math" panose="02040503050406030204" pitchFamily="18" charset="0"/>
+                      </a:rPr>
+                      <m:t>𝑂</m:t>
+                    </m:r>
+                    <m:r>
+                      <a:rPr lang="en-US" altLang="zh-CN" i="1" dirty="0">
+                        <a:latin typeface="Cambria Math" panose="02040503050406030204" pitchFamily="18" charset="0"/>
+                      </a:rPr>
+                      <m:t>(</m:t>
+                    </m:r>
+                    <m:func>
+                      <m:funcPr>
+                        <m:ctrlPr>
+                          <a:rPr lang="en-US" altLang="zh-CN" i="1" dirty="0">
+                            <a:latin typeface="Cambria Math" panose="02040503050406030204" pitchFamily="18" charset="0"/>
+                          </a:rPr>
+                        </m:ctrlPr>
+                      </m:funcPr>
+                      <m:fName>
+                        <m:sSub>
+                          <m:sSubPr>
+                            <m:ctrlPr>
+                              <a:rPr lang="en-US" altLang="zh-CN" i="1" dirty="0">
+                                <a:latin typeface="Cambria Math" panose="02040503050406030204" pitchFamily="18" charset="0"/>
+                              </a:rPr>
+                            </m:ctrlPr>
+                          </m:sSubPr>
+                          <m:e>
+                            <m:r>
+                              <m:rPr>
+                                <m:sty m:val="p"/>
+                              </m:rPr>
+                              <a:rPr lang="en-US" altLang="zh-CN" dirty="0">
+                                <a:latin typeface="Cambria Math" panose="02040503050406030204" pitchFamily="18" charset="0"/>
+                              </a:rPr>
+                              <m:t>log</m:t>
+                            </m:r>
+                          </m:e>
+                          <m:sub>
+                            <m:r>
+                              <a:rPr lang="en-US" altLang="zh-CN" i="1" dirty="0">
+                                <a:latin typeface="Cambria Math" panose="02040503050406030204" pitchFamily="18" charset="0"/>
+                              </a:rPr>
+                              <m:t>2</m:t>
+                            </m:r>
+                          </m:sub>
+                        </m:sSub>
+                      </m:fName>
+                      <m:e>
+                        <m:sSub>
+                          <m:sSubPr>
+                            <m:ctrlPr>
+                              <a:rPr lang="en-US" altLang="zh-CN" i="1" dirty="0">
+                                <a:latin typeface="Cambria Math" panose="02040503050406030204" pitchFamily="18" charset="0"/>
+                              </a:rPr>
+                            </m:ctrlPr>
+                          </m:sSubPr>
+                          <m:e>
+                            <m:r>
+                              <a:rPr lang="en-US" altLang="zh-CN" i="1" dirty="0">
+                                <a:latin typeface="Cambria Math" panose="02040503050406030204" pitchFamily="18" charset="0"/>
+                              </a:rPr>
+                              <m:t>𝑛</m:t>
+                            </m:r>
+                          </m:e>
+                          <m:sub>
+                            <m:r>
+                              <a:rPr lang="en-US" altLang="zh-CN" i="1" dirty="0">
+                                <a:latin typeface="Cambria Math" panose="02040503050406030204" pitchFamily="18" charset="0"/>
+                              </a:rPr>
+                              <m:t>𝑓𝑒𝑎𝑡𝑢𝑟𝑒𝑠</m:t>
+                            </m:r>
+                          </m:sub>
+                        </m:sSub>
+                      </m:e>
+                    </m:func>
+                    <m:r>
+                      <a:rPr lang="en-US" altLang="zh-CN" i="1" dirty="0">
+                        <a:latin typeface="Cambria Math" panose="02040503050406030204" pitchFamily="18" charset="0"/>
+                      </a:rPr>
+                      <m:t>)</m:t>
+                    </m:r>
+                  </m:oMath>
+                </a14:m>
+                <a:r>
+                  <a:rPr lang="en-US" altLang="zh-CN" dirty="0"/>
+                  <a:t> </a:t>
+                </a:r>
+                <a:r>
+                  <a:rPr lang="zh-CN" altLang="en-US" dirty="0"/>
+                  <a:t>级别，复杂度有保证</a:t>
+                </a:r>
+                <a:endParaRPr lang="en-US" altLang="zh-CN" dirty="0"/>
+              </a:p>
+              <a:p>
+                <a:r>
+                  <a:rPr lang="en-US" altLang="zh-CN" dirty="0"/>
+                  <a:t>Lasso </a:t>
+                </a:r>
+                <a:r>
+                  <a:rPr lang="zh-CN" altLang="en-US" dirty="0"/>
+                  <a:t>快速删除绝大多数无用特征，加速后期过程。</a:t>
+                </a:r>
+                <a:endParaRPr lang="en-US" altLang="zh-CN" dirty="0"/>
+              </a:p>
+              <a:p>
+                <a:endParaRPr lang="en-US" altLang="zh-CN" dirty="0"/>
+              </a:p>
+              <a:p>
+                <a:endParaRPr lang="en-US" altLang="zh-CN" dirty="0"/>
+              </a:p>
+              <a:p>
+                <a:pPr lvl="1"/>
+                <a:endParaRPr lang="en-US" altLang="zh-CN" dirty="0"/>
+              </a:p>
+              <a:p>
+                <a:pPr lvl="1"/>
+                <a:endParaRPr lang="en-US" altLang="zh-CN" dirty="0"/>
+              </a:p>
+              <a:p>
+                <a:endParaRPr lang="en-US" altLang="zh-CN" dirty="0"/>
+              </a:p>
+              <a:p>
+                <a:endParaRPr lang="en-US" altLang="zh-CN" dirty="0"/>
+              </a:p>
+            </p:txBody>
+          </p:sp>
+        </mc:Choice>
+        <mc:Fallback>
+          <p:sp>
+            <p:nvSpPr>
+              <p:cNvPr id="3" name="竖排文字占位符 2">
+                <a:extLst>
+                  <a:ext uri="{FF2B5EF4-FFF2-40B4-BE49-F238E27FC236}">
+                    <a16:creationId xmlns:a16="http://schemas.microsoft.com/office/drawing/2014/main" id="{0DDDBC52-1374-4382-8C40-20FF63549B08}"/>
+                  </a:ext>
+                </a:extLst>
+              </p:cNvPr>
+              <p:cNvSpPr>
+                <a:spLocks noGrp="1" noRot="1" noChangeAspect="1" noMove="1" noResize="1" noEditPoints="1" noAdjustHandles="1" noChangeArrowheads="1" noChangeShapeType="1" noTextEdit="1"/>
+              </p:cNvSpPr>
+              <p:nvPr>
+                <p:ph type="body" orient="vert" idx="1"/>
+              </p:nvPr>
+            </p:nvSpPr>
+            <p:spPr>
+              <a:xfrm>
+                <a:off x="1371600" y="1997074"/>
+                <a:ext cx="9601200" cy="4175126"/>
+              </a:xfrm>
+              <a:blipFill>
+                <a:blip r:embed="rId2"/>
+                <a:stretch>
+                  <a:fillRect l="-571" t="-1460"/>
+                </a:stretch>
+              </a:blipFill>
+            </p:spPr>
+            <p:txBody>
+              <a:bodyPr/>
+              <a:lstStyle/>
+              <a:p>
+                <a:r>
+                  <a:rPr lang="zh-CN" altLang="en-US">
+                    <a:noFill/>
+                  </a:rPr>
+                  <a:t> </a:t>
+                </a:r>
+              </a:p>
+            </p:txBody>
+          </p:sp>
+        </mc:Fallback>
+      </mc:AlternateContent>
+    </p:spTree>
+    <p:extLst>
+      <p:ext uri="{BB962C8B-B14F-4D97-AF65-F5344CB8AC3E}">
+        <p14:creationId xmlns:p14="http://schemas.microsoft.com/office/powerpoint/2010/main" val="731460833"/>
+      </p:ext>
+    </p:extLst>
+  </p:cSld>
+  <p:clrMapOvr>
+    <a:masterClrMapping/>
+  </p:clrMapOvr>
+</p:sld>
+</file>
+
+<file path=ppt/slides/slide19.xml><?xml version="1.0" encoding="utf-8"?>
+<p:sld xmlns:a="http://schemas.openxmlformats.org/drawingml/2006/main" xmlns:r="http://schemas.openxmlformats.org/officeDocument/2006/relationships" xmlns:p="http://schemas.openxmlformats.org/presentationml/2006/main">
+  <p:cSld>
+    <p:spTree>
+      <p:nvGrpSpPr>
+        <p:cNvPr id="1" name=""/>
+        <p:cNvGrpSpPr/>
+        <p:nvPr/>
+      </p:nvGrpSpPr>
+      <p:grpSpPr>
+        <a:xfrm>
+          <a:off x="0" y="0"/>
+          <a:ext cx="0" cy="0"/>
+          <a:chOff x="0" y="0"/>
+          <a:chExt cx="0" cy="0"/>
+        </a:xfrm>
+      </p:grpSpPr>
+      <p:sp>
+        <p:nvSpPr>
+          <p:cNvPr id="2" name="标题 1">
+            <a:extLst>
+              <a:ext uri="{FF2B5EF4-FFF2-40B4-BE49-F238E27FC236}">
+                <a16:creationId xmlns:a16="http://schemas.microsoft.com/office/drawing/2014/main" id="{814A3B83-F138-4CA9-ACDF-FD6D4313F32F}"/>
+              </a:ext>
+            </a:extLst>
+          </p:cNvPr>
+          <p:cNvSpPr>
+            <a:spLocks noGrp="1"/>
+          </p:cNvSpPr>
+          <p:nvPr>
+            <p:ph type="title"/>
+          </p:nvPr>
+        </p:nvSpPr>
+        <p:spPr/>
+        <p:txBody>
+          <a:bodyPr/>
+          <a:lstStyle/>
+          <a:p>
+            <a:r>
+              <a:rPr lang="en-US" altLang="zh-CN" dirty="0" err="1"/>
+              <a:t>LassoGA</a:t>
+            </a:r>
+            <a:endParaRPr lang="zh-CN" altLang="en-US" dirty="0"/>
+          </a:p>
+        </p:txBody>
+      </p:sp>
+      <mc:AlternateContent xmlns:mc="http://schemas.openxmlformats.org/markup-compatibility/2006">
+        <mc:Choice xmlns:a14="http://schemas.microsoft.com/office/drawing/2010/main" Requires="a14">
+          <p:sp>
+            <p:nvSpPr>
+              <p:cNvPr id="3" name="竖排文字占位符 2">
+                <a:extLst>
+                  <a:ext uri="{FF2B5EF4-FFF2-40B4-BE49-F238E27FC236}">
+                    <a16:creationId xmlns:a16="http://schemas.microsoft.com/office/drawing/2014/main" id="{0DDDBC52-1374-4382-8C40-20FF63549B08}"/>
+                  </a:ext>
+                </a:extLst>
+              </p:cNvPr>
+              <p:cNvSpPr>
+                <a:spLocks noGrp="1"/>
+              </p:cNvSpPr>
+              <p:nvPr>
+                <p:ph type="body" orient="vert" idx="1"/>
+              </p:nvPr>
+            </p:nvSpPr>
+            <p:spPr>
+              <a:xfrm>
+                <a:off x="1371600" y="1581151"/>
+                <a:ext cx="9601200" cy="4286250"/>
+              </a:xfrm>
+            </p:spPr>
+            <p:txBody>
+              <a:bodyPr vert="horz">
+                <a:normAutofit fontScale="92500" lnSpcReduction="20000"/>
+              </a:bodyPr>
+              <a:lstStyle/>
+              <a:p>
+                <a:r>
+                  <a:rPr lang="zh-CN" altLang="en-US" dirty="0"/>
+                  <a:t>使用 </a:t>
+                </a:r>
+                <a:r>
+                  <a:rPr lang="en-US" altLang="zh-CN" dirty="0"/>
+                  <a:t>0/1</a:t>
+                </a:r>
+                <a:r>
+                  <a:rPr lang="zh-CN" altLang="en-US" dirty="0"/>
+                  <a:t> 编码特征是否选择</a:t>
+                </a:r>
+                <a:endParaRPr lang="en-US" altLang="zh-CN" dirty="0"/>
+              </a:p>
+              <a:p>
+                <a:endParaRPr lang="en-US" altLang="zh-CN" dirty="0"/>
+              </a:p>
+              <a:p>
+                <a:r>
+                  <a:rPr lang="zh-CN" altLang="en-US" dirty="0"/>
+                  <a:t>算法过程：</a:t>
+                </a:r>
+                <a:endParaRPr lang="en-US" altLang="zh-CN" dirty="0"/>
+              </a:p>
+              <a:p>
+                <a:pPr marL="987552" lvl="1" indent="-457200">
+                  <a:buFont typeface="+mj-ea"/>
+                  <a:buAutoNum type="circleNumDbPlain"/>
+                </a:pPr>
+                <a:r>
+                  <a:rPr lang="zh-CN" altLang="en-US" dirty="0"/>
+                  <a:t>按每一位二进制</a:t>
+                </a:r>
+                <a:r>
+                  <a:rPr lang="en-US" altLang="zh-CN" dirty="0"/>
+                  <a:t>01</a:t>
+                </a:r>
+                <a:r>
+                  <a:rPr lang="zh-CN" altLang="en-US" dirty="0"/>
+                  <a:t>分组生成初始种群，并使用 </a:t>
+                </a:r>
+                <a:r>
+                  <a:rPr lang="en-US" altLang="zh-CN" dirty="0"/>
+                  <a:t>Lasso </a:t>
+                </a:r>
+                <a:r>
+                  <a:rPr lang="zh-CN" altLang="en-US" dirty="0"/>
+                  <a:t>降维</a:t>
+                </a:r>
+                <a:endParaRPr lang="en-US" altLang="zh-CN" dirty="0"/>
+              </a:p>
+              <a:p>
+                <a:pPr marL="987552" lvl="1" indent="-457200">
+                  <a:buFont typeface="+mj-ea"/>
+                  <a:buAutoNum type="circleNumDbPlain"/>
+                </a:pPr>
+                <a:r>
+                  <a:rPr lang="zh-CN" altLang="en-US" dirty="0"/>
+                  <a:t>令种群个体变异，进行 </a:t>
+                </a:r>
+                <a14:m>
+                  <m:oMath xmlns:m="http://schemas.openxmlformats.org/officeDocument/2006/math">
+                    <m:r>
+                      <a:rPr lang="en-US" altLang="zh-CN" dirty="0">
+                        <a:latin typeface="Cambria Math" panose="02040503050406030204" pitchFamily="18" charset="0"/>
+                      </a:rPr>
+                      <m:t>𝑚𝑢𝑡𝑎𝑡𝑖𝑜𝑛</m:t>
+                    </m:r>
+                    <m:r>
+                      <a:rPr lang="en-US" altLang="zh-CN" dirty="0">
+                        <a:latin typeface="Cambria Math" panose="02040503050406030204" pitchFamily="18" charset="0"/>
+                      </a:rPr>
+                      <m:t>_</m:t>
+                    </m:r>
+                    <m:r>
+                      <a:rPr lang="en-US" altLang="zh-CN" dirty="0">
+                        <a:latin typeface="Cambria Math" panose="02040503050406030204" pitchFamily="18" charset="0"/>
+                      </a:rPr>
+                      <m:t>𝑇</m:t>
+                    </m:r>
+                  </m:oMath>
+                </a14:m>
+                <a:r>
+                  <a:rPr lang="en-US" altLang="zh-CN" dirty="0"/>
+                  <a:t> </a:t>
+                </a:r>
+                <a:r>
+                  <a:rPr lang="zh-CN" altLang="en-US" dirty="0"/>
+                  <a:t>次 </a:t>
+                </a:r>
+                <a14:m>
+                  <m:oMath xmlns:m="http://schemas.openxmlformats.org/officeDocument/2006/math">
+                    <m:r>
+                      <a:rPr lang="en-US" altLang="zh-CN">
+                        <a:latin typeface="Cambria Math" panose="02040503050406030204" pitchFamily="18" charset="0"/>
+                      </a:rPr>
+                      <m:t>0→1</m:t>
+                    </m:r>
+                  </m:oMath>
+                </a14:m>
+                <a:r>
+                  <a:rPr lang="zh-CN" altLang="en-US" dirty="0"/>
+                  <a:t>。</a:t>
+                </a:r>
+                <a:endParaRPr lang="en-US" altLang="zh-CN" dirty="0"/>
+              </a:p>
+              <a:p>
+                <a:pPr lvl="2"/>
+                <a14:m>
+                  <m:oMath xmlns:m="http://schemas.openxmlformats.org/officeDocument/2006/math">
+                    <m:r>
+                      <a:rPr lang="en-US" altLang="zh-CN" i="1" dirty="0">
+                        <a:latin typeface="Cambria Math" panose="02040503050406030204" pitchFamily="18" charset="0"/>
+                      </a:rPr>
+                      <m:t>𝑚</m:t>
+                    </m:r>
+                    <m:r>
+                      <a:rPr lang="en-US" altLang="zh-CN" i="1" dirty="0" err="1">
+                        <a:latin typeface="Cambria Math" panose="02040503050406030204" pitchFamily="18" charset="0"/>
+                      </a:rPr>
+                      <m:t>𝑢</m:t>
+                    </m:r>
+                    <m:r>
+                      <a:rPr lang="en-US" altLang="zh-CN" i="1" dirty="0" err="1">
+                        <a:latin typeface="Cambria Math" panose="02040503050406030204" pitchFamily="18" charset="0"/>
+                      </a:rPr>
+                      <m:t>𝑡𝑎𝑡𝑖𝑜</m:t>
+                    </m:r>
+                    <m:r>
+                      <m:rPr>
+                        <m:sty m:val="p"/>
+                      </m:rPr>
+                      <a:rPr lang="en-US" altLang="zh-CN" i="1" dirty="0" err="1">
+                        <a:latin typeface="Cambria Math" panose="02040503050406030204" pitchFamily="18" charset="0"/>
+                      </a:rPr>
+                      <m:t>n</m:t>
+                    </m:r>
+                    <m:r>
+                      <a:rPr lang="en-US" altLang="zh-CN" i="1" dirty="0">
+                        <a:latin typeface="Cambria Math" panose="02040503050406030204" pitchFamily="18" charset="0"/>
+                      </a:rPr>
+                      <m:t>_</m:t>
+                    </m:r>
+                    <m:r>
+                      <a:rPr lang="en-US" altLang="zh-CN" i="1" dirty="0">
+                        <a:latin typeface="Cambria Math" panose="02040503050406030204" pitchFamily="18" charset="0"/>
+                      </a:rPr>
+                      <m:t>𝑇</m:t>
+                    </m:r>
+                    <m:r>
+                      <a:rPr lang="en-US" altLang="zh-CN" i="1" dirty="0">
+                        <a:latin typeface="Cambria Math" panose="02040503050406030204" pitchFamily="18" charset="0"/>
+                      </a:rPr>
+                      <m:t>=</m:t>
+                    </m:r>
+                    <m:func>
+                      <m:funcPr>
+                        <m:ctrlPr>
+                          <a:rPr lang="en-US" altLang="zh-CN" i="1" dirty="0">
+                            <a:latin typeface="Cambria Math" panose="02040503050406030204" pitchFamily="18" charset="0"/>
+                          </a:rPr>
+                        </m:ctrlPr>
+                      </m:funcPr>
+                      <m:fName>
+                        <m:r>
+                          <m:rPr>
+                            <m:sty m:val="p"/>
+                          </m:rPr>
+                          <a:rPr lang="en-US" altLang="zh-CN" dirty="0">
+                            <a:latin typeface="Cambria Math" panose="02040503050406030204" pitchFamily="18" charset="0"/>
+                          </a:rPr>
+                          <m:t>max</m:t>
+                        </m:r>
+                      </m:fName>
+                      <m:e>
+                        <m:d>
+                          <m:dPr>
+                            <m:ctrlPr>
+                              <a:rPr lang="en-US" altLang="zh-CN" i="1" dirty="0">
+                                <a:latin typeface="Cambria Math" panose="02040503050406030204" pitchFamily="18" charset="0"/>
+                              </a:rPr>
+                            </m:ctrlPr>
+                          </m:dPr>
+                          <m:e>
+                            <m:r>
+                              <a:rPr lang="en-US" altLang="zh-CN" i="1" dirty="0">
+                                <a:latin typeface="Cambria Math" panose="02040503050406030204" pitchFamily="18" charset="0"/>
+                              </a:rPr>
+                              <m:t>1,</m:t>
+                            </m:r>
+                            <m:f>
+                              <m:fPr>
+                                <m:ctrlPr>
+                                  <a:rPr lang="en-US" altLang="zh-CN" i="1" dirty="0">
+                                    <a:latin typeface="Cambria Math" panose="02040503050406030204" pitchFamily="18" charset="0"/>
+                                  </a:rPr>
+                                </m:ctrlPr>
+                              </m:fPr>
+                              <m:num>
+                                <m:sSub>
+                                  <m:sSubPr>
+                                    <m:ctrlPr>
+                                      <a:rPr lang="en-US" altLang="zh-CN" i="1" dirty="0">
+                                        <a:latin typeface="Cambria Math" panose="02040503050406030204" pitchFamily="18" charset="0"/>
+                                      </a:rPr>
+                                    </m:ctrlPr>
+                                  </m:sSubPr>
+                                  <m:e>
+                                    <m:r>
+                                      <a:rPr lang="en-US" altLang="zh-CN" i="1" dirty="0">
+                                        <a:latin typeface="Cambria Math" panose="02040503050406030204" pitchFamily="18" charset="0"/>
+                                      </a:rPr>
+                                      <m:t>𝑛</m:t>
+                                    </m:r>
+                                  </m:e>
+                                  <m:sub>
+                                    <m:r>
+                                      <a:rPr lang="en-US" altLang="zh-CN" i="1" dirty="0">
+                                        <a:latin typeface="Cambria Math" panose="02040503050406030204" pitchFamily="18" charset="0"/>
+                                      </a:rPr>
+                                      <m:t>𝑓𝑒𝑎𝑡𝑢𝑟𝑒𝑠</m:t>
+                                    </m:r>
+                                  </m:sub>
+                                </m:sSub>
+                              </m:num>
+                              <m:den>
+                                <m:r>
+                                  <a:rPr lang="en-US" altLang="zh-CN" i="1" dirty="0">
+                                    <a:latin typeface="Cambria Math" panose="02040503050406030204" pitchFamily="18" charset="0"/>
+                                  </a:rPr>
+                                  <m:t>2</m:t>
+                                </m:r>
+                              </m:den>
+                            </m:f>
+                            <m:r>
+                              <a:rPr lang="en-US" altLang="zh-CN" i="1" dirty="0">
+                                <a:latin typeface="Cambria Math" panose="02040503050406030204" pitchFamily="18" charset="0"/>
+                              </a:rPr>
+                              <m:t>×</m:t>
+                            </m:r>
+                            <m:func>
+                              <m:funcPr>
+                                <m:ctrlPr>
+                                  <a:rPr lang="en-US" altLang="zh-CN" i="1" dirty="0">
+                                    <a:latin typeface="Cambria Math" panose="02040503050406030204" pitchFamily="18" charset="0"/>
+                                  </a:rPr>
+                                </m:ctrlPr>
+                              </m:funcPr>
+                              <m:fName>
+                                <m:sSub>
+                                  <m:sSubPr>
+                                    <m:ctrlPr>
+                                      <a:rPr lang="en-US" altLang="zh-CN" i="1" dirty="0">
+                                        <a:latin typeface="Cambria Math" panose="02040503050406030204" pitchFamily="18" charset="0"/>
+                                      </a:rPr>
+                                    </m:ctrlPr>
+                                  </m:sSubPr>
+                                  <m:e>
+                                    <m:r>
+                                      <m:rPr>
+                                        <m:sty m:val="p"/>
+                                      </m:rPr>
+                                      <a:rPr lang="en-US" altLang="zh-CN" dirty="0">
+                                        <a:latin typeface="Cambria Math" panose="02040503050406030204" pitchFamily="18" charset="0"/>
+                                      </a:rPr>
+                                      <m:t>log</m:t>
+                                    </m:r>
+                                  </m:e>
+                                  <m:sub>
+                                    <m:r>
+                                      <a:rPr lang="en-US" altLang="zh-CN" i="1" dirty="0">
+                                        <a:latin typeface="Cambria Math" panose="02040503050406030204" pitchFamily="18" charset="0"/>
+                                      </a:rPr>
+                                      <m:t>2</m:t>
+                                    </m:r>
+                                  </m:sub>
+                                </m:sSub>
+                              </m:fName>
+                              <m:e>
+                                <m:f>
+                                  <m:fPr>
+                                    <m:ctrlPr>
+                                      <a:rPr lang="en-US" altLang="zh-CN" i="1" dirty="0">
+                                        <a:latin typeface="Cambria Math" panose="02040503050406030204" pitchFamily="18" charset="0"/>
+                                      </a:rPr>
+                                    </m:ctrlPr>
+                                  </m:fPr>
+                                  <m:num>
+                                    <m:d>
+                                      <m:dPr>
+                                        <m:ctrlPr>
+                                          <a:rPr lang="en-US" altLang="zh-CN" i="1" dirty="0">
+                                            <a:latin typeface="Cambria Math" panose="02040503050406030204" pitchFamily="18" charset="0"/>
+                                          </a:rPr>
+                                        </m:ctrlPr>
+                                      </m:dPr>
+                                      <m:e>
+                                        <m:r>
+                                          <a:rPr lang="en-US" altLang="zh-CN" i="1" dirty="0">
+                                            <a:latin typeface="Cambria Math" panose="02040503050406030204" pitchFamily="18" charset="0"/>
+                                          </a:rPr>
+                                          <m:t>𝑒𝑝𝑜𝑐h𝑠</m:t>
+                                        </m:r>
+                                        <m:r>
+                                          <a:rPr lang="en-US" altLang="zh-CN" i="1" dirty="0">
+                                            <a:latin typeface="Cambria Math" panose="02040503050406030204" pitchFamily="18" charset="0"/>
+                                          </a:rPr>
+                                          <m:t> −</m:t>
+                                        </m:r>
+                                        <m:r>
+                                          <a:rPr lang="en-US" altLang="zh-CN" i="1" dirty="0">
+                                            <a:latin typeface="Cambria Math" panose="02040503050406030204" pitchFamily="18" charset="0"/>
+                                          </a:rPr>
+                                          <m:t>𝑐𝑢𝑟</m:t>
+                                        </m:r>
+                                      </m:e>
+                                    </m:d>
+                                  </m:num>
+                                  <m:den>
+                                    <m:r>
+                                      <a:rPr lang="en-US" altLang="zh-CN" i="1" dirty="0">
+                                        <a:latin typeface="Cambria Math" panose="02040503050406030204" pitchFamily="18" charset="0"/>
+                                      </a:rPr>
+                                      <m:t>𝑒𝑝𝑜𝑐h𝑠</m:t>
+                                    </m:r>
+                                  </m:den>
+                                </m:f>
+                                <m:r>
+                                  <a:rPr lang="en-US" altLang="zh-CN" i="1" dirty="0">
+                                    <a:latin typeface="Cambria Math" panose="02040503050406030204" pitchFamily="18" charset="0"/>
+                                  </a:rPr>
+                                  <m:t> </m:t>
+                                </m:r>
+                              </m:e>
+                            </m:func>
+                          </m:e>
+                        </m:d>
+                      </m:e>
+                    </m:func>
+                  </m:oMath>
+                </a14:m>
+                <a:r>
+                  <a:rPr lang="en-US" altLang="zh-CN" dirty="0"/>
+                  <a:t> </a:t>
+                </a:r>
+                <a:r>
+                  <a:rPr lang="zh-CN" altLang="en-US" dirty="0"/>
+                  <a:t>随着轮次上升降低变异率</a:t>
+                </a:r>
+                <a:endParaRPr lang="en-US" altLang="zh-CN" dirty="0"/>
+              </a:p>
+              <a:p>
+                <a:pPr marL="987552" lvl="1" indent="-457200">
+                  <a:buFont typeface="+mj-ea"/>
+                  <a:buAutoNum type="circleNumDbPlain"/>
+                </a:pPr>
+                <a:r>
+                  <a:rPr lang="zh-CN" altLang="en-US" dirty="0"/>
+                  <a:t>选择适应度最高的 </a:t>
+                </a:r>
+                <a14:m>
+                  <m:oMath xmlns:m="http://schemas.openxmlformats.org/officeDocument/2006/math">
+                    <m:r>
+                      <a:rPr lang="en-US" altLang="zh-CN" dirty="0">
+                        <a:latin typeface="Cambria Math" panose="02040503050406030204" pitchFamily="18" charset="0"/>
+                      </a:rPr>
+                      <m:t>𝐾</m:t>
+                    </m:r>
+                  </m:oMath>
+                </a14:m>
+                <a:r>
+                  <a:rPr lang="en-US" altLang="zh-CN" dirty="0"/>
+                  <a:t> </a:t>
+                </a:r>
+                <a:r>
+                  <a:rPr lang="zh-CN" altLang="en-US" dirty="0"/>
+                  <a:t>个个体，随机与种群其他个体交叉。（控制交叉总次数为 </a:t>
+                </a:r>
+                <a14:m>
+                  <m:oMath xmlns:m="http://schemas.openxmlformats.org/officeDocument/2006/math">
+                    <m:func>
+                      <m:funcPr>
+                        <m:ctrlPr>
+                          <a:rPr lang="en-US" altLang="zh-CN">
+                            <a:latin typeface="Cambria Math" panose="02040503050406030204" pitchFamily="18" charset="0"/>
+                          </a:rPr>
+                        </m:ctrlPr>
+                      </m:funcPr>
+                      <m:fName>
+                        <m:sSub>
+                          <m:sSubPr>
+                            <m:ctrlPr>
+                              <a:rPr lang="en-US" altLang="zh-CN">
+                                <a:latin typeface="Cambria Math" panose="02040503050406030204" pitchFamily="18" charset="0"/>
+                              </a:rPr>
+                            </m:ctrlPr>
+                          </m:sSubPr>
+                          <m:e>
+                            <m:r>
+                              <m:rPr>
+                                <m:sty m:val="p"/>
+                              </m:rPr>
+                              <a:rPr lang="en-US" altLang="zh-CN" i="0">
+                                <a:latin typeface="Cambria Math" panose="02040503050406030204" pitchFamily="18" charset="0"/>
+                              </a:rPr>
+                              <m:t>O</m:t>
+                            </m:r>
+                            <m:r>
+                              <a:rPr lang="en-US" altLang="zh-CN" i="0">
+                                <a:latin typeface="Cambria Math" panose="02040503050406030204" pitchFamily="18" charset="0"/>
+                              </a:rPr>
+                              <m:t>(</m:t>
+                            </m:r>
+                            <m:r>
+                              <m:rPr>
+                                <m:sty m:val="p"/>
+                              </m:rPr>
+                              <a:rPr lang="en-US" altLang="zh-CN" i="0">
+                                <a:latin typeface="Cambria Math" panose="02040503050406030204" pitchFamily="18" charset="0"/>
+                              </a:rPr>
+                              <m:t>log</m:t>
+                            </m:r>
+                          </m:e>
+                          <m:sub>
+                            <m:r>
+                              <a:rPr lang="en-US" altLang="zh-CN">
+                                <a:latin typeface="Cambria Math" panose="02040503050406030204" pitchFamily="18" charset="0"/>
+                              </a:rPr>
+                              <m:t>2</m:t>
+                            </m:r>
+                          </m:sub>
+                        </m:sSub>
+                      </m:fName>
+                      <m:e>
+                        <m:sSub>
+                          <m:sSubPr>
+                            <m:ctrlPr>
+                              <a:rPr lang="en-US" altLang="zh-CN">
+                                <a:latin typeface="Cambria Math" panose="02040503050406030204" pitchFamily="18" charset="0"/>
+                              </a:rPr>
+                            </m:ctrlPr>
+                          </m:sSubPr>
+                          <m:e>
+                            <m:r>
+                              <a:rPr lang="en-US" altLang="zh-CN">
+                                <a:latin typeface="Cambria Math" panose="02040503050406030204" pitchFamily="18" charset="0"/>
+                              </a:rPr>
+                              <m:t>𝑛</m:t>
+                            </m:r>
+                          </m:e>
+                          <m:sub>
+                            <m:r>
+                              <a:rPr lang="en-US" altLang="zh-CN">
+                                <a:latin typeface="Cambria Math" panose="02040503050406030204" pitchFamily="18" charset="0"/>
+                              </a:rPr>
+                              <m:t>𝑓𝑒𝑎𝑡𝑢𝑟𝑒𝑠</m:t>
+                            </m:r>
+                          </m:sub>
+                        </m:sSub>
+                        <m:r>
+                          <a:rPr lang="en-US" altLang="zh-CN">
+                            <a:latin typeface="Cambria Math" panose="02040503050406030204" pitchFamily="18" charset="0"/>
+                          </a:rPr>
+                          <m:t>)</m:t>
+                        </m:r>
+                      </m:e>
+                    </m:func>
+                  </m:oMath>
+                </a14:m>
+                <a:endParaRPr lang="en-US" altLang="zh-CN" dirty="0"/>
+              </a:p>
+              <a:p>
+                <a:pPr marL="987552" lvl="1" indent="-457200">
+                  <a:buFont typeface="+mj-ea"/>
+                  <a:buAutoNum type="circleNumDbPlain"/>
+                </a:pPr>
+                <a:r>
+                  <a:rPr lang="zh-CN" altLang="en-US" dirty="0"/>
+                  <a:t>将变异种群和交叉种群，进行 </a:t>
+                </a:r>
+                <a:r>
+                  <a:rPr lang="en-US" altLang="zh-CN" dirty="0"/>
+                  <a:t>Lasso </a:t>
+                </a:r>
+                <a:r>
+                  <a:rPr lang="zh-CN" altLang="en-US" dirty="0"/>
+                  <a:t>降维</a:t>
+                </a:r>
+                <a:endParaRPr lang="en-US" altLang="zh-CN" dirty="0"/>
+              </a:p>
+              <a:p>
+                <a:pPr marL="987552" lvl="1" indent="-457200">
+                  <a:buFont typeface="+mj-ea"/>
+                  <a:buAutoNum type="circleNumDbPlain"/>
+                </a:pPr>
+                <a:r>
+                  <a:rPr lang="zh-CN" altLang="en-US" dirty="0"/>
+                  <a:t>合并原种群与变异种群、交叉种群，选择前 </a:t>
+                </a:r>
+                <a14:m>
+                  <m:oMath xmlns:m="http://schemas.openxmlformats.org/officeDocument/2006/math">
+                    <m:r>
+                      <a:rPr lang="en-US" altLang="zh-CN">
+                        <a:latin typeface="Cambria Math" panose="02040503050406030204" pitchFamily="18" charset="0"/>
+                      </a:rPr>
+                      <m:t>𝑂</m:t>
+                    </m:r>
+                    <m:d>
+                      <m:dPr>
+                        <m:ctrlPr>
+                          <a:rPr lang="en-US" altLang="zh-CN">
+                            <a:latin typeface="Cambria Math" panose="02040503050406030204" pitchFamily="18" charset="0"/>
+                          </a:rPr>
+                        </m:ctrlPr>
+                      </m:dPr>
+                      <m:e>
+                        <m:func>
+                          <m:funcPr>
+                            <m:ctrlPr>
+                              <a:rPr lang="en-US" altLang="zh-CN">
+                                <a:latin typeface="Cambria Math" panose="02040503050406030204" pitchFamily="18" charset="0"/>
+                              </a:rPr>
+                            </m:ctrlPr>
+                          </m:funcPr>
+                          <m:fName>
+                            <m:sSub>
+                              <m:sSubPr>
+                                <m:ctrlPr>
+                                  <a:rPr lang="en-US" altLang="zh-CN">
+                                    <a:latin typeface="Cambria Math" panose="02040503050406030204" pitchFamily="18" charset="0"/>
+                                  </a:rPr>
+                                </m:ctrlPr>
+                              </m:sSubPr>
+                              <m:e>
+                                <m:r>
+                                  <m:rPr>
+                                    <m:sty m:val="p"/>
+                                  </m:rPr>
+                                  <a:rPr lang="en-US" altLang="zh-CN" i="0">
+                                    <a:latin typeface="Cambria Math" panose="02040503050406030204" pitchFamily="18" charset="0"/>
+                                  </a:rPr>
+                                  <m:t>log</m:t>
+                                </m:r>
+                              </m:e>
+                              <m:sub>
+                                <m:r>
+                                  <a:rPr lang="en-US" altLang="zh-CN">
+                                    <a:latin typeface="Cambria Math" panose="02040503050406030204" pitchFamily="18" charset="0"/>
+                                  </a:rPr>
+                                  <m:t>2</m:t>
+                                </m:r>
+                              </m:sub>
+                            </m:sSub>
+                          </m:fName>
+                          <m:e>
+                            <m:sSub>
+                              <m:sSubPr>
+                                <m:ctrlPr>
+                                  <a:rPr lang="en-US" altLang="zh-CN">
+                                    <a:latin typeface="Cambria Math" panose="02040503050406030204" pitchFamily="18" charset="0"/>
+                                  </a:rPr>
+                                </m:ctrlPr>
+                              </m:sSubPr>
+                              <m:e>
+                                <m:r>
+                                  <a:rPr lang="en-US" altLang="zh-CN">
+                                    <a:latin typeface="Cambria Math" panose="02040503050406030204" pitchFamily="18" charset="0"/>
+                                  </a:rPr>
+                                  <m:t>𝑛</m:t>
+                                </m:r>
+                              </m:e>
+                              <m:sub>
+                                <m:r>
+                                  <a:rPr lang="en-US" altLang="zh-CN">
+                                    <a:latin typeface="Cambria Math" panose="02040503050406030204" pitchFamily="18" charset="0"/>
+                                  </a:rPr>
+                                  <m:t>𝑓𝑒𝑎𝑡𝑢𝑟𝑒𝑠</m:t>
+                                </m:r>
+                              </m:sub>
+                            </m:sSub>
+                          </m:e>
+                        </m:func>
+                      </m:e>
+                    </m:d>
+                  </m:oMath>
+                </a14:m>
+                <a:r>
+                  <a:rPr lang="en-US" altLang="zh-CN" dirty="0"/>
+                  <a:t> </a:t>
+                </a:r>
+                <a:r>
+                  <a:rPr lang="zh-CN" altLang="en-US" dirty="0"/>
+                  <a:t>个保留</a:t>
+                </a:r>
+                <a:endParaRPr lang="en-US" altLang="zh-CN" dirty="0"/>
+              </a:p>
+              <a:p>
+                <a:endParaRPr lang="en-US" altLang="zh-CN" dirty="0"/>
+              </a:p>
+              <a:p>
+                <a:r>
+                  <a:rPr lang="en-US" altLang="zh-CN" dirty="0"/>
+                  <a:t>https://github.com/WNJXYK/JLU_FeatureSelection/blob/master/Algorithm/LassoGA.py</a:t>
+                </a:r>
+              </a:p>
+              <a:p>
+                <a:pPr marL="530352" lvl="1" indent="0">
+                  <a:buNone/>
+                </a:pPr>
+                <a:endParaRPr lang="en-US" altLang="zh-CN" dirty="0"/>
+              </a:p>
+              <a:p>
+                <a:pPr marL="0" indent="0">
+                  <a:buNone/>
+                </a:pPr>
+                <a:endParaRPr lang="en-US" altLang="zh-CN" dirty="0"/>
+              </a:p>
+              <a:p>
+                <a:pPr lvl="1"/>
+                <a:endParaRPr lang="en-US" altLang="zh-CN" dirty="0"/>
+              </a:p>
+              <a:p>
+                <a:pPr lvl="1"/>
+                <a:endParaRPr lang="en-US" altLang="zh-CN" dirty="0"/>
+              </a:p>
+              <a:p>
+                <a:pPr lvl="1"/>
+                <a:endParaRPr lang="en-US" altLang="zh-CN" dirty="0"/>
+              </a:p>
+              <a:p>
+                <a:endParaRPr lang="en-US" altLang="zh-CN" dirty="0"/>
+              </a:p>
+              <a:p>
+                <a:endParaRPr lang="en-US" altLang="zh-CN" dirty="0"/>
+              </a:p>
+            </p:txBody>
+          </p:sp>
+        </mc:Choice>
+        <mc:Fallback>
+          <p:sp>
+            <p:nvSpPr>
+              <p:cNvPr id="3" name="竖排文字占位符 2">
+                <a:extLst>
+                  <a:ext uri="{FF2B5EF4-FFF2-40B4-BE49-F238E27FC236}">
+                    <a16:creationId xmlns:a16="http://schemas.microsoft.com/office/drawing/2014/main" id="{0DDDBC52-1374-4382-8C40-20FF63549B08}"/>
+                  </a:ext>
+                </a:extLst>
+              </p:cNvPr>
+              <p:cNvSpPr>
+                <a:spLocks noGrp="1" noRot="1" noChangeAspect="1" noMove="1" noResize="1" noEditPoints="1" noAdjustHandles="1" noChangeArrowheads="1" noChangeShapeType="1" noTextEdit="1"/>
+              </p:cNvSpPr>
+              <p:nvPr>
+                <p:ph type="body" orient="vert" idx="1"/>
+              </p:nvPr>
+            </p:nvSpPr>
+            <p:spPr>
+              <a:xfrm>
+                <a:off x="1371600" y="1581151"/>
+                <a:ext cx="9601200" cy="4286250"/>
+              </a:xfrm>
+              <a:blipFill>
+                <a:blip r:embed="rId2"/>
+                <a:stretch>
+                  <a:fillRect l="-508" t="-2557"/>
+                </a:stretch>
+              </a:blipFill>
+            </p:spPr>
+            <p:txBody>
+              <a:bodyPr/>
+              <a:lstStyle/>
+              <a:p>
+                <a:r>
+                  <a:rPr lang="zh-CN" altLang="en-US">
+                    <a:noFill/>
+                  </a:rPr>
+                  <a:t> </a:t>
+                </a:r>
+              </a:p>
+            </p:txBody>
+          </p:sp>
+        </mc:Fallback>
+      </mc:AlternateContent>
+    </p:spTree>
+    <p:extLst>
+      <p:ext uri="{BB962C8B-B14F-4D97-AF65-F5344CB8AC3E}">
+        <p14:creationId xmlns:p14="http://schemas.microsoft.com/office/powerpoint/2010/main" val="569500657"/>
       </p:ext>
     </p:extLst>
   </p:cSld>
@@ -14214,7 +15605,7 @@
                   <a:schemeClr val="bg2"/>
                 </a:solidFill>
               </a:rPr>
-              <a:t>降低数据维度，提升训练性能</a:t>
+              <a:t>降低数据维度，提升速度，增加性能</a:t>
             </a:r>
             <a:br>
               <a:rPr kumimoji="1" lang="en-US" altLang="zh-CN" sz="2400" dirty="0">
@@ -14247,6 +15638,503 @@
   </p:cSld>
   <p:clrMapOvr>
     <a:overrideClrMapping bg1="lt1" tx1="dk1" bg2="lt2" tx2="dk2" accent1="accent1" accent2="accent2" accent3="accent3" accent4="accent4" accent5="accent5" accent6="accent6" hlink="hlink" folHlink="folHlink"/>
+  </p:clrMapOvr>
+</p:sld>
+</file>
+
+<file path=ppt/slides/slide20.xml><?xml version="1.0" encoding="utf-8"?>
+<p:sld xmlns:a="http://schemas.openxmlformats.org/drawingml/2006/main" xmlns:r="http://schemas.openxmlformats.org/officeDocument/2006/relationships" xmlns:p="http://schemas.openxmlformats.org/presentationml/2006/main">
+  <p:cSld>
+    <p:spTree>
+      <p:nvGrpSpPr>
+        <p:cNvPr id="1" name=""/>
+        <p:cNvGrpSpPr/>
+        <p:nvPr/>
+      </p:nvGrpSpPr>
+      <p:grpSpPr>
+        <a:xfrm>
+          <a:off x="0" y="0"/>
+          <a:ext cx="0" cy="0"/>
+          <a:chOff x="0" y="0"/>
+          <a:chExt cx="0" cy="0"/>
+        </a:xfrm>
+      </p:grpSpPr>
+      <p:sp>
+        <p:nvSpPr>
+          <p:cNvPr id="2" name="标题 1">
+            <a:extLst>
+              <a:ext uri="{FF2B5EF4-FFF2-40B4-BE49-F238E27FC236}">
+                <a16:creationId xmlns:a16="http://schemas.microsoft.com/office/drawing/2014/main" id="{814A3B83-F138-4CA9-ACDF-FD6D4313F32F}"/>
+              </a:ext>
+            </a:extLst>
+          </p:cNvPr>
+          <p:cNvSpPr>
+            <a:spLocks noGrp="1"/>
+          </p:cNvSpPr>
+          <p:nvPr>
+            <p:ph type="title"/>
+          </p:nvPr>
+        </p:nvSpPr>
+        <p:spPr/>
+        <p:txBody>
+          <a:bodyPr/>
+          <a:lstStyle/>
+          <a:p>
+            <a:r>
+              <a:rPr lang="en-US" altLang="zh-CN" dirty="0" err="1"/>
+              <a:t>LassoGA</a:t>
+            </a:r>
+            <a:r>
+              <a:rPr lang="zh-CN" altLang="en-US" dirty="0"/>
+              <a:t>结果</a:t>
+            </a:r>
+          </a:p>
+        </p:txBody>
+      </p:sp>
+      <p:sp>
+        <p:nvSpPr>
+          <p:cNvPr id="5" name="文本占位符 4">
+            <a:extLst>
+              <a:ext uri="{FF2B5EF4-FFF2-40B4-BE49-F238E27FC236}">
+                <a16:creationId xmlns:a16="http://schemas.microsoft.com/office/drawing/2014/main" id="{2D5958B1-02F7-4619-9446-D71BE36EE40C}"/>
+              </a:ext>
+            </a:extLst>
+          </p:cNvPr>
+          <p:cNvSpPr>
+            <a:spLocks noGrp="1"/>
+          </p:cNvSpPr>
+          <p:nvPr>
+            <p:ph type="body" idx="1"/>
+          </p:nvPr>
+        </p:nvSpPr>
+        <p:spPr/>
+        <p:txBody>
+          <a:bodyPr/>
+          <a:lstStyle/>
+          <a:p>
+            <a:endParaRPr lang="zh-CN" altLang="en-US"/>
+          </a:p>
+        </p:txBody>
+      </p:sp>
+    </p:spTree>
+    <p:extLst>
+      <p:ext uri="{BB962C8B-B14F-4D97-AF65-F5344CB8AC3E}">
+        <p14:creationId xmlns:p14="http://schemas.microsoft.com/office/powerpoint/2010/main" val="1366090576"/>
+      </p:ext>
+    </p:extLst>
+  </p:cSld>
+  <p:clrMapOvr>
+    <a:masterClrMapping/>
+  </p:clrMapOvr>
+</p:sld>
+</file>
+
+<file path=ppt/slides/slide21.xml><?xml version="1.0" encoding="utf-8"?>
+<p:sld xmlns:a="http://schemas.openxmlformats.org/drawingml/2006/main" xmlns:r="http://schemas.openxmlformats.org/officeDocument/2006/relationships" xmlns:p="http://schemas.openxmlformats.org/presentationml/2006/main">
+  <p:cSld>
+    <p:spTree>
+      <p:nvGrpSpPr>
+        <p:cNvPr id="1" name=""/>
+        <p:cNvGrpSpPr/>
+        <p:nvPr/>
+      </p:nvGrpSpPr>
+      <p:grpSpPr>
+        <a:xfrm>
+          <a:off x="0" y="0"/>
+          <a:ext cx="0" cy="0"/>
+          <a:chOff x="0" y="0"/>
+          <a:chExt cx="0" cy="0"/>
+        </a:xfrm>
+      </p:grpSpPr>
+      <p:sp>
+        <p:nvSpPr>
+          <p:cNvPr id="2" name="标题 1">
+            <a:extLst>
+              <a:ext uri="{FF2B5EF4-FFF2-40B4-BE49-F238E27FC236}">
+                <a16:creationId xmlns:a16="http://schemas.microsoft.com/office/drawing/2014/main" id="{814A3B83-F138-4CA9-ACDF-FD6D4313F32F}"/>
+              </a:ext>
+            </a:extLst>
+          </p:cNvPr>
+          <p:cNvSpPr>
+            <a:spLocks noGrp="1"/>
+          </p:cNvSpPr>
+          <p:nvPr>
+            <p:ph type="title"/>
+          </p:nvPr>
+        </p:nvSpPr>
+        <p:spPr/>
+        <p:txBody>
+          <a:bodyPr/>
+          <a:lstStyle/>
+          <a:p>
+            <a:r>
+              <a:rPr lang="en-US" altLang="zh-CN" dirty="0" err="1"/>
+              <a:t>LassoGA</a:t>
+            </a:r>
+            <a:r>
+              <a:rPr lang="zh-CN" altLang="en-US" dirty="0"/>
+              <a:t>结果</a:t>
+            </a:r>
+          </a:p>
+        </p:txBody>
+      </p:sp>
+      <p:sp>
+        <p:nvSpPr>
+          <p:cNvPr id="3" name="竖排文字占位符 2">
+            <a:extLst>
+              <a:ext uri="{FF2B5EF4-FFF2-40B4-BE49-F238E27FC236}">
+                <a16:creationId xmlns:a16="http://schemas.microsoft.com/office/drawing/2014/main" id="{0DDDBC52-1374-4382-8C40-20FF63549B08}"/>
+              </a:ext>
+            </a:extLst>
+          </p:cNvPr>
+          <p:cNvSpPr>
+            <a:spLocks noGrp="1"/>
+          </p:cNvSpPr>
+          <p:nvPr>
+            <p:ph type="body" orient="vert" idx="1"/>
+          </p:nvPr>
+        </p:nvSpPr>
+        <p:spPr>
+          <a:xfrm>
+            <a:off x="1371600" y="2025650"/>
+            <a:ext cx="9601200" cy="3632200"/>
+          </a:xfrm>
+        </p:spPr>
+        <p:txBody>
+          <a:bodyPr vert="horz">
+            <a:normAutofit/>
+          </a:bodyPr>
+          <a:lstStyle/>
+          <a:p>
+            <a:r>
+              <a:rPr lang="zh-CN" altLang="en-US" dirty="0"/>
+              <a:t>未作</a:t>
+            </a:r>
+            <a:endParaRPr lang="en-US" altLang="zh-CN" dirty="0"/>
+          </a:p>
+          <a:p>
+            <a:pPr lvl="1"/>
+            <a:endParaRPr lang="en-US" altLang="zh-CN" dirty="0"/>
+          </a:p>
+          <a:p>
+            <a:endParaRPr lang="en-US" altLang="zh-CN" dirty="0"/>
+          </a:p>
+          <a:p>
+            <a:endParaRPr lang="en-US" altLang="zh-CN" dirty="0"/>
+          </a:p>
+        </p:txBody>
+      </p:sp>
+    </p:spTree>
+    <p:extLst>
+      <p:ext uri="{BB962C8B-B14F-4D97-AF65-F5344CB8AC3E}">
+        <p14:creationId xmlns:p14="http://schemas.microsoft.com/office/powerpoint/2010/main" val="2516251389"/>
+      </p:ext>
+    </p:extLst>
+  </p:cSld>
+  <p:clrMapOvr>
+    <a:masterClrMapping/>
+  </p:clrMapOvr>
+</p:sld>
+</file>
+
+<file path=ppt/slides/slide22.xml><?xml version="1.0" encoding="utf-8"?>
+<p:sld xmlns:a="http://schemas.openxmlformats.org/drawingml/2006/main" xmlns:r="http://schemas.openxmlformats.org/officeDocument/2006/relationships" xmlns:p="http://schemas.openxmlformats.org/presentationml/2006/main">
+  <p:cSld>
+    <p:spTree>
+      <p:nvGrpSpPr>
+        <p:cNvPr id="1" name=""/>
+        <p:cNvGrpSpPr/>
+        <p:nvPr/>
+      </p:nvGrpSpPr>
+      <p:grpSpPr>
+        <a:xfrm>
+          <a:off x="0" y="0"/>
+          <a:ext cx="0" cy="0"/>
+          <a:chOff x="0" y="0"/>
+          <a:chExt cx="0" cy="0"/>
+        </a:xfrm>
+      </p:grpSpPr>
+      <p:sp>
+        <p:nvSpPr>
+          <p:cNvPr id="4" name="标题 3">
+            <a:extLst>
+              <a:ext uri="{FF2B5EF4-FFF2-40B4-BE49-F238E27FC236}">
+                <a16:creationId xmlns:a16="http://schemas.microsoft.com/office/drawing/2014/main" id="{325CAF20-6162-46B1-BA2A-0C6584C371AE}"/>
+              </a:ext>
+            </a:extLst>
+          </p:cNvPr>
+          <p:cNvSpPr>
+            <a:spLocks noGrp="1"/>
+          </p:cNvSpPr>
+          <p:nvPr>
+            <p:ph type="ctrTitle"/>
+          </p:nvPr>
+        </p:nvSpPr>
+        <p:spPr/>
+        <p:txBody>
+          <a:bodyPr/>
+          <a:lstStyle/>
+          <a:p>
+            <a:r>
+              <a:rPr lang="en-US" altLang="zh-CN" dirty="0"/>
+              <a:t>Coda</a:t>
+            </a:r>
+            <a:endParaRPr lang="zh-CN" altLang="en-US" dirty="0"/>
+          </a:p>
+        </p:txBody>
+      </p:sp>
+      <p:sp>
+        <p:nvSpPr>
+          <p:cNvPr id="5" name="副标题 4">
+            <a:extLst>
+              <a:ext uri="{FF2B5EF4-FFF2-40B4-BE49-F238E27FC236}">
+                <a16:creationId xmlns:a16="http://schemas.microsoft.com/office/drawing/2014/main" id="{E295AE80-D370-4F27-9531-1420443550DA}"/>
+              </a:ext>
+            </a:extLst>
+          </p:cNvPr>
+          <p:cNvSpPr>
+            <a:spLocks noGrp="1"/>
+          </p:cNvSpPr>
+          <p:nvPr>
+            <p:ph type="subTitle" idx="1"/>
+          </p:nvPr>
+        </p:nvSpPr>
+        <p:spPr/>
+        <p:txBody>
+          <a:bodyPr/>
+          <a:lstStyle/>
+          <a:p>
+            <a:r>
+              <a:rPr lang="en-US" altLang="zh-CN" dirty="0"/>
+              <a:t>Thanks</a:t>
+            </a:r>
+            <a:endParaRPr lang="zh-CN" altLang="en-US" dirty="0"/>
+          </a:p>
+        </p:txBody>
+      </p:sp>
+    </p:spTree>
+    <p:extLst>
+      <p:ext uri="{BB962C8B-B14F-4D97-AF65-F5344CB8AC3E}">
+        <p14:creationId xmlns:p14="http://schemas.microsoft.com/office/powerpoint/2010/main" val="3337704441"/>
+      </p:ext>
+    </p:extLst>
+  </p:cSld>
+  <p:clrMapOvr>
+    <a:masterClrMapping/>
+  </p:clrMapOvr>
+</p:sld>
+</file>
+
+<file path=ppt/slides/slide23.xml><?xml version="1.0" encoding="utf-8"?>
+<p:sld xmlns:a="http://schemas.openxmlformats.org/drawingml/2006/main" xmlns:r="http://schemas.openxmlformats.org/officeDocument/2006/relationships" xmlns:p="http://schemas.openxmlformats.org/presentationml/2006/main">
+  <p:cSld>
+    <p:spTree>
+      <p:nvGrpSpPr>
+        <p:cNvPr id="1" name=""/>
+        <p:cNvGrpSpPr/>
+        <p:nvPr/>
+      </p:nvGrpSpPr>
+      <p:grpSpPr>
+        <a:xfrm>
+          <a:off x="0" y="0"/>
+          <a:ext cx="0" cy="0"/>
+          <a:chOff x="0" y="0"/>
+          <a:chExt cx="0" cy="0"/>
+        </a:xfrm>
+      </p:grpSpPr>
+      <p:sp>
+        <p:nvSpPr>
+          <p:cNvPr id="2" name="标题 1">
+            <a:extLst>
+              <a:ext uri="{FF2B5EF4-FFF2-40B4-BE49-F238E27FC236}">
+                <a16:creationId xmlns:a16="http://schemas.microsoft.com/office/drawing/2014/main" id="{6072A6FF-6A41-4677-938A-4F09DA7E00C5}"/>
+              </a:ext>
+            </a:extLst>
+          </p:cNvPr>
+          <p:cNvSpPr>
+            <a:spLocks noGrp="1"/>
+          </p:cNvSpPr>
+          <p:nvPr>
+            <p:ph type="title"/>
+          </p:nvPr>
+        </p:nvSpPr>
+        <p:spPr>
+          <a:xfrm>
+            <a:off x="1371600" y="685800"/>
+            <a:ext cx="9601200" cy="971550"/>
+          </a:xfrm>
+        </p:spPr>
+        <p:txBody>
+          <a:bodyPr/>
+          <a:lstStyle/>
+          <a:p>
+            <a:r>
+              <a:rPr lang="zh-CN" altLang="en-US" dirty="0"/>
+              <a:t>附录</a:t>
+            </a:r>
+          </a:p>
+        </p:txBody>
+      </p:sp>
+      <p:sp>
+        <p:nvSpPr>
+          <p:cNvPr id="3" name="内容占位符 2">
+            <a:extLst>
+              <a:ext uri="{FF2B5EF4-FFF2-40B4-BE49-F238E27FC236}">
+                <a16:creationId xmlns:a16="http://schemas.microsoft.com/office/drawing/2014/main" id="{12E3173C-3734-422A-8289-A24D4E391C4B}"/>
+              </a:ext>
+            </a:extLst>
+          </p:cNvPr>
+          <p:cNvSpPr>
+            <a:spLocks noGrp="1"/>
+          </p:cNvSpPr>
+          <p:nvPr>
+            <p:ph idx="1"/>
+          </p:nvPr>
+        </p:nvSpPr>
+        <p:spPr>
+          <a:xfrm>
+            <a:off x="1371600" y="1657350"/>
+            <a:ext cx="9601200" cy="4210050"/>
+          </a:xfrm>
+        </p:spPr>
+        <p:txBody>
+          <a:bodyPr/>
+          <a:lstStyle/>
+          <a:p>
+            <a:r>
+              <a:rPr lang="zh-CN" altLang="en-US" dirty="0"/>
+              <a:t>所有比较数据：</a:t>
+            </a:r>
+            <a:r>
+              <a:rPr lang="en-US" altLang="zh-CN" dirty="0"/>
+              <a:t> </a:t>
+            </a:r>
+            <a:r>
+              <a:rPr lang="en-US" altLang="zh-CN" sz="1400" dirty="0"/>
+              <a:t>https://github.com/WNJXYK/JLU_FeatureSelection/blob/master/Doc/Compare_Data.xlsx</a:t>
+            </a:r>
+          </a:p>
+          <a:p>
+            <a:endParaRPr lang="en-US" altLang="zh-CN" dirty="0"/>
+          </a:p>
+          <a:p>
+            <a:r>
+              <a:rPr lang="zh-CN" altLang="en-US" dirty="0"/>
+              <a:t>使用测试数据集：</a:t>
+            </a:r>
+            <a:r>
+              <a:rPr lang="en-US" altLang="zh-CN" dirty="0"/>
+              <a:t>Cleveland, Heart, Ionosphere, Vehicle, LSVT, </a:t>
+            </a:r>
+            <a:r>
+              <a:rPr lang="en-US" altLang="zh-CN" dirty="0" err="1"/>
+              <a:t>Srbct</a:t>
+            </a:r>
+            <a:r>
+              <a:rPr lang="en-US" altLang="zh-CN" dirty="0"/>
+              <a:t>, </a:t>
+            </a:r>
+            <a:r>
+              <a:rPr lang="en-US" altLang="zh-CN" dirty="0" err="1"/>
+              <a:t>Arcene</a:t>
+            </a:r>
+            <a:endParaRPr lang="en-US" altLang="zh-CN" dirty="0"/>
+          </a:p>
+          <a:p>
+            <a:endParaRPr lang="en-US" altLang="zh-CN" dirty="0"/>
+          </a:p>
+          <a:p>
+            <a:r>
+              <a:rPr lang="zh-CN" altLang="en-US" dirty="0"/>
+              <a:t>作业代码上传 </a:t>
+            </a:r>
+            <a:r>
+              <a:rPr lang="en-US" altLang="zh-CN" dirty="0" err="1"/>
+              <a:t>Github</a:t>
+            </a:r>
+            <a:r>
+              <a:rPr lang="zh-CN" altLang="en-US" dirty="0"/>
+              <a:t>：</a:t>
+            </a:r>
+            <a:r>
+              <a:rPr lang="en-US" altLang="zh-CN" dirty="0"/>
+              <a:t> https://github.com/WNJXYK/JLU_FeatureSelection</a:t>
+            </a:r>
+          </a:p>
+          <a:p>
+            <a:pPr lvl="1"/>
+            <a:r>
+              <a:rPr lang="zh-CN" altLang="en-US" dirty="0"/>
+              <a:t>算法代码在 </a:t>
+            </a:r>
+            <a:r>
+              <a:rPr lang="en-US" altLang="zh-CN" dirty="0"/>
+              <a:t>Algorithm </a:t>
+            </a:r>
+            <a:r>
+              <a:rPr lang="zh-CN" altLang="en-US" dirty="0"/>
+              <a:t>目录下</a:t>
+            </a:r>
+            <a:endParaRPr lang="en-US" altLang="zh-CN" dirty="0"/>
+          </a:p>
+          <a:p>
+            <a:pPr lvl="1"/>
+            <a:r>
+              <a:rPr lang="zh-CN" altLang="en-US" dirty="0"/>
+              <a:t>运行结果在 </a:t>
+            </a:r>
+            <a:r>
+              <a:rPr lang="en-US" altLang="zh-CN" dirty="0"/>
+              <a:t>Logs </a:t>
+            </a:r>
+            <a:r>
+              <a:rPr lang="zh-CN" altLang="en-US" dirty="0"/>
+              <a:t>目录下</a:t>
+            </a:r>
+            <a:endParaRPr lang="en-US" altLang="zh-CN" dirty="0"/>
+          </a:p>
+          <a:p>
+            <a:pPr lvl="1"/>
+            <a:r>
+              <a:rPr lang="zh-CN" altLang="en-US" dirty="0"/>
+              <a:t>数据比较 </a:t>
+            </a:r>
+            <a:r>
+              <a:rPr lang="en-US" altLang="zh-CN" dirty="0"/>
+              <a:t>Excel </a:t>
+            </a:r>
+            <a:r>
+              <a:rPr lang="zh-CN" altLang="en-US" dirty="0"/>
+              <a:t>与 </a:t>
+            </a:r>
+            <a:r>
+              <a:rPr lang="en-US" altLang="zh-CN" dirty="0"/>
+              <a:t>PowerPoint </a:t>
+            </a:r>
+            <a:r>
+              <a:rPr lang="zh-CN" altLang="en-US" dirty="0"/>
+              <a:t>在 </a:t>
+            </a:r>
+            <a:r>
+              <a:rPr lang="en-US" altLang="zh-CN" dirty="0"/>
+              <a:t>Doc </a:t>
+            </a:r>
+            <a:r>
+              <a:rPr lang="zh-CN" altLang="en-US" dirty="0"/>
+              <a:t>目录下</a:t>
+            </a:r>
+          </a:p>
+        </p:txBody>
+      </p:sp>
+    </p:spTree>
+    <p:extLst>
+      <p:ext uri="{BB962C8B-B14F-4D97-AF65-F5344CB8AC3E}">
+        <p14:creationId xmlns:p14="http://schemas.microsoft.com/office/powerpoint/2010/main" val="1392729890"/>
+      </p:ext>
+    </p:extLst>
+  </p:cSld>
+  <p:clrMapOvr>
+    <a:masterClrMapping/>
   </p:clrMapOvr>
 </p:sld>
 </file>
@@ -14544,6 +16432,10 @@
             <a:r>
               <a:rPr kumimoji="1" lang="zh-CN" altLang="en-US" dirty="0"/>
               <a:t>将随机化与数值进化进行结合：</a:t>
+            </a:r>
+            <a:r>
+              <a:rPr kumimoji="1" lang="en-US" altLang="zh-CN" dirty="0" err="1"/>
+              <a:t>LassoGA</a:t>
             </a:r>
             <a:endParaRPr kumimoji="1" lang="en-US" altLang="zh-CN" dirty="0"/>
           </a:p>

--- a/Doc/Pre.pptx
+++ b/Doc/Pre.pptx
@@ -26,8 +26,9 @@
     <p:sldId id="278" r:id="rId20"/>
     <p:sldId id="282" r:id="rId21"/>
     <p:sldId id="279" r:id="rId22"/>
-    <p:sldId id="280" r:id="rId23"/>
-    <p:sldId id="281" r:id="rId24"/>
+    <p:sldId id="283" r:id="rId23"/>
+    <p:sldId id="280" r:id="rId24"/>
+    <p:sldId id="281" r:id="rId25"/>
   </p:sldIdLst>
   <p:sldSz cx="12192000" cy="6858000"/>
   <p:notesSz cx="6858000" cy="9144000"/>
@@ -3868,10 +3869,9 @@
           <a:lstStyle/>
           <a:p>
             <a:r>
-              <a:rPr kumimoji="1" lang="zh-CN" altLang="en-US"/>
+              <a:rPr kumimoji="1" lang="zh-CN" altLang="en-US" dirty="0"/>
               <a:t>周植、胡子木、朱任翔</a:t>
             </a:r>
-            <a:endParaRPr kumimoji="1" lang="zh-CN" altLang="en-US" dirty="0"/>
           </a:p>
         </p:txBody>
       </p:sp>
@@ -11378,7 +11378,7 @@
                     <a:lstStyle/>
                     <a:p>
                       <a:pPr algn="l" fontAlgn="b"/>
-                      <a:endParaRPr lang="zh-CN" altLang="en-US" sz="1100" b="0" i="0" u="none" strike="noStrike">
+                      <a:endParaRPr lang="zh-CN" altLang="en-US" sz="1100" b="0" i="0" u="none" strike="noStrike" dirty="0">
                         <a:solidFill>
                           <a:srgbClr val="000000"/>
                         </a:solidFill>
@@ -15675,7 +15675,12 @@
             <p:ph type="title"/>
           </p:nvPr>
         </p:nvSpPr>
-        <p:spPr/>
+        <p:spPr>
+          <a:xfrm>
+            <a:off x="1371600" y="117530"/>
+            <a:ext cx="9601200" cy="1485900"/>
+          </a:xfrm>
+        </p:spPr>
         <p:txBody>
           <a:bodyPr/>
           <a:lstStyle/>
@@ -15685,34 +15690,4387 @@
               <a:t>LassoGA</a:t>
             </a:r>
             <a:r>
+              <a:rPr lang="en-US" altLang="zh-CN" dirty="0"/>
+              <a:t> </a:t>
+            </a:r>
+            <a:r>
               <a:rPr lang="zh-CN" altLang="en-US" dirty="0"/>
               <a:t>结果</a:t>
             </a:r>
           </a:p>
         </p:txBody>
       </p:sp>
-      <p:sp>
-        <p:nvSpPr>
-          <p:cNvPr id="5" name="文本占位符 4">
+      <p:graphicFrame>
+        <p:nvGraphicFramePr>
+          <p:cNvPr id="7" name="表格 6">
             <a:extLst>
               <a:ext uri="{FF2B5EF4-FFF2-40B4-BE49-F238E27FC236}">
-                <a16:creationId xmlns:a16="http://schemas.microsoft.com/office/drawing/2014/main" id="{2D5958B1-02F7-4619-9446-D71BE36EE40C}"/>
+                <a16:creationId xmlns:a16="http://schemas.microsoft.com/office/drawing/2014/main" id="{3F1D4D9C-0D74-40DC-A9CA-046673A2F8BF}"/>
               </a:ext>
             </a:extLst>
           </p:cNvPr>
-          <p:cNvSpPr>
-            <a:spLocks noGrp="1"/>
-          </p:cNvSpPr>
+          <p:cNvGraphicFramePr>
+            <a:graphicFrameLocks noGrp="1"/>
+          </p:cNvGraphicFramePr>
           <p:nvPr>
-            <p:ph type="body" idx="1"/>
+            <p:extLst>
+              <p:ext uri="{D42A27DB-BD31-4B8C-83A1-F6EECF244321}">
+                <p14:modId xmlns:p14="http://schemas.microsoft.com/office/powerpoint/2010/main" val="551973363"/>
+              </p:ext>
+            </p:extLst>
           </p:nvPr>
+        </p:nvGraphicFramePr>
+        <p:xfrm>
+          <a:off x="2635251" y="1223963"/>
+          <a:ext cx="9302748" cy="889000"/>
+        </p:xfrm>
+        <a:graphic>
+          <a:graphicData uri="http://schemas.openxmlformats.org/drawingml/2006/table">
+            <a:tbl>
+              <a:tblPr>
+                <a:tableStyleId>{5C22544A-7EE6-4342-B048-85BDC9FD1C3A}</a:tableStyleId>
+              </a:tblPr>
+              <a:tblGrid>
+                <a:gridCol w="1249398">
+                  <a:extLst>
+                    <a:ext uri="{9D8B030D-6E8A-4147-A177-3AD203B41FA5}">
+                      <a16:colId xmlns:a16="http://schemas.microsoft.com/office/drawing/2014/main" val="3757115524"/>
+                    </a:ext>
+                  </a:extLst>
+                </a:gridCol>
+                <a:gridCol w="1354769">
+                  <a:extLst>
+                    <a:ext uri="{9D8B030D-6E8A-4147-A177-3AD203B41FA5}">
+                      <a16:colId xmlns:a16="http://schemas.microsoft.com/office/drawing/2014/main" val="3465230987"/>
+                    </a:ext>
+                  </a:extLst>
+                </a:gridCol>
+                <a:gridCol w="1605883">
+                  <a:extLst>
+                    <a:ext uri="{9D8B030D-6E8A-4147-A177-3AD203B41FA5}">
+                      <a16:colId xmlns:a16="http://schemas.microsoft.com/office/drawing/2014/main" val="152401208"/>
+                    </a:ext>
+                  </a:extLst>
+                </a:gridCol>
+                <a:gridCol w="1365250">
+                  <a:extLst>
+                    <a:ext uri="{9D8B030D-6E8A-4147-A177-3AD203B41FA5}">
+                      <a16:colId xmlns:a16="http://schemas.microsoft.com/office/drawing/2014/main" val="1367625791"/>
+                    </a:ext>
+                  </a:extLst>
+                </a:gridCol>
+                <a:gridCol w="1111250">
+                  <a:extLst>
+                    <a:ext uri="{9D8B030D-6E8A-4147-A177-3AD203B41FA5}">
+                      <a16:colId xmlns:a16="http://schemas.microsoft.com/office/drawing/2014/main" val="3326139923"/>
+                    </a:ext>
+                  </a:extLst>
+                </a:gridCol>
+                <a:gridCol w="1390650">
+                  <a:extLst>
+                    <a:ext uri="{9D8B030D-6E8A-4147-A177-3AD203B41FA5}">
+                      <a16:colId xmlns:a16="http://schemas.microsoft.com/office/drawing/2014/main" val="2802558238"/>
+                    </a:ext>
+                  </a:extLst>
+                </a:gridCol>
+                <a:gridCol w="1225548">
+                  <a:extLst>
+                    <a:ext uri="{9D8B030D-6E8A-4147-A177-3AD203B41FA5}">
+                      <a16:colId xmlns:a16="http://schemas.microsoft.com/office/drawing/2014/main" val="2733984293"/>
+                    </a:ext>
+                  </a:extLst>
+                </a:gridCol>
+              </a:tblGrid>
+              <a:tr h="177800">
+                <a:tc>
+                  <a:txBody>
+                    <a:bodyPr/>
+                    <a:lstStyle/>
+                    <a:p>
+                      <a:pPr algn="l" fontAlgn="b"/>
+                      <a:r>
+                        <a:rPr lang="en-US" sz="1100" u="none" strike="noStrike">
+                          <a:effectLst/>
+                        </a:rPr>
+                        <a:t>Algorithm</a:t>
+                      </a:r>
+                      <a:endParaRPr lang="en-US" sz="1100" b="0" i="0" u="none" strike="noStrike">
+                        <a:solidFill>
+                          <a:srgbClr val="000000"/>
+                        </a:solidFill>
+                        <a:effectLst/>
+                        <a:latin typeface="等线" panose="02010600030101010101" pitchFamily="2" charset="-122"/>
+                        <a:ea typeface="等线" panose="02010600030101010101" pitchFamily="2" charset="-122"/>
+                      </a:endParaRPr>
+                    </a:p>
+                  </a:txBody>
+                  <a:tcPr marL="6350" marR="6350" marT="6350" marB="0" anchor="b"/>
+                </a:tc>
+                <a:tc>
+                  <a:txBody>
+                    <a:bodyPr/>
+                    <a:lstStyle/>
+                    <a:p>
+                      <a:pPr algn="l" fontAlgn="b"/>
+                      <a:r>
+                        <a:rPr lang="en-US" sz="1100" u="none" strike="noStrike">
+                          <a:effectLst/>
+                        </a:rPr>
+                        <a:t>Time</a:t>
+                      </a:r>
+                      <a:endParaRPr lang="en-US" sz="1100" b="0" i="0" u="none" strike="noStrike">
+                        <a:solidFill>
+                          <a:srgbClr val="000000"/>
+                        </a:solidFill>
+                        <a:effectLst/>
+                        <a:latin typeface="等线" panose="02010600030101010101" pitchFamily="2" charset="-122"/>
+                        <a:ea typeface="等线" panose="02010600030101010101" pitchFamily="2" charset="-122"/>
+                      </a:endParaRPr>
+                    </a:p>
+                  </a:txBody>
+                  <a:tcPr marL="6350" marR="6350" marT="6350" marB="0" anchor="b"/>
+                </a:tc>
+                <a:tc>
+                  <a:txBody>
+                    <a:bodyPr/>
+                    <a:lstStyle/>
+                    <a:p>
+                      <a:pPr algn="l" fontAlgn="b"/>
+                      <a:r>
+                        <a:rPr lang="en-US" sz="1100" u="none" strike="noStrike">
+                          <a:effectLst/>
+                        </a:rPr>
+                        <a:t>DR</a:t>
+                      </a:r>
+                      <a:endParaRPr lang="en-US" sz="1100" b="0" i="0" u="none" strike="noStrike">
+                        <a:solidFill>
+                          <a:srgbClr val="000000"/>
+                        </a:solidFill>
+                        <a:effectLst/>
+                        <a:latin typeface="等线" panose="02010600030101010101" pitchFamily="2" charset="-122"/>
+                        <a:ea typeface="等线" panose="02010600030101010101" pitchFamily="2" charset="-122"/>
+                      </a:endParaRPr>
+                    </a:p>
+                  </a:txBody>
+                  <a:tcPr marL="6350" marR="6350" marT="6350" marB="0" anchor="b"/>
+                </a:tc>
+                <a:tc>
+                  <a:txBody>
+                    <a:bodyPr/>
+                    <a:lstStyle/>
+                    <a:p>
+                      <a:pPr algn="l" fontAlgn="b"/>
+                      <a:r>
+                        <a:rPr lang="en-US" sz="1100" u="none" strike="noStrike">
+                          <a:effectLst/>
+                        </a:rPr>
+                        <a:t>Validation</a:t>
+                      </a:r>
+                      <a:endParaRPr lang="en-US" sz="1100" b="0" i="0" u="none" strike="noStrike">
+                        <a:solidFill>
+                          <a:srgbClr val="000000"/>
+                        </a:solidFill>
+                        <a:effectLst/>
+                        <a:latin typeface="等线" panose="02010600030101010101" pitchFamily="2" charset="-122"/>
+                        <a:ea typeface="等线" panose="02010600030101010101" pitchFamily="2" charset="-122"/>
+                      </a:endParaRPr>
+                    </a:p>
+                  </a:txBody>
+                  <a:tcPr marL="6350" marR="6350" marT="6350" marB="0" anchor="b"/>
+                </a:tc>
+                <a:tc>
+                  <a:txBody>
+                    <a:bodyPr/>
+                    <a:lstStyle/>
+                    <a:p>
+                      <a:pPr algn="l" fontAlgn="b"/>
+                      <a:r>
+                        <a:rPr lang="en-US" sz="1100" u="none" strike="noStrike" dirty="0">
+                          <a:effectLst/>
+                        </a:rPr>
+                        <a:t>Classifier</a:t>
+                      </a:r>
+                      <a:endParaRPr lang="en-US" sz="1100" b="0" i="0" u="none" strike="noStrike" dirty="0">
+                        <a:solidFill>
+                          <a:srgbClr val="000000"/>
+                        </a:solidFill>
+                        <a:effectLst/>
+                        <a:latin typeface="等线" panose="02010600030101010101" pitchFamily="2" charset="-122"/>
+                        <a:ea typeface="等线" panose="02010600030101010101" pitchFamily="2" charset="-122"/>
+                      </a:endParaRPr>
+                    </a:p>
+                  </a:txBody>
+                  <a:tcPr marL="6350" marR="6350" marT="6350" marB="0" anchor="b"/>
+                </a:tc>
+                <a:tc>
+                  <a:txBody>
+                    <a:bodyPr/>
+                    <a:lstStyle/>
+                    <a:p>
+                      <a:pPr algn="l" fontAlgn="b"/>
+                      <a:r>
+                        <a:rPr lang="en-US" sz="1100" u="none" strike="noStrike">
+                          <a:effectLst/>
+                        </a:rPr>
+                        <a:t>AC</a:t>
+                      </a:r>
+                      <a:endParaRPr lang="en-US" sz="1100" b="0" i="0" u="none" strike="noStrike">
+                        <a:solidFill>
+                          <a:srgbClr val="000000"/>
+                        </a:solidFill>
+                        <a:effectLst/>
+                        <a:latin typeface="等线" panose="02010600030101010101" pitchFamily="2" charset="-122"/>
+                        <a:ea typeface="等线" panose="02010600030101010101" pitchFamily="2" charset="-122"/>
+                      </a:endParaRPr>
+                    </a:p>
+                  </a:txBody>
+                  <a:tcPr marL="6350" marR="6350" marT="6350" marB="0" anchor="b"/>
+                </a:tc>
+                <a:tc>
+                  <a:txBody>
+                    <a:bodyPr/>
+                    <a:lstStyle/>
+                    <a:p>
+                      <a:pPr algn="l" fontAlgn="b"/>
+                      <a:r>
+                        <a:rPr lang="en-US" sz="1100" u="none" strike="noStrike" dirty="0">
+                          <a:effectLst/>
+                        </a:rPr>
+                        <a:t>Acc Delta</a:t>
+                      </a:r>
+                      <a:endParaRPr lang="en-US" sz="1100" b="0" i="0" u="none" strike="noStrike" dirty="0">
+                        <a:solidFill>
+                          <a:srgbClr val="000000"/>
+                        </a:solidFill>
+                        <a:effectLst/>
+                        <a:latin typeface="等线" panose="02010600030101010101" pitchFamily="2" charset="-122"/>
+                        <a:ea typeface="等线" panose="02010600030101010101" pitchFamily="2" charset="-122"/>
+                      </a:endParaRPr>
+                    </a:p>
+                  </a:txBody>
+                  <a:tcPr marL="6350" marR="6350" marT="6350" marB="0" anchor="b"/>
+                </a:tc>
+                <a:extLst>
+                  <a:ext uri="{0D108BD9-81ED-4DB2-BD59-A6C34878D82A}">
+                    <a16:rowId xmlns:a16="http://schemas.microsoft.com/office/drawing/2014/main" val="1035764010"/>
+                  </a:ext>
+                </a:extLst>
+              </a:tr>
+              <a:tr h="177800">
+                <a:tc>
+                  <a:txBody>
+                    <a:bodyPr/>
+                    <a:lstStyle/>
+                    <a:p>
+                      <a:pPr algn="l" fontAlgn="b"/>
+                      <a:r>
+                        <a:rPr lang="en-US" sz="1100" u="none" strike="noStrike">
+                          <a:effectLst/>
+                        </a:rPr>
+                        <a:t>LassoGA</a:t>
+                      </a:r>
+                      <a:endParaRPr lang="en-US" sz="1100" b="0" i="0" u="none" strike="noStrike">
+                        <a:solidFill>
+                          <a:srgbClr val="000000"/>
+                        </a:solidFill>
+                        <a:effectLst/>
+                        <a:latin typeface="等线" panose="02010600030101010101" pitchFamily="2" charset="-122"/>
+                        <a:ea typeface="等线" panose="02010600030101010101" pitchFamily="2" charset="-122"/>
+                      </a:endParaRPr>
+                    </a:p>
+                  </a:txBody>
+                  <a:tcPr marL="6350" marR="6350" marT="6350" marB="0" anchor="b"/>
+                </a:tc>
+                <a:tc>
+                  <a:txBody>
+                    <a:bodyPr/>
+                    <a:lstStyle/>
+                    <a:p>
+                      <a:pPr algn="r" fontAlgn="b"/>
+                      <a:r>
+                        <a:rPr lang="en-US" altLang="zh-CN" sz="1100" u="none" strike="noStrike">
+                          <a:effectLst/>
+                        </a:rPr>
+                        <a:t>4.216832876</a:t>
+                      </a:r>
+                      <a:endParaRPr lang="en-US" altLang="zh-CN" sz="1100" b="0" i="0" u="none" strike="noStrike">
+                        <a:solidFill>
+                          <a:srgbClr val="000000"/>
+                        </a:solidFill>
+                        <a:effectLst/>
+                        <a:latin typeface="等线" panose="02010600030101010101" pitchFamily="2" charset="-122"/>
+                        <a:ea typeface="等线" panose="02010600030101010101" pitchFamily="2" charset="-122"/>
+                      </a:endParaRPr>
+                    </a:p>
+                  </a:txBody>
+                  <a:tcPr marL="6350" marR="6350" marT="6350" marB="0" anchor="b"/>
+                </a:tc>
+                <a:tc>
+                  <a:txBody>
+                    <a:bodyPr/>
+                    <a:lstStyle/>
+                    <a:p>
+                      <a:pPr algn="r" fontAlgn="b"/>
+                      <a:r>
+                        <a:rPr lang="en-US" altLang="zh-CN" sz="1100" u="none" strike="noStrike">
+                          <a:effectLst/>
+                        </a:rPr>
+                        <a:t>0.470588235</a:t>
+                      </a:r>
+                      <a:endParaRPr lang="en-US" altLang="zh-CN" sz="1100" b="0" i="0" u="none" strike="noStrike">
+                        <a:solidFill>
+                          <a:srgbClr val="000000"/>
+                        </a:solidFill>
+                        <a:effectLst/>
+                        <a:latin typeface="等线" panose="02010600030101010101" pitchFamily="2" charset="-122"/>
+                        <a:ea typeface="等线" panose="02010600030101010101" pitchFamily="2" charset="-122"/>
+                      </a:endParaRPr>
+                    </a:p>
+                  </a:txBody>
+                  <a:tcPr marL="6350" marR="6350" marT="6350" marB="0" anchor="b"/>
+                </a:tc>
+                <a:tc>
+                  <a:txBody>
+                    <a:bodyPr/>
+                    <a:lstStyle/>
+                    <a:p>
+                      <a:pPr algn="l" fontAlgn="b"/>
+                      <a:r>
+                        <a:rPr lang="en-US" sz="1100" u="none" strike="noStrike">
+                          <a:effectLst/>
+                        </a:rPr>
+                        <a:t>10-fold</a:t>
+                      </a:r>
+                      <a:endParaRPr lang="en-US" sz="1100" b="0" i="0" u="none" strike="noStrike">
+                        <a:solidFill>
+                          <a:srgbClr val="000000"/>
+                        </a:solidFill>
+                        <a:effectLst/>
+                        <a:latin typeface="等线" panose="02010600030101010101" pitchFamily="2" charset="-122"/>
+                        <a:ea typeface="等线" panose="02010600030101010101" pitchFamily="2" charset="-122"/>
+                      </a:endParaRPr>
+                    </a:p>
+                  </a:txBody>
+                  <a:tcPr marL="6350" marR="6350" marT="6350" marB="0" anchor="b"/>
+                </a:tc>
+                <a:tc>
+                  <a:txBody>
+                    <a:bodyPr/>
+                    <a:lstStyle/>
+                    <a:p>
+                      <a:pPr algn="l" fontAlgn="b"/>
+                      <a:r>
+                        <a:rPr lang="en-US" sz="1100" u="none" strike="noStrike">
+                          <a:effectLst/>
+                        </a:rPr>
+                        <a:t>1nn</a:t>
+                      </a:r>
+                      <a:endParaRPr lang="en-US" sz="1100" b="0" i="0" u="none" strike="noStrike">
+                        <a:solidFill>
+                          <a:srgbClr val="000000"/>
+                        </a:solidFill>
+                        <a:effectLst/>
+                        <a:latin typeface="等线" panose="02010600030101010101" pitchFamily="2" charset="-122"/>
+                        <a:ea typeface="等线" panose="02010600030101010101" pitchFamily="2" charset="-122"/>
+                      </a:endParaRPr>
+                    </a:p>
+                  </a:txBody>
+                  <a:tcPr marL="6350" marR="6350" marT="6350" marB="0" anchor="b"/>
+                </a:tc>
+                <a:tc>
+                  <a:txBody>
+                    <a:bodyPr/>
+                    <a:lstStyle/>
+                    <a:p>
+                      <a:pPr algn="r" fontAlgn="b"/>
+                      <a:r>
+                        <a:rPr lang="en-US" altLang="zh-CN" sz="1100" u="none" strike="noStrike">
+                          <a:effectLst/>
+                        </a:rPr>
+                        <a:t>0.897619048</a:t>
+                      </a:r>
+                      <a:endParaRPr lang="en-US" altLang="zh-CN" sz="1100" b="0" i="0" u="none" strike="noStrike">
+                        <a:solidFill>
+                          <a:srgbClr val="000000"/>
+                        </a:solidFill>
+                        <a:effectLst/>
+                        <a:latin typeface="等线" panose="02010600030101010101" pitchFamily="2" charset="-122"/>
+                        <a:ea typeface="等线" panose="02010600030101010101" pitchFamily="2" charset="-122"/>
+                      </a:endParaRPr>
+                    </a:p>
+                  </a:txBody>
+                  <a:tcPr marL="6350" marR="6350" marT="6350" marB="0" anchor="b"/>
+                </a:tc>
+                <a:tc>
+                  <a:txBody>
+                    <a:bodyPr/>
+                    <a:lstStyle/>
+                    <a:p>
+                      <a:pPr algn="r" fontAlgn="b"/>
+                      <a:r>
+                        <a:rPr lang="en-US" altLang="zh-CN" sz="1100" u="none" strike="noStrike">
+                          <a:effectLst/>
+                        </a:rPr>
+                        <a:t>0.606380174</a:t>
+                      </a:r>
+                      <a:endParaRPr lang="en-US" altLang="zh-CN" sz="1100" b="0" i="0" u="none" strike="noStrike">
+                        <a:solidFill>
+                          <a:srgbClr val="000000"/>
+                        </a:solidFill>
+                        <a:effectLst/>
+                        <a:latin typeface="等线" panose="02010600030101010101" pitchFamily="2" charset="-122"/>
+                        <a:ea typeface="等线" panose="02010600030101010101" pitchFamily="2" charset="-122"/>
+                      </a:endParaRPr>
+                    </a:p>
+                  </a:txBody>
+                  <a:tcPr marL="6350" marR="6350" marT="6350" marB="0" anchor="b"/>
+                </a:tc>
+                <a:extLst>
+                  <a:ext uri="{0D108BD9-81ED-4DB2-BD59-A6C34878D82A}">
+                    <a16:rowId xmlns:a16="http://schemas.microsoft.com/office/drawing/2014/main" val="4267407841"/>
+                  </a:ext>
+                </a:extLst>
+              </a:tr>
+              <a:tr h="177800">
+                <a:tc>
+                  <a:txBody>
+                    <a:bodyPr/>
+                    <a:lstStyle/>
+                    <a:p>
+                      <a:pPr algn="l" fontAlgn="b"/>
+                      <a:endParaRPr lang="zh-CN" altLang="en-US" sz="1100" b="0" i="0" u="none" strike="noStrike">
+                        <a:solidFill>
+                          <a:srgbClr val="000000"/>
+                        </a:solidFill>
+                        <a:effectLst/>
+                        <a:latin typeface="等线" panose="02010600030101010101" pitchFamily="2" charset="-122"/>
+                        <a:ea typeface="等线" panose="02010600030101010101" pitchFamily="2" charset="-122"/>
+                      </a:endParaRPr>
+                    </a:p>
+                  </a:txBody>
+                  <a:tcPr marL="6350" marR="6350" marT="6350" marB="0" anchor="b"/>
+                </a:tc>
+                <a:tc>
+                  <a:txBody>
+                    <a:bodyPr/>
+                    <a:lstStyle/>
+                    <a:p>
+                      <a:pPr algn="r" fontAlgn="b"/>
+                      <a:r>
+                        <a:rPr lang="en-US" altLang="zh-CN" sz="1100" u="none" strike="noStrike">
+                          <a:effectLst/>
+                        </a:rPr>
+                        <a:t>3.172881365</a:t>
+                      </a:r>
+                      <a:endParaRPr lang="en-US" altLang="zh-CN" sz="1100" b="0" i="0" u="none" strike="noStrike">
+                        <a:solidFill>
+                          <a:srgbClr val="000000"/>
+                        </a:solidFill>
+                        <a:effectLst/>
+                        <a:latin typeface="等线" panose="02010600030101010101" pitchFamily="2" charset="-122"/>
+                        <a:ea typeface="等线" panose="02010600030101010101" pitchFamily="2" charset="-122"/>
+                      </a:endParaRPr>
+                    </a:p>
+                  </a:txBody>
+                  <a:tcPr marL="6350" marR="6350" marT="6350" marB="0" anchor="b"/>
+                </a:tc>
+                <a:tc>
+                  <a:txBody>
+                    <a:bodyPr/>
+                    <a:lstStyle/>
+                    <a:p>
+                      <a:pPr algn="r" fontAlgn="b"/>
+                      <a:r>
+                        <a:rPr lang="en-US" altLang="zh-CN" sz="1100" u="none" strike="noStrike">
+                          <a:effectLst/>
+                        </a:rPr>
+                        <a:t>0.529411765</a:t>
+                      </a:r>
+                      <a:endParaRPr lang="en-US" altLang="zh-CN" sz="1100" b="0" i="0" u="none" strike="noStrike">
+                        <a:solidFill>
+                          <a:srgbClr val="000000"/>
+                        </a:solidFill>
+                        <a:effectLst/>
+                        <a:latin typeface="等线" panose="02010600030101010101" pitchFamily="2" charset="-122"/>
+                        <a:ea typeface="等线" panose="02010600030101010101" pitchFamily="2" charset="-122"/>
+                      </a:endParaRPr>
+                    </a:p>
+                  </a:txBody>
+                  <a:tcPr marL="6350" marR="6350" marT="6350" marB="0" anchor="b"/>
+                </a:tc>
+                <a:tc>
+                  <a:txBody>
+                    <a:bodyPr/>
+                    <a:lstStyle/>
+                    <a:p>
+                      <a:pPr algn="l" fontAlgn="b"/>
+                      <a:r>
+                        <a:rPr lang="en-US" sz="1100" u="none" strike="noStrike">
+                          <a:effectLst/>
+                        </a:rPr>
+                        <a:t>10-fold</a:t>
+                      </a:r>
+                      <a:endParaRPr lang="en-US" sz="1100" b="0" i="0" u="none" strike="noStrike">
+                        <a:solidFill>
+                          <a:srgbClr val="000000"/>
+                        </a:solidFill>
+                        <a:effectLst/>
+                        <a:latin typeface="等线" panose="02010600030101010101" pitchFamily="2" charset="-122"/>
+                        <a:ea typeface="等线" panose="02010600030101010101" pitchFamily="2" charset="-122"/>
+                      </a:endParaRPr>
+                    </a:p>
+                  </a:txBody>
+                  <a:tcPr marL="6350" marR="6350" marT="6350" marB="0" anchor="b"/>
+                </a:tc>
+                <a:tc>
+                  <a:txBody>
+                    <a:bodyPr/>
+                    <a:lstStyle/>
+                    <a:p>
+                      <a:pPr algn="l" fontAlgn="b"/>
+                      <a:r>
+                        <a:rPr lang="en-US" sz="1100" u="none" strike="noStrike">
+                          <a:effectLst/>
+                        </a:rPr>
+                        <a:t>5nn</a:t>
+                      </a:r>
+                      <a:endParaRPr lang="en-US" sz="1100" b="0" i="0" u="none" strike="noStrike">
+                        <a:solidFill>
+                          <a:srgbClr val="000000"/>
+                        </a:solidFill>
+                        <a:effectLst/>
+                        <a:latin typeface="等线" panose="02010600030101010101" pitchFamily="2" charset="-122"/>
+                        <a:ea typeface="等线" panose="02010600030101010101" pitchFamily="2" charset="-122"/>
+                      </a:endParaRPr>
+                    </a:p>
+                  </a:txBody>
+                  <a:tcPr marL="6350" marR="6350" marT="6350" marB="0" anchor="b"/>
+                </a:tc>
+                <a:tc>
+                  <a:txBody>
+                    <a:bodyPr/>
+                    <a:lstStyle/>
+                    <a:p>
+                      <a:pPr algn="r" fontAlgn="b"/>
+                      <a:r>
+                        <a:rPr lang="en-US" altLang="zh-CN" sz="1100" u="none" strike="noStrike">
+                          <a:effectLst/>
+                        </a:rPr>
+                        <a:t>0.872063492</a:t>
+                      </a:r>
+                      <a:endParaRPr lang="en-US" altLang="zh-CN" sz="1100" b="0" i="0" u="none" strike="noStrike">
+                        <a:solidFill>
+                          <a:srgbClr val="000000"/>
+                        </a:solidFill>
+                        <a:effectLst/>
+                        <a:latin typeface="等线" panose="02010600030101010101" pitchFamily="2" charset="-122"/>
+                        <a:ea typeface="等线" panose="02010600030101010101" pitchFamily="2" charset="-122"/>
+                      </a:endParaRPr>
+                    </a:p>
+                  </a:txBody>
+                  <a:tcPr marL="6350" marR="6350" marT="6350" marB="0" anchor="b"/>
+                </a:tc>
+                <a:tc>
+                  <a:txBody>
+                    <a:bodyPr/>
+                    <a:lstStyle/>
+                    <a:p>
+                      <a:pPr algn="r" fontAlgn="b"/>
+                      <a:r>
+                        <a:rPr lang="en-US" altLang="zh-CN" sz="1100" u="none" strike="noStrike">
+                          <a:effectLst/>
+                        </a:rPr>
+                        <a:t>2.53681036</a:t>
+                      </a:r>
+                      <a:endParaRPr lang="en-US" altLang="zh-CN" sz="1100" b="0" i="0" u="none" strike="noStrike">
+                        <a:solidFill>
+                          <a:srgbClr val="000000"/>
+                        </a:solidFill>
+                        <a:effectLst/>
+                        <a:latin typeface="等线" panose="02010600030101010101" pitchFamily="2" charset="-122"/>
+                        <a:ea typeface="等线" panose="02010600030101010101" pitchFamily="2" charset="-122"/>
+                      </a:endParaRPr>
+                    </a:p>
+                  </a:txBody>
+                  <a:tcPr marL="6350" marR="6350" marT="6350" marB="0" anchor="b"/>
+                </a:tc>
+                <a:extLst>
+                  <a:ext uri="{0D108BD9-81ED-4DB2-BD59-A6C34878D82A}">
+                    <a16:rowId xmlns:a16="http://schemas.microsoft.com/office/drawing/2014/main" val="2978763142"/>
+                  </a:ext>
+                </a:extLst>
+              </a:tr>
+              <a:tr h="177800">
+                <a:tc>
+                  <a:txBody>
+                    <a:bodyPr/>
+                    <a:lstStyle/>
+                    <a:p>
+                      <a:pPr algn="l" fontAlgn="b"/>
+                      <a:endParaRPr lang="zh-CN" altLang="en-US" sz="1100" b="0" i="0" u="none" strike="noStrike">
+                        <a:solidFill>
+                          <a:srgbClr val="000000"/>
+                        </a:solidFill>
+                        <a:effectLst/>
+                        <a:latin typeface="等线" panose="02010600030101010101" pitchFamily="2" charset="-122"/>
+                        <a:ea typeface="等线" panose="02010600030101010101" pitchFamily="2" charset="-122"/>
+                      </a:endParaRPr>
+                    </a:p>
+                  </a:txBody>
+                  <a:tcPr marL="6350" marR="6350" marT="6350" marB="0" anchor="b"/>
+                </a:tc>
+                <a:tc>
+                  <a:txBody>
+                    <a:bodyPr/>
+                    <a:lstStyle/>
+                    <a:p>
+                      <a:pPr algn="r" fontAlgn="b"/>
+                      <a:r>
+                        <a:rPr lang="en-US" altLang="zh-CN" sz="1100" u="none" strike="noStrike">
+                          <a:effectLst/>
+                        </a:rPr>
+                        <a:t>6.13757658</a:t>
+                      </a:r>
+                      <a:endParaRPr lang="en-US" altLang="zh-CN" sz="1100" b="0" i="0" u="none" strike="noStrike">
+                        <a:solidFill>
+                          <a:srgbClr val="000000"/>
+                        </a:solidFill>
+                        <a:effectLst/>
+                        <a:latin typeface="等线" panose="02010600030101010101" pitchFamily="2" charset="-122"/>
+                        <a:ea typeface="等线" panose="02010600030101010101" pitchFamily="2" charset="-122"/>
+                      </a:endParaRPr>
+                    </a:p>
+                  </a:txBody>
+                  <a:tcPr marL="6350" marR="6350" marT="6350" marB="0" anchor="b"/>
+                </a:tc>
+                <a:tc>
+                  <a:txBody>
+                    <a:bodyPr/>
+                    <a:lstStyle/>
+                    <a:p>
+                      <a:pPr algn="r" fontAlgn="b"/>
+                      <a:r>
+                        <a:rPr lang="en-US" altLang="zh-CN" sz="1100" u="none" strike="noStrike">
+                          <a:effectLst/>
+                        </a:rPr>
+                        <a:t>0.470588235</a:t>
+                      </a:r>
+                      <a:endParaRPr lang="en-US" altLang="zh-CN" sz="1100" b="0" i="0" u="none" strike="noStrike">
+                        <a:solidFill>
+                          <a:srgbClr val="000000"/>
+                        </a:solidFill>
+                        <a:effectLst/>
+                        <a:latin typeface="等线" panose="02010600030101010101" pitchFamily="2" charset="-122"/>
+                        <a:ea typeface="等线" panose="02010600030101010101" pitchFamily="2" charset="-122"/>
+                      </a:endParaRPr>
+                    </a:p>
+                  </a:txBody>
+                  <a:tcPr marL="6350" marR="6350" marT="6350" marB="0" anchor="b"/>
+                </a:tc>
+                <a:tc>
+                  <a:txBody>
+                    <a:bodyPr/>
+                    <a:lstStyle/>
+                    <a:p>
+                      <a:pPr algn="l" fontAlgn="b"/>
+                      <a:r>
+                        <a:rPr lang="en-US" sz="1100" u="none" strike="noStrike">
+                          <a:effectLst/>
+                        </a:rPr>
+                        <a:t>10-fold</a:t>
+                      </a:r>
+                      <a:endParaRPr lang="en-US" sz="1100" b="0" i="0" u="none" strike="noStrike">
+                        <a:solidFill>
+                          <a:srgbClr val="000000"/>
+                        </a:solidFill>
+                        <a:effectLst/>
+                        <a:latin typeface="等线" panose="02010600030101010101" pitchFamily="2" charset="-122"/>
+                        <a:ea typeface="等线" panose="02010600030101010101" pitchFamily="2" charset="-122"/>
+                      </a:endParaRPr>
+                    </a:p>
+                  </a:txBody>
+                  <a:tcPr marL="6350" marR="6350" marT="6350" marB="0" anchor="b"/>
+                </a:tc>
+                <a:tc>
+                  <a:txBody>
+                    <a:bodyPr/>
+                    <a:lstStyle/>
+                    <a:p>
+                      <a:pPr algn="l" fontAlgn="b"/>
+                      <a:r>
+                        <a:rPr lang="en-US" sz="1100" u="none" strike="noStrike">
+                          <a:effectLst/>
+                        </a:rPr>
+                        <a:t>SVM</a:t>
+                      </a:r>
+                      <a:endParaRPr lang="en-US" sz="1100" b="0" i="0" u="none" strike="noStrike">
+                        <a:solidFill>
+                          <a:srgbClr val="000000"/>
+                        </a:solidFill>
+                        <a:effectLst/>
+                        <a:latin typeface="等线" panose="02010600030101010101" pitchFamily="2" charset="-122"/>
+                        <a:ea typeface="等线" panose="02010600030101010101" pitchFamily="2" charset="-122"/>
+                      </a:endParaRPr>
+                    </a:p>
+                  </a:txBody>
+                  <a:tcPr marL="6350" marR="6350" marT="6350" marB="0" anchor="b"/>
+                </a:tc>
+                <a:tc>
+                  <a:txBody>
+                    <a:bodyPr/>
+                    <a:lstStyle/>
+                    <a:p>
+                      <a:pPr algn="r" fontAlgn="b"/>
+                      <a:r>
+                        <a:rPr lang="en-US" altLang="zh-CN" sz="1100" u="none" strike="noStrike">
+                          <a:effectLst/>
+                        </a:rPr>
+                        <a:t>0.948730159</a:t>
+                      </a:r>
+                      <a:endParaRPr lang="en-US" altLang="zh-CN" sz="1100" b="0" i="0" u="none" strike="noStrike">
+                        <a:solidFill>
+                          <a:srgbClr val="006100"/>
+                        </a:solidFill>
+                        <a:effectLst/>
+                        <a:latin typeface="等线" panose="02010600030101010101" pitchFamily="2" charset="-122"/>
+                        <a:ea typeface="等线" panose="02010600030101010101" pitchFamily="2" charset="-122"/>
+                      </a:endParaRPr>
+                    </a:p>
+                  </a:txBody>
+                  <a:tcPr marL="6350" marR="6350" marT="6350" marB="0" anchor="b"/>
+                </a:tc>
+                <a:tc>
+                  <a:txBody>
+                    <a:bodyPr/>
+                    <a:lstStyle/>
+                    <a:p>
+                      <a:pPr algn="r" fontAlgn="b"/>
+                      <a:r>
+                        <a:rPr lang="en-US" altLang="zh-CN" sz="1100" u="none" strike="noStrike" dirty="0">
+                          <a:effectLst/>
+                        </a:rPr>
+                        <a:t>0</a:t>
+                      </a:r>
+                      <a:endParaRPr lang="en-US" altLang="zh-CN" sz="1100" b="0" i="0" u="none" strike="noStrike" dirty="0">
+                        <a:solidFill>
+                          <a:srgbClr val="006100"/>
+                        </a:solidFill>
+                        <a:effectLst/>
+                        <a:latin typeface="等线" panose="02010600030101010101" pitchFamily="2" charset="-122"/>
+                        <a:ea typeface="等线" panose="02010600030101010101" pitchFamily="2" charset="-122"/>
+                      </a:endParaRPr>
+                    </a:p>
+                  </a:txBody>
+                  <a:tcPr marL="6350" marR="6350" marT="6350" marB="0" anchor="b"/>
+                </a:tc>
+                <a:extLst>
+                  <a:ext uri="{0D108BD9-81ED-4DB2-BD59-A6C34878D82A}">
+                    <a16:rowId xmlns:a16="http://schemas.microsoft.com/office/drawing/2014/main" val="2691784290"/>
+                  </a:ext>
+                </a:extLst>
+              </a:tr>
+              <a:tr h="177800">
+                <a:tc>
+                  <a:txBody>
+                    <a:bodyPr/>
+                    <a:lstStyle/>
+                    <a:p>
+                      <a:pPr algn="l" fontAlgn="b"/>
+                      <a:endParaRPr lang="zh-CN" altLang="en-US" sz="1100" b="0" i="0" u="none" strike="noStrike">
+                        <a:solidFill>
+                          <a:srgbClr val="000000"/>
+                        </a:solidFill>
+                        <a:effectLst/>
+                        <a:latin typeface="等线" panose="02010600030101010101" pitchFamily="2" charset="-122"/>
+                        <a:ea typeface="等线" panose="02010600030101010101" pitchFamily="2" charset="-122"/>
+                      </a:endParaRPr>
+                    </a:p>
+                  </a:txBody>
+                  <a:tcPr marL="6350" marR="6350" marT="6350" marB="0" anchor="b"/>
+                </a:tc>
+                <a:tc>
+                  <a:txBody>
+                    <a:bodyPr/>
+                    <a:lstStyle/>
+                    <a:p>
+                      <a:pPr algn="r" fontAlgn="b"/>
+                      <a:r>
+                        <a:rPr lang="en-US" altLang="zh-CN" sz="1100" u="none" strike="noStrike">
+                          <a:effectLst/>
+                        </a:rPr>
+                        <a:t>3.141854763</a:t>
+                      </a:r>
+                      <a:endParaRPr lang="en-US" altLang="zh-CN" sz="1100" b="0" i="0" u="none" strike="noStrike">
+                        <a:solidFill>
+                          <a:srgbClr val="000000"/>
+                        </a:solidFill>
+                        <a:effectLst/>
+                        <a:latin typeface="等线" panose="02010600030101010101" pitchFamily="2" charset="-122"/>
+                        <a:ea typeface="等线" panose="02010600030101010101" pitchFamily="2" charset="-122"/>
+                      </a:endParaRPr>
+                    </a:p>
+                  </a:txBody>
+                  <a:tcPr marL="6350" marR="6350" marT="6350" marB="0" anchor="b"/>
+                </a:tc>
+                <a:tc>
+                  <a:txBody>
+                    <a:bodyPr/>
+                    <a:lstStyle/>
+                    <a:p>
+                      <a:pPr algn="r" fontAlgn="b"/>
+                      <a:r>
+                        <a:rPr lang="en-US" altLang="zh-CN" sz="1100" u="none" strike="noStrike">
+                          <a:effectLst/>
+                        </a:rPr>
+                        <a:t>0.617647059</a:t>
+                      </a:r>
+                      <a:endParaRPr lang="en-US" altLang="zh-CN" sz="1100" b="0" i="0" u="none" strike="noStrike">
+                        <a:solidFill>
+                          <a:srgbClr val="000000"/>
+                        </a:solidFill>
+                        <a:effectLst/>
+                        <a:latin typeface="等线" panose="02010600030101010101" pitchFamily="2" charset="-122"/>
+                        <a:ea typeface="等线" panose="02010600030101010101" pitchFamily="2" charset="-122"/>
+                      </a:endParaRPr>
+                    </a:p>
+                  </a:txBody>
+                  <a:tcPr marL="6350" marR="6350" marT="6350" marB="0" anchor="b"/>
+                </a:tc>
+                <a:tc>
+                  <a:txBody>
+                    <a:bodyPr/>
+                    <a:lstStyle/>
+                    <a:p>
+                      <a:pPr algn="l" fontAlgn="b"/>
+                      <a:r>
+                        <a:rPr lang="en-US" sz="1100" u="none" strike="noStrike">
+                          <a:effectLst/>
+                        </a:rPr>
+                        <a:t>10-fold </a:t>
+                      </a:r>
+                      <a:endParaRPr lang="en-US" sz="1100" b="0" i="0" u="none" strike="noStrike">
+                        <a:solidFill>
+                          <a:srgbClr val="000000"/>
+                        </a:solidFill>
+                        <a:effectLst/>
+                        <a:latin typeface="等线" panose="02010600030101010101" pitchFamily="2" charset="-122"/>
+                        <a:ea typeface="等线" panose="02010600030101010101" pitchFamily="2" charset="-122"/>
+                      </a:endParaRPr>
+                    </a:p>
+                  </a:txBody>
+                  <a:tcPr marL="6350" marR="6350" marT="6350" marB="0" anchor="b"/>
+                </a:tc>
+                <a:tc>
+                  <a:txBody>
+                    <a:bodyPr/>
+                    <a:lstStyle/>
+                    <a:p>
+                      <a:pPr algn="l" fontAlgn="b"/>
+                      <a:r>
+                        <a:rPr lang="en-US" sz="1100" u="none" strike="noStrike">
+                          <a:effectLst/>
+                        </a:rPr>
+                        <a:t>Cart</a:t>
+                      </a:r>
+                      <a:endParaRPr lang="en-US" sz="1100" b="0" i="0" u="none" strike="noStrike">
+                        <a:solidFill>
+                          <a:srgbClr val="000000"/>
+                        </a:solidFill>
+                        <a:effectLst/>
+                        <a:latin typeface="等线" panose="02010600030101010101" pitchFamily="2" charset="-122"/>
+                        <a:ea typeface="等线" panose="02010600030101010101" pitchFamily="2" charset="-122"/>
+                      </a:endParaRPr>
+                    </a:p>
+                  </a:txBody>
+                  <a:tcPr marL="6350" marR="6350" marT="6350" marB="0" anchor="b"/>
+                </a:tc>
+                <a:tc>
+                  <a:txBody>
+                    <a:bodyPr/>
+                    <a:lstStyle/>
+                    <a:p>
+                      <a:pPr algn="r" fontAlgn="b"/>
+                      <a:r>
+                        <a:rPr lang="en-US" altLang="zh-CN" sz="1100" u="none" strike="noStrike">
+                          <a:effectLst/>
+                        </a:rPr>
+                        <a:t>0.888809524</a:t>
+                      </a:r>
+                      <a:endParaRPr lang="en-US" altLang="zh-CN" sz="1100" b="0" i="0" u="none" strike="noStrike">
+                        <a:solidFill>
+                          <a:srgbClr val="000000"/>
+                        </a:solidFill>
+                        <a:effectLst/>
+                        <a:latin typeface="等线" panose="02010600030101010101" pitchFamily="2" charset="-122"/>
+                        <a:ea typeface="等线" panose="02010600030101010101" pitchFamily="2" charset="-122"/>
+                      </a:endParaRPr>
+                    </a:p>
+                  </a:txBody>
+                  <a:tcPr marL="6350" marR="6350" marT="6350" marB="0" anchor="b"/>
+                </a:tc>
+                <a:tc>
+                  <a:txBody>
+                    <a:bodyPr/>
+                    <a:lstStyle/>
+                    <a:p>
+                      <a:pPr algn="r" fontAlgn="b"/>
+                      <a:r>
+                        <a:rPr lang="en-US" altLang="zh-CN" sz="1100" u="none" strike="noStrike" dirty="0">
+                          <a:effectLst/>
+                        </a:rPr>
+                        <a:t>0.656435731</a:t>
+                      </a:r>
+                      <a:endParaRPr lang="en-US" altLang="zh-CN" sz="1100" b="0" i="0" u="none" strike="noStrike" dirty="0">
+                        <a:solidFill>
+                          <a:srgbClr val="000000"/>
+                        </a:solidFill>
+                        <a:effectLst/>
+                        <a:latin typeface="等线" panose="02010600030101010101" pitchFamily="2" charset="-122"/>
+                        <a:ea typeface="等线" panose="02010600030101010101" pitchFamily="2" charset="-122"/>
+                      </a:endParaRPr>
+                    </a:p>
+                  </a:txBody>
+                  <a:tcPr marL="6350" marR="6350" marT="6350" marB="0" anchor="b"/>
+                </a:tc>
+                <a:extLst>
+                  <a:ext uri="{0D108BD9-81ED-4DB2-BD59-A6C34878D82A}">
+                    <a16:rowId xmlns:a16="http://schemas.microsoft.com/office/drawing/2014/main" val="4286122264"/>
+                  </a:ext>
+                </a:extLst>
+              </a:tr>
+            </a:tbl>
+          </a:graphicData>
+        </a:graphic>
+      </p:graphicFrame>
+      <p:graphicFrame>
+        <p:nvGraphicFramePr>
+          <p:cNvPr id="8" name="表格 7">
+            <a:extLst>
+              <a:ext uri="{FF2B5EF4-FFF2-40B4-BE49-F238E27FC236}">
+                <a16:creationId xmlns:a16="http://schemas.microsoft.com/office/drawing/2014/main" id="{8A935A61-1977-4542-954D-E117738D1395}"/>
+              </a:ext>
+            </a:extLst>
+          </p:cNvPr>
+          <p:cNvGraphicFramePr>
+            <a:graphicFrameLocks noGrp="1"/>
+          </p:cNvGraphicFramePr>
+          <p:nvPr>
+            <p:extLst>
+              <p:ext uri="{D42A27DB-BD31-4B8C-83A1-F6EECF244321}">
+                <p14:modId xmlns:p14="http://schemas.microsoft.com/office/powerpoint/2010/main" val="410136686"/>
+              </p:ext>
+            </p:extLst>
+          </p:nvPr>
+        </p:nvGraphicFramePr>
+        <p:xfrm>
+          <a:off x="2635251" y="2128838"/>
+          <a:ext cx="9302749" cy="889000"/>
+        </p:xfrm>
+        <a:graphic>
+          <a:graphicData uri="http://schemas.openxmlformats.org/drawingml/2006/table">
+            <a:tbl>
+              <a:tblPr>
+                <a:tableStyleId>{5C22544A-7EE6-4342-B048-85BDC9FD1C3A}</a:tableStyleId>
+              </a:tblPr>
+              <a:tblGrid>
+                <a:gridCol w="1250950">
+                  <a:extLst>
+                    <a:ext uri="{9D8B030D-6E8A-4147-A177-3AD203B41FA5}">
+                      <a16:colId xmlns:a16="http://schemas.microsoft.com/office/drawing/2014/main" val="764891473"/>
+                    </a:ext>
+                  </a:extLst>
+                </a:gridCol>
+                <a:gridCol w="1377950">
+                  <a:extLst>
+                    <a:ext uri="{9D8B030D-6E8A-4147-A177-3AD203B41FA5}">
+                      <a16:colId xmlns:a16="http://schemas.microsoft.com/office/drawing/2014/main" val="4222638440"/>
+                    </a:ext>
+                  </a:extLst>
+                </a:gridCol>
+                <a:gridCol w="1570808">
+                  <a:extLst>
+                    <a:ext uri="{9D8B030D-6E8A-4147-A177-3AD203B41FA5}">
+                      <a16:colId xmlns:a16="http://schemas.microsoft.com/office/drawing/2014/main" val="36200469"/>
+                    </a:ext>
+                  </a:extLst>
+                </a:gridCol>
+                <a:gridCol w="1362924">
+                  <a:extLst>
+                    <a:ext uri="{9D8B030D-6E8A-4147-A177-3AD203B41FA5}">
+                      <a16:colId xmlns:a16="http://schemas.microsoft.com/office/drawing/2014/main" val="4036210037"/>
+                    </a:ext>
+                  </a:extLst>
+                </a:gridCol>
+                <a:gridCol w="1125205">
+                  <a:extLst>
+                    <a:ext uri="{9D8B030D-6E8A-4147-A177-3AD203B41FA5}">
+                      <a16:colId xmlns:a16="http://schemas.microsoft.com/office/drawing/2014/main" val="3192533437"/>
+                    </a:ext>
+                  </a:extLst>
+                </a:gridCol>
+                <a:gridCol w="1394620">
+                  <a:extLst>
+                    <a:ext uri="{9D8B030D-6E8A-4147-A177-3AD203B41FA5}">
+                      <a16:colId xmlns:a16="http://schemas.microsoft.com/office/drawing/2014/main" val="3656638078"/>
+                    </a:ext>
+                  </a:extLst>
+                </a:gridCol>
+                <a:gridCol w="1220292">
+                  <a:extLst>
+                    <a:ext uri="{9D8B030D-6E8A-4147-A177-3AD203B41FA5}">
+                      <a16:colId xmlns:a16="http://schemas.microsoft.com/office/drawing/2014/main" val="3218106315"/>
+                    </a:ext>
+                  </a:extLst>
+                </a:gridCol>
+              </a:tblGrid>
+              <a:tr h="177800">
+                <a:tc>
+                  <a:txBody>
+                    <a:bodyPr/>
+                    <a:lstStyle/>
+                    <a:p>
+                      <a:pPr algn="l" fontAlgn="b"/>
+                      <a:r>
+                        <a:rPr lang="en-US" sz="1100" u="none" strike="noStrike">
+                          <a:effectLst/>
+                        </a:rPr>
+                        <a:t>Algorithm</a:t>
+                      </a:r>
+                      <a:endParaRPr lang="en-US" sz="1100" b="0" i="0" u="none" strike="noStrike">
+                        <a:solidFill>
+                          <a:srgbClr val="000000"/>
+                        </a:solidFill>
+                        <a:effectLst/>
+                        <a:latin typeface="等线" panose="02010600030101010101" pitchFamily="2" charset="-122"/>
+                        <a:ea typeface="等线" panose="02010600030101010101" pitchFamily="2" charset="-122"/>
+                      </a:endParaRPr>
+                    </a:p>
+                  </a:txBody>
+                  <a:tcPr marL="6350" marR="6350" marT="6350" marB="0" anchor="b"/>
+                </a:tc>
+                <a:tc>
+                  <a:txBody>
+                    <a:bodyPr/>
+                    <a:lstStyle/>
+                    <a:p>
+                      <a:pPr algn="l" fontAlgn="b"/>
+                      <a:r>
+                        <a:rPr lang="en-US" sz="1100" u="none" strike="noStrike">
+                          <a:effectLst/>
+                        </a:rPr>
+                        <a:t>Time</a:t>
+                      </a:r>
+                      <a:endParaRPr lang="en-US" sz="1100" b="0" i="0" u="none" strike="noStrike">
+                        <a:solidFill>
+                          <a:srgbClr val="000000"/>
+                        </a:solidFill>
+                        <a:effectLst/>
+                        <a:latin typeface="等线" panose="02010600030101010101" pitchFamily="2" charset="-122"/>
+                        <a:ea typeface="等线" panose="02010600030101010101" pitchFamily="2" charset="-122"/>
+                      </a:endParaRPr>
+                    </a:p>
+                  </a:txBody>
+                  <a:tcPr marL="6350" marR="6350" marT="6350" marB="0" anchor="b"/>
+                </a:tc>
+                <a:tc>
+                  <a:txBody>
+                    <a:bodyPr/>
+                    <a:lstStyle/>
+                    <a:p>
+                      <a:pPr algn="l" fontAlgn="b"/>
+                      <a:r>
+                        <a:rPr lang="en-US" sz="1100" u="none" strike="noStrike">
+                          <a:effectLst/>
+                        </a:rPr>
+                        <a:t>DR</a:t>
+                      </a:r>
+                      <a:endParaRPr lang="en-US" sz="1100" b="0" i="0" u="none" strike="noStrike">
+                        <a:solidFill>
+                          <a:srgbClr val="000000"/>
+                        </a:solidFill>
+                        <a:effectLst/>
+                        <a:latin typeface="等线" panose="02010600030101010101" pitchFamily="2" charset="-122"/>
+                        <a:ea typeface="等线" panose="02010600030101010101" pitchFamily="2" charset="-122"/>
+                      </a:endParaRPr>
+                    </a:p>
+                  </a:txBody>
+                  <a:tcPr marL="6350" marR="6350" marT="6350" marB="0" anchor="b"/>
+                </a:tc>
+                <a:tc>
+                  <a:txBody>
+                    <a:bodyPr/>
+                    <a:lstStyle/>
+                    <a:p>
+                      <a:pPr algn="l" fontAlgn="b"/>
+                      <a:r>
+                        <a:rPr lang="en-US" sz="1100" u="none" strike="noStrike">
+                          <a:effectLst/>
+                        </a:rPr>
+                        <a:t>Validation</a:t>
+                      </a:r>
+                      <a:endParaRPr lang="en-US" sz="1100" b="0" i="0" u="none" strike="noStrike">
+                        <a:solidFill>
+                          <a:srgbClr val="000000"/>
+                        </a:solidFill>
+                        <a:effectLst/>
+                        <a:latin typeface="等线" panose="02010600030101010101" pitchFamily="2" charset="-122"/>
+                        <a:ea typeface="等线" panose="02010600030101010101" pitchFamily="2" charset="-122"/>
+                      </a:endParaRPr>
+                    </a:p>
+                  </a:txBody>
+                  <a:tcPr marL="6350" marR="6350" marT="6350" marB="0" anchor="b"/>
+                </a:tc>
+                <a:tc>
+                  <a:txBody>
+                    <a:bodyPr/>
+                    <a:lstStyle/>
+                    <a:p>
+                      <a:pPr algn="l" fontAlgn="b"/>
+                      <a:r>
+                        <a:rPr lang="en-US" sz="1100" u="none" strike="noStrike">
+                          <a:effectLst/>
+                        </a:rPr>
+                        <a:t>Classifier</a:t>
+                      </a:r>
+                      <a:endParaRPr lang="en-US" sz="1100" b="0" i="0" u="none" strike="noStrike">
+                        <a:solidFill>
+                          <a:srgbClr val="000000"/>
+                        </a:solidFill>
+                        <a:effectLst/>
+                        <a:latin typeface="等线" panose="02010600030101010101" pitchFamily="2" charset="-122"/>
+                        <a:ea typeface="等线" panose="02010600030101010101" pitchFamily="2" charset="-122"/>
+                      </a:endParaRPr>
+                    </a:p>
+                  </a:txBody>
+                  <a:tcPr marL="6350" marR="6350" marT="6350" marB="0" anchor="b"/>
+                </a:tc>
+                <a:tc>
+                  <a:txBody>
+                    <a:bodyPr/>
+                    <a:lstStyle/>
+                    <a:p>
+                      <a:pPr algn="l" fontAlgn="b"/>
+                      <a:r>
+                        <a:rPr lang="en-US" sz="1100" u="none" strike="noStrike">
+                          <a:effectLst/>
+                        </a:rPr>
+                        <a:t>AC</a:t>
+                      </a:r>
+                      <a:endParaRPr lang="en-US" sz="1100" b="0" i="0" u="none" strike="noStrike">
+                        <a:solidFill>
+                          <a:srgbClr val="000000"/>
+                        </a:solidFill>
+                        <a:effectLst/>
+                        <a:latin typeface="等线" panose="02010600030101010101" pitchFamily="2" charset="-122"/>
+                        <a:ea typeface="等线" panose="02010600030101010101" pitchFamily="2" charset="-122"/>
+                      </a:endParaRPr>
+                    </a:p>
+                  </a:txBody>
+                  <a:tcPr marL="6350" marR="6350" marT="6350" marB="0" anchor="b"/>
+                </a:tc>
+                <a:tc>
+                  <a:txBody>
+                    <a:bodyPr/>
+                    <a:lstStyle/>
+                    <a:p>
+                      <a:pPr algn="l" fontAlgn="b"/>
+                      <a:r>
+                        <a:rPr lang="en-US" sz="1100" u="none" strike="noStrike">
+                          <a:effectLst/>
+                        </a:rPr>
+                        <a:t>Acc Delta</a:t>
+                      </a:r>
+                      <a:endParaRPr lang="en-US" sz="1100" b="0" i="0" u="none" strike="noStrike">
+                        <a:solidFill>
+                          <a:srgbClr val="000000"/>
+                        </a:solidFill>
+                        <a:effectLst/>
+                        <a:latin typeface="等线" panose="02010600030101010101" pitchFamily="2" charset="-122"/>
+                        <a:ea typeface="等线" panose="02010600030101010101" pitchFamily="2" charset="-122"/>
+                      </a:endParaRPr>
+                    </a:p>
+                  </a:txBody>
+                  <a:tcPr marL="6350" marR="6350" marT="6350" marB="0" anchor="b"/>
+                </a:tc>
+                <a:extLst>
+                  <a:ext uri="{0D108BD9-81ED-4DB2-BD59-A6C34878D82A}">
+                    <a16:rowId xmlns:a16="http://schemas.microsoft.com/office/drawing/2014/main" val="2335177210"/>
+                  </a:ext>
+                </a:extLst>
+              </a:tr>
+              <a:tr h="177800">
+                <a:tc>
+                  <a:txBody>
+                    <a:bodyPr/>
+                    <a:lstStyle/>
+                    <a:p>
+                      <a:pPr algn="l" fontAlgn="b"/>
+                      <a:r>
+                        <a:rPr lang="en-US" sz="1100" u="none" strike="noStrike">
+                          <a:effectLst/>
+                        </a:rPr>
+                        <a:t>LassoGA</a:t>
+                      </a:r>
+                      <a:endParaRPr lang="en-US" sz="1100" b="0" i="0" u="none" strike="noStrike">
+                        <a:solidFill>
+                          <a:srgbClr val="000000"/>
+                        </a:solidFill>
+                        <a:effectLst/>
+                        <a:latin typeface="等线" panose="02010600030101010101" pitchFamily="2" charset="-122"/>
+                        <a:ea typeface="等线" panose="02010600030101010101" pitchFamily="2" charset="-122"/>
+                      </a:endParaRPr>
+                    </a:p>
+                  </a:txBody>
+                  <a:tcPr marL="6350" marR="6350" marT="6350" marB="0" anchor="b"/>
+                </a:tc>
+                <a:tc>
+                  <a:txBody>
+                    <a:bodyPr/>
+                    <a:lstStyle/>
+                    <a:p>
+                      <a:pPr algn="r" fontAlgn="b"/>
+                      <a:r>
+                        <a:rPr lang="en-US" altLang="zh-CN" sz="1100" u="none" strike="noStrike">
+                          <a:effectLst/>
+                        </a:rPr>
+                        <a:t>1.829662085</a:t>
+                      </a:r>
+                      <a:endParaRPr lang="en-US" altLang="zh-CN" sz="1100" b="0" i="0" u="none" strike="noStrike">
+                        <a:solidFill>
+                          <a:srgbClr val="000000"/>
+                        </a:solidFill>
+                        <a:effectLst/>
+                        <a:latin typeface="等线" panose="02010600030101010101" pitchFamily="2" charset="-122"/>
+                        <a:ea typeface="等线" panose="02010600030101010101" pitchFamily="2" charset="-122"/>
+                      </a:endParaRPr>
+                    </a:p>
+                  </a:txBody>
+                  <a:tcPr marL="6350" marR="6350" marT="6350" marB="0" anchor="b"/>
+                </a:tc>
+                <a:tc>
+                  <a:txBody>
+                    <a:bodyPr/>
+                    <a:lstStyle/>
+                    <a:p>
+                      <a:pPr algn="r" fontAlgn="b"/>
+                      <a:r>
+                        <a:rPr lang="en-US" altLang="zh-CN" sz="1100" u="none" strike="noStrike">
+                          <a:effectLst/>
+                        </a:rPr>
+                        <a:t>0.384615385</a:t>
+                      </a:r>
+                      <a:endParaRPr lang="en-US" altLang="zh-CN" sz="1100" b="0" i="0" u="none" strike="noStrike">
+                        <a:solidFill>
+                          <a:srgbClr val="000000"/>
+                        </a:solidFill>
+                        <a:effectLst/>
+                        <a:latin typeface="等线" panose="02010600030101010101" pitchFamily="2" charset="-122"/>
+                        <a:ea typeface="等线" panose="02010600030101010101" pitchFamily="2" charset="-122"/>
+                      </a:endParaRPr>
+                    </a:p>
+                  </a:txBody>
+                  <a:tcPr marL="6350" marR="6350" marT="6350" marB="0" anchor="b"/>
+                </a:tc>
+                <a:tc>
+                  <a:txBody>
+                    <a:bodyPr/>
+                    <a:lstStyle/>
+                    <a:p>
+                      <a:pPr algn="l" fontAlgn="b"/>
+                      <a:r>
+                        <a:rPr lang="en-US" sz="1100" u="none" strike="noStrike">
+                          <a:effectLst/>
+                        </a:rPr>
+                        <a:t>10-fold</a:t>
+                      </a:r>
+                      <a:endParaRPr lang="en-US" sz="1100" b="0" i="0" u="none" strike="noStrike">
+                        <a:solidFill>
+                          <a:srgbClr val="000000"/>
+                        </a:solidFill>
+                        <a:effectLst/>
+                        <a:latin typeface="等线" panose="02010600030101010101" pitchFamily="2" charset="-122"/>
+                        <a:ea typeface="等线" panose="02010600030101010101" pitchFamily="2" charset="-122"/>
+                      </a:endParaRPr>
+                    </a:p>
+                  </a:txBody>
+                  <a:tcPr marL="6350" marR="6350" marT="6350" marB="0" anchor="b"/>
+                </a:tc>
+                <a:tc>
+                  <a:txBody>
+                    <a:bodyPr/>
+                    <a:lstStyle/>
+                    <a:p>
+                      <a:pPr algn="l" fontAlgn="b"/>
+                      <a:r>
+                        <a:rPr lang="en-US" sz="1100" u="none" strike="noStrike">
+                          <a:effectLst/>
+                        </a:rPr>
+                        <a:t>1nn</a:t>
+                      </a:r>
+                      <a:endParaRPr lang="en-US" sz="1100" b="0" i="0" u="none" strike="noStrike">
+                        <a:solidFill>
+                          <a:srgbClr val="000000"/>
+                        </a:solidFill>
+                        <a:effectLst/>
+                        <a:latin typeface="等线" panose="02010600030101010101" pitchFamily="2" charset="-122"/>
+                        <a:ea typeface="等线" panose="02010600030101010101" pitchFamily="2" charset="-122"/>
+                      </a:endParaRPr>
+                    </a:p>
+                  </a:txBody>
+                  <a:tcPr marL="6350" marR="6350" marT="6350" marB="0" anchor="b"/>
+                </a:tc>
+                <a:tc>
+                  <a:txBody>
+                    <a:bodyPr/>
+                    <a:lstStyle/>
+                    <a:p>
+                      <a:pPr algn="r" fontAlgn="b"/>
+                      <a:r>
+                        <a:rPr lang="en-US" altLang="zh-CN" sz="1100" u="none" strike="noStrike">
+                          <a:effectLst/>
+                        </a:rPr>
+                        <a:t>0.766666667</a:t>
+                      </a:r>
+                      <a:endParaRPr lang="en-US" altLang="zh-CN" sz="1100" b="0" i="0" u="none" strike="noStrike">
+                        <a:solidFill>
+                          <a:srgbClr val="006100"/>
+                        </a:solidFill>
+                        <a:effectLst/>
+                        <a:latin typeface="等线" panose="02010600030101010101" pitchFamily="2" charset="-122"/>
+                        <a:ea typeface="等线" panose="02010600030101010101" pitchFamily="2" charset="-122"/>
+                      </a:endParaRPr>
+                    </a:p>
+                  </a:txBody>
+                  <a:tcPr marL="6350" marR="6350" marT="6350" marB="0" anchor="b"/>
+                </a:tc>
+                <a:tc>
+                  <a:txBody>
+                    <a:bodyPr/>
+                    <a:lstStyle/>
+                    <a:p>
+                      <a:pPr algn="r" fontAlgn="b"/>
+                      <a:r>
+                        <a:rPr lang="en-US" altLang="zh-CN" sz="1100" u="none" strike="noStrike">
+                          <a:effectLst/>
+                        </a:rPr>
+                        <a:t>0</a:t>
+                      </a:r>
+                      <a:endParaRPr lang="en-US" altLang="zh-CN" sz="1100" b="0" i="0" u="none" strike="noStrike">
+                        <a:solidFill>
+                          <a:srgbClr val="006100"/>
+                        </a:solidFill>
+                        <a:effectLst/>
+                        <a:latin typeface="等线" panose="02010600030101010101" pitchFamily="2" charset="-122"/>
+                        <a:ea typeface="等线" panose="02010600030101010101" pitchFamily="2" charset="-122"/>
+                      </a:endParaRPr>
+                    </a:p>
+                  </a:txBody>
+                  <a:tcPr marL="6350" marR="6350" marT="6350" marB="0" anchor="b"/>
+                </a:tc>
+                <a:extLst>
+                  <a:ext uri="{0D108BD9-81ED-4DB2-BD59-A6C34878D82A}">
+                    <a16:rowId xmlns:a16="http://schemas.microsoft.com/office/drawing/2014/main" val="3800228049"/>
+                  </a:ext>
+                </a:extLst>
+              </a:tr>
+              <a:tr h="177800">
+                <a:tc>
+                  <a:txBody>
+                    <a:bodyPr/>
+                    <a:lstStyle/>
+                    <a:p>
+                      <a:pPr algn="l" fontAlgn="b"/>
+                      <a:endParaRPr lang="zh-CN" altLang="en-US" sz="1100" b="0" i="0" u="none" strike="noStrike">
+                        <a:solidFill>
+                          <a:srgbClr val="000000"/>
+                        </a:solidFill>
+                        <a:effectLst/>
+                        <a:latin typeface="等线" panose="02010600030101010101" pitchFamily="2" charset="-122"/>
+                        <a:ea typeface="等线" panose="02010600030101010101" pitchFamily="2" charset="-122"/>
+                      </a:endParaRPr>
+                    </a:p>
+                  </a:txBody>
+                  <a:tcPr marL="6350" marR="6350" marT="6350" marB="0" anchor="b"/>
+                </a:tc>
+                <a:tc>
+                  <a:txBody>
+                    <a:bodyPr/>
+                    <a:lstStyle/>
+                    <a:p>
+                      <a:pPr algn="r" fontAlgn="b"/>
+                      <a:r>
+                        <a:rPr lang="en-US" altLang="zh-CN" sz="1100" u="none" strike="noStrike">
+                          <a:effectLst/>
+                        </a:rPr>
+                        <a:t>1.870699883</a:t>
+                      </a:r>
+                      <a:endParaRPr lang="en-US" altLang="zh-CN" sz="1100" b="0" i="0" u="none" strike="noStrike">
+                        <a:solidFill>
+                          <a:srgbClr val="000000"/>
+                        </a:solidFill>
+                        <a:effectLst/>
+                        <a:latin typeface="等线" panose="02010600030101010101" pitchFamily="2" charset="-122"/>
+                        <a:ea typeface="等线" panose="02010600030101010101" pitchFamily="2" charset="-122"/>
+                      </a:endParaRPr>
+                    </a:p>
+                  </a:txBody>
+                  <a:tcPr marL="6350" marR="6350" marT="6350" marB="0" anchor="b"/>
+                </a:tc>
+                <a:tc>
+                  <a:txBody>
+                    <a:bodyPr/>
+                    <a:lstStyle/>
+                    <a:p>
+                      <a:pPr algn="r" fontAlgn="b"/>
+                      <a:r>
+                        <a:rPr lang="en-US" altLang="zh-CN" sz="1100" u="none" strike="noStrike">
+                          <a:effectLst/>
+                        </a:rPr>
+                        <a:t>0.384615385</a:t>
+                      </a:r>
+                      <a:endParaRPr lang="en-US" altLang="zh-CN" sz="1100" b="0" i="0" u="none" strike="noStrike">
+                        <a:solidFill>
+                          <a:srgbClr val="000000"/>
+                        </a:solidFill>
+                        <a:effectLst/>
+                        <a:latin typeface="等线" panose="02010600030101010101" pitchFamily="2" charset="-122"/>
+                        <a:ea typeface="等线" panose="02010600030101010101" pitchFamily="2" charset="-122"/>
+                      </a:endParaRPr>
+                    </a:p>
+                  </a:txBody>
+                  <a:tcPr marL="6350" marR="6350" marT="6350" marB="0" anchor="b"/>
+                </a:tc>
+                <a:tc>
+                  <a:txBody>
+                    <a:bodyPr/>
+                    <a:lstStyle/>
+                    <a:p>
+                      <a:pPr algn="l" fontAlgn="b"/>
+                      <a:r>
+                        <a:rPr lang="en-US" sz="1100" u="none" strike="noStrike">
+                          <a:effectLst/>
+                        </a:rPr>
+                        <a:t>10-fold</a:t>
+                      </a:r>
+                      <a:endParaRPr lang="en-US" sz="1100" b="0" i="0" u="none" strike="noStrike">
+                        <a:solidFill>
+                          <a:srgbClr val="000000"/>
+                        </a:solidFill>
+                        <a:effectLst/>
+                        <a:latin typeface="等线" panose="02010600030101010101" pitchFamily="2" charset="-122"/>
+                        <a:ea typeface="等线" panose="02010600030101010101" pitchFamily="2" charset="-122"/>
+                      </a:endParaRPr>
+                    </a:p>
+                  </a:txBody>
+                  <a:tcPr marL="6350" marR="6350" marT="6350" marB="0" anchor="b"/>
+                </a:tc>
+                <a:tc>
+                  <a:txBody>
+                    <a:bodyPr/>
+                    <a:lstStyle/>
+                    <a:p>
+                      <a:pPr algn="l" fontAlgn="b"/>
+                      <a:r>
+                        <a:rPr lang="en-US" sz="1100" u="none" strike="noStrike">
+                          <a:effectLst/>
+                        </a:rPr>
+                        <a:t>5nn</a:t>
+                      </a:r>
+                      <a:endParaRPr lang="en-US" sz="1100" b="0" i="0" u="none" strike="noStrike">
+                        <a:solidFill>
+                          <a:srgbClr val="000000"/>
+                        </a:solidFill>
+                        <a:effectLst/>
+                        <a:latin typeface="等线" panose="02010600030101010101" pitchFamily="2" charset="-122"/>
+                        <a:ea typeface="等线" panose="02010600030101010101" pitchFamily="2" charset="-122"/>
+                      </a:endParaRPr>
+                    </a:p>
+                  </a:txBody>
+                  <a:tcPr marL="6350" marR="6350" marT="6350" marB="0" anchor="b"/>
+                </a:tc>
+                <a:tc>
+                  <a:txBody>
+                    <a:bodyPr/>
+                    <a:lstStyle/>
+                    <a:p>
+                      <a:pPr algn="r" fontAlgn="b"/>
+                      <a:r>
+                        <a:rPr lang="en-US" altLang="zh-CN" sz="1100" u="none" strike="noStrike">
+                          <a:effectLst/>
+                        </a:rPr>
+                        <a:t>0.814814815</a:t>
+                      </a:r>
+                      <a:endParaRPr lang="en-US" altLang="zh-CN" sz="1100" b="0" i="0" u="none" strike="noStrike">
+                        <a:solidFill>
+                          <a:srgbClr val="000000"/>
+                        </a:solidFill>
+                        <a:effectLst/>
+                        <a:latin typeface="等线" panose="02010600030101010101" pitchFamily="2" charset="-122"/>
+                        <a:ea typeface="等线" panose="02010600030101010101" pitchFamily="2" charset="-122"/>
+                      </a:endParaRPr>
+                    </a:p>
+                  </a:txBody>
+                  <a:tcPr marL="6350" marR="6350" marT="6350" marB="0" anchor="b"/>
+                </a:tc>
+                <a:tc>
+                  <a:txBody>
+                    <a:bodyPr/>
+                    <a:lstStyle/>
+                    <a:p>
+                      <a:pPr algn="r" fontAlgn="b"/>
+                      <a:r>
+                        <a:rPr lang="en-US" altLang="zh-CN" sz="1100" u="none" strike="noStrike">
+                          <a:effectLst/>
+                        </a:rPr>
+                        <a:t>3.50877193</a:t>
+                      </a:r>
+                      <a:endParaRPr lang="en-US" altLang="zh-CN" sz="1100" b="0" i="0" u="none" strike="noStrike">
+                        <a:solidFill>
+                          <a:srgbClr val="000000"/>
+                        </a:solidFill>
+                        <a:effectLst/>
+                        <a:latin typeface="等线" panose="02010600030101010101" pitchFamily="2" charset="-122"/>
+                        <a:ea typeface="等线" panose="02010600030101010101" pitchFamily="2" charset="-122"/>
+                      </a:endParaRPr>
+                    </a:p>
+                  </a:txBody>
+                  <a:tcPr marL="6350" marR="6350" marT="6350" marB="0" anchor="b"/>
+                </a:tc>
+                <a:extLst>
+                  <a:ext uri="{0D108BD9-81ED-4DB2-BD59-A6C34878D82A}">
+                    <a16:rowId xmlns:a16="http://schemas.microsoft.com/office/drawing/2014/main" val="2493700923"/>
+                  </a:ext>
+                </a:extLst>
+              </a:tr>
+              <a:tr h="177800">
+                <a:tc>
+                  <a:txBody>
+                    <a:bodyPr/>
+                    <a:lstStyle/>
+                    <a:p>
+                      <a:pPr algn="l" fontAlgn="b"/>
+                      <a:endParaRPr lang="zh-CN" altLang="en-US" sz="1100" b="0" i="0" u="none" strike="noStrike">
+                        <a:solidFill>
+                          <a:srgbClr val="000000"/>
+                        </a:solidFill>
+                        <a:effectLst/>
+                        <a:latin typeface="等线" panose="02010600030101010101" pitchFamily="2" charset="-122"/>
+                        <a:ea typeface="等线" panose="02010600030101010101" pitchFamily="2" charset="-122"/>
+                      </a:endParaRPr>
+                    </a:p>
+                  </a:txBody>
+                  <a:tcPr marL="6350" marR="6350" marT="6350" marB="0" anchor="b"/>
+                </a:tc>
+                <a:tc>
+                  <a:txBody>
+                    <a:bodyPr/>
+                    <a:lstStyle/>
+                    <a:p>
+                      <a:pPr algn="r" fontAlgn="b"/>
+                      <a:r>
+                        <a:rPr lang="en-US" altLang="zh-CN" sz="1100" u="none" strike="noStrike">
+                          <a:effectLst/>
+                        </a:rPr>
+                        <a:t>1.797633648</a:t>
+                      </a:r>
+                      <a:endParaRPr lang="en-US" altLang="zh-CN" sz="1100" b="0" i="0" u="none" strike="noStrike">
+                        <a:solidFill>
+                          <a:srgbClr val="000000"/>
+                        </a:solidFill>
+                        <a:effectLst/>
+                        <a:latin typeface="等线" panose="02010600030101010101" pitchFamily="2" charset="-122"/>
+                        <a:ea typeface="等线" panose="02010600030101010101" pitchFamily="2" charset="-122"/>
+                      </a:endParaRPr>
+                    </a:p>
+                  </a:txBody>
+                  <a:tcPr marL="6350" marR="6350" marT="6350" marB="0" anchor="b"/>
+                </a:tc>
+                <a:tc>
+                  <a:txBody>
+                    <a:bodyPr/>
+                    <a:lstStyle/>
+                    <a:p>
+                      <a:pPr algn="r" fontAlgn="b"/>
+                      <a:r>
+                        <a:rPr lang="en-US" altLang="zh-CN" sz="1100" u="none" strike="noStrike">
+                          <a:effectLst/>
+                        </a:rPr>
+                        <a:t>0.461538462</a:t>
+                      </a:r>
+                      <a:endParaRPr lang="en-US" altLang="zh-CN" sz="1100" b="0" i="0" u="none" strike="noStrike">
+                        <a:solidFill>
+                          <a:srgbClr val="000000"/>
+                        </a:solidFill>
+                        <a:effectLst/>
+                        <a:latin typeface="等线" panose="02010600030101010101" pitchFamily="2" charset="-122"/>
+                        <a:ea typeface="等线" panose="02010600030101010101" pitchFamily="2" charset="-122"/>
+                      </a:endParaRPr>
+                    </a:p>
+                  </a:txBody>
+                  <a:tcPr marL="6350" marR="6350" marT="6350" marB="0" anchor="b"/>
+                </a:tc>
+                <a:tc>
+                  <a:txBody>
+                    <a:bodyPr/>
+                    <a:lstStyle/>
+                    <a:p>
+                      <a:pPr algn="l" fontAlgn="b"/>
+                      <a:r>
+                        <a:rPr lang="en-US" sz="1100" u="none" strike="noStrike">
+                          <a:effectLst/>
+                        </a:rPr>
+                        <a:t>10-fold</a:t>
+                      </a:r>
+                      <a:endParaRPr lang="en-US" sz="1100" b="0" i="0" u="none" strike="noStrike">
+                        <a:solidFill>
+                          <a:srgbClr val="000000"/>
+                        </a:solidFill>
+                        <a:effectLst/>
+                        <a:latin typeface="等线" panose="02010600030101010101" pitchFamily="2" charset="-122"/>
+                        <a:ea typeface="等线" panose="02010600030101010101" pitchFamily="2" charset="-122"/>
+                      </a:endParaRPr>
+                    </a:p>
+                  </a:txBody>
+                  <a:tcPr marL="6350" marR="6350" marT="6350" marB="0" anchor="b"/>
+                </a:tc>
+                <a:tc>
+                  <a:txBody>
+                    <a:bodyPr/>
+                    <a:lstStyle/>
+                    <a:p>
+                      <a:pPr algn="l" fontAlgn="b"/>
+                      <a:r>
+                        <a:rPr lang="en-US" sz="1100" u="none" strike="noStrike" dirty="0">
+                          <a:effectLst/>
+                        </a:rPr>
+                        <a:t>SVM</a:t>
+                      </a:r>
+                      <a:endParaRPr lang="en-US" sz="1100" b="0" i="0" u="none" strike="noStrike" dirty="0">
+                        <a:solidFill>
+                          <a:srgbClr val="000000"/>
+                        </a:solidFill>
+                        <a:effectLst/>
+                        <a:latin typeface="等线" panose="02010600030101010101" pitchFamily="2" charset="-122"/>
+                        <a:ea typeface="等线" panose="02010600030101010101" pitchFamily="2" charset="-122"/>
+                      </a:endParaRPr>
+                    </a:p>
+                  </a:txBody>
+                  <a:tcPr marL="6350" marR="6350" marT="6350" marB="0" anchor="b"/>
+                </a:tc>
+                <a:tc>
+                  <a:txBody>
+                    <a:bodyPr/>
+                    <a:lstStyle/>
+                    <a:p>
+                      <a:pPr algn="r" fontAlgn="b"/>
+                      <a:r>
+                        <a:rPr lang="en-US" altLang="zh-CN" sz="1100" u="none" strike="noStrike" dirty="0">
+                          <a:effectLst/>
+                        </a:rPr>
+                        <a:t>0.848148148</a:t>
+                      </a:r>
+                      <a:endParaRPr lang="en-US" altLang="zh-CN" sz="1100" b="0" i="0" u="none" strike="noStrike" dirty="0">
+                        <a:solidFill>
+                          <a:srgbClr val="006100"/>
+                        </a:solidFill>
+                        <a:effectLst/>
+                        <a:latin typeface="等线" panose="02010600030101010101" pitchFamily="2" charset="-122"/>
+                        <a:ea typeface="等线" panose="02010600030101010101" pitchFamily="2" charset="-122"/>
+                      </a:endParaRPr>
+                    </a:p>
+                  </a:txBody>
+                  <a:tcPr marL="6350" marR="6350" marT="6350" marB="0" anchor="b"/>
+                </a:tc>
+                <a:tc>
+                  <a:txBody>
+                    <a:bodyPr/>
+                    <a:lstStyle/>
+                    <a:p>
+                      <a:pPr algn="r" fontAlgn="b"/>
+                      <a:r>
+                        <a:rPr lang="en-US" altLang="zh-CN" sz="1100" u="none" strike="noStrike">
+                          <a:effectLst/>
+                        </a:rPr>
+                        <a:t>0</a:t>
+                      </a:r>
+                      <a:endParaRPr lang="en-US" altLang="zh-CN" sz="1100" b="0" i="0" u="none" strike="noStrike">
+                        <a:solidFill>
+                          <a:srgbClr val="006100"/>
+                        </a:solidFill>
+                        <a:effectLst/>
+                        <a:latin typeface="等线" panose="02010600030101010101" pitchFamily="2" charset="-122"/>
+                        <a:ea typeface="等线" panose="02010600030101010101" pitchFamily="2" charset="-122"/>
+                      </a:endParaRPr>
+                    </a:p>
+                  </a:txBody>
+                  <a:tcPr marL="6350" marR="6350" marT="6350" marB="0" anchor="b"/>
+                </a:tc>
+                <a:extLst>
+                  <a:ext uri="{0D108BD9-81ED-4DB2-BD59-A6C34878D82A}">
+                    <a16:rowId xmlns:a16="http://schemas.microsoft.com/office/drawing/2014/main" val="2953482682"/>
+                  </a:ext>
+                </a:extLst>
+              </a:tr>
+              <a:tr h="177800">
+                <a:tc>
+                  <a:txBody>
+                    <a:bodyPr/>
+                    <a:lstStyle/>
+                    <a:p>
+                      <a:pPr algn="l" fontAlgn="b"/>
+                      <a:endParaRPr lang="zh-CN" altLang="en-US" sz="1100" b="0" i="0" u="none" strike="noStrike" dirty="0">
+                        <a:solidFill>
+                          <a:srgbClr val="000000"/>
+                        </a:solidFill>
+                        <a:effectLst/>
+                        <a:latin typeface="等线" panose="02010600030101010101" pitchFamily="2" charset="-122"/>
+                        <a:ea typeface="等线" panose="02010600030101010101" pitchFamily="2" charset="-122"/>
+                      </a:endParaRPr>
+                    </a:p>
+                  </a:txBody>
+                  <a:tcPr marL="6350" marR="6350" marT="6350" marB="0" anchor="b"/>
+                </a:tc>
+                <a:tc>
+                  <a:txBody>
+                    <a:bodyPr/>
+                    <a:lstStyle/>
+                    <a:p>
+                      <a:pPr algn="r" fontAlgn="b"/>
+                      <a:r>
+                        <a:rPr lang="en-US" altLang="zh-CN" sz="1100" u="none" strike="noStrike">
+                          <a:effectLst/>
+                        </a:rPr>
+                        <a:t>1.84067297</a:t>
+                      </a:r>
+                      <a:endParaRPr lang="en-US" altLang="zh-CN" sz="1100" b="0" i="0" u="none" strike="noStrike">
+                        <a:solidFill>
+                          <a:srgbClr val="000000"/>
+                        </a:solidFill>
+                        <a:effectLst/>
+                        <a:latin typeface="等线" panose="02010600030101010101" pitchFamily="2" charset="-122"/>
+                        <a:ea typeface="等线" panose="02010600030101010101" pitchFamily="2" charset="-122"/>
+                      </a:endParaRPr>
+                    </a:p>
+                  </a:txBody>
+                  <a:tcPr marL="6350" marR="6350" marT="6350" marB="0" anchor="b"/>
+                </a:tc>
+                <a:tc>
+                  <a:txBody>
+                    <a:bodyPr/>
+                    <a:lstStyle/>
+                    <a:p>
+                      <a:pPr algn="r" fontAlgn="b"/>
+                      <a:r>
+                        <a:rPr lang="en-US" altLang="zh-CN" sz="1100" u="none" strike="noStrike">
+                          <a:effectLst/>
+                        </a:rPr>
+                        <a:t>0.461538462</a:t>
+                      </a:r>
+                      <a:endParaRPr lang="en-US" altLang="zh-CN" sz="1100" b="0" i="0" u="none" strike="noStrike">
+                        <a:solidFill>
+                          <a:srgbClr val="000000"/>
+                        </a:solidFill>
+                        <a:effectLst/>
+                        <a:latin typeface="等线" panose="02010600030101010101" pitchFamily="2" charset="-122"/>
+                        <a:ea typeface="等线" panose="02010600030101010101" pitchFamily="2" charset="-122"/>
+                      </a:endParaRPr>
+                    </a:p>
+                  </a:txBody>
+                  <a:tcPr marL="6350" marR="6350" marT="6350" marB="0" anchor="b"/>
+                </a:tc>
+                <a:tc>
+                  <a:txBody>
+                    <a:bodyPr/>
+                    <a:lstStyle/>
+                    <a:p>
+                      <a:pPr algn="l" fontAlgn="b"/>
+                      <a:r>
+                        <a:rPr lang="en-US" sz="1100" u="none" strike="noStrike">
+                          <a:effectLst/>
+                        </a:rPr>
+                        <a:t>10-fold </a:t>
+                      </a:r>
+                      <a:endParaRPr lang="en-US" sz="1100" b="0" i="0" u="none" strike="noStrike">
+                        <a:solidFill>
+                          <a:srgbClr val="000000"/>
+                        </a:solidFill>
+                        <a:effectLst/>
+                        <a:latin typeface="等线" panose="02010600030101010101" pitchFamily="2" charset="-122"/>
+                        <a:ea typeface="等线" panose="02010600030101010101" pitchFamily="2" charset="-122"/>
+                      </a:endParaRPr>
+                    </a:p>
+                  </a:txBody>
+                  <a:tcPr marL="6350" marR="6350" marT="6350" marB="0" anchor="b"/>
+                </a:tc>
+                <a:tc>
+                  <a:txBody>
+                    <a:bodyPr/>
+                    <a:lstStyle/>
+                    <a:p>
+                      <a:pPr algn="l" fontAlgn="b"/>
+                      <a:r>
+                        <a:rPr lang="en-US" sz="1100" u="none" strike="noStrike">
+                          <a:effectLst/>
+                        </a:rPr>
+                        <a:t>Cart</a:t>
+                      </a:r>
+                      <a:endParaRPr lang="en-US" sz="1100" b="0" i="0" u="none" strike="noStrike">
+                        <a:solidFill>
+                          <a:srgbClr val="000000"/>
+                        </a:solidFill>
+                        <a:effectLst/>
+                        <a:latin typeface="等线" panose="02010600030101010101" pitchFamily="2" charset="-122"/>
+                        <a:ea typeface="等线" panose="02010600030101010101" pitchFamily="2" charset="-122"/>
+                      </a:endParaRPr>
+                    </a:p>
+                  </a:txBody>
+                  <a:tcPr marL="6350" marR="6350" marT="6350" marB="0" anchor="b"/>
+                </a:tc>
+                <a:tc>
+                  <a:txBody>
+                    <a:bodyPr/>
+                    <a:lstStyle/>
+                    <a:p>
+                      <a:pPr algn="r" fontAlgn="b"/>
+                      <a:r>
+                        <a:rPr lang="en-US" altLang="zh-CN" sz="1100" u="none" strike="noStrike">
+                          <a:effectLst/>
+                        </a:rPr>
+                        <a:t>0.759259259</a:t>
+                      </a:r>
+                      <a:endParaRPr lang="en-US" altLang="zh-CN" sz="1100" b="0" i="0" u="none" strike="noStrike">
+                        <a:solidFill>
+                          <a:srgbClr val="000000"/>
+                        </a:solidFill>
+                        <a:effectLst/>
+                        <a:latin typeface="等线" panose="02010600030101010101" pitchFamily="2" charset="-122"/>
+                        <a:ea typeface="等线" panose="02010600030101010101" pitchFamily="2" charset="-122"/>
+                      </a:endParaRPr>
+                    </a:p>
+                  </a:txBody>
+                  <a:tcPr marL="6350" marR="6350" marT="6350" marB="0" anchor="b"/>
+                </a:tc>
+                <a:tc>
+                  <a:txBody>
+                    <a:bodyPr/>
+                    <a:lstStyle/>
+                    <a:p>
+                      <a:pPr algn="r" fontAlgn="b"/>
+                      <a:r>
+                        <a:rPr lang="en-US" altLang="zh-CN" sz="1100" u="none" strike="noStrike" dirty="0">
+                          <a:effectLst/>
+                        </a:rPr>
+                        <a:t>4.651162791</a:t>
+                      </a:r>
+                      <a:endParaRPr lang="en-US" altLang="zh-CN" sz="1100" b="0" i="0" u="none" strike="noStrike" dirty="0">
+                        <a:solidFill>
+                          <a:srgbClr val="000000"/>
+                        </a:solidFill>
+                        <a:effectLst/>
+                        <a:latin typeface="等线" panose="02010600030101010101" pitchFamily="2" charset="-122"/>
+                        <a:ea typeface="等线" panose="02010600030101010101" pitchFamily="2" charset="-122"/>
+                      </a:endParaRPr>
+                    </a:p>
+                  </a:txBody>
+                  <a:tcPr marL="6350" marR="6350" marT="6350" marB="0" anchor="b"/>
+                </a:tc>
+                <a:extLst>
+                  <a:ext uri="{0D108BD9-81ED-4DB2-BD59-A6C34878D82A}">
+                    <a16:rowId xmlns:a16="http://schemas.microsoft.com/office/drawing/2014/main" val="2054979980"/>
+                  </a:ext>
+                </a:extLst>
+              </a:tr>
+            </a:tbl>
+          </a:graphicData>
+        </a:graphic>
+      </p:graphicFrame>
+      <p:graphicFrame>
+        <p:nvGraphicFramePr>
+          <p:cNvPr id="9" name="表格 8">
+            <a:extLst>
+              <a:ext uri="{FF2B5EF4-FFF2-40B4-BE49-F238E27FC236}">
+                <a16:creationId xmlns:a16="http://schemas.microsoft.com/office/drawing/2014/main" id="{C575A76B-6953-4B3F-9CD2-3C50E05DFE23}"/>
+              </a:ext>
+            </a:extLst>
+          </p:cNvPr>
+          <p:cNvGraphicFramePr>
+            <a:graphicFrameLocks noGrp="1"/>
+          </p:cNvGraphicFramePr>
+          <p:nvPr>
+            <p:extLst>
+              <p:ext uri="{D42A27DB-BD31-4B8C-83A1-F6EECF244321}">
+                <p14:modId xmlns:p14="http://schemas.microsoft.com/office/powerpoint/2010/main" val="2851917834"/>
+              </p:ext>
+            </p:extLst>
+          </p:nvPr>
+        </p:nvGraphicFramePr>
+        <p:xfrm>
+          <a:off x="2635251" y="3431739"/>
+          <a:ext cx="9302749" cy="889000"/>
+        </p:xfrm>
+        <a:graphic>
+          <a:graphicData uri="http://schemas.openxmlformats.org/drawingml/2006/table">
+            <a:tbl>
+              <a:tblPr>
+                <a:tableStyleId>{5C22544A-7EE6-4342-B048-85BDC9FD1C3A}</a:tableStyleId>
+              </a:tblPr>
+              <a:tblGrid>
+                <a:gridCol w="1109802">
+                  <a:extLst>
+                    <a:ext uri="{9D8B030D-6E8A-4147-A177-3AD203B41FA5}">
+                      <a16:colId xmlns:a16="http://schemas.microsoft.com/office/drawing/2014/main" val="2067443127"/>
+                    </a:ext>
+                  </a:extLst>
+                </a:gridCol>
+                <a:gridCol w="1531799">
+                  <a:extLst>
+                    <a:ext uri="{9D8B030D-6E8A-4147-A177-3AD203B41FA5}">
+                      <a16:colId xmlns:a16="http://schemas.microsoft.com/office/drawing/2014/main" val="3285528683"/>
+                    </a:ext>
+                  </a:extLst>
+                </a:gridCol>
+                <a:gridCol w="1568450">
+                  <a:extLst>
+                    <a:ext uri="{9D8B030D-6E8A-4147-A177-3AD203B41FA5}">
+                      <a16:colId xmlns:a16="http://schemas.microsoft.com/office/drawing/2014/main" val="1345892823"/>
+                    </a:ext>
+                  </a:extLst>
+                </a:gridCol>
+                <a:gridCol w="1371600">
+                  <a:extLst>
+                    <a:ext uri="{9D8B030D-6E8A-4147-A177-3AD203B41FA5}">
+                      <a16:colId xmlns:a16="http://schemas.microsoft.com/office/drawing/2014/main" val="765491109"/>
+                    </a:ext>
+                  </a:extLst>
+                </a:gridCol>
+                <a:gridCol w="1117600">
+                  <a:extLst>
+                    <a:ext uri="{9D8B030D-6E8A-4147-A177-3AD203B41FA5}">
+                      <a16:colId xmlns:a16="http://schemas.microsoft.com/office/drawing/2014/main" val="1435245678"/>
+                    </a:ext>
+                  </a:extLst>
+                </a:gridCol>
+                <a:gridCol w="1444735">
+                  <a:extLst>
+                    <a:ext uri="{9D8B030D-6E8A-4147-A177-3AD203B41FA5}">
+                      <a16:colId xmlns:a16="http://schemas.microsoft.com/office/drawing/2014/main" val="1761515380"/>
+                    </a:ext>
+                  </a:extLst>
+                </a:gridCol>
+                <a:gridCol w="1158763">
+                  <a:extLst>
+                    <a:ext uri="{9D8B030D-6E8A-4147-A177-3AD203B41FA5}">
+                      <a16:colId xmlns:a16="http://schemas.microsoft.com/office/drawing/2014/main" val="803746347"/>
+                    </a:ext>
+                  </a:extLst>
+                </a:gridCol>
+              </a:tblGrid>
+              <a:tr h="177800">
+                <a:tc>
+                  <a:txBody>
+                    <a:bodyPr/>
+                    <a:lstStyle/>
+                    <a:p>
+                      <a:pPr algn="l" fontAlgn="b"/>
+                      <a:r>
+                        <a:rPr lang="en-US" sz="1100" u="none" strike="noStrike">
+                          <a:effectLst/>
+                        </a:rPr>
+                        <a:t>Algorithm</a:t>
+                      </a:r>
+                      <a:endParaRPr lang="en-US" sz="1100" b="0" i="0" u="none" strike="noStrike">
+                        <a:solidFill>
+                          <a:srgbClr val="000000"/>
+                        </a:solidFill>
+                        <a:effectLst/>
+                        <a:latin typeface="等线" panose="02010600030101010101" pitchFamily="2" charset="-122"/>
+                        <a:ea typeface="等线" panose="02010600030101010101" pitchFamily="2" charset="-122"/>
+                      </a:endParaRPr>
+                    </a:p>
+                  </a:txBody>
+                  <a:tcPr marL="6350" marR="6350" marT="6350" marB="0" anchor="b"/>
+                </a:tc>
+                <a:tc>
+                  <a:txBody>
+                    <a:bodyPr/>
+                    <a:lstStyle/>
+                    <a:p>
+                      <a:pPr algn="l" fontAlgn="b"/>
+                      <a:r>
+                        <a:rPr lang="en-US" sz="1100" u="none" strike="noStrike">
+                          <a:effectLst/>
+                        </a:rPr>
+                        <a:t>Time</a:t>
+                      </a:r>
+                      <a:endParaRPr lang="en-US" sz="1100" b="0" i="0" u="none" strike="noStrike">
+                        <a:solidFill>
+                          <a:srgbClr val="000000"/>
+                        </a:solidFill>
+                        <a:effectLst/>
+                        <a:latin typeface="等线" panose="02010600030101010101" pitchFamily="2" charset="-122"/>
+                        <a:ea typeface="等线" panose="02010600030101010101" pitchFamily="2" charset="-122"/>
+                      </a:endParaRPr>
+                    </a:p>
+                  </a:txBody>
+                  <a:tcPr marL="6350" marR="6350" marT="6350" marB="0" anchor="b"/>
+                </a:tc>
+                <a:tc>
+                  <a:txBody>
+                    <a:bodyPr/>
+                    <a:lstStyle/>
+                    <a:p>
+                      <a:pPr algn="l" fontAlgn="b"/>
+                      <a:r>
+                        <a:rPr lang="en-US" sz="1100" u="none" strike="noStrike">
+                          <a:effectLst/>
+                        </a:rPr>
+                        <a:t>DR</a:t>
+                      </a:r>
+                      <a:endParaRPr lang="en-US" sz="1100" b="0" i="0" u="none" strike="noStrike">
+                        <a:solidFill>
+                          <a:srgbClr val="000000"/>
+                        </a:solidFill>
+                        <a:effectLst/>
+                        <a:latin typeface="等线" panose="02010600030101010101" pitchFamily="2" charset="-122"/>
+                        <a:ea typeface="等线" panose="02010600030101010101" pitchFamily="2" charset="-122"/>
+                      </a:endParaRPr>
+                    </a:p>
+                  </a:txBody>
+                  <a:tcPr marL="6350" marR="6350" marT="6350" marB="0" anchor="b"/>
+                </a:tc>
+                <a:tc>
+                  <a:txBody>
+                    <a:bodyPr/>
+                    <a:lstStyle/>
+                    <a:p>
+                      <a:pPr algn="l" fontAlgn="b"/>
+                      <a:r>
+                        <a:rPr lang="en-US" sz="1100" u="none" strike="noStrike">
+                          <a:effectLst/>
+                        </a:rPr>
+                        <a:t>Validation</a:t>
+                      </a:r>
+                      <a:endParaRPr lang="en-US" sz="1100" b="0" i="0" u="none" strike="noStrike">
+                        <a:solidFill>
+                          <a:srgbClr val="000000"/>
+                        </a:solidFill>
+                        <a:effectLst/>
+                        <a:latin typeface="等线" panose="02010600030101010101" pitchFamily="2" charset="-122"/>
+                        <a:ea typeface="等线" panose="02010600030101010101" pitchFamily="2" charset="-122"/>
+                      </a:endParaRPr>
+                    </a:p>
+                  </a:txBody>
+                  <a:tcPr marL="6350" marR="6350" marT="6350" marB="0" anchor="b"/>
+                </a:tc>
+                <a:tc>
+                  <a:txBody>
+                    <a:bodyPr/>
+                    <a:lstStyle/>
+                    <a:p>
+                      <a:pPr algn="l" fontAlgn="b"/>
+                      <a:r>
+                        <a:rPr lang="en-US" sz="1100" u="none" strike="noStrike">
+                          <a:effectLst/>
+                        </a:rPr>
+                        <a:t>Classifier</a:t>
+                      </a:r>
+                      <a:endParaRPr lang="en-US" sz="1100" b="0" i="0" u="none" strike="noStrike">
+                        <a:solidFill>
+                          <a:srgbClr val="000000"/>
+                        </a:solidFill>
+                        <a:effectLst/>
+                        <a:latin typeface="等线" panose="02010600030101010101" pitchFamily="2" charset="-122"/>
+                        <a:ea typeface="等线" panose="02010600030101010101" pitchFamily="2" charset="-122"/>
+                      </a:endParaRPr>
+                    </a:p>
+                  </a:txBody>
+                  <a:tcPr marL="6350" marR="6350" marT="6350" marB="0" anchor="b"/>
+                </a:tc>
+                <a:tc>
+                  <a:txBody>
+                    <a:bodyPr/>
+                    <a:lstStyle/>
+                    <a:p>
+                      <a:pPr algn="l" fontAlgn="b"/>
+                      <a:r>
+                        <a:rPr lang="en-US" sz="1100" u="none" strike="noStrike">
+                          <a:effectLst/>
+                        </a:rPr>
+                        <a:t>AC</a:t>
+                      </a:r>
+                      <a:endParaRPr lang="en-US" sz="1100" b="0" i="0" u="none" strike="noStrike">
+                        <a:solidFill>
+                          <a:srgbClr val="000000"/>
+                        </a:solidFill>
+                        <a:effectLst/>
+                        <a:latin typeface="等线" panose="02010600030101010101" pitchFamily="2" charset="-122"/>
+                        <a:ea typeface="等线" panose="02010600030101010101" pitchFamily="2" charset="-122"/>
+                      </a:endParaRPr>
+                    </a:p>
+                  </a:txBody>
+                  <a:tcPr marL="6350" marR="6350" marT="6350" marB="0" anchor="b"/>
+                </a:tc>
+                <a:tc>
+                  <a:txBody>
+                    <a:bodyPr/>
+                    <a:lstStyle/>
+                    <a:p>
+                      <a:pPr algn="l" fontAlgn="b"/>
+                      <a:r>
+                        <a:rPr lang="en-US" sz="1100" u="none" strike="noStrike">
+                          <a:effectLst/>
+                        </a:rPr>
+                        <a:t>Acc Delta</a:t>
+                      </a:r>
+                      <a:endParaRPr lang="en-US" sz="1100" b="0" i="0" u="none" strike="noStrike">
+                        <a:solidFill>
+                          <a:srgbClr val="000000"/>
+                        </a:solidFill>
+                        <a:effectLst/>
+                        <a:latin typeface="等线" panose="02010600030101010101" pitchFamily="2" charset="-122"/>
+                        <a:ea typeface="等线" panose="02010600030101010101" pitchFamily="2" charset="-122"/>
+                      </a:endParaRPr>
+                    </a:p>
+                  </a:txBody>
+                  <a:tcPr marL="6350" marR="6350" marT="6350" marB="0" anchor="b"/>
+                </a:tc>
+                <a:extLst>
+                  <a:ext uri="{0D108BD9-81ED-4DB2-BD59-A6C34878D82A}">
+                    <a16:rowId xmlns:a16="http://schemas.microsoft.com/office/drawing/2014/main" val="2879416757"/>
+                  </a:ext>
+                </a:extLst>
+              </a:tr>
+              <a:tr h="177800">
+                <a:tc>
+                  <a:txBody>
+                    <a:bodyPr/>
+                    <a:lstStyle/>
+                    <a:p>
+                      <a:pPr algn="l" fontAlgn="b"/>
+                      <a:r>
+                        <a:rPr lang="en-US" sz="1100" u="none" strike="noStrike">
+                          <a:effectLst/>
+                        </a:rPr>
+                        <a:t>LassoGA</a:t>
+                      </a:r>
+                      <a:endParaRPr lang="en-US" sz="1100" b="0" i="0" u="none" strike="noStrike">
+                        <a:solidFill>
+                          <a:srgbClr val="000000"/>
+                        </a:solidFill>
+                        <a:effectLst/>
+                        <a:latin typeface="等线" panose="02010600030101010101" pitchFamily="2" charset="-122"/>
+                        <a:ea typeface="等线" panose="02010600030101010101" pitchFamily="2" charset="-122"/>
+                      </a:endParaRPr>
+                    </a:p>
+                  </a:txBody>
+                  <a:tcPr marL="6350" marR="6350" marT="6350" marB="0" anchor="b"/>
+                </a:tc>
+                <a:tc>
+                  <a:txBody>
+                    <a:bodyPr/>
+                    <a:lstStyle/>
+                    <a:p>
+                      <a:pPr algn="r" fontAlgn="b"/>
+                      <a:r>
+                        <a:rPr lang="en-US" altLang="zh-CN" sz="1100" u="none" strike="noStrike">
+                          <a:effectLst/>
+                        </a:rPr>
+                        <a:t>52.68987441</a:t>
+                      </a:r>
+                      <a:endParaRPr lang="en-US" altLang="zh-CN" sz="1100" b="0" i="0" u="none" strike="noStrike">
+                        <a:solidFill>
+                          <a:srgbClr val="000000"/>
+                        </a:solidFill>
+                        <a:effectLst/>
+                        <a:latin typeface="等线" panose="02010600030101010101" pitchFamily="2" charset="-122"/>
+                        <a:ea typeface="等线" panose="02010600030101010101" pitchFamily="2" charset="-122"/>
+                      </a:endParaRPr>
+                    </a:p>
+                  </a:txBody>
+                  <a:tcPr marL="6350" marR="6350" marT="6350" marB="0" anchor="b"/>
+                </a:tc>
+                <a:tc>
+                  <a:txBody>
+                    <a:bodyPr/>
+                    <a:lstStyle/>
+                    <a:p>
+                      <a:pPr algn="r" fontAlgn="b"/>
+                      <a:r>
+                        <a:rPr lang="en-US" altLang="zh-CN" sz="1100" u="none" strike="noStrike" dirty="0">
+                          <a:effectLst/>
+                        </a:rPr>
+                        <a:t>0.906451613</a:t>
+                      </a:r>
+                      <a:endParaRPr lang="en-US" altLang="zh-CN" sz="1100" b="0" i="0" u="none" strike="noStrike" dirty="0">
+                        <a:solidFill>
+                          <a:srgbClr val="006100"/>
+                        </a:solidFill>
+                        <a:effectLst/>
+                        <a:latin typeface="等线" panose="02010600030101010101" pitchFamily="2" charset="-122"/>
+                        <a:ea typeface="等线" panose="02010600030101010101" pitchFamily="2" charset="-122"/>
+                      </a:endParaRPr>
+                    </a:p>
+                  </a:txBody>
+                  <a:tcPr marL="6350" marR="6350" marT="6350" marB="0" anchor="b"/>
+                </a:tc>
+                <a:tc>
+                  <a:txBody>
+                    <a:bodyPr/>
+                    <a:lstStyle/>
+                    <a:p>
+                      <a:pPr algn="l" fontAlgn="b"/>
+                      <a:r>
+                        <a:rPr lang="en-US" altLang="zh-CN" sz="1100" u="none" strike="noStrike">
+                          <a:effectLst/>
+                        </a:rPr>
+                        <a:t>70%-30%</a:t>
+                      </a:r>
+                      <a:endParaRPr lang="en-US" altLang="zh-CN" sz="1100" b="0" i="0" u="none" strike="noStrike">
+                        <a:solidFill>
+                          <a:srgbClr val="000000"/>
+                        </a:solidFill>
+                        <a:effectLst/>
+                        <a:latin typeface="等线" panose="02010600030101010101" pitchFamily="2" charset="-122"/>
+                        <a:ea typeface="等线" panose="02010600030101010101" pitchFamily="2" charset="-122"/>
+                      </a:endParaRPr>
+                    </a:p>
+                  </a:txBody>
+                  <a:tcPr marL="6350" marR="6350" marT="6350" marB="0" anchor="b"/>
+                </a:tc>
+                <a:tc>
+                  <a:txBody>
+                    <a:bodyPr/>
+                    <a:lstStyle/>
+                    <a:p>
+                      <a:pPr algn="l" fontAlgn="b"/>
+                      <a:r>
+                        <a:rPr lang="en-US" sz="1100" u="none" strike="noStrike">
+                          <a:effectLst/>
+                        </a:rPr>
+                        <a:t>1nn</a:t>
+                      </a:r>
+                      <a:endParaRPr lang="en-US" sz="1100" b="0" i="0" u="none" strike="noStrike">
+                        <a:solidFill>
+                          <a:srgbClr val="000000"/>
+                        </a:solidFill>
+                        <a:effectLst/>
+                        <a:latin typeface="等线" panose="02010600030101010101" pitchFamily="2" charset="-122"/>
+                        <a:ea typeface="等线" panose="02010600030101010101" pitchFamily="2" charset="-122"/>
+                      </a:endParaRPr>
+                    </a:p>
+                  </a:txBody>
+                  <a:tcPr marL="6350" marR="6350" marT="6350" marB="0" anchor="b"/>
+                </a:tc>
+                <a:tc>
+                  <a:txBody>
+                    <a:bodyPr/>
+                    <a:lstStyle/>
+                    <a:p>
+                      <a:pPr algn="r" fontAlgn="b"/>
+                      <a:r>
+                        <a:rPr lang="en-US" altLang="zh-CN" sz="1100" u="none" strike="noStrike">
+                          <a:effectLst/>
+                        </a:rPr>
+                        <a:t>0.921052632</a:t>
+                      </a:r>
+                      <a:endParaRPr lang="en-US" altLang="zh-CN" sz="1100" b="0" i="0" u="none" strike="noStrike">
+                        <a:solidFill>
+                          <a:srgbClr val="000000"/>
+                        </a:solidFill>
+                        <a:effectLst/>
+                        <a:latin typeface="等线" panose="02010600030101010101" pitchFamily="2" charset="-122"/>
+                        <a:ea typeface="等线" panose="02010600030101010101" pitchFamily="2" charset="-122"/>
+                      </a:endParaRPr>
+                    </a:p>
+                  </a:txBody>
+                  <a:tcPr marL="6350" marR="6350" marT="6350" marB="0" anchor="b"/>
+                </a:tc>
+                <a:tc>
+                  <a:txBody>
+                    <a:bodyPr/>
+                    <a:lstStyle/>
+                    <a:p>
+                      <a:pPr algn="r" fontAlgn="b"/>
+                      <a:r>
+                        <a:rPr lang="en-US" altLang="zh-CN" sz="1100" u="none" strike="noStrike">
+                          <a:effectLst/>
+                        </a:rPr>
+                        <a:t>2.777777778</a:t>
+                      </a:r>
+                      <a:endParaRPr lang="en-US" altLang="zh-CN" sz="1100" b="0" i="0" u="none" strike="noStrike">
+                        <a:solidFill>
+                          <a:srgbClr val="000000"/>
+                        </a:solidFill>
+                        <a:effectLst/>
+                        <a:latin typeface="等线" panose="02010600030101010101" pitchFamily="2" charset="-122"/>
+                        <a:ea typeface="等线" panose="02010600030101010101" pitchFamily="2" charset="-122"/>
+                      </a:endParaRPr>
+                    </a:p>
+                  </a:txBody>
+                  <a:tcPr marL="6350" marR="6350" marT="6350" marB="0" anchor="b"/>
+                </a:tc>
+                <a:extLst>
+                  <a:ext uri="{0D108BD9-81ED-4DB2-BD59-A6C34878D82A}">
+                    <a16:rowId xmlns:a16="http://schemas.microsoft.com/office/drawing/2014/main" val="2680960060"/>
+                  </a:ext>
+                </a:extLst>
+              </a:tr>
+              <a:tr h="177800">
+                <a:tc>
+                  <a:txBody>
+                    <a:bodyPr/>
+                    <a:lstStyle/>
+                    <a:p>
+                      <a:pPr algn="l" fontAlgn="b"/>
+                      <a:endParaRPr lang="zh-CN" altLang="en-US" sz="1100" b="0" i="0" u="none" strike="noStrike">
+                        <a:solidFill>
+                          <a:srgbClr val="000000"/>
+                        </a:solidFill>
+                        <a:effectLst/>
+                        <a:latin typeface="等线" panose="02010600030101010101" pitchFamily="2" charset="-122"/>
+                        <a:ea typeface="等线" panose="02010600030101010101" pitchFamily="2" charset="-122"/>
+                      </a:endParaRPr>
+                    </a:p>
+                  </a:txBody>
+                  <a:tcPr marL="6350" marR="6350" marT="6350" marB="0" anchor="b"/>
+                </a:tc>
+                <a:tc>
+                  <a:txBody>
+                    <a:bodyPr/>
+                    <a:lstStyle/>
+                    <a:p>
+                      <a:pPr algn="r" fontAlgn="b"/>
+                      <a:r>
+                        <a:rPr lang="en-US" altLang="zh-CN" sz="1100" u="none" strike="noStrike">
+                          <a:effectLst/>
+                        </a:rPr>
+                        <a:t>75.70278382</a:t>
+                      </a:r>
+                      <a:endParaRPr lang="en-US" altLang="zh-CN" sz="1100" b="0" i="0" u="none" strike="noStrike">
+                        <a:solidFill>
+                          <a:srgbClr val="000000"/>
+                        </a:solidFill>
+                        <a:effectLst/>
+                        <a:latin typeface="等线" panose="02010600030101010101" pitchFamily="2" charset="-122"/>
+                        <a:ea typeface="等线" panose="02010600030101010101" pitchFamily="2" charset="-122"/>
+                      </a:endParaRPr>
+                    </a:p>
+                  </a:txBody>
+                  <a:tcPr marL="6350" marR="6350" marT="6350" marB="0" anchor="b"/>
+                </a:tc>
+                <a:tc>
+                  <a:txBody>
+                    <a:bodyPr/>
+                    <a:lstStyle/>
+                    <a:p>
+                      <a:pPr algn="r" fontAlgn="b"/>
+                      <a:r>
+                        <a:rPr lang="en-US" altLang="zh-CN" sz="1100" u="none" strike="noStrike">
+                          <a:effectLst/>
+                        </a:rPr>
+                        <a:t>0.896774194</a:t>
+                      </a:r>
+                      <a:endParaRPr lang="en-US" altLang="zh-CN" sz="1100" b="0" i="0" u="none" strike="noStrike">
+                        <a:solidFill>
+                          <a:srgbClr val="006100"/>
+                        </a:solidFill>
+                        <a:effectLst/>
+                        <a:latin typeface="等线" panose="02010600030101010101" pitchFamily="2" charset="-122"/>
+                        <a:ea typeface="等线" panose="02010600030101010101" pitchFamily="2" charset="-122"/>
+                      </a:endParaRPr>
+                    </a:p>
+                  </a:txBody>
+                  <a:tcPr marL="6350" marR="6350" marT="6350" marB="0" anchor="b"/>
+                </a:tc>
+                <a:tc>
+                  <a:txBody>
+                    <a:bodyPr/>
+                    <a:lstStyle/>
+                    <a:p>
+                      <a:pPr algn="l" fontAlgn="b"/>
+                      <a:r>
+                        <a:rPr lang="en-US" altLang="zh-CN" sz="1100" u="none" strike="noStrike">
+                          <a:effectLst/>
+                        </a:rPr>
+                        <a:t>70%-30%</a:t>
+                      </a:r>
+                      <a:endParaRPr lang="en-US" altLang="zh-CN" sz="1100" b="0" i="0" u="none" strike="noStrike">
+                        <a:solidFill>
+                          <a:srgbClr val="000000"/>
+                        </a:solidFill>
+                        <a:effectLst/>
+                        <a:latin typeface="等线" panose="02010600030101010101" pitchFamily="2" charset="-122"/>
+                        <a:ea typeface="等线" panose="02010600030101010101" pitchFamily="2" charset="-122"/>
+                      </a:endParaRPr>
+                    </a:p>
+                  </a:txBody>
+                  <a:tcPr marL="6350" marR="6350" marT="6350" marB="0" anchor="b"/>
+                </a:tc>
+                <a:tc>
+                  <a:txBody>
+                    <a:bodyPr/>
+                    <a:lstStyle/>
+                    <a:p>
+                      <a:pPr algn="l" fontAlgn="b"/>
+                      <a:r>
+                        <a:rPr lang="en-US" sz="1100" u="none" strike="noStrike">
+                          <a:effectLst/>
+                        </a:rPr>
+                        <a:t>5nn</a:t>
+                      </a:r>
+                      <a:endParaRPr lang="en-US" sz="1100" b="0" i="0" u="none" strike="noStrike">
+                        <a:solidFill>
+                          <a:srgbClr val="000000"/>
+                        </a:solidFill>
+                        <a:effectLst/>
+                        <a:latin typeface="等线" panose="02010600030101010101" pitchFamily="2" charset="-122"/>
+                        <a:ea typeface="等线" panose="02010600030101010101" pitchFamily="2" charset="-122"/>
+                      </a:endParaRPr>
+                    </a:p>
+                  </a:txBody>
+                  <a:tcPr marL="6350" marR="6350" marT="6350" marB="0" anchor="b"/>
+                </a:tc>
+                <a:tc>
+                  <a:txBody>
+                    <a:bodyPr/>
+                    <a:lstStyle/>
+                    <a:p>
+                      <a:pPr algn="r" fontAlgn="b"/>
+                      <a:r>
+                        <a:rPr lang="en-US" altLang="zh-CN" sz="1100" u="none" strike="noStrike">
+                          <a:effectLst/>
+                        </a:rPr>
+                        <a:t>0.973684211</a:t>
+                      </a:r>
+                      <a:endParaRPr lang="en-US" altLang="zh-CN" sz="1100" b="0" i="0" u="none" strike="noStrike">
+                        <a:solidFill>
+                          <a:srgbClr val="006100"/>
+                        </a:solidFill>
+                        <a:effectLst/>
+                        <a:latin typeface="等线" panose="02010600030101010101" pitchFamily="2" charset="-122"/>
+                        <a:ea typeface="等线" panose="02010600030101010101" pitchFamily="2" charset="-122"/>
+                      </a:endParaRPr>
+                    </a:p>
+                  </a:txBody>
+                  <a:tcPr marL="6350" marR="6350" marT="6350" marB="0" anchor="b"/>
+                </a:tc>
+                <a:tc>
+                  <a:txBody>
+                    <a:bodyPr/>
+                    <a:lstStyle/>
+                    <a:p>
+                      <a:pPr algn="r" fontAlgn="b"/>
+                      <a:r>
+                        <a:rPr lang="en-US" altLang="zh-CN" sz="1100" u="none" strike="noStrike">
+                          <a:effectLst/>
+                        </a:rPr>
+                        <a:t>0</a:t>
+                      </a:r>
+                      <a:endParaRPr lang="en-US" altLang="zh-CN" sz="1100" b="0" i="0" u="none" strike="noStrike">
+                        <a:solidFill>
+                          <a:srgbClr val="006100"/>
+                        </a:solidFill>
+                        <a:effectLst/>
+                        <a:latin typeface="等线" panose="02010600030101010101" pitchFamily="2" charset="-122"/>
+                        <a:ea typeface="等线" panose="02010600030101010101" pitchFamily="2" charset="-122"/>
+                      </a:endParaRPr>
+                    </a:p>
+                  </a:txBody>
+                  <a:tcPr marL="6350" marR="6350" marT="6350" marB="0" anchor="b"/>
+                </a:tc>
+                <a:extLst>
+                  <a:ext uri="{0D108BD9-81ED-4DB2-BD59-A6C34878D82A}">
+                    <a16:rowId xmlns:a16="http://schemas.microsoft.com/office/drawing/2014/main" val="2835920564"/>
+                  </a:ext>
+                </a:extLst>
+              </a:tr>
+              <a:tr h="177800">
+                <a:tc>
+                  <a:txBody>
+                    <a:bodyPr/>
+                    <a:lstStyle/>
+                    <a:p>
+                      <a:pPr algn="l" fontAlgn="b"/>
+                      <a:endParaRPr lang="zh-CN" altLang="en-US" sz="1100" b="0" i="0" u="none" strike="noStrike">
+                        <a:solidFill>
+                          <a:srgbClr val="000000"/>
+                        </a:solidFill>
+                        <a:effectLst/>
+                        <a:latin typeface="等线" panose="02010600030101010101" pitchFamily="2" charset="-122"/>
+                        <a:ea typeface="等线" panose="02010600030101010101" pitchFamily="2" charset="-122"/>
+                      </a:endParaRPr>
+                    </a:p>
+                  </a:txBody>
+                  <a:tcPr marL="6350" marR="6350" marT="6350" marB="0" anchor="b"/>
+                </a:tc>
+                <a:tc>
+                  <a:txBody>
+                    <a:bodyPr/>
+                    <a:lstStyle/>
+                    <a:p>
+                      <a:pPr algn="r" fontAlgn="b"/>
+                      <a:r>
+                        <a:rPr lang="en-US" altLang="zh-CN" sz="1100" u="none" strike="noStrike">
+                          <a:effectLst/>
+                        </a:rPr>
+                        <a:t>51.00234127</a:t>
+                      </a:r>
+                      <a:endParaRPr lang="en-US" altLang="zh-CN" sz="1100" b="0" i="0" u="none" strike="noStrike">
+                        <a:solidFill>
+                          <a:srgbClr val="000000"/>
+                        </a:solidFill>
+                        <a:effectLst/>
+                        <a:latin typeface="等线" panose="02010600030101010101" pitchFamily="2" charset="-122"/>
+                        <a:ea typeface="等线" panose="02010600030101010101" pitchFamily="2" charset="-122"/>
+                      </a:endParaRPr>
+                    </a:p>
+                  </a:txBody>
+                  <a:tcPr marL="6350" marR="6350" marT="6350" marB="0" anchor="b"/>
+                </a:tc>
+                <a:tc>
+                  <a:txBody>
+                    <a:bodyPr/>
+                    <a:lstStyle/>
+                    <a:p>
+                      <a:pPr algn="r" fontAlgn="b"/>
+                      <a:r>
+                        <a:rPr lang="en-US" altLang="zh-CN" sz="1100" u="none" strike="noStrike">
+                          <a:effectLst/>
+                        </a:rPr>
+                        <a:t>0.912903226</a:t>
+                      </a:r>
+                      <a:endParaRPr lang="en-US" altLang="zh-CN" sz="1100" b="0" i="0" u="none" strike="noStrike">
+                        <a:solidFill>
+                          <a:srgbClr val="006100"/>
+                        </a:solidFill>
+                        <a:effectLst/>
+                        <a:latin typeface="等线" panose="02010600030101010101" pitchFamily="2" charset="-122"/>
+                        <a:ea typeface="等线" panose="02010600030101010101" pitchFamily="2" charset="-122"/>
+                      </a:endParaRPr>
+                    </a:p>
+                  </a:txBody>
+                  <a:tcPr marL="6350" marR="6350" marT="6350" marB="0" anchor="b"/>
+                </a:tc>
+                <a:tc>
+                  <a:txBody>
+                    <a:bodyPr/>
+                    <a:lstStyle/>
+                    <a:p>
+                      <a:pPr algn="l" fontAlgn="b"/>
+                      <a:r>
+                        <a:rPr lang="en-US" altLang="zh-CN" sz="1100" u="none" strike="noStrike">
+                          <a:effectLst/>
+                        </a:rPr>
+                        <a:t>70%-30%</a:t>
+                      </a:r>
+                      <a:endParaRPr lang="en-US" altLang="zh-CN" sz="1100" b="0" i="0" u="none" strike="noStrike">
+                        <a:solidFill>
+                          <a:srgbClr val="000000"/>
+                        </a:solidFill>
+                        <a:effectLst/>
+                        <a:latin typeface="等线" panose="02010600030101010101" pitchFamily="2" charset="-122"/>
+                        <a:ea typeface="等线" panose="02010600030101010101" pitchFamily="2" charset="-122"/>
+                      </a:endParaRPr>
+                    </a:p>
+                  </a:txBody>
+                  <a:tcPr marL="6350" marR="6350" marT="6350" marB="0" anchor="b"/>
+                </a:tc>
+                <a:tc>
+                  <a:txBody>
+                    <a:bodyPr/>
+                    <a:lstStyle/>
+                    <a:p>
+                      <a:pPr algn="l" fontAlgn="b"/>
+                      <a:r>
+                        <a:rPr lang="en-US" sz="1100" u="none" strike="noStrike">
+                          <a:effectLst/>
+                        </a:rPr>
+                        <a:t>SVM</a:t>
+                      </a:r>
+                      <a:endParaRPr lang="en-US" sz="1100" b="0" i="0" u="none" strike="noStrike">
+                        <a:solidFill>
+                          <a:srgbClr val="000000"/>
+                        </a:solidFill>
+                        <a:effectLst/>
+                        <a:latin typeface="等线" panose="02010600030101010101" pitchFamily="2" charset="-122"/>
+                        <a:ea typeface="等线" panose="02010600030101010101" pitchFamily="2" charset="-122"/>
+                      </a:endParaRPr>
+                    </a:p>
+                  </a:txBody>
+                  <a:tcPr marL="6350" marR="6350" marT="6350" marB="0" anchor="b"/>
+                </a:tc>
+                <a:tc>
+                  <a:txBody>
+                    <a:bodyPr/>
+                    <a:lstStyle/>
+                    <a:p>
+                      <a:pPr algn="r" fontAlgn="b"/>
+                      <a:r>
+                        <a:rPr lang="en-US" altLang="zh-CN" sz="1100" u="none" strike="noStrike">
+                          <a:effectLst/>
+                        </a:rPr>
+                        <a:t>0.947368421</a:t>
+                      </a:r>
+                      <a:endParaRPr lang="en-US" altLang="zh-CN" sz="1100" b="0" i="0" u="none" strike="noStrike">
+                        <a:solidFill>
+                          <a:srgbClr val="006100"/>
+                        </a:solidFill>
+                        <a:effectLst/>
+                        <a:latin typeface="等线" panose="02010600030101010101" pitchFamily="2" charset="-122"/>
+                        <a:ea typeface="等线" panose="02010600030101010101" pitchFamily="2" charset="-122"/>
+                      </a:endParaRPr>
+                    </a:p>
+                  </a:txBody>
+                  <a:tcPr marL="6350" marR="6350" marT="6350" marB="0" anchor="b"/>
+                </a:tc>
+                <a:tc>
+                  <a:txBody>
+                    <a:bodyPr/>
+                    <a:lstStyle/>
+                    <a:p>
+                      <a:pPr algn="r" fontAlgn="b"/>
+                      <a:r>
+                        <a:rPr lang="en-US" altLang="zh-CN" sz="1100" u="none" strike="noStrike">
+                          <a:effectLst/>
+                        </a:rPr>
+                        <a:t>0</a:t>
+                      </a:r>
+                      <a:endParaRPr lang="en-US" altLang="zh-CN" sz="1100" b="0" i="0" u="none" strike="noStrike">
+                        <a:solidFill>
+                          <a:srgbClr val="006100"/>
+                        </a:solidFill>
+                        <a:effectLst/>
+                        <a:latin typeface="等线" panose="02010600030101010101" pitchFamily="2" charset="-122"/>
+                        <a:ea typeface="等线" panose="02010600030101010101" pitchFamily="2" charset="-122"/>
+                      </a:endParaRPr>
+                    </a:p>
+                  </a:txBody>
+                  <a:tcPr marL="6350" marR="6350" marT="6350" marB="0" anchor="b"/>
+                </a:tc>
+                <a:extLst>
+                  <a:ext uri="{0D108BD9-81ED-4DB2-BD59-A6C34878D82A}">
+                    <a16:rowId xmlns:a16="http://schemas.microsoft.com/office/drawing/2014/main" val="2787356534"/>
+                  </a:ext>
+                </a:extLst>
+              </a:tr>
+              <a:tr h="177800">
+                <a:tc>
+                  <a:txBody>
+                    <a:bodyPr/>
+                    <a:lstStyle/>
+                    <a:p>
+                      <a:pPr algn="l" fontAlgn="b"/>
+                      <a:endParaRPr lang="zh-CN" altLang="en-US" sz="1100" b="0" i="0" u="none" strike="noStrike">
+                        <a:solidFill>
+                          <a:srgbClr val="000000"/>
+                        </a:solidFill>
+                        <a:effectLst/>
+                        <a:latin typeface="等线" panose="02010600030101010101" pitchFamily="2" charset="-122"/>
+                        <a:ea typeface="等线" panose="02010600030101010101" pitchFamily="2" charset="-122"/>
+                      </a:endParaRPr>
+                    </a:p>
+                  </a:txBody>
+                  <a:tcPr marL="6350" marR="6350" marT="6350" marB="0" anchor="b"/>
+                </a:tc>
+                <a:tc>
+                  <a:txBody>
+                    <a:bodyPr/>
+                    <a:lstStyle/>
+                    <a:p>
+                      <a:pPr algn="r" fontAlgn="b"/>
+                      <a:r>
+                        <a:rPr lang="en-US" altLang="zh-CN" sz="1100" u="none" strike="noStrike">
+                          <a:effectLst/>
+                        </a:rPr>
+                        <a:t>53.15829968</a:t>
+                      </a:r>
+                      <a:endParaRPr lang="en-US" altLang="zh-CN" sz="1100" b="0" i="0" u="none" strike="noStrike">
+                        <a:solidFill>
+                          <a:srgbClr val="000000"/>
+                        </a:solidFill>
+                        <a:effectLst/>
+                        <a:latin typeface="等线" panose="02010600030101010101" pitchFamily="2" charset="-122"/>
+                        <a:ea typeface="等线" panose="02010600030101010101" pitchFamily="2" charset="-122"/>
+                      </a:endParaRPr>
+                    </a:p>
+                  </a:txBody>
+                  <a:tcPr marL="6350" marR="6350" marT="6350" marB="0" anchor="b"/>
+                </a:tc>
+                <a:tc>
+                  <a:txBody>
+                    <a:bodyPr/>
+                    <a:lstStyle/>
+                    <a:p>
+                      <a:pPr algn="r" fontAlgn="b"/>
+                      <a:r>
+                        <a:rPr lang="en-US" altLang="zh-CN" sz="1100" u="none" strike="noStrike">
+                          <a:effectLst/>
+                        </a:rPr>
+                        <a:t>0.903225806</a:t>
+                      </a:r>
+                      <a:endParaRPr lang="en-US" altLang="zh-CN" sz="1100" b="0" i="0" u="none" strike="noStrike">
+                        <a:solidFill>
+                          <a:srgbClr val="006100"/>
+                        </a:solidFill>
+                        <a:effectLst/>
+                        <a:latin typeface="等线" panose="02010600030101010101" pitchFamily="2" charset="-122"/>
+                        <a:ea typeface="等线" panose="02010600030101010101" pitchFamily="2" charset="-122"/>
+                      </a:endParaRPr>
+                    </a:p>
+                  </a:txBody>
+                  <a:tcPr marL="6350" marR="6350" marT="6350" marB="0" anchor="b"/>
+                </a:tc>
+                <a:tc>
+                  <a:txBody>
+                    <a:bodyPr/>
+                    <a:lstStyle/>
+                    <a:p>
+                      <a:pPr algn="l" fontAlgn="b"/>
+                      <a:r>
+                        <a:rPr lang="en-US" altLang="zh-CN" sz="1100" u="none" strike="noStrike">
+                          <a:effectLst/>
+                        </a:rPr>
+                        <a:t>70%-30%</a:t>
+                      </a:r>
+                      <a:endParaRPr lang="en-US" altLang="zh-CN" sz="1100" b="0" i="0" u="none" strike="noStrike">
+                        <a:solidFill>
+                          <a:srgbClr val="000000"/>
+                        </a:solidFill>
+                        <a:effectLst/>
+                        <a:latin typeface="等线" panose="02010600030101010101" pitchFamily="2" charset="-122"/>
+                        <a:ea typeface="等线" panose="02010600030101010101" pitchFamily="2" charset="-122"/>
+                      </a:endParaRPr>
+                    </a:p>
+                  </a:txBody>
+                  <a:tcPr marL="6350" marR="6350" marT="6350" marB="0" anchor="b"/>
+                </a:tc>
+                <a:tc>
+                  <a:txBody>
+                    <a:bodyPr/>
+                    <a:lstStyle/>
+                    <a:p>
+                      <a:pPr algn="l" fontAlgn="b"/>
+                      <a:r>
+                        <a:rPr lang="en-US" sz="1100" u="none" strike="noStrike">
+                          <a:effectLst/>
+                        </a:rPr>
+                        <a:t>Cart</a:t>
+                      </a:r>
+                      <a:endParaRPr lang="en-US" sz="1100" b="0" i="0" u="none" strike="noStrike">
+                        <a:solidFill>
+                          <a:srgbClr val="000000"/>
+                        </a:solidFill>
+                        <a:effectLst/>
+                        <a:latin typeface="等线" panose="02010600030101010101" pitchFamily="2" charset="-122"/>
+                        <a:ea typeface="等线" panose="02010600030101010101" pitchFamily="2" charset="-122"/>
+                      </a:endParaRPr>
+                    </a:p>
+                  </a:txBody>
+                  <a:tcPr marL="6350" marR="6350" marT="6350" marB="0" anchor="b"/>
+                </a:tc>
+                <a:tc>
+                  <a:txBody>
+                    <a:bodyPr/>
+                    <a:lstStyle/>
+                    <a:p>
+                      <a:pPr algn="r" fontAlgn="b"/>
+                      <a:r>
+                        <a:rPr lang="en-US" altLang="zh-CN" sz="1100" u="none" strike="noStrike">
+                          <a:effectLst/>
+                        </a:rPr>
+                        <a:t>0.894736842</a:t>
+                      </a:r>
+                      <a:endParaRPr lang="en-US" altLang="zh-CN" sz="1100" b="0" i="0" u="none" strike="noStrike">
+                        <a:solidFill>
+                          <a:srgbClr val="000000"/>
+                        </a:solidFill>
+                        <a:effectLst/>
+                        <a:latin typeface="等线" panose="02010600030101010101" pitchFamily="2" charset="-122"/>
+                        <a:ea typeface="等线" panose="02010600030101010101" pitchFamily="2" charset="-122"/>
+                      </a:endParaRPr>
+                    </a:p>
+                  </a:txBody>
+                  <a:tcPr marL="6350" marR="6350" marT="6350" marB="0" anchor="b"/>
+                </a:tc>
+                <a:tc>
+                  <a:txBody>
+                    <a:bodyPr/>
+                    <a:lstStyle/>
+                    <a:p>
+                      <a:pPr algn="r" fontAlgn="b"/>
+                      <a:r>
+                        <a:rPr lang="en-US" altLang="zh-CN" sz="1100" u="none" strike="noStrike" dirty="0">
+                          <a:effectLst/>
+                        </a:rPr>
+                        <a:t>2.857142857</a:t>
+                      </a:r>
+                      <a:endParaRPr lang="en-US" altLang="zh-CN" sz="1100" b="0" i="0" u="none" strike="noStrike" dirty="0">
+                        <a:solidFill>
+                          <a:srgbClr val="000000"/>
+                        </a:solidFill>
+                        <a:effectLst/>
+                        <a:latin typeface="等线" panose="02010600030101010101" pitchFamily="2" charset="-122"/>
+                        <a:ea typeface="等线" panose="02010600030101010101" pitchFamily="2" charset="-122"/>
+                      </a:endParaRPr>
+                    </a:p>
+                  </a:txBody>
+                  <a:tcPr marL="6350" marR="6350" marT="6350" marB="0" anchor="b"/>
+                </a:tc>
+                <a:extLst>
+                  <a:ext uri="{0D108BD9-81ED-4DB2-BD59-A6C34878D82A}">
+                    <a16:rowId xmlns:a16="http://schemas.microsoft.com/office/drawing/2014/main" val="2885633427"/>
+                  </a:ext>
+                </a:extLst>
+              </a:tr>
+            </a:tbl>
+          </a:graphicData>
+        </a:graphic>
+      </p:graphicFrame>
+      <p:graphicFrame>
+        <p:nvGraphicFramePr>
+          <p:cNvPr id="10" name="表格 9">
+            <a:extLst>
+              <a:ext uri="{FF2B5EF4-FFF2-40B4-BE49-F238E27FC236}">
+                <a16:creationId xmlns:a16="http://schemas.microsoft.com/office/drawing/2014/main" id="{273B8B01-AE76-49AA-8E05-C94711F84515}"/>
+              </a:ext>
+            </a:extLst>
+          </p:cNvPr>
+          <p:cNvGraphicFramePr>
+            <a:graphicFrameLocks noGrp="1"/>
+          </p:cNvGraphicFramePr>
+          <p:nvPr>
+            <p:extLst>
+              <p:ext uri="{D42A27DB-BD31-4B8C-83A1-F6EECF244321}">
+                <p14:modId xmlns:p14="http://schemas.microsoft.com/office/powerpoint/2010/main" val="2656351951"/>
+              </p:ext>
+            </p:extLst>
+          </p:nvPr>
+        </p:nvGraphicFramePr>
+        <p:xfrm>
+          <a:off x="2635249" y="4320739"/>
+          <a:ext cx="9302751" cy="889000"/>
+        </p:xfrm>
+        <a:graphic>
+          <a:graphicData uri="http://schemas.openxmlformats.org/drawingml/2006/table">
+            <a:tbl>
+              <a:tblPr>
+                <a:tableStyleId>{5C22544A-7EE6-4342-B048-85BDC9FD1C3A}</a:tableStyleId>
+              </a:tblPr>
+              <a:tblGrid>
+                <a:gridCol w="1123951">
+                  <a:extLst>
+                    <a:ext uri="{9D8B030D-6E8A-4147-A177-3AD203B41FA5}">
+                      <a16:colId xmlns:a16="http://schemas.microsoft.com/office/drawing/2014/main" val="1425533972"/>
+                    </a:ext>
+                  </a:extLst>
+                </a:gridCol>
+                <a:gridCol w="1558630">
+                  <a:extLst>
+                    <a:ext uri="{9D8B030D-6E8A-4147-A177-3AD203B41FA5}">
+                      <a16:colId xmlns:a16="http://schemas.microsoft.com/office/drawing/2014/main" val="2124384877"/>
+                    </a:ext>
+                  </a:extLst>
+                </a:gridCol>
+                <a:gridCol w="1527470">
+                  <a:extLst>
+                    <a:ext uri="{9D8B030D-6E8A-4147-A177-3AD203B41FA5}">
+                      <a16:colId xmlns:a16="http://schemas.microsoft.com/office/drawing/2014/main" val="1759709502"/>
+                    </a:ext>
+                  </a:extLst>
+                </a:gridCol>
+                <a:gridCol w="1409700">
+                  <a:extLst>
+                    <a:ext uri="{9D8B030D-6E8A-4147-A177-3AD203B41FA5}">
+                      <a16:colId xmlns:a16="http://schemas.microsoft.com/office/drawing/2014/main" val="2961544011"/>
+                    </a:ext>
+                  </a:extLst>
+                </a:gridCol>
+                <a:gridCol w="1092200">
+                  <a:extLst>
+                    <a:ext uri="{9D8B030D-6E8A-4147-A177-3AD203B41FA5}">
+                      <a16:colId xmlns:a16="http://schemas.microsoft.com/office/drawing/2014/main" val="1547472881"/>
+                    </a:ext>
+                  </a:extLst>
+                </a:gridCol>
+                <a:gridCol w="1435100">
+                  <a:extLst>
+                    <a:ext uri="{9D8B030D-6E8A-4147-A177-3AD203B41FA5}">
+                      <a16:colId xmlns:a16="http://schemas.microsoft.com/office/drawing/2014/main" val="2901546122"/>
+                    </a:ext>
+                  </a:extLst>
+                </a:gridCol>
+                <a:gridCol w="1155700">
+                  <a:extLst>
+                    <a:ext uri="{9D8B030D-6E8A-4147-A177-3AD203B41FA5}">
+                      <a16:colId xmlns:a16="http://schemas.microsoft.com/office/drawing/2014/main" val="4196902557"/>
+                    </a:ext>
+                  </a:extLst>
+                </a:gridCol>
+              </a:tblGrid>
+              <a:tr h="177800">
+                <a:tc>
+                  <a:txBody>
+                    <a:bodyPr/>
+                    <a:lstStyle/>
+                    <a:p>
+                      <a:pPr algn="l" fontAlgn="b"/>
+                      <a:r>
+                        <a:rPr lang="en-US" sz="1100" u="none" strike="noStrike">
+                          <a:effectLst/>
+                        </a:rPr>
+                        <a:t>Algorithm</a:t>
+                      </a:r>
+                      <a:endParaRPr lang="en-US" sz="1100" b="0" i="0" u="none" strike="noStrike">
+                        <a:solidFill>
+                          <a:srgbClr val="000000"/>
+                        </a:solidFill>
+                        <a:effectLst/>
+                        <a:latin typeface="等线" panose="02010600030101010101" pitchFamily="2" charset="-122"/>
+                        <a:ea typeface="等线" panose="02010600030101010101" pitchFamily="2" charset="-122"/>
+                      </a:endParaRPr>
+                    </a:p>
+                  </a:txBody>
+                  <a:tcPr marL="6350" marR="6350" marT="6350" marB="0" anchor="b"/>
+                </a:tc>
+                <a:tc>
+                  <a:txBody>
+                    <a:bodyPr/>
+                    <a:lstStyle/>
+                    <a:p>
+                      <a:pPr algn="l" fontAlgn="b"/>
+                      <a:r>
+                        <a:rPr lang="en-US" sz="1100" u="none" strike="noStrike">
+                          <a:effectLst/>
+                        </a:rPr>
+                        <a:t>Time</a:t>
+                      </a:r>
+                      <a:endParaRPr lang="en-US" sz="1100" b="0" i="0" u="none" strike="noStrike">
+                        <a:solidFill>
+                          <a:srgbClr val="000000"/>
+                        </a:solidFill>
+                        <a:effectLst/>
+                        <a:latin typeface="等线" panose="02010600030101010101" pitchFamily="2" charset="-122"/>
+                        <a:ea typeface="等线" panose="02010600030101010101" pitchFamily="2" charset="-122"/>
+                      </a:endParaRPr>
+                    </a:p>
+                  </a:txBody>
+                  <a:tcPr marL="6350" marR="6350" marT="6350" marB="0" anchor="b"/>
+                </a:tc>
+                <a:tc>
+                  <a:txBody>
+                    <a:bodyPr/>
+                    <a:lstStyle/>
+                    <a:p>
+                      <a:pPr algn="l" fontAlgn="b"/>
+                      <a:r>
+                        <a:rPr lang="en-US" sz="1100" u="none" strike="noStrike" dirty="0">
+                          <a:effectLst/>
+                        </a:rPr>
+                        <a:t>DR</a:t>
+                      </a:r>
+                      <a:endParaRPr lang="en-US" sz="1100" b="0" i="0" u="none" strike="noStrike" dirty="0">
+                        <a:solidFill>
+                          <a:srgbClr val="000000"/>
+                        </a:solidFill>
+                        <a:effectLst/>
+                        <a:latin typeface="等线" panose="02010600030101010101" pitchFamily="2" charset="-122"/>
+                        <a:ea typeface="等线" panose="02010600030101010101" pitchFamily="2" charset="-122"/>
+                      </a:endParaRPr>
+                    </a:p>
+                  </a:txBody>
+                  <a:tcPr marL="6350" marR="6350" marT="6350" marB="0" anchor="b"/>
+                </a:tc>
+                <a:tc>
+                  <a:txBody>
+                    <a:bodyPr/>
+                    <a:lstStyle/>
+                    <a:p>
+                      <a:pPr algn="l" fontAlgn="b"/>
+                      <a:r>
+                        <a:rPr lang="en-US" sz="1100" u="none" strike="noStrike">
+                          <a:effectLst/>
+                        </a:rPr>
+                        <a:t>Validation</a:t>
+                      </a:r>
+                      <a:endParaRPr lang="en-US" sz="1100" b="0" i="0" u="none" strike="noStrike">
+                        <a:solidFill>
+                          <a:srgbClr val="000000"/>
+                        </a:solidFill>
+                        <a:effectLst/>
+                        <a:latin typeface="等线" panose="02010600030101010101" pitchFamily="2" charset="-122"/>
+                        <a:ea typeface="等线" panose="02010600030101010101" pitchFamily="2" charset="-122"/>
+                      </a:endParaRPr>
+                    </a:p>
+                  </a:txBody>
+                  <a:tcPr marL="6350" marR="6350" marT="6350" marB="0" anchor="b"/>
+                </a:tc>
+                <a:tc>
+                  <a:txBody>
+                    <a:bodyPr/>
+                    <a:lstStyle/>
+                    <a:p>
+                      <a:pPr algn="l" fontAlgn="b"/>
+                      <a:r>
+                        <a:rPr lang="en-US" sz="1100" u="none" strike="noStrike">
+                          <a:effectLst/>
+                        </a:rPr>
+                        <a:t>Classifier</a:t>
+                      </a:r>
+                      <a:endParaRPr lang="en-US" sz="1100" b="0" i="0" u="none" strike="noStrike">
+                        <a:solidFill>
+                          <a:srgbClr val="000000"/>
+                        </a:solidFill>
+                        <a:effectLst/>
+                        <a:latin typeface="等线" panose="02010600030101010101" pitchFamily="2" charset="-122"/>
+                        <a:ea typeface="等线" panose="02010600030101010101" pitchFamily="2" charset="-122"/>
+                      </a:endParaRPr>
+                    </a:p>
+                  </a:txBody>
+                  <a:tcPr marL="6350" marR="6350" marT="6350" marB="0" anchor="b"/>
+                </a:tc>
+                <a:tc>
+                  <a:txBody>
+                    <a:bodyPr/>
+                    <a:lstStyle/>
+                    <a:p>
+                      <a:pPr algn="l" fontAlgn="b"/>
+                      <a:r>
+                        <a:rPr lang="en-US" sz="1100" u="none" strike="noStrike">
+                          <a:effectLst/>
+                        </a:rPr>
+                        <a:t>AC</a:t>
+                      </a:r>
+                      <a:endParaRPr lang="en-US" sz="1100" b="0" i="0" u="none" strike="noStrike">
+                        <a:solidFill>
+                          <a:srgbClr val="000000"/>
+                        </a:solidFill>
+                        <a:effectLst/>
+                        <a:latin typeface="等线" panose="02010600030101010101" pitchFamily="2" charset="-122"/>
+                        <a:ea typeface="等线" panose="02010600030101010101" pitchFamily="2" charset="-122"/>
+                      </a:endParaRPr>
+                    </a:p>
+                  </a:txBody>
+                  <a:tcPr marL="6350" marR="6350" marT="6350" marB="0" anchor="b"/>
+                </a:tc>
+                <a:tc>
+                  <a:txBody>
+                    <a:bodyPr/>
+                    <a:lstStyle/>
+                    <a:p>
+                      <a:pPr algn="l" fontAlgn="b"/>
+                      <a:r>
+                        <a:rPr lang="en-US" sz="1100" u="none" strike="noStrike">
+                          <a:effectLst/>
+                        </a:rPr>
+                        <a:t>Acc Delta</a:t>
+                      </a:r>
+                      <a:endParaRPr lang="en-US" sz="1100" b="0" i="0" u="none" strike="noStrike">
+                        <a:solidFill>
+                          <a:srgbClr val="000000"/>
+                        </a:solidFill>
+                        <a:effectLst/>
+                        <a:latin typeface="等线" panose="02010600030101010101" pitchFamily="2" charset="-122"/>
+                        <a:ea typeface="等线" panose="02010600030101010101" pitchFamily="2" charset="-122"/>
+                      </a:endParaRPr>
+                    </a:p>
+                  </a:txBody>
+                  <a:tcPr marL="6350" marR="6350" marT="6350" marB="0" anchor="b"/>
+                </a:tc>
+                <a:extLst>
+                  <a:ext uri="{0D108BD9-81ED-4DB2-BD59-A6C34878D82A}">
+                    <a16:rowId xmlns:a16="http://schemas.microsoft.com/office/drawing/2014/main" val="242553224"/>
+                  </a:ext>
+                </a:extLst>
+              </a:tr>
+              <a:tr h="177800">
+                <a:tc>
+                  <a:txBody>
+                    <a:bodyPr/>
+                    <a:lstStyle/>
+                    <a:p>
+                      <a:pPr algn="l" fontAlgn="b"/>
+                      <a:r>
+                        <a:rPr lang="en-US" sz="1100" u="none" strike="noStrike">
+                          <a:effectLst/>
+                        </a:rPr>
+                        <a:t>LassoGA</a:t>
+                      </a:r>
+                      <a:endParaRPr lang="en-US" sz="1100" b="0" i="0" u="none" strike="noStrike">
+                        <a:solidFill>
+                          <a:srgbClr val="000000"/>
+                        </a:solidFill>
+                        <a:effectLst/>
+                        <a:latin typeface="等线" panose="02010600030101010101" pitchFamily="2" charset="-122"/>
+                        <a:ea typeface="等线" panose="02010600030101010101" pitchFamily="2" charset="-122"/>
+                      </a:endParaRPr>
+                    </a:p>
+                  </a:txBody>
+                  <a:tcPr marL="6350" marR="6350" marT="6350" marB="0" anchor="b"/>
+                </a:tc>
+                <a:tc>
+                  <a:txBody>
+                    <a:bodyPr/>
+                    <a:lstStyle/>
+                    <a:p>
+                      <a:pPr algn="r" fontAlgn="b"/>
+                      <a:r>
+                        <a:rPr lang="en-US" altLang="zh-CN" sz="1100" u="none" strike="noStrike">
+                          <a:effectLst/>
+                        </a:rPr>
+                        <a:t>593.4982553</a:t>
+                      </a:r>
+                      <a:endParaRPr lang="en-US" altLang="zh-CN" sz="1100" b="0" i="0" u="none" strike="noStrike">
+                        <a:solidFill>
+                          <a:srgbClr val="000000"/>
+                        </a:solidFill>
+                        <a:effectLst/>
+                        <a:latin typeface="等线" panose="02010600030101010101" pitchFamily="2" charset="-122"/>
+                        <a:ea typeface="等线" panose="02010600030101010101" pitchFamily="2" charset="-122"/>
+                      </a:endParaRPr>
+                    </a:p>
+                  </a:txBody>
+                  <a:tcPr marL="6350" marR="6350" marT="6350" marB="0" anchor="b"/>
+                </a:tc>
+                <a:tc>
+                  <a:txBody>
+                    <a:bodyPr/>
+                    <a:lstStyle/>
+                    <a:p>
+                      <a:pPr algn="r" fontAlgn="b"/>
+                      <a:r>
+                        <a:rPr lang="en-US" altLang="zh-CN" sz="1100" u="none" strike="noStrike">
+                          <a:effectLst/>
+                        </a:rPr>
+                        <a:t>0.996533795</a:t>
+                      </a:r>
+                      <a:endParaRPr lang="en-US" altLang="zh-CN" sz="1100" b="0" i="0" u="none" strike="noStrike">
+                        <a:solidFill>
+                          <a:srgbClr val="000000"/>
+                        </a:solidFill>
+                        <a:effectLst/>
+                        <a:latin typeface="等线" panose="02010600030101010101" pitchFamily="2" charset="-122"/>
+                        <a:ea typeface="等线" panose="02010600030101010101" pitchFamily="2" charset="-122"/>
+                      </a:endParaRPr>
+                    </a:p>
+                  </a:txBody>
+                  <a:tcPr marL="6350" marR="6350" marT="6350" marB="0" anchor="b"/>
+                </a:tc>
+                <a:tc>
+                  <a:txBody>
+                    <a:bodyPr/>
+                    <a:lstStyle/>
+                    <a:p>
+                      <a:pPr algn="l" fontAlgn="b"/>
+                      <a:r>
+                        <a:rPr lang="en-US" altLang="zh-CN" sz="1100" u="none" strike="noStrike">
+                          <a:effectLst/>
+                        </a:rPr>
+                        <a:t>70%-30%</a:t>
+                      </a:r>
+                      <a:endParaRPr lang="en-US" altLang="zh-CN" sz="1100" b="0" i="0" u="none" strike="noStrike">
+                        <a:solidFill>
+                          <a:srgbClr val="000000"/>
+                        </a:solidFill>
+                        <a:effectLst/>
+                        <a:latin typeface="等线" panose="02010600030101010101" pitchFamily="2" charset="-122"/>
+                        <a:ea typeface="等线" panose="02010600030101010101" pitchFamily="2" charset="-122"/>
+                      </a:endParaRPr>
+                    </a:p>
+                  </a:txBody>
+                  <a:tcPr marL="6350" marR="6350" marT="6350" marB="0" anchor="b"/>
+                </a:tc>
+                <a:tc>
+                  <a:txBody>
+                    <a:bodyPr/>
+                    <a:lstStyle/>
+                    <a:p>
+                      <a:pPr algn="l" fontAlgn="b"/>
+                      <a:r>
+                        <a:rPr lang="en-US" sz="1100" u="none" strike="noStrike">
+                          <a:effectLst/>
+                        </a:rPr>
+                        <a:t>1nn</a:t>
+                      </a:r>
+                      <a:endParaRPr lang="en-US" sz="1100" b="0" i="0" u="none" strike="noStrike">
+                        <a:solidFill>
+                          <a:srgbClr val="000000"/>
+                        </a:solidFill>
+                        <a:effectLst/>
+                        <a:latin typeface="等线" panose="02010600030101010101" pitchFamily="2" charset="-122"/>
+                        <a:ea typeface="等线" panose="02010600030101010101" pitchFamily="2" charset="-122"/>
+                      </a:endParaRPr>
+                    </a:p>
+                  </a:txBody>
+                  <a:tcPr marL="6350" marR="6350" marT="6350" marB="0" anchor="b"/>
+                </a:tc>
+                <a:tc>
+                  <a:txBody>
+                    <a:bodyPr/>
+                    <a:lstStyle/>
+                    <a:p>
+                      <a:pPr algn="r" fontAlgn="b"/>
+                      <a:r>
+                        <a:rPr lang="en-US" altLang="zh-CN" sz="1100" u="none" strike="noStrike">
+                          <a:effectLst/>
+                        </a:rPr>
+                        <a:t>1</a:t>
+                      </a:r>
+                      <a:endParaRPr lang="en-US" altLang="zh-CN" sz="1100" b="0" i="0" u="none" strike="noStrike">
+                        <a:solidFill>
+                          <a:srgbClr val="006100"/>
+                        </a:solidFill>
+                        <a:effectLst/>
+                        <a:latin typeface="等线" panose="02010600030101010101" pitchFamily="2" charset="-122"/>
+                        <a:ea typeface="等线" panose="02010600030101010101" pitchFamily="2" charset="-122"/>
+                      </a:endParaRPr>
+                    </a:p>
+                  </a:txBody>
+                  <a:tcPr marL="6350" marR="6350" marT="6350" marB="0" anchor="b"/>
+                </a:tc>
+                <a:tc>
+                  <a:txBody>
+                    <a:bodyPr/>
+                    <a:lstStyle/>
+                    <a:p>
+                      <a:pPr algn="r" fontAlgn="b"/>
+                      <a:r>
+                        <a:rPr lang="en-US" altLang="zh-CN" sz="1100" u="none" strike="noStrike">
+                          <a:effectLst/>
+                        </a:rPr>
+                        <a:t>0</a:t>
+                      </a:r>
+                      <a:endParaRPr lang="en-US" altLang="zh-CN" sz="1100" b="0" i="0" u="none" strike="noStrike">
+                        <a:solidFill>
+                          <a:srgbClr val="006100"/>
+                        </a:solidFill>
+                        <a:effectLst/>
+                        <a:latin typeface="等线" panose="02010600030101010101" pitchFamily="2" charset="-122"/>
+                        <a:ea typeface="等线" panose="02010600030101010101" pitchFamily="2" charset="-122"/>
+                      </a:endParaRPr>
+                    </a:p>
+                  </a:txBody>
+                  <a:tcPr marL="6350" marR="6350" marT="6350" marB="0" anchor="b"/>
+                </a:tc>
+                <a:extLst>
+                  <a:ext uri="{0D108BD9-81ED-4DB2-BD59-A6C34878D82A}">
+                    <a16:rowId xmlns:a16="http://schemas.microsoft.com/office/drawing/2014/main" val="3739116059"/>
+                  </a:ext>
+                </a:extLst>
+              </a:tr>
+              <a:tr h="177800">
+                <a:tc>
+                  <a:txBody>
+                    <a:bodyPr/>
+                    <a:lstStyle/>
+                    <a:p>
+                      <a:pPr algn="l" fontAlgn="b"/>
+                      <a:endParaRPr lang="zh-CN" altLang="en-US" sz="1100" b="0" i="0" u="none" strike="noStrike">
+                        <a:solidFill>
+                          <a:srgbClr val="000000"/>
+                        </a:solidFill>
+                        <a:effectLst/>
+                        <a:latin typeface="等线" panose="02010600030101010101" pitchFamily="2" charset="-122"/>
+                        <a:ea typeface="等线" panose="02010600030101010101" pitchFamily="2" charset="-122"/>
+                      </a:endParaRPr>
+                    </a:p>
+                  </a:txBody>
+                  <a:tcPr marL="6350" marR="6350" marT="6350" marB="0" anchor="b"/>
+                </a:tc>
+                <a:tc>
+                  <a:txBody>
+                    <a:bodyPr/>
+                    <a:lstStyle/>
+                    <a:p>
+                      <a:pPr algn="r" fontAlgn="b"/>
+                      <a:r>
+                        <a:rPr lang="en-US" altLang="zh-CN" sz="1100" u="none" strike="noStrike">
+                          <a:effectLst/>
+                        </a:rPr>
+                        <a:t>467.7245142</a:t>
+                      </a:r>
+                      <a:endParaRPr lang="en-US" altLang="zh-CN" sz="1100" b="0" i="0" u="none" strike="noStrike">
+                        <a:solidFill>
+                          <a:srgbClr val="000000"/>
+                        </a:solidFill>
+                        <a:effectLst/>
+                        <a:latin typeface="等线" panose="02010600030101010101" pitchFamily="2" charset="-122"/>
+                        <a:ea typeface="等线" panose="02010600030101010101" pitchFamily="2" charset="-122"/>
+                      </a:endParaRPr>
+                    </a:p>
+                  </a:txBody>
+                  <a:tcPr marL="6350" marR="6350" marT="6350" marB="0" anchor="b"/>
+                </a:tc>
+                <a:tc>
+                  <a:txBody>
+                    <a:bodyPr/>
+                    <a:lstStyle/>
+                    <a:p>
+                      <a:pPr algn="r" fontAlgn="b"/>
+                      <a:r>
+                        <a:rPr lang="en-US" altLang="zh-CN" sz="1100" u="none" strike="noStrike">
+                          <a:effectLst/>
+                        </a:rPr>
+                        <a:t>0.995233969</a:t>
+                      </a:r>
+                      <a:endParaRPr lang="en-US" altLang="zh-CN" sz="1100" b="0" i="0" u="none" strike="noStrike">
+                        <a:solidFill>
+                          <a:srgbClr val="000000"/>
+                        </a:solidFill>
+                        <a:effectLst/>
+                        <a:latin typeface="等线" panose="02010600030101010101" pitchFamily="2" charset="-122"/>
+                        <a:ea typeface="等线" panose="02010600030101010101" pitchFamily="2" charset="-122"/>
+                      </a:endParaRPr>
+                    </a:p>
+                  </a:txBody>
+                  <a:tcPr marL="6350" marR="6350" marT="6350" marB="0" anchor="b"/>
+                </a:tc>
+                <a:tc>
+                  <a:txBody>
+                    <a:bodyPr/>
+                    <a:lstStyle/>
+                    <a:p>
+                      <a:pPr algn="l" fontAlgn="b"/>
+                      <a:r>
+                        <a:rPr lang="en-US" altLang="zh-CN" sz="1100" u="none" strike="noStrike">
+                          <a:effectLst/>
+                        </a:rPr>
+                        <a:t>70%-30%</a:t>
+                      </a:r>
+                      <a:endParaRPr lang="en-US" altLang="zh-CN" sz="1100" b="0" i="0" u="none" strike="noStrike">
+                        <a:solidFill>
+                          <a:srgbClr val="000000"/>
+                        </a:solidFill>
+                        <a:effectLst/>
+                        <a:latin typeface="等线" panose="02010600030101010101" pitchFamily="2" charset="-122"/>
+                        <a:ea typeface="等线" panose="02010600030101010101" pitchFamily="2" charset="-122"/>
+                      </a:endParaRPr>
+                    </a:p>
+                  </a:txBody>
+                  <a:tcPr marL="6350" marR="6350" marT="6350" marB="0" anchor="b"/>
+                </a:tc>
+                <a:tc>
+                  <a:txBody>
+                    <a:bodyPr/>
+                    <a:lstStyle/>
+                    <a:p>
+                      <a:pPr algn="l" fontAlgn="b"/>
+                      <a:r>
+                        <a:rPr lang="en-US" sz="1100" u="none" strike="noStrike">
+                          <a:effectLst/>
+                        </a:rPr>
+                        <a:t>5nn</a:t>
+                      </a:r>
+                      <a:endParaRPr lang="en-US" sz="1100" b="0" i="0" u="none" strike="noStrike">
+                        <a:solidFill>
+                          <a:srgbClr val="000000"/>
+                        </a:solidFill>
+                        <a:effectLst/>
+                        <a:latin typeface="等线" panose="02010600030101010101" pitchFamily="2" charset="-122"/>
+                        <a:ea typeface="等线" panose="02010600030101010101" pitchFamily="2" charset="-122"/>
+                      </a:endParaRPr>
+                    </a:p>
+                  </a:txBody>
+                  <a:tcPr marL="6350" marR="6350" marT="6350" marB="0" anchor="b"/>
+                </a:tc>
+                <a:tc>
+                  <a:txBody>
+                    <a:bodyPr/>
+                    <a:lstStyle/>
+                    <a:p>
+                      <a:pPr algn="r" fontAlgn="b"/>
+                      <a:r>
+                        <a:rPr lang="en-US" altLang="zh-CN" sz="1100" u="none" strike="noStrike">
+                          <a:effectLst/>
+                        </a:rPr>
+                        <a:t>1</a:t>
+                      </a:r>
+                      <a:endParaRPr lang="en-US" altLang="zh-CN" sz="1100" b="0" i="0" u="none" strike="noStrike">
+                        <a:solidFill>
+                          <a:srgbClr val="006100"/>
+                        </a:solidFill>
+                        <a:effectLst/>
+                        <a:latin typeface="等线" panose="02010600030101010101" pitchFamily="2" charset="-122"/>
+                        <a:ea typeface="等线" panose="02010600030101010101" pitchFamily="2" charset="-122"/>
+                      </a:endParaRPr>
+                    </a:p>
+                  </a:txBody>
+                  <a:tcPr marL="6350" marR="6350" marT="6350" marB="0" anchor="b"/>
+                </a:tc>
+                <a:tc>
+                  <a:txBody>
+                    <a:bodyPr/>
+                    <a:lstStyle/>
+                    <a:p>
+                      <a:pPr algn="r" fontAlgn="b"/>
+                      <a:r>
+                        <a:rPr lang="en-US" altLang="zh-CN" sz="1100" u="none" strike="noStrike">
+                          <a:effectLst/>
+                        </a:rPr>
+                        <a:t>0</a:t>
+                      </a:r>
+                      <a:endParaRPr lang="en-US" altLang="zh-CN" sz="1100" b="0" i="0" u="none" strike="noStrike">
+                        <a:solidFill>
+                          <a:srgbClr val="006100"/>
+                        </a:solidFill>
+                        <a:effectLst/>
+                        <a:latin typeface="等线" panose="02010600030101010101" pitchFamily="2" charset="-122"/>
+                        <a:ea typeface="等线" panose="02010600030101010101" pitchFamily="2" charset="-122"/>
+                      </a:endParaRPr>
+                    </a:p>
+                  </a:txBody>
+                  <a:tcPr marL="6350" marR="6350" marT="6350" marB="0" anchor="b"/>
+                </a:tc>
+                <a:extLst>
+                  <a:ext uri="{0D108BD9-81ED-4DB2-BD59-A6C34878D82A}">
+                    <a16:rowId xmlns:a16="http://schemas.microsoft.com/office/drawing/2014/main" val="1983622990"/>
+                  </a:ext>
+                </a:extLst>
+              </a:tr>
+              <a:tr h="177800">
+                <a:tc>
+                  <a:txBody>
+                    <a:bodyPr/>
+                    <a:lstStyle/>
+                    <a:p>
+                      <a:pPr algn="l" fontAlgn="b"/>
+                      <a:endParaRPr lang="zh-CN" altLang="en-US" sz="1100" b="0" i="0" u="none" strike="noStrike">
+                        <a:solidFill>
+                          <a:srgbClr val="000000"/>
+                        </a:solidFill>
+                        <a:effectLst/>
+                        <a:latin typeface="等线" panose="02010600030101010101" pitchFamily="2" charset="-122"/>
+                        <a:ea typeface="等线" panose="02010600030101010101" pitchFamily="2" charset="-122"/>
+                      </a:endParaRPr>
+                    </a:p>
+                  </a:txBody>
+                  <a:tcPr marL="6350" marR="6350" marT="6350" marB="0" anchor="b"/>
+                </a:tc>
+                <a:tc>
+                  <a:txBody>
+                    <a:bodyPr/>
+                    <a:lstStyle/>
+                    <a:p>
+                      <a:pPr algn="r" fontAlgn="b"/>
+                      <a:r>
+                        <a:rPr lang="en-US" altLang="zh-CN" sz="1100" u="none" strike="noStrike">
+                          <a:effectLst/>
+                        </a:rPr>
+                        <a:t>483.0609112</a:t>
+                      </a:r>
+                      <a:endParaRPr lang="en-US" altLang="zh-CN" sz="1100" b="0" i="0" u="none" strike="noStrike">
+                        <a:solidFill>
+                          <a:srgbClr val="000000"/>
+                        </a:solidFill>
+                        <a:effectLst/>
+                        <a:latin typeface="等线" panose="02010600030101010101" pitchFamily="2" charset="-122"/>
+                        <a:ea typeface="等线" panose="02010600030101010101" pitchFamily="2" charset="-122"/>
+                      </a:endParaRPr>
+                    </a:p>
+                  </a:txBody>
+                  <a:tcPr marL="6350" marR="6350" marT="6350" marB="0" anchor="b"/>
+                </a:tc>
+                <a:tc>
+                  <a:txBody>
+                    <a:bodyPr/>
+                    <a:lstStyle/>
+                    <a:p>
+                      <a:pPr algn="r" fontAlgn="b"/>
+                      <a:r>
+                        <a:rPr lang="en-US" altLang="zh-CN" sz="1100" u="none" strike="noStrike">
+                          <a:effectLst/>
+                        </a:rPr>
+                        <a:t>0.99610052</a:t>
+                      </a:r>
+                      <a:endParaRPr lang="en-US" altLang="zh-CN" sz="1100" b="0" i="0" u="none" strike="noStrike">
+                        <a:solidFill>
+                          <a:srgbClr val="000000"/>
+                        </a:solidFill>
+                        <a:effectLst/>
+                        <a:latin typeface="等线" panose="02010600030101010101" pitchFamily="2" charset="-122"/>
+                        <a:ea typeface="等线" panose="02010600030101010101" pitchFamily="2" charset="-122"/>
+                      </a:endParaRPr>
+                    </a:p>
+                  </a:txBody>
+                  <a:tcPr marL="6350" marR="6350" marT="6350" marB="0" anchor="b"/>
+                </a:tc>
+                <a:tc>
+                  <a:txBody>
+                    <a:bodyPr/>
+                    <a:lstStyle/>
+                    <a:p>
+                      <a:pPr algn="l" fontAlgn="b"/>
+                      <a:r>
+                        <a:rPr lang="en-US" altLang="zh-CN" sz="1100" u="none" strike="noStrike">
+                          <a:effectLst/>
+                        </a:rPr>
+                        <a:t>70%-30%</a:t>
+                      </a:r>
+                      <a:endParaRPr lang="en-US" altLang="zh-CN" sz="1100" b="0" i="0" u="none" strike="noStrike">
+                        <a:solidFill>
+                          <a:srgbClr val="000000"/>
+                        </a:solidFill>
+                        <a:effectLst/>
+                        <a:latin typeface="等线" panose="02010600030101010101" pitchFamily="2" charset="-122"/>
+                        <a:ea typeface="等线" panose="02010600030101010101" pitchFamily="2" charset="-122"/>
+                      </a:endParaRPr>
+                    </a:p>
+                  </a:txBody>
+                  <a:tcPr marL="6350" marR="6350" marT="6350" marB="0" anchor="b"/>
+                </a:tc>
+                <a:tc>
+                  <a:txBody>
+                    <a:bodyPr/>
+                    <a:lstStyle/>
+                    <a:p>
+                      <a:pPr algn="l" fontAlgn="b"/>
+                      <a:r>
+                        <a:rPr lang="en-US" sz="1100" u="none" strike="noStrike">
+                          <a:effectLst/>
+                        </a:rPr>
+                        <a:t>SVM</a:t>
+                      </a:r>
+                      <a:endParaRPr lang="en-US" sz="1100" b="0" i="0" u="none" strike="noStrike">
+                        <a:solidFill>
+                          <a:srgbClr val="000000"/>
+                        </a:solidFill>
+                        <a:effectLst/>
+                        <a:latin typeface="等线" panose="02010600030101010101" pitchFamily="2" charset="-122"/>
+                        <a:ea typeface="等线" panose="02010600030101010101" pitchFamily="2" charset="-122"/>
+                      </a:endParaRPr>
+                    </a:p>
+                  </a:txBody>
+                  <a:tcPr marL="6350" marR="6350" marT="6350" marB="0" anchor="b"/>
+                </a:tc>
+                <a:tc>
+                  <a:txBody>
+                    <a:bodyPr/>
+                    <a:lstStyle/>
+                    <a:p>
+                      <a:pPr algn="r" fontAlgn="b"/>
+                      <a:r>
+                        <a:rPr lang="en-US" altLang="zh-CN" sz="1100" u="none" strike="noStrike">
+                          <a:effectLst/>
+                        </a:rPr>
+                        <a:t>1</a:t>
+                      </a:r>
+                      <a:endParaRPr lang="en-US" altLang="zh-CN" sz="1100" b="0" i="0" u="none" strike="noStrike">
+                        <a:solidFill>
+                          <a:srgbClr val="006100"/>
+                        </a:solidFill>
+                        <a:effectLst/>
+                        <a:latin typeface="等线" panose="02010600030101010101" pitchFamily="2" charset="-122"/>
+                        <a:ea typeface="等线" panose="02010600030101010101" pitchFamily="2" charset="-122"/>
+                      </a:endParaRPr>
+                    </a:p>
+                  </a:txBody>
+                  <a:tcPr marL="6350" marR="6350" marT="6350" marB="0" anchor="b"/>
+                </a:tc>
+                <a:tc>
+                  <a:txBody>
+                    <a:bodyPr/>
+                    <a:lstStyle/>
+                    <a:p>
+                      <a:pPr algn="r" fontAlgn="b"/>
+                      <a:r>
+                        <a:rPr lang="en-US" altLang="zh-CN" sz="1100" u="none" strike="noStrike">
+                          <a:effectLst/>
+                        </a:rPr>
+                        <a:t>0</a:t>
+                      </a:r>
+                      <a:endParaRPr lang="en-US" altLang="zh-CN" sz="1100" b="0" i="0" u="none" strike="noStrike">
+                        <a:solidFill>
+                          <a:srgbClr val="006100"/>
+                        </a:solidFill>
+                        <a:effectLst/>
+                        <a:latin typeface="等线" panose="02010600030101010101" pitchFamily="2" charset="-122"/>
+                        <a:ea typeface="等线" panose="02010600030101010101" pitchFamily="2" charset="-122"/>
+                      </a:endParaRPr>
+                    </a:p>
+                  </a:txBody>
+                  <a:tcPr marL="6350" marR="6350" marT="6350" marB="0" anchor="b"/>
+                </a:tc>
+                <a:extLst>
+                  <a:ext uri="{0D108BD9-81ED-4DB2-BD59-A6C34878D82A}">
+                    <a16:rowId xmlns:a16="http://schemas.microsoft.com/office/drawing/2014/main" val="857486013"/>
+                  </a:ext>
+                </a:extLst>
+              </a:tr>
+              <a:tr h="177800">
+                <a:tc>
+                  <a:txBody>
+                    <a:bodyPr/>
+                    <a:lstStyle/>
+                    <a:p>
+                      <a:pPr algn="l" fontAlgn="b"/>
+                      <a:endParaRPr lang="zh-CN" altLang="en-US" sz="1100" b="0" i="0" u="none" strike="noStrike">
+                        <a:solidFill>
+                          <a:srgbClr val="000000"/>
+                        </a:solidFill>
+                        <a:effectLst/>
+                        <a:latin typeface="等线" panose="02010600030101010101" pitchFamily="2" charset="-122"/>
+                        <a:ea typeface="等线" panose="02010600030101010101" pitchFamily="2" charset="-122"/>
+                      </a:endParaRPr>
+                    </a:p>
+                  </a:txBody>
+                  <a:tcPr marL="6350" marR="6350" marT="6350" marB="0" anchor="b"/>
+                </a:tc>
+                <a:tc>
+                  <a:txBody>
+                    <a:bodyPr/>
+                    <a:lstStyle/>
+                    <a:p>
+                      <a:pPr algn="r" fontAlgn="b"/>
+                      <a:r>
+                        <a:rPr lang="en-US" altLang="zh-CN" sz="1100" u="none" strike="noStrike">
+                          <a:effectLst/>
+                        </a:rPr>
+                        <a:t>528.7904615</a:t>
+                      </a:r>
+                      <a:endParaRPr lang="en-US" altLang="zh-CN" sz="1100" b="0" i="0" u="none" strike="noStrike">
+                        <a:solidFill>
+                          <a:srgbClr val="000000"/>
+                        </a:solidFill>
+                        <a:effectLst/>
+                        <a:latin typeface="等线" panose="02010600030101010101" pitchFamily="2" charset="-122"/>
+                        <a:ea typeface="等线" panose="02010600030101010101" pitchFamily="2" charset="-122"/>
+                      </a:endParaRPr>
+                    </a:p>
+                  </a:txBody>
+                  <a:tcPr marL="6350" marR="6350" marT="6350" marB="0" anchor="b"/>
+                </a:tc>
+                <a:tc>
+                  <a:txBody>
+                    <a:bodyPr/>
+                    <a:lstStyle/>
+                    <a:p>
+                      <a:pPr algn="r" fontAlgn="b"/>
+                      <a:r>
+                        <a:rPr lang="en-US" altLang="zh-CN" sz="1100" u="none" strike="noStrike">
+                          <a:effectLst/>
+                        </a:rPr>
+                        <a:t>0.996967071</a:t>
+                      </a:r>
+                      <a:endParaRPr lang="en-US" altLang="zh-CN" sz="1100" b="0" i="0" u="none" strike="noStrike">
+                        <a:solidFill>
+                          <a:srgbClr val="000000"/>
+                        </a:solidFill>
+                        <a:effectLst/>
+                        <a:latin typeface="等线" panose="02010600030101010101" pitchFamily="2" charset="-122"/>
+                        <a:ea typeface="等线" panose="02010600030101010101" pitchFamily="2" charset="-122"/>
+                      </a:endParaRPr>
+                    </a:p>
+                  </a:txBody>
+                  <a:tcPr marL="6350" marR="6350" marT="6350" marB="0" anchor="b"/>
+                </a:tc>
+                <a:tc>
+                  <a:txBody>
+                    <a:bodyPr/>
+                    <a:lstStyle/>
+                    <a:p>
+                      <a:pPr algn="l" fontAlgn="b"/>
+                      <a:r>
+                        <a:rPr lang="en-US" altLang="zh-CN" sz="1100" u="none" strike="noStrike">
+                          <a:effectLst/>
+                        </a:rPr>
+                        <a:t>70%-30%</a:t>
+                      </a:r>
+                      <a:endParaRPr lang="en-US" altLang="zh-CN" sz="1100" b="0" i="0" u="none" strike="noStrike">
+                        <a:solidFill>
+                          <a:srgbClr val="000000"/>
+                        </a:solidFill>
+                        <a:effectLst/>
+                        <a:latin typeface="等线" panose="02010600030101010101" pitchFamily="2" charset="-122"/>
+                        <a:ea typeface="等线" panose="02010600030101010101" pitchFamily="2" charset="-122"/>
+                      </a:endParaRPr>
+                    </a:p>
+                  </a:txBody>
+                  <a:tcPr marL="6350" marR="6350" marT="6350" marB="0" anchor="b"/>
+                </a:tc>
+                <a:tc>
+                  <a:txBody>
+                    <a:bodyPr/>
+                    <a:lstStyle/>
+                    <a:p>
+                      <a:pPr algn="l" fontAlgn="b"/>
+                      <a:r>
+                        <a:rPr lang="en-US" sz="1100" u="none" strike="noStrike">
+                          <a:effectLst/>
+                        </a:rPr>
+                        <a:t>Cart</a:t>
+                      </a:r>
+                      <a:endParaRPr lang="en-US" sz="1100" b="0" i="0" u="none" strike="noStrike">
+                        <a:solidFill>
+                          <a:srgbClr val="000000"/>
+                        </a:solidFill>
+                        <a:effectLst/>
+                        <a:latin typeface="等线" panose="02010600030101010101" pitchFamily="2" charset="-122"/>
+                        <a:ea typeface="等线" panose="02010600030101010101" pitchFamily="2" charset="-122"/>
+                      </a:endParaRPr>
+                    </a:p>
+                  </a:txBody>
+                  <a:tcPr marL="6350" marR="6350" marT="6350" marB="0" anchor="b"/>
+                </a:tc>
+                <a:tc>
+                  <a:txBody>
+                    <a:bodyPr/>
+                    <a:lstStyle/>
+                    <a:p>
+                      <a:pPr algn="r" fontAlgn="b"/>
+                      <a:r>
+                        <a:rPr lang="en-US" altLang="zh-CN" sz="1100" u="none" strike="noStrike">
+                          <a:effectLst/>
+                        </a:rPr>
+                        <a:t>0.947368421</a:t>
+                      </a:r>
+                      <a:endParaRPr lang="en-US" altLang="zh-CN" sz="1100" b="0" i="0" u="none" strike="noStrike">
+                        <a:solidFill>
+                          <a:srgbClr val="006100"/>
+                        </a:solidFill>
+                        <a:effectLst/>
+                        <a:latin typeface="等线" panose="02010600030101010101" pitchFamily="2" charset="-122"/>
+                        <a:ea typeface="等线" panose="02010600030101010101" pitchFamily="2" charset="-122"/>
+                      </a:endParaRPr>
+                    </a:p>
+                  </a:txBody>
+                  <a:tcPr marL="6350" marR="6350" marT="6350" marB="0" anchor="b"/>
+                </a:tc>
+                <a:tc>
+                  <a:txBody>
+                    <a:bodyPr/>
+                    <a:lstStyle/>
+                    <a:p>
+                      <a:pPr algn="r" fontAlgn="b"/>
+                      <a:r>
+                        <a:rPr lang="en-US" altLang="zh-CN" sz="1100" u="none" strike="noStrike" dirty="0">
+                          <a:effectLst/>
+                        </a:rPr>
+                        <a:t>0</a:t>
+                      </a:r>
+                      <a:endParaRPr lang="en-US" altLang="zh-CN" sz="1100" b="0" i="0" u="none" strike="noStrike" dirty="0">
+                        <a:solidFill>
+                          <a:srgbClr val="006100"/>
+                        </a:solidFill>
+                        <a:effectLst/>
+                        <a:latin typeface="等线" panose="02010600030101010101" pitchFamily="2" charset="-122"/>
+                        <a:ea typeface="等线" panose="02010600030101010101" pitchFamily="2" charset="-122"/>
+                      </a:endParaRPr>
+                    </a:p>
+                  </a:txBody>
+                  <a:tcPr marL="6350" marR="6350" marT="6350" marB="0" anchor="b"/>
+                </a:tc>
+                <a:extLst>
+                  <a:ext uri="{0D108BD9-81ED-4DB2-BD59-A6C34878D82A}">
+                    <a16:rowId xmlns:a16="http://schemas.microsoft.com/office/drawing/2014/main" val="2756351240"/>
+                  </a:ext>
+                </a:extLst>
+              </a:tr>
+            </a:tbl>
+          </a:graphicData>
+        </a:graphic>
+      </p:graphicFrame>
+      <p:sp>
+        <p:nvSpPr>
+          <p:cNvPr id="11" name="矩形 10">
+            <a:extLst>
+              <a:ext uri="{FF2B5EF4-FFF2-40B4-BE49-F238E27FC236}">
+                <a16:creationId xmlns:a16="http://schemas.microsoft.com/office/drawing/2014/main" id="{30E1DF4B-C1F0-4AD3-AA34-CB453D8395E3}"/>
+              </a:ext>
+            </a:extLst>
+          </p:cNvPr>
+          <p:cNvSpPr/>
+          <p:nvPr/>
         </p:nvSpPr>
-        <p:spPr/>
+        <p:spPr>
+          <a:xfrm>
+            <a:off x="802398" y="757922"/>
+            <a:ext cx="2645651" cy="646331"/>
+          </a:xfrm>
+          <a:prstGeom prst="rect">
+            <a:avLst/>
+          </a:prstGeom>
+          <a:noFill/>
+        </p:spPr>
         <p:txBody>
-          <a:bodyPr/>
+          <a:bodyPr wrap="square" lIns="91440" tIns="45720" rIns="91440" bIns="45720">
+            <a:spAutoFit/>
+          </a:bodyPr>
           <a:lstStyle/>
           <a:p>
-            <a:endParaRPr lang="zh-CN" altLang="en-US"/>
+            <a:pPr algn="ctr"/>
+            <a:r>
+              <a:rPr lang="zh-CN" altLang="en-US" sz="3600" b="1" dirty="0">
+                <a:ln w="9525">
+                  <a:solidFill>
+                    <a:schemeClr val="bg1"/>
+                  </a:solidFill>
+                  <a:prstDash val="solid"/>
+                </a:ln>
+                <a:solidFill>
+                  <a:schemeClr val="accent5"/>
+                </a:solidFill>
+                <a:effectLst>
+                  <a:outerShdw blurRad="12700" dist="38100" dir="2700000" algn="tl" rotWithShape="0">
+                    <a:schemeClr val="accent5">
+                      <a:lumMod val="60000"/>
+                      <a:lumOff val="40000"/>
+                    </a:schemeClr>
+                  </a:outerShdw>
+                </a:effectLst>
+              </a:rPr>
+              <a:t>低维</a:t>
+            </a:r>
+            <a:endParaRPr lang="zh-CN" altLang="en-US" sz="3600" b="1" cap="none" spc="0" dirty="0">
+              <a:ln w="9525">
+                <a:solidFill>
+                  <a:schemeClr val="bg1"/>
+                </a:solidFill>
+                <a:prstDash val="solid"/>
+              </a:ln>
+              <a:solidFill>
+                <a:schemeClr val="accent5"/>
+              </a:solidFill>
+              <a:effectLst>
+                <a:outerShdw blurRad="12700" dist="38100" dir="2700000" algn="tl" rotWithShape="0">
+                  <a:schemeClr val="accent5">
+                    <a:lumMod val="60000"/>
+                    <a:lumOff val="40000"/>
+                  </a:schemeClr>
+                </a:outerShdw>
+              </a:effectLst>
+            </a:endParaRPr>
+          </a:p>
+        </p:txBody>
+      </p:sp>
+      <p:sp>
+        <p:nvSpPr>
+          <p:cNvPr id="12" name="矩形 11">
+            <a:extLst>
+              <a:ext uri="{FF2B5EF4-FFF2-40B4-BE49-F238E27FC236}">
+                <a16:creationId xmlns:a16="http://schemas.microsoft.com/office/drawing/2014/main" id="{B4895EC4-359F-4CCE-9E01-FF757E6820A9}"/>
+              </a:ext>
+            </a:extLst>
+          </p:cNvPr>
+          <p:cNvSpPr/>
+          <p:nvPr/>
+        </p:nvSpPr>
+        <p:spPr>
+          <a:xfrm>
+            <a:off x="802397" y="2901623"/>
+            <a:ext cx="2645651" cy="646331"/>
+          </a:xfrm>
+          <a:prstGeom prst="rect">
+            <a:avLst/>
+          </a:prstGeom>
+          <a:noFill/>
+        </p:spPr>
+        <p:txBody>
+          <a:bodyPr wrap="square" lIns="91440" tIns="45720" rIns="91440" bIns="45720">
+            <a:spAutoFit/>
+          </a:bodyPr>
+          <a:lstStyle/>
+          <a:p>
+            <a:pPr algn="ctr"/>
+            <a:r>
+              <a:rPr lang="zh-CN" altLang="en-US" sz="3600" b="1" dirty="0">
+                <a:ln w="9525">
+                  <a:solidFill>
+                    <a:schemeClr val="bg1"/>
+                  </a:solidFill>
+                  <a:prstDash val="solid"/>
+                </a:ln>
+                <a:solidFill>
+                  <a:schemeClr val="accent5"/>
+                </a:solidFill>
+                <a:effectLst>
+                  <a:outerShdw blurRad="12700" dist="38100" dir="2700000" algn="tl" rotWithShape="0">
+                    <a:schemeClr val="accent5">
+                      <a:lumMod val="60000"/>
+                      <a:lumOff val="40000"/>
+                    </a:schemeClr>
+                  </a:outerShdw>
+                </a:effectLst>
+              </a:rPr>
+              <a:t>中维</a:t>
+            </a:r>
+            <a:endParaRPr lang="zh-CN" altLang="en-US" sz="3600" b="1" cap="none" spc="0" dirty="0">
+              <a:ln w="9525">
+                <a:solidFill>
+                  <a:schemeClr val="bg1"/>
+                </a:solidFill>
+                <a:prstDash val="solid"/>
+              </a:ln>
+              <a:solidFill>
+                <a:schemeClr val="accent5"/>
+              </a:solidFill>
+              <a:effectLst>
+                <a:outerShdw blurRad="12700" dist="38100" dir="2700000" algn="tl" rotWithShape="0">
+                  <a:schemeClr val="accent5">
+                    <a:lumMod val="60000"/>
+                    <a:lumOff val="40000"/>
+                  </a:schemeClr>
+                </a:outerShdw>
+              </a:effectLst>
+            </a:endParaRPr>
+          </a:p>
+        </p:txBody>
+      </p:sp>
+      <p:sp>
+        <p:nvSpPr>
+          <p:cNvPr id="13" name="矩形 12">
+            <a:extLst>
+              <a:ext uri="{FF2B5EF4-FFF2-40B4-BE49-F238E27FC236}">
+                <a16:creationId xmlns:a16="http://schemas.microsoft.com/office/drawing/2014/main" id="{E975EBB5-90C2-4201-8E4D-6E803F7B0D7C}"/>
+              </a:ext>
+            </a:extLst>
+          </p:cNvPr>
+          <p:cNvSpPr/>
+          <p:nvPr/>
+        </p:nvSpPr>
+        <p:spPr>
+          <a:xfrm>
+            <a:off x="923049" y="1304069"/>
+            <a:ext cx="2264652" cy="369332"/>
+          </a:xfrm>
+          <a:prstGeom prst="rect">
+            <a:avLst/>
+          </a:prstGeom>
+          <a:noFill/>
+        </p:spPr>
+        <p:txBody>
+          <a:bodyPr wrap="square" lIns="91440" tIns="45720" rIns="91440" bIns="45720">
+            <a:spAutoFit/>
+          </a:bodyPr>
+          <a:lstStyle/>
+          <a:p>
+            <a:pPr algn="ctr"/>
+            <a:r>
+              <a:rPr lang="en-US" altLang="zh-CN" b="1" dirty="0">
+                <a:ln w="9525">
+                  <a:solidFill>
+                    <a:schemeClr val="bg1"/>
+                  </a:solidFill>
+                  <a:prstDash val="solid"/>
+                </a:ln>
+                <a:solidFill>
+                  <a:schemeClr val="accent5"/>
+                </a:solidFill>
+                <a:effectLst>
+                  <a:outerShdw blurRad="12700" dist="38100" dir="2700000" algn="tl" rotWithShape="0">
+                    <a:schemeClr val="accent5">
+                      <a:lumMod val="60000"/>
+                      <a:lumOff val="40000"/>
+                    </a:schemeClr>
+                  </a:outerShdw>
+                </a:effectLst>
+              </a:rPr>
+              <a:t>I</a:t>
+            </a:r>
+            <a:r>
+              <a:rPr lang="en-US" altLang="zh-CN" b="1" cap="none" spc="0" dirty="0">
+                <a:ln w="9525">
+                  <a:solidFill>
+                    <a:schemeClr val="bg1"/>
+                  </a:solidFill>
+                  <a:prstDash val="solid"/>
+                </a:ln>
+                <a:solidFill>
+                  <a:schemeClr val="accent5"/>
+                </a:solidFill>
+                <a:effectLst>
+                  <a:outerShdw blurRad="12700" dist="38100" dir="2700000" algn="tl" rotWithShape="0">
+                    <a:schemeClr val="accent5">
+                      <a:lumMod val="60000"/>
+                      <a:lumOff val="40000"/>
+                    </a:schemeClr>
+                  </a:outerShdw>
+                </a:effectLst>
+              </a:rPr>
+              <a:t>onosphere</a:t>
+            </a:r>
+            <a:endParaRPr lang="zh-CN" altLang="en-US" b="1" cap="none" spc="0" dirty="0">
+              <a:ln w="9525">
+                <a:solidFill>
+                  <a:schemeClr val="bg1"/>
+                </a:solidFill>
+                <a:prstDash val="solid"/>
+              </a:ln>
+              <a:solidFill>
+                <a:schemeClr val="accent5"/>
+              </a:solidFill>
+              <a:effectLst>
+                <a:outerShdw blurRad="12700" dist="38100" dir="2700000" algn="tl" rotWithShape="0">
+                  <a:schemeClr val="accent5">
+                    <a:lumMod val="60000"/>
+                    <a:lumOff val="40000"/>
+                  </a:schemeClr>
+                </a:outerShdw>
+              </a:effectLst>
+            </a:endParaRPr>
+          </a:p>
+        </p:txBody>
+      </p:sp>
+      <p:sp>
+        <p:nvSpPr>
+          <p:cNvPr id="14" name="矩形 13">
+            <a:extLst>
+              <a:ext uri="{FF2B5EF4-FFF2-40B4-BE49-F238E27FC236}">
+                <a16:creationId xmlns:a16="http://schemas.microsoft.com/office/drawing/2014/main" id="{114941FA-5CDF-4D1C-BE9B-30DF58F51205}"/>
+              </a:ext>
+            </a:extLst>
+          </p:cNvPr>
+          <p:cNvSpPr/>
+          <p:nvPr/>
+        </p:nvSpPr>
+        <p:spPr>
+          <a:xfrm>
+            <a:off x="1183396" y="2204006"/>
+            <a:ext cx="2264652" cy="369332"/>
+          </a:xfrm>
+          <a:prstGeom prst="rect">
+            <a:avLst/>
+          </a:prstGeom>
+          <a:noFill/>
+        </p:spPr>
+        <p:txBody>
+          <a:bodyPr wrap="square" lIns="91440" tIns="45720" rIns="91440" bIns="45720">
+            <a:spAutoFit/>
+          </a:bodyPr>
+          <a:lstStyle/>
+          <a:p>
+            <a:pPr algn="ctr"/>
+            <a:r>
+              <a:rPr lang="en-US" altLang="zh-CN" b="1" cap="none" spc="0" dirty="0">
+                <a:ln w="9525">
+                  <a:solidFill>
+                    <a:schemeClr val="bg1"/>
+                  </a:solidFill>
+                  <a:prstDash val="solid"/>
+                </a:ln>
+                <a:solidFill>
+                  <a:schemeClr val="accent5"/>
+                </a:solidFill>
+                <a:effectLst>
+                  <a:outerShdw blurRad="12700" dist="38100" dir="2700000" algn="tl" rotWithShape="0">
+                    <a:schemeClr val="accent5">
+                      <a:lumMod val="60000"/>
+                      <a:lumOff val="40000"/>
+                    </a:schemeClr>
+                  </a:outerShdw>
+                </a:effectLst>
+              </a:rPr>
+              <a:t>Heart</a:t>
+            </a:r>
+            <a:endParaRPr lang="zh-CN" altLang="en-US" b="1" cap="none" spc="0" dirty="0">
+              <a:ln w="9525">
+                <a:solidFill>
+                  <a:schemeClr val="bg1"/>
+                </a:solidFill>
+                <a:prstDash val="solid"/>
+              </a:ln>
+              <a:solidFill>
+                <a:schemeClr val="accent5"/>
+              </a:solidFill>
+              <a:effectLst>
+                <a:outerShdw blurRad="12700" dist="38100" dir="2700000" algn="tl" rotWithShape="0">
+                  <a:schemeClr val="accent5">
+                    <a:lumMod val="60000"/>
+                    <a:lumOff val="40000"/>
+                  </a:schemeClr>
+                </a:outerShdw>
+              </a:effectLst>
+            </a:endParaRPr>
+          </a:p>
+        </p:txBody>
+      </p:sp>
+      <p:sp>
+        <p:nvSpPr>
+          <p:cNvPr id="15" name="矩形 14">
+            <a:extLst>
+              <a:ext uri="{FF2B5EF4-FFF2-40B4-BE49-F238E27FC236}">
+                <a16:creationId xmlns:a16="http://schemas.microsoft.com/office/drawing/2014/main" id="{31D459BD-709B-444E-8D8F-CBF3F8400AD7}"/>
+              </a:ext>
+            </a:extLst>
+          </p:cNvPr>
+          <p:cNvSpPr/>
+          <p:nvPr/>
+        </p:nvSpPr>
+        <p:spPr>
+          <a:xfrm>
+            <a:off x="1183396" y="3494322"/>
+            <a:ext cx="2264652" cy="369332"/>
+          </a:xfrm>
+          <a:prstGeom prst="rect">
+            <a:avLst/>
+          </a:prstGeom>
+          <a:noFill/>
+        </p:spPr>
+        <p:txBody>
+          <a:bodyPr wrap="square" lIns="91440" tIns="45720" rIns="91440" bIns="45720">
+            <a:spAutoFit/>
+          </a:bodyPr>
+          <a:lstStyle/>
+          <a:p>
+            <a:pPr algn="ctr"/>
+            <a:r>
+              <a:rPr lang="en-US" altLang="zh-CN" b="1" cap="none" spc="0" dirty="0">
+                <a:ln w="9525">
+                  <a:solidFill>
+                    <a:schemeClr val="bg1"/>
+                  </a:solidFill>
+                  <a:prstDash val="solid"/>
+                </a:ln>
+                <a:solidFill>
+                  <a:schemeClr val="accent5"/>
+                </a:solidFill>
+                <a:effectLst>
+                  <a:outerShdw blurRad="12700" dist="38100" dir="2700000" algn="tl" rotWithShape="0">
+                    <a:schemeClr val="accent5">
+                      <a:lumMod val="60000"/>
+                      <a:lumOff val="40000"/>
+                    </a:schemeClr>
+                  </a:outerShdw>
+                </a:effectLst>
+              </a:rPr>
+              <a:t>LSVT</a:t>
+            </a:r>
+            <a:endParaRPr lang="zh-CN" altLang="en-US" b="1" cap="none" spc="0" dirty="0">
+              <a:ln w="9525">
+                <a:solidFill>
+                  <a:schemeClr val="bg1"/>
+                </a:solidFill>
+                <a:prstDash val="solid"/>
+              </a:ln>
+              <a:solidFill>
+                <a:schemeClr val="accent5"/>
+              </a:solidFill>
+              <a:effectLst>
+                <a:outerShdw blurRad="12700" dist="38100" dir="2700000" algn="tl" rotWithShape="0">
+                  <a:schemeClr val="accent5">
+                    <a:lumMod val="60000"/>
+                    <a:lumOff val="40000"/>
+                  </a:schemeClr>
+                </a:outerShdw>
+              </a:effectLst>
+            </a:endParaRPr>
+          </a:p>
+        </p:txBody>
+      </p:sp>
+      <p:sp>
+        <p:nvSpPr>
+          <p:cNvPr id="16" name="矩形 15">
+            <a:extLst>
+              <a:ext uri="{FF2B5EF4-FFF2-40B4-BE49-F238E27FC236}">
+                <a16:creationId xmlns:a16="http://schemas.microsoft.com/office/drawing/2014/main" id="{6C84C77E-F30E-4B69-8F00-838CAD5CA4F4}"/>
+              </a:ext>
+            </a:extLst>
+          </p:cNvPr>
+          <p:cNvSpPr/>
+          <p:nvPr/>
+        </p:nvSpPr>
+        <p:spPr>
+          <a:xfrm>
+            <a:off x="1183397" y="4365308"/>
+            <a:ext cx="2264652" cy="369332"/>
+          </a:xfrm>
+          <a:prstGeom prst="rect">
+            <a:avLst/>
+          </a:prstGeom>
+          <a:noFill/>
+        </p:spPr>
+        <p:txBody>
+          <a:bodyPr wrap="square" lIns="91440" tIns="45720" rIns="91440" bIns="45720">
+            <a:spAutoFit/>
+          </a:bodyPr>
+          <a:lstStyle/>
+          <a:p>
+            <a:pPr algn="ctr"/>
+            <a:r>
+              <a:rPr lang="en-US" altLang="zh-CN" b="1" cap="none" spc="0" dirty="0" err="1">
+                <a:ln w="9525">
+                  <a:solidFill>
+                    <a:schemeClr val="bg1"/>
+                  </a:solidFill>
+                  <a:prstDash val="solid"/>
+                </a:ln>
+                <a:solidFill>
+                  <a:schemeClr val="accent5"/>
+                </a:solidFill>
+                <a:effectLst>
+                  <a:outerShdw blurRad="12700" dist="38100" dir="2700000" algn="tl" rotWithShape="0">
+                    <a:schemeClr val="accent5">
+                      <a:lumMod val="60000"/>
+                      <a:lumOff val="40000"/>
+                    </a:schemeClr>
+                  </a:outerShdw>
+                </a:effectLst>
+              </a:rPr>
+              <a:t>Srbct</a:t>
+            </a:r>
+            <a:endParaRPr lang="zh-CN" altLang="en-US" b="1" cap="none" spc="0" dirty="0">
+              <a:ln w="9525">
+                <a:solidFill>
+                  <a:schemeClr val="bg1"/>
+                </a:solidFill>
+                <a:prstDash val="solid"/>
+              </a:ln>
+              <a:solidFill>
+                <a:schemeClr val="accent5"/>
+              </a:solidFill>
+              <a:effectLst>
+                <a:outerShdw blurRad="12700" dist="38100" dir="2700000" algn="tl" rotWithShape="0">
+                  <a:schemeClr val="accent5">
+                    <a:lumMod val="60000"/>
+                    <a:lumOff val="40000"/>
+                  </a:schemeClr>
+                </a:outerShdw>
+              </a:effectLst>
+            </a:endParaRPr>
+          </a:p>
+        </p:txBody>
+      </p:sp>
+      <p:sp>
+        <p:nvSpPr>
+          <p:cNvPr id="17" name="矩形 16">
+            <a:extLst>
+              <a:ext uri="{FF2B5EF4-FFF2-40B4-BE49-F238E27FC236}">
+                <a16:creationId xmlns:a16="http://schemas.microsoft.com/office/drawing/2014/main" id="{93CAC8C8-1756-4A04-B6C2-5228D9AC0D37}"/>
+              </a:ext>
+            </a:extLst>
+          </p:cNvPr>
+          <p:cNvSpPr/>
+          <p:nvPr/>
+        </p:nvSpPr>
+        <p:spPr>
+          <a:xfrm>
+            <a:off x="802397" y="5065062"/>
+            <a:ext cx="2645651" cy="646331"/>
+          </a:xfrm>
+          <a:prstGeom prst="rect">
+            <a:avLst/>
+          </a:prstGeom>
+          <a:noFill/>
+        </p:spPr>
+        <p:txBody>
+          <a:bodyPr wrap="square" lIns="91440" tIns="45720" rIns="91440" bIns="45720">
+            <a:spAutoFit/>
+          </a:bodyPr>
+          <a:lstStyle/>
+          <a:p>
+            <a:pPr algn="ctr"/>
+            <a:r>
+              <a:rPr lang="zh-CN" altLang="en-US" sz="3600" b="1" dirty="0">
+                <a:ln w="9525">
+                  <a:solidFill>
+                    <a:schemeClr val="bg1"/>
+                  </a:solidFill>
+                  <a:prstDash val="solid"/>
+                </a:ln>
+                <a:solidFill>
+                  <a:schemeClr val="accent5"/>
+                </a:solidFill>
+                <a:effectLst>
+                  <a:outerShdw blurRad="12700" dist="38100" dir="2700000" algn="tl" rotWithShape="0">
+                    <a:schemeClr val="accent5">
+                      <a:lumMod val="60000"/>
+                      <a:lumOff val="40000"/>
+                    </a:schemeClr>
+                  </a:outerShdw>
+                </a:effectLst>
+              </a:rPr>
+              <a:t>高维</a:t>
+            </a:r>
+            <a:endParaRPr lang="zh-CN" altLang="en-US" sz="3600" b="1" cap="none" spc="0" dirty="0">
+              <a:ln w="9525">
+                <a:solidFill>
+                  <a:schemeClr val="bg1"/>
+                </a:solidFill>
+                <a:prstDash val="solid"/>
+              </a:ln>
+              <a:solidFill>
+                <a:schemeClr val="accent5"/>
+              </a:solidFill>
+              <a:effectLst>
+                <a:outerShdw blurRad="12700" dist="38100" dir="2700000" algn="tl" rotWithShape="0">
+                  <a:schemeClr val="accent5">
+                    <a:lumMod val="60000"/>
+                    <a:lumOff val="40000"/>
+                  </a:schemeClr>
+                </a:outerShdw>
+              </a:effectLst>
+            </a:endParaRPr>
+          </a:p>
+        </p:txBody>
+      </p:sp>
+      <p:sp>
+        <p:nvSpPr>
+          <p:cNvPr id="18" name="矩形 17">
+            <a:extLst>
+              <a:ext uri="{FF2B5EF4-FFF2-40B4-BE49-F238E27FC236}">
+                <a16:creationId xmlns:a16="http://schemas.microsoft.com/office/drawing/2014/main" id="{1285FA54-7D41-4ADE-8983-80192C606877}"/>
+              </a:ext>
+            </a:extLst>
+          </p:cNvPr>
+          <p:cNvSpPr/>
+          <p:nvPr/>
+        </p:nvSpPr>
+        <p:spPr>
+          <a:xfrm>
+            <a:off x="1138946" y="5657761"/>
+            <a:ext cx="2264652" cy="369332"/>
+          </a:xfrm>
+          <a:prstGeom prst="rect">
+            <a:avLst/>
+          </a:prstGeom>
+          <a:noFill/>
+        </p:spPr>
+        <p:txBody>
+          <a:bodyPr wrap="square" lIns="91440" tIns="45720" rIns="91440" bIns="45720">
+            <a:spAutoFit/>
+          </a:bodyPr>
+          <a:lstStyle/>
+          <a:p>
+            <a:pPr algn="ctr"/>
+            <a:r>
+              <a:rPr lang="en-US" altLang="zh-CN" b="1" cap="none" spc="0" dirty="0" err="1">
+                <a:ln w="9525">
+                  <a:solidFill>
+                    <a:schemeClr val="bg1"/>
+                  </a:solidFill>
+                  <a:prstDash val="solid"/>
+                </a:ln>
+                <a:solidFill>
+                  <a:schemeClr val="accent5"/>
+                </a:solidFill>
+                <a:effectLst>
+                  <a:outerShdw blurRad="12700" dist="38100" dir="2700000" algn="tl" rotWithShape="0">
+                    <a:schemeClr val="accent5">
+                      <a:lumMod val="60000"/>
+                      <a:lumOff val="40000"/>
+                    </a:schemeClr>
+                  </a:outerShdw>
+                </a:effectLst>
+              </a:rPr>
+              <a:t>Arcene</a:t>
+            </a:r>
+            <a:endParaRPr lang="zh-CN" altLang="en-US" b="1" cap="none" spc="0" dirty="0">
+              <a:ln w="9525">
+                <a:solidFill>
+                  <a:schemeClr val="bg1"/>
+                </a:solidFill>
+                <a:prstDash val="solid"/>
+              </a:ln>
+              <a:solidFill>
+                <a:schemeClr val="accent5"/>
+              </a:solidFill>
+              <a:effectLst>
+                <a:outerShdw blurRad="12700" dist="38100" dir="2700000" algn="tl" rotWithShape="0">
+                  <a:schemeClr val="accent5">
+                    <a:lumMod val="60000"/>
+                    <a:lumOff val="40000"/>
+                  </a:schemeClr>
+                </a:outerShdw>
+              </a:effectLst>
+            </a:endParaRPr>
           </a:p>
         </p:txBody>
       </p:sp>
@@ -15772,6 +20130,10 @@
               <a:t>LassoGA</a:t>
             </a:r>
             <a:r>
+              <a:rPr lang="en-US" altLang="zh-CN" dirty="0"/>
+              <a:t> </a:t>
+            </a:r>
+            <a:r>
               <a:rPr lang="zh-CN" altLang="en-US" dirty="0"/>
               <a:t>结果</a:t>
             </a:r>
@@ -15797,7 +20159,7 @@
         <p:spPr>
           <a:xfrm>
             <a:off x="1371600" y="2025650"/>
-            <a:ext cx="9601200" cy="3632200"/>
+            <a:ext cx="9601200" cy="4311650"/>
           </a:xfrm>
         </p:spPr>
         <p:txBody>
@@ -15808,8 +20170,77 @@
           <a:p>
             <a:r>
               <a:rPr lang="zh-CN" altLang="en-US" dirty="0"/>
-              <a:t>未作</a:t>
+              <a:t>低维上维度缩减程度中规中矩，因为 </a:t>
             </a:r>
+            <a:r>
+              <a:rPr lang="en-US" altLang="zh-CN" dirty="0"/>
+              <a:t>Lasso </a:t>
+            </a:r>
+            <a:r>
+              <a:rPr lang="zh-CN" altLang="en-US" dirty="0"/>
+              <a:t>在低维上维度缩减效果并不好。</a:t>
+            </a:r>
+            <a:endParaRPr lang="en-US" altLang="zh-CN" dirty="0"/>
+          </a:p>
+          <a:p>
+            <a:endParaRPr lang="en-US" altLang="zh-CN" dirty="0"/>
+          </a:p>
+          <a:p>
+            <a:r>
+              <a:rPr lang="zh-CN" altLang="en-US" dirty="0"/>
+              <a:t>低维、中维、高维上的准确率均很高</a:t>
+            </a:r>
+            <a:endParaRPr lang="en-US" altLang="zh-CN" dirty="0"/>
+          </a:p>
+          <a:p>
+            <a:pPr lvl="1"/>
+            <a:r>
+              <a:rPr lang="zh-CN" altLang="en-US" dirty="0"/>
+              <a:t>说明 遗传 </a:t>
+            </a:r>
+            <a:r>
+              <a:rPr lang="en-US" altLang="zh-CN" dirty="0"/>
+              <a:t>+ Lasso </a:t>
+            </a:r>
+            <a:r>
+              <a:rPr lang="zh-CN" altLang="en-US" dirty="0"/>
+              <a:t>的效果是非常好的</a:t>
+            </a:r>
+            <a:endParaRPr lang="en-US" altLang="zh-CN" dirty="0"/>
+          </a:p>
+          <a:p>
+            <a:endParaRPr lang="en-US" altLang="zh-CN" dirty="0"/>
+          </a:p>
+          <a:p>
+            <a:r>
+              <a:rPr lang="zh-CN" altLang="en-US" dirty="0"/>
+              <a:t>运行时间可以接受，因为限制了种群的大小以及 </a:t>
+            </a:r>
+            <a:r>
+              <a:rPr lang="en-US" altLang="zh-CN" dirty="0"/>
+              <a:t>Lasso </a:t>
+            </a:r>
+            <a:r>
+              <a:rPr lang="zh-CN" altLang="en-US" dirty="0"/>
+              <a:t>第一次运行时将删去绝大多数无用特征，所以运行时间有一定保证。</a:t>
+            </a:r>
+            <a:endParaRPr lang="en-US" altLang="zh-CN" dirty="0"/>
+          </a:p>
+          <a:p>
+            <a:endParaRPr lang="en-US" altLang="zh-CN" dirty="0"/>
+          </a:p>
+          <a:p>
+            <a:r>
+              <a:rPr lang="zh-CN" altLang="en-US" dirty="0"/>
+              <a:t>效果很不错</a:t>
+            </a:r>
+            <a:endParaRPr lang="en-US" altLang="zh-CN" dirty="0"/>
+          </a:p>
+          <a:p>
+            <a:endParaRPr lang="en-US" altLang="zh-CN" dirty="0"/>
+          </a:p>
+          <a:p>
+            <a:pPr lvl="1"/>
             <a:endParaRPr lang="en-US" altLang="zh-CN" dirty="0"/>
           </a:p>
           <a:p>
@@ -15838,6 +20269,763 @@
 </file>
 
 <file path=ppt/slides/slide22.xml><?xml version="1.0" encoding="utf-8"?>
+<p:sld xmlns:a="http://schemas.openxmlformats.org/drawingml/2006/main" xmlns:r="http://schemas.openxmlformats.org/officeDocument/2006/relationships" xmlns:p="http://schemas.openxmlformats.org/presentationml/2006/main">
+  <p:cSld>
+    <p:spTree>
+      <p:nvGrpSpPr>
+        <p:cNvPr id="1" name=""/>
+        <p:cNvGrpSpPr/>
+        <p:nvPr/>
+      </p:nvGrpSpPr>
+      <p:grpSpPr>
+        <a:xfrm>
+          <a:off x="0" y="0"/>
+          <a:ext cx="0" cy="0"/>
+          <a:chOff x="0" y="0"/>
+          <a:chExt cx="0" cy="0"/>
+        </a:xfrm>
+      </p:grpSpPr>
+      <p:grpSp>
+        <p:nvGrpSpPr>
+          <p:cNvPr id="33" name="组合 32">
+            <a:extLst>
+              <a:ext uri="{FF2B5EF4-FFF2-40B4-BE49-F238E27FC236}">
+                <a16:creationId xmlns:a16="http://schemas.microsoft.com/office/drawing/2014/main" id="{F2C68FA8-9865-426C-894F-6EB89D1D6D16}"/>
+              </a:ext>
+            </a:extLst>
+          </p:cNvPr>
+          <p:cNvGrpSpPr/>
+          <p:nvPr/>
+        </p:nvGrpSpPr>
+        <p:grpSpPr>
+          <a:xfrm>
+            <a:off x="2150173" y="1354151"/>
+            <a:ext cx="8946195" cy="5139918"/>
+            <a:chOff x="1891907" y="416520"/>
+            <a:chExt cx="8946195" cy="5703361"/>
+          </a:xfrm>
+        </p:grpSpPr>
+        <p:sp>
+          <p:nvSpPr>
+            <p:cNvPr id="5" name="矩形 4">
+              <a:extLst>
+                <a:ext uri="{FF2B5EF4-FFF2-40B4-BE49-F238E27FC236}">
+                  <a16:creationId xmlns:a16="http://schemas.microsoft.com/office/drawing/2014/main" id="{70E74761-A367-4763-BC0D-689AAF8817F6}"/>
+                </a:ext>
+              </a:extLst>
+            </p:cNvPr>
+            <p:cNvSpPr/>
+            <p:nvPr/>
+          </p:nvSpPr>
+          <p:spPr>
+            <a:xfrm>
+              <a:off x="1891907" y="1035545"/>
+              <a:ext cx="2070888" cy="923330"/>
+            </a:xfrm>
+            <a:prstGeom prst="rect">
+              <a:avLst/>
+            </a:prstGeom>
+            <a:noFill/>
+          </p:spPr>
+          <p:txBody>
+            <a:bodyPr wrap="none" lIns="91440" tIns="45720" rIns="91440" bIns="45720">
+              <a:spAutoFit/>
+            </a:bodyPr>
+            <a:lstStyle/>
+            <a:p>
+              <a:pPr algn="ctr"/>
+              <a:r>
+                <a:rPr lang="en-US" altLang="zh-CN" sz="5400" b="1" cap="none" spc="0" dirty="0">
+                  <a:ln w="9525">
+                    <a:solidFill>
+                      <a:schemeClr val="bg1"/>
+                    </a:solidFill>
+                    <a:prstDash val="solid"/>
+                  </a:ln>
+                  <a:solidFill>
+                    <a:schemeClr val="tx1"/>
+                  </a:solidFill>
+                  <a:effectLst>
+                    <a:outerShdw blurRad="12700" dist="38100" dir="2700000" algn="tl" rotWithShape="0">
+                      <a:schemeClr val="bg1">
+                        <a:lumMod val="50000"/>
+                      </a:schemeClr>
+                    </a:outerShdw>
+                  </a:effectLst>
+                </a:rPr>
+                <a:t>FSFOA</a:t>
+              </a:r>
+              <a:endParaRPr lang="zh-CN" altLang="en-US" sz="5400" b="1" cap="none" spc="0" dirty="0">
+                <a:ln w="9525">
+                  <a:solidFill>
+                    <a:schemeClr val="bg1"/>
+                  </a:solidFill>
+                  <a:prstDash val="solid"/>
+                </a:ln>
+                <a:solidFill>
+                  <a:schemeClr val="tx1"/>
+                </a:solidFill>
+                <a:effectLst>
+                  <a:outerShdw blurRad="12700" dist="38100" dir="2700000" algn="tl" rotWithShape="0">
+                    <a:schemeClr val="bg1">
+                      <a:lumMod val="50000"/>
+                    </a:schemeClr>
+                  </a:outerShdw>
+                </a:effectLst>
+              </a:endParaRPr>
+            </a:p>
+          </p:txBody>
+        </p:sp>
+        <p:sp>
+          <p:nvSpPr>
+            <p:cNvPr id="6" name="矩形 5">
+              <a:extLst>
+                <a:ext uri="{FF2B5EF4-FFF2-40B4-BE49-F238E27FC236}">
+                  <a16:creationId xmlns:a16="http://schemas.microsoft.com/office/drawing/2014/main" id="{2A41E178-A335-4607-B3E9-C8D469234D62}"/>
+                </a:ext>
+              </a:extLst>
+            </p:cNvPr>
+            <p:cNvSpPr/>
+            <p:nvPr/>
+          </p:nvSpPr>
+          <p:spPr>
+            <a:xfrm>
+              <a:off x="8117293" y="416520"/>
+              <a:ext cx="2244012" cy="923330"/>
+            </a:xfrm>
+            <a:prstGeom prst="rect">
+              <a:avLst/>
+            </a:prstGeom>
+            <a:noFill/>
+          </p:spPr>
+          <p:txBody>
+            <a:bodyPr wrap="none" lIns="91440" tIns="45720" rIns="91440" bIns="45720">
+              <a:spAutoFit/>
+            </a:bodyPr>
+            <a:lstStyle/>
+            <a:p>
+              <a:pPr algn="ctr"/>
+              <a:r>
+                <a:rPr lang="en-US" altLang="zh-CN" sz="5400" b="1" cap="none" spc="0" dirty="0">
+                  <a:ln w="9525">
+                    <a:solidFill>
+                      <a:schemeClr val="bg1"/>
+                    </a:solidFill>
+                    <a:prstDash val="solid"/>
+                  </a:ln>
+                  <a:solidFill>
+                    <a:schemeClr val="tx1"/>
+                  </a:solidFill>
+                  <a:effectLst>
+                    <a:outerShdw blurRad="12700" dist="38100" dir="2700000" algn="tl" rotWithShape="0">
+                      <a:schemeClr val="bg1">
+                        <a:lumMod val="50000"/>
+                      </a:schemeClr>
+                    </a:outerShdw>
+                  </a:effectLst>
+                </a:rPr>
+                <a:t>IFSFOA</a:t>
+              </a:r>
+              <a:endParaRPr lang="zh-CN" altLang="en-US" sz="5400" b="1" cap="none" spc="0" dirty="0">
+                <a:ln w="9525">
+                  <a:solidFill>
+                    <a:schemeClr val="bg1"/>
+                  </a:solidFill>
+                  <a:prstDash val="solid"/>
+                </a:ln>
+                <a:solidFill>
+                  <a:schemeClr val="tx1"/>
+                </a:solidFill>
+                <a:effectLst>
+                  <a:outerShdw blurRad="12700" dist="38100" dir="2700000" algn="tl" rotWithShape="0">
+                    <a:schemeClr val="bg1">
+                      <a:lumMod val="50000"/>
+                    </a:schemeClr>
+                  </a:outerShdw>
+                </a:effectLst>
+              </a:endParaRPr>
+            </a:p>
+          </p:txBody>
+        </p:sp>
+        <p:sp>
+          <p:nvSpPr>
+            <p:cNvPr id="7" name="矩形 6">
+              <a:extLst>
+                <a:ext uri="{FF2B5EF4-FFF2-40B4-BE49-F238E27FC236}">
+                  <a16:creationId xmlns:a16="http://schemas.microsoft.com/office/drawing/2014/main" id="{9B1B1313-EBDE-4DB4-A9FD-CC6411696BDE}"/>
+                </a:ext>
+              </a:extLst>
+            </p:cNvPr>
+            <p:cNvSpPr/>
+            <p:nvPr/>
+          </p:nvSpPr>
+          <p:spPr>
+            <a:xfrm>
+              <a:off x="8117293" y="1510605"/>
+              <a:ext cx="2450799" cy="923330"/>
+            </a:xfrm>
+            <a:prstGeom prst="rect">
+              <a:avLst/>
+            </a:prstGeom>
+            <a:noFill/>
+          </p:spPr>
+          <p:txBody>
+            <a:bodyPr wrap="none" lIns="91440" tIns="45720" rIns="91440" bIns="45720">
+              <a:spAutoFit/>
+            </a:bodyPr>
+            <a:lstStyle/>
+            <a:p>
+              <a:pPr algn="ctr"/>
+              <a:r>
+                <a:rPr lang="en-US" altLang="zh-CN" sz="5400" b="1" dirty="0">
+                  <a:ln w="9525">
+                    <a:solidFill>
+                      <a:schemeClr val="bg1"/>
+                    </a:solidFill>
+                    <a:prstDash val="solid"/>
+                  </a:ln>
+                  <a:effectLst>
+                    <a:outerShdw blurRad="12700" dist="38100" dir="2700000" algn="tl" rotWithShape="0">
+                      <a:schemeClr val="bg1">
+                        <a:lumMod val="50000"/>
+                      </a:schemeClr>
+                    </a:outerShdw>
+                  </a:effectLst>
+                </a:rPr>
+                <a:t>E</a:t>
+              </a:r>
+              <a:r>
+                <a:rPr lang="en-US" altLang="zh-CN" sz="5400" b="1" cap="none" spc="0" dirty="0">
+                  <a:ln w="9525">
+                    <a:solidFill>
+                      <a:schemeClr val="bg1"/>
+                    </a:solidFill>
+                    <a:prstDash val="solid"/>
+                  </a:ln>
+                  <a:solidFill>
+                    <a:schemeClr val="tx1"/>
+                  </a:solidFill>
+                  <a:effectLst>
+                    <a:outerShdw blurRad="12700" dist="38100" dir="2700000" algn="tl" rotWithShape="0">
+                      <a:schemeClr val="bg1">
+                        <a:lumMod val="50000"/>
+                      </a:schemeClr>
+                    </a:outerShdw>
+                  </a:effectLst>
+                </a:rPr>
+                <a:t>FSFOA</a:t>
+              </a:r>
+              <a:endParaRPr lang="zh-CN" altLang="en-US" sz="5400" b="1" cap="none" spc="0" dirty="0">
+                <a:ln w="9525">
+                  <a:solidFill>
+                    <a:schemeClr val="bg1"/>
+                  </a:solidFill>
+                  <a:prstDash val="solid"/>
+                </a:ln>
+                <a:solidFill>
+                  <a:schemeClr val="tx1"/>
+                </a:solidFill>
+                <a:effectLst>
+                  <a:outerShdw blurRad="12700" dist="38100" dir="2700000" algn="tl" rotWithShape="0">
+                    <a:schemeClr val="bg1">
+                      <a:lumMod val="50000"/>
+                    </a:schemeClr>
+                  </a:outerShdw>
+                </a:effectLst>
+              </a:endParaRPr>
+            </a:p>
+          </p:txBody>
+        </p:sp>
+        <p:cxnSp>
+          <p:nvCxnSpPr>
+            <p:cNvPr id="12" name="直接箭头连接符 11">
+              <a:extLst>
+                <a:ext uri="{FF2B5EF4-FFF2-40B4-BE49-F238E27FC236}">
+                  <a16:creationId xmlns:a16="http://schemas.microsoft.com/office/drawing/2014/main" id="{2FE0779F-D2E9-42A4-8DF9-3643C60776E4}"/>
+                </a:ext>
+              </a:extLst>
+            </p:cNvPr>
+            <p:cNvCxnSpPr>
+              <a:stCxn id="5" idx="3"/>
+              <a:endCxn id="6" idx="1"/>
+            </p:cNvCxnSpPr>
+            <p:nvPr/>
+          </p:nvCxnSpPr>
+          <p:spPr>
+            <a:xfrm flipV="1">
+              <a:off x="3962795" y="878185"/>
+              <a:ext cx="4154498" cy="619025"/>
+            </a:xfrm>
+            <a:prstGeom prst="straightConnector1">
+              <a:avLst/>
+            </a:prstGeom>
+            <a:ln w="63500">
+              <a:tailEnd type="triangle"/>
+            </a:ln>
+          </p:spPr>
+          <p:style>
+            <a:lnRef idx="1">
+              <a:schemeClr val="accent1"/>
+            </a:lnRef>
+            <a:fillRef idx="0">
+              <a:schemeClr val="accent1"/>
+            </a:fillRef>
+            <a:effectRef idx="0">
+              <a:schemeClr val="accent1"/>
+            </a:effectRef>
+            <a:fontRef idx="minor">
+              <a:schemeClr val="tx1"/>
+            </a:fontRef>
+          </p:style>
+        </p:cxnSp>
+        <p:cxnSp>
+          <p:nvCxnSpPr>
+            <p:cNvPr id="14" name="直接箭头连接符 13">
+              <a:extLst>
+                <a:ext uri="{FF2B5EF4-FFF2-40B4-BE49-F238E27FC236}">
+                  <a16:creationId xmlns:a16="http://schemas.microsoft.com/office/drawing/2014/main" id="{332986CB-9268-4BEC-9D03-654463E46299}"/>
+                </a:ext>
+              </a:extLst>
+            </p:cNvPr>
+            <p:cNvCxnSpPr>
+              <a:cxnSpLocks/>
+              <a:stCxn id="5" idx="3"/>
+              <a:endCxn id="7" idx="1"/>
+            </p:cNvCxnSpPr>
+            <p:nvPr/>
+          </p:nvCxnSpPr>
+          <p:spPr>
+            <a:xfrm>
+              <a:off x="3962795" y="1497210"/>
+              <a:ext cx="4154498" cy="475060"/>
+            </a:xfrm>
+            <a:prstGeom prst="straightConnector1">
+              <a:avLst/>
+            </a:prstGeom>
+            <a:ln w="63500">
+              <a:tailEnd type="triangle"/>
+            </a:ln>
+          </p:spPr>
+          <p:style>
+            <a:lnRef idx="1">
+              <a:schemeClr val="accent1"/>
+            </a:lnRef>
+            <a:fillRef idx="0">
+              <a:schemeClr val="accent1"/>
+            </a:fillRef>
+            <a:effectRef idx="0">
+              <a:schemeClr val="accent1"/>
+            </a:effectRef>
+            <a:fontRef idx="minor">
+              <a:schemeClr val="tx1"/>
+            </a:fontRef>
+          </p:style>
+        </p:cxnSp>
+        <p:sp>
+          <p:nvSpPr>
+            <p:cNvPr id="16" name="矩形 15">
+              <a:extLst>
+                <a:ext uri="{FF2B5EF4-FFF2-40B4-BE49-F238E27FC236}">
+                  <a16:creationId xmlns:a16="http://schemas.microsoft.com/office/drawing/2014/main" id="{87C2AEAE-CF39-48CC-A92A-0C570B84A280}"/>
+                </a:ext>
+              </a:extLst>
+            </p:cNvPr>
+            <p:cNvSpPr/>
+            <p:nvPr/>
+          </p:nvSpPr>
+          <p:spPr>
+            <a:xfrm>
+              <a:off x="2066122" y="4275298"/>
+              <a:ext cx="1896673" cy="923330"/>
+            </a:xfrm>
+            <a:prstGeom prst="rect">
+              <a:avLst/>
+            </a:prstGeom>
+            <a:noFill/>
+          </p:spPr>
+          <p:txBody>
+            <a:bodyPr wrap="none" lIns="91440" tIns="45720" rIns="91440" bIns="45720">
+              <a:spAutoFit/>
+            </a:bodyPr>
+            <a:lstStyle/>
+            <a:p>
+              <a:pPr algn="ctr"/>
+              <a:r>
+                <a:rPr lang="en-US" altLang="zh-CN" sz="5400" b="1" cap="none" spc="0" dirty="0">
+                  <a:ln w="12700">
+                    <a:solidFill>
+                      <a:schemeClr val="accent3">
+                        <a:lumMod val="50000"/>
+                      </a:schemeClr>
+                    </a:solidFill>
+                    <a:prstDash val="solid"/>
+                  </a:ln>
+                  <a:pattFill prst="narHorz">
+                    <a:fgClr>
+                      <a:schemeClr val="accent3"/>
+                    </a:fgClr>
+                    <a:bgClr>
+                      <a:schemeClr val="accent3">
+                        <a:lumMod val="40000"/>
+                        <a:lumOff val="60000"/>
+                      </a:schemeClr>
+                    </a:bgClr>
+                  </a:pattFill>
+                  <a:effectLst>
+                    <a:innerShdw blurRad="177800">
+                      <a:schemeClr val="accent3">
+                        <a:lumMod val="50000"/>
+                      </a:schemeClr>
+                    </a:innerShdw>
+                  </a:effectLst>
+                </a:rPr>
+                <a:t>Lasso</a:t>
+              </a:r>
+            </a:p>
+          </p:txBody>
+        </p:sp>
+        <p:sp>
+          <p:nvSpPr>
+            <p:cNvPr id="17" name="矩形 16">
+              <a:extLst>
+                <a:ext uri="{FF2B5EF4-FFF2-40B4-BE49-F238E27FC236}">
+                  <a16:creationId xmlns:a16="http://schemas.microsoft.com/office/drawing/2014/main" id="{61CCC14B-9EA6-4FCB-A741-100CFB309211}"/>
+                </a:ext>
+              </a:extLst>
+            </p:cNvPr>
+            <p:cNvSpPr/>
+            <p:nvPr/>
+          </p:nvSpPr>
+          <p:spPr>
+            <a:xfrm>
+              <a:off x="8172592" y="5196551"/>
+              <a:ext cx="1829348" cy="923330"/>
+            </a:xfrm>
+            <a:prstGeom prst="rect">
+              <a:avLst/>
+            </a:prstGeom>
+            <a:noFill/>
+          </p:spPr>
+          <p:txBody>
+            <a:bodyPr wrap="none" lIns="91440" tIns="45720" rIns="91440" bIns="45720">
+              <a:spAutoFit/>
+            </a:bodyPr>
+            <a:lstStyle/>
+            <a:p>
+              <a:pPr algn="ctr"/>
+              <a:r>
+                <a:rPr lang="en-US" altLang="zh-CN" sz="5400" b="1" dirty="0">
+                  <a:ln w="12700">
+                    <a:solidFill>
+                      <a:schemeClr val="accent3">
+                        <a:lumMod val="50000"/>
+                      </a:schemeClr>
+                    </a:solidFill>
+                    <a:prstDash val="solid"/>
+                  </a:ln>
+                  <a:pattFill prst="narHorz">
+                    <a:fgClr>
+                      <a:schemeClr val="accent3"/>
+                    </a:fgClr>
+                    <a:bgClr>
+                      <a:schemeClr val="accent3">
+                        <a:lumMod val="40000"/>
+                        <a:lumOff val="60000"/>
+                      </a:schemeClr>
+                    </a:bgClr>
+                  </a:pattFill>
+                  <a:effectLst>
+                    <a:innerShdw blurRad="177800">
+                      <a:schemeClr val="accent3">
+                        <a:lumMod val="50000"/>
+                      </a:schemeClr>
+                    </a:innerShdw>
+                  </a:effectLst>
+                </a:rPr>
+                <a:t>GDFS</a:t>
+              </a:r>
+              <a:endParaRPr lang="en-US" altLang="zh-CN" sz="5400" b="1" cap="none" spc="0" dirty="0">
+                <a:ln w="12700">
+                  <a:solidFill>
+                    <a:schemeClr val="accent3">
+                      <a:lumMod val="50000"/>
+                    </a:schemeClr>
+                  </a:solidFill>
+                  <a:prstDash val="solid"/>
+                </a:ln>
+                <a:pattFill prst="narHorz">
+                  <a:fgClr>
+                    <a:schemeClr val="accent3"/>
+                  </a:fgClr>
+                  <a:bgClr>
+                    <a:schemeClr val="accent3">
+                      <a:lumMod val="40000"/>
+                      <a:lumOff val="60000"/>
+                    </a:schemeClr>
+                  </a:bgClr>
+                </a:pattFill>
+                <a:effectLst>
+                  <a:innerShdw blurRad="177800">
+                    <a:schemeClr val="accent3">
+                      <a:lumMod val="50000"/>
+                    </a:schemeClr>
+                  </a:innerShdw>
+                </a:effectLst>
+              </a:endParaRPr>
+            </a:p>
+          </p:txBody>
+        </p:sp>
+        <p:cxnSp>
+          <p:nvCxnSpPr>
+            <p:cNvPr id="19" name="直接箭头连接符 18">
+              <a:extLst>
+                <a:ext uri="{FF2B5EF4-FFF2-40B4-BE49-F238E27FC236}">
+                  <a16:creationId xmlns:a16="http://schemas.microsoft.com/office/drawing/2014/main" id="{DA4381B0-74F0-4933-AE68-A4D695E8AB15}"/>
+                </a:ext>
+              </a:extLst>
+            </p:cNvPr>
+            <p:cNvCxnSpPr>
+              <a:stCxn id="16" idx="3"/>
+              <a:endCxn id="17" idx="1"/>
+            </p:cNvCxnSpPr>
+            <p:nvPr/>
+          </p:nvCxnSpPr>
+          <p:spPr>
+            <a:xfrm>
+              <a:off x="3962795" y="4736963"/>
+              <a:ext cx="4209797" cy="921253"/>
+            </a:xfrm>
+            <a:prstGeom prst="straightConnector1">
+              <a:avLst/>
+            </a:prstGeom>
+            <a:ln w="63500">
+              <a:tailEnd type="triangle"/>
+            </a:ln>
+          </p:spPr>
+          <p:style>
+            <a:lnRef idx="1">
+              <a:schemeClr val="accent1"/>
+            </a:lnRef>
+            <a:fillRef idx="0">
+              <a:schemeClr val="accent1"/>
+            </a:fillRef>
+            <a:effectRef idx="0">
+              <a:schemeClr val="accent1"/>
+            </a:effectRef>
+            <a:fontRef idx="minor">
+              <a:schemeClr val="tx1"/>
+            </a:fontRef>
+          </p:style>
+        </p:cxnSp>
+        <p:sp>
+          <p:nvSpPr>
+            <p:cNvPr id="21" name="矩形 20">
+              <a:extLst>
+                <a:ext uri="{FF2B5EF4-FFF2-40B4-BE49-F238E27FC236}">
+                  <a16:creationId xmlns:a16="http://schemas.microsoft.com/office/drawing/2014/main" id="{69BA3E14-9466-4FE9-8A39-325C69B9BC6F}"/>
+                </a:ext>
+              </a:extLst>
+            </p:cNvPr>
+            <p:cNvSpPr/>
+            <p:nvPr/>
+          </p:nvSpPr>
+          <p:spPr>
+            <a:xfrm>
+              <a:off x="8117293" y="3151958"/>
+              <a:ext cx="2720809" cy="923330"/>
+            </a:xfrm>
+            <a:prstGeom prst="rect">
+              <a:avLst/>
+            </a:prstGeom>
+            <a:noFill/>
+          </p:spPr>
+          <p:txBody>
+            <a:bodyPr wrap="none" lIns="91440" tIns="45720" rIns="91440" bIns="45720">
+              <a:spAutoFit/>
+            </a:bodyPr>
+            <a:lstStyle/>
+            <a:p>
+              <a:pPr algn="ctr"/>
+              <a:r>
+                <a:rPr lang="en-US" altLang="zh-CN" sz="5400" b="1" cap="none" spc="0" dirty="0" err="1">
+                  <a:ln w="22225">
+                    <a:solidFill>
+                      <a:schemeClr val="accent2"/>
+                    </a:solidFill>
+                    <a:prstDash val="solid"/>
+                  </a:ln>
+                  <a:solidFill>
+                    <a:schemeClr val="accent2">
+                      <a:lumMod val="40000"/>
+                      <a:lumOff val="60000"/>
+                    </a:schemeClr>
+                  </a:solidFill>
+                  <a:effectLst/>
+                </a:rPr>
+                <a:t>LassoGA</a:t>
+              </a:r>
+              <a:endParaRPr lang="zh-CN" altLang="en-US" sz="5400" b="1" cap="none" spc="0" dirty="0">
+                <a:ln w="22225">
+                  <a:solidFill>
+                    <a:schemeClr val="accent2"/>
+                  </a:solidFill>
+                  <a:prstDash val="solid"/>
+                </a:ln>
+                <a:solidFill>
+                  <a:schemeClr val="accent2">
+                    <a:lumMod val="40000"/>
+                    <a:lumOff val="60000"/>
+                  </a:schemeClr>
+                </a:solidFill>
+                <a:effectLst/>
+              </a:endParaRPr>
+            </a:p>
+          </p:txBody>
+        </p:sp>
+        <p:cxnSp>
+          <p:nvCxnSpPr>
+            <p:cNvPr id="23" name="直接箭头连接符 22">
+              <a:extLst>
+                <a:ext uri="{FF2B5EF4-FFF2-40B4-BE49-F238E27FC236}">
+                  <a16:creationId xmlns:a16="http://schemas.microsoft.com/office/drawing/2014/main" id="{1DA4CF12-6531-4FAA-B747-1D9C796AE1A1}"/>
+                </a:ext>
+              </a:extLst>
+            </p:cNvPr>
+            <p:cNvCxnSpPr>
+              <a:stCxn id="5" idx="3"/>
+              <a:endCxn id="21" idx="1"/>
+            </p:cNvCxnSpPr>
+            <p:nvPr/>
+          </p:nvCxnSpPr>
+          <p:spPr>
+            <a:xfrm>
+              <a:off x="3962795" y="1497210"/>
+              <a:ext cx="4154498" cy="2116413"/>
+            </a:xfrm>
+            <a:prstGeom prst="straightConnector1">
+              <a:avLst/>
+            </a:prstGeom>
+            <a:ln w="63500">
+              <a:solidFill>
+                <a:schemeClr val="accent5">
+                  <a:lumMod val="60000"/>
+                  <a:lumOff val="40000"/>
+                </a:schemeClr>
+              </a:solidFill>
+              <a:tailEnd type="triangle"/>
+            </a:ln>
+          </p:spPr>
+          <p:style>
+            <a:lnRef idx="1">
+              <a:schemeClr val="accent1"/>
+            </a:lnRef>
+            <a:fillRef idx="0">
+              <a:schemeClr val="accent1"/>
+            </a:fillRef>
+            <a:effectRef idx="0">
+              <a:schemeClr val="accent1"/>
+            </a:effectRef>
+            <a:fontRef idx="minor">
+              <a:schemeClr val="tx1"/>
+            </a:fontRef>
+          </p:style>
+        </p:cxnSp>
+        <p:cxnSp>
+          <p:nvCxnSpPr>
+            <p:cNvPr id="25" name="直接箭头连接符 24">
+              <a:extLst>
+                <a:ext uri="{FF2B5EF4-FFF2-40B4-BE49-F238E27FC236}">
+                  <a16:creationId xmlns:a16="http://schemas.microsoft.com/office/drawing/2014/main" id="{CEB8D5CC-FFD1-4414-B976-BBAA9A8D7672}"/>
+                </a:ext>
+              </a:extLst>
+            </p:cNvPr>
+            <p:cNvCxnSpPr>
+              <a:stCxn id="16" idx="3"/>
+              <a:endCxn id="21" idx="1"/>
+            </p:cNvCxnSpPr>
+            <p:nvPr/>
+          </p:nvCxnSpPr>
+          <p:spPr>
+            <a:xfrm flipV="1">
+              <a:off x="3962795" y="3613623"/>
+              <a:ext cx="4154498" cy="1123340"/>
+            </a:xfrm>
+            <a:prstGeom prst="straightConnector1">
+              <a:avLst/>
+            </a:prstGeom>
+            <a:ln w="63500">
+              <a:solidFill>
+                <a:schemeClr val="accent5">
+                  <a:lumMod val="60000"/>
+                  <a:lumOff val="40000"/>
+                </a:schemeClr>
+              </a:solidFill>
+              <a:tailEnd type="triangle"/>
+            </a:ln>
+          </p:spPr>
+          <p:style>
+            <a:lnRef idx="1">
+              <a:schemeClr val="accent1"/>
+            </a:lnRef>
+            <a:fillRef idx="0">
+              <a:schemeClr val="accent1"/>
+            </a:fillRef>
+            <a:effectRef idx="0">
+              <a:schemeClr val="accent1"/>
+            </a:effectRef>
+            <a:fontRef idx="minor">
+              <a:schemeClr val="tx1"/>
+            </a:fontRef>
+          </p:style>
+        </p:cxnSp>
+      </p:grpSp>
+      <p:sp>
+        <p:nvSpPr>
+          <p:cNvPr id="34" name="标题 1">
+            <a:extLst>
+              <a:ext uri="{FF2B5EF4-FFF2-40B4-BE49-F238E27FC236}">
+                <a16:creationId xmlns:a16="http://schemas.microsoft.com/office/drawing/2014/main" id="{599BC40C-8DB1-45D8-BF19-97A5D5121FD9}"/>
+              </a:ext>
+            </a:extLst>
+          </p:cNvPr>
+          <p:cNvSpPr>
+            <a:spLocks noGrp="1"/>
+          </p:cNvSpPr>
+          <p:nvPr>
+            <p:ph type="title"/>
+          </p:nvPr>
+        </p:nvSpPr>
+        <p:spPr>
+          <a:xfrm>
+            <a:off x="1371600" y="685800"/>
+            <a:ext cx="9601200" cy="977814"/>
+          </a:xfrm>
+        </p:spPr>
+        <p:txBody>
+          <a:bodyPr/>
+          <a:lstStyle/>
+          <a:p>
+            <a:r>
+              <a:rPr lang="zh-CN" altLang="en-US" dirty="0"/>
+              <a:t>总结</a:t>
+            </a:r>
+          </a:p>
+        </p:txBody>
+      </p:sp>
+    </p:spTree>
+    <p:extLst>
+      <p:ext uri="{BB962C8B-B14F-4D97-AF65-F5344CB8AC3E}">
+        <p14:creationId xmlns:p14="http://schemas.microsoft.com/office/powerpoint/2010/main" val="175614385"/>
+      </p:ext>
+    </p:extLst>
+  </p:cSld>
+  <p:clrMapOvr>
+    <a:masterClrMapping/>
+  </p:clrMapOvr>
+</p:sld>
+</file>
+
+<file path=ppt/slides/slide23.xml><?xml version="1.0" encoding="utf-8"?>
 <p:sld xmlns:a="http://schemas.openxmlformats.org/drawingml/2006/main" xmlns:r="http://schemas.openxmlformats.org/officeDocument/2006/relationships" xmlns:p="http://schemas.openxmlformats.org/presentationml/2006/main">
   <p:cSld>
     <p:spTree>
@@ -15925,7 +21113,7 @@
 </p:sld>
 </file>
 
-<file path=ppt/slides/slide23.xml><?xml version="1.0" encoding="utf-8"?>
+<file path=ppt/slides/slide24.xml><?xml version="1.0" encoding="utf-8"?>
 <p:sld xmlns:a="http://schemas.openxmlformats.org/drawingml/2006/main" xmlns:r="http://schemas.openxmlformats.org/officeDocument/2006/relationships" xmlns:p="http://schemas.openxmlformats.org/presentationml/2006/main">
   <p:cSld>
     <p:spTree>

--- a/Doc/Pre.pptx
+++ b/Doc/Pre.pptx
@@ -305,7 +305,7 @@
             <a:fld id="{87DE6118-2437-4B30-8E3C-4D2BE6020583}" type="datetimeFigureOut">
               <a:rPr lang="en-US" dirty="0"/>
               <a:pPr/>
-              <a:t>9/24/2019</a:t>
+              <a:t>9/25/19</a:t>
             </a:fld>
             <a:endParaRPr lang="en-US" dirty="0"/>
           </a:p>
@@ -631,7 +631,7 @@
           <a:p>
             <a:fld id="{87DE6118-2437-4B30-8E3C-4D2BE6020583}" type="datetimeFigureOut">
               <a:rPr lang="en-US" dirty="0"/>
-              <a:t>9/24/2019</a:t>
+              <a:t>9/25/19</a:t>
             </a:fld>
             <a:endParaRPr lang="en-US" dirty="0"/>
           </a:p>
@@ -806,7 +806,7 @@
           <a:p>
             <a:fld id="{87DE6118-2437-4B30-8E3C-4D2BE6020583}" type="datetimeFigureOut">
               <a:rPr lang="en-US" dirty="0"/>
-              <a:t>9/24/2019</a:t>
+              <a:t>9/25/19</a:t>
             </a:fld>
             <a:endParaRPr lang="en-US" dirty="0"/>
           </a:p>
@@ -971,7 +971,7 @@
           <a:p>
             <a:fld id="{87DE6118-2437-4B30-8E3C-4D2BE6020583}" type="datetimeFigureOut">
               <a:rPr lang="en-US" dirty="0"/>
-              <a:t>9/24/2019</a:t>
+              <a:t>9/25/19</a:t>
             </a:fld>
             <a:endParaRPr lang="en-US" dirty="0"/>
           </a:p>
@@ -1244,7 +1244,7 @@
             <a:fld id="{87DE6118-2437-4B30-8E3C-4D2BE6020583}" type="datetimeFigureOut">
               <a:rPr lang="en-US" dirty="0"/>
               <a:pPr/>
-              <a:t>9/24/2019</a:t>
+              <a:t>9/25/19</a:t>
             </a:fld>
             <a:endParaRPr lang="en-US" dirty="0"/>
           </a:p>
@@ -1634,7 +1634,7 @@
           <a:p>
             <a:fld id="{87DE6118-2437-4B30-8E3C-4D2BE6020583}" type="datetimeFigureOut">
               <a:rPr lang="en-US" dirty="0"/>
-              <a:t>9/24/2019</a:t>
+              <a:t>9/25/19</a:t>
             </a:fld>
             <a:endParaRPr lang="en-US" dirty="0"/>
           </a:p>
@@ -2106,7 +2106,7 @@
           <a:p>
             <a:fld id="{87DE6118-2437-4B30-8E3C-4D2BE6020583}" type="datetimeFigureOut">
               <a:rPr lang="en-US" dirty="0"/>
-              <a:t>9/24/2019</a:t>
+              <a:t>9/25/19</a:t>
             </a:fld>
             <a:endParaRPr lang="en-US" dirty="0"/>
           </a:p>
@@ -2219,7 +2219,7 @@
           <a:p>
             <a:fld id="{87DE6118-2437-4B30-8E3C-4D2BE6020583}" type="datetimeFigureOut">
               <a:rPr lang="en-US" dirty="0"/>
-              <a:t>9/24/2019</a:t>
+              <a:t>9/25/19</a:t>
             </a:fld>
             <a:endParaRPr lang="en-US" dirty="0"/>
           </a:p>
@@ -2309,7 +2309,7 @@
           <a:p>
             <a:fld id="{87DE6118-2437-4B30-8E3C-4D2BE6020583}" type="datetimeFigureOut">
               <a:rPr lang="en-US" dirty="0"/>
-              <a:t>9/24/2019</a:t>
+              <a:t>9/25/19</a:t>
             </a:fld>
             <a:endParaRPr lang="en-US" dirty="0"/>
           </a:p>
@@ -2651,7 +2651,7 @@
             <a:fld id="{87DE6118-2437-4B30-8E3C-4D2BE6020583}" type="datetimeFigureOut">
               <a:rPr lang="en-US" dirty="0"/>
               <a:pPr/>
-              <a:t>9/24/2019</a:t>
+              <a:t>9/25/19</a:t>
             </a:fld>
             <a:endParaRPr lang="en-US" dirty="0"/>
           </a:p>
@@ -3036,7 +3036,7 @@
             <a:fld id="{87DE6118-2437-4B30-8E3C-4D2BE6020583}" type="datetimeFigureOut">
               <a:rPr lang="en-US" dirty="0"/>
               <a:pPr/>
-              <a:t>9/24/2019</a:t>
+              <a:t>9/25/19</a:t>
             </a:fld>
             <a:endParaRPr lang="en-US" dirty="0"/>
           </a:p>
@@ -3311,7 +3311,7 @@
             <a:fld id="{87DE6118-2437-4B30-8E3C-4D2BE6020583}" type="datetimeFigureOut">
               <a:rPr lang="en-US" dirty="0"/>
               <a:pPr/>
-              <a:t>9/24/2019</a:t>
+              <a:t>9/25/19</a:t>
             </a:fld>
             <a:endParaRPr lang="en-US" dirty="0"/>
           </a:p>
@@ -4555,8 +4555,8 @@
           </a:p>
         </p:txBody>
       </p:sp>
-      <mc:AlternateContent xmlns:mc="http://schemas.openxmlformats.org/markup-compatibility/2006">
-        <mc:Choice xmlns:a14="http://schemas.microsoft.com/office/drawing/2010/main" Requires="a14">
+      <mc:AlternateContent xmlns:mc="http://schemas.openxmlformats.org/markup-compatibility/2006" xmlns:a14="http://schemas.microsoft.com/office/drawing/2010/main">
+        <mc:Choice Requires="a14">
           <p:sp>
             <p:nvSpPr>
               <p:cNvPr id="3" name="竖排文字占位符 2">
@@ -5207,7 +5207,7 @@
             </p:txBody>
           </p:sp>
         </mc:Choice>
-        <mc:Fallback>
+        <mc:Fallback xmlns="">
           <p:sp>
             <p:nvSpPr>
               <p:cNvPr id="3" name="竖排文字占位符 2">
@@ -8486,8 +8486,8 @@
           </a:p>
         </p:txBody>
       </p:sp>
-      <mc:AlternateContent xmlns:mc="http://schemas.openxmlformats.org/markup-compatibility/2006">
-        <mc:Choice xmlns:a14="http://schemas.microsoft.com/office/drawing/2010/main" Requires="a14">
+      <mc:AlternateContent xmlns:mc="http://schemas.openxmlformats.org/markup-compatibility/2006" xmlns:a14="http://schemas.microsoft.com/office/drawing/2010/main">
+        <mc:Choice Requires="a14">
           <p:sp>
             <p:nvSpPr>
               <p:cNvPr id="3" name="竖排文字占位符 2">
@@ -8641,7 +8641,7 @@
             </p:txBody>
           </p:sp>
         </mc:Choice>
-        <mc:Fallback>
+        <mc:Fallback xmlns="">
           <p:sp>
             <p:nvSpPr>
               <p:cNvPr id="3" name="竖排文字占位符 2">
@@ -9900,8 +9900,8 @@
           </a:p>
         </p:txBody>
       </p:sp>
-      <mc:AlternateContent xmlns:mc="http://schemas.openxmlformats.org/markup-compatibility/2006">
-        <mc:Choice xmlns:a14="http://schemas.microsoft.com/office/drawing/2010/main" Requires="a14">
+      <mc:AlternateContent xmlns:mc="http://schemas.openxmlformats.org/markup-compatibility/2006" xmlns:a14="http://schemas.microsoft.com/office/drawing/2010/main">
+        <mc:Choice Requires="a14">
           <p:sp>
             <p:nvSpPr>
               <p:cNvPr id="3" name="竖排文字占位符 2">
@@ -10401,7 +10401,7 @@
             </p:txBody>
           </p:sp>
         </mc:Choice>
-        <mc:Fallback>
+        <mc:Fallback xmlns="">
           <p:sp>
             <p:nvSpPr>
               <p:cNvPr id="3" name="竖排文字占位符 2">
@@ -13840,8 +13840,8 @@
           </a:p>
         </p:txBody>
       </p:sp>
-      <mc:AlternateContent xmlns:mc="http://schemas.openxmlformats.org/markup-compatibility/2006">
-        <mc:Choice xmlns:a14="http://schemas.microsoft.com/office/drawing/2010/main" Requires="a14">
+      <mc:AlternateContent xmlns:mc="http://schemas.openxmlformats.org/markup-compatibility/2006" xmlns:a14="http://schemas.microsoft.com/office/drawing/2010/main">
+        <mc:Choice Requires="a14">
           <p:sp>
             <p:nvSpPr>
               <p:cNvPr id="3" name="竖排文字占位符 2">
@@ -14116,7 +14116,7 @@
                         <m:sSub>
                           <m:sSubPr>
                             <m:ctrlPr>
-                              <a:rPr lang="en-US" altLang="zh-CN" b="0" i="0" smtClean="0">
+                              <a:rPr lang="en-US" altLang="zh-CN" b="0" i="1" smtClean="0">
                                 <a:latin typeface="Cambria Math" panose="02040503050406030204" pitchFamily="18" charset="0"/>
                               </a:rPr>
                             </m:ctrlPr>
@@ -14318,7 +14318,7 @@
             </p:txBody>
           </p:sp>
         </mc:Choice>
-        <mc:Fallback>
+        <mc:Fallback xmlns="">
           <p:sp>
             <p:nvSpPr>
               <p:cNvPr id="3" name="竖排文字占位符 2">
@@ -14421,8 +14421,8 @@
           </a:p>
         </p:txBody>
       </p:sp>
-      <mc:AlternateContent xmlns:mc="http://schemas.openxmlformats.org/markup-compatibility/2006">
-        <mc:Choice xmlns:a14="http://schemas.microsoft.com/office/drawing/2010/main" Requires="a14">
+      <mc:AlternateContent xmlns:mc="http://schemas.openxmlformats.org/markup-compatibility/2006" xmlns:a14="http://schemas.microsoft.com/office/drawing/2010/main">
+        <mc:Choice Requires="a14">
           <p:sp>
             <p:nvSpPr>
               <p:cNvPr id="3" name="竖排文字占位符 2">
@@ -14571,13 +14571,7 @@
                       <a:rPr lang="en-US" altLang="zh-CN" i="1" dirty="0" err="1">
                         <a:latin typeface="Cambria Math" panose="02040503050406030204" pitchFamily="18" charset="0"/>
                       </a:rPr>
-                      <m:t>𝑢</m:t>
-                    </m:r>
-                    <m:r>
-                      <a:rPr lang="en-US" altLang="zh-CN" i="1" dirty="0" err="1">
-                        <a:latin typeface="Cambria Math" panose="02040503050406030204" pitchFamily="18" charset="0"/>
-                      </a:rPr>
-                      <m:t>𝑡𝑎𝑡𝑖𝑜</m:t>
+                      <m:t>𝑢𝑡𝑎𝑡𝑖𝑜</m:t>
                     </m:r>
                     <m:r>
                       <m:rPr>
@@ -14834,7 +14828,7 @@
                     <m:func>
                       <m:funcPr>
                         <m:ctrlPr>
-                          <a:rPr lang="en-US" altLang="zh-CN">
+                          <a:rPr lang="en-US" altLang="zh-CN" i="1">
                             <a:latin typeface="Cambria Math" panose="02040503050406030204" pitchFamily="18" charset="0"/>
                           </a:rPr>
                         </m:ctrlPr>
@@ -14843,7 +14837,7 @@
                         <m:sSub>
                           <m:sSubPr>
                             <m:ctrlPr>
-                              <a:rPr lang="en-US" altLang="zh-CN">
+                              <a:rPr lang="en-US" altLang="zh-CN" i="1">
                                 <a:latin typeface="Cambria Math" panose="02040503050406030204" pitchFamily="18" charset="0"/>
                               </a:rPr>
                             </m:ctrlPr>
@@ -14888,7 +14882,7 @@
                         <m:sSub>
                           <m:sSubPr>
                             <m:ctrlPr>
-                              <a:rPr lang="en-US" altLang="zh-CN">
+                              <a:rPr lang="en-US" altLang="zh-CN" i="1">
                                 <a:latin typeface="Cambria Math" panose="02040503050406030204" pitchFamily="18" charset="0"/>
                               </a:rPr>
                             </m:ctrlPr>
@@ -14961,7 +14955,7 @@
                     <m:d>
                       <m:dPr>
                         <m:ctrlPr>
-                          <a:rPr lang="en-US" altLang="zh-CN">
+                          <a:rPr lang="en-US" altLang="zh-CN" i="1">
                             <a:latin typeface="Cambria Math" panose="02040503050406030204" pitchFamily="18" charset="0"/>
                           </a:rPr>
                         </m:ctrlPr>
@@ -14970,7 +14964,7 @@
                         <m:func>
                           <m:funcPr>
                             <m:ctrlPr>
-                              <a:rPr lang="en-US" altLang="zh-CN">
+                              <a:rPr lang="en-US" altLang="zh-CN" i="1">
                                 <a:latin typeface="Cambria Math" panose="02040503050406030204" pitchFamily="18" charset="0"/>
                               </a:rPr>
                             </m:ctrlPr>
@@ -14979,7 +14973,7 @@
                             <m:sSub>
                               <m:sSubPr>
                                 <m:ctrlPr>
-                                  <a:rPr lang="en-US" altLang="zh-CN">
+                                  <a:rPr lang="en-US" altLang="zh-CN" i="1">
                                     <a:latin typeface="Cambria Math" panose="02040503050406030204" pitchFamily="18" charset="0"/>
                                   </a:rPr>
                                 </m:ctrlPr>
@@ -15009,7 +15003,7 @@
                             <m:sSub>
                               <m:sSubPr>
                                 <m:ctrlPr>
-                                  <a:rPr lang="en-US" altLang="zh-CN">
+                                  <a:rPr lang="en-US" altLang="zh-CN" i="1">
                                     <a:latin typeface="Cambria Math" panose="02040503050406030204" pitchFamily="18" charset="0"/>
                                   </a:rPr>
                                 </m:ctrlPr>
@@ -15089,7 +15083,7 @@
             </p:txBody>
           </p:sp>
         </mc:Choice>
-        <mc:Fallback>
+        <mc:Fallback xmlns="">
           <p:sp>
             <p:nvSpPr>
               <p:cNvPr id="3" name="竖排文字占位符 2">
@@ -20015,7 +20009,7 @@
         </p:nvSpPr>
         <p:spPr>
           <a:xfrm>
-            <a:off x="1138946" y="5657761"/>
+            <a:off x="1086394" y="5666824"/>
             <a:ext cx="2264652" cy="369332"/>
           </a:xfrm>
           <a:prstGeom prst="rect">
@@ -20074,6 +20068,948 @@
           </a:p>
         </p:txBody>
       </p:sp>
+      <p:graphicFrame>
+        <p:nvGraphicFramePr>
+          <p:cNvPr id="3" name="表格 2">
+            <a:extLst>
+              <a:ext uri="{FF2B5EF4-FFF2-40B4-BE49-F238E27FC236}">
+                <a16:creationId xmlns:a16="http://schemas.microsoft.com/office/drawing/2014/main" id="{2948F877-337C-E743-ABCF-64BCE21B0E1C}"/>
+              </a:ext>
+            </a:extLst>
+          </p:cNvPr>
+          <p:cNvGraphicFramePr>
+            <a:graphicFrameLocks noGrp="1"/>
+          </p:cNvGraphicFramePr>
+          <p:nvPr>
+            <p:extLst>
+              <p:ext uri="{D42A27DB-BD31-4B8C-83A1-F6EECF244321}">
+                <p14:modId xmlns:p14="http://schemas.microsoft.com/office/powerpoint/2010/main" val="3993549370"/>
+              </p:ext>
+            </p:extLst>
+          </p:nvPr>
+        </p:nvGraphicFramePr>
+        <p:xfrm>
+          <a:off x="2635249" y="5743584"/>
+          <a:ext cx="9302751" cy="952500"/>
+        </p:xfrm>
+        <a:graphic>
+          <a:graphicData uri="http://schemas.openxmlformats.org/drawingml/2006/table">
+            <a:tbl>
+              <a:tblPr>
+                <a:tableStyleId>{5C22544A-7EE6-4342-B048-85BDC9FD1C3A}</a:tableStyleId>
+              </a:tblPr>
+              <a:tblGrid>
+                <a:gridCol w="1137965">
+                  <a:extLst>
+                    <a:ext uri="{9D8B030D-6E8A-4147-A177-3AD203B41FA5}">
+                      <a16:colId xmlns:a16="http://schemas.microsoft.com/office/drawing/2014/main" val="2287854058"/>
+                    </a:ext>
+                  </a:extLst>
+                </a:gridCol>
+                <a:gridCol w="1545020">
+                  <a:extLst>
+                    <a:ext uri="{9D8B030D-6E8A-4147-A177-3AD203B41FA5}">
+                      <a16:colId xmlns:a16="http://schemas.microsoft.com/office/drawing/2014/main" val="540904225"/>
+                    </a:ext>
+                  </a:extLst>
+                </a:gridCol>
+                <a:gridCol w="1534511">
+                  <a:extLst>
+                    <a:ext uri="{9D8B030D-6E8A-4147-A177-3AD203B41FA5}">
+                      <a16:colId xmlns:a16="http://schemas.microsoft.com/office/drawing/2014/main" val="1892300675"/>
+                    </a:ext>
+                  </a:extLst>
+                </a:gridCol>
+                <a:gridCol w="1418896">
+                  <a:extLst>
+                    <a:ext uri="{9D8B030D-6E8A-4147-A177-3AD203B41FA5}">
+                      <a16:colId xmlns:a16="http://schemas.microsoft.com/office/drawing/2014/main" val="483689333"/>
+                    </a:ext>
+                  </a:extLst>
+                </a:gridCol>
+                <a:gridCol w="1105489">
+                  <a:extLst>
+                    <a:ext uri="{9D8B030D-6E8A-4147-A177-3AD203B41FA5}">
+                      <a16:colId xmlns:a16="http://schemas.microsoft.com/office/drawing/2014/main" val="1937315449"/>
+                    </a:ext>
+                  </a:extLst>
+                </a:gridCol>
+                <a:gridCol w="1386970">
+                  <a:extLst>
+                    <a:ext uri="{9D8B030D-6E8A-4147-A177-3AD203B41FA5}">
+                      <a16:colId xmlns:a16="http://schemas.microsoft.com/office/drawing/2014/main" val="1562196728"/>
+                    </a:ext>
+                  </a:extLst>
+                </a:gridCol>
+                <a:gridCol w="1173900">
+                  <a:extLst>
+                    <a:ext uri="{9D8B030D-6E8A-4147-A177-3AD203B41FA5}">
+                      <a16:colId xmlns:a16="http://schemas.microsoft.com/office/drawing/2014/main" val="1093623974"/>
+                    </a:ext>
+                  </a:extLst>
+                </a:gridCol>
+              </a:tblGrid>
+              <a:tr h="190500">
+                <a:tc>
+                  <a:txBody>
+                    <a:bodyPr/>
+                    <a:lstStyle/>
+                    <a:p>
+                      <a:pPr algn="l" fontAlgn="b"/>
+                      <a:r>
+                        <a:rPr lang="en" sz="1100" u="none" strike="noStrike">
+                          <a:effectLst/>
+                        </a:rPr>
+                        <a:t>Algorithm</a:t>
+                      </a:r>
+                      <a:endParaRPr lang="en" sz="1100" b="0" i="0" u="none" strike="noStrike">
+                        <a:solidFill>
+                          <a:srgbClr val="000000"/>
+                        </a:solidFill>
+                        <a:effectLst/>
+                        <a:latin typeface="等线" panose="02010600030101010101" pitchFamily="2" charset="-122"/>
+                        <a:ea typeface="等线" panose="02010600030101010101" pitchFamily="2" charset="-122"/>
+                      </a:endParaRPr>
+                    </a:p>
+                  </a:txBody>
+                  <a:tcPr marL="9525" marR="9525" marT="9525" marB="0" anchor="b"/>
+                </a:tc>
+                <a:tc>
+                  <a:txBody>
+                    <a:bodyPr/>
+                    <a:lstStyle/>
+                    <a:p>
+                      <a:pPr algn="l" fontAlgn="b"/>
+                      <a:r>
+                        <a:rPr lang="en" sz="1100" u="none" strike="noStrike">
+                          <a:effectLst/>
+                        </a:rPr>
+                        <a:t>Time</a:t>
+                      </a:r>
+                      <a:endParaRPr lang="en" sz="1100" b="0" i="0" u="none" strike="noStrike">
+                        <a:solidFill>
+                          <a:srgbClr val="000000"/>
+                        </a:solidFill>
+                        <a:effectLst/>
+                        <a:latin typeface="等线" panose="02010600030101010101" pitchFamily="2" charset="-122"/>
+                        <a:ea typeface="等线" panose="02010600030101010101" pitchFamily="2" charset="-122"/>
+                      </a:endParaRPr>
+                    </a:p>
+                  </a:txBody>
+                  <a:tcPr marL="9525" marR="9525" marT="9525" marB="0" anchor="b"/>
+                </a:tc>
+                <a:tc>
+                  <a:txBody>
+                    <a:bodyPr/>
+                    <a:lstStyle/>
+                    <a:p>
+                      <a:pPr algn="l" fontAlgn="b"/>
+                      <a:r>
+                        <a:rPr lang="en" sz="1100" u="none" strike="noStrike">
+                          <a:effectLst/>
+                        </a:rPr>
+                        <a:t>DR</a:t>
+                      </a:r>
+                      <a:endParaRPr lang="en" sz="1100" b="0" i="0" u="none" strike="noStrike">
+                        <a:solidFill>
+                          <a:srgbClr val="000000"/>
+                        </a:solidFill>
+                        <a:effectLst/>
+                        <a:latin typeface="等线" panose="02010600030101010101" pitchFamily="2" charset="-122"/>
+                        <a:ea typeface="等线" panose="02010600030101010101" pitchFamily="2" charset="-122"/>
+                      </a:endParaRPr>
+                    </a:p>
+                  </a:txBody>
+                  <a:tcPr marL="9525" marR="9525" marT="9525" marB="0" anchor="b"/>
+                </a:tc>
+                <a:tc>
+                  <a:txBody>
+                    <a:bodyPr/>
+                    <a:lstStyle/>
+                    <a:p>
+                      <a:pPr algn="l" fontAlgn="b"/>
+                      <a:r>
+                        <a:rPr lang="en" sz="1100" u="none" strike="noStrike">
+                          <a:effectLst/>
+                        </a:rPr>
+                        <a:t>Validation</a:t>
+                      </a:r>
+                      <a:endParaRPr lang="en" sz="1100" b="0" i="0" u="none" strike="noStrike">
+                        <a:solidFill>
+                          <a:srgbClr val="000000"/>
+                        </a:solidFill>
+                        <a:effectLst/>
+                        <a:latin typeface="等线" panose="02010600030101010101" pitchFamily="2" charset="-122"/>
+                        <a:ea typeface="等线" panose="02010600030101010101" pitchFamily="2" charset="-122"/>
+                      </a:endParaRPr>
+                    </a:p>
+                  </a:txBody>
+                  <a:tcPr marL="9525" marR="9525" marT="9525" marB="0" anchor="b"/>
+                </a:tc>
+                <a:tc>
+                  <a:txBody>
+                    <a:bodyPr/>
+                    <a:lstStyle/>
+                    <a:p>
+                      <a:pPr algn="l" fontAlgn="b"/>
+                      <a:r>
+                        <a:rPr lang="en" sz="1100" u="none" strike="noStrike">
+                          <a:effectLst/>
+                        </a:rPr>
+                        <a:t>Classifier</a:t>
+                      </a:r>
+                      <a:endParaRPr lang="en" sz="1100" b="0" i="0" u="none" strike="noStrike">
+                        <a:solidFill>
+                          <a:srgbClr val="000000"/>
+                        </a:solidFill>
+                        <a:effectLst/>
+                        <a:latin typeface="等线" panose="02010600030101010101" pitchFamily="2" charset="-122"/>
+                        <a:ea typeface="等线" panose="02010600030101010101" pitchFamily="2" charset="-122"/>
+                      </a:endParaRPr>
+                    </a:p>
+                  </a:txBody>
+                  <a:tcPr marL="9525" marR="9525" marT="9525" marB="0" anchor="b"/>
+                </a:tc>
+                <a:tc>
+                  <a:txBody>
+                    <a:bodyPr/>
+                    <a:lstStyle/>
+                    <a:p>
+                      <a:pPr algn="l" fontAlgn="b"/>
+                      <a:r>
+                        <a:rPr lang="en" sz="1100" u="none" strike="noStrike">
+                          <a:effectLst/>
+                        </a:rPr>
+                        <a:t>AC</a:t>
+                      </a:r>
+                      <a:endParaRPr lang="en" sz="1100" b="0" i="0" u="none" strike="noStrike">
+                        <a:solidFill>
+                          <a:srgbClr val="000000"/>
+                        </a:solidFill>
+                        <a:effectLst/>
+                        <a:latin typeface="等线" panose="02010600030101010101" pitchFamily="2" charset="-122"/>
+                        <a:ea typeface="等线" panose="02010600030101010101" pitchFamily="2" charset="-122"/>
+                      </a:endParaRPr>
+                    </a:p>
+                  </a:txBody>
+                  <a:tcPr marL="9525" marR="9525" marT="9525" marB="0" anchor="b"/>
+                </a:tc>
+                <a:tc>
+                  <a:txBody>
+                    <a:bodyPr/>
+                    <a:lstStyle/>
+                    <a:p>
+                      <a:pPr algn="l" fontAlgn="b"/>
+                      <a:r>
+                        <a:rPr lang="en" sz="1100" u="none" strike="noStrike">
+                          <a:effectLst/>
+                        </a:rPr>
+                        <a:t>Acc Delta</a:t>
+                      </a:r>
+                      <a:endParaRPr lang="en" sz="1100" b="0" i="0" u="none" strike="noStrike">
+                        <a:solidFill>
+                          <a:srgbClr val="000000"/>
+                        </a:solidFill>
+                        <a:effectLst/>
+                        <a:latin typeface="等线" panose="02010600030101010101" pitchFamily="2" charset="-122"/>
+                        <a:ea typeface="等线" panose="02010600030101010101" pitchFamily="2" charset="-122"/>
+                      </a:endParaRPr>
+                    </a:p>
+                  </a:txBody>
+                  <a:tcPr marL="9525" marR="9525" marT="9525" marB="0" anchor="b"/>
+                </a:tc>
+                <a:extLst>
+                  <a:ext uri="{0D108BD9-81ED-4DB2-BD59-A6C34878D82A}">
+                    <a16:rowId xmlns:a16="http://schemas.microsoft.com/office/drawing/2014/main" val="686530732"/>
+                  </a:ext>
+                </a:extLst>
+              </a:tr>
+              <a:tr h="190500">
+                <a:tc>
+                  <a:txBody>
+                    <a:bodyPr/>
+                    <a:lstStyle/>
+                    <a:p>
+                      <a:pPr algn="l" fontAlgn="b"/>
+                      <a:r>
+                        <a:rPr lang="en" sz="1100" u="none" strike="noStrike">
+                          <a:effectLst/>
+                        </a:rPr>
+                        <a:t>LassoGA</a:t>
+                      </a:r>
+                      <a:endParaRPr lang="en" sz="1100" b="0" i="0" u="none" strike="noStrike">
+                        <a:solidFill>
+                          <a:srgbClr val="000000"/>
+                        </a:solidFill>
+                        <a:effectLst/>
+                        <a:latin typeface="等线" panose="02010600030101010101" pitchFamily="2" charset="-122"/>
+                        <a:ea typeface="等线" panose="02010600030101010101" pitchFamily="2" charset="-122"/>
+                      </a:endParaRPr>
+                    </a:p>
+                  </a:txBody>
+                  <a:tcPr marL="9525" marR="9525" marT="9525" marB="0" anchor="b"/>
+                </a:tc>
+                <a:tc>
+                  <a:txBody>
+                    <a:bodyPr/>
+                    <a:lstStyle/>
+                    <a:p>
+                      <a:pPr algn="r" fontAlgn="b"/>
+                      <a:r>
+                        <a:rPr lang="en-US" altLang="zh-CN" sz="1100" u="none" strike="noStrike">
+                          <a:effectLst/>
+                        </a:rPr>
+                        <a:t>7619.543461</a:t>
+                      </a:r>
+                      <a:endParaRPr lang="en-US" altLang="zh-CN" sz="1100" b="0" i="0" u="none" strike="noStrike">
+                        <a:solidFill>
+                          <a:srgbClr val="000000"/>
+                        </a:solidFill>
+                        <a:effectLst/>
+                        <a:latin typeface="等线" panose="02010600030101010101" pitchFamily="2" charset="-122"/>
+                        <a:ea typeface="等线" panose="02010600030101010101" pitchFamily="2" charset="-122"/>
+                      </a:endParaRPr>
+                    </a:p>
+                  </a:txBody>
+                  <a:tcPr marL="9525" marR="9525" marT="9525" marB="0" anchor="b"/>
+                </a:tc>
+                <a:tc>
+                  <a:txBody>
+                    <a:bodyPr/>
+                    <a:lstStyle/>
+                    <a:p>
+                      <a:pPr algn="r" fontAlgn="b"/>
+                      <a:r>
+                        <a:rPr lang="en-US" altLang="zh-CN" sz="1100" u="none" strike="noStrike">
+                          <a:effectLst/>
+                        </a:rPr>
+                        <a:t>0.9862</a:t>
+                      </a:r>
+                      <a:endParaRPr lang="en-US" altLang="zh-CN" sz="1100" b="0" i="0" u="none" strike="noStrike">
+                        <a:solidFill>
+                          <a:srgbClr val="000000"/>
+                        </a:solidFill>
+                        <a:effectLst/>
+                        <a:latin typeface="等线" panose="02010600030101010101" pitchFamily="2" charset="-122"/>
+                        <a:ea typeface="等线" panose="02010600030101010101" pitchFamily="2" charset="-122"/>
+                      </a:endParaRPr>
+                    </a:p>
+                  </a:txBody>
+                  <a:tcPr marL="9525" marR="9525" marT="9525" marB="0" anchor="b"/>
+                </a:tc>
+                <a:tc>
+                  <a:txBody>
+                    <a:bodyPr/>
+                    <a:lstStyle/>
+                    <a:p>
+                      <a:pPr algn="l" fontAlgn="b"/>
+                      <a:r>
+                        <a:rPr lang="en-US" altLang="zh-CN" sz="1100" u="none" strike="noStrike">
+                          <a:effectLst/>
+                        </a:rPr>
+                        <a:t>70%-30%</a:t>
+                      </a:r>
+                      <a:endParaRPr lang="en-US" altLang="zh-CN" sz="1100" b="0" i="0" u="none" strike="noStrike">
+                        <a:solidFill>
+                          <a:srgbClr val="000000"/>
+                        </a:solidFill>
+                        <a:effectLst/>
+                        <a:latin typeface="等线" panose="02010600030101010101" pitchFamily="2" charset="-122"/>
+                        <a:ea typeface="等线" panose="02010600030101010101" pitchFamily="2" charset="-122"/>
+                      </a:endParaRPr>
+                    </a:p>
+                  </a:txBody>
+                  <a:tcPr marL="9525" marR="9525" marT="9525" marB="0" anchor="b"/>
+                </a:tc>
+                <a:tc>
+                  <a:txBody>
+                    <a:bodyPr/>
+                    <a:lstStyle/>
+                    <a:p>
+                      <a:pPr algn="l" fontAlgn="b"/>
+                      <a:r>
+                        <a:rPr lang="en" sz="1100" u="none" strike="noStrike">
+                          <a:effectLst/>
+                        </a:rPr>
+                        <a:t>1nn</a:t>
+                      </a:r>
+                      <a:endParaRPr lang="en" sz="1100" b="0" i="0" u="none" strike="noStrike">
+                        <a:solidFill>
+                          <a:srgbClr val="000000"/>
+                        </a:solidFill>
+                        <a:effectLst/>
+                        <a:latin typeface="等线" panose="02010600030101010101" pitchFamily="2" charset="-122"/>
+                        <a:ea typeface="等线" panose="02010600030101010101" pitchFamily="2" charset="-122"/>
+                      </a:endParaRPr>
+                    </a:p>
+                  </a:txBody>
+                  <a:tcPr marL="9525" marR="9525" marT="9525" marB="0" anchor="b"/>
+                </a:tc>
+                <a:tc>
+                  <a:txBody>
+                    <a:bodyPr/>
+                    <a:lstStyle/>
+                    <a:p>
+                      <a:pPr algn="r" fontAlgn="b"/>
+                      <a:r>
+                        <a:rPr lang="en-US" altLang="zh-CN" sz="1100" u="none" strike="noStrike">
+                          <a:effectLst/>
+                        </a:rPr>
+                        <a:t>0.95</a:t>
+                      </a:r>
+                      <a:endParaRPr lang="en-US" altLang="zh-CN" sz="1100" b="0" i="0" u="none" strike="noStrike">
+                        <a:solidFill>
+                          <a:srgbClr val="006100"/>
+                        </a:solidFill>
+                        <a:effectLst/>
+                        <a:latin typeface="等线" panose="02010600030101010101" pitchFamily="2" charset="-122"/>
+                        <a:ea typeface="等线" panose="02010600030101010101" pitchFamily="2" charset="-122"/>
+                      </a:endParaRPr>
+                    </a:p>
+                  </a:txBody>
+                  <a:tcPr marL="9525" marR="9525" marT="9525" marB="0" anchor="b"/>
+                </a:tc>
+                <a:tc>
+                  <a:txBody>
+                    <a:bodyPr/>
+                    <a:lstStyle/>
+                    <a:p>
+                      <a:pPr algn="r" fontAlgn="b"/>
+                      <a:r>
+                        <a:rPr lang="en-US" altLang="zh-CN" sz="1100" u="none" strike="noStrike">
+                          <a:effectLst/>
+                        </a:rPr>
+                        <a:t>0</a:t>
+                      </a:r>
+                      <a:endParaRPr lang="en-US" altLang="zh-CN" sz="1100" b="0" i="0" u="none" strike="noStrike">
+                        <a:solidFill>
+                          <a:srgbClr val="006100"/>
+                        </a:solidFill>
+                        <a:effectLst/>
+                        <a:latin typeface="等线" panose="02010600030101010101" pitchFamily="2" charset="-122"/>
+                        <a:ea typeface="等线" panose="02010600030101010101" pitchFamily="2" charset="-122"/>
+                      </a:endParaRPr>
+                    </a:p>
+                  </a:txBody>
+                  <a:tcPr marL="9525" marR="9525" marT="9525" marB="0" anchor="b"/>
+                </a:tc>
+                <a:extLst>
+                  <a:ext uri="{0D108BD9-81ED-4DB2-BD59-A6C34878D82A}">
+                    <a16:rowId xmlns:a16="http://schemas.microsoft.com/office/drawing/2014/main" val="528773287"/>
+                  </a:ext>
+                </a:extLst>
+              </a:tr>
+              <a:tr h="190500">
+                <a:tc>
+                  <a:txBody>
+                    <a:bodyPr/>
+                    <a:lstStyle/>
+                    <a:p>
+                      <a:pPr algn="l" fontAlgn="b"/>
+                      <a:endParaRPr lang="zh-CN" altLang="en-US" sz="1100" b="0" i="0" u="none" strike="noStrike">
+                        <a:solidFill>
+                          <a:srgbClr val="000000"/>
+                        </a:solidFill>
+                        <a:effectLst/>
+                        <a:latin typeface="等线" panose="02010600030101010101" pitchFamily="2" charset="-122"/>
+                        <a:ea typeface="等线" panose="02010600030101010101" pitchFamily="2" charset="-122"/>
+                      </a:endParaRPr>
+                    </a:p>
+                  </a:txBody>
+                  <a:tcPr marL="9525" marR="9525" marT="9525" marB="0" anchor="b"/>
+                </a:tc>
+                <a:tc>
+                  <a:txBody>
+                    <a:bodyPr/>
+                    <a:lstStyle/>
+                    <a:p>
+                      <a:pPr algn="r" fontAlgn="b"/>
+                      <a:r>
+                        <a:rPr lang="en-US" altLang="zh-CN" sz="1100" u="none" strike="noStrike">
+                          <a:effectLst/>
+                        </a:rPr>
+                        <a:t>7478.968952</a:t>
+                      </a:r>
+                      <a:endParaRPr lang="en-US" altLang="zh-CN" sz="1100" b="0" i="0" u="none" strike="noStrike">
+                        <a:solidFill>
+                          <a:srgbClr val="000000"/>
+                        </a:solidFill>
+                        <a:effectLst/>
+                        <a:latin typeface="等线" panose="02010600030101010101" pitchFamily="2" charset="-122"/>
+                        <a:ea typeface="等线" panose="02010600030101010101" pitchFamily="2" charset="-122"/>
+                      </a:endParaRPr>
+                    </a:p>
+                  </a:txBody>
+                  <a:tcPr marL="9525" marR="9525" marT="9525" marB="0" anchor="b"/>
+                </a:tc>
+                <a:tc>
+                  <a:txBody>
+                    <a:bodyPr/>
+                    <a:lstStyle/>
+                    <a:p>
+                      <a:pPr algn="r" fontAlgn="b"/>
+                      <a:r>
+                        <a:rPr lang="en-US" altLang="zh-CN" sz="1100" u="none" strike="noStrike">
+                          <a:effectLst/>
+                        </a:rPr>
+                        <a:t>0.9892</a:t>
+                      </a:r>
+                      <a:endParaRPr lang="en-US" altLang="zh-CN" sz="1100" b="0" i="0" u="none" strike="noStrike">
+                        <a:solidFill>
+                          <a:srgbClr val="000000"/>
+                        </a:solidFill>
+                        <a:effectLst/>
+                        <a:latin typeface="等线" panose="02010600030101010101" pitchFamily="2" charset="-122"/>
+                        <a:ea typeface="等线" panose="02010600030101010101" pitchFamily="2" charset="-122"/>
+                      </a:endParaRPr>
+                    </a:p>
+                  </a:txBody>
+                  <a:tcPr marL="9525" marR="9525" marT="9525" marB="0" anchor="b"/>
+                </a:tc>
+                <a:tc>
+                  <a:txBody>
+                    <a:bodyPr/>
+                    <a:lstStyle/>
+                    <a:p>
+                      <a:pPr algn="l" fontAlgn="b"/>
+                      <a:r>
+                        <a:rPr lang="en-US" altLang="zh-CN" sz="1100" u="none" strike="noStrike">
+                          <a:effectLst/>
+                        </a:rPr>
+                        <a:t>70%-30%</a:t>
+                      </a:r>
+                      <a:endParaRPr lang="en-US" altLang="zh-CN" sz="1100" b="0" i="0" u="none" strike="noStrike">
+                        <a:solidFill>
+                          <a:srgbClr val="000000"/>
+                        </a:solidFill>
+                        <a:effectLst/>
+                        <a:latin typeface="等线" panose="02010600030101010101" pitchFamily="2" charset="-122"/>
+                        <a:ea typeface="等线" panose="02010600030101010101" pitchFamily="2" charset="-122"/>
+                      </a:endParaRPr>
+                    </a:p>
+                  </a:txBody>
+                  <a:tcPr marL="9525" marR="9525" marT="9525" marB="0" anchor="b"/>
+                </a:tc>
+                <a:tc>
+                  <a:txBody>
+                    <a:bodyPr/>
+                    <a:lstStyle/>
+                    <a:p>
+                      <a:pPr algn="l" fontAlgn="b"/>
+                      <a:r>
+                        <a:rPr lang="en" sz="1100" u="none" strike="noStrike">
+                          <a:effectLst/>
+                        </a:rPr>
+                        <a:t>5nn</a:t>
+                      </a:r>
+                      <a:endParaRPr lang="en" sz="1100" b="0" i="0" u="none" strike="noStrike">
+                        <a:solidFill>
+                          <a:srgbClr val="000000"/>
+                        </a:solidFill>
+                        <a:effectLst/>
+                        <a:latin typeface="等线" panose="02010600030101010101" pitchFamily="2" charset="-122"/>
+                        <a:ea typeface="等线" panose="02010600030101010101" pitchFamily="2" charset="-122"/>
+                      </a:endParaRPr>
+                    </a:p>
+                  </a:txBody>
+                  <a:tcPr marL="9525" marR="9525" marT="9525" marB="0" anchor="b"/>
+                </a:tc>
+                <a:tc>
+                  <a:txBody>
+                    <a:bodyPr/>
+                    <a:lstStyle/>
+                    <a:p>
+                      <a:pPr algn="r" fontAlgn="b"/>
+                      <a:r>
+                        <a:rPr lang="en-US" altLang="zh-CN" sz="1100" u="none" strike="noStrike">
+                          <a:effectLst/>
+                        </a:rPr>
+                        <a:t>0.966666667</a:t>
+                      </a:r>
+                      <a:endParaRPr lang="en-US" altLang="zh-CN" sz="1100" b="0" i="0" u="none" strike="noStrike">
+                        <a:solidFill>
+                          <a:srgbClr val="006100"/>
+                        </a:solidFill>
+                        <a:effectLst/>
+                        <a:latin typeface="等线" panose="02010600030101010101" pitchFamily="2" charset="-122"/>
+                        <a:ea typeface="等线" panose="02010600030101010101" pitchFamily="2" charset="-122"/>
+                      </a:endParaRPr>
+                    </a:p>
+                  </a:txBody>
+                  <a:tcPr marL="9525" marR="9525" marT="9525" marB="0" anchor="b"/>
+                </a:tc>
+                <a:tc>
+                  <a:txBody>
+                    <a:bodyPr/>
+                    <a:lstStyle/>
+                    <a:p>
+                      <a:pPr algn="r" fontAlgn="b"/>
+                      <a:r>
+                        <a:rPr lang="en-US" altLang="zh-CN" sz="1100" u="none" strike="noStrike">
+                          <a:effectLst/>
+                        </a:rPr>
+                        <a:t>0</a:t>
+                      </a:r>
+                      <a:endParaRPr lang="en-US" altLang="zh-CN" sz="1100" b="0" i="0" u="none" strike="noStrike">
+                        <a:solidFill>
+                          <a:srgbClr val="006100"/>
+                        </a:solidFill>
+                        <a:effectLst/>
+                        <a:latin typeface="等线" panose="02010600030101010101" pitchFamily="2" charset="-122"/>
+                        <a:ea typeface="等线" panose="02010600030101010101" pitchFamily="2" charset="-122"/>
+                      </a:endParaRPr>
+                    </a:p>
+                  </a:txBody>
+                  <a:tcPr marL="9525" marR="9525" marT="9525" marB="0" anchor="b"/>
+                </a:tc>
+                <a:extLst>
+                  <a:ext uri="{0D108BD9-81ED-4DB2-BD59-A6C34878D82A}">
+                    <a16:rowId xmlns:a16="http://schemas.microsoft.com/office/drawing/2014/main" val="2279270102"/>
+                  </a:ext>
+                </a:extLst>
+              </a:tr>
+              <a:tr h="190500">
+                <a:tc>
+                  <a:txBody>
+                    <a:bodyPr/>
+                    <a:lstStyle/>
+                    <a:p>
+                      <a:pPr algn="l" fontAlgn="b"/>
+                      <a:endParaRPr lang="zh-CN" altLang="en-US" sz="1100" b="0" i="0" u="none" strike="noStrike">
+                        <a:solidFill>
+                          <a:srgbClr val="000000"/>
+                        </a:solidFill>
+                        <a:effectLst/>
+                        <a:latin typeface="等线" panose="02010600030101010101" pitchFamily="2" charset="-122"/>
+                        <a:ea typeface="等线" panose="02010600030101010101" pitchFamily="2" charset="-122"/>
+                      </a:endParaRPr>
+                    </a:p>
+                  </a:txBody>
+                  <a:tcPr marL="9525" marR="9525" marT="9525" marB="0" anchor="b"/>
+                </a:tc>
+                <a:tc>
+                  <a:txBody>
+                    <a:bodyPr/>
+                    <a:lstStyle/>
+                    <a:p>
+                      <a:pPr algn="r" fontAlgn="b"/>
+                      <a:r>
+                        <a:rPr lang="en-US" altLang="zh-CN" sz="1100" u="none" strike="noStrike">
+                          <a:effectLst/>
+                        </a:rPr>
+                        <a:t>4854.783222</a:t>
+                      </a:r>
+                      <a:endParaRPr lang="en-US" altLang="zh-CN" sz="1100" b="0" i="0" u="none" strike="noStrike">
+                        <a:solidFill>
+                          <a:srgbClr val="000000"/>
+                        </a:solidFill>
+                        <a:effectLst/>
+                        <a:latin typeface="等线" panose="02010600030101010101" pitchFamily="2" charset="-122"/>
+                        <a:ea typeface="等线" panose="02010600030101010101" pitchFamily="2" charset="-122"/>
+                      </a:endParaRPr>
+                    </a:p>
+                  </a:txBody>
+                  <a:tcPr marL="9525" marR="9525" marT="9525" marB="0" anchor="b"/>
+                </a:tc>
+                <a:tc>
+                  <a:txBody>
+                    <a:bodyPr/>
+                    <a:lstStyle/>
+                    <a:p>
+                      <a:pPr algn="r" fontAlgn="b"/>
+                      <a:r>
+                        <a:rPr lang="en-US" altLang="zh-CN" sz="1100" u="none" strike="noStrike">
+                          <a:effectLst/>
+                        </a:rPr>
+                        <a:t>0.9894</a:t>
+                      </a:r>
+                      <a:endParaRPr lang="en-US" altLang="zh-CN" sz="1100" b="0" i="0" u="none" strike="noStrike">
+                        <a:solidFill>
+                          <a:srgbClr val="000000"/>
+                        </a:solidFill>
+                        <a:effectLst/>
+                        <a:latin typeface="等线" panose="02010600030101010101" pitchFamily="2" charset="-122"/>
+                        <a:ea typeface="等线" panose="02010600030101010101" pitchFamily="2" charset="-122"/>
+                      </a:endParaRPr>
+                    </a:p>
+                  </a:txBody>
+                  <a:tcPr marL="9525" marR="9525" marT="9525" marB="0" anchor="b"/>
+                </a:tc>
+                <a:tc>
+                  <a:txBody>
+                    <a:bodyPr/>
+                    <a:lstStyle/>
+                    <a:p>
+                      <a:pPr algn="l" fontAlgn="b"/>
+                      <a:r>
+                        <a:rPr lang="en-US" altLang="zh-CN" sz="1100" u="none" strike="noStrike">
+                          <a:effectLst/>
+                        </a:rPr>
+                        <a:t>70%-30%</a:t>
+                      </a:r>
+                      <a:endParaRPr lang="en-US" altLang="zh-CN" sz="1100" b="0" i="0" u="none" strike="noStrike">
+                        <a:solidFill>
+                          <a:srgbClr val="000000"/>
+                        </a:solidFill>
+                        <a:effectLst/>
+                        <a:latin typeface="等线" panose="02010600030101010101" pitchFamily="2" charset="-122"/>
+                        <a:ea typeface="等线" panose="02010600030101010101" pitchFamily="2" charset="-122"/>
+                      </a:endParaRPr>
+                    </a:p>
+                  </a:txBody>
+                  <a:tcPr marL="9525" marR="9525" marT="9525" marB="0" anchor="b"/>
+                </a:tc>
+                <a:tc>
+                  <a:txBody>
+                    <a:bodyPr/>
+                    <a:lstStyle/>
+                    <a:p>
+                      <a:pPr algn="l" fontAlgn="b"/>
+                      <a:r>
+                        <a:rPr lang="en" sz="1100" u="none" strike="noStrike">
+                          <a:effectLst/>
+                        </a:rPr>
+                        <a:t>SVM</a:t>
+                      </a:r>
+                      <a:endParaRPr lang="en" sz="1100" b="0" i="0" u="none" strike="noStrike">
+                        <a:solidFill>
+                          <a:srgbClr val="000000"/>
+                        </a:solidFill>
+                        <a:effectLst/>
+                        <a:latin typeface="等线" panose="02010600030101010101" pitchFamily="2" charset="-122"/>
+                        <a:ea typeface="等线" panose="02010600030101010101" pitchFamily="2" charset="-122"/>
+                      </a:endParaRPr>
+                    </a:p>
+                  </a:txBody>
+                  <a:tcPr marL="9525" marR="9525" marT="9525" marB="0" anchor="b"/>
+                </a:tc>
+                <a:tc>
+                  <a:txBody>
+                    <a:bodyPr/>
+                    <a:lstStyle/>
+                    <a:p>
+                      <a:pPr algn="r" fontAlgn="b"/>
+                      <a:r>
+                        <a:rPr lang="en-US" altLang="zh-CN" sz="1100" u="none" strike="noStrike">
+                          <a:effectLst/>
+                        </a:rPr>
+                        <a:t>0.983333333</a:t>
+                      </a:r>
+                      <a:endParaRPr lang="en-US" altLang="zh-CN" sz="1100" b="0" i="0" u="none" strike="noStrike">
+                        <a:solidFill>
+                          <a:srgbClr val="006100"/>
+                        </a:solidFill>
+                        <a:effectLst/>
+                        <a:latin typeface="等线" panose="02010600030101010101" pitchFamily="2" charset="-122"/>
+                        <a:ea typeface="等线" panose="02010600030101010101" pitchFamily="2" charset="-122"/>
+                      </a:endParaRPr>
+                    </a:p>
+                  </a:txBody>
+                  <a:tcPr marL="9525" marR="9525" marT="9525" marB="0" anchor="b"/>
+                </a:tc>
+                <a:tc>
+                  <a:txBody>
+                    <a:bodyPr/>
+                    <a:lstStyle/>
+                    <a:p>
+                      <a:pPr algn="r" fontAlgn="b"/>
+                      <a:r>
+                        <a:rPr lang="en-US" altLang="zh-CN" sz="1100" u="none" strike="noStrike">
+                          <a:effectLst/>
+                        </a:rPr>
+                        <a:t>0</a:t>
+                      </a:r>
+                      <a:endParaRPr lang="en-US" altLang="zh-CN" sz="1100" b="0" i="0" u="none" strike="noStrike">
+                        <a:solidFill>
+                          <a:srgbClr val="006100"/>
+                        </a:solidFill>
+                        <a:effectLst/>
+                        <a:latin typeface="等线" panose="02010600030101010101" pitchFamily="2" charset="-122"/>
+                        <a:ea typeface="等线" panose="02010600030101010101" pitchFamily="2" charset="-122"/>
+                      </a:endParaRPr>
+                    </a:p>
+                  </a:txBody>
+                  <a:tcPr marL="9525" marR="9525" marT="9525" marB="0" anchor="b"/>
+                </a:tc>
+                <a:extLst>
+                  <a:ext uri="{0D108BD9-81ED-4DB2-BD59-A6C34878D82A}">
+                    <a16:rowId xmlns:a16="http://schemas.microsoft.com/office/drawing/2014/main" val="206966938"/>
+                  </a:ext>
+                </a:extLst>
+              </a:tr>
+              <a:tr h="190500">
+                <a:tc>
+                  <a:txBody>
+                    <a:bodyPr/>
+                    <a:lstStyle/>
+                    <a:p>
+                      <a:pPr algn="l" fontAlgn="b"/>
+                      <a:endParaRPr lang="zh-CN" altLang="en-US" sz="1100" b="0" i="0" u="none" strike="noStrike">
+                        <a:solidFill>
+                          <a:srgbClr val="000000"/>
+                        </a:solidFill>
+                        <a:effectLst/>
+                        <a:latin typeface="等线" panose="02010600030101010101" pitchFamily="2" charset="-122"/>
+                        <a:ea typeface="等线" panose="02010600030101010101" pitchFamily="2" charset="-122"/>
+                      </a:endParaRPr>
+                    </a:p>
+                  </a:txBody>
+                  <a:tcPr marL="9525" marR="9525" marT="9525" marB="0" anchor="b"/>
+                </a:tc>
+                <a:tc>
+                  <a:txBody>
+                    <a:bodyPr/>
+                    <a:lstStyle/>
+                    <a:p>
+                      <a:pPr algn="r" fontAlgn="b"/>
+                      <a:r>
+                        <a:rPr lang="en-US" altLang="zh-CN" sz="1100" u="none" strike="noStrike">
+                          <a:effectLst/>
+                        </a:rPr>
+                        <a:t>4824.543592</a:t>
+                      </a:r>
+                      <a:endParaRPr lang="en-US" altLang="zh-CN" sz="1100" b="0" i="0" u="none" strike="noStrike">
+                        <a:solidFill>
+                          <a:srgbClr val="000000"/>
+                        </a:solidFill>
+                        <a:effectLst/>
+                        <a:latin typeface="等线" panose="02010600030101010101" pitchFamily="2" charset="-122"/>
+                        <a:ea typeface="等线" panose="02010600030101010101" pitchFamily="2" charset="-122"/>
+                      </a:endParaRPr>
+                    </a:p>
+                  </a:txBody>
+                  <a:tcPr marL="9525" marR="9525" marT="9525" marB="0" anchor="b"/>
+                </a:tc>
+                <a:tc>
+                  <a:txBody>
+                    <a:bodyPr/>
+                    <a:lstStyle/>
+                    <a:p>
+                      <a:pPr algn="r" fontAlgn="b"/>
+                      <a:r>
+                        <a:rPr lang="en-US" altLang="zh-CN" sz="1100" u="none" strike="noStrike">
+                          <a:effectLst/>
+                        </a:rPr>
+                        <a:t>0.9777</a:t>
+                      </a:r>
+                      <a:endParaRPr lang="en-US" altLang="zh-CN" sz="1100" b="0" i="0" u="none" strike="noStrike">
+                        <a:solidFill>
+                          <a:srgbClr val="000000"/>
+                        </a:solidFill>
+                        <a:effectLst/>
+                        <a:latin typeface="等线" panose="02010600030101010101" pitchFamily="2" charset="-122"/>
+                        <a:ea typeface="等线" panose="02010600030101010101" pitchFamily="2" charset="-122"/>
+                      </a:endParaRPr>
+                    </a:p>
+                  </a:txBody>
+                  <a:tcPr marL="9525" marR="9525" marT="9525" marB="0" anchor="b"/>
+                </a:tc>
+                <a:tc>
+                  <a:txBody>
+                    <a:bodyPr/>
+                    <a:lstStyle/>
+                    <a:p>
+                      <a:pPr algn="l" fontAlgn="b"/>
+                      <a:r>
+                        <a:rPr lang="en-US" altLang="zh-CN" sz="1100" u="none" strike="noStrike">
+                          <a:effectLst/>
+                        </a:rPr>
+                        <a:t>70%-30%</a:t>
+                      </a:r>
+                      <a:endParaRPr lang="en-US" altLang="zh-CN" sz="1100" b="0" i="0" u="none" strike="noStrike">
+                        <a:solidFill>
+                          <a:srgbClr val="000000"/>
+                        </a:solidFill>
+                        <a:effectLst/>
+                        <a:latin typeface="等线" panose="02010600030101010101" pitchFamily="2" charset="-122"/>
+                        <a:ea typeface="等线" panose="02010600030101010101" pitchFamily="2" charset="-122"/>
+                      </a:endParaRPr>
+                    </a:p>
+                  </a:txBody>
+                  <a:tcPr marL="9525" marR="9525" marT="9525" marB="0" anchor="b"/>
+                </a:tc>
+                <a:tc>
+                  <a:txBody>
+                    <a:bodyPr/>
+                    <a:lstStyle/>
+                    <a:p>
+                      <a:pPr algn="l" fontAlgn="b"/>
+                      <a:r>
+                        <a:rPr lang="en" sz="1100" u="none" strike="noStrike">
+                          <a:effectLst/>
+                        </a:rPr>
+                        <a:t>Cart</a:t>
+                      </a:r>
+                      <a:endParaRPr lang="en" sz="1100" b="0" i="0" u="none" strike="noStrike">
+                        <a:solidFill>
+                          <a:srgbClr val="000000"/>
+                        </a:solidFill>
+                        <a:effectLst/>
+                        <a:latin typeface="等线" panose="02010600030101010101" pitchFamily="2" charset="-122"/>
+                        <a:ea typeface="等线" panose="02010600030101010101" pitchFamily="2" charset="-122"/>
+                      </a:endParaRPr>
+                    </a:p>
+                  </a:txBody>
+                  <a:tcPr marL="9525" marR="9525" marT="9525" marB="0" anchor="b"/>
+                </a:tc>
+                <a:tc>
+                  <a:txBody>
+                    <a:bodyPr/>
+                    <a:lstStyle/>
+                    <a:p>
+                      <a:pPr algn="r" fontAlgn="b"/>
+                      <a:r>
+                        <a:rPr lang="en-US" altLang="zh-CN" sz="1100" u="none" strike="noStrike">
+                          <a:effectLst/>
+                        </a:rPr>
+                        <a:t>0.716666667</a:t>
+                      </a:r>
+                      <a:endParaRPr lang="en-US" altLang="zh-CN" sz="1100" b="0" i="0" u="none" strike="noStrike">
+                        <a:solidFill>
+                          <a:srgbClr val="000000"/>
+                        </a:solidFill>
+                        <a:effectLst/>
+                        <a:latin typeface="等线" panose="02010600030101010101" pitchFamily="2" charset="-122"/>
+                        <a:ea typeface="等线" panose="02010600030101010101" pitchFamily="2" charset="-122"/>
+                      </a:endParaRPr>
+                    </a:p>
+                  </a:txBody>
+                  <a:tcPr marL="9525" marR="9525" marT="9525" marB="0" anchor="b"/>
+                </a:tc>
+                <a:tc>
+                  <a:txBody>
+                    <a:bodyPr/>
+                    <a:lstStyle/>
+                    <a:p>
+                      <a:pPr algn="r" fontAlgn="b"/>
+                      <a:r>
+                        <a:rPr lang="en-US" altLang="zh-CN" sz="1100" u="none" strike="noStrike" dirty="0">
+                          <a:effectLst/>
+                        </a:rPr>
+                        <a:t>10.41666667</a:t>
+                      </a:r>
+                      <a:endParaRPr lang="en-US" altLang="zh-CN" sz="1100" b="0" i="0" u="none" strike="noStrike" dirty="0">
+                        <a:solidFill>
+                          <a:srgbClr val="000000"/>
+                        </a:solidFill>
+                        <a:effectLst/>
+                        <a:latin typeface="等线" panose="02010600030101010101" pitchFamily="2" charset="-122"/>
+                        <a:ea typeface="等线" panose="02010600030101010101" pitchFamily="2" charset="-122"/>
+                      </a:endParaRPr>
+                    </a:p>
+                  </a:txBody>
+                  <a:tcPr marL="9525" marR="9525" marT="9525" marB="0" anchor="b"/>
+                </a:tc>
+                <a:extLst>
+                  <a:ext uri="{0D108BD9-81ED-4DB2-BD59-A6C34878D82A}">
+                    <a16:rowId xmlns:a16="http://schemas.microsoft.com/office/drawing/2014/main" val="967942302"/>
+                  </a:ext>
+                </a:extLst>
+              </a:tr>
+            </a:tbl>
+          </a:graphicData>
+        </a:graphic>
+      </p:graphicFrame>
     </p:spTree>
     <p:extLst>
       <p:ext uri="{BB962C8B-B14F-4D97-AF65-F5344CB8AC3E}">

--- a/Doc/Pre.pptx
+++ b/Doc/Pre.pptx
@@ -14,21 +14,23 @@
     <p:sldId id="262" r:id="rId8"/>
     <p:sldId id="264" r:id="rId9"/>
     <p:sldId id="265" r:id="rId10"/>
-    <p:sldId id="266" r:id="rId11"/>
-    <p:sldId id="267" r:id="rId12"/>
-    <p:sldId id="268" r:id="rId13"/>
-    <p:sldId id="269" r:id="rId14"/>
-    <p:sldId id="271" r:id="rId15"/>
-    <p:sldId id="272" r:id="rId16"/>
-    <p:sldId id="273" r:id="rId17"/>
-    <p:sldId id="274" r:id="rId18"/>
-    <p:sldId id="276" r:id="rId19"/>
-    <p:sldId id="278" r:id="rId20"/>
-    <p:sldId id="282" r:id="rId21"/>
-    <p:sldId id="279" r:id="rId22"/>
-    <p:sldId id="283" r:id="rId23"/>
-    <p:sldId id="280" r:id="rId24"/>
-    <p:sldId id="281" r:id="rId25"/>
+    <p:sldId id="285" r:id="rId11"/>
+    <p:sldId id="286" r:id="rId12"/>
+    <p:sldId id="266" r:id="rId13"/>
+    <p:sldId id="267" r:id="rId14"/>
+    <p:sldId id="268" r:id="rId15"/>
+    <p:sldId id="269" r:id="rId16"/>
+    <p:sldId id="271" r:id="rId17"/>
+    <p:sldId id="272" r:id="rId18"/>
+    <p:sldId id="273" r:id="rId19"/>
+    <p:sldId id="274" r:id="rId20"/>
+    <p:sldId id="276" r:id="rId21"/>
+    <p:sldId id="278" r:id="rId22"/>
+    <p:sldId id="282" r:id="rId23"/>
+    <p:sldId id="279" r:id="rId24"/>
+    <p:sldId id="283" r:id="rId25"/>
+    <p:sldId id="280" r:id="rId26"/>
+    <p:sldId id="281" r:id="rId27"/>
   </p:sldIdLst>
   <p:sldSz cx="12192000" cy="6858000"/>
   <p:notesSz cx="6858000" cy="9144000"/>
@@ -305,7 +307,7 @@
             <a:fld id="{87DE6118-2437-4B30-8E3C-4D2BE6020583}" type="datetimeFigureOut">
               <a:rPr lang="en-US" dirty="0"/>
               <a:pPr/>
-              <a:t>9/25/19</a:t>
+              <a:t>9/25/2019</a:t>
             </a:fld>
             <a:endParaRPr lang="en-US" dirty="0"/>
           </a:p>
@@ -631,7 +633,7 @@
           <a:p>
             <a:fld id="{87DE6118-2437-4B30-8E3C-4D2BE6020583}" type="datetimeFigureOut">
               <a:rPr lang="en-US" dirty="0"/>
-              <a:t>9/25/19</a:t>
+              <a:t>9/25/2019</a:t>
             </a:fld>
             <a:endParaRPr lang="en-US" dirty="0"/>
           </a:p>
@@ -806,7 +808,7 @@
           <a:p>
             <a:fld id="{87DE6118-2437-4B30-8E3C-4D2BE6020583}" type="datetimeFigureOut">
               <a:rPr lang="en-US" dirty="0"/>
-              <a:t>9/25/19</a:t>
+              <a:t>9/25/2019</a:t>
             </a:fld>
             <a:endParaRPr lang="en-US" dirty="0"/>
           </a:p>
@@ -971,7 +973,7 @@
           <a:p>
             <a:fld id="{87DE6118-2437-4B30-8E3C-4D2BE6020583}" type="datetimeFigureOut">
               <a:rPr lang="en-US" dirty="0"/>
-              <a:t>9/25/19</a:t>
+              <a:t>9/25/2019</a:t>
             </a:fld>
             <a:endParaRPr lang="en-US" dirty="0"/>
           </a:p>
@@ -1244,7 +1246,7 @@
             <a:fld id="{87DE6118-2437-4B30-8E3C-4D2BE6020583}" type="datetimeFigureOut">
               <a:rPr lang="en-US" dirty="0"/>
               <a:pPr/>
-              <a:t>9/25/19</a:t>
+              <a:t>9/25/2019</a:t>
             </a:fld>
             <a:endParaRPr lang="en-US" dirty="0"/>
           </a:p>
@@ -1634,7 +1636,7 @@
           <a:p>
             <a:fld id="{87DE6118-2437-4B30-8E3C-4D2BE6020583}" type="datetimeFigureOut">
               <a:rPr lang="en-US" dirty="0"/>
-              <a:t>9/25/19</a:t>
+              <a:t>9/25/2019</a:t>
             </a:fld>
             <a:endParaRPr lang="en-US" dirty="0"/>
           </a:p>
@@ -2106,7 +2108,7 @@
           <a:p>
             <a:fld id="{87DE6118-2437-4B30-8E3C-4D2BE6020583}" type="datetimeFigureOut">
               <a:rPr lang="en-US" dirty="0"/>
-              <a:t>9/25/19</a:t>
+              <a:t>9/25/2019</a:t>
             </a:fld>
             <a:endParaRPr lang="en-US" dirty="0"/>
           </a:p>
@@ -2219,7 +2221,7 @@
           <a:p>
             <a:fld id="{87DE6118-2437-4B30-8E3C-4D2BE6020583}" type="datetimeFigureOut">
               <a:rPr lang="en-US" dirty="0"/>
-              <a:t>9/25/19</a:t>
+              <a:t>9/25/2019</a:t>
             </a:fld>
             <a:endParaRPr lang="en-US" dirty="0"/>
           </a:p>
@@ -2309,7 +2311,7 @@
           <a:p>
             <a:fld id="{87DE6118-2437-4B30-8E3C-4D2BE6020583}" type="datetimeFigureOut">
               <a:rPr lang="en-US" dirty="0"/>
-              <a:t>9/25/19</a:t>
+              <a:t>9/25/2019</a:t>
             </a:fld>
             <a:endParaRPr lang="en-US" dirty="0"/>
           </a:p>
@@ -2651,7 +2653,7 @@
             <a:fld id="{87DE6118-2437-4B30-8E3C-4D2BE6020583}" type="datetimeFigureOut">
               <a:rPr lang="en-US" dirty="0"/>
               <a:pPr/>
-              <a:t>9/25/19</a:t>
+              <a:t>9/25/2019</a:t>
             </a:fld>
             <a:endParaRPr lang="en-US" dirty="0"/>
           </a:p>
@@ -3036,7 +3038,7 @@
             <a:fld id="{87DE6118-2437-4B30-8E3C-4D2BE6020583}" type="datetimeFigureOut">
               <a:rPr lang="en-US" dirty="0"/>
               <a:pPr/>
-              <a:t>9/25/19</a:t>
+              <a:t>9/25/2019</a:t>
             </a:fld>
             <a:endParaRPr lang="en-US" dirty="0"/>
           </a:p>
@@ -3311,7 +3313,7 @@
             <a:fld id="{87DE6118-2437-4B30-8E3C-4D2BE6020583}" type="datetimeFigureOut">
               <a:rPr lang="en-US" dirty="0"/>
               <a:pPr/>
-              <a:t>9/25/19</a:t>
+              <a:t>9/25/2019</a:t>
             </a:fld>
             <a:endParaRPr lang="en-US" dirty="0"/>
           </a:p>
@@ -3910,6 +3912,3088 @@
           <p:cNvPr id="2" name="标题 1">
             <a:extLst>
               <a:ext uri="{FF2B5EF4-FFF2-40B4-BE49-F238E27FC236}">
+                <a16:creationId xmlns:a16="http://schemas.microsoft.com/office/drawing/2014/main" id="{B782287F-9CA4-4BAF-A53D-7851954E44BD}"/>
+              </a:ext>
+            </a:extLst>
+          </p:cNvPr>
+          <p:cNvSpPr>
+            <a:spLocks noGrp="1"/>
+          </p:cNvSpPr>
+          <p:nvPr>
+            <p:ph type="title"/>
+          </p:nvPr>
+        </p:nvSpPr>
+        <p:spPr/>
+        <p:txBody>
+          <a:bodyPr/>
+          <a:lstStyle/>
+          <a:p>
+            <a:r>
+              <a:rPr lang="en-US" altLang="zh-CN" dirty="0"/>
+              <a:t>EFSFOA</a:t>
+            </a:r>
+            <a:endParaRPr lang="zh-CN" altLang="en-US" dirty="0"/>
+          </a:p>
+        </p:txBody>
+      </p:sp>
+      <p:sp>
+        <p:nvSpPr>
+          <p:cNvPr id="3" name="竖排文字占位符 2">
+            <a:extLst>
+              <a:ext uri="{FF2B5EF4-FFF2-40B4-BE49-F238E27FC236}">
+                <a16:creationId xmlns:a16="http://schemas.microsoft.com/office/drawing/2014/main" id="{A6C54BA1-554C-46D2-9545-98ADFEDA9E01}"/>
+              </a:ext>
+            </a:extLst>
+          </p:cNvPr>
+          <p:cNvSpPr>
+            <a:spLocks noGrp="1"/>
+          </p:cNvSpPr>
+          <p:nvPr>
+            <p:ph type="body" orient="vert" idx="1"/>
+          </p:nvPr>
+        </p:nvSpPr>
+        <p:spPr>
+          <a:xfrm>
+            <a:off x="1371600" y="2171700"/>
+            <a:ext cx="9601200" cy="3695700"/>
+          </a:xfrm>
+        </p:spPr>
+        <p:txBody>
+          <a:bodyPr vert="horz">
+            <a:normAutofit/>
+          </a:bodyPr>
+          <a:lstStyle/>
+          <a:p>
+            <a:r>
+              <a:rPr lang="en-US" altLang="zh-CN" dirty="0"/>
+              <a:t>EFSFOA</a:t>
+            </a:r>
+            <a:r>
+              <a:rPr lang="zh-CN" altLang="en-US" dirty="0"/>
+              <a:t>在 </a:t>
+            </a:r>
+            <a:r>
+              <a:rPr lang="en-US" altLang="zh-CN" dirty="0"/>
+              <a:t>FSFOA </a:t>
+            </a:r>
+            <a:r>
+              <a:rPr lang="zh-CN" altLang="en-US" dirty="0"/>
+              <a:t>的基础上进行改进，对以下几点进行了优化改进：</a:t>
+            </a:r>
+            <a:endParaRPr lang="en-US" altLang="zh-CN" dirty="0"/>
+          </a:p>
+          <a:p>
+            <a:pPr marL="987552" lvl="1" indent="-457200">
+              <a:buFont typeface="+mj-ea"/>
+              <a:buAutoNum type="circleNumDbPlain"/>
+            </a:pPr>
+            <a:r>
+              <a:rPr lang="zh-CN" altLang="en-US" dirty="0"/>
+              <a:t>初始森林利用信息增益率进行启发式初始化</a:t>
+            </a:r>
+            <a:endParaRPr lang="en-US" altLang="zh-CN" dirty="0"/>
+          </a:p>
+          <a:p>
+            <a:pPr marL="987552" lvl="1" indent="-457200">
+              <a:buFont typeface="+mj-ea"/>
+              <a:buAutoNum type="circleNumDbPlain"/>
+            </a:pPr>
+            <a:r>
+              <a:rPr lang="zh-CN" altLang="en-US" dirty="0"/>
+              <a:t>全局播种时利用模拟退火的方式实践自适应求得</a:t>
+            </a:r>
+            <a:r>
+              <a:rPr lang="en-US" altLang="zh-CN" dirty="0"/>
+              <a:t>GSC</a:t>
+            </a:r>
+          </a:p>
+          <a:p>
+            <a:pPr marL="987552" lvl="1" indent="-457200">
+              <a:buFont typeface="+mj-ea"/>
+              <a:buAutoNum type="circleNumDbPlain"/>
+            </a:pPr>
+            <a:r>
+              <a:rPr lang="zh-CN" altLang="en-US" dirty="0"/>
+              <a:t>选取最优树时使用贪心策略</a:t>
+            </a:r>
+            <a:endParaRPr lang="en-US" altLang="zh-CN" dirty="0"/>
+          </a:p>
+          <a:p>
+            <a:pPr marL="987552" lvl="1" indent="-457200">
+              <a:buFont typeface="+mj-ea"/>
+              <a:buAutoNum type="circleNumDbPlain"/>
+            </a:pPr>
+            <a:r>
+              <a:rPr lang="zh-CN" altLang="en-US" dirty="0"/>
+              <a:t>对高维数据集采用分片，并行的策略</a:t>
+            </a:r>
+            <a:endParaRPr lang="en-US" altLang="zh-CN" dirty="0"/>
+          </a:p>
+          <a:p>
+            <a:pPr marL="987552" lvl="1" indent="-457200">
+              <a:buFont typeface="+mj-ea"/>
+              <a:buAutoNum type="circleNumDbPlain"/>
+            </a:pPr>
+            <a:r>
+              <a:rPr lang="zh-CN" altLang="en-US" dirty="0"/>
+              <a:t>采用新的适应度函数</a:t>
+            </a:r>
+            <a:endParaRPr lang="en-US" altLang="zh-CN" dirty="0"/>
+          </a:p>
+          <a:p>
+            <a:endParaRPr lang="en-US" altLang="zh-CN" dirty="0"/>
+          </a:p>
+          <a:p>
+            <a:r>
+              <a:rPr lang="en-US" altLang="zh-CN" sz="1800" dirty="0"/>
+              <a:t>https://github.com/WNJXYK/JLU_FeatureSelection/blob/master/Algorithm/EFSFOA.py</a:t>
+            </a:r>
+          </a:p>
+          <a:p>
+            <a:pPr marL="987552" lvl="2" indent="0">
+              <a:buNone/>
+            </a:pPr>
+            <a:endParaRPr lang="en-US" altLang="zh-CN" dirty="0"/>
+          </a:p>
+          <a:p>
+            <a:pPr lvl="1"/>
+            <a:endParaRPr lang="zh-CN" altLang="en-US" dirty="0"/>
+          </a:p>
+        </p:txBody>
+      </p:sp>
+    </p:spTree>
+    <p:extLst>
+      <p:ext uri="{BB962C8B-B14F-4D97-AF65-F5344CB8AC3E}">
+        <p14:creationId xmlns:p14="http://schemas.microsoft.com/office/powerpoint/2010/main" val="2813597306"/>
+      </p:ext>
+    </p:extLst>
+  </p:cSld>
+  <p:clrMapOvr>
+    <a:masterClrMapping/>
+  </p:clrMapOvr>
+</p:sld>
+</file>
+
+<file path=ppt/slides/slide11.xml><?xml version="1.0" encoding="utf-8"?>
+<p:sld xmlns:a="http://schemas.openxmlformats.org/drawingml/2006/main" xmlns:r="http://schemas.openxmlformats.org/officeDocument/2006/relationships" xmlns:p="http://schemas.openxmlformats.org/presentationml/2006/main">
+  <p:cSld>
+    <p:spTree>
+      <p:nvGrpSpPr>
+        <p:cNvPr id="1" name=""/>
+        <p:cNvGrpSpPr/>
+        <p:nvPr/>
+      </p:nvGrpSpPr>
+      <p:grpSpPr>
+        <a:xfrm>
+          <a:off x="0" y="0"/>
+          <a:ext cx="0" cy="0"/>
+          <a:chOff x="0" y="0"/>
+          <a:chExt cx="0" cy="0"/>
+        </a:xfrm>
+      </p:grpSpPr>
+      <p:sp>
+        <p:nvSpPr>
+          <p:cNvPr id="2" name="标题 1">
+            <a:extLst>
+              <a:ext uri="{FF2B5EF4-FFF2-40B4-BE49-F238E27FC236}">
+                <a16:creationId xmlns:a16="http://schemas.microsoft.com/office/drawing/2014/main" id="{5D292CFB-7BE7-4F58-AD45-CF2B8837E73C}"/>
+              </a:ext>
+            </a:extLst>
+          </p:cNvPr>
+          <p:cNvSpPr>
+            <a:spLocks noGrp="1"/>
+          </p:cNvSpPr>
+          <p:nvPr>
+            <p:ph type="title"/>
+          </p:nvPr>
+        </p:nvSpPr>
+        <p:spPr/>
+        <p:txBody>
+          <a:bodyPr/>
+          <a:lstStyle/>
+          <a:p>
+            <a:r>
+              <a:rPr lang="en-US" altLang="zh-CN" dirty="0"/>
+              <a:t>EFSFOA</a:t>
+            </a:r>
+            <a:r>
+              <a:rPr lang="zh-CN" altLang="en-US" dirty="0"/>
+              <a:t>测试</a:t>
+            </a:r>
+          </a:p>
+        </p:txBody>
+      </p:sp>
+      <p:sp>
+        <p:nvSpPr>
+          <p:cNvPr id="3" name="竖排文字占位符 2">
+            <a:extLst>
+              <a:ext uri="{FF2B5EF4-FFF2-40B4-BE49-F238E27FC236}">
+                <a16:creationId xmlns:a16="http://schemas.microsoft.com/office/drawing/2014/main" id="{0ECAFF50-0817-49C8-979E-1167789A96F1}"/>
+              </a:ext>
+            </a:extLst>
+          </p:cNvPr>
+          <p:cNvSpPr>
+            <a:spLocks noGrp="1"/>
+          </p:cNvSpPr>
+          <p:nvPr>
+            <p:ph type="body" orient="vert" idx="1"/>
+          </p:nvPr>
+        </p:nvSpPr>
+        <p:spPr/>
+        <p:txBody>
+          <a:bodyPr/>
+          <a:lstStyle/>
+          <a:p>
+            <a:endParaRPr lang="zh-CN" altLang="en-US" dirty="0"/>
+          </a:p>
+          <a:p>
+            <a:endParaRPr lang="zh-CN" altLang="en-US" dirty="0"/>
+          </a:p>
+        </p:txBody>
+      </p:sp>
+      <p:graphicFrame>
+        <p:nvGraphicFramePr>
+          <p:cNvPr id="9" name="表格 8">
+            <a:extLst>
+              <a:ext uri="{FF2B5EF4-FFF2-40B4-BE49-F238E27FC236}">
+                <a16:creationId xmlns:a16="http://schemas.microsoft.com/office/drawing/2014/main" id="{04AC91D0-E6FA-4A39-BB8A-4A350EA7F7FF}"/>
+              </a:ext>
+            </a:extLst>
+          </p:cNvPr>
+          <p:cNvGraphicFramePr>
+            <a:graphicFrameLocks noGrp="1"/>
+          </p:cNvGraphicFramePr>
+          <p:nvPr/>
+        </p:nvGraphicFramePr>
+        <p:xfrm>
+          <a:off x="2006600" y="2295525"/>
+          <a:ext cx="8178800" cy="904875"/>
+        </p:xfrm>
+        <a:graphic>
+          <a:graphicData uri="http://schemas.openxmlformats.org/drawingml/2006/table">
+            <a:tbl>
+              <a:tblPr>
+                <a:tableStyleId>{5C22544A-7EE6-4342-B048-85BDC9FD1C3A}</a:tableStyleId>
+              </a:tblPr>
+              <a:tblGrid>
+                <a:gridCol w="1056865">
+                  <a:extLst>
+                    <a:ext uri="{9D8B030D-6E8A-4147-A177-3AD203B41FA5}">
+                      <a16:colId xmlns:a16="http://schemas.microsoft.com/office/drawing/2014/main" val="933088362"/>
+                    </a:ext>
+                  </a:extLst>
+                </a:gridCol>
+                <a:gridCol w="1155252">
+                  <a:extLst>
+                    <a:ext uri="{9D8B030D-6E8A-4147-A177-3AD203B41FA5}">
+                      <a16:colId xmlns:a16="http://schemas.microsoft.com/office/drawing/2014/main" val="1363006802"/>
+                    </a:ext>
+                  </a:extLst>
+                </a:gridCol>
+                <a:gridCol w="1561494">
+                  <a:extLst>
+                    <a:ext uri="{9D8B030D-6E8A-4147-A177-3AD203B41FA5}">
+                      <a16:colId xmlns:a16="http://schemas.microsoft.com/office/drawing/2014/main" val="628298210"/>
+                    </a:ext>
+                  </a:extLst>
+                </a:gridCol>
+                <a:gridCol w="952130">
+                  <a:extLst>
+                    <a:ext uri="{9D8B030D-6E8A-4147-A177-3AD203B41FA5}">
+                      <a16:colId xmlns:a16="http://schemas.microsoft.com/office/drawing/2014/main" val="3105353606"/>
+                    </a:ext>
+                  </a:extLst>
+                </a:gridCol>
+                <a:gridCol w="964825">
+                  <a:extLst>
+                    <a:ext uri="{9D8B030D-6E8A-4147-A177-3AD203B41FA5}">
+                      <a16:colId xmlns:a16="http://schemas.microsoft.com/office/drawing/2014/main" val="2240672326"/>
+                    </a:ext>
+                  </a:extLst>
+                </a:gridCol>
+                <a:gridCol w="1104471">
+                  <a:extLst>
+                    <a:ext uri="{9D8B030D-6E8A-4147-A177-3AD203B41FA5}">
+                      <a16:colId xmlns:a16="http://schemas.microsoft.com/office/drawing/2014/main" val="3924014423"/>
+                    </a:ext>
+                  </a:extLst>
+                </a:gridCol>
+                <a:gridCol w="1383763">
+                  <a:extLst>
+                    <a:ext uri="{9D8B030D-6E8A-4147-A177-3AD203B41FA5}">
+                      <a16:colId xmlns:a16="http://schemas.microsoft.com/office/drawing/2014/main" val="2467115856"/>
+                    </a:ext>
+                  </a:extLst>
+                </a:gridCol>
+              </a:tblGrid>
+              <a:tr h="180975">
+                <a:tc>
+                  <a:txBody>
+                    <a:bodyPr/>
+                    <a:lstStyle/>
+                    <a:p>
+                      <a:pPr algn="l" fontAlgn="b"/>
+                      <a:r>
+                        <a:rPr lang="en-US" sz="1100" u="none" strike="noStrike">
+                          <a:effectLst/>
+                        </a:rPr>
+                        <a:t>Algorithm</a:t>
+                      </a:r>
+                      <a:endParaRPr lang="en-US" sz="1100" b="0" i="0" u="none" strike="noStrike">
+                        <a:solidFill>
+                          <a:srgbClr val="000000"/>
+                        </a:solidFill>
+                        <a:effectLst/>
+                        <a:latin typeface="等线" panose="02010600030101010101" pitchFamily="2" charset="-122"/>
+                        <a:ea typeface="等线" panose="02010600030101010101" pitchFamily="2" charset="-122"/>
+                      </a:endParaRPr>
+                    </a:p>
+                  </a:txBody>
+                  <a:tcPr marL="9525" marR="9525" marT="9525" marB="0" anchor="b"/>
+                </a:tc>
+                <a:tc>
+                  <a:txBody>
+                    <a:bodyPr/>
+                    <a:lstStyle/>
+                    <a:p>
+                      <a:pPr algn="l" fontAlgn="b"/>
+                      <a:r>
+                        <a:rPr lang="en-US" sz="1100" u="none" strike="noStrike">
+                          <a:effectLst/>
+                        </a:rPr>
+                        <a:t>Time</a:t>
+                      </a:r>
+                      <a:endParaRPr lang="en-US" sz="1100" b="0" i="0" u="none" strike="noStrike">
+                        <a:solidFill>
+                          <a:srgbClr val="000000"/>
+                        </a:solidFill>
+                        <a:effectLst/>
+                        <a:latin typeface="等线" panose="02010600030101010101" pitchFamily="2" charset="-122"/>
+                        <a:ea typeface="等线" panose="02010600030101010101" pitchFamily="2" charset="-122"/>
+                      </a:endParaRPr>
+                    </a:p>
+                  </a:txBody>
+                  <a:tcPr marL="9525" marR="9525" marT="9525" marB="0" anchor="b"/>
+                </a:tc>
+                <a:tc>
+                  <a:txBody>
+                    <a:bodyPr/>
+                    <a:lstStyle/>
+                    <a:p>
+                      <a:pPr algn="l" fontAlgn="b"/>
+                      <a:r>
+                        <a:rPr lang="en-US" sz="1100" u="none" strike="noStrike">
+                          <a:effectLst/>
+                        </a:rPr>
+                        <a:t>DR</a:t>
+                      </a:r>
+                      <a:endParaRPr lang="en-US" sz="1100" b="0" i="0" u="none" strike="noStrike">
+                        <a:solidFill>
+                          <a:srgbClr val="000000"/>
+                        </a:solidFill>
+                        <a:effectLst/>
+                        <a:latin typeface="等线" panose="02010600030101010101" pitchFamily="2" charset="-122"/>
+                        <a:ea typeface="等线" panose="02010600030101010101" pitchFamily="2" charset="-122"/>
+                      </a:endParaRPr>
+                    </a:p>
+                  </a:txBody>
+                  <a:tcPr marL="9525" marR="9525" marT="9525" marB="0" anchor="b"/>
+                </a:tc>
+                <a:tc>
+                  <a:txBody>
+                    <a:bodyPr/>
+                    <a:lstStyle/>
+                    <a:p>
+                      <a:pPr algn="l" fontAlgn="b"/>
+                      <a:r>
+                        <a:rPr lang="en-US" sz="1100" u="none" strike="noStrike">
+                          <a:effectLst/>
+                        </a:rPr>
+                        <a:t>Validation</a:t>
+                      </a:r>
+                      <a:endParaRPr lang="en-US" sz="1100" b="0" i="0" u="none" strike="noStrike">
+                        <a:solidFill>
+                          <a:srgbClr val="000000"/>
+                        </a:solidFill>
+                        <a:effectLst/>
+                        <a:latin typeface="等线" panose="02010600030101010101" pitchFamily="2" charset="-122"/>
+                        <a:ea typeface="等线" panose="02010600030101010101" pitchFamily="2" charset="-122"/>
+                      </a:endParaRPr>
+                    </a:p>
+                  </a:txBody>
+                  <a:tcPr marL="9525" marR="9525" marT="9525" marB="0" anchor="b"/>
+                </a:tc>
+                <a:tc>
+                  <a:txBody>
+                    <a:bodyPr/>
+                    <a:lstStyle/>
+                    <a:p>
+                      <a:pPr algn="l" fontAlgn="b"/>
+                      <a:r>
+                        <a:rPr lang="en-US" sz="1100" u="none" strike="noStrike">
+                          <a:effectLst/>
+                        </a:rPr>
+                        <a:t>Classifier</a:t>
+                      </a:r>
+                      <a:endParaRPr lang="en-US" sz="1100" b="0" i="0" u="none" strike="noStrike">
+                        <a:solidFill>
+                          <a:srgbClr val="000000"/>
+                        </a:solidFill>
+                        <a:effectLst/>
+                        <a:latin typeface="等线" panose="02010600030101010101" pitchFamily="2" charset="-122"/>
+                        <a:ea typeface="等线" panose="02010600030101010101" pitchFamily="2" charset="-122"/>
+                      </a:endParaRPr>
+                    </a:p>
+                  </a:txBody>
+                  <a:tcPr marL="9525" marR="9525" marT="9525" marB="0" anchor="b"/>
+                </a:tc>
+                <a:tc>
+                  <a:txBody>
+                    <a:bodyPr/>
+                    <a:lstStyle/>
+                    <a:p>
+                      <a:pPr algn="l" fontAlgn="b"/>
+                      <a:r>
+                        <a:rPr lang="en-US" sz="1100" u="none" strike="noStrike">
+                          <a:effectLst/>
+                        </a:rPr>
+                        <a:t>AC</a:t>
+                      </a:r>
+                      <a:endParaRPr lang="en-US" sz="1100" b="0" i="0" u="none" strike="noStrike">
+                        <a:solidFill>
+                          <a:srgbClr val="000000"/>
+                        </a:solidFill>
+                        <a:effectLst/>
+                        <a:latin typeface="等线" panose="02010600030101010101" pitchFamily="2" charset="-122"/>
+                        <a:ea typeface="等线" panose="02010600030101010101" pitchFamily="2" charset="-122"/>
+                      </a:endParaRPr>
+                    </a:p>
+                  </a:txBody>
+                  <a:tcPr marL="9525" marR="9525" marT="9525" marB="0" anchor="b"/>
+                </a:tc>
+                <a:tc>
+                  <a:txBody>
+                    <a:bodyPr/>
+                    <a:lstStyle/>
+                    <a:p>
+                      <a:pPr algn="l" fontAlgn="b"/>
+                      <a:r>
+                        <a:rPr lang="en-US" sz="1100" u="none" strike="noStrike">
+                          <a:effectLst/>
+                        </a:rPr>
+                        <a:t>Acc Delta</a:t>
+                      </a:r>
+                      <a:endParaRPr lang="en-US" sz="1100" b="0" i="0" u="none" strike="noStrike">
+                        <a:solidFill>
+                          <a:srgbClr val="000000"/>
+                        </a:solidFill>
+                        <a:effectLst/>
+                        <a:latin typeface="等线" panose="02010600030101010101" pitchFamily="2" charset="-122"/>
+                        <a:ea typeface="等线" panose="02010600030101010101" pitchFamily="2" charset="-122"/>
+                      </a:endParaRPr>
+                    </a:p>
+                  </a:txBody>
+                  <a:tcPr marL="9525" marR="9525" marT="9525" marB="0" anchor="b"/>
+                </a:tc>
+                <a:extLst>
+                  <a:ext uri="{0D108BD9-81ED-4DB2-BD59-A6C34878D82A}">
+                    <a16:rowId xmlns:a16="http://schemas.microsoft.com/office/drawing/2014/main" val="2907606878"/>
+                  </a:ext>
+                </a:extLst>
+              </a:tr>
+              <a:tr h="180975">
+                <a:tc>
+                  <a:txBody>
+                    <a:bodyPr/>
+                    <a:lstStyle/>
+                    <a:p>
+                      <a:pPr algn="l" fontAlgn="b"/>
+                      <a:r>
+                        <a:rPr lang="en-US" sz="1100" u="none" strike="noStrike">
+                          <a:effectLst/>
+                        </a:rPr>
+                        <a:t>EFSFOA</a:t>
+                      </a:r>
+                      <a:endParaRPr lang="en-US" sz="1100" b="0" i="0" u="none" strike="noStrike">
+                        <a:solidFill>
+                          <a:srgbClr val="000000"/>
+                        </a:solidFill>
+                        <a:effectLst/>
+                        <a:latin typeface="等线" panose="02010600030101010101" pitchFamily="2" charset="-122"/>
+                        <a:ea typeface="等线" panose="02010600030101010101" pitchFamily="2" charset="-122"/>
+                      </a:endParaRPr>
+                    </a:p>
+                  </a:txBody>
+                  <a:tcPr marL="9525" marR="9525" marT="9525" marB="0" anchor="b"/>
+                </a:tc>
+                <a:tc>
+                  <a:txBody>
+                    <a:bodyPr/>
+                    <a:lstStyle/>
+                    <a:p>
+                      <a:pPr algn="r" fontAlgn="b"/>
+                      <a:r>
+                        <a:rPr lang="en-US" altLang="zh-CN" sz="1100" u="none" strike="noStrike">
+                          <a:effectLst/>
+                        </a:rPr>
+                        <a:t>65.15027142</a:t>
+                      </a:r>
+                      <a:endParaRPr lang="en-US" altLang="zh-CN" sz="1100" b="0" i="0" u="none" strike="noStrike">
+                        <a:solidFill>
+                          <a:srgbClr val="000000"/>
+                        </a:solidFill>
+                        <a:effectLst/>
+                        <a:latin typeface="等线" panose="02010600030101010101" pitchFamily="2" charset="-122"/>
+                        <a:ea typeface="等线" panose="02010600030101010101" pitchFamily="2" charset="-122"/>
+                      </a:endParaRPr>
+                    </a:p>
+                  </a:txBody>
+                  <a:tcPr marL="9525" marR="9525" marT="9525" marB="0" anchor="b"/>
+                </a:tc>
+                <a:tc>
+                  <a:txBody>
+                    <a:bodyPr/>
+                    <a:lstStyle/>
+                    <a:p>
+                      <a:pPr algn="r" fontAlgn="b"/>
+                      <a:r>
+                        <a:rPr lang="en-US" altLang="zh-CN" sz="1100" u="none" strike="noStrike">
+                          <a:effectLst/>
+                        </a:rPr>
+                        <a:t>0.384615385</a:t>
+                      </a:r>
+                      <a:endParaRPr lang="en-US" altLang="zh-CN" sz="1100" b="0" i="0" u="none" strike="noStrike">
+                        <a:solidFill>
+                          <a:srgbClr val="000000"/>
+                        </a:solidFill>
+                        <a:effectLst/>
+                        <a:latin typeface="等线" panose="02010600030101010101" pitchFamily="2" charset="-122"/>
+                        <a:ea typeface="等线" panose="02010600030101010101" pitchFamily="2" charset="-122"/>
+                      </a:endParaRPr>
+                    </a:p>
+                  </a:txBody>
+                  <a:tcPr marL="9525" marR="9525" marT="9525" marB="0" anchor="b"/>
+                </a:tc>
+                <a:tc>
+                  <a:txBody>
+                    <a:bodyPr/>
+                    <a:lstStyle/>
+                    <a:p>
+                      <a:pPr algn="l" fontAlgn="b"/>
+                      <a:r>
+                        <a:rPr lang="en-US" sz="1100" u="none" strike="noStrike">
+                          <a:effectLst/>
+                        </a:rPr>
+                        <a:t>10-fold</a:t>
+                      </a:r>
+                      <a:endParaRPr lang="en-US" sz="1100" b="0" i="0" u="none" strike="noStrike">
+                        <a:solidFill>
+                          <a:srgbClr val="000000"/>
+                        </a:solidFill>
+                        <a:effectLst/>
+                        <a:latin typeface="等线" panose="02010600030101010101" pitchFamily="2" charset="-122"/>
+                        <a:ea typeface="等线" panose="02010600030101010101" pitchFamily="2" charset="-122"/>
+                      </a:endParaRPr>
+                    </a:p>
+                  </a:txBody>
+                  <a:tcPr marL="9525" marR="9525" marT="9525" marB="0" anchor="b"/>
+                </a:tc>
+                <a:tc>
+                  <a:txBody>
+                    <a:bodyPr/>
+                    <a:lstStyle/>
+                    <a:p>
+                      <a:pPr algn="l" fontAlgn="b"/>
+                      <a:r>
+                        <a:rPr lang="en-US" sz="1100" u="none" strike="noStrike">
+                          <a:effectLst/>
+                        </a:rPr>
+                        <a:t>1nn</a:t>
+                      </a:r>
+                      <a:endParaRPr lang="en-US" sz="1100" b="0" i="0" u="none" strike="noStrike">
+                        <a:solidFill>
+                          <a:srgbClr val="000000"/>
+                        </a:solidFill>
+                        <a:effectLst/>
+                        <a:latin typeface="等线" panose="02010600030101010101" pitchFamily="2" charset="-122"/>
+                        <a:ea typeface="等线" panose="02010600030101010101" pitchFamily="2" charset="-122"/>
+                      </a:endParaRPr>
+                    </a:p>
+                  </a:txBody>
+                  <a:tcPr marL="9525" marR="9525" marT="9525" marB="0" anchor="b"/>
+                </a:tc>
+                <a:tc>
+                  <a:txBody>
+                    <a:bodyPr/>
+                    <a:lstStyle/>
+                    <a:p>
+                      <a:pPr algn="r" fontAlgn="b"/>
+                      <a:r>
+                        <a:rPr lang="en-US" altLang="zh-CN" sz="1100" u="none" strike="noStrike">
+                          <a:effectLst/>
+                        </a:rPr>
+                        <a:t>0.531724138</a:t>
+                      </a:r>
+                      <a:endParaRPr lang="en-US" altLang="zh-CN" sz="1100" b="0" i="0" u="none" strike="noStrike">
+                        <a:solidFill>
+                          <a:srgbClr val="000000"/>
+                        </a:solidFill>
+                        <a:effectLst/>
+                        <a:latin typeface="等线" panose="02010600030101010101" pitchFamily="2" charset="-122"/>
+                        <a:ea typeface="等线" panose="02010600030101010101" pitchFamily="2" charset="-122"/>
+                      </a:endParaRPr>
+                    </a:p>
+                  </a:txBody>
+                  <a:tcPr marL="9525" marR="9525" marT="9525" marB="0" anchor="b"/>
+                </a:tc>
+                <a:tc>
+                  <a:txBody>
+                    <a:bodyPr/>
+                    <a:lstStyle/>
+                    <a:p>
+                      <a:pPr algn="r" fontAlgn="b"/>
+                      <a:r>
+                        <a:rPr lang="en-US" altLang="zh-CN" sz="1100" u="none" strike="noStrike">
+                          <a:effectLst/>
+                        </a:rPr>
+                        <a:t>7.033762058</a:t>
+                      </a:r>
+                      <a:endParaRPr lang="en-US" altLang="zh-CN" sz="1100" b="0" i="0" u="none" strike="noStrike">
+                        <a:solidFill>
+                          <a:srgbClr val="000000"/>
+                        </a:solidFill>
+                        <a:effectLst/>
+                        <a:latin typeface="等线" panose="02010600030101010101" pitchFamily="2" charset="-122"/>
+                        <a:ea typeface="等线" panose="02010600030101010101" pitchFamily="2" charset="-122"/>
+                      </a:endParaRPr>
+                    </a:p>
+                  </a:txBody>
+                  <a:tcPr marL="9525" marR="9525" marT="9525" marB="0" anchor="b"/>
+                </a:tc>
+                <a:extLst>
+                  <a:ext uri="{0D108BD9-81ED-4DB2-BD59-A6C34878D82A}">
+                    <a16:rowId xmlns:a16="http://schemas.microsoft.com/office/drawing/2014/main" val="4121617383"/>
+                  </a:ext>
+                </a:extLst>
+              </a:tr>
+              <a:tr h="180975">
+                <a:tc>
+                  <a:txBody>
+                    <a:bodyPr/>
+                    <a:lstStyle/>
+                    <a:p>
+                      <a:pPr algn="l" fontAlgn="b"/>
+                      <a:endParaRPr lang="zh-CN" altLang="en-US" sz="1100" b="0" i="0" u="none" strike="noStrike">
+                        <a:solidFill>
+                          <a:srgbClr val="000000"/>
+                        </a:solidFill>
+                        <a:effectLst/>
+                        <a:latin typeface="等线" panose="02010600030101010101" pitchFamily="2" charset="-122"/>
+                        <a:ea typeface="等线" panose="02010600030101010101" pitchFamily="2" charset="-122"/>
+                      </a:endParaRPr>
+                    </a:p>
+                  </a:txBody>
+                  <a:tcPr marL="9525" marR="9525" marT="9525" marB="0" anchor="b"/>
+                </a:tc>
+                <a:tc>
+                  <a:txBody>
+                    <a:bodyPr/>
+                    <a:lstStyle/>
+                    <a:p>
+                      <a:pPr algn="r" fontAlgn="b"/>
+                      <a:r>
+                        <a:rPr lang="en-US" altLang="zh-CN" sz="1100" u="none" strike="noStrike">
+                          <a:effectLst/>
+                        </a:rPr>
+                        <a:t>52.09572959</a:t>
+                      </a:r>
+                      <a:endParaRPr lang="en-US" altLang="zh-CN" sz="1100" b="0" i="0" u="none" strike="noStrike">
+                        <a:solidFill>
+                          <a:srgbClr val="000000"/>
+                        </a:solidFill>
+                        <a:effectLst/>
+                        <a:latin typeface="等线" panose="02010600030101010101" pitchFamily="2" charset="-122"/>
+                        <a:ea typeface="等线" panose="02010600030101010101" pitchFamily="2" charset="-122"/>
+                      </a:endParaRPr>
+                    </a:p>
+                  </a:txBody>
+                  <a:tcPr marL="9525" marR="9525" marT="9525" marB="0" anchor="b"/>
+                </a:tc>
+                <a:tc>
+                  <a:txBody>
+                    <a:bodyPr/>
+                    <a:lstStyle/>
+                    <a:p>
+                      <a:pPr algn="r" fontAlgn="b"/>
+                      <a:r>
+                        <a:rPr lang="en-US" altLang="zh-CN" sz="1100" u="none" strike="noStrike">
+                          <a:effectLst/>
+                        </a:rPr>
+                        <a:t>0.461538462</a:t>
+                      </a:r>
+                      <a:endParaRPr lang="en-US" altLang="zh-CN" sz="1100" b="0" i="0" u="none" strike="noStrike">
+                        <a:solidFill>
+                          <a:srgbClr val="000000"/>
+                        </a:solidFill>
+                        <a:effectLst/>
+                        <a:latin typeface="等线" panose="02010600030101010101" pitchFamily="2" charset="-122"/>
+                        <a:ea typeface="等线" panose="02010600030101010101" pitchFamily="2" charset="-122"/>
+                      </a:endParaRPr>
+                    </a:p>
+                  </a:txBody>
+                  <a:tcPr marL="9525" marR="9525" marT="9525" marB="0" anchor="b"/>
+                </a:tc>
+                <a:tc>
+                  <a:txBody>
+                    <a:bodyPr/>
+                    <a:lstStyle/>
+                    <a:p>
+                      <a:pPr algn="l" fontAlgn="b"/>
+                      <a:r>
+                        <a:rPr lang="en-US" sz="1100" u="none" strike="noStrike">
+                          <a:effectLst/>
+                        </a:rPr>
+                        <a:t>10-fold</a:t>
+                      </a:r>
+                      <a:endParaRPr lang="en-US" sz="1100" b="0" i="0" u="none" strike="noStrike">
+                        <a:solidFill>
+                          <a:srgbClr val="000000"/>
+                        </a:solidFill>
+                        <a:effectLst/>
+                        <a:latin typeface="等线" panose="02010600030101010101" pitchFamily="2" charset="-122"/>
+                        <a:ea typeface="等线" panose="02010600030101010101" pitchFamily="2" charset="-122"/>
+                      </a:endParaRPr>
+                    </a:p>
+                  </a:txBody>
+                  <a:tcPr marL="9525" marR="9525" marT="9525" marB="0" anchor="b"/>
+                </a:tc>
+                <a:tc>
+                  <a:txBody>
+                    <a:bodyPr/>
+                    <a:lstStyle/>
+                    <a:p>
+                      <a:pPr algn="l" fontAlgn="b"/>
+                      <a:r>
+                        <a:rPr lang="en-US" sz="1100" u="none" strike="noStrike">
+                          <a:effectLst/>
+                        </a:rPr>
+                        <a:t>5nn</a:t>
+                      </a:r>
+                      <a:endParaRPr lang="en-US" sz="1100" b="0" i="0" u="none" strike="noStrike">
+                        <a:solidFill>
+                          <a:srgbClr val="000000"/>
+                        </a:solidFill>
+                        <a:effectLst/>
+                        <a:latin typeface="等线" panose="02010600030101010101" pitchFamily="2" charset="-122"/>
+                        <a:ea typeface="等线" panose="02010600030101010101" pitchFamily="2" charset="-122"/>
+                      </a:endParaRPr>
+                    </a:p>
+                  </a:txBody>
+                  <a:tcPr marL="9525" marR="9525" marT="9525" marB="0" anchor="b"/>
+                </a:tc>
+                <a:tc>
+                  <a:txBody>
+                    <a:bodyPr/>
+                    <a:lstStyle/>
+                    <a:p>
+                      <a:pPr algn="r" fontAlgn="b"/>
+                      <a:r>
+                        <a:rPr lang="en-US" altLang="zh-CN" sz="1100" u="none" strike="noStrike">
+                          <a:effectLst/>
+                        </a:rPr>
+                        <a:t>0.555517241</a:t>
+                      </a:r>
+                      <a:endParaRPr lang="en-US" altLang="zh-CN" sz="1100" b="0" i="0" u="none" strike="noStrike">
+                        <a:solidFill>
+                          <a:srgbClr val="000000"/>
+                        </a:solidFill>
+                        <a:effectLst/>
+                        <a:latin typeface="等线" panose="02010600030101010101" pitchFamily="2" charset="-122"/>
+                        <a:ea typeface="等线" panose="02010600030101010101" pitchFamily="2" charset="-122"/>
+                      </a:endParaRPr>
+                    </a:p>
+                  </a:txBody>
+                  <a:tcPr marL="9525" marR="9525" marT="9525" marB="0" anchor="b"/>
+                </a:tc>
+                <a:tc>
+                  <a:txBody>
+                    <a:bodyPr/>
+                    <a:lstStyle/>
+                    <a:p>
+                      <a:pPr algn="r" fontAlgn="b"/>
+                      <a:r>
+                        <a:rPr lang="en-US" altLang="zh-CN" sz="1100" u="none" strike="noStrike">
+                          <a:effectLst/>
+                        </a:rPr>
+                        <a:t>9.781594176</a:t>
+                      </a:r>
+                      <a:endParaRPr lang="en-US" altLang="zh-CN" sz="1100" b="0" i="0" u="none" strike="noStrike">
+                        <a:solidFill>
+                          <a:srgbClr val="000000"/>
+                        </a:solidFill>
+                        <a:effectLst/>
+                        <a:latin typeface="等线" panose="02010600030101010101" pitchFamily="2" charset="-122"/>
+                        <a:ea typeface="等线" panose="02010600030101010101" pitchFamily="2" charset="-122"/>
+                      </a:endParaRPr>
+                    </a:p>
+                  </a:txBody>
+                  <a:tcPr marL="9525" marR="9525" marT="9525" marB="0" anchor="b"/>
+                </a:tc>
+                <a:extLst>
+                  <a:ext uri="{0D108BD9-81ED-4DB2-BD59-A6C34878D82A}">
+                    <a16:rowId xmlns:a16="http://schemas.microsoft.com/office/drawing/2014/main" val="3994504355"/>
+                  </a:ext>
+                </a:extLst>
+              </a:tr>
+              <a:tr h="180975">
+                <a:tc>
+                  <a:txBody>
+                    <a:bodyPr/>
+                    <a:lstStyle/>
+                    <a:p>
+                      <a:pPr algn="l" fontAlgn="b"/>
+                      <a:endParaRPr lang="zh-CN" altLang="en-US" sz="1100" b="0" i="0" u="none" strike="noStrike">
+                        <a:solidFill>
+                          <a:srgbClr val="000000"/>
+                        </a:solidFill>
+                        <a:effectLst/>
+                        <a:latin typeface="等线" panose="02010600030101010101" pitchFamily="2" charset="-122"/>
+                        <a:ea typeface="等线" panose="02010600030101010101" pitchFamily="2" charset="-122"/>
+                      </a:endParaRPr>
+                    </a:p>
+                  </a:txBody>
+                  <a:tcPr marL="9525" marR="9525" marT="9525" marB="0" anchor="b"/>
+                </a:tc>
+                <a:tc>
+                  <a:txBody>
+                    <a:bodyPr/>
+                    <a:lstStyle/>
+                    <a:p>
+                      <a:pPr algn="r" fontAlgn="b"/>
+                      <a:r>
+                        <a:rPr lang="en-US" altLang="zh-CN" sz="1100" u="none" strike="noStrike">
+                          <a:effectLst/>
+                        </a:rPr>
+                        <a:t>1.046086311</a:t>
+                      </a:r>
+                      <a:endParaRPr lang="en-US" altLang="zh-CN" sz="1100" b="0" i="0" u="none" strike="noStrike">
+                        <a:solidFill>
+                          <a:srgbClr val="000000"/>
+                        </a:solidFill>
+                        <a:effectLst/>
+                        <a:latin typeface="等线" panose="02010600030101010101" pitchFamily="2" charset="-122"/>
+                        <a:ea typeface="等线" panose="02010600030101010101" pitchFamily="2" charset="-122"/>
+                      </a:endParaRPr>
+                    </a:p>
+                  </a:txBody>
+                  <a:tcPr marL="9525" marR="9525" marT="9525" marB="0" anchor="b"/>
+                </a:tc>
+                <a:tc>
+                  <a:txBody>
+                    <a:bodyPr/>
+                    <a:lstStyle/>
+                    <a:p>
+                      <a:pPr algn="r" fontAlgn="b"/>
+                      <a:r>
+                        <a:rPr lang="en-US" altLang="zh-CN" sz="1100" u="none" strike="noStrike">
+                          <a:effectLst/>
+                        </a:rPr>
+                        <a:t>0.538461538</a:t>
+                      </a:r>
+                      <a:endParaRPr lang="en-US" altLang="zh-CN" sz="1100" b="0" i="0" u="none" strike="noStrike">
+                        <a:solidFill>
+                          <a:srgbClr val="000000"/>
+                        </a:solidFill>
+                        <a:effectLst/>
+                        <a:latin typeface="等线" panose="02010600030101010101" pitchFamily="2" charset="-122"/>
+                        <a:ea typeface="等线" panose="02010600030101010101" pitchFamily="2" charset="-122"/>
+                      </a:endParaRPr>
+                    </a:p>
+                  </a:txBody>
+                  <a:tcPr marL="9525" marR="9525" marT="9525" marB="0" anchor="b"/>
+                </a:tc>
+                <a:tc>
+                  <a:txBody>
+                    <a:bodyPr/>
+                    <a:lstStyle/>
+                    <a:p>
+                      <a:pPr algn="l" fontAlgn="b"/>
+                      <a:r>
+                        <a:rPr lang="en-US" sz="1100" u="none" strike="noStrike">
+                          <a:effectLst/>
+                        </a:rPr>
+                        <a:t>10-fold</a:t>
+                      </a:r>
+                      <a:endParaRPr lang="en-US" sz="1100" b="0" i="0" u="none" strike="noStrike">
+                        <a:solidFill>
+                          <a:srgbClr val="000000"/>
+                        </a:solidFill>
+                        <a:effectLst/>
+                        <a:latin typeface="等线" panose="02010600030101010101" pitchFamily="2" charset="-122"/>
+                        <a:ea typeface="等线" panose="02010600030101010101" pitchFamily="2" charset="-122"/>
+                      </a:endParaRPr>
+                    </a:p>
+                  </a:txBody>
+                  <a:tcPr marL="9525" marR="9525" marT="9525" marB="0" anchor="b"/>
+                </a:tc>
+                <a:tc>
+                  <a:txBody>
+                    <a:bodyPr/>
+                    <a:lstStyle/>
+                    <a:p>
+                      <a:pPr algn="l" fontAlgn="b"/>
+                      <a:r>
+                        <a:rPr lang="en-US" sz="1100" u="none" strike="noStrike">
+                          <a:effectLst/>
+                        </a:rPr>
+                        <a:t>SVM</a:t>
+                      </a:r>
+                      <a:endParaRPr lang="en-US" sz="1100" b="0" i="0" u="none" strike="noStrike">
+                        <a:solidFill>
+                          <a:srgbClr val="000000"/>
+                        </a:solidFill>
+                        <a:effectLst/>
+                        <a:latin typeface="等线" panose="02010600030101010101" pitchFamily="2" charset="-122"/>
+                        <a:ea typeface="等线" panose="02010600030101010101" pitchFamily="2" charset="-122"/>
+                      </a:endParaRPr>
+                    </a:p>
+                  </a:txBody>
+                  <a:tcPr marL="9525" marR="9525" marT="9525" marB="0" anchor="b"/>
+                </a:tc>
+                <a:tc>
+                  <a:txBody>
+                    <a:bodyPr/>
+                    <a:lstStyle/>
+                    <a:p>
+                      <a:pPr algn="r" fontAlgn="b"/>
+                      <a:r>
+                        <a:rPr lang="en-US" altLang="zh-CN" sz="1100" u="none" strike="noStrike">
+                          <a:effectLst/>
+                        </a:rPr>
+                        <a:t>0.57908046</a:t>
+                      </a:r>
+                      <a:endParaRPr lang="en-US" altLang="zh-CN" sz="1100" b="0" i="0" u="none" strike="noStrike">
+                        <a:solidFill>
+                          <a:srgbClr val="000000"/>
+                        </a:solidFill>
+                        <a:effectLst/>
+                        <a:latin typeface="等线" panose="02010600030101010101" pitchFamily="2" charset="-122"/>
+                        <a:ea typeface="等线" panose="02010600030101010101" pitchFamily="2" charset="-122"/>
+                      </a:endParaRPr>
+                    </a:p>
+                  </a:txBody>
+                  <a:tcPr marL="9525" marR="9525" marT="9525" marB="0" anchor="b"/>
+                </a:tc>
+                <a:tc>
+                  <a:txBody>
+                    <a:bodyPr/>
+                    <a:lstStyle/>
+                    <a:p>
+                      <a:pPr algn="r" fontAlgn="b"/>
+                      <a:r>
+                        <a:rPr lang="en-US" altLang="zh-CN" sz="1100" u="none" strike="noStrike">
+                          <a:effectLst/>
+                        </a:rPr>
+                        <a:t>1.041052838</a:t>
+                      </a:r>
+                      <a:endParaRPr lang="en-US" altLang="zh-CN" sz="1100" b="0" i="0" u="none" strike="noStrike">
+                        <a:solidFill>
+                          <a:srgbClr val="000000"/>
+                        </a:solidFill>
+                        <a:effectLst/>
+                        <a:latin typeface="等线" panose="02010600030101010101" pitchFamily="2" charset="-122"/>
+                        <a:ea typeface="等线" panose="02010600030101010101" pitchFamily="2" charset="-122"/>
+                      </a:endParaRPr>
+                    </a:p>
+                  </a:txBody>
+                  <a:tcPr marL="9525" marR="9525" marT="9525" marB="0" anchor="b"/>
+                </a:tc>
+                <a:extLst>
+                  <a:ext uri="{0D108BD9-81ED-4DB2-BD59-A6C34878D82A}">
+                    <a16:rowId xmlns:a16="http://schemas.microsoft.com/office/drawing/2014/main" val="3412918731"/>
+                  </a:ext>
+                </a:extLst>
+              </a:tr>
+              <a:tr h="180975">
+                <a:tc>
+                  <a:txBody>
+                    <a:bodyPr/>
+                    <a:lstStyle/>
+                    <a:p>
+                      <a:pPr algn="l" fontAlgn="b"/>
+                      <a:endParaRPr lang="zh-CN" altLang="en-US" sz="1100" b="0" i="0" u="none" strike="noStrike">
+                        <a:solidFill>
+                          <a:srgbClr val="000000"/>
+                        </a:solidFill>
+                        <a:effectLst/>
+                        <a:latin typeface="等线" panose="02010600030101010101" pitchFamily="2" charset="-122"/>
+                        <a:ea typeface="等线" panose="02010600030101010101" pitchFamily="2" charset="-122"/>
+                      </a:endParaRPr>
+                    </a:p>
+                  </a:txBody>
+                  <a:tcPr marL="9525" marR="9525" marT="9525" marB="0" anchor="b"/>
+                </a:tc>
+                <a:tc>
+                  <a:txBody>
+                    <a:bodyPr/>
+                    <a:lstStyle/>
+                    <a:p>
+                      <a:pPr algn="r" fontAlgn="b"/>
+                      <a:r>
+                        <a:rPr lang="en-US" altLang="zh-CN" sz="1100" u="none" strike="noStrike">
+                          <a:effectLst/>
+                        </a:rPr>
+                        <a:t>0.359291315</a:t>
+                      </a:r>
+                      <a:endParaRPr lang="en-US" altLang="zh-CN" sz="1100" b="0" i="0" u="none" strike="noStrike">
+                        <a:solidFill>
+                          <a:srgbClr val="000000"/>
+                        </a:solidFill>
+                        <a:effectLst/>
+                        <a:latin typeface="等线" panose="02010600030101010101" pitchFamily="2" charset="-122"/>
+                        <a:ea typeface="等线" panose="02010600030101010101" pitchFamily="2" charset="-122"/>
+                      </a:endParaRPr>
+                    </a:p>
+                  </a:txBody>
+                  <a:tcPr marL="9525" marR="9525" marT="9525" marB="0" anchor="b"/>
+                </a:tc>
+                <a:tc>
+                  <a:txBody>
+                    <a:bodyPr/>
+                    <a:lstStyle/>
+                    <a:p>
+                      <a:pPr algn="r" fontAlgn="b"/>
+                      <a:r>
+                        <a:rPr lang="en-US" altLang="zh-CN" sz="1100" u="none" strike="noStrike">
+                          <a:effectLst/>
+                        </a:rPr>
+                        <a:t>0.461538462</a:t>
+                      </a:r>
+                      <a:endParaRPr lang="en-US" altLang="zh-CN" sz="1100" b="0" i="0" u="none" strike="noStrike">
+                        <a:solidFill>
+                          <a:srgbClr val="000000"/>
+                        </a:solidFill>
+                        <a:effectLst/>
+                        <a:latin typeface="等线" panose="02010600030101010101" pitchFamily="2" charset="-122"/>
+                        <a:ea typeface="等线" panose="02010600030101010101" pitchFamily="2" charset="-122"/>
+                      </a:endParaRPr>
+                    </a:p>
+                  </a:txBody>
+                  <a:tcPr marL="9525" marR="9525" marT="9525" marB="0" anchor="b"/>
+                </a:tc>
+                <a:tc>
+                  <a:txBody>
+                    <a:bodyPr/>
+                    <a:lstStyle/>
+                    <a:p>
+                      <a:pPr algn="l" fontAlgn="b"/>
+                      <a:r>
+                        <a:rPr lang="en-US" sz="1100" u="none" strike="noStrike">
+                          <a:effectLst/>
+                        </a:rPr>
+                        <a:t>10-fold </a:t>
+                      </a:r>
+                      <a:endParaRPr lang="en-US" sz="1100" b="0" i="0" u="none" strike="noStrike">
+                        <a:solidFill>
+                          <a:srgbClr val="000000"/>
+                        </a:solidFill>
+                        <a:effectLst/>
+                        <a:latin typeface="等线" panose="02010600030101010101" pitchFamily="2" charset="-122"/>
+                        <a:ea typeface="等线" panose="02010600030101010101" pitchFamily="2" charset="-122"/>
+                      </a:endParaRPr>
+                    </a:p>
+                  </a:txBody>
+                  <a:tcPr marL="9525" marR="9525" marT="9525" marB="0" anchor="b"/>
+                </a:tc>
+                <a:tc>
+                  <a:txBody>
+                    <a:bodyPr/>
+                    <a:lstStyle/>
+                    <a:p>
+                      <a:pPr algn="l" fontAlgn="b"/>
+                      <a:r>
+                        <a:rPr lang="en-US" sz="1100" u="none" strike="noStrike">
+                          <a:effectLst/>
+                        </a:rPr>
+                        <a:t>Cart</a:t>
+                      </a:r>
+                      <a:endParaRPr lang="en-US" sz="1100" b="0" i="0" u="none" strike="noStrike">
+                        <a:solidFill>
+                          <a:srgbClr val="000000"/>
+                        </a:solidFill>
+                        <a:effectLst/>
+                        <a:latin typeface="等线" panose="02010600030101010101" pitchFamily="2" charset="-122"/>
+                        <a:ea typeface="等线" panose="02010600030101010101" pitchFamily="2" charset="-122"/>
+                      </a:endParaRPr>
+                    </a:p>
+                  </a:txBody>
+                  <a:tcPr marL="9525" marR="9525" marT="9525" marB="0" anchor="b"/>
+                </a:tc>
+                <a:tc>
+                  <a:txBody>
+                    <a:bodyPr/>
+                    <a:lstStyle/>
+                    <a:p>
+                      <a:pPr algn="r" fontAlgn="b"/>
+                      <a:r>
+                        <a:rPr lang="en-US" altLang="zh-CN" sz="1100" u="none" strike="noStrike">
+                          <a:effectLst/>
+                        </a:rPr>
+                        <a:t>0.585977011</a:t>
+                      </a:r>
+                      <a:endParaRPr lang="en-US" altLang="zh-CN" sz="1100" b="0" i="0" u="none" strike="noStrike">
+                        <a:solidFill>
+                          <a:srgbClr val="006100"/>
+                        </a:solidFill>
+                        <a:effectLst/>
+                        <a:latin typeface="等线" panose="02010600030101010101" pitchFamily="2" charset="-122"/>
+                        <a:ea typeface="等线" panose="02010600030101010101" pitchFamily="2" charset="-122"/>
+                      </a:endParaRPr>
+                    </a:p>
+                  </a:txBody>
+                  <a:tcPr marL="9525" marR="9525" marT="9525" marB="0" anchor="b"/>
+                </a:tc>
+                <a:tc>
+                  <a:txBody>
+                    <a:bodyPr/>
+                    <a:lstStyle/>
+                    <a:p>
+                      <a:pPr algn="r" fontAlgn="b"/>
+                      <a:r>
+                        <a:rPr lang="en-US" altLang="zh-CN" sz="1100" u="none" strike="noStrike" dirty="0">
+                          <a:effectLst/>
+                        </a:rPr>
+                        <a:t>0</a:t>
+                      </a:r>
+                      <a:endParaRPr lang="en-US" altLang="zh-CN" sz="1100" b="0" i="0" u="none" strike="noStrike" dirty="0">
+                        <a:solidFill>
+                          <a:srgbClr val="006100"/>
+                        </a:solidFill>
+                        <a:effectLst/>
+                        <a:latin typeface="等线" panose="02010600030101010101" pitchFamily="2" charset="-122"/>
+                        <a:ea typeface="等线" panose="02010600030101010101" pitchFamily="2" charset="-122"/>
+                      </a:endParaRPr>
+                    </a:p>
+                  </a:txBody>
+                  <a:tcPr marL="9525" marR="9525" marT="9525" marB="0" anchor="b"/>
+                </a:tc>
+                <a:extLst>
+                  <a:ext uri="{0D108BD9-81ED-4DB2-BD59-A6C34878D82A}">
+                    <a16:rowId xmlns:a16="http://schemas.microsoft.com/office/drawing/2014/main" val="2791143383"/>
+                  </a:ext>
+                </a:extLst>
+              </a:tr>
+            </a:tbl>
+          </a:graphicData>
+        </a:graphic>
+      </p:graphicFrame>
+      <p:graphicFrame>
+        <p:nvGraphicFramePr>
+          <p:cNvPr id="10" name="表格 9">
+            <a:extLst>
+              <a:ext uri="{FF2B5EF4-FFF2-40B4-BE49-F238E27FC236}">
+                <a16:creationId xmlns:a16="http://schemas.microsoft.com/office/drawing/2014/main" id="{0B225954-BB7D-4E70-BE24-22C824816A45}"/>
+              </a:ext>
+            </a:extLst>
+          </p:cNvPr>
+          <p:cNvGraphicFramePr>
+            <a:graphicFrameLocks noGrp="1"/>
+          </p:cNvGraphicFramePr>
+          <p:nvPr/>
+        </p:nvGraphicFramePr>
+        <p:xfrm>
+          <a:off x="2006600" y="3429000"/>
+          <a:ext cx="8178800" cy="904875"/>
+        </p:xfrm>
+        <a:graphic>
+          <a:graphicData uri="http://schemas.openxmlformats.org/drawingml/2006/table">
+            <a:tbl>
+              <a:tblPr>
+                <a:tableStyleId>{5C22544A-7EE6-4342-B048-85BDC9FD1C3A}</a:tableStyleId>
+              </a:tblPr>
+              <a:tblGrid>
+                <a:gridCol w="1055382">
+                  <a:extLst>
+                    <a:ext uri="{9D8B030D-6E8A-4147-A177-3AD203B41FA5}">
+                      <a16:colId xmlns:a16="http://schemas.microsoft.com/office/drawing/2014/main" val="4057030813"/>
+                    </a:ext>
+                  </a:extLst>
+                </a:gridCol>
+                <a:gridCol w="1166069">
+                  <a:extLst>
+                    <a:ext uri="{9D8B030D-6E8A-4147-A177-3AD203B41FA5}">
+                      <a16:colId xmlns:a16="http://schemas.microsoft.com/office/drawing/2014/main" val="1049074576"/>
+                    </a:ext>
+                  </a:extLst>
+                </a:gridCol>
+                <a:gridCol w="1551964">
+                  <a:extLst>
+                    <a:ext uri="{9D8B030D-6E8A-4147-A177-3AD203B41FA5}">
+                      <a16:colId xmlns:a16="http://schemas.microsoft.com/office/drawing/2014/main" val="2945560585"/>
+                    </a:ext>
+                  </a:extLst>
+                </a:gridCol>
+                <a:gridCol w="964734">
+                  <a:extLst>
+                    <a:ext uri="{9D8B030D-6E8A-4147-A177-3AD203B41FA5}">
+                      <a16:colId xmlns:a16="http://schemas.microsoft.com/office/drawing/2014/main" val="191358090"/>
+                    </a:ext>
+                  </a:extLst>
+                </a:gridCol>
+                <a:gridCol w="964734">
+                  <a:extLst>
+                    <a:ext uri="{9D8B030D-6E8A-4147-A177-3AD203B41FA5}">
+                      <a16:colId xmlns:a16="http://schemas.microsoft.com/office/drawing/2014/main" val="3008752510"/>
+                    </a:ext>
+                  </a:extLst>
+                </a:gridCol>
+                <a:gridCol w="1107346">
+                  <a:extLst>
+                    <a:ext uri="{9D8B030D-6E8A-4147-A177-3AD203B41FA5}">
+                      <a16:colId xmlns:a16="http://schemas.microsoft.com/office/drawing/2014/main" val="2830827218"/>
+                    </a:ext>
+                  </a:extLst>
+                </a:gridCol>
+                <a:gridCol w="1368571">
+                  <a:extLst>
+                    <a:ext uri="{9D8B030D-6E8A-4147-A177-3AD203B41FA5}">
+                      <a16:colId xmlns:a16="http://schemas.microsoft.com/office/drawing/2014/main" val="3530011395"/>
+                    </a:ext>
+                  </a:extLst>
+                </a:gridCol>
+              </a:tblGrid>
+              <a:tr h="180975">
+                <a:tc>
+                  <a:txBody>
+                    <a:bodyPr/>
+                    <a:lstStyle/>
+                    <a:p>
+                      <a:pPr algn="l" fontAlgn="b"/>
+                      <a:r>
+                        <a:rPr lang="en-US" sz="1100" u="none" strike="noStrike">
+                          <a:effectLst/>
+                        </a:rPr>
+                        <a:t>Algorithm</a:t>
+                      </a:r>
+                      <a:endParaRPr lang="en-US" sz="1100" b="0" i="0" u="none" strike="noStrike">
+                        <a:solidFill>
+                          <a:srgbClr val="000000"/>
+                        </a:solidFill>
+                        <a:effectLst/>
+                        <a:latin typeface="等线" panose="02010600030101010101" pitchFamily="2" charset="-122"/>
+                        <a:ea typeface="等线" panose="02010600030101010101" pitchFamily="2" charset="-122"/>
+                      </a:endParaRPr>
+                    </a:p>
+                  </a:txBody>
+                  <a:tcPr marL="9525" marR="9525" marT="9525" marB="0" anchor="b"/>
+                </a:tc>
+                <a:tc>
+                  <a:txBody>
+                    <a:bodyPr/>
+                    <a:lstStyle/>
+                    <a:p>
+                      <a:pPr algn="l" fontAlgn="b"/>
+                      <a:r>
+                        <a:rPr lang="en-US" sz="1100" u="none" strike="noStrike">
+                          <a:effectLst/>
+                        </a:rPr>
+                        <a:t>Time</a:t>
+                      </a:r>
+                      <a:endParaRPr lang="en-US" sz="1100" b="0" i="0" u="none" strike="noStrike">
+                        <a:solidFill>
+                          <a:srgbClr val="000000"/>
+                        </a:solidFill>
+                        <a:effectLst/>
+                        <a:latin typeface="等线" panose="02010600030101010101" pitchFamily="2" charset="-122"/>
+                        <a:ea typeface="等线" panose="02010600030101010101" pitchFamily="2" charset="-122"/>
+                      </a:endParaRPr>
+                    </a:p>
+                  </a:txBody>
+                  <a:tcPr marL="9525" marR="9525" marT="9525" marB="0" anchor="b"/>
+                </a:tc>
+                <a:tc>
+                  <a:txBody>
+                    <a:bodyPr/>
+                    <a:lstStyle/>
+                    <a:p>
+                      <a:pPr algn="l" fontAlgn="b"/>
+                      <a:r>
+                        <a:rPr lang="en-US" sz="1100" u="none" strike="noStrike">
+                          <a:effectLst/>
+                        </a:rPr>
+                        <a:t>DR</a:t>
+                      </a:r>
+                      <a:endParaRPr lang="en-US" sz="1100" b="0" i="0" u="none" strike="noStrike">
+                        <a:solidFill>
+                          <a:srgbClr val="000000"/>
+                        </a:solidFill>
+                        <a:effectLst/>
+                        <a:latin typeface="等线" panose="02010600030101010101" pitchFamily="2" charset="-122"/>
+                        <a:ea typeface="等线" panose="02010600030101010101" pitchFamily="2" charset="-122"/>
+                      </a:endParaRPr>
+                    </a:p>
+                  </a:txBody>
+                  <a:tcPr marL="9525" marR="9525" marT="9525" marB="0" anchor="b"/>
+                </a:tc>
+                <a:tc>
+                  <a:txBody>
+                    <a:bodyPr/>
+                    <a:lstStyle/>
+                    <a:p>
+                      <a:pPr algn="l" fontAlgn="b"/>
+                      <a:r>
+                        <a:rPr lang="en-US" sz="1100" u="none" strike="noStrike">
+                          <a:effectLst/>
+                        </a:rPr>
+                        <a:t>Validation</a:t>
+                      </a:r>
+                      <a:endParaRPr lang="en-US" sz="1100" b="0" i="0" u="none" strike="noStrike">
+                        <a:solidFill>
+                          <a:srgbClr val="000000"/>
+                        </a:solidFill>
+                        <a:effectLst/>
+                        <a:latin typeface="等线" panose="02010600030101010101" pitchFamily="2" charset="-122"/>
+                        <a:ea typeface="等线" panose="02010600030101010101" pitchFamily="2" charset="-122"/>
+                      </a:endParaRPr>
+                    </a:p>
+                  </a:txBody>
+                  <a:tcPr marL="9525" marR="9525" marT="9525" marB="0" anchor="b"/>
+                </a:tc>
+                <a:tc>
+                  <a:txBody>
+                    <a:bodyPr/>
+                    <a:lstStyle/>
+                    <a:p>
+                      <a:pPr algn="l" fontAlgn="b"/>
+                      <a:r>
+                        <a:rPr lang="en-US" sz="1100" u="none" strike="noStrike">
+                          <a:effectLst/>
+                        </a:rPr>
+                        <a:t>Classifier</a:t>
+                      </a:r>
+                      <a:endParaRPr lang="en-US" sz="1100" b="0" i="0" u="none" strike="noStrike">
+                        <a:solidFill>
+                          <a:srgbClr val="000000"/>
+                        </a:solidFill>
+                        <a:effectLst/>
+                        <a:latin typeface="等线" panose="02010600030101010101" pitchFamily="2" charset="-122"/>
+                        <a:ea typeface="等线" panose="02010600030101010101" pitchFamily="2" charset="-122"/>
+                      </a:endParaRPr>
+                    </a:p>
+                  </a:txBody>
+                  <a:tcPr marL="9525" marR="9525" marT="9525" marB="0" anchor="b"/>
+                </a:tc>
+                <a:tc>
+                  <a:txBody>
+                    <a:bodyPr/>
+                    <a:lstStyle/>
+                    <a:p>
+                      <a:pPr algn="l" fontAlgn="b"/>
+                      <a:r>
+                        <a:rPr lang="en-US" sz="1100" u="none" strike="noStrike">
+                          <a:effectLst/>
+                        </a:rPr>
+                        <a:t>AC</a:t>
+                      </a:r>
+                      <a:endParaRPr lang="en-US" sz="1100" b="0" i="0" u="none" strike="noStrike">
+                        <a:solidFill>
+                          <a:srgbClr val="000000"/>
+                        </a:solidFill>
+                        <a:effectLst/>
+                        <a:latin typeface="等线" panose="02010600030101010101" pitchFamily="2" charset="-122"/>
+                        <a:ea typeface="等线" panose="02010600030101010101" pitchFamily="2" charset="-122"/>
+                      </a:endParaRPr>
+                    </a:p>
+                  </a:txBody>
+                  <a:tcPr marL="9525" marR="9525" marT="9525" marB="0" anchor="b"/>
+                </a:tc>
+                <a:tc>
+                  <a:txBody>
+                    <a:bodyPr/>
+                    <a:lstStyle/>
+                    <a:p>
+                      <a:pPr algn="l" fontAlgn="b"/>
+                      <a:r>
+                        <a:rPr lang="en-US" sz="1100" u="none" strike="noStrike">
+                          <a:effectLst/>
+                        </a:rPr>
+                        <a:t>Acc Delta</a:t>
+                      </a:r>
+                      <a:endParaRPr lang="en-US" sz="1100" b="0" i="0" u="none" strike="noStrike">
+                        <a:solidFill>
+                          <a:srgbClr val="000000"/>
+                        </a:solidFill>
+                        <a:effectLst/>
+                        <a:latin typeface="等线" panose="02010600030101010101" pitchFamily="2" charset="-122"/>
+                        <a:ea typeface="等线" panose="02010600030101010101" pitchFamily="2" charset="-122"/>
+                      </a:endParaRPr>
+                    </a:p>
+                  </a:txBody>
+                  <a:tcPr marL="9525" marR="9525" marT="9525" marB="0" anchor="b"/>
+                </a:tc>
+                <a:extLst>
+                  <a:ext uri="{0D108BD9-81ED-4DB2-BD59-A6C34878D82A}">
+                    <a16:rowId xmlns:a16="http://schemas.microsoft.com/office/drawing/2014/main" val="3218636586"/>
+                  </a:ext>
+                </a:extLst>
+              </a:tr>
+              <a:tr h="180975">
+                <a:tc>
+                  <a:txBody>
+                    <a:bodyPr/>
+                    <a:lstStyle/>
+                    <a:p>
+                      <a:pPr algn="l" fontAlgn="b"/>
+                      <a:r>
+                        <a:rPr lang="en-US" sz="1100" u="none" strike="noStrike">
+                          <a:effectLst/>
+                        </a:rPr>
+                        <a:t>EFSFOA</a:t>
+                      </a:r>
+                      <a:endParaRPr lang="en-US" sz="1100" b="0" i="0" u="none" strike="noStrike">
+                        <a:solidFill>
+                          <a:srgbClr val="000000"/>
+                        </a:solidFill>
+                        <a:effectLst/>
+                        <a:latin typeface="等线" panose="02010600030101010101" pitchFamily="2" charset="-122"/>
+                        <a:ea typeface="等线" panose="02010600030101010101" pitchFamily="2" charset="-122"/>
+                      </a:endParaRPr>
+                    </a:p>
+                  </a:txBody>
+                  <a:tcPr marL="9525" marR="9525" marT="9525" marB="0" anchor="b"/>
+                </a:tc>
+                <a:tc>
+                  <a:txBody>
+                    <a:bodyPr/>
+                    <a:lstStyle/>
+                    <a:p>
+                      <a:pPr algn="r" fontAlgn="b"/>
+                      <a:r>
+                        <a:rPr lang="en-US" altLang="zh-CN" sz="1100" u="none" strike="noStrike">
+                          <a:effectLst/>
+                        </a:rPr>
+                        <a:t>88.79822469</a:t>
+                      </a:r>
+                      <a:endParaRPr lang="en-US" altLang="zh-CN" sz="1100" b="0" i="0" u="none" strike="noStrike">
+                        <a:solidFill>
+                          <a:srgbClr val="000000"/>
+                        </a:solidFill>
+                        <a:effectLst/>
+                        <a:latin typeface="等线" panose="02010600030101010101" pitchFamily="2" charset="-122"/>
+                        <a:ea typeface="等线" panose="02010600030101010101" pitchFamily="2" charset="-122"/>
+                      </a:endParaRPr>
+                    </a:p>
+                  </a:txBody>
+                  <a:tcPr marL="9525" marR="9525" marT="9525" marB="0" anchor="b"/>
+                </a:tc>
+                <a:tc>
+                  <a:txBody>
+                    <a:bodyPr/>
+                    <a:lstStyle/>
+                    <a:p>
+                      <a:pPr algn="r" fontAlgn="b"/>
+                      <a:r>
+                        <a:rPr lang="en-US" altLang="zh-CN" sz="1100" u="none" strike="noStrike">
+                          <a:effectLst/>
+                        </a:rPr>
+                        <a:t>0.647058824</a:t>
+                      </a:r>
+                      <a:endParaRPr lang="en-US" altLang="zh-CN" sz="1100" b="0" i="0" u="none" strike="noStrike">
+                        <a:solidFill>
+                          <a:srgbClr val="000000"/>
+                        </a:solidFill>
+                        <a:effectLst/>
+                        <a:latin typeface="等线" panose="02010600030101010101" pitchFamily="2" charset="-122"/>
+                        <a:ea typeface="等线" panose="02010600030101010101" pitchFamily="2" charset="-122"/>
+                      </a:endParaRPr>
+                    </a:p>
+                  </a:txBody>
+                  <a:tcPr marL="9525" marR="9525" marT="9525" marB="0" anchor="b"/>
+                </a:tc>
+                <a:tc>
+                  <a:txBody>
+                    <a:bodyPr/>
+                    <a:lstStyle/>
+                    <a:p>
+                      <a:pPr algn="l" fontAlgn="b"/>
+                      <a:r>
+                        <a:rPr lang="en-US" sz="1100" u="none" strike="noStrike">
+                          <a:effectLst/>
+                        </a:rPr>
+                        <a:t>10-fold</a:t>
+                      </a:r>
+                      <a:endParaRPr lang="en-US" sz="1100" b="0" i="0" u="none" strike="noStrike">
+                        <a:solidFill>
+                          <a:srgbClr val="000000"/>
+                        </a:solidFill>
+                        <a:effectLst/>
+                        <a:latin typeface="等线" panose="02010600030101010101" pitchFamily="2" charset="-122"/>
+                        <a:ea typeface="等线" panose="02010600030101010101" pitchFamily="2" charset="-122"/>
+                      </a:endParaRPr>
+                    </a:p>
+                  </a:txBody>
+                  <a:tcPr marL="9525" marR="9525" marT="9525" marB="0" anchor="b"/>
+                </a:tc>
+                <a:tc>
+                  <a:txBody>
+                    <a:bodyPr/>
+                    <a:lstStyle/>
+                    <a:p>
+                      <a:pPr algn="l" fontAlgn="b"/>
+                      <a:r>
+                        <a:rPr lang="en-US" sz="1100" u="none" strike="noStrike">
+                          <a:effectLst/>
+                        </a:rPr>
+                        <a:t>1nn</a:t>
+                      </a:r>
+                      <a:endParaRPr lang="en-US" sz="1100" b="0" i="0" u="none" strike="noStrike">
+                        <a:solidFill>
+                          <a:srgbClr val="000000"/>
+                        </a:solidFill>
+                        <a:effectLst/>
+                        <a:latin typeface="等线" panose="02010600030101010101" pitchFamily="2" charset="-122"/>
+                        <a:ea typeface="等线" panose="02010600030101010101" pitchFamily="2" charset="-122"/>
+                      </a:endParaRPr>
+                    </a:p>
+                  </a:txBody>
+                  <a:tcPr marL="9525" marR="9525" marT="9525" marB="0" anchor="b"/>
+                </a:tc>
+                <a:tc>
+                  <a:txBody>
+                    <a:bodyPr/>
+                    <a:lstStyle/>
+                    <a:p>
+                      <a:pPr algn="r" fontAlgn="b"/>
+                      <a:r>
+                        <a:rPr lang="en-US" altLang="zh-CN" sz="1100" u="none" strike="noStrike">
+                          <a:effectLst/>
+                        </a:rPr>
+                        <a:t>0.905952381</a:t>
+                      </a:r>
+                      <a:endParaRPr lang="en-US" altLang="zh-CN" sz="1100" b="0" i="0" u="none" strike="noStrike">
+                        <a:solidFill>
+                          <a:srgbClr val="006100"/>
+                        </a:solidFill>
+                        <a:effectLst/>
+                        <a:latin typeface="等线" panose="02010600030101010101" pitchFamily="2" charset="-122"/>
+                        <a:ea typeface="等线" panose="02010600030101010101" pitchFamily="2" charset="-122"/>
+                      </a:endParaRPr>
+                    </a:p>
+                  </a:txBody>
+                  <a:tcPr marL="9525" marR="9525" marT="9525" marB="0" anchor="b"/>
+                </a:tc>
+                <a:tc>
+                  <a:txBody>
+                    <a:bodyPr/>
+                    <a:lstStyle/>
+                    <a:p>
+                      <a:pPr algn="r" fontAlgn="b"/>
+                      <a:r>
+                        <a:rPr lang="en-US" altLang="zh-CN" sz="1100" u="none" strike="noStrike">
+                          <a:effectLst/>
+                        </a:rPr>
+                        <a:t>0</a:t>
+                      </a:r>
+                      <a:endParaRPr lang="en-US" altLang="zh-CN" sz="1100" b="0" i="0" u="none" strike="noStrike">
+                        <a:solidFill>
+                          <a:srgbClr val="006100"/>
+                        </a:solidFill>
+                        <a:effectLst/>
+                        <a:latin typeface="等线" panose="02010600030101010101" pitchFamily="2" charset="-122"/>
+                        <a:ea typeface="等线" panose="02010600030101010101" pitchFamily="2" charset="-122"/>
+                      </a:endParaRPr>
+                    </a:p>
+                  </a:txBody>
+                  <a:tcPr marL="9525" marR="9525" marT="9525" marB="0" anchor="b"/>
+                </a:tc>
+                <a:extLst>
+                  <a:ext uri="{0D108BD9-81ED-4DB2-BD59-A6C34878D82A}">
+                    <a16:rowId xmlns:a16="http://schemas.microsoft.com/office/drawing/2014/main" val="3718931053"/>
+                  </a:ext>
+                </a:extLst>
+              </a:tr>
+              <a:tr h="180975">
+                <a:tc>
+                  <a:txBody>
+                    <a:bodyPr/>
+                    <a:lstStyle/>
+                    <a:p>
+                      <a:pPr algn="l" fontAlgn="b"/>
+                      <a:endParaRPr lang="zh-CN" altLang="en-US" sz="1100" b="0" i="0" u="none" strike="noStrike">
+                        <a:solidFill>
+                          <a:srgbClr val="000000"/>
+                        </a:solidFill>
+                        <a:effectLst/>
+                        <a:latin typeface="等线" panose="02010600030101010101" pitchFamily="2" charset="-122"/>
+                        <a:ea typeface="等线" panose="02010600030101010101" pitchFamily="2" charset="-122"/>
+                      </a:endParaRPr>
+                    </a:p>
+                  </a:txBody>
+                  <a:tcPr marL="9525" marR="9525" marT="9525" marB="0" anchor="b"/>
+                </a:tc>
+                <a:tc>
+                  <a:txBody>
+                    <a:bodyPr/>
+                    <a:lstStyle/>
+                    <a:p>
+                      <a:pPr algn="r" fontAlgn="b"/>
+                      <a:r>
+                        <a:rPr lang="en-US" altLang="zh-CN" sz="1100" u="none" strike="noStrike">
+                          <a:effectLst/>
+                        </a:rPr>
+                        <a:t>102.3047957</a:t>
+                      </a:r>
+                      <a:endParaRPr lang="en-US" altLang="zh-CN" sz="1100" b="0" i="0" u="none" strike="noStrike">
+                        <a:solidFill>
+                          <a:srgbClr val="000000"/>
+                        </a:solidFill>
+                        <a:effectLst/>
+                        <a:latin typeface="等线" panose="02010600030101010101" pitchFamily="2" charset="-122"/>
+                        <a:ea typeface="等线" panose="02010600030101010101" pitchFamily="2" charset="-122"/>
+                      </a:endParaRPr>
+                    </a:p>
+                  </a:txBody>
+                  <a:tcPr marL="9525" marR="9525" marT="9525" marB="0" anchor="b"/>
+                </a:tc>
+                <a:tc>
+                  <a:txBody>
+                    <a:bodyPr/>
+                    <a:lstStyle/>
+                    <a:p>
+                      <a:pPr algn="r" fontAlgn="b"/>
+                      <a:r>
+                        <a:rPr lang="en-US" altLang="zh-CN" sz="1100" u="none" strike="noStrike">
+                          <a:effectLst/>
+                        </a:rPr>
+                        <a:t>0.441176471</a:t>
+                      </a:r>
+                      <a:endParaRPr lang="en-US" altLang="zh-CN" sz="1100" b="0" i="0" u="none" strike="noStrike">
+                        <a:solidFill>
+                          <a:srgbClr val="000000"/>
+                        </a:solidFill>
+                        <a:effectLst/>
+                        <a:latin typeface="等线" panose="02010600030101010101" pitchFamily="2" charset="-122"/>
+                        <a:ea typeface="等线" panose="02010600030101010101" pitchFamily="2" charset="-122"/>
+                      </a:endParaRPr>
+                    </a:p>
+                  </a:txBody>
+                  <a:tcPr marL="9525" marR="9525" marT="9525" marB="0" anchor="b"/>
+                </a:tc>
+                <a:tc>
+                  <a:txBody>
+                    <a:bodyPr/>
+                    <a:lstStyle/>
+                    <a:p>
+                      <a:pPr algn="l" fontAlgn="b"/>
+                      <a:r>
+                        <a:rPr lang="en-US" sz="1100" u="none" strike="noStrike">
+                          <a:effectLst/>
+                        </a:rPr>
+                        <a:t>10-fold</a:t>
+                      </a:r>
+                      <a:endParaRPr lang="en-US" sz="1100" b="0" i="0" u="none" strike="noStrike">
+                        <a:solidFill>
+                          <a:srgbClr val="000000"/>
+                        </a:solidFill>
+                        <a:effectLst/>
+                        <a:latin typeface="等线" panose="02010600030101010101" pitchFamily="2" charset="-122"/>
+                        <a:ea typeface="等线" panose="02010600030101010101" pitchFamily="2" charset="-122"/>
+                      </a:endParaRPr>
+                    </a:p>
+                  </a:txBody>
+                  <a:tcPr marL="9525" marR="9525" marT="9525" marB="0" anchor="b"/>
+                </a:tc>
+                <a:tc>
+                  <a:txBody>
+                    <a:bodyPr/>
+                    <a:lstStyle/>
+                    <a:p>
+                      <a:pPr algn="l" fontAlgn="b"/>
+                      <a:r>
+                        <a:rPr lang="en-US" sz="1100" u="none" strike="noStrike">
+                          <a:effectLst/>
+                        </a:rPr>
+                        <a:t>5nn</a:t>
+                      </a:r>
+                      <a:endParaRPr lang="en-US" sz="1100" b="0" i="0" u="none" strike="noStrike">
+                        <a:solidFill>
+                          <a:srgbClr val="000000"/>
+                        </a:solidFill>
+                        <a:effectLst/>
+                        <a:latin typeface="等线" panose="02010600030101010101" pitchFamily="2" charset="-122"/>
+                        <a:ea typeface="等线" panose="02010600030101010101" pitchFamily="2" charset="-122"/>
+                      </a:endParaRPr>
+                    </a:p>
+                  </a:txBody>
+                  <a:tcPr marL="9525" marR="9525" marT="9525" marB="0" anchor="b"/>
+                </a:tc>
+                <a:tc>
+                  <a:txBody>
+                    <a:bodyPr/>
+                    <a:lstStyle/>
+                    <a:p>
+                      <a:pPr algn="r" fontAlgn="b"/>
+                      <a:r>
+                        <a:rPr lang="en-US" altLang="zh-CN" sz="1100" u="none" strike="noStrike">
+                          <a:effectLst/>
+                        </a:rPr>
+                        <a:t>0.852142857</a:t>
+                      </a:r>
+                      <a:endParaRPr lang="en-US" altLang="zh-CN" sz="1100" b="0" i="0" u="none" strike="noStrike">
+                        <a:solidFill>
+                          <a:srgbClr val="000000"/>
+                        </a:solidFill>
+                        <a:effectLst/>
+                        <a:latin typeface="等线" panose="02010600030101010101" pitchFamily="2" charset="-122"/>
+                        <a:ea typeface="等线" panose="02010600030101010101" pitchFamily="2" charset="-122"/>
+                      </a:endParaRPr>
+                    </a:p>
+                  </a:txBody>
+                  <a:tcPr marL="9525" marR="9525" marT="9525" marB="0" anchor="b"/>
+                </a:tc>
+                <a:tc>
+                  <a:txBody>
+                    <a:bodyPr/>
+                    <a:lstStyle/>
+                    <a:p>
+                      <a:pPr algn="r" fontAlgn="b"/>
+                      <a:r>
+                        <a:rPr lang="en-US" altLang="zh-CN" sz="1100" u="none" strike="noStrike">
+                          <a:effectLst/>
+                        </a:rPr>
+                        <a:t>4.7631719</a:t>
+                      </a:r>
+                      <a:endParaRPr lang="en-US" altLang="zh-CN" sz="1100" b="0" i="0" u="none" strike="noStrike">
+                        <a:solidFill>
+                          <a:srgbClr val="000000"/>
+                        </a:solidFill>
+                        <a:effectLst/>
+                        <a:latin typeface="等线" panose="02010600030101010101" pitchFamily="2" charset="-122"/>
+                        <a:ea typeface="等线" panose="02010600030101010101" pitchFamily="2" charset="-122"/>
+                      </a:endParaRPr>
+                    </a:p>
+                  </a:txBody>
+                  <a:tcPr marL="9525" marR="9525" marT="9525" marB="0" anchor="b"/>
+                </a:tc>
+                <a:extLst>
+                  <a:ext uri="{0D108BD9-81ED-4DB2-BD59-A6C34878D82A}">
+                    <a16:rowId xmlns:a16="http://schemas.microsoft.com/office/drawing/2014/main" val="4066695035"/>
+                  </a:ext>
+                </a:extLst>
+              </a:tr>
+              <a:tr h="180975">
+                <a:tc>
+                  <a:txBody>
+                    <a:bodyPr/>
+                    <a:lstStyle/>
+                    <a:p>
+                      <a:pPr algn="l" fontAlgn="b"/>
+                      <a:endParaRPr lang="zh-CN" altLang="en-US" sz="1100" b="0" i="0" u="none" strike="noStrike">
+                        <a:solidFill>
+                          <a:srgbClr val="000000"/>
+                        </a:solidFill>
+                        <a:effectLst/>
+                        <a:latin typeface="等线" panose="02010600030101010101" pitchFamily="2" charset="-122"/>
+                        <a:ea typeface="等线" panose="02010600030101010101" pitchFamily="2" charset="-122"/>
+                      </a:endParaRPr>
+                    </a:p>
+                  </a:txBody>
+                  <a:tcPr marL="9525" marR="9525" marT="9525" marB="0" anchor="b"/>
+                </a:tc>
+                <a:tc>
+                  <a:txBody>
+                    <a:bodyPr/>
+                    <a:lstStyle/>
+                    <a:p>
+                      <a:pPr algn="r" fontAlgn="b"/>
+                      <a:r>
+                        <a:rPr lang="en-US" altLang="zh-CN" sz="1100" u="none" strike="noStrike">
+                          <a:effectLst/>
+                        </a:rPr>
+                        <a:t>2.967281818</a:t>
+                      </a:r>
+                      <a:endParaRPr lang="en-US" altLang="zh-CN" sz="1100" b="0" i="0" u="none" strike="noStrike">
+                        <a:solidFill>
+                          <a:srgbClr val="000000"/>
+                        </a:solidFill>
+                        <a:effectLst/>
+                        <a:latin typeface="等线" panose="02010600030101010101" pitchFamily="2" charset="-122"/>
+                        <a:ea typeface="等线" panose="02010600030101010101" pitchFamily="2" charset="-122"/>
+                      </a:endParaRPr>
+                    </a:p>
+                  </a:txBody>
+                  <a:tcPr marL="9525" marR="9525" marT="9525" marB="0" anchor="b"/>
+                </a:tc>
+                <a:tc>
+                  <a:txBody>
+                    <a:bodyPr/>
+                    <a:lstStyle/>
+                    <a:p>
+                      <a:pPr algn="r" fontAlgn="b"/>
+                      <a:r>
+                        <a:rPr lang="en-US" altLang="zh-CN" sz="1100" u="none" strike="noStrike">
+                          <a:effectLst/>
+                        </a:rPr>
+                        <a:t>0.294117647</a:t>
+                      </a:r>
+                      <a:endParaRPr lang="en-US" altLang="zh-CN" sz="1100" b="0" i="0" u="none" strike="noStrike">
+                        <a:solidFill>
+                          <a:srgbClr val="000000"/>
+                        </a:solidFill>
+                        <a:effectLst/>
+                        <a:latin typeface="等线" panose="02010600030101010101" pitchFamily="2" charset="-122"/>
+                        <a:ea typeface="等线" panose="02010600030101010101" pitchFamily="2" charset="-122"/>
+                      </a:endParaRPr>
+                    </a:p>
+                  </a:txBody>
+                  <a:tcPr marL="9525" marR="9525" marT="9525" marB="0" anchor="b"/>
+                </a:tc>
+                <a:tc>
+                  <a:txBody>
+                    <a:bodyPr/>
+                    <a:lstStyle/>
+                    <a:p>
+                      <a:pPr algn="l" fontAlgn="b"/>
+                      <a:r>
+                        <a:rPr lang="en-US" sz="1100" u="none" strike="noStrike">
+                          <a:effectLst/>
+                        </a:rPr>
+                        <a:t>10-fold</a:t>
+                      </a:r>
+                      <a:endParaRPr lang="en-US" sz="1100" b="0" i="0" u="none" strike="noStrike">
+                        <a:solidFill>
+                          <a:srgbClr val="000000"/>
+                        </a:solidFill>
+                        <a:effectLst/>
+                        <a:latin typeface="等线" panose="02010600030101010101" pitchFamily="2" charset="-122"/>
+                        <a:ea typeface="等线" panose="02010600030101010101" pitchFamily="2" charset="-122"/>
+                      </a:endParaRPr>
+                    </a:p>
+                  </a:txBody>
+                  <a:tcPr marL="9525" marR="9525" marT="9525" marB="0" anchor="b"/>
+                </a:tc>
+                <a:tc>
+                  <a:txBody>
+                    <a:bodyPr/>
+                    <a:lstStyle/>
+                    <a:p>
+                      <a:pPr algn="l" fontAlgn="b"/>
+                      <a:r>
+                        <a:rPr lang="en-US" sz="1100" u="none" strike="noStrike">
+                          <a:effectLst/>
+                        </a:rPr>
+                        <a:t>SVM</a:t>
+                      </a:r>
+                      <a:endParaRPr lang="en-US" sz="1100" b="0" i="0" u="none" strike="noStrike">
+                        <a:solidFill>
+                          <a:srgbClr val="000000"/>
+                        </a:solidFill>
+                        <a:effectLst/>
+                        <a:latin typeface="等线" panose="02010600030101010101" pitchFamily="2" charset="-122"/>
+                        <a:ea typeface="等线" panose="02010600030101010101" pitchFamily="2" charset="-122"/>
+                      </a:endParaRPr>
+                    </a:p>
+                  </a:txBody>
+                  <a:tcPr marL="9525" marR="9525" marT="9525" marB="0" anchor="b"/>
+                </a:tc>
+                <a:tc>
+                  <a:txBody>
+                    <a:bodyPr/>
+                    <a:lstStyle/>
+                    <a:p>
+                      <a:pPr algn="r" fontAlgn="b"/>
+                      <a:r>
+                        <a:rPr lang="en-US" altLang="zh-CN" sz="1100" u="none" strike="noStrike">
+                          <a:effectLst/>
+                        </a:rPr>
+                        <a:t>0.951587302</a:t>
+                      </a:r>
+                      <a:endParaRPr lang="en-US" altLang="zh-CN" sz="1100" b="0" i="0" u="none" strike="noStrike">
+                        <a:solidFill>
+                          <a:srgbClr val="006100"/>
+                        </a:solidFill>
+                        <a:effectLst/>
+                        <a:latin typeface="等线" panose="02010600030101010101" pitchFamily="2" charset="-122"/>
+                        <a:ea typeface="等线" panose="02010600030101010101" pitchFamily="2" charset="-122"/>
+                      </a:endParaRPr>
+                    </a:p>
+                  </a:txBody>
+                  <a:tcPr marL="9525" marR="9525" marT="9525" marB="0" anchor="b"/>
+                </a:tc>
+                <a:tc>
+                  <a:txBody>
+                    <a:bodyPr/>
+                    <a:lstStyle/>
+                    <a:p>
+                      <a:pPr algn="r" fontAlgn="b"/>
+                      <a:r>
+                        <a:rPr lang="en-US" altLang="zh-CN" sz="1100" u="none" strike="noStrike">
+                          <a:effectLst/>
+                        </a:rPr>
+                        <a:t>0</a:t>
+                      </a:r>
+                      <a:endParaRPr lang="en-US" altLang="zh-CN" sz="1100" b="0" i="0" u="none" strike="noStrike">
+                        <a:solidFill>
+                          <a:srgbClr val="006100"/>
+                        </a:solidFill>
+                        <a:effectLst/>
+                        <a:latin typeface="等线" panose="02010600030101010101" pitchFamily="2" charset="-122"/>
+                        <a:ea typeface="等线" panose="02010600030101010101" pitchFamily="2" charset="-122"/>
+                      </a:endParaRPr>
+                    </a:p>
+                  </a:txBody>
+                  <a:tcPr marL="9525" marR="9525" marT="9525" marB="0" anchor="b"/>
+                </a:tc>
+                <a:extLst>
+                  <a:ext uri="{0D108BD9-81ED-4DB2-BD59-A6C34878D82A}">
+                    <a16:rowId xmlns:a16="http://schemas.microsoft.com/office/drawing/2014/main" val="264721434"/>
+                  </a:ext>
+                </a:extLst>
+              </a:tr>
+              <a:tr h="180975">
+                <a:tc>
+                  <a:txBody>
+                    <a:bodyPr/>
+                    <a:lstStyle/>
+                    <a:p>
+                      <a:pPr algn="l" fontAlgn="b"/>
+                      <a:endParaRPr lang="zh-CN" altLang="en-US" sz="1100" b="0" i="0" u="none" strike="noStrike">
+                        <a:solidFill>
+                          <a:srgbClr val="000000"/>
+                        </a:solidFill>
+                        <a:effectLst/>
+                        <a:latin typeface="等线" panose="02010600030101010101" pitchFamily="2" charset="-122"/>
+                        <a:ea typeface="等线" panose="02010600030101010101" pitchFamily="2" charset="-122"/>
+                      </a:endParaRPr>
+                    </a:p>
+                  </a:txBody>
+                  <a:tcPr marL="9525" marR="9525" marT="9525" marB="0" anchor="b"/>
+                </a:tc>
+                <a:tc>
+                  <a:txBody>
+                    <a:bodyPr/>
+                    <a:lstStyle/>
+                    <a:p>
+                      <a:pPr algn="r" fontAlgn="b"/>
+                      <a:r>
+                        <a:rPr lang="en-US" altLang="zh-CN" sz="1100" u="none" strike="noStrike">
+                          <a:effectLst/>
+                        </a:rPr>
+                        <a:t>1.874529123</a:t>
+                      </a:r>
+                      <a:endParaRPr lang="en-US" altLang="zh-CN" sz="1100" b="0" i="0" u="none" strike="noStrike">
+                        <a:solidFill>
+                          <a:srgbClr val="000000"/>
+                        </a:solidFill>
+                        <a:effectLst/>
+                        <a:latin typeface="等线" panose="02010600030101010101" pitchFamily="2" charset="-122"/>
+                        <a:ea typeface="等线" panose="02010600030101010101" pitchFamily="2" charset="-122"/>
+                      </a:endParaRPr>
+                    </a:p>
+                  </a:txBody>
+                  <a:tcPr marL="9525" marR="9525" marT="9525" marB="0" anchor="b"/>
+                </a:tc>
+                <a:tc>
+                  <a:txBody>
+                    <a:bodyPr/>
+                    <a:lstStyle/>
+                    <a:p>
+                      <a:pPr algn="r" fontAlgn="b"/>
+                      <a:r>
+                        <a:rPr lang="en-US" altLang="zh-CN" sz="1100" u="none" strike="noStrike">
+                          <a:effectLst/>
+                        </a:rPr>
+                        <a:t>0.5</a:t>
+                      </a:r>
+                      <a:endParaRPr lang="en-US" altLang="zh-CN" sz="1100" b="0" i="0" u="none" strike="noStrike">
+                        <a:solidFill>
+                          <a:srgbClr val="000000"/>
+                        </a:solidFill>
+                        <a:effectLst/>
+                        <a:latin typeface="等线" panose="02010600030101010101" pitchFamily="2" charset="-122"/>
+                        <a:ea typeface="等线" panose="02010600030101010101" pitchFamily="2" charset="-122"/>
+                      </a:endParaRPr>
+                    </a:p>
+                  </a:txBody>
+                  <a:tcPr marL="9525" marR="9525" marT="9525" marB="0" anchor="b"/>
+                </a:tc>
+                <a:tc>
+                  <a:txBody>
+                    <a:bodyPr/>
+                    <a:lstStyle/>
+                    <a:p>
+                      <a:pPr algn="l" fontAlgn="b"/>
+                      <a:r>
+                        <a:rPr lang="en-US" sz="1100" u="none" strike="noStrike">
+                          <a:effectLst/>
+                        </a:rPr>
+                        <a:t>10-fold </a:t>
+                      </a:r>
+                      <a:endParaRPr lang="en-US" sz="1100" b="0" i="0" u="none" strike="noStrike">
+                        <a:solidFill>
+                          <a:srgbClr val="000000"/>
+                        </a:solidFill>
+                        <a:effectLst/>
+                        <a:latin typeface="等线" panose="02010600030101010101" pitchFamily="2" charset="-122"/>
+                        <a:ea typeface="等线" panose="02010600030101010101" pitchFamily="2" charset="-122"/>
+                      </a:endParaRPr>
+                    </a:p>
+                  </a:txBody>
+                  <a:tcPr marL="9525" marR="9525" marT="9525" marB="0" anchor="b"/>
+                </a:tc>
+                <a:tc>
+                  <a:txBody>
+                    <a:bodyPr/>
+                    <a:lstStyle/>
+                    <a:p>
+                      <a:pPr algn="l" fontAlgn="b"/>
+                      <a:r>
+                        <a:rPr lang="en-US" sz="1100" u="none" strike="noStrike">
+                          <a:effectLst/>
+                        </a:rPr>
+                        <a:t>Cart</a:t>
+                      </a:r>
+                      <a:endParaRPr lang="en-US" sz="1100" b="0" i="0" u="none" strike="noStrike">
+                        <a:solidFill>
+                          <a:srgbClr val="000000"/>
+                        </a:solidFill>
+                        <a:effectLst/>
+                        <a:latin typeface="等线" panose="02010600030101010101" pitchFamily="2" charset="-122"/>
+                        <a:ea typeface="等线" panose="02010600030101010101" pitchFamily="2" charset="-122"/>
+                      </a:endParaRPr>
+                    </a:p>
+                  </a:txBody>
+                  <a:tcPr marL="9525" marR="9525" marT="9525" marB="0" anchor="b"/>
+                </a:tc>
+                <a:tc>
+                  <a:txBody>
+                    <a:bodyPr/>
+                    <a:lstStyle/>
+                    <a:p>
+                      <a:pPr algn="r" fontAlgn="b"/>
+                      <a:r>
+                        <a:rPr lang="en-US" altLang="zh-CN" sz="1100" u="none" strike="noStrike">
+                          <a:effectLst/>
+                        </a:rPr>
+                        <a:t>0.900555556</a:t>
+                      </a:r>
+                      <a:endParaRPr lang="en-US" altLang="zh-CN" sz="1100" b="0" i="0" u="none" strike="noStrike">
+                        <a:solidFill>
+                          <a:srgbClr val="006100"/>
+                        </a:solidFill>
+                        <a:effectLst/>
+                        <a:latin typeface="等线" panose="02010600030101010101" pitchFamily="2" charset="-122"/>
+                        <a:ea typeface="等线" panose="02010600030101010101" pitchFamily="2" charset="-122"/>
+                      </a:endParaRPr>
+                    </a:p>
+                  </a:txBody>
+                  <a:tcPr marL="9525" marR="9525" marT="9525" marB="0" anchor="b"/>
+                </a:tc>
+                <a:tc>
+                  <a:txBody>
+                    <a:bodyPr/>
+                    <a:lstStyle/>
+                    <a:p>
+                      <a:pPr algn="r" fontAlgn="b"/>
+                      <a:r>
+                        <a:rPr lang="en-US" altLang="zh-CN" sz="1100" u="none" strike="noStrike" dirty="0">
+                          <a:effectLst/>
+                        </a:rPr>
+                        <a:t>0</a:t>
+                      </a:r>
+                      <a:endParaRPr lang="en-US" altLang="zh-CN" sz="1100" b="0" i="0" u="none" strike="noStrike" dirty="0">
+                        <a:solidFill>
+                          <a:srgbClr val="006100"/>
+                        </a:solidFill>
+                        <a:effectLst/>
+                        <a:latin typeface="等线" panose="02010600030101010101" pitchFamily="2" charset="-122"/>
+                        <a:ea typeface="等线" panose="02010600030101010101" pitchFamily="2" charset="-122"/>
+                      </a:endParaRPr>
+                    </a:p>
+                  </a:txBody>
+                  <a:tcPr marL="9525" marR="9525" marT="9525" marB="0" anchor="b"/>
+                </a:tc>
+                <a:extLst>
+                  <a:ext uri="{0D108BD9-81ED-4DB2-BD59-A6C34878D82A}">
+                    <a16:rowId xmlns:a16="http://schemas.microsoft.com/office/drawing/2014/main" val="2316491005"/>
+                  </a:ext>
+                </a:extLst>
+              </a:tr>
+            </a:tbl>
+          </a:graphicData>
+        </a:graphic>
+      </p:graphicFrame>
+      <p:graphicFrame>
+        <p:nvGraphicFramePr>
+          <p:cNvPr id="11" name="表格 10">
+            <a:extLst>
+              <a:ext uri="{FF2B5EF4-FFF2-40B4-BE49-F238E27FC236}">
+                <a16:creationId xmlns:a16="http://schemas.microsoft.com/office/drawing/2014/main" id="{647223E9-39E0-424F-A4DC-162488535802}"/>
+              </a:ext>
+            </a:extLst>
+          </p:cNvPr>
+          <p:cNvGraphicFramePr>
+            <a:graphicFrameLocks noGrp="1"/>
+          </p:cNvGraphicFramePr>
+          <p:nvPr/>
+        </p:nvGraphicFramePr>
+        <p:xfrm>
+          <a:off x="2006600" y="4562475"/>
+          <a:ext cx="8178801" cy="904875"/>
+        </p:xfrm>
+        <a:graphic>
+          <a:graphicData uri="http://schemas.openxmlformats.org/drawingml/2006/table">
+            <a:tbl>
+              <a:tblPr>
+                <a:tableStyleId>{5C22544A-7EE6-4342-B048-85BDC9FD1C3A}</a:tableStyleId>
+              </a:tblPr>
+              <a:tblGrid>
+                <a:gridCol w="1055382">
+                  <a:extLst>
+                    <a:ext uri="{9D8B030D-6E8A-4147-A177-3AD203B41FA5}">
+                      <a16:colId xmlns:a16="http://schemas.microsoft.com/office/drawing/2014/main" val="1488837349"/>
+                    </a:ext>
+                  </a:extLst>
+                </a:gridCol>
+                <a:gridCol w="1157680">
+                  <a:extLst>
+                    <a:ext uri="{9D8B030D-6E8A-4147-A177-3AD203B41FA5}">
+                      <a16:colId xmlns:a16="http://schemas.microsoft.com/office/drawing/2014/main" val="357464551"/>
+                    </a:ext>
+                  </a:extLst>
+                </a:gridCol>
+                <a:gridCol w="1568742">
+                  <a:extLst>
+                    <a:ext uri="{9D8B030D-6E8A-4147-A177-3AD203B41FA5}">
+                      <a16:colId xmlns:a16="http://schemas.microsoft.com/office/drawing/2014/main" val="2933785966"/>
+                    </a:ext>
+                  </a:extLst>
+                </a:gridCol>
+                <a:gridCol w="947956">
+                  <a:extLst>
+                    <a:ext uri="{9D8B030D-6E8A-4147-A177-3AD203B41FA5}">
+                      <a16:colId xmlns:a16="http://schemas.microsoft.com/office/drawing/2014/main" val="3469962746"/>
+                    </a:ext>
+                  </a:extLst>
+                </a:gridCol>
+                <a:gridCol w="981512">
+                  <a:extLst>
+                    <a:ext uri="{9D8B030D-6E8A-4147-A177-3AD203B41FA5}">
+                      <a16:colId xmlns:a16="http://schemas.microsoft.com/office/drawing/2014/main" val="1065947390"/>
+                    </a:ext>
+                  </a:extLst>
+                </a:gridCol>
+                <a:gridCol w="1098957">
+                  <a:extLst>
+                    <a:ext uri="{9D8B030D-6E8A-4147-A177-3AD203B41FA5}">
+                      <a16:colId xmlns:a16="http://schemas.microsoft.com/office/drawing/2014/main" val="3302582777"/>
+                    </a:ext>
+                  </a:extLst>
+                </a:gridCol>
+                <a:gridCol w="1368572">
+                  <a:extLst>
+                    <a:ext uri="{9D8B030D-6E8A-4147-A177-3AD203B41FA5}">
+                      <a16:colId xmlns:a16="http://schemas.microsoft.com/office/drawing/2014/main" val="877290342"/>
+                    </a:ext>
+                  </a:extLst>
+                </a:gridCol>
+              </a:tblGrid>
+              <a:tr h="180975">
+                <a:tc>
+                  <a:txBody>
+                    <a:bodyPr/>
+                    <a:lstStyle/>
+                    <a:p>
+                      <a:pPr algn="l" fontAlgn="b"/>
+                      <a:r>
+                        <a:rPr lang="en-US" sz="1100" u="none" strike="noStrike">
+                          <a:effectLst/>
+                        </a:rPr>
+                        <a:t>Algorithm</a:t>
+                      </a:r>
+                      <a:endParaRPr lang="en-US" sz="1100" b="0" i="0" u="none" strike="noStrike">
+                        <a:solidFill>
+                          <a:srgbClr val="000000"/>
+                        </a:solidFill>
+                        <a:effectLst/>
+                        <a:latin typeface="等线" panose="02010600030101010101" pitchFamily="2" charset="-122"/>
+                        <a:ea typeface="等线" panose="02010600030101010101" pitchFamily="2" charset="-122"/>
+                      </a:endParaRPr>
+                    </a:p>
+                  </a:txBody>
+                  <a:tcPr marL="9525" marR="9525" marT="9525" marB="0" anchor="b"/>
+                </a:tc>
+                <a:tc>
+                  <a:txBody>
+                    <a:bodyPr/>
+                    <a:lstStyle/>
+                    <a:p>
+                      <a:pPr algn="l" fontAlgn="b"/>
+                      <a:r>
+                        <a:rPr lang="en-US" sz="1100" u="none" strike="noStrike">
+                          <a:effectLst/>
+                        </a:rPr>
+                        <a:t>Time</a:t>
+                      </a:r>
+                      <a:endParaRPr lang="en-US" sz="1100" b="0" i="0" u="none" strike="noStrike">
+                        <a:solidFill>
+                          <a:srgbClr val="000000"/>
+                        </a:solidFill>
+                        <a:effectLst/>
+                        <a:latin typeface="等线" panose="02010600030101010101" pitchFamily="2" charset="-122"/>
+                        <a:ea typeface="等线" panose="02010600030101010101" pitchFamily="2" charset="-122"/>
+                      </a:endParaRPr>
+                    </a:p>
+                  </a:txBody>
+                  <a:tcPr marL="9525" marR="9525" marT="9525" marB="0" anchor="b"/>
+                </a:tc>
+                <a:tc>
+                  <a:txBody>
+                    <a:bodyPr/>
+                    <a:lstStyle/>
+                    <a:p>
+                      <a:pPr algn="l" fontAlgn="b"/>
+                      <a:r>
+                        <a:rPr lang="en-US" sz="1100" u="none" strike="noStrike">
+                          <a:effectLst/>
+                        </a:rPr>
+                        <a:t>DR</a:t>
+                      </a:r>
+                      <a:endParaRPr lang="en-US" sz="1100" b="0" i="0" u="none" strike="noStrike">
+                        <a:solidFill>
+                          <a:srgbClr val="000000"/>
+                        </a:solidFill>
+                        <a:effectLst/>
+                        <a:latin typeface="等线" panose="02010600030101010101" pitchFamily="2" charset="-122"/>
+                        <a:ea typeface="等线" panose="02010600030101010101" pitchFamily="2" charset="-122"/>
+                      </a:endParaRPr>
+                    </a:p>
+                  </a:txBody>
+                  <a:tcPr marL="9525" marR="9525" marT="9525" marB="0" anchor="b"/>
+                </a:tc>
+                <a:tc>
+                  <a:txBody>
+                    <a:bodyPr/>
+                    <a:lstStyle/>
+                    <a:p>
+                      <a:pPr algn="l" fontAlgn="b"/>
+                      <a:r>
+                        <a:rPr lang="en-US" sz="1100" u="none" strike="noStrike">
+                          <a:effectLst/>
+                        </a:rPr>
+                        <a:t>Validation</a:t>
+                      </a:r>
+                      <a:endParaRPr lang="en-US" sz="1100" b="0" i="0" u="none" strike="noStrike">
+                        <a:solidFill>
+                          <a:srgbClr val="000000"/>
+                        </a:solidFill>
+                        <a:effectLst/>
+                        <a:latin typeface="等线" panose="02010600030101010101" pitchFamily="2" charset="-122"/>
+                        <a:ea typeface="等线" panose="02010600030101010101" pitchFamily="2" charset="-122"/>
+                      </a:endParaRPr>
+                    </a:p>
+                  </a:txBody>
+                  <a:tcPr marL="9525" marR="9525" marT="9525" marB="0" anchor="b"/>
+                </a:tc>
+                <a:tc>
+                  <a:txBody>
+                    <a:bodyPr/>
+                    <a:lstStyle/>
+                    <a:p>
+                      <a:pPr algn="l" fontAlgn="b"/>
+                      <a:r>
+                        <a:rPr lang="en-US" sz="1100" u="none" strike="noStrike">
+                          <a:effectLst/>
+                        </a:rPr>
+                        <a:t>Classifier</a:t>
+                      </a:r>
+                      <a:endParaRPr lang="en-US" sz="1100" b="0" i="0" u="none" strike="noStrike">
+                        <a:solidFill>
+                          <a:srgbClr val="000000"/>
+                        </a:solidFill>
+                        <a:effectLst/>
+                        <a:latin typeface="等线" panose="02010600030101010101" pitchFamily="2" charset="-122"/>
+                        <a:ea typeface="等线" panose="02010600030101010101" pitchFamily="2" charset="-122"/>
+                      </a:endParaRPr>
+                    </a:p>
+                  </a:txBody>
+                  <a:tcPr marL="9525" marR="9525" marT="9525" marB="0" anchor="b"/>
+                </a:tc>
+                <a:tc>
+                  <a:txBody>
+                    <a:bodyPr/>
+                    <a:lstStyle/>
+                    <a:p>
+                      <a:pPr algn="l" fontAlgn="b"/>
+                      <a:r>
+                        <a:rPr lang="en-US" sz="1100" u="none" strike="noStrike">
+                          <a:effectLst/>
+                        </a:rPr>
+                        <a:t>AC</a:t>
+                      </a:r>
+                      <a:endParaRPr lang="en-US" sz="1100" b="0" i="0" u="none" strike="noStrike">
+                        <a:solidFill>
+                          <a:srgbClr val="000000"/>
+                        </a:solidFill>
+                        <a:effectLst/>
+                        <a:latin typeface="等线" panose="02010600030101010101" pitchFamily="2" charset="-122"/>
+                        <a:ea typeface="等线" panose="02010600030101010101" pitchFamily="2" charset="-122"/>
+                      </a:endParaRPr>
+                    </a:p>
+                  </a:txBody>
+                  <a:tcPr marL="9525" marR="9525" marT="9525" marB="0" anchor="b"/>
+                </a:tc>
+                <a:tc>
+                  <a:txBody>
+                    <a:bodyPr/>
+                    <a:lstStyle/>
+                    <a:p>
+                      <a:pPr algn="l" fontAlgn="b"/>
+                      <a:r>
+                        <a:rPr lang="en-US" sz="1100" u="none" strike="noStrike">
+                          <a:effectLst/>
+                        </a:rPr>
+                        <a:t>Acc Delta</a:t>
+                      </a:r>
+                      <a:endParaRPr lang="en-US" sz="1100" b="0" i="0" u="none" strike="noStrike">
+                        <a:solidFill>
+                          <a:srgbClr val="000000"/>
+                        </a:solidFill>
+                        <a:effectLst/>
+                        <a:latin typeface="等线" panose="02010600030101010101" pitchFamily="2" charset="-122"/>
+                        <a:ea typeface="等线" panose="02010600030101010101" pitchFamily="2" charset="-122"/>
+                      </a:endParaRPr>
+                    </a:p>
+                  </a:txBody>
+                  <a:tcPr marL="9525" marR="9525" marT="9525" marB="0" anchor="b"/>
+                </a:tc>
+                <a:extLst>
+                  <a:ext uri="{0D108BD9-81ED-4DB2-BD59-A6C34878D82A}">
+                    <a16:rowId xmlns:a16="http://schemas.microsoft.com/office/drawing/2014/main" val="3710296805"/>
+                  </a:ext>
+                </a:extLst>
+              </a:tr>
+              <a:tr h="180975">
+                <a:tc>
+                  <a:txBody>
+                    <a:bodyPr/>
+                    <a:lstStyle/>
+                    <a:p>
+                      <a:pPr algn="l" fontAlgn="b"/>
+                      <a:r>
+                        <a:rPr lang="en-US" sz="1100" u="none" strike="noStrike">
+                          <a:effectLst/>
+                        </a:rPr>
+                        <a:t>EFSFOA</a:t>
+                      </a:r>
+                      <a:endParaRPr lang="en-US" sz="1100" b="0" i="0" u="none" strike="noStrike">
+                        <a:solidFill>
+                          <a:srgbClr val="000000"/>
+                        </a:solidFill>
+                        <a:effectLst/>
+                        <a:latin typeface="等线" panose="02010600030101010101" pitchFamily="2" charset="-122"/>
+                        <a:ea typeface="等线" panose="02010600030101010101" pitchFamily="2" charset="-122"/>
+                      </a:endParaRPr>
+                    </a:p>
+                  </a:txBody>
+                  <a:tcPr marL="9525" marR="9525" marT="9525" marB="0" anchor="b"/>
+                </a:tc>
+                <a:tc>
+                  <a:txBody>
+                    <a:bodyPr/>
+                    <a:lstStyle/>
+                    <a:p>
+                      <a:pPr algn="r" fontAlgn="b"/>
+                      <a:r>
+                        <a:rPr lang="en-US" altLang="zh-CN" sz="1100" u="none" strike="noStrike">
+                          <a:effectLst/>
+                        </a:rPr>
+                        <a:t>56.9013927</a:t>
+                      </a:r>
+                      <a:endParaRPr lang="en-US" altLang="zh-CN" sz="1100" b="0" i="0" u="none" strike="noStrike">
+                        <a:solidFill>
+                          <a:srgbClr val="000000"/>
+                        </a:solidFill>
+                        <a:effectLst/>
+                        <a:latin typeface="等线" panose="02010600030101010101" pitchFamily="2" charset="-122"/>
+                        <a:ea typeface="等线" panose="02010600030101010101" pitchFamily="2" charset="-122"/>
+                      </a:endParaRPr>
+                    </a:p>
+                  </a:txBody>
+                  <a:tcPr marL="9525" marR="9525" marT="9525" marB="0" anchor="b"/>
+                </a:tc>
+                <a:tc>
+                  <a:txBody>
+                    <a:bodyPr/>
+                    <a:lstStyle/>
+                    <a:p>
+                      <a:pPr algn="r" fontAlgn="b"/>
+                      <a:r>
+                        <a:rPr lang="en-US" altLang="zh-CN" sz="1100" u="none" strike="noStrike">
+                          <a:effectLst/>
+                        </a:rPr>
+                        <a:t>0.384615385</a:t>
+                      </a:r>
+                      <a:endParaRPr lang="en-US" altLang="zh-CN" sz="1100" b="0" i="0" u="none" strike="noStrike">
+                        <a:solidFill>
+                          <a:srgbClr val="000000"/>
+                        </a:solidFill>
+                        <a:effectLst/>
+                        <a:latin typeface="等线" panose="02010600030101010101" pitchFamily="2" charset="-122"/>
+                        <a:ea typeface="等线" panose="02010600030101010101" pitchFamily="2" charset="-122"/>
+                      </a:endParaRPr>
+                    </a:p>
+                  </a:txBody>
+                  <a:tcPr marL="9525" marR="9525" marT="9525" marB="0" anchor="b"/>
+                </a:tc>
+                <a:tc>
+                  <a:txBody>
+                    <a:bodyPr/>
+                    <a:lstStyle/>
+                    <a:p>
+                      <a:pPr algn="l" fontAlgn="b"/>
+                      <a:r>
+                        <a:rPr lang="en-US" sz="1100" u="none" strike="noStrike">
+                          <a:effectLst/>
+                        </a:rPr>
+                        <a:t>10-fold</a:t>
+                      </a:r>
+                      <a:endParaRPr lang="en-US" sz="1100" b="0" i="0" u="none" strike="noStrike">
+                        <a:solidFill>
+                          <a:srgbClr val="000000"/>
+                        </a:solidFill>
+                        <a:effectLst/>
+                        <a:latin typeface="等线" panose="02010600030101010101" pitchFamily="2" charset="-122"/>
+                        <a:ea typeface="等线" panose="02010600030101010101" pitchFamily="2" charset="-122"/>
+                      </a:endParaRPr>
+                    </a:p>
+                  </a:txBody>
+                  <a:tcPr marL="9525" marR="9525" marT="9525" marB="0" anchor="b"/>
+                </a:tc>
+                <a:tc>
+                  <a:txBody>
+                    <a:bodyPr/>
+                    <a:lstStyle/>
+                    <a:p>
+                      <a:pPr algn="l" fontAlgn="b"/>
+                      <a:r>
+                        <a:rPr lang="en-US" sz="1100" u="none" strike="noStrike">
+                          <a:effectLst/>
+                        </a:rPr>
+                        <a:t>1nn</a:t>
+                      </a:r>
+                      <a:endParaRPr lang="en-US" sz="1100" b="0" i="0" u="none" strike="noStrike">
+                        <a:solidFill>
+                          <a:srgbClr val="000000"/>
+                        </a:solidFill>
+                        <a:effectLst/>
+                        <a:latin typeface="等线" panose="02010600030101010101" pitchFamily="2" charset="-122"/>
+                        <a:ea typeface="等线" panose="02010600030101010101" pitchFamily="2" charset="-122"/>
+                      </a:endParaRPr>
+                    </a:p>
+                  </a:txBody>
+                  <a:tcPr marL="9525" marR="9525" marT="9525" marB="0" anchor="b"/>
+                </a:tc>
+                <a:tc>
+                  <a:txBody>
+                    <a:bodyPr/>
+                    <a:lstStyle/>
+                    <a:p>
+                      <a:pPr algn="r" fontAlgn="b"/>
+                      <a:r>
+                        <a:rPr lang="en-US" altLang="zh-CN" sz="1100" u="none" strike="noStrike">
+                          <a:effectLst/>
+                        </a:rPr>
+                        <a:t>0.777777778</a:t>
+                      </a:r>
+                      <a:endParaRPr lang="en-US" altLang="zh-CN" sz="1100" b="0" i="0" u="none" strike="noStrike">
+                        <a:solidFill>
+                          <a:srgbClr val="006100"/>
+                        </a:solidFill>
+                        <a:effectLst/>
+                        <a:latin typeface="等线" panose="02010600030101010101" pitchFamily="2" charset="-122"/>
+                        <a:ea typeface="等线" panose="02010600030101010101" pitchFamily="2" charset="-122"/>
+                      </a:endParaRPr>
+                    </a:p>
+                  </a:txBody>
+                  <a:tcPr marL="9525" marR="9525" marT="9525" marB="0" anchor="b"/>
+                </a:tc>
+                <a:tc>
+                  <a:txBody>
+                    <a:bodyPr/>
+                    <a:lstStyle/>
+                    <a:p>
+                      <a:pPr algn="r" fontAlgn="b"/>
+                      <a:r>
+                        <a:rPr lang="en-US" altLang="zh-CN" sz="1100" u="none" strike="noStrike">
+                          <a:effectLst/>
+                        </a:rPr>
+                        <a:t>0</a:t>
+                      </a:r>
+                      <a:endParaRPr lang="en-US" altLang="zh-CN" sz="1100" b="0" i="0" u="none" strike="noStrike">
+                        <a:solidFill>
+                          <a:srgbClr val="006100"/>
+                        </a:solidFill>
+                        <a:effectLst/>
+                        <a:latin typeface="等线" panose="02010600030101010101" pitchFamily="2" charset="-122"/>
+                        <a:ea typeface="等线" panose="02010600030101010101" pitchFamily="2" charset="-122"/>
+                      </a:endParaRPr>
+                    </a:p>
+                  </a:txBody>
+                  <a:tcPr marL="9525" marR="9525" marT="9525" marB="0" anchor="b"/>
+                </a:tc>
+                <a:extLst>
+                  <a:ext uri="{0D108BD9-81ED-4DB2-BD59-A6C34878D82A}">
+                    <a16:rowId xmlns:a16="http://schemas.microsoft.com/office/drawing/2014/main" val="2019617206"/>
+                  </a:ext>
+                </a:extLst>
+              </a:tr>
+              <a:tr h="180975">
+                <a:tc>
+                  <a:txBody>
+                    <a:bodyPr/>
+                    <a:lstStyle/>
+                    <a:p>
+                      <a:pPr algn="l" fontAlgn="b"/>
+                      <a:endParaRPr lang="zh-CN" altLang="en-US" sz="1100" b="0" i="0" u="none" strike="noStrike">
+                        <a:solidFill>
+                          <a:srgbClr val="000000"/>
+                        </a:solidFill>
+                        <a:effectLst/>
+                        <a:latin typeface="等线" panose="02010600030101010101" pitchFamily="2" charset="-122"/>
+                        <a:ea typeface="等线" panose="02010600030101010101" pitchFamily="2" charset="-122"/>
+                      </a:endParaRPr>
+                    </a:p>
+                  </a:txBody>
+                  <a:tcPr marL="9525" marR="9525" marT="9525" marB="0" anchor="b"/>
+                </a:tc>
+                <a:tc>
+                  <a:txBody>
+                    <a:bodyPr/>
+                    <a:lstStyle/>
+                    <a:p>
+                      <a:pPr algn="r" fontAlgn="b"/>
+                      <a:r>
+                        <a:rPr lang="en-US" altLang="zh-CN" sz="1100" u="none" strike="noStrike">
+                          <a:effectLst/>
+                        </a:rPr>
+                        <a:t>96.96909475</a:t>
+                      </a:r>
+                      <a:endParaRPr lang="en-US" altLang="zh-CN" sz="1100" b="0" i="0" u="none" strike="noStrike">
+                        <a:solidFill>
+                          <a:srgbClr val="000000"/>
+                        </a:solidFill>
+                        <a:effectLst/>
+                        <a:latin typeface="等线" panose="02010600030101010101" pitchFamily="2" charset="-122"/>
+                        <a:ea typeface="等线" panose="02010600030101010101" pitchFamily="2" charset="-122"/>
+                      </a:endParaRPr>
+                    </a:p>
+                  </a:txBody>
+                  <a:tcPr marL="9525" marR="9525" marT="9525" marB="0" anchor="b"/>
+                </a:tc>
+                <a:tc>
+                  <a:txBody>
+                    <a:bodyPr/>
+                    <a:lstStyle/>
+                    <a:p>
+                      <a:pPr algn="r" fontAlgn="b"/>
+                      <a:r>
+                        <a:rPr lang="en-US" altLang="zh-CN" sz="1100" u="none" strike="noStrike">
+                          <a:effectLst/>
+                        </a:rPr>
+                        <a:t>0.538461538</a:t>
+                      </a:r>
+                      <a:endParaRPr lang="en-US" altLang="zh-CN" sz="1100" b="0" i="0" u="none" strike="noStrike">
+                        <a:solidFill>
+                          <a:srgbClr val="000000"/>
+                        </a:solidFill>
+                        <a:effectLst/>
+                        <a:latin typeface="等线" panose="02010600030101010101" pitchFamily="2" charset="-122"/>
+                        <a:ea typeface="等线" panose="02010600030101010101" pitchFamily="2" charset="-122"/>
+                      </a:endParaRPr>
+                    </a:p>
+                  </a:txBody>
+                  <a:tcPr marL="9525" marR="9525" marT="9525" marB="0" anchor="b"/>
+                </a:tc>
+                <a:tc>
+                  <a:txBody>
+                    <a:bodyPr/>
+                    <a:lstStyle/>
+                    <a:p>
+                      <a:pPr algn="l" fontAlgn="b"/>
+                      <a:r>
+                        <a:rPr lang="en-US" sz="1100" u="none" strike="noStrike">
+                          <a:effectLst/>
+                        </a:rPr>
+                        <a:t>10-fold</a:t>
+                      </a:r>
+                      <a:endParaRPr lang="en-US" sz="1100" b="0" i="0" u="none" strike="noStrike">
+                        <a:solidFill>
+                          <a:srgbClr val="000000"/>
+                        </a:solidFill>
+                        <a:effectLst/>
+                        <a:latin typeface="等线" panose="02010600030101010101" pitchFamily="2" charset="-122"/>
+                        <a:ea typeface="等线" panose="02010600030101010101" pitchFamily="2" charset="-122"/>
+                      </a:endParaRPr>
+                    </a:p>
+                  </a:txBody>
+                  <a:tcPr marL="9525" marR="9525" marT="9525" marB="0" anchor="b"/>
+                </a:tc>
+                <a:tc>
+                  <a:txBody>
+                    <a:bodyPr/>
+                    <a:lstStyle/>
+                    <a:p>
+                      <a:pPr algn="l" fontAlgn="b"/>
+                      <a:r>
+                        <a:rPr lang="en-US" sz="1100" u="none" strike="noStrike">
+                          <a:effectLst/>
+                        </a:rPr>
+                        <a:t>5nn</a:t>
+                      </a:r>
+                      <a:endParaRPr lang="en-US" sz="1100" b="0" i="0" u="none" strike="noStrike">
+                        <a:solidFill>
+                          <a:srgbClr val="000000"/>
+                        </a:solidFill>
+                        <a:effectLst/>
+                        <a:latin typeface="等线" panose="02010600030101010101" pitchFamily="2" charset="-122"/>
+                        <a:ea typeface="等线" panose="02010600030101010101" pitchFamily="2" charset="-122"/>
+                      </a:endParaRPr>
+                    </a:p>
+                  </a:txBody>
+                  <a:tcPr marL="9525" marR="9525" marT="9525" marB="0" anchor="b"/>
+                </a:tc>
+                <a:tc>
+                  <a:txBody>
+                    <a:bodyPr/>
+                    <a:lstStyle/>
+                    <a:p>
+                      <a:pPr algn="r" fontAlgn="b"/>
+                      <a:r>
+                        <a:rPr lang="en-US" altLang="zh-CN" sz="1100" u="none" strike="noStrike">
+                          <a:effectLst/>
+                        </a:rPr>
+                        <a:t>0.796296296</a:t>
+                      </a:r>
+                      <a:endParaRPr lang="en-US" altLang="zh-CN" sz="1100" b="0" i="0" u="none" strike="noStrike">
+                        <a:solidFill>
+                          <a:srgbClr val="000000"/>
+                        </a:solidFill>
+                        <a:effectLst/>
+                        <a:latin typeface="等线" panose="02010600030101010101" pitchFamily="2" charset="-122"/>
+                        <a:ea typeface="等线" panose="02010600030101010101" pitchFamily="2" charset="-122"/>
+                      </a:endParaRPr>
+                    </a:p>
+                  </a:txBody>
+                  <a:tcPr marL="9525" marR="9525" marT="9525" marB="0" anchor="b"/>
+                </a:tc>
+                <a:tc>
+                  <a:txBody>
+                    <a:bodyPr/>
+                    <a:lstStyle/>
+                    <a:p>
+                      <a:pPr algn="r" fontAlgn="b"/>
+                      <a:r>
+                        <a:rPr lang="en-US" altLang="zh-CN" sz="1100" u="none" strike="noStrike">
+                          <a:effectLst/>
+                        </a:rPr>
+                        <a:t>5.701754386</a:t>
+                      </a:r>
+                      <a:endParaRPr lang="en-US" altLang="zh-CN" sz="1100" b="0" i="0" u="none" strike="noStrike">
+                        <a:solidFill>
+                          <a:srgbClr val="000000"/>
+                        </a:solidFill>
+                        <a:effectLst/>
+                        <a:latin typeface="等线" panose="02010600030101010101" pitchFamily="2" charset="-122"/>
+                        <a:ea typeface="等线" panose="02010600030101010101" pitchFamily="2" charset="-122"/>
+                      </a:endParaRPr>
+                    </a:p>
+                  </a:txBody>
+                  <a:tcPr marL="9525" marR="9525" marT="9525" marB="0" anchor="b"/>
+                </a:tc>
+                <a:extLst>
+                  <a:ext uri="{0D108BD9-81ED-4DB2-BD59-A6C34878D82A}">
+                    <a16:rowId xmlns:a16="http://schemas.microsoft.com/office/drawing/2014/main" val="631074522"/>
+                  </a:ext>
+                </a:extLst>
+              </a:tr>
+              <a:tr h="180975">
+                <a:tc>
+                  <a:txBody>
+                    <a:bodyPr/>
+                    <a:lstStyle/>
+                    <a:p>
+                      <a:pPr algn="l" fontAlgn="b"/>
+                      <a:endParaRPr lang="zh-CN" altLang="en-US" sz="1100" b="0" i="0" u="none" strike="noStrike">
+                        <a:solidFill>
+                          <a:srgbClr val="000000"/>
+                        </a:solidFill>
+                        <a:effectLst/>
+                        <a:latin typeface="等线" panose="02010600030101010101" pitchFamily="2" charset="-122"/>
+                        <a:ea typeface="等线" panose="02010600030101010101" pitchFamily="2" charset="-122"/>
+                      </a:endParaRPr>
+                    </a:p>
+                  </a:txBody>
+                  <a:tcPr marL="9525" marR="9525" marT="9525" marB="0" anchor="b"/>
+                </a:tc>
+                <a:tc>
+                  <a:txBody>
+                    <a:bodyPr/>
+                    <a:lstStyle/>
+                    <a:p>
+                      <a:pPr algn="r" fontAlgn="b"/>
+                      <a:r>
+                        <a:rPr lang="en-US" altLang="zh-CN" sz="1100" u="none" strike="noStrike">
+                          <a:effectLst/>
+                        </a:rPr>
+                        <a:t>1.091846704</a:t>
+                      </a:r>
+                      <a:endParaRPr lang="en-US" altLang="zh-CN" sz="1100" b="0" i="0" u="none" strike="noStrike">
+                        <a:solidFill>
+                          <a:srgbClr val="000000"/>
+                        </a:solidFill>
+                        <a:effectLst/>
+                        <a:latin typeface="等线" panose="02010600030101010101" pitchFamily="2" charset="-122"/>
+                        <a:ea typeface="等线" panose="02010600030101010101" pitchFamily="2" charset="-122"/>
+                      </a:endParaRPr>
+                    </a:p>
+                  </a:txBody>
+                  <a:tcPr marL="9525" marR="9525" marT="9525" marB="0" anchor="b"/>
+                </a:tc>
+                <a:tc>
+                  <a:txBody>
+                    <a:bodyPr/>
+                    <a:lstStyle/>
+                    <a:p>
+                      <a:pPr algn="r" fontAlgn="b"/>
+                      <a:r>
+                        <a:rPr lang="en-US" altLang="zh-CN" sz="1100" u="none" strike="noStrike">
+                          <a:effectLst/>
+                        </a:rPr>
+                        <a:t>0.307692308</a:t>
+                      </a:r>
+                      <a:endParaRPr lang="en-US" altLang="zh-CN" sz="1100" b="0" i="0" u="none" strike="noStrike">
+                        <a:solidFill>
+                          <a:srgbClr val="000000"/>
+                        </a:solidFill>
+                        <a:effectLst/>
+                        <a:latin typeface="等线" panose="02010600030101010101" pitchFamily="2" charset="-122"/>
+                        <a:ea typeface="等线" panose="02010600030101010101" pitchFamily="2" charset="-122"/>
+                      </a:endParaRPr>
+                    </a:p>
+                  </a:txBody>
+                  <a:tcPr marL="9525" marR="9525" marT="9525" marB="0" anchor="b"/>
+                </a:tc>
+                <a:tc>
+                  <a:txBody>
+                    <a:bodyPr/>
+                    <a:lstStyle/>
+                    <a:p>
+                      <a:pPr algn="l" fontAlgn="b"/>
+                      <a:r>
+                        <a:rPr lang="en-US" sz="1100" u="none" strike="noStrike">
+                          <a:effectLst/>
+                        </a:rPr>
+                        <a:t>10-fold</a:t>
+                      </a:r>
+                      <a:endParaRPr lang="en-US" sz="1100" b="0" i="0" u="none" strike="noStrike">
+                        <a:solidFill>
+                          <a:srgbClr val="000000"/>
+                        </a:solidFill>
+                        <a:effectLst/>
+                        <a:latin typeface="等线" panose="02010600030101010101" pitchFamily="2" charset="-122"/>
+                        <a:ea typeface="等线" panose="02010600030101010101" pitchFamily="2" charset="-122"/>
+                      </a:endParaRPr>
+                    </a:p>
+                  </a:txBody>
+                  <a:tcPr marL="9525" marR="9525" marT="9525" marB="0" anchor="b"/>
+                </a:tc>
+                <a:tc>
+                  <a:txBody>
+                    <a:bodyPr/>
+                    <a:lstStyle/>
+                    <a:p>
+                      <a:pPr algn="l" fontAlgn="b"/>
+                      <a:r>
+                        <a:rPr lang="en-US" sz="1100" u="none" strike="noStrike">
+                          <a:effectLst/>
+                        </a:rPr>
+                        <a:t>SVM</a:t>
+                      </a:r>
+                      <a:endParaRPr lang="en-US" sz="1100" b="0" i="0" u="none" strike="noStrike">
+                        <a:solidFill>
+                          <a:srgbClr val="000000"/>
+                        </a:solidFill>
+                        <a:effectLst/>
+                        <a:latin typeface="等线" panose="02010600030101010101" pitchFamily="2" charset="-122"/>
+                        <a:ea typeface="等线" panose="02010600030101010101" pitchFamily="2" charset="-122"/>
+                      </a:endParaRPr>
+                    </a:p>
+                  </a:txBody>
+                  <a:tcPr marL="9525" marR="9525" marT="9525" marB="0" anchor="b"/>
+                </a:tc>
+                <a:tc>
+                  <a:txBody>
+                    <a:bodyPr/>
+                    <a:lstStyle/>
+                    <a:p>
+                      <a:pPr algn="r" fontAlgn="b"/>
+                      <a:r>
+                        <a:rPr lang="en-US" altLang="zh-CN" sz="1100" u="none" strike="noStrike">
+                          <a:effectLst/>
+                        </a:rPr>
+                        <a:t>0.837037037</a:t>
+                      </a:r>
+                      <a:endParaRPr lang="en-US" altLang="zh-CN" sz="1100" b="0" i="0" u="none" strike="noStrike">
+                        <a:solidFill>
+                          <a:srgbClr val="000000"/>
+                        </a:solidFill>
+                        <a:effectLst/>
+                        <a:latin typeface="等线" panose="02010600030101010101" pitchFamily="2" charset="-122"/>
+                        <a:ea typeface="等线" panose="02010600030101010101" pitchFamily="2" charset="-122"/>
+                      </a:endParaRPr>
+                    </a:p>
+                  </a:txBody>
+                  <a:tcPr marL="9525" marR="9525" marT="9525" marB="0" anchor="b"/>
+                </a:tc>
+                <a:tc>
+                  <a:txBody>
+                    <a:bodyPr/>
+                    <a:lstStyle/>
+                    <a:p>
+                      <a:pPr algn="r" fontAlgn="b"/>
+                      <a:r>
+                        <a:rPr lang="en-US" altLang="zh-CN" sz="1100" u="none" strike="noStrike">
+                          <a:effectLst/>
+                        </a:rPr>
+                        <a:t>1.310043668</a:t>
+                      </a:r>
+                      <a:endParaRPr lang="en-US" altLang="zh-CN" sz="1100" b="0" i="0" u="none" strike="noStrike">
+                        <a:solidFill>
+                          <a:srgbClr val="000000"/>
+                        </a:solidFill>
+                        <a:effectLst/>
+                        <a:latin typeface="等线" panose="02010600030101010101" pitchFamily="2" charset="-122"/>
+                        <a:ea typeface="等线" panose="02010600030101010101" pitchFamily="2" charset="-122"/>
+                      </a:endParaRPr>
+                    </a:p>
+                  </a:txBody>
+                  <a:tcPr marL="9525" marR="9525" marT="9525" marB="0" anchor="b"/>
+                </a:tc>
+                <a:extLst>
+                  <a:ext uri="{0D108BD9-81ED-4DB2-BD59-A6C34878D82A}">
+                    <a16:rowId xmlns:a16="http://schemas.microsoft.com/office/drawing/2014/main" val="1258928257"/>
+                  </a:ext>
+                </a:extLst>
+              </a:tr>
+              <a:tr h="180975">
+                <a:tc>
+                  <a:txBody>
+                    <a:bodyPr/>
+                    <a:lstStyle/>
+                    <a:p>
+                      <a:pPr algn="l" fontAlgn="b"/>
+                      <a:endParaRPr lang="zh-CN" altLang="en-US" sz="1100" b="0" i="0" u="none" strike="noStrike">
+                        <a:solidFill>
+                          <a:srgbClr val="000000"/>
+                        </a:solidFill>
+                        <a:effectLst/>
+                        <a:latin typeface="等线" panose="02010600030101010101" pitchFamily="2" charset="-122"/>
+                        <a:ea typeface="等线" panose="02010600030101010101" pitchFamily="2" charset="-122"/>
+                      </a:endParaRPr>
+                    </a:p>
+                  </a:txBody>
+                  <a:tcPr marL="9525" marR="9525" marT="9525" marB="0" anchor="b"/>
+                </a:tc>
+                <a:tc>
+                  <a:txBody>
+                    <a:bodyPr/>
+                    <a:lstStyle/>
+                    <a:p>
+                      <a:pPr algn="r" fontAlgn="b"/>
+                      <a:r>
+                        <a:rPr lang="en-US" altLang="zh-CN" sz="1100" u="none" strike="noStrike">
+                          <a:effectLst/>
+                        </a:rPr>
+                        <a:t>0.453017712</a:t>
+                      </a:r>
+                      <a:endParaRPr lang="en-US" altLang="zh-CN" sz="1100" b="0" i="0" u="none" strike="noStrike">
+                        <a:solidFill>
+                          <a:srgbClr val="000000"/>
+                        </a:solidFill>
+                        <a:effectLst/>
+                        <a:latin typeface="等线" panose="02010600030101010101" pitchFamily="2" charset="-122"/>
+                        <a:ea typeface="等线" panose="02010600030101010101" pitchFamily="2" charset="-122"/>
+                      </a:endParaRPr>
+                    </a:p>
+                  </a:txBody>
+                  <a:tcPr marL="9525" marR="9525" marT="9525" marB="0" anchor="b"/>
+                </a:tc>
+                <a:tc>
+                  <a:txBody>
+                    <a:bodyPr/>
+                    <a:lstStyle/>
+                    <a:p>
+                      <a:pPr algn="r" fontAlgn="b"/>
+                      <a:r>
+                        <a:rPr lang="en-US" altLang="zh-CN" sz="1100" u="none" strike="noStrike">
+                          <a:effectLst/>
+                        </a:rPr>
+                        <a:t>0.692307692</a:t>
+                      </a:r>
+                      <a:endParaRPr lang="en-US" altLang="zh-CN" sz="1100" b="0" i="0" u="none" strike="noStrike">
+                        <a:solidFill>
+                          <a:srgbClr val="000000"/>
+                        </a:solidFill>
+                        <a:effectLst/>
+                        <a:latin typeface="等线" panose="02010600030101010101" pitchFamily="2" charset="-122"/>
+                        <a:ea typeface="等线" panose="02010600030101010101" pitchFamily="2" charset="-122"/>
+                      </a:endParaRPr>
+                    </a:p>
+                  </a:txBody>
+                  <a:tcPr marL="9525" marR="9525" marT="9525" marB="0" anchor="b"/>
+                </a:tc>
+                <a:tc>
+                  <a:txBody>
+                    <a:bodyPr/>
+                    <a:lstStyle/>
+                    <a:p>
+                      <a:pPr algn="l" fontAlgn="b"/>
+                      <a:r>
+                        <a:rPr lang="en-US" sz="1100" u="none" strike="noStrike">
+                          <a:effectLst/>
+                        </a:rPr>
+                        <a:t>10-fold </a:t>
+                      </a:r>
+                      <a:endParaRPr lang="en-US" sz="1100" b="0" i="0" u="none" strike="noStrike">
+                        <a:solidFill>
+                          <a:srgbClr val="000000"/>
+                        </a:solidFill>
+                        <a:effectLst/>
+                        <a:latin typeface="等线" panose="02010600030101010101" pitchFamily="2" charset="-122"/>
+                        <a:ea typeface="等线" panose="02010600030101010101" pitchFamily="2" charset="-122"/>
+                      </a:endParaRPr>
+                    </a:p>
+                  </a:txBody>
+                  <a:tcPr marL="9525" marR="9525" marT="9525" marB="0" anchor="b"/>
+                </a:tc>
+                <a:tc>
+                  <a:txBody>
+                    <a:bodyPr/>
+                    <a:lstStyle/>
+                    <a:p>
+                      <a:pPr algn="l" fontAlgn="b"/>
+                      <a:r>
+                        <a:rPr lang="en-US" sz="1100" u="none" strike="noStrike">
+                          <a:effectLst/>
+                        </a:rPr>
+                        <a:t>Cart</a:t>
+                      </a:r>
+                      <a:endParaRPr lang="en-US" sz="1100" b="0" i="0" u="none" strike="noStrike">
+                        <a:solidFill>
+                          <a:srgbClr val="000000"/>
+                        </a:solidFill>
+                        <a:effectLst/>
+                        <a:latin typeface="等线" panose="02010600030101010101" pitchFamily="2" charset="-122"/>
+                        <a:ea typeface="等线" panose="02010600030101010101" pitchFamily="2" charset="-122"/>
+                      </a:endParaRPr>
+                    </a:p>
+                  </a:txBody>
+                  <a:tcPr marL="9525" marR="9525" marT="9525" marB="0" anchor="b"/>
+                </a:tc>
+                <a:tc>
+                  <a:txBody>
+                    <a:bodyPr/>
+                    <a:lstStyle/>
+                    <a:p>
+                      <a:pPr algn="r" fontAlgn="b"/>
+                      <a:r>
+                        <a:rPr lang="en-US" altLang="zh-CN" sz="1100" u="none" strike="noStrike">
+                          <a:effectLst/>
+                        </a:rPr>
+                        <a:t>0.822222222</a:t>
+                      </a:r>
+                      <a:endParaRPr lang="en-US" altLang="zh-CN" sz="1100" b="0" i="0" u="none" strike="noStrike">
+                        <a:solidFill>
+                          <a:srgbClr val="006100"/>
+                        </a:solidFill>
+                        <a:effectLst/>
+                        <a:latin typeface="等线" panose="02010600030101010101" pitchFamily="2" charset="-122"/>
+                        <a:ea typeface="等线" panose="02010600030101010101" pitchFamily="2" charset="-122"/>
+                      </a:endParaRPr>
+                    </a:p>
+                  </a:txBody>
+                  <a:tcPr marL="9525" marR="9525" marT="9525" marB="0" anchor="b"/>
+                </a:tc>
+                <a:tc>
+                  <a:txBody>
+                    <a:bodyPr/>
+                    <a:lstStyle/>
+                    <a:p>
+                      <a:pPr algn="r" fontAlgn="b"/>
+                      <a:r>
+                        <a:rPr lang="en-US" altLang="zh-CN" sz="1100" u="none" strike="noStrike" dirty="0">
+                          <a:effectLst/>
+                        </a:rPr>
+                        <a:t>0</a:t>
+                      </a:r>
+                      <a:endParaRPr lang="en-US" altLang="zh-CN" sz="1100" b="0" i="0" u="none" strike="noStrike" dirty="0">
+                        <a:solidFill>
+                          <a:srgbClr val="006100"/>
+                        </a:solidFill>
+                        <a:effectLst/>
+                        <a:latin typeface="等线" panose="02010600030101010101" pitchFamily="2" charset="-122"/>
+                        <a:ea typeface="等线" panose="02010600030101010101" pitchFamily="2" charset="-122"/>
+                      </a:endParaRPr>
+                    </a:p>
+                  </a:txBody>
+                  <a:tcPr marL="9525" marR="9525" marT="9525" marB="0" anchor="b"/>
+                </a:tc>
+                <a:extLst>
+                  <a:ext uri="{0D108BD9-81ED-4DB2-BD59-A6C34878D82A}">
+                    <a16:rowId xmlns:a16="http://schemas.microsoft.com/office/drawing/2014/main" val="1266793687"/>
+                  </a:ext>
+                </a:extLst>
+              </a:tr>
+            </a:tbl>
+          </a:graphicData>
+        </a:graphic>
+      </p:graphicFrame>
+    </p:spTree>
+    <p:extLst>
+      <p:ext uri="{BB962C8B-B14F-4D97-AF65-F5344CB8AC3E}">
+        <p14:creationId xmlns:p14="http://schemas.microsoft.com/office/powerpoint/2010/main" val="1488776655"/>
+      </p:ext>
+    </p:extLst>
+  </p:cSld>
+  <p:clrMapOvr>
+    <a:masterClrMapping/>
+  </p:clrMapOvr>
+</p:sld>
+</file>
+
+<file path=ppt/slides/slide12.xml><?xml version="1.0" encoding="utf-8"?>
+<p:sld xmlns:a="http://schemas.openxmlformats.org/drawingml/2006/main" xmlns:r="http://schemas.openxmlformats.org/officeDocument/2006/relationships" xmlns:p="http://schemas.openxmlformats.org/presentationml/2006/main">
+  <p:cSld>
+    <p:spTree>
+      <p:nvGrpSpPr>
+        <p:cNvPr id="1" name=""/>
+        <p:cNvGrpSpPr/>
+        <p:nvPr/>
+      </p:nvGrpSpPr>
+      <p:grpSpPr>
+        <a:xfrm>
+          <a:off x="0" y="0"/>
+          <a:ext cx="0" cy="0"/>
+          <a:chOff x="0" y="0"/>
+          <a:chExt cx="0" cy="0"/>
+        </a:xfrm>
+      </p:grpSpPr>
+      <p:sp>
+        <p:nvSpPr>
+          <p:cNvPr id="2" name="标题 1">
+            <a:extLst>
+              <a:ext uri="{FF2B5EF4-FFF2-40B4-BE49-F238E27FC236}">
                 <a16:creationId xmlns:a16="http://schemas.microsoft.com/office/drawing/2014/main" id="{814A3B83-F138-4CA9-ACDF-FD6D4313F32F}"/>
               </a:ext>
             </a:extLst>
@@ -4506,7 +7590,7 @@
 </p:sld>
 </file>
 
-<file path=ppt/slides/slide11.xml><?xml version="1.0" encoding="utf-8"?>
+<file path=ppt/slides/slide13.xml><?xml version="1.0" encoding="utf-8"?>
 <p:sld xmlns:a="http://schemas.openxmlformats.org/drawingml/2006/main" xmlns:r="http://schemas.openxmlformats.org/officeDocument/2006/relationships" xmlns:p="http://schemas.openxmlformats.org/presentationml/2006/main">
   <p:cSld>
     <p:spTree>
@@ -5264,7 +8348,7 @@
 </p:sld>
 </file>
 
-<file path=ppt/slides/slide12.xml><?xml version="1.0" encoding="utf-8"?>
+<file path=ppt/slides/slide14.xml><?xml version="1.0" encoding="utf-8"?>
 <p:sld xmlns:a="http://schemas.openxmlformats.org/drawingml/2006/main" xmlns:r="http://schemas.openxmlformats.org/officeDocument/2006/relationships" xmlns:p="http://schemas.openxmlformats.org/presentationml/2006/main">
   <p:cSld>
     <p:spTree>
@@ -8437,7 +11521,7 @@
 </p:sld>
 </file>
 
-<file path=ppt/slides/slide13.xml><?xml version="1.0" encoding="utf-8"?>
+<file path=ppt/slides/slide15.xml><?xml version="1.0" encoding="utf-8"?>
 <p:sld xmlns:a="http://schemas.openxmlformats.org/drawingml/2006/main" xmlns:r="http://schemas.openxmlformats.org/officeDocument/2006/relationships" xmlns:p="http://schemas.openxmlformats.org/presentationml/2006/main">
   <p:cSld>
     <p:spTree>
@@ -9673,7 +12757,7 @@
 </p:sld>
 </file>
 
-<file path=ppt/slides/slide14.xml><?xml version="1.0" encoding="utf-8"?>
+<file path=ppt/slides/slide16.xml><?xml version="1.0" encoding="utf-8"?>
 <p:sld xmlns:a="http://schemas.openxmlformats.org/drawingml/2006/main" xmlns:r="http://schemas.openxmlformats.org/officeDocument/2006/relationships" xmlns:p="http://schemas.openxmlformats.org/presentationml/2006/main">
   <p:cSld>
     <p:spTree>
@@ -9854,7 +12938,7 @@
 </p:sld>
 </file>
 
-<file path=ppt/slides/slide15.xml><?xml version="1.0" encoding="utf-8"?>
+<file path=ppt/slides/slide17.xml><?xml version="1.0" encoding="utf-8"?>
 <p:sld xmlns:a="http://schemas.openxmlformats.org/drawingml/2006/main" xmlns:r="http://schemas.openxmlformats.org/officeDocument/2006/relationships" xmlns:p="http://schemas.openxmlformats.org/presentationml/2006/main">
   <p:cSld>
     <p:spTree>
@@ -10458,7 +13542,7 @@
 </p:sld>
 </file>
 
-<file path=ppt/slides/slide16.xml><?xml version="1.0" encoding="utf-8"?>
+<file path=ppt/slides/slide18.xml><?xml version="1.0" encoding="utf-8"?>
 <p:sld xmlns:a="http://schemas.openxmlformats.org/drawingml/2006/main" xmlns:r="http://schemas.openxmlformats.org/officeDocument/2006/relationships" xmlns:p="http://schemas.openxmlformats.org/presentationml/2006/main">
   <p:cSld>
     <p:spTree>
@@ -13631,7 +16715,7 @@
 </p:sld>
 </file>
 
-<file path=ppt/slides/slide17.xml><?xml version="1.0" encoding="utf-8"?>
+<file path=ppt/slides/slide19.xml><?xml version="1.0" encoding="utf-8"?>
 <p:sld xmlns:a="http://schemas.openxmlformats.org/drawingml/2006/main" xmlns:r="http://schemas.openxmlformats.org/officeDocument/2006/relationships" xmlns:p="http://schemas.openxmlformats.org/presentationml/2006/main">
   <p:cSld>
     <p:spTree>
@@ -13795,7 +16879,503 @@
 </p:sld>
 </file>
 
-<file path=ppt/slides/slide18.xml><?xml version="1.0" encoding="utf-8"?>
+<file path=ppt/slides/slide2.xml><?xml version="1.0" encoding="utf-8"?>
+<p:sld xmlns:a="http://schemas.openxmlformats.org/drawingml/2006/main" xmlns:r="http://schemas.openxmlformats.org/officeDocument/2006/relationships" xmlns:p="http://schemas.openxmlformats.org/presentationml/2006/main">
+  <p:cSld>
+    <p:bg>
+      <p:bgPr>
+        <a:solidFill>
+          <a:schemeClr val="bg2"/>
+        </a:solidFill>
+        <a:effectLst/>
+      </p:bgPr>
+    </p:bg>
+    <p:spTree>
+      <p:nvGrpSpPr>
+        <p:cNvPr id="1" name=""/>
+        <p:cNvGrpSpPr/>
+        <p:nvPr/>
+      </p:nvGrpSpPr>
+      <p:grpSpPr>
+        <a:xfrm>
+          <a:off x="0" y="0"/>
+          <a:ext cx="0" cy="0"/>
+          <a:chOff x="0" y="0"/>
+          <a:chExt cx="0" cy="0"/>
+        </a:xfrm>
+      </p:grpSpPr>
+      <p:sp>
+        <p:nvSpPr>
+          <p:cNvPr id="30" name="Rectangle 29">
+            <a:extLst>
+              <a:ext uri="{FF2B5EF4-FFF2-40B4-BE49-F238E27FC236}">
+                <a16:creationId xmlns:a16="http://schemas.microsoft.com/office/drawing/2014/main" id="{2A97F59D-628C-4053-B41F-489D0045FD5C}"/>
+              </a:ext>
+              <a:ext uri="{C183D7F6-B498-43B3-948B-1728B52AA6E4}">
+                <adec:decorative xmlns:adec="http://schemas.microsoft.com/office/drawing/2017/decorative" val="1"/>
+              </a:ext>
+            </a:extLst>
+          </p:cNvPr>
+          <p:cNvSpPr>
+            <a:spLocks noGrp="1" noRot="1" noChangeAspect="1" noMove="1" noResize="1" noEditPoints="1" noAdjustHandles="1" noChangeArrowheads="1" noChangeShapeType="1" noTextEdit="1"/>
+          </p:cNvSpPr>
+          <p:nvPr>
+            <p:extLst>
+              <p:ext uri="{386F3935-93C4-4BCD-93E2-E3B085C9AB24}">
+                <p16:designElem xmlns:p16="http://schemas.microsoft.com/office/powerpoint/2015/main" val="1"/>
+              </p:ext>
+            </p:extLst>
+          </p:nvPr>
+        </p:nvSpPr>
+        <p:spPr>
+          <a:xfrm>
+            <a:off x="478095" y="376"/>
+            <a:ext cx="228600" cy="6858000"/>
+          </a:xfrm>
+          <a:prstGeom prst="rect">
+            <a:avLst/>
+          </a:prstGeom>
+          <a:solidFill>
+            <a:schemeClr val="tx2"/>
+          </a:solidFill>
+          <a:ln>
+            <a:noFill/>
+          </a:ln>
+        </p:spPr>
+        <p:style>
+          <a:lnRef idx="2">
+            <a:schemeClr val="accent1">
+              <a:shade val="50000"/>
+            </a:schemeClr>
+          </a:lnRef>
+          <a:fillRef idx="1">
+            <a:schemeClr val="accent1"/>
+          </a:fillRef>
+          <a:effectRef idx="0">
+            <a:schemeClr val="accent1"/>
+          </a:effectRef>
+          <a:fontRef idx="minor">
+            <a:schemeClr val="lt1"/>
+          </a:fontRef>
+        </p:style>
+      </p:sp>
+      <p:sp useBgFill="1">
+        <p:nvSpPr>
+          <p:cNvPr id="32" name="Rectangle 31">
+            <a:extLst>
+              <a:ext uri="{FF2B5EF4-FFF2-40B4-BE49-F238E27FC236}">
+                <a16:creationId xmlns:a16="http://schemas.microsoft.com/office/drawing/2014/main" id="{E4BB1650-B616-4EFB-9FB7-5D93104B5A00}"/>
+              </a:ext>
+              <a:ext uri="{C183D7F6-B498-43B3-948B-1728B52AA6E4}">
+                <adec:decorative xmlns:adec="http://schemas.microsoft.com/office/drawing/2017/decorative" val="1"/>
+              </a:ext>
+            </a:extLst>
+          </p:cNvPr>
+          <p:cNvSpPr>
+            <a:spLocks noGrp="1" noRot="1" noChangeAspect="1" noMove="1" noResize="1" noEditPoints="1" noAdjustHandles="1" noChangeArrowheads="1" noChangeShapeType="1" noTextEdit="1"/>
+          </p:cNvSpPr>
+          <p:nvPr>
+            <p:extLst>
+              <p:ext uri="{386F3935-93C4-4BCD-93E2-E3B085C9AB24}">
+                <p16:designElem xmlns:p16="http://schemas.microsoft.com/office/powerpoint/2015/main" val="1"/>
+              </p:ext>
+            </p:extLst>
+          </p:nvPr>
+        </p:nvSpPr>
+        <p:spPr>
+          <a:xfrm>
+            <a:off x="0" y="0"/>
+            <a:ext cx="12191999" cy="6858000"/>
+          </a:xfrm>
+          <a:prstGeom prst="rect">
+            <a:avLst/>
+          </a:prstGeom>
+          <a:ln>
+            <a:noFill/>
+          </a:ln>
+        </p:spPr>
+        <p:style>
+          <a:lnRef idx="2">
+            <a:schemeClr val="accent1">
+              <a:shade val="50000"/>
+            </a:schemeClr>
+          </a:lnRef>
+          <a:fillRef idx="1">
+            <a:schemeClr val="accent1"/>
+          </a:fillRef>
+          <a:effectRef idx="0">
+            <a:schemeClr val="accent1"/>
+          </a:effectRef>
+          <a:fontRef idx="minor">
+            <a:schemeClr val="lt1"/>
+          </a:fontRef>
+        </p:style>
+        <p:txBody>
+          <a:bodyPr rtlCol="0" anchor="ctr"/>
+          <a:lstStyle/>
+          <a:p>
+            <a:pPr algn="ctr"/>
+            <a:endParaRPr lang="en-US"/>
+          </a:p>
+        </p:txBody>
+      </p:sp>
+      <p:sp>
+        <p:nvSpPr>
+          <p:cNvPr id="9" name="竖排文字占位符 8">
+            <a:extLst>
+              <a:ext uri="{FF2B5EF4-FFF2-40B4-BE49-F238E27FC236}">
+                <a16:creationId xmlns:a16="http://schemas.microsoft.com/office/drawing/2014/main" id="{6745B24B-93E8-7F43-B0FC-63021F6BCEF4}"/>
+              </a:ext>
+            </a:extLst>
+          </p:cNvPr>
+          <p:cNvSpPr>
+            <a:spLocks noGrp="1"/>
+          </p:cNvSpPr>
+          <p:nvPr>
+            <p:ph type="body" orient="vert" idx="1"/>
+          </p:nvPr>
+        </p:nvSpPr>
+        <p:spPr>
+          <a:xfrm>
+            <a:off x="1188720" y="1188720"/>
+            <a:ext cx="5369029" cy="4480560"/>
+          </a:xfrm>
+        </p:spPr>
+        <p:txBody>
+          <a:bodyPr vert="horz" lIns="91440" tIns="45720" rIns="91440" bIns="45720" rtlCol="0" anchor="ctr">
+            <a:normAutofit/>
+          </a:bodyPr>
+          <a:lstStyle/>
+          <a:p>
+            <a:r>
+              <a:rPr kumimoji="1" lang="zh-CN" altLang="en-US" dirty="0"/>
+              <a:t>问题：</a:t>
+            </a:r>
+            <a:endParaRPr kumimoji="1" lang="en-US" altLang="zh-CN" dirty="0"/>
+          </a:p>
+          <a:p>
+            <a:endParaRPr kumimoji="1" lang="en-US" altLang="zh-CN" dirty="0"/>
+          </a:p>
+          <a:p>
+            <a:pPr lvl="1"/>
+            <a:r>
+              <a:rPr kumimoji="1" lang="zh-CN" altLang="en-US" dirty="0"/>
+              <a:t>搜索空间随特征数量指数级别增加</a:t>
+            </a:r>
+            <a:endParaRPr kumimoji="1" lang="en-US" altLang="zh-CN" dirty="0"/>
+          </a:p>
+          <a:p>
+            <a:pPr lvl="2"/>
+            <a:r>
+              <a:rPr kumimoji="1" lang="zh-CN" altLang="en-US" dirty="0"/>
+              <a:t>如何搜索、剪枝</a:t>
+            </a:r>
+            <a:endParaRPr kumimoji="1" lang="en-US" altLang="zh-CN" dirty="0"/>
+          </a:p>
+          <a:p>
+            <a:pPr lvl="2"/>
+            <a:r>
+              <a:rPr kumimoji="1" lang="zh-CN" altLang="en-US" dirty="0"/>
+              <a:t>如何防止陷入局部最优</a:t>
+            </a:r>
+            <a:endParaRPr kumimoji="1" lang="en-US" altLang="zh-CN" dirty="0"/>
+          </a:p>
+          <a:p>
+            <a:pPr lvl="2"/>
+            <a:endParaRPr kumimoji="1" lang="en-US" altLang="zh-CN" dirty="0"/>
+          </a:p>
+          <a:p>
+            <a:pPr lvl="1"/>
+            <a:r>
+              <a:rPr kumimoji="1" lang="zh-CN" altLang="en-US" dirty="0"/>
+              <a:t>如何判定特征好坏与否</a:t>
+            </a:r>
+            <a:endParaRPr kumimoji="1" lang="en-US" altLang="zh-CN" dirty="0"/>
+          </a:p>
+          <a:p>
+            <a:pPr lvl="1"/>
+            <a:endParaRPr kumimoji="1" lang="en-US" altLang="zh-CN" dirty="0"/>
+          </a:p>
+        </p:txBody>
+      </p:sp>
+      <p:sp>
+        <p:nvSpPr>
+          <p:cNvPr id="34" name="Rectangle 33">
+            <a:extLst>
+              <a:ext uri="{FF2B5EF4-FFF2-40B4-BE49-F238E27FC236}">
+                <a16:creationId xmlns:a16="http://schemas.microsoft.com/office/drawing/2014/main" id="{BB47C962-A905-4168-832D-BF622B381E67}"/>
+              </a:ext>
+              <a:ext uri="{C183D7F6-B498-43B3-948B-1728B52AA6E4}">
+                <adec:decorative xmlns:adec="http://schemas.microsoft.com/office/drawing/2017/decorative" val="1"/>
+              </a:ext>
+            </a:extLst>
+          </p:cNvPr>
+          <p:cNvSpPr>
+            <a:spLocks noGrp="1" noRot="1" noChangeAspect="1" noMove="1" noResize="1" noEditPoints="1" noAdjustHandles="1" noChangeArrowheads="1" noChangeShapeType="1" noTextEdit="1"/>
+          </p:cNvSpPr>
+          <p:nvPr>
+            <p:extLst>
+              <p:ext uri="{386F3935-93C4-4BCD-93E2-E3B085C9AB24}">
+                <p16:designElem xmlns:p16="http://schemas.microsoft.com/office/powerpoint/2015/main" val="1"/>
+              </p:ext>
+            </p:extLst>
+          </p:nvPr>
+        </p:nvSpPr>
+        <p:spPr bwMode="grayWhite">
+          <a:xfrm>
+            <a:off x="7527850" y="0"/>
+            <a:ext cx="4664149" cy="6858000"/>
+          </a:xfrm>
+          <a:prstGeom prst="rect">
+            <a:avLst/>
+          </a:prstGeom>
+          <a:solidFill>
+            <a:schemeClr val="tx1">
+              <a:lumMod val="75000"/>
+              <a:lumOff val="25000"/>
+            </a:schemeClr>
+          </a:solidFill>
+          <a:ln>
+            <a:noFill/>
+          </a:ln>
+        </p:spPr>
+        <p:style>
+          <a:lnRef idx="2">
+            <a:schemeClr val="accent1">
+              <a:shade val="50000"/>
+            </a:schemeClr>
+          </a:lnRef>
+          <a:fillRef idx="1">
+            <a:schemeClr val="accent1"/>
+          </a:fillRef>
+          <a:effectRef idx="0">
+            <a:schemeClr val="accent1"/>
+          </a:effectRef>
+          <a:fontRef idx="minor">
+            <a:schemeClr val="lt1"/>
+          </a:fontRef>
+        </p:style>
+        <p:txBody>
+          <a:bodyPr rtlCol="0" anchor="ctr"/>
+          <a:lstStyle/>
+          <a:p>
+            <a:pPr algn="ctr"/>
+            <a:endParaRPr lang="en-US"/>
+          </a:p>
+        </p:txBody>
+      </p:sp>
+      <p:sp>
+        <p:nvSpPr>
+          <p:cNvPr id="41" name="Freeform 6">
+            <a:extLst>
+              <a:ext uri="{FF2B5EF4-FFF2-40B4-BE49-F238E27FC236}">
+                <a16:creationId xmlns:a16="http://schemas.microsoft.com/office/drawing/2014/main" id="{B0CAA55C-9F48-4F94-95AA-5635394974B4}"/>
+              </a:ext>
+              <a:ext uri="{C183D7F6-B498-43B3-948B-1728B52AA6E4}">
+                <adec:decorative xmlns:adec="http://schemas.microsoft.com/office/drawing/2017/decorative" val="1"/>
+              </a:ext>
+            </a:extLst>
+          </p:cNvPr>
+          <p:cNvSpPr>
+            <a:spLocks noGrp="1" noRot="1" noChangeAspect="1" noMove="1" noResize="1" noEditPoints="1" noAdjustHandles="1" noChangeArrowheads="1" noChangeShapeType="1" noTextEdit="1"/>
+          </p:cNvSpPr>
+          <p:nvPr>
+            <p:extLst>
+              <p:ext uri="{386F3935-93C4-4BCD-93E2-E3B085C9AB24}">
+                <p16:designElem xmlns:p16="http://schemas.microsoft.com/office/powerpoint/2015/main" val="1"/>
+              </p:ext>
+            </p:extLst>
+          </p:nvPr>
+        </p:nvSpPr>
+        <p:spPr bwMode="auto">
+          <a:xfrm flipH="1" flipV="1">
+            <a:off x="7983434" y="640080"/>
+            <a:ext cx="2296028" cy="3674981"/>
+          </a:xfrm>
+          <a:custGeom>
+            <a:avLst/>
+            <a:gdLst/>
+            <a:ahLst/>
+            <a:cxnLst/>
+            <a:rect l="l" t="t" r="r" b="b"/>
+            <a:pathLst>
+              <a:path w="10002" h="10000">
+                <a:moveTo>
+                  <a:pt x="8763" y="0"/>
+                </a:moveTo>
+                <a:lnTo>
+                  <a:pt x="10002" y="0"/>
+                </a:lnTo>
+                <a:lnTo>
+                  <a:pt x="10002" y="10000"/>
+                </a:lnTo>
+                <a:lnTo>
+                  <a:pt x="2" y="10000"/>
+                </a:lnTo>
+                <a:cubicBezTo>
+                  <a:pt x="-2" y="9698"/>
+                  <a:pt x="4" y="9427"/>
+                  <a:pt x="0" y="9125"/>
+                </a:cubicBezTo>
+                <a:lnTo>
+                  <a:pt x="8763" y="9128"/>
+                </a:lnTo>
+                <a:lnTo>
+                  <a:pt x="8763" y="0"/>
+                </a:lnTo>
+                <a:close/>
+              </a:path>
+            </a:pathLst>
+          </a:custGeom>
+          <a:solidFill>
+            <a:schemeClr val="bg2"/>
+          </a:solidFill>
+          <a:ln w="0">
+            <a:noFill/>
+            <a:prstDash val="solid"/>
+            <a:round/>
+            <a:headEnd/>
+            <a:tailEnd/>
+          </a:ln>
+        </p:spPr>
+      </p:sp>
+      <p:sp>
+        <p:nvSpPr>
+          <p:cNvPr id="8" name="标题 7">
+            <a:extLst>
+              <a:ext uri="{FF2B5EF4-FFF2-40B4-BE49-F238E27FC236}">
+                <a16:creationId xmlns:a16="http://schemas.microsoft.com/office/drawing/2014/main" id="{C7EB803F-41C2-B64D-9A56-4FEB8774DF0F}"/>
+              </a:ext>
+            </a:extLst>
+          </p:cNvPr>
+          <p:cNvSpPr>
+            <a:spLocks noGrp="1"/>
+          </p:cNvSpPr>
+          <p:nvPr>
+            <p:ph type="title"/>
+          </p:nvPr>
+        </p:nvSpPr>
+        <p:spPr>
+          <a:xfrm>
+            <a:off x="8523027" y="1252181"/>
+            <a:ext cx="3132162" cy="4302457"/>
+          </a:xfrm>
+        </p:spPr>
+        <p:txBody>
+          <a:bodyPr vert="horz" lIns="91440" tIns="45720" rIns="91440" bIns="45720" rtlCol="0" anchor="t">
+            <a:normAutofit fontScale="90000"/>
+          </a:bodyPr>
+          <a:lstStyle/>
+          <a:p>
+            <a:br>
+              <a:rPr kumimoji="1" lang="en-US" altLang="zh-CN" sz="2400" dirty="0">
+                <a:solidFill>
+                  <a:schemeClr val="bg2"/>
+                </a:solidFill>
+              </a:rPr>
+            </a:br>
+            <a:br>
+              <a:rPr kumimoji="1" lang="en-US" altLang="zh-CN" sz="2400" dirty="0">
+                <a:solidFill>
+                  <a:schemeClr val="bg2"/>
+                </a:solidFill>
+              </a:rPr>
+            </a:br>
+            <a:br>
+              <a:rPr kumimoji="1" lang="en-US" altLang="zh-CN" sz="2400" dirty="0">
+                <a:solidFill>
+                  <a:schemeClr val="bg2"/>
+                </a:solidFill>
+              </a:rPr>
+            </a:br>
+            <a:r>
+              <a:rPr kumimoji="1" lang="zh-CN" altLang="en-US" sz="2400" dirty="0">
+                <a:solidFill>
+                  <a:schemeClr val="bg2"/>
+                </a:solidFill>
+              </a:rPr>
+              <a:t>从训练数据的特征中选择一个子集合</a:t>
+            </a:r>
+            <a:br>
+              <a:rPr kumimoji="1" lang="en-US" altLang="zh-CN" sz="2400" dirty="0">
+                <a:solidFill>
+                  <a:schemeClr val="bg2"/>
+                </a:solidFill>
+              </a:rPr>
+            </a:br>
+            <a:br>
+              <a:rPr kumimoji="1" lang="en-US" altLang="zh-CN" sz="2400" dirty="0">
+                <a:solidFill>
+                  <a:schemeClr val="bg2"/>
+                </a:solidFill>
+              </a:rPr>
+            </a:br>
+            <a:r>
+              <a:rPr kumimoji="1" lang="zh-CN" altLang="en-US" sz="2400" dirty="0">
+                <a:solidFill>
+                  <a:schemeClr val="bg2"/>
+                </a:solidFill>
+              </a:rPr>
+              <a:t>去除不相关、冗余、甚至负相关的特征</a:t>
+            </a:r>
+            <a:br>
+              <a:rPr kumimoji="1" lang="en-US" altLang="zh-CN" sz="2400" dirty="0">
+                <a:solidFill>
+                  <a:schemeClr val="bg2"/>
+                </a:solidFill>
+              </a:rPr>
+            </a:br>
+            <a:br>
+              <a:rPr kumimoji="1" lang="en-US" altLang="zh-CN" sz="2400" dirty="0">
+                <a:solidFill>
+                  <a:schemeClr val="bg2"/>
+                </a:solidFill>
+              </a:rPr>
+            </a:br>
+            <a:r>
+              <a:rPr kumimoji="1" lang="zh-CN" altLang="en-US" sz="2400" dirty="0">
+                <a:solidFill>
+                  <a:schemeClr val="bg2"/>
+                </a:solidFill>
+              </a:rPr>
+              <a:t>降低数据维度，提升速度，增加性能</a:t>
+            </a:r>
+            <a:br>
+              <a:rPr kumimoji="1" lang="en-US" altLang="zh-CN" sz="2400" dirty="0">
+                <a:solidFill>
+                  <a:schemeClr val="bg2"/>
+                </a:solidFill>
+              </a:rPr>
+            </a:br>
+            <a:br>
+              <a:rPr kumimoji="1" lang="en-US" altLang="zh-CN" sz="2400" dirty="0">
+                <a:solidFill>
+                  <a:schemeClr val="bg2"/>
+                </a:solidFill>
+              </a:rPr>
+            </a:br>
+            <a:endParaRPr kumimoji="1" lang="en-US" altLang="zh-CN" sz="2400" dirty="0">
+              <a:solidFill>
+                <a:schemeClr val="bg2"/>
+              </a:solidFill>
+            </a:endParaRPr>
+          </a:p>
+        </p:txBody>
+      </p:sp>
+    </p:spTree>
+    <p:extLst>
+      <p:ext uri="{BB962C8B-B14F-4D97-AF65-F5344CB8AC3E}">
+        <p14:creationId xmlns:p14="http://schemas.microsoft.com/office/powerpoint/2010/main" val="1313803724"/>
+      </p:ext>
+    </p:extLst>
+  </p:cSld>
+  <p:clrMapOvr>
+    <a:overrideClrMapping bg1="lt1" tx1="dk1" bg2="lt2" tx2="dk2" accent1="accent1" accent2="accent2" accent3="accent3" accent4="accent4" accent5="accent5" accent6="accent6" hlink="hlink" folHlink="folHlink"/>
+  </p:clrMapOvr>
+</p:sld>
+</file>
+
+<file path=ppt/slides/slide20.xml><?xml version="1.0" encoding="utf-8"?>
 <p:sld xmlns:a="http://schemas.openxmlformats.org/drawingml/2006/main" xmlns:r="http://schemas.openxmlformats.org/officeDocument/2006/relationships" xmlns:p="http://schemas.openxmlformats.org/presentationml/2006/main">
   <p:cSld>
     <p:spTree>
@@ -14375,7 +17955,7 @@
 </p:sld>
 </file>
 
-<file path=ppt/slides/slide19.xml><?xml version="1.0" encoding="utf-8"?>
+<file path=ppt/slides/slide21.xml><?xml version="1.0" encoding="utf-8"?>
 <p:sld xmlns:a="http://schemas.openxmlformats.org/drawingml/2006/main" xmlns:r="http://schemas.openxmlformats.org/officeDocument/2006/relationships" xmlns:p="http://schemas.openxmlformats.org/presentationml/2006/main">
   <p:cSld>
     <p:spTree>
@@ -15140,503 +18720,7 @@
 </p:sld>
 </file>
 
-<file path=ppt/slides/slide2.xml><?xml version="1.0" encoding="utf-8"?>
-<p:sld xmlns:a="http://schemas.openxmlformats.org/drawingml/2006/main" xmlns:r="http://schemas.openxmlformats.org/officeDocument/2006/relationships" xmlns:p="http://schemas.openxmlformats.org/presentationml/2006/main">
-  <p:cSld>
-    <p:bg>
-      <p:bgPr>
-        <a:solidFill>
-          <a:schemeClr val="bg2"/>
-        </a:solidFill>
-        <a:effectLst/>
-      </p:bgPr>
-    </p:bg>
-    <p:spTree>
-      <p:nvGrpSpPr>
-        <p:cNvPr id="1" name=""/>
-        <p:cNvGrpSpPr/>
-        <p:nvPr/>
-      </p:nvGrpSpPr>
-      <p:grpSpPr>
-        <a:xfrm>
-          <a:off x="0" y="0"/>
-          <a:ext cx="0" cy="0"/>
-          <a:chOff x="0" y="0"/>
-          <a:chExt cx="0" cy="0"/>
-        </a:xfrm>
-      </p:grpSpPr>
-      <p:sp>
-        <p:nvSpPr>
-          <p:cNvPr id="30" name="Rectangle 29">
-            <a:extLst>
-              <a:ext uri="{FF2B5EF4-FFF2-40B4-BE49-F238E27FC236}">
-                <a16:creationId xmlns:a16="http://schemas.microsoft.com/office/drawing/2014/main" id="{2A97F59D-628C-4053-B41F-489D0045FD5C}"/>
-              </a:ext>
-              <a:ext uri="{C183D7F6-B498-43B3-948B-1728B52AA6E4}">
-                <adec:decorative xmlns:adec="http://schemas.microsoft.com/office/drawing/2017/decorative" val="1"/>
-              </a:ext>
-            </a:extLst>
-          </p:cNvPr>
-          <p:cNvSpPr>
-            <a:spLocks noGrp="1" noRot="1" noChangeAspect="1" noMove="1" noResize="1" noEditPoints="1" noAdjustHandles="1" noChangeArrowheads="1" noChangeShapeType="1" noTextEdit="1"/>
-          </p:cNvSpPr>
-          <p:nvPr>
-            <p:extLst>
-              <p:ext uri="{386F3935-93C4-4BCD-93E2-E3B085C9AB24}">
-                <p16:designElem xmlns:p16="http://schemas.microsoft.com/office/powerpoint/2015/main" val="1"/>
-              </p:ext>
-            </p:extLst>
-          </p:nvPr>
-        </p:nvSpPr>
-        <p:spPr>
-          <a:xfrm>
-            <a:off x="478095" y="376"/>
-            <a:ext cx="228600" cy="6858000"/>
-          </a:xfrm>
-          <a:prstGeom prst="rect">
-            <a:avLst/>
-          </a:prstGeom>
-          <a:solidFill>
-            <a:schemeClr val="tx2"/>
-          </a:solidFill>
-          <a:ln>
-            <a:noFill/>
-          </a:ln>
-        </p:spPr>
-        <p:style>
-          <a:lnRef idx="2">
-            <a:schemeClr val="accent1">
-              <a:shade val="50000"/>
-            </a:schemeClr>
-          </a:lnRef>
-          <a:fillRef idx="1">
-            <a:schemeClr val="accent1"/>
-          </a:fillRef>
-          <a:effectRef idx="0">
-            <a:schemeClr val="accent1"/>
-          </a:effectRef>
-          <a:fontRef idx="minor">
-            <a:schemeClr val="lt1"/>
-          </a:fontRef>
-        </p:style>
-      </p:sp>
-      <p:sp useBgFill="1">
-        <p:nvSpPr>
-          <p:cNvPr id="32" name="Rectangle 31">
-            <a:extLst>
-              <a:ext uri="{FF2B5EF4-FFF2-40B4-BE49-F238E27FC236}">
-                <a16:creationId xmlns:a16="http://schemas.microsoft.com/office/drawing/2014/main" id="{E4BB1650-B616-4EFB-9FB7-5D93104B5A00}"/>
-              </a:ext>
-              <a:ext uri="{C183D7F6-B498-43B3-948B-1728B52AA6E4}">
-                <adec:decorative xmlns:adec="http://schemas.microsoft.com/office/drawing/2017/decorative" val="1"/>
-              </a:ext>
-            </a:extLst>
-          </p:cNvPr>
-          <p:cNvSpPr>
-            <a:spLocks noGrp="1" noRot="1" noChangeAspect="1" noMove="1" noResize="1" noEditPoints="1" noAdjustHandles="1" noChangeArrowheads="1" noChangeShapeType="1" noTextEdit="1"/>
-          </p:cNvSpPr>
-          <p:nvPr>
-            <p:extLst>
-              <p:ext uri="{386F3935-93C4-4BCD-93E2-E3B085C9AB24}">
-                <p16:designElem xmlns:p16="http://schemas.microsoft.com/office/powerpoint/2015/main" val="1"/>
-              </p:ext>
-            </p:extLst>
-          </p:nvPr>
-        </p:nvSpPr>
-        <p:spPr>
-          <a:xfrm>
-            <a:off x="0" y="0"/>
-            <a:ext cx="12191999" cy="6858000"/>
-          </a:xfrm>
-          <a:prstGeom prst="rect">
-            <a:avLst/>
-          </a:prstGeom>
-          <a:ln>
-            <a:noFill/>
-          </a:ln>
-        </p:spPr>
-        <p:style>
-          <a:lnRef idx="2">
-            <a:schemeClr val="accent1">
-              <a:shade val="50000"/>
-            </a:schemeClr>
-          </a:lnRef>
-          <a:fillRef idx="1">
-            <a:schemeClr val="accent1"/>
-          </a:fillRef>
-          <a:effectRef idx="0">
-            <a:schemeClr val="accent1"/>
-          </a:effectRef>
-          <a:fontRef idx="minor">
-            <a:schemeClr val="lt1"/>
-          </a:fontRef>
-        </p:style>
-        <p:txBody>
-          <a:bodyPr rtlCol="0" anchor="ctr"/>
-          <a:lstStyle/>
-          <a:p>
-            <a:pPr algn="ctr"/>
-            <a:endParaRPr lang="en-US"/>
-          </a:p>
-        </p:txBody>
-      </p:sp>
-      <p:sp>
-        <p:nvSpPr>
-          <p:cNvPr id="9" name="竖排文字占位符 8">
-            <a:extLst>
-              <a:ext uri="{FF2B5EF4-FFF2-40B4-BE49-F238E27FC236}">
-                <a16:creationId xmlns:a16="http://schemas.microsoft.com/office/drawing/2014/main" id="{6745B24B-93E8-7F43-B0FC-63021F6BCEF4}"/>
-              </a:ext>
-            </a:extLst>
-          </p:cNvPr>
-          <p:cNvSpPr>
-            <a:spLocks noGrp="1"/>
-          </p:cNvSpPr>
-          <p:nvPr>
-            <p:ph type="body" orient="vert" idx="1"/>
-          </p:nvPr>
-        </p:nvSpPr>
-        <p:spPr>
-          <a:xfrm>
-            <a:off x="1188720" y="1188720"/>
-            <a:ext cx="5369029" cy="4480560"/>
-          </a:xfrm>
-        </p:spPr>
-        <p:txBody>
-          <a:bodyPr vert="horz" lIns="91440" tIns="45720" rIns="91440" bIns="45720" rtlCol="0" anchor="ctr">
-            <a:normAutofit/>
-          </a:bodyPr>
-          <a:lstStyle/>
-          <a:p>
-            <a:r>
-              <a:rPr kumimoji="1" lang="zh-CN" altLang="en-US" dirty="0"/>
-              <a:t>问题：</a:t>
-            </a:r>
-            <a:endParaRPr kumimoji="1" lang="en-US" altLang="zh-CN" dirty="0"/>
-          </a:p>
-          <a:p>
-            <a:endParaRPr kumimoji="1" lang="en-US" altLang="zh-CN" dirty="0"/>
-          </a:p>
-          <a:p>
-            <a:pPr lvl="1"/>
-            <a:r>
-              <a:rPr kumimoji="1" lang="zh-CN" altLang="en-US" dirty="0"/>
-              <a:t>搜索空间随特征数量指数级别增加</a:t>
-            </a:r>
-            <a:endParaRPr kumimoji="1" lang="en-US" altLang="zh-CN" dirty="0"/>
-          </a:p>
-          <a:p>
-            <a:pPr lvl="2"/>
-            <a:r>
-              <a:rPr kumimoji="1" lang="zh-CN" altLang="en-US" dirty="0"/>
-              <a:t>如何搜索、剪枝</a:t>
-            </a:r>
-            <a:endParaRPr kumimoji="1" lang="en-US" altLang="zh-CN" dirty="0"/>
-          </a:p>
-          <a:p>
-            <a:pPr lvl="2"/>
-            <a:r>
-              <a:rPr kumimoji="1" lang="zh-CN" altLang="en-US" dirty="0"/>
-              <a:t>如何防止陷入局部最优</a:t>
-            </a:r>
-            <a:endParaRPr kumimoji="1" lang="en-US" altLang="zh-CN" dirty="0"/>
-          </a:p>
-          <a:p>
-            <a:pPr lvl="2"/>
-            <a:endParaRPr kumimoji="1" lang="en-US" altLang="zh-CN" dirty="0"/>
-          </a:p>
-          <a:p>
-            <a:pPr lvl="1"/>
-            <a:r>
-              <a:rPr kumimoji="1" lang="zh-CN" altLang="en-US" dirty="0"/>
-              <a:t>如何判定特征好坏与否</a:t>
-            </a:r>
-            <a:endParaRPr kumimoji="1" lang="en-US" altLang="zh-CN" dirty="0"/>
-          </a:p>
-          <a:p>
-            <a:pPr lvl="1"/>
-            <a:endParaRPr kumimoji="1" lang="en-US" altLang="zh-CN" dirty="0"/>
-          </a:p>
-        </p:txBody>
-      </p:sp>
-      <p:sp>
-        <p:nvSpPr>
-          <p:cNvPr id="34" name="Rectangle 33">
-            <a:extLst>
-              <a:ext uri="{FF2B5EF4-FFF2-40B4-BE49-F238E27FC236}">
-                <a16:creationId xmlns:a16="http://schemas.microsoft.com/office/drawing/2014/main" id="{BB47C962-A905-4168-832D-BF622B381E67}"/>
-              </a:ext>
-              <a:ext uri="{C183D7F6-B498-43B3-948B-1728B52AA6E4}">
-                <adec:decorative xmlns:adec="http://schemas.microsoft.com/office/drawing/2017/decorative" val="1"/>
-              </a:ext>
-            </a:extLst>
-          </p:cNvPr>
-          <p:cNvSpPr>
-            <a:spLocks noGrp="1" noRot="1" noChangeAspect="1" noMove="1" noResize="1" noEditPoints="1" noAdjustHandles="1" noChangeArrowheads="1" noChangeShapeType="1" noTextEdit="1"/>
-          </p:cNvSpPr>
-          <p:nvPr>
-            <p:extLst>
-              <p:ext uri="{386F3935-93C4-4BCD-93E2-E3B085C9AB24}">
-                <p16:designElem xmlns:p16="http://schemas.microsoft.com/office/powerpoint/2015/main" val="1"/>
-              </p:ext>
-            </p:extLst>
-          </p:nvPr>
-        </p:nvSpPr>
-        <p:spPr bwMode="grayWhite">
-          <a:xfrm>
-            <a:off x="7527850" y="0"/>
-            <a:ext cx="4664149" cy="6858000"/>
-          </a:xfrm>
-          <a:prstGeom prst="rect">
-            <a:avLst/>
-          </a:prstGeom>
-          <a:solidFill>
-            <a:schemeClr val="tx1">
-              <a:lumMod val="75000"/>
-              <a:lumOff val="25000"/>
-            </a:schemeClr>
-          </a:solidFill>
-          <a:ln>
-            <a:noFill/>
-          </a:ln>
-        </p:spPr>
-        <p:style>
-          <a:lnRef idx="2">
-            <a:schemeClr val="accent1">
-              <a:shade val="50000"/>
-            </a:schemeClr>
-          </a:lnRef>
-          <a:fillRef idx="1">
-            <a:schemeClr val="accent1"/>
-          </a:fillRef>
-          <a:effectRef idx="0">
-            <a:schemeClr val="accent1"/>
-          </a:effectRef>
-          <a:fontRef idx="minor">
-            <a:schemeClr val="lt1"/>
-          </a:fontRef>
-        </p:style>
-        <p:txBody>
-          <a:bodyPr rtlCol="0" anchor="ctr"/>
-          <a:lstStyle/>
-          <a:p>
-            <a:pPr algn="ctr"/>
-            <a:endParaRPr lang="en-US"/>
-          </a:p>
-        </p:txBody>
-      </p:sp>
-      <p:sp>
-        <p:nvSpPr>
-          <p:cNvPr id="41" name="Freeform 6">
-            <a:extLst>
-              <a:ext uri="{FF2B5EF4-FFF2-40B4-BE49-F238E27FC236}">
-                <a16:creationId xmlns:a16="http://schemas.microsoft.com/office/drawing/2014/main" id="{B0CAA55C-9F48-4F94-95AA-5635394974B4}"/>
-              </a:ext>
-              <a:ext uri="{C183D7F6-B498-43B3-948B-1728B52AA6E4}">
-                <adec:decorative xmlns:adec="http://schemas.microsoft.com/office/drawing/2017/decorative" val="1"/>
-              </a:ext>
-            </a:extLst>
-          </p:cNvPr>
-          <p:cNvSpPr>
-            <a:spLocks noGrp="1" noRot="1" noChangeAspect="1" noMove="1" noResize="1" noEditPoints="1" noAdjustHandles="1" noChangeArrowheads="1" noChangeShapeType="1" noTextEdit="1"/>
-          </p:cNvSpPr>
-          <p:nvPr>
-            <p:extLst>
-              <p:ext uri="{386F3935-93C4-4BCD-93E2-E3B085C9AB24}">
-                <p16:designElem xmlns:p16="http://schemas.microsoft.com/office/powerpoint/2015/main" val="1"/>
-              </p:ext>
-            </p:extLst>
-          </p:nvPr>
-        </p:nvSpPr>
-        <p:spPr bwMode="auto">
-          <a:xfrm flipH="1" flipV="1">
-            <a:off x="7983434" y="640080"/>
-            <a:ext cx="2296028" cy="3674981"/>
-          </a:xfrm>
-          <a:custGeom>
-            <a:avLst/>
-            <a:gdLst/>
-            <a:ahLst/>
-            <a:cxnLst/>
-            <a:rect l="l" t="t" r="r" b="b"/>
-            <a:pathLst>
-              <a:path w="10002" h="10000">
-                <a:moveTo>
-                  <a:pt x="8763" y="0"/>
-                </a:moveTo>
-                <a:lnTo>
-                  <a:pt x="10002" y="0"/>
-                </a:lnTo>
-                <a:lnTo>
-                  <a:pt x="10002" y="10000"/>
-                </a:lnTo>
-                <a:lnTo>
-                  <a:pt x="2" y="10000"/>
-                </a:lnTo>
-                <a:cubicBezTo>
-                  <a:pt x="-2" y="9698"/>
-                  <a:pt x="4" y="9427"/>
-                  <a:pt x="0" y="9125"/>
-                </a:cubicBezTo>
-                <a:lnTo>
-                  <a:pt x="8763" y="9128"/>
-                </a:lnTo>
-                <a:lnTo>
-                  <a:pt x="8763" y="0"/>
-                </a:lnTo>
-                <a:close/>
-              </a:path>
-            </a:pathLst>
-          </a:custGeom>
-          <a:solidFill>
-            <a:schemeClr val="bg2"/>
-          </a:solidFill>
-          <a:ln w="0">
-            <a:noFill/>
-            <a:prstDash val="solid"/>
-            <a:round/>
-            <a:headEnd/>
-            <a:tailEnd/>
-          </a:ln>
-        </p:spPr>
-      </p:sp>
-      <p:sp>
-        <p:nvSpPr>
-          <p:cNvPr id="8" name="标题 7">
-            <a:extLst>
-              <a:ext uri="{FF2B5EF4-FFF2-40B4-BE49-F238E27FC236}">
-                <a16:creationId xmlns:a16="http://schemas.microsoft.com/office/drawing/2014/main" id="{C7EB803F-41C2-B64D-9A56-4FEB8774DF0F}"/>
-              </a:ext>
-            </a:extLst>
-          </p:cNvPr>
-          <p:cNvSpPr>
-            <a:spLocks noGrp="1"/>
-          </p:cNvSpPr>
-          <p:nvPr>
-            <p:ph type="title"/>
-          </p:nvPr>
-        </p:nvSpPr>
-        <p:spPr>
-          <a:xfrm>
-            <a:off x="8523027" y="1252181"/>
-            <a:ext cx="3132162" cy="4302457"/>
-          </a:xfrm>
-        </p:spPr>
-        <p:txBody>
-          <a:bodyPr vert="horz" lIns="91440" tIns="45720" rIns="91440" bIns="45720" rtlCol="0" anchor="t">
-            <a:normAutofit fontScale="90000"/>
-          </a:bodyPr>
-          <a:lstStyle/>
-          <a:p>
-            <a:br>
-              <a:rPr kumimoji="1" lang="en-US" altLang="zh-CN" sz="2400" dirty="0">
-                <a:solidFill>
-                  <a:schemeClr val="bg2"/>
-                </a:solidFill>
-              </a:rPr>
-            </a:br>
-            <a:br>
-              <a:rPr kumimoji="1" lang="en-US" altLang="zh-CN" sz="2400" dirty="0">
-                <a:solidFill>
-                  <a:schemeClr val="bg2"/>
-                </a:solidFill>
-              </a:rPr>
-            </a:br>
-            <a:br>
-              <a:rPr kumimoji="1" lang="en-US" altLang="zh-CN" sz="2400" dirty="0">
-                <a:solidFill>
-                  <a:schemeClr val="bg2"/>
-                </a:solidFill>
-              </a:rPr>
-            </a:br>
-            <a:r>
-              <a:rPr kumimoji="1" lang="zh-CN" altLang="en-US" sz="2400" dirty="0">
-                <a:solidFill>
-                  <a:schemeClr val="bg2"/>
-                </a:solidFill>
-              </a:rPr>
-              <a:t>从训练数据的特征中选择一个子集合</a:t>
-            </a:r>
-            <a:br>
-              <a:rPr kumimoji="1" lang="en-US" altLang="zh-CN" sz="2400" dirty="0">
-                <a:solidFill>
-                  <a:schemeClr val="bg2"/>
-                </a:solidFill>
-              </a:rPr>
-            </a:br>
-            <a:br>
-              <a:rPr kumimoji="1" lang="en-US" altLang="zh-CN" sz="2400" dirty="0">
-                <a:solidFill>
-                  <a:schemeClr val="bg2"/>
-                </a:solidFill>
-              </a:rPr>
-            </a:br>
-            <a:r>
-              <a:rPr kumimoji="1" lang="zh-CN" altLang="en-US" sz="2400" dirty="0">
-                <a:solidFill>
-                  <a:schemeClr val="bg2"/>
-                </a:solidFill>
-              </a:rPr>
-              <a:t>去除不相关、冗余、甚至负相关的特征</a:t>
-            </a:r>
-            <a:br>
-              <a:rPr kumimoji="1" lang="en-US" altLang="zh-CN" sz="2400" dirty="0">
-                <a:solidFill>
-                  <a:schemeClr val="bg2"/>
-                </a:solidFill>
-              </a:rPr>
-            </a:br>
-            <a:br>
-              <a:rPr kumimoji="1" lang="en-US" altLang="zh-CN" sz="2400" dirty="0">
-                <a:solidFill>
-                  <a:schemeClr val="bg2"/>
-                </a:solidFill>
-              </a:rPr>
-            </a:br>
-            <a:r>
-              <a:rPr kumimoji="1" lang="zh-CN" altLang="en-US" sz="2400" dirty="0">
-                <a:solidFill>
-                  <a:schemeClr val="bg2"/>
-                </a:solidFill>
-              </a:rPr>
-              <a:t>降低数据维度，提升速度，增加性能</a:t>
-            </a:r>
-            <a:br>
-              <a:rPr kumimoji="1" lang="en-US" altLang="zh-CN" sz="2400" dirty="0">
-                <a:solidFill>
-                  <a:schemeClr val="bg2"/>
-                </a:solidFill>
-              </a:rPr>
-            </a:br>
-            <a:br>
-              <a:rPr kumimoji="1" lang="en-US" altLang="zh-CN" sz="2400" dirty="0">
-                <a:solidFill>
-                  <a:schemeClr val="bg2"/>
-                </a:solidFill>
-              </a:rPr>
-            </a:br>
-            <a:endParaRPr kumimoji="1" lang="en-US" altLang="zh-CN" sz="2400" dirty="0">
-              <a:solidFill>
-                <a:schemeClr val="bg2"/>
-              </a:solidFill>
-            </a:endParaRPr>
-          </a:p>
-        </p:txBody>
-      </p:sp>
-    </p:spTree>
-    <p:extLst>
-      <p:ext uri="{BB962C8B-B14F-4D97-AF65-F5344CB8AC3E}">
-        <p14:creationId xmlns:p14="http://schemas.microsoft.com/office/powerpoint/2010/main" val="1313803724"/>
-      </p:ext>
-    </p:extLst>
-  </p:cSld>
-  <p:clrMapOvr>
-    <a:overrideClrMapping bg1="lt1" tx1="dk1" bg2="lt2" tx2="dk2" accent1="accent1" accent2="accent2" accent3="accent3" accent4="accent4" accent5="accent5" accent6="accent6" hlink="hlink" folHlink="folHlink"/>
-  </p:clrMapOvr>
-</p:sld>
-</file>
-
-<file path=ppt/slides/slide20.xml><?xml version="1.0" encoding="utf-8"?>
+<file path=ppt/slides/slide22.xml><?xml version="1.0" encoding="utf-8"?>
 <p:sld xmlns:a="http://schemas.openxmlformats.org/drawingml/2006/main" xmlns:r="http://schemas.openxmlformats.org/officeDocument/2006/relationships" xmlns:p="http://schemas.openxmlformats.org/presentationml/2006/main">
   <p:cSld>
     <p:spTree>
@@ -21023,7 +24107,7 @@
 </p:sld>
 </file>
 
-<file path=ppt/slides/slide21.xml><?xml version="1.0" encoding="utf-8"?>
+<file path=ppt/slides/slide23.xml><?xml version="1.0" encoding="utf-8"?>
 <p:sld xmlns:a="http://schemas.openxmlformats.org/drawingml/2006/main" xmlns:r="http://schemas.openxmlformats.org/officeDocument/2006/relationships" xmlns:p="http://schemas.openxmlformats.org/presentationml/2006/main">
   <p:cSld>
     <p:spTree>
@@ -21204,7 +24288,7 @@
 </p:sld>
 </file>
 
-<file path=ppt/slides/slide22.xml><?xml version="1.0" encoding="utf-8"?>
+<file path=ppt/slides/slide24.xml><?xml version="1.0" encoding="utf-8"?>
 <p:sld xmlns:a="http://schemas.openxmlformats.org/drawingml/2006/main" xmlns:r="http://schemas.openxmlformats.org/officeDocument/2006/relationships" xmlns:p="http://schemas.openxmlformats.org/presentationml/2006/main">
   <p:cSld>
     <p:spTree>
@@ -21961,7 +25045,7 @@
 </p:sld>
 </file>
 
-<file path=ppt/slides/slide23.xml><?xml version="1.0" encoding="utf-8"?>
+<file path=ppt/slides/slide25.xml><?xml version="1.0" encoding="utf-8"?>
 <p:sld xmlns:a="http://schemas.openxmlformats.org/drawingml/2006/main" xmlns:r="http://schemas.openxmlformats.org/officeDocument/2006/relationships" xmlns:p="http://schemas.openxmlformats.org/presentationml/2006/main">
   <p:cSld>
     <p:spTree>
@@ -22049,7 +25133,7 @@
 </p:sld>
 </file>
 
-<file path=ppt/slides/slide24.xml><?xml version="1.0" encoding="utf-8"?>
+<file path=ppt/slides/slide26.xml><?xml version="1.0" encoding="utf-8"?>
 <p:sld xmlns:a="http://schemas.openxmlformats.org/drawingml/2006/main" xmlns:r="http://schemas.openxmlformats.org/officeDocument/2006/relationships" xmlns:p="http://schemas.openxmlformats.org/presentationml/2006/main">
   <p:cSld>
     <p:spTree>

--- a/Doc/Pre.pptx
+++ b/Doc/Pre.pptx
@@ -4139,7 +4139,12 @@
             <p:ph type="body" orient="vert" idx="1"/>
           </p:nvPr>
         </p:nvSpPr>
-        <p:spPr/>
+        <p:spPr>
+          <a:xfrm>
+            <a:off x="1371600" y="2057750"/>
+            <a:ext cx="9601200" cy="3571875"/>
+          </a:xfrm>
+        </p:spPr>
         <p:txBody>
           <a:bodyPr/>
           <a:lstStyle/>
@@ -4163,10 +4168,16 @@
           <p:cNvGraphicFramePr>
             <a:graphicFrameLocks noGrp="1"/>
           </p:cNvGraphicFramePr>
-          <p:nvPr/>
+          <p:nvPr>
+            <p:extLst>
+              <p:ext uri="{D42A27DB-BD31-4B8C-83A1-F6EECF244321}">
+                <p14:modId xmlns:p14="http://schemas.microsoft.com/office/powerpoint/2010/main" val="442269728"/>
+              </p:ext>
+            </p:extLst>
+          </p:nvPr>
         </p:nvGraphicFramePr>
         <p:xfrm>
-          <a:off x="2006600" y="2295525"/>
+          <a:off x="2006600" y="2057750"/>
           <a:ext cx="8178800" cy="904875"/>
         </p:xfrm>
         <a:graphic>
@@ -5099,10 +5110,16 @@
           <p:cNvGraphicFramePr>
             <a:graphicFrameLocks noGrp="1"/>
           </p:cNvGraphicFramePr>
-          <p:nvPr/>
+          <p:nvPr>
+            <p:extLst>
+              <p:ext uri="{D42A27DB-BD31-4B8C-83A1-F6EECF244321}">
+                <p14:modId xmlns:p14="http://schemas.microsoft.com/office/powerpoint/2010/main" val="459265296"/>
+              </p:ext>
+            </p:extLst>
+          </p:nvPr>
         </p:nvGraphicFramePr>
         <p:xfrm>
-          <a:off x="2006600" y="3429000"/>
+          <a:off x="2006600" y="3496025"/>
           <a:ext cx="8178800" cy="904875"/>
         </p:xfrm>
         <a:graphic>
@@ -5393,12 +5410,12 @@
                     <a:p>
                       <a:pPr algn="r" fontAlgn="b"/>
                       <a:r>
-                        <a:rPr lang="en-US" altLang="zh-CN" sz="1100" u="none" strike="noStrike">
+                        <a:rPr lang="en-US" altLang="zh-CN" sz="1100" u="none" strike="noStrike" dirty="0">
                           <a:effectLst/>
                         </a:rPr>
                         <a:t>0.647058824</a:t>
                       </a:r>
-                      <a:endParaRPr lang="en-US" altLang="zh-CN" sz="1100" b="0" i="0" u="none" strike="noStrike">
+                      <a:endParaRPr lang="en-US" altLang="zh-CN" sz="1100" b="0" i="0" u="none" strike="noStrike" dirty="0">
                         <a:solidFill>
                           <a:srgbClr val="000000"/>
                         </a:solidFill>
@@ -6035,10 +6052,16 @@
           <p:cNvGraphicFramePr>
             <a:graphicFrameLocks noGrp="1"/>
           </p:cNvGraphicFramePr>
-          <p:nvPr/>
+          <p:nvPr>
+            <p:extLst>
+              <p:ext uri="{D42A27DB-BD31-4B8C-83A1-F6EECF244321}">
+                <p14:modId xmlns:p14="http://schemas.microsoft.com/office/powerpoint/2010/main" val="1525878151"/>
+              </p:ext>
+            </p:extLst>
+          </p:nvPr>
         </p:nvGraphicFramePr>
         <p:xfrm>
-          <a:off x="2006600" y="4562475"/>
+          <a:off x="2006600" y="4934300"/>
           <a:ext cx="8178801" cy="904875"/>
         </p:xfrm>
         <a:graphic>
@@ -6959,6 +6982,109 @@
           </a:graphicData>
         </a:graphic>
       </p:graphicFrame>
+      <p:sp>
+        <p:nvSpPr>
+          <p:cNvPr id="4" name="矩形 3">
+            <a:extLst>
+              <a:ext uri="{FF2B5EF4-FFF2-40B4-BE49-F238E27FC236}">
+                <a16:creationId xmlns:a16="http://schemas.microsoft.com/office/drawing/2014/main" id="{C1B4B224-F9B0-4580-A0DD-FE278937C2A1}"/>
+              </a:ext>
+            </a:extLst>
+          </p:cNvPr>
+          <p:cNvSpPr/>
+          <p:nvPr/>
+        </p:nvSpPr>
+        <p:spPr>
+          <a:xfrm>
+            <a:off x="1632025" y="1605335"/>
+            <a:ext cx="1106778" cy="369332"/>
+          </a:xfrm>
+          <a:prstGeom prst="rect">
+            <a:avLst/>
+          </a:prstGeom>
+        </p:spPr>
+        <p:txBody>
+          <a:bodyPr wrap="none">
+            <a:spAutoFit/>
+          </a:bodyPr>
+          <a:lstStyle/>
+          <a:p>
+            <a:r>
+              <a:rPr lang="en-US" altLang="zh-CN" dirty="0" err="1"/>
+              <a:t>cleveland</a:t>
+            </a:r>
+            <a:endParaRPr lang="zh-CN" altLang="en-US" dirty="0"/>
+          </a:p>
+        </p:txBody>
+      </p:sp>
+      <p:sp>
+        <p:nvSpPr>
+          <p:cNvPr id="5" name="矩形 4">
+            <a:extLst>
+              <a:ext uri="{FF2B5EF4-FFF2-40B4-BE49-F238E27FC236}">
+                <a16:creationId xmlns:a16="http://schemas.microsoft.com/office/drawing/2014/main" id="{68478638-E9A5-48A2-A9CA-ADEDAF79ED5F}"/>
+              </a:ext>
+            </a:extLst>
+          </p:cNvPr>
+          <p:cNvSpPr/>
+          <p:nvPr/>
+        </p:nvSpPr>
+        <p:spPr>
+          <a:xfrm>
+            <a:off x="1632025" y="3043111"/>
+            <a:ext cx="1274708" cy="369332"/>
+          </a:xfrm>
+          <a:prstGeom prst="rect">
+            <a:avLst/>
+          </a:prstGeom>
+        </p:spPr>
+        <p:txBody>
+          <a:bodyPr wrap="none">
+            <a:spAutoFit/>
+          </a:bodyPr>
+          <a:lstStyle/>
+          <a:p>
+            <a:r>
+              <a:rPr lang="zh-CN" altLang="en-US" dirty="0"/>
+              <a:t>ionosphere</a:t>
+            </a:r>
+          </a:p>
+        </p:txBody>
+      </p:sp>
+      <p:sp>
+        <p:nvSpPr>
+          <p:cNvPr id="6" name="矩形 5">
+            <a:extLst>
+              <a:ext uri="{FF2B5EF4-FFF2-40B4-BE49-F238E27FC236}">
+                <a16:creationId xmlns:a16="http://schemas.microsoft.com/office/drawing/2014/main" id="{E59B815C-F993-441A-A787-45A8F6A4F42F}"/>
+              </a:ext>
+            </a:extLst>
+          </p:cNvPr>
+          <p:cNvSpPr/>
+          <p:nvPr/>
+        </p:nvSpPr>
+        <p:spPr>
+          <a:xfrm>
+            <a:off x="1632025" y="4483983"/>
+            <a:ext cx="705321" cy="369332"/>
+          </a:xfrm>
+          <a:prstGeom prst="rect">
+            <a:avLst/>
+          </a:prstGeom>
+        </p:spPr>
+        <p:txBody>
+          <a:bodyPr wrap="none">
+            <a:spAutoFit/>
+          </a:bodyPr>
+          <a:lstStyle/>
+          <a:p>
+            <a:r>
+              <a:rPr lang="zh-CN" altLang="en-US" dirty="0"/>
+              <a:t>heart</a:t>
+            </a:r>
+          </a:p>
+        </p:txBody>
+      </p:sp>
     </p:spTree>
     <p:extLst>
       <p:ext uri="{BB962C8B-B14F-4D97-AF65-F5344CB8AC3E}">

--- a/Doc/Pre.pptx
+++ b/Doc/Pre.pptx
@@ -11,11 +11,11 @@
     <p:sldId id="259" r:id="rId5"/>
     <p:sldId id="260" r:id="rId6"/>
     <p:sldId id="261" r:id="rId7"/>
-    <p:sldId id="262" r:id="rId8"/>
-    <p:sldId id="264" r:id="rId9"/>
-    <p:sldId id="265" r:id="rId10"/>
-    <p:sldId id="285" r:id="rId11"/>
-    <p:sldId id="286" r:id="rId12"/>
+    <p:sldId id="285" r:id="rId8"/>
+    <p:sldId id="262" r:id="rId9"/>
+    <p:sldId id="286" r:id="rId10"/>
+    <p:sldId id="264" r:id="rId11"/>
+    <p:sldId id="265" r:id="rId12"/>
     <p:sldId id="266" r:id="rId13"/>
     <p:sldId id="267" r:id="rId14"/>
     <p:sldId id="268" r:id="rId15"/>
@@ -3930,9 +3930,12 @@
           <a:p>
             <a:r>
               <a:rPr lang="en-US" altLang="zh-CN" dirty="0"/>
-              <a:t>EFSFOA</a:t>
+              <a:t>FOA </a:t>
             </a:r>
-            <a:endParaRPr lang="zh-CN" altLang="en-US" dirty="0"/>
+            <a:r>
+              <a:rPr lang="zh-CN" altLang="en-US" dirty="0"/>
+              <a:t>类特征选择算法总结</a:t>
+            </a:r>
           </a:p>
         </p:txBody>
       </p:sp>
@@ -3954,89 +3957,83 @@
         </p:nvSpPr>
         <p:spPr>
           <a:xfrm>
-            <a:off x="1371600" y="2171700"/>
-            <a:ext cx="9601200" cy="3695700"/>
+            <a:off x="1371600" y="2171699"/>
+            <a:ext cx="9601200" cy="4455603"/>
           </a:xfrm>
         </p:spPr>
         <p:txBody>
           <a:bodyPr vert="horz">
-            <a:normAutofit/>
+            <a:normAutofit fontScale="77500" lnSpcReduction="20000"/>
           </a:bodyPr>
           <a:lstStyle/>
           <a:p>
             <a:r>
-              <a:rPr lang="en-US" altLang="zh-CN" dirty="0"/>
-              <a:t>EFSFOA</a:t>
-            </a:r>
-            <a:r>
               <a:rPr lang="zh-CN" altLang="en-US" dirty="0"/>
-              <a:t>在 </a:t>
-            </a:r>
-            <a:r>
-              <a:rPr lang="en-US" altLang="zh-CN" dirty="0"/>
-              <a:t>FSFOA </a:t>
-            </a:r>
-            <a:r>
-              <a:rPr lang="zh-CN" altLang="en-US" dirty="0"/>
-              <a:t>的基础上进行改进，对以下几点进行了优化改进：</a:t>
+              <a:t>使用了遗传算法的思想：选择、变异</a:t>
             </a:r>
             <a:endParaRPr lang="en-US" altLang="zh-CN" dirty="0"/>
           </a:p>
           <a:p>
-            <a:pPr marL="987552" lvl="1" indent="-457200">
-              <a:buFont typeface="+mj-ea"/>
-              <a:buAutoNum type="circleNumDbPlain"/>
-            </a:pPr>
+            <a:pPr lvl="1"/>
             <a:r>
               <a:rPr lang="zh-CN" altLang="en-US" dirty="0"/>
-              <a:t>初始森林利用信息增益率进行启发式初始化</a:t>
+              <a:t>局部播种 </a:t>
+            </a:r>
+            <a:r>
+              <a:rPr lang="en-US" altLang="zh-CN" dirty="0"/>
+              <a:t>+ </a:t>
+            </a:r>
+            <a:r>
+              <a:rPr lang="zh-CN" altLang="en-US" dirty="0"/>
+              <a:t>限制森林大小</a:t>
+            </a:r>
+            <a:r>
+              <a:rPr lang="en-US" altLang="zh-CN" dirty="0"/>
+              <a:t> -&gt; </a:t>
+            </a:r>
+            <a:r>
+              <a:rPr lang="zh-CN" altLang="en-US" dirty="0"/>
+              <a:t>变异</a:t>
+            </a:r>
+            <a:r>
+              <a:rPr lang="en-US" altLang="zh-CN" dirty="0"/>
+              <a:t>+</a:t>
+            </a:r>
+            <a:r>
+              <a:rPr lang="zh-CN" altLang="en-US" dirty="0"/>
+              <a:t>选择 </a:t>
+            </a:r>
+            <a:r>
+              <a:rPr lang="en-US" altLang="zh-CN" dirty="0"/>
+              <a:t>-&gt; </a:t>
+            </a:r>
+            <a:r>
+              <a:rPr lang="zh-CN" altLang="en-US" dirty="0"/>
+              <a:t>趋向于局部极值</a:t>
             </a:r>
             <a:endParaRPr lang="en-US" altLang="zh-CN" dirty="0"/>
           </a:p>
           <a:p>
-            <a:pPr marL="987552" lvl="1" indent="-457200">
-              <a:buFont typeface="+mj-ea"/>
-              <a:buAutoNum type="circleNumDbPlain"/>
-            </a:pPr>
+            <a:pPr lvl="1"/>
             <a:r>
               <a:rPr lang="zh-CN" altLang="en-US" dirty="0"/>
-              <a:t>全局播种时利用模拟退火的方式实践自适应求得</a:t>
+              <a:t>全局播种 </a:t>
             </a:r>
             <a:r>
               <a:rPr lang="en-US" altLang="zh-CN" dirty="0"/>
-              <a:t>GSC</a:t>
+              <a:t>-&gt; </a:t>
             </a:r>
-          </a:p>
-          <a:p>
-            <a:pPr marL="987552" lvl="1" indent="-457200">
-              <a:buFont typeface="+mj-ea"/>
-              <a:buAutoNum type="circleNumDbPlain"/>
-            </a:pPr>
             <a:r>
               <a:rPr lang="zh-CN" altLang="en-US" dirty="0"/>
-              <a:t>选取最优树时使用贪心策略</a:t>
+              <a:t>变异 </a:t>
             </a:r>
-            <a:endParaRPr lang="en-US" altLang="zh-CN" dirty="0"/>
-          </a:p>
-          <a:p>
-            <a:pPr marL="987552" lvl="1" indent="-457200">
-              <a:buFont typeface="+mj-ea"/>
-              <a:buAutoNum type="circleNumDbPlain"/>
-            </a:pPr>
+            <a:r>
+              <a:rPr lang="en-US" altLang="zh-CN" dirty="0"/>
+              <a:t>-&gt; </a:t>
+            </a:r>
             <a:r>
               <a:rPr lang="zh-CN" altLang="en-US" dirty="0"/>
-              <a:t>对高维数据集采用分片，并行的策略</a:t>
-            </a:r>
-            <a:endParaRPr lang="en-US" altLang="zh-CN" dirty="0"/>
-          </a:p>
-          <a:p>
-            <a:pPr marL="987552" lvl="1" indent="-457200">
-              <a:buFont typeface="+mj-ea"/>
-              <a:buAutoNum type="circleNumDbPlain"/>
-            </a:pPr>
-            <a:r>
-              <a:rPr lang="zh-CN" altLang="en-US" dirty="0"/>
-              <a:t>采用新的适应度函数</a:t>
+              <a:t>跳出局部极值</a:t>
             </a:r>
             <a:endParaRPr lang="en-US" altLang="zh-CN" dirty="0"/>
           </a:p>
@@ -4045,26 +4042,112 @@
           </a:p>
           <a:p>
             <a:r>
-              <a:rPr lang="en-US" altLang="zh-CN" sz="1800" dirty="0"/>
-              <a:t>https://github.com/WNJXYK/JLU_FeatureSelection/blob/master/Algorithm/EFSFOA.py</a:t>
+              <a:rPr lang="en-US" altLang="zh-CN" dirty="0"/>
+              <a:t>IFSFOA </a:t>
             </a:r>
+            <a:r>
+              <a:rPr lang="zh-CN" altLang="en-US" dirty="0"/>
+              <a:t>的改进</a:t>
+            </a:r>
+            <a:endParaRPr lang="en-US" altLang="zh-CN" dirty="0"/>
           </a:p>
           <a:p>
-            <a:pPr marL="987552" lvl="2" indent="0">
+            <a:pPr lvl="1"/>
+            <a:r>
+              <a:rPr lang="zh-CN" altLang="en-US" dirty="0"/>
+              <a:t>优化初始化方法：增加种群初始的多样性</a:t>
+            </a:r>
+            <a:endParaRPr lang="en-US" altLang="zh-CN" dirty="0"/>
+          </a:p>
+          <a:p>
+            <a:pPr lvl="1"/>
+            <a:r>
+              <a:rPr lang="zh-CN" altLang="en-US" dirty="0"/>
+              <a:t>极度贪婪策略：加速趋向于局部极值</a:t>
+            </a:r>
+            <a:endParaRPr lang="en-US" altLang="zh-CN" dirty="0"/>
+          </a:p>
+          <a:p>
+            <a:pPr marL="530352" lvl="1" indent="0">
               <a:buNone/>
             </a:pPr>
             <a:endParaRPr lang="en-US" altLang="zh-CN" dirty="0"/>
           </a:p>
           <a:p>
+            <a:r>
+              <a:rPr lang="en-US" altLang="zh-CN" dirty="0"/>
+              <a:t>EFSFOA </a:t>
+            </a:r>
+            <a:r>
+              <a:rPr lang="zh-CN" altLang="en-US" dirty="0"/>
+              <a:t>的改进</a:t>
+            </a:r>
+            <a:endParaRPr lang="en-US" altLang="zh-CN" dirty="0"/>
+          </a:p>
+          <a:p>
             <a:pPr lvl="1"/>
-            <a:endParaRPr lang="zh-CN" altLang="en-US" dirty="0"/>
+            <a:r>
+              <a:rPr lang="zh-CN" altLang="en-US" dirty="0"/>
+              <a:t>初始化进入最优特征因子</a:t>
+            </a:r>
+            <a:endParaRPr lang="en-US" altLang="zh-CN" dirty="0"/>
+          </a:p>
+          <a:p>
+            <a:pPr lvl="1"/>
+            <a:r>
+              <a:rPr lang="en-US" altLang="zh-CN" dirty="0"/>
+              <a:t>GSC </a:t>
+            </a:r>
+            <a:r>
+              <a:rPr lang="zh-CN" altLang="en-US" dirty="0"/>
+              <a:t>使用模拟退火策略</a:t>
+            </a:r>
+            <a:endParaRPr lang="en-US" altLang="zh-CN" dirty="0"/>
+          </a:p>
+          <a:p>
+            <a:pPr lvl="1"/>
+            <a:r>
+              <a:rPr lang="zh-CN" altLang="en-US" dirty="0"/>
+              <a:t>适应度函数考虑压缩率和准确率</a:t>
+            </a:r>
+            <a:endParaRPr lang="en-US" altLang="zh-CN" dirty="0"/>
+          </a:p>
+          <a:p>
+            <a:pPr lvl="1"/>
+            <a:r>
+              <a:rPr lang="zh-CN" altLang="en-US" dirty="0"/>
+              <a:t>高维度数据切片进行</a:t>
+            </a:r>
+            <a:endParaRPr lang="en-US" altLang="zh-CN" dirty="0"/>
+          </a:p>
+          <a:p>
+            <a:pPr lvl="1"/>
+            <a:endParaRPr lang="en-US" altLang="zh-CN" dirty="0"/>
+          </a:p>
+          <a:p>
+            <a:r>
+              <a:rPr lang="zh-CN" altLang="en-US" dirty="0"/>
+              <a:t>使用随机化在 趋于局部极值 与 跳出局部极值 里寻找平衡</a:t>
+            </a:r>
+            <a:endParaRPr lang="en-US" altLang="zh-CN" dirty="0"/>
+          </a:p>
+          <a:p>
+            <a:endParaRPr lang="en-US" altLang="zh-CN" dirty="0"/>
+          </a:p>
+          <a:p>
+            <a:pPr lvl="1"/>
+            <a:endParaRPr lang="en-US" altLang="zh-CN" dirty="0"/>
+          </a:p>
+          <a:p>
+            <a:pPr lvl="1"/>
+            <a:endParaRPr lang="en-US" altLang="zh-CN" dirty="0"/>
           </a:p>
         </p:txBody>
       </p:sp>
     </p:spTree>
     <p:extLst>
       <p:ext uri="{BB962C8B-B14F-4D97-AF65-F5344CB8AC3E}">
-        <p14:creationId xmlns:p14="http://schemas.microsoft.com/office/powerpoint/2010/main" val="2813597306"/>
+        <p14:creationId xmlns:p14="http://schemas.microsoft.com/office/powerpoint/2010/main" val="354395351"/>
       </p:ext>
     </p:extLst>
   </p:cSld>
@@ -4096,7 +4179,7 @@
           <p:cNvPr id="2" name="标题 1">
             <a:extLst>
               <a:ext uri="{FF2B5EF4-FFF2-40B4-BE49-F238E27FC236}">
-                <a16:creationId xmlns:a16="http://schemas.microsoft.com/office/drawing/2014/main" id="{5D292CFB-7BE7-4F58-AD45-CF2B8837E73C}"/>
+                <a16:creationId xmlns:a16="http://schemas.microsoft.com/office/drawing/2014/main" id="{6799ED41-C398-4EE7-B914-C7C3BE1C3D57}"/>
               </a:ext>
             </a:extLst>
           </p:cNvPr>
@@ -4113,2982 +4196,307 @@
           <a:lstStyle/>
           <a:p>
             <a:r>
-              <a:rPr lang="en-US" altLang="zh-CN" dirty="0"/>
-              <a:t>EFSFOA</a:t>
-            </a:r>
-            <a:r>
               <a:rPr lang="zh-CN" altLang="en-US" dirty="0"/>
-              <a:t>测试</a:t>
+              <a:t>潜在问题</a:t>
             </a:r>
           </a:p>
         </p:txBody>
       </p:sp>
-      <p:sp>
-        <p:nvSpPr>
-          <p:cNvPr id="3" name="竖排文字占位符 2">
-            <a:extLst>
-              <a:ext uri="{FF2B5EF4-FFF2-40B4-BE49-F238E27FC236}">
-                <a16:creationId xmlns:a16="http://schemas.microsoft.com/office/drawing/2014/main" id="{0ECAFF50-0817-49C8-979E-1167789A96F1}"/>
-              </a:ext>
-            </a:extLst>
-          </p:cNvPr>
-          <p:cNvSpPr>
-            <a:spLocks noGrp="1"/>
-          </p:cNvSpPr>
-          <p:nvPr>
-            <p:ph type="body" orient="vert" idx="1"/>
-          </p:nvPr>
-        </p:nvSpPr>
-        <p:spPr>
-          <a:xfrm>
-            <a:off x="1371600" y="2057750"/>
-            <a:ext cx="9601200" cy="3571875"/>
-          </a:xfrm>
-        </p:spPr>
-        <p:txBody>
-          <a:bodyPr/>
-          <a:lstStyle/>
-          <a:p>
-            <a:endParaRPr lang="zh-CN" altLang="en-US" dirty="0"/>
-          </a:p>
-          <a:p>
-            <a:endParaRPr lang="zh-CN" altLang="en-US" dirty="0"/>
-          </a:p>
-        </p:txBody>
-      </p:sp>
-      <p:graphicFrame>
-        <p:nvGraphicFramePr>
-          <p:cNvPr id="9" name="表格 8">
-            <a:extLst>
-              <a:ext uri="{FF2B5EF4-FFF2-40B4-BE49-F238E27FC236}">
-                <a16:creationId xmlns:a16="http://schemas.microsoft.com/office/drawing/2014/main" id="{04AC91D0-E6FA-4A39-BB8A-4A350EA7F7FF}"/>
-              </a:ext>
-            </a:extLst>
-          </p:cNvPr>
-          <p:cNvGraphicFramePr>
-            <a:graphicFrameLocks noGrp="1"/>
-          </p:cNvGraphicFramePr>
-          <p:nvPr>
-            <p:extLst>
-              <p:ext uri="{D42A27DB-BD31-4B8C-83A1-F6EECF244321}">
-                <p14:modId xmlns:p14="http://schemas.microsoft.com/office/powerpoint/2010/main" val="442269728"/>
-              </p:ext>
-            </p:extLst>
-          </p:nvPr>
-        </p:nvGraphicFramePr>
-        <p:xfrm>
-          <a:off x="2006600" y="2057750"/>
-          <a:ext cx="8178800" cy="904875"/>
-        </p:xfrm>
-        <a:graphic>
-          <a:graphicData uri="http://schemas.openxmlformats.org/drawingml/2006/table">
-            <a:tbl>
-              <a:tblPr>
-                <a:tableStyleId>{5C22544A-7EE6-4342-B048-85BDC9FD1C3A}</a:tableStyleId>
-              </a:tblPr>
-              <a:tblGrid>
-                <a:gridCol w="1056865">
-                  <a:extLst>
-                    <a:ext uri="{9D8B030D-6E8A-4147-A177-3AD203B41FA5}">
-                      <a16:colId xmlns:a16="http://schemas.microsoft.com/office/drawing/2014/main" val="933088362"/>
-                    </a:ext>
-                  </a:extLst>
-                </a:gridCol>
-                <a:gridCol w="1155252">
-                  <a:extLst>
-                    <a:ext uri="{9D8B030D-6E8A-4147-A177-3AD203B41FA5}">
-                      <a16:colId xmlns:a16="http://schemas.microsoft.com/office/drawing/2014/main" val="1363006802"/>
-                    </a:ext>
-                  </a:extLst>
-                </a:gridCol>
-                <a:gridCol w="1561494">
-                  <a:extLst>
-                    <a:ext uri="{9D8B030D-6E8A-4147-A177-3AD203B41FA5}">
-                      <a16:colId xmlns:a16="http://schemas.microsoft.com/office/drawing/2014/main" val="628298210"/>
-                    </a:ext>
-                  </a:extLst>
-                </a:gridCol>
-                <a:gridCol w="952130">
-                  <a:extLst>
-                    <a:ext uri="{9D8B030D-6E8A-4147-A177-3AD203B41FA5}">
-                      <a16:colId xmlns:a16="http://schemas.microsoft.com/office/drawing/2014/main" val="3105353606"/>
-                    </a:ext>
-                  </a:extLst>
-                </a:gridCol>
-                <a:gridCol w="964825">
-                  <a:extLst>
-                    <a:ext uri="{9D8B030D-6E8A-4147-A177-3AD203B41FA5}">
-                      <a16:colId xmlns:a16="http://schemas.microsoft.com/office/drawing/2014/main" val="2240672326"/>
-                    </a:ext>
-                  </a:extLst>
-                </a:gridCol>
-                <a:gridCol w="1104471">
-                  <a:extLst>
-                    <a:ext uri="{9D8B030D-6E8A-4147-A177-3AD203B41FA5}">
-                      <a16:colId xmlns:a16="http://schemas.microsoft.com/office/drawing/2014/main" val="3924014423"/>
-                    </a:ext>
-                  </a:extLst>
-                </a:gridCol>
-                <a:gridCol w="1383763">
-                  <a:extLst>
-                    <a:ext uri="{9D8B030D-6E8A-4147-A177-3AD203B41FA5}">
-                      <a16:colId xmlns:a16="http://schemas.microsoft.com/office/drawing/2014/main" val="2467115856"/>
-                    </a:ext>
-                  </a:extLst>
-                </a:gridCol>
-              </a:tblGrid>
-              <a:tr h="180975">
-                <a:tc>
-                  <a:txBody>
-                    <a:bodyPr/>
-                    <a:lstStyle/>
-                    <a:p>
-                      <a:pPr algn="l" fontAlgn="b"/>
-                      <a:r>
-                        <a:rPr lang="en-US" sz="1100" u="none" strike="noStrike">
-                          <a:effectLst/>
-                        </a:rPr>
-                        <a:t>Algorithm</a:t>
-                      </a:r>
-                      <a:endParaRPr lang="en-US" sz="1100" b="0" i="0" u="none" strike="noStrike">
-                        <a:solidFill>
-                          <a:srgbClr val="000000"/>
-                        </a:solidFill>
-                        <a:effectLst/>
-                        <a:latin typeface="等线" panose="02010600030101010101" pitchFamily="2" charset="-122"/>
-                        <a:ea typeface="等线" panose="02010600030101010101" pitchFamily="2" charset="-122"/>
-                      </a:endParaRPr>
-                    </a:p>
-                  </a:txBody>
-                  <a:tcPr marL="9525" marR="9525" marT="9525" marB="0" anchor="b"/>
-                </a:tc>
-                <a:tc>
-                  <a:txBody>
-                    <a:bodyPr/>
-                    <a:lstStyle/>
-                    <a:p>
-                      <a:pPr algn="l" fontAlgn="b"/>
-                      <a:r>
-                        <a:rPr lang="en-US" sz="1100" u="none" strike="noStrike">
-                          <a:effectLst/>
-                        </a:rPr>
-                        <a:t>Time</a:t>
-                      </a:r>
-                      <a:endParaRPr lang="en-US" sz="1100" b="0" i="0" u="none" strike="noStrike">
-                        <a:solidFill>
-                          <a:srgbClr val="000000"/>
-                        </a:solidFill>
-                        <a:effectLst/>
-                        <a:latin typeface="等线" panose="02010600030101010101" pitchFamily="2" charset="-122"/>
-                        <a:ea typeface="等线" panose="02010600030101010101" pitchFamily="2" charset="-122"/>
-                      </a:endParaRPr>
-                    </a:p>
-                  </a:txBody>
-                  <a:tcPr marL="9525" marR="9525" marT="9525" marB="0" anchor="b"/>
-                </a:tc>
-                <a:tc>
-                  <a:txBody>
-                    <a:bodyPr/>
-                    <a:lstStyle/>
-                    <a:p>
-                      <a:pPr algn="l" fontAlgn="b"/>
-                      <a:r>
-                        <a:rPr lang="en-US" sz="1100" u="none" strike="noStrike">
-                          <a:effectLst/>
-                        </a:rPr>
-                        <a:t>DR</a:t>
-                      </a:r>
-                      <a:endParaRPr lang="en-US" sz="1100" b="0" i="0" u="none" strike="noStrike">
-                        <a:solidFill>
-                          <a:srgbClr val="000000"/>
-                        </a:solidFill>
-                        <a:effectLst/>
-                        <a:latin typeface="等线" panose="02010600030101010101" pitchFamily="2" charset="-122"/>
-                        <a:ea typeface="等线" panose="02010600030101010101" pitchFamily="2" charset="-122"/>
-                      </a:endParaRPr>
-                    </a:p>
-                  </a:txBody>
-                  <a:tcPr marL="9525" marR="9525" marT="9525" marB="0" anchor="b"/>
-                </a:tc>
-                <a:tc>
-                  <a:txBody>
-                    <a:bodyPr/>
-                    <a:lstStyle/>
-                    <a:p>
-                      <a:pPr algn="l" fontAlgn="b"/>
-                      <a:r>
-                        <a:rPr lang="en-US" sz="1100" u="none" strike="noStrike">
-                          <a:effectLst/>
-                        </a:rPr>
-                        <a:t>Validation</a:t>
-                      </a:r>
-                      <a:endParaRPr lang="en-US" sz="1100" b="0" i="0" u="none" strike="noStrike">
-                        <a:solidFill>
-                          <a:srgbClr val="000000"/>
-                        </a:solidFill>
-                        <a:effectLst/>
-                        <a:latin typeface="等线" panose="02010600030101010101" pitchFamily="2" charset="-122"/>
-                        <a:ea typeface="等线" panose="02010600030101010101" pitchFamily="2" charset="-122"/>
-                      </a:endParaRPr>
-                    </a:p>
-                  </a:txBody>
-                  <a:tcPr marL="9525" marR="9525" marT="9525" marB="0" anchor="b"/>
-                </a:tc>
-                <a:tc>
-                  <a:txBody>
-                    <a:bodyPr/>
-                    <a:lstStyle/>
-                    <a:p>
-                      <a:pPr algn="l" fontAlgn="b"/>
-                      <a:r>
-                        <a:rPr lang="en-US" sz="1100" u="none" strike="noStrike">
-                          <a:effectLst/>
-                        </a:rPr>
-                        <a:t>Classifier</a:t>
-                      </a:r>
-                      <a:endParaRPr lang="en-US" sz="1100" b="0" i="0" u="none" strike="noStrike">
-                        <a:solidFill>
-                          <a:srgbClr val="000000"/>
-                        </a:solidFill>
-                        <a:effectLst/>
-                        <a:latin typeface="等线" panose="02010600030101010101" pitchFamily="2" charset="-122"/>
-                        <a:ea typeface="等线" panose="02010600030101010101" pitchFamily="2" charset="-122"/>
-                      </a:endParaRPr>
-                    </a:p>
-                  </a:txBody>
-                  <a:tcPr marL="9525" marR="9525" marT="9525" marB="0" anchor="b"/>
-                </a:tc>
-                <a:tc>
-                  <a:txBody>
-                    <a:bodyPr/>
-                    <a:lstStyle/>
-                    <a:p>
-                      <a:pPr algn="l" fontAlgn="b"/>
-                      <a:r>
-                        <a:rPr lang="en-US" sz="1100" u="none" strike="noStrike">
-                          <a:effectLst/>
-                        </a:rPr>
-                        <a:t>AC</a:t>
-                      </a:r>
-                      <a:endParaRPr lang="en-US" sz="1100" b="0" i="0" u="none" strike="noStrike">
-                        <a:solidFill>
-                          <a:srgbClr val="000000"/>
-                        </a:solidFill>
-                        <a:effectLst/>
-                        <a:latin typeface="等线" panose="02010600030101010101" pitchFamily="2" charset="-122"/>
-                        <a:ea typeface="等线" panose="02010600030101010101" pitchFamily="2" charset="-122"/>
-                      </a:endParaRPr>
-                    </a:p>
-                  </a:txBody>
-                  <a:tcPr marL="9525" marR="9525" marT="9525" marB="0" anchor="b"/>
-                </a:tc>
-                <a:tc>
-                  <a:txBody>
-                    <a:bodyPr/>
-                    <a:lstStyle/>
-                    <a:p>
-                      <a:pPr algn="l" fontAlgn="b"/>
-                      <a:r>
-                        <a:rPr lang="en-US" sz="1100" u="none" strike="noStrike">
-                          <a:effectLst/>
-                        </a:rPr>
-                        <a:t>Acc Delta</a:t>
-                      </a:r>
-                      <a:endParaRPr lang="en-US" sz="1100" b="0" i="0" u="none" strike="noStrike">
-                        <a:solidFill>
-                          <a:srgbClr val="000000"/>
-                        </a:solidFill>
-                        <a:effectLst/>
-                        <a:latin typeface="等线" panose="02010600030101010101" pitchFamily="2" charset="-122"/>
-                        <a:ea typeface="等线" panose="02010600030101010101" pitchFamily="2" charset="-122"/>
-                      </a:endParaRPr>
-                    </a:p>
-                  </a:txBody>
-                  <a:tcPr marL="9525" marR="9525" marT="9525" marB="0" anchor="b"/>
-                </a:tc>
+      <mc:AlternateContent xmlns:mc="http://schemas.openxmlformats.org/markup-compatibility/2006" xmlns:a14="http://schemas.microsoft.com/office/drawing/2010/main">
+        <mc:Choice Requires="a14">
+          <p:sp>
+            <p:nvSpPr>
+              <p:cNvPr id="3" name="竖排文字占位符 2">
                 <a:extLst>
-                  <a:ext uri="{0D108BD9-81ED-4DB2-BD59-A6C34878D82A}">
-                    <a16:rowId xmlns:a16="http://schemas.microsoft.com/office/drawing/2014/main" val="2907606878"/>
+                  <a:ext uri="{FF2B5EF4-FFF2-40B4-BE49-F238E27FC236}">
+                    <a16:creationId xmlns:a16="http://schemas.microsoft.com/office/drawing/2014/main" id="{0A6D7BDB-3BFD-464E-B14E-FC565B5EC71C}"/>
                   </a:ext>
                 </a:extLst>
-              </a:tr>
-              <a:tr h="180975">
-                <a:tc>
-                  <a:txBody>
-                    <a:bodyPr/>
-                    <a:lstStyle/>
-                    <a:p>
-                      <a:pPr algn="l" fontAlgn="b"/>
-                      <a:r>
-                        <a:rPr lang="en-US" sz="1100" u="none" strike="noStrike">
-                          <a:effectLst/>
-                        </a:rPr>
-                        <a:t>EFSFOA</a:t>
-                      </a:r>
-                      <a:endParaRPr lang="en-US" sz="1100" b="0" i="0" u="none" strike="noStrike">
-                        <a:solidFill>
-                          <a:srgbClr val="000000"/>
-                        </a:solidFill>
-                        <a:effectLst/>
-                        <a:latin typeface="等线" panose="02010600030101010101" pitchFamily="2" charset="-122"/>
-                        <a:ea typeface="等线" panose="02010600030101010101" pitchFamily="2" charset="-122"/>
-                      </a:endParaRPr>
-                    </a:p>
-                  </a:txBody>
-                  <a:tcPr marL="9525" marR="9525" marT="9525" marB="0" anchor="b"/>
-                </a:tc>
-                <a:tc>
-                  <a:txBody>
-                    <a:bodyPr/>
-                    <a:lstStyle/>
-                    <a:p>
-                      <a:pPr algn="r" fontAlgn="b"/>
-                      <a:r>
-                        <a:rPr lang="en-US" altLang="zh-CN" sz="1100" u="none" strike="noStrike">
-                          <a:effectLst/>
-                        </a:rPr>
-                        <a:t>65.15027142</a:t>
-                      </a:r>
-                      <a:endParaRPr lang="en-US" altLang="zh-CN" sz="1100" b="0" i="0" u="none" strike="noStrike">
-                        <a:solidFill>
-                          <a:srgbClr val="000000"/>
-                        </a:solidFill>
-                        <a:effectLst/>
-                        <a:latin typeface="等线" panose="02010600030101010101" pitchFamily="2" charset="-122"/>
-                        <a:ea typeface="等线" panose="02010600030101010101" pitchFamily="2" charset="-122"/>
-                      </a:endParaRPr>
-                    </a:p>
-                  </a:txBody>
-                  <a:tcPr marL="9525" marR="9525" marT="9525" marB="0" anchor="b"/>
-                </a:tc>
-                <a:tc>
-                  <a:txBody>
-                    <a:bodyPr/>
-                    <a:lstStyle/>
-                    <a:p>
-                      <a:pPr algn="r" fontAlgn="b"/>
-                      <a:r>
-                        <a:rPr lang="en-US" altLang="zh-CN" sz="1100" u="none" strike="noStrike">
-                          <a:effectLst/>
-                        </a:rPr>
-                        <a:t>0.384615385</a:t>
-                      </a:r>
-                      <a:endParaRPr lang="en-US" altLang="zh-CN" sz="1100" b="0" i="0" u="none" strike="noStrike">
-                        <a:solidFill>
-                          <a:srgbClr val="000000"/>
-                        </a:solidFill>
-                        <a:effectLst/>
-                        <a:latin typeface="等线" panose="02010600030101010101" pitchFamily="2" charset="-122"/>
-                        <a:ea typeface="等线" panose="02010600030101010101" pitchFamily="2" charset="-122"/>
-                      </a:endParaRPr>
-                    </a:p>
-                  </a:txBody>
-                  <a:tcPr marL="9525" marR="9525" marT="9525" marB="0" anchor="b"/>
-                </a:tc>
-                <a:tc>
-                  <a:txBody>
-                    <a:bodyPr/>
-                    <a:lstStyle/>
-                    <a:p>
-                      <a:pPr algn="l" fontAlgn="b"/>
-                      <a:r>
-                        <a:rPr lang="en-US" sz="1100" u="none" strike="noStrike">
-                          <a:effectLst/>
-                        </a:rPr>
-                        <a:t>10-fold</a:t>
-                      </a:r>
-                      <a:endParaRPr lang="en-US" sz="1100" b="0" i="0" u="none" strike="noStrike">
-                        <a:solidFill>
-                          <a:srgbClr val="000000"/>
-                        </a:solidFill>
-                        <a:effectLst/>
-                        <a:latin typeface="等线" panose="02010600030101010101" pitchFamily="2" charset="-122"/>
-                        <a:ea typeface="等线" panose="02010600030101010101" pitchFamily="2" charset="-122"/>
-                      </a:endParaRPr>
-                    </a:p>
-                  </a:txBody>
-                  <a:tcPr marL="9525" marR="9525" marT="9525" marB="0" anchor="b"/>
-                </a:tc>
-                <a:tc>
-                  <a:txBody>
-                    <a:bodyPr/>
-                    <a:lstStyle/>
-                    <a:p>
-                      <a:pPr algn="l" fontAlgn="b"/>
-                      <a:r>
-                        <a:rPr lang="en-US" sz="1100" u="none" strike="noStrike">
-                          <a:effectLst/>
-                        </a:rPr>
-                        <a:t>1nn</a:t>
-                      </a:r>
-                      <a:endParaRPr lang="en-US" sz="1100" b="0" i="0" u="none" strike="noStrike">
-                        <a:solidFill>
-                          <a:srgbClr val="000000"/>
-                        </a:solidFill>
-                        <a:effectLst/>
-                        <a:latin typeface="等线" panose="02010600030101010101" pitchFamily="2" charset="-122"/>
-                        <a:ea typeface="等线" panose="02010600030101010101" pitchFamily="2" charset="-122"/>
-                      </a:endParaRPr>
-                    </a:p>
-                  </a:txBody>
-                  <a:tcPr marL="9525" marR="9525" marT="9525" marB="0" anchor="b"/>
-                </a:tc>
-                <a:tc>
-                  <a:txBody>
-                    <a:bodyPr/>
-                    <a:lstStyle/>
-                    <a:p>
-                      <a:pPr algn="r" fontAlgn="b"/>
-                      <a:r>
-                        <a:rPr lang="en-US" altLang="zh-CN" sz="1100" u="none" strike="noStrike">
-                          <a:effectLst/>
-                        </a:rPr>
-                        <a:t>0.531724138</a:t>
-                      </a:r>
-                      <a:endParaRPr lang="en-US" altLang="zh-CN" sz="1100" b="0" i="0" u="none" strike="noStrike">
-                        <a:solidFill>
-                          <a:srgbClr val="000000"/>
-                        </a:solidFill>
-                        <a:effectLst/>
-                        <a:latin typeface="等线" panose="02010600030101010101" pitchFamily="2" charset="-122"/>
-                        <a:ea typeface="等线" panose="02010600030101010101" pitchFamily="2" charset="-122"/>
-                      </a:endParaRPr>
-                    </a:p>
-                  </a:txBody>
-                  <a:tcPr marL="9525" marR="9525" marT="9525" marB="0" anchor="b"/>
-                </a:tc>
-                <a:tc>
-                  <a:txBody>
-                    <a:bodyPr/>
-                    <a:lstStyle/>
-                    <a:p>
-                      <a:pPr algn="r" fontAlgn="b"/>
-                      <a:r>
-                        <a:rPr lang="en-US" altLang="zh-CN" sz="1100" u="none" strike="noStrike">
-                          <a:effectLst/>
-                        </a:rPr>
-                        <a:t>7.033762058</a:t>
-                      </a:r>
-                      <a:endParaRPr lang="en-US" altLang="zh-CN" sz="1100" b="0" i="0" u="none" strike="noStrike">
-                        <a:solidFill>
-                          <a:srgbClr val="000000"/>
-                        </a:solidFill>
-                        <a:effectLst/>
-                        <a:latin typeface="等线" panose="02010600030101010101" pitchFamily="2" charset="-122"/>
-                        <a:ea typeface="等线" panose="02010600030101010101" pitchFamily="2" charset="-122"/>
-                      </a:endParaRPr>
-                    </a:p>
-                  </a:txBody>
-                  <a:tcPr marL="9525" marR="9525" marT="9525" marB="0" anchor="b"/>
-                </a:tc>
+              </p:cNvPr>
+              <p:cNvSpPr>
+                <a:spLocks noGrp="1"/>
+              </p:cNvSpPr>
+              <p:nvPr>
+                <p:ph type="body" orient="vert" idx="1"/>
+              </p:nvPr>
+            </p:nvSpPr>
+            <p:spPr/>
+            <p:txBody>
+              <a:bodyPr vert="horz"/>
+              <a:lstStyle/>
+              <a:p>
+                <a:r>
+                  <a:rPr lang="en-US" altLang="zh-CN" dirty="0"/>
+                  <a:t>IFSFOA </a:t>
+                </a:r>
+                <a:r>
+                  <a:rPr lang="zh-CN" altLang="en-US" dirty="0"/>
+                  <a:t>的极度贪婪策略需生成长度为</a:t>
+                </a:r>
+                <a14:m>
+                  <m:oMath xmlns:m="http://schemas.openxmlformats.org/officeDocument/2006/math">
+                    <m:r>
+                      <a:rPr lang="zh-CN" altLang="en-US" i="1" dirty="0" smtClean="0">
+                        <a:latin typeface="Cambria Math" panose="02040503050406030204" pitchFamily="18" charset="0"/>
+                      </a:rPr>
+                      <m:t> </m:t>
+                    </m:r>
+                    <m:r>
+                      <a:rPr lang="en-US" altLang="zh-CN" i="1" dirty="0" smtClean="0">
+                        <a:latin typeface="Cambria Math" panose="02040503050406030204" pitchFamily="18" charset="0"/>
+                      </a:rPr>
+                      <m:t>𝐿𝑆𝐶</m:t>
+                    </m:r>
+                    <m:r>
+                      <a:rPr lang="en-US" altLang="zh-CN" i="1" dirty="0" smtClean="0">
+                        <a:latin typeface="Cambria Math" panose="02040503050406030204" pitchFamily="18" charset="0"/>
+                      </a:rPr>
+                      <m:t> </m:t>
+                    </m:r>
+                  </m:oMath>
+                </a14:m>
+                <a:r>
+                  <a:rPr lang="zh-CN" altLang="en-US" dirty="0"/>
+                  <a:t>的适应度不降树序列，而文中 </a:t>
+                </a:r>
+                <a14:m>
+                  <m:oMath xmlns:m="http://schemas.openxmlformats.org/officeDocument/2006/math">
+                    <m:r>
+                      <m:rPr>
+                        <m:sty m:val="p"/>
+                      </m:rPr>
+                      <a:rPr lang="en-US" altLang="zh-CN" i="1" dirty="0">
+                        <a:latin typeface="Cambria Math" panose="02040503050406030204" pitchFamily="18" charset="0"/>
+                      </a:rPr>
+                      <m:t>LSC</m:t>
+                    </m:r>
+                    <m:r>
+                      <a:rPr lang="en-US" altLang="zh-CN" b="0" i="1" dirty="0" smtClean="0">
+                        <a:latin typeface="Cambria Math" panose="02040503050406030204" pitchFamily="18" charset="0"/>
+                      </a:rPr>
+                      <m:t>=</m:t>
+                    </m:r>
+                    <m:f>
+                      <m:fPr>
+                        <m:type m:val="skw"/>
+                        <m:ctrlPr>
+                          <a:rPr lang="en-US" altLang="zh-CN" b="0" i="1" dirty="0" smtClean="0">
+                            <a:latin typeface="Cambria Math" panose="02040503050406030204" pitchFamily="18" charset="0"/>
+                          </a:rPr>
+                        </m:ctrlPr>
+                      </m:fPr>
+                      <m:num>
+                        <m:r>
+                          <a:rPr lang="en-US" altLang="zh-CN" b="0" i="1" dirty="0" smtClean="0">
+                            <a:latin typeface="Cambria Math" panose="02040503050406030204" pitchFamily="18" charset="0"/>
+                          </a:rPr>
+                          <m:t>𝑛</m:t>
+                        </m:r>
+                        <m:r>
+                          <a:rPr lang="en-US" altLang="zh-CN" b="0" i="1" dirty="0" smtClean="0">
+                            <a:latin typeface="Cambria Math" panose="02040503050406030204" pitchFamily="18" charset="0"/>
+                          </a:rPr>
+                          <m:t>_</m:t>
+                        </m:r>
+                        <m:r>
+                          <a:rPr lang="en-US" altLang="zh-CN" b="0" i="1" dirty="0" smtClean="0">
+                            <a:latin typeface="Cambria Math" panose="02040503050406030204" pitchFamily="18" charset="0"/>
+                          </a:rPr>
+                          <m:t>𝑓𝑒𝑎𝑡𝑢𝑟𝑒𝑠</m:t>
+                        </m:r>
+                      </m:num>
+                      <m:den>
+                        <m:r>
+                          <a:rPr lang="en-US" altLang="zh-CN" b="0" i="1" dirty="0" smtClean="0">
+                            <a:latin typeface="Cambria Math" panose="02040503050406030204" pitchFamily="18" charset="0"/>
+                          </a:rPr>
+                          <m:t>5</m:t>
+                        </m:r>
+                      </m:den>
+                    </m:f>
+                    <m:r>
+                      <a:rPr lang="zh-CN" altLang="en-US" i="1" dirty="0">
+                        <a:latin typeface="Cambria Math" panose="02040503050406030204" pitchFamily="18" charset="0"/>
+                      </a:rPr>
+                      <m:t>。</m:t>
+                    </m:r>
+                  </m:oMath>
+                </a14:m>
+                <a:r>
+                  <a:rPr lang="zh-CN" altLang="en-US" dirty="0"/>
+                  <a:t>当训练数据样本维度非常大的时候，一次极度贪婪的复杂度为</a:t>
+                </a:r>
+                <a14:m>
+                  <m:oMath xmlns:m="http://schemas.openxmlformats.org/officeDocument/2006/math">
+                    <m:r>
+                      <a:rPr lang="en-US" altLang="zh-CN" b="0" i="1" smtClean="0">
+                        <a:latin typeface="Cambria Math" panose="02040503050406030204" pitchFamily="18" charset="0"/>
+                      </a:rPr>
+                      <m:t>𝑂</m:t>
+                    </m:r>
+                    <m:d>
+                      <m:dPr>
+                        <m:ctrlPr>
+                          <a:rPr lang="en-US" altLang="zh-CN" b="0" i="1" smtClean="0">
+                            <a:latin typeface="Cambria Math" panose="02040503050406030204" pitchFamily="18" charset="0"/>
+                          </a:rPr>
+                        </m:ctrlPr>
+                      </m:dPr>
+                      <m:e>
+                        <m:sSub>
+                          <m:sSubPr>
+                            <m:ctrlPr>
+                              <a:rPr lang="en-US" altLang="zh-CN" b="0" i="1" smtClean="0">
+                                <a:latin typeface="Cambria Math" panose="02040503050406030204" pitchFamily="18" charset="0"/>
+                              </a:rPr>
+                            </m:ctrlPr>
+                          </m:sSubPr>
+                          <m:e>
+                            <m:r>
+                              <a:rPr lang="en-US" altLang="zh-CN" b="0" i="1" smtClean="0">
+                                <a:latin typeface="Cambria Math" panose="02040503050406030204" pitchFamily="18" charset="0"/>
+                              </a:rPr>
+                              <m:t>𝑛</m:t>
+                            </m:r>
+                          </m:e>
+                          <m:sub>
+                            <m:r>
+                              <a:rPr lang="en-US" altLang="zh-CN" b="0" i="1" smtClean="0">
+                                <a:latin typeface="Cambria Math" panose="02040503050406030204" pitchFamily="18" charset="0"/>
+                              </a:rPr>
+                              <m:t>𝑓𝑒𝑎𝑡𝑢𝑟𝑒𝑠</m:t>
+                            </m:r>
+                          </m:sub>
+                        </m:sSub>
+                      </m:e>
+                    </m:d>
+                    <m:r>
+                      <a:rPr lang="en-US" altLang="zh-CN" b="0" i="1" smtClean="0">
+                        <a:latin typeface="Cambria Math" panose="02040503050406030204" pitchFamily="18" charset="0"/>
+                      </a:rPr>
+                      <m:t>⋅</m:t>
+                    </m:r>
+                    <m:sSub>
+                      <m:sSubPr>
+                        <m:ctrlPr>
+                          <a:rPr lang="en-US" altLang="zh-CN" b="0" i="1" smtClean="0">
+                            <a:latin typeface="Cambria Math" panose="02040503050406030204" pitchFamily="18" charset="0"/>
+                          </a:rPr>
+                        </m:ctrlPr>
+                      </m:sSubPr>
+                      <m:e>
+                        <m:r>
+                          <a:rPr lang="en-US" altLang="zh-CN" b="0" i="1" smtClean="0">
+                            <a:latin typeface="Cambria Math" panose="02040503050406030204" pitchFamily="18" charset="0"/>
+                          </a:rPr>
+                          <m:t>𝑂</m:t>
+                        </m:r>
+                      </m:e>
+                      <m:sub>
+                        <m:r>
+                          <a:rPr lang="en-US" altLang="zh-CN" b="0" i="1" smtClean="0">
+                            <a:latin typeface="Cambria Math" panose="02040503050406030204" pitchFamily="18" charset="0"/>
+                          </a:rPr>
+                          <m:t>𝑏𝑎𝑠𝑒</m:t>
+                        </m:r>
+                        <m:r>
+                          <a:rPr lang="en-US" altLang="zh-CN" b="0" i="1" smtClean="0">
+                            <a:latin typeface="Cambria Math" panose="02040503050406030204" pitchFamily="18" charset="0"/>
+                          </a:rPr>
+                          <m:t> </m:t>
+                        </m:r>
+                        <m:r>
+                          <a:rPr lang="en-US" altLang="zh-CN" b="0" i="1" smtClean="0">
+                            <a:latin typeface="Cambria Math" panose="02040503050406030204" pitchFamily="18" charset="0"/>
+                          </a:rPr>
+                          <m:t>𝑙𝑒𝑎𝑟𝑛𝑒𝑟</m:t>
+                        </m:r>
+                      </m:sub>
+                    </m:sSub>
+                    <m:r>
+                      <a:rPr lang="zh-CN" altLang="en-US" i="1">
+                        <a:latin typeface="Cambria Math" panose="02040503050406030204" pitchFamily="18" charset="0"/>
+                      </a:rPr>
+                      <m:t>。</m:t>
+                    </m:r>
+                  </m:oMath>
+                </a14:m>
+                <a:endParaRPr lang="en-US" altLang="zh-CN" dirty="0"/>
+              </a:p>
+              <a:p>
+                <a:endParaRPr lang="en-US" altLang="zh-CN" dirty="0"/>
+              </a:p>
+              <a:p>
+                <a:r>
+                  <a:rPr lang="zh-CN" altLang="en-US" dirty="0"/>
+                  <a:t>使用 随机化</a:t>
+                </a:r>
+                <a:r>
+                  <a:rPr lang="en-US" altLang="zh-CN" dirty="0"/>
+                  <a:t>+</a:t>
+                </a:r>
+                <a:r>
+                  <a:rPr lang="zh-CN" altLang="en-US" dirty="0"/>
+                  <a:t>选择 让种群趋于局部极值的速度缓慢。</a:t>
+                </a:r>
+                <a:endParaRPr lang="en-US" altLang="zh-CN" dirty="0"/>
+              </a:p>
+              <a:p>
+                <a:endParaRPr lang="en-US" altLang="zh-CN" dirty="0"/>
+              </a:p>
+              <a:p>
+                <a:r>
+                  <a:rPr lang="zh-CN" altLang="en-US" dirty="0"/>
+                  <a:t>趋于局部极值 同 跳出局部极值均基于产生临近树的随机化方法。相互抵消，导致表现无法持续提升。</a:t>
+                </a:r>
+              </a:p>
+            </p:txBody>
+          </p:sp>
+        </mc:Choice>
+        <mc:Fallback xmlns="">
+          <p:sp>
+            <p:nvSpPr>
+              <p:cNvPr id="3" name="竖排文字占位符 2">
                 <a:extLst>
-                  <a:ext uri="{0D108BD9-81ED-4DB2-BD59-A6C34878D82A}">
-                    <a16:rowId xmlns:a16="http://schemas.microsoft.com/office/drawing/2014/main" val="4121617383"/>
+                  <a:ext uri="{FF2B5EF4-FFF2-40B4-BE49-F238E27FC236}">
+                    <a16:creationId xmlns:a16="http://schemas.microsoft.com/office/drawing/2014/main" id="{0A6D7BDB-3BFD-464E-B14E-FC565B5EC71C}"/>
                   </a:ext>
                 </a:extLst>
-              </a:tr>
-              <a:tr h="180975">
-                <a:tc>
-                  <a:txBody>
-                    <a:bodyPr/>
-                    <a:lstStyle/>
-                    <a:p>
-                      <a:pPr algn="l" fontAlgn="b"/>
-                      <a:endParaRPr lang="zh-CN" altLang="en-US" sz="1100" b="0" i="0" u="none" strike="noStrike">
-                        <a:solidFill>
-                          <a:srgbClr val="000000"/>
-                        </a:solidFill>
-                        <a:effectLst/>
-                        <a:latin typeface="等线" panose="02010600030101010101" pitchFamily="2" charset="-122"/>
-                        <a:ea typeface="等线" panose="02010600030101010101" pitchFamily="2" charset="-122"/>
-                      </a:endParaRPr>
-                    </a:p>
-                  </a:txBody>
-                  <a:tcPr marL="9525" marR="9525" marT="9525" marB="0" anchor="b"/>
-                </a:tc>
-                <a:tc>
-                  <a:txBody>
-                    <a:bodyPr/>
-                    <a:lstStyle/>
-                    <a:p>
-                      <a:pPr algn="r" fontAlgn="b"/>
-                      <a:r>
-                        <a:rPr lang="en-US" altLang="zh-CN" sz="1100" u="none" strike="noStrike">
-                          <a:effectLst/>
-                        </a:rPr>
-                        <a:t>52.09572959</a:t>
-                      </a:r>
-                      <a:endParaRPr lang="en-US" altLang="zh-CN" sz="1100" b="0" i="0" u="none" strike="noStrike">
-                        <a:solidFill>
-                          <a:srgbClr val="000000"/>
-                        </a:solidFill>
-                        <a:effectLst/>
-                        <a:latin typeface="等线" panose="02010600030101010101" pitchFamily="2" charset="-122"/>
-                        <a:ea typeface="等线" panose="02010600030101010101" pitchFamily="2" charset="-122"/>
-                      </a:endParaRPr>
-                    </a:p>
-                  </a:txBody>
-                  <a:tcPr marL="9525" marR="9525" marT="9525" marB="0" anchor="b"/>
-                </a:tc>
-                <a:tc>
-                  <a:txBody>
-                    <a:bodyPr/>
-                    <a:lstStyle/>
-                    <a:p>
-                      <a:pPr algn="r" fontAlgn="b"/>
-                      <a:r>
-                        <a:rPr lang="en-US" altLang="zh-CN" sz="1100" u="none" strike="noStrike">
-                          <a:effectLst/>
-                        </a:rPr>
-                        <a:t>0.461538462</a:t>
-                      </a:r>
-                      <a:endParaRPr lang="en-US" altLang="zh-CN" sz="1100" b="0" i="0" u="none" strike="noStrike">
-                        <a:solidFill>
-                          <a:srgbClr val="000000"/>
-                        </a:solidFill>
-                        <a:effectLst/>
-                        <a:latin typeface="等线" panose="02010600030101010101" pitchFamily="2" charset="-122"/>
-                        <a:ea typeface="等线" panose="02010600030101010101" pitchFamily="2" charset="-122"/>
-                      </a:endParaRPr>
-                    </a:p>
-                  </a:txBody>
-                  <a:tcPr marL="9525" marR="9525" marT="9525" marB="0" anchor="b"/>
-                </a:tc>
-                <a:tc>
-                  <a:txBody>
-                    <a:bodyPr/>
-                    <a:lstStyle/>
-                    <a:p>
-                      <a:pPr algn="l" fontAlgn="b"/>
-                      <a:r>
-                        <a:rPr lang="en-US" sz="1100" u="none" strike="noStrike">
-                          <a:effectLst/>
-                        </a:rPr>
-                        <a:t>10-fold</a:t>
-                      </a:r>
-                      <a:endParaRPr lang="en-US" sz="1100" b="0" i="0" u="none" strike="noStrike">
-                        <a:solidFill>
-                          <a:srgbClr val="000000"/>
-                        </a:solidFill>
-                        <a:effectLst/>
-                        <a:latin typeface="等线" panose="02010600030101010101" pitchFamily="2" charset="-122"/>
-                        <a:ea typeface="等线" panose="02010600030101010101" pitchFamily="2" charset="-122"/>
-                      </a:endParaRPr>
-                    </a:p>
-                  </a:txBody>
-                  <a:tcPr marL="9525" marR="9525" marT="9525" marB="0" anchor="b"/>
-                </a:tc>
-                <a:tc>
-                  <a:txBody>
-                    <a:bodyPr/>
-                    <a:lstStyle/>
-                    <a:p>
-                      <a:pPr algn="l" fontAlgn="b"/>
-                      <a:r>
-                        <a:rPr lang="en-US" sz="1100" u="none" strike="noStrike">
-                          <a:effectLst/>
-                        </a:rPr>
-                        <a:t>5nn</a:t>
-                      </a:r>
-                      <a:endParaRPr lang="en-US" sz="1100" b="0" i="0" u="none" strike="noStrike">
-                        <a:solidFill>
-                          <a:srgbClr val="000000"/>
-                        </a:solidFill>
-                        <a:effectLst/>
-                        <a:latin typeface="等线" panose="02010600030101010101" pitchFamily="2" charset="-122"/>
-                        <a:ea typeface="等线" panose="02010600030101010101" pitchFamily="2" charset="-122"/>
-                      </a:endParaRPr>
-                    </a:p>
-                  </a:txBody>
-                  <a:tcPr marL="9525" marR="9525" marT="9525" marB="0" anchor="b"/>
-                </a:tc>
-                <a:tc>
-                  <a:txBody>
-                    <a:bodyPr/>
-                    <a:lstStyle/>
-                    <a:p>
-                      <a:pPr algn="r" fontAlgn="b"/>
-                      <a:r>
-                        <a:rPr lang="en-US" altLang="zh-CN" sz="1100" u="none" strike="noStrike">
-                          <a:effectLst/>
-                        </a:rPr>
-                        <a:t>0.555517241</a:t>
-                      </a:r>
-                      <a:endParaRPr lang="en-US" altLang="zh-CN" sz="1100" b="0" i="0" u="none" strike="noStrike">
-                        <a:solidFill>
-                          <a:srgbClr val="000000"/>
-                        </a:solidFill>
-                        <a:effectLst/>
-                        <a:latin typeface="等线" panose="02010600030101010101" pitchFamily="2" charset="-122"/>
-                        <a:ea typeface="等线" panose="02010600030101010101" pitchFamily="2" charset="-122"/>
-                      </a:endParaRPr>
-                    </a:p>
-                  </a:txBody>
-                  <a:tcPr marL="9525" marR="9525" marT="9525" marB="0" anchor="b"/>
-                </a:tc>
-                <a:tc>
-                  <a:txBody>
-                    <a:bodyPr/>
-                    <a:lstStyle/>
-                    <a:p>
-                      <a:pPr algn="r" fontAlgn="b"/>
-                      <a:r>
-                        <a:rPr lang="en-US" altLang="zh-CN" sz="1100" u="none" strike="noStrike">
-                          <a:effectLst/>
-                        </a:rPr>
-                        <a:t>9.781594176</a:t>
-                      </a:r>
-                      <a:endParaRPr lang="en-US" altLang="zh-CN" sz="1100" b="0" i="0" u="none" strike="noStrike">
-                        <a:solidFill>
-                          <a:srgbClr val="000000"/>
-                        </a:solidFill>
-                        <a:effectLst/>
-                        <a:latin typeface="等线" panose="02010600030101010101" pitchFamily="2" charset="-122"/>
-                        <a:ea typeface="等线" panose="02010600030101010101" pitchFamily="2" charset="-122"/>
-                      </a:endParaRPr>
-                    </a:p>
-                  </a:txBody>
-                  <a:tcPr marL="9525" marR="9525" marT="9525" marB="0" anchor="b"/>
-                </a:tc>
-                <a:extLst>
-                  <a:ext uri="{0D108BD9-81ED-4DB2-BD59-A6C34878D82A}">
-                    <a16:rowId xmlns:a16="http://schemas.microsoft.com/office/drawing/2014/main" val="3994504355"/>
-                  </a:ext>
-                </a:extLst>
-              </a:tr>
-              <a:tr h="180975">
-                <a:tc>
-                  <a:txBody>
-                    <a:bodyPr/>
-                    <a:lstStyle/>
-                    <a:p>
-                      <a:pPr algn="l" fontAlgn="b"/>
-                      <a:endParaRPr lang="zh-CN" altLang="en-US" sz="1100" b="0" i="0" u="none" strike="noStrike">
-                        <a:solidFill>
-                          <a:srgbClr val="000000"/>
-                        </a:solidFill>
-                        <a:effectLst/>
-                        <a:latin typeface="等线" panose="02010600030101010101" pitchFamily="2" charset="-122"/>
-                        <a:ea typeface="等线" panose="02010600030101010101" pitchFamily="2" charset="-122"/>
-                      </a:endParaRPr>
-                    </a:p>
-                  </a:txBody>
-                  <a:tcPr marL="9525" marR="9525" marT="9525" marB="0" anchor="b"/>
-                </a:tc>
-                <a:tc>
-                  <a:txBody>
-                    <a:bodyPr/>
-                    <a:lstStyle/>
-                    <a:p>
-                      <a:pPr algn="r" fontAlgn="b"/>
-                      <a:r>
-                        <a:rPr lang="en-US" altLang="zh-CN" sz="1100" u="none" strike="noStrike">
-                          <a:effectLst/>
-                        </a:rPr>
-                        <a:t>1.046086311</a:t>
-                      </a:r>
-                      <a:endParaRPr lang="en-US" altLang="zh-CN" sz="1100" b="0" i="0" u="none" strike="noStrike">
-                        <a:solidFill>
-                          <a:srgbClr val="000000"/>
-                        </a:solidFill>
-                        <a:effectLst/>
-                        <a:latin typeface="等线" panose="02010600030101010101" pitchFamily="2" charset="-122"/>
-                        <a:ea typeface="等线" panose="02010600030101010101" pitchFamily="2" charset="-122"/>
-                      </a:endParaRPr>
-                    </a:p>
-                  </a:txBody>
-                  <a:tcPr marL="9525" marR="9525" marT="9525" marB="0" anchor="b"/>
-                </a:tc>
-                <a:tc>
-                  <a:txBody>
-                    <a:bodyPr/>
-                    <a:lstStyle/>
-                    <a:p>
-                      <a:pPr algn="r" fontAlgn="b"/>
-                      <a:r>
-                        <a:rPr lang="en-US" altLang="zh-CN" sz="1100" u="none" strike="noStrike">
-                          <a:effectLst/>
-                        </a:rPr>
-                        <a:t>0.538461538</a:t>
-                      </a:r>
-                      <a:endParaRPr lang="en-US" altLang="zh-CN" sz="1100" b="0" i="0" u="none" strike="noStrike">
-                        <a:solidFill>
-                          <a:srgbClr val="000000"/>
-                        </a:solidFill>
-                        <a:effectLst/>
-                        <a:latin typeface="等线" panose="02010600030101010101" pitchFamily="2" charset="-122"/>
-                        <a:ea typeface="等线" panose="02010600030101010101" pitchFamily="2" charset="-122"/>
-                      </a:endParaRPr>
-                    </a:p>
-                  </a:txBody>
-                  <a:tcPr marL="9525" marR="9525" marT="9525" marB="0" anchor="b"/>
-                </a:tc>
-                <a:tc>
-                  <a:txBody>
-                    <a:bodyPr/>
-                    <a:lstStyle/>
-                    <a:p>
-                      <a:pPr algn="l" fontAlgn="b"/>
-                      <a:r>
-                        <a:rPr lang="en-US" sz="1100" u="none" strike="noStrike">
-                          <a:effectLst/>
-                        </a:rPr>
-                        <a:t>10-fold</a:t>
-                      </a:r>
-                      <a:endParaRPr lang="en-US" sz="1100" b="0" i="0" u="none" strike="noStrike">
-                        <a:solidFill>
-                          <a:srgbClr val="000000"/>
-                        </a:solidFill>
-                        <a:effectLst/>
-                        <a:latin typeface="等线" panose="02010600030101010101" pitchFamily="2" charset="-122"/>
-                        <a:ea typeface="等线" panose="02010600030101010101" pitchFamily="2" charset="-122"/>
-                      </a:endParaRPr>
-                    </a:p>
-                  </a:txBody>
-                  <a:tcPr marL="9525" marR="9525" marT="9525" marB="0" anchor="b"/>
-                </a:tc>
-                <a:tc>
-                  <a:txBody>
-                    <a:bodyPr/>
-                    <a:lstStyle/>
-                    <a:p>
-                      <a:pPr algn="l" fontAlgn="b"/>
-                      <a:r>
-                        <a:rPr lang="en-US" sz="1100" u="none" strike="noStrike">
-                          <a:effectLst/>
-                        </a:rPr>
-                        <a:t>SVM</a:t>
-                      </a:r>
-                      <a:endParaRPr lang="en-US" sz="1100" b="0" i="0" u="none" strike="noStrike">
-                        <a:solidFill>
-                          <a:srgbClr val="000000"/>
-                        </a:solidFill>
-                        <a:effectLst/>
-                        <a:latin typeface="等线" panose="02010600030101010101" pitchFamily="2" charset="-122"/>
-                        <a:ea typeface="等线" panose="02010600030101010101" pitchFamily="2" charset="-122"/>
-                      </a:endParaRPr>
-                    </a:p>
-                  </a:txBody>
-                  <a:tcPr marL="9525" marR="9525" marT="9525" marB="0" anchor="b"/>
-                </a:tc>
-                <a:tc>
-                  <a:txBody>
-                    <a:bodyPr/>
-                    <a:lstStyle/>
-                    <a:p>
-                      <a:pPr algn="r" fontAlgn="b"/>
-                      <a:r>
-                        <a:rPr lang="en-US" altLang="zh-CN" sz="1100" u="none" strike="noStrike">
-                          <a:effectLst/>
-                        </a:rPr>
-                        <a:t>0.57908046</a:t>
-                      </a:r>
-                      <a:endParaRPr lang="en-US" altLang="zh-CN" sz="1100" b="0" i="0" u="none" strike="noStrike">
-                        <a:solidFill>
-                          <a:srgbClr val="000000"/>
-                        </a:solidFill>
-                        <a:effectLst/>
-                        <a:latin typeface="等线" panose="02010600030101010101" pitchFamily="2" charset="-122"/>
-                        <a:ea typeface="等线" panose="02010600030101010101" pitchFamily="2" charset="-122"/>
-                      </a:endParaRPr>
-                    </a:p>
-                  </a:txBody>
-                  <a:tcPr marL="9525" marR="9525" marT="9525" marB="0" anchor="b"/>
-                </a:tc>
-                <a:tc>
-                  <a:txBody>
-                    <a:bodyPr/>
-                    <a:lstStyle/>
-                    <a:p>
-                      <a:pPr algn="r" fontAlgn="b"/>
-                      <a:r>
-                        <a:rPr lang="en-US" altLang="zh-CN" sz="1100" u="none" strike="noStrike">
-                          <a:effectLst/>
-                        </a:rPr>
-                        <a:t>1.041052838</a:t>
-                      </a:r>
-                      <a:endParaRPr lang="en-US" altLang="zh-CN" sz="1100" b="0" i="0" u="none" strike="noStrike">
-                        <a:solidFill>
-                          <a:srgbClr val="000000"/>
-                        </a:solidFill>
-                        <a:effectLst/>
-                        <a:latin typeface="等线" panose="02010600030101010101" pitchFamily="2" charset="-122"/>
-                        <a:ea typeface="等线" panose="02010600030101010101" pitchFamily="2" charset="-122"/>
-                      </a:endParaRPr>
-                    </a:p>
-                  </a:txBody>
-                  <a:tcPr marL="9525" marR="9525" marT="9525" marB="0" anchor="b"/>
-                </a:tc>
-                <a:extLst>
-                  <a:ext uri="{0D108BD9-81ED-4DB2-BD59-A6C34878D82A}">
-                    <a16:rowId xmlns:a16="http://schemas.microsoft.com/office/drawing/2014/main" val="3412918731"/>
-                  </a:ext>
-                </a:extLst>
-              </a:tr>
-              <a:tr h="180975">
-                <a:tc>
-                  <a:txBody>
-                    <a:bodyPr/>
-                    <a:lstStyle/>
-                    <a:p>
-                      <a:pPr algn="l" fontAlgn="b"/>
-                      <a:endParaRPr lang="zh-CN" altLang="en-US" sz="1100" b="0" i="0" u="none" strike="noStrike">
-                        <a:solidFill>
-                          <a:srgbClr val="000000"/>
-                        </a:solidFill>
-                        <a:effectLst/>
-                        <a:latin typeface="等线" panose="02010600030101010101" pitchFamily="2" charset="-122"/>
-                        <a:ea typeface="等线" panose="02010600030101010101" pitchFamily="2" charset="-122"/>
-                      </a:endParaRPr>
-                    </a:p>
-                  </a:txBody>
-                  <a:tcPr marL="9525" marR="9525" marT="9525" marB="0" anchor="b"/>
-                </a:tc>
-                <a:tc>
-                  <a:txBody>
-                    <a:bodyPr/>
-                    <a:lstStyle/>
-                    <a:p>
-                      <a:pPr algn="r" fontAlgn="b"/>
-                      <a:r>
-                        <a:rPr lang="en-US" altLang="zh-CN" sz="1100" u="none" strike="noStrike">
-                          <a:effectLst/>
-                        </a:rPr>
-                        <a:t>0.359291315</a:t>
-                      </a:r>
-                      <a:endParaRPr lang="en-US" altLang="zh-CN" sz="1100" b="0" i="0" u="none" strike="noStrike">
-                        <a:solidFill>
-                          <a:srgbClr val="000000"/>
-                        </a:solidFill>
-                        <a:effectLst/>
-                        <a:latin typeface="等线" panose="02010600030101010101" pitchFamily="2" charset="-122"/>
-                        <a:ea typeface="等线" panose="02010600030101010101" pitchFamily="2" charset="-122"/>
-                      </a:endParaRPr>
-                    </a:p>
-                  </a:txBody>
-                  <a:tcPr marL="9525" marR="9525" marT="9525" marB="0" anchor="b"/>
-                </a:tc>
-                <a:tc>
-                  <a:txBody>
-                    <a:bodyPr/>
-                    <a:lstStyle/>
-                    <a:p>
-                      <a:pPr algn="r" fontAlgn="b"/>
-                      <a:r>
-                        <a:rPr lang="en-US" altLang="zh-CN" sz="1100" u="none" strike="noStrike">
-                          <a:effectLst/>
-                        </a:rPr>
-                        <a:t>0.461538462</a:t>
-                      </a:r>
-                      <a:endParaRPr lang="en-US" altLang="zh-CN" sz="1100" b="0" i="0" u="none" strike="noStrike">
-                        <a:solidFill>
-                          <a:srgbClr val="000000"/>
-                        </a:solidFill>
-                        <a:effectLst/>
-                        <a:latin typeface="等线" panose="02010600030101010101" pitchFamily="2" charset="-122"/>
-                        <a:ea typeface="等线" panose="02010600030101010101" pitchFamily="2" charset="-122"/>
-                      </a:endParaRPr>
-                    </a:p>
-                  </a:txBody>
-                  <a:tcPr marL="9525" marR="9525" marT="9525" marB="0" anchor="b"/>
-                </a:tc>
-                <a:tc>
-                  <a:txBody>
-                    <a:bodyPr/>
-                    <a:lstStyle/>
-                    <a:p>
-                      <a:pPr algn="l" fontAlgn="b"/>
-                      <a:r>
-                        <a:rPr lang="en-US" sz="1100" u="none" strike="noStrike">
-                          <a:effectLst/>
-                        </a:rPr>
-                        <a:t>10-fold </a:t>
-                      </a:r>
-                      <a:endParaRPr lang="en-US" sz="1100" b="0" i="0" u="none" strike="noStrike">
-                        <a:solidFill>
-                          <a:srgbClr val="000000"/>
-                        </a:solidFill>
-                        <a:effectLst/>
-                        <a:latin typeface="等线" panose="02010600030101010101" pitchFamily="2" charset="-122"/>
-                        <a:ea typeface="等线" panose="02010600030101010101" pitchFamily="2" charset="-122"/>
-                      </a:endParaRPr>
-                    </a:p>
-                  </a:txBody>
-                  <a:tcPr marL="9525" marR="9525" marT="9525" marB="0" anchor="b"/>
-                </a:tc>
-                <a:tc>
-                  <a:txBody>
-                    <a:bodyPr/>
-                    <a:lstStyle/>
-                    <a:p>
-                      <a:pPr algn="l" fontAlgn="b"/>
-                      <a:r>
-                        <a:rPr lang="en-US" sz="1100" u="none" strike="noStrike">
-                          <a:effectLst/>
-                        </a:rPr>
-                        <a:t>Cart</a:t>
-                      </a:r>
-                      <a:endParaRPr lang="en-US" sz="1100" b="0" i="0" u="none" strike="noStrike">
-                        <a:solidFill>
-                          <a:srgbClr val="000000"/>
-                        </a:solidFill>
-                        <a:effectLst/>
-                        <a:latin typeface="等线" panose="02010600030101010101" pitchFamily="2" charset="-122"/>
-                        <a:ea typeface="等线" panose="02010600030101010101" pitchFamily="2" charset="-122"/>
-                      </a:endParaRPr>
-                    </a:p>
-                  </a:txBody>
-                  <a:tcPr marL="9525" marR="9525" marT="9525" marB="0" anchor="b"/>
-                </a:tc>
-                <a:tc>
-                  <a:txBody>
-                    <a:bodyPr/>
-                    <a:lstStyle/>
-                    <a:p>
-                      <a:pPr algn="r" fontAlgn="b"/>
-                      <a:r>
-                        <a:rPr lang="en-US" altLang="zh-CN" sz="1100" u="none" strike="noStrike">
-                          <a:effectLst/>
-                        </a:rPr>
-                        <a:t>0.585977011</a:t>
-                      </a:r>
-                      <a:endParaRPr lang="en-US" altLang="zh-CN" sz="1100" b="0" i="0" u="none" strike="noStrike">
-                        <a:solidFill>
-                          <a:srgbClr val="006100"/>
-                        </a:solidFill>
-                        <a:effectLst/>
-                        <a:latin typeface="等线" panose="02010600030101010101" pitchFamily="2" charset="-122"/>
-                        <a:ea typeface="等线" panose="02010600030101010101" pitchFamily="2" charset="-122"/>
-                      </a:endParaRPr>
-                    </a:p>
-                  </a:txBody>
-                  <a:tcPr marL="9525" marR="9525" marT="9525" marB="0" anchor="b"/>
-                </a:tc>
-                <a:tc>
-                  <a:txBody>
-                    <a:bodyPr/>
-                    <a:lstStyle/>
-                    <a:p>
-                      <a:pPr algn="r" fontAlgn="b"/>
-                      <a:r>
-                        <a:rPr lang="en-US" altLang="zh-CN" sz="1100" u="none" strike="noStrike" dirty="0">
-                          <a:effectLst/>
-                        </a:rPr>
-                        <a:t>0</a:t>
-                      </a:r>
-                      <a:endParaRPr lang="en-US" altLang="zh-CN" sz="1100" b="0" i="0" u="none" strike="noStrike" dirty="0">
-                        <a:solidFill>
-                          <a:srgbClr val="006100"/>
-                        </a:solidFill>
-                        <a:effectLst/>
-                        <a:latin typeface="等线" panose="02010600030101010101" pitchFamily="2" charset="-122"/>
-                        <a:ea typeface="等线" panose="02010600030101010101" pitchFamily="2" charset="-122"/>
-                      </a:endParaRPr>
-                    </a:p>
-                  </a:txBody>
-                  <a:tcPr marL="9525" marR="9525" marT="9525" marB="0" anchor="b"/>
-                </a:tc>
-                <a:extLst>
-                  <a:ext uri="{0D108BD9-81ED-4DB2-BD59-A6C34878D82A}">
-                    <a16:rowId xmlns:a16="http://schemas.microsoft.com/office/drawing/2014/main" val="2791143383"/>
-                  </a:ext>
-                </a:extLst>
-              </a:tr>
-            </a:tbl>
-          </a:graphicData>
-        </a:graphic>
-      </p:graphicFrame>
-      <p:graphicFrame>
-        <p:nvGraphicFramePr>
-          <p:cNvPr id="10" name="表格 9">
-            <a:extLst>
-              <a:ext uri="{FF2B5EF4-FFF2-40B4-BE49-F238E27FC236}">
-                <a16:creationId xmlns:a16="http://schemas.microsoft.com/office/drawing/2014/main" id="{0B225954-BB7D-4E70-BE24-22C824816A45}"/>
-              </a:ext>
-            </a:extLst>
-          </p:cNvPr>
-          <p:cNvGraphicFramePr>
-            <a:graphicFrameLocks noGrp="1"/>
-          </p:cNvGraphicFramePr>
-          <p:nvPr>
-            <p:extLst>
-              <p:ext uri="{D42A27DB-BD31-4B8C-83A1-F6EECF244321}">
-                <p14:modId xmlns:p14="http://schemas.microsoft.com/office/powerpoint/2010/main" val="459265296"/>
-              </p:ext>
-            </p:extLst>
-          </p:nvPr>
-        </p:nvGraphicFramePr>
-        <p:xfrm>
-          <a:off x="2006600" y="3496025"/>
-          <a:ext cx="8178800" cy="904875"/>
-        </p:xfrm>
-        <a:graphic>
-          <a:graphicData uri="http://schemas.openxmlformats.org/drawingml/2006/table">
-            <a:tbl>
-              <a:tblPr>
-                <a:tableStyleId>{5C22544A-7EE6-4342-B048-85BDC9FD1C3A}</a:tableStyleId>
-              </a:tblPr>
-              <a:tblGrid>
-                <a:gridCol w="1055382">
-                  <a:extLst>
-                    <a:ext uri="{9D8B030D-6E8A-4147-A177-3AD203B41FA5}">
-                      <a16:colId xmlns:a16="http://schemas.microsoft.com/office/drawing/2014/main" val="4057030813"/>
-                    </a:ext>
-                  </a:extLst>
-                </a:gridCol>
-                <a:gridCol w="1166069">
-                  <a:extLst>
-                    <a:ext uri="{9D8B030D-6E8A-4147-A177-3AD203B41FA5}">
-                      <a16:colId xmlns:a16="http://schemas.microsoft.com/office/drawing/2014/main" val="1049074576"/>
-                    </a:ext>
-                  </a:extLst>
-                </a:gridCol>
-                <a:gridCol w="1551964">
-                  <a:extLst>
-                    <a:ext uri="{9D8B030D-6E8A-4147-A177-3AD203B41FA5}">
-                      <a16:colId xmlns:a16="http://schemas.microsoft.com/office/drawing/2014/main" val="2945560585"/>
-                    </a:ext>
-                  </a:extLst>
-                </a:gridCol>
-                <a:gridCol w="964734">
-                  <a:extLst>
-                    <a:ext uri="{9D8B030D-6E8A-4147-A177-3AD203B41FA5}">
-                      <a16:colId xmlns:a16="http://schemas.microsoft.com/office/drawing/2014/main" val="191358090"/>
-                    </a:ext>
-                  </a:extLst>
-                </a:gridCol>
-                <a:gridCol w="964734">
-                  <a:extLst>
-                    <a:ext uri="{9D8B030D-6E8A-4147-A177-3AD203B41FA5}">
-                      <a16:colId xmlns:a16="http://schemas.microsoft.com/office/drawing/2014/main" val="3008752510"/>
-                    </a:ext>
-                  </a:extLst>
-                </a:gridCol>
-                <a:gridCol w="1107346">
-                  <a:extLst>
-                    <a:ext uri="{9D8B030D-6E8A-4147-A177-3AD203B41FA5}">
-                      <a16:colId xmlns:a16="http://schemas.microsoft.com/office/drawing/2014/main" val="2830827218"/>
-                    </a:ext>
-                  </a:extLst>
-                </a:gridCol>
-                <a:gridCol w="1368571">
-                  <a:extLst>
-                    <a:ext uri="{9D8B030D-6E8A-4147-A177-3AD203B41FA5}">
-                      <a16:colId xmlns:a16="http://schemas.microsoft.com/office/drawing/2014/main" val="3530011395"/>
-                    </a:ext>
-                  </a:extLst>
-                </a:gridCol>
-              </a:tblGrid>
-              <a:tr h="180975">
-                <a:tc>
-                  <a:txBody>
-                    <a:bodyPr/>
-                    <a:lstStyle/>
-                    <a:p>
-                      <a:pPr algn="l" fontAlgn="b"/>
-                      <a:r>
-                        <a:rPr lang="en-US" sz="1100" u="none" strike="noStrike">
-                          <a:effectLst/>
-                        </a:rPr>
-                        <a:t>Algorithm</a:t>
-                      </a:r>
-                      <a:endParaRPr lang="en-US" sz="1100" b="0" i="0" u="none" strike="noStrike">
-                        <a:solidFill>
-                          <a:srgbClr val="000000"/>
-                        </a:solidFill>
-                        <a:effectLst/>
-                        <a:latin typeface="等线" panose="02010600030101010101" pitchFamily="2" charset="-122"/>
-                        <a:ea typeface="等线" panose="02010600030101010101" pitchFamily="2" charset="-122"/>
-                      </a:endParaRPr>
-                    </a:p>
-                  </a:txBody>
-                  <a:tcPr marL="9525" marR="9525" marT="9525" marB="0" anchor="b"/>
-                </a:tc>
-                <a:tc>
-                  <a:txBody>
-                    <a:bodyPr/>
-                    <a:lstStyle/>
-                    <a:p>
-                      <a:pPr algn="l" fontAlgn="b"/>
-                      <a:r>
-                        <a:rPr lang="en-US" sz="1100" u="none" strike="noStrike">
-                          <a:effectLst/>
-                        </a:rPr>
-                        <a:t>Time</a:t>
-                      </a:r>
-                      <a:endParaRPr lang="en-US" sz="1100" b="0" i="0" u="none" strike="noStrike">
-                        <a:solidFill>
-                          <a:srgbClr val="000000"/>
-                        </a:solidFill>
-                        <a:effectLst/>
-                        <a:latin typeface="等线" panose="02010600030101010101" pitchFamily="2" charset="-122"/>
-                        <a:ea typeface="等线" panose="02010600030101010101" pitchFamily="2" charset="-122"/>
-                      </a:endParaRPr>
-                    </a:p>
-                  </a:txBody>
-                  <a:tcPr marL="9525" marR="9525" marT="9525" marB="0" anchor="b"/>
-                </a:tc>
-                <a:tc>
-                  <a:txBody>
-                    <a:bodyPr/>
-                    <a:lstStyle/>
-                    <a:p>
-                      <a:pPr algn="l" fontAlgn="b"/>
-                      <a:r>
-                        <a:rPr lang="en-US" sz="1100" u="none" strike="noStrike">
-                          <a:effectLst/>
-                        </a:rPr>
-                        <a:t>DR</a:t>
-                      </a:r>
-                      <a:endParaRPr lang="en-US" sz="1100" b="0" i="0" u="none" strike="noStrike">
-                        <a:solidFill>
-                          <a:srgbClr val="000000"/>
-                        </a:solidFill>
-                        <a:effectLst/>
-                        <a:latin typeface="等线" panose="02010600030101010101" pitchFamily="2" charset="-122"/>
-                        <a:ea typeface="等线" panose="02010600030101010101" pitchFamily="2" charset="-122"/>
-                      </a:endParaRPr>
-                    </a:p>
-                  </a:txBody>
-                  <a:tcPr marL="9525" marR="9525" marT="9525" marB="0" anchor="b"/>
-                </a:tc>
-                <a:tc>
-                  <a:txBody>
-                    <a:bodyPr/>
-                    <a:lstStyle/>
-                    <a:p>
-                      <a:pPr algn="l" fontAlgn="b"/>
-                      <a:r>
-                        <a:rPr lang="en-US" sz="1100" u="none" strike="noStrike">
-                          <a:effectLst/>
-                        </a:rPr>
-                        <a:t>Validation</a:t>
-                      </a:r>
-                      <a:endParaRPr lang="en-US" sz="1100" b="0" i="0" u="none" strike="noStrike">
-                        <a:solidFill>
-                          <a:srgbClr val="000000"/>
-                        </a:solidFill>
-                        <a:effectLst/>
-                        <a:latin typeface="等线" panose="02010600030101010101" pitchFamily="2" charset="-122"/>
-                        <a:ea typeface="等线" panose="02010600030101010101" pitchFamily="2" charset="-122"/>
-                      </a:endParaRPr>
-                    </a:p>
-                  </a:txBody>
-                  <a:tcPr marL="9525" marR="9525" marT="9525" marB="0" anchor="b"/>
-                </a:tc>
-                <a:tc>
-                  <a:txBody>
-                    <a:bodyPr/>
-                    <a:lstStyle/>
-                    <a:p>
-                      <a:pPr algn="l" fontAlgn="b"/>
-                      <a:r>
-                        <a:rPr lang="en-US" sz="1100" u="none" strike="noStrike">
-                          <a:effectLst/>
-                        </a:rPr>
-                        <a:t>Classifier</a:t>
-                      </a:r>
-                      <a:endParaRPr lang="en-US" sz="1100" b="0" i="0" u="none" strike="noStrike">
-                        <a:solidFill>
-                          <a:srgbClr val="000000"/>
-                        </a:solidFill>
-                        <a:effectLst/>
-                        <a:latin typeface="等线" panose="02010600030101010101" pitchFamily="2" charset="-122"/>
-                        <a:ea typeface="等线" panose="02010600030101010101" pitchFamily="2" charset="-122"/>
-                      </a:endParaRPr>
-                    </a:p>
-                  </a:txBody>
-                  <a:tcPr marL="9525" marR="9525" marT="9525" marB="0" anchor="b"/>
-                </a:tc>
-                <a:tc>
-                  <a:txBody>
-                    <a:bodyPr/>
-                    <a:lstStyle/>
-                    <a:p>
-                      <a:pPr algn="l" fontAlgn="b"/>
-                      <a:r>
-                        <a:rPr lang="en-US" sz="1100" u="none" strike="noStrike">
-                          <a:effectLst/>
-                        </a:rPr>
-                        <a:t>AC</a:t>
-                      </a:r>
-                      <a:endParaRPr lang="en-US" sz="1100" b="0" i="0" u="none" strike="noStrike">
-                        <a:solidFill>
-                          <a:srgbClr val="000000"/>
-                        </a:solidFill>
-                        <a:effectLst/>
-                        <a:latin typeface="等线" panose="02010600030101010101" pitchFamily="2" charset="-122"/>
-                        <a:ea typeface="等线" panose="02010600030101010101" pitchFamily="2" charset="-122"/>
-                      </a:endParaRPr>
-                    </a:p>
-                  </a:txBody>
-                  <a:tcPr marL="9525" marR="9525" marT="9525" marB="0" anchor="b"/>
-                </a:tc>
-                <a:tc>
-                  <a:txBody>
-                    <a:bodyPr/>
-                    <a:lstStyle/>
-                    <a:p>
-                      <a:pPr algn="l" fontAlgn="b"/>
-                      <a:r>
-                        <a:rPr lang="en-US" sz="1100" u="none" strike="noStrike">
-                          <a:effectLst/>
-                        </a:rPr>
-                        <a:t>Acc Delta</a:t>
-                      </a:r>
-                      <a:endParaRPr lang="en-US" sz="1100" b="0" i="0" u="none" strike="noStrike">
-                        <a:solidFill>
-                          <a:srgbClr val="000000"/>
-                        </a:solidFill>
-                        <a:effectLst/>
-                        <a:latin typeface="等线" panose="02010600030101010101" pitchFamily="2" charset="-122"/>
-                        <a:ea typeface="等线" panose="02010600030101010101" pitchFamily="2" charset="-122"/>
-                      </a:endParaRPr>
-                    </a:p>
-                  </a:txBody>
-                  <a:tcPr marL="9525" marR="9525" marT="9525" marB="0" anchor="b"/>
-                </a:tc>
-                <a:extLst>
-                  <a:ext uri="{0D108BD9-81ED-4DB2-BD59-A6C34878D82A}">
-                    <a16:rowId xmlns:a16="http://schemas.microsoft.com/office/drawing/2014/main" val="3218636586"/>
-                  </a:ext>
-                </a:extLst>
-              </a:tr>
-              <a:tr h="180975">
-                <a:tc>
-                  <a:txBody>
-                    <a:bodyPr/>
-                    <a:lstStyle/>
-                    <a:p>
-                      <a:pPr algn="l" fontAlgn="b"/>
-                      <a:r>
-                        <a:rPr lang="en-US" sz="1100" u="none" strike="noStrike">
-                          <a:effectLst/>
-                        </a:rPr>
-                        <a:t>EFSFOA</a:t>
-                      </a:r>
-                      <a:endParaRPr lang="en-US" sz="1100" b="0" i="0" u="none" strike="noStrike">
-                        <a:solidFill>
-                          <a:srgbClr val="000000"/>
-                        </a:solidFill>
-                        <a:effectLst/>
-                        <a:latin typeface="等线" panose="02010600030101010101" pitchFamily="2" charset="-122"/>
-                        <a:ea typeface="等线" panose="02010600030101010101" pitchFamily="2" charset="-122"/>
-                      </a:endParaRPr>
-                    </a:p>
-                  </a:txBody>
-                  <a:tcPr marL="9525" marR="9525" marT="9525" marB="0" anchor="b"/>
-                </a:tc>
-                <a:tc>
-                  <a:txBody>
-                    <a:bodyPr/>
-                    <a:lstStyle/>
-                    <a:p>
-                      <a:pPr algn="r" fontAlgn="b"/>
-                      <a:r>
-                        <a:rPr lang="en-US" altLang="zh-CN" sz="1100" u="none" strike="noStrike">
-                          <a:effectLst/>
-                        </a:rPr>
-                        <a:t>88.79822469</a:t>
-                      </a:r>
-                      <a:endParaRPr lang="en-US" altLang="zh-CN" sz="1100" b="0" i="0" u="none" strike="noStrike">
-                        <a:solidFill>
-                          <a:srgbClr val="000000"/>
-                        </a:solidFill>
-                        <a:effectLst/>
-                        <a:latin typeface="等线" panose="02010600030101010101" pitchFamily="2" charset="-122"/>
-                        <a:ea typeface="等线" panose="02010600030101010101" pitchFamily="2" charset="-122"/>
-                      </a:endParaRPr>
-                    </a:p>
-                  </a:txBody>
-                  <a:tcPr marL="9525" marR="9525" marT="9525" marB="0" anchor="b"/>
-                </a:tc>
-                <a:tc>
-                  <a:txBody>
-                    <a:bodyPr/>
-                    <a:lstStyle/>
-                    <a:p>
-                      <a:pPr algn="r" fontAlgn="b"/>
-                      <a:r>
-                        <a:rPr lang="en-US" altLang="zh-CN" sz="1100" u="none" strike="noStrike" dirty="0">
-                          <a:effectLst/>
-                        </a:rPr>
-                        <a:t>0.647058824</a:t>
-                      </a:r>
-                      <a:endParaRPr lang="en-US" altLang="zh-CN" sz="1100" b="0" i="0" u="none" strike="noStrike" dirty="0">
-                        <a:solidFill>
-                          <a:srgbClr val="000000"/>
-                        </a:solidFill>
-                        <a:effectLst/>
-                        <a:latin typeface="等线" panose="02010600030101010101" pitchFamily="2" charset="-122"/>
-                        <a:ea typeface="等线" panose="02010600030101010101" pitchFamily="2" charset="-122"/>
-                      </a:endParaRPr>
-                    </a:p>
-                  </a:txBody>
-                  <a:tcPr marL="9525" marR="9525" marT="9525" marB="0" anchor="b"/>
-                </a:tc>
-                <a:tc>
-                  <a:txBody>
-                    <a:bodyPr/>
-                    <a:lstStyle/>
-                    <a:p>
-                      <a:pPr algn="l" fontAlgn="b"/>
-                      <a:r>
-                        <a:rPr lang="en-US" sz="1100" u="none" strike="noStrike">
-                          <a:effectLst/>
-                        </a:rPr>
-                        <a:t>10-fold</a:t>
-                      </a:r>
-                      <a:endParaRPr lang="en-US" sz="1100" b="0" i="0" u="none" strike="noStrike">
-                        <a:solidFill>
-                          <a:srgbClr val="000000"/>
-                        </a:solidFill>
-                        <a:effectLst/>
-                        <a:latin typeface="等线" panose="02010600030101010101" pitchFamily="2" charset="-122"/>
-                        <a:ea typeface="等线" panose="02010600030101010101" pitchFamily="2" charset="-122"/>
-                      </a:endParaRPr>
-                    </a:p>
-                  </a:txBody>
-                  <a:tcPr marL="9525" marR="9525" marT="9525" marB="0" anchor="b"/>
-                </a:tc>
-                <a:tc>
-                  <a:txBody>
-                    <a:bodyPr/>
-                    <a:lstStyle/>
-                    <a:p>
-                      <a:pPr algn="l" fontAlgn="b"/>
-                      <a:r>
-                        <a:rPr lang="en-US" sz="1100" u="none" strike="noStrike">
-                          <a:effectLst/>
-                        </a:rPr>
-                        <a:t>1nn</a:t>
-                      </a:r>
-                      <a:endParaRPr lang="en-US" sz="1100" b="0" i="0" u="none" strike="noStrike">
-                        <a:solidFill>
-                          <a:srgbClr val="000000"/>
-                        </a:solidFill>
-                        <a:effectLst/>
-                        <a:latin typeface="等线" panose="02010600030101010101" pitchFamily="2" charset="-122"/>
-                        <a:ea typeface="等线" panose="02010600030101010101" pitchFamily="2" charset="-122"/>
-                      </a:endParaRPr>
-                    </a:p>
-                  </a:txBody>
-                  <a:tcPr marL="9525" marR="9525" marT="9525" marB="0" anchor="b"/>
-                </a:tc>
-                <a:tc>
-                  <a:txBody>
-                    <a:bodyPr/>
-                    <a:lstStyle/>
-                    <a:p>
-                      <a:pPr algn="r" fontAlgn="b"/>
-                      <a:r>
-                        <a:rPr lang="en-US" altLang="zh-CN" sz="1100" u="none" strike="noStrike">
-                          <a:effectLst/>
-                        </a:rPr>
-                        <a:t>0.905952381</a:t>
-                      </a:r>
-                      <a:endParaRPr lang="en-US" altLang="zh-CN" sz="1100" b="0" i="0" u="none" strike="noStrike">
-                        <a:solidFill>
-                          <a:srgbClr val="006100"/>
-                        </a:solidFill>
-                        <a:effectLst/>
-                        <a:latin typeface="等线" panose="02010600030101010101" pitchFamily="2" charset="-122"/>
-                        <a:ea typeface="等线" panose="02010600030101010101" pitchFamily="2" charset="-122"/>
-                      </a:endParaRPr>
-                    </a:p>
-                  </a:txBody>
-                  <a:tcPr marL="9525" marR="9525" marT="9525" marB="0" anchor="b"/>
-                </a:tc>
-                <a:tc>
-                  <a:txBody>
-                    <a:bodyPr/>
-                    <a:lstStyle/>
-                    <a:p>
-                      <a:pPr algn="r" fontAlgn="b"/>
-                      <a:r>
-                        <a:rPr lang="en-US" altLang="zh-CN" sz="1100" u="none" strike="noStrike">
-                          <a:effectLst/>
-                        </a:rPr>
-                        <a:t>0</a:t>
-                      </a:r>
-                      <a:endParaRPr lang="en-US" altLang="zh-CN" sz="1100" b="0" i="0" u="none" strike="noStrike">
-                        <a:solidFill>
-                          <a:srgbClr val="006100"/>
-                        </a:solidFill>
-                        <a:effectLst/>
-                        <a:latin typeface="等线" panose="02010600030101010101" pitchFamily="2" charset="-122"/>
-                        <a:ea typeface="等线" panose="02010600030101010101" pitchFamily="2" charset="-122"/>
-                      </a:endParaRPr>
-                    </a:p>
-                  </a:txBody>
-                  <a:tcPr marL="9525" marR="9525" marT="9525" marB="0" anchor="b"/>
-                </a:tc>
-                <a:extLst>
-                  <a:ext uri="{0D108BD9-81ED-4DB2-BD59-A6C34878D82A}">
-                    <a16:rowId xmlns:a16="http://schemas.microsoft.com/office/drawing/2014/main" val="3718931053"/>
-                  </a:ext>
-                </a:extLst>
-              </a:tr>
-              <a:tr h="180975">
-                <a:tc>
-                  <a:txBody>
-                    <a:bodyPr/>
-                    <a:lstStyle/>
-                    <a:p>
-                      <a:pPr algn="l" fontAlgn="b"/>
-                      <a:endParaRPr lang="zh-CN" altLang="en-US" sz="1100" b="0" i="0" u="none" strike="noStrike">
-                        <a:solidFill>
-                          <a:srgbClr val="000000"/>
-                        </a:solidFill>
-                        <a:effectLst/>
-                        <a:latin typeface="等线" panose="02010600030101010101" pitchFamily="2" charset="-122"/>
-                        <a:ea typeface="等线" panose="02010600030101010101" pitchFamily="2" charset="-122"/>
-                      </a:endParaRPr>
-                    </a:p>
-                  </a:txBody>
-                  <a:tcPr marL="9525" marR="9525" marT="9525" marB="0" anchor="b"/>
-                </a:tc>
-                <a:tc>
-                  <a:txBody>
-                    <a:bodyPr/>
-                    <a:lstStyle/>
-                    <a:p>
-                      <a:pPr algn="r" fontAlgn="b"/>
-                      <a:r>
-                        <a:rPr lang="en-US" altLang="zh-CN" sz="1100" u="none" strike="noStrike">
-                          <a:effectLst/>
-                        </a:rPr>
-                        <a:t>102.3047957</a:t>
-                      </a:r>
-                      <a:endParaRPr lang="en-US" altLang="zh-CN" sz="1100" b="0" i="0" u="none" strike="noStrike">
-                        <a:solidFill>
-                          <a:srgbClr val="000000"/>
-                        </a:solidFill>
-                        <a:effectLst/>
-                        <a:latin typeface="等线" panose="02010600030101010101" pitchFamily="2" charset="-122"/>
-                        <a:ea typeface="等线" panose="02010600030101010101" pitchFamily="2" charset="-122"/>
-                      </a:endParaRPr>
-                    </a:p>
-                  </a:txBody>
-                  <a:tcPr marL="9525" marR="9525" marT="9525" marB="0" anchor="b"/>
-                </a:tc>
-                <a:tc>
-                  <a:txBody>
-                    <a:bodyPr/>
-                    <a:lstStyle/>
-                    <a:p>
-                      <a:pPr algn="r" fontAlgn="b"/>
-                      <a:r>
-                        <a:rPr lang="en-US" altLang="zh-CN" sz="1100" u="none" strike="noStrike">
-                          <a:effectLst/>
-                        </a:rPr>
-                        <a:t>0.441176471</a:t>
-                      </a:r>
-                      <a:endParaRPr lang="en-US" altLang="zh-CN" sz="1100" b="0" i="0" u="none" strike="noStrike">
-                        <a:solidFill>
-                          <a:srgbClr val="000000"/>
-                        </a:solidFill>
-                        <a:effectLst/>
-                        <a:latin typeface="等线" panose="02010600030101010101" pitchFamily="2" charset="-122"/>
-                        <a:ea typeface="等线" panose="02010600030101010101" pitchFamily="2" charset="-122"/>
-                      </a:endParaRPr>
-                    </a:p>
-                  </a:txBody>
-                  <a:tcPr marL="9525" marR="9525" marT="9525" marB="0" anchor="b"/>
-                </a:tc>
-                <a:tc>
-                  <a:txBody>
-                    <a:bodyPr/>
-                    <a:lstStyle/>
-                    <a:p>
-                      <a:pPr algn="l" fontAlgn="b"/>
-                      <a:r>
-                        <a:rPr lang="en-US" sz="1100" u="none" strike="noStrike">
-                          <a:effectLst/>
-                        </a:rPr>
-                        <a:t>10-fold</a:t>
-                      </a:r>
-                      <a:endParaRPr lang="en-US" sz="1100" b="0" i="0" u="none" strike="noStrike">
-                        <a:solidFill>
-                          <a:srgbClr val="000000"/>
-                        </a:solidFill>
-                        <a:effectLst/>
-                        <a:latin typeface="等线" panose="02010600030101010101" pitchFamily="2" charset="-122"/>
-                        <a:ea typeface="等线" panose="02010600030101010101" pitchFamily="2" charset="-122"/>
-                      </a:endParaRPr>
-                    </a:p>
-                  </a:txBody>
-                  <a:tcPr marL="9525" marR="9525" marT="9525" marB="0" anchor="b"/>
-                </a:tc>
-                <a:tc>
-                  <a:txBody>
-                    <a:bodyPr/>
-                    <a:lstStyle/>
-                    <a:p>
-                      <a:pPr algn="l" fontAlgn="b"/>
-                      <a:r>
-                        <a:rPr lang="en-US" sz="1100" u="none" strike="noStrike">
-                          <a:effectLst/>
-                        </a:rPr>
-                        <a:t>5nn</a:t>
-                      </a:r>
-                      <a:endParaRPr lang="en-US" sz="1100" b="0" i="0" u="none" strike="noStrike">
-                        <a:solidFill>
-                          <a:srgbClr val="000000"/>
-                        </a:solidFill>
-                        <a:effectLst/>
-                        <a:latin typeface="等线" panose="02010600030101010101" pitchFamily="2" charset="-122"/>
-                        <a:ea typeface="等线" panose="02010600030101010101" pitchFamily="2" charset="-122"/>
-                      </a:endParaRPr>
-                    </a:p>
-                  </a:txBody>
-                  <a:tcPr marL="9525" marR="9525" marT="9525" marB="0" anchor="b"/>
-                </a:tc>
-                <a:tc>
-                  <a:txBody>
-                    <a:bodyPr/>
-                    <a:lstStyle/>
-                    <a:p>
-                      <a:pPr algn="r" fontAlgn="b"/>
-                      <a:r>
-                        <a:rPr lang="en-US" altLang="zh-CN" sz="1100" u="none" strike="noStrike">
-                          <a:effectLst/>
-                        </a:rPr>
-                        <a:t>0.852142857</a:t>
-                      </a:r>
-                      <a:endParaRPr lang="en-US" altLang="zh-CN" sz="1100" b="0" i="0" u="none" strike="noStrike">
-                        <a:solidFill>
-                          <a:srgbClr val="000000"/>
-                        </a:solidFill>
-                        <a:effectLst/>
-                        <a:latin typeface="等线" panose="02010600030101010101" pitchFamily="2" charset="-122"/>
-                        <a:ea typeface="等线" panose="02010600030101010101" pitchFamily="2" charset="-122"/>
-                      </a:endParaRPr>
-                    </a:p>
-                  </a:txBody>
-                  <a:tcPr marL="9525" marR="9525" marT="9525" marB="0" anchor="b"/>
-                </a:tc>
-                <a:tc>
-                  <a:txBody>
-                    <a:bodyPr/>
-                    <a:lstStyle/>
-                    <a:p>
-                      <a:pPr algn="r" fontAlgn="b"/>
-                      <a:r>
-                        <a:rPr lang="en-US" altLang="zh-CN" sz="1100" u="none" strike="noStrike">
-                          <a:effectLst/>
-                        </a:rPr>
-                        <a:t>4.7631719</a:t>
-                      </a:r>
-                      <a:endParaRPr lang="en-US" altLang="zh-CN" sz="1100" b="0" i="0" u="none" strike="noStrike">
-                        <a:solidFill>
-                          <a:srgbClr val="000000"/>
-                        </a:solidFill>
-                        <a:effectLst/>
-                        <a:latin typeface="等线" panose="02010600030101010101" pitchFamily="2" charset="-122"/>
-                        <a:ea typeface="等线" panose="02010600030101010101" pitchFamily="2" charset="-122"/>
-                      </a:endParaRPr>
-                    </a:p>
-                  </a:txBody>
-                  <a:tcPr marL="9525" marR="9525" marT="9525" marB="0" anchor="b"/>
-                </a:tc>
-                <a:extLst>
-                  <a:ext uri="{0D108BD9-81ED-4DB2-BD59-A6C34878D82A}">
-                    <a16:rowId xmlns:a16="http://schemas.microsoft.com/office/drawing/2014/main" val="4066695035"/>
-                  </a:ext>
-                </a:extLst>
-              </a:tr>
-              <a:tr h="180975">
-                <a:tc>
-                  <a:txBody>
-                    <a:bodyPr/>
-                    <a:lstStyle/>
-                    <a:p>
-                      <a:pPr algn="l" fontAlgn="b"/>
-                      <a:endParaRPr lang="zh-CN" altLang="en-US" sz="1100" b="0" i="0" u="none" strike="noStrike">
-                        <a:solidFill>
-                          <a:srgbClr val="000000"/>
-                        </a:solidFill>
-                        <a:effectLst/>
-                        <a:latin typeface="等线" panose="02010600030101010101" pitchFamily="2" charset="-122"/>
-                        <a:ea typeface="等线" panose="02010600030101010101" pitchFamily="2" charset="-122"/>
-                      </a:endParaRPr>
-                    </a:p>
-                  </a:txBody>
-                  <a:tcPr marL="9525" marR="9525" marT="9525" marB="0" anchor="b"/>
-                </a:tc>
-                <a:tc>
-                  <a:txBody>
-                    <a:bodyPr/>
-                    <a:lstStyle/>
-                    <a:p>
-                      <a:pPr algn="r" fontAlgn="b"/>
-                      <a:r>
-                        <a:rPr lang="en-US" altLang="zh-CN" sz="1100" u="none" strike="noStrike">
-                          <a:effectLst/>
-                        </a:rPr>
-                        <a:t>2.967281818</a:t>
-                      </a:r>
-                      <a:endParaRPr lang="en-US" altLang="zh-CN" sz="1100" b="0" i="0" u="none" strike="noStrike">
-                        <a:solidFill>
-                          <a:srgbClr val="000000"/>
-                        </a:solidFill>
-                        <a:effectLst/>
-                        <a:latin typeface="等线" panose="02010600030101010101" pitchFamily="2" charset="-122"/>
-                        <a:ea typeface="等线" panose="02010600030101010101" pitchFamily="2" charset="-122"/>
-                      </a:endParaRPr>
-                    </a:p>
-                  </a:txBody>
-                  <a:tcPr marL="9525" marR="9525" marT="9525" marB="0" anchor="b"/>
-                </a:tc>
-                <a:tc>
-                  <a:txBody>
-                    <a:bodyPr/>
-                    <a:lstStyle/>
-                    <a:p>
-                      <a:pPr algn="r" fontAlgn="b"/>
-                      <a:r>
-                        <a:rPr lang="en-US" altLang="zh-CN" sz="1100" u="none" strike="noStrike">
-                          <a:effectLst/>
-                        </a:rPr>
-                        <a:t>0.294117647</a:t>
-                      </a:r>
-                      <a:endParaRPr lang="en-US" altLang="zh-CN" sz="1100" b="0" i="0" u="none" strike="noStrike">
-                        <a:solidFill>
-                          <a:srgbClr val="000000"/>
-                        </a:solidFill>
-                        <a:effectLst/>
-                        <a:latin typeface="等线" panose="02010600030101010101" pitchFamily="2" charset="-122"/>
-                        <a:ea typeface="等线" panose="02010600030101010101" pitchFamily="2" charset="-122"/>
-                      </a:endParaRPr>
-                    </a:p>
-                  </a:txBody>
-                  <a:tcPr marL="9525" marR="9525" marT="9525" marB="0" anchor="b"/>
-                </a:tc>
-                <a:tc>
-                  <a:txBody>
-                    <a:bodyPr/>
-                    <a:lstStyle/>
-                    <a:p>
-                      <a:pPr algn="l" fontAlgn="b"/>
-                      <a:r>
-                        <a:rPr lang="en-US" sz="1100" u="none" strike="noStrike">
-                          <a:effectLst/>
-                        </a:rPr>
-                        <a:t>10-fold</a:t>
-                      </a:r>
-                      <a:endParaRPr lang="en-US" sz="1100" b="0" i="0" u="none" strike="noStrike">
-                        <a:solidFill>
-                          <a:srgbClr val="000000"/>
-                        </a:solidFill>
-                        <a:effectLst/>
-                        <a:latin typeface="等线" panose="02010600030101010101" pitchFamily="2" charset="-122"/>
-                        <a:ea typeface="等线" panose="02010600030101010101" pitchFamily="2" charset="-122"/>
-                      </a:endParaRPr>
-                    </a:p>
-                  </a:txBody>
-                  <a:tcPr marL="9525" marR="9525" marT="9525" marB="0" anchor="b"/>
-                </a:tc>
-                <a:tc>
-                  <a:txBody>
-                    <a:bodyPr/>
-                    <a:lstStyle/>
-                    <a:p>
-                      <a:pPr algn="l" fontAlgn="b"/>
-                      <a:r>
-                        <a:rPr lang="en-US" sz="1100" u="none" strike="noStrike">
-                          <a:effectLst/>
-                        </a:rPr>
-                        <a:t>SVM</a:t>
-                      </a:r>
-                      <a:endParaRPr lang="en-US" sz="1100" b="0" i="0" u="none" strike="noStrike">
-                        <a:solidFill>
-                          <a:srgbClr val="000000"/>
-                        </a:solidFill>
-                        <a:effectLst/>
-                        <a:latin typeface="等线" panose="02010600030101010101" pitchFamily="2" charset="-122"/>
-                        <a:ea typeface="等线" panose="02010600030101010101" pitchFamily="2" charset="-122"/>
-                      </a:endParaRPr>
-                    </a:p>
-                  </a:txBody>
-                  <a:tcPr marL="9525" marR="9525" marT="9525" marB="0" anchor="b"/>
-                </a:tc>
-                <a:tc>
-                  <a:txBody>
-                    <a:bodyPr/>
-                    <a:lstStyle/>
-                    <a:p>
-                      <a:pPr algn="r" fontAlgn="b"/>
-                      <a:r>
-                        <a:rPr lang="en-US" altLang="zh-CN" sz="1100" u="none" strike="noStrike">
-                          <a:effectLst/>
-                        </a:rPr>
-                        <a:t>0.951587302</a:t>
-                      </a:r>
-                      <a:endParaRPr lang="en-US" altLang="zh-CN" sz="1100" b="0" i="0" u="none" strike="noStrike">
-                        <a:solidFill>
-                          <a:srgbClr val="006100"/>
-                        </a:solidFill>
-                        <a:effectLst/>
-                        <a:latin typeface="等线" panose="02010600030101010101" pitchFamily="2" charset="-122"/>
-                        <a:ea typeface="等线" panose="02010600030101010101" pitchFamily="2" charset="-122"/>
-                      </a:endParaRPr>
-                    </a:p>
-                  </a:txBody>
-                  <a:tcPr marL="9525" marR="9525" marT="9525" marB="0" anchor="b"/>
-                </a:tc>
-                <a:tc>
-                  <a:txBody>
-                    <a:bodyPr/>
-                    <a:lstStyle/>
-                    <a:p>
-                      <a:pPr algn="r" fontAlgn="b"/>
-                      <a:r>
-                        <a:rPr lang="en-US" altLang="zh-CN" sz="1100" u="none" strike="noStrike">
-                          <a:effectLst/>
-                        </a:rPr>
-                        <a:t>0</a:t>
-                      </a:r>
-                      <a:endParaRPr lang="en-US" altLang="zh-CN" sz="1100" b="0" i="0" u="none" strike="noStrike">
-                        <a:solidFill>
-                          <a:srgbClr val="006100"/>
-                        </a:solidFill>
-                        <a:effectLst/>
-                        <a:latin typeface="等线" panose="02010600030101010101" pitchFamily="2" charset="-122"/>
-                        <a:ea typeface="等线" panose="02010600030101010101" pitchFamily="2" charset="-122"/>
-                      </a:endParaRPr>
-                    </a:p>
-                  </a:txBody>
-                  <a:tcPr marL="9525" marR="9525" marT="9525" marB="0" anchor="b"/>
-                </a:tc>
-                <a:extLst>
-                  <a:ext uri="{0D108BD9-81ED-4DB2-BD59-A6C34878D82A}">
-                    <a16:rowId xmlns:a16="http://schemas.microsoft.com/office/drawing/2014/main" val="264721434"/>
-                  </a:ext>
-                </a:extLst>
-              </a:tr>
-              <a:tr h="180975">
-                <a:tc>
-                  <a:txBody>
-                    <a:bodyPr/>
-                    <a:lstStyle/>
-                    <a:p>
-                      <a:pPr algn="l" fontAlgn="b"/>
-                      <a:endParaRPr lang="zh-CN" altLang="en-US" sz="1100" b="0" i="0" u="none" strike="noStrike">
-                        <a:solidFill>
-                          <a:srgbClr val="000000"/>
-                        </a:solidFill>
-                        <a:effectLst/>
-                        <a:latin typeface="等线" panose="02010600030101010101" pitchFamily="2" charset="-122"/>
-                        <a:ea typeface="等线" panose="02010600030101010101" pitchFamily="2" charset="-122"/>
-                      </a:endParaRPr>
-                    </a:p>
-                  </a:txBody>
-                  <a:tcPr marL="9525" marR="9525" marT="9525" marB="0" anchor="b"/>
-                </a:tc>
-                <a:tc>
-                  <a:txBody>
-                    <a:bodyPr/>
-                    <a:lstStyle/>
-                    <a:p>
-                      <a:pPr algn="r" fontAlgn="b"/>
-                      <a:r>
-                        <a:rPr lang="en-US" altLang="zh-CN" sz="1100" u="none" strike="noStrike">
-                          <a:effectLst/>
-                        </a:rPr>
-                        <a:t>1.874529123</a:t>
-                      </a:r>
-                      <a:endParaRPr lang="en-US" altLang="zh-CN" sz="1100" b="0" i="0" u="none" strike="noStrike">
-                        <a:solidFill>
-                          <a:srgbClr val="000000"/>
-                        </a:solidFill>
-                        <a:effectLst/>
-                        <a:latin typeface="等线" panose="02010600030101010101" pitchFamily="2" charset="-122"/>
-                        <a:ea typeface="等线" panose="02010600030101010101" pitchFamily="2" charset="-122"/>
-                      </a:endParaRPr>
-                    </a:p>
-                  </a:txBody>
-                  <a:tcPr marL="9525" marR="9525" marT="9525" marB="0" anchor="b"/>
-                </a:tc>
-                <a:tc>
-                  <a:txBody>
-                    <a:bodyPr/>
-                    <a:lstStyle/>
-                    <a:p>
-                      <a:pPr algn="r" fontAlgn="b"/>
-                      <a:r>
-                        <a:rPr lang="en-US" altLang="zh-CN" sz="1100" u="none" strike="noStrike">
-                          <a:effectLst/>
-                        </a:rPr>
-                        <a:t>0.5</a:t>
-                      </a:r>
-                      <a:endParaRPr lang="en-US" altLang="zh-CN" sz="1100" b="0" i="0" u="none" strike="noStrike">
-                        <a:solidFill>
-                          <a:srgbClr val="000000"/>
-                        </a:solidFill>
-                        <a:effectLst/>
-                        <a:latin typeface="等线" panose="02010600030101010101" pitchFamily="2" charset="-122"/>
-                        <a:ea typeface="等线" panose="02010600030101010101" pitchFamily="2" charset="-122"/>
-                      </a:endParaRPr>
-                    </a:p>
-                  </a:txBody>
-                  <a:tcPr marL="9525" marR="9525" marT="9525" marB="0" anchor="b"/>
-                </a:tc>
-                <a:tc>
-                  <a:txBody>
-                    <a:bodyPr/>
-                    <a:lstStyle/>
-                    <a:p>
-                      <a:pPr algn="l" fontAlgn="b"/>
-                      <a:r>
-                        <a:rPr lang="en-US" sz="1100" u="none" strike="noStrike">
-                          <a:effectLst/>
-                        </a:rPr>
-                        <a:t>10-fold </a:t>
-                      </a:r>
-                      <a:endParaRPr lang="en-US" sz="1100" b="0" i="0" u="none" strike="noStrike">
-                        <a:solidFill>
-                          <a:srgbClr val="000000"/>
-                        </a:solidFill>
-                        <a:effectLst/>
-                        <a:latin typeface="等线" panose="02010600030101010101" pitchFamily="2" charset="-122"/>
-                        <a:ea typeface="等线" panose="02010600030101010101" pitchFamily="2" charset="-122"/>
-                      </a:endParaRPr>
-                    </a:p>
-                  </a:txBody>
-                  <a:tcPr marL="9525" marR="9525" marT="9525" marB="0" anchor="b"/>
-                </a:tc>
-                <a:tc>
-                  <a:txBody>
-                    <a:bodyPr/>
-                    <a:lstStyle/>
-                    <a:p>
-                      <a:pPr algn="l" fontAlgn="b"/>
-                      <a:r>
-                        <a:rPr lang="en-US" sz="1100" u="none" strike="noStrike">
-                          <a:effectLst/>
-                        </a:rPr>
-                        <a:t>Cart</a:t>
-                      </a:r>
-                      <a:endParaRPr lang="en-US" sz="1100" b="0" i="0" u="none" strike="noStrike">
-                        <a:solidFill>
-                          <a:srgbClr val="000000"/>
-                        </a:solidFill>
-                        <a:effectLst/>
-                        <a:latin typeface="等线" panose="02010600030101010101" pitchFamily="2" charset="-122"/>
-                        <a:ea typeface="等线" panose="02010600030101010101" pitchFamily="2" charset="-122"/>
-                      </a:endParaRPr>
-                    </a:p>
-                  </a:txBody>
-                  <a:tcPr marL="9525" marR="9525" marT="9525" marB="0" anchor="b"/>
-                </a:tc>
-                <a:tc>
-                  <a:txBody>
-                    <a:bodyPr/>
-                    <a:lstStyle/>
-                    <a:p>
-                      <a:pPr algn="r" fontAlgn="b"/>
-                      <a:r>
-                        <a:rPr lang="en-US" altLang="zh-CN" sz="1100" u="none" strike="noStrike">
-                          <a:effectLst/>
-                        </a:rPr>
-                        <a:t>0.900555556</a:t>
-                      </a:r>
-                      <a:endParaRPr lang="en-US" altLang="zh-CN" sz="1100" b="0" i="0" u="none" strike="noStrike">
-                        <a:solidFill>
-                          <a:srgbClr val="006100"/>
-                        </a:solidFill>
-                        <a:effectLst/>
-                        <a:latin typeface="等线" panose="02010600030101010101" pitchFamily="2" charset="-122"/>
-                        <a:ea typeface="等线" panose="02010600030101010101" pitchFamily="2" charset="-122"/>
-                      </a:endParaRPr>
-                    </a:p>
-                  </a:txBody>
-                  <a:tcPr marL="9525" marR="9525" marT="9525" marB="0" anchor="b"/>
-                </a:tc>
-                <a:tc>
-                  <a:txBody>
-                    <a:bodyPr/>
-                    <a:lstStyle/>
-                    <a:p>
-                      <a:pPr algn="r" fontAlgn="b"/>
-                      <a:r>
-                        <a:rPr lang="en-US" altLang="zh-CN" sz="1100" u="none" strike="noStrike" dirty="0">
-                          <a:effectLst/>
-                        </a:rPr>
-                        <a:t>0</a:t>
-                      </a:r>
-                      <a:endParaRPr lang="en-US" altLang="zh-CN" sz="1100" b="0" i="0" u="none" strike="noStrike" dirty="0">
-                        <a:solidFill>
-                          <a:srgbClr val="006100"/>
-                        </a:solidFill>
-                        <a:effectLst/>
-                        <a:latin typeface="等线" panose="02010600030101010101" pitchFamily="2" charset="-122"/>
-                        <a:ea typeface="等线" panose="02010600030101010101" pitchFamily="2" charset="-122"/>
-                      </a:endParaRPr>
-                    </a:p>
-                  </a:txBody>
-                  <a:tcPr marL="9525" marR="9525" marT="9525" marB="0" anchor="b"/>
-                </a:tc>
-                <a:extLst>
-                  <a:ext uri="{0D108BD9-81ED-4DB2-BD59-A6C34878D82A}">
-                    <a16:rowId xmlns:a16="http://schemas.microsoft.com/office/drawing/2014/main" val="2316491005"/>
-                  </a:ext>
-                </a:extLst>
-              </a:tr>
-            </a:tbl>
-          </a:graphicData>
-        </a:graphic>
-      </p:graphicFrame>
-      <p:graphicFrame>
-        <p:nvGraphicFramePr>
-          <p:cNvPr id="11" name="表格 10">
-            <a:extLst>
-              <a:ext uri="{FF2B5EF4-FFF2-40B4-BE49-F238E27FC236}">
-                <a16:creationId xmlns:a16="http://schemas.microsoft.com/office/drawing/2014/main" id="{647223E9-39E0-424F-A4DC-162488535802}"/>
-              </a:ext>
-            </a:extLst>
-          </p:cNvPr>
-          <p:cNvGraphicFramePr>
-            <a:graphicFrameLocks noGrp="1"/>
-          </p:cNvGraphicFramePr>
-          <p:nvPr>
-            <p:extLst>
-              <p:ext uri="{D42A27DB-BD31-4B8C-83A1-F6EECF244321}">
-                <p14:modId xmlns:p14="http://schemas.microsoft.com/office/powerpoint/2010/main" val="1525878151"/>
-              </p:ext>
-            </p:extLst>
-          </p:nvPr>
-        </p:nvGraphicFramePr>
-        <p:xfrm>
-          <a:off x="2006600" y="4934300"/>
-          <a:ext cx="8178801" cy="904875"/>
-        </p:xfrm>
-        <a:graphic>
-          <a:graphicData uri="http://schemas.openxmlformats.org/drawingml/2006/table">
-            <a:tbl>
-              <a:tblPr>
-                <a:tableStyleId>{5C22544A-7EE6-4342-B048-85BDC9FD1C3A}</a:tableStyleId>
-              </a:tblPr>
-              <a:tblGrid>
-                <a:gridCol w="1055382">
-                  <a:extLst>
-                    <a:ext uri="{9D8B030D-6E8A-4147-A177-3AD203B41FA5}">
-                      <a16:colId xmlns:a16="http://schemas.microsoft.com/office/drawing/2014/main" val="1488837349"/>
-                    </a:ext>
-                  </a:extLst>
-                </a:gridCol>
-                <a:gridCol w="1157680">
-                  <a:extLst>
-                    <a:ext uri="{9D8B030D-6E8A-4147-A177-3AD203B41FA5}">
-                      <a16:colId xmlns:a16="http://schemas.microsoft.com/office/drawing/2014/main" val="357464551"/>
-                    </a:ext>
-                  </a:extLst>
-                </a:gridCol>
-                <a:gridCol w="1568742">
-                  <a:extLst>
-                    <a:ext uri="{9D8B030D-6E8A-4147-A177-3AD203B41FA5}">
-                      <a16:colId xmlns:a16="http://schemas.microsoft.com/office/drawing/2014/main" val="2933785966"/>
-                    </a:ext>
-                  </a:extLst>
-                </a:gridCol>
-                <a:gridCol w="947956">
-                  <a:extLst>
-                    <a:ext uri="{9D8B030D-6E8A-4147-A177-3AD203B41FA5}">
-                      <a16:colId xmlns:a16="http://schemas.microsoft.com/office/drawing/2014/main" val="3469962746"/>
-                    </a:ext>
-                  </a:extLst>
-                </a:gridCol>
-                <a:gridCol w="981512">
-                  <a:extLst>
-                    <a:ext uri="{9D8B030D-6E8A-4147-A177-3AD203B41FA5}">
-                      <a16:colId xmlns:a16="http://schemas.microsoft.com/office/drawing/2014/main" val="1065947390"/>
-                    </a:ext>
-                  </a:extLst>
-                </a:gridCol>
-                <a:gridCol w="1098957">
-                  <a:extLst>
-                    <a:ext uri="{9D8B030D-6E8A-4147-A177-3AD203B41FA5}">
-                      <a16:colId xmlns:a16="http://schemas.microsoft.com/office/drawing/2014/main" val="3302582777"/>
-                    </a:ext>
-                  </a:extLst>
-                </a:gridCol>
-                <a:gridCol w="1368572">
-                  <a:extLst>
-                    <a:ext uri="{9D8B030D-6E8A-4147-A177-3AD203B41FA5}">
-                      <a16:colId xmlns:a16="http://schemas.microsoft.com/office/drawing/2014/main" val="877290342"/>
-                    </a:ext>
-                  </a:extLst>
-                </a:gridCol>
-              </a:tblGrid>
-              <a:tr h="180975">
-                <a:tc>
-                  <a:txBody>
-                    <a:bodyPr/>
-                    <a:lstStyle/>
-                    <a:p>
-                      <a:pPr algn="l" fontAlgn="b"/>
-                      <a:r>
-                        <a:rPr lang="en-US" sz="1100" u="none" strike="noStrike">
-                          <a:effectLst/>
-                        </a:rPr>
-                        <a:t>Algorithm</a:t>
-                      </a:r>
-                      <a:endParaRPr lang="en-US" sz="1100" b="0" i="0" u="none" strike="noStrike">
-                        <a:solidFill>
-                          <a:srgbClr val="000000"/>
-                        </a:solidFill>
-                        <a:effectLst/>
-                        <a:latin typeface="等线" panose="02010600030101010101" pitchFamily="2" charset="-122"/>
-                        <a:ea typeface="等线" panose="02010600030101010101" pitchFamily="2" charset="-122"/>
-                      </a:endParaRPr>
-                    </a:p>
-                  </a:txBody>
-                  <a:tcPr marL="9525" marR="9525" marT="9525" marB="0" anchor="b"/>
-                </a:tc>
-                <a:tc>
-                  <a:txBody>
-                    <a:bodyPr/>
-                    <a:lstStyle/>
-                    <a:p>
-                      <a:pPr algn="l" fontAlgn="b"/>
-                      <a:r>
-                        <a:rPr lang="en-US" sz="1100" u="none" strike="noStrike">
-                          <a:effectLst/>
-                        </a:rPr>
-                        <a:t>Time</a:t>
-                      </a:r>
-                      <a:endParaRPr lang="en-US" sz="1100" b="0" i="0" u="none" strike="noStrike">
-                        <a:solidFill>
-                          <a:srgbClr val="000000"/>
-                        </a:solidFill>
-                        <a:effectLst/>
-                        <a:latin typeface="等线" panose="02010600030101010101" pitchFamily="2" charset="-122"/>
-                        <a:ea typeface="等线" panose="02010600030101010101" pitchFamily="2" charset="-122"/>
-                      </a:endParaRPr>
-                    </a:p>
-                  </a:txBody>
-                  <a:tcPr marL="9525" marR="9525" marT="9525" marB="0" anchor="b"/>
-                </a:tc>
-                <a:tc>
-                  <a:txBody>
-                    <a:bodyPr/>
-                    <a:lstStyle/>
-                    <a:p>
-                      <a:pPr algn="l" fontAlgn="b"/>
-                      <a:r>
-                        <a:rPr lang="en-US" sz="1100" u="none" strike="noStrike">
-                          <a:effectLst/>
-                        </a:rPr>
-                        <a:t>DR</a:t>
-                      </a:r>
-                      <a:endParaRPr lang="en-US" sz="1100" b="0" i="0" u="none" strike="noStrike">
-                        <a:solidFill>
-                          <a:srgbClr val="000000"/>
-                        </a:solidFill>
-                        <a:effectLst/>
-                        <a:latin typeface="等线" panose="02010600030101010101" pitchFamily="2" charset="-122"/>
-                        <a:ea typeface="等线" panose="02010600030101010101" pitchFamily="2" charset="-122"/>
-                      </a:endParaRPr>
-                    </a:p>
-                  </a:txBody>
-                  <a:tcPr marL="9525" marR="9525" marT="9525" marB="0" anchor="b"/>
-                </a:tc>
-                <a:tc>
-                  <a:txBody>
-                    <a:bodyPr/>
-                    <a:lstStyle/>
-                    <a:p>
-                      <a:pPr algn="l" fontAlgn="b"/>
-                      <a:r>
-                        <a:rPr lang="en-US" sz="1100" u="none" strike="noStrike">
-                          <a:effectLst/>
-                        </a:rPr>
-                        <a:t>Validation</a:t>
-                      </a:r>
-                      <a:endParaRPr lang="en-US" sz="1100" b="0" i="0" u="none" strike="noStrike">
-                        <a:solidFill>
-                          <a:srgbClr val="000000"/>
-                        </a:solidFill>
-                        <a:effectLst/>
-                        <a:latin typeface="等线" panose="02010600030101010101" pitchFamily="2" charset="-122"/>
-                        <a:ea typeface="等线" panose="02010600030101010101" pitchFamily="2" charset="-122"/>
-                      </a:endParaRPr>
-                    </a:p>
-                  </a:txBody>
-                  <a:tcPr marL="9525" marR="9525" marT="9525" marB="0" anchor="b"/>
-                </a:tc>
-                <a:tc>
-                  <a:txBody>
-                    <a:bodyPr/>
-                    <a:lstStyle/>
-                    <a:p>
-                      <a:pPr algn="l" fontAlgn="b"/>
-                      <a:r>
-                        <a:rPr lang="en-US" sz="1100" u="none" strike="noStrike">
-                          <a:effectLst/>
-                        </a:rPr>
-                        <a:t>Classifier</a:t>
-                      </a:r>
-                      <a:endParaRPr lang="en-US" sz="1100" b="0" i="0" u="none" strike="noStrike">
-                        <a:solidFill>
-                          <a:srgbClr val="000000"/>
-                        </a:solidFill>
-                        <a:effectLst/>
-                        <a:latin typeface="等线" panose="02010600030101010101" pitchFamily="2" charset="-122"/>
-                        <a:ea typeface="等线" panose="02010600030101010101" pitchFamily="2" charset="-122"/>
-                      </a:endParaRPr>
-                    </a:p>
-                  </a:txBody>
-                  <a:tcPr marL="9525" marR="9525" marT="9525" marB="0" anchor="b"/>
-                </a:tc>
-                <a:tc>
-                  <a:txBody>
-                    <a:bodyPr/>
-                    <a:lstStyle/>
-                    <a:p>
-                      <a:pPr algn="l" fontAlgn="b"/>
-                      <a:r>
-                        <a:rPr lang="en-US" sz="1100" u="none" strike="noStrike">
-                          <a:effectLst/>
-                        </a:rPr>
-                        <a:t>AC</a:t>
-                      </a:r>
-                      <a:endParaRPr lang="en-US" sz="1100" b="0" i="0" u="none" strike="noStrike">
-                        <a:solidFill>
-                          <a:srgbClr val="000000"/>
-                        </a:solidFill>
-                        <a:effectLst/>
-                        <a:latin typeface="等线" panose="02010600030101010101" pitchFamily="2" charset="-122"/>
-                        <a:ea typeface="等线" panose="02010600030101010101" pitchFamily="2" charset="-122"/>
-                      </a:endParaRPr>
-                    </a:p>
-                  </a:txBody>
-                  <a:tcPr marL="9525" marR="9525" marT="9525" marB="0" anchor="b"/>
-                </a:tc>
-                <a:tc>
-                  <a:txBody>
-                    <a:bodyPr/>
-                    <a:lstStyle/>
-                    <a:p>
-                      <a:pPr algn="l" fontAlgn="b"/>
-                      <a:r>
-                        <a:rPr lang="en-US" sz="1100" u="none" strike="noStrike">
-                          <a:effectLst/>
-                        </a:rPr>
-                        <a:t>Acc Delta</a:t>
-                      </a:r>
-                      <a:endParaRPr lang="en-US" sz="1100" b="0" i="0" u="none" strike="noStrike">
-                        <a:solidFill>
-                          <a:srgbClr val="000000"/>
-                        </a:solidFill>
-                        <a:effectLst/>
-                        <a:latin typeface="等线" panose="02010600030101010101" pitchFamily="2" charset="-122"/>
-                        <a:ea typeface="等线" panose="02010600030101010101" pitchFamily="2" charset="-122"/>
-                      </a:endParaRPr>
-                    </a:p>
-                  </a:txBody>
-                  <a:tcPr marL="9525" marR="9525" marT="9525" marB="0" anchor="b"/>
-                </a:tc>
-                <a:extLst>
-                  <a:ext uri="{0D108BD9-81ED-4DB2-BD59-A6C34878D82A}">
-                    <a16:rowId xmlns:a16="http://schemas.microsoft.com/office/drawing/2014/main" val="3710296805"/>
-                  </a:ext>
-                </a:extLst>
-              </a:tr>
-              <a:tr h="180975">
-                <a:tc>
-                  <a:txBody>
-                    <a:bodyPr/>
-                    <a:lstStyle/>
-                    <a:p>
-                      <a:pPr algn="l" fontAlgn="b"/>
-                      <a:r>
-                        <a:rPr lang="en-US" sz="1100" u="none" strike="noStrike">
-                          <a:effectLst/>
-                        </a:rPr>
-                        <a:t>EFSFOA</a:t>
-                      </a:r>
-                      <a:endParaRPr lang="en-US" sz="1100" b="0" i="0" u="none" strike="noStrike">
-                        <a:solidFill>
-                          <a:srgbClr val="000000"/>
-                        </a:solidFill>
-                        <a:effectLst/>
-                        <a:latin typeface="等线" panose="02010600030101010101" pitchFamily="2" charset="-122"/>
-                        <a:ea typeface="等线" panose="02010600030101010101" pitchFamily="2" charset="-122"/>
-                      </a:endParaRPr>
-                    </a:p>
-                  </a:txBody>
-                  <a:tcPr marL="9525" marR="9525" marT="9525" marB="0" anchor="b"/>
-                </a:tc>
-                <a:tc>
-                  <a:txBody>
-                    <a:bodyPr/>
-                    <a:lstStyle/>
-                    <a:p>
-                      <a:pPr algn="r" fontAlgn="b"/>
-                      <a:r>
-                        <a:rPr lang="en-US" altLang="zh-CN" sz="1100" u="none" strike="noStrike">
-                          <a:effectLst/>
-                        </a:rPr>
-                        <a:t>56.9013927</a:t>
-                      </a:r>
-                      <a:endParaRPr lang="en-US" altLang="zh-CN" sz="1100" b="0" i="0" u="none" strike="noStrike">
-                        <a:solidFill>
-                          <a:srgbClr val="000000"/>
-                        </a:solidFill>
-                        <a:effectLst/>
-                        <a:latin typeface="等线" panose="02010600030101010101" pitchFamily="2" charset="-122"/>
-                        <a:ea typeface="等线" panose="02010600030101010101" pitchFamily="2" charset="-122"/>
-                      </a:endParaRPr>
-                    </a:p>
-                  </a:txBody>
-                  <a:tcPr marL="9525" marR="9525" marT="9525" marB="0" anchor="b"/>
-                </a:tc>
-                <a:tc>
-                  <a:txBody>
-                    <a:bodyPr/>
-                    <a:lstStyle/>
-                    <a:p>
-                      <a:pPr algn="r" fontAlgn="b"/>
-                      <a:r>
-                        <a:rPr lang="en-US" altLang="zh-CN" sz="1100" u="none" strike="noStrike">
-                          <a:effectLst/>
-                        </a:rPr>
-                        <a:t>0.384615385</a:t>
-                      </a:r>
-                      <a:endParaRPr lang="en-US" altLang="zh-CN" sz="1100" b="0" i="0" u="none" strike="noStrike">
-                        <a:solidFill>
-                          <a:srgbClr val="000000"/>
-                        </a:solidFill>
-                        <a:effectLst/>
-                        <a:latin typeface="等线" panose="02010600030101010101" pitchFamily="2" charset="-122"/>
-                        <a:ea typeface="等线" panose="02010600030101010101" pitchFamily="2" charset="-122"/>
-                      </a:endParaRPr>
-                    </a:p>
-                  </a:txBody>
-                  <a:tcPr marL="9525" marR="9525" marT="9525" marB="0" anchor="b"/>
-                </a:tc>
-                <a:tc>
-                  <a:txBody>
-                    <a:bodyPr/>
-                    <a:lstStyle/>
-                    <a:p>
-                      <a:pPr algn="l" fontAlgn="b"/>
-                      <a:r>
-                        <a:rPr lang="en-US" sz="1100" u="none" strike="noStrike">
-                          <a:effectLst/>
-                        </a:rPr>
-                        <a:t>10-fold</a:t>
-                      </a:r>
-                      <a:endParaRPr lang="en-US" sz="1100" b="0" i="0" u="none" strike="noStrike">
-                        <a:solidFill>
-                          <a:srgbClr val="000000"/>
-                        </a:solidFill>
-                        <a:effectLst/>
-                        <a:latin typeface="等线" panose="02010600030101010101" pitchFamily="2" charset="-122"/>
-                        <a:ea typeface="等线" panose="02010600030101010101" pitchFamily="2" charset="-122"/>
-                      </a:endParaRPr>
-                    </a:p>
-                  </a:txBody>
-                  <a:tcPr marL="9525" marR="9525" marT="9525" marB="0" anchor="b"/>
-                </a:tc>
-                <a:tc>
-                  <a:txBody>
-                    <a:bodyPr/>
-                    <a:lstStyle/>
-                    <a:p>
-                      <a:pPr algn="l" fontAlgn="b"/>
-                      <a:r>
-                        <a:rPr lang="en-US" sz="1100" u="none" strike="noStrike">
-                          <a:effectLst/>
-                        </a:rPr>
-                        <a:t>1nn</a:t>
-                      </a:r>
-                      <a:endParaRPr lang="en-US" sz="1100" b="0" i="0" u="none" strike="noStrike">
-                        <a:solidFill>
-                          <a:srgbClr val="000000"/>
-                        </a:solidFill>
-                        <a:effectLst/>
-                        <a:latin typeface="等线" panose="02010600030101010101" pitchFamily="2" charset="-122"/>
-                        <a:ea typeface="等线" panose="02010600030101010101" pitchFamily="2" charset="-122"/>
-                      </a:endParaRPr>
-                    </a:p>
-                  </a:txBody>
-                  <a:tcPr marL="9525" marR="9525" marT="9525" marB="0" anchor="b"/>
-                </a:tc>
-                <a:tc>
-                  <a:txBody>
-                    <a:bodyPr/>
-                    <a:lstStyle/>
-                    <a:p>
-                      <a:pPr algn="r" fontAlgn="b"/>
-                      <a:r>
-                        <a:rPr lang="en-US" altLang="zh-CN" sz="1100" u="none" strike="noStrike">
-                          <a:effectLst/>
-                        </a:rPr>
-                        <a:t>0.777777778</a:t>
-                      </a:r>
-                      <a:endParaRPr lang="en-US" altLang="zh-CN" sz="1100" b="0" i="0" u="none" strike="noStrike">
-                        <a:solidFill>
-                          <a:srgbClr val="006100"/>
-                        </a:solidFill>
-                        <a:effectLst/>
-                        <a:latin typeface="等线" panose="02010600030101010101" pitchFamily="2" charset="-122"/>
-                        <a:ea typeface="等线" panose="02010600030101010101" pitchFamily="2" charset="-122"/>
-                      </a:endParaRPr>
-                    </a:p>
-                  </a:txBody>
-                  <a:tcPr marL="9525" marR="9525" marT="9525" marB="0" anchor="b"/>
-                </a:tc>
-                <a:tc>
-                  <a:txBody>
-                    <a:bodyPr/>
-                    <a:lstStyle/>
-                    <a:p>
-                      <a:pPr algn="r" fontAlgn="b"/>
-                      <a:r>
-                        <a:rPr lang="en-US" altLang="zh-CN" sz="1100" u="none" strike="noStrike">
-                          <a:effectLst/>
-                        </a:rPr>
-                        <a:t>0</a:t>
-                      </a:r>
-                      <a:endParaRPr lang="en-US" altLang="zh-CN" sz="1100" b="0" i="0" u="none" strike="noStrike">
-                        <a:solidFill>
-                          <a:srgbClr val="006100"/>
-                        </a:solidFill>
-                        <a:effectLst/>
-                        <a:latin typeface="等线" panose="02010600030101010101" pitchFamily="2" charset="-122"/>
-                        <a:ea typeface="等线" panose="02010600030101010101" pitchFamily="2" charset="-122"/>
-                      </a:endParaRPr>
-                    </a:p>
-                  </a:txBody>
-                  <a:tcPr marL="9525" marR="9525" marT="9525" marB="0" anchor="b"/>
-                </a:tc>
-                <a:extLst>
-                  <a:ext uri="{0D108BD9-81ED-4DB2-BD59-A6C34878D82A}">
-                    <a16:rowId xmlns:a16="http://schemas.microsoft.com/office/drawing/2014/main" val="2019617206"/>
-                  </a:ext>
-                </a:extLst>
-              </a:tr>
-              <a:tr h="180975">
-                <a:tc>
-                  <a:txBody>
-                    <a:bodyPr/>
-                    <a:lstStyle/>
-                    <a:p>
-                      <a:pPr algn="l" fontAlgn="b"/>
-                      <a:endParaRPr lang="zh-CN" altLang="en-US" sz="1100" b="0" i="0" u="none" strike="noStrike">
-                        <a:solidFill>
-                          <a:srgbClr val="000000"/>
-                        </a:solidFill>
-                        <a:effectLst/>
-                        <a:latin typeface="等线" panose="02010600030101010101" pitchFamily="2" charset="-122"/>
-                        <a:ea typeface="等线" panose="02010600030101010101" pitchFamily="2" charset="-122"/>
-                      </a:endParaRPr>
-                    </a:p>
-                  </a:txBody>
-                  <a:tcPr marL="9525" marR="9525" marT="9525" marB="0" anchor="b"/>
-                </a:tc>
-                <a:tc>
-                  <a:txBody>
-                    <a:bodyPr/>
-                    <a:lstStyle/>
-                    <a:p>
-                      <a:pPr algn="r" fontAlgn="b"/>
-                      <a:r>
-                        <a:rPr lang="en-US" altLang="zh-CN" sz="1100" u="none" strike="noStrike">
-                          <a:effectLst/>
-                        </a:rPr>
-                        <a:t>96.96909475</a:t>
-                      </a:r>
-                      <a:endParaRPr lang="en-US" altLang="zh-CN" sz="1100" b="0" i="0" u="none" strike="noStrike">
-                        <a:solidFill>
-                          <a:srgbClr val="000000"/>
-                        </a:solidFill>
-                        <a:effectLst/>
-                        <a:latin typeface="等线" panose="02010600030101010101" pitchFamily="2" charset="-122"/>
-                        <a:ea typeface="等线" panose="02010600030101010101" pitchFamily="2" charset="-122"/>
-                      </a:endParaRPr>
-                    </a:p>
-                  </a:txBody>
-                  <a:tcPr marL="9525" marR="9525" marT="9525" marB="0" anchor="b"/>
-                </a:tc>
-                <a:tc>
-                  <a:txBody>
-                    <a:bodyPr/>
-                    <a:lstStyle/>
-                    <a:p>
-                      <a:pPr algn="r" fontAlgn="b"/>
-                      <a:r>
-                        <a:rPr lang="en-US" altLang="zh-CN" sz="1100" u="none" strike="noStrike">
-                          <a:effectLst/>
-                        </a:rPr>
-                        <a:t>0.538461538</a:t>
-                      </a:r>
-                      <a:endParaRPr lang="en-US" altLang="zh-CN" sz="1100" b="0" i="0" u="none" strike="noStrike">
-                        <a:solidFill>
-                          <a:srgbClr val="000000"/>
-                        </a:solidFill>
-                        <a:effectLst/>
-                        <a:latin typeface="等线" panose="02010600030101010101" pitchFamily="2" charset="-122"/>
-                        <a:ea typeface="等线" panose="02010600030101010101" pitchFamily="2" charset="-122"/>
-                      </a:endParaRPr>
-                    </a:p>
-                  </a:txBody>
-                  <a:tcPr marL="9525" marR="9525" marT="9525" marB="0" anchor="b"/>
-                </a:tc>
-                <a:tc>
-                  <a:txBody>
-                    <a:bodyPr/>
-                    <a:lstStyle/>
-                    <a:p>
-                      <a:pPr algn="l" fontAlgn="b"/>
-                      <a:r>
-                        <a:rPr lang="en-US" sz="1100" u="none" strike="noStrike">
-                          <a:effectLst/>
-                        </a:rPr>
-                        <a:t>10-fold</a:t>
-                      </a:r>
-                      <a:endParaRPr lang="en-US" sz="1100" b="0" i="0" u="none" strike="noStrike">
-                        <a:solidFill>
-                          <a:srgbClr val="000000"/>
-                        </a:solidFill>
-                        <a:effectLst/>
-                        <a:latin typeface="等线" panose="02010600030101010101" pitchFamily="2" charset="-122"/>
-                        <a:ea typeface="等线" panose="02010600030101010101" pitchFamily="2" charset="-122"/>
-                      </a:endParaRPr>
-                    </a:p>
-                  </a:txBody>
-                  <a:tcPr marL="9525" marR="9525" marT="9525" marB="0" anchor="b"/>
-                </a:tc>
-                <a:tc>
-                  <a:txBody>
-                    <a:bodyPr/>
-                    <a:lstStyle/>
-                    <a:p>
-                      <a:pPr algn="l" fontAlgn="b"/>
-                      <a:r>
-                        <a:rPr lang="en-US" sz="1100" u="none" strike="noStrike">
-                          <a:effectLst/>
-                        </a:rPr>
-                        <a:t>5nn</a:t>
-                      </a:r>
-                      <a:endParaRPr lang="en-US" sz="1100" b="0" i="0" u="none" strike="noStrike">
-                        <a:solidFill>
-                          <a:srgbClr val="000000"/>
-                        </a:solidFill>
-                        <a:effectLst/>
-                        <a:latin typeface="等线" panose="02010600030101010101" pitchFamily="2" charset="-122"/>
-                        <a:ea typeface="等线" panose="02010600030101010101" pitchFamily="2" charset="-122"/>
-                      </a:endParaRPr>
-                    </a:p>
-                  </a:txBody>
-                  <a:tcPr marL="9525" marR="9525" marT="9525" marB="0" anchor="b"/>
-                </a:tc>
-                <a:tc>
-                  <a:txBody>
-                    <a:bodyPr/>
-                    <a:lstStyle/>
-                    <a:p>
-                      <a:pPr algn="r" fontAlgn="b"/>
-                      <a:r>
-                        <a:rPr lang="en-US" altLang="zh-CN" sz="1100" u="none" strike="noStrike">
-                          <a:effectLst/>
-                        </a:rPr>
-                        <a:t>0.796296296</a:t>
-                      </a:r>
-                      <a:endParaRPr lang="en-US" altLang="zh-CN" sz="1100" b="0" i="0" u="none" strike="noStrike">
-                        <a:solidFill>
-                          <a:srgbClr val="000000"/>
-                        </a:solidFill>
-                        <a:effectLst/>
-                        <a:latin typeface="等线" panose="02010600030101010101" pitchFamily="2" charset="-122"/>
-                        <a:ea typeface="等线" panose="02010600030101010101" pitchFamily="2" charset="-122"/>
-                      </a:endParaRPr>
-                    </a:p>
-                  </a:txBody>
-                  <a:tcPr marL="9525" marR="9525" marT="9525" marB="0" anchor="b"/>
-                </a:tc>
-                <a:tc>
-                  <a:txBody>
-                    <a:bodyPr/>
-                    <a:lstStyle/>
-                    <a:p>
-                      <a:pPr algn="r" fontAlgn="b"/>
-                      <a:r>
-                        <a:rPr lang="en-US" altLang="zh-CN" sz="1100" u="none" strike="noStrike">
-                          <a:effectLst/>
-                        </a:rPr>
-                        <a:t>5.701754386</a:t>
-                      </a:r>
-                      <a:endParaRPr lang="en-US" altLang="zh-CN" sz="1100" b="0" i="0" u="none" strike="noStrike">
-                        <a:solidFill>
-                          <a:srgbClr val="000000"/>
-                        </a:solidFill>
-                        <a:effectLst/>
-                        <a:latin typeface="等线" panose="02010600030101010101" pitchFamily="2" charset="-122"/>
-                        <a:ea typeface="等线" panose="02010600030101010101" pitchFamily="2" charset="-122"/>
-                      </a:endParaRPr>
-                    </a:p>
-                  </a:txBody>
-                  <a:tcPr marL="9525" marR="9525" marT="9525" marB="0" anchor="b"/>
-                </a:tc>
-                <a:extLst>
-                  <a:ext uri="{0D108BD9-81ED-4DB2-BD59-A6C34878D82A}">
-                    <a16:rowId xmlns:a16="http://schemas.microsoft.com/office/drawing/2014/main" val="631074522"/>
-                  </a:ext>
-                </a:extLst>
-              </a:tr>
-              <a:tr h="180975">
-                <a:tc>
-                  <a:txBody>
-                    <a:bodyPr/>
-                    <a:lstStyle/>
-                    <a:p>
-                      <a:pPr algn="l" fontAlgn="b"/>
-                      <a:endParaRPr lang="zh-CN" altLang="en-US" sz="1100" b="0" i="0" u="none" strike="noStrike">
-                        <a:solidFill>
-                          <a:srgbClr val="000000"/>
-                        </a:solidFill>
-                        <a:effectLst/>
-                        <a:latin typeface="等线" panose="02010600030101010101" pitchFamily="2" charset="-122"/>
-                        <a:ea typeface="等线" panose="02010600030101010101" pitchFamily="2" charset="-122"/>
-                      </a:endParaRPr>
-                    </a:p>
-                  </a:txBody>
-                  <a:tcPr marL="9525" marR="9525" marT="9525" marB="0" anchor="b"/>
-                </a:tc>
-                <a:tc>
-                  <a:txBody>
-                    <a:bodyPr/>
-                    <a:lstStyle/>
-                    <a:p>
-                      <a:pPr algn="r" fontAlgn="b"/>
-                      <a:r>
-                        <a:rPr lang="en-US" altLang="zh-CN" sz="1100" u="none" strike="noStrike">
-                          <a:effectLst/>
-                        </a:rPr>
-                        <a:t>1.091846704</a:t>
-                      </a:r>
-                      <a:endParaRPr lang="en-US" altLang="zh-CN" sz="1100" b="0" i="0" u="none" strike="noStrike">
-                        <a:solidFill>
-                          <a:srgbClr val="000000"/>
-                        </a:solidFill>
-                        <a:effectLst/>
-                        <a:latin typeface="等线" panose="02010600030101010101" pitchFamily="2" charset="-122"/>
-                        <a:ea typeface="等线" panose="02010600030101010101" pitchFamily="2" charset="-122"/>
-                      </a:endParaRPr>
-                    </a:p>
-                  </a:txBody>
-                  <a:tcPr marL="9525" marR="9525" marT="9525" marB="0" anchor="b"/>
-                </a:tc>
-                <a:tc>
-                  <a:txBody>
-                    <a:bodyPr/>
-                    <a:lstStyle/>
-                    <a:p>
-                      <a:pPr algn="r" fontAlgn="b"/>
-                      <a:r>
-                        <a:rPr lang="en-US" altLang="zh-CN" sz="1100" u="none" strike="noStrike">
-                          <a:effectLst/>
-                        </a:rPr>
-                        <a:t>0.307692308</a:t>
-                      </a:r>
-                      <a:endParaRPr lang="en-US" altLang="zh-CN" sz="1100" b="0" i="0" u="none" strike="noStrike">
-                        <a:solidFill>
-                          <a:srgbClr val="000000"/>
-                        </a:solidFill>
-                        <a:effectLst/>
-                        <a:latin typeface="等线" panose="02010600030101010101" pitchFamily="2" charset="-122"/>
-                        <a:ea typeface="等线" panose="02010600030101010101" pitchFamily="2" charset="-122"/>
-                      </a:endParaRPr>
-                    </a:p>
-                  </a:txBody>
-                  <a:tcPr marL="9525" marR="9525" marT="9525" marB="0" anchor="b"/>
-                </a:tc>
-                <a:tc>
-                  <a:txBody>
-                    <a:bodyPr/>
-                    <a:lstStyle/>
-                    <a:p>
-                      <a:pPr algn="l" fontAlgn="b"/>
-                      <a:r>
-                        <a:rPr lang="en-US" sz="1100" u="none" strike="noStrike">
-                          <a:effectLst/>
-                        </a:rPr>
-                        <a:t>10-fold</a:t>
-                      </a:r>
-                      <a:endParaRPr lang="en-US" sz="1100" b="0" i="0" u="none" strike="noStrike">
-                        <a:solidFill>
-                          <a:srgbClr val="000000"/>
-                        </a:solidFill>
-                        <a:effectLst/>
-                        <a:latin typeface="等线" panose="02010600030101010101" pitchFamily="2" charset="-122"/>
-                        <a:ea typeface="等线" panose="02010600030101010101" pitchFamily="2" charset="-122"/>
-                      </a:endParaRPr>
-                    </a:p>
-                  </a:txBody>
-                  <a:tcPr marL="9525" marR="9525" marT="9525" marB="0" anchor="b"/>
-                </a:tc>
-                <a:tc>
-                  <a:txBody>
-                    <a:bodyPr/>
-                    <a:lstStyle/>
-                    <a:p>
-                      <a:pPr algn="l" fontAlgn="b"/>
-                      <a:r>
-                        <a:rPr lang="en-US" sz="1100" u="none" strike="noStrike">
-                          <a:effectLst/>
-                        </a:rPr>
-                        <a:t>SVM</a:t>
-                      </a:r>
-                      <a:endParaRPr lang="en-US" sz="1100" b="0" i="0" u="none" strike="noStrike">
-                        <a:solidFill>
-                          <a:srgbClr val="000000"/>
-                        </a:solidFill>
-                        <a:effectLst/>
-                        <a:latin typeface="等线" panose="02010600030101010101" pitchFamily="2" charset="-122"/>
-                        <a:ea typeface="等线" panose="02010600030101010101" pitchFamily="2" charset="-122"/>
-                      </a:endParaRPr>
-                    </a:p>
-                  </a:txBody>
-                  <a:tcPr marL="9525" marR="9525" marT="9525" marB="0" anchor="b"/>
-                </a:tc>
-                <a:tc>
-                  <a:txBody>
-                    <a:bodyPr/>
-                    <a:lstStyle/>
-                    <a:p>
-                      <a:pPr algn="r" fontAlgn="b"/>
-                      <a:r>
-                        <a:rPr lang="en-US" altLang="zh-CN" sz="1100" u="none" strike="noStrike">
-                          <a:effectLst/>
-                        </a:rPr>
-                        <a:t>0.837037037</a:t>
-                      </a:r>
-                      <a:endParaRPr lang="en-US" altLang="zh-CN" sz="1100" b="0" i="0" u="none" strike="noStrike">
-                        <a:solidFill>
-                          <a:srgbClr val="000000"/>
-                        </a:solidFill>
-                        <a:effectLst/>
-                        <a:latin typeface="等线" panose="02010600030101010101" pitchFamily="2" charset="-122"/>
-                        <a:ea typeface="等线" panose="02010600030101010101" pitchFamily="2" charset="-122"/>
-                      </a:endParaRPr>
-                    </a:p>
-                  </a:txBody>
-                  <a:tcPr marL="9525" marR="9525" marT="9525" marB="0" anchor="b"/>
-                </a:tc>
-                <a:tc>
-                  <a:txBody>
-                    <a:bodyPr/>
-                    <a:lstStyle/>
-                    <a:p>
-                      <a:pPr algn="r" fontAlgn="b"/>
-                      <a:r>
-                        <a:rPr lang="en-US" altLang="zh-CN" sz="1100" u="none" strike="noStrike">
-                          <a:effectLst/>
-                        </a:rPr>
-                        <a:t>1.310043668</a:t>
-                      </a:r>
-                      <a:endParaRPr lang="en-US" altLang="zh-CN" sz="1100" b="0" i="0" u="none" strike="noStrike">
-                        <a:solidFill>
-                          <a:srgbClr val="000000"/>
-                        </a:solidFill>
-                        <a:effectLst/>
-                        <a:latin typeface="等线" panose="02010600030101010101" pitchFamily="2" charset="-122"/>
-                        <a:ea typeface="等线" panose="02010600030101010101" pitchFamily="2" charset="-122"/>
-                      </a:endParaRPr>
-                    </a:p>
-                  </a:txBody>
-                  <a:tcPr marL="9525" marR="9525" marT="9525" marB="0" anchor="b"/>
-                </a:tc>
-                <a:extLst>
-                  <a:ext uri="{0D108BD9-81ED-4DB2-BD59-A6C34878D82A}">
-                    <a16:rowId xmlns:a16="http://schemas.microsoft.com/office/drawing/2014/main" val="1258928257"/>
-                  </a:ext>
-                </a:extLst>
-              </a:tr>
-              <a:tr h="180975">
-                <a:tc>
-                  <a:txBody>
-                    <a:bodyPr/>
-                    <a:lstStyle/>
-                    <a:p>
-                      <a:pPr algn="l" fontAlgn="b"/>
-                      <a:endParaRPr lang="zh-CN" altLang="en-US" sz="1100" b="0" i="0" u="none" strike="noStrike">
-                        <a:solidFill>
-                          <a:srgbClr val="000000"/>
-                        </a:solidFill>
-                        <a:effectLst/>
-                        <a:latin typeface="等线" panose="02010600030101010101" pitchFamily="2" charset="-122"/>
-                        <a:ea typeface="等线" panose="02010600030101010101" pitchFamily="2" charset="-122"/>
-                      </a:endParaRPr>
-                    </a:p>
-                  </a:txBody>
-                  <a:tcPr marL="9525" marR="9525" marT="9525" marB="0" anchor="b"/>
-                </a:tc>
-                <a:tc>
-                  <a:txBody>
-                    <a:bodyPr/>
-                    <a:lstStyle/>
-                    <a:p>
-                      <a:pPr algn="r" fontAlgn="b"/>
-                      <a:r>
-                        <a:rPr lang="en-US" altLang="zh-CN" sz="1100" u="none" strike="noStrike">
-                          <a:effectLst/>
-                        </a:rPr>
-                        <a:t>0.453017712</a:t>
-                      </a:r>
-                      <a:endParaRPr lang="en-US" altLang="zh-CN" sz="1100" b="0" i="0" u="none" strike="noStrike">
-                        <a:solidFill>
-                          <a:srgbClr val="000000"/>
-                        </a:solidFill>
-                        <a:effectLst/>
-                        <a:latin typeface="等线" panose="02010600030101010101" pitchFamily="2" charset="-122"/>
-                        <a:ea typeface="等线" panose="02010600030101010101" pitchFamily="2" charset="-122"/>
-                      </a:endParaRPr>
-                    </a:p>
-                  </a:txBody>
-                  <a:tcPr marL="9525" marR="9525" marT="9525" marB="0" anchor="b"/>
-                </a:tc>
-                <a:tc>
-                  <a:txBody>
-                    <a:bodyPr/>
-                    <a:lstStyle/>
-                    <a:p>
-                      <a:pPr algn="r" fontAlgn="b"/>
-                      <a:r>
-                        <a:rPr lang="en-US" altLang="zh-CN" sz="1100" u="none" strike="noStrike">
-                          <a:effectLst/>
-                        </a:rPr>
-                        <a:t>0.692307692</a:t>
-                      </a:r>
-                      <a:endParaRPr lang="en-US" altLang="zh-CN" sz="1100" b="0" i="0" u="none" strike="noStrike">
-                        <a:solidFill>
-                          <a:srgbClr val="000000"/>
-                        </a:solidFill>
-                        <a:effectLst/>
-                        <a:latin typeface="等线" panose="02010600030101010101" pitchFamily="2" charset="-122"/>
-                        <a:ea typeface="等线" panose="02010600030101010101" pitchFamily="2" charset="-122"/>
-                      </a:endParaRPr>
-                    </a:p>
-                  </a:txBody>
-                  <a:tcPr marL="9525" marR="9525" marT="9525" marB="0" anchor="b"/>
-                </a:tc>
-                <a:tc>
-                  <a:txBody>
-                    <a:bodyPr/>
-                    <a:lstStyle/>
-                    <a:p>
-                      <a:pPr algn="l" fontAlgn="b"/>
-                      <a:r>
-                        <a:rPr lang="en-US" sz="1100" u="none" strike="noStrike">
-                          <a:effectLst/>
-                        </a:rPr>
-                        <a:t>10-fold </a:t>
-                      </a:r>
-                      <a:endParaRPr lang="en-US" sz="1100" b="0" i="0" u="none" strike="noStrike">
-                        <a:solidFill>
-                          <a:srgbClr val="000000"/>
-                        </a:solidFill>
-                        <a:effectLst/>
-                        <a:latin typeface="等线" panose="02010600030101010101" pitchFamily="2" charset="-122"/>
-                        <a:ea typeface="等线" panose="02010600030101010101" pitchFamily="2" charset="-122"/>
-                      </a:endParaRPr>
-                    </a:p>
-                  </a:txBody>
-                  <a:tcPr marL="9525" marR="9525" marT="9525" marB="0" anchor="b"/>
-                </a:tc>
-                <a:tc>
-                  <a:txBody>
-                    <a:bodyPr/>
-                    <a:lstStyle/>
-                    <a:p>
-                      <a:pPr algn="l" fontAlgn="b"/>
-                      <a:r>
-                        <a:rPr lang="en-US" sz="1100" u="none" strike="noStrike">
-                          <a:effectLst/>
-                        </a:rPr>
-                        <a:t>Cart</a:t>
-                      </a:r>
-                      <a:endParaRPr lang="en-US" sz="1100" b="0" i="0" u="none" strike="noStrike">
-                        <a:solidFill>
-                          <a:srgbClr val="000000"/>
-                        </a:solidFill>
-                        <a:effectLst/>
-                        <a:latin typeface="等线" panose="02010600030101010101" pitchFamily="2" charset="-122"/>
-                        <a:ea typeface="等线" panose="02010600030101010101" pitchFamily="2" charset="-122"/>
-                      </a:endParaRPr>
-                    </a:p>
-                  </a:txBody>
-                  <a:tcPr marL="9525" marR="9525" marT="9525" marB="0" anchor="b"/>
-                </a:tc>
-                <a:tc>
-                  <a:txBody>
-                    <a:bodyPr/>
-                    <a:lstStyle/>
-                    <a:p>
-                      <a:pPr algn="r" fontAlgn="b"/>
-                      <a:r>
-                        <a:rPr lang="en-US" altLang="zh-CN" sz="1100" u="none" strike="noStrike">
-                          <a:effectLst/>
-                        </a:rPr>
-                        <a:t>0.822222222</a:t>
-                      </a:r>
-                      <a:endParaRPr lang="en-US" altLang="zh-CN" sz="1100" b="0" i="0" u="none" strike="noStrike">
-                        <a:solidFill>
-                          <a:srgbClr val="006100"/>
-                        </a:solidFill>
-                        <a:effectLst/>
-                        <a:latin typeface="等线" panose="02010600030101010101" pitchFamily="2" charset="-122"/>
-                        <a:ea typeface="等线" panose="02010600030101010101" pitchFamily="2" charset="-122"/>
-                      </a:endParaRPr>
-                    </a:p>
-                  </a:txBody>
-                  <a:tcPr marL="9525" marR="9525" marT="9525" marB="0" anchor="b"/>
-                </a:tc>
-                <a:tc>
-                  <a:txBody>
-                    <a:bodyPr/>
-                    <a:lstStyle/>
-                    <a:p>
-                      <a:pPr algn="r" fontAlgn="b"/>
-                      <a:r>
-                        <a:rPr lang="en-US" altLang="zh-CN" sz="1100" u="none" strike="noStrike" dirty="0">
-                          <a:effectLst/>
-                        </a:rPr>
-                        <a:t>0</a:t>
-                      </a:r>
-                      <a:endParaRPr lang="en-US" altLang="zh-CN" sz="1100" b="0" i="0" u="none" strike="noStrike" dirty="0">
-                        <a:solidFill>
-                          <a:srgbClr val="006100"/>
-                        </a:solidFill>
-                        <a:effectLst/>
-                        <a:latin typeface="等线" panose="02010600030101010101" pitchFamily="2" charset="-122"/>
-                        <a:ea typeface="等线" panose="02010600030101010101" pitchFamily="2" charset="-122"/>
-                      </a:endParaRPr>
-                    </a:p>
-                  </a:txBody>
-                  <a:tcPr marL="9525" marR="9525" marT="9525" marB="0" anchor="b"/>
-                </a:tc>
-                <a:extLst>
-                  <a:ext uri="{0D108BD9-81ED-4DB2-BD59-A6C34878D82A}">
-                    <a16:rowId xmlns:a16="http://schemas.microsoft.com/office/drawing/2014/main" val="1266793687"/>
-                  </a:ext>
-                </a:extLst>
-              </a:tr>
-            </a:tbl>
-          </a:graphicData>
-        </a:graphic>
-      </p:graphicFrame>
-      <p:sp>
-        <p:nvSpPr>
-          <p:cNvPr id="4" name="矩形 3">
-            <a:extLst>
-              <a:ext uri="{FF2B5EF4-FFF2-40B4-BE49-F238E27FC236}">
-                <a16:creationId xmlns:a16="http://schemas.microsoft.com/office/drawing/2014/main" id="{C1B4B224-F9B0-4580-A0DD-FE278937C2A1}"/>
-              </a:ext>
-            </a:extLst>
-          </p:cNvPr>
-          <p:cNvSpPr/>
-          <p:nvPr/>
-        </p:nvSpPr>
-        <p:spPr>
-          <a:xfrm>
-            <a:off x="1632025" y="1605335"/>
-            <a:ext cx="1106778" cy="369332"/>
-          </a:xfrm>
-          <a:prstGeom prst="rect">
-            <a:avLst/>
-          </a:prstGeom>
-        </p:spPr>
-        <p:txBody>
-          <a:bodyPr wrap="none">
-            <a:spAutoFit/>
-          </a:bodyPr>
-          <a:lstStyle/>
-          <a:p>
-            <a:r>
-              <a:rPr lang="en-US" altLang="zh-CN" dirty="0" err="1"/>
-              <a:t>cleveland</a:t>
-            </a:r>
-            <a:endParaRPr lang="zh-CN" altLang="en-US" dirty="0"/>
-          </a:p>
-        </p:txBody>
-      </p:sp>
-      <p:sp>
-        <p:nvSpPr>
-          <p:cNvPr id="5" name="矩形 4">
-            <a:extLst>
-              <a:ext uri="{FF2B5EF4-FFF2-40B4-BE49-F238E27FC236}">
-                <a16:creationId xmlns:a16="http://schemas.microsoft.com/office/drawing/2014/main" id="{68478638-E9A5-48A2-A9CA-ADEDAF79ED5F}"/>
-              </a:ext>
-            </a:extLst>
-          </p:cNvPr>
-          <p:cNvSpPr/>
-          <p:nvPr/>
-        </p:nvSpPr>
-        <p:spPr>
-          <a:xfrm>
-            <a:off x="1632025" y="3043111"/>
-            <a:ext cx="1274708" cy="369332"/>
-          </a:xfrm>
-          <a:prstGeom prst="rect">
-            <a:avLst/>
-          </a:prstGeom>
-        </p:spPr>
-        <p:txBody>
-          <a:bodyPr wrap="none">
-            <a:spAutoFit/>
-          </a:bodyPr>
-          <a:lstStyle/>
-          <a:p>
-            <a:r>
-              <a:rPr lang="zh-CN" altLang="en-US" dirty="0"/>
-              <a:t>ionosphere</a:t>
-            </a:r>
-          </a:p>
-        </p:txBody>
-      </p:sp>
-      <p:sp>
-        <p:nvSpPr>
-          <p:cNvPr id="6" name="矩形 5">
-            <a:extLst>
-              <a:ext uri="{FF2B5EF4-FFF2-40B4-BE49-F238E27FC236}">
-                <a16:creationId xmlns:a16="http://schemas.microsoft.com/office/drawing/2014/main" id="{E59B815C-F993-441A-A787-45A8F6A4F42F}"/>
-              </a:ext>
-            </a:extLst>
-          </p:cNvPr>
-          <p:cNvSpPr/>
-          <p:nvPr/>
-        </p:nvSpPr>
-        <p:spPr>
-          <a:xfrm>
-            <a:off x="1632025" y="4483983"/>
-            <a:ext cx="705321" cy="369332"/>
-          </a:xfrm>
-          <a:prstGeom prst="rect">
-            <a:avLst/>
-          </a:prstGeom>
-        </p:spPr>
-        <p:txBody>
-          <a:bodyPr wrap="none">
-            <a:spAutoFit/>
-          </a:bodyPr>
-          <a:lstStyle/>
-          <a:p>
-            <a:r>
-              <a:rPr lang="zh-CN" altLang="en-US" dirty="0"/>
-              <a:t>heart</a:t>
-            </a:r>
-          </a:p>
-        </p:txBody>
-      </p:sp>
+              </p:cNvPr>
+              <p:cNvSpPr>
+                <a:spLocks noGrp="1" noRot="1" noChangeAspect="1" noMove="1" noResize="1" noEditPoints="1" noAdjustHandles="1" noChangeArrowheads="1" noChangeShapeType="1" noTextEdit="1"/>
+              </p:cNvSpPr>
+              <p:nvPr>
+                <p:ph type="body" orient="vert" idx="1"/>
+              </p:nvPr>
+            </p:nvSpPr>
+            <p:spPr>
+              <a:blipFill>
+                <a:blip r:embed="rId2"/>
+                <a:stretch>
+                  <a:fillRect l="-571" t="-10922" r="-635"/>
+                </a:stretch>
+              </a:blipFill>
+            </p:spPr>
+            <p:txBody>
+              <a:bodyPr/>
+              <a:lstStyle/>
+              <a:p>
+                <a:r>
+                  <a:rPr lang="zh-CN" altLang="en-US">
+                    <a:noFill/>
+                  </a:rPr>
+                  <a:t> </a:t>
+                </a:r>
+              </a:p>
+            </p:txBody>
+          </p:sp>
+        </mc:Fallback>
+      </mc:AlternateContent>
     </p:spTree>
     <p:extLst>
       <p:ext uri="{BB962C8B-B14F-4D97-AF65-F5344CB8AC3E}">
-        <p14:creationId xmlns:p14="http://schemas.microsoft.com/office/powerpoint/2010/main" val="1488776655"/>
+        <p14:creationId xmlns:p14="http://schemas.microsoft.com/office/powerpoint/2010/main" val="3593800620"/>
       </p:ext>
     </p:extLst>
   </p:cSld>
@@ -25685,7 +23093,15 @@
           <a:p>
             <a:r>
               <a:rPr kumimoji="1" lang="zh-CN" altLang="en-US" dirty="0"/>
-              <a:t>我们做了什么？</a:t>
+              <a:t>我们做了什么</a:t>
+            </a:r>
+            <a:r>
+              <a:rPr kumimoji="1" lang="en-US" altLang="zh-CN" dirty="0"/>
+              <a:t>s</a:t>
+            </a:r>
+            <a:r>
+              <a:rPr kumimoji="1" lang="zh-CN" altLang="en-US" dirty="0"/>
+              <a:t>？</a:t>
             </a:r>
           </a:p>
         </p:txBody>
@@ -25726,6 +23142,14 @@
             <a:r>
               <a:rPr kumimoji="1" lang="en-US" altLang="zh-CN" dirty="0"/>
               <a:t>IFSFOA</a:t>
+            </a:r>
+            <a:r>
+              <a:rPr kumimoji="1" lang="zh-CN" altLang="en-US" dirty="0"/>
+              <a:t>、</a:t>
+            </a:r>
+            <a:r>
+              <a:rPr lang="en-US" altLang="zh-CN" dirty="0"/>
+              <a:t> EFSFOA</a:t>
             </a:r>
             <a:r>
               <a:rPr kumimoji="1" lang="zh-CN" altLang="en-US" dirty="0"/>
@@ -26247,6 +23671,190 @@
 </file>
 
 <file path=ppt/slides/slide7.xml><?xml version="1.0" encoding="utf-8"?>
+<p:sld xmlns:a="http://schemas.openxmlformats.org/drawingml/2006/main" xmlns:r="http://schemas.openxmlformats.org/officeDocument/2006/relationships" xmlns:p="http://schemas.openxmlformats.org/presentationml/2006/main">
+  <p:cSld>
+    <p:spTree>
+      <p:nvGrpSpPr>
+        <p:cNvPr id="1" name=""/>
+        <p:cNvGrpSpPr/>
+        <p:nvPr/>
+      </p:nvGrpSpPr>
+      <p:grpSpPr>
+        <a:xfrm>
+          <a:off x="0" y="0"/>
+          <a:ext cx="0" cy="0"/>
+          <a:chOff x="0" y="0"/>
+          <a:chExt cx="0" cy="0"/>
+        </a:xfrm>
+      </p:grpSpPr>
+      <p:sp>
+        <p:nvSpPr>
+          <p:cNvPr id="2" name="标题 1">
+            <a:extLst>
+              <a:ext uri="{FF2B5EF4-FFF2-40B4-BE49-F238E27FC236}">
+                <a16:creationId xmlns:a16="http://schemas.microsoft.com/office/drawing/2014/main" id="{B782287F-9CA4-4BAF-A53D-7851954E44BD}"/>
+              </a:ext>
+            </a:extLst>
+          </p:cNvPr>
+          <p:cNvSpPr>
+            <a:spLocks noGrp="1"/>
+          </p:cNvSpPr>
+          <p:nvPr>
+            <p:ph type="title"/>
+          </p:nvPr>
+        </p:nvSpPr>
+        <p:spPr/>
+        <p:txBody>
+          <a:bodyPr/>
+          <a:lstStyle/>
+          <a:p>
+            <a:r>
+              <a:rPr lang="en-US" altLang="zh-CN" dirty="0"/>
+              <a:t>EFSFOA</a:t>
+            </a:r>
+            <a:endParaRPr lang="zh-CN" altLang="en-US" dirty="0"/>
+          </a:p>
+        </p:txBody>
+      </p:sp>
+      <p:sp>
+        <p:nvSpPr>
+          <p:cNvPr id="3" name="竖排文字占位符 2">
+            <a:extLst>
+              <a:ext uri="{FF2B5EF4-FFF2-40B4-BE49-F238E27FC236}">
+                <a16:creationId xmlns:a16="http://schemas.microsoft.com/office/drawing/2014/main" id="{A6C54BA1-554C-46D2-9545-98ADFEDA9E01}"/>
+              </a:ext>
+            </a:extLst>
+          </p:cNvPr>
+          <p:cNvSpPr>
+            <a:spLocks noGrp="1"/>
+          </p:cNvSpPr>
+          <p:nvPr>
+            <p:ph type="body" orient="vert" idx="1"/>
+          </p:nvPr>
+        </p:nvSpPr>
+        <p:spPr>
+          <a:xfrm>
+            <a:off x="1371600" y="2171700"/>
+            <a:ext cx="9601200" cy="3695700"/>
+          </a:xfrm>
+        </p:spPr>
+        <p:txBody>
+          <a:bodyPr vert="horz">
+            <a:normAutofit/>
+          </a:bodyPr>
+          <a:lstStyle/>
+          <a:p>
+            <a:r>
+              <a:rPr lang="en-US" altLang="zh-CN" dirty="0"/>
+              <a:t>EFSFOA</a:t>
+            </a:r>
+            <a:r>
+              <a:rPr lang="zh-CN" altLang="en-US" dirty="0"/>
+              <a:t>在 </a:t>
+            </a:r>
+            <a:r>
+              <a:rPr lang="en-US" altLang="zh-CN" dirty="0"/>
+              <a:t>FSFOA </a:t>
+            </a:r>
+            <a:r>
+              <a:rPr lang="zh-CN" altLang="en-US" dirty="0"/>
+              <a:t>的基础上进行改进，对以下几点进行了优化改进：</a:t>
+            </a:r>
+            <a:endParaRPr lang="en-US" altLang="zh-CN" dirty="0"/>
+          </a:p>
+          <a:p>
+            <a:pPr marL="987552" lvl="1" indent="-457200">
+              <a:buFont typeface="+mj-ea"/>
+              <a:buAutoNum type="circleNumDbPlain"/>
+            </a:pPr>
+            <a:r>
+              <a:rPr lang="zh-CN" altLang="en-US" dirty="0"/>
+              <a:t>初始森林利用信息增益率进行启发式初始化</a:t>
+            </a:r>
+            <a:endParaRPr lang="en-US" altLang="zh-CN" dirty="0"/>
+          </a:p>
+          <a:p>
+            <a:pPr marL="987552" lvl="1" indent="-457200">
+              <a:buFont typeface="+mj-ea"/>
+              <a:buAutoNum type="circleNumDbPlain"/>
+            </a:pPr>
+            <a:r>
+              <a:rPr lang="zh-CN" altLang="en-US" dirty="0"/>
+              <a:t>全局播种时利用模拟退火的方式实现自适应求得</a:t>
+            </a:r>
+            <a:r>
+              <a:rPr lang="en-US" altLang="zh-CN" dirty="0"/>
+              <a:t>GSC</a:t>
+            </a:r>
+          </a:p>
+          <a:p>
+            <a:pPr marL="987552" lvl="1" indent="-457200">
+              <a:buFont typeface="+mj-ea"/>
+              <a:buAutoNum type="circleNumDbPlain"/>
+            </a:pPr>
+            <a:r>
+              <a:rPr lang="zh-CN" altLang="en-US" dirty="0"/>
+              <a:t>选取最优树时使用贪心策略</a:t>
+            </a:r>
+            <a:endParaRPr lang="en-US" altLang="zh-CN" dirty="0"/>
+          </a:p>
+          <a:p>
+            <a:pPr marL="987552" lvl="1" indent="-457200">
+              <a:buFont typeface="+mj-ea"/>
+              <a:buAutoNum type="circleNumDbPlain"/>
+            </a:pPr>
+            <a:r>
+              <a:rPr lang="zh-CN" altLang="en-US" dirty="0"/>
+              <a:t>对高维数据集采用分片，并行的策略</a:t>
+            </a:r>
+            <a:endParaRPr lang="en-US" altLang="zh-CN" dirty="0"/>
+          </a:p>
+          <a:p>
+            <a:pPr marL="987552" lvl="1" indent="-457200">
+              <a:buFont typeface="+mj-ea"/>
+              <a:buAutoNum type="circleNumDbPlain"/>
+            </a:pPr>
+            <a:r>
+              <a:rPr lang="zh-CN" altLang="en-US" dirty="0"/>
+              <a:t>采用新的适应度函数</a:t>
+            </a:r>
+            <a:endParaRPr lang="en-US" altLang="zh-CN" dirty="0"/>
+          </a:p>
+          <a:p>
+            <a:endParaRPr lang="en-US" altLang="zh-CN" dirty="0"/>
+          </a:p>
+          <a:p>
+            <a:r>
+              <a:rPr lang="en-US" altLang="zh-CN" sz="1800" dirty="0"/>
+              <a:t>https://github.com/WNJXYK/JLU_FeatureSelection/blob/master/Algorithm/EFSFOA.py</a:t>
+            </a:r>
+          </a:p>
+          <a:p>
+            <a:pPr marL="987552" lvl="2" indent="0">
+              <a:buNone/>
+            </a:pPr>
+            <a:endParaRPr lang="en-US" altLang="zh-CN" dirty="0"/>
+          </a:p>
+          <a:p>
+            <a:pPr lvl="1"/>
+            <a:endParaRPr lang="zh-CN" altLang="en-US" dirty="0"/>
+          </a:p>
+        </p:txBody>
+      </p:sp>
+    </p:spTree>
+    <p:extLst>
+      <p:ext uri="{BB962C8B-B14F-4D97-AF65-F5344CB8AC3E}">
+        <p14:creationId xmlns:p14="http://schemas.microsoft.com/office/powerpoint/2010/main" val="2813597306"/>
+      </p:ext>
+    </p:extLst>
+  </p:cSld>
+  <p:clrMapOvr>
+    <a:masterClrMapping/>
+  </p:clrMapOvr>
+</p:sld>
+</file>
+
+<file path=ppt/slides/slide8.xml><?xml version="1.0" encoding="utf-8"?>
 <p:sld xmlns:a="http://schemas.openxmlformats.org/drawingml/2006/main" xmlns:r="http://schemas.openxmlformats.org/officeDocument/2006/relationships" xmlns:p="http://schemas.openxmlformats.org/presentationml/2006/main">
   <p:cSld>
     <p:spTree>
@@ -31238,220 +28846,6 @@
 </p:sld>
 </file>
 
-<file path=ppt/slides/slide8.xml><?xml version="1.0" encoding="utf-8"?>
-<p:sld xmlns:a="http://schemas.openxmlformats.org/drawingml/2006/main" xmlns:r="http://schemas.openxmlformats.org/officeDocument/2006/relationships" xmlns:p="http://schemas.openxmlformats.org/presentationml/2006/main">
-  <p:cSld>
-    <p:spTree>
-      <p:nvGrpSpPr>
-        <p:cNvPr id="1" name=""/>
-        <p:cNvGrpSpPr/>
-        <p:nvPr/>
-      </p:nvGrpSpPr>
-      <p:grpSpPr>
-        <a:xfrm>
-          <a:off x="0" y="0"/>
-          <a:ext cx="0" cy="0"/>
-          <a:chOff x="0" y="0"/>
-          <a:chExt cx="0" cy="0"/>
-        </a:xfrm>
-      </p:grpSpPr>
-      <p:sp>
-        <p:nvSpPr>
-          <p:cNvPr id="2" name="标题 1">
-            <a:extLst>
-              <a:ext uri="{FF2B5EF4-FFF2-40B4-BE49-F238E27FC236}">
-                <a16:creationId xmlns:a16="http://schemas.microsoft.com/office/drawing/2014/main" id="{B782287F-9CA4-4BAF-A53D-7851954E44BD}"/>
-              </a:ext>
-            </a:extLst>
-          </p:cNvPr>
-          <p:cNvSpPr>
-            <a:spLocks noGrp="1"/>
-          </p:cNvSpPr>
-          <p:nvPr>
-            <p:ph type="title"/>
-          </p:nvPr>
-        </p:nvSpPr>
-        <p:spPr/>
-        <p:txBody>
-          <a:bodyPr/>
-          <a:lstStyle/>
-          <a:p>
-            <a:r>
-              <a:rPr lang="en-US" altLang="zh-CN" dirty="0"/>
-              <a:t>FOA </a:t>
-            </a:r>
-            <a:r>
-              <a:rPr lang="zh-CN" altLang="en-US" dirty="0"/>
-              <a:t>类特征选择算法总结</a:t>
-            </a:r>
-          </a:p>
-        </p:txBody>
-      </p:sp>
-      <p:sp>
-        <p:nvSpPr>
-          <p:cNvPr id="3" name="竖排文字占位符 2">
-            <a:extLst>
-              <a:ext uri="{FF2B5EF4-FFF2-40B4-BE49-F238E27FC236}">
-                <a16:creationId xmlns:a16="http://schemas.microsoft.com/office/drawing/2014/main" id="{A6C54BA1-554C-46D2-9545-98ADFEDA9E01}"/>
-              </a:ext>
-            </a:extLst>
-          </p:cNvPr>
-          <p:cNvSpPr>
-            <a:spLocks noGrp="1"/>
-          </p:cNvSpPr>
-          <p:nvPr>
-            <p:ph type="body" orient="vert" idx="1"/>
-          </p:nvPr>
-        </p:nvSpPr>
-        <p:spPr>
-          <a:xfrm>
-            <a:off x="1371600" y="2171700"/>
-            <a:ext cx="9601200" cy="3695700"/>
-          </a:xfrm>
-        </p:spPr>
-        <p:txBody>
-          <a:bodyPr vert="horz">
-            <a:normAutofit/>
-          </a:bodyPr>
-          <a:lstStyle/>
-          <a:p>
-            <a:r>
-              <a:rPr lang="zh-CN" altLang="en-US" dirty="0"/>
-              <a:t>使用了遗传算法的思想：选择、变异</a:t>
-            </a:r>
-            <a:endParaRPr lang="en-US" altLang="zh-CN" dirty="0"/>
-          </a:p>
-          <a:p>
-            <a:pPr lvl="1"/>
-            <a:r>
-              <a:rPr lang="zh-CN" altLang="en-US" dirty="0"/>
-              <a:t>局部播种 </a:t>
-            </a:r>
-            <a:r>
-              <a:rPr lang="en-US" altLang="zh-CN" dirty="0"/>
-              <a:t>+ </a:t>
-            </a:r>
-            <a:r>
-              <a:rPr lang="zh-CN" altLang="en-US" dirty="0"/>
-              <a:t>限制森林大小</a:t>
-            </a:r>
-            <a:r>
-              <a:rPr lang="en-US" altLang="zh-CN" dirty="0"/>
-              <a:t> -&gt; </a:t>
-            </a:r>
-            <a:r>
-              <a:rPr lang="zh-CN" altLang="en-US" dirty="0"/>
-              <a:t>变异</a:t>
-            </a:r>
-            <a:r>
-              <a:rPr lang="en-US" altLang="zh-CN" dirty="0"/>
-              <a:t>+</a:t>
-            </a:r>
-            <a:r>
-              <a:rPr lang="zh-CN" altLang="en-US" dirty="0"/>
-              <a:t>选择 </a:t>
-            </a:r>
-            <a:r>
-              <a:rPr lang="en-US" altLang="zh-CN" dirty="0"/>
-              <a:t>-&gt; </a:t>
-            </a:r>
-            <a:r>
-              <a:rPr lang="zh-CN" altLang="en-US" dirty="0"/>
-              <a:t>趋向于局部极值</a:t>
-            </a:r>
-            <a:endParaRPr lang="en-US" altLang="zh-CN" dirty="0"/>
-          </a:p>
-          <a:p>
-            <a:pPr lvl="1"/>
-            <a:r>
-              <a:rPr lang="zh-CN" altLang="en-US" dirty="0"/>
-              <a:t>全局播种 </a:t>
-            </a:r>
-            <a:r>
-              <a:rPr lang="en-US" altLang="zh-CN" dirty="0"/>
-              <a:t>-&gt; </a:t>
-            </a:r>
-            <a:r>
-              <a:rPr lang="zh-CN" altLang="en-US" dirty="0"/>
-              <a:t>变异 </a:t>
-            </a:r>
-            <a:r>
-              <a:rPr lang="en-US" altLang="zh-CN" dirty="0"/>
-              <a:t>-&gt; </a:t>
-            </a:r>
-            <a:r>
-              <a:rPr lang="zh-CN" altLang="en-US" dirty="0"/>
-              <a:t>跳出局部极值</a:t>
-            </a:r>
-            <a:endParaRPr lang="en-US" altLang="zh-CN" dirty="0"/>
-          </a:p>
-          <a:p>
-            <a:endParaRPr lang="en-US" altLang="zh-CN" dirty="0"/>
-          </a:p>
-          <a:p>
-            <a:r>
-              <a:rPr lang="en-US" altLang="zh-CN" dirty="0"/>
-              <a:t>IFSFOA </a:t>
-            </a:r>
-            <a:r>
-              <a:rPr lang="zh-CN" altLang="en-US" dirty="0"/>
-              <a:t>的改进</a:t>
-            </a:r>
-            <a:endParaRPr lang="en-US" altLang="zh-CN" dirty="0"/>
-          </a:p>
-          <a:p>
-            <a:pPr lvl="1"/>
-            <a:r>
-              <a:rPr lang="zh-CN" altLang="en-US" dirty="0"/>
-              <a:t>优化初始化方法：增加种群初始的多样新</a:t>
-            </a:r>
-            <a:endParaRPr lang="en-US" altLang="zh-CN" dirty="0"/>
-          </a:p>
-          <a:p>
-            <a:pPr lvl="1"/>
-            <a:r>
-              <a:rPr lang="zh-CN" altLang="en-US" dirty="0"/>
-              <a:t>极度贪婪策略：加速趋向于局部极值</a:t>
-            </a:r>
-            <a:endParaRPr lang="en-US" altLang="zh-CN" dirty="0"/>
-          </a:p>
-          <a:p>
-            <a:pPr lvl="1"/>
-            <a:endParaRPr lang="en-US" altLang="zh-CN" dirty="0"/>
-          </a:p>
-          <a:p>
-            <a:r>
-              <a:rPr lang="zh-CN" altLang="en-US" dirty="0"/>
-              <a:t>使用随机化在 趋于局部极值 与 跳出局部极值 里寻找平衡</a:t>
-            </a:r>
-            <a:endParaRPr lang="en-US" altLang="zh-CN" dirty="0"/>
-          </a:p>
-          <a:p>
-            <a:endParaRPr lang="en-US" altLang="zh-CN" dirty="0"/>
-          </a:p>
-          <a:p>
-            <a:pPr lvl="1"/>
-            <a:endParaRPr lang="en-US" altLang="zh-CN" dirty="0"/>
-          </a:p>
-          <a:p>
-            <a:pPr lvl="1"/>
-            <a:endParaRPr lang="en-US" altLang="zh-CN" dirty="0"/>
-          </a:p>
-        </p:txBody>
-      </p:sp>
-    </p:spTree>
-    <p:extLst>
-      <p:ext uri="{BB962C8B-B14F-4D97-AF65-F5344CB8AC3E}">
-        <p14:creationId xmlns:p14="http://schemas.microsoft.com/office/powerpoint/2010/main" val="354395351"/>
-      </p:ext>
-    </p:extLst>
-  </p:cSld>
-  <p:clrMapOvr>
-    <a:masterClrMapping/>
-  </p:clrMapOvr>
-</p:sld>
-</file>
-
 <file path=ppt/slides/slide9.xml><?xml version="1.0" encoding="utf-8"?>
 <p:sld xmlns:a="http://schemas.openxmlformats.org/drawingml/2006/main" xmlns:r="http://schemas.openxmlformats.org/officeDocument/2006/relationships" xmlns:p="http://schemas.openxmlformats.org/presentationml/2006/main">
   <p:cSld>
@@ -31474,7 +28868,7 @@
           <p:cNvPr id="2" name="标题 1">
             <a:extLst>
               <a:ext uri="{FF2B5EF4-FFF2-40B4-BE49-F238E27FC236}">
-                <a16:creationId xmlns:a16="http://schemas.microsoft.com/office/drawing/2014/main" id="{6799ED41-C398-4EE7-B914-C7C3BE1C3D57}"/>
+                <a16:creationId xmlns:a16="http://schemas.microsoft.com/office/drawing/2014/main" id="{5D292CFB-7BE7-4F58-AD45-CF2B8837E73C}"/>
               </a:ext>
             </a:extLst>
           </p:cNvPr>
@@ -31491,307 +28885,2982 @@
           <a:lstStyle/>
           <a:p>
             <a:r>
+              <a:rPr lang="en-US" altLang="zh-CN" dirty="0"/>
+              <a:t>EFSFOA</a:t>
+            </a:r>
+            <a:r>
               <a:rPr lang="zh-CN" altLang="en-US" dirty="0"/>
-              <a:t>潜在问题</a:t>
+              <a:t>测试</a:t>
             </a:r>
           </a:p>
         </p:txBody>
       </p:sp>
-      <mc:AlternateContent xmlns:mc="http://schemas.openxmlformats.org/markup-compatibility/2006" xmlns:a14="http://schemas.microsoft.com/office/drawing/2010/main">
-        <mc:Choice Requires="a14">
-          <p:sp>
-            <p:nvSpPr>
-              <p:cNvPr id="3" name="竖排文字占位符 2">
+      <p:sp>
+        <p:nvSpPr>
+          <p:cNvPr id="3" name="竖排文字占位符 2">
+            <a:extLst>
+              <a:ext uri="{FF2B5EF4-FFF2-40B4-BE49-F238E27FC236}">
+                <a16:creationId xmlns:a16="http://schemas.microsoft.com/office/drawing/2014/main" id="{0ECAFF50-0817-49C8-979E-1167789A96F1}"/>
+              </a:ext>
+            </a:extLst>
+          </p:cNvPr>
+          <p:cNvSpPr>
+            <a:spLocks noGrp="1"/>
+          </p:cNvSpPr>
+          <p:nvPr>
+            <p:ph type="body" orient="vert" idx="1"/>
+          </p:nvPr>
+        </p:nvSpPr>
+        <p:spPr>
+          <a:xfrm>
+            <a:off x="1371600" y="2057750"/>
+            <a:ext cx="9601200" cy="3571875"/>
+          </a:xfrm>
+        </p:spPr>
+        <p:txBody>
+          <a:bodyPr/>
+          <a:lstStyle/>
+          <a:p>
+            <a:endParaRPr lang="zh-CN" altLang="en-US" dirty="0"/>
+          </a:p>
+          <a:p>
+            <a:endParaRPr lang="zh-CN" altLang="en-US" dirty="0"/>
+          </a:p>
+        </p:txBody>
+      </p:sp>
+      <p:graphicFrame>
+        <p:nvGraphicFramePr>
+          <p:cNvPr id="9" name="表格 8">
+            <a:extLst>
+              <a:ext uri="{FF2B5EF4-FFF2-40B4-BE49-F238E27FC236}">
+                <a16:creationId xmlns:a16="http://schemas.microsoft.com/office/drawing/2014/main" id="{04AC91D0-E6FA-4A39-BB8A-4A350EA7F7FF}"/>
+              </a:ext>
+            </a:extLst>
+          </p:cNvPr>
+          <p:cNvGraphicFramePr>
+            <a:graphicFrameLocks noGrp="1"/>
+          </p:cNvGraphicFramePr>
+          <p:nvPr>
+            <p:extLst>
+              <p:ext uri="{D42A27DB-BD31-4B8C-83A1-F6EECF244321}">
+                <p14:modId xmlns:p14="http://schemas.microsoft.com/office/powerpoint/2010/main" val="442269728"/>
+              </p:ext>
+            </p:extLst>
+          </p:nvPr>
+        </p:nvGraphicFramePr>
+        <p:xfrm>
+          <a:off x="2006600" y="2057750"/>
+          <a:ext cx="8178800" cy="904875"/>
+        </p:xfrm>
+        <a:graphic>
+          <a:graphicData uri="http://schemas.openxmlformats.org/drawingml/2006/table">
+            <a:tbl>
+              <a:tblPr>
+                <a:tableStyleId>{5C22544A-7EE6-4342-B048-85BDC9FD1C3A}</a:tableStyleId>
+              </a:tblPr>
+              <a:tblGrid>
+                <a:gridCol w="1056865">
+                  <a:extLst>
+                    <a:ext uri="{9D8B030D-6E8A-4147-A177-3AD203B41FA5}">
+                      <a16:colId xmlns:a16="http://schemas.microsoft.com/office/drawing/2014/main" val="933088362"/>
+                    </a:ext>
+                  </a:extLst>
+                </a:gridCol>
+                <a:gridCol w="1155252">
+                  <a:extLst>
+                    <a:ext uri="{9D8B030D-6E8A-4147-A177-3AD203B41FA5}">
+                      <a16:colId xmlns:a16="http://schemas.microsoft.com/office/drawing/2014/main" val="1363006802"/>
+                    </a:ext>
+                  </a:extLst>
+                </a:gridCol>
+                <a:gridCol w="1561494">
+                  <a:extLst>
+                    <a:ext uri="{9D8B030D-6E8A-4147-A177-3AD203B41FA5}">
+                      <a16:colId xmlns:a16="http://schemas.microsoft.com/office/drawing/2014/main" val="628298210"/>
+                    </a:ext>
+                  </a:extLst>
+                </a:gridCol>
+                <a:gridCol w="952130">
+                  <a:extLst>
+                    <a:ext uri="{9D8B030D-6E8A-4147-A177-3AD203B41FA5}">
+                      <a16:colId xmlns:a16="http://schemas.microsoft.com/office/drawing/2014/main" val="3105353606"/>
+                    </a:ext>
+                  </a:extLst>
+                </a:gridCol>
+                <a:gridCol w="964825">
+                  <a:extLst>
+                    <a:ext uri="{9D8B030D-6E8A-4147-A177-3AD203B41FA5}">
+                      <a16:colId xmlns:a16="http://schemas.microsoft.com/office/drawing/2014/main" val="2240672326"/>
+                    </a:ext>
+                  </a:extLst>
+                </a:gridCol>
+                <a:gridCol w="1104471">
+                  <a:extLst>
+                    <a:ext uri="{9D8B030D-6E8A-4147-A177-3AD203B41FA5}">
+                      <a16:colId xmlns:a16="http://schemas.microsoft.com/office/drawing/2014/main" val="3924014423"/>
+                    </a:ext>
+                  </a:extLst>
+                </a:gridCol>
+                <a:gridCol w="1383763">
+                  <a:extLst>
+                    <a:ext uri="{9D8B030D-6E8A-4147-A177-3AD203B41FA5}">
+                      <a16:colId xmlns:a16="http://schemas.microsoft.com/office/drawing/2014/main" val="2467115856"/>
+                    </a:ext>
+                  </a:extLst>
+                </a:gridCol>
+              </a:tblGrid>
+              <a:tr h="180975">
+                <a:tc>
+                  <a:txBody>
+                    <a:bodyPr/>
+                    <a:lstStyle/>
+                    <a:p>
+                      <a:pPr algn="l" fontAlgn="b"/>
+                      <a:r>
+                        <a:rPr lang="en-US" sz="1100" u="none" strike="noStrike">
+                          <a:effectLst/>
+                        </a:rPr>
+                        <a:t>Algorithm</a:t>
+                      </a:r>
+                      <a:endParaRPr lang="en-US" sz="1100" b="0" i="0" u="none" strike="noStrike">
+                        <a:solidFill>
+                          <a:srgbClr val="000000"/>
+                        </a:solidFill>
+                        <a:effectLst/>
+                        <a:latin typeface="等线" panose="02010600030101010101" pitchFamily="2" charset="-122"/>
+                        <a:ea typeface="等线" panose="02010600030101010101" pitchFamily="2" charset="-122"/>
+                      </a:endParaRPr>
+                    </a:p>
+                  </a:txBody>
+                  <a:tcPr marL="9525" marR="9525" marT="9525" marB="0" anchor="b"/>
+                </a:tc>
+                <a:tc>
+                  <a:txBody>
+                    <a:bodyPr/>
+                    <a:lstStyle/>
+                    <a:p>
+                      <a:pPr algn="l" fontAlgn="b"/>
+                      <a:r>
+                        <a:rPr lang="en-US" sz="1100" u="none" strike="noStrike">
+                          <a:effectLst/>
+                        </a:rPr>
+                        <a:t>Time</a:t>
+                      </a:r>
+                      <a:endParaRPr lang="en-US" sz="1100" b="0" i="0" u="none" strike="noStrike">
+                        <a:solidFill>
+                          <a:srgbClr val="000000"/>
+                        </a:solidFill>
+                        <a:effectLst/>
+                        <a:latin typeface="等线" panose="02010600030101010101" pitchFamily="2" charset="-122"/>
+                        <a:ea typeface="等线" panose="02010600030101010101" pitchFamily="2" charset="-122"/>
+                      </a:endParaRPr>
+                    </a:p>
+                  </a:txBody>
+                  <a:tcPr marL="9525" marR="9525" marT="9525" marB="0" anchor="b"/>
+                </a:tc>
+                <a:tc>
+                  <a:txBody>
+                    <a:bodyPr/>
+                    <a:lstStyle/>
+                    <a:p>
+                      <a:pPr algn="l" fontAlgn="b"/>
+                      <a:r>
+                        <a:rPr lang="en-US" sz="1100" u="none" strike="noStrike">
+                          <a:effectLst/>
+                        </a:rPr>
+                        <a:t>DR</a:t>
+                      </a:r>
+                      <a:endParaRPr lang="en-US" sz="1100" b="0" i="0" u="none" strike="noStrike">
+                        <a:solidFill>
+                          <a:srgbClr val="000000"/>
+                        </a:solidFill>
+                        <a:effectLst/>
+                        <a:latin typeface="等线" panose="02010600030101010101" pitchFamily="2" charset="-122"/>
+                        <a:ea typeface="等线" panose="02010600030101010101" pitchFamily="2" charset="-122"/>
+                      </a:endParaRPr>
+                    </a:p>
+                  </a:txBody>
+                  <a:tcPr marL="9525" marR="9525" marT="9525" marB="0" anchor="b"/>
+                </a:tc>
+                <a:tc>
+                  <a:txBody>
+                    <a:bodyPr/>
+                    <a:lstStyle/>
+                    <a:p>
+                      <a:pPr algn="l" fontAlgn="b"/>
+                      <a:r>
+                        <a:rPr lang="en-US" sz="1100" u="none" strike="noStrike">
+                          <a:effectLst/>
+                        </a:rPr>
+                        <a:t>Validation</a:t>
+                      </a:r>
+                      <a:endParaRPr lang="en-US" sz="1100" b="0" i="0" u="none" strike="noStrike">
+                        <a:solidFill>
+                          <a:srgbClr val="000000"/>
+                        </a:solidFill>
+                        <a:effectLst/>
+                        <a:latin typeface="等线" panose="02010600030101010101" pitchFamily="2" charset="-122"/>
+                        <a:ea typeface="等线" panose="02010600030101010101" pitchFamily="2" charset="-122"/>
+                      </a:endParaRPr>
+                    </a:p>
+                  </a:txBody>
+                  <a:tcPr marL="9525" marR="9525" marT="9525" marB="0" anchor="b"/>
+                </a:tc>
+                <a:tc>
+                  <a:txBody>
+                    <a:bodyPr/>
+                    <a:lstStyle/>
+                    <a:p>
+                      <a:pPr algn="l" fontAlgn="b"/>
+                      <a:r>
+                        <a:rPr lang="en-US" sz="1100" u="none" strike="noStrike">
+                          <a:effectLst/>
+                        </a:rPr>
+                        <a:t>Classifier</a:t>
+                      </a:r>
+                      <a:endParaRPr lang="en-US" sz="1100" b="0" i="0" u="none" strike="noStrike">
+                        <a:solidFill>
+                          <a:srgbClr val="000000"/>
+                        </a:solidFill>
+                        <a:effectLst/>
+                        <a:latin typeface="等线" panose="02010600030101010101" pitchFamily="2" charset="-122"/>
+                        <a:ea typeface="等线" panose="02010600030101010101" pitchFamily="2" charset="-122"/>
+                      </a:endParaRPr>
+                    </a:p>
+                  </a:txBody>
+                  <a:tcPr marL="9525" marR="9525" marT="9525" marB="0" anchor="b"/>
+                </a:tc>
+                <a:tc>
+                  <a:txBody>
+                    <a:bodyPr/>
+                    <a:lstStyle/>
+                    <a:p>
+                      <a:pPr algn="l" fontAlgn="b"/>
+                      <a:r>
+                        <a:rPr lang="en-US" sz="1100" u="none" strike="noStrike">
+                          <a:effectLst/>
+                        </a:rPr>
+                        <a:t>AC</a:t>
+                      </a:r>
+                      <a:endParaRPr lang="en-US" sz="1100" b="0" i="0" u="none" strike="noStrike">
+                        <a:solidFill>
+                          <a:srgbClr val="000000"/>
+                        </a:solidFill>
+                        <a:effectLst/>
+                        <a:latin typeface="等线" panose="02010600030101010101" pitchFamily="2" charset="-122"/>
+                        <a:ea typeface="等线" panose="02010600030101010101" pitchFamily="2" charset="-122"/>
+                      </a:endParaRPr>
+                    </a:p>
+                  </a:txBody>
+                  <a:tcPr marL="9525" marR="9525" marT="9525" marB="0" anchor="b"/>
+                </a:tc>
+                <a:tc>
+                  <a:txBody>
+                    <a:bodyPr/>
+                    <a:lstStyle/>
+                    <a:p>
+                      <a:pPr algn="l" fontAlgn="b"/>
+                      <a:r>
+                        <a:rPr lang="en-US" sz="1100" u="none" strike="noStrike">
+                          <a:effectLst/>
+                        </a:rPr>
+                        <a:t>Acc Delta</a:t>
+                      </a:r>
+                      <a:endParaRPr lang="en-US" sz="1100" b="0" i="0" u="none" strike="noStrike">
+                        <a:solidFill>
+                          <a:srgbClr val="000000"/>
+                        </a:solidFill>
+                        <a:effectLst/>
+                        <a:latin typeface="等线" panose="02010600030101010101" pitchFamily="2" charset="-122"/>
+                        <a:ea typeface="等线" panose="02010600030101010101" pitchFamily="2" charset="-122"/>
+                      </a:endParaRPr>
+                    </a:p>
+                  </a:txBody>
+                  <a:tcPr marL="9525" marR="9525" marT="9525" marB="0" anchor="b"/>
+                </a:tc>
                 <a:extLst>
-                  <a:ext uri="{FF2B5EF4-FFF2-40B4-BE49-F238E27FC236}">
-                    <a16:creationId xmlns:a16="http://schemas.microsoft.com/office/drawing/2014/main" id="{0A6D7BDB-3BFD-464E-B14E-FC565B5EC71C}"/>
+                  <a:ext uri="{0D108BD9-81ED-4DB2-BD59-A6C34878D82A}">
+                    <a16:rowId xmlns:a16="http://schemas.microsoft.com/office/drawing/2014/main" val="2907606878"/>
                   </a:ext>
                 </a:extLst>
-              </p:cNvPr>
-              <p:cNvSpPr>
-                <a:spLocks noGrp="1"/>
-              </p:cNvSpPr>
-              <p:nvPr>
-                <p:ph type="body" orient="vert" idx="1"/>
-              </p:nvPr>
-            </p:nvSpPr>
-            <p:spPr/>
-            <p:txBody>
-              <a:bodyPr vert="horz"/>
-              <a:lstStyle/>
-              <a:p>
-                <a:r>
-                  <a:rPr lang="en-US" altLang="zh-CN" dirty="0"/>
-                  <a:t>IFSFOA </a:t>
-                </a:r>
-                <a:r>
-                  <a:rPr lang="zh-CN" altLang="en-US" dirty="0"/>
-                  <a:t>的极度贪婪策略需生成长度为</a:t>
-                </a:r>
-                <a14:m>
-                  <m:oMath xmlns:m="http://schemas.openxmlformats.org/officeDocument/2006/math">
-                    <m:r>
-                      <a:rPr lang="zh-CN" altLang="en-US" i="1" dirty="0" smtClean="0">
-                        <a:latin typeface="Cambria Math" panose="02040503050406030204" pitchFamily="18" charset="0"/>
-                      </a:rPr>
-                      <m:t> </m:t>
-                    </m:r>
-                    <m:r>
-                      <a:rPr lang="en-US" altLang="zh-CN" i="1" dirty="0" smtClean="0">
-                        <a:latin typeface="Cambria Math" panose="02040503050406030204" pitchFamily="18" charset="0"/>
-                      </a:rPr>
-                      <m:t>𝐿𝑆𝐶</m:t>
-                    </m:r>
-                    <m:r>
-                      <a:rPr lang="en-US" altLang="zh-CN" i="1" dirty="0" smtClean="0">
-                        <a:latin typeface="Cambria Math" panose="02040503050406030204" pitchFamily="18" charset="0"/>
-                      </a:rPr>
-                      <m:t> </m:t>
-                    </m:r>
-                  </m:oMath>
-                </a14:m>
-                <a:r>
-                  <a:rPr lang="zh-CN" altLang="en-US" dirty="0"/>
-                  <a:t>的适应度不降树序列，而文中 </a:t>
-                </a:r>
-                <a14:m>
-                  <m:oMath xmlns:m="http://schemas.openxmlformats.org/officeDocument/2006/math">
-                    <m:r>
-                      <m:rPr>
-                        <m:sty m:val="p"/>
-                      </m:rPr>
-                      <a:rPr lang="en-US" altLang="zh-CN" i="1" dirty="0">
-                        <a:latin typeface="Cambria Math" panose="02040503050406030204" pitchFamily="18" charset="0"/>
-                      </a:rPr>
-                      <m:t>LSC</m:t>
-                    </m:r>
-                    <m:r>
-                      <a:rPr lang="en-US" altLang="zh-CN" b="0" i="1" dirty="0" smtClean="0">
-                        <a:latin typeface="Cambria Math" panose="02040503050406030204" pitchFamily="18" charset="0"/>
-                      </a:rPr>
-                      <m:t>=</m:t>
-                    </m:r>
-                    <m:f>
-                      <m:fPr>
-                        <m:type m:val="skw"/>
-                        <m:ctrlPr>
-                          <a:rPr lang="en-US" altLang="zh-CN" b="0" i="1" dirty="0" smtClean="0">
-                            <a:latin typeface="Cambria Math" panose="02040503050406030204" pitchFamily="18" charset="0"/>
-                          </a:rPr>
-                        </m:ctrlPr>
-                      </m:fPr>
-                      <m:num>
-                        <m:r>
-                          <a:rPr lang="en-US" altLang="zh-CN" b="0" i="1" dirty="0" smtClean="0">
-                            <a:latin typeface="Cambria Math" panose="02040503050406030204" pitchFamily="18" charset="0"/>
-                          </a:rPr>
-                          <m:t>𝑛</m:t>
-                        </m:r>
-                        <m:r>
-                          <a:rPr lang="en-US" altLang="zh-CN" b="0" i="1" dirty="0" smtClean="0">
-                            <a:latin typeface="Cambria Math" panose="02040503050406030204" pitchFamily="18" charset="0"/>
-                          </a:rPr>
-                          <m:t>_</m:t>
-                        </m:r>
-                        <m:r>
-                          <a:rPr lang="en-US" altLang="zh-CN" b="0" i="1" dirty="0" smtClean="0">
-                            <a:latin typeface="Cambria Math" panose="02040503050406030204" pitchFamily="18" charset="0"/>
-                          </a:rPr>
-                          <m:t>𝑓𝑒𝑎𝑡𝑢𝑟𝑒𝑠</m:t>
-                        </m:r>
-                      </m:num>
-                      <m:den>
-                        <m:r>
-                          <a:rPr lang="en-US" altLang="zh-CN" b="0" i="1" dirty="0" smtClean="0">
-                            <a:latin typeface="Cambria Math" panose="02040503050406030204" pitchFamily="18" charset="0"/>
-                          </a:rPr>
-                          <m:t>5</m:t>
-                        </m:r>
-                      </m:den>
-                    </m:f>
-                    <m:r>
-                      <a:rPr lang="zh-CN" altLang="en-US" i="1" dirty="0">
-                        <a:latin typeface="Cambria Math" panose="02040503050406030204" pitchFamily="18" charset="0"/>
-                      </a:rPr>
-                      <m:t>。</m:t>
-                    </m:r>
-                  </m:oMath>
-                </a14:m>
-                <a:r>
-                  <a:rPr lang="zh-CN" altLang="en-US" dirty="0"/>
-                  <a:t>当训练数据样本维度非常大的时候，一次极度贪婪的复杂度为</a:t>
-                </a:r>
-                <a14:m>
-                  <m:oMath xmlns:m="http://schemas.openxmlformats.org/officeDocument/2006/math">
-                    <m:r>
-                      <a:rPr lang="en-US" altLang="zh-CN" b="0" i="1" smtClean="0">
-                        <a:latin typeface="Cambria Math" panose="02040503050406030204" pitchFamily="18" charset="0"/>
-                      </a:rPr>
-                      <m:t>𝑂</m:t>
-                    </m:r>
-                    <m:d>
-                      <m:dPr>
-                        <m:ctrlPr>
-                          <a:rPr lang="en-US" altLang="zh-CN" b="0" i="1" smtClean="0">
-                            <a:latin typeface="Cambria Math" panose="02040503050406030204" pitchFamily="18" charset="0"/>
-                          </a:rPr>
-                        </m:ctrlPr>
-                      </m:dPr>
-                      <m:e>
-                        <m:sSub>
-                          <m:sSubPr>
-                            <m:ctrlPr>
-                              <a:rPr lang="en-US" altLang="zh-CN" b="0" i="1" smtClean="0">
-                                <a:latin typeface="Cambria Math" panose="02040503050406030204" pitchFamily="18" charset="0"/>
-                              </a:rPr>
-                            </m:ctrlPr>
-                          </m:sSubPr>
-                          <m:e>
-                            <m:r>
-                              <a:rPr lang="en-US" altLang="zh-CN" b="0" i="1" smtClean="0">
-                                <a:latin typeface="Cambria Math" panose="02040503050406030204" pitchFamily="18" charset="0"/>
-                              </a:rPr>
-                              <m:t>𝑛</m:t>
-                            </m:r>
-                          </m:e>
-                          <m:sub>
-                            <m:r>
-                              <a:rPr lang="en-US" altLang="zh-CN" b="0" i="1" smtClean="0">
-                                <a:latin typeface="Cambria Math" panose="02040503050406030204" pitchFamily="18" charset="0"/>
-                              </a:rPr>
-                              <m:t>𝑓𝑒𝑎𝑡𝑢𝑟𝑒𝑠</m:t>
-                            </m:r>
-                          </m:sub>
-                        </m:sSub>
-                      </m:e>
-                    </m:d>
-                    <m:r>
-                      <a:rPr lang="en-US" altLang="zh-CN" b="0" i="1" smtClean="0">
-                        <a:latin typeface="Cambria Math" panose="02040503050406030204" pitchFamily="18" charset="0"/>
-                      </a:rPr>
-                      <m:t>⋅</m:t>
-                    </m:r>
-                    <m:sSub>
-                      <m:sSubPr>
-                        <m:ctrlPr>
-                          <a:rPr lang="en-US" altLang="zh-CN" b="0" i="1" smtClean="0">
-                            <a:latin typeface="Cambria Math" panose="02040503050406030204" pitchFamily="18" charset="0"/>
-                          </a:rPr>
-                        </m:ctrlPr>
-                      </m:sSubPr>
-                      <m:e>
-                        <m:r>
-                          <a:rPr lang="en-US" altLang="zh-CN" b="0" i="1" smtClean="0">
-                            <a:latin typeface="Cambria Math" panose="02040503050406030204" pitchFamily="18" charset="0"/>
-                          </a:rPr>
-                          <m:t>𝑂</m:t>
-                        </m:r>
-                      </m:e>
-                      <m:sub>
-                        <m:r>
-                          <a:rPr lang="en-US" altLang="zh-CN" b="0" i="1" smtClean="0">
-                            <a:latin typeface="Cambria Math" panose="02040503050406030204" pitchFamily="18" charset="0"/>
-                          </a:rPr>
-                          <m:t>𝑏𝑎𝑠𝑒</m:t>
-                        </m:r>
-                        <m:r>
-                          <a:rPr lang="en-US" altLang="zh-CN" b="0" i="1" smtClean="0">
-                            <a:latin typeface="Cambria Math" panose="02040503050406030204" pitchFamily="18" charset="0"/>
-                          </a:rPr>
-                          <m:t> </m:t>
-                        </m:r>
-                        <m:r>
-                          <a:rPr lang="en-US" altLang="zh-CN" b="0" i="1" smtClean="0">
-                            <a:latin typeface="Cambria Math" panose="02040503050406030204" pitchFamily="18" charset="0"/>
-                          </a:rPr>
-                          <m:t>𝑙𝑒𝑎𝑟𝑛𝑒𝑟</m:t>
-                        </m:r>
-                      </m:sub>
-                    </m:sSub>
-                    <m:r>
-                      <a:rPr lang="zh-CN" altLang="en-US" i="1">
-                        <a:latin typeface="Cambria Math" panose="02040503050406030204" pitchFamily="18" charset="0"/>
-                      </a:rPr>
-                      <m:t>。</m:t>
-                    </m:r>
-                  </m:oMath>
-                </a14:m>
-                <a:endParaRPr lang="en-US" altLang="zh-CN" dirty="0"/>
-              </a:p>
-              <a:p>
-                <a:endParaRPr lang="en-US" altLang="zh-CN" dirty="0"/>
-              </a:p>
-              <a:p>
-                <a:r>
-                  <a:rPr lang="zh-CN" altLang="en-US" dirty="0"/>
-                  <a:t>使用 随机化</a:t>
-                </a:r>
-                <a:r>
-                  <a:rPr lang="en-US" altLang="zh-CN" dirty="0"/>
-                  <a:t>+</a:t>
-                </a:r>
-                <a:r>
-                  <a:rPr lang="zh-CN" altLang="en-US" dirty="0"/>
-                  <a:t>选择 让种群趋于局部极值的速度缓慢。</a:t>
-                </a:r>
-                <a:endParaRPr lang="en-US" altLang="zh-CN" dirty="0"/>
-              </a:p>
-              <a:p>
-                <a:endParaRPr lang="en-US" altLang="zh-CN" dirty="0"/>
-              </a:p>
-              <a:p>
-                <a:r>
-                  <a:rPr lang="zh-CN" altLang="en-US" dirty="0"/>
-                  <a:t>趋于局部极值 同 跳出局部极值均基于产生临近树的随机化方法。相互抵消，导致表现无法持续提升。</a:t>
-                </a:r>
-              </a:p>
-            </p:txBody>
-          </p:sp>
-        </mc:Choice>
-        <mc:Fallback xmlns="">
-          <p:sp>
-            <p:nvSpPr>
-              <p:cNvPr id="3" name="竖排文字占位符 2">
+              </a:tr>
+              <a:tr h="180975">
+                <a:tc>
+                  <a:txBody>
+                    <a:bodyPr/>
+                    <a:lstStyle/>
+                    <a:p>
+                      <a:pPr algn="l" fontAlgn="b"/>
+                      <a:r>
+                        <a:rPr lang="en-US" sz="1100" u="none" strike="noStrike">
+                          <a:effectLst/>
+                        </a:rPr>
+                        <a:t>EFSFOA</a:t>
+                      </a:r>
+                      <a:endParaRPr lang="en-US" sz="1100" b="0" i="0" u="none" strike="noStrike">
+                        <a:solidFill>
+                          <a:srgbClr val="000000"/>
+                        </a:solidFill>
+                        <a:effectLst/>
+                        <a:latin typeface="等线" panose="02010600030101010101" pitchFamily="2" charset="-122"/>
+                        <a:ea typeface="等线" panose="02010600030101010101" pitchFamily="2" charset="-122"/>
+                      </a:endParaRPr>
+                    </a:p>
+                  </a:txBody>
+                  <a:tcPr marL="9525" marR="9525" marT="9525" marB="0" anchor="b"/>
+                </a:tc>
+                <a:tc>
+                  <a:txBody>
+                    <a:bodyPr/>
+                    <a:lstStyle/>
+                    <a:p>
+                      <a:pPr algn="r" fontAlgn="b"/>
+                      <a:r>
+                        <a:rPr lang="en-US" altLang="zh-CN" sz="1100" u="none" strike="noStrike">
+                          <a:effectLst/>
+                        </a:rPr>
+                        <a:t>65.15027142</a:t>
+                      </a:r>
+                      <a:endParaRPr lang="en-US" altLang="zh-CN" sz="1100" b="0" i="0" u="none" strike="noStrike">
+                        <a:solidFill>
+                          <a:srgbClr val="000000"/>
+                        </a:solidFill>
+                        <a:effectLst/>
+                        <a:latin typeface="等线" panose="02010600030101010101" pitchFamily="2" charset="-122"/>
+                        <a:ea typeface="等线" panose="02010600030101010101" pitchFamily="2" charset="-122"/>
+                      </a:endParaRPr>
+                    </a:p>
+                  </a:txBody>
+                  <a:tcPr marL="9525" marR="9525" marT="9525" marB="0" anchor="b"/>
+                </a:tc>
+                <a:tc>
+                  <a:txBody>
+                    <a:bodyPr/>
+                    <a:lstStyle/>
+                    <a:p>
+                      <a:pPr algn="r" fontAlgn="b"/>
+                      <a:r>
+                        <a:rPr lang="en-US" altLang="zh-CN" sz="1100" u="none" strike="noStrike">
+                          <a:effectLst/>
+                        </a:rPr>
+                        <a:t>0.384615385</a:t>
+                      </a:r>
+                      <a:endParaRPr lang="en-US" altLang="zh-CN" sz="1100" b="0" i="0" u="none" strike="noStrike">
+                        <a:solidFill>
+                          <a:srgbClr val="000000"/>
+                        </a:solidFill>
+                        <a:effectLst/>
+                        <a:latin typeface="等线" panose="02010600030101010101" pitchFamily="2" charset="-122"/>
+                        <a:ea typeface="等线" panose="02010600030101010101" pitchFamily="2" charset="-122"/>
+                      </a:endParaRPr>
+                    </a:p>
+                  </a:txBody>
+                  <a:tcPr marL="9525" marR="9525" marT="9525" marB="0" anchor="b"/>
+                </a:tc>
+                <a:tc>
+                  <a:txBody>
+                    <a:bodyPr/>
+                    <a:lstStyle/>
+                    <a:p>
+                      <a:pPr algn="l" fontAlgn="b"/>
+                      <a:r>
+                        <a:rPr lang="en-US" sz="1100" u="none" strike="noStrike">
+                          <a:effectLst/>
+                        </a:rPr>
+                        <a:t>10-fold</a:t>
+                      </a:r>
+                      <a:endParaRPr lang="en-US" sz="1100" b="0" i="0" u="none" strike="noStrike">
+                        <a:solidFill>
+                          <a:srgbClr val="000000"/>
+                        </a:solidFill>
+                        <a:effectLst/>
+                        <a:latin typeface="等线" panose="02010600030101010101" pitchFamily="2" charset="-122"/>
+                        <a:ea typeface="等线" panose="02010600030101010101" pitchFamily="2" charset="-122"/>
+                      </a:endParaRPr>
+                    </a:p>
+                  </a:txBody>
+                  <a:tcPr marL="9525" marR="9525" marT="9525" marB="0" anchor="b"/>
+                </a:tc>
+                <a:tc>
+                  <a:txBody>
+                    <a:bodyPr/>
+                    <a:lstStyle/>
+                    <a:p>
+                      <a:pPr algn="l" fontAlgn="b"/>
+                      <a:r>
+                        <a:rPr lang="en-US" sz="1100" u="none" strike="noStrike">
+                          <a:effectLst/>
+                        </a:rPr>
+                        <a:t>1nn</a:t>
+                      </a:r>
+                      <a:endParaRPr lang="en-US" sz="1100" b="0" i="0" u="none" strike="noStrike">
+                        <a:solidFill>
+                          <a:srgbClr val="000000"/>
+                        </a:solidFill>
+                        <a:effectLst/>
+                        <a:latin typeface="等线" panose="02010600030101010101" pitchFamily="2" charset="-122"/>
+                        <a:ea typeface="等线" panose="02010600030101010101" pitchFamily="2" charset="-122"/>
+                      </a:endParaRPr>
+                    </a:p>
+                  </a:txBody>
+                  <a:tcPr marL="9525" marR="9525" marT="9525" marB="0" anchor="b"/>
+                </a:tc>
+                <a:tc>
+                  <a:txBody>
+                    <a:bodyPr/>
+                    <a:lstStyle/>
+                    <a:p>
+                      <a:pPr algn="r" fontAlgn="b"/>
+                      <a:r>
+                        <a:rPr lang="en-US" altLang="zh-CN" sz="1100" u="none" strike="noStrike">
+                          <a:effectLst/>
+                        </a:rPr>
+                        <a:t>0.531724138</a:t>
+                      </a:r>
+                      <a:endParaRPr lang="en-US" altLang="zh-CN" sz="1100" b="0" i="0" u="none" strike="noStrike">
+                        <a:solidFill>
+                          <a:srgbClr val="000000"/>
+                        </a:solidFill>
+                        <a:effectLst/>
+                        <a:latin typeface="等线" panose="02010600030101010101" pitchFamily="2" charset="-122"/>
+                        <a:ea typeface="等线" panose="02010600030101010101" pitchFamily="2" charset="-122"/>
+                      </a:endParaRPr>
+                    </a:p>
+                  </a:txBody>
+                  <a:tcPr marL="9525" marR="9525" marT="9525" marB="0" anchor="b"/>
+                </a:tc>
+                <a:tc>
+                  <a:txBody>
+                    <a:bodyPr/>
+                    <a:lstStyle/>
+                    <a:p>
+                      <a:pPr algn="r" fontAlgn="b"/>
+                      <a:r>
+                        <a:rPr lang="en-US" altLang="zh-CN" sz="1100" u="none" strike="noStrike">
+                          <a:effectLst/>
+                        </a:rPr>
+                        <a:t>7.033762058</a:t>
+                      </a:r>
+                      <a:endParaRPr lang="en-US" altLang="zh-CN" sz="1100" b="0" i="0" u="none" strike="noStrike">
+                        <a:solidFill>
+                          <a:srgbClr val="000000"/>
+                        </a:solidFill>
+                        <a:effectLst/>
+                        <a:latin typeface="等线" panose="02010600030101010101" pitchFamily="2" charset="-122"/>
+                        <a:ea typeface="等线" panose="02010600030101010101" pitchFamily="2" charset="-122"/>
+                      </a:endParaRPr>
+                    </a:p>
+                  </a:txBody>
+                  <a:tcPr marL="9525" marR="9525" marT="9525" marB="0" anchor="b"/>
+                </a:tc>
                 <a:extLst>
-                  <a:ext uri="{FF2B5EF4-FFF2-40B4-BE49-F238E27FC236}">
-                    <a16:creationId xmlns:a16="http://schemas.microsoft.com/office/drawing/2014/main" id="{0A6D7BDB-3BFD-464E-B14E-FC565B5EC71C}"/>
+                  <a:ext uri="{0D108BD9-81ED-4DB2-BD59-A6C34878D82A}">
+                    <a16:rowId xmlns:a16="http://schemas.microsoft.com/office/drawing/2014/main" val="4121617383"/>
                   </a:ext>
                 </a:extLst>
-              </p:cNvPr>
-              <p:cNvSpPr>
-                <a:spLocks noGrp="1" noRot="1" noChangeAspect="1" noMove="1" noResize="1" noEditPoints="1" noAdjustHandles="1" noChangeArrowheads="1" noChangeShapeType="1" noTextEdit="1"/>
-              </p:cNvSpPr>
-              <p:nvPr>
-                <p:ph type="body" orient="vert" idx="1"/>
-              </p:nvPr>
-            </p:nvSpPr>
-            <p:spPr>
-              <a:blipFill>
-                <a:blip r:embed="rId2"/>
-                <a:stretch>
-                  <a:fillRect l="-571" t="-10922" r="-635"/>
-                </a:stretch>
-              </a:blipFill>
-            </p:spPr>
-            <p:txBody>
-              <a:bodyPr/>
-              <a:lstStyle/>
-              <a:p>
-                <a:r>
-                  <a:rPr lang="zh-CN" altLang="en-US">
-                    <a:noFill/>
-                  </a:rPr>
-                  <a:t> </a:t>
-                </a:r>
-              </a:p>
-            </p:txBody>
-          </p:sp>
-        </mc:Fallback>
-      </mc:AlternateContent>
+              </a:tr>
+              <a:tr h="180975">
+                <a:tc>
+                  <a:txBody>
+                    <a:bodyPr/>
+                    <a:lstStyle/>
+                    <a:p>
+                      <a:pPr algn="l" fontAlgn="b"/>
+                      <a:endParaRPr lang="zh-CN" altLang="en-US" sz="1100" b="0" i="0" u="none" strike="noStrike">
+                        <a:solidFill>
+                          <a:srgbClr val="000000"/>
+                        </a:solidFill>
+                        <a:effectLst/>
+                        <a:latin typeface="等线" panose="02010600030101010101" pitchFamily="2" charset="-122"/>
+                        <a:ea typeface="等线" panose="02010600030101010101" pitchFamily="2" charset="-122"/>
+                      </a:endParaRPr>
+                    </a:p>
+                  </a:txBody>
+                  <a:tcPr marL="9525" marR="9525" marT="9525" marB="0" anchor="b"/>
+                </a:tc>
+                <a:tc>
+                  <a:txBody>
+                    <a:bodyPr/>
+                    <a:lstStyle/>
+                    <a:p>
+                      <a:pPr algn="r" fontAlgn="b"/>
+                      <a:r>
+                        <a:rPr lang="en-US" altLang="zh-CN" sz="1100" u="none" strike="noStrike">
+                          <a:effectLst/>
+                        </a:rPr>
+                        <a:t>52.09572959</a:t>
+                      </a:r>
+                      <a:endParaRPr lang="en-US" altLang="zh-CN" sz="1100" b="0" i="0" u="none" strike="noStrike">
+                        <a:solidFill>
+                          <a:srgbClr val="000000"/>
+                        </a:solidFill>
+                        <a:effectLst/>
+                        <a:latin typeface="等线" panose="02010600030101010101" pitchFamily="2" charset="-122"/>
+                        <a:ea typeface="等线" panose="02010600030101010101" pitchFamily="2" charset="-122"/>
+                      </a:endParaRPr>
+                    </a:p>
+                  </a:txBody>
+                  <a:tcPr marL="9525" marR="9525" marT="9525" marB="0" anchor="b"/>
+                </a:tc>
+                <a:tc>
+                  <a:txBody>
+                    <a:bodyPr/>
+                    <a:lstStyle/>
+                    <a:p>
+                      <a:pPr algn="r" fontAlgn="b"/>
+                      <a:r>
+                        <a:rPr lang="en-US" altLang="zh-CN" sz="1100" u="none" strike="noStrike">
+                          <a:effectLst/>
+                        </a:rPr>
+                        <a:t>0.461538462</a:t>
+                      </a:r>
+                      <a:endParaRPr lang="en-US" altLang="zh-CN" sz="1100" b="0" i="0" u="none" strike="noStrike">
+                        <a:solidFill>
+                          <a:srgbClr val="000000"/>
+                        </a:solidFill>
+                        <a:effectLst/>
+                        <a:latin typeface="等线" panose="02010600030101010101" pitchFamily="2" charset="-122"/>
+                        <a:ea typeface="等线" panose="02010600030101010101" pitchFamily="2" charset="-122"/>
+                      </a:endParaRPr>
+                    </a:p>
+                  </a:txBody>
+                  <a:tcPr marL="9525" marR="9525" marT="9525" marB="0" anchor="b"/>
+                </a:tc>
+                <a:tc>
+                  <a:txBody>
+                    <a:bodyPr/>
+                    <a:lstStyle/>
+                    <a:p>
+                      <a:pPr algn="l" fontAlgn="b"/>
+                      <a:r>
+                        <a:rPr lang="en-US" sz="1100" u="none" strike="noStrike">
+                          <a:effectLst/>
+                        </a:rPr>
+                        <a:t>10-fold</a:t>
+                      </a:r>
+                      <a:endParaRPr lang="en-US" sz="1100" b="0" i="0" u="none" strike="noStrike">
+                        <a:solidFill>
+                          <a:srgbClr val="000000"/>
+                        </a:solidFill>
+                        <a:effectLst/>
+                        <a:latin typeface="等线" panose="02010600030101010101" pitchFamily="2" charset="-122"/>
+                        <a:ea typeface="等线" panose="02010600030101010101" pitchFamily="2" charset="-122"/>
+                      </a:endParaRPr>
+                    </a:p>
+                  </a:txBody>
+                  <a:tcPr marL="9525" marR="9525" marT="9525" marB="0" anchor="b"/>
+                </a:tc>
+                <a:tc>
+                  <a:txBody>
+                    <a:bodyPr/>
+                    <a:lstStyle/>
+                    <a:p>
+                      <a:pPr algn="l" fontAlgn="b"/>
+                      <a:r>
+                        <a:rPr lang="en-US" sz="1100" u="none" strike="noStrike">
+                          <a:effectLst/>
+                        </a:rPr>
+                        <a:t>5nn</a:t>
+                      </a:r>
+                      <a:endParaRPr lang="en-US" sz="1100" b="0" i="0" u="none" strike="noStrike">
+                        <a:solidFill>
+                          <a:srgbClr val="000000"/>
+                        </a:solidFill>
+                        <a:effectLst/>
+                        <a:latin typeface="等线" panose="02010600030101010101" pitchFamily="2" charset="-122"/>
+                        <a:ea typeface="等线" panose="02010600030101010101" pitchFamily="2" charset="-122"/>
+                      </a:endParaRPr>
+                    </a:p>
+                  </a:txBody>
+                  <a:tcPr marL="9525" marR="9525" marT="9525" marB="0" anchor="b"/>
+                </a:tc>
+                <a:tc>
+                  <a:txBody>
+                    <a:bodyPr/>
+                    <a:lstStyle/>
+                    <a:p>
+                      <a:pPr algn="r" fontAlgn="b"/>
+                      <a:r>
+                        <a:rPr lang="en-US" altLang="zh-CN" sz="1100" u="none" strike="noStrike">
+                          <a:effectLst/>
+                        </a:rPr>
+                        <a:t>0.555517241</a:t>
+                      </a:r>
+                      <a:endParaRPr lang="en-US" altLang="zh-CN" sz="1100" b="0" i="0" u="none" strike="noStrike">
+                        <a:solidFill>
+                          <a:srgbClr val="000000"/>
+                        </a:solidFill>
+                        <a:effectLst/>
+                        <a:latin typeface="等线" panose="02010600030101010101" pitchFamily="2" charset="-122"/>
+                        <a:ea typeface="等线" panose="02010600030101010101" pitchFamily="2" charset="-122"/>
+                      </a:endParaRPr>
+                    </a:p>
+                  </a:txBody>
+                  <a:tcPr marL="9525" marR="9525" marT="9525" marB="0" anchor="b"/>
+                </a:tc>
+                <a:tc>
+                  <a:txBody>
+                    <a:bodyPr/>
+                    <a:lstStyle/>
+                    <a:p>
+                      <a:pPr algn="r" fontAlgn="b"/>
+                      <a:r>
+                        <a:rPr lang="en-US" altLang="zh-CN" sz="1100" u="none" strike="noStrike">
+                          <a:effectLst/>
+                        </a:rPr>
+                        <a:t>9.781594176</a:t>
+                      </a:r>
+                      <a:endParaRPr lang="en-US" altLang="zh-CN" sz="1100" b="0" i="0" u="none" strike="noStrike">
+                        <a:solidFill>
+                          <a:srgbClr val="000000"/>
+                        </a:solidFill>
+                        <a:effectLst/>
+                        <a:latin typeface="等线" panose="02010600030101010101" pitchFamily="2" charset="-122"/>
+                        <a:ea typeface="等线" panose="02010600030101010101" pitchFamily="2" charset="-122"/>
+                      </a:endParaRPr>
+                    </a:p>
+                  </a:txBody>
+                  <a:tcPr marL="9525" marR="9525" marT="9525" marB="0" anchor="b"/>
+                </a:tc>
+                <a:extLst>
+                  <a:ext uri="{0D108BD9-81ED-4DB2-BD59-A6C34878D82A}">
+                    <a16:rowId xmlns:a16="http://schemas.microsoft.com/office/drawing/2014/main" val="3994504355"/>
+                  </a:ext>
+                </a:extLst>
+              </a:tr>
+              <a:tr h="180975">
+                <a:tc>
+                  <a:txBody>
+                    <a:bodyPr/>
+                    <a:lstStyle/>
+                    <a:p>
+                      <a:pPr algn="l" fontAlgn="b"/>
+                      <a:endParaRPr lang="zh-CN" altLang="en-US" sz="1100" b="0" i="0" u="none" strike="noStrike">
+                        <a:solidFill>
+                          <a:srgbClr val="000000"/>
+                        </a:solidFill>
+                        <a:effectLst/>
+                        <a:latin typeface="等线" panose="02010600030101010101" pitchFamily="2" charset="-122"/>
+                        <a:ea typeface="等线" panose="02010600030101010101" pitchFamily="2" charset="-122"/>
+                      </a:endParaRPr>
+                    </a:p>
+                  </a:txBody>
+                  <a:tcPr marL="9525" marR="9525" marT="9525" marB="0" anchor="b"/>
+                </a:tc>
+                <a:tc>
+                  <a:txBody>
+                    <a:bodyPr/>
+                    <a:lstStyle/>
+                    <a:p>
+                      <a:pPr algn="r" fontAlgn="b"/>
+                      <a:r>
+                        <a:rPr lang="en-US" altLang="zh-CN" sz="1100" u="none" strike="noStrike">
+                          <a:effectLst/>
+                        </a:rPr>
+                        <a:t>1.046086311</a:t>
+                      </a:r>
+                      <a:endParaRPr lang="en-US" altLang="zh-CN" sz="1100" b="0" i="0" u="none" strike="noStrike">
+                        <a:solidFill>
+                          <a:srgbClr val="000000"/>
+                        </a:solidFill>
+                        <a:effectLst/>
+                        <a:latin typeface="等线" panose="02010600030101010101" pitchFamily="2" charset="-122"/>
+                        <a:ea typeface="等线" panose="02010600030101010101" pitchFamily="2" charset="-122"/>
+                      </a:endParaRPr>
+                    </a:p>
+                  </a:txBody>
+                  <a:tcPr marL="9525" marR="9525" marT="9525" marB="0" anchor="b"/>
+                </a:tc>
+                <a:tc>
+                  <a:txBody>
+                    <a:bodyPr/>
+                    <a:lstStyle/>
+                    <a:p>
+                      <a:pPr algn="r" fontAlgn="b"/>
+                      <a:r>
+                        <a:rPr lang="en-US" altLang="zh-CN" sz="1100" u="none" strike="noStrike">
+                          <a:effectLst/>
+                        </a:rPr>
+                        <a:t>0.538461538</a:t>
+                      </a:r>
+                      <a:endParaRPr lang="en-US" altLang="zh-CN" sz="1100" b="0" i="0" u="none" strike="noStrike">
+                        <a:solidFill>
+                          <a:srgbClr val="000000"/>
+                        </a:solidFill>
+                        <a:effectLst/>
+                        <a:latin typeface="等线" panose="02010600030101010101" pitchFamily="2" charset="-122"/>
+                        <a:ea typeface="等线" panose="02010600030101010101" pitchFamily="2" charset="-122"/>
+                      </a:endParaRPr>
+                    </a:p>
+                  </a:txBody>
+                  <a:tcPr marL="9525" marR="9525" marT="9525" marB="0" anchor="b"/>
+                </a:tc>
+                <a:tc>
+                  <a:txBody>
+                    <a:bodyPr/>
+                    <a:lstStyle/>
+                    <a:p>
+                      <a:pPr algn="l" fontAlgn="b"/>
+                      <a:r>
+                        <a:rPr lang="en-US" sz="1100" u="none" strike="noStrike">
+                          <a:effectLst/>
+                        </a:rPr>
+                        <a:t>10-fold</a:t>
+                      </a:r>
+                      <a:endParaRPr lang="en-US" sz="1100" b="0" i="0" u="none" strike="noStrike">
+                        <a:solidFill>
+                          <a:srgbClr val="000000"/>
+                        </a:solidFill>
+                        <a:effectLst/>
+                        <a:latin typeface="等线" panose="02010600030101010101" pitchFamily="2" charset="-122"/>
+                        <a:ea typeface="等线" panose="02010600030101010101" pitchFamily="2" charset="-122"/>
+                      </a:endParaRPr>
+                    </a:p>
+                  </a:txBody>
+                  <a:tcPr marL="9525" marR="9525" marT="9525" marB="0" anchor="b"/>
+                </a:tc>
+                <a:tc>
+                  <a:txBody>
+                    <a:bodyPr/>
+                    <a:lstStyle/>
+                    <a:p>
+                      <a:pPr algn="l" fontAlgn="b"/>
+                      <a:r>
+                        <a:rPr lang="en-US" sz="1100" u="none" strike="noStrike">
+                          <a:effectLst/>
+                        </a:rPr>
+                        <a:t>SVM</a:t>
+                      </a:r>
+                      <a:endParaRPr lang="en-US" sz="1100" b="0" i="0" u="none" strike="noStrike">
+                        <a:solidFill>
+                          <a:srgbClr val="000000"/>
+                        </a:solidFill>
+                        <a:effectLst/>
+                        <a:latin typeface="等线" panose="02010600030101010101" pitchFamily="2" charset="-122"/>
+                        <a:ea typeface="等线" panose="02010600030101010101" pitchFamily="2" charset="-122"/>
+                      </a:endParaRPr>
+                    </a:p>
+                  </a:txBody>
+                  <a:tcPr marL="9525" marR="9525" marT="9525" marB="0" anchor="b"/>
+                </a:tc>
+                <a:tc>
+                  <a:txBody>
+                    <a:bodyPr/>
+                    <a:lstStyle/>
+                    <a:p>
+                      <a:pPr algn="r" fontAlgn="b"/>
+                      <a:r>
+                        <a:rPr lang="en-US" altLang="zh-CN" sz="1100" u="none" strike="noStrike">
+                          <a:effectLst/>
+                        </a:rPr>
+                        <a:t>0.57908046</a:t>
+                      </a:r>
+                      <a:endParaRPr lang="en-US" altLang="zh-CN" sz="1100" b="0" i="0" u="none" strike="noStrike">
+                        <a:solidFill>
+                          <a:srgbClr val="000000"/>
+                        </a:solidFill>
+                        <a:effectLst/>
+                        <a:latin typeface="等线" panose="02010600030101010101" pitchFamily="2" charset="-122"/>
+                        <a:ea typeface="等线" panose="02010600030101010101" pitchFamily="2" charset="-122"/>
+                      </a:endParaRPr>
+                    </a:p>
+                  </a:txBody>
+                  <a:tcPr marL="9525" marR="9525" marT="9525" marB="0" anchor="b"/>
+                </a:tc>
+                <a:tc>
+                  <a:txBody>
+                    <a:bodyPr/>
+                    <a:lstStyle/>
+                    <a:p>
+                      <a:pPr algn="r" fontAlgn="b"/>
+                      <a:r>
+                        <a:rPr lang="en-US" altLang="zh-CN" sz="1100" u="none" strike="noStrike">
+                          <a:effectLst/>
+                        </a:rPr>
+                        <a:t>1.041052838</a:t>
+                      </a:r>
+                      <a:endParaRPr lang="en-US" altLang="zh-CN" sz="1100" b="0" i="0" u="none" strike="noStrike">
+                        <a:solidFill>
+                          <a:srgbClr val="000000"/>
+                        </a:solidFill>
+                        <a:effectLst/>
+                        <a:latin typeface="等线" panose="02010600030101010101" pitchFamily="2" charset="-122"/>
+                        <a:ea typeface="等线" panose="02010600030101010101" pitchFamily="2" charset="-122"/>
+                      </a:endParaRPr>
+                    </a:p>
+                  </a:txBody>
+                  <a:tcPr marL="9525" marR="9525" marT="9525" marB="0" anchor="b"/>
+                </a:tc>
+                <a:extLst>
+                  <a:ext uri="{0D108BD9-81ED-4DB2-BD59-A6C34878D82A}">
+                    <a16:rowId xmlns:a16="http://schemas.microsoft.com/office/drawing/2014/main" val="3412918731"/>
+                  </a:ext>
+                </a:extLst>
+              </a:tr>
+              <a:tr h="180975">
+                <a:tc>
+                  <a:txBody>
+                    <a:bodyPr/>
+                    <a:lstStyle/>
+                    <a:p>
+                      <a:pPr algn="l" fontAlgn="b"/>
+                      <a:endParaRPr lang="zh-CN" altLang="en-US" sz="1100" b="0" i="0" u="none" strike="noStrike">
+                        <a:solidFill>
+                          <a:srgbClr val="000000"/>
+                        </a:solidFill>
+                        <a:effectLst/>
+                        <a:latin typeface="等线" panose="02010600030101010101" pitchFamily="2" charset="-122"/>
+                        <a:ea typeface="等线" panose="02010600030101010101" pitchFamily="2" charset="-122"/>
+                      </a:endParaRPr>
+                    </a:p>
+                  </a:txBody>
+                  <a:tcPr marL="9525" marR="9525" marT="9525" marB="0" anchor="b"/>
+                </a:tc>
+                <a:tc>
+                  <a:txBody>
+                    <a:bodyPr/>
+                    <a:lstStyle/>
+                    <a:p>
+                      <a:pPr algn="r" fontAlgn="b"/>
+                      <a:r>
+                        <a:rPr lang="en-US" altLang="zh-CN" sz="1100" u="none" strike="noStrike">
+                          <a:effectLst/>
+                        </a:rPr>
+                        <a:t>0.359291315</a:t>
+                      </a:r>
+                      <a:endParaRPr lang="en-US" altLang="zh-CN" sz="1100" b="0" i="0" u="none" strike="noStrike">
+                        <a:solidFill>
+                          <a:srgbClr val="000000"/>
+                        </a:solidFill>
+                        <a:effectLst/>
+                        <a:latin typeface="等线" panose="02010600030101010101" pitchFamily="2" charset="-122"/>
+                        <a:ea typeface="等线" panose="02010600030101010101" pitchFamily="2" charset="-122"/>
+                      </a:endParaRPr>
+                    </a:p>
+                  </a:txBody>
+                  <a:tcPr marL="9525" marR="9525" marT="9525" marB="0" anchor="b"/>
+                </a:tc>
+                <a:tc>
+                  <a:txBody>
+                    <a:bodyPr/>
+                    <a:lstStyle/>
+                    <a:p>
+                      <a:pPr algn="r" fontAlgn="b"/>
+                      <a:r>
+                        <a:rPr lang="en-US" altLang="zh-CN" sz="1100" u="none" strike="noStrike">
+                          <a:effectLst/>
+                        </a:rPr>
+                        <a:t>0.461538462</a:t>
+                      </a:r>
+                      <a:endParaRPr lang="en-US" altLang="zh-CN" sz="1100" b="0" i="0" u="none" strike="noStrike">
+                        <a:solidFill>
+                          <a:srgbClr val="000000"/>
+                        </a:solidFill>
+                        <a:effectLst/>
+                        <a:latin typeface="等线" panose="02010600030101010101" pitchFamily="2" charset="-122"/>
+                        <a:ea typeface="等线" panose="02010600030101010101" pitchFamily="2" charset="-122"/>
+                      </a:endParaRPr>
+                    </a:p>
+                  </a:txBody>
+                  <a:tcPr marL="9525" marR="9525" marT="9525" marB="0" anchor="b"/>
+                </a:tc>
+                <a:tc>
+                  <a:txBody>
+                    <a:bodyPr/>
+                    <a:lstStyle/>
+                    <a:p>
+                      <a:pPr algn="l" fontAlgn="b"/>
+                      <a:r>
+                        <a:rPr lang="en-US" sz="1100" u="none" strike="noStrike">
+                          <a:effectLst/>
+                        </a:rPr>
+                        <a:t>10-fold </a:t>
+                      </a:r>
+                      <a:endParaRPr lang="en-US" sz="1100" b="0" i="0" u="none" strike="noStrike">
+                        <a:solidFill>
+                          <a:srgbClr val="000000"/>
+                        </a:solidFill>
+                        <a:effectLst/>
+                        <a:latin typeface="等线" panose="02010600030101010101" pitchFamily="2" charset="-122"/>
+                        <a:ea typeface="等线" panose="02010600030101010101" pitchFamily="2" charset="-122"/>
+                      </a:endParaRPr>
+                    </a:p>
+                  </a:txBody>
+                  <a:tcPr marL="9525" marR="9525" marT="9525" marB="0" anchor="b"/>
+                </a:tc>
+                <a:tc>
+                  <a:txBody>
+                    <a:bodyPr/>
+                    <a:lstStyle/>
+                    <a:p>
+                      <a:pPr algn="l" fontAlgn="b"/>
+                      <a:r>
+                        <a:rPr lang="en-US" sz="1100" u="none" strike="noStrike">
+                          <a:effectLst/>
+                        </a:rPr>
+                        <a:t>Cart</a:t>
+                      </a:r>
+                      <a:endParaRPr lang="en-US" sz="1100" b="0" i="0" u="none" strike="noStrike">
+                        <a:solidFill>
+                          <a:srgbClr val="000000"/>
+                        </a:solidFill>
+                        <a:effectLst/>
+                        <a:latin typeface="等线" panose="02010600030101010101" pitchFamily="2" charset="-122"/>
+                        <a:ea typeface="等线" panose="02010600030101010101" pitchFamily="2" charset="-122"/>
+                      </a:endParaRPr>
+                    </a:p>
+                  </a:txBody>
+                  <a:tcPr marL="9525" marR="9525" marT="9525" marB="0" anchor="b"/>
+                </a:tc>
+                <a:tc>
+                  <a:txBody>
+                    <a:bodyPr/>
+                    <a:lstStyle/>
+                    <a:p>
+                      <a:pPr algn="r" fontAlgn="b"/>
+                      <a:r>
+                        <a:rPr lang="en-US" altLang="zh-CN" sz="1100" u="none" strike="noStrike">
+                          <a:effectLst/>
+                        </a:rPr>
+                        <a:t>0.585977011</a:t>
+                      </a:r>
+                      <a:endParaRPr lang="en-US" altLang="zh-CN" sz="1100" b="0" i="0" u="none" strike="noStrike">
+                        <a:solidFill>
+                          <a:srgbClr val="006100"/>
+                        </a:solidFill>
+                        <a:effectLst/>
+                        <a:latin typeface="等线" panose="02010600030101010101" pitchFamily="2" charset="-122"/>
+                        <a:ea typeface="等线" panose="02010600030101010101" pitchFamily="2" charset="-122"/>
+                      </a:endParaRPr>
+                    </a:p>
+                  </a:txBody>
+                  <a:tcPr marL="9525" marR="9525" marT="9525" marB="0" anchor="b"/>
+                </a:tc>
+                <a:tc>
+                  <a:txBody>
+                    <a:bodyPr/>
+                    <a:lstStyle/>
+                    <a:p>
+                      <a:pPr algn="r" fontAlgn="b"/>
+                      <a:r>
+                        <a:rPr lang="en-US" altLang="zh-CN" sz="1100" u="none" strike="noStrike" dirty="0">
+                          <a:effectLst/>
+                        </a:rPr>
+                        <a:t>0</a:t>
+                      </a:r>
+                      <a:endParaRPr lang="en-US" altLang="zh-CN" sz="1100" b="0" i="0" u="none" strike="noStrike" dirty="0">
+                        <a:solidFill>
+                          <a:srgbClr val="006100"/>
+                        </a:solidFill>
+                        <a:effectLst/>
+                        <a:latin typeface="等线" panose="02010600030101010101" pitchFamily="2" charset="-122"/>
+                        <a:ea typeface="等线" panose="02010600030101010101" pitchFamily="2" charset="-122"/>
+                      </a:endParaRPr>
+                    </a:p>
+                  </a:txBody>
+                  <a:tcPr marL="9525" marR="9525" marT="9525" marB="0" anchor="b"/>
+                </a:tc>
+                <a:extLst>
+                  <a:ext uri="{0D108BD9-81ED-4DB2-BD59-A6C34878D82A}">
+                    <a16:rowId xmlns:a16="http://schemas.microsoft.com/office/drawing/2014/main" val="2791143383"/>
+                  </a:ext>
+                </a:extLst>
+              </a:tr>
+            </a:tbl>
+          </a:graphicData>
+        </a:graphic>
+      </p:graphicFrame>
+      <p:graphicFrame>
+        <p:nvGraphicFramePr>
+          <p:cNvPr id="10" name="表格 9">
+            <a:extLst>
+              <a:ext uri="{FF2B5EF4-FFF2-40B4-BE49-F238E27FC236}">
+                <a16:creationId xmlns:a16="http://schemas.microsoft.com/office/drawing/2014/main" id="{0B225954-BB7D-4E70-BE24-22C824816A45}"/>
+              </a:ext>
+            </a:extLst>
+          </p:cNvPr>
+          <p:cNvGraphicFramePr>
+            <a:graphicFrameLocks noGrp="1"/>
+          </p:cNvGraphicFramePr>
+          <p:nvPr>
+            <p:extLst>
+              <p:ext uri="{D42A27DB-BD31-4B8C-83A1-F6EECF244321}">
+                <p14:modId xmlns:p14="http://schemas.microsoft.com/office/powerpoint/2010/main" val="459265296"/>
+              </p:ext>
+            </p:extLst>
+          </p:nvPr>
+        </p:nvGraphicFramePr>
+        <p:xfrm>
+          <a:off x="2006600" y="3496025"/>
+          <a:ext cx="8178800" cy="904875"/>
+        </p:xfrm>
+        <a:graphic>
+          <a:graphicData uri="http://schemas.openxmlformats.org/drawingml/2006/table">
+            <a:tbl>
+              <a:tblPr>
+                <a:tableStyleId>{5C22544A-7EE6-4342-B048-85BDC9FD1C3A}</a:tableStyleId>
+              </a:tblPr>
+              <a:tblGrid>
+                <a:gridCol w="1055382">
+                  <a:extLst>
+                    <a:ext uri="{9D8B030D-6E8A-4147-A177-3AD203B41FA5}">
+                      <a16:colId xmlns:a16="http://schemas.microsoft.com/office/drawing/2014/main" val="4057030813"/>
+                    </a:ext>
+                  </a:extLst>
+                </a:gridCol>
+                <a:gridCol w="1166069">
+                  <a:extLst>
+                    <a:ext uri="{9D8B030D-6E8A-4147-A177-3AD203B41FA5}">
+                      <a16:colId xmlns:a16="http://schemas.microsoft.com/office/drawing/2014/main" val="1049074576"/>
+                    </a:ext>
+                  </a:extLst>
+                </a:gridCol>
+                <a:gridCol w="1551964">
+                  <a:extLst>
+                    <a:ext uri="{9D8B030D-6E8A-4147-A177-3AD203B41FA5}">
+                      <a16:colId xmlns:a16="http://schemas.microsoft.com/office/drawing/2014/main" val="2945560585"/>
+                    </a:ext>
+                  </a:extLst>
+                </a:gridCol>
+                <a:gridCol w="964734">
+                  <a:extLst>
+                    <a:ext uri="{9D8B030D-6E8A-4147-A177-3AD203B41FA5}">
+                      <a16:colId xmlns:a16="http://schemas.microsoft.com/office/drawing/2014/main" val="191358090"/>
+                    </a:ext>
+                  </a:extLst>
+                </a:gridCol>
+                <a:gridCol w="964734">
+                  <a:extLst>
+                    <a:ext uri="{9D8B030D-6E8A-4147-A177-3AD203B41FA5}">
+                      <a16:colId xmlns:a16="http://schemas.microsoft.com/office/drawing/2014/main" val="3008752510"/>
+                    </a:ext>
+                  </a:extLst>
+                </a:gridCol>
+                <a:gridCol w="1107346">
+                  <a:extLst>
+                    <a:ext uri="{9D8B030D-6E8A-4147-A177-3AD203B41FA5}">
+                      <a16:colId xmlns:a16="http://schemas.microsoft.com/office/drawing/2014/main" val="2830827218"/>
+                    </a:ext>
+                  </a:extLst>
+                </a:gridCol>
+                <a:gridCol w="1368571">
+                  <a:extLst>
+                    <a:ext uri="{9D8B030D-6E8A-4147-A177-3AD203B41FA5}">
+                      <a16:colId xmlns:a16="http://schemas.microsoft.com/office/drawing/2014/main" val="3530011395"/>
+                    </a:ext>
+                  </a:extLst>
+                </a:gridCol>
+              </a:tblGrid>
+              <a:tr h="180975">
+                <a:tc>
+                  <a:txBody>
+                    <a:bodyPr/>
+                    <a:lstStyle/>
+                    <a:p>
+                      <a:pPr algn="l" fontAlgn="b"/>
+                      <a:r>
+                        <a:rPr lang="en-US" sz="1100" u="none" strike="noStrike">
+                          <a:effectLst/>
+                        </a:rPr>
+                        <a:t>Algorithm</a:t>
+                      </a:r>
+                      <a:endParaRPr lang="en-US" sz="1100" b="0" i="0" u="none" strike="noStrike">
+                        <a:solidFill>
+                          <a:srgbClr val="000000"/>
+                        </a:solidFill>
+                        <a:effectLst/>
+                        <a:latin typeface="等线" panose="02010600030101010101" pitchFamily="2" charset="-122"/>
+                        <a:ea typeface="等线" panose="02010600030101010101" pitchFamily="2" charset="-122"/>
+                      </a:endParaRPr>
+                    </a:p>
+                  </a:txBody>
+                  <a:tcPr marL="9525" marR="9525" marT="9525" marB="0" anchor="b"/>
+                </a:tc>
+                <a:tc>
+                  <a:txBody>
+                    <a:bodyPr/>
+                    <a:lstStyle/>
+                    <a:p>
+                      <a:pPr algn="l" fontAlgn="b"/>
+                      <a:r>
+                        <a:rPr lang="en-US" sz="1100" u="none" strike="noStrike">
+                          <a:effectLst/>
+                        </a:rPr>
+                        <a:t>Time</a:t>
+                      </a:r>
+                      <a:endParaRPr lang="en-US" sz="1100" b="0" i="0" u="none" strike="noStrike">
+                        <a:solidFill>
+                          <a:srgbClr val="000000"/>
+                        </a:solidFill>
+                        <a:effectLst/>
+                        <a:latin typeface="等线" panose="02010600030101010101" pitchFamily="2" charset="-122"/>
+                        <a:ea typeface="等线" panose="02010600030101010101" pitchFamily="2" charset="-122"/>
+                      </a:endParaRPr>
+                    </a:p>
+                  </a:txBody>
+                  <a:tcPr marL="9525" marR="9525" marT="9525" marB="0" anchor="b"/>
+                </a:tc>
+                <a:tc>
+                  <a:txBody>
+                    <a:bodyPr/>
+                    <a:lstStyle/>
+                    <a:p>
+                      <a:pPr algn="l" fontAlgn="b"/>
+                      <a:r>
+                        <a:rPr lang="en-US" sz="1100" u="none" strike="noStrike">
+                          <a:effectLst/>
+                        </a:rPr>
+                        <a:t>DR</a:t>
+                      </a:r>
+                      <a:endParaRPr lang="en-US" sz="1100" b="0" i="0" u="none" strike="noStrike">
+                        <a:solidFill>
+                          <a:srgbClr val="000000"/>
+                        </a:solidFill>
+                        <a:effectLst/>
+                        <a:latin typeface="等线" panose="02010600030101010101" pitchFamily="2" charset="-122"/>
+                        <a:ea typeface="等线" panose="02010600030101010101" pitchFamily="2" charset="-122"/>
+                      </a:endParaRPr>
+                    </a:p>
+                  </a:txBody>
+                  <a:tcPr marL="9525" marR="9525" marT="9525" marB="0" anchor="b"/>
+                </a:tc>
+                <a:tc>
+                  <a:txBody>
+                    <a:bodyPr/>
+                    <a:lstStyle/>
+                    <a:p>
+                      <a:pPr algn="l" fontAlgn="b"/>
+                      <a:r>
+                        <a:rPr lang="en-US" sz="1100" u="none" strike="noStrike">
+                          <a:effectLst/>
+                        </a:rPr>
+                        <a:t>Validation</a:t>
+                      </a:r>
+                      <a:endParaRPr lang="en-US" sz="1100" b="0" i="0" u="none" strike="noStrike">
+                        <a:solidFill>
+                          <a:srgbClr val="000000"/>
+                        </a:solidFill>
+                        <a:effectLst/>
+                        <a:latin typeface="等线" panose="02010600030101010101" pitchFamily="2" charset="-122"/>
+                        <a:ea typeface="等线" panose="02010600030101010101" pitchFamily="2" charset="-122"/>
+                      </a:endParaRPr>
+                    </a:p>
+                  </a:txBody>
+                  <a:tcPr marL="9525" marR="9525" marT="9525" marB="0" anchor="b"/>
+                </a:tc>
+                <a:tc>
+                  <a:txBody>
+                    <a:bodyPr/>
+                    <a:lstStyle/>
+                    <a:p>
+                      <a:pPr algn="l" fontAlgn="b"/>
+                      <a:r>
+                        <a:rPr lang="en-US" sz="1100" u="none" strike="noStrike">
+                          <a:effectLst/>
+                        </a:rPr>
+                        <a:t>Classifier</a:t>
+                      </a:r>
+                      <a:endParaRPr lang="en-US" sz="1100" b="0" i="0" u="none" strike="noStrike">
+                        <a:solidFill>
+                          <a:srgbClr val="000000"/>
+                        </a:solidFill>
+                        <a:effectLst/>
+                        <a:latin typeface="等线" panose="02010600030101010101" pitchFamily="2" charset="-122"/>
+                        <a:ea typeface="等线" panose="02010600030101010101" pitchFamily="2" charset="-122"/>
+                      </a:endParaRPr>
+                    </a:p>
+                  </a:txBody>
+                  <a:tcPr marL="9525" marR="9525" marT="9525" marB="0" anchor="b"/>
+                </a:tc>
+                <a:tc>
+                  <a:txBody>
+                    <a:bodyPr/>
+                    <a:lstStyle/>
+                    <a:p>
+                      <a:pPr algn="l" fontAlgn="b"/>
+                      <a:r>
+                        <a:rPr lang="en-US" sz="1100" u="none" strike="noStrike">
+                          <a:effectLst/>
+                        </a:rPr>
+                        <a:t>AC</a:t>
+                      </a:r>
+                      <a:endParaRPr lang="en-US" sz="1100" b="0" i="0" u="none" strike="noStrike">
+                        <a:solidFill>
+                          <a:srgbClr val="000000"/>
+                        </a:solidFill>
+                        <a:effectLst/>
+                        <a:latin typeface="等线" panose="02010600030101010101" pitchFamily="2" charset="-122"/>
+                        <a:ea typeface="等线" panose="02010600030101010101" pitchFamily="2" charset="-122"/>
+                      </a:endParaRPr>
+                    </a:p>
+                  </a:txBody>
+                  <a:tcPr marL="9525" marR="9525" marT="9525" marB="0" anchor="b"/>
+                </a:tc>
+                <a:tc>
+                  <a:txBody>
+                    <a:bodyPr/>
+                    <a:lstStyle/>
+                    <a:p>
+                      <a:pPr algn="l" fontAlgn="b"/>
+                      <a:r>
+                        <a:rPr lang="en-US" sz="1100" u="none" strike="noStrike">
+                          <a:effectLst/>
+                        </a:rPr>
+                        <a:t>Acc Delta</a:t>
+                      </a:r>
+                      <a:endParaRPr lang="en-US" sz="1100" b="0" i="0" u="none" strike="noStrike">
+                        <a:solidFill>
+                          <a:srgbClr val="000000"/>
+                        </a:solidFill>
+                        <a:effectLst/>
+                        <a:latin typeface="等线" panose="02010600030101010101" pitchFamily="2" charset="-122"/>
+                        <a:ea typeface="等线" panose="02010600030101010101" pitchFamily="2" charset="-122"/>
+                      </a:endParaRPr>
+                    </a:p>
+                  </a:txBody>
+                  <a:tcPr marL="9525" marR="9525" marT="9525" marB="0" anchor="b"/>
+                </a:tc>
+                <a:extLst>
+                  <a:ext uri="{0D108BD9-81ED-4DB2-BD59-A6C34878D82A}">
+                    <a16:rowId xmlns:a16="http://schemas.microsoft.com/office/drawing/2014/main" val="3218636586"/>
+                  </a:ext>
+                </a:extLst>
+              </a:tr>
+              <a:tr h="180975">
+                <a:tc>
+                  <a:txBody>
+                    <a:bodyPr/>
+                    <a:lstStyle/>
+                    <a:p>
+                      <a:pPr algn="l" fontAlgn="b"/>
+                      <a:r>
+                        <a:rPr lang="en-US" sz="1100" u="none" strike="noStrike">
+                          <a:effectLst/>
+                        </a:rPr>
+                        <a:t>EFSFOA</a:t>
+                      </a:r>
+                      <a:endParaRPr lang="en-US" sz="1100" b="0" i="0" u="none" strike="noStrike">
+                        <a:solidFill>
+                          <a:srgbClr val="000000"/>
+                        </a:solidFill>
+                        <a:effectLst/>
+                        <a:latin typeface="等线" panose="02010600030101010101" pitchFamily="2" charset="-122"/>
+                        <a:ea typeface="等线" panose="02010600030101010101" pitchFamily="2" charset="-122"/>
+                      </a:endParaRPr>
+                    </a:p>
+                  </a:txBody>
+                  <a:tcPr marL="9525" marR="9525" marT="9525" marB="0" anchor="b"/>
+                </a:tc>
+                <a:tc>
+                  <a:txBody>
+                    <a:bodyPr/>
+                    <a:lstStyle/>
+                    <a:p>
+                      <a:pPr algn="r" fontAlgn="b"/>
+                      <a:r>
+                        <a:rPr lang="en-US" altLang="zh-CN" sz="1100" u="none" strike="noStrike">
+                          <a:effectLst/>
+                        </a:rPr>
+                        <a:t>88.79822469</a:t>
+                      </a:r>
+                      <a:endParaRPr lang="en-US" altLang="zh-CN" sz="1100" b="0" i="0" u="none" strike="noStrike">
+                        <a:solidFill>
+                          <a:srgbClr val="000000"/>
+                        </a:solidFill>
+                        <a:effectLst/>
+                        <a:latin typeface="等线" panose="02010600030101010101" pitchFamily="2" charset="-122"/>
+                        <a:ea typeface="等线" panose="02010600030101010101" pitchFamily="2" charset="-122"/>
+                      </a:endParaRPr>
+                    </a:p>
+                  </a:txBody>
+                  <a:tcPr marL="9525" marR="9525" marT="9525" marB="0" anchor="b"/>
+                </a:tc>
+                <a:tc>
+                  <a:txBody>
+                    <a:bodyPr/>
+                    <a:lstStyle/>
+                    <a:p>
+                      <a:pPr algn="r" fontAlgn="b"/>
+                      <a:r>
+                        <a:rPr lang="en-US" altLang="zh-CN" sz="1100" u="none" strike="noStrike" dirty="0">
+                          <a:effectLst/>
+                        </a:rPr>
+                        <a:t>0.647058824</a:t>
+                      </a:r>
+                      <a:endParaRPr lang="en-US" altLang="zh-CN" sz="1100" b="0" i="0" u="none" strike="noStrike" dirty="0">
+                        <a:solidFill>
+                          <a:srgbClr val="000000"/>
+                        </a:solidFill>
+                        <a:effectLst/>
+                        <a:latin typeface="等线" panose="02010600030101010101" pitchFamily="2" charset="-122"/>
+                        <a:ea typeface="等线" panose="02010600030101010101" pitchFamily="2" charset="-122"/>
+                      </a:endParaRPr>
+                    </a:p>
+                  </a:txBody>
+                  <a:tcPr marL="9525" marR="9525" marT="9525" marB="0" anchor="b"/>
+                </a:tc>
+                <a:tc>
+                  <a:txBody>
+                    <a:bodyPr/>
+                    <a:lstStyle/>
+                    <a:p>
+                      <a:pPr algn="l" fontAlgn="b"/>
+                      <a:r>
+                        <a:rPr lang="en-US" sz="1100" u="none" strike="noStrike">
+                          <a:effectLst/>
+                        </a:rPr>
+                        <a:t>10-fold</a:t>
+                      </a:r>
+                      <a:endParaRPr lang="en-US" sz="1100" b="0" i="0" u="none" strike="noStrike">
+                        <a:solidFill>
+                          <a:srgbClr val="000000"/>
+                        </a:solidFill>
+                        <a:effectLst/>
+                        <a:latin typeface="等线" panose="02010600030101010101" pitchFamily="2" charset="-122"/>
+                        <a:ea typeface="等线" panose="02010600030101010101" pitchFamily="2" charset="-122"/>
+                      </a:endParaRPr>
+                    </a:p>
+                  </a:txBody>
+                  <a:tcPr marL="9525" marR="9525" marT="9525" marB="0" anchor="b"/>
+                </a:tc>
+                <a:tc>
+                  <a:txBody>
+                    <a:bodyPr/>
+                    <a:lstStyle/>
+                    <a:p>
+                      <a:pPr algn="l" fontAlgn="b"/>
+                      <a:r>
+                        <a:rPr lang="en-US" sz="1100" u="none" strike="noStrike">
+                          <a:effectLst/>
+                        </a:rPr>
+                        <a:t>1nn</a:t>
+                      </a:r>
+                      <a:endParaRPr lang="en-US" sz="1100" b="0" i="0" u="none" strike="noStrike">
+                        <a:solidFill>
+                          <a:srgbClr val="000000"/>
+                        </a:solidFill>
+                        <a:effectLst/>
+                        <a:latin typeface="等线" panose="02010600030101010101" pitchFamily="2" charset="-122"/>
+                        <a:ea typeface="等线" panose="02010600030101010101" pitchFamily="2" charset="-122"/>
+                      </a:endParaRPr>
+                    </a:p>
+                  </a:txBody>
+                  <a:tcPr marL="9525" marR="9525" marT="9525" marB="0" anchor="b"/>
+                </a:tc>
+                <a:tc>
+                  <a:txBody>
+                    <a:bodyPr/>
+                    <a:lstStyle/>
+                    <a:p>
+                      <a:pPr algn="r" fontAlgn="b"/>
+                      <a:r>
+                        <a:rPr lang="en-US" altLang="zh-CN" sz="1100" u="none" strike="noStrike">
+                          <a:effectLst/>
+                        </a:rPr>
+                        <a:t>0.905952381</a:t>
+                      </a:r>
+                      <a:endParaRPr lang="en-US" altLang="zh-CN" sz="1100" b="0" i="0" u="none" strike="noStrike">
+                        <a:solidFill>
+                          <a:srgbClr val="006100"/>
+                        </a:solidFill>
+                        <a:effectLst/>
+                        <a:latin typeface="等线" panose="02010600030101010101" pitchFamily="2" charset="-122"/>
+                        <a:ea typeface="等线" panose="02010600030101010101" pitchFamily="2" charset="-122"/>
+                      </a:endParaRPr>
+                    </a:p>
+                  </a:txBody>
+                  <a:tcPr marL="9525" marR="9525" marT="9525" marB="0" anchor="b"/>
+                </a:tc>
+                <a:tc>
+                  <a:txBody>
+                    <a:bodyPr/>
+                    <a:lstStyle/>
+                    <a:p>
+                      <a:pPr algn="r" fontAlgn="b"/>
+                      <a:r>
+                        <a:rPr lang="en-US" altLang="zh-CN" sz="1100" u="none" strike="noStrike">
+                          <a:effectLst/>
+                        </a:rPr>
+                        <a:t>0</a:t>
+                      </a:r>
+                      <a:endParaRPr lang="en-US" altLang="zh-CN" sz="1100" b="0" i="0" u="none" strike="noStrike">
+                        <a:solidFill>
+                          <a:srgbClr val="006100"/>
+                        </a:solidFill>
+                        <a:effectLst/>
+                        <a:latin typeface="等线" panose="02010600030101010101" pitchFamily="2" charset="-122"/>
+                        <a:ea typeface="等线" panose="02010600030101010101" pitchFamily="2" charset="-122"/>
+                      </a:endParaRPr>
+                    </a:p>
+                  </a:txBody>
+                  <a:tcPr marL="9525" marR="9525" marT="9525" marB="0" anchor="b"/>
+                </a:tc>
+                <a:extLst>
+                  <a:ext uri="{0D108BD9-81ED-4DB2-BD59-A6C34878D82A}">
+                    <a16:rowId xmlns:a16="http://schemas.microsoft.com/office/drawing/2014/main" val="3718931053"/>
+                  </a:ext>
+                </a:extLst>
+              </a:tr>
+              <a:tr h="180975">
+                <a:tc>
+                  <a:txBody>
+                    <a:bodyPr/>
+                    <a:lstStyle/>
+                    <a:p>
+                      <a:pPr algn="l" fontAlgn="b"/>
+                      <a:endParaRPr lang="zh-CN" altLang="en-US" sz="1100" b="0" i="0" u="none" strike="noStrike">
+                        <a:solidFill>
+                          <a:srgbClr val="000000"/>
+                        </a:solidFill>
+                        <a:effectLst/>
+                        <a:latin typeface="等线" panose="02010600030101010101" pitchFamily="2" charset="-122"/>
+                        <a:ea typeface="等线" panose="02010600030101010101" pitchFamily="2" charset="-122"/>
+                      </a:endParaRPr>
+                    </a:p>
+                  </a:txBody>
+                  <a:tcPr marL="9525" marR="9525" marT="9525" marB="0" anchor="b"/>
+                </a:tc>
+                <a:tc>
+                  <a:txBody>
+                    <a:bodyPr/>
+                    <a:lstStyle/>
+                    <a:p>
+                      <a:pPr algn="r" fontAlgn="b"/>
+                      <a:r>
+                        <a:rPr lang="en-US" altLang="zh-CN" sz="1100" u="none" strike="noStrike">
+                          <a:effectLst/>
+                        </a:rPr>
+                        <a:t>102.3047957</a:t>
+                      </a:r>
+                      <a:endParaRPr lang="en-US" altLang="zh-CN" sz="1100" b="0" i="0" u="none" strike="noStrike">
+                        <a:solidFill>
+                          <a:srgbClr val="000000"/>
+                        </a:solidFill>
+                        <a:effectLst/>
+                        <a:latin typeface="等线" panose="02010600030101010101" pitchFamily="2" charset="-122"/>
+                        <a:ea typeface="等线" panose="02010600030101010101" pitchFamily="2" charset="-122"/>
+                      </a:endParaRPr>
+                    </a:p>
+                  </a:txBody>
+                  <a:tcPr marL="9525" marR="9525" marT="9525" marB="0" anchor="b"/>
+                </a:tc>
+                <a:tc>
+                  <a:txBody>
+                    <a:bodyPr/>
+                    <a:lstStyle/>
+                    <a:p>
+                      <a:pPr algn="r" fontAlgn="b"/>
+                      <a:r>
+                        <a:rPr lang="en-US" altLang="zh-CN" sz="1100" u="none" strike="noStrike">
+                          <a:effectLst/>
+                        </a:rPr>
+                        <a:t>0.441176471</a:t>
+                      </a:r>
+                      <a:endParaRPr lang="en-US" altLang="zh-CN" sz="1100" b="0" i="0" u="none" strike="noStrike">
+                        <a:solidFill>
+                          <a:srgbClr val="000000"/>
+                        </a:solidFill>
+                        <a:effectLst/>
+                        <a:latin typeface="等线" panose="02010600030101010101" pitchFamily="2" charset="-122"/>
+                        <a:ea typeface="等线" panose="02010600030101010101" pitchFamily="2" charset="-122"/>
+                      </a:endParaRPr>
+                    </a:p>
+                  </a:txBody>
+                  <a:tcPr marL="9525" marR="9525" marT="9525" marB="0" anchor="b"/>
+                </a:tc>
+                <a:tc>
+                  <a:txBody>
+                    <a:bodyPr/>
+                    <a:lstStyle/>
+                    <a:p>
+                      <a:pPr algn="l" fontAlgn="b"/>
+                      <a:r>
+                        <a:rPr lang="en-US" sz="1100" u="none" strike="noStrike">
+                          <a:effectLst/>
+                        </a:rPr>
+                        <a:t>10-fold</a:t>
+                      </a:r>
+                      <a:endParaRPr lang="en-US" sz="1100" b="0" i="0" u="none" strike="noStrike">
+                        <a:solidFill>
+                          <a:srgbClr val="000000"/>
+                        </a:solidFill>
+                        <a:effectLst/>
+                        <a:latin typeface="等线" panose="02010600030101010101" pitchFamily="2" charset="-122"/>
+                        <a:ea typeface="等线" panose="02010600030101010101" pitchFamily="2" charset="-122"/>
+                      </a:endParaRPr>
+                    </a:p>
+                  </a:txBody>
+                  <a:tcPr marL="9525" marR="9525" marT="9525" marB="0" anchor="b"/>
+                </a:tc>
+                <a:tc>
+                  <a:txBody>
+                    <a:bodyPr/>
+                    <a:lstStyle/>
+                    <a:p>
+                      <a:pPr algn="l" fontAlgn="b"/>
+                      <a:r>
+                        <a:rPr lang="en-US" sz="1100" u="none" strike="noStrike">
+                          <a:effectLst/>
+                        </a:rPr>
+                        <a:t>5nn</a:t>
+                      </a:r>
+                      <a:endParaRPr lang="en-US" sz="1100" b="0" i="0" u="none" strike="noStrike">
+                        <a:solidFill>
+                          <a:srgbClr val="000000"/>
+                        </a:solidFill>
+                        <a:effectLst/>
+                        <a:latin typeface="等线" panose="02010600030101010101" pitchFamily="2" charset="-122"/>
+                        <a:ea typeface="等线" panose="02010600030101010101" pitchFamily="2" charset="-122"/>
+                      </a:endParaRPr>
+                    </a:p>
+                  </a:txBody>
+                  <a:tcPr marL="9525" marR="9525" marT="9525" marB="0" anchor="b"/>
+                </a:tc>
+                <a:tc>
+                  <a:txBody>
+                    <a:bodyPr/>
+                    <a:lstStyle/>
+                    <a:p>
+                      <a:pPr algn="r" fontAlgn="b"/>
+                      <a:r>
+                        <a:rPr lang="en-US" altLang="zh-CN" sz="1100" u="none" strike="noStrike">
+                          <a:effectLst/>
+                        </a:rPr>
+                        <a:t>0.852142857</a:t>
+                      </a:r>
+                      <a:endParaRPr lang="en-US" altLang="zh-CN" sz="1100" b="0" i="0" u="none" strike="noStrike">
+                        <a:solidFill>
+                          <a:srgbClr val="000000"/>
+                        </a:solidFill>
+                        <a:effectLst/>
+                        <a:latin typeface="等线" panose="02010600030101010101" pitchFamily="2" charset="-122"/>
+                        <a:ea typeface="等线" panose="02010600030101010101" pitchFamily="2" charset="-122"/>
+                      </a:endParaRPr>
+                    </a:p>
+                  </a:txBody>
+                  <a:tcPr marL="9525" marR="9525" marT="9525" marB="0" anchor="b"/>
+                </a:tc>
+                <a:tc>
+                  <a:txBody>
+                    <a:bodyPr/>
+                    <a:lstStyle/>
+                    <a:p>
+                      <a:pPr algn="r" fontAlgn="b"/>
+                      <a:r>
+                        <a:rPr lang="en-US" altLang="zh-CN" sz="1100" u="none" strike="noStrike">
+                          <a:effectLst/>
+                        </a:rPr>
+                        <a:t>4.7631719</a:t>
+                      </a:r>
+                      <a:endParaRPr lang="en-US" altLang="zh-CN" sz="1100" b="0" i="0" u="none" strike="noStrike">
+                        <a:solidFill>
+                          <a:srgbClr val="000000"/>
+                        </a:solidFill>
+                        <a:effectLst/>
+                        <a:latin typeface="等线" panose="02010600030101010101" pitchFamily="2" charset="-122"/>
+                        <a:ea typeface="等线" panose="02010600030101010101" pitchFamily="2" charset="-122"/>
+                      </a:endParaRPr>
+                    </a:p>
+                  </a:txBody>
+                  <a:tcPr marL="9525" marR="9525" marT="9525" marB="0" anchor="b"/>
+                </a:tc>
+                <a:extLst>
+                  <a:ext uri="{0D108BD9-81ED-4DB2-BD59-A6C34878D82A}">
+                    <a16:rowId xmlns:a16="http://schemas.microsoft.com/office/drawing/2014/main" val="4066695035"/>
+                  </a:ext>
+                </a:extLst>
+              </a:tr>
+              <a:tr h="180975">
+                <a:tc>
+                  <a:txBody>
+                    <a:bodyPr/>
+                    <a:lstStyle/>
+                    <a:p>
+                      <a:pPr algn="l" fontAlgn="b"/>
+                      <a:endParaRPr lang="zh-CN" altLang="en-US" sz="1100" b="0" i="0" u="none" strike="noStrike">
+                        <a:solidFill>
+                          <a:srgbClr val="000000"/>
+                        </a:solidFill>
+                        <a:effectLst/>
+                        <a:latin typeface="等线" panose="02010600030101010101" pitchFamily="2" charset="-122"/>
+                        <a:ea typeface="等线" panose="02010600030101010101" pitchFamily="2" charset="-122"/>
+                      </a:endParaRPr>
+                    </a:p>
+                  </a:txBody>
+                  <a:tcPr marL="9525" marR="9525" marT="9525" marB="0" anchor="b"/>
+                </a:tc>
+                <a:tc>
+                  <a:txBody>
+                    <a:bodyPr/>
+                    <a:lstStyle/>
+                    <a:p>
+                      <a:pPr algn="r" fontAlgn="b"/>
+                      <a:r>
+                        <a:rPr lang="en-US" altLang="zh-CN" sz="1100" u="none" strike="noStrike">
+                          <a:effectLst/>
+                        </a:rPr>
+                        <a:t>2.967281818</a:t>
+                      </a:r>
+                      <a:endParaRPr lang="en-US" altLang="zh-CN" sz="1100" b="0" i="0" u="none" strike="noStrike">
+                        <a:solidFill>
+                          <a:srgbClr val="000000"/>
+                        </a:solidFill>
+                        <a:effectLst/>
+                        <a:latin typeface="等线" panose="02010600030101010101" pitchFamily="2" charset="-122"/>
+                        <a:ea typeface="等线" panose="02010600030101010101" pitchFamily="2" charset="-122"/>
+                      </a:endParaRPr>
+                    </a:p>
+                  </a:txBody>
+                  <a:tcPr marL="9525" marR="9525" marT="9525" marB="0" anchor="b"/>
+                </a:tc>
+                <a:tc>
+                  <a:txBody>
+                    <a:bodyPr/>
+                    <a:lstStyle/>
+                    <a:p>
+                      <a:pPr algn="r" fontAlgn="b"/>
+                      <a:r>
+                        <a:rPr lang="en-US" altLang="zh-CN" sz="1100" u="none" strike="noStrike">
+                          <a:effectLst/>
+                        </a:rPr>
+                        <a:t>0.294117647</a:t>
+                      </a:r>
+                      <a:endParaRPr lang="en-US" altLang="zh-CN" sz="1100" b="0" i="0" u="none" strike="noStrike">
+                        <a:solidFill>
+                          <a:srgbClr val="000000"/>
+                        </a:solidFill>
+                        <a:effectLst/>
+                        <a:latin typeface="等线" panose="02010600030101010101" pitchFamily="2" charset="-122"/>
+                        <a:ea typeface="等线" panose="02010600030101010101" pitchFamily="2" charset="-122"/>
+                      </a:endParaRPr>
+                    </a:p>
+                  </a:txBody>
+                  <a:tcPr marL="9525" marR="9525" marT="9525" marB="0" anchor="b"/>
+                </a:tc>
+                <a:tc>
+                  <a:txBody>
+                    <a:bodyPr/>
+                    <a:lstStyle/>
+                    <a:p>
+                      <a:pPr algn="l" fontAlgn="b"/>
+                      <a:r>
+                        <a:rPr lang="en-US" sz="1100" u="none" strike="noStrike">
+                          <a:effectLst/>
+                        </a:rPr>
+                        <a:t>10-fold</a:t>
+                      </a:r>
+                      <a:endParaRPr lang="en-US" sz="1100" b="0" i="0" u="none" strike="noStrike">
+                        <a:solidFill>
+                          <a:srgbClr val="000000"/>
+                        </a:solidFill>
+                        <a:effectLst/>
+                        <a:latin typeface="等线" panose="02010600030101010101" pitchFamily="2" charset="-122"/>
+                        <a:ea typeface="等线" panose="02010600030101010101" pitchFamily="2" charset="-122"/>
+                      </a:endParaRPr>
+                    </a:p>
+                  </a:txBody>
+                  <a:tcPr marL="9525" marR="9525" marT="9525" marB="0" anchor="b"/>
+                </a:tc>
+                <a:tc>
+                  <a:txBody>
+                    <a:bodyPr/>
+                    <a:lstStyle/>
+                    <a:p>
+                      <a:pPr algn="l" fontAlgn="b"/>
+                      <a:r>
+                        <a:rPr lang="en-US" sz="1100" u="none" strike="noStrike">
+                          <a:effectLst/>
+                        </a:rPr>
+                        <a:t>SVM</a:t>
+                      </a:r>
+                      <a:endParaRPr lang="en-US" sz="1100" b="0" i="0" u="none" strike="noStrike">
+                        <a:solidFill>
+                          <a:srgbClr val="000000"/>
+                        </a:solidFill>
+                        <a:effectLst/>
+                        <a:latin typeface="等线" panose="02010600030101010101" pitchFamily="2" charset="-122"/>
+                        <a:ea typeface="等线" panose="02010600030101010101" pitchFamily="2" charset="-122"/>
+                      </a:endParaRPr>
+                    </a:p>
+                  </a:txBody>
+                  <a:tcPr marL="9525" marR="9525" marT="9525" marB="0" anchor="b"/>
+                </a:tc>
+                <a:tc>
+                  <a:txBody>
+                    <a:bodyPr/>
+                    <a:lstStyle/>
+                    <a:p>
+                      <a:pPr algn="r" fontAlgn="b"/>
+                      <a:r>
+                        <a:rPr lang="en-US" altLang="zh-CN" sz="1100" u="none" strike="noStrike">
+                          <a:effectLst/>
+                        </a:rPr>
+                        <a:t>0.951587302</a:t>
+                      </a:r>
+                      <a:endParaRPr lang="en-US" altLang="zh-CN" sz="1100" b="0" i="0" u="none" strike="noStrike">
+                        <a:solidFill>
+                          <a:srgbClr val="006100"/>
+                        </a:solidFill>
+                        <a:effectLst/>
+                        <a:latin typeface="等线" panose="02010600030101010101" pitchFamily="2" charset="-122"/>
+                        <a:ea typeface="等线" panose="02010600030101010101" pitchFamily="2" charset="-122"/>
+                      </a:endParaRPr>
+                    </a:p>
+                  </a:txBody>
+                  <a:tcPr marL="9525" marR="9525" marT="9525" marB="0" anchor="b"/>
+                </a:tc>
+                <a:tc>
+                  <a:txBody>
+                    <a:bodyPr/>
+                    <a:lstStyle/>
+                    <a:p>
+                      <a:pPr algn="r" fontAlgn="b"/>
+                      <a:r>
+                        <a:rPr lang="en-US" altLang="zh-CN" sz="1100" u="none" strike="noStrike">
+                          <a:effectLst/>
+                        </a:rPr>
+                        <a:t>0</a:t>
+                      </a:r>
+                      <a:endParaRPr lang="en-US" altLang="zh-CN" sz="1100" b="0" i="0" u="none" strike="noStrike">
+                        <a:solidFill>
+                          <a:srgbClr val="006100"/>
+                        </a:solidFill>
+                        <a:effectLst/>
+                        <a:latin typeface="等线" panose="02010600030101010101" pitchFamily="2" charset="-122"/>
+                        <a:ea typeface="等线" panose="02010600030101010101" pitchFamily="2" charset="-122"/>
+                      </a:endParaRPr>
+                    </a:p>
+                  </a:txBody>
+                  <a:tcPr marL="9525" marR="9525" marT="9525" marB="0" anchor="b"/>
+                </a:tc>
+                <a:extLst>
+                  <a:ext uri="{0D108BD9-81ED-4DB2-BD59-A6C34878D82A}">
+                    <a16:rowId xmlns:a16="http://schemas.microsoft.com/office/drawing/2014/main" val="264721434"/>
+                  </a:ext>
+                </a:extLst>
+              </a:tr>
+              <a:tr h="180975">
+                <a:tc>
+                  <a:txBody>
+                    <a:bodyPr/>
+                    <a:lstStyle/>
+                    <a:p>
+                      <a:pPr algn="l" fontAlgn="b"/>
+                      <a:endParaRPr lang="zh-CN" altLang="en-US" sz="1100" b="0" i="0" u="none" strike="noStrike">
+                        <a:solidFill>
+                          <a:srgbClr val="000000"/>
+                        </a:solidFill>
+                        <a:effectLst/>
+                        <a:latin typeface="等线" panose="02010600030101010101" pitchFamily="2" charset="-122"/>
+                        <a:ea typeface="等线" panose="02010600030101010101" pitchFamily="2" charset="-122"/>
+                      </a:endParaRPr>
+                    </a:p>
+                  </a:txBody>
+                  <a:tcPr marL="9525" marR="9525" marT="9525" marB="0" anchor="b"/>
+                </a:tc>
+                <a:tc>
+                  <a:txBody>
+                    <a:bodyPr/>
+                    <a:lstStyle/>
+                    <a:p>
+                      <a:pPr algn="r" fontAlgn="b"/>
+                      <a:r>
+                        <a:rPr lang="en-US" altLang="zh-CN" sz="1100" u="none" strike="noStrike">
+                          <a:effectLst/>
+                        </a:rPr>
+                        <a:t>1.874529123</a:t>
+                      </a:r>
+                      <a:endParaRPr lang="en-US" altLang="zh-CN" sz="1100" b="0" i="0" u="none" strike="noStrike">
+                        <a:solidFill>
+                          <a:srgbClr val="000000"/>
+                        </a:solidFill>
+                        <a:effectLst/>
+                        <a:latin typeface="等线" panose="02010600030101010101" pitchFamily="2" charset="-122"/>
+                        <a:ea typeface="等线" panose="02010600030101010101" pitchFamily="2" charset="-122"/>
+                      </a:endParaRPr>
+                    </a:p>
+                  </a:txBody>
+                  <a:tcPr marL="9525" marR="9525" marT="9525" marB="0" anchor="b"/>
+                </a:tc>
+                <a:tc>
+                  <a:txBody>
+                    <a:bodyPr/>
+                    <a:lstStyle/>
+                    <a:p>
+                      <a:pPr algn="r" fontAlgn="b"/>
+                      <a:r>
+                        <a:rPr lang="en-US" altLang="zh-CN" sz="1100" u="none" strike="noStrike">
+                          <a:effectLst/>
+                        </a:rPr>
+                        <a:t>0.5</a:t>
+                      </a:r>
+                      <a:endParaRPr lang="en-US" altLang="zh-CN" sz="1100" b="0" i="0" u="none" strike="noStrike">
+                        <a:solidFill>
+                          <a:srgbClr val="000000"/>
+                        </a:solidFill>
+                        <a:effectLst/>
+                        <a:latin typeface="等线" panose="02010600030101010101" pitchFamily="2" charset="-122"/>
+                        <a:ea typeface="等线" panose="02010600030101010101" pitchFamily="2" charset="-122"/>
+                      </a:endParaRPr>
+                    </a:p>
+                  </a:txBody>
+                  <a:tcPr marL="9525" marR="9525" marT="9525" marB="0" anchor="b"/>
+                </a:tc>
+                <a:tc>
+                  <a:txBody>
+                    <a:bodyPr/>
+                    <a:lstStyle/>
+                    <a:p>
+                      <a:pPr algn="l" fontAlgn="b"/>
+                      <a:r>
+                        <a:rPr lang="en-US" sz="1100" u="none" strike="noStrike">
+                          <a:effectLst/>
+                        </a:rPr>
+                        <a:t>10-fold </a:t>
+                      </a:r>
+                      <a:endParaRPr lang="en-US" sz="1100" b="0" i="0" u="none" strike="noStrike">
+                        <a:solidFill>
+                          <a:srgbClr val="000000"/>
+                        </a:solidFill>
+                        <a:effectLst/>
+                        <a:latin typeface="等线" panose="02010600030101010101" pitchFamily="2" charset="-122"/>
+                        <a:ea typeface="等线" panose="02010600030101010101" pitchFamily="2" charset="-122"/>
+                      </a:endParaRPr>
+                    </a:p>
+                  </a:txBody>
+                  <a:tcPr marL="9525" marR="9525" marT="9525" marB="0" anchor="b"/>
+                </a:tc>
+                <a:tc>
+                  <a:txBody>
+                    <a:bodyPr/>
+                    <a:lstStyle/>
+                    <a:p>
+                      <a:pPr algn="l" fontAlgn="b"/>
+                      <a:r>
+                        <a:rPr lang="en-US" sz="1100" u="none" strike="noStrike">
+                          <a:effectLst/>
+                        </a:rPr>
+                        <a:t>Cart</a:t>
+                      </a:r>
+                      <a:endParaRPr lang="en-US" sz="1100" b="0" i="0" u="none" strike="noStrike">
+                        <a:solidFill>
+                          <a:srgbClr val="000000"/>
+                        </a:solidFill>
+                        <a:effectLst/>
+                        <a:latin typeface="等线" panose="02010600030101010101" pitchFamily="2" charset="-122"/>
+                        <a:ea typeface="等线" panose="02010600030101010101" pitchFamily="2" charset="-122"/>
+                      </a:endParaRPr>
+                    </a:p>
+                  </a:txBody>
+                  <a:tcPr marL="9525" marR="9525" marT="9525" marB="0" anchor="b"/>
+                </a:tc>
+                <a:tc>
+                  <a:txBody>
+                    <a:bodyPr/>
+                    <a:lstStyle/>
+                    <a:p>
+                      <a:pPr algn="r" fontAlgn="b"/>
+                      <a:r>
+                        <a:rPr lang="en-US" altLang="zh-CN" sz="1100" u="none" strike="noStrike">
+                          <a:effectLst/>
+                        </a:rPr>
+                        <a:t>0.900555556</a:t>
+                      </a:r>
+                      <a:endParaRPr lang="en-US" altLang="zh-CN" sz="1100" b="0" i="0" u="none" strike="noStrike">
+                        <a:solidFill>
+                          <a:srgbClr val="006100"/>
+                        </a:solidFill>
+                        <a:effectLst/>
+                        <a:latin typeface="等线" panose="02010600030101010101" pitchFamily="2" charset="-122"/>
+                        <a:ea typeface="等线" panose="02010600030101010101" pitchFamily="2" charset="-122"/>
+                      </a:endParaRPr>
+                    </a:p>
+                  </a:txBody>
+                  <a:tcPr marL="9525" marR="9525" marT="9525" marB="0" anchor="b"/>
+                </a:tc>
+                <a:tc>
+                  <a:txBody>
+                    <a:bodyPr/>
+                    <a:lstStyle/>
+                    <a:p>
+                      <a:pPr algn="r" fontAlgn="b"/>
+                      <a:r>
+                        <a:rPr lang="en-US" altLang="zh-CN" sz="1100" u="none" strike="noStrike" dirty="0">
+                          <a:effectLst/>
+                        </a:rPr>
+                        <a:t>0</a:t>
+                      </a:r>
+                      <a:endParaRPr lang="en-US" altLang="zh-CN" sz="1100" b="0" i="0" u="none" strike="noStrike" dirty="0">
+                        <a:solidFill>
+                          <a:srgbClr val="006100"/>
+                        </a:solidFill>
+                        <a:effectLst/>
+                        <a:latin typeface="等线" panose="02010600030101010101" pitchFamily="2" charset="-122"/>
+                        <a:ea typeface="等线" panose="02010600030101010101" pitchFamily="2" charset="-122"/>
+                      </a:endParaRPr>
+                    </a:p>
+                  </a:txBody>
+                  <a:tcPr marL="9525" marR="9525" marT="9525" marB="0" anchor="b"/>
+                </a:tc>
+                <a:extLst>
+                  <a:ext uri="{0D108BD9-81ED-4DB2-BD59-A6C34878D82A}">
+                    <a16:rowId xmlns:a16="http://schemas.microsoft.com/office/drawing/2014/main" val="2316491005"/>
+                  </a:ext>
+                </a:extLst>
+              </a:tr>
+            </a:tbl>
+          </a:graphicData>
+        </a:graphic>
+      </p:graphicFrame>
+      <p:graphicFrame>
+        <p:nvGraphicFramePr>
+          <p:cNvPr id="11" name="表格 10">
+            <a:extLst>
+              <a:ext uri="{FF2B5EF4-FFF2-40B4-BE49-F238E27FC236}">
+                <a16:creationId xmlns:a16="http://schemas.microsoft.com/office/drawing/2014/main" id="{647223E9-39E0-424F-A4DC-162488535802}"/>
+              </a:ext>
+            </a:extLst>
+          </p:cNvPr>
+          <p:cNvGraphicFramePr>
+            <a:graphicFrameLocks noGrp="1"/>
+          </p:cNvGraphicFramePr>
+          <p:nvPr>
+            <p:extLst>
+              <p:ext uri="{D42A27DB-BD31-4B8C-83A1-F6EECF244321}">
+                <p14:modId xmlns:p14="http://schemas.microsoft.com/office/powerpoint/2010/main" val="1525878151"/>
+              </p:ext>
+            </p:extLst>
+          </p:nvPr>
+        </p:nvGraphicFramePr>
+        <p:xfrm>
+          <a:off x="2006600" y="4934300"/>
+          <a:ext cx="8178801" cy="904875"/>
+        </p:xfrm>
+        <a:graphic>
+          <a:graphicData uri="http://schemas.openxmlformats.org/drawingml/2006/table">
+            <a:tbl>
+              <a:tblPr>
+                <a:tableStyleId>{5C22544A-7EE6-4342-B048-85BDC9FD1C3A}</a:tableStyleId>
+              </a:tblPr>
+              <a:tblGrid>
+                <a:gridCol w="1055382">
+                  <a:extLst>
+                    <a:ext uri="{9D8B030D-6E8A-4147-A177-3AD203B41FA5}">
+                      <a16:colId xmlns:a16="http://schemas.microsoft.com/office/drawing/2014/main" val="1488837349"/>
+                    </a:ext>
+                  </a:extLst>
+                </a:gridCol>
+                <a:gridCol w="1157680">
+                  <a:extLst>
+                    <a:ext uri="{9D8B030D-6E8A-4147-A177-3AD203B41FA5}">
+                      <a16:colId xmlns:a16="http://schemas.microsoft.com/office/drawing/2014/main" val="357464551"/>
+                    </a:ext>
+                  </a:extLst>
+                </a:gridCol>
+                <a:gridCol w="1568742">
+                  <a:extLst>
+                    <a:ext uri="{9D8B030D-6E8A-4147-A177-3AD203B41FA5}">
+                      <a16:colId xmlns:a16="http://schemas.microsoft.com/office/drawing/2014/main" val="2933785966"/>
+                    </a:ext>
+                  </a:extLst>
+                </a:gridCol>
+                <a:gridCol w="947956">
+                  <a:extLst>
+                    <a:ext uri="{9D8B030D-6E8A-4147-A177-3AD203B41FA5}">
+                      <a16:colId xmlns:a16="http://schemas.microsoft.com/office/drawing/2014/main" val="3469962746"/>
+                    </a:ext>
+                  </a:extLst>
+                </a:gridCol>
+                <a:gridCol w="981512">
+                  <a:extLst>
+                    <a:ext uri="{9D8B030D-6E8A-4147-A177-3AD203B41FA5}">
+                      <a16:colId xmlns:a16="http://schemas.microsoft.com/office/drawing/2014/main" val="1065947390"/>
+                    </a:ext>
+                  </a:extLst>
+                </a:gridCol>
+                <a:gridCol w="1098957">
+                  <a:extLst>
+                    <a:ext uri="{9D8B030D-6E8A-4147-A177-3AD203B41FA5}">
+                      <a16:colId xmlns:a16="http://schemas.microsoft.com/office/drawing/2014/main" val="3302582777"/>
+                    </a:ext>
+                  </a:extLst>
+                </a:gridCol>
+                <a:gridCol w="1368572">
+                  <a:extLst>
+                    <a:ext uri="{9D8B030D-6E8A-4147-A177-3AD203B41FA5}">
+                      <a16:colId xmlns:a16="http://schemas.microsoft.com/office/drawing/2014/main" val="877290342"/>
+                    </a:ext>
+                  </a:extLst>
+                </a:gridCol>
+              </a:tblGrid>
+              <a:tr h="180975">
+                <a:tc>
+                  <a:txBody>
+                    <a:bodyPr/>
+                    <a:lstStyle/>
+                    <a:p>
+                      <a:pPr algn="l" fontAlgn="b"/>
+                      <a:r>
+                        <a:rPr lang="en-US" sz="1100" u="none" strike="noStrike">
+                          <a:effectLst/>
+                        </a:rPr>
+                        <a:t>Algorithm</a:t>
+                      </a:r>
+                      <a:endParaRPr lang="en-US" sz="1100" b="0" i="0" u="none" strike="noStrike">
+                        <a:solidFill>
+                          <a:srgbClr val="000000"/>
+                        </a:solidFill>
+                        <a:effectLst/>
+                        <a:latin typeface="等线" panose="02010600030101010101" pitchFamily="2" charset="-122"/>
+                        <a:ea typeface="等线" panose="02010600030101010101" pitchFamily="2" charset="-122"/>
+                      </a:endParaRPr>
+                    </a:p>
+                  </a:txBody>
+                  <a:tcPr marL="9525" marR="9525" marT="9525" marB="0" anchor="b"/>
+                </a:tc>
+                <a:tc>
+                  <a:txBody>
+                    <a:bodyPr/>
+                    <a:lstStyle/>
+                    <a:p>
+                      <a:pPr algn="l" fontAlgn="b"/>
+                      <a:r>
+                        <a:rPr lang="en-US" sz="1100" u="none" strike="noStrike">
+                          <a:effectLst/>
+                        </a:rPr>
+                        <a:t>Time</a:t>
+                      </a:r>
+                      <a:endParaRPr lang="en-US" sz="1100" b="0" i="0" u="none" strike="noStrike">
+                        <a:solidFill>
+                          <a:srgbClr val="000000"/>
+                        </a:solidFill>
+                        <a:effectLst/>
+                        <a:latin typeface="等线" panose="02010600030101010101" pitchFamily="2" charset="-122"/>
+                        <a:ea typeface="等线" panose="02010600030101010101" pitchFamily="2" charset="-122"/>
+                      </a:endParaRPr>
+                    </a:p>
+                  </a:txBody>
+                  <a:tcPr marL="9525" marR="9525" marT="9525" marB="0" anchor="b"/>
+                </a:tc>
+                <a:tc>
+                  <a:txBody>
+                    <a:bodyPr/>
+                    <a:lstStyle/>
+                    <a:p>
+                      <a:pPr algn="l" fontAlgn="b"/>
+                      <a:r>
+                        <a:rPr lang="en-US" sz="1100" u="none" strike="noStrike">
+                          <a:effectLst/>
+                        </a:rPr>
+                        <a:t>DR</a:t>
+                      </a:r>
+                      <a:endParaRPr lang="en-US" sz="1100" b="0" i="0" u="none" strike="noStrike">
+                        <a:solidFill>
+                          <a:srgbClr val="000000"/>
+                        </a:solidFill>
+                        <a:effectLst/>
+                        <a:latin typeface="等线" panose="02010600030101010101" pitchFamily="2" charset="-122"/>
+                        <a:ea typeface="等线" panose="02010600030101010101" pitchFamily="2" charset="-122"/>
+                      </a:endParaRPr>
+                    </a:p>
+                  </a:txBody>
+                  <a:tcPr marL="9525" marR="9525" marT="9525" marB="0" anchor="b"/>
+                </a:tc>
+                <a:tc>
+                  <a:txBody>
+                    <a:bodyPr/>
+                    <a:lstStyle/>
+                    <a:p>
+                      <a:pPr algn="l" fontAlgn="b"/>
+                      <a:r>
+                        <a:rPr lang="en-US" sz="1100" u="none" strike="noStrike">
+                          <a:effectLst/>
+                        </a:rPr>
+                        <a:t>Validation</a:t>
+                      </a:r>
+                      <a:endParaRPr lang="en-US" sz="1100" b="0" i="0" u="none" strike="noStrike">
+                        <a:solidFill>
+                          <a:srgbClr val="000000"/>
+                        </a:solidFill>
+                        <a:effectLst/>
+                        <a:latin typeface="等线" panose="02010600030101010101" pitchFamily="2" charset="-122"/>
+                        <a:ea typeface="等线" panose="02010600030101010101" pitchFamily="2" charset="-122"/>
+                      </a:endParaRPr>
+                    </a:p>
+                  </a:txBody>
+                  <a:tcPr marL="9525" marR="9525" marT="9525" marB="0" anchor="b"/>
+                </a:tc>
+                <a:tc>
+                  <a:txBody>
+                    <a:bodyPr/>
+                    <a:lstStyle/>
+                    <a:p>
+                      <a:pPr algn="l" fontAlgn="b"/>
+                      <a:r>
+                        <a:rPr lang="en-US" sz="1100" u="none" strike="noStrike">
+                          <a:effectLst/>
+                        </a:rPr>
+                        <a:t>Classifier</a:t>
+                      </a:r>
+                      <a:endParaRPr lang="en-US" sz="1100" b="0" i="0" u="none" strike="noStrike">
+                        <a:solidFill>
+                          <a:srgbClr val="000000"/>
+                        </a:solidFill>
+                        <a:effectLst/>
+                        <a:latin typeface="等线" panose="02010600030101010101" pitchFamily="2" charset="-122"/>
+                        <a:ea typeface="等线" panose="02010600030101010101" pitchFamily="2" charset="-122"/>
+                      </a:endParaRPr>
+                    </a:p>
+                  </a:txBody>
+                  <a:tcPr marL="9525" marR="9525" marT="9525" marB="0" anchor="b"/>
+                </a:tc>
+                <a:tc>
+                  <a:txBody>
+                    <a:bodyPr/>
+                    <a:lstStyle/>
+                    <a:p>
+                      <a:pPr algn="l" fontAlgn="b"/>
+                      <a:r>
+                        <a:rPr lang="en-US" sz="1100" u="none" strike="noStrike">
+                          <a:effectLst/>
+                        </a:rPr>
+                        <a:t>AC</a:t>
+                      </a:r>
+                      <a:endParaRPr lang="en-US" sz="1100" b="0" i="0" u="none" strike="noStrike">
+                        <a:solidFill>
+                          <a:srgbClr val="000000"/>
+                        </a:solidFill>
+                        <a:effectLst/>
+                        <a:latin typeface="等线" panose="02010600030101010101" pitchFamily="2" charset="-122"/>
+                        <a:ea typeface="等线" panose="02010600030101010101" pitchFamily="2" charset="-122"/>
+                      </a:endParaRPr>
+                    </a:p>
+                  </a:txBody>
+                  <a:tcPr marL="9525" marR="9525" marT="9525" marB="0" anchor="b"/>
+                </a:tc>
+                <a:tc>
+                  <a:txBody>
+                    <a:bodyPr/>
+                    <a:lstStyle/>
+                    <a:p>
+                      <a:pPr algn="l" fontAlgn="b"/>
+                      <a:r>
+                        <a:rPr lang="en-US" sz="1100" u="none" strike="noStrike">
+                          <a:effectLst/>
+                        </a:rPr>
+                        <a:t>Acc Delta</a:t>
+                      </a:r>
+                      <a:endParaRPr lang="en-US" sz="1100" b="0" i="0" u="none" strike="noStrike">
+                        <a:solidFill>
+                          <a:srgbClr val="000000"/>
+                        </a:solidFill>
+                        <a:effectLst/>
+                        <a:latin typeface="等线" panose="02010600030101010101" pitchFamily="2" charset="-122"/>
+                        <a:ea typeface="等线" panose="02010600030101010101" pitchFamily="2" charset="-122"/>
+                      </a:endParaRPr>
+                    </a:p>
+                  </a:txBody>
+                  <a:tcPr marL="9525" marR="9525" marT="9525" marB="0" anchor="b"/>
+                </a:tc>
+                <a:extLst>
+                  <a:ext uri="{0D108BD9-81ED-4DB2-BD59-A6C34878D82A}">
+                    <a16:rowId xmlns:a16="http://schemas.microsoft.com/office/drawing/2014/main" val="3710296805"/>
+                  </a:ext>
+                </a:extLst>
+              </a:tr>
+              <a:tr h="180975">
+                <a:tc>
+                  <a:txBody>
+                    <a:bodyPr/>
+                    <a:lstStyle/>
+                    <a:p>
+                      <a:pPr algn="l" fontAlgn="b"/>
+                      <a:r>
+                        <a:rPr lang="en-US" sz="1100" u="none" strike="noStrike">
+                          <a:effectLst/>
+                        </a:rPr>
+                        <a:t>EFSFOA</a:t>
+                      </a:r>
+                      <a:endParaRPr lang="en-US" sz="1100" b="0" i="0" u="none" strike="noStrike">
+                        <a:solidFill>
+                          <a:srgbClr val="000000"/>
+                        </a:solidFill>
+                        <a:effectLst/>
+                        <a:latin typeface="等线" panose="02010600030101010101" pitchFamily="2" charset="-122"/>
+                        <a:ea typeface="等线" panose="02010600030101010101" pitchFamily="2" charset="-122"/>
+                      </a:endParaRPr>
+                    </a:p>
+                  </a:txBody>
+                  <a:tcPr marL="9525" marR="9525" marT="9525" marB="0" anchor="b"/>
+                </a:tc>
+                <a:tc>
+                  <a:txBody>
+                    <a:bodyPr/>
+                    <a:lstStyle/>
+                    <a:p>
+                      <a:pPr algn="r" fontAlgn="b"/>
+                      <a:r>
+                        <a:rPr lang="en-US" altLang="zh-CN" sz="1100" u="none" strike="noStrike">
+                          <a:effectLst/>
+                        </a:rPr>
+                        <a:t>56.9013927</a:t>
+                      </a:r>
+                      <a:endParaRPr lang="en-US" altLang="zh-CN" sz="1100" b="0" i="0" u="none" strike="noStrike">
+                        <a:solidFill>
+                          <a:srgbClr val="000000"/>
+                        </a:solidFill>
+                        <a:effectLst/>
+                        <a:latin typeface="等线" panose="02010600030101010101" pitchFamily="2" charset="-122"/>
+                        <a:ea typeface="等线" panose="02010600030101010101" pitchFamily="2" charset="-122"/>
+                      </a:endParaRPr>
+                    </a:p>
+                  </a:txBody>
+                  <a:tcPr marL="9525" marR="9525" marT="9525" marB="0" anchor="b"/>
+                </a:tc>
+                <a:tc>
+                  <a:txBody>
+                    <a:bodyPr/>
+                    <a:lstStyle/>
+                    <a:p>
+                      <a:pPr algn="r" fontAlgn="b"/>
+                      <a:r>
+                        <a:rPr lang="en-US" altLang="zh-CN" sz="1100" u="none" strike="noStrike">
+                          <a:effectLst/>
+                        </a:rPr>
+                        <a:t>0.384615385</a:t>
+                      </a:r>
+                      <a:endParaRPr lang="en-US" altLang="zh-CN" sz="1100" b="0" i="0" u="none" strike="noStrike">
+                        <a:solidFill>
+                          <a:srgbClr val="000000"/>
+                        </a:solidFill>
+                        <a:effectLst/>
+                        <a:latin typeface="等线" panose="02010600030101010101" pitchFamily="2" charset="-122"/>
+                        <a:ea typeface="等线" panose="02010600030101010101" pitchFamily="2" charset="-122"/>
+                      </a:endParaRPr>
+                    </a:p>
+                  </a:txBody>
+                  <a:tcPr marL="9525" marR="9525" marT="9525" marB="0" anchor="b"/>
+                </a:tc>
+                <a:tc>
+                  <a:txBody>
+                    <a:bodyPr/>
+                    <a:lstStyle/>
+                    <a:p>
+                      <a:pPr algn="l" fontAlgn="b"/>
+                      <a:r>
+                        <a:rPr lang="en-US" sz="1100" u="none" strike="noStrike">
+                          <a:effectLst/>
+                        </a:rPr>
+                        <a:t>10-fold</a:t>
+                      </a:r>
+                      <a:endParaRPr lang="en-US" sz="1100" b="0" i="0" u="none" strike="noStrike">
+                        <a:solidFill>
+                          <a:srgbClr val="000000"/>
+                        </a:solidFill>
+                        <a:effectLst/>
+                        <a:latin typeface="等线" panose="02010600030101010101" pitchFamily="2" charset="-122"/>
+                        <a:ea typeface="等线" panose="02010600030101010101" pitchFamily="2" charset="-122"/>
+                      </a:endParaRPr>
+                    </a:p>
+                  </a:txBody>
+                  <a:tcPr marL="9525" marR="9525" marT="9525" marB="0" anchor="b"/>
+                </a:tc>
+                <a:tc>
+                  <a:txBody>
+                    <a:bodyPr/>
+                    <a:lstStyle/>
+                    <a:p>
+                      <a:pPr algn="l" fontAlgn="b"/>
+                      <a:r>
+                        <a:rPr lang="en-US" sz="1100" u="none" strike="noStrike">
+                          <a:effectLst/>
+                        </a:rPr>
+                        <a:t>1nn</a:t>
+                      </a:r>
+                      <a:endParaRPr lang="en-US" sz="1100" b="0" i="0" u="none" strike="noStrike">
+                        <a:solidFill>
+                          <a:srgbClr val="000000"/>
+                        </a:solidFill>
+                        <a:effectLst/>
+                        <a:latin typeface="等线" panose="02010600030101010101" pitchFamily="2" charset="-122"/>
+                        <a:ea typeface="等线" panose="02010600030101010101" pitchFamily="2" charset="-122"/>
+                      </a:endParaRPr>
+                    </a:p>
+                  </a:txBody>
+                  <a:tcPr marL="9525" marR="9525" marT="9525" marB="0" anchor="b"/>
+                </a:tc>
+                <a:tc>
+                  <a:txBody>
+                    <a:bodyPr/>
+                    <a:lstStyle/>
+                    <a:p>
+                      <a:pPr algn="r" fontAlgn="b"/>
+                      <a:r>
+                        <a:rPr lang="en-US" altLang="zh-CN" sz="1100" u="none" strike="noStrike">
+                          <a:effectLst/>
+                        </a:rPr>
+                        <a:t>0.777777778</a:t>
+                      </a:r>
+                      <a:endParaRPr lang="en-US" altLang="zh-CN" sz="1100" b="0" i="0" u="none" strike="noStrike">
+                        <a:solidFill>
+                          <a:srgbClr val="006100"/>
+                        </a:solidFill>
+                        <a:effectLst/>
+                        <a:latin typeface="等线" panose="02010600030101010101" pitchFamily="2" charset="-122"/>
+                        <a:ea typeface="等线" panose="02010600030101010101" pitchFamily="2" charset="-122"/>
+                      </a:endParaRPr>
+                    </a:p>
+                  </a:txBody>
+                  <a:tcPr marL="9525" marR="9525" marT="9525" marB="0" anchor="b"/>
+                </a:tc>
+                <a:tc>
+                  <a:txBody>
+                    <a:bodyPr/>
+                    <a:lstStyle/>
+                    <a:p>
+                      <a:pPr algn="r" fontAlgn="b"/>
+                      <a:r>
+                        <a:rPr lang="en-US" altLang="zh-CN" sz="1100" u="none" strike="noStrike">
+                          <a:effectLst/>
+                        </a:rPr>
+                        <a:t>0</a:t>
+                      </a:r>
+                      <a:endParaRPr lang="en-US" altLang="zh-CN" sz="1100" b="0" i="0" u="none" strike="noStrike">
+                        <a:solidFill>
+                          <a:srgbClr val="006100"/>
+                        </a:solidFill>
+                        <a:effectLst/>
+                        <a:latin typeface="等线" panose="02010600030101010101" pitchFamily="2" charset="-122"/>
+                        <a:ea typeface="等线" panose="02010600030101010101" pitchFamily="2" charset="-122"/>
+                      </a:endParaRPr>
+                    </a:p>
+                  </a:txBody>
+                  <a:tcPr marL="9525" marR="9525" marT="9525" marB="0" anchor="b"/>
+                </a:tc>
+                <a:extLst>
+                  <a:ext uri="{0D108BD9-81ED-4DB2-BD59-A6C34878D82A}">
+                    <a16:rowId xmlns:a16="http://schemas.microsoft.com/office/drawing/2014/main" val="2019617206"/>
+                  </a:ext>
+                </a:extLst>
+              </a:tr>
+              <a:tr h="180975">
+                <a:tc>
+                  <a:txBody>
+                    <a:bodyPr/>
+                    <a:lstStyle/>
+                    <a:p>
+                      <a:pPr algn="l" fontAlgn="b"/>
+                      <a:endParaRPr lang="zh-CN" altLang="en-US" sz="1100" b="0" i="0" u="none" strike="noStrike">
+                        <a:solidFill>
+                          <a:srgbClr val="000000"/>
+                        </a:solidFill>
+                        <a:effectLst/>
+                        <a:latin typeface="等线" panose="02010600030101010101" pitchFamily="2" charset="-122"/>
+                        <a:ea typeface="等线" panose="02010600030101010101" pitchFamily="2" charset="-122"/>
+                      </a:endParaRPr>
+                    </a:p>
+                  </a:txBody>
+                  <a:tcPr marL="9525" marR="9525" marT="9525" marB="0" anchor="b"/>
+                </a:tc>
+                <a:tc>
+                  <a:txBody>
+                    <a:bodyPr/>
+                    <a:lstStyle/>
+                    <a:p>
+                      <a:pPr algn="r" fontAlgn="b"/>
+                      <a:r>
+                        <a:rPr lang="en-US" altLang="zh-CN" sz="1100" u="none" strike="noStrike">
+                          <a:effectLst/>
+                        </a:rPr>
+                        <a:t>96.96909475</a:t>
+                      </a:r>
+                      <a:endParaRPr lang="en-US" altLang="zh-CN" sz="1100" b="0" i="0" u="none" strike="noStrike">
+                        <a:solidFill>
+                          <a:srgbClr val="000000"/>
+                        </a:solidFill>
+                        <a:effectLst/>
+                        <a:latin typeface="等线" panose="02010600030101010101" pitchFamily="2" charset="-122"/>
+                        <a:ea typeface="等线" panose="02010600030101010101" pitchFamily="2" charset="-122"/>
+                      </a:endParaRPr>
+                    </a:p>
+                  </a:txBody>
+                  <a:tcPr marL="9525" marR="9525" marT="9525" marB="0" anchor="b"/>
+                </a:tc>
+                <a:tc>
+                  <a:txBody>
+                    <a:bodyPr/>
+                    <a:lstStyle/>
+                    <a:p>
+                      <a:pPr algn="r" fontAlgn="b"/>
+                      <a:r>
+                        <a:rPr lang="en-US" altLang="zh-CN" sz="1100" u="none" strike="noStrike">
+                          <a:effectLst/>
+                        </a:rPr>
+                        <a:t>0.538461538</a:t>
+                      </a:r>
+                      <a:endParaRPr lang="en-US" altLang="zh-CN" sz="1100" b="0" i="0" u="none" strike="noStrike">
+                        <a:solidFill>
+                          <a:srgbClr val="000000"/>
+                        </a:solidFill>
+                        <a:effectLst/>
+                        <a:latin typeface="等线" panose="02010600030101010101" pitchFamily="2" charset="-122"/>
+                        <a:ea typeface="等线" panose="02010600030101010101" pitchFamily="2" charset="-122"/>
+                      </a:endParaRPr>
+                    </a:p>
+                  </a:txBody>
+                  <a:tcPr marL="9525" marR="9525" marT="9525" marB="0" anchor="b"/>
+                </a:tc>
+                <a:tc>
+                  <a:txBody>
+                    <a:bodyPr/>
+                    <a:lstStyle/>
+                    <a:p>
+                      <a:pPr algn="l" fontAlgn="b"/>
+                      <a:r>
+                        <a:rPr lang="en-US" sz="1100" u="none" strike="noStrike">
+                          <a:effectLst/>
+                        </a:rPr>
+                        <a:t>10-fold</a:t>
+                      </a:r>
+                      <a:endParaRPr lang="en-US" sz="1100" b="0" i="0" u="none" strike="noStrike">
+                        <a:solidFill>
+                          <a:srgbClr val="000000"/>
+                        </a:solidFill>
+                        <a:effectLst/>
+                        <a:latin typeface="等线" panose="02010600030101010101" pitchFamily="2" charset="-122"/>
+                        <a:ea typeface="等线" panose="02010600030101010101" pitchFamily="2" charset="-122"/>
+                      </a:endParaRPr>
+                    </a:p>
+                  </a:txBody>
+                  <a:tcPr marL="9525" marR="9525" marT="9525" marB="0" anchor="b"/>
+                </a:tc>
+                <a:tc>
+                  <a:txBody>
+                    <a:bodyPr/>
+                    <a:lstStyle/>
+                    <a:p>
+                      <a:pPr algn="l" fontAlgn="b"/>
+                      <a:r>
+                        <a:rPr lang="en-US" sz="1100" u="none" strike="noStrike">
+                          <a:effectLst/>
+                        </a:rPr>
+                        <a:t>5nn</a:t>
+                      </a:r>
+                      <a:endParaRPr lang="en-US" sz="1100" b="0" i="0" u="none" strike="noStrike">
+                        <a:solidFill>
+                          <a:srgbClr val="000000"/>
+                        </a:solidFill>
+                        <a:effectLst/>
+                        <a:latin typeface="等线" panose="02010600030101010101" pitchFamily="2" charset="-122"/>
+                        <a:ea typeface="等线" panose="02010600030101010101" pitchFamily="2" charset="-122"/>
+                      </a:endParaRPr>
+                    </a:p>
+                  </a:txBody>
+                  <a:tcPr marL="9525" marR="9525" marT="9525" marB="0" anchor="b"/>
+                </a:tc>
+                <a:tc>
+                  <a:txBody>
+                    <a:bodyPr/>
+                    <a:lstStyle/>
+                    <a:p>
+                      <a:pPr algn="r" fontAlgn="b"/>
+                      <a:r>
+                        <a:rPr lang="en-US" altLang="zh-CN" sz="1100" u="none" strike="noStrike">
+                          <a:effectLst/>
+                        </a:rPr>
+                        <a:t>0.796296296</a:t>
+                      </a:r>
+                      <a:endParaRPr lang="en-US" altLang="zh-CN" sz="1100" b="0" i="0" u="none" strike="noStrike">
+                        <a:solidFill>
+                          <a:srgbClr val="000000"/>
+                        </a:solidFill>
+                        <a:effectLst/>
+                        <a:latin typeface="等线" panose="02010600030101010101" pitchFamily="2" charset="-122"/>
+                        <a:ea typeface="等线" panose="02010600030101010101" pitchFamily="2" charset="-122"/>
+                      </a:endParaRPr>
+                    </a:p>
+                  </a:txBody>
+                  <a:tcPr marL="9525" marR="9525" marT="9525" marB="0" anchor="b"/>
+                </a:tc>
+                <a:tc>
+                  <a:txBody>
+                    <a:bodyPr/>
+                    <a:lstStyle/>
+                    <a:p>
+                      <a:pPr algn="r" fontAlgn="b"/>
+                      <a:r>
+                        <a:rPr lang="en-US" altLang="zh-CN" sz="1100" u="none" strike="noStrike">
+                          <a:effectLst/>
+                        </a:rPr>
+                        <a:t>5.701754386</a:t>
+                      </a:r>
+                      <a:endParaRPr lang="en-US" altLang="zh-CN" sz="1100" b="0" i="0" u="none" strike="noStrike">
+                        <a:solidFill>
+                          <a:srgbClr val="000000"/>
+                        </a:solidFill>
+                        <a:effectLst/>
+                        <a:latin typeface="等线" panose="02010600030101010101" pitchFamily="2" charset="-122"/>
+                        <a:ea typeface="等线" panose="02010600030101010101" pitchFamily="2" charset="-122"/>
+                      </a:endParaRPr>
+                    </a:p>
+                  </a:txBody>
+                  <a:tcPr marL="9525" marR="9525" marT="9525" marB="0" anchor="b"/>
+                </a:tc>
+                <a:extLst>
+                  <a:ext uri="{0D108BD9-81ED-4DB2-BD59-A6C34878D82A}">
+                    <a16:rowId xmlns:a16="http://schemas.microsoft.com/office/drawing/2014/main" val="631074522"/>
+                  </a:ext>
+                </a:extLst>
+              </a:tr>
+              <a:tr h="180975">
+                <a:tc>
+                  <a:txBody>
+                    <a:bodyPr/>
+                    <a:lstStyle/>
+                    <a:p>
+                      <a:pPr algn="l" fontAlgn="b"/>
+                      <a:endParaRPr lang="zh-CN" altLang="en-US" sz="1100" b="0" i="0" u="none" strike="noStrike">
+                        <a:solidFill>
+                          <a:srgbClr val="000000"/>
+                        </a:solidFill>
+                        <a:effectLst/>
+                        <a:latin typeface="等线" panose="02010600030101010101" pitchFamily="2" charset="-122"/>
+                        <a:ea typeface="等线" panose="02010600030101010101" pitchFamily="2" charset="-122"/>
+                      </a:endParaRPr>
+                    </a:p>
+                  </a:txBody>
+                  <a:tcPr marL="9525" marR="9525" marT="9525" marB="0" anchor="b"/>
+                </a:tc>
+                <a:tc>
+                  <a:txBody>
+                    <a:bodyPr/>
+                    <a:lstStyle/>
+                    <a:p>
+                      <a:pPr algn="r" fontAlgn="b"/>
+                      <a:r>
+                        <a:rPr lang="en-US" altLang="zh-CN" sz="1100" u="none" strike="noStrike">
+                          <a:effectLst/>
+                        </a:rPr>
+                        <a:t>1.091846704</a:t>
+                      </a:r>
+                      <a:endParaRPr lang="en-US" altLang="zh-CN" sz="1100" b="0" i="0" u="none" strike="noStrike">
+                        <a:solidFill>
+                          <a:srgbClr val="000000"/>
+                        </a:solidFill>
+                        <a:effectLst/>
+                        <a:latin typeface="等线" panose="02010600030101010101" pitchFamily="2" charset="-122"/>
+                        <a:ea typeface="等线" panose="02010600030101010101" pitchFamily="2" charset="-122"/>
+                      </a:endParaRPr>
+                    </a:p>
+                  </a:txBody>
+                  <a:tcPr marL="9525" marR="9525" marT="9525" marB="0" anchor="b"/>
+                </a:tc>
+                <a:tc>
+                  <a:txBody>
+                    <a:bodyPr/>
+                    <a:lstStyle/>
+                    <a:p>
+                      <a:pPr algn="r" fontAlgn="b"/>
+                      <a:r>
+                        <a:rPr lang="en-US" altLang="zh-CN" sz="1100" u="none" strike="noStrike">
+                          <a:effectLst/>
+                        </a:rPr>
+                        <a:t>0.307692308</a:t>
+                      </a:r>
+                      <a:endParaRPr lang="en-US" altLang="zh-CN" sz="1100" b="0" i="0" u="none" strike="noStrike">
+                        <a:solidFill>
+                          <a:srgbClr val="000000"/>
+                        </a:solidFill>
+                        <a:effectLst/>
+                        <a:latin typeface="等线" panose="02010600030101010101" pitchFamily="2" charset="-122"/>
+                        <a:ea typeface="等线" panose="02010600030101010101" pitchFamily="2" charset="-122"/>
+                      </a:endParaRPr>
+                    </a:p>
+                  </a:txBody>
+                  <a:tcPr marL="9525" marR="9525" marT="9525" marB="0" anchor="b"/>
+                </a:tc>
+                <a:tc>
+                  <a:txBody>
+                    <a:bodyPr/>
+                    <a:lstStyle/>
+                    <a:p>
+                      <a:pPr algn="l" fontAlgn="b"/>
+                      <a:r>
+                        <a:rPr lang="en-US" sz="1100" u="none" strike="noStrike">
+                          <a:effectLst/>
+                        </a:rPr>
+                        <a:t>10-fold</a:t>
+                      </a:r>
+                      <a:endParaRPr lang="en-US" sz="1100" b="0" i="0" u="none" strike="noStrike">
+                        <a:solidFill>
+                          <a:srgbClr val="000000"/>
+                        </a:solidFill>
+                        <a:effectLst/>
+                        <a:latin typeface="等线" panose="02010600030101010101" pitchFamily="2" charset="-122"/>
+                        <a:ea typeface="等线" panose="02010600030101010101" pitchFamily="2" charset="-122"/>
+                      </a:endParaRPr>
+                    </a:p>
+                  </a:txBody>
+                  <a:tcPr marL="9525" marR="9525" marT="9525" marB="0" anchor="b"/>
+                </a:tc>
+                <a:tc>
+                  <a:txBody>
+                    <a:bodyPr/>
+                    <a:lstStyle/>
+                    <a:p>
+                      <a:pPr algn="l" fontAlgn="b"/>
+                      <a:r>
+                        <a:rPr lang="en-US" sz="1100" u="none" strike="noStrike">
+                          <a:effectLst/>
+                        </a:rPr>
+                        <a:t>SVM</a:t>
+                      </a:r>
+                      <a:endParaRPr lang="en-US" sz="1100" b="0" i="0" u="none" strike="noStrike">
+                        <a:solidFill>
+                          <a:srgbClr val="000000"/>
+                        </a:solidFill>
+                        <a:effectLst/>
+                        <a:latin typeface="等线" panose="02010600030101010101" pitchFamily="2" charset="-122"/>
+                        <a:ea typeface="等线" panose="02010600030101010101" pitchFamily="2" charset="-122"/>
+                      </a:endParaRPr>
+                    </a:p>
+                  </a:txBody>
+                  <a:tcPr marL="9525" marR="9525" marT="9525" marB="0" anchor="b"/>
+                </a:tc>
+                <a:tc>
+                  <a:txBody>
+                    <a:bodyPr/>
+                    <a:lstStyle/>
+                    <a:p>
+                      <a:pPr algn="r" fontAlgn="b"/>
+                      <a:r>
+                        <a:rPr lang="en-US" altLang="zh-CN" sz="1100" u="none" strike="noStrike">
+                          <a:effectLst/>
+                        </a:rPr>
+                        <a:t>0.837037037</a:t>
+                      </a:r>
+                      <a:endParaRPr lang="en-US" altLang="zh-CN" sz="1100" b="0" i="0" u="none" strike="noStrike">
+                        <a:solidFill>
+                          <a:srgbClr val="000000"/>
+                        </a:solidFill>
+                        <a:effectLst/>
+                        <a:latin typeface="等线" panose="02010600030101010101" pitchFamily="2" charset="-122"/>
+                        <a:ea typeface="等线" panose="02010600030101010101" pitchFamily="2" charset="-122"/>
+                      </a:endParaRPr>
+                    </a:p>
+                  </a:txBody>
+                  <a:tcPr marL="9525" marR="9525" marT="9525" marB="0" anchor="b"/>
+                </a:tc>
+                <a:tc>
+                  <a:txBody>
+                    <a:bodyPr/>
+                    <a:lstStyle/>
+                    <a:p>
+                      <a:pPr algn="r" fontAlgn="b"/>
+                      <a:r>
+                        <a:rPr lang="en-US" altLang="zh-CN" sz="1100" u="none" strike="noStrike">
+                          <a:effectLst/>
+                        </a:rPr>
+                        <a:t>1.310043668</a:t>
+                      </a:r>
+                      <a:endParaRPr lang="en-US" altLang="zh-CN" sz="1100" b="0" i="0" u="none" strike="noStrike">
+                        <a:solidFill>
+                          <a:srgbClr val="000000"/>
+                        </a:solidFill>
+                        <a:effectLst/>
+                        <a:latin typeface="等线" panose="02010600030101010101" pitchFamily="2" charset="-122"/>
+                        <a:ea typeface="等线" panose="02010600030101010101" pitchFamily="2" charset="-122"/>
+                      </a:endParaRPr>
+                    </a:p>
+                  </a:txBody>
+                  <a:tcPr marL="9525" marR="9525" marT="9525" marB="0" anchor="b"/>
+                </a:tc>
+                <a:extLst>
+                  <a:ext uri="{0D108BD9-81ED-4DB2-BD59-A6C34878D82A}">
+                    <a16:rowId xmlns:a16="http://schemas.microsoft.com/office/drawing/2014/main" val="1258928257"/>
+                  </a:ext>
+                </a:extLst>
+              </a:tr>
+              <a:tr h="180975">
+                <a:tc>
+                  <a:txBody>
+                    <a:bodyPr/>
+                    <a:lstStyle/>
+                    <a:p>
+                      <a:pPr algn="l" fontAlgn="b"/>
+                      <a:endParaRPr lang="zh-CN" altLang="en-US" sz="1100" b="0" i="0" u="none" strike="noStrike">
+                        <a:solidFill>
+                          <a:srgbClr val="000000"/>
+                        </a:solidFill>
+                        <a:effectLst/>
+                        <a:latin typeface="等线" panose="02010600030101010101" pitchFamily="2" charset="-122"/>
+                        <a:ea typeface="等线" panose="02010600030101010101" pitchFamily="2" charset="-122"/>
+                      </a:endParaRPr>
+                    </a:p>
+                  </a:txBody>
+                  <a:tcPr marL="9525" marR="9525" marT="9525" marB="0" anchor="b"/>
+                </a:tc>
+                <a:tc>
+                  <a:txBody>
+                    <a:bodyPr/>
+                    <a:lstStyle/>
+                    <a:p>
+                      <a:pPr algn="r" fontAlgn="b"/>
+                      <a:r>
+                        <a:rPr lang="en-US" altLang="zh-CN" sz="1100" u="none" strike="noStrike">
+                          <a:effectLst/>
+                        </a:rPr>
+                        <a:t>0.453017712</a:t>
+                      </a:r>
+                      <a:endParaRPr lang="en-US" altLang="zh-CN" sz="1100" b="0" i="0" u="none" strike="noStrike">
+                        <a:solidFill>
+                          <a:srgbClr val="000000"/>
+                        </a:solidFill>
+                        <a:effectLst/>
+                        <a:latin typeface="等线" panose="02010600030101010101" pitchFamily="2" charset="-122"/>
+                        <a:ea typeface="等线" panose="02010600030101010101" pitchFamily="2" charset="-122"/>
+                      </a:endParaRPr>
+                    </a:p>
+                  </a:txBody>
+                  <a:tcPr marL="9525" marR="9525" marT="9525" marB="0" anchor="b"/>
+                </a:tc>
+                <a:tc>
+                  <a:txBody>
+                    <a:bodyPr/>
+                    <a:lstStyle/>
+                    <a:p>
+                      <a:pPr algn="r" fontAlgn="b"/>
+                      <a:r>
+                        <a:rPr lang="en-US" altLang="zh-CN" sz="1100" u="none" strike="noStrike">
+                          <a:effectLst/>
+                        </a:rPr>
+                        <a:t>0.692307692</a:t>
+                      </a:r>
+                      <a:endParaRPr lang="en-US" altLang="zh-CN" sz="1100" b="0" i="0" u="none" strike="noStrike">
+                        <a:solidFill>
+                          <a:srgbClr val="000000"/>
+                        </a:solidFill>
+                        <a:effectLst/>
+                        <a:latin typeface="等线" panose="02010600030101010101" pitchFamily="2" charset="-122"/>
+                        <a:ea typeface="等线" panose="02010600030101010101" pitchFamily="2" charset="-122"/>
+                      </a:endParaRPr>
+                    </a:p>
+                  </a:txBody>
+                  <a:tcPr marL="9525" marR="9525" marT="9525" marB="0" anchor="b"/>
+                </a:tc>
+                <a:tc>
+                  <a:txBody>
+                    <a:bodyPr/>
+                    <a:lstStyle/>
+                    <a:p>
+                      <a:pPr algn="l" fontAlgn="b"/>
+                      <a:r>
+                        <a:rPr lang="en-US" sz="1100" u="none" strike="noStrike">
+                          <a:effectLst/>
+                        </a:rPr>
+                        <a:t>10-fold </a:t>
+                      </a:r>
+                      <a:endParaRPr lang="en-US" sz="1100" b="0" i="0" u="none" strike="noStrike">
+                        <a:solidFill>
+                          <a:srgbClr val="000000"/>
+                        </a:solidFill>
+                        <a:effectLst/>
+                        <a:latin typeface="等线" panose="02010600030101010101" pitchFamily="2" charset="-122"/>
+                        <a:ea typeface="等线" panose="02010600030101010101" pitchFamily="2" charset="-122"/>
+                      </a:endParaRPr>
+                    </a:p>
+                  </a:txBody>
+                  <a:tcPr marL="9525" marR="9525" marT="9525" marB="0" anchor="b"/>
+                </a:tc>
+                <a:tc>
+                  <a:txBody>
+                    <a:bodyPr/>
+                    <a:lstStyle/>
+                    <a:p>
+                      <a:pPr algn="l" fontAlgn="b"/>
+                      <a:r>
+                        <a:rPr lang="en-US" sz="1100" u="none" strike="noStrike">
+                          <a:effectLst/>
+                        </a:rPr>
+                        <a:t>Cart</a:t>
+                      </a:r>
+                      <a:endParaRPr lang="en-US" sz="1100" b="0" i="0" u="none" strike="noStrike">
+                        <a:solidFill>
+                          <a:srgbClr val="000000"/>
+                        </a:solidFill>
+                        <a:effectLst/>
+                        <a:latin typeface="等线" panose="02010600030101010101" pitchFamily="2" charset="-122"/>
+                        <a:ea typeface="等线" panose="02010600030101010101" pitchFamily="2" charset="-122"/>
+                      </a:endParaRPr>
+                    </a:p>
+                  </a:txBody>
+                  <a:tcPr marL="9525" marR="9525" marT="9525" marB="0" anchor="b"/>
+                </a:tc>
+                <a:tc>
+                  <a:txBody>
+                    <a:bodyPr/>
+                    <a:lstStyle/>
+                    <a:p>
+                      <a:pPr algn="r" fontAlgn="b"/>
+                      <a:r>
+                        <a:rPr lang="en-US" altLang="zh-CN" sz="1100" u="none" strike="noStrike">
+                          <a:effectLst/>
+                        </a:rPr>
+                        <a:t>0.822222222</a:t>
+                      </a:r>
+                      <a:endParaRPr lang="en-US" altLang="zh-CN" sz="1100" b="0" i="0" u="none" strike="noStrike">
+                        <a:solidFill>
+                          <a:srgbClr val="006100"/>
+                        </a:solidFill>
+                        <a:effectLst/>
+                        <a:latin typeface="等线" panose="02010600030101010101" pitchFamily="2" charset="-122"/>
+                        <a:ea typeface="等线" panose="02010600030101010101" pitchFamily="2" charset="-122"/>
+                      </a:endParaRPr>
+                    </a:p>
+                  </a:txBody>
+                  <a:tcPr marL="9525" marR="9525" marT="9525" marB="0" anchor="b"/>
+                </a:tc>
+                <a:tc>
+                  <a:txBody>
+                    <a:bodyPr/>
+                    <a:lstStyle/>
+                    <a:p>
+                      <a:pPr algn="r" fontAlgn="b"/>
+                      <a:r>
+                        <a:rPr lang="en-US" altLang="zh-CN" sz="1100" u="none" strike="noStrike" dirty="0">
+                          <a:effectLst/>
+                        </a:rPr>
+                        <a:t>0</a:t>
+                      </a:r>
+                      <a:endParaRPr lang="en-US" altLang="zh-CN" sz="1100" b="0" i="0" u="none" strike="noStrike" dirty="0">
+                        <a:solidFill>
+                          <a:srgbClr val="006100"/>
+                        </a:solidFill>
+                        <a:effectLst/>
+                        <a:latin typeface="等线" panose="02010600030101010101" pitchFamily="2" charset="-122"/>
+                        <a:ea typeface="等线" panose="02010600030101010101" pitchFamily="2" charset="-122"/>
+                      </a:endParaRPr>
+                    </a:p>
+                  </a:txBody>
+                  <a:tcPr marL="9525" marR="9525" marT="9525" marB="0" anchor="b"/>
+                </a:tc>
+                <a:extLst>
+                  <a:ext uri="{0D108BD9-81ED-4DB2-BD59-A6C34878D82A}">
+                    <a16:rowId xmlns:a16="http://schemas.microsoft.com/office/drawing/2014/main" val="1266793687"/>
+                  </a:ext>
+                </a:extLst>
+              </a:tr>
+            </a:tbl>
+          </a:graphicData>
+        </a:graphic>
+      </p:graphicFrame>
+      <p:sp>
+        <p:nvSpPr>
+          <p:cNvPr id="4" name="矩形 3">
+            <a:extLst>
+              <a:ext uri="{FF2B5EF4-FFF2-40B4-BE49-F238E27FC236}">
+                <a16:creationId xmlns:a16="http://schemas.microsoft.com/office/drawing/2014/main" id="{C1B4B224-F9B0-4580-A0DD-FE278937C2A1}"/>
+              </a:ext>
+            </a:extLst>
+          </p:cNvPr>
+          <p:cNvSpPr/>
+          <p:nvPr/>
+        </p:nvSpPr>
+        <p:spPr>
+          <a:xfrm>
+            <a:off x="1632025" y="1605335"/>
+            <a:ext cx="1106778" cy="369332"/>
+          </a:xfrm>
+          <a:prstGeom prst="rect">
+            <a:avLst/>
+          </a:prstGeom>
+        </p:spPr>
+        <p:txBody>
+          <a:bodyPr wrap="none">
+            <a:spAutoFit/>
+          </a:bodyPr>
+          <a:lstStyle/>
+          <a:p>
+            <a:r>
+              <a:rPr lang="en-US" altLang="zh-CN" dirty="0" err="1"/>
+              <a:t>cleveland</a:t>
+            </a:r>
+            <a:endParaRPr lang="zh-CN" altLang="en-US" dirty="0"/>
+          </a:p>
+        </p:txBody>
+      </p:sp>
+      <p:sp>
+        <p:nvSpPr>
+          <p:cNvPr id="5" name="矩形 4">
+            <a:extLst>
+              <a:ext uri="{FF2B5EF4-FFF2-40B4-BE49-F238E27FC236}">
+                <a16:creationId xmlns:a16="http://schemas.microsoft.com/office/drawing/2014/main" id="{68478638-E9A5-48A2-A9CA-ADEDAF79ED5F}"/>
+              </a:ext>
+            </a:extLst>
+          </p:cNvPr>
+          <p:cNvSpPr/>
+          <p:nvPr/>
+        </p:nvSpPr>
+        <p:spPr>
+          <a:xfrm>
+            <a:off x="1632025" y="3043111"/>
+            <a:ext cx="1274708" cy="369332"/>
+          </a:xfrm>
+          <a:prstGeom prst="rect">
+            <a:avLst/>
+          </a:prstGeom>
+        </p:spPr>
+        <p:txBody>
+          <a:bodyPr wrap="none">
+            <a:spAutoFit/>
+          </a:bodyPr>
+          <a:lstStyle/>
+          <a:p>
+            <a:r>
+              <a:rPr lang="zh-CN" altLang="en-US" dirty="0"/>
+              <a:t>ionosphere</a:t>
+            </a:r>
+          </a:p>
+        </p:txBody>
+      </p:sp>
+      <p:sp>
+        <p:nvSpPr>
+          <p:cNvPr id="6" name="矩形 5">
+            <a:extLst>
+              <a:ext uri="{FF2B5EF4-FFF2-40B4-BE49-F238E27FC236}">
+                <a16:creationId xmlns:a16="http://schemas.microsoft.com/office/drawing/2014/main" id="{E59B815C-F993-441A-A787-45A8F6A4F42F}"/>
+              </a:ext>
+            </a:extLst>
+          </p:cNvPr>
+          <p:cNvSpPr/>
+          <p:nvPr/>
+        </p:nvSpPr>
+        <p:spPr>
+          <a:xfrm>
+            <a:off x="1632025" y="4483983"/>
+            <a:ext cx="705321" cy="369332"/>
+          </a:xfrm>
+          <a:prstGeom prst="rect">
+            <a:avLst/>
+          </a:prstGeom>
+        </p:spPr>
+        <p:txBody>
+          <a:bodyPr wrap="none">
+            <a:spAutoFit/>
+          </a:bodyPr>
+          <a:lstStyle/>
+          <a:p>
+            <a:r>
+              <a:rPr lang="zh-CN" altLang="en-US" dirty="0"/>
+              <a:t>heart</a:t>
+            </a:r>
+          </a:p>
+        </p:txBody>
+      </p:sp>
     </p:spTree>
     <p:extLst>
       <p:ext uri="{BB962C8B-B14F-4D97-AF65-F5344CB8AC3E}">
-        <p14:creationId xmlns:p14="http://schemas.microsoft.com/office/powerpoint/2010/main" val="3593800620"/>
+        <p14:creationId xmlns:p14="http://schemas.microsoft.com/office/powerpoint/2010/main" val="1488776655"/>
       </p:ext>
     </p:extLst>
   </p:cSld>
